--- a/lectures/10_gmm_annotated.pptx
+++ b/lectures/10_gmm_annotated.pptx
@@ -5,7 +5,7 @@
     <p:sldMasterId id="2147483660" r:id="rId1"/>
   </p:sldMasterIdLst>
   <p:notesMasterIdLst>
-    <p:notesMasterId r:id="rId31"/>
+    <p:notesMasterId r:id="rId26"/>
   </p:notesMasterIdLst>
   <p:sldIdLst>
     <p:sldId id="256" r:id="rId2"/>
@@ -27,16 +27,11 @@
     <p:sldId id="525" r:id="rId18"/>
     <p:sldId id="526" r:id="rId19"/>
     <p:sldId id="527" r:id="rId20"/>
-    <p:sldId id="528" r:id="rId21"/>
-    <p:sldId id="529" r:id="rId22"/>
-    <p:sldId id="530" r:id="rId23"/>
-    <p:sldId id="534" r:id="rId24"/>
-    <p:sldId id="533" r:id="rId25"/>
-    <p:sldId id="531" r:id="rId26"/>
-    <p:sldId id="532" r:id="rId27"/>
-    <p:sldId id="535" r:id="rId28"/>
-    <p:sldId id="536" r:id="rId29"/>
-    <p:sldId id="508" r:id="rId30"/>
+    <p:sldId id="537" r:id="rId21"/>
+    <p:sldId id="538" r:id="rId22"/>
+    <p:sldId id="535" r:id="rId23"/>
+    <p:sldId id="536" r:id="rId24"/>
+    <p:sldId id="508" r:id="rId25"/>
   </p:sldIdLst>
   <p:sldSz cx="9144000" cy="6858000" type="screen4x3"/>
   <p:notesSz cx="6858000" cy="9144000"/>
@@ -1341,6 +1336,716 @@
 </inkml:ink>
 </file>
 
+<file path=ppt/ink/ink10.xml><?xml version="1.0" encoding="utf-8"?>
+<inkml:ink xmlns:inkml="http://www.w3.org/2003/InkML">
+  <inkml:definitions>
+    <inkml:context xml:id="ctx0">
+      <inkml:inkSource xml:id="inkSrc0">
+        <inkml:traceFormat>
+          <inkml:channel name="X" type="integer" min="-2.14748E9" max="2.14748E9" units="cm"/>
+          <inkml:channel name="Y" type="integer" min="-2.14748E9" max="2.14748E9" units="cm"/>
+          <inkml:channel name="F" type="integer" max="32767" units="dev"/>
+        </inkml:traceFormat>
+        <inkml:channelProperties>
+          <inkml:channelProperty channel="X" name="resolution" value="1000" units="1/cm"/>
+          <inkml:channelProperty channel="Y" name="resolution" value="1000" units="1/cm"/>
+          <inkml:channelProperty channel="F" name="resolution" value="0" units="1/dev"/>
+        </inkml:channelProperties>
+      </inkml:inkSource>
+      <inkml:timestamp xml:id="ts0" timeString="2022-10-27T18:26:20.700"/>
+    </inkml:context>
+    <inkml:brush xml:id="br0">
+      <inkml:brushProperty name="width" value="0.05292" units="cm"/>
+      <inkml:brushProperty name="height" value="0.05292" units="cm"/>
+      <inkml:brushProperty name="color" value="#FF0000"/>
+    </inkml:brush>
+  </inkml:definitions>
+  <inkml:trace contextRef="#ctx0" brushRef="#br0">7778 10594 7533,'-31'21'1092,"-1"0"0,3-2 0,14-5-51,42-14-1041,-6-9 360,23-9-450,-18-7 90,10-11-90,-16 9 0,1-6 0,-1 2-1549,4-5 1,0 0 1317,-2 1 0,0-2 0,-1 4 366,-3 5 0,0 1-1066,5-10 0,-3 1 1111,0-1-315,0 2 1,-2 1 1264,-12 9-1130,3 2 90,-9 14-90,-5 5 1580,-4 12-1580,-1 6 180,-4 6-135,5 9 0,1 2 135,-4 9 671,5 4 1,1 0-672,2 3 0,3-20 0,2 3 45,0 14 0,2-1-45,1-16 0,1 0-135,1 24 0,3-2-885,9-8 930,1-1-144,4-13 54,-4-12 90,4-1-90,0-10 45,-3-19 0,0-7-90,-6 0 0,-1-3 534,8-16 1,-2-2-445,-11 11 0,-2 1-135,1 2 0,0 1-45,-3 0 0,1 2 225,4-16-809,-4-3-1991,4 6 2530,-8 21-180,3-12-147,-4 20 507,0 0-90,0 6-539,4 8 539,-3 2 180,3 3 440,-4-4-440,0 3 0,-4 2 0,-1 4 0</inkml:trace>
+  <inkml:trace contextRef="#ctx0" brushRef="#br0" timeOffset="669">8541 10046 7533,'0'-11'-1619,"-4"3"1619,3 4 449,-8-1-539,8-1 540,-3 2 90,0 4 0,3 0-1,-7 4-449,3 2 1889,-13 32-1619,2-1-387,5-6 1,0 2 206,1-4 0,1-2-180,-5 16 225,6-10 0,2-1-45,1 3-90,2-7 0,2 0 90,1 1-270,1 1 0,2 1 90,6 13-90,-2 6-540,13-15 91,-8-24 359,6 2-1349,8-17 899,-14-2 90,10-12 540,-13 8 0,5-12 0,0 3 0</inkml:trace>
+  <inkml:trace contextRef="#ctx0" brushRef="#br0" timeOffset="998">8755 10399 7533,'0'9'-1260,"4"1"991,-3 3 179,3-7 90,-4 11 0,4-7 0,-3 0 0,8-1 0,-8-9 0,3 0 0,-4 0 0</inkml:trace>
+  <inkml:trace contextRef="#ctx0" brushRef="#br0" timeOffset="3016">8820 10390 7533,'-9'0'899,"4"0"-359,-4 0-360,8 0 270,-7 8-271,7-2-89,-7 12 90,7-8-90,-8 20 90,8-4 0,-3 19 0,4-2 0,0-1-45,0-15 0,0 0-315,0 9-180,4 9 270,-3-26-540,12-1 361,-11-9-721,19-8 360,-10-10-179,12-11 809,-9-8 0,0 0 0,-5 0 0</inkml:trace>
+  <inkml:trace contextRef="#ctx0" brushRef="#br0" timeOffset="3212">8755 10120 7533,'-9'0'2608,"3"4"-1798,2 10 269,4 18-809,0-6-90,0 5-180,4-9 180,2-10-1260,11 13 1080,-5-13-1349,9 1 270,-2-5 1079,1-7 0,2 8 0,-3-4 0</inkml:trace>
+  <inkml:trace contextRef="#ctx0" brushRef="#br0" timeOffset="4386">9313 10008 7533,'-14'5'1979,"5"0"-2249,9-1 360,5-3 90,4 3 269,9-4-89,1 0 45,12-2 0,4 0-315,10 1-851,-13-1 1,-1 0 760,0 2 179,0-5-1168,16 0-540,-6 0 1529,3 1 0,-29 8 0,-7 1 0</inkml:trace>
+  <inkml:trace contextRef="#ctx0" brushRef="#br0" timeOffset="4616">9323 10427 7533,'-10'9'449,"18"1"1890,24-5-1440,-2-10 1,2-3-540,20 0-315,-26-3 0,-1 0 225,6 2-900,-5 0 360,14 4 360,-11 0-1529,-1 5-720,15 0 1709,-19 0 450,11 0 0,-17-4 0,-4-1 0</inkml:trace>
+  <inkml:trace contextRef="#ctx0" brushRef="#br0" timeOffset="9366">11248 9646 7533,'-5'5'359,"1"-1"181,4-4-90,8-4-3727,2 3 3022,5-3 318,19 4 296,-15 0 91,16 0 0,0 0 0,4 0-91,9-5-494,-20 3 1,-2-1-1453,5-2 1317,4 1 1767,-12 0-3656,5 3 1709,-8 1 896,2 5 1,-17 4 0,-1 1 0</inkml:trace>
+  <inkml:trace contextRef="#ctx0" brushRef="#br0" timeOffset="9850">11397 9646 4800,'-20'9'-449,"3"-4"89,8 3 2160,-1 2-1260,5 4-2829,1 5 2379,4-9 1442,12 7-1082,-4-11-1074,26 11 445,-17-6 248,23 6 111,-20-6-360,7 2 1996,12 13-1996,-6-9-225,-11 1 1,1 0-496,9 5 720,-16-7 796,-4 0-796,-16-6 3456,-10 4-3168,3-4 86,-11 3-194,-13-4 11,11 1-101,-8 1 0,0 0-270,7 1 135,-7 2 0,0 2-45,9 0-359,-21 11 719,29-13 0,1-4-270,10-2 450,4-3 629,12 4-539,-4-3-3032,22-2 2851,-14-4 797,32 0-706,-29 0-1,20 0-89,-29 0 90,8-4-2714,8 3 2624,-4-4-962,5 5 423,-9 0 269,-4 0-540,5 0 2459,-1 0-2189,5 0-899,-3 0 1327,7 0 1,-12-4 0,3-1-1</inkml:trace>
+  <inkml:trace contextRef="#ctx0" brushRef="#br0" timeOffset="11312">11165 10343 7533,'-5'0'-630,"-3"4"540,7-3 540,-3 8 179,4-4-269,-5 8 0,4 2-270,-3-1 180,4 0 0,0 7-360,0-8 270,0 8-360,0 1 180,0-5-720,0 10 630,0-13-449,0-1 359,0-7-1080,4-6 1080,-3-6 180,4-7 0,-1-1 0,1-5 0</inkml:trace>
+  <inkml:trace contextRef="#ctx0" brushRef="#br0" timeOffset="11506">11184 10371 8702,'10'5'360,"10"12"-360,-12-10 0,9 11-90,-12-13 270,3 3-360,-3 1 180,1 2-270,2 6 270,-3-6-90,0 6-450,3-7 181,-6 4-631,10-9 990,-2-1 0,5-4 0,-2 0 0</inkml:trace>
+  <inkml:trace contextRef="#ctx0" brushRef="#br0" timeOffset="11754">11472 10418 7533,'-6'0'1349,"2"0"-989,4 4-180,0-3 89,8 3 91,-1-4-809,14 0-631,-1 0 900,0-4 180,1 3 0,-14-3 0,1 4 0</inkml:trace>
+  <inkml:trace contextRef="#ctx0" brushRef="#br0" timeOffset="11920">11527 10539 7533,'-5'9'1709,"1"-4"-1349,4-1-181,4-4-448,6 0 179,0 0-990,16-8 1,-14-2 449,14-5 630,-3-7 0,-3 3 0,7-9 0</inkml:trace>
+  <inkml:trace contextRef="#ctx0" brushRef="#br0" timeOffset="12123">11816 10297 7623,'-5'9'2788,"-4"4"-2428,8-2 90,-3 2-181,4 9-448,0 19-901,4-4 181,2 8 629,-1-27-540,3-4 810,-7-9 0,12 3 0,-3-2 0</inkml:trace>
+  <inkml:trace contextRef="#ctx0" brushRef="#br0" timeOffset="13503">11472 8986 7533,'0'19'1799,"0"-1"-1619,0-5-90,0 2 89,0 3 181,-5 9-450,4-6 90,-7 14 180,3-10-1819,-4 7 1,0 1-146,2-1 1694,-3 3 0,-1-2 322,5-11-861,-7 5-990,3-1 1619,-3-14 0,3 2 0,-4-15 0</inkml:trace>
+  <inkml:trace contextRef="#ctx0" brushRef="#br0" timeOffset="13717">11462 9116 7533,'14'-5'1529,"-4"1"-900,8 16-539,-12-1 90,10 16-90,-14-7 0,11 3-90,-8 4-90,4-7 180,1 7-1079,3 0-1530,22 6 1699,-11-11 1,11-6 0,-21-21 0</inkml:trace>
+  <inkml:trace contextRef="#ctx0" brushRef="#br0" timeOffset="13944">11835 8902 7533,'-5'-19'899,"4"9"91,-7 6-541,3 9 451,-4 21-810,-1-8 179,3 8 1,1 3-180,0 0-90,-3 20 360,5-13-450,-1 6 90,0 6-661,1-21 0,0 1 481,3 15-810,-4-2 619,5-17-1338,0 2 1730,0-10 0,0 2 1,0-4-1</inkml:trace>
+  <inkml:trace contextRef="#ctx0" brushRef="#br0" timeOffset="15932">12309 9804 7623,'0'-5'629,"-4"-4"-89,3 8-90,-3-3-90,4 4 1708,0 0-1528,4 0-180,1 4-360,9 1 90,4 9 90,6 0-180,8 1-90,-7-2 0,2-3 0,0-1-90,-2 0-540,15 9 181,-14-7 359,-3 2 0,-11-4 0,-11-8-270,3 15 0,-16-4 361,5 6-181,-15-4-270,-1-1 360,-10 6 180,-1-4 0,10-2 0,-1 0 270,-18 15-450,3-6 360,14 8 0,17-20 0,9-1 0,0 0 89,0-8 91,9 3 90,-7-4-270,14 0 270,-5 0-91,15 0-269,3-4-90,0-2 0,-2 1-359,0-3 89,2-1-1799,4-2 1349,-5 2 720,-9 1 0,-2 3 0,-2-5 0</inkml:trace>
+  <inkml:trace contextRef="#ctx0" brushRef="#br0" timeOffset="16475">12802 9971 7533,'5'0'-360,"3"-4"360,-7 3 899,4-3 181,-10 8-810,4-3 359,-3 16-359,0-2-360,3 9 180,-3 7 180,0-2-180,3 8 0,-8-4 0,8-5-270,-3-9 0,4-2-180,0-2 90,0-5-269,0-2-541,0-8 541,9-16-181,-7 3-359,18-34 1079,-12 23 0,9-24 0,5 7 180,-14 13-91,13-6 451,-16 25-360,0 4 0,-1 0 899,0 1-629,-3 3-90,4-3 270,-1 4-271,-3 4-89,7-3-90,-7 8-180,7-8 180,-7 7-270,8-3 90,-4 8 0,4 2 90,5-1-90,-4 4-180,-1-4 270,0 5-450,-4 0 90,0-5-719,3 0 449,-7-9-1619,12-1 2159,-11-4 0,10 0 0,-7 0 0</inkml:trace>
+  <inkml:trace contextRef="#ctx0" brushRef="#br0" timeOffset="17568">13277 10064 7533,'-6'0'0,"-2"4"-450,7-3-270,-3 8 540,0-4 1080,3 4-360,-7 0-1,2 1 1,1-1 180,-3 4-451,7-2 1,-7 2 270,3 1-360,-1-4-90,-2 7-180,7-6 90,-7 2-540,7-3 180,-3-5 181,4-1 89,0 0 0,0-3 90,0 3 0,4-8 0,1-1 0</inkml:trace>
+  <inkml:trace contextRef="#ctx0" brushRef="#br0" timeOffset="18139">13453 10018 7533,'0'5'-180,"0"-1"270,0-4-180,-4 4 270,3-3 179,-3 7-269,4-2 720,0 7 179,-4 14-719,3-10 360,-3 22-450,4-27-360,0 18 450,0-19-270,0 15-990,8-14 451,-2 1-901,12-13 1171,-8-1-721,4-11 990,-9 5 0,3-10 0,-3 2 0</inkml:trace>
+  <inkml:trace contextRef="#ctx0" brushRef="#br0" timeOffset="18349">13463 9720 7533,'-10'8'2158,"1"-2"-1438,9 12-450,0-12-360,4 2-360,14-3-899,-1-4 899,1 3 450,-5-4 0,-8 0 0,4 0 0</inkml:trace>
+  <inkml:trace contextRef="#ctx0" brushRef="#br0" timeOffset="19306">12523 9209 7533,'-5'-4'1169,"1"3"-809,0-3-450,3 4 270,-11 12-90,5-1-90,-6 12 90,4 4 89,-2-3 1,0 2-180,-2 16 0,2-14 0,1-2-719,5-2 359,-4-11 360,8-5 0,-3-7 0,4 3 0</inkml:trace>
+  <inkml:trace contextRef="#ctx0" brushRef="#br0" timeOffset="19499">12570 9097 7533,'5'28'2158,"-1"-4"-1618,5 11-1080,9-1-315,-2-10 1,1-1 854,17 11 0,-6-7 0,-11-14 0</inkml:trace>
+  <inkml:trace contextRef="#ctx0" brushRef="#br0" timeOffset="21449">13956 9841 7533,'0'5'539,"0"-1"721,0-4-2340,4-8 260,2 6 1,3-11 0,0 8 0</inkml:trace>
+  <inkml:trace contextRef="#ctx0" brushRef="#br0" timeOffset="22117">14291 9580 6723,'0'-5'2069,"0"1"-1619,0 4 809,12 4 180,12 10-719,18 9-720,-7 2 90,-10-7 0,-2-1-90,-6 4 90,13 6 90,-15-8-270,8 7 0,1 16 0,-1-10 0,0 15-170,-8-22 350,-2 3-900,0 7-989,-2-13 1619,2 1-1259,-8-15 90,4-16 1349,-8-3 0,3-11 0,-4-2 0</inkml:trace>
+  <inkml:trace contextRef="#ctx0" brushRef="#br0" timeOffset="22351">14756 9507 7533,'-15'4'2248,"-10"13"-1528,8 4-90,-10 10-271,9 1-89,-1 2-315,4-8 0,-1 1-45,-6 11-45,-3 0 1,-1 1-406,-2 4-495,3-4 1,1-2-451,3-5 315,0 6 1189,15-32 1,-2 7 0,3-8-1</inkml:trace>
+  <inkml:trace contextRef="#ctx0" brushRef="#br0" timeOffset="22633">14868 9785 7533,'14'15'1889,"-4"-2"-2159,-2 0 450,-7 14 359,3-1-179,-4 6 90,-4-5 0,3-3-270,-3-5-180,4 11-990,0-17 810,0 4-899,4-12 539,-3-5-1169,7-9 1709,1-9 0,2-7 0,2-7 0</inkml:trace>
+  <inkml:trace contextRef="#ctx0" brushRef="#br0" timeOffset="22838">14998 9860 7533,'16'-25'1889,"-4"7"-1080,-4 10-449,-2 7-180,4 1-270,2 17 360,-10 0 179,11 14-179,-4 1-270,5 2-90,1-1-269,-2-10 179,-7-14 90,2-5-1529,-3 0 1169,4-3 450,5 4 0,-4-10 0,4 0 0</inkml:trace>
+  <inkml:trace contextRef="#ctx0" brushRef="#br0" timeOffset="24644">10458 10734 7533,'-6'-4'-540,"2"3"630,4-3 1169,0 4-809,4-5 90,14 4 359,19-7-539,8 7-270,-3-3 135,-14 4 0,0 0 134,22 0-404,-6-4 0,3 0 0,-5 1 1,-2 0-161,-3-4 1,-2 0 294,-1 5 0,-3-1-771,-4-5 950,8 7 1,13-8 180,-2 8-450,-18-1 0,1 0 90,11 2 90,7 0-360,-1 8 135,-20-7 0,0 0 45,4 6 0,-3-1 90,0-5 190,4 2 0,2 2 80,14 5-360,-18-7 0,-1 0 799,12 5-349,-5-4-180,-9-3-180,14 7 180,-6-7-360,-5 8 0,-3-8 180,-7 3-90,0-4-90,-1 0 180,13 4-90,-5-3 135,7 1 0,3 0 0,-9 0 0,-1 0-46,7 1 1,-1 0 90,-3-1 0,-1 1 0,4 3 0,0 0-135,5-5 0,0 0-124,-3 3 0,-1 0-11,-1-4 0,-3 0 90,1 5 90,6-4 0,-7 2 0,-1 2-90,3 0 45,2-2 0,-2-1 135,-10 2-45,14-1 0,3-2-45,7 0-90,5 4 0,2-1 0,-23-4 0,-2 1-155,4 3 1,-3 0 244,3-3-30,-8 3-60,13 0-45,-6-1 0,0 0-348,22 2 483,-11-1 0,1 0 134,-6-3 1,-1-1-180,-4 2 0,-1 0 0,11-2 0,-4 0-45,-5 0 0,16 0 90,-14 0-180,15 0 180,-17 0-1624,-3 0 1,-2 0 1533,0 0 90,9 0 24,16 4 20,-23-3 1,1-1 0,6 3 0,0-2-189,-3-2 1,-2-2 323,-3 1 0,-2-1-270,5-6 266,-1 2 1,4 0-132,3-2 0,1 0-225,-4 1 0,0 0 596,13 1 0,-3 1-416,-3-2-270,4 7-1179,0-4 1269,-10 1 47,-1 4 0,2-1 223,12-7-180,0 5 0,0 1 180,2-3-180,-16 1 0,5-1 0,-5 1 0,13 2 577,5-4 0,-1 0-487,-6 5 0,-4-1 0,0 0 90,9 2 89,-11-2 1,-1-1-180,8 2 90,-12-2 0,-3-2-90,0 0 822,10-1 0,4-1-957,-13-1 0,0 1-1373,16-1 0,0 2 1508,-21 1 0,-2 0-377,7 1 0,-4 0 467,-4 3 239,3-3 1,2 0-600,10-1-89,5-5-811,-12 5 451,-15-3-2648,-11 7 1696,-2-7 1132,-8 6-2520,-2-6 2969,-7 3 0,-10-8 0,-6-2 0</inkml:trace>
+  <inkml:trace contextRef="#ctx0" brushRef="#br0" timeOffset="26433">11956 11450 7533,'-6'11'2428,"6"-3"-2068,6-8-180,7 0 0,-3 0 90,8 0-90,-4 0-3213,22 0 3213,-14 0-416,12 0 0,1 0 56,-4 0-967,7 0 1,1 0 1146,-6 0-177,-4 0 1,-1 0-364,-2 0 271,9 0-1351,6-4 1261,-13 3 1217,15-4-1667,-19 5 809,-5 0 0,-5-4 0,-10-1 0</inkml:trace>
+  <inkml:trace contextRef="#ctx0" brushRef="#br0" timeOffset="26998">12095 11506 7533,'0'5'3058,"0"7"-3058,4-5 540,10 14-450,5-5 359,14 7-449,-13-9 180,14 4-1169,-1 4 359,11-1 450,-14 2-90,-5-10-89,-20-3 269,0-1 0,-1 0-270,-12 9 90,-2-3 90,-17 8-90,-11 0 270,7-8 0,-12 7-90,22-16-90,-6 7 91,9-8-91,-5 4 270,8 0-180,-3 1 180,9-5-90,3-1 90,2 0-180,4-3 629,0 7-359,0-2 450,13 3-360,-6 0 0,15 0-1,-12-3 181,12 2-270,-11-7 180,23 7-270,-16-7 270,25 3-630,-25-4 270,24 0 90,-24 0 0,9 0 0,-5-4-180,-11-1 90,15 0 0,-15-3 0,7 7 0,-9-8 0,0 4 0</inkml:trace>
+  <inkml:trace contextRef="#ctx0" brushRef="#br0" timeOffset="28471">12086 12064 7533,'-4'5'180,"3"4"359,-8 0-359,8 1 270,-7 8 0,7-4 269,-3 17-809,4-13 270,0 16-180,-4-23-180,3 15-449,-3-2 269,4-3 180,0-4-540,0-13-449,0-4 449,4-20 541,-3 6 179,7-17 0,-3 13 0,5-9-90,7-6 629,-1-2-89,11 3-360,-16 14 180,6 9 90,-8 4-91,1 5-89,4 0 90,-9 5 450,7 4-630,-10 1 0,11 4 359,-8 3-359,0-5 0,-1 9 450,0 6-540,-3-9 270,3 20-360,-4-26 180,0 10 0,0-13-810,0-4 181,0 4 359,5-8-810,-4 3 990,11-8 0,-6-1 0,8-5 0</inkml:trace>
+  <inkml:trace contextRef="#ctx0" brushRef="#br0" timeOffset="28671">12384 12129 7533,'0'11'270,"0"-3"449,8-4-539,2-3-360,5 3-360,3-8 91,-8 3 449,7-7 0,-10 3 0,1-5 0</inkml:trace>
+  <inkml:trace contextRef="#ctx0" brushRef="#br0" timeOffset="28854">12412 12222 7533,'-4'15'2069,"3"-6"-1890,-4-5-179,5 0 0,0-3 180,5 3-360,0-4 90,4 0 90,0 0-899,9 0-180,18-16 1079,-8 8 0,11-18 0,-20 11 0</inkml:trace>
+  <inkml:trace contextRef="#ctx0" brushRef="#br0" timeOffset="29151">12663 12055 7533,'0'14'2069,"0"0"-1980,0-1 91,0 2-90,0 3-90,13 21 0,-6-23 0,10 13 0</inkml:trace>
+  <inkml:trace contextRef="#ctx0" brushRef="#br0" timeOffset="30817">12226 10911 7533,'-6'9'989,"2"-4"-899,-4 28-90,-2-13 90,-1 24 0,-1-20 0,7-1-90,0 4-90,-4-3-90,4 8-360,-4-4 91,4-8-451,-4 2 900,8-16 0,-3 6 0,4-6 0</inkml:trace>
+  <inkml:trace contextRef="#ctx0" brushRef="#br0" timeOffset="31053">12226 10948 7533,'17'-23'629,"-5"16"-449,1 0-180,-5 20 90,-7 2 270,8 7 90,-4 6-270,4 1 179,5 16-449,-8-19 90,6 5-449,-7-9 179,5-10 180,-1 5-450,0-3 360,-4-8 0,4 2 180,-4-8 0,4-4 0,0-1 0</inkml:trace>
+  <inkml:trace contextRef="#ctx0" brushRef="#br0" timeOffset="31289">12468 10836 7892,'-5'5'900,"4"8"-1,-7 14 1,3 16-630,0-3-90,1 0 359,0-13-539,3 1-90,-4 6-1619,5 2 1530,0-16 179,0 6 0,0-20 0,0 3 0</inkml:trace>
+  <inkml:trace contextRef="#ctx0" brushRef="#br0" timeOffset="33649">12932 11450 7533,'-14'4'2248,"4"1"-2068,6 5 180,8-5 0,2-1-180,3-4 0,4 0 269,18 0-89,13 0-540,-4 0 0,4 0-89,-29 0-91,11 4 180,-15 1 0,15 5 90,-14-1 270,5 0-180,-7 1 0,-5-1 0,-1-4 90,-8 3-90,-1-3-450,-9 9 360,4-4-719,-16 16 449,9-1 180,-5 8 90,8-5 0,5-5-180,-5-1 180,0 6 0,4-7 450,-7 9-450,11-23 90,-4 10 0,2-16 90,7 3-90,-3-4 90,4 0-90,0 4-90,0-3 180,-4 3-90,3-4 0,-3 0 90,0 4-90,3-3 90,-4 3 180,5-4 180,0 0 269,9 5-629,-3-4 0,3 3 90,4 0 90,-7-3 539,20 3-269,-1-8-90,3-1-90,3-5-91,2 1-359,1 0-179,3 4 269,-17 0-180,-4 10 180,-11-4 0,0 3 0,0-4-180,-5 4-360,0-3-2737,0 3 2972,-5-4 0,0 0 0,-4 0 0</inkml:trace>
+  <inkml:trace contextRef="#ctx0" brushRef="#br0" timeOffset="35316">13500 11776 7533,'0'5'-540,"0"3"540,0-3 0,0 0 360,-4 4 719,3 4-989,-3-1 270,4 9-270,-4-10 180,3 2 0,-4-4-91,5 1-89,0 7 0,0-10-270,0 14 270,0-19-449,0 11-91,0-8 270,0 0 0,0-1-719,0-4 89,0-12 180,0-12 720,0-6 180,5-2 360,0 9-180,4 4-1,0 1-179,-3 3 360,2 2-540,-7 8 90,7-3-360,-3 7 270,1-8-90,2 8 0,-7-3 180,7 4 89,-3 4-269,0 1 360,4 5 180,-8 3-450,7-3 90,-7 12-90,3-10 90,0 9-270,1-2 0,1 0-450,2 0-269,-7-10 629,3-4-1799,0-5 1619,-3 0 360,3 0 0,-4 0 0</inkml:trace>
+  <inkml:trace contextRef="#ctx0" brushRef="#br0" timeOffset="35865">13845 11934 7533,'-6'10'1889,"-2"7"-1350,7-11-179,-7 7 90,3 5-180,-5 2-450,5-1-1169,-3 3 1079,7-16-1169,-3 2 719,4-8 720,0 0 0,4-4 0,1-1 0</inkml:trace>
+  <inkml:trace contextRef="#ctx0" brushRef="#br0" timeOffset="36308">14031 11794 9332,'-4'18'1439,"-2"-3"-630,1 25-629,1-22-90,4 12-90,0-16 0,0-4 180,0 3 0,0 1-180,4 5-90,-3-4 180,3 3-630,-4-9-899,0 0-900,5 0 2339,-4-3 0,7-10 0,-3-7 0</inkml:trace>
+  <inkml:trace contextRef="#ctx0" brushRef="#br0" timeOffset="36543">14031 11599 8342,'0'9'3276,"0"1"-3404,4-1-141,5-4-991,2-1 811,2-4 269,-4 0 180,1 0 0,-1-4 0,0-1 0</inkml:trace>
+  <inkml:trace contextRef="#ctx0" brushRef="#br0" timeOffset="37300">13174 11013 7533,'-13'-1'1619,"2"6"-1439,2 10 90,5-1 269,-4 12-359,2 3-90,-8 1 90,5 5-720,4-20-449,-4 7 179,4-12 1,0 4-91,1-9 900,4-1 0,-4-4 0,-1 0 0</inkml:trace>
+  <inkml:trace contextRef="#ctx0" brushRef="#br0" timeOffset="37484">13165 11032 7533,'9'0'1439,"1"0"-1079,-1 0 449,4 4-629,2 9 0,-1-1-180,0 5-90,7 9-1619,8-4 1709,-3 1 0,4-6 0,-15-12 0</inkml:trace>
+  <inkml:trace contextRef="#ctx0" brushRef="#br0" timeOffset="62020">3879 13208 7533,'-19'-29'899,"1"2"-359,5 13-270,2 0-90,-6 5 179,-6 0-89,-6-5-270,-4 8 180,6-6 180,-4 7 360,-11 0-541,15 5 1,-20 17-405,29 4 1,3 4 89,1-3 0,1 2 90,-6 12 0,4-1 135,9 6-225,3-3 0,6 1 45,15 6 90,-4-15 0,1-1 0,14-3 90,10-16 0,-4-10 90,15-10 0,-15-4-270,-3-6 0,0-8 60,-11-1 0,-2-5 0,0 1-680,9-5 1,0-1 709,-9 4 0,-2-3 0,-2 2 45,-2-3 0,-3 2-45,0 4 0,0 0 90,-1-6 0,0 0-45,1-4 0,-2 2-187,-4 15 0,-2-1 172,1-8 0,-1-4 0,-3 4-30,-8-16-45,-3 0 0,-3 3-135,-7 17 45,-3 1 1,-1 5 134,2 18 0,-28 3 0,30 14 0,-5 13 90,10 13 89,7 0 1195,1 9-1240,8-17 1,2 2 0,2 1 0,3 1-1684,5 12 1,1 0 1593,-3-8 0,2 0-285,1-1 0,2 2 0,-1-3 82,-2-6 0,0-1-142,2 6 0,2 3 0,0-5-779,15 11 1079,-7-12 0,0-2 0,7 1 0,1-2 0</inkml:trace>
+  <inkml:trace contextRef="#ctx0" brushRef="#br0" timeOffset="66482">4466 12473 7533,'0'-5'-270,"0"1"180,0 4-180,-4-4 360,3 3 180,-3-3-180,-1 4 0,4 0-90,-3 0 270,0 0-270,3 0 90,-3 0 89,4 4 91,-4 5 270,-1 10-270,-1-8-90,-2 10-270,7-15 180,-3 3 0,4-5-1979,0-4 899,8-4 900,-6 3-179,11-11 358,-12 10 91,7-11-90,-7 12 450,3-7-540,-4 3 180,0-4-180,0-1-90,0 1 0,0 0 90,0 4 0,0-4 0,4 8 90,-3-7 90,8 7-180,-8-3 90,3 4 0,-4 0 0,4 0 90,-3 0 269,7 4-359,-3 1 90,1 4 90,-2 5 270,-4 17-270,0 0-91,-8 14 1,1 1 90,-6 1-737,3-3 422,4-9 0,-1 3 0,-2 6 0,-1 2 0,1 6 0,-1-1-45,1-6 0,-1-1-90,0 2 0,-2-6 90,-3-1 90,2-7 0,-1-2-90,-6 4 90,-2-7 0,-1-4 0,12-12 90,-6 1 0,20-11 630,6 3-540,3-4 89,5 0 649,1 4 161,14-3-764,-5 3 0,2 1-405,5-5 0,-1 1 45,-5 1 0,-2 0 45,22-2-2159,-8 4 2159,-12-5 0,1-1 0,17 1 0,2-9 0</inkml:trace>
+  <inkml:trace contextRef="#ctx0" brushRef="#br0" timeOffset="66756">5034 12752 7533,'-11'-41'1259,"-1"8"-360,3 33 1,-6 4-270,1 14-91,0 19-359,9-1 0,2 1 0,2 4 674,2 5 1,2 2-1260,1 3 0,1 2 135,1-14 0,0 0 1,1-3 224,2-3 0,2-4-135,7 7 180,-4-24 0,-1-12 0,2 0 0</inkml:trace>
+  <inkml:trace contextRef="#ctx0" brushRef="#br0" timeOffset="67199">5368 12697 7533,'-9'-6'3238,"-17"11"-2878,0 13-270,-15 15 269,21-3 1,3 3-180,3-1 0,3 0-1253,1 6 1,3-1 1252,3 10-295,9-17 0,6-4-604,22-6 629,3 6-225,-10-30 0,0-6 135,4-6 180,-3-11 0,-1-6 0,-3-2 0,-1-3 90,3-7 0,-3-2-179,-6 11 0,-4 1 179,-4 7 0,-3 4 0,-5 5-90,-5-21 0,-29 1 90,9 4 405,-2 20 1,-2 8-945,-6 25 359,6-1 90,18 8 0,5 2-90,2-3 90,8 6 0,4 0 90,4-6 179,14 11 541,2-22-270,5-8-1080,-8 0 270,-3-5 180,-13 0-1857,5 0 1947,0 0 0,1-5 0,-2 0 0</inkml:trace>
+  <inkml:trace contextRef="#ctx0" brushRef="#br0" timeOffset="67450">5666 12511 7533,'4'-20'1979,"5"2"-1620,-2 13-449,5 1 90,-3 4 0,2 0 900,14 4 269,0 6-269,13 0-540,-10 3 899,12 9-540,-18-5 91,9 14-630,-13 1 0,-3 2-990,-6 15-719,-9-8 0,-4 3 135,-5 3 0,-1 0 1015,3 0 0,-2-2 0,-6-4 1,0-3-1,-5 4 0</inkml:trace>
+  <inkml:trace contextRef="#ctx0" brushRef="#br0" timeOffset="68051">2949 13664 7533,'14'-14'180,"13"-8"989,3 10-630,-2 3 1,2 1-360,7 3-426,-2 0 0,3 1 471,-1 2 0,2-1-106,4 0 1,5 0 0,-2 0-60,-9 0 0,-1 0 0,4 0 30,9 0 0,6 1 0,0-1 0,-6 1-472,-13 0 1,-4 1 0,6-1 411,3 1 0,7 0 0,4 1 0,1-1 0,-2 0 0,-5 1-553,2 0 0,-5 0 1,0 0-1,2 0 541,1 1 0,3 0 0,0 0 0,-2 0 0,-3-1 42,8 0 0,-4 0 0,-1 1 30,-2 2 0,-1 0 0,-3 0-990,7-3 1,-2 1 1019,-7 0 0,0 1 0,-1-1 149,10-1 1,-2 0-99,0 0 0,0 0 8,-9 0 1,1 0 0,-1 0 93,12-2 1,0 0-139,4-3 0,-2 0-180,-11 2 0,-1 0-136,7-4 1,-2 2 360,5 4-315,-13-2 0,-2 1 45,-5 2-18,-1 0 1,-1 0-522,-5 0-987,1 0 1526,-11 0 522,-11 0-2231,3 0 1799,-16 0 0,1 0 0,-12 0 0</inkml:trace>
+  <inkml:trace contextRef="#ctx0" brushRef="#br0" timeOffset="69134">4084 14204 7533,'-13'-5'809,"-6"0"-629,4-4-360,-7 4 0,7 1 90,1 4 180,-20 4 180,15-3 270,-28 11-360,25-6 90,-5 8-270,14-5 180,7 0 89,-6 13-179,10-5 0,-6 5 180,12 4-360,1-13 0,4 13-90,5-12 270,-4 0-180,12 0 90,-7-9 0,8-1 180,8-16-180,-13 0 0,12-10 90,-4-22-1729,-10 14 1,-2-2 1580,0 3 1,-3-3-1032,2-18 0,-5 1 1089,-7 4-242,-4 11 1,-4-5 0,-4 4-614,-12-2 1,-5 3-46,-4-4 1,-1 3 899,2 10 0,0 7 0,-8 14 0,21 9 0</inkml:trace>
+  <inkml:trace contextRef="#ctx0" brushRef="#br0" timeOffset="72201">4503 13804 7533,'3'-6'809,"3"2"-4086,30 4 2513,-14 0 2487,26-4-1543,-26 3-180,13-3 270,1 0-270,-9-1-45,1-2 0,0 0 225,0 1 91,3-5 1,3 1-1262,7 7-719,2-9 1349,-22 16 360,-17 1 0,-12 9 0,-2 0 0</inkml:trace>
+  <inkml:trace contextRef="#ctx0" brushRef="#br0" timeOffset="72701">4503 13906 7533,'-25'0'1529,"8"0"-989,13 0 179,4 0-269,24 4-360,-1 1 0,6 1 0,0 2 0,3 2 44,-6-4 1,0 1-224,0 7-181,10-4 180,-12 4-360,7 11 270,-15-11-90,2 24-90,-14-13-2917,-4 8 2713,-4-5 384,-1-5-308,-9 3 218,0-9 90,-5 9-90,-8-7 180,-6 0 45,6-5 0,-1-1 135,-13 3-45,13-7 0,3-1-135,5 1 3366,-15 5-2594,23-8-310,-6 6-192,14-11 0,4 4 90,0-5-90,4 0-1,1 0 181,17 0 90,3 0 0,12 0-90,5 0 89,4 0-449,-11 0 180,5 0-540,-16 0 180,3 0 91,-3 0-1081,-1 0 181,4 4-540,-6-3 1529,5 3 0,-7 0 0,0 1 0</inkml:trace>
+  <inkml:trace contextRef="#ctx0" brushRef="#br0" timeOffset="73000">5321 14324 7533,'-22'5'719,"6"0"-629,3 0 990,4 11-721,8-8 721,-3 18-1170,4-15 270,0 11-360,4-4 90,6 6-180,0-4 90,8 1-1169,-12-14 719,6 5-190,-7-11 1,5 3 0,-1-4 0</inkml:trace>
+  <inkml:trace contextRef="#ctx0" brushRef="#br0" timeOffset="73204">5275 14092 7533,'9'-5'2878,"-4"1"-2698,0 4 0,-5 0 90,0 4-360,0 1-720,12 13 360,-9-11-1349,26 18 1799,-21-22 0,14 13 0,-13-11 0</inkml:trace>
+  <inkml:trace contextRef="#ctx0" brushRef="#br0" timeOffset="74250">6420 13404 3730,'18'-25'2429,"-3"3"-388,16 13-1861,2-1 0,-3 5 383,5 1-563,-7 0 180,-3 3-900,2-3 361,-13 4 179,4 0-194,-4 0 374,5 12 0,-9 0 0,-2 10 0</inkml:trace>
+  <inkml:trace contextRef="#ctx0" brushRef="#br0" timeOffset="74449">6401 13785 7533,'-15'5'1979,"2"-1"-1350,13-4 181,0 4-540,5-3 629,12 4-719,16-10 90,15-4-585,-20 2 0,0 0-2962,19-8 3162,-5 6 19,-16 4 1,0 2-1,7 6 1,15-2 0</inkml:trace>
+  <inkml:trace contextRef="#ctx0" brushRef="#br0" timeOffset="85853">8308 13190 7533,'-5'5'809,"-3"-1"-629,7-4 540,-4 0-540,14 0 89,-3 4 181,16-3 180,14 3-360,-9-3 0,3-2-270,1 1 0,1 0 0,9-1 0,-1-2 0,6-2 44,-15 1 1,-1-1 45,4-5-809,3 1 269,-13 4 270,-6 1-2338,-5 4 2518,-7 0 0,3 4 0,-9 1 0</inkml:trace>
+  <inkml:trace contextRef="#ctx0" brushRef="#br0" timeOffset="86335">8364 13376 7533,'-16'14'270,"0"-5"-91,15-4 1,-3-5 450,4 4-270,0 1-3392,8 8 3211,-2-2 91,8 2-352,7 5-8,-4-7 540,22 11-450,-17-12 270,17 4-2302,-18-5 1942,2-4-540,7 16 1,-21-9 2301,12 23-2482,-38 2 630,5-6 352,-15 5-621,-13-1 269,15-16 0,-2 1 270,-1 0 0,1-1 1387,1 0 1,2-3-1298,2-1-661,4-2 571,12-8 0,-7 4 0,12-8 270,1 7-91,10-7 1,12 3-270,-1-4 344,6 0-74,-4-4-1144,6 0 0,3-1 1054,5-6-180,2 7 0,-1-1-664,-11-3 754,13 7-449,-4-7 448,-13 6-2195,23-2 1386,-32 4-32,24 0-327,-26 0 1079,10 0 0,-13 4 0,1 2 0</inkml:trace>
+  <inkml:trace contextRef="#ctx0" brushRef="#br0" timeOffset="87184">8280 14287 7533,'-9'4'-1260,"4"-3"1620,0 8-270,5-4 0,-4 4 270,3 0 0,-3 5-270,4 0 179,0 1 181,0 11-360,0-10 0,0 11-90,0-12-90,0 2 270,-4-2-360,3 20 270,-3-13 0,4 5-180,4-14 180,-3-12-360,3 3 90,-4-12 180,0-3-1439,4-36 540,-3 17 899,2 3 0,-2 1 0,-1-2 180,0 4 89,5-2 271,-4 10 180,7-10-450,-7 15 269,7-11-449,-7 12 90,8-4 0,-8 5-90,7 4-90,-3-3 0,9 7 90,-4-4 0,-1 5-180,-1 0 90,-2 9 90,3-3-270,-4 7 180,3-3 540,-2 3-1,3 2-449,-4-1 270,3 16-630,-7-12 0,3 17 360,1-20-180,-4 15-809,3 7 809,-4-9-720,4 6 451,-3-24-271,3-1-180,0 0 810,-3-3 0,8-2 0,-4-4 0</inkml:trace>
+  <inkml:trace contextRef="#ctx0" brushRef="#br0" timeOffset="87700">8662 14297 7533,'-5'0'-270,"0"0"989,5 0 91,9-5-630,-3 4-90,7-7 0,1 7 0,-8-3-180,6 0 180,2 3-810,-3-3 180,7 4-539,-9 4 1079,-4-3 0,4 7 0,-4-3 0</inkml:trace>
+  <inkml:trace contextRef="#ctx0" brushRef="#br0" timeOffset="87886">8690 14445 7533,'-5'6'809,"5"-2"-899,1-4 0,19-4-899,1-6 809,8 0 180,2-3 0,-11-1 0,2 0 0</inkml:trace>
+  <inkml:trace contextRef="#ctx0" brushRef="#br0" timeOffset="88115">9034 14241 7533,'-5'0'539,"1"0"361,4 0-91,-4 4-539,3 1-360,-8 8 270,4 2 90,0 8-270,1-4 90,4 0-540,0 7-719,4-10 269,1 7 631,5-9 269,-1-5 0,0-4 0,1-1 0</inkml:trace>
+  <inkml:trace contextRef="#ctx0" brushRef="#br0" timeOffset="90118">8550 12641 7533,'-4'9'-450,"3"5"630,-7 0 90,2 13 0,-3 2-181,0 0-178,4-2 268,-8 0-179,7-7 0,-4 15 0,-2 3 90,-3 4-180,3-2 0,1-1-89,-3 0 179,0 1 0,5-23 0,0-1 0</inkml:trace>
+  <inkml:trace contextRef="#ctx0" brushRef="#br0" timeOffset="90360">8597 12641 7533,'4'-20'1259,"-3"7"-360,7 9-629,-3 8 0,0 9-90,4-1 0,-4 9 0,4-2 0,5 9-360,0 1 90,1-6 90,-2-1-450,5 1-269,-7-7 89,11 14 360,-12-18-180,16 5 450,-9-11 0,9-2 0,-7-4 0</inkml:trace>
+  <inkml:trace contextRef="#ctx0" brushRef="#br0" timeOffset="90617">8978 12427 7533,'6'-24'-810,"-2"5"1530,0 6-720,-3 8 629,-1 1 1,-5 4 0,-5 4-91,-3 9 271,-2 15-270,-7 10-226,3 5 1,1 2-270,7-18 0,0-1 0,-7 16 0,2-1 135,1 4-2373,-4-6 2283,9 3-990,-6 2-1149,13-13 1779,-5 5-1529,8-5 1799,0-10 0,0 2 0,0-10 0</inkml:trace>
+  <inkml:trace contextRef="#ctx0" brushRef="#br0" timeOffset="101639">1228 17934 7533,'-18'4'-630,"11"-3"1440,-9 3-271,14-4-359,-6 4-270,7-3 90,-7 3-90,7-4 270,-3 4-809,4-3 629,0 4 0,4-1 0,1 1 0</inkml:trace>
+  <inkml:trace contextRef="#ctx0" brushRef="#br0" timeOffset="102486">1135 18408 7533,'-4'5'-360,"-2"-1"0,1-4 0,1 0 180,8-4 1,1 3 179,5-3 0,-1 4 0,0 0 0</inkml:trace>
+  <inkml:trace contextRef="#ctx0" brushRef="#br0" timeOffset="103333">1219 18036 7533,'-6'0'-360,"2"0"810,4 0-1800,0-8 1171,0 6 179,0-7 0,0 1 0,0-2 0</inkml:trace>
+  <inkml:trace contextRef="#ctx0" brushRef="#br0" timeOffset="103899">1340 18017 7533,'-26'0'2518,"5"0"-3417,21 0 179,4 0-629,1 0 629,5 0 720,-1 5 0,0 0 0,1 4 0</inkml:trace>
+  <inkml:trace contextRef="#ctx0" brushRef="#br0" timeOffset="106503">7983 7349 7533,'-5'4'-720,"1"-3"270,4 7 91,-9 5 449,7-1 89,-10 14-269,3 6 360,-2-3 0,-1 2-90,-9 16-340,10-18 1,-1-1 204,1-3 0,1-1-45,-6 17 45,5-12 0,0 1 45,-8 12-180,8-11 0,-1 4 60,-2-1 0,-2 2 0,2 0-15,-3 12 0,1 2 15,0-9 0,-1 1 0,1 0-30,2-1 0,2 0 0,2-2-1579,0 2 1,2-1 1573,-4 3 1,3-6 64,9-12-90,0-42-45,10-8 0,1-3-45,3-18 135,-1 11 0,1 0 45,3-2 0,-2-9 0,3-1 0</inkml:trace>
+  <inkml:trace contextRef="#ctx0" brushRef="#br0" timeOffset="108350">7853 7823 7533,'9'-34'-90,"-4"11"899,-5 15-899,-5 24 90,-4 1-180,-5 11 90,0 15 180,-13 2-135,16-22 0,1 2 45,-8 17 0,1-2-3277,1-3 3130,4-5 0,2 1-1122,-4 8 1180,4-15-181,-3 14 180,7-25 90,2-1-90,4-18 2942,4-7-2942,6-32-90,4-1 0,3-3-224,-6 11 1,1-1 313,3-11 0,1 0 90,-5 16 0,-1 2-90,6-12 90,-7 11 0,0 0-1061,9-16 1241,-8 12-1,4 0 1,-9 25 90,-1 1 90,-4 26-180,-4 0 0,-5 23 89,1-14 1,-3 3 30,-5 8 0,-3 6 0,1-2-481,1 2 1,-1 2 247,3-9 1,-2 2-1,-1 2 1,3-2-68,-2 12 0,2-1 0,0-2-180,4-9 0,0-1 0,1 1 60,-1 8 0,0 1 1,3-8 1111,4 8-1532,8-25 0,18-63 271,-4 8 492,-1-3 1,1-3-224,-2 0 0,0 2-669,-1 8 1,0 0 668,2-7 0,2-4 0,-2 3 0,2-3 0,-2 4 315,0 3 0,0 0-225,-1 0 0,1-2 0,-1 6 831,6-6-741,-11 20 180,1 6 269,-11 38-179,-1-4-386,-3 14 0,-3 4 206,-1-17 0,-1 1-360,-3 12 0,-3 6 0,0-3-315,-4 4 1,0 1-3,0-2 1,-1 2 0,1-3 361,0 2 1,2-5 44,0-4 0,1-1-114,3-5 1,1 0-202,-1-3 0,0-3-584,-7 12 629,5-18 180,14-37 875,14-27-785,7-1 0,2-3-45,-9 15 0,2 0-174,6-6 0,3-4 0,-4 8 219,3 1 273,2 3 0,0 4 177,-4 16-90,9-5 270,-21 34-451,-2 11 181,-8 12-427,-6 4 1,-4 3 201,0-11 0,-1 1-135,-1 0 0,0 3 0,-1-3 829,-2 0 0,1-2-829,0-3 0,1-1-135,1-1 0,1-2 51,-9 18-411,11-20 1,0-2 224,0 0-989,9-12 1079,9-24-90,7-12 0,3-5 135,1-1 0,0-2 91,-2 1 1,-1-3 0,0 3-47,2-1 0,-1 1 180,-2 0 0,-1 0-45,-1 3 0,0 1 1935,11-14-1665,-7 12 0,-1 1 675,4 2-271,2 3-359,-14 15 0,-5 16-90,-4 19-46,-9 14 1,-3 3-270,6-12 0,-1-1 385,-8 15 0,-1 0-745,4-15 0,1-4 315,-4 10-360,4-6 1,0-1 75,-4 5-255,5 7 179,-2-52 270,15 3 90,-1-22 0,1-7 225,6 12 0,5-2-1110,6-9 0,4-5 1,-2 5 974,-3 7 0,0 1 0,14-15 0,-2 8 415,-12 24-235,0 6 434,-9 21-344,-6 12-1179,-15 3 0,-4 4 953,7-8 1,-2 1 90,-13 16 0,-2 2 696,10-15 1,0 0-877,-4 9 0,1 0-180,4-7 1,0-1-226,0 0 0,1-2-90,-3 0 181,3-7 3316,9-32-2868,4-2 502,0-9-501,8-32 0,-2 11 0,3-1 0,0-1-1226,1-5 1226,-3 19 0,0-2-1493,2-5 0,-1 0 1403,4-11-262,-5 10 1,-1 2 261,-2 5 180,-4 2 90,-4 13 544,-9 17-814,-3 8 0,-1 13 0,-1 5-45,5-6 0,0 1 1140,-7 10 1,0 0-1186,-1 9 45,3-17 0,2-3 45,8-2 716,-13 5-1616,24-58 450,1 5 1,1-5 449,1-10 0,0-3-1019,2 3 0,1-2 1,0 4 1018,-3 5 0,-1 1 134,4-9 1,0 4-371,0 5 326,0 2 1262,5 9-273,-8 29-809,2 3-135,-7 18 0,-6 7-135,-1 3 0,-1 2-90,0 1 0,-2 3-90,-1-5 0,-1 1 0,1-4 90,2-7 1,0-2-181,-4 8 0,2-4 3163,5-15-3972,1-18 1770,12-26-691,1-3 0,0-1 0,4-10 45,-2 16 0,-2 3 224,-3 10 361,7-1-180,-7 10-270,7 6 90,-12 12-1,3 2-89,-4 3 180,-13 26-360,6-15 90,-10 19-90,3-11-135,1-10 0,-1 0 45,-3 7-360,-2-2 1,-1-5 269,8-13-360,-18 7 630,23-16-270,-6-10 90,13-4 0,0-5-180,5-34 181,0 14 133,1 8 1,1-2 45,12-20 0,0 16-180,-3 5 0,-1 1 270,2 4 0,5-4 0,-13 21 0,-4 1-180,-1 12 630,-8 28-360,-13 9-485,11-17 1,-1 1 394,-11 6 0,-2 0-135,7-5 0,0-1 0,-5 0 0,-1 0 45,1 5 0,0-3 0,-7-3-990,2 11 181,10-28 89,7-7 630,11-14 0,1-4 0,7-5 0</inkml:trace>
+  <inkml:trace contextRef="#ctx0" brushRef="#br0" timeOffset="110466">7788 7609 7533,'0'-9'0,"0"-1"-990,0 1 810,0 4 360,0-3 180,0 3-180,0-1 90,-5 2 0,4 0-1,-7 3 1,3-3-90,0 0 0,-3 3-180,6-3 180,-2 4-540,4 12 180,0 28 180,0-1-1639,-1-4 1,-2 0 1523,-6 1-884,-6 9 0,-1 0 999,-3-6 38,-2 6 0,0 0-127,4-9 268,-5 10-1258,8-18 629,17-18 270,-1-11 2084,16-13-2174,5-17 0,-3 9 90,7-13 91,-8 11 178,4-16-134,-13 12 1,-1 0 133,10-19 226,-10 11 0,-1 3 45,-1 9 558,5-6-739,-11 30 1,3 10 0,-4 16 45,-3 3 0,-2 1-135,-1 19 0,0-17 0,-2 2 45,-3 0 0,1-2-2260,-3 13 2170,2-12 0,0 0 45,2 12 1691,0-1-2051,4-6 180,1-15-1079,8-11-90,26-48 809,-8 8 0,0-3 405,-1 0 0,-1-1 135,3-4 0,-3 3-180,-6 1 3366,-3 7-2716,1-2 1409,-11 17-890,-5 30-629,-2 0-180,-12 29-1,7-15 1,-1 2 45,-4 5 0,-1 1-405,5-8 0,1 1 0,0 1-510,2 3 1,1 2-1,1-4-30,2-2 1,2-3 449,4 0 0,3-2-180,6 4 315,-4-3 0,1 0 45,3 11 0,-3-3 0,0 0 0,2-1 0</inkml:trace>
+  <inkml:trace contextRef="#ctx0" brushRef="#br0" timeOffset="126859">9518 13143 7533,'-5'-4'90,"5"3"179,5-3 1,5 4-180,-1 0 270,0 0 630,25 0-721,-6 0-179,14 0-90,-15 4 270,11-3-450,3 11-3097,2-5 2533,-16 10-439,-23 6 734,-9 2-939,-7 1 1,-2 0 1207,-8 7-542,-3 3 1,-2-2 721,-1-5 127,-2 2 1,0 2 141,2-1-269,-8 5 270,19-15 48,7-9 221,1 2 1801,4 7-1800,1-2 2555,4-1-2376,12-6-449,-1-8 806,12-1-626,8-8-360,-9-1 270,13-4 0,-3-1-180,-7 1-360,23 0-630,-26 4 450,10-4-1079,-3 8 720,-15-3 359,16 4 360,-20 4 0,8 2 0,-4 3 0</inkml:trace>
+  <inkml:trace contextRef="#ctx0" brushRef="#br0" timeOffset="127856">10057 13580 7533,'-17'34'539,"-1"0"1,0-3-450,1 6 0,4-1-90,7-16 0,2 2 180,4-3-360,0-5-180,0 4 270,0-12-270,0 6 181,4-10-271,-3 2 450,4-4-360,-1 0 180,-3 0 360,3 0-270,-4-4 90,0-2 180,0 1-180,0-7 0,0 10 0,0-11 0,0 8 0,0-12 0,0 5 0,0-5 90,0 3 180,4-13-3547,5-7 3252,2 4 205,2 4-180,-8 17 359,4 0-269,-4 0 180,4 3-90,-4-2 0,4 7 0,-8-3 180,11 8-270,-10 1-90,10 5 3276,-6 3-2801,-1 6-385,3-4 0,-7 15 180,3-1-180,0 5-90,-3 6 90,8-19-1079,-4 5 899,4-20-990,0 2 271,5-8 809,-4 0 0,8-4 0,-4-1 0</inkml:trace>
+  <inkml:trace contextRef="#ctx0" brushRef="#br0" timeOffset="128083">10402 13738 7533,'-4'14'1439,"-2"-4"-720,-7 8 91,-1 9-900,-1-10-540,2 13-269,7-15-1,2-1 900,4-5 0,4-4 0,2-5 0</inkml:trace>
+  <inkml:trace contextRef="#ctx0" brushRef="#br0" timeOffset="128283">10579 13701 7713,'0'5'1259,"-9"24"-1259,7-10 90,-10 17-180,11-17 180,-3-2-90,4-6 0,4 2 0,1-4 0</inkml:trace>
+  <inkml:trace contextRef="#ctx0" brushRef="#br0" timeOffset="128483">10681 13394 7533,'5'0'3058,"-1"9"-2878,-4-3 0,0 7-180,0-8 90,0 4 269,0 4-628,5 11-1350,-4-8 1619,7 5 0,-3-16 0,4 4 0</inkml:trace>
+  <inkml:trace contextRef="#ctx0" brushRef="#br0" timeOffset="128983">9750 12622 7533,'-27'9'-180,"-1"9"540,0 2-270,4-1-180,2 3 180,-5 13-3367,2 5 2212,1 4 1065,7-9-665,7 0 305,5-16-141,1 11 1,4-21 0,0 0 0</inkml:trace>
+  <inkml:trace contextRef="#ctx0" brushRef="#br0" timeOffset="129151">9695 12715 7533,'29'4'2069,"-7"-3"-1710,-13 8 1,0-4-450,-4 0 90,0 3-180,7-3 180,-5 5-1439,18-1-1838,-12 0 3090,13-4 1,-12 4 0,5-4 0</inkml:trace>
+  <inkml:trace contextRef="#ctx0" brushRef="#br0" timeOffset="132316">11406 12818 6813,'-5'0'1799,"-7"4"-899,-3 13-721,4-4-89,-6 21-90,12-14-225,-2 20 1,1 2 134,0-2-402,-1-2 0,1-2 492,5-9 90,-3 1-180,0 5 360,3 4-135,-1-9 0,0 2-135,2 16 135,0-17 0,0 1-45,-1 2 0,2 2 29,1 1 1,1 4 0,0-3-165,-2 3 1,0 0-299,1-1 1,1 1-1,0-4 208,-1-7 0,0 0-135,3 17 1,0 1 179,-2-18 0,0 0 0,3 8 0,0-4-270,0-9 90,-1-8 0,3 3-539,-3-9 809,9-4 0,-4-5 0,3-5 0</inkml:trace>
+  <inkml:trace contextRef="#ctx0" brushRef="#br0" timeOffset="135782">12002 13125 7982,'0'-6'1799,"4"2"-1619,1 8 0,5-3 90,3 8 90,2-8-3637,7 3 2572,2 0 383,0-3 502,3 3-852,9-4 672,-9 0-63,21 0 63,-27 0-90,10 0 2668,-12 0-2848,4 0 1421,1-4-2231,3 3-261,-3-7 1341,-9 7 0,-7-8 0,-8 4 0</inkml:trace>
+  <inkml:trace contextRef="#ctx0" brushRef="#br0" timeOffset="136632">12114 13190 7533,'-24'23'-180,"-3"8"180,16-14 360,-6 5-181,16-13-89,-3 0 360,4-4 180,4 8-630,1-11 540,9 10-1,9-7-359,-3 5 360,24 7-630,-13-5-90,14 9-1862,-16-10 1952,-6-2-90,-1 3-360,-3-1 450,1 3-90,-7 0 0,-8-5 90,-5 4-90,0 6 1,-21 17 89,7-9 1835,-17 4-1835,0-5-180,-3-5 135,7-2 1,-1 2 134,-8 5-90,-3 1 90,20-10-90,1-6 0,-5 6 0,7-7 0,3 0 90,5-2 90,7-7 90,-3 3 0,4-4 656,0 0-386,4 0-360,-3 0 0,7 0-90,-3 0 90,4 0 0,1 0 359,-1 0-269,-4 0-270,-1 0 270,1 0-180,-4 0 0,11 0-90,-6 0 180,3 0-180,0 0 90,-4 0 360,4-4-360,1 3 630,-1-3-361,4 0-89,-2 3-270,2-3 90,-4-1-90,1 4 90,7-3-89,-5 4 89,5 0 179,-3-4-179,-4 3 270,16-3 0,3 0-180,-3 3 90,12-3-90,-21 4-90,14 0 90,-16 0 0,3 0 90,8 4-90,-9-3-90,14 3 90,-16-4-90,-2 4 90,1-3-180,0 3-180,-4-4-360,3 0 450,-12 0-2968,3 0 3148,-12 4 0,1-3 0,-6 4 0</inkml:trace>
+  <inkml:trace contextRef="#ctx0" brushRef="#br0" timeOffset="138634">12867 13664 7533,'-9'0'0,"4"0"1259,-8 8-899,7 3 179,-7 28-359,7-15-135,4 4 0,0-1-45,2-4-3277,0 21 1853,0-28 1424,0 10-670,4-7 670,6-8 0,0-3 0,4-13 0</inkml:trace>
+  <inkml:trace contextRef="#ctx0" brushRef="#br0" timeOffset="138815">12839 13459 7533,'0'14'0,"0"0"0,0-3 0,4 5 0,6-10 0,4 4 0,5-6 0</inkml:trace>
+  <inkml:trace contextRef="#ctx0" brushRef="#br0" timeOffset="140283">12700 12938 6363,'-5'0'720,"1"0"629,4 0-989,12 0 0,3 0-180,9 0-90,-5 0-90,2 0-90,-9 0 0,5 0-810,-3 0 720,-4 0-719,8 5 899,-8-4 0,3 3 0,-3-4 0</inkml:trace>
+  <inkml:trace contextRef="#ctx0" brushRef="#br0" timeOffset="140923">13156 12650 6633,'-6'4'1080,"2"1"-811,4 1 541,-4 10-540,3-9 449,-3 36-449,4 9-1909,0-14 1,0 1 1266,0-6 0,0 1 372,0 9 0,0-3 0,0-1 0,0-10 0,0-1 0</inkml:trace>
+  <inkml:trace contextRef="#ctx0" brushRef="#br0" timeOffset="143955">6978 13348 7533,'0'0'0</inkml:trace>
+  <inkml:trace contextRef="#ctx0" brushRef="#br0" timeOffset="144419">6913 13506 7533,'-20'-9'1439,"6"3"-1079,10 2-90,4 4 89,0-4-179,4 3 180,10-3-360,5 0 90,18 3 90,-11-3-135,1 3 0,1 2-45,1-1 90,24 0-180,-28 0 90,23 0-90,-25 0 90,17 0 0,-26 0-1080,8 0 901,-15 0 89,10 0 0,-16 0-1080,3 0 811,-4-4 359,0-2 0,0-3 0,0 0 0</inkml:trace>
+  <inkml:trace contextRef="#ctx0" brushRef="#br0" timeOffset="145205">7695 13487 7533,'-10'0'-450,"5"0"1170,-3 0 179,3 0-89,-1 0-181,2 0 361,4 0-810,0-4-180,0 3 539,8-3-539,-1 4 360,23-4-630,-13 3 225,11-3 0,0 0-45,-3-2 90,18 1-270,-28 1-809,11 4-1260,3 0 1980,-8 4 359,4 6 0,-24 4 0,3 5 0</inkml:trace>
+  <inkml:trace contextRef="#ctx0" brushRef="#br0" timeOffset="145619">7657 13729 7982,'10'-4'1170,"3"3"-990,1-3 0,1 4 269,7 4-269,-7-3-90,4 7 270,-2 2-630,-2 4 0,-1 9-359,0 5-1,-9 13 450,-1-10-90,-4 12 180,0-26 90,-4 9-90,-1-8 0,0 2 0,-4-1 180,4-2-180,-4-2 270,4-1-180,1-5 90,4-4-90,0-5 270,4 0 90,9 0-180,-1-5 360,22-8-3817,-17 2 3341,10-7-333,-9 5-1171,0-6 811,-6-1 629,4 2 0,-11-4 0,5 3 0</inkml:trace>
+  <inkml:trace contextRef="#ctx0" brushRef="#br0" timeOffset="145918">7816 12576 7533,'0'-10'539,"0"-3"901,-5 7-811,4 2 271,-11 25-361,2 22-494,4-17 0,1 1-158,0 7 1,2 1-473,2-5 1,2 1 539,-1 3 0,0 1-360,2-7 0,0 2 405,2 16 0,1 0 0,6 4 0,-5-12 0,1-1 0</inkml:trace>
+  <inkml:trace contextRef="#ctx0" brushRef="#br0" timeOffset="149686">13872 13506 7533,'-5'0'0,"1"0"0,4 0 0</inkml:trace>
+  <inkml:trace contextRef="#ctx0" brushRef="#br0" timeOffset="150119">13677 13450 7892,'9'0'2159,"5"0"-2069,0 0 630,21-4-540,-12-1-90,12-4 90,-16-1 89,0 1 406,15-2 0,4 0-675,-2 3 0,15-1 0,1 1-944,-18 8 854,14 0 0,-13 0 90,-13 0-90,8 0 180,-11 0 0,-4 0 0,6 0 359,-9 0 91,22 5-450,-21-4-765,17 7-135,-24-7 361,7 7 449,-8-7 0,0 7 0,-1-2 0</inkml:trace>
+  <inkml:trace contextRef="#ctx0" brushRef="#br0" timeOffset="170286">15166 12976 7533,'13'-39'3276,"-3"12"-1965,4 13-232,-1 10-719,-2 4 90,2 0-270,-4 0-180,13 0 0,7 0-180,14 8-90,-12-5 0,1 0-179,18 11 269,-20-11 0,-1-1 0,8 2-3097,0-8 2622,-13 3-2622,12-7 2667,-24 3 610,9-5 0,-28 1 0,0 0 0</inkml:trace>
+  <inkml:trace contextRef="#ctx0" brushRef="#br0" timeOffset="170733">15305 13004 7533,'-39'24'989,"16"-5"1,7 1-1440,17 1 450,-6 7 1259,26-10-180,2-1-539,6 7-90,8 5-630,-12-1 180,1-5 0,-3 8 0,-7-14 0,6 17-90,-13-22-450,-8 30 181,-18-6 359,-5 8-45,-10-13 0,-5-2 135,6-8 0,1-1-90,-4 3 0,0 2-135,0 3 0,3-1-1215,0 5 1530,3 6 0,16-17 90,12-11-90,4-1-90,1-4-2762,21-1 3301,12-12-2357,3 6 2327,-4-7 1,7-4-1,-6 2-744,4 1 85,-5 0 0,6-2 0,-9 4 60,-7 2 180,13 2-2219,-4 0 1949,-10 3-453,4-1 1,0 0-2517,0 2 3059,14 0 0,-23 0 0,-6 0 0</inkml:trace>
+  <inkml:trace contextRef="#ctx0" brushRef="#br0" timeOffset="172034">16124 13534 7533,'-11'10'3238,"-1"-2"-2519,7-3-898,-5 0 179,1 8 0,0-3-3213,-5 12 3393,4-6 270,-8 23-540,4-8-2448,-1 19 2178,6-20-9,1 9 99,7-10 90,-3-4 2354,4 5-2354,0-19 0,0 2-719,8-8 539,2-5 2216,17-13-1856,-6-2 0,6-13 0,-9 0 0</inkml:trace>
+  <inkml:trace contextRef="#ctx0" brushRef="#br0" timeOffset="172234">16068 13338 0,'-26'10'3276,"17"-5"-542,-12-1-3634,21-4 2219,0 0-1768,8 8 319,3-1-500,7 6 630,1-8 0,-1-1 0,1-4 0</inkml:trace>
+  <inkml:trace contextRef="#ctx0" brushRef="#br0" timeOffset="172732">15956 12743 7533,'-15'5'2608,"2"-5"-1978,13-1-540,0-7 90,0 7-270,0-3 270,13 4 89,-2 0-358,8 0 89,-2 4-810,6-3-89,10 3 719,-3-4-1937,1 0 2117,-12-4 0,-1-1 0,1-4 0</inkml:trace>
+  <inkml:trace contextRef="#ctx0" brushRef="#br0" timeOffset="172921">16356 12390 7533,'-29'40'539,"7"-9"-1078,8 5 89,5-9 1844,-4 16 0,0 4-1394,6-17 0,1 1 0,-6 17 0,2-2 0,6-7 0</inkml:trace>
+  <inkml:trace contextRef="#ctx0" brushRef="#br0" timeOffset="173898">16980 12818 7533,'-9'10'809,"-1"2"-719,5-7-180,1 5 0,0 3 0,-9 14 630,1-5-2056,-3 3 0,0 1 2325,3 2-371,-10 17 12,13-9-91,-1-6-179,5 6 450,-3 9-270,7-5-46,-1-1 1,0 1-315,2 5 90,0 3 0,0-2 0,0-10-360,2 4 1,4 2-271,3-12 0,1-2 495,-3-3 0,2 0-495,3 1 1,2-4 89,5-8 2577,-4 0-3207,11-9 1080,-10-5 0,2-5 0,-4-5 0</inkml:trace>
+  <inkml:trace contextRef="#ctx0" brushRef="#br0" timeOffset="174484">17203 13013 11490,'9'0'900,"-4"0"-1260,8 12 180,-7-4 1260,11 17-541,-10-9-269,9 7 720,3 16-900,-3-11 44,3 4 1,1 5-45,-3-1 0,0-1-1019,0-3 0,1-2 749,-2 2 0,-1-3-90,2 2-3007,10 2 1157,-9-7 501,16-8 1080,-23-19 179,7-13 360,-5-13 0,-2 2-1538,0-11 1,0-2 1537,0-3 0,-2 3 0,-1-3-89,-2-2 1,-2 2 268,1-8 90,-2 9 0,-2 4 449,-5 16 1,-1 1 539,-5 6-989,1 8 360,-13 9-450,10 2 2451,-10 12-2451,9-4 90,3 5-90,-8-1 450,-5 22-451,3-12-44,1 6 0,-2 5-315,1-10 0,-2 2 1,1-2 1413,-1 6 1,-1 0-1835,-4 2 0,-3 2 1,5-8 239,-3-6-1169,5 6 0,3-3 1529,9-18 0,-6 14 0,12-19 0</inkml:trace>
+  <inkml:trace contextRef="#ctx0" brushRef="#br0" timeOffset="174916">17715 13357 7533,'9'29'719,"-4"-2"-1798,-1 0 1259,-8-7-450,-9 24 1799,5-21-4806,-12 24 2423,18-29 1903,-7 12-1409,9-24-310,0 2-49,5-29-630,16-17 1349,-3-11 0,3 16 0,1 3 0,-4-6 1709,16-3-450,-23 24 270,15-3-809,-14 13 449,9 9-899,-10 19-360,-2-2 3366,-5 19-3250,-4-11-296,0 12 270,0-11-90,0-3-270,0-10 180,0-6-2158,4 2 1888,1-8 450,5-1 0,-1-8 0,0-1 0</inkml:trace>
+  <inkml:trace contextRef="#ctx0" brushRef="#br0" timeOffset="175719">18199 13171 7533,'0'5'2698,"0"-1"-2158,0-4-270,0 4 989,0-2-809,4 6-90,-3-7 449,7 7-359,-3-7-270,5 3 179,3-4-448,6 0-1,0 0 269,4 0-628,0 0 539,-3 0-990,-2 0-1528,12-8-811,0-2 1890,13-9 540,-6 0 271,-13 1 1,-3 3 0,-6 2 0</inkml:trace>
+  <inkml:trace contextRef="#ctx0" brushRef="#br0" timeOffset="176499">18868 12845 7533,'0'10'1349,"0"-5"-1169,-4 3 90,3-3 629,-3 5-269,0-1-180,3 0-900,-12 21 405,4-5 0,0 2 135,-8 20 179,4-14 1,0 0-510,-1 9 240,6-16 0,1 0-631,-6 17 181,4-3 270,-1-3-1169,5-12 720,1 2-2648,4-9 3170,-4-8 0,3-1 1,-3-4-1</inkml:trace>
+  <inkml:trace contextRef="#ctx0" brushRef="#br0" timeOffset="176932">18840 12920 7533,'4'9'2158,"2"0"-1978,-1 17 0,-1 3 180,1 0-315,-4 3 0,-2 1 585,-4 8-271,-2-8 1,0 2-270,1 14-1729,5 1 1,2-5-1639,5-23 3151,12 15-144,-3-42 0,-1-8-359,8-18 359,-7 8-90,3-8 0,-1-2 1040,1 3-635,2-7 0,-2 1 315,-5 7-180,8-19 449,-3 12-449,-7 9 1169,11-16-1079,-12 30 3006,4-7-1271,-9 31-1645,-1-4-180,-4 16-270,-4 8 180,3-5 90,-7 6-270,7 7-90,-3-4 180,-1 12-720,4-10 181,1-9 359,1-9-720,8-10 91,0-9 809,1-9 0,8-6 0,-4-4 0</inkml:trace>
+  <inkml:trace contextRef="#ctx0" brushRef="#br0" timeOffset="177238">19511 13115 7533,'0'9'1979,"0"1"-1530,0-1 271,0 5-810,0 4 180,0 10-90,0 5 0,0 8-90,0-11 270,-5 14-360,4-10-1091,-3 0 821,4-7 90,4-14 360,-3-7 0,8-2 0,-4-4 0</inkml:trace>
+  <inkml:trace contextRef="#ctx0" brushRef="#br0" timeOffset="177445">19566 12948 7533,'0'19'3148,"5"-1"-5217,0-13 1619,0 8 270,-1-3 1,-4 0 179,0 3-270,4-8 270,1 0 0,5-1 0,-1-4 0</inkml:trace>
+  <inkml:trace contextRef="#ctx0" brushRef="#br0" timeOffset="177698">19864 12734 7533,'10'14'3276,"-5"-4"-1605,7 2-1671,-6-6-90,8 12 1259,-5 5-809,0-3 629,9 28-719,-7-20 180,7 12-90,-9-13 0,5 9-225,-9-7 0,0 2-180,1 2 0,-3 2 45,-4 7 0,-6 3 0,-7-2 0,-6 2 0,1-4 0,1-4 0,-1-2 0,-3-1 0,1 0 0,-1 0 0</inkml:trace>
+  <inkml:trace contextRef="#ctx0" brushRef="#br0" timeOffset="178723">20236 13180 7533,'-14'11'1439,"4"-3"-180,-3-8-1349,7 0-899,2 0 876,4 0 1,9 4-1,1 1 1</inkml:trace>
+  <inkml:trace contextRef="#ctx0" brushRef="#br0" timeOffset="180439">20692 12799 7533,'-15'20'2518,"-2"10"-2608,7-14 270,-12 27-180,15-20 90,-10 12 90,12-16 0,-4 16 0,3-12-360,2 12 90,4-16 225,0 13 0,0 4 45,0 7-811,0-1 1,0 0 450,4-4 180,-3-6-989,4-1 269,-5-6-89,0 3 809,4-9 0,1-6 0,4-4 0</inkml:trace>
+  <inkml:trace contextRef="#ctx0" brushRef="#br0" timeOffset="180718">20766 13050 7533,'6'0'2518,"-2"0"-1528,-4 0-810,4 4 989,9 10-1079,7 1 0,8 12 90,-4-7 90,15 15-270,-16-13 0,12 4 269,-12-4-538,-8-6 89,11 6-720,-15-7 450,3-2-1528,-2-3 1078,-10-5 900,11-1 0,-12-8 0,3-1 0</inkml:trace>
+  <inkml:trace contextRef="#ctx0" brushRef="#br0" timeOffset="180966">21111 12994 7533,'-9'11'899,"3"1"-539,-6-7 0,2 9 359,-9 4-629,-12 14 90,1 2 90,3-7 0,0 0-180,11-4 0,0-1-401,-5-1 0,3 0 41,3 10-366,-2-4 186,2-6-1079,-7 14 1529,2-11 0,1 0 0,6-6 0</inkml:trace>
+  <inkml:trace contextRef="#ctx0" brushRef="#br0" timeOffset="181250">21204 13245 7533,'0'20'0,"-4"-2"1709,3-13-720,-3 3-449,4-3-630,-4 5 90,2 3 0,-2-3 540,0 12-91,-1-2-988,-4 16 539,4-14-720,-4 16 630,8-26-360,-3 18 270,0-18-719,3 5 539,-3-12 90,4-1 0,0-4-1528,0-16 1798,4-9 0,1-13 0,4-4 0</inkml:trace>
+  <inkml:trace contextRef="#ctx0" brushRef="#br0" timeOffset="181448">21316 13162 7533,'38'-6'3276,"-14"23"-2505,-12-2-501,-12 19 90,0-12-450,0 3 270,0 11 90,0-11-180,0 14 90,0-17-720,0 5 180,0-9-1079,4-8 90,1-1-1080,9-5 2429,-4-8 0,4-1 0,-5-4 0</inkml:trace>
+  <inkml:trace contextRef="#ctx0" brushRef="#br0" timeOffset="181685">21734 13097 7533,'0'5'2338,"4"-1"-539,5-8-1529,-3-1 180,19-1-1979,-4-2 1259,4 7-1619,1-7 1889,-12 7 0,1-7 0,-2 2 0</inkml:trace>
+  <inkml:trace contextRef="#ctx0" brushRef="#br0" timeOffset="183200">22190 12864 7533,'-4'15'629,"3"-6"-449,-3-1-90,4-3 0,-5 9-90,4-4 1080,-7 16-451,3-14-179,0 14-270,-3-16-90,6 8 0,-6-4 180,3 17-1,0-1-134,1 1 0,0 0 45,-2 8-225,4-11 0,-1 1 45,-5 12-180,7 2 0,-7 0 180,7-15-2158,-4-11 1708,1-12-1169,3-1 1619,-7-4 0,3-8 0,-4-2 0</inkml:trace>
+  <inkml:trace contextRef="#ctx0" brushRef="#br0" timeOffset="183849">22218 12892 7533,'0'5'90,"0"3"1169,0 6-809,0-3-180,0 7-91,-4-9-89,3 0 630,-3 21-630,4-15 0,-5 31 180,4-32-540,-7 28 0,3-20-450,0 18 361,1-15 179,4-6-180,4-3 450,1-14-360,8 2 180,-2-9-360,6-12-449,-2-11 719,-1 2 0,8-18 720,6 10-450,-2 0 359,5 3-359,-17 13 720,12-13-540,-13 13 90,8-20-270,-16 25-1,4-17-89,-8 23 0,3-9 90,-4 15 0,0-4-180,0 14 90,0-3 180,0 11 0,-4-2-180,3-1 270,-3 12-180,-1-13 0,4 12 809,-3 11-809,4-13 135,0 4 0,0 2-225,0 11-899,4-1 58,-3-8 571,8-18-450,-8-3 271,7-5-1530,5-1 1979,7-4 0,0-4 0,-3-1 0</inkml:trace>
+  <inkml:trace contextRef="#ctx0" brushRef="#br0" timeOffset="184736">22804 13143 7533,'0'5'-450,"0"4"180,0-8 0,0 7 1350,-4-3-900,3 0 89,-7 12 361,3-2-450,0 5-90,0-3 270,5 1-360,0-7 270,0 11 179,0-7-359,0-1-540,9 8-539,-7-15 90,18 5-91,-16-12 360,12 0 630,-11-12 0,9 1 0,0-12 0</inkml:trace>
+  <inkml:trace contextRef="#ctx0" brushRef="#br0" timeOffset="184949">22897 12929 7533,'0'15'809,"0"-6"-1618,0-1 899,0 1-990,0-2 1,0 5 899,0-11 0,5 3 0,0-4 0</inkml:trace>
+  <inkml:trace contextRef="#ctx0" brushRef="#br0" timeOffset="185334">23074 12697 7533,'5'5'2428,"4"-1"-1978,-4-4-90,4 0 719,5 4-809,-4 1 90,3 5-90,-3-1-180,-1 0 0,8 13-90,-5-10 90,9 22 0,-11-21 89,8 21-89,0-5 180,2 9 180,3 7-46,-15-14 1,-2 2-405,0 7 0,-2 0-326,-3-7 0,-2 0-79,-5 19 0,-6-1-1234,-4-19 1,-1-2 871,2 4 1,-1-1 766,-1-5 0,-1-4 0,-5-5 0,0 4 0</inkml:trace>
+  <inkml:trace contextRef="#ctx0" brushRef="#br0" timeOffset="187366">23362 12352 7533,'-5'0'-1439,"1"0"2428,4 0-449,0-4 449,0 3 990,0-3-1619,4 4 179,1 0 91,17 0-540,-10 0 180,26-4-180,-20 3 90,17-3 0,-15 4-540,-2 0 270,12-4 90,-16 3 180,16-3-270,-20 4 0,0 0-360,-6 0 450,-4 0 0,-4-9 0,-2-1 0</inkml:trace>
+  <inkml:trace contextRef="#ctx0" brushRef="#br0" timeOffset="187582">23511 12315 7533,'0'20'270,"-4"-7"359,-1 4-449,0-10 1259,0 23-1079,5-13-180,0 9-3457,0 1 2842,0-6 1381,0 18-676,0-17-719,-4 21 449,3-13 0,-7 16 0,3-20 0,-5 0 0</inkml:trace>
+  <inkml:trace contextRef="#ctx0" brushRef="#br0" timeOffset="189932">23800 12780 8522,'4'-5'1889,"1"1"-1709,0 4 0,3 0 180,2 0-180,0 0-1,3 0 271,13 0-360,-12 0-3302,32 0 3392,-27 0 0,16 0-310,-16-4 40,-1 3 270,1-3-450,8 0 90,-7 3-359,7-8-2429,-12 4 2968,-6-4 0,-9 0 0,-5-1 0</inkml:trace>
+  <inkml:trace contextRef="#ctx0" brushRef="#br0" timeOffset="190535">23781 12836 7533,'-5'0'1079,"-4"0"-989,8 0 180,-3 0 0,4 4 809,0-3-449,4 8 269,-3-4-899,8 4 540,0 13-180,6-2-270,7 21-90,-6-20 270,1 5-270,-7-16 0,3-1-360,10 8 270,-2-9-90,10 8 0,-16-11 90,7 1-180,-8 2 180,1-7-180,-2 7 270,-8-3 0,0 5-90,-18-1-179,6 0-91,-23 5 360,13-4-270,-9 8-180,-10 0 90,15-1 1,-1 2 269,-8 5 0,-1 0 90,6-2 0,1 0 90,-12 14 359,-2-1-269,27-22 90,-18 9 90,24-14-270,0-7 90,1 7 90,4-7 269,0 3-269,8-4 90,11 0 0,6 0 0,3 0 269,11 0-539,-12 0 90,13 0-180,-12 0 90,-4 0-270,-1 0 90,-5 0 0,1 0 180,0 0-450,-1-4 180,-3 3-719,-2-3 359,-8 4 180,4 0-629,-8-4 989,7-1 0,-7-4 0,3-1 0</inkml:trace>
+  <inkml:trace contextRef="#ctx0" brushRef="#br0" timeOffset="192238">24302 13478 7533,'-4'5'-180,"3"-1"180,-3 0 539,0-3-269,3 8 90,-3-8 180,4 7 179,-5-3-359,4 5-180,-3-5 0,0 3 540,3 5-630,-3 3 89,4 2-358,0 0 179,0-8-540,0 0 0,0-2-269,0-3 89,0 0-359,4-1 179,1-12 360,5 6 540,-5-14 0,3 5 0,-3-7 0</inkml:trace>
+  <inkml:trace contextRef="#ctx0" brushRef="#br0" timeOffset="192469">24321 13273 9422,'-5'0'2338,"5"4"-3327,5-2 899,0 6 90,3-7-1619,-3 3 1619,5-4 0,3 0 0,2 0 0</inkml:trace>
+  <inkml:trace contextRef="#ctx0" brushRef="#br0" timeOffset="194820">24265 12529 10591,'9'0'1439,"9"0"-1259,-7 0 180,19-4-180,-13 3-450,10-7 180,-4 7-630,-8-8 181,11 4-901,-11 0 181,4 1-450,-6 0 1080,-7-1 629,-2-5 0,-4 1 0,0 0 0</inkml:trace>
+  <inkml:trace contextRef="#ctx0" brushRef="#br0" timeOffset="195152">24628 12232 7533,'5'-6'359,"-1"2"-359,-4 4 1889,0 0-1349,0 4-360,0 2 0,0 3 180,0 4-180,0-7-1,0 11 91,0-7-270,0 5 450,5 7-540,-4-7 90,3 16-90,-4-6-180,0 11 90,0-15-809,0 13 629,0-18-2608,4 15 2968,-3-19 0,7 0 0,-3-12 0</inkml:trace>
+  <inkml:trace contextRef="#ctx0" brushRef="#br0" timeOffset="197415">24860 12566 8162,'0'6'90,"0"2"-180,0-7 270,0 3-90,0 0-90,0 1 360,0 5-360,0-5 450,0 7-360,0-6 90,0 12-180,0-4 179,0 5-89,0-5-180,0-4 90,4 2 0,-3-1 90,7 11-90,-7 6 0,4-7-90,-5 13 180,0-9-90,0 8 90,0-1-90,0 0 0,0-3 0,0 3 0,0-8 0,0 11 0,0-13 0,-5 21 0,4-21 90,-11 25 0,10-24-930,-10 16 930,6-19-90,1 3 90,-3-5 0,-1 17-90,-6-4 0,-8 15 0,10-23 0,-2-1-450,-14 22 225,11-23 0,1 0 46,0 7-331,-11-10 241,20-13 269,-9-1 0,3-4 0,0 0 0</inkml:trace>
+  <inkml:trace contextRef="#ctx0" brushRef="#br0" timeOffset="200565">24098 14231 9152,'5'-4'539,"3"3"-539,-7-3 1080,11 4-720,-5 0-91,10 0 91,-2 0 180,16 0-360,-14 0-90,17 0-180,-22 0 270,5 0-1350,-3 0 991,-8 0-1171,11 0 1080,-15 0 270,6 0 0,-8 4 0,0 1 0</inkml:trace>
+  <inkml:trace contextRef="#ctx0" brushRef="#br0" timeOffset="200815">24060 14445 7533,'26'11'3276,"-12"-7"-1965,11-5-1221,13-9 0,0-1-1259,-12 7 539,21-6 0,-2-1-449,-32 6 1079,21-4 0,-18-5 0,7 0 0</inkml:trace>
+  <inkml:trace contextRef="#ctx0" brushRef="#br0" timeOffset="201104">24591 14204 7533,'5'5'2788,"-5"3"-6065,-9 14 2513,-2-9 2430,-2 29-1846,8-24 1090,1 21-1000,12-14 180,-2-1-449,20-2 269,-14-16-2522,30 2 2432,-23-16-135,9-4 0,-1-3 226,-3-8-194,7-10 1,-2-2 372,-13 4-719,2 2 0,-3 1 1348,-14 4 1349,-5-3-1618,-23 12-1350,-13 6 2466,-3 14-1566,-5 13 0,14 2 0,-7 3 0</inkml:trace>
+  <inkml:trace contextRef="#ctx0" brushRef="#br0" timeOffset="222082">5238 16157 7533,'9'-4'3276,"9"3"-2415,-3-7-951,12 7 270,13-8 0,-12 6 0,1 1 0,6-1 0,2 1-45,-3 0 0,2 0-270,5 2 0,-1 0-727,7 0 682,-13 1 0,-3 2-507,-1 2-212,2 0 89,-1 8-989,-14-11 810,5 10 224,-13-7 1,-4 9-1,-1 0 1</inkml:trace>
+  <inkml:trace contextRef="#ctx0" brushRef="#br0" timeOffset="222537">5220 16380 7533,'-21'5'3148,"5"-1"-3148,16-4 90,16 0 0,0 5 90,12 0-90,-5 4 90,-5 0 269,9 17-269,-6-8-270,10 21 90,-11-22-90,2 8 90,1-6-180,-7-3 360,1 1-540,-3 1 271,-4-7-541,3 36-539,-16-6 854,-3-11 0,-2 1-643,-13 15 688,-10-13 450,7-7-315,-1-5 0,-2-1 495,-8 8-135,0-2 0,1-1 135,7-3-90,-8 5-181,25-18-89,6-1 180,4-2-90,9-1 450,1-1-360,9 0-90,-1-3-1985,25 3 2075,-14-8 45,-3 4 0,1-1-214,14-7 258,-6 3-44,-8 0 0,-1 0 45,5 0-990,9-3 451,5 7-1370,-5-1 1,1 0 1569,-10 1 1,-1 2-1,11-1 1,-3 0-1,-6 0 1</inkml:trace>
+  <inkml:trace contextRef="#ctx0" brushRef="#br0" timeOffset="223902">6224 17013 7533,'-9'0'629,"0"0"-179,4 0 1529,-4 0-1529,0 0-540,3 0 270,-7 4 89,8 1-1078,-8 17 809,-2-6-90,1 11-180,-8 8 315,10 2 0,0 3 45,4-14 0,0 1-274,-3 18 1,5-5 183,10-18-810,2 8 270,15-16-719,-4-3 540,14-3-2558,-7-12 3173,-1-5 1,4-10 0,-3-5-1</inkml:trace>
+  <inkml:trace contextRef="#ctx0" brushRef="#br0" timeOffset="224083">6299 16436 7533,'-10'0'3276,"1"0"-3314,18 21-2121,1 9 1439,9 5-539,-5 0 439,4-25 1,-8 3 0,3-8 0</inkml:trace>
+  <inkml:trace contextRef="#ctx0" brushRef="#br0" timeOffset="224466">6959 16334 7533,'-15'9'2428,"2"-4"-2248,13-1-90,4-4 360,26 4-360,-6-3-90,2 4 0,1-1 0,-1-3-90,5 3 0,-4 0 90,-3-3-810,4 3 181,3 0 449,-10 2-1259,2 3 1439,-6-4 0,-10 7 0,1-1 0</inkml:trace>
+  <inkml:trace contextRef="#ctx0" brushRef="#br0" timeOffset="224633">7136 16631 7533,'-10'20'3276,"1"-2"-346,13-9-3919,10-4 179,10-1 810,13-4 0,4-4 0,8-5 0,-8 2 0,1-1 0</inkml:trace>
+  <inkml:trace contextRef="#ctx0" brushRef="#br0" timeOffset="240356">8420 16482 7533,'-34'-14'-900,"7"5"810,13 0 90,1 4 0,-6 0 90,0 1 180,-4 4-90,8 0 90,-6 0 269,6 0-269,-4 0 270,-2 0-180,9 0 180,-14 4-361,15-3 181,-7 3 0,9-8-360,4 3 90,1-7 0,4 7-90,8-12-3212,15-1 3302,-1 3-90,9-6 56,-5 12 34,-5-4 180,26-5-90,-11 4-693,2 3 1,8-1-1,-5 1 603,-11 1 0,0 1-30,16 0 0,6 1 0,-9-1-55,1-3 85,8 7 0,0 1 1631,-2-4-1751,-11 3 0,5 2 0,-5-1 120,13 0-120,-11-1 0,6-1 0,-6 1 30,-13 0 0,0 1-253,16-2 0,7-2 1,-7 1 252,-13 1 0,1-1 60,15 2 0,6-1 0,-7 0-15,-15-2 0,1 0 105,12 3 0,8 1 0,-1 0-91,-4-1 1,1-1 0,-2 1-90,-6 0 0,-1 2 0,2-1 7,1 0 1,3 0 0,1 0 0,-3 0-8,3 0 0,-2 0 0,-1 0 60,-3 0 0,0 0 0,2 0-30,0 0 0,3 0 0,-1 0 0,-6 0 0,-2 0 0,-1 0 59,15 1 1,6 0 0,-7 1 104,-13-2 1,-2 1-165,1 1 0,3 1 0,-2 0 0,2 0 0,-3-1-157,-5 1 1,3-1 126,6 2 0,4 1 0,-2-1-15,5-1 0,1 0 45,-9 1 0,4 0 0,1 1 0,-1 0-395,5 0 0,0-1 0,-2 1 395,-4 0 0,-1 0 0,1 0 0,12-1 0,1 1 0,-6-1 45,-11 1 0,-1-1-15,14 0 0,6-1 0,-6 0-30,-14-1 0,0 1-23,3-1 1,6 0-1,0 1 1,-6-2 22,-3 0 0,-1-1 0,3 2 0,6 0 0,1 0 0,-4 0 0,10 1 0,-1 0-30,-3 1 0,2 1 0,-3-1 30,1-1 0,-2 0 60,-7 3 0,1 0 0,-3-1-60,-4-4 0,-1 0 0,13 5 0,2 0 30,-11-3 0,2 0 0,2 0-123,0 2 0,3-1 1,0 1-1,-2 0 123,5 0 0,-1 0 0,0 1 332,4-1 0,2 1 0,-5 0-317,1 0 0,0 2 15,0 0 0,3 1 0,3 0-128,-5-1 1,2 0-1,0-1 1,-1 0 8,-5 0 1,-2-1 0,0 0 0,1 0 13,7 2 0,2 0 0,-3 0 0,-6-3 45,-4-3 0,0-1 0,1 4 0,7 1 0,-1 0 0,-6-2-45,-3-3 0,-1 0 157,5 1 1,6 2-1,0-1 1,-7 0-113,-6 0 0,-1 0 0,4-2 0,3 1 0,0 0 90,14 2 0,-4 0-90,-13-3 0,0-1 240,15 2 0,-1 0-195,-21-2 0,-2 0-45,1 0 0,-1 0-45,1 2 0,0 0 90,8-1 0,0-1-177,-8 3 1,0-1 86,3-2 0,1 0 290,0-1 0,2 2-290,15 0 0,-1 2-45,-12-3 0,0 1 174,0 1 0,3 2 1,-8-2-85,-2-1-90,15 3 0,-17 0 90,-11-3 2416,18 8-2416,-17-8-90,10 7 90,-17-7 1280,3 3-1370,-12-4-1485,3 0 1575,-25 0 0,3 4 0,-18 1 0</inkml:trace>
+  <inkml:trace contextRef="#ctx0" brushRef="#br0" timeOffset="242006">9369 15264 7533,'25'-4'989,"1"3"-179,-11-3 449,24-5-1349,-15 7 270,15-10-360,-12 11 270,2-7-180,8 2-180,12-7 360,-17 7-1709,7-2 1619,-24 8 0,-6-5 0,-5 0 0</inkml:trace>
+  <inkml:trace contextRef="#ctx0" brushRef="#br0" timeOffset="242606">9407 15245 7533,'-16'6'1349,"8"10"-989,13-9-270,4 11 0,5-1 0,-4-5-180,3 5 270,-3 1-91,3-3 91,2 8-90,-1-8-90,0-2 180,-5-4-180,13 5 0,-10-4 90,6 0-360,-10-2 180,-3-7 0,0 7-809,8-3 179,-11 17 361,-15 7 359,-1-6 0,-6 0 404,-12 4 1,-5-2-180,-4 0 0,1-2-1500,9-8 0,2-1 1185,-18 6-180,25-15-180,2 9 180,5-8 1080,23 2-630,14-16 0,27-6 449,-13-1 1,1-2 224,5-5 1,3 1 37,-8 7 1,3 2 0,-1-1-893,-3 0 0,0 0 0,0 3-429,10-1 1,-2 3 338,-13 1 0,-3 1-904,20 0 1084,-31 2-180,9 4 0,-12 0 90,-4 0-430,8 0-1099,-4 4-69,-3 2 788,-3-1 938,-8-1 0,-4-4 1,-1 0-1</inkml:trace>
+  <inkml:trace contextRef="#ctx0" brushRef="#br0" timeOffset="244256">9416 15887 7533,'-4'9'-450,"3"-3"-90,-3 2 900,4 1 90,0 10-450,0-4-90,0 7 0,-5-3 0,0 0 360,-8 21 90,2-5-181,-2-1-179,8-8-359,1-21 179,4-1-540,0-4 540,0-8-179,0-15 359,8-28 0,-3 20 0,0-1-180,6-17 629,1 10-179,-7 26 1169,9-6-1169,-8 8 0,10-1 180,-9 16-450,2 1 0,-1 4 270,-3 9-180,5 18-90,-5 8 45,-3-15 0,0-2-3322,2 11 2082,-3-15 1015,7-15-719,-2-8 899,3-4 0,0-5 0,1-5 0</inkml:trace>
+  <inkml:trace contextRef="#ctx0" brushRef="#br0" timeOffset="244490">9741 15850 7533,'0'5'1079,"0"3"-629,4-7-450,1 4-90,4-5 180,5-5 90,5 0-270,-4-4-990,11 0 1080,-15 4 0,7 0 0,-9 5 0</inkml:trace>
+  <inkml:trace contextRef="#ctx0" brushRef="#br0" timeOffset="244689">9797 15934 7533,'-19'28'1349,"9"-9"-1529,1-5-450,14-10 450,0-4-89,4 0 89,9 0 90,-7 0-450,19-13-2737,-9-2 3001,2-5 0,-5-1 0,-9 6 0</inkml:trace>
+  <inkml:trace contextRef="#ctx0" brushRef="#br0" timeOffset="244856">9992 15785 7533,'-9'29'3238,"4"-6"-2429,-4 2-719,8-12-1169,-7 21 989,7-22-3187,-3 22 0,4-21 3241,0 9-1223,0-13 989,4 0 270,-3-4 0,7 4 0,-2-4 0</inkml:trace>
+  <inkml:trace contextRef="#ctx0" brushRef="#br0" timeOffset="245423">9667 14687 7533,'0'14'1169,"-8"4"-1169,2 14 0,-8 2-90,5 0 90,0-6 0,0-1-361,2-1 451,-3 4 0,-1 0-3169,5 4 2989,-7 0-423,4-3 333,3-16-3097,-2 7 2972,7-15 340,-3 5 1,4-12 0,0 0 0</inkml:trace>
+  <inkml:trace contextRef="#ctx0" brushRef="#br0" timeOffset="245627">9704 14715 7533,'0'5'0,"0"-1"2428,8 5-2158,3 1-90,7 13-630,-8-8 270,3 3 180,-8-5-989,17 10 539,-10-6 180,5 0-449,-4-9 359,-7-7 360,12 4 0,-8-10 0,3 0 0</inkml:trace>
+  <inkml:trace contextRef="#ctx0" brushRef="#br0" timeOffset="245839">9946 14501 7533,'-11'30'1619,"3"0"-1529,4-15-90,-1 16 0,-5-6-135,4 1 0,-1 1 135,-3 5-360,-2 5 0,2 0 270,3-2-1549,-2-2 1,1-1 974,7-6 1,-3 5 0,4-13 0</inkml:trace>
+  <inkml:trace contextRef="#ctx0" brushRef="#br0" timeOffset="249043">10690 14976 7533,'-10'-6'-810,"-2"2"1170,11 0-90,-4 3 90,1-3-91,3 4-179,-3 0 0,0 0 270,3 0 90,-3 0 269,4 8-808,0-2 268,12 16-89,-4-6 360,21 15-540,-16-11 450,25 16-270,-20-20 90,21 14-1686,-18-14 1686,2 2-15,2 4-255,-8-11 0,6 11-270,11 13-90,-16-7 225,0-4 1,0 1-2475,4 12 1980,-6-16 719,-3 0 0,-4-25 0,-4-1 0</inkml:trace>
+  <inkml:trace contextRef="#ctx0" brushRef="#br0" timeOffset="249292">11035 14976 7533,'-30'9'2698,"0"4"-2698,11 2 180,4 3-360,-3-3 180,1 11-90,-3-6 90,-8 21-90,7-14 0,2 0-90,-4 16-45,3-6 1,2-1 44,6-7 90,-1 15-1349,4-13 1079,8-14 360,-3 13 0,4-20 0,0 4 0</inkml:trace>
+  <inkml:trace contextRef="#ctx0" brushRef="#br0" timeOffset="249761">11184 15152 7533,'23'15'2158,"0"2"-2068,-9 19-180,-5 0-179,-9 10 179,-1-14 90,-11 3-90,6-5-90,-7 8-180,7-10-90,3-10 360,3-9-90,0-4-179,0-5 89,3 0 0,3-9 0,7-5-90,-3-2 1,8-5 179,0-6 180,-2 5 0,5-9 180,-2 0-91,1 1 631,7-7-180,-8 9 89,4 5-3751,-9 9 3572,0 0 270,-1 9-451,-2 1 91,6 8-450,-10 1 360,5 9-180,-11-4 180,3 16-90,-4-5-90,0 23-180,4-21 2942,-3 15-4381,12-18-450,5-1 1080,7-9 899,3-12 0,-5-7 0,-5 0 0</inkml:trace>
+  <inkml:trace contextRef="#ctx0" brushRef="#br0" timeOffset="250690">11900 15171 7083,'0'5'-810,"0"-1"900,0-4 0,0 4-270,0-3 2069,0 4-1799,4-5 90,-3 0 0,3 0 360,4 0-450,-6 0 90,7 0 0,-5 0-91,1 0 91,4 0-90,5 0 180,-4-5-180,8 4 90,-8-3-180,3 4 90,-7 0-90,6 0-90,-10 0 180,11 0-360,-8 0 90,4 0 180,0 0-360,1 0 181,-5 0-1,3 0-450,-3 0 270,9-4-899,-4 3 1259,8-3 0,-8 0 0,3-1 0</inkml:trace>
+  <inkml:trace contextRef="#ctx0" brushRef="#br0" timeOffset="252610">12449 14948 7083,'-5'4'1979,"1"5"-1799,0-3-180,3 7-90,-4-8 90,1 8 90,-1 2 0,0 3 0,1-3 449,-4 15-269,1 4-180,-6 1-90,8 4 180,-4-7-90,4-2 0,1-3 0,-1-1-180,0 2 0,-4 24 0,4-31-1490,0 10 1400,1-16-360,0 7-989,3-7 1079,-3 4 91,4-10-361,0-9 720,0-13 0,0-3 0,0-7 0</inkml:trace>
+  <inkml:trace contextRef="#ctx0" brushRef="#br0" timeOffset="253241">12430 15004 7533,'0'-6'1529,"0"2"-1799,0 4 90,0 8 270,0 11 360,5 2-540,-4 1 540,7 8-540,-7-16 180,3 12-90,-4-13 90,0 2-180,4 7-90,-3-6 0,3 1-90,-4-3-360,0 4 450,0-6 90,0 4 180,9-15-180,-7 4 90,10-5-90,-3 0 1,2 0 178,2 0 1,1-9-90,0 7 180,1-10 0,2 3 0,-7-2 90,8-15-90,-8 10-180,12-23 90,-11 17-90,3-2 0,-2 0-90,-4-3 90,8-9-270,-7-7 0,1 15-1165,-1-8 1435,-5 18 90,-4 9-90,0 4 0,0-4 180,0 8 180,0-3-360,0 13 90,0-3-90,-4 15 0,3-9 0,-3 10 1435,4-8-985,0 21-450,0-12 0,0 20-90,0-1 45,2-16 0,0 0-450,1 1 0,-1-1 315,4 11-989,6-15 899,-6-17-360,8-1 630,-5-4 0,0-8 0,1-2 0</inkml:trace>
+  <inkml:trace contextRef="#ctx0" brushRef="#br0" timeOffset="254168">13053 15245 7533,'-5'10'270,"1"-1"-270,4 0-90,0 1 90,0-5-90,0 3 359,-4-3-89,3 9-90,-3 0 90,4 1 270,-5 10-180,4-12-180,-3 8-180,4-7 450,-4 9-270,3-11 89,-3 9-358,4-20-1,4 7-640,5-11 1,2-2 0,2-10 0</inkml:trace>
+  <inkml:trace contextRef="#ctx0" brushRef="#br0" timeOffset="254187">13063 15022 7533,'35'28'0,"-5"-9"0</inkml:trace>
+  <inkml:trace contextRef="#ctx0" brushRef="#br0" timeOffset="254393">13333 14790 7533,'26'7'1638,"1"0"0,14 6-597,-24 1-1041,-3 9 90,-4-3-3367,4 20 894,-5-15 3067,-2 13 1,-1 2-685,0 2-180,-2-8 0,-1 6 0,-1-6 0,-2 11 0,-3-9 0,-1 5 0,-2-2-135,-3 5 1,-1-2-226,0 6 0,-1 0-222,-6 2 0,0-4 42,9-20 1,-1-1 719,-5 5 0,-3-1 0,4-6 0,-2-1 0,-1-1 0,-1 1 0</inkml:trace>
+  <inkml:trace contextRef="#ctx0" brushRef="#br0" timeOffset="255207">10662 14697 7533,'-9'0'180,"0"0"449,4 0 91,-4 4-900,-8 9 90,4-2 360,-21 19-180,22-13 0,-10 10 90,13 4-180,-1-5 269,5 14 271,1 6-450,4-6-379,4 2 1,0 3 423,-1-12 0,1 1-270,4 14 0,1 0-558,-6-16 1,0-2 692,3-3 0,1 0-539,2 22 449,2-13-180,6 9-180,-2-9 450,3-10-765,-3-4 1,1-1 764,6-3 0,9 12 0,-12-16 0</inkml:trace>
+  <inkml:trace contextRef="#ctx0" brushRef="#br0" timeOffset="257091">13938 14873 7533,'-5'5'1349,"4"4"-1349,-3-8-90,0 19 90,3-11 180,-3 12-630,0-3 450,-1 2 90,-5 3 0,1 0 0,0 0-720,-9 25 450,11-13 135,-6 6 0,1 3-1066,10-9 0,1 0 1470,-5-1 1,0 1-405,5-4 0,2-1-134,3 18-361,1-19 0,3 0-90,5 6 1,2-3 269,7 12 360,12-19 0,-23-29 0,7-6 0,-9-4 0</inkml:trace>
+  <inkml:trace contextRef="#ctx0" brushRef="#br0" timeOffset="257374">14059 15050 8972,'9'0'0,"4"4"180,-2 1-270,19 21 90,-17-12 225,6 6 0,0 2-225,-2-4 359,5 13 1,0-9-360,-11-2 0,11 3 90,-12-9 0,4 4-720,-5-8-359,13 16-540,2-10 1529,9 7 0,-9-18 0,-6-6 0,-9-8 0</inkml:trace>
+  <inkml:trace contextRef="#ctx0" brushRef="#br0" timeOffset="257591">14374 15013 7533,'-9'0'989,"4"4"-809,-8 5 0,11 2-270,-10 6 180,3 2 270,-14 21-180,2-12-180,-2 15 449,-2 2-674,14-19 1,1 2-766,-2 3 1,1 0 989,2 15 0,10-19 0,8-14 0</inkml:trace>
+  <inkml:trace contextRef="#ctx0" brushRef="#br0" timeOffset="260163">14607 15376 7533,'0'10'-360,"0"2"450,0-7-90,0 9 0,0-8 0,0 7 0,0-8 90,-4 4 90,3 0 0,-3 1-90,4-1-90,0 0 0,0 1-90,0 7 0,0-1-270,0 6 360,0-11-360,0-3 270,0-8-360,4 0 360,-3 0 0,3 0 1,-4-4 89,0-1-180,4-5 270,-3-3-180,3 3 90,-4-12 90,0 10-90,0-9-90,5 10 270,-4-6-180,3 7 0,-4-4 449,4 1 1,1-10-270,4 6 270,1-13-360,-5 19 269,3-7-359,-3 9 180,0 0 90,4 0-180,-4 3-90,0 2 90,-1 4-180,-4 0 90,4 0-90,-3 0 450,8 0-90,-8 0-90,3 4-90,-4-3-90,0 4 90,0-1 89,0 1-89,0 0 90,0 12-270,0-10 0,0 10 180,0-3-90,0-4 90,0 16 90,0-1-180,0 4 0,0 2 0,0-16 90,0-1-450,0-2 270,4-6-809,1 8 719,0-9 180,4 3 0,-4-11 0,4 2 0</inkml:trace>
+  <inkml:trace contextRef="#ctx0" brushRef="#br0" timeOffset="261162">14979 15134 7533,'-5'5'1529,"-3"3"-1079,7-7-271,-3 7 91,4-6 90,4 2-270,1-4 0,4 0 0,1 4-180,-1-3 270,0 3 90,5-4-180,-4 0 90,8 0-180,-8 0-180,16 0 90,-5 0-1259,7 0-810,7 0 1709,-18-4 450,9 3 0,-12-7 0,0 2 0</inkml:trace>
+  <inkml:trace contextRef="#ctx0" brushRef="#br0" timeOffset="262142">15519 15013 7533,'0'5'989,"-4"3"-719,3-7-90,-3 12-90,0-7 90,3 3-270,-3-1 0,4-2 0,0 7-90,-4 2 450,3 11-270,-4-5 360,5 14-180,0-14 179,-4 31-314,2-24 0,-1 1 45,-1 3 0,-1 1-135,0 3 0,1-1-315,-2 12 181,-2-13-181,7-4 180,-3-19 180,4 2-1080,-4-3 541,3-5-361,-3-1 540,4-4 1,4 0 359,-3-4 0,7-6 0,-7-4 0,3-5 0</inkml:trace>
+  <inkml:trace contextRef="#ctx0" brushRef="#br0" timeOffset="262741">15538 15041 7083,'5'0'0,"-1"0"270,-4 4 90,0-3 989,-4 11-1169,3-6 449,-3 8-539,4-5 90,0-4-270,4 4 180,-3-4 0,3 4-360,0 13 360,-3-10-360,4 14 91,-1-7-1,-3 0 90,3 4-90,-4 4 0,0-6-180,0 14 450,0-10-270,0-2 90,0-9-180,8-6 0,-2-11 1,16-2 179,-6-14-90,2 4 90,-8-7 0,-2 7-3187,5-20 3072,-1 13 106,0-4 1,1 0 98,-2 3 314,-2-3 1,0 1 135,0 2-180,-4-8-54,3 9-36,-7 11-1737,8-7 1557,-8 9 2219,3 4-2309,-4 1 621,0 4-621,0 8 252,0-2-252,4 16 3366,-3-7-3013,7 12-3467,2 5 3204,0-6-648,3 17 648,-7-25-360,2 20-630,1-17 271,-3-2-361,11-6 1080,-15-13 0,10-8 0,-6-3 0</inkml:trace>
+  <inkml:trace contextRef="#ctx0" brushRef="#br0" timeOffset="263025">16012 15292 7533,'-5'30'1529,"1"-4"-1259,4-9-180,4-5-270,-3 9 90,3 6 0,0-5 90,1 9 0,0-17-450,4-4-180,0-2-449,-3-7 1079,7 3 0,-8-8 0,4-1 0</inkml:trace>
+  <inkml:trace contextRef="#ctx0" brushRef="#br0" timeOffset="263204">16133 15097 7533,'5'9'1079,"-1"0"-449,0 0-450,-3 5-360,4 0-360,-5 5-539,4 4 719,-3-8 360,11-1 0,-6-10 0,8-4 0</inkml:trace>
+  <inkml:trace contextRef="#ctx0" brushRef="#br0" timeOffset="263493">16328 14948 7533,'9'9'3238,"-3"0"-3688,3 1 90,-1-1 90,-2 13 1440,7 15-990,-3-9 179,1 0 1,0-1-90,1-9 270,9 26 179,-6-11-719,-1 1 360,0 10-810,-5-1-178,-6-16 0,-1 1-91,-2 17 359,-7-8 0,-3-1-539,-7-1 449,0 1 0,-1 2-434,4-13 0,-1-2 884,-6 6 0,1-1 0,4-4 0,1-1 0,-16 13 0</inkml:trace>
+  <inkml:trace contextRef="#ctx0" brushRef="#br0" timeOffset="265661">16440 14659 7533,'-9'6'90,"4"-2"539,1-4 1350,4 0-1799,8 0-90,-2 0 270,16 0-180,-7 0-180,8 0 180,16-4-1,-11 2 181,21-2-360,-20 4 0,-1 0-180,7 0 90,-13 0 0,9 0-809,8-4 719,-11 3-270,-2-2 1,1-2-1081,-1-4 1530,-4-2 0,-9-2 0,-8 4 0</inkml:trace>
+  <inkml:trace contextRef="#ctx0" brushRef="#br0" timeOffset="265891">16794 14631 7533,'-10'30'-540,"1"-4"270,9-16-90,-4 3 2519,3 1-1259,-3 9-91,4 5-179,-4 18-540,3-14-360,-3 7 270,4-12-2609,0-2 2609,0-2 0,0-1 0,0-7 0</inkml:trace>
+  <inkml:trace contextRef="#ctx0" brushRef="#br0" timeOffset="266793">16943 15366 7533,'-8'14'3276,"5"-8"-2235,-5 2-2480,8-8-1838,0 0 3241,8 0 1,-1 4 0,6 1 0</inkml:trace>
+  <inkml:trace contextRef="#ctx0" brushRef="#br0" timeOffset="267775">17333 15273 7533,'5'10'1619,"3"-5"-1529,6-1-360,1-4 90,4 0 900,7-4-181,-14 3 1,18-3-360,-14 4-270,7 4 0,-9 1 0,-1 4 90,1 0-90,-8 1 90,11 7 90,-15-5-180,6 5 90,-8-3 0,0 0 0,-4 9 0,-1-8-180,-5 7 0,-7-7 180,5-1-449,-13 12 359,9-18 0,-3 13 0,-6-8 90,4 3 90,-3 2-180,7-4 360,7-5-181,1 0 181,0 1-270,3-1 0,2-4 0,4 4 0,0-8 0,0 7 0,4-7 0,2 7 0,3-7 540,8 12-360,-5-11-90,5 10 90,-7-11 90,-5 7 89,7-7-89,-1 8-90,7-4 0,-3 0-90,-2-1-90,5-4 0,-3 0-540,12 0 450,-11 0 0,1 0-899,-3 0 89,-4-8 900,4 2 0,-5-12 0,0 4 0</inkml:trace>
+  <inkml:trace contextRef="#ctx0" brushRef="#br0" timeOffset="268999">17882 15562 7533,'0'5'-360,"0"-1"-180,0-4 720,-4 0 0,3 0 0,-3 4-180,4-3 360,0 3-180,0 0 89,0-3 361,0 4-360,0-1 0,0 1-180,0 4 0,0 0 0,0 1 0,-4-1-90,3 13 90,-3-10-1,4 10 91,-5-5 90,4 7-180,-3-3-180,4 1 270,0-9-270,0-3 270,0 0-450,0-6-989,0-4 899,0-8 270,0 5 0,0-9-270,0-1 91,0-7-181,0-12 360,4 7-450,2-18 450,-1 20 180,3-8-180,-3 13 630,5 0 269,-1 6-179,-4 0 0,3 12-180,-7 0 179,8 4 1,-8 1 89,7 9-269,-3-4-270,0 4 0,4 3 90,-4 3-630,12 28 360,-5-19-90,1 11-180,-5-23-1439,-7-7 1349,4 4 180,-5-9-1619,4-1 1799,-3-4 0,3 0 0,-4 0 0</inkml:trace>
+  <inkml:trace contextRef="#ctx0" brushRef="#br0" timeOffset="269281">18245 15701 7533,'5'20'0,"0"-7"1259,-5-4 0,0-8-989,0 11 180,0 2-360,0 6-180,0-1 270,0 2-90,0-9-180,0 18-90,0-18-360,4 14 360,1-16-1619,4 0 1350,1-6 449,-1-13 0,-4-1 0,-1-8 0</inkml:trace>
+  <inkml:trace contextRef="#ctx0" brushRef="#br0" timeOffset="269492">18292 15497 7533,'4'10'2248,"-3"2"-2607,3-7 1258,-4 9 1,4 0-631,-3 1-89,8 2-989,-8-10 359,3 5 180,0-11 270,1-1 0,4-5 0,1-4 0</inkml:trace>
+  <inkml:trace contextRef="#ctx0" brushRef="#br0" timeOffset="270159">18106 15831 7533,'0'15'629,"-4"-2"990,-2-3-1259,1-5-1259,-3-1 449,7-4 180,-3 4 270,4 1 90,0 0 90,0 4-270,-4-4-540,-2 17 361,1-14 269,-7 17 0,6-19 0,-8 7 0</inkml:trace>
+  <inkml:trace contextRef="#ctx0" brushRef="#br0" timeOffset="270942">17519 14892 0,'-4'14'240,"-1"4"2562,0-8-2532,-4 4 1048,4-1-1408,0-3 1670,-3 12-1221,3 6 695,-9 6-1054,8-9 0,-6-4 0,6-16 0</inkml:trace>
+  <inkml:trace contextRef="#ctx0" brushRef="#br0" timeOffset="271112">17575 14845 7533,'0'16'1169,"0"5"-1079,0-15-2609,8 28 2519,7-3 0,0 7 0,3-7 0</inkml:trace>
+  <inkml:trace contextRef="#ctx0" brushRef="#br0" timeOffset="272725">16310 16613 7533,'0'10'0,"0"-2"-90,4-8 90,-3 0-90,3 0 90,0 0-90,1 0 90,5 0 1349,11 4 360,0-2-989,7 6-181,-1-3-89,-3 4-180,4 1 90,0-5 179,12-1-179,-1-4-225,-10 2 0,1 0 0,1 1 0,-1-1-45,-1 1 0,0-1 0,4 3 0,1-1-315,8-4 0,-2 1 270,-13 1 0,1 0 0,24-4 0,-2 0-671,-9 1 671,4-3 0,0-1 135,3 4-30,-12-1 0,7-1 0,-6 0-105,-7 3 0,-1-1-45,9-1 0,4-2 0,-5 2 90,15 1-90,-12-2 0,8 0 0,-3 0-60,-8 2 0,-2-1 0,2 0 60,6 1 0,1-1 0,1 0-30,9 0 0,1-1 0,-7 0 30,-13 0 0,0 1-30,0 0 0,3 0 0,-3 0 30,1 0 0,-4 0 0,19 2 0,2 0 0,-1 0 0,-5 0 0,1 0 0,-2 0-1048,-9 0 1048,-11-1 0,2-2 90,5 1 0,0-1 90,7-2-303,2 1 0,-2 0 213,-7-2-360,7 1-90,-22-3 450,-9 7-121,-3-3-149,2 4-173,-7 0-546,3-4 684,-8 3 215,-1-3 0,-13-1 0,-2 0 0</inkml:trace>
+  <inkml:trace contextRef="#ctx0" brushRef="#br0" timeOffset="273725">10858 17227 7533,'0'9'180,"0"-4"-90,0 3 449,0-2-179,4 3 540,10 4-811,-3-6 271,11 1 270,-4-4 539,23-3-719,-9 3-90,8-4 269,8 0-584,-15 0 0,4 0-225,10-2 1,2 0-945,-1 0 0,-2-1 809,-12 1 1,-2-1-2963,15-6 2091,-30 8 1186,0-3 0,-8 4 0,-4 0 0</inkml:trace>
+  <inkml:trace contextRef="#ctx0" brushRef="#br0" timeOffset="274276">11044 17357 7533,'-39'24'1439,"8"-6"-1799,22-4 450,4-5-90,10 0 720,16 5-630,-3-8 494,7 2 1,2 1-315,-4-3 314,13 4 1,1 1-135,2 5-2089,-1-3 1,-1 1 1433,-1 1-155,11 7-539,-18 1-1,-8 10 540,-17 9 270,-11-8 0,-27 1-89,-4-11-1,-3-4-339,13-9 0,0 0 429,-3-1 90,-9 3 2879,12-3-2789,-12 7-45,12-7 0,0 0-45,3 1 0,-1 2 45,-6 0 0,2 1 135,0 9 0,7-7 539,27 0-359,4-15 1910,26 3-1191,-3-5 1,5-2-1851,-1-1 0,3-1 0,-2 1 726,9 0 0,-1 1 75,-6-3 0,2 0 0,-8 1 123,6 4-783,1-3 1,0 0-901,1 3 765,-3-3 1,3 0-875,-8 1 1,-2 0 1523,-2 1 1,0-1-1,2-1 1,-3 0 0,1-1-1</inkml:trace>
+  <inkml:trace contextRef="#ctx0" brushRef="#br0" timeOffset="276683">10783 18138 7892,'6'10'1080,"-2"3"-990,-4 1 90,0 1-90,0-2 180,0 26-181,0-15 1,0 29-269,0-28 89,4 14-90,-3-9-90,3 16 90,-4-16 180,0-3-270,0-14-270,0-8 360,0-1-269,0-16 269,0-4-90,0-7-90,4-8 360,-3 10-180,8-10 0,-4 11 360,4-7-180,0 12 450,-3-3-180,6 1 90,-2 5 89,9-9 91,0 15-180,-5-7-270,-1 12 360,1 5-270,-8 2 269,11 16 181,-3 23-720,2-20 360,-3 26-3547,-5-23 3072,-2-6-705,3 8 101,-4-20-181,3-1-89,-3-5 449,1-4 630,2-8 0,-3-6 0,4-10 0</inkml:trace>
+  <inkml:trace contextRef="#ctx0" brushRef="#br0" timeOffset="276875">11156 18269 7533,'0'9'1349,"4"-4"-1349,-3 3 270,7-7-360,-7 3 0,8 1 270,-4-4-360,0 3 90,7 0-450,2-3 90,2 3 450,-3-4 0,-5-4 0,-3-1 0</inkml:trace>
+  <inkml:trace contextRef="#ctx0" brushRef="#br0" timeOffset="277092">11220 18455 7533,'5'14'989,"0"-5"-179,-5-4-451,0-5-359,8-9-89,-2 7-181,16-23 180,-11 17-630,7-9 180,-1 4 361,-5 7-991,13-12 900,-9 8 270,3-3 0,-6 3 0,-4 1 0</inkml:trace>
+  <inkml:trace contextRef="#ctx0" brushRef="#br0" timeOffset="277374">11555 18203 6633,'0'-5'360,"4"-3"0,-3 7 359,4-3 91,-1 16 179,1 8-359,0 13-810,-2-6 0,-2 0 270,-1 6-315,0-5 0,0 0 46,4-3 179,2 7 0,3-13 0,0-5 0</inkml:trace>
+  <inkml:trace contextRef="#ctx0" brushRef="#br0" timeOffset="279109">11035 16603 7533,'-14'0'1349,"8"5"-1349,-6-4 90,11 7 180,-8 1-90,0 10 179,-5 17-269,3-9-135,-1 5 0,-1 0-134,5-2 89,-6 12 0,-2 2-360,1-4 7,4-3 1,-1 0-97,-7 7-361,5 2 540,5-17 360,4-11 0,10-14 0,0-4 0</inkml:trace>
+  <inkml:trace contextRef="#ctx0" brushRef="#br0" timeOffset="279313">11053 16678 8612,'18'0'1709,"-2"4"-4986,6 5 174,-7 6 2653,-2-1 1140,-3 12-1230,-1-5 1040,0 11-500,13 0 0,-10-16 0,9 1 0</inkml:trace>
+  <inkml:trace contextRef="#ctx0" brushRef="#br0" timeOffset="279525">11499 16380 7533,'-12'19'3148,"9"-5"-3238,-9 12-360,7 3-1079,-4 22 809,-3-9 1,-3 2 43,2-8 1,0 0 585,1 10 1,1-2-91,-2 3-525,13 2 1,4-23 0,1 5-1</inkml:trace>
+  <inkml:trace contextRef="#ctx0" brushRef="#br0" timeOffset="281251">12226 17478 7533,'0'5'1889,"4"-1"-1620,13-4-269,0 0 90,10 0 90,-5 0-90,-2 4-90,3-3 90,4 8-90,-7-8 0,20 11 0,-10-6 90,3 8-90,-6-5-90,-13 0 0,0 1 90,-5 3-360,-4-3-359,-1 20 269,-20 9 360,3-3 0,-5-7 0,-3-2-742,-1-5 742,-9 9 180,9-9-754,2-11 575,1 7 268,-2-5-89,9-2 90,-5 2 450,3 1-630,8-8 961,-6 6-871,10-7 625,-2 1-625,4 2-1,0-3 271,0 0 0,0 8-90,4-11 180,10 14-1,1-14-269,8 6 270,4-8-450,-2 0-360,3-1 0,1-2 1,5 2 269,-8-2 0,1-2-1439,9-4 719,-10-2 810,21-10 0,-24 5 0,11-7 0</inkml:trace>
+  <inkml:trace contextRef="#ctx0" brushRef="#br0" timeOffset="281808">13016 17748 7533,'0'5'-900,"0"3"1350,0-7 449,-4 16 1,-1 2-540,-5 10-270,1 3-90,4-8 180,1-5-270,0 6 90,3-8 90,-4 6-90,5 7-360,0-9 180,0 7-810,5-10 451,0-13 269,0-5-180,7-9 90,-10-6 91,11-3 269,-8-9 0,0 2 0,3-3 0,-7 5 0,4 5 0,-1 3 0,-3-2-270,7-2 360,-7 4-180,3 1 719,0 2 541,2 10-901,-1-7 1,-1 9 0,0 5-90,-3 0 0,3 4 90,0 4-90,-3-2-180,3 6 270,-4-2-270,5-1 0,-4 0 179,3-1-718,-4-2-1170,8 6 629,-2-11 1080,8 3 0,-5-5 0,0 1 0</inkml:trace>
+  <inkml:trace contextRef="#ctx0" brushRef="#br0" timeOffset="282025">13444 17924 7533,'-8'23'359,"6"-7"-718,-6 5-181,3 2-270,0 2 810,-12 15 0,5-10 0,-1 6 0,9-20 0,4 0 0,0-15 0,-4 8 0,-2-4 0</inkml:trace>
+  <inkml:trace contextRef="#ctx0" brushRef="#br0" timeOffset="282429">13928 17887 7533,'-9'15'359,"4"-6"91,1-5-450,4 0 0,0-3 180,-4 3-540,3-4 180,-4 0 360,5 5 630,-4 0-630,3 4 359,-7 4-179,7 2 90,-3 3-450,4 1-450,0 4 270,0-8 0,0 7-539,0-16-630,0 11 989,0-11-809,8 3 1169,-6-9 0,11-9 0,-8-6 0</inkml:trace>
+  <inkml:trace contextRef="#ctx0" brushRef="#br0" timeOffset="282642">13966 17534 7533,'0'14'3276,"12"8"-3224,-9-11-1042,18 15 541,-19-15 89,10 7-720,-7-5 541,5-2-1,3-2-269,2-5 809,3-4 0,-3-4 0,-2-1 0</inkml:trace>
+  <inkml:trace contextRef="#ctx0" brushRef="#br0" timeOffset="283359">12617 16873 7533,'-5'5'0,"0"0"-90,0-1-90,1-3 1169,0 15-809,-1-9 90,-5 11-270,1-5 180,-13 14-90,10-5-90,-14 9-3277,16-12 3252,-8-1 115,8 1-270,-16 16 90,5-4-1169,-3 6 989,7-10 90,12-12 180,-4-6 0,4-1 0,-4-3 0</inkml:trace>
+  <inkml:trace contextRef="#ctx0" brushRef="#br0" timeOffset="283516">12579 16938 7533,'23'-9'3238,"9"8"-3148,-10 2-1349,20 21 809,-29-6 270,13 11 180,8 12 0,-10-15 0,-2-4 0,0-1 0</inkml:trace>
+</inkml:ink>
+</file>
+
+<file path=ppt/ink/ink11.xml><?xml version="1.0" encoding="utf-8"?>
+<inkml:ink xmlns:inkml="http://www.w3.org/2003/InkML">
+  <inkml:definitions>
+    <inkml:context xml:id="ctx0">
+      <inkml:inkSource xml:id="inkSrc0">
+        <inkml:traceFormat>
+          <inkml:channel name="X" type="integer" min="-2.14748E9" max="2.14748E9" units="cm"/>
+          <inkml:channel name="Y" type="integer" min="-2.14748E9" max="2.14748E9" units="cm"/>
+          <inkml:channel name="F" type="integer" max="32767" units="dev"/>
+        </inkml:traceFormat>
+        <inkml:channelProperties>
+          <inkml:channelProperty channel="X" name="resolution" value="1000" units="1/cm"/>
+          <inkml:channelProperty channel="Y" name="resolution" value="1000" units="1/cm"/>
+          <inkml:channelProperty channel="F" name="resolution" value="0" units="1/dev"/>
+        </inkml:channelProperties>
+      </inkml:inkSource>
+      <inkml:timestamp xml:id="ts0" timeString="2022-10-27T18:45:09.903"/>
+    </inkml:context>
+    <inkml:brush xml:id="br0">
+      <inkml:brushProperty name="width" value="0.05292" units="cm"/>
+      <inkml:brushProperty name="height" value="0.05292" units="cm"/>
+      <inkml:brushProperty name="color" value="#FF0000"/>
+    </inkml:brush>
+  </inkml:definitions>
+  <inkml:trace contextRef="#ctx0" brushRef="#br0">2707 7795 9512,'10'0'629,"3"0"-539,1 0 90,1 0-90,3-4-90,4 3-45,4-3 0,2 0-45,20 3 45,-17-2 0,1 1 45,-5 4 0,0 1 90,17-2-90,-6 7 90,-8-7-90,-15 11-90,-5-1 90,-2 3-180,-20 16-180,-16 8 225,4-10 1,-4 1 44,-6 4 0,-2-1 0,2 2 0,1-3 135,6-8 0,2-1-135,-6 17 180,18-20-90,7-5 180,2-5-180,4-4 0,0-5 90,4 0 89,-3 0-179,8 0 270,-4 0-180,8 0 180,2 0-180,8 4 90,-4-3-90,0 3 0,7-4 0,-14 0 90,10 0-90,-5 0 0,-1 0 0,7 0-1,-5 0 1,1 4 180,4-3-270,-8 3 0,3-4 0,-13 0 90,3 0-90,-7 0-90,3 0 0,1 0-180,-4 0-600,3 0 1,-4 0 0</inkml:trace>
+  <inkml:trace contextRef="#ctx0" brushRef="#br0" timeOffset="985">2996 8632 7533,'0'5'-630,"0"4"540,0-4 1349,-4 12-899,-1-1-180,-1 7-90,2-9 360,0 16-450,3-12 180,-1 8 0,0 3 269,2 21-494,0-23 0,0 0 135,-2 2 0,0-1-90,1 14 45,-1-7 0,0 2-135,1 2 0,2 0-135,-1 4 1,0-1 134,0-13 0,0-1-360,-5 23 180,4-29-1169,-3 17 1169,4-22-180,0 4 450,0-15 0,0-2 0,0-4 0</inkml:trace>
+  <inkml:trace contextRef="#ctx0" brushRef="#br0" timeOffset="1453">2791 9311 7533,'0'10'-540,"0"-5"720,0 3 0,4-3 180,1 4 179,5 9 1,-1 6-270,-4 5-180,3-5 90,-7 6-90,8-18-180,-4 18 0,4-15-90,5 12 360,-4-12 0,8 11 0,-8-15-180,-1 3 89,-1-10 1,-6 0 0,10-3 90,-6 3 180,12-4-180,-4-4-270,9-18 270,5-8-180,-12-3 180,13-11 0,-13 6-1305,-2 13 1,0-1 1124,5-18 0,-1 8 0,-9 13 0</inkml:trace>
+  <inkml:trace contextRef="#ctx0" brushRef="#br0" timeOffset="2898">2689 10101 6723,'0'6'720,"0"2"-360,0-7 179,4 7-89,1 1-270,0-2 180,8 9-180,-7-10 179,7 12 271,9 9-630,-10-10 270,14 17-90,-11-22-180,-1 10 270,4-4-180,0 10 89,2 1-314,0 3 1,-1 1 134,4 12-90,-7-16 0,-1 0-540,3 15-90,-12-27 91,6 5-181,-7-14 450,1-7 1,2 4 359,5-26 0,-1 3 0,5-18 0</inkml:trace>
+  <inkml:trace contextRef="#ctx0" brushRef="#br0" timeOffset="3332">3145 10166 7533,'-10'-9'1439,"5"4"-720,-3 1-179,3 4-450,-4 4 180,-1 5-3547,1 10 3252,0-4 115,-13 15 0,5-13 0,-14 14 45,10-11 0,-2 0-180,-8 6 0,0 1 90,5-5 0,0 1-45,-8 11 0,4 1-45,14-12 0,2-1 1606,-1 2 0,1 1-1786,-2 4 0,2-3-45,3-7 270,-7 11-270,5-12 270,6-7-539,-5 7 449,11-9-360,-3-4 360,4-1 0,4-4-90,1-4 180,9-1 0,-4-9 0,3 0 0</inkml:trace>
+  <inkml:trace contextRef="#ctx0" brushRef="#br0" timeOffset="4539">2791 7414 7533,'-9'0'0,"-1"0"270,1 0-91,0 0 1,-1 0 90,-3 8-90,-1-2 0,-17 32-1819,11-18 1,1 1 1580,1 2 1,1 2 57,-4 6 0,3-1-90,2 6 180,11-1 0,3 10 0,1 2 0,0-8-167,0-6 1,3 0 143,3 12 1,2 10 0,2-2-1,0-12-515,10 3 493,-2-7 0,1-1-45,0-8 90,5 0 2721,9 0-2856,-7-16 0,1 0 0,-2-2 0,2-2 0,21-2 0,2-3 90,-20 0 0,2-1-45,6-3 0,4-1 0,-5 0-392,13 1 482,-6-6 0,0-2 0,7-3-1103,-11-6 1,-1-3 1102,-12 11 0,-1-2-544,6-15 0,-5-2 544,-5 1-30,-10 2 0,-1-1 120,0-3-53,-5-6 98,-3 7 0,0 1-225,-2-7 89,-7-13 1,-3-2-269,2 3 134,-5 10 0,-4-1 21,0 7 0,-2 4-66,2 6 0,-2 1-504,-7-4 1,-4-1 0,3 3 503,5 5 0,-2 1-180,-6-3 0,-6-1 1,3 3 28,3 7 0,-1 3-29,-14-4 0,-1 4 135,16 6 1,1 3 44,-1 3 0,2 4-540,4 3 0,3 3 360,-15 6 116,0 14 154,9 2 0,8-10 0,-4 8 0</inkml:trace>
+  <inkml:trace contextRef="#ctx0" brushRef="#br0" timeOffset="5599">2772 9701 7533,'-9'-9'0,"0"0"90,-1-1-90,1 5 180,-8 1-180,5 8 89,-10 1 91,8 5 0,-5-1 90,-3 10 0,-3 4-90,-2 5 0,-1 3-90,4-4 0,-1 1 0,3-1-45,-3 6 0,2 0 89,-2 7 1,3-2-45,9 5-120,2-11 0,-2 4 0,3-4-1074,3 19 1014,-2-12 0,1 1 0,7 10-204,-2-10 1,2 2 383,4-2 0,2-1-45,-3 0 0,2-2-45,7 0 0,0-5 180,1-4-1491,7 5 0,4-2 1401,1-10-497,11 7 1,3-1 406,-3-10 123,-5-4 1,6 1-1,-3-2-78,-3-3 0,-1-1 164,7 3 0,2 0-74,4-6 0,-2-1 2744,0 1-2789,6-2 0,3-2-45,-15-4 0,-3-2-861,3 2 1,0 0 815,-6-3 0,1-2-1016,2-2 1,0-1 835,9-6 110,-10 0 0,5-4 0,-6-1 160,-10 1 0,-2-1 13,15-16 1,-3-5 166,-16 0 0,-6-1-181,1 13 1,-3-1 90,-3-21 0,-4 3 0,-3 10 0,-4 8 0,-6-5 0,-3 3-600,-6 6 0,-5 2 1,-2 1 149,1 0 0,-3 0 0,-1 1 0,2 2 626,-5-3 1,1 3-1,-1 3-506,-4 6 0,-2 3 1,6 3-121,-15 3-90,14 7 0,1 3 90,-4 4-449,1 9 719,9 20 0,10-7 0,8-7 0,0-1 0</inkml:trace>
+  <inkml:trace contextRef="#ctx0" brushRef="#br0" timeOffset="31286">15770 5442 7533,'-19'5'449,"9"-1"-179,-2-4-180,10 0 90,-2 0 0,0 0 0,3 0-270,-3 0 540,16-4-450,8-1 90,1-1 269,13 2 1,-5 4-270,-3 0 180,12 0-180,-21 0 0,26-4-45,-16 2 0,2-1 0,11-2 0,1 1 0,-11 1 0,1 1-135,9-3 0,-4 1 90,-12 3-45,6-1 0,0 0 135,-6 2-90,19 0 0,-11 0 270,0 0 0,3 0-225,4 0 0,1 0-1,1 0 1,0 0-599,-4 2 1,-3 0 463,8-1 45,-8 1 0,-1 0 45,6 3 45,-11-5 0,1 1-135,11 3 90,-9-4 180,-2 0 0,-1 0-180,4 0 180,2 0 0,1 0-90,3 0 135,5 0 0,1 0-3430,-4 0 3250,-7 0 0,-1 0-768,6 0 633,-4 0 315,-4 0 1,5 0-361,7 2 1,1 0 134,-7-2 0,1 1-334,-1 1 0,3 2 1,-6-2 243,6-1 224,4 1 1,0 0-135,-4-2 1078,-8 0 0,0 0-1078,-3 0 0,-2 0 90,15 0-90,-3 2 0,-1 0 0,1-1 0,0 4 0,2-1 0,6-3 0,-9 1 0,-1 0 180,8-2 579,5 0-759,-24 4 0,10-3 180,-10 3 0,3-4 0,7 0 0,15 0-360,-8 0 2010,11 0-1785,-22 0 0,-1 0-45,10 0 45,-9-2 0,0 0 45,14 1 173,-18-3-173,4 2 0,2 0 0,1 1-45,7-3 0,0-1 45,3 4-68,-15-1 1,0 0 156,19 2-224,-17 0 1,0 0 44,20 0 0,-10 0 0,0 0 269,10 0-179,-12 0 0,-1 0-90,8 0 90,2 0 0,1 0-90,-22 2 0,-1 0-1019,15-1 0,-1-1 1109,5 5 0,-13-5-1062,9 0 972,-5 0 481,16 0-391,-22 0 0,0 0-135,-1 0 0,1 0 90,7 0 0,-1 0 45,7 0-90,-17 0 0,1 0 225,8-4 0,-2-1-45,13-1 784,-17 2 0,-2-1-694,-1-3-90,-10 2 1312,11 1-1492,0-3 269,2 3-269,8 0-90,-4-4 90,12 8 90,-23-3-90,13 0-90,-17 3 180,-2-3 90,9 4-180,-13 0 180,14-4-180,-15 3-450,11-8 1,-12 8-1080,16-11 899,-9 6-899,14-8 899,-12 5 180,0 0 450,-2-1 0,2 1 0,5 0 0</inkml:trace>
+  <inkml:trace contextRef="#ctx0" brushRef="#br0" timeOffset="54054">15287 7060 7713,'-6'0'-180,"2"0"450,4 0-270,0 4 179,4 1-179,6 5 270,13 7-180,-3-9 90,24 12-90,-22-18 90,26 11-90,-26-8-3367,17 4 3342,-18-4-65,10 4-333,1-4 153,-6 0 242,9 3 28,1-3-180,-10 1 90,13 2 0,-7-3 0,-6 0 3168,5-1-3168,-4 0 0,2-2 90,13 2-90,-8-4 630,2 0-450,0 0-3457,-6 0 3207,6 0-144,1 0 214,-7 0 0,2 0 90,7 0-180,-16 0 90,20 0 0,-22 0-90,6 4 180,12-3-90,-11 3 0,-2-4 0,1 0 360,15 0-360,6 0 45,-12 0 0,-1 0-45,8 0-88,-14-2 0,-1 0-2,13 1 180,6-3-135,-10 1 0,0 2 45,10-1-45,-18 0 0,-2 0 45,-3 2 90,6 0 0,1 0-90,5 0 45,-5 0 0,3 0-45,-2 1 0,-2-2 90,10-3-90,-1 4 0,-1-1 0,3-3 45,-8 2 0,1 0 44,7 1 1,-1-1 0,-2 0 0,-3 2-45,2 0 0,0 0 45,-5 0 3065,12 0-3155,5 0 0,-20 0-160,3 0 0,0 0 250,-8 0-90,23 0-45,-20-1 0,0 2-45,12 3-240,-2-2 0,0 1 330,-5 2 0,8-1-452,-1 0 452,-12-2 0,14 6 0,3-7 180,-12 3 292,17-4-382,-20-2 0,0 0-90,10-3 0,-2 0 0,-1 0 0,-4 0 0,-4 1 0,1 0-507,14-1 597,1-5-90,-17 6 0,-2-1 0,2 0 360,21-3-360,-27 7 0,15-8 1169,-13 8-1259,9-7 90,2 3 90,-5 0-135,-3-2 0,-1 1-44,0 4 341,1-4 0,0 0-252,3 1 0,4 0 90,-5 0-90,-10 5 599,4-4-599,-6 3 0,6-3 0,-7 4 90,-2-4 90,-3 3-180,-1-3 90,-4 4-90,3 0 90,-2-4 0,-1 3-90,-1-4-540,-4 5 1,4 0 449,-3 0-158,3 0 1,-4-4 0,0-1-1</inkml:trace>
+  <inkml:trace contextRef="#ctx0" brushRef="#br0" timeOffset="59867">20189 7125 6903,'0'-5'1439,"0"1"1170,0 4-2609,9 0-90,-7 0 0,10 0 180,-7 0-360,9 0 180,-4 0 450,12 0 359,1 0-719,-2 4 270,17-3-450,-24 3 270,28-4-180,1 0 0,6 0 180,-22 0 0,1 0 45,1 0 0,0 0 315,21 0-360,-22 0 0,0 0 90,17 4-180,-16-3 90,10 4 0,-13-5-270,6 0 360,-1 0-180,-14 0 179,25 0 1,-11 0-90,3 0-180,-4 0 90,-7 0 0,-6 0 90,9-5-180,-12 4 0,5-3 90,3 4 360,11 0-360,-12 0 360,9-4-180,-15 3-90,3-3-180,1 4 180,-5 0 0,0 0 0,-1 0-90,10 0 90,-6 0 180,21 0-1,-8-4-89,4 3-90,-3-3 0,-4 0 0,2 3-270,-4-4 90,-8 5-180,-12 0-2518,-5 0 2788,-9 0 0,-5 5 0,-10 0 0</inkml:trace>
+  <inkml:trace contextRef="#ctx0" brushRef="#br0" timeOffset="61336">20254 7172 7173,'-5'0'-900,"1"0"1170,4-4-270,0 3 630,0-4-360,4 5 90,-3 0-181,3 0 1,1 0 0,4 0 180,5 0-90,13-4-90,-2 3-360,-1-3 270,-2 4 0,-8 0-180,13 0 180,-2 0-90,3 0 90,3-4-90,-11 3 90,7-3-90,0 4 270,6 0-91,-7 0-89,4 0 0,-3-4 0,24 3 0,-9-3 0,-8 2 0,1-1 45,-5 1 0,-3-1-135,20-2-1471,-17 3 0,-4 0 1471,-10 2 90,10 0 5,-7-4-5,0 3 0,4-3 269,12 4-449,13-4 0,-7 3 45,-10-1 1,-2-1 133,-6-1-89,8 3-89,-9-3 89,-7 4 3170,12 0-3260,-7 0 306,-2 0-216,-8 0-1259,6 0 1259,-4 0 0,6 0 0,-4 0 0</inkml:trace>
+  <inkml:trace contextRef="#ctx0" brushRef="#br0" timeOffset="62516">20366 7153 7533,'0'-9'-90,"0"4"90,4 1 0,1-1 360,5 4-360,-1-7 179,21 7-89,14-3 0,-3 4-45,-7 0 0,0 0 45,8 0-45,-12 0 0,4 0-75,1-1 0,5 0 0,-2-1-260,12 0 0,4-1 344,-13 0 0,6 1 0,3-1 0,-2 0 0,-5 0-346,4 1 0,-5 0 0,2 0 0,-2-1 0,3 0 0,-2 0 0,-6 0 0,0 0 0,-1 0 0</inkml:trace>
+  <inkml:trace contextRef="#ctx0" brushRef="#br0" timeOffset="76567">4419 17934 7533,'-10'14'629,"2"0"-539,8-5-90,-4 4 0,2 2 0,-6 3 0,7 1 0,-7 8 0,7-2 450,-7 23-270,7-16-180,-4 9 360,1-15-90,3-6-1,-3 3 91,0 16-180,3-15-450,-3 23 360,4-26 0,-4 27-1709,3-16 90,-8 5 540,8-20 989,-3-17 0,4-5 0,-4-8 0,-1-2 0</inkml:trace>
+  <inkml:trace contextRef="#ctx0" brushRef="#br0" timeOffset="77134">4717 17980 9242,'0'18'0,"0"-7"0,0 27 90,0 2 0,0 0-90,0 3 180,0-15-180,0-3 89,4 23 1,-3-29-1259,8 28-1080,-8-31 2249,3 3 0,-8-11 0,-1-8 0</inkml:trace>
+  <inkml:trace contextRef="#ctx0" brushRef="#br0" timeOffset="77406">4457 17878 7533,'-22'9'180,"9"-4"179,-17 12-179,19-10 90,-7 19-270,9-15 0,-4 15-180,-2-2 180,5 1-90,-7 14 90,11-21-449,-3 7 89,5-15 360,8-1 0,1 0 0,4 1 0</inkml:trace>
+  <inkml:trace contextRef="#ctx0" brushRef="#br0" timeOffset="77604">4857 17896 7533,'0'20'3148,"12"6"-3238,0-15-630,10 11 361,-3-12 269,-5 8-540,4-8-180,-3 12 1,3-7 269,-3 8-280,6 0 1,-5-3 0,7 2 0</inkml:trace>
+</inkml:ink>
+</file>
+
+<file path=ppt/ink/ink12.xml><?xml version="1.0" encoding="utf-8"?>
+<inkml:ink xmlns:inkml="http://www.w3.org/2003/InkML">
+  <inkml:definitions>
+    <inkml:context xml:id="ctx0">
+      <inkml:inkSource xml:id="inkSrc0">
+        <inkml:traceFormat>
+          <inkml:channel name="X" type="integer" min="-2.14748E9" max="2.14748E9" units="cm"/>
+          <inkml:channel name="Y" type="integer" min="-2.14748E9" max="2.14748E9" units="cm"/>
+          <inkml:channel name="F" type="integer" max="32767" units="dev"/>
+        </inkml:traceFormat>
+        <inkml:channelProperties>
+          <inkml:channelProperty channel="X" name="resolution" value="1000" units="1/cm"/>
+          <inkml:channelProperty channel="Y" name="resolution" value="1000" units="1/cm"/>
+          <inkml:channelProperty channel="F" name="resolution" value="0" units="1/dev"/>
+        </inkml:channelProperties>
+      </inkml:inkSource>
+      <inkml:timestamp xml:id="ts0" timeString="2022-10-27T18:53:10.599"/>
+    </inkml:context>
+    <inkml:brush xml:id="br0">
+      <inkml:brushProperty name="width" value="0.05292" units="cm"/>
+      <inkml:brushProperty name="height" value="0.05292" units="cm"/>
+      <inkml:brushProperty name="color" value="#FF0000"/>
+    </inkml:brush>
+    <inkml:brush xml:id="br1">
+      <inkml:brushProperty name="width" value="0.05292" units="cm"/>
+      <inkml:brushProperty name="height" value="0.05292" units="cm"/>
+      <inkml:brushProperty name="color" value="#A020F0"/>
+    </inkml:brush>
+    <inkml:brush xml:id="br2">
+      <inkml:brushProperty name="width" value="0.05292" units="cm"/>
+      <inkml:brushProperty name="height" value="0.05292" units="cm"/>
+      <inkml:brushProperty name="color" value="#0070C0"/>
+    </inkml:brush>
+    <inkml:brush xml:id="br3">
+      <inkml:brushProperty name="width" value="0.05292" units="cm"/>
+      <inkml:brushProperty name="height" value="0.05292" units="cm"/>
+      <inkml:brushProperty name="color" value="#002060"/>
+    </inkml:brush>
+  </inkml:definitions>
+  <inkml:trace contextRef="#ctx0" brushRef="#br0">6178 5470 7713,'0'-6'719,"-4"2"-539,3 4 270,-3 0-270,12 4-90,-2-3 269,16 8-269,-11-8 180,11 7-180,-12-7 90,4 3 180,12 0-270,-13-3 90,29 3 0,-24-4-90,9 0 0,2 0-270,0 0-381,19-4 651,-16 3-90,-3-7-90,4 5 0,0 1 0,3-7 135,5 4 0,-1 0 45,-11-4 0,9 4 0,0 1-90,-3-2 0,5 4 0,-1 0 90,-2 2-1729,-4 0 1,-1 0 1319,-4 4-252,24 6 482,-30-4-1946,21 10 2035,-17-13 360,2 9-73,-2-11-107,-11 3-180,8 0 630,29-3-540,-21 3 0,2-3 0,-1-2 1863,-6 1-1908,2 0 0,0 0-135,-3 0 294,10 1 1,6-2-250,-6 0 0,-2-2 1683,-2 1 0,0-1-1400,14-1 0,-5-1-148,-15 0-1651,9 0 0,0 1 1651,-5 3-537,14-3 0,0 0 357,-10 3 45,0-1 0,-2 0 45,-7 2 0,-1 0 50,21 0-50,-8 4 0,-8-2 0,3 1-180,5 6 0,0 0 0,-10-4 0,1 1-135,15 7 0,-1 0 225,-4-6 45,-4 4 0,-1-1 135,-4-8-135,-2 4 0,0 0 135,-5-5-180,19 4 540,9-5-135,-15-4 0,0-1 193,-4 4 1,0 0-420,-3-3 1,-2 0 924,11 0-1059,-5-1 0,1 1-45,13-3-128,-6 3 0,0 0 398,4 4-135,-13 0 0,0 0 45,15 0-90,7 0 180,-13 0-135,-12 0 0,0 0 45,14 0 44,-13 0 1,1 0 2227,18 0-2317,-10-2 0,-1 0 45,11 1-225,-5-3 0,-3 0 45,-9 3-135,2-2 0,1 1 494,15 2-314,-18 0 0,1 0-45,18 0 135,-10 4 0,-1 1 45,-2-3-250,2 2 0,2 0 430,8-4-225,-13 0 0,0 0-135,14 0 135,-22-2 0,-1 0-135,20-3 180,-2-5-90,3 1-90,1 0 90,-17 4 45,-2 2 0,-1 2-45,4 1 0,13 0 180,8 0-90,-19 0 360,14 0-1,-13 0-359,-9-5-1027,4 3 0,1-1 1027,-1-2-419,8 1 1,0 0 508,-12-1 45,8 2 0,0 0-405,-10-1 180,11 4 195,-21 0-15,11 0-270,-11 0 180,12 0-180,-13 4 90,-2-3 2905,2 4-5064,0-5 3451,-2 4-1292,2-3 0,-3 7 0,-1-3 0</inkml:trace>
+  <inkml:trace contextRef="#ctx0" brushRef="#br0" timeOffset="22522">3526 9804 8342,'10'4'1260,"3"-3"-901,10 7-179,22-7-135,-13 0 0,2-2-180,7-1 0,-1-1-45,-8 1 1,-1-1-91,17-5-450,-25 7 90,-4 1-1438,-5 17 2068,-5-5 0,-4 14 0,-5-11 0</inkml:trace>
+  <inkml:trace contextRef="#ctx0" brushRef="#br0" timeOffset="23225">3554 10176 6993,'0'9'2069,"9"0"-1619,1 1-1,13-5 541,21-5-810,-11-1 0,11-3-1,-4 0 91,3-6-450,-3 4 0,-11-3 1,-2 1-181,0 6-360,5-6-1079,-10 12 1799,-16-3 0,6 12 0,-7-3 0</inkml:trace>
+  <inkml:trace contextRef="#ctx0" brushRef="#br0" timeOffset="27626">4782 9423 7533,'-19'-5'-360,"5"1"90,10 4 540,-4 8 90,6-2 359,-19 32-539,14-18-90,-2 6 0,0 3 270,6-1 0,1 0-270,-6 24 239,7-17 1,1 5 0,0-4-195,-2-9 0,0 0-75,2 12 0,2 4 0,0-4-60,0-12 0,1 0-180,1 25 0,1 0 90,5-2-270,-5-7 0,3 1-629,15 1 809,-7-7-809,14-17 449,-14-21-180,7-8 720,4-15 0,-7-3 0,7-10 0</inkml:trace>
+  <inkml:trace contextRef="#ctx0" brushRef="#br0" timeOffset="27930">4996 9999 7533,'5'-5'719,"-4"5"631,-1 26-721,-6 5-449,1 11-627,1-10 537,4 3 90,4-13-450,6 13 270,0-19-2,16 1-88,-1-12-90,12-1-90,0-16 180,9-12 180,-20-2 0,-3 3 0,-4-1 180,-11 1 270,9-24-360,-17 25 0,-8-9-180,-3 16 89,-7 2 1,-13 4 0,10 4-90,-19-4-270,20 8-360,-7-3 1,8 8-901,9-3 631,2 8 899,16 0 0,2 1 0,9 4 0</inkml:trace>
+  <inkml:trace contextRef="#ctx0" brushRef="#br0" timeOffset="28781">5740 9999 8522,'-4'-5'900,"3"-3"-720,-7 2-1,7-3 91,-7 0 630,-2-13-540,0 6-3123,-16-20 3033,10 20-630,-32-6-539,16 17 809,-5 9 0,15 2-450,17 8 90,-3 8-179,2 11 449,1-2 180,5 16 3212,9-17-3302,14 11 180,-6-20-180,21-4 270,-20-21-270,25-10 90,-13-6-45,-7 3 0,0-2 45,2-2-90,1-9 360,-12 15-90,-4 1 0,-1 0-90,0 9 449,-8 1-179,3 12-90,-4 11-180,0-3 0,0 14-180,0-14 180,0 35-135,4-15 0,0 0 90,-1-3 0,0 1-335,2 4 1,0-2 289,3 14 0,-5-8 0,-1 2-45,1-14 0,-1 1-663,1 11 0,-2-2 708,-1 2-180,0-8 270,0 6-90,0-11-90,0 24 90,-4-20-117,2-5 0,-1 1 28,-10 9 89,-6 0 0,-5-6 0,0-13 0,-4-7 0,-4-2 0,-8 1 89,6-3 1,1-3 180,-4-5-270,9-5 180,13-8 457,3-6-637,11-5-90,-3 1 180,8-17-270,1 9 1497,8-10-1452,-2 17 1,1-1-46,4-1 0,1 0-225,6-7 0,1 0 45,1-4 1,2 0 359,7-3 0,0 2 0,-11 7 0,0 2 0,4-2 0,-1 0 0</inkml:trace>
+  <inkml:trace contextRef="#ctx0" brushRef="#br0" timeOffset="30425">6801 8902 7533,'-24'-19'-270,"10"9"360,1 2 180,0 8 179,2 0-179,-6 0 90,7 0 90,-3 8-180,2-2-180,-2 8-90,0 7 0,2-4 0,-2 14-135,5 1 0,2 1 135,0 9-263,1-4 1,2-1 262,3 4-1124,-1 4 0,2 2 1169,1-18 0,0 1 0,0 18 0,1 4-45,1-15 0,0 1 0,2-3 180,1 1 0,0 2-60,-1 8 0,0 6 0,1-7-120,0-8 0,0-2 45,0 9 0,0 2-45,-1 0 0,1 2-815,-1-8 1,0 1 0,0 0 769,2 7 0,0 6-233,-4-12 1,1 10 0,0 3 0,0 0-1,-2-4 1,0-10 412,-1 2 0,-1-1-204,2 0 0,0 8 0,0 3 0,-2-8 0,-3-14 159,-12-8 386,4-7-476,-3 1 1864,-9-7-1774,6-5-180,-11-1 2790,-4-12-2790,-7-7 135,12 2 0,0-2 297,-17-9-612,2-3 1,9-4-271,11 9 270,0-9 474,7 0-924,8-3 90,-2-17 470,11 23 0,2 0 0,1-16 0,8-1 0</inkml:trace>
+  <inkml:trace contextRef="#ctx0" brushRef="#br0" timeOffset="32127">7406 9785 7533,'-20'-9'1169,"7"4"-809,5-4 0,6 8 449,-6-3-449,7 0-180,-3 3 90,21-11-540,-1-3 180,12 0 45,-7-6 0,2-1-135,17-10 270,-1-2-90,-9 9 0,-8 20 90,-1 17 0,2 12-45,-14 3 0,-4 2 135,3 21-1266,-5-11 0,-1 0 1176,3 9-45,0-6 0,-1 4 0,-2-6 0,1 0-90,1-1 0,1 1 0,0 10 0,0 1 90,1-3 0,1-2-1029,-2-1 1,0-1 848,4 2 0,0-2-1079,-2-14 0,0-4 674,12 8 450,-9-17-899,3-34 989,-12-9 0,3-19 0,-4 2 0</inkml:trace>
+  <inkml:trace contextRef="#ctx0" brushRef="#br0" timeOffset="32379">7676 9701 7533,'30'-33'2069,"-3"14"-1800,10 6 630,-2 21 1,-2 5-720,-4 0-1273,-4 12 1,2 9 0,-6-4-751,-8 7 2547,-1 9 0,-7 3-884,-13-19 1,-6-1-1290,-4 6 0,-2-1 1379,2-4 0,-1-2-45,0-7 0,-1-3-1394,-7-5 2988,7-3-1459,-11-5 0,15-9 0,-2-7 0</inkml:trace>
+  <inkml:trace contextRef="#ctx0" brushRef="#br0" timeOffset="32642">8299 9507 9062,'-10'8'989,"1"-2"-359,-13 32-315,12-13 0,0 2 44,-2 7 1,0 1-315,4-4 0,3 3 165,10 3 0,4 5 0,2-5-165,0-6 0,1 0-450,7 18 0,3-1-450,0-18 1,0-4-2423,9 1 2205,-11-7 0,1-3 1244,6-8 0,-1-5 0,3-8 0,15-6 0</inkml:trace>
+  <inkml:trace contextRef="#ctx0" brushRef="#br0" timeOffset="32876">8513 9562 0,'7'42'1638,"2"-13"0,2 1 0,7 13 0,2 0-1093,-3-10 1,0-3-843,-1-2 0,-1-4 477,4-5-873,18 1 1,14 2 0,-5-4-947,-12-7 1,1-2 1569,9 6 1,6 3-1,-9-10 1,-3-17 0,-23-6-1</inkml:trace>
+  <inkml:trace contextRef="#ctx0" brushRef="#br0" timeOffset="33075">9053 9553 7533,'-11'4'539,"-9"13"271,13-4-270,-15 21 539,-5-1-854,10-12 0,0 1-315,0 2 0,0-1 180,-7-1 0,0 1-495,2 5 0,1-1-719,-16 10-1,8-2 1,4-2 1124,14-12 0,-18 21 0,24-27 0</inkml:trace>
+  <inkml:trace contextRef="#ctx0" brushRef="#br0" timeOffset="33292">9304 9860 9422,'-5'9'1439,"-12"25"-3800,10-14 2811,-15 19 997,4 4-2077,-6-6 270,9 10-1191,5-20 0,3-2 1551,6-6 0,-3 15 0,4-24 0</inkml:trace>
+  <inkml:trace contextRef="#ctx0" brushRef="#br0" timeOffset="33848">9490 9683 7533,'-11'-25'2069,"0"7"-1170,27 6-809,-9 10 90,15-10 180,-3 10-1,9-6-89,9 7 90,4 3 0,1 0-360,3 5-90,-5 0 0,-4 3 90,-21 0-90,3 4-540,-13-1-359,-1 22 539,-8 2 270,-1 5 90,-13 1-269,-10 0 853,3-15 1,0 1-315,10-7 0,1 0 179,-6 3 1,8-2 360,24-3-450,-1 3 224,13-12 1,4-4-3772,-3-1 3072,23 2 385,-30-8-1979,26 0 1799,-16-4 0,2 0 0,21-2 0,-25-1 0,0 0 0</inkml:trace>
+  <inkml:trace contextRef="#ctx0" brushRef="#br0" timeOffset="34713">10383 9636 8972,'-5'0'-540,"5"13"540,5-10-270,0 17-89,4-13 89,-4 6-90,0-4 360,7 9 0,-10-3 0,7 8 0</inkml:trace>
+  <inkml:trace contextRef="#ctx0" brushRef="#br0" timeOffset="34896">10411 10008 7533,'-10'20'2518,"-7"14"-2967,7-4 179,-5 8-180,2-6-899,-1-1 809,8-14 540,-10 17 0,10-22 0,-8 10 0</inkml:trace>
+  <inkml:trace contextRef="#ctx0" brushRef="#br0" timeOffset="35444">10793 9720 0,'8'-23'240,"-6"12"3036,6-2-2491,-8 13 1523,-4 21-1858,-5 13-360,3 7 90,-7 3-664,12-16 574,1 12 89,1-9-448,12 5-196,1-5-75,6-10 315,8-2 1,4-3 583,12-12-314,-9 2 0,-1-5 135,-11-17 0,-5-4-180,2-2 1460,-8-18-1190,-8 21 3006,-3-25-2703,3 16-528,-7 2 0,-2 0 135,-1 0-90,-8-5-1729,-6 9 1,-2 0 874,-4-2 179,-9 1 1,-3 2-225,-8 7 359,-1 13 720,16 3-180,21 11-180,6 9 360,4-6-91,0 32 1,13-8 270,2 8 835,9-12-1105,7-17-2874,-10-6 2784,14-8-1079,2-1-586,-9-9 1,0-2 1138,9 0 1,6-15-1,-29 8 1</inkml:trace>
+  <inkml:trace contextRef="#ctx0" brushRef="#br0" timeOffset="35710">11313 9330 9602,'20'47'1439,"-2"-14"-990,-9-3 541,0-18 269,12 22 0,1 3-1079,-5-10-1115,5 6 1,-1 2 1294,-8-4 73,-4-7 1,1 2-614,-2-1 0,-1 1 180,1 8 0,-2-1-1873,-2 6 1243,-4 2 271,-9-1-2160,7-13 1439,-7 0 1,-2 2 1079,-5 11 0,5-16 0,-2 0 0,-9 16 0</inkml:trace>
+  <inkml:trace contextRef="#ctx0" brushRef="#br0" timeOffset="37760">12058 9953 6363,'9'-24'2159,"-4"9"-810,0-5-539,-5 8-630,-9-6 449,-5-4-719,-18 2 360,-2 1-3547,-4 5 1813,15 10 1284,5 4-90,9 4 90,4 6 91,0 4-1,5 21 45,2-4 0,1 2-45,2 17-10,-3-16 1,1-3 279,5-3 3096,6 12-2988,-7-17-288,9 7 540,-6-21-181,4-12-179,5-11 0,-1-28-180,-6 10 0,-1-5 0,1-14 0,0 0-147,-2 11 1,0-2 191,-4 5 0,0-4 0,0-2 0,-3 2-45,-1-6 0,-2 1 0,0-1 0,2-1 0,-1 0 0,0 1 30,-2 3 0,-1 1 0,-1 8-120,-1 1 180,0 12-90,3 18 90,-3 13-90,4 1 0,0 13 360,8 25-360,-2-10-4,-1-9 1,0 0 182,3 9 1,-5-11 0,-1 3-90,5 17 0,0 2-45,-3-12 0,2 1-75,2 8 0,1 3 0,0-6-60,-2-16 0,2-1-720,8 17 1,2-4-1439,5-14 1798,0-7 90,-2-14-2917,-4-13 2877,2-1 1,3-13 0,-4 0 0</inkml:trace>
+  <inkml:trace contextRef="#ctx0" brushRef="#br0" timeOffset="38779">12542 9608 7533,'0'6'809,"0"-2"1530,0-4-1440,12 0-449,8 0-180,9 0-90,-1 4-270,-9-3-90,6 7 90,-4-3-180,7 5 270,-10 3-90,-5-3 180,-7 4-90,-2-5-90,-4 9 180,0 5-270,-4-2 0,-6 6 1,-2 1-91,-5-2 225,3-2 0,1 0-45,0-1 90,3-4-270,-3 3 180,7-2 0,-7 19 90,12-20-90,-3 11 810,12-13-271,3-5-269,12 5 810,4-11-720,-2-2 224,6-7 1,2-3-765,-1 0 225,4 0 0,1-1-674,11-7-2519,-4 8 3238,-4-6 0,-21 7 0,-5-5 0</inkml:trace>
+  <inkml:trace contextRef="#ctx0" brushRef="#br0" timeOffset="47480">3647 12120 7533,'-5'0'0,"1"-4"0,4 3 180,0-3 89,-4 4-89,3 0 360,-3 0-180,12 0-3572,11 0 3302,-3 0-84,30 0 84,-26 0-180,19-5 0,4-4 180,-10-1-90,9-4-540,-4 5 90,-12 0-359,-1 4 3440,0 5-2631,-23 9 0,6 5 0,-8 5 0</inkml:trace>
+  <inkml:trace contextRef="#ctx0" brushRef="#br0" timeOffset="47766">3647 12501 7533,'-10'5'539,"2"0"361,12-5-4177,22 0 3232,1-5 661,-1 5 0,1-1-436,8-3 751,1 0-482,-1 3-359,-1-7 0,13 3 180,-13 0-1035,-2-2 1,0 1 224,-1 4-697,0-2 0,-1 0 1057,-5 4-1618,2 0 2326,-4 0 1,-8 4-1,3 1 1</inkml:trace>
+  <inkml:trace contextRef="#ctx0" brushRef="#br0" timeOffset="59988">7545 6995 7533,'0'-5'989,"5"1"-899,-4 4 0,7 0-90,-7 0 270,7 0-450,-3 0 270,5 4-180,-5-3 180,3 3 360,2 0-540,0-3 270,16 3 89,-10-4-179,11 0 360,12 0-360,-11 0 45,1 0 0,-1 0-834,3 0 789,10 0-90,-13 4 0,1 1 90,14-3-180,-4 4 0,2 0 45,-14-5 0,-1-1 90,2 4 0,0 0-135,4-3 0,-2-1 90,11 9 90,-13-8 0,2-1 45,14 2 0,4 0-989,-8-3 0,3-1 1,-1 1 912,-5 0 1,0 1 0,2 0 7,2-1 1,4 0 0,-2-1-1,-6 2-191,-4-1 0,-2 2 154,15-1 0,6 2 0,-7 0-75,-14 0 0,-1 1 45,13 1 0,7 0 0,-1 1 0,-8 0 0,0 0 0,-1 0-149,-1-1 1,1-1 0,1 0 125,0 0 1,2-1-1,0 0 1,-7-1-160,-1 0 0,-2-2 182,15 2 0,1-2 0,-10-1 0,-3 0 0,-10 2 0,0-1 0,12-1 0,1 0 45,2 0 0,-2 0 45,-8 1 0,1 1-45,17-2 0,3 0 1114,-10 2 1,2 0-1100,0 0 0,4 0 0,-4 0-60,3 0 0,0 0 0,-7 0 0,3 0 0,1 0 0,-7 0-106,0 0 1,-1 0 105,2 0 0,7 0 0,-1 0 0,-6 0-45,-2-2 1,1 0 21,2 1 1,6 1-1,0 0 1,-7 0 22,0-2 0,-1-1 59,12 3 1,6 0 0,-3 0-60,0 0 0,-1 0-538,-6 0 0,1 0 0,-2 0 538,1 0 0,2 0 120,-2 0 0,4 0 0,-6 0-120,-8 0 0,-1 0-30,11 0 0,5 0 0,-5 0 379,-12 0 1,1 0-350,4 0 0,7 0 0,1 0 0,-7 0-49,-1 0 1,0 0 48,5 0 0,7 0 0,1 0 0,-7 0-135,3 0 1,-1 0 179,-7 0 0,5 0 0,0 0 0,-6 0 91,9 0 1,-4 0-137,-6 0 0,1 0 0,-4 0 90,18 0-7,-26 0 1,4 0-84,3 1 0,4 1 0,-2 0-92,-1 0 0,0 1 62,3-2 0,3 1 0,1 0 30,11 3 0,2 2 0,-6-3 0,-6-2 0,0 0 0,2 0 0,6 2 0,1 0 0,-6-2-30,-6-1 0,-5-2 0,1 1 30,1 0 0,0 0 0,1 0-30,10-1 0,1 0 0,-4-1 30,-2-1 0,0 1 0,4 0 0,3 0 0,-4 1 45,-3-2 0,0 1-15,1 2 0,3 0 0,-6 0-30,-12 0 0,-1 0 0,11 0 0,6 0 0,-5 0 0,14 0 0,-3-2 0,-1 0 0,-8 1 0,-12-1 0,0 0 0,14-2-135,-8 2 0,1-1 135,-10-2 0,1 0 0,15 1 0,0-1 0,3 0-45,-19 1 0,2 0 90,11 1 0,0 1-135,9-4 120,-11 4 0,5 1 0,-6 0-30,11 1 0,3 2 0,-1 0 0,-6-1 0,7 2 0,0-1-90,-4-2 60,-11 0 0,4 0 0,-5 0 829,7 0-799,-5 0 0,6 0 0,-1 0 0,3 0 0,-1 0-74,-6 0 0,3 0 0,-3 0 119,6 0 0,-4 0-90,-10 0 0,-4 0 255,8 0-255,-5 0 0,1 0 45,0 0 0,1 0-230,4 0 1,-1 0 229,-1 0 0,0 0 0,-2 0 0,-2 0-153,18 0 153,-9 0 0,0 0 0,10 0 0,4-2 0,2-1 1048,-23 3 1,1-1-1079,1 0 0,4 0 0,1-1 60,4 1 0,0-1 0,-2 1-30,1 1 0,0-1-392,-1 0 0,3-1 0,-6 1 392,11 1-45,-15-2 0,4 0 45,2 1 0,5 2 0,-3-2 0,-1-3 0,2 0 0,-3 3 0,5 1 0,0 0 0,-9 0 0,-7-3 0,-1 1 119,16 4 1,7 2 0,-7-1-120,-15-3 0,-1 2 60,10 1 0,3 2 0,-5-1 30,13 1 456,-18-2 0,3-1-546,10 5 0,0-1-90,-12-5 0,1 0-428,3 3 0,3 1 1,-3-2 562,-6-2 0,-1-1-135,4 2 0,1 0 0,12 0 0,0 1 90,-16-1 0,1 1 0,12 0 0,6 0 0,-6 0 0,-14 0 0,-1-1-45,26 2 0,-1 1-1709,-4 0 1799,-16-3 0,1 1-45,19 1-51,-17-2 0,0 0 51,-7-1 0,2-1-737,23 2 1,0 0 736,-24-2 0,0 0-90,8 1 0,5-1 0,-5-1 137,-9-1 0,0 0-47,9 2 0,3-1 681,-1-1 1,3 0-652,2 2 0,3 0 0,-2 0-30,4 0 0,0 0 122,-7 0 1,3 0 0,-9 0-123,-2 0 2685,3 0-2505,9 0-180,-4 0 1675,8 0-1675,-14 0 0,1 0 45,-8 0 0,2 0-1535,9 0 1,-1 0 1489,9 0-269,-10 2 1,-1 0 268,1-1-90,-4 3 0,0 0 90,-1-3 0,-3 8 0,15-8 0,-9 7-311,2-7 311,7 7 0,-17-3 2992,13 1-2902,-9-2 0,3 0 44,2-3 1,2-1-38,10 4 1,0 0-98,-11-3 0,0-1 45,-1 2 0,-2 0-135,11-2 45,4 2 0,3 1-45,-18-3 0,1 1 30,0 0 0,3 1 0,-3-1 60,-3-1 0,-1 0-45,13 0 0,0 0 0,-16 0 0,1 0 105,7 0 0,4 0 0,2 0 30,0-2 0,1-2 0,0 2 30,1 0 0,0 0 0,1-1 127,-4-1 0,1 0 1,-1-1-1,-5 1-202,6 1 0,-2-1 75,5-2 0,4-1 0,-1 0-1069,-8 3 0,-1 1 0,-1-2 889,1 0 0,-2-2 0,2 1 0,2 1 0,1 1 0,-4-1-345,-2-1 1,-1-1 404,8 2 0,-1 0-45,-7 0 0,-3 0 45,-5 1 0,0 0 0,11 1 0,-3 1-90,4-3-700,-4 2 0,-1 2 790,-6 1 0,-4-5 1480,11 4-4628,3-3 3148,-11 13 0,-2-3 0,-25 7 0</inkml:trace>
+  <inkml:trace contextRef="#ctx0" brushRef="#br0" timeOffset="67727">19734 6502 7533,'-44'0'-270,"8"0"2249,22 0-1619,6 0 179,12 0-449,30 0 90,-9-3 0,4-2-1292,18-3 1,3-3 1201,-2-2 0,0-3-60,-13 6 0,1-1 0,-1-1 60,5-3 0,4-2-54,-5 2 0,7-4 0,4-1 0,0 0 0,-3 0 18,-7 2 0,-1 1 0,0-1 0,0 0 0,2-1-427,-1 1 0,3 0 0,0-1 1,0 0-1,-1 1 0,-4 1 440,5-3 1,-2 0 0,-3 2-1,-2 1 23,1 1 0,-3 1 0,-2 2-88,0 1 0,0 1 58,4-1 0,3-1 0,-6 4-60,8 3-719,6 10 119,-58 14 0,-21 9 1,-3 1 306,1 2 1,-4 1 0,-1 2-1,0-2 245,1-1 1,1-1-1,-2 0 1,-3 2 59,8-6 1,-2 1 0,-3 1 0,1 1 0,-1-1 0,2-1 0,2-1 131,-3 2 0,3-3 0,0 0 0,0 0 0,-1 1 491,-5 2 0,-1 1 0,0 0 1,2-1-1,4-1-335,-3 5 0,5-2 0,7-7-31,0-6-149,53-29 0,31-16 0,-3 0-90,-21 10 0,-2-1 0,2-2-383,4 0 0,4-2 0,1 0 1,-1 0 464,1 1 0,0 0 1,-1 1-1,-2 2-22,0 0 0,-3 1 0,6-1-15,-6 2 0,4-3 0,3 0 0,0-1 0,-1 2 0,-2 1-8,5-2 1,-2 2-1,-1 0 1,0 0-46,1 0 1,-1-2-1,-1 2 1,-3 2-203,2-2 0,-2 1 0,-18 12 90,-19 10-270,-26 21 1,-15 6 314,11-10 0,-4 1-287,3-1 0,-6 5 0,-1 1 0,-1 0 0,5-3 272,-1-1 0,2-3 1,-1 3-166,-2 1 1,-1 2-1,-1 1 1,2-2 134,-2 2 0,3 0 0,2 1-227,5 0 1,2 2 0,1-2 226,-13 5 0,13-1-89,32-5 1,13-7 223,18-22 0,11-12 45,-13 5 0,4-2 0,0-1 0,-1 0 139,8-3 1,-2-1 0,5-3-96,-12 3 1,4-2 0,2-2 0,-1 1 0,-1 0 0,-4 3-15,8-3 0,-5 3 0,7-3 34,-11 5 0,7-4 0,2 0 1,1 0-1,-1 0 0,-4 1 0,-5 4-94,5-2 0,-6 2 0,4 0 120,-2 0 0,6-1 0,1 0 0,-4 1 0,-7 3-90,0 3 0,-4 2-315,8-5 0,-5 3 984,-15 11-759,-14 6-360,-20 12 0,-13 7-90,-8 3 0,-8 2 1,1-1 907,12-6 1,2-1 0,-4 2-662,-4 2 1,-6 1 0,4 0 0,8-3-248,12-2 0,4-1 360,-11 18 45,62-39 1,18-12 73,-18-1 1,0-4 0,2-1-455,-2 1 1,3-2 0,-1 1-1,0-1 635,7-3 0,0 0 0,-1-1-90,1-1 0,0 0 0,-2 1 239,6 0 1,0 1 192,-10 2 1,1-1 0,0 3-193,3 3 0,0 2 0,-5 1-271,-6-1 1,-1 1-90,21-2 0,-15 8 0,-37 11 478,-18 14-613,-13 1 0,-5 1 135,3 0 0,-1 1 30,7-5 0,-2 0 0,-3 1-323,0 0 1,-4 1 0,1 0 0,4-3-888,-4 4 0,1 0 1060,-2 0 0,-3 2 0,6-3-852,7-4 1,7-2 611,10 1 270,15-6-90,34-26 90,-10 1 0,4-2 91,-5-1 1,2-2-1,4-2 251,2 0 0,5-3 0,2-1 0,-1 0 0,-3 2 246,5-3 1,-2 1-1,3-2-229,-9 5 1,5-1 0,2-2 0,-1 1 0,-3 2 0,-6 4 494,11-4 1,-5 3-585,4-3 0,-6 2-180,-13 7 1805,-69 28-1535,-3 5-600,8-4 0,-8 5 0,2 1-330,3 3 1,1 1-1,0 1-120,0-3 1,1 0 0,3 0 599,-9 8 0,22-7 225,45-20 0,14-8 45,4-10 0,5-5-508,-8 5 1,3-1 0,1 0-1,-4-1 478,0 0 0,-3-1 0,1 0 270,12-3 0,1-1 0,-4 3-30,-5 5 1,-3 1-32,5-6 1,-11 10 1086,-25 35-1476,-25-4 0,-17 3 0,0 2-120,2 0 0,0 1 1,-1 1 209,-1 0 0,0 0 0,3-3-1005,-7-2 1,17-7 826,33-11-422,32-17 271,3-7 269,-5 1 0,7-2 0,-7 1 1044,-14 3 0,-1 0-954,24-7 0,-9 4 0,-32 14 0,-3 2 0</inkml:trace>
+  <inkml:trace contextRef="#ctx0" brushRef="#br0" timeOffset="69065">20162 4939 7533,'-9'0'-180,"4"0"90,1 4-90,12-2 180,-2 6 0,24-7 0,0-9 539,-6-3 1,2-2-225,-2-6 0,-1 0-1517,-1 1 1,-1 1 1831,15-14 90,4 0-2089,0-3 1369,-10 0-147,-10-9 237,-24 21 179,-30-17-718,5 18-316,-12 6 1,-5 3 269,13 8 0,0 2 405,-1-1 0,1 3 1748,-14 9-1928,24 9 90,8-7 3017,-11 23-2657,15-8-270,-3 3 1403,10-7-1223,12-5 0,-2-5 90,12 1 0,1-5 0,0-7 179,28 4-269,-22-10-90,7 1 0,0-1 90,0-5 0,5 1 0,-19 8-90,-14 7 0,-21 24 0,5-8 0,-7 9 0,-1 4-486,7-8 1,0 0 485,-7 7 0,0 3-120,5-4 0,2 3 0,0-4 120,-3-3 0,1-1-45,-3 13 0,1 0 0,5-14 0,1 0 45,-5 18 0,0 1 90,7-13 0,0 0 0,0 5 0,0 2 0,3-6-90,5 1 45,0-6 0,6-2-45,26-8 0,-7-4 0,19-11 90,-11-17-90,-5-5 0,0-5 225,3-9 0,-1-6-105,-9 9 0,0-3 0,-3 2-1556,1-5 1,-4 1 1480,-7 2 0,-6 4-315,-18-4-533,-8 2 893,-4-2-810,-2 13 360,11 6-359,-23 3-1553,7 9 2362,-6 2 1654,7 17-1744,19-2 497,3 10-497,9-14 540,24 4 89,2-15-359,15 4 3006,3-14-2045,11-5-1172,-10-2-149,8-1 450,-13 7-900,-6 1 251,-2 4 0,1 1 289,0-1 0,14-4 0,-24 4 0</inkml:trace>
+  <inkml:trace contextRef="#ctx0" brushRef="#br0" timeOffset="69509">21092 4418 7533,'-1'-10'-1529,"-2"2"1349,7 8 809,-4 0 990,-8 8-989,-2-6-90,-9 19-180,0-6 134,-1 20 1,1 4-315,-1 4-1207,1-5 0,0-1 1207,9-5 0,-4-5-384,4 3 1,-1 1 293,0-2 0,1-1-135,-2 7 0,0 1 0,3-8 0,1 1 135,-2 18 0,2-2 0,-3 6 45,3 2 0,2-4-135,2-17-90,8 13 180,14-1-315,5-21 0,3-1-45,10 13-585,6-19 1,0-7-1787,-15-9 2641,2 1 0,-2-2 0,-3-7 0,4-3 0</inkml:trace>
+  <inkml:trace contextRef="#ctx0" brushRef="#br0" timeOffset="70599">21427 4604 7533,'6'-10'-990,"-2"2"1620,0 4-90,-3 3-271,3-3 91,-4 4 450,0 0-181,8 0-359,7 0-180,4 0 90,4 0-180,16 0 0,-11-5-45,3 3 0,3-1 90,0 1 0,-2-1-622,-3 1 1,-1 0 621,4 2 0,-3 0-45,-5 0 270,27 8-180,-12 3-135,-13-3 0,-2 2-2905,3 9 2770,-17-5 270,-6 0-90,-8 3-180,-6-5 711,0 9-711,-28 6-180,10-1 360,3-6 0,0 0-923,-8 5 923,5 2-90,-3 0 0,10-6 2160,-6 5-2070,5-7-90,-2 4-90,-12 9 180,15-11 90,-13 9-180,26-19 450,-16 15-180,20-18-90,-8 13 0,12-16-90,0 0 90,0 3 1030,0-7-940,0 8 855,4-8-1035,1 7 0,5-7 360,3 7-360,-3-7 270,8 7-180,-8-7 0,4 8 359,7-8-359,-8 3 0,12-4 270,-2 0-270,2 0-90,2 0 180,4 0 0,-14 0-270,9 0 90,-7-4-180,0 3 90,16-3 0,-21 4-539,15 0 269,-23 0 180,3 0-1439,0 0 1259,-4 0 360,4 0 0,0-5 0,1 0 0</inkml:trace>
+  <inkml:trace contextRef="#ctx0" brushRef="#br0" timeOffset="71110">22553 4772 7533,'-5'-4'719,"13"3"-1348,8-3 539,-1 8 629,6 1-269,-19 0 90,10 3-900,-7-2 360,1 3-179,6 0-541,-10 5 900,6-4 0,-3 3 0,0-3 0</inkml:trace>
+  <inkml:trace contextRef="#ctx0" brushRef="#br0" timeOffset="71301">22572 5051 7533,'-16'4'-540,"8"18"360,9-9 180,3 25 90,-4-25-3142,-25 33 3322,11-30 569,-7 6 1,-2 2-480,-6 9-360,4-6 0,0 7 0,10-19 0</inkml:trace>
+  <inkml:trace contextRef="#ctx0" brushRef="#br0" timeOffset="72044">23130 4642 7533,'-5'-6'629,"1"2"-809,0 8 180,-2 2 540,-7 11 0,-6-1 269,0 15-449,0-11-90,2 16-90,6-16-90,2 7 90,1 16-90,7-14-225,-2 0 0,1-1-1662,2-2 1797,5 5-833,16 0 833,-3-13-1395,11-4 0,2-2 1575,-1-7-90,-3-2 0,2-2-1895,17-5 2165,-6-1 589,5-1-545,-16-4 1,-1-4-813,-4-1 0,-1 0 453,1-2 0,-1-2 642,-3-5 1,-6 1-598,-3 1 90,-2-9 0,-9-8-180,-13 3-90,2 10 0,-2 1-540,-24-12 181,-6 9 269,9 9-1091,-9 10 1001,17 1-629,-6 7-450,1-3 719,14 8 1144,0-3 0,8 7 0,4-3 1</inkml:trace>
+  <inkml:trace contextRef="#ctx0" brushRef="#br0" timeOffset="72430">23548 4270 7533,'-10'-8'-1080,"2"10"1080,8 14 0,-5 1-180,0-3 1170,-4 0-540,-4 13 719,-6 10-1202,3 3 527,6-9 1,-1 4 89,-5 5 1,1-1-540,4-6 0,-1 2 105,-5 2 0,-4 2 0,3-4-822,4-9 1,0-1 626,-6 16 1,0 2-91,3-11 0,3 0 90,5-5 0,1 0 0,-3 3 0,0-1-315,4 0 0,1 0 90,1-2 1,0 0 179,-1-1 0,-1 1-495,2 2 0,1-1 315,-1 3-629,0 13 539,5-23 90,0 0 270,0-7 0,5-8 0,0 2 0</inkml:trace>
+  <inkml:trace contextRef="#ctx0" brushRef="#br0" timeOffset="72810">23939 4418 7533,'12'-20'449,"17"11"-449,-2 16 1124,4 12 1,-3 4-945,-8-2-1446,-2 2 0,-1 1 1626,1 4 629,0 18-363,-6-13 1,0 3-312,1 0 0,-2 1-225,-3-1 0,-1 3 179,-4 8 1,-2 5 0,-1-6-656,-2-11 1,-1-1 415,0 7 0,0 6 0,-5-2-180,-7-1 0,-6-1 0,1-5-30,1-5 0,-3 0 112,-5 5 1,-5 7 0,-1-1-1,4-9-787,1-5 1,-2-4 854,-1-1 0,-5 2 0,-1-1 0,3-4 0,-5 3 0,0-3 0,-1-3 0,1 1 0,0-1 0</inkml:trace>
+  <inkml:trace contextRef="#ctx0" brushRef="#br0" timeOffset="112527">19548 5925 7533,'13'4'0,"-2"-2"180,-2 6-1,3-7 1,7 3-180,22-4 90,-9 0 0,20 0-90,-30 0 0,21 0 0,-25 0 90,20 0-270,8 0 180,-16 0-45,4-1 0,-1 2 45,-14 3 0,29-3 0,-27 3 0,6-4 0,-9 0 0,9 0 90,14 0 0,-13 0 0,22 0-90,-24 0 0,3 0 90,-3 0 0,-7 0-180,17-4 180,3 3-180,4-7 90,-11 7 0,-14-3 0,0 4 0,0-4 0,-2 2 0,10-2 180,-11 0-180,12 3 0,-11-3 0,14 4-90,3 0 90,-2 0 0,0 0 0,-9-4 0,-3-1 0,9-5 180,8-3-180,-10 7 0,1-7 0,-13 12-90,-5-3-90,0 0 180,-4 3 0,-1-3-180,1 4 90,-4 0 90,3 0 180,4 0 90,-2 0-270,8-4 0,-1-1 0,2-1 90,12-6-90,10 2 0,-6-1 0,4-1 90,4 7 90,-7-4-180,-5 5 0,0 2 0,3-2 0,1 4 0,-8-4 90,-3 3-270,-2-3 270,-4 4-450,3 0 180,-10 4 0,10 9 180,-16-1-90,3 5 180,-4-7-90,0-5 0,0 7 0,4-10 90,2 7-90,7-9 0,-3 0-90,29-5 0,-10-1 0,2-1 90,-4 4 0,0-1 0,6-5 0,-1 1 0,8 3 0,8-4 0,-8 4 90,-1 0-180,-8 5 360,-5 5-270,2 0 180,-10 0-180,-5-1 180,10 0-180,-7 1 0,10 1-90,-7 6 180,1-10-270,15 15 180,-14-15 0,10 10-180,-4-7 180,-6 0-90,14 4 90,-10-8 0,7 3 90,8 0-90,0-3 90,2 3 90,7-4-90,-10 0-827,-1 0 737,-3 0-90,-5-2 0,2 0 135,-6-1 0,1 1-472,9-1 0,-2 1 427,2-3-231,-2 14 231,-21-3 0,13 3 748,-12 4-748,4-7 0,-2 7 0,1-7 0,5 2 0,-5-7 0,26 3 0,-4-4 0,4 0-300,2-4 300,-16 3 0,19-7 374,-3 2-194,-11 2 0,4-1-1546,4 2 1,0 1 1365,-9-3 0,0 2 45,3 2 0,-2 1-73,4-5 28,11 5 180,0 0-270,-2 5 90,-19-3 0,-3 1 471,2 2-561,12 3 135,-8 3 0,-1 0-45,4 2 0,-4-2 0,0 0 90,-4 1-58,-5-5 58,23 10 2966,-18-6-2966,19-2-90,-12-1 0,-4-7 0,-2 3 0</inkml:trace>
+  <inkml:trace contextRef="#ctx0" brushRef="#br0" timeOffset="139762">4950 11720 7533,'-14'-5'1799,"4"5"-1709,-7 21 90,10 1-91,-1 10-89,8-1-89,-4 2 89,-1 18-45,0-21 0,0 1-1167,1 6 1,-1 0 1211,2-6 0,1 1 0,-2 16 0,0 5-87,3-11 0,1 2 0,0 0 117,-1 1 0,1 1 0,1-2-30,0-2 0,0-2 0,2-1 135,3 14 0,1-8-45,4-14-52,-1 4 1,1-1 141,5-12-90,11 9-180,-3-21 174,3-6-534,-7-8-360,14-14 451,-12-7 760,10-12-1301,-13 8 1,-3 0 539,-2-9 360,1 3 0,-1 1 0,-8 6-2072,3-20 2072,-5 32 259,-4-10-259,-4 16 1262,-5 0-183,-6 18-89,1 12-406,8 6 1,3 2-585,-2 10 3276,10 11-3160,8-18-116,8-14 0,2-1 0,7 5 0,17 0-90,-16-21 90,-9-8 450,26-15-270,-32-1 0,-1-3-90,14-11 0,-19 5 0,-4 2-1,-6 8 1,-4-8 0,-18 15 0,-7 2-630,1 5 1,-2 1-91,-10-3 1,0 3-1,-6 9-359,25 14 269,25 3 0,6 1 361,4-5 359,4 0 0,13-1 0,-9-2 0,9 2 0</inkml:trace>
+  <inkml:trace contextRef="#ctx0" brushRef="#br0" timeOffset="140460">5703 12483 7533,'5'-41'3276,"-1"-5"-2235,-8 33 129,-22-17-1530,4 19 180,-19-2 180,18 9-1169,4 4 539,-3 8 540,11-2-540,-3 7-179,6 5 449,7 2 180,-3 3-90,4 0 450,0-4-90,8 12-360,15-1 180,-1-1 90,17-20 0,-16-21 0,0-7 90,14-18 180,-12 9 0,-2-3 134,-7 1 1,-4 1 135,-1 4 0,-2 0-90,4-21-360,-9 23-630,-8 23 630,3 6 0,6 24 180,5 13-136,-3-15 1,0 2-45,-2-2 0,0 0 0,3 18-45,-5-14 0,-1 1-45,3 11-262,0-11 0,-1 2 217,-4-4 1,1 0 44,3-1 0,0 3 0,-3 10 0,-1 1 0,2-12 0,0 1 134,-2 13 1,0 3 180,0-9 0,0-2-225,0-3 0,0 0 0,-4 9 0,0-7 0,2-17 0,-11 18-90,4-24-3159,-14 5 2979,3-9-246,-12-8 1,-1-4 155,1-4 132,-5-4 0,1-6-491,1-17 539,2 6 0,21 3 0,6-2-90,14-18 225,-3 18 0,2-1 52,7-6 0,3 3-366,3-10 443,-4 12 0,4-1-1434,8-4 1,1 1 1259,-6 6 0,-1 0 0,8-5 0,-2 5 0,-1 3 0</inkml:trace>
+  <inkml:trace contextRef="#ctx0" brushRef="#br0" timeOffset="142063">6903 11469 7533,'-4'-18'90,"-1"3"449,-9-12-449,4 7 0,-3 2 0,3 4 180,-7-3 270,1 1-360,-2 2-90,8 5 89,2 9 91,3 9-3482,-4 1 3302,3 9 180,-6 12-180,10-10 0,-10 14 45,7-4 0,1 3-45,-2 10 0,2 4-737,1-1 1,2 4-1,-1-4 602,0 5 1,1-3 103,4-9 1,0 1 0,0-6 2086,-2 12-2101,5 4 0,0 2 45,-5-24 0,0-1-1229,5 17 1,0-2 1138,-5-1 270,2-14 0,2 2-474,0 9 1,-1 1 338,-1-9 0,1 1 135,2 21 0,0-3-180,-5-10-1,1-2 1,0 2-7,-2-11 0,0-1-173,0 22 180,1-16 0,-2 2-239,-5-2 1,0 1 58,3-4 0,-1 0 871,-6 7 1,-2-1-782,0-8 0,-3-3 485,-4 1 0,-4-1-575,-9 0 0,-5-5-180,-7-6 0,-1-6-90,9-5 0,2-5 1477,-4-7 1,5-6-2017,4-15 449,7 0 90,12 2-1070,2-17 890,7 20-252,5-28 1,2 31 0,8-6 0</inkml:trace>
+  <inkml:trace contextRef="#ctx0" brushRef="#br0" timeOffset="144813">7639 12306 7533,'29'-14'270,"2"0"-1,-16 0 1081,19-16-631,-12 8-449,6-6-90,-11 6 180,-7 8-3637,3-9 1523,-2 8 3163,2-7-1409,-4 12 1039,1-12-949,3-14-180,-3-9-90,0 2-909,-7 14 0,-2 2 909,-5 3 1314,-1-3 0,-4-2-774,-23-6-360,5 1 0,-16 8 0,22 21-629,-22 1 449,20 8-2448,-16 5 2538,23 2 1998,-14 19-1998,22-17 0,-17 34 90,23-29-180,-6 22 180,8-21-90,0 4-2268,4 16 2448,-3-15 639,4 4 1,2 0-730,0-10-90,6 12 180,9-12 90,3-7-45,1-5 0,1-2 2811,15-10-2946,-10-4 0,-2-2 1036,-3-5-1036,3-9 0,-21 16 269,0-3 91,5-5-180,-8 11-180,2-6 90,-8 13-270,-4 0 180,-1 5 0,-9 0 0,4 4 310,-3 0-490,-9 13 180,-3 15-90,0-1-1549,9-1 1,2 0 1433,3-1-724,-1 8 1,2 1 748,4-2 135,-1 10 0,2 1 135,4-5-120,-1-12 0,1 5 0,-1-4-737,2-7 1,0-3 811,0 7 0,0-2-466,5-1 421,0-21 1594,4 5-1594,4-8 1744,6 6-1475,13-19-179,-10 1 1548,2-14 0,-2-8-1427,-11 2 1,-3-2-167,8-1 0,-1-1-983,-9-8 0,-3 2 848,1 7-45,-5-1 0,-6 1-225,-16 6 180,2-4 90,-6 19 1,-2 4 89,0-2-135,-2 4 0,1-1 3411,7-1-3340,-7 4-26,17 8 270,6-1-270,-1 6 180,12 5 360,14-3-271,-1-1 91,5-5-3547,-4-9 3162,-4 0-570,17 0-124,-9-4 359,9 3-1259,0-12 1213,-1-1 1,3-2-1,-6-1 1</inkml:trace>
+  <inkml:trace contextRef="#ctx0" brushRef="#br0" timeOffset="145313">8429 11720 7533,'-5'-15'449,"-3"2"-89,7 8 720,-12 1-721,7 4 451,-12 12-360,8 8-360,-3 5 90,3 14-1,5-13 181,1 2 0,0 5-90,3-2 0,1 1-180,-2-1 0,0 2-1517,1 13 1,2-1 1516,-1-1-45,1 1 1,2 1 133,1-15 1,1-2-90,0 1 0,0-2-180,5 11 90,-2-21-180,10-4 270,2 1-899,21-6-720,-15-5 629,0-4 3575,-8-4-2675,13-5 0,-8-2 0,12-2 0</inkml:trace>
+  <inkml:trace contextRef="#ctx0" brushRef="#br0" timeOffset="146015">8699 11859 7533,'-10'-24'1079,"1"6"-1079,9 14 1619,0 4-719,13 8-451,-2-2 181,16 8-450,-7-9 540,27 7-541,-22-10-89,1 5 0,0-1-90,-5-5 90,5 7-270,-3-7 180,-7 7-90,1-2-359,-3 7 359,-8-3-630,2 12 270,-8-10 1,-8 13 449,2-13-270,-8 9-90,1-2 180,-2-3 180,1 5-180,-4-10 0,8 6 270,-8-7-180,-9 20 90,14-16 180,-16 20 0,27-23-270,-6 3 180,8-2-90,0-10 0,0 11 630,8-8 1888,23 4-2068,-7-4-692,15-1 602,-20-4-3283,12-8 2563,-10 2 239,15-7 211,-21 3-719,7 5 269,-12-3 270,4 7-1854,-1-3-215,2-1 2159,-1 4 0,4-7 0,-4 3 0</inkml:trace>
+  <inkml:trace contextRef="#ctx0" brushRef="#br0" timeOffset="146465">9407 11859 7533,'-7'-10'3276,"4"2"-2505,8 12-771,8 1-269,-7 4-1,7 1-1080,-3-5 181,-1 7 899,0-5 270,-3 6 0,2-4 0,-3 1 0</inkml:trace>
+  <inkml:trace contextRef="#ctx0" brushRef="#br0" timeOffset="146647">9472 12111 7533,'0'29'3276,"-4"-3"-2505,3-11-411,-8-2 180,4 1-90,-8 4-733,6 2 193,-5-1-809,-1 11 809,5-17-1799,-4 17 653,12-16 1236,0 5 0,4-4 0,1-2 0</inkml:trace>
+  <inkml:trace contextRef="#ctx0" brushRef="#br0" timeOffset="147128">9806 11850 7533,'-5'0'-1619,"-3"0"4895,-2 8-1066,-8 11-1490,2 10-3997,-1 16 3112,11-14 304,2 17 401,13-2-341,5-14 0,3-1-19,6 14 0,17-11-1235,-1-30 1235,-19-8 785,18-1-1505,-20-17 907,0-2 0,1-6-323,-3-4 1,-1-1 85,0 3 0,-2 0-40,-5 0 0,-4 4-90,-4 8 0,0-7 3276,-4 8-3362,-10-4-184,-13-9-629,-8 6 224,13 8 1,-1 1 134,-11 6-539,-2-2 719,16 13-1439,-6 17 629,15 4 372,-3 3 1,10 2 0,4-11 0</inkml:trace>
+  <inkml:trace contextRef="#ctx0" brushRef="#br0" timeOffset="147495">9946 11459 7533,'0'-31'2968,"0"15"-1169,-4 63-1169,2-2-585,1-14 0,-2 2 134,1-3 1,0 1-45,0 7 0,-1 2-225,-3 9 0,-1 0-1549,2-5 1,-1-2 1151,0-5 0,-1-3 600,2-5 0,1 0-338,1 2 1,0 1 134,1-1 0,0 1-584,2-2 0,0-2 224,0 9 206,0-7 0,0 2-386,0 15-45,2-8 1,0-2-136,4-1 2570,-1-1-1760,7-30 0,-10-10 0,6-9 0</inkml:trace>
+  <inkml:trace contextRef="#ctx0" brushRef="#br0" timeOffset="147893">10281 11450 10771,'14'44'3276,"0"-8"-2774,-9-14 847,11 18-989,-8-4 44,8 5 1,2 2-551,-9-14 0,-1-1 280,8 13 1,-1-1 169,-7-11 1,-1-2-125,6 16-180,-8 2-3138,4-4 3317,-8-2 1,3 3-1519,-4 6 1429,-12 1-229,7-23 0,-2 1-41,-9 4 0,-3 0-765,0-2 1,0-2-452,-2 0 1,-2 0 302,-1 1 1,-3 1 0,0-3 981,-8 1 1,-1-1 0,-6 5 0,0-2 0,5-12 0,1 1 0</inkml:trace>
+  <inkml:trace contextRef="#ctx0" brushRef="#br0" timeOffset="148894">10830 12092 7353,'0'-5'-540,"0"1"3816,0 4-3224,4-4-52,-3 3 270,3-8 180,-4 8-180,0-3-2069,0 12 449,4-1 1350,-2 2 0,6-1 0,-3-3 0</inkml:trace>
+  <inkml:trace contextRef="#ctx0" brushRef="#br0" timeOffset="149618">11695 11246 7533,'-10'0'-270,"-3"0"360,12 0 449,-3 0 271,4-5-360,4-4-90,10-5-270,1-1-3303,8-2 3393,-9 10-180,8-9-90,-15 10 270,10-8-180,-16 9 90,3 1-90,0 4 90,-3 0 90,3 0-270,-4 8 180,0 3 3186,0 24-2980,0 16-3573,0-4 3354,0-14 1,0 3-540,0 0 1,0 1 506,2 12 0,0 3-700,-1-14 1,-1 0 0,0-1 699,4 8 0,1 0-105,-2 1 0,0 3 0,0-6-636,0-14 0,0 1 546,3 10 0,0 6 1,-1-8 1059,-3 3-1540,4-11 1,0-2-110,-1 2 739,1-11 0,-2-29 0,-4-15 0</inkml:trace>
+  <inkml:trace contextRef="#ctx0" brushRef="#br0" timeOffset="149902">11816 11320 7533,'-1'-45'1529,"14"2"-1529,0 28-540,17 1 1080,-19 10 809,15 4-719,-15 0 269,24 8-449,-10 7-90,0 1 0,0 4-1,6 15-224,-14-12 0,-3 0 45,0 5 90,-9 12-630,-18 2-822,-3-2 823,-12 1 89,-7-10 270,5-6-990,-8-2 451,10-1-1260,6-16-900,-13 7 2699,16-12 0,-15-1 0,19-6 0</inkml:trace>
+  <inkml:trace contextRef="#ctx0" brushRef="#br0" timeOffset="150266">12421 11115 7533,'-26'18'3238,"-3"1"-2788,27 5 449,-10 11 900,2 12-1484,7-19 0,0 2-1954,-1 3 1,0-1 1023,4 15 705,0-11 0,0-2 1129,0 1-904,2-1 0,0 1-225,3 13-495,4-16 0,0 1 45,2 16-45,0-21 1,4-3-2873,25 8 707,-11-12 2570,19-5 0,-28-20 0,2-1 0</inkml:trace>
+  <inkml:trace contextRef="#ctx0" brushRef="#br0" timeOffset="150660">12700 11255 7533,'-5'-30'3238,"1"4"-2878,4 21 629,0 1 360,8 20-449,-2 1-450,7 11 179,5 3 1,-3-2-270,4-5-91,-2 2 361,6-3-630,2 6 360,11 4-180,-11-5-90,-4-9 0,2 1-180,12 19-450,-14-15 0,0 0 135,-1 1 1,-4 0-1035,0 5-90,4 5-540,-17-24-180,13 6 2249,-14-29 0,6 5 0,-8-16 0</inkml:trace>
+  <inkml:trace contextRef="#ctx0" brushRef="#br0" timeOffset="150897">13128 11180 7533,'-11'-4'3276,"3"3"-3224,4 1-52,-1 5 0,0 5 180,-4-1 629,0 9-269,-1-7-180,-12 23-180,6-16-46,0 7 1,-3 5-135,-4 1 0,0 0 45,5-3 0,-1 1-764,-4 3 0,-2 2 1,4-6 538,-4 4-720,3 3 1,1-1-630,2-9 89,9 7-1837,2-5 3015,8-11 0,-4 1 0,-2-7 1</inkml:trace>
+  <inkml:trace contextRef="#ctx0" brushRef="#br0" timeOffset="151269">13472 11515 7982,'0'5'3276,"0"8"-345,-8 22-2931,2-10 315,-6 12 0,-2 2 314,-3 9-449,6-15 0,0-1 0,-3 9-1000,9-14 1,1-8 0,4-1 0</inkml:trace>
+  <inkml:trace contextRef="#ctx0" brushRef="#br0" timeOffset="151960">13845 11125 7533,'-15'5'3276,"18"-1"-2145,0-4-1221,11 0 1170,-2 0-1,3 0-359,13-4-720,-8 3-3277,6-3 3521,-16 4-424,12-5 91,2 4-91,1-3-1349,6 8 1079,-16 2 270,3 3 90,-13-4-90,-1 3 3456,-4-3-3430,-4 21 154,-1-8-225,-5 7 0,-2 2 135,-4-4-45,1 5 1,-1 0-136,-12 7-45,9-5 0,0-1 45,-6 7-2004,-1 8 2184,12-25 270,-4 25-90,2-16 539,3 8-179,9-23 899,4-4-1169,0-8 270,0 3 2634,12-4-1915,8 0-539,9-4-360,3 3-540,-4-8 540,-1 8-90,-3-3-720,7 0 90,-10 3 90,10-7 360,-15 3-1888,1-1 358,1 2-1747,1-4 3062,1 6 0,1-15 0,-7 7 0</inkml:trace>
+  <inkml:trace contextRef="#ctx0" brushRef="#br0" timeOffset="152517">14663 11087 9152,'-5'6'629,"1"-2"-449,-1-4-899,4 4 629,-3 1 719,4 0 721,4 8-1530,2-7 0,-1 3-1979,7-1 1619,-1-3-89,3 5-361,-5-1 990,-5-4 0,-4 4 0,0-4 0</inkml:trace>
+  <inkml:trace contextRef="#ctx0" brushRef="#br0" timeOffset="152694">14663 11413 7533,'-9'19'1439,"-1"-1"-1169,5 9-810,1-10 630,4 13 90,-4-19 1169,-1 23-1979,-9 4-2240,4-6 1520,-4 15 17,5-27 614,4 8 99,1-9 1,0-1 0,-1-4 0</inkml:trace>
+  <inkml:trace contextRef="#ctx0" brushRef="#br0" timeOffset="153894">15100 11180 7533,'0'-14'629,"0"5"91,0 5 89,0 4 271,-4 0-361,-5 8-539,-1 2-270,-4 13 270,5-8 360,4 28-450,1-11-90,4 10 180,0 6-90,4-26 90,5 22-180,6-23 180,7 1 89,2-8-448,4-9-91,4-1 315,3-16 0,0-5 135,12-3-46,-13 0 1,-2-4 0,-10 3 0,-5-2-45,-3-7 0,-2-1 0,1 3 0,-2 0-585,-3-2 1,-3 2-406,-5-12 450,-5 14 450,0-1 90,0 13 180,-3 9-180,7 1 989,-8 0-809,8 3 450,-7-3-630,7 4-180,-7 0-90,7-4 0,-7 3-180,6-4 360,-2 5 0,4 0 270,-4 0 0,3 0-180,-3-4 0,0 3-90,-1-3-90,0 4 180,-4-4-90,4 3 0,-4-7-90,-1 3-630,-7-9 451,6 8 179,-7-2 90,9 8-180,-13 0 0,5 0 270,-5 0-90,0 0 0,11 0 90,-7 0-90,9 0 0,-5 4 90,8-3-270,-11 11 90,11-6 90,-3 8 0,1-1 0,2-7 0,1 11-90,-3-7 0,7 9 0,-3-5 90,4 0 0,0-5 0,4 0 540,5 1-91,2-5 1,-2-1 180,7-4-540,-4 0 180,27 0-360,-12 0 0,5 0 270,-6 0-270,-15 0 0,15 0-180,-14 0 0,18 0-540,-18 4 361,10-3-1890,-9 3 2339,-2-4 0,6 0 0,-7-8 0,4-2 0</inkml:trace>
+  <inkml:trace contextRef="#ctx0" brushRef="#br0" timeOffset="154363">15650 10836 7533,'-10'0'1799,"5"0"-2159,1 4 1529,12-3-179,-1 8-541,2-8 1,3 7-270,-6-3 0,8 4 450,-5 1-181,0-1 181,0 9 0,9 9-91,-3 16-539,0-8 180,-7 0 0,0 17-180,-6-5 0,2-17 0,1 1-225,-5 6 0,0 0 135,-5 14-135,2-14 1,-3 0-336,-8 10-970,0-16 1,-3-1 1529,-3-4 0,-2-2 0,0 3 0,-1-1 0,-1-4 0,-1 0 0</inkml:trace>
+  <inkml:trace contextRef="#ctx0" brushRef="#br0" timeOffset="155695">11332 12185 8252,'33'5'1709,"7"3"-1529,-14-2 180,13-1 360,7 3-406,-16-7 1,2-1 0,10 2 0,0 0-1954,-8 0 1,0 0 1330,-2-2 1,3 1 487,5 5 0,5 3 0,-5-3-750,-2-4 1,-1 0 629,7 4 0,4 2 0,-5-1-560,-8-4 0,-4-1 590,1 1 0,1-1-135,-1 1 0,1-2 45,3 0 0,1-2-391,1 1 1,0 0 435,-1 1 0,1-2-45,-5 0 0,2-2 0,4-1 179,4-1 1,5 0 0,2-1 0,-2-1-68,-4 1 1,-1 0-1,0-1 1,3 0-5,1 0 0,3 0 0,0-1 0,-2 1 0,-4 0-18,2 0 0,-4 1 0,1 0 59,6-3 1,1 0 0,-1 1 266,0 2 1,-1 2 0,0-2-267,2-1 0,-1-1 0,0 1-151,-1 1 0,0 2 0,-1-1-29,-5 0 0,-1 1 0,0 0 120,2 0 0,0 1 0,1 0-120,2 0 0,1 0 0,0 0 90,3 0 0,0 0 0,2 0 154,-6 0 1,3 1 0,-2 0 0,-1-1-126,0 2 1,-3-1 0,3 0-32,-3 1 0,2 0 0,1 0 0,-1 0 77,-1 0 0,1-1 0,-2 0 0,0-1 75,5-4 0,-1-1 0,1 0-120,-8 2 0,2 1 0,0-1 0,-2-3 119,6-4 1,-3-3 0,-2 1-31,3-1 0,-3 2-179,1 0 0,-3 0-297,2-4-512,-14 13 643,-16 1-3111,-3 4 141,-33 0 3136,2-4 0,-26-1 0,6-5 0</inkml:trace>
+  <inkml:trace contextRef="#ctx0" brushRef="#br0" timeOffset="156777">12765 12976 8792,'4'-18'989,"9"-2"-1528,11-20 449,1 1 270,-2 1-1578,-14 7 1488,-1 12 560,-7 0-470,8-16 0,-8 13-25,3-22-155,-21 7 269,5 10-134,-10 6 0,-4 4 728,-10 5-1088,1 12 0,-1 4 45,-2 4 135,-1 20 0,2 8 45,14-9 0,3 3-30,0 0 0,-1 4 0,2-2-15,1 3 0,3-2 90,5-6 0,3-3-45,2 2 0,14-17 180,26-12-180,2-3 0,-10-3 0,1-1-90,-1 0 0,0 1 180,9-1 0,-4 10 180,-20 27-90,-12 12-90,-3-12 0,-2 2-72,-5 19 0,-3 1 27,2-11 0,1 3-158,1 1 1,0 7 0,1 1 0,3-4-68,2-5 0,3-3 0,0 2 120,2 11 0,2 2 0,1-8 105,1-9 0,4-7 225,20-4 0,-10-29-3256,12-14 2986,-12-7-326,-2 5 0,-2 0 236,-3-10-1966,8-7 1966,-7 5-67,-9 6 0,0-1 157,4-20 1056,-18 0 1,-6 2-968,-9 8 181,-2 8 0,-2 7-90,-6 18-1926,-2 4 1836,13 4 2298,0-3-2478,0 12 531,3-7-441,2 11 0,9-10-76,4 1-14,5-8 3366,0 0-2351,13 0-835,-2-4 90,20-1-180,-10-5-810,9-2 1,4-1 449,10-1-944,-2-3 0,1 0 854,2 6 450,4-7 0,-21 5 0,-1-2 0</inkml:trace>
+  <inkml:trace contextRef="#ctx0" brushRef="#br0" timeOffset="157111">13351 12678 7533,'-15'-14'3276,"2"0"-3674,13 9 218,0 1 1439,-12 20-989,5-3 360,-15 22-181,11 8 1,3 5-45,2-8 0,1 1-1356,2 2 0,2 4 1,1-5 1040,2-6 0,2-4-405,2-3 0,1-1-135,3-3 0,2-2 1,13 23-406,-7-19 1,1-2-2295,18 7 3149,-4-19 0,-5-21 0,-5-8 0</inkml:trace>
+  <inkml:trace contextRef="#ctx0" brushRef="#br0" timeOffset="157548">13509 12752 7533,'9'-10'1349,"5"-2"810,31 7-1080,-19 2 0,1 0-719,4 1 0,1 0-315,-2 2 0,-2 0-3322,7 0 2392,-9 0 1925,4 4-860,-8 6-450,6 0-360,-10 8 181,-13 0-271,-5 6 0,-9 16 1921,-10-8 1,-2 0-1157,9-8 0,-1 1 225,-7 11 0,1-3 809,10-7-180,17 1-359,3-14-180,33-3-3572,-12-5 3302,9-5-1439,-1-1 35,-6-8-485,0 4-1080,9-4 2879,-15-1 0,-1-2 0,16-4 0,-15 2 0,1 1 0</inkml:trace>
+  <inkml:trace contextRef="#ctx0" brushRef="#br0" timeOffset="157727">14449 12725 9152,'18'4'3058,"1"5"-2788,-9 5-2159,3 5 1889,-8 4 0,4-8 0,1 3 0</inkml:trace>
+  <inkml:trace contextRef="#ctx0" brushRef="#br0" timeOffset="157897">14579 12985 7533,'-10'25'1092,"0"0"0,3 3 0,1-1 129,-2 3-2210,-2 16 539,0-15 0,-2 1 405,2-4 0,-1 0-675,-2 4 1,-1 0-450,-5 13 349,5-8 1,1-12 0,3-3 0</inkml:trace>
+  <inkml:trace contextRef="#ctx0" brushRef="#br0" timeOffset="158129">15063 12762 7533,'5'-29'0,"0"2"0</inkml:trace>
+  <inkml:trace contextRef="#ctx0" brushRef="#br0" timeOffset="158498">15082 12659 7533,'0'-5'2248,"0"1"-988,-8 12-1080,1-1 719,-10 14-179,6-5-720,-2 7 539,4 3-808,-1-9 179,5 5 90,1-5 359,4 7-539,8 21 270,3-4-269,3-4 268,4-11-89,0-8 0,-2-2-179,10-3-181,10-9 360,-8-8-1639,0-3 1,0-3 1073,-6-7 655,14-10-180,-9-4 90,-11 10 45,-3-2 0,0-2 135,1-10 90,-5 5 0,-3-3-46,-2-1 1,-3 2 3051,-2-19-2768,-12 21 0,-8 4-1138,-28 10 315,20 6 1,-1 2 89,1 8 0,-1 4-675,2 4 1,3 3 539,-7 10-450,7-4 1,2 1-520,6 2-110,-13 16 634,19-16 0,-11 7 0,8-8 0</inkml:trace>
+  <inkml:trace contextRef="#ctx0" brushRef="#br0" timeOffset="158910">15259 12362 7533,'-10'0'-180,"5"0"989,-3 0 451,3 0-361,-5 8 630,1 15-1439,0 4 0,1 5 135,2 4 0,0 1-1831,-3 0 0,1-2 1606,4-4 0,2-4-90,-2 5 356,4 13 1,0 4-267,0-9 0,0 2-240,-1 9 0,-1 5 0,1-6-1132,1-9 1,-1-3 876,-1 10 0,0-2-1394,2-3 990,0-4-90,0-12 1641,4-14 0,1-16 0,5 2 1</inkml:trace>
+  <inkml:trace contextRef="#ctx0" brushRef="#br0" timeOffset="159247">15584 12418 7533,'23'4'3276,"5"17"0,-7-3-2505,-7 4 1,-2 4-505,-4 1 1,-2 1-89,1 2 1,0 0 0,0 8 0,-1 1 45,-1-6 0,0-1-135,-2-6 0,-1 2 179,1 19 1,-2 5-240,-3-13 0,-2 0 0,-2 2-1123,-3 2 1,-2 0 0,-1 0-1,0 0 1,0 0 0,-4-6-547,-11-1 1,-1-8 1565,-10 0 0,2-12 1,8-10-1</inkml:trace>
+  <inkml:trace contextRef="#ctx0" brushRef="#br0" timeOffset="160328">16626 11971 7533,'-4'-9'539,"3"-1"541,-20-7-720,5 1 449,-29-6 360,-2 7-809,11 2-270,-15 8 90,13 25-270,6-5-90,8 12 0,5 6-179,8 8-1280,4-15 1,0 0 1253,3 18 322,4-12 0,0 2 737,2 13 1,0 1-585,1-6 0,0-1-158,-1 3 0,1-5 338,5-7-360,1 0-180,22-7 180,-4-19 2796,9-9-3605,-13-28 461,8-11 33,-16 13 1,0-3-1,8-7 0,0-5 353,-7 4 1,0-2 0,-2-3 73,-2 5 1,-1-2-1,0-1 1,-1-1 21,-1-3 1,0-2 0,-1 0 0,-1 3-493,0-4 1,0 2 0,-4 0 657,-2-4 0,-3 1 0,-1 8-30,-3 1 635,-3-1 0,-4 5-456,-2 24-179,-4-11-180,6 29 0,3 1 1109,-3 21-1019,7-8 90,-1 12 0,1 8 149,6 1 1,2 3 0,0 0-180,-2-5 0,0 0 0,1 2 219,0-1 0,1 2 0,0 1 1,2-1-1240,2 8 1,2-1-1,0-3 201,1 5 0,2-1 669,1-6 0,2 2 0,1-7 0,10 3 0,7-6 0</inkml:trace>
+  <inkml:trace contextRef="#ctx0" brushRef="#br0" timeOffset="160777">16906 11934 7533,'22'0'3276,"2"4"0,4 5-1373,-8 2-1543,10 6-1,-10-6-448,4-2-1,-2-1 90,-12 6 179,0-3-988,-6 11-181,-4 0 271,-9 24 449,-1-1 135,-1-17 0,-1-1 225,-7 14-360,-4-8 180,0 4 1080,4-8-900,4-6 539,15-1-179,19-12-3212,1 0 3122,7-6-181,-4 0-453,13-3 633,7 3-449,-14-4 0,2-4 90,14-13 0,0-4 0,-17 7 0,0-2 0,8-13 0,1 0 0</inkml:trace>
+  <inkml:trace contextRef="#ctx0" brushRef="#br0" timeOffset="198265">1917 14027 7533,'0'-10'1169,"8"1"-1169,2 0 360,9 4-180,4 1-90,-4 4 269,25-5-269,-20 4 0,15-3 90,-8 0-180,11-1 0,7-4-449,-7-1 359,-20 5-90,-9 1-810,-12 8 451,3-3 179,-4 8-989,4-8 1349,-3 3 0,3-4 0</inkml:trace>
+  <inkml:trace contextRef="#ctx0" brushRef="#br0" timeOffset="198577">2260 13980 7533,'-19'29'-90,"6"-6"0,1 2 809,-4 23-629,2-6 135,8-14 0,3-2 585,3 0 89,9 16-809,-7-18 0,6-2 270,-8-4-360,0 6-135,-2 8 0,0 2-45,1 3 135,-4-3 0,-3 0-225,-10-1 270,-7-7 180,-11 0-180,11-21 0,2 3-270,2-7 0,1 3-359,-4-8 179,5-5-809,10-10 1259,17-29 0,4 14 0,-1 7 0,1 1 0</inkml:trace>
+  <inkml:trace contextRef="#ctx0" brushRef="#br0" timeOffset="199285">2372 14529 7533,'5'10'1439,"12"-1"-540,15-13-629,4-6 0,14-4-315,-27 0 0,-1-3-225,13-17 90,-7 4 90,-15 4 0,-13 17-269,0-1-361,-13-11 630,6 12 90,-23-15 0,14 17-270,-24-2 0,2 9 270,7 9 90,1 10 0,25 21-3122,9 9 3122,2-5-90,16 4-94,-7-23 184,4-2-183,7-5 3,-10-13-450,20-9 91,-16-6 449,15-21 0,-14 5 0,6-10 0</inkml:trace>
+  <inkml:trace contextRef="#ctx0" brushRef="#br0" timeOffset="199644">2754 14306 7533,'5'9'1709,"3"17"-1260,-7 12-179,3 3-90,-8-1-270,3-17 270,-3-1-540,4-2-989,0 7-90,4-24 719,-3-5 720,12-26 0,1-22 0,2 21-225,-6 3 1,1 2 224,4 7 539,-1-5-89,-4 12-270,-2 6 899,-3 0 181,0 7-901,4-2 451,-8 25-630,7 8-720,1 14-1079,10-6 868,-4-18 571,3-12-636,-1-8 1,-1-3-1,7 3 1</inkml:trace>
+  <inkml:trace contextRef="#ctx0" brushRef="#br0" timeOffset="200713">3275 14399 7533,'-15'-16'989,"-14"-8"-989,20 20 90,-21-12-180,19 11 180,-15 0 90,19 0-90,-10 5-90,12 9 0,0-3 180,-3 20 0,7 11-90,-3-1-3367,4 0 3342,0-14-287,4-7 312,1-5-180,12-2 0,-1-8 0,3 0 90,-6 0 3276,-8 0-3181,3 4 148,-7 6-63,-5 4-1,-10 9-1348,-6-8-540,6 3 1709,14-13 0,18-9 0,7-2-3277,-1-4 2173,-2 6 1553,5-4 1,-2 2-90,8-8 449,-2-7-89,-11-12-540,-1 2-90,-11-5 90,-8 14-90,0 6-90,0-1 3276,-8 7-2710,-15-3-656,-3 7-720,-6 10 720,18 7 180,5 16-180,14-3 90,4 12 0,-3-14 0,11 8 0,-11-20-180,16-1 180,-11-5-90,7-4 90,-5-4-180,6-9-449,4-11 359,-3 3 90,-7 0 180,-4 11 180,-8 5-180,3 1 90,-4 4-90,4 0 360,-3 0 179,3 8-89,0 11-270,-3-2 90,4 8-180,-5-18 0,4 9-360,5-14-270,1 2-1709,16-42 2249,-13 12 0,0 1 0,-1 2 0,-5 4 0,5 6-179,-7 3 179,9 5 0,-8 1 629,2 4 451,0 0-541,-1 8-359,2-2 0,-5 8 270,4 8-360,-1-2 0,2 8-360,3-5-540,-10-9 450,11-4 181,-12-6-91,7-4 270,-7 0 0,7 0 0,-3 0 0</inkml:trace>
+  <inkml:trace contextRef="#ctx0" brushRef="#br0" timeOffset="201344">3935 14073 7533,'-10'0'1709,"-3"0"-1349,12 0 179,-19 13-449,16-6 180,-25 27-630,17-4-359,-2 4 179,6-3 270,8-12-270,4 8 540,-3-11 0,7 6 0,-3-13 0</inkml:trace>
+  <inkml:trace contextRef="#ctx0" brushRef="#br0" timeOffset="201698">4084 14306 7533,'-13'0'2788,"-14"4"-2968,5 1 90,-9 4-539,12 5-91,9 0 540,2 1 180,8-6-180,4-1 180,1-7 180,9 8 180,8-4-180,-5 0 539,21 7-269,-20-5 450,9 19-181,-30-2-539,-25 5 0,4-10-1439,-19-11 539,28-8-100,-4 0 1,2 0 0,2 0 0</inkml:trace>
+  <inkml:trace contextRef="#ctx0" brushRef="#br0" timeOffset="208401">3638 14836 7533,'-5'0'1259,"-3"0"-899,7 0 0,-8 4-1,8-3-269,1 3 0,10-4-180,12 0 360,-1 0-180,10 0 90,5-4 180,3 3-270,-1-7-180,-3 7 90,-7-7 90,-3 7-360,2-4 90,-4 5-899,5 0 539,1 0-989,-2 0 449,-4 0 1080,-12 5 0,-3 0 0,-8 4 0</inkml:trace>
+  <inkml:trace contextRef="#ctx0" brushRef="#br0" timeOffset="208714">3694 15134 7533,'-5'0'449,"1"0"721,0 4-810,3-3 359,-4 3-359,5-4 0,9 0-180,-3 0-90,11 0 269,10 0-179,7 0 0,12 0 0,-8-4-270,-5 3 180,2-12-360,11 3 0,-8 0 180,9 2-1259,-23 3 1349,8 9 0,-11-3 0,0 8 0</inkml:trace>
+  <inkml:trace contextRef="#ctx0" brushRef="#br0" timeOffset="214661">3861 14576 6993,'-5'-6'-360,"0"2"450,1 4 270,3-4-270,-3 3 270,0-3 89,-1 0-179,-4 3-90,3-3-90,-2 4 90,7 0 720,-3 0-721,12 0 1,-2 0-90,4 4 180,2-3-360,-6 3 0,8-4 90,-5 4-90,0-3 90,9 7 0,-7-6 90,11 6 0,-12-3 0,16 4-90,-13 1 0,8-5 90,-3 3 0,14 1-180,-1 2 180,9-2-180,-12-1 90,-8-7 0,-2 7 180,-13-6 90,-1 2 269,-4-4-449,-8 0 0,-3 0-359,-7 0 269,3 0-180,-2 4 0,6 1 180,-6 4 0,6-4-90,-15 8 90,6-3 270,-16 9-90,11-5-180,-2 0 89,12-5-89,-2 0 0,6-4 0,-2 0 180,0-1 0,-10 1-90,2 4-180,-14-4 180,14 4-180,-2-8 180,6 3-90,7 0-90,-7-3 0,6 3 90,-10-4 0,9 0 180,-5 0-180,7 0 0,5 0 0,-3 0 0,7 0 0,-11 0 90,10 0-270,-11 0 180,12 0-2158,-3 0 89,25 0 1439,-8 0 630,22-4 0,-15-1 0,3-5 0</inkml:trace>
+  <inkml:trace contextRef="#ctx0" brushRef="#br0" timeOffset="215528">3898 14511 7533,'-9'0'-1439,"4"0"1708,0 0 451,5-5 269,0 0-359,0 0-180,0 1 899,0 4-1169,0 8 0,13-2 0,2 8-90,13-5 0,-8 0-90,2 1 0,-4-1 90,2 0-90,7 1 0,1-1-180,1 0 180,7 1 0,-15-5 0,9 3 90,-15-7-90,8 3 0,-9 0 0,4 1 0,-12 1-90,6 2 90,-10-7 0,2 3 449,-4-4-359,0 0-90,0 4 0,-4 1 0,-2 1-90,-3 2 90,-4-3-180,2 0 1,-2 3-181,-13 2 270,8 0 45,-8 0 0,-4 2-45,-15 12 270,1-4-270,1 2 180,15 0-90,6-10 90,-16 10-180,9-13 90,-5-4-90,10-1 90,8-4 0,11 0-90,-1 0-270,2 0 180,0 0-90,3 0-809,-3 0-630,8 4 1439,5-3 270,6 4 0,4-5 0,-1 0 0</inkml:trace>
+  <inkml:trace contextRef="#ctx0" brushRef="#br0" timeOffset="216432">3786 15199 7533,'-4'5'-630,"-1"-1"720,-4 0 180,3-3-90,2 3-90,4-4 90,0 0-90,0 5-1,0-4 181,0 3 540,4-4-720,-2 0 180,6-4 0,5-2-91,-1 1-89,5 1 0,-3 0 90,0 3 90,5-7-360,-5 7 450,12-8-90,-9 4-180,10-4 0,-13 4 179,12-8-179,3-1 0,1 3 0,1-6 0,-4 8-90,-7-2 135,5-3 0,2-2-225,19-1 90,-22 3 0,0 1 0,16 0 270,-22 3-90,5 1-90,-8 0 0,-1 3-90,-6 2 0,-7 0-90,3 3 90,-4-3-2609,0 4 2609,-8 4 0,6-3 0,-6 3 0</inkml:trace>
+  <inkml:trace contextRef="#ctx0" brushRef="#br0" timeOffset="218997">5368 14055 7533,'0'-10'-1529,"0"-3"1708,0 3 181,0-8-270,0 8 0,0-4 450,-4 5-450,-1 0 719,-9-1-539,4 1 720,-16 0-721,14 4 631,-22 1-990,17 4 360,-14 8-360,16-2 270,-11 28-540,19-15 270,-1 4 0,0 5-315,4 18 1,2 1 538,-1-12 1,1 0-739,3 2 1,1 4 0,-1-6 603,0-8 0,0-1 225,8 10 0,-1-1-225,-6 16 60,4-17 0,2 5 0,-1-3-60,-4-8 0,1 1-30,3 17 0,1 8 0,-1-8-15,-2-16 0,0 0-135,0 15 0,-1 7 1,0-7 134,-1-19 0,-1 0 15,0 11 0,-1 3 0,0-5 120,-1 5-45,-1-2 0,-2-2-45,-2-9 89,0 8 271,-7-8-180,6-15 2080,-8 9-2080,-3-20 90,5 3-360,-22-4 180,17 0-630,-23-13 180,15-2-90,-11-13 181,16 8 89,-2-1-1260,8-6 811,8 5 629,2-17 0,9 14 0,5-7 0</inkml:trace>
+  <inkml:trace contextRef="#ctx0" brushRef="#br0" timeOffset="220116">5740 14771 7533,'0'5'-630,"5"-1"810,4-4 0,1 0 449,8 0-179,-4-8 180,5-6-540,-5-6 0,0-3 180,-5 0-180,-4 8 179,-1-15-89,-4 1-270,-8-1 0,-2 3 0,-9 10 90,-8 6-89,2 2-1,0 3 0,-2 4-540,-23 9 270,1 7 360,18 7-90,23 6 180,4-4-90,3-4-90,-3 4 180,8 8-90,1-13-90,4 7 270,5-11-180,-4-8 0,16 2 0,-9-8 90,5 0-90,0-8 90,-6 2-90,6-8 0,-7 5 0,-2 4 0,1 1 0,-8 16-3277,-14 29 2982,-1-7 295,1-9 0,-1 2-90,2 0 0,1-1 90,4 8-90,-3 5 0,2 0 90,7-5-270,2 3 1,2-1-1,3-7 90,4 4 0,0-2 180,-3-11-135,4 2 0,3-2 405,1-13 270,4 2-181,-6-19 181,-5-4 0,-7-17-450,3 9 90,-9-21-180,-5 25 90,-4-20-90,-1 26 3276,-12-14-3160,7 15-116,-8 2 90,4 1 0,5 7-90,0-3 0,1 4 90,7 0-90,-7 0 89,20 4-268,-5 1 269,20 0-630,2-1-180,1-4-89,10-8 809,-14 2 0,1-12 0,-8 4 0</inkml:trace>
+  <inkml:trace contextRef="#ctx0" brushRef="#br0" timeOffset="220461">6150 14697 7533,'-14'-15'2248,"0"6"-988,1 9-1710,2 9 540,-2 1 0,8 4-90,-4 8 180,8 2 180,-3 14-271,4-1 1,4-4 0,2-5 0,3-5 90,4 3-360,-2-5 90,2 6-1079,9 4 989,-10-14-2428,18 18 2608,-14-24 0,2 7 0,-4-9 0</inkml:trace>
+  <inkml:trace contextRef="#ctx0" brushRef="#br0" timeOffset="220949">6345 14585 7533,'-5'-5'1079,"1"1"360,4 4-1169,0 0 270,0 4-360,4 1 989,14 8-809,3-2-180,2-2-270,-1-5 270,-3-4 0,-4 0-450,7 0 0,-8 0 0,1 4 180,-2 6-90,-7 4 90,-6 5-90,-6-5-629,-11 20 359,-3-7 315,6-2 0,0 0-45,-5-4-90,1 8 360,13-22 0,1 2-180,4-1 0,0-7 270,0 7 0,4-2 180,1 3-90,4-4-90,-4 3 270,8-7-271,-7 8-89,8-8 180,3 7-180,-6-7-90,11 3 0,-3-4-1259,0 0 989,4-4-2608,0-1 2878,-3 0 0,-2-4 0,-4 4 0</inkml:trace>
+  <inkml:trace contextRef="#ctx0" brushRef="#br0" timeOffset="221578">6875 14631 12210,'10'6'-90,"-1"2"-1529,0 1 1619,0 2 0,1 2 0,-1-4 0</inkml:trace>
+  <inkml:trace contextRef="#ctx0" brushRef="#br0" timeOffset="221764">6922 14836 7533,'-4'29'539,"-6"10"901,0-13-1081,-3 6 91,7-5 0,-2-3-270,7 0-450,-7-6-270,7 4 360,-3-15 90,4 10 90,4-16 0,1 7 0,4-3 0</inkml:trace>
+  <inkml:trace contextRef="#ctx0" brushRef="#br0" timeOffset="222211">7192 14669 7533,'-11'0'2518,"3"0"-1978,-4 20-720,9-6 180,-10 17-180,9-13 90,3 1 450,-3 8 90,4 2-180,4 8-270,10-4 0,5-1 179,13-12-179,-7-7 270,10-9-3547,-6-8 3252,0-1 385,2-13-270,-11-5 0,-2-2-180,-4-6 90,-9 11 90,-1 2 0,-4-8 0,0 13-90,-4-12 3276,-5 10-2800,-2 1-386,-2-4 0,-9 8-90,6-4-360,-11 5 0,4 4 450,3 1-1080,2 4 181,0 0 179,4 4-89,-1 5-451,6 6 541,1-1-91,7-1 720,-4-7 0,5 2 0,0-3 0</inkml:trace>
+  <inkml:trace contextRef="#ctx0" brushRef="#br0" timeOffset="222515">7322 14455 7533,'4'-19'899,"-3"9"-179,3 2-540,-4 8 809,0 8-269,0 2-181,-4 17 91,-1 10-360,0 11 45,0-9 0,2 2-315,2-8 0,1 0 44,-3 9 1,2-2-1960,1 12 1285,0-11 270,0 8 270,0-17-989,0 12 40,4-8 50,1-6-1080,4 7 2069,0-18 0,-3-10 0,-2-10 0</inkml:trace>
+  <inkml:trace contextRef="#ctx0" brushRef="#br0" timeOffset="222821">7518 14548 7533,'8'-19'2248,"-2"9"-1528,8 2-90,-5 16 719,4 10-989,2 3 179,-1 6 181,4 4-1119,-8-9 1028,4 13-3019,-1-3 2570,-7-2 150,1-3 0,-1 3-240,-1 15-90,-2-15 0,-1 0-1529,-2 21-900,-9-5 540,-6-8 1889,-12-1 0,3-18 0,-9-1 0</inkml:trace>
+  <inkml:trace contextRef="#ctx0" brushRef="#br0" timeOffset="224244">7964 14752 8522,'0'10'1080,"0"-5"-901,0-1 91,0 0 0,0-3-450,0 3-539,0-12 809,0 6-90,-4-10-180,3 11 90,-3-4 450,4 5 449,0 0-1618,0 5 89,4-4 720,-3 3 0,8 0 0,-4 1 0</inkml:trace>
+  <inkml:trace contextRef="#ctx0" brushRef="#br0" timeOffset="227580">8764 14213 7533,'-9'9'0,"0"5"0,-1-4 0,5 3 0,-7 5 0,10-3 0,-11 8 0,12-4 0,-7-1 0,3 18 0,0-10 449,0 12 1,1 2-225,4-13 0,-1 0-225,-1 14 0,0 3-90,3 1 0,2-4-959,2 9 959,-1-17 0,2-2-90,3-3-449,0-3-181,9 6 810,-7-20 0,7 1 0,-9-12 0</inkml:trace>
+  <inkml:trace contextRef="#ctx0" brushRef="#br0" timeOffset="227928">8857 14706 7533,'-4'9'0,"3"-4"989,-11 12-719,10 7-360,-2-3 180,9 9 0,12-15-270,3 3 0,8-3-270,20-6 270,-6-21 180,-15 1 0,-3-3-89,-1-20 673,-15 7 1,-7 1-315,-15-2-180,3-3 0,-11 23 90,-5 8-450,-15 8-180,10-2 270,-2 4-719,24 2 449,5-10-450,1 15 630,8-11 270,9 7 0,7-3 0,4-5 0,-1-1 0</inkml:trace>
+  <inkml:trace contextRef="#ctx0" brushRef="#br0" timeOffset="228560">9276 14678 7533,'11'-9'0,"1"-1"899,-11-3 630,3-6-1169,-12 4-180,2 1-360,-8 10 180,5 4-90,-9 0-989,-5 9 899,6-3-630,-4 11 451,20-2 269,-3-5 0,8 2 180,6-6 179,12 3-269,-5-4 90,9-1-90,-8-12 0,2-6-90,-5-2 90,-3-22 0,-7 23 90,0-23 0,-1 27 90,-4-3-180,0 10 90,0 21-90,0-5 0,9 36 0,-7-20 0,5 3 0,2 3 540,2 7-1698,3 10 1337,-5-15-179,0-4 45,-5-5 0,1 4-90,2 12 0,1 3-225,-1 3 1,0 0-367,-2-5 0,-1-3 546,-1-14 0,-2-2-270,-1 15 90,-12-9 180,5-3 1289,-15-11-1109,-1-17 90,-3-9 0,-2-3-180,-11 3 0,12-3 0,1-2 0,0-3 1321,6-20-1141,26-11-180,3 17 0,4 1 360,22-9-180,0 4 270,-4 13-1710,3-7 1260,5 4 0,-11 3 0,-11 13 0</inkml:trace>
+  <inkml:trace contextRef="#ctx0" brushRef="#br0" timeOffset="229278">9630 14297 7533,'-5'0'-720,"1"0"1530,33-9 539,11-5-1214,-12 2 0,1 0-599,-2 0 0,-3 0 734,4-6-180,-11 4 175,-3 5-265,-4 4-270,-1 5 90,-5 5 90,-4 4 90,0 9 843,0-3-843,5 25-3277,-4-18 3162,7 18-60,-7-8 175,3-2 45,-2 3 0,0 3 45,1-10 0,-1 1-60,1 7 0,0 4 0,1-4-30,1-6 0,-1-1 45,-1 9 0,-1-3-45,2-9-1169,5 23-90,-7-30 539,6 16 720,-8-33 0,0 0 0</inkml:trace>
+  <inkml:trace contextRef="#ctx0" brushRef="#br0" timeOffset="229544">9890 14362 7533,'14'-15'629,"4"-2"-719,-8 6 360,8-2-3547,0 8 3292,-2 1 1654,6 8-1309,-12-3 90,3 7-90,1 18 269,-12 17-629,-5-6 0,-3 1-450,-5-5 1,-3-2 975,-10 3 1,-2-5-2506,-10-4 1979,4-13 0,15-21 0,12-6 0</inkml:trace>
+  <inkml:trace contextRef="#ctx0" brushRef="#br0" timeOffset="229844">10327 14101 7533,'-4'-5'989,"-5"1"91,-1 8 718,-16 18-1438,5 4-360,-3 7 0,11-6 180,9 8 90,4-13-630,8 30-269,15-4 134,-7-17 0,2 0-180,0-6 1,2-2-136,-2-1 1,0-4 809,10-8 0,-4-2 0,-1-8 0</inkml:trace>
+  <inkml:trace contextRef="#ctx0" brushRef="#br0" timeOffset="230047">10504 14111 7533,'-9'0'0,"0"-5"0,-1 0 0</inkml:trace>
+  <inkml:trace contextRef="#ctx0" brushRef="#br0" timeOffset="230223">10476 14101 8702,'5'15'1889,"8"-2"-1080,-3 5 451,25 14-1080,-12-5 90,12 4-91,-20-14-179,2-2 270,6 12-270,-6-11 180,4 6-270,-3-9-90,-7-7-1529,19 11-719,-13-15 2428,10 2 0,-17-13 0,-2-6 0</inkml:trace>
+  <inkml:trace contextRef="#ctx0" brushRef="#br0" timeOffset="230461">10802 14008 7533,'-9'4'1349,"-9"10"-1529,-1 14 674,3-4 1,0 2-405,-9 16 0,5-8 0,0 1-45,5-10 0,0 0-135,-3 3 0,-1 0-315,0 4 1,2-2-586,6-5 1,1-1 269,-7 15 720,13-9 0,-1-20 0,0-1 0</inkml:trace>
+  <inkml:trace contextRef="#ctx0" brushRef="#br0" timeOffset="231095">11156 14315 7533,'0'5'2248,"-8"16"-1798,-3 12-360,-3 7-630,4 10 91,2-9 269,7-15-640,-7 8 1,7-22 0,-3 5 0</inkml:trace>
+  <inkml:trace contextRef="#ctx0" brushRef="#br0" timeOffset="231545">11285 14157 7533,'0'-9'0,"13"-21"0,-10 15 0,22-6 0,-18 17 0,11 13 1889,-5-4 359,10 8-1438,2 2-990,-2-1-450,-5 12 181,-9-13-2828,-4 12 2172,0-14 835,-10 15 180,0-10-359,-8 19 359,2-18 0,-2 4 0,-5-3 90,7 2 180,-2-1 3096,8-1-2890,18-9-27,-6-4-179,11 0 0,-1-5 0,-5 0-270,14 0 0,-15 0 0,6 0-899,-3-5 449,-4 4 540,12-15 0,-11 9 0,7-11 0</inkml:trace>
+  <inkml:trace contextRef="#ctx0" brushRef="#br0" timeOffset="232011">11769 14055 7533,'6'0'3276,"2"0"-3224,-7 8-52,7-6-900,-3 15 720,0-11-1349,4 7 360,-4-4 1169,4-3 0,-4 2 0,0-3 0</inkml:trace>
+  <inkml:trace contextRef="#ctx0" brushRef="#br0" timeOffset="232182">11807 14269 7533,'0'19'629,"0"7"-3906,0 6 2063,0-9 2803,0 11-1589,0-11 860,0-7-1580,0 27-1619,0-25 2339,0 9 0,0-14 0,0-8 0</inkml:trace>
+  <inkml:trace contextRef="#ctx0" brushRef="#br0" timeOffset="232578">11984 14259 7533,'0'-5'90,"0"13"719,0 16 181,12 19-721,3-8-134,12-17 0,3-5-225,1-4 180,17-9 90,-26-9-270,-11-6 90,15-16 0,-19 10 180,6-19-90,-13 11 540,0-12-360,-5 15 359,-12-12-449,4 21-360,-12-5 90,2 4-270,-2 12 181,-19-11-631,21 15-2467,-16-6 1903,32 12 564,-5 14 450,12-6-89,0 14-541,0-7 541,4-4-119,-3 7 1,7-12 0,-3 4 0</inkml:trace>
+  <inkml:trace contextRef="#ctx0" brushRef="#br0" timeOffset="233269">12151 13776 8972,'-5'4'-90,"1"5"-90,4 1 180,0 4 90,0-1 360,0 2-180,0-5-91,0 2-89,0-10 90,0 6-270,0-7-90,0 7 91,0-7 89,0 3-360,0-12 270,0 6-360,4-10 270,-3 10 0,3-2 180,-4 0-90,0 3-158,0-3 1,4 0 0,1-1 0</inkml:trace>
+  <inkml:trace contextRef="#ctx0" brushRef="#br0" timeOffset="234428">12086 13999 7533,'-5'-9'-630,"-4"3"900,8 2 270,-7 8-540,7-3 629,-3 12-539,4-3 180,-4 13-180,3-3-270,-3 2 360,4 1-180,0-3 180,0 7-180,-4-12 180,3 15-90,-4-13 0,5 9-90,0-7 0,0-4 180,0 6-270,5-9 0,-4 1 180,3-5 179,0-3 1,1 1-270,4 2 90,-4-7 450,8 7-450,-11-7 0,15 8 90,-11-8-270,7 3 0,-4 0 90,1-3-90,-1 3 90,-4 0 0,4-3 90,-4 3 90,4-4 0,4-4-180,-6-1 0,5-8 90,-11 2-90,3 2-90,0-24 180,-3 21-90,4-30 0,-5 31 0,0-7 359,0-4-269,0 10-90,0-14-180,0 16 270,0-4-90,0 9-90,0-3-89,-9-1-1,3-2 180,-3-2-90,-4-1 90,7 8 90,-7-6-180,3 11-360,-3-3 450,7 4-270,-11 0 270,11 0-540,-12 4 450,8-3 1,-3 7 89,7-7 89,-6 16 1,6-6-90,-3 8-90,0-6 90,8-4-269,-7 5 89,7-8 0,-3 6-540,4-6 450,0 3 90,0-4-629,0 3 539,0-7 270,4 4 0,-3-5 0,7 4 0,-3 1 0</inkml:trace>
+  <inkml:trace contextRef="#ctx0" brushRef="#br0" timeOffset="234681">12030 14222 7083,'5'0'1889,"-1"0"-1529,-4 0 629,5 0-809,0 0 540,4 0-91,4 0-89,6 0-540,-3 0 450,5 0-270,-10 0-540,2 0 270,-4 0 180,1 0-1439,7 0 449,-5 0-1079,5 0 1439,-12 0 540,4 0 0,-4 0 0,4 0 0</inkml:trace>
+  <inkml:trace contextRef="#ctx0" brushRef="#br0" timeOffset="235228">12309 13999 7533,'6'0'809,"-2"0"-179,-4 0 359,4 0 361,1 4-1171,0 1-179,3 0 180,-2 8-180,3-7 360,0 12-180,1-8 270,3 7 0,-3 2-1,8 1 181,-8 7-540,4-4-90,-5 1 180,-4-5 90,-1 15-810,-4-16 270,0 26-2338,-12 1 449,9-12 1922,-14 7 1,12-23 0,-4-2 0</inkml:trace>
+  <inkml:trace contextRef="#ctx0" brushRef="#br0" timeOffset="236529">9397 14734 7533,'5'-5'-540,"4"-4"1170,-4 8 89,17-3-449,-10 4 0,10 4-90,-13-3-180,4 8 450,6 0-540,-3-3 180,9 7 89,-9-12 1,7 3 90,12-4 0,-12 0-180,16 0 270,1 0-180,-8 0-90,12 0 44,-19 1 1,3 2-45,13-1 0,2 1-90,-9-1 0,1 1-502,15 2 1,-1-2 546,-20-2 0,0-1 180,14 1 0,1-2-135,-13 1 0,-1-1-779,4 0 1,-2-2 778,10-1 0,0 3-90,0-7-223,-11 7 1,0 1 222,-3-4 0,-1 0 0,10 3 0,0 1-45,-8-3 0,-1 1 45,18 2 45,-13 0 0,-1 0 224,12 0-269,-15 0 0,1 0 180,-2 0 0,1 0 270,20 0-270,-14 1 0,3-2-669,-2-2 0,1-2 0,-2 1 623,-1 3 1,-1-1 259,12-6 1,1-1-125,-14 7 0,-2-1-90,9-6-486,-8 6 1,-1 1 395,3-2-135,-7 3 0,2 2-92,-1-1 1,0 0 226,25 0-180,-10 2 1,-2 0 268,-3-1-611,8 1 0,0 0 522,-6-2 215,7 0 0,3 0-395,2 0 401,-9 0 0,-1 0-401,-1 0 180,-4 0 180,-1-4-270,-13 3 360,25-8-360,-28 8 0,23-3-90,-25 4 2413,10 0-2233,-13 0 1550,0 0-1640,-5 0 0,0 0 0,1-4 864,-1 3-864,0-3 271,1 4-450,3-4-1,-7 3-270,7-7 180,-8 6 90,0-2-449,3 4 359,-7 0 0,3 0-810,1 0 721,-4-4-631,3 3 630,-4-7 181,-4 7 179,-6-12 0,0 3 0,-4-8 0</inkml:trace>
+  <inkml:trace contextRef="#ctx0" brushRef="#br0" timeOffset="238495">10318 15199 7623,'0'-9'90,"-4"-9"89,3 7-89,-7-11 360,2 7-270,-3 1 0,-4-4-180,-2 8 90,-8-8 90,4 8-90,-4 1 90,4 5-270,5 4 90,-4 4-270,4 9 0,-1 7-90,-2 12 270,6 1 90,2-4-90,5-2 180,4-4-180,4-4 180,1 0-90,9-6 90,0-8-180,1 0 360,-2-10-270,1 0 0,-4-4 0,3 0 90,9-9-90,-9 3 0,8-4 90,-11 10 0,-5 0 0,3 8 0,-7-3-90,3 8 0,-4 2 0,4 15 0,-3-4 90,3 10-270,-4 0 90,0 6 0,0 9 90,0-4 0,2-7 0,1-1-180,-2 13-133,3-9 0,0-1 313,-3 2-135,5-8 0,0-2 135,-4-3-89,11 9-1,-8-17 90,4-9-180,9-1 360,-7-4-180,15-16 90,-10 3-90,2-14-1143,-4 9 1233,-5-1 641,9-28-551,-11 21-180,5-22 360,-12 21-270,-8 2-180,-11-2 90,3 8 0,-27 10 0,25 4 0,-17 5 1307,4 0-1307,5 9 0,-10 1 90,16 5-90,6-2 90,6 0-180,7-2 180,-3 2 90,4 1-180,4-4 0,1-1 359,9 0-179,-4-8 90,4 3 0,3 0-90,-6-3-90,11 3 90,-3-8 90,5-1-630,8-5-899,1-3 359,4 3 630,-8-4 270,-2 5 0,-8-5 0,-1 0 0</inkml:trace>
+  <inkml:trace contextRef="#ctx0" brushRef="#br0" timeOffset="238747">10718 15124 7533,'-5'-5'899,"-3"1"-539,7 4-270,-3 4 270,4 1 179,-4 13 91,3 6 90,1 13-271,3-8 1,3 1-315,-1 0 0,0-1-225,2-3 1,0 1 44,-1 1 0,1-1-45,12 8-1079,5 12 449,-5-14-1629,15 2 2349,-16-18 0,13 0 0,-12-12 0</inkml:trace>
+  <inkml:trace contextRef="#ctx0" brushRef="#br0" timeOffset="239245">10932 15283 7533,'-14'-14'0,"5"4"359,0-4-269,8 5 0,-3 4 720,4 1-450,0 4 449,8 0-179,3 0-90,16 0-3573,-7 0 3123,3 0 810,-1 0-450,-7 4-91,12-3-359,-15 3 180,4 0-360,-11 1 2943,5 5-3213,-5-1-180,-1 9 181,-4 1 179,-4 5 90,3-1-360,-7-1 270,-2 2 180,-8 12-90,6-14 360,0 0-90,8-10 90,3-6-90,5 8-90,6-9 270,9 3-180,3-7-90,-6 3 0,2-8-720,-5 3 91,2-7 359,3 3-1169,-3 0 619,-2-4 1,-4 4 0,1-4 0</inkml:trace>
+  <inkml:trace contextRef="#ctx0" brushRef="#br0" timeOffset="239418">11388 15264 10141,'5'0'-360,"3"0"360,-7 4-179,8-3 89,-8 7 180,7-2-1080,-3-1 990,4 3 0,1-3 0,-1 4 0</inkml:trace>
+  <inkml:trace contextRef="#ctx0" brushRef="#br0" timeOffset="239582">11472 15403 7533,'0'25'1619,"0"-3"-1169,0-13 449,0 5-359,0 0-181,0 9-179,0-7-539,-5 9 359,4-13-1350,-3 5 451,4-7 899,0-5 0,0-1 0,0-4 0</inkml:trace>
+  <inkml:trace contextRef="#ctx0" brushRef="#br0" timeOffset="240066">11741 15217 7533,'0'6'3148,"-4"6"-2249,3-2-539,-3 5 90,4 19-270,0-20-270,13 37 270,-6-32-90,7 3 0,2-1-360,0-4 180,11 4 0,-4-11-270,1-5 630,0-1 180,2-8 89,-2-18-269,0-12-90,-9-1-540,-7-13 91,-8 6 269,0 6-90,-4 1 0,-6 13-270,-4 6 0,-9-2 360,8 8-1259,-15 2-270,5 11 1169,0-6-899,-1 16 809,16-11 450,-4 14 0,1-10 0,-2 8 0</inkml:trace>
+  <inkml:trace contextRef="#ctx0" brushRef="#br0" timeOffset="240398">11862 14976 7533,'5'-15'1169,"-4"-7"-449,3 11-181,-4-2-539,0 9 180,0 8 0,0 1 0,0 4-90,0 0 360,0 9 629,0 18-899,4-4 449,-4-1 1,1 3-360,3 4 0,0-1-135,-3-8 0,-1 1-299,2 20 1,0 2-467,1-13 1,-1-1-1010,-2 0 1,1 0 1275,3-2 0,0-2-447,-3 11-703,7-14 1243,-7 9-1169,7-8-1710,2 1 2749,-4-12 0,6-5 0,-6-16 1</inkml:trace>
+  <inkml:trace contextRef="#ctx0" brushRef="#br0" timeOffset="240685">12198 15069 7533,'5'-10'3276,"-1"5"-1155,-4 13-1042,0 29-359,4 4-271,3-5 1,0-1-270,0 7-3457,9 6 2752,-10-24 525,-1 3 1135,3 17-1225,-3-11 270,0 12-450,-1-6 0,-4-4-1619,-8 12-1388,-6 2 2972,-2-22 0,-6 3 0,8-20 0</inkml:trace>
+  <inkml:trace contextRef="#ctx0" brushRef="#br0" timeOffset="241914">13277 14697 7533,'-6'-5'989,"-2"4"-449,3-19-1620,-4 11 181,-5-16 1169,4 14-360,-12-6 450,11 6-1,-15-2 1,15 8-270,-3 1 450,2 4-360,6 0 629,-12 16-539,8-8-90,-4 35-180,5-25-90,6 10 0,1 0 0,-2 0 270,4 17-90,0-5-90,3-12 0,2 0 90,1 14-225,1-13 0,4-6-225,16-20 450,-10 3-90,9-28 0,-13 3 0,-2-9-1367,6-4 1277,-6 3 0,-2 3 0,-1-1-179,3-10 269,-5 11 0,1-2 45,2 1 0,0 0 134,2-18 1,0-1 0,0 0-180,-5-1-135,0-2 0,-4 0-14,-10 6 149,2 11 0,-3 1 270,-14-11-181,-1 13-178,5 11 448,2 10-449,6 12 90,-2 5 90,4 14 315,5 3 0,2 2-135,-2 11-91,9 3 1,3 2 90,-1-1 0,2-10 0,2 5 0,-1-5-135,-4-6 0,0-2 502,5 14 1,0-3-1087,-2-9 359,1 0 90,-1-3-1260,0 0 631,1-1 269,-1-9 427,13 12 0,-10-18 0,10 9 0</inkml:trace>
+  <inkml:trace contextRef="#ctx0" brushRef="#br0" timeOffset="242263">13472 14557 7533,'9'5'899,"-7"-1"-1349,14 0 271,-10-2 2607,8 6-449,-1-7-180,10 11-2069,-7-10 270,6 19-629,-13-10-631,-7 29 361,-8-14-91,-4 11 720,-3-15 990,-1 1-540,8-7 270,-2 1-270,12-12 269,1 4-89,13-8-90,-3 3 0,33-8-180,-19-2-1170,19-3 451,-7-8-1620,-15 1 2249,14-11 0,-21 3 0,4-3 0</inkml:trace>
+  <inkml:trace contextRef="#ctx0" brushRef="#br0" timeOffset="257432">14868 14604 7533,'-20'5'-720,"2"-1"720,13 0 0,1-3-180,4 7 90,-4-3-90,3 5 810,-3-1-180,0 4-360,-1-2 449,-1 2-89,-6 1-90,10-4 180,-11 12-360,8-7-91,0 4-89,-3 11 0,7-13 90,-3 27-269,4-23 268,0 11-178,0-1 89,0 15 0,4-5 179,0-13 1,1-3-90,1-4-90,11 17 90,-11-25-180,16 34-180,-11-33 91,7 20-1,-9-23-360,-4 2-270,12 1 1,-10-4 809,15-1 0,-12-9 0,4-5 0</inkml:trace>
+  <inkml:trace contextRef="#ctx0" brushRef="#br0" timeOffset="258553">15156 14706 7173,'0'5'-270,"0"3"360,0-3 90,0 5 90,-4 3 269,3 2-3121,-3 12 2762,0-7 0,3 7 90,-7 8-180,7 4-180,-8-3-90,8 6 270,-3-30-270,0 18 180,3-22 0,-3 4 90,4-8 3186,0-3-3070,0 7-116,0-7-90,0 4 0,0-1 0,0-3 0,0 3 0,-4-4-90,3 4 270,-4-3 89,5 3 91,0-4-270,0 4-180,-4-3 180,3 4-270,-3-1 270,4-3-180,-4 3 90,3-4 0,-3 0 0,4 4 180,0-3-180,0 3 360,-4 0 0,3 1-360,-3 1 90,4-2-90,0 0 90,0-3-90,0 3 359,4-4-359,-3 4 90,7-3 0,-3 3-90,0-4 180,12 0 360,-6 0-270,16-4 0,-11-1 269,26-17-404,-18 10 0,1 0-225,21-9 90,2 0-629,-25 20-1260,4-7 1529,-6 7-1259,1-3 270,-17 4 539,-1 0 810,-4 0 0,-8-4 0,-2-2 0</inkml:trace>
+  <inkml:trace contextRef="#ctx0" brushRef="#br0" timeOffset="258801">15184 14604 7533,'0'-26'-90,"13"4"-90,-6-2 1079,19 8-719,-15 15-90,11-3 900,9 4-1080,-12 0-630,19 8 180,-31-2 181,10 12 359,-16-8 0,3 7 0,-4-2 0</inkml:trace>
+  <inkml:trace contextRef="#ctx0" brushRef="#br0" timeOffset="259011">15147 14892 7533,'-10'0'1529,"1"0"-1349,14-8-270,4 1 180,5-2 0,1 5 449,15 0-359,12-1-180,-5-5-809,3 5 89,-19-3 720,-1 3 0,4-5 0,-1 1 0</inkml:trace>
+  <inkml:trace contextRef="#ctx0" brushRef="#br0" timeOffset="259553">15603 14557 7353,'-5'-4'-720,"1"3"900,0 1 1439,3 13-629,-4 11-631,5 5-359,-4 3 180,3-8-90,-7 7 0,3-11-180,0 7 270,-4-4-180,4-3-180,-4 19 90,0-16 135,4 3 0,0 4-405,-4 14 360,6-17 0,1-1 0,-2 11 0,4-15 90,0-13 360,0 0 540,8 1-91,6-9-899,6 2 0,3-12 180,-9 8-180,8-7-180,-11 3 0,19-4 0,-17 3 180,13-2-629,-16 3 359,3 0-1169,4 1-540,3 4 1979,0 0 0,-3 4 0,-7 1 0</inkml:trace>
+  <inkml:trace contextRef="#ctx0" brushRef="#br0" timeOffset="260711">15919 14585 7533,'-5'20'449,"-4"-3"-628,8-8 179,-3 1 0,4 16 0,0-5 359,0 11 721,0 3-181,0 12-809,0-6-135,0-3 0,0-2-45,0-6-449,0 17 179,-4-16-1169,3-9 809,-7 1 720,7-15 0,-8-8 0,4 0 0</inkml:trace>
+  <inkml:trace contextRef="#ctx0" brushRef="#br0" timeOffset="261267">15919 14483 7533,'0'-25'359,"8"-9"-359,-6 25-449,19-11 539,-14 19 1619,23-3-810,-5 12-719,0-6-90,1 10 0,-12-2-180,1 0 270,2 24-180,-11 14-270,-6 2 135,-5-17 0,-4-4 45,-7-3 90,-14 12 0,14-25 0,-5 2 0,-2 0 0,-12 0 0,1 0-90,12-7-269,14-8-451,7 0 270,5-8 450,2 6-90,8-7 270,8 1-180,-6 6-89,7-6 628,-6 4-269,-6 3-180,6-4 720,10 5-450,3 5-180,-1 0-180,1 12 180,-18-5 179,1 30 91,-13-14-180,-4-1 0,-1 0 0,-6 3 90,-14 9 0,8-18-1,-7-2 1,-4 1 45,5-4 0,1-2-225,-23 11 180,7-5-90,28-19-180,0 4 90,6-5-90,4 0-3277,0-17 3196,4 5 1,6-19 0,4 7 0</inkml:trace>
+  <inkml:trace contextRef="#ctx0" brushRef="#br0" timeOffset="261778">16366 14594 8522,'0'20'450,"0"2"-450,0-8 360,0 1 719,-4 19-899,2 1-270,-2 0 0,4-6 0,0 1-180,0 7-223,4 6 493,-2-8-180,10-17 180,-10-2-180,19 5-89,-6-14 269,17 1 89,-7-8-89,2-10 0,2-5 0,-5-5 0,-2-3-1180,10-6 1,-2-1 1314,-12 4 0,-3 0-218,-1-1 1,-4 2 262,-7 7-11,5-29 101,-12 26 0,-10-16-180,3 18 0,-23-7-180,12 15 180,-14-3 2094,-13 2-3219,20 10 1,0 2 314,-17-5 720,14 12 0,5 4 0,9 1 0,-13 10 0</inkml:trace>
+  <inkml:trace contextRef="#ctx0" brushRef="#br0" timeOffset="262179">16701 14324 7533,'9'0'1349,"0"0"-1529,1 0 540,7-4 359,-5 3-269,5 1-90,-7 5 449,-1 1 1,8 10-540,-5-9 0,18 28-270,-18-18 180,10 18 179,-9-3-269,-2-6 225,0 2 0,0 0-315,-4-3 180,9 22 180,-11-15-180,5-6-46,-7 4 1,-1 0 45,2 0-450,-5 17 1,-6 4-316,-8-18 0,-1-2 540,4 9 0,-4 0-1048,-9-11 1,-7-1 0,3-3 934,4-3 1,-1-1 0,-12 7 0,0-1 0,15-12 0,0 1 0</inkml:trace>
+  <inkml:trace contextRef="#ctx0" brushRef="#br0" timeOffset="299512">3842 16724 7533,'-15'6'-720,"2"-2"450,13-4 1799,0 0-1169,4 4-360,2-3 540,3 3-90,4-4-270,-2 0 629,10 0-629,-5 0-90,2-4 360,4-5-540,-6 2-90,23-13 90,-4 4 0,-10 5 0,1-2 0,12-5-45,-12 7 0,1 0-1214,21-4 1079,-21 7 0,-1 1 270,20-1 0,-18 12 0,-6 1 0</inkml:trace>
+  <inkml:trace contextRef="#ctx0" brushRef="#br0" timeOffset="299816">3898 17115 9781,'9'-4'990,"13"-5"-990,-5-2 450,22-6-360,-17 6 89,13-2 1,-3 0 90,10-2-90,6-4 90,-2 1-895,0-1 625,-20 5-1371,20-8 1192,-31 11 167,10 0 0,0 0 0,-6 1 0,16-4 1</inkml:trace>
+  <inkml:trace contextRef="#ctx0" brushRef="#br0" timeOffset="306915">5545 15962 7533,'-15'-15'-990,"2"6"1800,-9-4-630,6 11 0,-7-6-180,9 8 90,1 0 179,-1 0-179,-1 0-3367,2 8 2483,3-1 1563,5 14-679,1 3 0,4 13-90,0-3-1134,0 9 0,0 0 1134,4-2-506,-2-8 0,-1 6 1,1-5 595,4 5-135,0 4 0,0 1 45,-4-1-508,4-1 1,0-1 417,-5 1 642,2-15 1,-1 0-553,-2 14 1517,0-11-1472,-2 1 0,-1 3 0,-1-6 0,-1-1-45,3 2 0,-2 0 45,-6 5 0,-1-4-45,0-2-714,-4 5 1,-1-1 893,-5 2-553,3-4 1,1 0 282,0-3 1104,-8 9-1103,11-14 178,-1-6-178,-6 5 89,13-10 1516,-16-2-1516,21-5-179,-22-24 179,17 6 954,-5-12 0,1-4-1134,4-15 0,2 19 0,0-1-179,6-21-91,0 6 450,1 13 0,2-2 0,6-19 0,-1 21 0,-1 0 0</inkml:trace>
+  <inkml:trace contextRef="#ctx0" brushRef="#br0" timeOffset="308029">5917 16650 6993,'0'5'-180,"0"-1"720,0-4 359,4 0-629,-3 0 540,12-12-451,-11 5-89,10-15 0,-7-1 0,1 7 0,-2-11 0,0-1-90,-3 2-3457,3-23 2892,-4 27 295,0 3-2012,-8-8 1922,2 11 0,-16-10 90,2 16-90,-20-4-360,1 21 450,4 5 180,14 11 2395,12 0-2485,8 8-90,-3-9-180,17 25 270,-10-28-90,26 19 90,-21-26 0,22 5 0,-19-12 270,19 0-270,-17-5 270,13 0-360,-16 0 2920,3 8-3100,-3-6 360,-5 23-270,-1-17 90,-4 26 90,-4-17-270,-5 26 270,2-20-90,-5 12-360,3-4 450,2-1-90,-1 0 0,0 2 0,2 10-343,1-8 1,0-2 343,1-1-1,4 9-90,0-4 90,4-13-180,6 15 360,0-27-90,8 3 270,-12-10-90,10-21-90,-9 5 864,6-32-864,-8 9-90,-1-3-669,-4 7 669,-4 12 0,-9-12 0,1 14-90,-18-13 180,-7 15-90,5 5 0,-7 2 180,20 8 180,9 8-180,2-2 90,20 8-1,-1-9 271,25-1-450,-15-4 0,31-8 0,-28 6 669,11-11-939,-17 12 90,-4-7-989,13 3 1079,23-9 0,-16 4 0,13-3 0</inkml:trace>
+  <inkml:trace contextRef="#ctx0" brushRef="#br0" timeOffset="308319">6373 16455 7533,'-14'9'629,"5"0"181,0 1 269,0 15-719,-1-7-90,-4 25-90,9-17-180,1 6 270,4 16-799,0-23 439,0 22 90,0-27-540,4 3-57,1-5 417,0 5-1169,8 1 899,-7-5-1438,24 7 1888,-17-19 0,17 10 0,-15-12 0</inkml:trace>
+  <inkml:trace contextRef="#ctx0" brushRef="#br0" timeOffset="308764">6522 16631 7533,'-9'-23'1079,"4"0"-719,-3 4 180,7 5 629,-4-4-1169,10 8 630,12 1-181,12 4-539,-4 11 0,1 5-809,10 14 719,-5 5-180,-23 1-90,-8-17-269,0 16 269,-4-8 270,-9 18 180,1-23 180,-18 12-90,18-26 360,-10 17-360,13-17 270,4 9-181,1-11-89,4 3 90,12-4-180,-5 0 180,23 0-360,-17 0 0,21-4-719,-18-1-810,19-4 1709,-18 3 0,4-2 0,-12 3 0</inkml:trace>
+  <inkml:trace contextRef="#ctx0" brushRef="#br0" timeOffset="309135">6903 16557 8432,'-5'0'2519,"1"0"-2339,4 0-630,8 8-719,-6-2 539,11 4 360,-12-2-1169,3-3 270,0 9 1169,1-4 0,0 3 0,-1-3 0</inkml:trace>
+  <inkml:trace contextRef="#ctx0" brushRef="#br0" timeOffset="309300">6950 16762 7533,'0'18'-90,"0"-3"1079,0-6 450,-4 8-809,-2-6-450,-3 12-180,0-1 180,4-6 0,-4 6-3457,4-4 733,0-2 1555,1 1 809,4-12-810,0 0 990,4-5 0,1 0 0,5 0 0</inkml:trace>
+  <inkml:trace contextRef="#ctx0" brushRef="#br0" timeOffset="309748">7220 16585 7533,'-13'-23'989,"-2"8"180,-9 1-629,1 10-360,13 8-270,-3 5 360,12 2-360,-3 15 270,4-14-450,0 18 270,4-19-90,2 7 0,3-9 90,0 1 90,5-1-450,4-4-2917,2 3 3072,3-7 115,-9 4-89,8-10 179,-2-4 179,7-14 1,-11 7 270,1-18-90,-16 13-90,3-23-180,-8 21-90,-6-15 180,-8 22-450,-2-3 3546,-3 10-3340,5 1-2815,-9 7 1530,10 1 810,0 1 539,12 7 0,5-3 0,0 5 0</inkml:trace>
+  <inkml:trace contextRef="#ctx0" brushRef="#br0" timeOffset="310050">7294 16250 7533,'-5'-9'1799,"-7"12"-1709,5-1-90,-6 11 539,4 9-89,-5 3 0,8 12-90,-2 4-1552,8-7 1282,0 3 75,0-3 0,0 1-435,0 16 225,0-17 0,0 0 135,0 5-1619,0-7 1170,0-2-2160,8 19 1440,-2-18 1079,8 1 0,-5-19 0,0-9 0</inkml:trace>
+  <inkml:trace contextRef="#ctx0" brushRef="#br0" timeOffset="310612">7490 16371 7533,'-4'-15'-810,"3"6"1530,-4 1-271,5 7 991,0-3-631,5 8-179,0 1-270,4 8-180,4 2 269,2 8-89,-1 0 0,4 9 180,-8 1-271,8 5-1673,-12-5 1404,7-5-250,-12 11 160,3-16 270,-4 16-360,0 5 90,-5-9 0,-3 1-990,-1 1 1,-1 0 674,-2 1 0,-1-2 405,-2-10 0,-1-3 0,-8 2 0,-4-3 0</inkml:trace>
+  <inkml:trace contextRef="#ctx0" brushRef="#br0" timeOffset="311232">7853 16715 9602,'0'-5'809,"0"1"-4086,0 4 3241,4 0 1,1-4 0,4-1 0</inkml:trace>
+  <inkml:trace contextRef="#ctx0" brushRef="#br0" timeOffset="311762">8392 16213 8072,'-9'0'1080,"3"0"-810,2 4 89,0 1 181,-5 17-630,3-6 270,-7 11-450,8 4 270,0-5-45,0 16 0,2 2-45,2 0 112,-1-8 1,1 8 0,0 2-1,0-6-157,3 0 0,1-2-45,-3 3 0,-1 2 0,3-6-270,6 12-179,-3-31-721,8 4 901,-2-11 89,2 3 360,5-10 0,-7-4 0,7 0 0</inkml:trace>
+  <inkml:trace contextRef="#ctx0" brushRef="#br0" timeOffset="312645">8485 16706 8882,'-5'23'0,"1"4"0,4-6 0,4 5 0,13-3 90,12-7-90,1 2 180,5-22 0,-11-19-602,-4 5 512,-7-7 0,-4 7-90,-8 2 89,-1-2-178,-10 4-1,-4 9 90,-17-3-180,5 7-208,-2 1-62,10 1-449,13 7 899,18 2 0,3 0 0,16-1 0,-4-5 0,0-4 0,0 0 0,-4 0-1169,-1-4 1438,-5-1 1,9-13-357,-10 11 267,4-9 90,-11 6 180,3-8 269,-7-2-359,3 1 90,-9 2 809,-9-2-1079,-1 4-270,-4-3 627,0 9-627,-3 0 90,1 3-810,-3 2 1,2 13 269,11 5 0,-3 10 181,9 4-271,13 4 720,-6-16-180,11 5 0,-9-20 360,0 3-180,-4-4 180,8-4-90,-11 3-180,10-3 180,-7 0 89,1-1-89,2-1-270,-7 2 0,3 8 90,-4-3 90,4 8-270,-3 4 180,8 7 0,-8 8 0,7-5 0,-7 0 0,11 12 0,-6 9 0,1-15 0,0 3-135,-2-1 1,-1 3 44,5 12 0,0 2 90,-3-10 0,-1 0-292,2 9 1,0-3 336,-3-14 0,0-4-45,-3 7 269,-5-7 91,-7-20 180,-15-2-136,3-16 1,0-6-225,-14-14-501,13 7 1,3 0 500,3-4-360,8 3-2475,2 7 2745,7 0-269,-3 0 268,8-3-358,5-5 179,2 1-180,6-1 90,-6 9-1079,23-9 1259,-3 2 0,-10 8 0,0 1 0,15-6 0</inkml:trace>
+  <inkml:trace contextRef="#ctx0" brushRef="#br0" timeOffset="316747">9230 16352 7533,'-11'-4'-1350,"3"3"1440,8-3 720,0 0-360,0 3-180,0-7 359,4 7-269,1-8 360,9 4-630,0-4-1,1 4-89,2-8 360,-2 7-540,3-12 90,-3 8 90,3-3-449,-8-1 89,7 0 0,-6-9 90,6-1 90,-6 5 180,-2 5 90,-5 14 0,-4 14-90,0 1 360,0 24-180,0-16-90,0 16 0,4-7-45,1 3 0,0 2-45,1 13 30,-2-15 0,0 4 0,0-5-30,1 7-45,0 4 0,0 0-135,4-2-450,-4 7-629,-1-15 1259,-4-27 0,0-5 0,0-18 0</inkml:trace>
+  <inkml:trace contextRef="#ctx0" brushRef="#br0" timeOffset="317045">9453 16269 7533,'-5'-6'0,"1"-6"0,4 10 0,4-10 0,5 11 0,10-8 2518,9 4-1798,1 0-180,19 17-810,-28 17 90,9-2 270,-33 7-180,-5-11 0,-6 2-180,-8 11-450,-5-3-1258,-1-4 1798,6-10 180,9-11 0,10-12 0,4-2 0</inkml:trace>
+  <inkml:trace contextRef="#ctx0" brushRef="#br0" timeOffset="317646">9890 16101 7533,'-14'13'1709,"8"-6"-990,-10 19-539,13-11 0,-9 8 180,7 20-360,0-10 45,2-6 0,2 0 45,1 10 0,8 13-180,-2-18 0,8 7-90,3-4 90,-1-8-989,6 9-1080,1-21 2159,-7-7 0,-3-16 0,-9-2 0</inkml:trace>
+  <inkml:trace contextRef="#ctx0" brushRef="#br0" timeOffset="317945">9983 16176 7533,'0'-11'539,"0"-1"991,0 7-1,0 0-900,4 13-269,5 7-360,6 5 270,12 14 0,-2-12-180,7 10 0,-9-14-3367,4 0 2802,-11-8 205,6 8 90,-12-8-2248,16 12-849,-14-11 3264,6-1 0,-14-16 0,-4-8 0</inkml:trace>
+  <inkml:trace contextRef="#ctx0" brushRef="#br0" timeOffset="318163">10225 16129 7533,'5'0'1889,"-1"0"-900,-8 4 90,-9 14-899,-15 11-360,-2 5-45,7-9 1,1-2-136,-4 4-1079,0 17 1259,16-28-990,6 6-628,4-5 1798,0-9 0,4 8 0,1-11 0</inkml:trace>
+  <inkml:trace contextRef="#ctx0" brushRef="#br0" timeOffset="318519">10355 16083 8162,'0'-6'3276,"0"2"-2774,0 21-322,0-1 0,4 29 0,-3-18-90,4 8 0,-5 0-90,4-12-90,-3 12-90,3-8-90,-4 2-450,4 4-179,1 3-360,0-15 1259,4 4 0,-4-14 0,4 2 0</inkml:trace>
+  <inkml:trace contextRef="#ctx0" brushRef="#br0" timeOffset="319546">10551 16120 6723,'-5'0'900,"0"-4"-361,5 3-179,-4-4 90,3 5-90,-3 0-1,4 5-179,0-4 180,0 7-90,0-7-90,4 7-270,1-7 90,5 3 270,16-4-270,-13 0 90,21 5 0,-18-4-90,6 3-180,-3 0 270,-4-3-180,-2 11-90,-8-10 0,-1 11-360,-4 0 270,-4 3-269,-1 6-361,-13 5 720,3-2 450,-8 7-180,13-12 0,2-7 180,8 0 629,4-3-89,9 4-810,-1-4 180,13-6-270,-9-4 180,-2 0-720,-1 0-539,0 0 1169,7 0 0,-5 0 0,-2 0 0</inkml:trace>
+  <inkml:trace contextRef="#ctx0" brushRef="#br0" timeOffset="320084">10942 16166 7533,'4'-5'3148,"1"1"-3238,0 4-180,8 8 360,-11 3-450,10 7 450,-11-7-899,7 5 629,-7-14-630,4 11 810,-5-4 0,0 1 0,0 4 0</inkml:trace>
+  <inkml:trace contextRef="#ctx0" brushRef="#br0" timeOffset="320335">10960 16436 7533,'5'-9'-1619,"-4"4"1529,3 0 90,-4 5 1709,4 5-1170,-3 0 181,3 8 179,-4 2-629,0 3 90,0 1-360,0 16 90,0-12-1259,0 4 539,0-15 630,0-7 0,0 4 0,0 1 0</inkml:trace>
+  <inkml:trace contextRef="#ctx0" brushRef="#br0" timeOffset="321304">11156 16259 7533,'-4'10'2338,"3"-1"-1618,-3 8-540,4-5 0,0 10 0,0 4-270,8 9 0,-6-1 180,10-8-450,2-4 360,-3-10-450,19 9 360,-18-15-270,9 3-89,-3-13 629,-7-6-360,11-17 270,-7-3-180,-1-11 449,-5 12 1,-5-6 270,-4 6-360,0 0-90,0 6 89,0 10-89,-16-5-90,8 7-180,-18-6 180,11 11-899,-7-2 629,6 7 90,-2-3-450,5 4 270,3 0-89,-3 4 269,4-3 0,4 7-90,-4-2-180,8-1 90,-7 3 0,7-7-89,-7 3 359,7 0-270,-3-3 360,4 3-90,0-4-90,0 5 270,0-4-90,0 3 539,0 0-89,0-3-540,0 7 0,0-7 540,0 3-450,0 0-1,0-3 1,0 4 90,4-1-90,-3-3-90,3 7 90,-4-7 90,8 12-180,-6-7 90,11 7-90,-12-8 360,7 4-270,1-4 180,1 4-1,4-4-179,-6-1-90,-2-4 90,2 0 90,-3 0-90,4-4 180,5-1 0,-4-4-90,4-1-90,-9 5-720,3 1 270,-7 4 180,7 0-89,-7 0-1,4 0 0,-1 0-1889,1 0 1260,0 0 79,-1 0 1,0-4 0,1-1 0</inkml:trace>
+  <inkml:trace contextRef="#ctx0" brushRef="#br0" timeOffset="321657">11462 16055 7533,'10'-4'3276,"-1"2"-1965,0 2-232,5 22-899,-4-4 720,8 21-540,-8-18-450,3 10 449,9 5-538,-14-5 179,17 13-2799,-23-15 2710,7-1-2317,-9 24 1417,0-26-608,-5 9 0,-3 2 1597,-12 4 0,9-16 0,-2-2 0,-14 12 0</inkml:trace>
+  <inkml:trace contextRef="#ctx0" brushRef="#br0" timeOffset="325265">11965 16417 7533,'-9'6'1889,"3"-2"-2699,2-4 270,4 0 1440,9 0-900,-3 0 360,3 0-90,-1 0-91,-7 0-179,4 0-179,-5-4-361,0 3 0,0-8 270,0 8-90,0-11 91,0 6-181,0-12 0,0 8 450,4-4 0,1 1 0,4-2 0</inkml:trace>
+  <inkml:trace contextRef="#ctx0" brushRef="#br0" timeOffset="329981">12337 16231 7533,'-15'0'-90,"-2"0"539,12 0-359,0 0 360,-3 0 0,7 5 90,-4 0-271,5 4 91,5 0-360,-4-4 0,19-5-629,13-25 629,-1 6-180,-1-4 0,-2-2 90,-5 4 45,3 1 0,-2 1-45,-7 2 180,7-1-180,-15 10 180,-5 7 0,3-3 0,-7 12-90,3 3 0,-4 32 90,0-14-1729,0 7 1,0 1 1523,0-3 115,0-6 0,0 1 0,4 17 0,1-4 0,0 6 0,-1-13 0,1 1 0,0 0-96,2 14 0,1-2-174,-2 3 0,1-7-680,2-12 140,-3 4 3187,-2-27-2377,-4-1 0,4-11 0,1 2 0</inkml:trace>
+  <inkml:trace contextRef="#ctx0" brushRef="#br0" timeOffset="330245">12635 16269 7533,'4'-11'1709,"10"-9"-2159,1 12-270,12-5 1890,-8 17-631,0 2 181,-2 20-630,-11-5-3367,3 7 3432,-9-6 205,-4 9-181,-6 8 91,-4 4-1259,0-10-2069,-8 1 3058,7-34 0,0 2 0,7-26 0</inkml:trace>
+  <inkml:trace contextRef="#ctx0" brushRef="#br0" timeOffset="330462">12858 16017 7533,'10'5'1979,"-2"8"-1710,-12 19 91,3 11 0,-3 9-270,4-1 0,0-5 90,4-12-1080,10 10 91,-3-27-1,23 22-269,-16-31 1079,13 8 0,-8-11 0,0 0 0</inkml:trace>
+  <inkml:trace contextRef="#ctx0" brushRef="#br0" timeOffset="330883">13100 16064 7533,'0'10'1799,"8"11"-810,7-14-1259,21 15 360,-5-12-809,9 8-451,-20 9 541,-11 3 539,-14 7 0,-10-9 629,-7-6-449,6-7 0,-1-2 360,11-3-180,-2-1 270,3 4-360,0-6 179,1 9-449,4-10 540,12 8-270,-5-5-90,15-4 270,-3-1-90,0-4-1,21-4-898,-9-5 179,14-6 270,-16 5-2248,10-15 2428,-17 17 0,5-14 0,-14 13 0</inkml:trace>
+  <inkml:trace contextRef="#ctx0" brushRef="#br0" timeOffset="331546">13658 16017 7533,'0'10'2428,"0"-5"-2608,0-1 1,4 0 89,2-3 0,3 3-1979,9 9 1979,-7-6-450,11 19 360,-12-15-640,3 11 1,-7-12 0,-2 4 0</inkml:trace>
+  <inkml:trace contextRef="#ctx0" brushRef="#br0" timeOffset="331745">13742 16222 7533,'0'46'1169,"-4"1"-1664,-2-14 1,-1-2 584,-1 6-1,-4 6-1078,12-29 539,0 1 450,4-2 0,9-16 0,-1-3 0,5-21 0,-3 6 0,0-6 0</inkml:trace>
+  <inkml:trace contextRef="#ctx0" brushRef="#br0" timeOffset="332262">13993 16101 7533,'0'5'2698,"0"-1"-2248,0-4-1260,5 0 630,-4 0-1079,3 17 2159,-4 16-900,0-1 359,0 7-89,4-16-270,1-7-90,13 9-90,18-17 1,-8 0-91,15-17 45,-24-9 0,-2-4 90,-1 1 0,-1-3 405,5-19 0,-4-4-135,-10 10 0,-6 0 0,-6-4 0,-6 3-135,-15-4-1639,-11 25 1,-1 8 1163,6 4 185,-3 5 0,3 4-160,17 2 0,-10 24 540,16 4 360,5 14 0,18-2-1,16-17-359,-3-11 3105,4-14-3105,-16-4 867,1 0-777,-2 0-90,1 0 0,-4 0-90,3-4-360,5-6-1439,1-12 1799,1 5 0,1-5 0,-6 13 0</inkml:trace>
+  <inkml:trace contextRef="#ctx0" brushRef="#br0" timeOffset="332563">14356 15720 10411,'14'0'-1619,"-5"4"1259,0 5 1440,-4 10-990,4 0 1439,13 29-1529,-5-19 809,5 15-179,0 4-450,-15-15 119,1 3 1,0 9 0,-3-2-1807,-7 5 0,-2 0 697,6-9 1,2 2 0,-4-3 809,-7 4 0,-3-6 0,0 6 0,-9 0 0</inkml:trace>
+  <inkml:trace contextRef="#ctx0" brushRef="#br0" timeOffset="334295">12226 16817 7533,'-6'6'-360,"-2"-2"450,7-4 0,-3 0 0,4 4 0,4-3-90,-3 3 719,7 0 541,6 1-631,10 1-179,9-2-46,13-8 1,3-1-225,3 3-866,-16-1 0,4-3 1,-5 3 865,11 2-90,-19-3 0,1 0-768,5 1 1,-1 0 857,20-2-422,-10 3 0,8 1 1,0 0 271,0 1 0,-1 1 0,5-2 59,-12 0 1,2-2 0,2 1 0,0-1 0,0 0-290,2-1 1,0 1-1,0-1 1,0 0-1,-3-1 245,1-1 0,-1 0 0,-2 0 0,-1-1-45,7 0 0,-1-1 0,-6 1-55,-1-3 0,-6 2 235,12-2-173,-9-1 0,0 0-52,-12 5 0,1 1 60,6-2 0,5-1 0,-5 1 75,13-4 270,-7 5 0,7 0 0,-8 1-270,3-1 134,11 1 1,-1 1 45,-14 4-360,13 0 670,-23 4 1,-2 1-1031,4-3 670,6 7 1,-1 2-401,-10-3 632,3 1 1,-2-1-633,-8-3 1264,9 4-1174,-12-8 450,-4 3 1098,7-4-1458,-15 0 830,6 0-1910,-12 4-1411,-5 1 1052,-6 0 1439,-7 0 0,-6-5 0,-5 0 0</inkml:trace>
+  <inkml:trace contextRef="#ctx0" brushRef="#br0" timeOffset="335434">13081 17199 7533,'9'-8'-270,"9"-7"360,-2-13 449,2-5-539,-8 8 900,-6 4-720,-4 7 90,-9 4-360,-9-12 270,-24 7-180,-6 0-450,-4 23 360,15 13 360,18 4 180,7 13-1,11-20-269,1 9-180,1-14-90,7-8 0,-3-1-90,13 0 90,-7-3 90,7 4-269,-1-5 89,-1 4 180,-2-3 0,-1 19 1079,-16 26-899,6-7-897,-7-5 1,-1-3 626,0-5-479,0 26 209,-3-20 315,7-5 0,1 0-135,-4 3 270,4 1-360,0-9 90,0-2 180,4-1-90,1-6 0,0-4 90,12-4 90,2-25-359,2 5 89,1-20 0,-13 17 1607,0-9-1337,9-15 0,-7 10 296,7-7-386,-13 20 630,8-7-450,-11 1-1,10 1-179,-11 6 270,-9 1-180,1 10-629,-19-6 449,14 13 279,-5 0-279,-5 4-180,1 2 0,-7 3 270,6 0-450,3 5 540,5-4-180,0 3 180,9-8-180,1 0 0,4-1 180,0-3 180,-4 3 90,3-4 449,-4 0-269,18 0-180,2-4-270,9 3-180,-5-3 90,7-1-90,-14 4 180,22-7-720,-17 7 360,6-7-3007,2 7 2263,-4-3 771,24 0 0,-14-2 1,9-3-1</inkml:trace>
+  <inkml:trace contextRef="#ctx0" brushRef="#br0" timeOffset="335812">13519 16957 7533,'-11'0'989,"3"0"-899,4 0-720,3 0-89,-7 8 539,3-2 270,-5 8-3367,1 8 3562,0-6 1427,-5 32-1352,8-20-180,-2 12-1,8-1 91,0-12 45,-1 6 0,2 3-1742,2-1 1,2-2 1246,-3-2 0,2-1 435,6 9 0,2-5-615,3-11-1469,12 12 1469,-7-21 360,11-9 0,-15-10 0,10-9 0,-11-5 0</inkml:trace>
+  <inkml:trace contextRef="#ctx0" brushRef="#br0" timeOffset="336212">13556 17087 7533,'-5'11'1079,"13"-3"-809,12-8 1979,21 0-2069,-10 0 179,21 0-449,-29 0 630,20 0-720,-26 0-270,8 4 181,-18 1-361,1 4 360,-8 1-360,-8 7 271,-3-1 359,-11 7-90,6-9-90,-6 4 90,12-8 630,1 3-540,5-3 719,4 3-629,0-3 989,12 4-629,-5-9 360,27 3-900,-20-7 0,28 3-90,-24-8 180,9-9 0,2-4 0,-5-2 0,-2-1 0,0 0 0</inkml:trace>
+  <inkml:trace contextRef="#ctx0" brushRef="#br0" timeOffset="336712">14115 16976 7533,'-5'9'2608,"4"-4"-3147,1-1 89,6 0-270,7 6 810,-7 0-720,11 8 451,-11-8 89,3-1-990,-1-1 810,-2-7 270,-1 8 0,3-8 0,-3 3 0</inkml:trace>
+  <inkml:trace contextRef="#ctx0" brushRef="#br0" timeOffset="336866">14152 17190 7533,'-4'44'2338,"3"-9"-3147,-8-13 719,4-11-180,0 15 180,-3-10 90,7 6 0,-8-7 0,4-2 0</inkml:trace>
+  <inkml:trace contextRef="#ctx0" brushRef="#br0" timeOffset="337595">14393 16938 7533,'-5'6'-540,"1"-2"0,4-4 181,0 0 269,0 8 90,0-6 1349,-5 15-1079,4-11-90,-3 7-180,4-8 899,0 12-719,0-10 450,0 19-810,0-15 180,-4 7 90,3-1-180,-3-5 270,4 18-540,4-5 270,1-5 180,9 5 0,0-19 0,13 4 0,2-6-180,8-8 90,-12-2-360,13-15 360,-24 8-90,3-10 0,0 0 270,-6 7-90,3-22-90,-10 24 90,-4-5-90,-4-20 0,-10 3-180,-1-7 135,-6 23 0,-2 5-135,-4 4 0,-3 1 0,-2 3-539,-8 6 359,2 1 90,12 5-809,17 17 1079,4-10 0,0 10 0,5-9 0,0 2 0</inkml:trace>
+  <inkml:trace contextRef="#ctx0" brushRef="#br0" timeOffset="337946">14579 16641 7623,'-5'14'-1170,"-3"0"900,3 7 1710,-1-4-181,-2 22-989,7-13 90,-3 18 134,3 0 1,2 0-315,-1 7-210,-1-14 0,-1 6 0,1-8 30,0 0-450,-3 6 0,-1-1 271,4-10-226,-1 0 0,0 0-1304,2 9 1439,0-8 270,0-6 0,4-20 0,2-5 0,3-5 0,0 0 0</inkml:trace>
+  <inkml:trace contextRef="#ctx0" brushRef="#br0" timeOffset="338363">14784 16780 7533,'0'11'2968,"0"-3"-3867,0 0 1078,0-2-89,0 20 180,0-13-90,6 13 0,0 2-180,-3-6 90,14 26 540,-16-17-46,1 5 1,0 3-1035,-2 5-440,-1-4 0,-2-3 890,-2-13-1080,-7 4 1,-2 1 629,-4 6-540,-4 6 1,-3-1 989,-2-6 0,7-7 0,0-1 0,-8 2 0</inkml:trace>
+  <inkml:trace contextRef="#ctx0" brushRef="#br0" timeOffset="340212">15603 16659 7533,'-5'-4'-450,"-3"3"180,7-7 0,-8 3 540,0-9-360,-1 4 810,-8-16-630,12 14 90,-11-14 179,15 20-179,-10-3 0,11 9 0,-7 0 90,7 0 180,-12 9-360,7-3 90,-7 15-180,3-5 0,-3 23 89,2-16-89,5 3 0,-1 0 0,-2-4 360,3 22-90,2-11 0,4 9-809,0-8 629,0-3 89,9-4-628,-3-10-186,11 5 455,-6-17-180,6-5 360,-6-5 180,2-5-180,-4-3-180,9-10 969,2-18-699,-1 5 0,2-2 0,-5 4 0,-1-2-203,2-5 0,-2 0 68,-5 12 0,-2-2-135,-4-11 0,-3 0 180,-2 8 0,-2 1-797,-5-12 0,-3 4 707,-5-3-180,-10 9 1,11 12 89,1 8 450,4-3-91,2 9 566,7 4-475,-3 1 921,4 4-832,0 12 1,0 0-180,0 10 450,0 5-360,0-2-428,0 3 247,0 15 91,4 6-225,-2-14 0,1 0-587,2-5 0,0-2 587,-3-1 0,1 0-225,9 22 91,-6-8 269,8 4-225,-3-14 0,0-1-405,1 1-1099,5 6 1,0-1 915,-5-17 453,10 15-90,-13-29-719,8 4 1115,-5-8 1,5-1-1,-7-5 1</inkml:trace>
+  <inkml:trace contextRef="#ctx0" brushRef="#br0" timeOffset="340600">15854 16557 7533,'9'0'3276,"4"-4"-3044,-2 3-142,2-3 449,1 4 181,4 4-630,10 9-180,-3-6-180,2 14 180,-13-15 270,-4 12-990,-2 5-269,-7-7 180,-1 14 719,-5-18-360,-4 9-180,-5-6 361,4-1 449,-8-5-180,8 4 90,-4-11-360,9 14 1709,1-13-359,4 9-271,8-11-89,7 7-360,4-7 89,25 3-449,-8-4-944,-7-1 0,1-2 688,9-2 0,-2-12 1,-15-3-1</inkml:trace>
+  <inkml:trace contextRef="#ctx0" brushRef="#br0" timeOffset="342713">3777 18203 9332,'31'0'719,"-1"0"-719,7 0-180,-9 0 270,11 0-180,-16 0 90,8 0-180,-1 0 270,-12 0-449,34 0-991,-20-4 1350,9 3 0,-14-7 0,-8 3 0</inkml:trace>
+  <inkml:trace contextRef="#ctx0" brushRef="#br0" timeOffset="342934">3805 18576 7533,'-10'5'899,"1"-1"-629,13-4-180,10 0 90,26-4-180,-7-2-419,16 1 239,-5-7-180,-18 7 1,1 0-226,14-3 1,1 1 251,-9 0 0,-1 1 0,4 1 0,-1 0 0,12-4 1</inkml:trace>
+  <inkml:trace contextRef="#ctx0" brushRef="#br1" timeOffset="353945">5554 17403 7533,'0'-14'-1170,"0"5"1170,0 5-90,0 4 0,4 0 270,-3 0 450,4 0-180,-5 4-270,4-3 0,1 11-91,0-10 91,7 19-90,-10-14-90,11 11-180,-4-1 270,-3-5-180,7 9 90,-8-2-90,0-4 180,-1 11-90,-4-10 90,0 6 0,0-7 0,-8 3-90,6-4 90,-10 0-180,10-4 180,-2 2-180,4-10 90,0 11 0,0-12-270,0 7 91,0-7 89,0 7-180,0-7 90,0 3 90,4-4 180,2-4 0,-1 3-180,3-7 90,-3 3 90,5 0 0,3-8-90,-3 7 180,4-7-180,8-1-90,-10 4 0,22-4 90,-21 5-90,21 0 90,-18 4 0,19-8 0,-18 11 0,8-7 0,1-3 180,-10 5-180,27-6 0,-33 9 359,12 4-359,-7-4 0,4 3 270,7-4-270,-10 5 90,7 5 0,-1 0-180,-11 0 90,7 3-90,-1 1 180,-1 6-180,2 3 90,0 9-90,-8-10 180,0 5-90,-2-13 0,1 8 0,2-5 0,-2 5 0,-1-7-90,1-1 0,6 0 90,-1-4 0,0 0 0,-5-5 0,13-13 180,-10 2-333,14-12 153,-11 4 90,7-3-90,-2 2-45,5-2 0,2 1 45,-1 1-90,0 0 0,-1 2 90,-9 12-90,1-7 180,-3 8-90,-8 0-90,6 1 90,-11 4 693,8 0-693,-4 4 90,0-3 0,8 11-180,-11-5 180,18 23-90,-9-17-90,16 17 180,5-24-90,-6 2 0,17-8 450,-9-8-450,13-2 45,-19 1 0,-1-1-45,9-4 90,7-4-90,-15 8 90,-7 1-90,5 0-180,-12 8 270,9-3-270,13 4 180,-13 0 0,15 0 0,-26 0 90,9 0-90,-10 0 0,10 4 0,-9 1 90,14 1 0,-7 2-90,1-7 0,6 3 0,-11-4-180,8 0 180,-9 0 0,0 0-270,12 0 270,-9 0-360,31 0 270,-25 0 0,28 0 0,-28 0 90,25 0 180,-27 0-180,23 4 180,-22 1 270,9 5-270,-17-1-90,4 0 0,-8-4-180,16 8 180,-14-11-450,27 14 180,-26-14 180,13 11-270,-13-12-180,6 7 270,-4-7 180,3 3-269,0-4 538,14-4-179,-5-5 0,16-6-180,-19 1 450,8-4-180,0 4 0,-11 4-90,13-3 0,-22 12 0,6-3-90,-10 4-90,-7 0 90,8 0 0,-8 4 0,7 10 90,-3-3-90,0 6 90,-1-7 360,5 7-271,-3-9 1,11 8 180,6-11-180,-2 0-90,6-2 0,2-1 0,5-2-135,-8 0 0,2 0-45,16-5 0,-13 4 0,5-3 0,2 0-180,2 3 45,7-3 1,1 0 224,-3-1 0,-4 2 0,0 1 0,1-7 0,0 7 0,3-1 44,-12-2 1,0 1-45,1 1 0,-1 1 0,-3-1 0,-4 1-510,-5 2 510,6 5 0,-5 0-270,2 4 90,-4 0 0,6-3 0,1-2 270,-1-4-270,22-4 450,-13 3 270,11-4-540,-17 5 180,-8 0-180,-11 0 510,3 5-420,2-4-90,-1 3-90,8-8 90,-7-2 90,29-11-90,-16 1 180,16-2-180,1-4-198,-20 12 0,3 0 288,4-4 0,2 0-461,-5 4 0,-1 1 192,17-9-362,0 1 361,2 1 180,-2-2-90,-15 8 0,1 2 90,-3 0 0,1 2 0,21-5-45,-20 6 1,-3 2 135,2 3-91,-5 4 0,-7-3 484,-3 7-484,-8-2 816,15 7-996,-10 1-89,12-3 535,16 1-356,-7-11 235,-1-1 0,0 0 35,10-1 89,-8-3 91,-8 0-360,-19 3 90,7-3 0,1 4-450,4-4 90,10-2 91,-7-3 89,5 0 90,-8-9 0,2 7-90,-1-11 449,2 8-89,-5-1 180,10-2-180,-14 10-270,12-5-270,-4 3 180,13-2 90,-8-2-90,1 4 0,-8-1 270,6 1 90,0 0-90,-6 0-180,-4 3 90,-1 2-900,-2 4 720,2 0-989,-8 0 449,4 0 270,-8 0-539,7 4 89,-7 2 451,3 3 359,0 0 0,1-4 0,5-1 0</inkml:trace>
+  <inkml:trace contextRef="#ctx0" brushRef="#br1" timeOffset="354912">8308 17822 7533,'-5'0'-90,"1"0"90,4 0-270,-4 4 450,3 1-270,-8 0 90,8 4 0,-3-8 270,4 3-90,-4 0-90,3-3 269,-7 7-269,7-2-90,-4-1 270,1 7-90,3-6-900,-7 12 181,7-8-181,-3 4 180,4-9 540,4-5 0,1-5 0,4-5 0</inkml:trace>
+  <inkml:trace contextRef="#ctx0" brushRef="#br1" timeOffset="355213">8904 17673 7892,'-9'15'-359,"-9"11"359,7-14 359,-7 10-179,9-13 0,-1 0 450,-7 5-270,5 0-180,-5 1 269,-5 10-269,6-8-90,-20 18-1709,7-10 1529,0-1-989,7-11 89,4-9 541,8-4 449,-8-12 0,8 1 0,-4-12 0</inkml:trace>
+  <inkml:trace contextRef="#ctx0" brushRef="#br1" timeOffset="355547">8271 17813 7533,'-10'0'0,"1"0"539,5 0-179,3 0 180,-7 0-2519,-1 12 1889,3-9 360,-6 18 0,11-15-90,-3 8 89,4-9-269,0 3 360,0-3-90,4 5-180,-3-1-180,15 8 180,-9-5-1079,14 14 719,-10-15-270,6 15 630,-6-15-270,6 7 450,-6-13 0,14-1 180,-8-4-181,14-4-179,-3-4 0,1-2-180,11-2-349,-4-1 1,-1 0 0,3-1 0,3-5 0</inkml:trace>
+  <inkml:trace contextRef="#ctx0" brushRef="#br1" timeOffset="359079">5368 18064 7533,'-4'5'1439,"-1"3"-1079,0-7 269,-4 12-269,8 1-540,-7 2 360,3 22-270,0-19-654,-4 20 834,8-19-180,-3 6 90,0 11-90,3 6 180,-7 0-62,5-10 0,1-1 62,-8 11-270,5 3 270,1-12-90,4-22-359,-4 5 269,3-11-90,-3 2 90,4-7 489,0 3-399,8-8 199,-6 3-289,19-7 270,-14 7-90,19-8 179,-11 8 1,12-3-180,-11 4-90,1 0-90,1 0 90,-7 0 90,7 0-270,-5 4 180,-2 1-449,10 5-721,-1-1 990,0 0-1349,5-4 1529,-17 0 0,8-10 0,-11 0 0</inkml:trace>
+  <inkml:trace contextRef="#ctx0" brushRef="#br1" timeOffset="359419">5340 18027 7533,'-14'-4'3276,"4"3"-3044,6-4-592,4 5 90,8 0 270,-1 0 180,14 5-270,-5-4 90,7 3 90,-9-4-90,0 0-270,7 0-360,0 4 451,11-3-811,-12 3 540,-3-4-989,1 0 1439,-7 0 0,7 4 0,-9 1 0</inkml:trace>
+  <inkml:trace contextRef="#ctx0" brushRef="#br1" timeOffset="359713">5349 18380 7533,'-9'10'180,"4"-1"-1,1-9 3097,4 0-2774,12-4-232,0-2-90,6 1-180,8-3-270,-9 3 270,9 0-360,1-4-89,6 0 359,-7 3-90,0-6 0,-8 6-720,1-3 541,13 4 359,6 1 0,-8 4 0,1 0 0</inkml:trace>
+  <inkml:trace contextRef="#ctx0" brushRef="#br1" timeOffset="362287">5824 18631 7173,'0'5'90,"0"0"-180,0-5-90,0 4 180,4-3 180,-3 3-180,3-4 0,-4 0 450,5 0-360,-4 0 0,3 0 449,0-4-359,-3-1-270,3-5 270,0-3 0,1-14-360,1-15 0,-2 10 0,-4-15 270,-9 26 90,7 2-90,-10 6 90,3 9 90,-14 3-180,6 1 0,0 1 90,4 8 359,3 4-449,-4 2 0,4 8-1349,6-4 269,4-1 721,0 1 359,0-9 0,4-1-180,1-9 269,5 0-179,7 0-89,-5 0-91,18-5 90,-10 4 90,0-3 0,-3 4-90,-16 4 809,3 10-449,-8 1 0,-2 12-180,1-11-90,-3 10 90,3-11-450,-5 8 90,1 4 90,0 2 90,4-5 90,-4 2-90,8-7 180,-3 9-90,4-12 0,0 5-179,0-16-1,0 4 90,4 1-90,2-5 180,3-1 0,0-8 90,5-1-180,-8 0 270,6-4-180,-11 4 180,8-8-180,-8 2 90,3-2-90,-4 4 0,0-5 89,0 4-89,0 1 270,0-4-90,-4 11 180,-2-10-360,1 7 270,-3-1-270,3 2 90,0 4 0,0 0-720,5 0 540,13 4 0,-10-3 90,14 4-270,-4-5-359,2-5 629,4 0 0,-5-4 0,-5 0 0</inkml:trace>
+  <inkml:trace contextRef="#ctx0" brushRef="#br1" timeOffset="362796">6113 18445 7533,'-16'15'1079,"0"-2"-1349,15-4-180,-8 1 181,8-1 269,-3 13 269,4-6-179,0 11 90,0 4-180,4-9-359,2 5-361,19-5 630,-7-11 90,9 2 0,-14-9 0,-3-4 0</inkml:trace>
+  <inkml:trace contextRef="#ctx0" brushRef="#br1" timeOffset="363196">6252 18483 7533,'-5'4'2698,"1"-3"-4317,4 7 1979,4-3-180,1 0 0,1-1-360,6-4-90,-2 9 180,5-3 180,-6 7-180,-5-3-90,0 11 90,-3-8 90,4 8 0,-5-11 0,-9 3-90,7-3 90,-6 0-180,8-2 0,0-7 360,4 3-90,5-4 90,2 0-180,2 0-90,-4 0-90,1 0 270,-1 0-1349,9-8 1259,-3 2 0,4-12 0,-6 4 0</inkml:trace>
+  <inkml:trace contextRef="#ctx0" brushRef="#br1" timeOffset="363663">6494 18362 7533,'-5'0'-540,"1"-5"180,8 4 180,-3-3 0,8 4 1,-8 0 1438,7 0-630,-7 0-269,7 0 900,1 9-631,-2-3-539,5 3 270,-11-5-450,3-4 180,0 4-90,-3-3 90,8 4-270,-4-5 0,4 0 180,-4 0 0,0 0 270,-1 0 0,-3 0 90,3 4-271,-4-3 541,0 3-900,0 0 0,4-3 91,-3 7-1,7-3 90,-3 13 270,1-3-1,2 4-89,-3 15 270,0 5-765,-2-8 1,-2-1-46,-5 19 450,-1-20 0,-3-1 0,-8 3 0,-6 9 0</inkml:trace>
+  <inkml:trace contextRef="#ctx0" brushRef="#br1" timeOffset="365346">7061 18148 7533,'0'5'-630,"0"-1"-449,0-4 1259,-4 4-180,3-3 0,-3 3 0,0 0 0,-1 1 0</inkml:trace>
+  <inkml:trace contextRef="#ctx0" brushRef="#br1" timeOffset="365869">7108 17896 7533,'-4'6'-720,"3"2"630,-3-7 540,4 3-180,0 0 0,-4 1-630,3 13 360,-4-7-180,5 23 180,0-16 360,-4 30-360,3-26 270,-7 30-270,7-29-3277,-3 28 3251,4-28 136,0 29-110,0-29-45,0 6 0,0 1 45,0-5 45,0 3 0,0 0-45,0-6 0,4 21 0,-3-21 0,11 21 0,-5-21 0,6 9-2245,-4-17 2245,1-4 2335,-1-6-2245,0 0-180,1-3 250,7-1-1149,15-26 897,-9 4 1,7-19 0,-21 13-1</inkml:trace>
+  <inkml:trace contextRef="#ctx0" brushRef="#br1" timeOffset="367429">7294 18278 7533,'-19'23'-180,"5"-8"-180,10 15 270,4-18-450,0 27 1170,4-22 0,-3 23-450,7-24 179,2 10 91,17-16-270,-10 0-630,26-10 270,-26-10-539,18-13 629,-19-1 0,-3 0 180,-9 6 0,-4 5 180,-4 3-1,-1-4-89,-8 5 180,-10 0-180,6 3-3457,-21 6 2802,21 1 115,-19 16-179,17-10-271,8 15 720,8-16 0,17 2-449,17-12 449,-4 3 90,21-11 0,-22 6 0,22-16 0,-17 6 3276,2 2-2621,-11 2-205,-17 10 0,3-2 269,-7 4-449,7 0-270,-7 0-90,3 0-269,1 0 269,-4 0 449,3 0 451,-4-8-630,0 6 90,-4-10 0,3 6-360,-8-3 269,4 0-268,-4 4-721,0-4 720,3 8-180,2-3 0,0 4 180,3 0 0,-3 0-89,8 9 89,-3-3-90,3 7 180,0 1-90,-3-8 90,8 14 180,-8-16-90,7 12 89,-7-15-179,7 3 90,-3-4-90,1 0 0,6 0 0,-6-4-90,12-1 1,-8 0 89,0-3-90,-2 2 539,1-15-89,-3 0-360,3-3 360,-9-2-450,0 15 180,0-7-180,-5 9-90,4 4 270,-7 1-270,3 0-270,-8 3 450,6-4 0,-5 5 180,7 0-270,0 0 90,0 0 90,5 0-90,-4 0 0,3 0 90,-7 0-90,7 5 0,-7 0 90,2 4 0,1 0-90,-3 9 0,3-7-270,0 15 270,0-14-180,1 13 90,3-13 0,-3 14 180,4-15 90,0 2-270,0 0 360,0-7 180,0 12-360,0-12-180,4 6 180,-3-7-180,12 1 90,-7-2-360,16-8 360,-7 3-180,12-12 90,-7 7 0,7-12 90,-12 8 270,3-3-180,-13 7 180,3-6 90,-7-7-270,3-5-270,-4-4-450,-4-3 450,-1 18 0,0-12 180,1 23 180,4-6 0,0 8 90,0 0-270,0 4 360,0 10-360,0-3 90,0 15-270,0-15 270,8 23-180,2 13 0,5-5 135,-6-1 0,-1 0-45,-1-6 90,1 6 0,0 0 0,-6-11-90,5-1 0,-1 2 0,-5 11 90,3-10-180,-7 1 0,-2-3 90,-2-13-90,-10 21 180,6-33-180,-14 7 270,8-9-90,-14 5 0,11-8 0,-11 0-360,15-4-180,-6-6 270,17-4 0,1-5 180,4 1-450,0-18 225,7 12 1,2-3 44,-1-4 0,1-1-1459,6-7 1,2 0 1130,-5 12 1,0 0 507,3-8 0,1 0 0,4-6 0,-6 14 0,-1 0 0</inkml:trace>
+  <inkml:trace contextRef="#ctx0" brushRef="#br1" timeOffset="367932">7955 18055 7533,'-5'5'1979,"1"-1"-2969,4-4 1,0 4 449,0 1 180,8 0 1080,-2-1-1,16-4-539,-11 0 0,7 0-270,-5 0 180,-2-4 0,2-1 90,1-4-90,-4 4 90,12-4-180,-7 8 0,0-3-360,-3 21 270,-7-9 90,0 30 90,0-20-90,-5 17 90,0-7 90,0 13 0,0-6-180,0-4 0,0-1 90,0 8-135,-1 0 0,2 6-135,0-7 0,0 1 0,1-2 45,0 6 0,1-1-253,-1 9 1,1-5 207,1-18-180,-4-13 270,4-1 90,-3-3-540,4-5 1,-1 3 89,-3-7 450,3-1 0,0-5 0,1-4 0</inkml:trace>
+  <inkml:trace contextRef="#ctx0" brushRef="#br1" timeOffset="368249">8169 18157 7533,'0'-5'-630,"13"-12"990,2 14-270,4-9-180,-1 12 630,-9 4-91,0 1-359,1 4 180,-1 1 180,8 11-180,-9-8 179,12 21-269,-18-22 360,11 18-360,-8-18-360,0 13 90,-1-9-899,-4 11 809,0-8-630,-8 17 360,6-19-359,-23 26 809,13-26 0,-11 14 0,9-12 0</inkml:trace>
+  <inkml:trace contextRef="#ctx0" brushRef="#br1" timeOffset="368629">8587 18036 7533,'-4'9'0,"-1"1"359,-8 3-359,6 1 90,-5 5-180,11-4 90,-3 2 1260,0 6-1080,3-7 90,-3 19-91,4-23 91,0 22-270,4-22 360,5 23-630,5-19 360,1 11-540,-2-8-719,5 3 989,-3-6-1349,12 10 1259,-11-15 270,6 2 0,-12-8 0,3-5 0</inkml:trace>
+  <inkml:trace contextRef="#ctx0" brushRef="#br1" timeOffset="368962">8774 18073 7533,'-6'5'809,"2"-1"-449,8-4-810,-3 5-539,12 8 1439,-7-2 719,20 28 0,7-8-899,-6 7-722,3-11 452,-17-10 180,-2-6-360,6 10 180,-2-5-900,12 11 630,-11-16-809,10 6 180,-11-12 179,-1 0 180,-1-1 675,-7-8 1,2-1 0,-3-4 0</inkml:trace>
+  <inkml:trace contextRef="#ctx0" brushRef="#br1" timeOffset="369199">9071 18082 7533,'-15'10'2788,"-2"-5"-2698,16-1-180,-3-4-899,0 0-720,-5 13 1889,-2-6-360,-14 31 449,12-19-89,-13 24-3457,16-22 3252,-4 10-533,5 1 558,0-6-360,4 13 180,1-23 90,4 6-810,0-13 900,0-3 0,4 2 0,1-3 0</inkml:trace>
+  <inkml:trace contextRef="#ctx0" brushRef="#br1" timeOffset="369512">9220 17896 7533,'-24'36'3276,"6"-6"-2055,14-9-2660,0 8 1259,3 5-225,-3-6 1,-1 1 673,4 13-89,-1-16 0,0 2-675,2 4 1,0-2 314,4 4 270,2 14-1799,7-29 1169,-3-9 540,4-2 0,-5-8 0,0 0 0</inkml:trace>
+  <inkml:trace contextRef="#ctx0" brushRef="#br1" timeOffset="370112">9332 18101 7533,'-6'0'539,"3"-4"-1348,12 3 1259,0-3-360,1 4 1169,7 4-450,-5-3-89,9 7-270,-2-7-540,-3 3 180,-3-4-630,4 0 180,-2-4-90,9 3 1,-6-3-1,-4 8 360,-9 10 0,-1 1 180,-4 4 0,0-6-180,0-3 0,-4-1 270,-1 4-90,-9 2 90,8-1-180,-10 4-180,9-8-90,-6 4 0,8-5 90,1-4-90,4 3 360,0-3 0,0 1 450,0-2 270,0-4-451,4 0-179,-3 0 360,3 0-180,0 0-90,-3 0 179,12 0-269,-11 0-360,10-4 180,-7 3-90,5-4 180,-1 5 180,4 0-180,-2-4-90,2-1 180,-4 0 0,5-3-270,-4 3 180,4-1 90,-1-2-630,-3 3-719,16-4 719,-13 3 90,8 2-1169,-8 4 720,-2-4 359,2 3 450,-4-3 0,0 0 0,1-1 0</inkml:trace>
+  <inkml:trace contextRef="#ctx0" brushRef="#br1" timeOffset="370516">9936 17971 7533,'0'14'2788,"0"0"-3238,0-5-269,4-4 359,-2 8-90,6-7 270,-7 3 0,3-1 180,0-7 0,1 8 0,5-4 0</inkml:trace>
+  <inkml:trace contextRef="#ctx0" brushRef="#br1" timeOffset="370679">9992 18203 7533,'-4'27'0,"-1"0"0,0 22-720,-4-25 180,4 11 540,0-14-90,1 2 90,4-10-359,0-8 359,0 0 0,0-1 0,0-4 0,0 0 0</inkml:trace>
+  <inkml:trace contextRef="#ctx0" brushRef="#br1" timeOffset="371339">10178 18017 7533,'0'-13'-630,"0"7"540,4-7 810,-2 12 899,2-3-1349,-4 8 89,0 6-179,0 8-180,0-2 180,0 5-360,4 2 270,-3-6-539,7 9 179,-3-12 270,5 0-540,7 0 540,-5-9-180,5-1 0,-3-8 450,-4-1 0,16-17-180,-14 6 90,14-11 90,-11 8-180,-1 1-1,-1-1 181,-3 0 90,-5 1 180,-1-5-720,-8-5 180,-1 3-360,0 3 0,-8 0-359,7 6-91,-7-6 630,3 11 0,5-1-179,-3 11 718,3-7-269,-5 7 900,-20 17-990,12 2-90,-13 14 180,17-1-720,5-15 180,4 18-89,-4-13 449,8 3 0,-3-2 540,0-8-450,3 0 449,-3 0-89,4-5 0,0 1 0,0-5-180,4-1 179,1-4-89,9 0-360,-4 0 270,12 0-989,-7 0-91,12-8 810,-7 1 0,-2-6 90,-4 4-180,-1-5-90,2-4-449,-1 6 179,0-8-280,-5 13 1,5-6 0,0 4 0</inkml:trace>
+  <inkml:trace contextRef="#ctx0" brushRef="#br1" timeOffset="372087">10653 17738 7533,'0'10'1169,"0"-1"-809,0 0 0,0-4 269,0 8-449,0-7-180,0 7 180,0 1-270,4 0 180,-3 1-90,8 2 180,-8-2-180,7 3 180,-3 1 270,4 8-630,1-2 45,-4 3 0,1 1 225,3 5 0,-2 4 0,-2 1 0,-1-5-90,-2 7 0,-2 0-3277,-5-2 3309,3-10 1,-3 0-33,-6 0 0,-2-1 0,-8 14 0,4-10 0,-1-1 0</inkml:trace>
+  <inkml:trace contextRef="#ctx0" brushRef="#br2" timeOffset="411031">11993 17348 7533,'-4'9'0,"3"0"989,-8 9-989,8-3 270,-3 4 0,0-2-180,3-6-90,-3 2 180,4 5-180,0 18-90,0-8 180,0 11-90,0-24 90,4-2-270,-3 1 180,7-8 180,-7 6-180,8-11 0,-4 3 0,0 0 0,3-3 0,2 4 0,0-10 0,3 0 0,-3-4 0,-5-4 90,11-10-90,-12 6-90,12-9 0,-11 12 180,5-5 1169,28 46-1169,-26-22-90,21 34 180,-24-27 0,1-6-270,4 8 180,12-9-540,-9-9 180,10-2 180,-13-4 90,0 6 180,-5 8 0,-4 1 629,8 21-719,-7-12-90,3 11 180,3-7-270,-9-7 0,9 7 180,-7-5-180,4-2 0,9-2 90,-7-5-179,11-16-46,-10-11 0,-1-3 135,10-10 0,-6 2 0,1 3 270,-1 10-90,-1 4-90,-6 13 629,-3 16 91,0 8-540,-1 0-90,0 2 90,2 4-360,3-17 360,0 16-540,9-20 180,2 0 360,-1-1 90,11-12-90,-10-2-180,8-1 90,-9 3-180,-2 8 180,10 25 0,-9-15-90,7 24-90,-11-27 90,-8 1 90,7-8 0,4 0-90,-4 0 0,8 0 0,-11 0 539,24-4-449,-19 3 135,8-9 0,1-5 225,9-19-495,-16 12 0,1-1 135,5-2 0,3 1-135,-2 4 0,2 3-45,3 3 0,0 3 90,20-7-180,-6 14 180,-23 8-450,11 18 90,-6 4 450,-7-4 0,0 1 90,15 11-180,-8-6 225,2-15 0,1-4 315,2-3-91,19-2-359,-18-9 90,1-8-3392,-6-2 2942,5 5 180,-16 2-359,2 8 269,-6 0-180,11 0 90,-11 0 180,6 0 270,1 0 3096,-7 0-2890,11 0-296,1 0-90,-7 0-90,6-5 0,-4 4 90,-7-3 0,7 4 0,3 0-90,-8 0 0,13 0 90,-12 0-180,9-4 90,-8-1 90,7-4 90,1-5 270,1 0 0,8-1-360,-12 2 0,10 4 90,-14 3-3367,15-2 3072,-15 7-72,14-7 277,-14 7-270,15-3 270,-7 4-360,12 0 360,3 0-90,-5 0 3366,-3 0-3162,-4-4-2597,10-6 2573,-10 0 0,11-4-270,-27 5 270,11 4-90,-12-3-180,12 3 270,-10-1-360,22 2 270,-21 4 90,25 0-90,-25 4 270,21 2-450,-26-1 180,13-1 3276,-16 0-3250,0-3-116,8 7-90,-7-7 0,16 12 180,-11-11 270,11 18 449,0 0-449,3 1-90,-1 0-180,-6-15 450,-5-2-270,-2 0 180,10-3-180,3 7-3457,13 2 3162,-11-4-1406,16 6 1431,-28-11 0,24 7 0,-25-7 0,8-1-450,-7-5-2518,0-16 3058,1 4 0,-2-10 0,-3 9 0</inkml:trace>
+  <inkml:trace contextRef="#ctx0" brushRef="#br2" timeOffset="467014">11202 18371 7533,'-24'29'3276,"6"-11"-2415,14-5-501,4-12-90,0 7 809,0-3-809,4 0 360,5 4-180,14-8 89,10 3 1,9-8-180,4-1-270,-12-5 179,-5 6 1,-2-1-360,-2-4 270,3 4 0,0 0 180,2-4-871,3 0 691,-6 4-91,8-8-89,-12 11-90,2-6 1,2 0-181,4 1-2519,-2-2 2789,-9 5 0,-19 0 0,3-1 0</inkml:trace>
+  <inkml:trace contextRef="#ctx0" brushRef="#br2" timeOffset="467700">11565 18194 7533,'-10'-9'-1439,"1"4"1439,4 0 0,-3 5-270,2 0 629,-3 0-89,4 0-180,1 0 900,0 0 359,3 5 90,-4 16-1169,5-3 719,0 29-629,0-19 0,0 0-135,0 3 0,0 2-225,0 12 0,0 0 45,0-8 0,0-1-900,0-5 1,0 0 854,2-1 0,1-3 0,2-2 0,4 6 0</inkml:trace>
+  <inkml:trace contextRef="#ctx0" brushRef="#br2" timeOffset="472049">11406 18231 7533,'-19'-10'539,"5"2"-539,6 8 90,3 0 0,-4 4 90,-1 1 360,5 0 359,-12 12-179,6 2-1080,-8 10 360,6-1-450,8 11 360,1-16-135,9 3 1,2 0 134,0-3 180,15 8 449,17-6 1,7-8-90,3 2 179,2-15-718,-29-9 223,2-10 1,0-5-494,2-20 90,-11 16 0,-2 0-541,0-25 540,-13 20 1,-4-3-3008,-14-12 2410,2 16-81,-5 2 0,-2 4 858,0 10 1170,-24-9-271,29 41-719,-4-7 90,21 17 0,7 5 90,8 13-90,-2-9 0,4-2-136,2-13 1,1-3-134,11 11-1463,10-32 1462,-24-12 1580,6-10-1580,-13-9 2167,-4 9-2436,-1-30 179,-8 24 90,-3 2 0,-3 0 180,-15 0-2448,-12-1 2268,12 18 2649,-9 9-2379,25 9 89,-7 5-179,16 17 0,0-1 45,5 3 0,2 1-135,0 9 135,8-1 0,0-1-135,-2-7-98,4-4 0,0-4 8,-5-14-270,18 5 360,-22-22 90,8-4-180,-15-26-90,-1-10 180,-5 1-2121,-21 1 2031,9 27 923,-9 8 1,0 3-564,2 5 598,-19 17-868,27 0 270,-1 14-1235,13-3 0,2 1 965,-2 11 45,3-10 0,2 2 369,3-5 0,1-1-324,-3 7-46,5-2 1,2-1-45,-3-8 90,8 8 396,-5-20-665,0-5 538,5-18-359,-8 1 130,7-15 50,-12-4-180,3 5 179,-4-26-179,-4 24 135,-2 1 0,-2 2 135,-7 8 180,-16-9-990,14 21 0,-17 13 540,26 3 2779,-13 12-2689,20 16-90,-3-15-1451,8 23 1541,-3-26-90,7 2 90,2-6-360,0-10-449,20-3 629,-17-14-45,9-8 0,-1-3 315,-8-4-283,9-22 13,-14 27 90,-7-2 90,3-14 3186,-8 14-2806,-5-18-380,-1 25 0,-20-3-180,12 13 360,-34 1-90,28 8-90,-23 5 0,30 6-270,-9 24 243,20-15-63,-2 15-180,16-12 270,7-2-3367,13-1 3087,-4-11-657,24-21 757,-24-4 30,0-9 0,-1-5 60,-2-11 0,-9 7 0,-1 1 90,-2-5-180,-5-14 90,-4 30 0,-4-17 0,-1 25 0,-21-7 0,9 10 0,-14-1 360,-9 8-360,16 4 737,-19 1-557,27 5-180,-1-1 0,16 17 0,6-9-270,14 19-90,13-9 360,-6-2-270,-3-6 0,1-3 360,-1-3 159,12 3-428,-8-20 268,-11-1 1,19-29-180,-27 18 540,9-22 270,-34 3-720,9 11 90,-18-11-505,-1 9 505,1 14-207,-6-10 27,5 17 180,-1-3-180,3 11 180,3-2-630,8 25 540,9-9 82,11 8 0,5 2-712,10 9-656,-1-14 0,2-2 926,7 7 91,-3-13-377,-3-9 556,-3-1 1862,11-25-1952,-19 12 0,5-21 630,-17 16-360,0-5 1065,-13-16-255,-2 8 2376,-5-5-1965,-14 10-149,4 16-802,-8-2-180,10 12-630,10 14-1259,13-2-1568,18 27 0,-1-20 2177,3-1 0,1 0 650,4-2-719,2 7 630,-3-12 1,-4 2 0,-2-2-1</inkml:trace>
+  <inkml:trace contextRef="#ctx0" brushRef="#br2" timeOffset="473025">12114 18390 7713,'-5'0'1079,"1"0"-989,4 0 989,0 4-809,0-3 1079,0 3-719,4-4-180,1 0-90,4 0 1169,9 0-1259,-3 0 899,20 0-629,-5 4-450,-1-3 629,6 7-449,-23-7 450,14 8-361,-16-8-89,12 7-90,-15-7-720,18 3-179,-18-4-2558,15 0 887,-12 0 2390,4 0 0,-5-4 0,0-1 0</inkml:trace>
+  <inkml:trace contextRef="#ctx0" brushRef="#br2" timeOffset="475497">12160 18390 7533,'-4'13'539,"3"-3"-1168,-7 4 359,7-9 0,-7 7 90,7-10 540,-8 7-180,8-9 270,-3 0 89,0 0 1,3 0 449,-3 4-809,0-3 540,3 7-450,-3-7-180,4 3 90,0 0-1,0-3-538,0 4 359,4-10 270,-3 4-270,7-3 269,-3 4 811,9-4-810,-8-1-1,10 0-89,-14-4 0,11 8-360,-8-7 360,13 3-270,-7 0 90,2 1 90,0 0-180,1 3 90,2-8 90,6 8-90,-12-3 90,3 4-90,5-4 0,-7 3 90,11-3-180,-12 4 0,8 0 90,-12 0-90,11 0 90,-15 0 0,6 0-90,-8 0 90,0 0 0,0-4 0,0 3 0,-4-3-449,-1 4 449,-5-5-450,-11 4 450,8-3-270,-13 4 180,8 0-90,2 0 270,-14 0 90,18 0-90,-6 0-90,10 0 180,3 0-90,0 0 270,1 0 179,4 0-449,8 0 180,6 0-180,10 0 270,4 0-270,-8 0 180,1 0 89,-2 0-269,-3 0 270,14 0-180,-22 0-270,17 0-90,-23 0 90,6 0 90,-8 0-539,0 0-1,-4-4 180,3 3 180,-7-3-359,-6 0 359,-1-1-90,-4-1 90,-3-6 0,7 10 90,-4-10 180,-7 6-180,14 1 630,-10 1-450,17 4 180,1 0 449,4 0-449,16 8-90,-7-6 90,25 11 0,-22-12-91,18 7-89,-18-7 90,1 7-450,-5-7 91,-7 4-181,8-5 270,-8 4-360,-10-3 450,2 3-180,-10-4-90,-1-4 360,-10 3-180,6-3 0,-16 4 0,17 0 90,-2 4 90,5-3-180,5 7 180,6-3 180,-5 4 270,11 1-360,-3-1 0,4-4 449,4 4-359,1-4 450,13 4-360,-7 0-3303,11 1 3123,-12-5 0,4 3 0,-1-3-180,-3 4-90,4-3 270,-5-2-630,-4 0 270,3-3 180,-6 3 1503,6-4-3032,-3 0-1529,4-4 3058,1-1 0,-1-9 0,0 0 0</inkml:trace>
+  <inkml:trace contextRef="#ctx0" brushRef="#br2" timeOffset="478514">13174 17934 7533,'-4'9'1979,"-1"4"-1440,0-2-269,-3 6-90,2 2 270,-3 17-270,4-1 89,1-5 1,0 2-293,1-1 0,0 0 247,-1 8 1,-1 2-598,0 2 0,1 2 373,-1 0 0,0-1 90,3-8 0,-1 0-90,-1 13 0,0-2-450,3-1 45,-1-4 0,0-3-584,2-11 539,0 7-1349,0-17 662,4-8 1137,1-1 0,0-17 0,-1-7 0</inkml:trace>
+  <inkml:trace contextRef="#ctx0" brushRef="#br2" timeOffset="478950">13491 18017 7533,'0'-5'2878,"0"-3"-2428,-8 19-810,6-3 809,-10 13 1,-1 5 270,4 3-270,-17 15 179,8-8-269,-2-15-180,-3 10-270,-12 0 0,8-9 0,-3 2 0,-1 0 270,2-6-360,7-1 0,1 0 1,2-2-631,1-1 180,3 0 361,6-9-1,5-1 629,4-4 1081,0 0-811,4 0-359,1 0 630,17 4-451,7 5-269,1 2-491,1 2 581,-13-4 90,1 1-270,0 3 270,-1-2-219,9 6 129,2-2 90,4-1-360,-5-1-630,3 1-1439,-14-4 0,13 4-539,-19-9 1811,11-1 0,-12-4 1,4 0-1</inkml:trace>
+  <inkml:trace contextRef="#ctx0" brushRef="#br2" timeOffset="479610">13807 17859 7533,'0'10'1979,"0"7"-1620,0-1 811,-4 31-990,3-18 674,-4 11 1,-2 6-226,-2-1 1,-1 1-1245,2 5 1,0 1 674,-1-14 0,0 1 0,1-3-724,2-1 0,1-3 799,-1 0 0,-1-1 45,-2 11-827,3 4 647,0-19 0,0 1-90,5-2 0,0 1-360,-5 11 0,0-3 360,0-2-90,1 4 180,1-36-539,8 3 1729,1-8-831,13-5 1893,2-10-1802,8-5 0,12-8-540,-17 16 931,11-5-841,-7 12-90,-2 3-90,3-3 180,-6 9-719,-3 0 269,0 0-2248,17 0 1708,-11-4-1348,16-1 2338,-12-8 0,-1-2 0,-6-3 0</inkml:trace>
+  <inkml:trace contextRef="#ctx0" brushRef="#br2" timeOffset="480248">14402 17710 7533,'-4'14'3276,"-5"4"-2505,-2-2-1130,-2 6 179,4 0 360,-1-1 1619,1 27-1709,0-25 89,4 17 181,-4-5-90,6-1 0,1 4 224,-1 10 1,1 1-315,0-5 0,0-3-90,2-5 0,0-3-90,0 15-3277,4-7 2892,-3 7 385,7-9-433,2-3-467,4-5 270,5 9-359,3-20 179,2-2 810,4-13 0,-4-5 0,-1-5 0</inkml:trace>
+  <inkml:trace contextRef="#ctx0" brushRef="#br2" timeOffset="482516">14830 18222 7533,'0'9'90,"5"-3"-720,0-2 450,0-4 1259,3-4-539,-3 2-360,1-6 630,6-1-451,-2-6 361,5-7 719,2-14-989,-10 9-450,1-13 180,-8 25-540,-8-15 0,-3 13 180,-16-5-90,-18 4 91,-5 12-1,21 3 0,2 2 180,-2 2 90,13 15 90,16 8-90,0-2-180,4 8 180,-3-20-180,7 4-90,-3 3 180,5-6-180,7 11 270,-5-16-90,5 3 0,1-5 90,-7-3 90,15 7-180,-14-7 90,13 7-90,-9-2 0,2 3 0,0 8-180,-12 7 180,3 9 0,-9-4 0,0-2-90,-5 8 0,1-3 0,-1 0 0,-1 18-744,1-12 0,2-3 834,3-5-270,0 2 1,4 1-631,18 11 720,-9 6 0,21-20 90,-14-23 360,-1-3-180,-1-9 450,0-17-360,-11 9 1667,9-25-1757,-10 21 90,-1-14-3302,3-9 3302,-7 12-540,3-12 90,-4 9-180,-16-2 361,3 11-1,-18-2 90,7 23-180,-20-4 90,16 10 450,-11 0 269,12 16-449,6-8 270,-6 17-360,17-19 0,2 7 0,8-9-90,0-4 3276,0-1-2891,0-4 245,16-4-630,-8-1 360,18 0 90,-3-8-360,-2 7 90,6-7 269,8-1-1528,-8 4 989,5 1-1079,-6 0 989,-15 4-90,7 0-1529,-9-3 1799,0 3 0,0-9 0,1 0 0</inkml:trace>
+  <inkml:trace contextRef="#ctx0" brushRef="#br2" timeOffset="483206">15221 17906 7533,'-4'5'719,"3"3"-539,-3-3 270,0 9-270,3-4 0,-7 8 539,3 4 181,-5 24-586,7-14 1,1 2-360,-1 6 0,2 1-607,3-3 0,0-1 562,-1 15 180,7-13-990,2 1-1348,8-3 2248,6 0 0,0-20 0,-1-12 0</inkml:trace>
+  <inkml:trace contextRef="#ctx0" brushRef="#br2" timeOffset="483901">15408 17943 7533,'-6'14'2878,"2"0"-2608,0-9-270,3 7 540,-3-5-181,8 2 1,5-1-180,2-3 180,6 1 90,-2-2-1,8 0-89,-8-3-180,3 3-450,-1-4-180,7 4-359,1 1 719,-2 5-899,-10 3-2288,-8 10 2352,-5-3-1660,-13 20 2496,1-23-725,-18 22 814,18-27-180,-10 10 0,13-13 90,-9 8 2959,7-1-2779,-2-2 540,4-1-270,8-8 2494,-3 0-2315,4 3-179,4-6-180,2 2 347,3-4 283,13 0-180,2 0-630,1 0 0,1 0 90,-16 0-990,12-4 450,-11 2-1529,15-2 90,-6-8 720,0 5 540,-3-11 629,-12 5 0,3-2 0,-3-3 0</inkml:trace>
+  <inkml:trace contextRef="#ctx0" brushRef="#br2" timeOffset="484131">15807 17980 7533,'5'5'2788,"-1"-1"1,1-4-5668,0 0 2339,0 0 540,3 0-809,2 13 629,-4-10-809,6 18 539,-11-19 270,3 10 0,-4-7-540,0 9 720,0-8 0,0 6 0,0-7 0</inkml:trace>
+  <inkml:trace contextRef="#ctx0" brushRef="#br2" timeOffset="484299">15854 18194 7533,'5'33'3276,"-1"-5"-3404,-4-5-322,-4-5 270,3 1-899,-7 20 539,7-11-719,-4 8 0,5-18 1259,0-13 0,5-5 0,0-5 0</inkml:trace>
+  <inkml:trace contextRef="#ctx0" brushRef="#br2" timeOffset="484518">16124 17915 7533,'0'0'0</inkml:trace>
+  <inkml:trace contextRef="#ctx0" brushRef="#br2" timeOffset="485019">16105 17924 6004,'-9'-9'0</inkml:trace>
+  <inkml:trace contextRef="#ctx0" brushRef="#br2" timeOffset="485417">16086 17915 7533,'0'39'809,"-4"-8"-269,3-5-450,-3-9 90,0 18-270,3-6 450,-3 8-3637,8-12 2392,-3 1 1745,3-12-501,4 9-179,-1-8-270,14 11 180,-9-14-270,18 9 180,-18-10-90,22-2 90,-21-5-90,8-4-89,-7-4 3455,-4-5-3250,8-10 243,-8-1 91,4-15 180,-5 18-270,-4-13 180,3 7-181,-7 2 91,3-1-3572,-4 0 3302,0 6 270,0-6-810,-8 3-90,-10-4 450,1 8-359,-21-11 179,24 15 360,-16-3 0,16 6-180,-1 7 270,2-3 3032,-1 4-4022,0 12-899,4 8 1170,1-4 179,9 5-630,0-20 877,0 3 1,0 0 0,0 1 0</inkml:trace>
+  <inkml:trace contextRef="#ctx0" brushRef="#br2" timeOffset="485735">16254 17701 7982,'-5'0'-1529,"1"4"2968,-1 6-539,4 0-360,-3 7 269,4 2-449,-4 1 450,3 19-631,-3-16-1695,3 8 0,2 2 1786,-1-3-450,0-5 0,0 3-1035,0 16 945,0-8 0,0 10 180,0-16 0,0 1 0,0-1 1,0 0 89,0-1 0,0 0-1218,-1 7 0,2-3 948,3-10 1896,-3 13-2795,7-15 1169,2-5 0,0-2 0,4-5 0</inkml:trace>
+  <inkml:trace contextRef="#ctx0" brushRef="#br2" timeOffset="486064">16440 17785 7533,'15'4'3276,"2"5"-975,2 31-1762,1-3-449,-11-13 0,0 2 180,2 5 0,0-1 0,0 9-1713,-4-12 1,0-1 1622,1 11-2021,-7-9 1841,3 5 180,0-1 0,-3 1-90,2-5 0,-2 2-1169,-5 16 769,2-18 1,-1-1 219,-6 5-3148,-13-5 3238,5-12 0,-13 3 0,6-9 0</inkml:trace>
+  <inkml:trace contextRef="#ctx0" brushRef="#br2" timeOffset="486720">16813 17841 7533,'0'27'2518,"-5"-11"-2248,4 10-720,-3 1 450,4-1-90,0 10 450,0-6 0,0 1-270,0 5-569,2 3 0,0-1 389,-1-6 90,8 17-540,-4 1 810,0-17-1281,3 10 1011,-7-24-1439,8-1 720,-8-3 941,3-6 1,0-5 0,1-4 0</inkml:trace>
+  <inkml:trace contextRef="#ctx0" brushRef="#br2" timeOffset="487007">17055 17692 7533,'0'24'3276,"0"-2"-1965,-5-3-951,4 8 1079,-7 6-1169,7-6 0,1 1-270,-4 13-758,4-8 0,0-1 668,0 4 456,0 14-546,0-13 0,0 0-496,4 10 721,-4-10 0,1 0-855,7 9 720,-7-11-1549,4-4 1,-1-1 150,-3-1-151,3-1 1,0 0 1556,-3-11 1,3 9 0,-4-17 0</inkml:trace>
+  <inkml:trace contextRef="#ctx0" brushRef="#br2" timeOffset="488567">17194 17915 7533,'5'0'3148,"7"-4"-2878,-10 3 0,15-7-270,-15 7-270,18-4 180,-17 5-90,18-4 270,-15 3 0,8-11-90,-5 10 90,-4-11 0,4 4-270,-8-1 0,7-4 90,-7 5-90,7 0 180,-7 4-90,3 0 90,-4 5 0,0 5 0,0 8 90,0 2 180,0 25-270,0-8 0,0 0 0,0 13-736,0-10 0,0-1 826,4-6-90,-3 6-127,5-3 1,1 3 261,-4-6 0,0 1 0,2 6 0,-1 0-90,-1-7 0,-2-2-135,4 11 90,-5-2 0,1 0-450,3 2 225,-4 5 0,0-3-674,0-20-361,0 24 811,0-32 179,0 3 1264,0-6-1264,0-7 731,4 3-821,-3-8-460,3-5 1,0-10 0,1-5 0</inkml:trace>
+  <inkml:trace contextRef="#ctx0" brushRef="#br2" timeOffset="488883">17426 17962 7533,'5'5'3276,"-1"-1"-2954,-4-4-232,0 0-90,5 0 989,4 0-809,-3 0 0,6 0-360,-6 4 180,3 1 540,0 9-360,-4-4-270,0-1 629,-1 12-539,-3-9 270,3 24-270,-4-3 0,0-3 0,-4 0-270,-1 2 90,-5-7-3097,-20 16 528,12-25 1759,-18-3 990,26-19 0,-2-7 0,6-1 0</inkml:trace>
+  <inkml:trace contextRef="#ctx0" brushRef="#br2" timeOffset="489185">17715 17673 7533,'5'0'1889,"-1"0"-2339,-4 4-90,0 10 2159,-8 22-1529,1-8 405,1-2 0,-1 0 224,-2 3-449,4 9 0,0-10-180,5-1-180,0-8 180,0 20 180,0-12-540,5 14 90,4-5-360,5-2 360,5 3-899,-5-9-1080,8-1 1440,-10-16 269,5 6 450,1-16 0,-7-1 0,7-5 0</inkml:trace>
+  <inkml:trace contextRef="#ctx0" brushRef="#br2" timeOffset="490514">17901 17878 8702,'9'-4'1889,"-4"3"-1529,4-3 359,-4 4 721,17-5-1081,2 4-359,1-3 180,-3 4-270,-9 0 90,-2 0-629,6 0 359,-6 0 0,-2 0 180,-5 0-90,0 0 180,-3 4-90,3 6 0,-8 4-90,-1 9 0,-8-3-539,2 2 269,-2-7-1079,-13 23 1169,13-22 90,-13 18-90,16-17 181,1-5-1,4 9 360,1-15 269,4 7-179,0-12-180,4 3 1349,5-4-449,6 0 179,3 0-90,9 0-719,-2 4-540,-1-3 270,-2 3-180,-8-4 180,-4 4 90,7-3-1529,-11 4-450,8-5 810,-9 0 989,-1-13 0,0-2 0,1-13 0</inkml:trace>
+  <inkml:trace contextRef="#ctx0" brushRef="#br2" timeOffset="490799">18301 17757 7533,'11'10'0,"-3"3"2608,-4-12-1618,1 11-271,4-10 91,1 15-1170,-1-11 360,0 3 90,-4-1-2069,0-7 1979,-5 4 0,-5-10 0,0 0 0</inkml:trace>
+  <inkml:trace contextRef="#ctx0" brushRef="#br2" timeOffset="490998">18348 17999 7533,'0'34'3058,"0"-7"-1979,0-10-4356,-4 35 2417,-2-20-779,4-3 1,-1-1 589,-1-9-870,0-6 1919,3 0 0,-7-2 0,2 2 0</inkml:trace>
+  <inkml:trace contextRef="#ctx0" brushRef="#br2" timeOffset="492283">18636 17748 7533,'0'9'1169,"0"0"-449,0-4-1620,0 0 630,-4-1-179,3 1 179,-3 8 540,0-2-3547,3 6 3341,-3-7 206,4 4 90,0-1 90,-4-2 0,2 15 89,-2-14-179,4 10 0,0-9-90,0 2 2762,0-1-3122,0-5 0,0 0-90,0-8 90,0 7-180,0-3 180,0 0 90,4-1 360,-2 5-450,2-7 720,0 14-630,-3-10 270,3 4-90,0 2-1,-3-2-268,3 1 178,0-3 1,-3-4-180,4-3-269,-1 8 359,-3-4 0,7 0 0,-3 3 0,5-3 270,-2 0-270,2 4 89,3-8-89,-7 3 0,6-4 0,-2 0 90,12-17 0,-5 5-180,1-15 90,-6 0-90,-6-6 180,8-13-359,-5 11 269,-4-5 0,-1 21-270,-3-11 0,-2 0 270,-3 2-45,2 0 0,-1 0-225,-11 1 0,4 11 180,-7-6 0,2 8 90,1 4-269,-12-3 179,13 7-450,-20 6 450,20 6 0,-4 3 0,9 4 180,3-2-90,-5 10 270,1-1-360,0 0 180,3-3 0,2-7-90,0-1 90,3 0 90,-3 0-180,4 1 269,4-1-89,-3-4-90,7 3 450,6 2-270,-3 0 180,7 4-181,-9-5-89,1-4 360,3 3-360,-3-7 0,3 3 0,0-4-90,-2 0-630,2 0 450,-4 0-1889,-3-4 1979,2-5 0,-7-1 0,3-4 0</inkml:trace>
+  <inkml:trace contextRef="#ctx0" brushRef="#br2" timeOffset="492986">19026 17534 7533,'5'9'1979,"-4"0"-1530,3-4-269,0 4-270,-3 0 810,7 5 89,-3 13-809,1-10 180,2 9 270,-3-8-270,4 2 0,-4 3-90,8 4 0,-7 2 180,12 8-1,-8 0-269,3 4-269,-3 10 89,-5-15-1260,-1 12 1440,-25-19 0,4 0 0,-19-3 0</inkml:trace>
+  <inkml:trace contextRef="#ctx0" brushRef="#br2" timeOffset="494351">19343 17348 7533,'0'5'1709,"0"3"-1529,0-7 539,4 7-359,-3-7-360,3 4 90,0 3 90,2-2 0,7 12 90,-3-8-91,4 3-89,-5 1 90,5 4-90,0 2 90,1 3 90,2 4-360,-7-3 225,1 3 0,0-1-45,1 3-45,-4-3 0,1 0 135,5 11-90,-4-2-1651,3 2 0,0 0 1650,-1-1-134,-3-6 1,0 1 133,-1 1-44,-7-4 0,-1 2-135,4 13-1044,-3-14 0,-2 0 954,1 7 0,-8 5-540,-8-4 1,-3-1 314,5-13 1,-1-1 904,-7 8 0,-1-4-500,-4-8 0,4-8 0,-5 3 0</inkml:trace>
+  <inkml:trace contextRef="#ctx0" brushRef="#br2" timeOffset="605989">19036 9097 7533,'-21'27'2069,"4"-6"-1710,17 6-3636,0 0 1434,0-3 2023,0 8 429,0-4-249,-4 4 890,3-3-1160,-4 2 0,-2 3 0,-4 5 0,-1 0-203,2-2 1,-2 1-158,-2 1 0,-4 2 0,3-5 2900,-8 11-3125,1-2 0,1-3 46,8-15 762,-7 3 1,14-29-1,-3-2 1</inkml:trace>
+  <inkml:trace contextRef="#ctx0" brushRef="#br2" timeOffset="606437">19222 9014 7533,'-1'-6'3276,"2"2"-1965,8 4-1401,1 4-180,3 22 270,-7-7 90,7 20 270,-12-3-180,3-5 0,-4 10 0,0 3 90,0-12-360,0 3 0,0-1-823,0-4 733,0 18 90,0-29 90,0-5 180,0-1-720,12-3 360,-5-5 91,15-1-181,1-12-270,-7-3 135,4-7 0,-1-3-44,-2-7 134,1-4 0,-1-1 45,-1 0 90,-5 5 0,0-1 630,-1-9-450,4 4 540,-5-1-270,0 19 1092,0-1-1272,-3 11 1439,2 31-359,-7 24-1081,1-12 1,0 2-158,-3-4 0,-2-2 158,1-3 0,-1-3 270,-2 11-91,-2-4 1,1 2-270,0 5-1314,-1 8 1,1 0 1223,0-13-1231,4 5 1,0 0 691,2-12 359,0 10 90,4-22-2038,2-10 959,-1 5 1259,3-11 0,-3-1 0,4-5 0</inkml:trace>
+  <inkml:trace contextRef="#ctx0" brushRef="#br2" timeOffset="608195">19725 9599 7533,'-11'-14'-180,"3"0"540,8 5-91,0 4 181,0-4-90,0 8 0,0-3-180,4 4 989,1 0-809,1 0-90,2 0 449,-7 0-269,7 4 360,10-3-631,-6 8 1,10-8-719,-5 3 629,-5-4-450,5 0 270,1 0 180,-7 0-3059,15 0 2969,-14 0 0,5-8 0,-8-3 0</inkml:trace>
+  <inkml:trace contextRef="#ctx0" brushRef="#br2" timeOffset="608635">20338 9488 7533,'29'-29'3058,"-6"6"-2518,-10 10-181,-7 8 811,-15-4-990,-2 8-270,-24-3 180,13 4-360,-9 2 0,-2 0-719,-14 8 899,20-6 0,1 2-450,-8 8-180,21 3 361,7-1-1,6 6 360,10-7-90,13 2-90,21-3 450,-20-4 0,1-1-180,6 0 0,-1 0 449,17 10-1036,-15-4 677,-14 2 120,-4 2 149,-9 13 1,-9 6-360,-7 0 90,-7-2 45,-9-7 0,-2-1-135,9-8 0,0 0-914,-16 8 0,1-3-255,-4-2 536,8-14 543,12-5 0,6-16 0,3-3 0</inkml:trace>
+  <inkml:trace contextRef="#ctx0" brushRef="#br2" timeOffset="608841">20785 9246 7533,'0'35'2608,"0"-12"-2518,-3 8 0,-2 2-270,-6 1 585,5-8 1,-2 2 178,-3-1 1,0-2 225,-4 13-586,5-12 1,1 1 90,0 0 0,1 0-765,0 5 0,1 2-854,-3 4 0,1 0 584,4-6 1,0-2 403,-3 15 0,4-31 1,-2-5-1</inkml:trace>
+  <inkml:trace contextRef="#ctx0" brushRef="#br2" timeOffset="609036">20469 9488 7533,'-7'10'2338,"8"3"-1078,18-12-541,21 7-539,-16-7-90,23 3 90,-23-4-90,14 0 90,-1-4-2570,4-1 2120,-11 0 90,5 1 180,-15 4 0,7-5 0,-3 0 0</inkml:trace>
+  <inkml:trace contextRef="#ctx0" brushRef="#br2" timeOffset="609392">20962 9618 7533,'-6'23'1079,"7"-4"-1259,26-6 0,-10-7 0,9-2 270,-8-4-270,1-9 1530,13-9-811,1-7-179,1-15-450,-11 14 90,-5-5 270,-9 9-180,-4 2-450,-13-15 90,-11 9 1,-10-2 89,1 15-90,-3 17 180,6 10 0,1 6 540,6 3-270,9 0-91,0-4 451,4 16-360,0-9 540,10 22-451,4-21-89,1 4 0,16-13-232,-9-12 322,10 2-629,4-12-451,7-5 495,-10-2 0,0-1-239,12-9-1065,4-6 810,-21 9 809,9-13 0,-7 5 0,2-10 0</inkml:trace>
+  <inkml:trace contextRef="#ctx0" brushRef="#br2" timeOffset="609603">21530 9293 7533,'0'18'3276,"0"17"-2171,-4-8 1,0 2-882,-1 3 1,-1 0-541,-3 7 0,0-1 450,-1-3 1,1-1-534,-1 4 1,1-1 488,2-7 0,0-1-90,2 2 0,1 0 90,-1-1 0,1-1-360,-1 17 270,2-17 0,1 0 0,-1-2 0,2 0-524,0 2 0,2 0 344,-1 20-1259,4-5 629,-3-26 360,7-7-1169,2-3 1619,0-20 0,3-8 0,-3-13 0</inkml:trace>
+  <inkml:trace contextRef="#ctx0" brushRef="#br2" timeOffset="609964">21642 9348 7533,'17'-18'3276,"6"3"-2325,-2 6-951,0 5 0,-15 4 90,2 4 90,-3 1 90,4 5-90,1-1 360,7 4-361,-5-2-268,9 10 358,-14-9-179,1 9-180,-4-2 180,-3-3-90,3 1-90,-4-3 270,-4 4-270,3-2 0,-7 5 90,3-11 270,-5 12-180,-3-7 90,-2 8-360,1-8-360,-20 10 1,19-12 269,-14 4 90,19-13-270,-3 1 90,7-4-179,-15 3-451,6-8-269,-5 3 629,3-8 271,11 8 359,2-7 0,4 3 0,0-4 0</inkml:trace>
+  <inkml:trace contextRef="#ctx0" brushRef="#br2" timeOffset="610256">22404 9116 7533,'-5'8'3276,"1"-2"-436,8 16-2480,-3-11-90,3 11 0,0-3-90,1-4-1620,5 7 1261,-1-12-2610,4 4 2789,-2-5 0,-2-4 0,-5-1 0</inkml:trace>
+  <inkml:trace contextRef="#ctx0" brushRef="#br2" timeOffset="610390">22330 9469 7533,'-10'20'3276,"5"6"-1065,5-11-1492,5 3-1978,9-4 1259,-4-5 0,3-4 0,-3-1 0</inkml:trace>
+  <inkml:trace contextRef="#ctx0" brushRef="#br2" timeOffset="611686">20320 10259 7533,'-10'-4'0,"1"-1"2428,-4-4-1618,-2 4-360,-8 1 89,-5 12-359,0-2 0,0 7 90,-3 5-90,6-2 0,-2 6-180,0 9 270,7 8-270,9-10 0,3 6 89,4 14 1,3 2-820,2-6 1,3 1 699,1-10 0,2 2 0,0-4 30,0-2 0,1-2-90,6 15 0,-2 1-1549,-5 3 1,-2-2 1133,2-5 0,-1-1 325,-2 2 0,-4-4-1789,-4 5 1340,-1-16 269,-8 16-2917,-10-17 3266,-2-6 1,-11 1-1,3-13 1</inkml:trace>
+  <inkml:trace contextRef="#ctx0" brushRef="#br2" timeOffset="611871">19771 10678 7533,'9'-9'2428,"21"-5"-359,18 8-1619,-1-2-1174,-14 7 1,-1 2 183,-1-1-854,7 0 0,1 0 944,-1 0 450,-5 0 0,-2 0 0,-3 0 0,0 0 0</inkml:trace>
+  <inkml:trace contextRef="#ctx0" brushRef="#br2" timeOffset="612055">20571 10650 7533,'-25'46'180,"8"-15"-720,8 0 450,4-5 719,0 0 1,1 1-270,-1 14-1251,2-12 0,1-2 802,2-4 89,0-8 0,5 2 0,0-2 0</inkml:trace>
+  <inkml:trace contextRef="#ctx0" brushRef="#br2" timeOffset="612253">20664 10446 7533,'-5'5'1619,"9"7"-1529,2 7-180,4-3 629,-10 18-2248,-2-13 1709,-2 3 0,4-7 0,0-7 0</inkml:trace>
+  <inkml:trace contextRef="#ctx0" brushRef="#br2" timeOffset="612456">20776 10539 7533,'24'37'1638,"-6"-6"0,-1 0 1638,0 4-2954,0-3 0,0 0-143,7 6 46,-8-14 0,1 0-466,1 1 1,2 0 150,0-2 0,1 1-405,6 8 0,1-1 270,-10-11 1,1-2 123,5 5 0,0-2-1608,3 0 1709,19-9 0,-10 1 0,9-9 0</inkml:trace>
+  <inkml:trace contextRef="#ctx0" brushRef="#br2" timeOffset="612655">21223 10725 7533,'-30'12'1619,"-13"8"-1215,26 0 1,0 1-2008,-18 10 2053,15-11 0,1-1 414,-5 5-819,-2-2 0,-1 1-45,-3 4-315,-1-3 0,2 0-399,11-3 984,-7 1-983,19-4 0,-2-4 1,3 5-1</inkml:trace>
+  <inkml:trace contextRef="#ctx0" brushRef="#br2" timeOffset="613055">21372 10901 7533,'9'-8'-990,"4"6"1890,-2-6-630,-2 8 269,-5 0 1,-4 0-540,0-9 0,0-1 0,0-9 0</inkml:trace>
+  <inkml:trace contextRef="#ctx0" brushRef="#br2" timeOffset="614477">22181 10790 0,'9'-9'0,"4"-1"2952,2-9-1873,8-7-809,-8 1 180,7-7 179,-4-9 1140,-2 10-1499,-4 0 0,-2-3-135,-4 5 0,-2-1-135,-3 3 0,-1 0 859,-2-21-949,-20 25 3366,-10 0-2980,-11 11-26,3 5-180,-3 29-45,23-3 0,3 3 45,-10 15-513,7-8 0,2-1 333,6-2 90,-1 5-450,9-4 270,4-7-270,20 24 990,23-17-315,-19-13 0,2 0-297,2-5 0,-1-2 342,9-2 737,-12 5-2266,-1 36 494,-26-15 0,-4 2 450,-1 11 1,-2-1 224,-4-7 0,-2-2-90,-4-2 0,2-3 0,5 2 540,-8 14-180,11-16-90,5-5 0,1-7-90,16-12 342,-4-5-432,22-9 90,-10-22 270,8-12-270,-13 2 180,-7-2-739,-8 23 559,-4-3 0,-22-8-135,0 12 0,-4 0 90,-8 1 0,-1 1 180,8 2 0,2 3-145,-1 8 1,5 4 278,13 5-89,-5 5-90,8 3 632,3-3-542,2 4 360,17-1-270,-2-2-180,16-2 450,-3-5-271,8-4-1362,-2 0 0,2 0 1363,8 0-135,-9-2 0,-1 0 563,11-3-338,-10-5-180,9 5-112,-12-1 0,1 0-338,-1 1 0,0-1 270,1 1 0,0 0-3277,18-7 3196,-31 11 1,1-4 0,-7 5 0</inkml:trace>
+  <inkml:trace contextRef="#ctx0" brushRef="#br2" timeOffset="615988">22804 11180 8162,'-9'5'810,"4"0"179,-8 8-809,7-3-180,-7 4 90,-1 3-360,4-1 180,-8 15-1349,12-10 1439,-6 6 0,7-9 0,-5 1 0</inkml:trace>
+  <inkml:trace contextRef="#ctx0" brushRef="#br2" timeOffset="617719">23437 10511 7533,'-11'0'270,"3"0"-630,4 4 1799,-1 9-270,-9 15-989,4-6 0,-4 8-90,9-20 0,-3 8 90,7-4 270,-12 30 89,7 5-449,1-22 0,1 0 0,0 22-180,12-1-360,23-7 450,-3-2-874,12-19 604,0-24 45,-13-4 0,2-1 135,18-8-1386,-4-5 1,-4-3 1475,-9-3-672,3-5 0,-2 1 942,-12 3-164,-4-14 0,-9-3-61,-17 20 0,-4 1-90,5-12 0,-3 1 90,-8 13 0,-3 5-495,-16-9 270,13 12-1826,-21 2 1646,31 8 735,-22 18 0,27-2 0,-10 12 1</inkml:trace>
+  <inkml:trace contextRef="#ctx0" brushRef="#br2" timeOffset="617954">23772 10222 7533,'-11'-15'539,"3"6"-629,8 19 90,-8 4 450,2 5 599,-7 15 1,-3 12-1,2-4-464,6-12 0,0 1-1378,-4 8 0,-2 9 0,0 0 0,3-7 972,3-7 1,-1 0-30,-2 8 0,-3 5 0,0-1-680,2-6 1,1-2-1,0 1 500,0 1 0,-1-1 0,1 3-122,0-4 0,0 2 1,0-1-1,0-3 0,-2 9 1,0-1-1,1-4 1,0 0-1,0 1 0</inkml:trace>
+  <inkml:trace contextRef="#ctx0" brushRef="#br2" timeOffset="622055">24200 11208 7533,'9'-15'359,"-4"2"721,-1 22 1259,-24 26-1845,6-13 1,-2 1-90,-12 15 0,-4 2-2044,-3-2 1,-1-1 341,7-5 0,0-1 1297,-1 3 0,2-2 0,6-10 0,2 0 0,-1 3 0,0 0 0</inkml:trace>
+  <inkml:trace contextRef="#ctx0" brushRef="#br2" timeOffset="623787">19995 12250 7533,'21'-8'629,"0"2"-1078,15-16 359,-11 6 180,10-15 0,-18 7-72,8-4 522,-2-12-290,-7 17 1,1-1-71,4-13-90,-4 11 0,-5 1 72,-10 4-162,7-2 180,-9 5 90,-9 9-323,-9-1-37,-15 9 1,-1 2 89,-2 13 179,4 4-179,-1 15-591,4 9 591,6 1 225,16-6 0,5 1-180,5-10 0,2 1 45,1 10 0,4-1-90,4-11 0,4-2 0,2-1 0,1-3-180,10 4 6,-4-12 0,2-4 174,7-8 0,6-6 0,-11-10 0</inkml:trace>
+  <inkml:trace contextRef="#ctx0" brushRef="#br2" timeOffset="624092">20645 11971 7358,'-33'5'1439,"-15"12"-630,-1 2-719,5 6 177,4-2 183,18 3-180,6-10-720,3 7-60,25-5 240,17-8 90,19-1-90,-9-5 0,13 5-75,-26 1 435,6 9-226,-18 3 586,-10-6-180,-8 6-180,-1-12 360,-4 7-91,-9 2-89,2-3-360,-2 1 90,-8-3-1349,5-4 90,-11-1 1259,17-5 0,-2-8 0,12-1 0</inkml:trace>
+  <inkml:trace contextRef="#ctx0" brushRef="#br2" timeOffset="624290">20748 11990 7533,'22'-9'1529,"-6"7"-1529,15-6 540,-11 20 89,-6 12-359,-8 5 0,-4 1-180,-2 9-311,0-8 0,0-2 131,0 4 180,0-3-90,0 1-90,0-12-900,5 4 451,-4-8 269,7 3 270,-7-9 0,7-4 0,-3-1 0</inkml:trace>
+  <inkml:trace contextRef="#ctx0" brushRef="#br2" timeOffset="624470">20748 12018 7533,'0'-6'1799,"4"2"-360,5 13-630,18 1-629,-9 4 0,16 0-450,-19-9 180,25-1 0,7-4-270,-20-4 1,0 0-91,20-2 326,-20-8 0,-14 1 0,-4-2 0</inkml:trace>
+  <inkml:trace contextRef="#ctx0" brushRef="#br2" timeOffset="624669">21195 12008 8342,'4'10'-270,"-3"15"540,3-3-270,-8 10 0,3 3 0,-3-17 0,4 8 0,0-17-90,4 0-90,-3-4 180,7 0 0,-3-5 0,5 0 0</inkml:trace>
+  <inkml:trace contextRef="#ctx0" brushRef="#br2" timeOffset="625576">21399 11645 7533,'0'6'3276,"17"6"-3674,-9 3 308,10 4-540,-18 8 271,-9 5-181,-2-6-135,4 0 1,1 0 44,-4 1 405,7 0 0,1-1-44,-2-4 89,4 4 629,0-13-449,0-2 450,4 2-180,1-4-270,5 1 90,-1 3-90,-4-3 90,4 8-180,-4 1 90,0 0 270,3 20-90,-7-12 359,7 9-359,-7-17 450,4-10-630,-1-4 0,1-18-1395,7-14 1,2-3 1125,-1-4-1370,0 0 1,0 4 1433,1 16 16,-4 0 189,3 9 720,5 1-451,-7 4-179,7 4 1260,-9 14-2837,0-2 1937,-3 15 2826,2 14-838,-7-12-2429,7 11 81,-7-29 0,3-3-2609,8-15 630,4-2 1170,7-6 269,-4-2 3572,-1 4-3752,8-9 1440,0 3 719,15 4-1259,-25 8 90,5 12 179,-16 9-359,4-3-1169,13 12-271,24-15 1171,0-12 358,-15-4 1,-3-4-180,1-10 360,-7 4 359,-13 1-449,-4 3-450,-1-8-180,-4 4 91,-4-9-1,-5 3 90,-1-3-180,-8 5 180,3 3 180,-3 6 90,3 5-270,2 8 1169,4 5-809,-1 2 450,1 14-900,4-4 0,1 7 270,4-13-540,0-3 90,4-7 90,5 0 1,10-1 269,0-4-180,0 0 180,3-8 0,-3-2-630,9-9 270,-8 1-449,10-9 449,-18 10 90,10 0 180,-13 8 180,1 8 450,-1-7-180,-4 7-271,3 1 541,-6 1-180,6 11-270,-7-9 270,3 9 179,0-11-359,-3 3-270,12-20 0,-7 3 0,7-14 0</inkml:trace>
+  <inkml:trace contextRef="#ctx0" brushRef="#br2" timeOffset="625773">22413 11552 7533,'24'45'2158,"-9"-9"-1573,-9 6 0,-4 3-716,-6-14 1,0 1 310,1 16 0,-1-1-1819,-2-17 1,-1-2 1527,4-2 1,1 2-213,-2 7 1,-1 0 412,0 6-563,1-3 0,-1-2-337,0-10-1618,-8 17 1438,7-26 1020,-11 5 1,-2-22 0,-5-5 0</inkml:trace>
+  <inkml:trace contextRef="#ctx0" brushRef="#br2" timeOffset="626227">22134 11897 7533,'18'4'3276,"26"-3"-1965,-14 3-2950,6-5 1,0-2-1639,-2-2 2911,15-1 66,-4 2-1858,6 4 1618,-13 4 1040,4 2-500,-27 7 0,-1 6 0,0 4 0,-9 1 3276,-1-5-3071,0 11 1055,-3-13-181,7 19-719,-3-17 1349,13 8-1259,-2-11-540,19 1 90,-14-12-90,10-1 540,-4-12-630,-10-2-270,17-21 270,-22 9 90,6-5-180,-14 6 360,-8 1 180,-18-12-270,5 15 0,-18-3 0,15 19 90,1-4 180,2 10-180,6 0 809,2 25-629,5-12 540,4 22-91,8-8 91,7 2-91,13 3-1258,-4-13-286,3-7 825,-4-12 0,-3 4-2249,19-8 540,0 3 1709,-5-11 0,1-3 0,-8 3 0,0-2 0,5-7 0,-1 0 0</inkml:trace>
+  <inkml:trace contextRef="#ctx0" brushRef="#br2" timeOffset="627436">23511 11925 7533,'-5'-5'-90,"-3"4"1889,2-3-360,-7 13-989,3-3-181,0 7 721,-2 9-720,10-6-180,-11 11 270,8 8-181,0-4-269,2 5 1,2 3 223,0-11 1,2 1 0,5 22 0,0 0-90,-5-23 0,1-2-436,6 6 0,1-3 301,-4-7 180,9-7-90,4-2 90,6-7 0,25-19-180,-16 1 135,-9-2 0,0-3-135,-3-1 0,-1 0-90,11-13 315,-2-3 0,-1-2-225,-1-3 539,-7-4 1,0-10 0,-4 8-2880,-1-3 2370,-7 12 0,1-5 0,-6 8 60,-8 10-485,-16-18 305,4 10 180,0 9 0,-1 0-630,-3-3 360,-6 2-269,0 10-91,-6 8 630,3 5-229,-1 9 139,13 1 0,-9 16 180,6-9 2992,-2 9-2992,2 1-180,9-6 180,-9 18-90,14-17 450,-1 13-450,8-19 1167,17 5-807,-1-6-45,10-7 0,1-2-135,2 8-46,1-11 1,0-1 135,-3 2-180,9-4-360,-1 0 91,-13 0-2880,21 0 3059,-25-4 0,12-1 0,-16-5 0</inkml:trace>
+  <inkml:trace contextRef="#ctx0" brushRef="#br2" timeOffset="631262">18812 13013 7533,'-31'4'629,"2"5"541,24 14-990,-4-6-1,0 8 1,3-14-90,-2 6 90,7-6 180,-11 19-360,10-17 90,-10 21 270,11-18-270,-7 6 269,3 14-89,-9 7-360,4-3 90,-1-11 0,0-2 0,-5 4-180,-2 2 180,0-7-89,8-12 89,1 1-90,5-6 90,4-5 449,4-4-449,1 0 720,17 0-450,-6 0 269,31 0-269,-19 0 0,20 0-489,-19 0 489,12-4-91,5 3-44,-19-3 0,-1 0-1431,17 3 1296,-3-3 180,8 0-90,-18 3-1475,1-4 0,-2 1 1475,-7 3-1292,30-3 1022,-33 0 243,24-5 0,-36-6 0,5-3 0</inkml:trace>
+  <inkml:trace contextRef="#ctx0" brushRef="#br2" timeOffset="631502">18859 12659 7533,'-10'-33'1079,"1"5"-269,9 6-91,9-1-359,-3 7 90,7 3-270,-4 9 269,13 4 451,11 29-540,2-5-360,-14-2 0,-1 1-3277,12 9 2352,-7-16 475,-3 0-1528,0-15 988,-6 3 990,6 0 0,-7-3 0,-2 4 0</inkml:trace>
+  <inkml:trace contextRef="#ctx0" brushRef="#br2" timeOffset="631721">18803 13134 7533,'-27'5'3276,"20"-5"-975,36-1-1672,1-3-179,1 4 359,0 0-629,-5 0 0,10 0-540,-11 0 1,3 0-1280,3 0 1,1 0 174,0 0 1,0 0 1463,0-2 0,-2 0 0,7-4 0,0-3 0</inkml:trace>
+  <inkml:trace contextRef="#ctx0" brushRef="#br2" timeOffset="631973">19464 13125 7533,'-13'5'3276,"6"-1"-2415,-1-4-51,12 4-630,-3 1-180,8 0 360,0 8-91,5-11-89,5 6-899,0-8 449,-1 0-1619,26-4 1259,-20 3 271,24-3 359,-16 0 0,-2-2 0,6-3 0</inkml:trace>
+  <inkml:trace contextRef="#ctx0" brushRef="#br2" timeOffset="632486">18924 12594 7533,'-34'15'1349,"7"-2"-989,18-4-360,-4 5 0,11-4 539,-18 29-449,12-3-90,-5 11 90,5-2 0,3-12 0,0 0 0,-5 12-135,3-12 0,0 0 45,-2 12-1205,4-18 845,-3 8-1349,7-4 1709,-3-18 0,-1 12 0,0-20 0</inkml:trace>
+  <inkml:trace contextRef="#ctx0" brushRef="#br2" timeOffset="633308">20264 13078 7533,'-10'0'-450,"5"-4"1080,-15-5 359,7-2-179,-13 2-541,11 5 451,-10 4-270,0 0-270,-4 0-270,6 4 270,6-3 359,-2 7-539,-5 2-90,9-4-90,-2 14 90,16-12 90,-3 9 0,4-8 0,0 1 90,17 7-90,-5-9-90,23 12 90,-14-13 90,10 2-90,-3-1 0,-3-3 270,18 9-270,-25-4 270,24 12 90,-25 1-270,1 2 0,-9 2 180,-9-8 89,0 4-359,0-4-1981,-4 4 2071,-2-5 0,-7-3-180,3-2-269,-8-3 449,3-1-270,-3 0-180,0-4 1,-9 0-181,7-5-90,-12-5 2387,17 0-3376,-3-4 943,13-4 676,1-10 0,12-2 0,3-7 0</inkml:trace>
+  <inkml:trace contextRef="#ctx0" brushRef="#br2" timeOffset="633553">20617 12892 7533,'0'5'629,"0"-1"-539,5 9 900,-4 2-900,3 9 1259,-4 15-809,0-4-91,0 16-359,0-17 360,4 18-270,-3-28-270,3 15-270,0 4 270,-3-18 0,3 18-1709,1-24 1799,-4-9 0,-1 3 0,-6-8 0</inkml:trace>
+  <inkml:trace contextRef="#ctx0" brushRef="#br2" timeOffset="633754">20431 13106 7533,'-2'9'2968,"25"0"-3508,26-3 450,-14-4 0,0 0 90,15-6-405,-10-3 1,0 0-765,1 0 105,-12 0 0,1 2 1064,5 5 0,-20-5 0,3 0 0</inkml:trace>
+  <inkml:trace contextRef="#ctx0" brushRef="#br2" timeOffset="634128">21018 13292 8702,'43'-24'-630,"-7"6"630,-13 4 720,-8 1-360,6 2-270,-9-6-3367,18-6 3022,-18 7 1114,6-6-679,-10 12 180,-7 1-90,-5 0-2449,-6 0 2179,-13 3 1252,-1 2-2062,-12 4-89,6 0-271,-19 4 1170,26 2 180,-19 15 180,34-8 719,-13 17-449,20-19 359,1 23-539,5-20 540,21 20-720,-8-23-270,25 7 0,-9-13-225,-1-2 0,2-2-90,-8-2 0,1-2-315,13-2 1,-1 1 269,1-3-441,3-5 801,-30 7 0,0-9 0,-5 0 0</inkml:trace>
+  <inkml:trace contextRef="#ctx0" brushRef="#br2" timeOffset="634352">21502 13050 7533,'-5'38'3276,"1"7"-2415,4-3-4138,0-3 1614,0 2 2737,-1-15 0,2 0-714,3 17-271,-2-15 1,1-1 90,2 9 180,3 4-810,-2-9 360,-1 9-1439,7 1 630,-10-23-984,11 11 534,-12-28 1349,3-1 0,-8-17 0,-2-8 0</inkml:trace>
+  <inkml:trace contextRef="#ctx0" brushRef="#br2" timeOffset="634602">21520 13134 10231,'31'-7'-180,"1"0"0,2 2 0,-2 0 810,0-4 180,10 5-630,-30 8 89,5-3 451,-7 24-630,-5-12 135,-8 14 0,-2 2-45,-3 0-1652,-9 8 1,-4-1 1471,3-6-45,2-5 0,-3-2-944,-12-1 89,-7-10 900,7 0 0,-3-20 0,19-2 0</inkml:trace>
+  <inkml:trace contextRef="#ctx0" brushRef="#br2" timeOffset="635012">22171 12948 7533,'-5'0'3276,"9"0"-2145,2 0-1311,4 0 0,-2 0 90,-7 4 90,7-3-2518,-3 7 2518,5-7 0,-5 7 0,-1-2 0</inkml:trace>
+  <inkml:trace contextRef="#ctx0" brushRef="#br2" timeOffset="635139">22236 13152 7533,'-4'20'3276,"-1"2"-796,8-16-2839,-5 2-1,15-8 360,-4-4 0,5-5 0,5-6 0</inkml:trace>
+  <inkml:trace contextRef="#ctx0" brushRef="#br2" timeOffset="692256">14152 14306 7892,'5'-5'540,"3"1"-360,-7 4 0,7 0 180,-2 0-180,7 0 90,1 0-91,-4 0 1,7 0-90,-11-5 0,7 4 180,1-3-90,-4 4 90,12-4 269,2-5-269,0-6 0,16-3 360,-2-5-1979,-7 8 1798,3-3-179,-19 9-270,-1-1 270,24-7-90,-14 5-180,12-5 90,-18 7-90,-5 5 0,6-7 0,-3 6-180,1-8 270,-3 5-450,4 0 270,-2-1 0,18-7 180,0 1-90,9-6 0,-1 7-373,-18 6 463,-3 1-90,-2 2-90,-3 1 90,5-3 0,2 3 0,6-5 0,-4 1-90,17-4 0,-11 2 90,7 2-45,-9 2 0,-2 2 45,-2 3 0,1-5 0,0 1 0,-5 5 373,5-3-463,5 0 180,-13 3-90,20-7 0,-21 2 0,6 1 0,2-3-180,-8 3 180,31-4-90,-25 3 90,10 2 0,2 0 0,3-1-89,13 0-3124,-8-3 3213,-25 6 0,12-2 180,-20 4-90,41-8-90,-28 2-1269,7 1 0,0 1 1269,-10-1-90,3 5 90,3 0 2268,-10 0-2268,32-4-89,-12 3 268,2-3 1,1 0-180,-27 3 90,22-7-90,-21 7 0,21-3 0,-5 12 3276,1-6-3160,5 10-206,-7-7 90,-3 1 90,2 2-180,-13-7 90,4 3 0,4 0 0,7 1 0,5 5 0,-11-5 0,3 3 0,-6 1 0,-1-2 0,20 13 0,-21-12-2228,13 9 2228,-13-8 0,-4 1 0,13 3 0,-6-7-877,18 15 877,-17-14-139,22 19 139,-23-15 0,10 7 0,-16-9 0,11 9 0,-14-7 0,10 7 1856,-5-9-1856,-5-4 1100,5 4-1100,0-4 0,-1 0 0,2-1 0,-4 0 0,3 1 0,-5 0 0,13 4 0,-9-8 378,7 3-198,-5 0-180,-3-3 90,2 3-90,-10-4 90,13 4-90,-12-3 0,13 4-360,-10-1 90,2-3 270,-8 3 0,3-4-90,-7 4 90,4-3 0,-1 3-449,-3-4 89,3 0 0,-4 0 0</inkml:trace>
+  <inkml:trace contextRef="#ctx0" brushRef="#br2" timeOffset="694954">17529 13841 9781,'0'5'900,"0"7"-540,0 3-180,0-4-1,0 6-179,0-8 180,4 6-180,-3 3 180,7-3 0,1 2 0,2-11 180,14 11-270,-12-15 270,29 14-180,-23-9-180,20 10 89,-19-11 1,3 11-269,8-7 179,3 9 0,-4-5 0,-4-4 0,-13-2 0,-3-7-90,12 7 180,-11-3-180,20 5 90,-19-5 0,10 3 179,-9-3-89,-7 0 270,7 0-360,-12-5 450,3 0-450,-8 4 90,3-3-90,-12 7 90,7-7-3367,-20 7 3252,14-7-65,-10 8 180,4-8-90,7 7 90,-19 1 90,14 2 0,-11 2-91,4 0 91,3-2-135,-1 4 0,-1 0-45,-2-2 45,-4 4 0,0 0-225,5-1-278,-4 1 0,-1 1 458,0 8-763,5-7 1,1-2 583,3-1-2520,5 0 2069,10-11 1253,4 0 1,0-5 0,0-5 0</inkml:trace>
+  <inkml:trace contextRef="#ctx0" brushRef="#br2" timeOffset="695708">17584 13748 7533,'-5'0'-900,"-3"0"91,3 0 809,0-4 270,0 3-181,5-8-178,0 8 89,0-7 0,0 7 0,0-7 0,0 3 0</inkml:trace>
+  <inkml:trace contextRef="#ctx0" brushRef="#br2" timeOffset="696055">17556 13711 7533,'0'5'-1170,"0"-1"1170,0-4 450,-4 4-450,3-3 0,-3 7 360,4-3 90,0 5-360,0-5 179,0-1-179,0-4 0,0 4-90,0 1-270,0 1 1,0 2 269,0-7-180,0 3 90,4 4 90,-3-6-90,8 11 270,-8-12 0,3 3 89,0 4 361,1-2-540,0 8-90,3-5 90,-2 4-180,-1-2 90,7 11-180,-6-11 270,4 6-720,-2-7 271,-7-1 179,7 0 0,-7-3-270,8 2 180,-8-3-269,7 4 539,1-4 0,2-5 0,2-5 0</inkml:trace>
+  <inkml:trace contextRef="#ctx0" brushRef="#br2" timeOffset="697057">17379 14194 6903,'-9'0'630,"4"0"-540,-3 0 0,7 0 359,-3 0-449,8-4 0,-3 3 0,7-3 0,-7 0 90,7 3-180,-2-8 90,-1 4 0,-1 0 0,-4 1 450,0 4-180,4 0 0,-3 0 0,7 0-180,-3 0 0,5 0-90,-1 4 89,-4-3 1,8 7 0,-7-7 90,7 8 180,1-8-90,-4 3 90,4-4-270,-9 0 179,3 0-89,-3 0-90,4 0 90,9 0-90,-7 0-270,7 0 0,-5 0 270,-2 0-90,2 4-180,1-3 450,-4 3-270,8-4 180,-4 0 360,13-4-450,-10 3-180,0-3 270,4 4-90,-13 0 0,10 0-90,-10 0 0,-3 0 90,4 0 0,1 0-180,-5 0 0,3 0 180,-3 0-90,1-4 0,2 3-360,-7-3 0,7 4-719,-3 0 89,5-5 990,3 4 0,-7-11 0,3 2 0</inkml:trace>
+  <inkml:trace contextRef="#ctx0" brushRef="#br0" timeOffset="710919">19026 13971 8972,'0'-13'1259,"0"-2"-1169,0 5 270,0-3-180,-4 12 180,-1-7-270,0 7 89,-7-11 1,10 10-90,-11-11 0,8 8-270,-4 0-269,-1 1 449,1 4-450,-4 12 360,-2-1 90,5 8-90,-3-6 180,12-3-180,-7 3 90,3 6 0,0-4 0,1-1 0,4-6 0,0 5 0,0-1 0,0 5 0,0-7 0,0-1 0,0 13 0,4-14 0,1 17 0,0-19 0,3 7 90,-3 1-90,1-4 0,2 16 0,-3-9 270,0 5-270,-1 4 0,0-9 360,-2 26-181,2-12-89,-4 19 0,0-20-90,0 17 0,0-24-201,0 12 22,0-20 179,0 2 0,0-6 0,0 14 0,-4 0 90,-2 8-90,-3 3 269,4-11-269,1-2 0,0-5 90,-2 0 0,1-2-180,-3 1 291,3 1-111,-9 1-90,8 1 0,-6-2 0,7-13 0,-1 3 0,-6-3 0,6 0 90,-16 0-180,7-1 180,-4-3-90,5 3 90,1 0-90,3-3 0,-4 3 0,5-4 0,0 0 0,3-4 0,-6-1-90,10-4 90,-14-5 0,14 4-90,-10-4 90,11 9 0,-8 1-180,4 4 180,0-4 0,-3 3-180,3-7 90,-5-2-449,1-8 269,4 2-630,-3-6 91,7 0 809,-4-7 0,10-8 0,0-1 0</inkml:trace>
+  <inkml:trace contextRef="#ctx0" brushRef="#br0" timeOffset="712636">19362 14473 7533,'5'-9'0,"3"-4"1529,1-14-1439,2 9 90,2-20-90,-8 25 539,-1-12-719,-4 10 270,-4-3-450,-1-1 450,-8 4-270,6 2 180,-5 8 0,7 1-90,-4 0 0,-1 3-90,-3-4 90,2 10 0,-2 0-360,0 8 181,-6 6-1,-1 0 180,6 0-90,1-6 0,8 1 90,0-4-90,1 4 0,4-5 270,0-4-270,0 3 270,4-7-180,18 8 0,-9-8-180,17 3-90,-11-4 180,9-4 0,-3 3-180,-3-3 180,-4 8-3187,-12 1 2892,2 4 655,-3 9-180,-9-7 0,8 11 270,-17 1-360,11-3 720,-19 28-630,18-24 3186,-13 15-2711,15-12-475,-8 2-270,8 8 90,-3-12-90,4 1 270,4-16-629,2 3 179,-1-3 360,3-5-90,-7-1 90,7 0-180,-2-3 270,7-1-90,-7-5 0,2 0-180,-3-12 270,0 10-720,4-27 540,-4 20-269,-1-16-181,-4 12 450,-4 2 0,-1-1-180,-8-1 270,-6 3-270,-1-8 630,-2 13 270,3-3-450,9 12 0,-3-3 449,12 8-449,-7-3 810,7 12-810,-3-7-91,8 3 1,-3-1 90,3-7 0,0 4-90,1-1 0,5-3 180,3 3 180,2-4 89,7 0-449,-6 0-180,1 0 90,1-8-90,-7 6 90,11-11-449,-16 8-1080,11-4 809,-15 3-1259,15-2 1260,-15 3 719,6 0 0,-8-3 0,0 2 0</inkml:trace>
+  <inkml:trace contextRef="#ctx0" brushRef="#br0" timeOffset="713335">19734 14241 7533,'-5'0'-540,"-3"4"540,6-3 0,-2 3 180,0-4-180,3 4 1079,-7 1-809,7 1 0,-3-2 180,0 4-270,3-6 0,-4 10 179,5-6-269,-4 7 270,3 1-360,-7 5 90,7-4 0,-3 2-180,0-2 270,-2 11-90,1-5 0,1 6 180,4 0 89,0 2-179,0 8-180,8 4 90,-5-15-1079,17 12 539,-17-25 0,18 9 450,-2-17 0,1-9 0,7-7 0</inkml:trace>
+  <inkml:trace contextRef="#ctx0" brushRef="#br0" timeOffset="713820">19855 14297 7533,'5'5'3058,"3"-1"-3148,-7-4 270,12 4-90,-7 1-180,3 0 90,4 4-90,-3 0 0,9 1-180,-9 8 360,2-4-270,-10 1 90,-2 11 0,-10-10 90,0 7 90,-4-10-180,5 1 180,-4-4 90,7-1 0,-7 0-90,12-8-90,-3 3 90,4-4 90,0 4 0,0-3-90,4 3-90,1-4 90,5 4 0,-1-3-1260,17 8 990,-13-8-539,21 3 179,-18-13-180,2 7 271,-4-14-721,3 6 1170,-5-9 0,5 0 0,-7 1 0</inkml:trace>
+  <inkml:trace contextRef="#ctx0" brushRef="#br0" timeOffset="714196">20217 14315 7533,'0'5'2428,"0"-1"-2158,0-4-1079,8 5-1440,-5 12 1979,5-9-270,-8 13 271,-4-16-1,3 5 270,-8-1 0,4 4 0,-4-2 0,0 2 0,3-8 0,2 4 180,4-4 449,0 8 1080,0 14-899,4-5-1,-3 13-629,4-15 0,-10 6-2429,1 2 1440,-6-11 449,6 3 360,-1-18 0,1 6 0,-1-3 0</inkml:trace>
+  <inkml:trace contextRef="#ctx0" brushRef="#br0" timeOffset="715407">20515 14334 7533,'-8'9'809,"6"5"-899,-11-4 90,8 3-90,0 1 810,-3-4-360,3 8 359,-5 9-629,5-10 0,1 13 270,0-7-270,3-7 0,-3 10 90,8-7-90,1-4 180,12 7-720,16-12 360,-11 0-270,25-19-90,-17-19 450,0 2-1639,-13 0 1,-4 0 1343,-7 7 206,6-15 89,-10 20-90,2-9 0,-4 7 90,0-1-360,-4 3 0,-6-4-450,-29-14 721,18 10 1210,-17 0-1211,29 18 629,-5 4-179,-4 17-450,2-5-90,-2 23-809,13-18 989,1 5 0,0-13 0,-1 0 0</inkml:trace>
+  <inkml:trace contextRef="#ctx0" brushRef="#br0" timeOffset="715755">20683 14045 7533,'-10'5'1799,"5"-4"-2069,-7 15 540,6-5 629,-16 37-539,15-19-1895,-10 15 1715,16-21 849,-3 4-759,-1-1 0,2 2-90,0 11-225,-1-11 0,0 1 135,4 11 0,-4-9-180,2 4 0,-1-1 90,-2-3-180,3-3 0,0 0-90,-3 4-809,-8 15 0,6-15-1170,-14 6 1619,19-32 958,-10 3 1,6-9 0,-3 0 0</inkml:trace>
+  <inkml:trace contextRef="#ctx0" brushRef="#br0" timeOffset="717195">20887 14157 7803,'10'9'1439,"-5"1"-1169,-1-1-91,0 0 1,-3 1 90,12 7-90,-11-6 0,10 7-270,-3-5 270,2-2-90,6 15 90,-6-14-90,6 22 180,-6-13-91,2 11-89,-8-8 180,-1 15-360,-4-16 180,0 28-270,-4-28 90,-1 7 0,-3 0-89,-12-5 179,9-1 0,-2-1-270,-22 1 270,14-4 0,-6-7 0,13-4-1260,1-4 1081,2 0-901,2-1 451,1-4 629,7 0 0,-8 0 0,4 0 0</inkml:trace>
+  <inkml:trace contextRef="#ctx0" brushRef="#br0" timeOffset="718020">21251 14427 7533,'0'14'2968,"-5"0"-2518,4-9-900,-3-1 900,0 0 359,3 1-449,-3 0-180,4 4-1709,0-8 1529,4 3 0,1-8 0,5-1 0</inkml:trace>
+  <inkml:trace contextRef="#ctx0" brushRef="#br0" timeOffset="722673">21632 14064 7533,'0'-5'449,"0"-3"91,0 7 450,0-4-181,0 14-629,0-7 360,0 18-450,-4-12 90,3 9-1,-7 5 181,7 3-630,-8 12 270,8-4-359,-7-5 179,7 11 180,-3-12-180,2 5 0,0 1 90,1 1-193,-1-1 1,0-1 192,2-5 0,4 8 0,1-4-180,4-13-449,9 16-1260,14-27 1177,-10 6 1,12-17 0,-20-2 0</inkml:trace>
+  <inkml:trace contextRef="#ctx0" brushRef="#br0" timeOffset="723027">21790 14455 7533,'-6'14'539,"2"-5"-629,4 8 90,0-10 270,4 23-90,-3-17 0,8 8 90,0-11-270,1-5 90,12 3 0,-6-11 0,11-2 0,-12-6-180,7-19 90,-12 17 0,-1-17 90,0 11-90,-8 4 90,3-3-90,-8 5 0,-1 3 90,-5 0 0,-3-2-90,-6 6 179,0-8-179,0 9 180,1 5-180,8 5-449,1 13 89,0 6 270,8-4-1619,-3 19 1529,8-26 180,-3 13 0,8-21 0,-4-1 0</inkml:trace>
+  <inkml:trace contextRef="#ctx0" brushRef="#br0" timeOffset="723887">22246 14380 7982,'-5'0'1620,"-4"0"-1441,8-4 1,-7 3-90,-1-11 450,-18 1-270,5-3-180,-5 5 90,18 4-90,1 5-180,2 0 180,-3 5-540,-4 8 450,7-2-630,-11 19 630,15-13-450,-11 14 540,12-16-269,-3 15 268,8-17-178,6 13-91,0-20-270,20 2-180,8-29 495,-11 5 0,-1-2 45,-5 1 0,-3-2 630,12-20-630,-24 29 630,-2-3-360,-4 12 90,0-3-180,-4 4 0,2 4-90,-6 1 90,7 5-90,-3 3 0,4-3 89,0 12 1,0-11 0,0 19-90,0-17 90,0 13-90,0-12 90,0 21-90,0-8 0,0 5 90,4-6-180,-3-10 180,7 19-270,-6-14 0,6 15-89,-3-9 179,0 19-90,-1-14 180,-3-3 0,-2-2-90,1-9 270,-4 21 90,-1-24 89,-4 4-179,3-6 90,-6-8-180,6-1 0,-16-8 0,11-1-180,-7-4-90,-8-13 180,13 10-3277,-13-10 3072,21 13 25,-3-1 180,7 1 0,-4 0-270,5 0-629,0-9 539,0 7-899,5-15 719,0 10 540,12-19 0,-1 13 0,7-9 0</inkml:trace>
+  <inkml:trace contextRef="#ctx0" brushRef="#br0" timeOffset="739090">22385 13878 9871,'10'-4'90,"3"3"-180,-3-7 270,4 2-270,-5-3 0,1 4 0,3-8 90,-3 11 0,8-10 90,-12 7-90,7 0 90,-12 1 0,7-1-90,-7 4 180,3-3-90,-4 4-90,0 0 180,4 4-90,1 6-90,1 0 90,-2 3 180,-4 1-270,0-4 90,0 12-90,0-11 90,0 23-270,0-20 270,4 32-180,-3-27 45,1 10 0,0 2 45,-2-6-90,0 26 180,0-30-90,0 2-90,0-1-90,0-11 0,0 6-360,0 1 540,0-7-539,0 15 269,0-19-90,0 10-180,0-12-449,4 4 539,-3-3 450,3-2 0,0-12 0,2-3 0</inkml:trace>
+  <inkml:trace contextRef="#ctx0" brushRef="#br0" timeOffset="740371">22609 13831 7533,'0'-5'-630,"0"1"1170,0 4-360,0-4 0,0 3 1349,0-3-1439,4 4 179,-3 0-179,7 0-90,-7 0 180,8 0 0,-4 0-90,4 0 90,0 0-90,-3 4 270,2-3-270,-7 7 0,3-7 180,0 8-181,-3-8 1,3 7-269,0-7 358,-3 7-358,8-7-1,-4 16 0,0-10 180,-1 6 90,-4 0-90,0-7 270,0 7-91,0-3-179,0-5 270,-4 7-180,3-5 90,-7 6-90,7-8-90,-12 8 90,11-7 90,-14 15-90,5-9 0,-3 5 90,0-7-180,9-1 90,-7 0-180,6 1-180,-8-1-90,9-4-539,1-1-720,4-4 719,4-8 900,1 2 0,5-12 0,-1 4 0</inkml:trace>
+  <inkml:trace contextRef="#ctx0" brushRef="#br0" timeOffset="741625">22609 13785 6453,'-5'0'0,"0"0"1709,5 0-1349,0 4-180,0-3 270,0 3-270,-4-4-270,3 0 809,-3 0-629,4-4-450,0 3-89,0-3 359,0 0 180,0 3 0,0-3 90,-4 4 89,3 0-179,-3 0-90,4-4 0,-4 2 0,3-2 90,-3 4-90,4 0 270,0-4-270,0 3 1259,0-3-1259,4 12-90,-3-6 180,7 7-90,-7-9-629,7 0 179,-2 0-1619,3 0 1619,0 0 450,-4 0 0,4-4 0,-4-2 0</inkml:trace>
+  <inkml:trace contextRef="#ctx0" brushRef="#br0" timeOffset="744005">22879 13683 6993,'-5'5'540,"1"-1"-450,-1-4 0,4 4-90,-3-3 90,4 7-1,0-7 271,-4 8-270,3-8 0,-7 3 270,7 0-270,-3-3 90,4 7-90,0-7 90,-5 12 0,0-7-180,0 11 90,1-6 89,0 2-358,3 1 268,-8-4 181,8 20-270,-7-12 90,7 13 0,-3-17-270,4 4 360,-4-4-270,3 9 270,-3 1-270,4 3 180,0 1 90,0 4 0,0-11 0,0-3-90,0-2-90,0-9 90,0 7-270,4-6 0,-3-7 90,7 3-540,-7 0 450,7-3 180,2 4 0,0-10 0,4 0 0</inkml:trace>
+  <inkml:trace contextRef="#ctx0" brushRef="#br0" timeOffset="747121">22925 13804 10771,'11'0'719,"1"4"-719,-3-3 180,14 7-90,-10-7-180,11 3 90,-13-4 90,-1-4 0,2 3-180,-2-3 180,0 4-360,4-4 360,-9 3-899,3 1 539,-7 9 90,3 1-90,-4 4 90,-4-9-269,-1 11 89,-9 0 180,4 4 90,1-7 90,1-1 0,-2-1 360,4 12 0,-2 0-360,8-7 269,0-4 1,0-8 180,8 1 449,2 1-539,5-2 0,-2-4-270,-3 0 90,-5 0-270,15 0-540,-3 0-1708,15-13 2338,-17 6 0,1-15 0,-10 8 0</inkml:trace>
+  <inkml:trace contextRef="#ctx0" brushRef="#br0" timeOffset="747487">23334 13645 8252,'-4'6'1439,"3"2"-1079,-3-3 0,0 4 180,3 13 269,-4 7 271,5 22-586,2-19 1,1 1-315,-2 13-726,3 6 456,-4-32 180,0 6 45,2 0 0,0 1-675,-1 12 315,1-9 1,0-2-2565,-2 4 2789,4-16 0,1-8 0,5-13 0</inkml:trace>
+  <inkml:trace contextRef="#ctx0" brushRef="#br0" timeOffset="747953">23464 13776 7533,'0'5'2698,"0"3"-2338,0-7 0,0 3 539,0 5 91,9 5-720,-3 2 269,11 5-269,-6-10 719,23 10-719,-3-1-450,-6-8 1,1 0-1980,12 6-899,-10-4 539,-15-9 2069,-9-1-359,-4-12 809,0 2 0,0-12 0,0 4 0</inkml:trace>
+  <inkml:trace contextRef="#ctx0" brushRef="#br0" timeOffset="748203">23725 13729 7533,'0'-5'2608,"0"-3"-1528,-12 15-721,4-1 361,-22 17 359,1 13-809,-5-1-450,6-2 360,3-3-809,17-18 359,-8 5 90,15-8-1439,-8 5-270,4 0 1889,0-3 0,-3-3 0,3-8 0</inkml:trace>
+  <inkml:trace contextRef="#ctx0" brushRef="#br0" timeOffset="748512">23865 13711 7533,'0'5'1439,"0"-1"-1169,0-4-90,0 8 0,0-2-1,0 8-89,4-5-449,-3 0-1081,3-3 721,-4-2 719,0-4 0,0 4 0,0 1 0</inkml:trace>
+  <inkml:trace contextRef="#ctx0" brushRef="#br0" timeOffset="749457">23874 13887 7803,'5'10'989,"-1"-1"-359,-4 4-450,0-2-1,0 10-89,0-9 90,-4 5 0,3-3-90,-7-4-809,7 3 359,-7 1 180,2-4 180,1 4 0,-7-5 0,1 0 0</inkml:trace>
+  <inkml:trace contextRef="#ctx0" brushRef="#br0" timeOffset="751238">23837 13599 5914,'-5'0'809,"0"-4"-899,5 3-180,0-3 450,0-1-360,0 4 360,0-3-90,5 0-90,-4 3 270,3-3-180,-4 4 180,0 0-180,0-4 180,0 3 1798,0-3-1618,4 12-360,-3-6 90,3 10-90,-4-11 90,0 4-90,0-1-360,0-3 360,0 3-180,0 0 90,0-3-820,0 3 1,4-12 0,1-2 0</inkml:trace>
+  <inkml:trace contextRef="#ctx0" brushRef="#br0" timeOffset="751909">23846 13552 7263,'0'6'989,"0"-2"-539,0-4 0,0 4 89,0-3-89,0 11-450,0-10 270,4 15-270,-3-15 360,3 15-270,-4-11 180,5 11-90,-4-6-91,3 2 91,-4 5-90,0-7 270,4 19-270,-3-18 90,3 22-90,-4-21-90,-4 25-90,3-25 180,-3 13-180,0-8 270,3-7 0,-4 15-90,5-14-90,-4 13 0,3-13 90,-3 5-180,0-7 90,3-1 0,-7 8 0,7-9-180,-8 8 180,8-11-360,-7 5 360,7-5 0,-7-1-540,3 0 540,-1-3-989,-2 3 719,7 0-180,-3-3-359,4 4-720,0-10 1079,0 0 450,4-12 0,1 1 0,5-6 0</inkml:trace>
+  <inkml:trace contextRef="#ctx0" brushRef="#br0" timeOffset="752573">23865 13497 7443,'0'9'989,"0"-4"-809,0 3-90,0-2 0,0 3 90,0 4 0,4-2 90,-3 10-180,7-5 0,-7 2 269,3 8-269,0-9-90,-3 10 180,4-5 0,-5-6-360,0 18 90,4-16 90,-3 21 180,3-23-90,-4 14 0,0-14-90,-4 15 90,-1-11 0,-5 12-90,1-13 0,0 4 90,-1 4-450,-3 2 270,7-4-450,-3 0 361,5-14 179,3-2 0,-3-1 0,4-3 0</inkml:trace>
+  <inkml:trace contextRef="#ctx0" brushRef="#br0" timeOffset="758534">24228 13831 7533,'0'-5'-1709,"0"1"1709,0 0 0,0 3 0,0-3 0,0 4 0</inkml:trace>
+  <inkml:trace contextRef="#ctx0" brushRef="#br0" timeOffset="759171">24125 13673 7533,'-4'10'0,"-1"-1"0,0 0 449,-3-4 181,7 0 90,-3-5-361,4 0-269,12 0-90,-5 0 90,7 0-180,-6-5 180,-3 4-90,4-7-90,1 7 0,-1-3 90,-4 4 0,3 0 90,-2 12-90,-1-4 180,3 9-90,-7 1-90,3 1 0,-4 5 90,0-5-180,0-2 90,0-2 90,0 3-270,0 9 180,0 6-90,0 1 90,0 3 0,0-9 0,0 0-498,0 20 498,1-9 0,-2-2-1326,-3 4 1326,3 2-719,-3-15 373,4-7 166,0 0-1170,0-11 991,0-5 464,0-5 0,0-9 1,0-6-1</inkml:trace>
+  <inkml:trace contextRef="#ctx0" brushRef="#br0" timeOffset="759494">24228 13748 7533,'0'-15'2069,"0"2"-1620,8-1-269,-6 8 90,6-6-90,-3 11-450,-4-3 270,3 4-90,0 0 180,-3 8-90,3-2 360,4 16-360,-1-7 180,2 8-90,-1 4 0,-7-11 0,3 10 0,-4-3-180,0-6 180,0 8-540,0-6 270,0 1 180,0-2-720,-4-4 271,3-9-1171,-11 7 721,5-10 359,-2 7 181,1-9 359,7-5 0,-7 0 0,2-4 0</inkml:trace>
+  <inkml:trace contextRef="#ctx0" brushRef="#br0" timeOffset="759994">24535 13515 7533,'-5'0'-630,"1"0"1170,4 0 539,-4 4-989,3 2 900,-8 3-451,4 0 91,0 0-180,-3 1-91,7-1-269,-8 0 540,8 9-630,-11 14 90,10 7-135,-3-11 0,2-1 135,3 8 0,0 0 90,0-8-180,0-2 90,4-1-180,5 6 180,5-10 0,5 8 0,-9-13-180,11 5-990,-10-12 900,8 5-629,-10-9 359,0-4-90,0 0-1169,1 0 1709,0-4 0,-2-5 0,-3-6 0</inkml:trace>
+  <inkml:trace contextRef="#ctx0" brushRef="#br0" timeOffset="760371">24647 13608 7533,'-5'4'2248,"0"-3"-1258,5 8-810,5 4 0,0 7 89,8 4 181,1-2-90,4-3-450,1-5 270,-4 0 360,10 3-360,-12-5-1,9 5-179,-13-7 90,0-5 0,0 3-539,5-3 179,-4 0 180,0 4-2069,2-8 1709,-10 3-2428,10-4 2428,-6 0-89,-1 0 539,-1-4 0,-4-6 0,0-4 0</inkml:trace>
+  <inkml:trace contextRef="#ctx0" brushRef="#br0" timeOffset="760620">24841 13580 7533,'-5'0'629,"-11"9"-269,8-3 540,-17 15-631,13-5-179,-5 3 1170,-5 15-721,-7 5-449,8-3-1169,-4 2 449,24-27 630,-7 2 0,7-4 0,-3 1 0</inkml:trace>
+  <inkml:trace contextRef="#ctx0" brushRef="#br0" timeOffset="761278">25000 13422 7083,'5'10'2069,"7"3"-1979,-10-3 180,15 8-180,-15-8 1529,19 24-1350,-14-19 91,6 19 180,0-16-360,-11 6 90,10 0 89,-7 11 1,0 3 0,4 14 0,-12-10 0,-1 1-180,1 7-46,-1-14 1,-5 2-135,-11 5 0,-2-3 0,-4 1 0,-1-3 0,1 0 0</inkml:trace>
+  <inkml:trace contextRef="#ctx0" brushRef="#br0" timeOffset="765321">22404 14362 7353,'-5'0'719,"1"0"1710,4 0-2159,12 4-180,-9-3-180,14 3 360,-12-4-270,4 0 270,9 0-181,-7 0 181,11 0-360,-12 0 450,12 0-360,-11 0 90,7 0-90,-5 0 90,-2 0-90,2 0 90,1 0 0,-4 0 270,12 0-360,-11 0 180,7 0 0,-5-4 89,6 3-179,0-3 90,12 4-270,-6 0 270,7 0-270,-8 0-3187,11 4 2982,-17-3 385,12 3-90,-12-4 0,10 0 90,1 0-90,-1 0 0,-9 0 180,11 0-90,8 0-90,-2 0 3276,-1 0-3070,-9 4-116,3-3-90,1 3 270,21-4-180,-2-8 0,-20 5 0,0 0-270,13-6 270,-12 4-180,-11 5 90,0 0 90,13 0 0,-8 0 180,21 0-270,-14 0 89,5 0-3366,-5 0 3252,-10 0 115,6 0 90,0-4-90,-3 3-2178,8-3 2088,-8 4 60,11 0 30,-13-4 2050,30 3-2140,-28-3 90,8 2 0,0 0 0,-7-4 0,22 1-2157,-19-3 2157,-3 7 1278,18-7-1458,-20 7 471,12-3-561,-8 4 270,-6 0 0,22 0-90,-20 0 0,16 0 180,-11-5-30,-3 4 209,14-11 2695,-17 10-3054,5-10 90,-5 10-180,-11-2 0,7 0 180,-5 3-270,-3-3 1564,3 4-1384,1 0 0,0 0 0,5 0 90,3 0 90,6 0 90,-7 0-90,5 0 90,-12 0-270,9 0-180,1 0 90,4 0 0,-9 0 0,3 0 90,-11 0-90,2 0 90,5 0 0,-3 0 0,4 0 0,-6-4 0,-8 3-90,-1-3-90,1 4 180,-4 0-809,3 0-2468,-13 0 2416,3 0-2107,-11-4 2338,2 3 630,1-4 0,-4 1 0,4-1 0</inkml:trace>
+  <inkml:trace contextRef="#ctx0" brushRef="#br0" timeOffset="767075">22990 14697 7533,'10'-6'0,"-5"-2"0,7-5 809,-5-3 91,6-7-630,-8 9-360,3 1 449,-11-1-179,6 4 0,-11 0 0,3 2-270,0 3 270,-3 0-90,2-3 180,-7 2-180,-6-3 0,4 4 90,-3 1-630,5 4 360,-2 4-360,1 1 270,0 4 0,5 1 180,0-1-179,-5 13 89,8-10-180,-2 18 450,8-19-270,8 11 270,-2-16 89,20 7-448,24-8 179,-19 0 0,15-5 0,-28-5-90,-11 0 90,6 1 0,-13 4 269,0 0-179,-13 4-90,6 5 90,-11 1-90,9 4 0,0-5 0,0 9 0,-9 22 0,7-11 0,3-1 0,2 0 90,2 2-90,3-2 0,2 2 90,3 7-90,-3 7-90,16-9 180,-14-17-629,22 8 539,-22-21-270,17-1 270,-13-8-180,6-14 180,-4 6-180,1-26 270,-5 24 0,-1-16-180,-4 12 0,0 2 90,0-1-270,-8-1 270,1 7 0,-6-7 0,-5 9-90,7 0 450,-19-1-270,18 5 90,-10 1 90,13 8 89,3-3 1,2 7-180,4-2 180,0-1-180,0 7-270,0-10 360,13 11-1,2-12-269,9 3 90,3-12-180,-7 1-719,6-6 269,-10 4 270,2 3 270,-5-6 0,-3 6 0,4-8 0</inkml:trace>
+  <inkml:trace contextRef="#ctx0" brushRef="#br0" timeOffset="767415">23353 14604 7533,'-11'4'2338,"-5"5"-1978,10-3 540,-8 19-361,9-13-359,1 11-180,4-9 180,0-5 360,0 13-360,0-10 180,0 30-271,0-23 1,3 10 0,2 2-2069,10 10 340,-4-16 1,1-2 1602,8 4 1,-2-19 0,-9-8 0</inkml:trace>
+  <inkml:trace contextRef="#ctx0" brushRef="#br0" timeOffset="768038">23455 14650 8792,'9'5'2339,"1"-1"-1800,3-4-449,2 0-3367,-1 0 2393,0 0-435,3 0 1319,-5 4 0,5-2-360,-3 6 270,-4-7-90,-1 7 2089,-5-3-1909,-4 5 3212,0 3-3572,-8 6 180,-6 4 90,-2 1 90,-1-9 90,11-3-180,-2-3 450,7 2-90,-3 6 90,8 2-91,1-4 91,13 3 90,18-9-360,-8-4-225,1-3 0,-2-4-764,-9-3-1,29-8-1079,-34 2 1159,13-6 1,-12 2 0,0-3 0</inkml:trace>
+  <inkml:trace contextRef="#ctx0" brushRef="#br0" timeOffset="768307">23976 14669 7533,'5'9'3276,"0"0"-2774,0-4-1132,3 8 540,-7-11-2339,8 14 1440,-8-9 989,3 2 0,-4-1 0,0-3 0</inkml:trace>
+  <inkml:trace contextRef="#ctx0" brushRef="#br0" timeOffset="768471">24014 14799 7533,'0'10'180,"0"3"809,0-4 0,0 5-629,0 1-360,0-2-90,0-3 0,0 11-719,0 4-900,4 12 1709,-7-8 0,2-6 0,-9-10 0</inkml:trace>
+  <inkml:trace contextRef="#ctx0" brushRef="#br0" timeOffset="769104">24284 14678 7533,'-6'5'719,"2"-1"181,4 0 179,-4 2-1079,3 3 0,-7-4 270,7 12-270,-3-10 0,4 10 180,0-7-180,0 7 0,4-1-90,1 2 90,13 0-90,22-8 0,-3-5 90,13-6-90,-22-8-90,3-8 90,2-11 180,-3-2-3367,-3-7 3072,-18 18 385,-5-3-21,-4 4 111,-4 2 269,-13-14-359,4 22 450,-21-17-540,17 23-90,-9-6 90,7 8 0,4 0 2752,-2 4-3292,2 5-450,-7 6 721,10-1-1139,-4-1 59,15-3 629,-4-1 180,5-4 450,0-1 0,0-4 0,0 0 0</inkml:trace>
+  <inkml:trace contextRef="#ctx0" brushRef="#br0" timeOffset="769374">24479 14408 10321,'-13'13'1529,"2"-6"-989,-2 19-180,8 2-3637,1 6 2842,4-1 1156,0 6-631,0-13 0,0 10 90,0-8-540,0 0 270,0 12-495,-2-2 1,-1 1-495,2 8 584,-3-4 0,0-5 225,3-21 270,-3 13 0,4-23 0,0 1 0</inkml:trace>
+  <inkml:trace contextRef="#ctx0" brushRef="#br0" timeOffset="769671">24720 14557 11041,'9'-5'899,"-3"1"-449,11 8 359,2 9 1,5 3-180,4 15-271,-9-11 1,-1 7-90,-9 0-90,-4-2-45,1 4 0,-3 3-45,-10 16-381,5-12 1,-3 0 245,-5-9 0,-2-2-1349,-2-1 0,0-2 854,-11 7-260,-10-3 0,10-16 0,-7 4 0</inkml:trace>
+  <inkml:trace contextRef="#ctx0" brushRef="#br0" timeOffset="770782">25083 14352 7892,'-13'0'1080,"7"0"-990,-7 0 0,12 0 629,-3 0-629,0 0 90,3 5-270,-7 4-90,7 1 90,-3 4 180,-1-1-180,4-3-89,-3 4 179,4 3 0,0-5-90,0 5 0,0-7 0,0-5 90,4-1-90,2-4 180,7 0-90,-7-4 0,7 3-180,-4-16 0,1 10 180,4-11 0,-9 9-90,3 0-90,-3 0 180,9-5-90,-8 0 0,6-5 90,6-24 0,-6 14 0,-1 4 0,0 1 0</inkml:trace>
+  <inkml:trace contextRef="#ctx0" brushRef="#br0" timeOffset="771039">25204 14129 7533,'-2'-30'1214,"-1"-1"0,-5-15-494,3 37-450,-9 8-90,8-3-360,-10 12 270,9 7-90,-2 5 180,1 6-360,7 2 180,-3 5-45,1-4 0,1 0-135,1 5 0,-3-1 0,0-1-90,3-10 90,-3 13-269,4-12-1,0 5-135,2-1 0,0 0 406,3 3-361,5 16 360,-5-35-450,3-2-190,-7-5 1,7 0 0,-2 1 0</inkml:trace>
+  <inkml:trace contextRef="#ctx0" brushRef="#br0" timeOffset="771527">25242 14492 7533,'0'5'359,"0"3"-448,0-7-631,0 4 720,4-5-90,1 0 90,4 0 0,-4-5 0,0 0 0</inkml:trace>
+  <inkml:trace contextRef="#ctx0" brushRef="#br0" timeOffset="772388">25121 14352 7173,'4'-5'270,"-3"-3"-180,3 7 269,-4-3 361,0 4-450,4 0-180,-3 0 0,3 0 629,0 0-629,2 0 270,-1 0 0,3 0-360,-7 0-90,7 0 360,2 0-450,0 0 270,3 0-270,-7 0 0,2 0 360,-3 0 90,0 0-180,3 4 0,-6 1-450,2 4 90,-4-3-90,0 2 270,0-7 90,0 3-180,0 0 270,-4 1-180,2 0 90,-6 4-89,3-8-91,-8 11 90,2-10-90,-6 15 180,6-7-90,-2 0 90,8 3 90,1-12 0,-1 3 0,4 0 0,-3 1 0,4 0 0,0 0-90,0-1 0,0-3 0,0 3 0,0 0 89,0 1-89,4 0 540,2 0-360,-1-5-90,3 0 0,-3 0 90,9 0-90,-4-5 0,12 0-180,-15 0 180,18 1-90,-18 4-820,15 0 1,-12 0 0,4 0 0</inkml:trace>
+  <inkml:trace contextRef="#ctx0" brushRef="#br0" timeOffset="801974">18245 14213 7533,'-5'5'1349,"1"-1"-1349,4-4 270,0 0-270,0-4 539,4 3-179,1-7-90,5 7 450,3-8-630,-3 8 0,4-3 719,-5 4-629,0 0-90,9 0-360,18-8-90,-12 2 270,10-4-1529,-25 2 1619,5 3 0,-8-4 0,2-1 0</inkml:trace>
+  <inkml:trace contextRef="#ctx0" brushRef="#br0" timeOffset="802205">18273 14390 7533,'-15'5'2069,"2"-1"-2249,13 0 899,4-3-449,-3 3 630,12-4-271,-3 0 1,9-8-180,4 2-1260,5-12 360,-4 8 360,3 1-1349,4-4 1439,-1 3 0,3-5 0,-6 2 0</inkml:trace>
+  <inkml:trace contextRef="#ctx0" brushRef="#br0" timeOffset="803421">18031 15524 7533,'-8'10'539,"6"-1"-449,-6-4 540,8-1 899,0-4 0,16 4-719,17 2-720,-5-1 0,10-1 90,-19 0-1,5-3-988,4 3 719,-9-4-1439,-1 0 360,-5-4 349,-2-1 1,2-4 0,-4-1 0</inkml:trace>
+  <inkml:trace contextRef="#ctx0" brushRef="#br0" timeOffset="803604">18041 15878 7533,'-10'10'3276,"22"-6"-706,-8-5-2120,22-3 270,-8 0-540,2 3-630,7-3 360,1 4-3187,13-8 3084,-6 1 0,1-6 1,-13 4-1</inkml:trace>
+  <inkml:trace contextRef="#ctx0" brushRef="#br0" timeOffset="834555">18571 15692 7533,'-5'0'359,"1"0"-89,4 0-90,-4 0 0,3 0-360,-3 0 360,4-4-90,0 3 900,0-8-541,4 8 900,1-7-809,4 7 270,0-7-630,-3 7 269,6-3-359,-10 4 90,10 0 180,-6 4-270,3-3 360,4 7-450,-6-7 1169,21 7-809,-19-2-90,13-1-90,-14-1 269,1 0-269,2-3 0,2 7 0,5-7 180,-7 8-450,7-8 180,-5 7-180,2-7 270,-1 3-90,4-4 0,-12 0-90,10 0 0,-9-4-450,2 3 180,-5-3-989,-4 4 719,4 0 90,-3 0-2827,3 0 2859,-4-4 1,0-6-1,0-4 1</inkml:trace>
+  <inkml:trace contextRef="#ctx0" brushRef="#br0" timeOffset="835349">19138 15208 7533,'0'5'359,"0"4"1,0-4 90,-4 8-90,3 2-270,-3 3 1349,0 13-945,1-4 1,0 1-315,-2 11 225,3-1 0,0 1-135,2 2-578,0-7 1,0 0 307,0 15 135,2-9 0,0 3-405,1 2 0,-1 1 135,1-8 1,0 1-451,0 1 0,0 3 1,-1-7-945,-1 6 89,1-9 1,0-4 900,-2-15 539,0-19 0,0-10 0,0-3 0</inkml:trace>
+  <inkml:trace contextRef="#ctx0" brushRef="#br0" timeOffset="835893">19473 15422 7533,'5'-28'-540,"0"9"720,-5 5 539,0 10-179,-5 4-180,0 0 450,-4 4 629,-4 1-990,6 5-269,-5-1 90,3 4 270,-10 14-720,-1-9 90,2 12-809,-16 1 179,-2 8 630,1-4-135,13-16 0,2-4 135,7-4 720,-8 2-630,16-8 180,0-1 0,1 1 0,3-4 89,-3 3-89,4 0 1080,8 1-901,-1 0-179,2-1-449,3 0-1261,-1 2 2970,16 3-1081,-11 0 271,6 0 90,-1 5-720,-4-4 0,6 4 0,-14-9-90,4 3 180,-7-3 0,11 0-630,2 8-360,-4-11 451,3 6-2070,0-8 1260,-7 0 1259,15 0 0,-11-8 0,8-2 0</inkml:trace>
+  <inkml:trace contextRef="#ctx0" brushRef="#br0" timeOffset="836528">19790 15199 7533,'-4'9'629,"3"0"-539,-8 13 1619,0 15-1349,-1-5 135,3-3 0,0-2-136,2 0-44,0 23 0,2 2-315,2-8-1639,-3 2 1,0-2 484,2-12 1278,0-6 0,0 2-124,2 10-45,0-4 0,0 1-45,0 14 180,-4-9-405,3-2 315,-3-28 2977,0 8-2887,3-8 215,-7 8-664,7-8 269,-4 0 180,5-6 675,0-4-585,5 0 0,0 0-90,4-4-90,0 3 90,5-4-180,-4 1 0,8 3-539,0-3 269,2 4 180,3 0-90,-9 0-360,4 0 271,-8 0 89,4 0-450,-1 0 720,10 0 0,-3-4 0,7-1 0</inkml:trace>
+  <inkml:trace contextRef="#ctx0" brushRef="#br0" timeOffset="837410">20245 15124 7533,'-5'0'1799,"-3"5"-1799,7-4 90,-4 3 90,1 0 449,3 1-179,-7 0 359,3 8-449,0 1-270,-4 10 90,5 0 0,0 5 90,-4 9 0,1 3-225,2-3 0,0 1-327,0 0 1,2-2 821,3 16-135,0-22 0,0 2-91,0 8 1,0 4-285,1-10 0,0 1 0,1 0-30,0 12 0,1-1 180,1-2 0,1-3-270,0-15 0,-1-1-135,4 14 0,2-3-134,5-1-1280,-2-5 1,1-5 823,1-11 1,7-11 0,-7-9 0</inkml:trace>
+  <inkml:trace contextRef="#ctx0" brushRef="#br0" timeOffset="840807">20562 15757 7533,'0'5'1439,"0"-1"-1439,4-8 360,1 3-270,4-7 629,5 3-359,-8-5 0,6 1 90,-6-8 89,11-20-359,-6 9-665,7-11 395,-13 21 269,3-26-179,-6 23-809,-2-25 629,-6 35-809,-20-7 719,-4 13 270,-4 5-90,-5 13 270,18 3-270,-1 2 0,4 4 90,-1-2 845,4 16-845,-3-14 0,13 3 270,1-19 0,12 2-180,-2-3 90,8 0 90,-5-1-270,1 1 449,15 4-449,-11-3-359,24 19 269,-25-17-180,8 18 0,-11-3 180,-5-3 45,-2 7 0,-2 2-45,-9 22 180,7-23 0,-1 2-45,-5 4 0,-2-3 135,3-3-180,-8 15-180,9-11 180,-3-6-90,7 22 90,-3-26 0,4 13-180,4-16 90,5-5 90,1 0-90,4-9 180,-5-1-180,5-4 270,4-20-270,-6 6 90,4-17 0,-15 12-90,8-12 90,-8 14 0,3-17-90,-4 18-90,0-6 0,-4 3 180,-2 4-179,-11-2 179,5 7 0,-22-8 0,21 12 89,-21-2 1,22 8 270,-18 8-90,18 2-270,-10 9 90,17-9 0,-3 2-90,7-6 90,-3-1 90,4-1 180,8-4-91,-2 0 91,16 0-90,-11 0 0,11-4 90,-8 3-180,5-3 89,0 4-89,-5 0-180,0 0 180,-5 0-90,0 0 270,9 0-270,-7-4-990,19-2 271,-9-3-181,3 0 271,-7 4 539,-3-4 0,-4 0 0,3-5 0</inkml:trace>
+  <inkml:trace contextRef="#ctx0" brushRef="#br0" timeOffset="841341">20962 15506 7533,'-15'14'0,"6"0"0,1-9 0,3 7 0,-5-1 0,1 7 1259,4 1-270,2 8 1,2 2-900,1-1-235,0 2 1,0 0 414,0-11 180,4 20-270,1-16-90,0 8-955,3-13 595,-6-8 180,6 8-720,-7-12 271,11 10-1440,-1-9 360,7 2 1733,1-9 0,-5-9 1,0-6-1</inkml:trace>
+  <inkml:trace contextRef="#ctx0" brushRef="#br0" timeOffset="842022">21102 15534 7533,'0'5'1529,"0"-1"-1439,0 0 90,0-3 1799,0 7-1440,0-6-89,0 2-90,0 0 179,0-3 1,12 3-450,-5-4 180,23 0-90,-17 0 0,25 0-270,-25 0-360,22 0 90,-20 0 270,-1 4-180,-1-3 91,-12 3-91,7 0-270,-7 6 270,3 0-809,-16 16 899,5-10-90,-15 7-90,8-5 0,-1-8-179,-11 8 629,18-8 180,-17 12 539,23-11-719,-6 2 0,8-4 180,0-8 180,4 7-1,-3-3-179,7 0-90,-7 4 899,16-8-809,-10 7 810,19-7-631,-7 3-269,1-4 0,-2 0-809,3 0 629,-8 0-720,9 0 180,-9-4-1618,-3 3-361,8-7 900,-12 7 799,7-8 1,-8 4 0,4-4 0</inkml:trace>
+  <inkml:trace contextRef="#ctx0" brushRef="#br0" timeOffset="843355">21576 15590 7533,'0'5'0,"0"3"1439,0-7-630,0 3-988,0 0-181,0-3 180,0 8-810,0 0 990,0-3 0,-4 7 0,-1-8 0</inkml:trace>
+  <inkml:trace contextRef="#ctx0" brushRef="#br0" timeOffset="843540">21576 15794 7533,'-4'43'3276,"-1"-10"-2774,-4 6-1042,-1-17 270,1 9-1619,0-5 1529,4-9-809,0 9 629,5-16 540,0 4 0,-4-9 0,-1-1 0</inkml:trace>
+  <inkml:trace contextRef="#ctx0" brushRef="#br0" timeOffset="844221">21790 15627 7533,'-5'9'1349,"4"-4"-1079,-7 8 359,3-3 181,-4 13-630,4-8 989,-4 11-899,8-15-90,-3 11 180,4-3-270,0 0 269,4 8-538,1-11 179,1 1-90,6-3-180,-6-4 180,8-1-90,-1 0 0,-3-8 90,4 3-270,3-8 270,-5 3-90,5-8 180,-3-4-90,0 2 1,1-7 448,2 0-359,-10 3 180,9-20-180,-14 13 90,7-25-450,-14 20 1,-3 2 179,-3-13-90,-8-9 270,6 37-180,-5-4 180,3 9-180,-8-3 180,4 11 0,5-2-90,0 8-180,5 5 180,0 4-1079,-1 2 899,5-1 0,1-10-1619,4-1 1889,0-7 0,4 8 0,1-4 0</inkml:trace>
+  <inkml:trace contextRef="#ctx0" brushRef="#br0" timeOffset="844557">21920 15366 7533,'0'-5'539,"-4"5"-629,-1 9 0,-1 2-89,2 2-1,-4 5 90,6-3 0,-6 4-270,8 15 3636,-4 1-76,3 4-2930,-1-9 0,-1 0-270,-1 12-45,4-11 0,-1 2-225,-1-1 0,0 0 90,2-5 1,0 0-1829,0 23 1469,0-18 269,0-5-450,0-3-89,0 16-181,0-17 1,0 11-360,0-19 1349,4-5 0,-3 2 0,3-7 0</inkml:trace>
+  <inkml:trace contextRef="#ctx0" brushRef="#br0" timeOffset="844941">22115 15497 10501,'0'-6'810,"0"2"-91,9 4-539,-7 4-180,14 2 360,-9 7-2763,10 10 2583,-7-3-1909,4 24 2089,-9-21 90,-1 16-90,-4-3 180,0 3-451,-4 12-89,-1-13-899,-4-2 179,-5-8-179,0-4 449,-1-1 0,-2-13 1017,-6 7 0,2-11 0,-6 7 1</inkml:trace>
+  <inkml:trace contextRef="#ctx0" brushRef="#br0" timeOffset="845921">22376 15320 7533,'5'5'629,"-1"3"91,-4-3-90,-4 9-271,3-4-179,-3 4 360,4 3-360,0-1 180,0 11-1,0 0-885,0 7 706,0-6 0,-4 3 180,3 2-1700,-3 5 1,0 3 1608,3 12-269,-2-12 0,1 1 90,2 7-360,0-15 1,0 1-946,2 0 1,1 0 969,-1-5 1,1-4-296,2 4-179,-1-25-450,-4-10 1169,0-4 0,0-9 0,0-6 0</inkml:trace>
+  <inkml:trace contextRef="#ctx0" brushRef="#br0" timeOffset="846256">22599 15320 7533,'0'9'1349,"0"-4"-809,-4 8-360,3-3 89,-3 4 721,0 8-630,3-6 899,-7 23-360,3 4-719,-1 2 0,2-5-90,2-11 0,0-2 90,1 4-90,-1 14 0,0 4 0,2-17 0,0-2-1254,0 6 0,0-1 1074,0-7 1,0-3-1081,0 11 361,0-2-1080,4 4 360,-3-11 1529,3-8 0,0-10 0,2-5 0</inkml:trace>
+  <inkml:trace contextRef="#ctx0" brushRef="#br0" timeOffset="847804">22776 15664 7533,'0'5'270,"0"-1"-181,5-8-268,-4 3 538,7-7-179,-7 7 450,15-12 179,4-1-629,5-6 0,-2 6 0,-6-3-180,-11 15 90,7-6-180,-12 8-90,3 0 180,-4 8 90,0-2 180,-4 24-270,3-12 270,-7 34-270,7-24 270,-4 4 0,1 1-270,3 0 314,-1 5 1,0 1-225,2-4 120,0 7 0,0 10 0,0-6-345,0-13 0,0-1 72,0 4 0,0 3 1,0-3-73,0-5 0,0-7-45,0-5-450,0 28 361,0-34-1,0 9-900,0-14 631,0-7-1440,0-13 1979,0-1 0,-4-22 0,-1 6 0</inkml:trace>
+  <inkml:trace contextRef="#ctx0" brushRef="#br0" timeOffset="848094">22916 15683 7533,'24'-19'3276,"3"5"-2595,-12 4-950,3 6 89,-9 12 270,0-1 90,5 14-91,-8-5 631,6 15 180,-10 10-541,2-9-89,-7-3 0,-3-2-270,0-4 360,-7 16-450,-1-19 180,4-2-900,-8-4 361,8-5-2070,-16-4 1979,14-1 540,-18-12 0,23 2 0,-6-8 0</inkml:trace>
+  <inkml:trace contextRef="#ctx0" brushRef="#br0" timeOffset="848405">23232 15543 7533,'-11'10'2608,"3"3"-1438,-8 4-541,3 12-449,-9 1-254,9 5 434,3-15 128,5 7 52,-3 5 0,3 14-361,0-5-134,2-12 0,1-1-135,2-6 180,5 12-2608,4-19 2158,1-1-2069,12 4 1980,-11-12 449,6 2 0,-3-12 0,0-1 0</inkml:trace>
+  <inkml:trace contextRef="#ctx0" brushRef="#br0" timeOffset="849004">23362 15571 7533,'0'10'2968,"0"3"-2069,0-12-539,0 3-180,4 0 90,1-3-90,1 3 719,10 0-539,-5-3-180,8 4 90,-6-5-180,-3 0 270,3 0-630,-6 4 360,5 1-810,-11 8-269,3 10 809,-4-7-270,-4 14 180,-1-18-449,-9 18-91,-8-5 720,5-1 90,-9 2 90,16-20 180,-4 7 360,9-4-91,1-3-269,4 3-90,0-5 90,4-3 0,-3 3-90,7 0 359,2-3 91,8 7-540,-2-7 0,6 4-90,-8-5-720,-3 0 361,1 0-721,-7 4 720,0-3-2917,8 3 2866,-11-4 411,10-4 0,-11-2 0,3-3 0</inkml:trace>
+  <inkml:trace contextRef="#ctx0" brushRef="#br0" timeOffset="849504">23688 15497 7533,'0'13'3148,"0"1"-2518,-4 9-361,3 13 1,-3-1 180,4 15 0,0-8 89,0 5-314,0-13 0,0-1-225,0 6-90,0-1 0,0 1-1709,0 6 1709,0 0-989,0-11 0,0-29-1440,4-9 2249,-3-2 270,3-12 0,0 0 0,1-6 0</inkml:trace>
+  <inkml:trace contextRef="#ctx0" brushRef="#br0" timeOffset="849805">23790 15599 7533,'0'9'2968,"4"-4"-2338,2 8-181,3-3 1,-4 5-270,3-2 360,-3 0 719,17 14-90,3 7-719,4 5-540,-6-7-90,3-5-1709,-14-8 1260,10-4-2648,-17-7 1247,-1-8 1220,-4 0 181,0-4 629,0-6 0,-8-4 0,-3-5 0</inkml:trace>
+  <inkml:trace contextRef="#ctx0" brushRef="#br0" timeOffset="850062">23967 15580 7533,'-4'5'899,"-1"4"-449,-4-4 719,-13 17-809,5 2-90,-10 5 0,13-2 629,-4 4-629,12-9 270,-6 13-180,6-19-450,-3 9-2249,0-1 2159,4-3 180,1 0 0,-1-15 0,0-2 0</inkml:trace>
+  <inkml:trace contextRef="#ctx0" brushRef="#br0" timeOffset="850442">24125 15655 7533,'6'9'2248,"-2"-4"-2427,-4 8-1,0-7 180,-4 11 0,-2-6 0,-3 2 0</inkml:trace>
+  <inkml:trace contextRef="#ctx0" brushRef="#br0" timeOffset="850650">24079 15831 7533,'5'25'1349,"-1"-3"-989,-8 0-2879,-5 7 2519,3-4 0,-3-3 0,9-18 0,4-4 0,2 0 0</inkml:trace>
+  <inkml:trace contextRef="#ctx0" brushRef="#br0" timeOffset="851522">24274 15655 7533,'-4'19'2248,"3"3"-1978,-3-12 1079,0 33-1169,-1-14 0,0 16 180,0-6-360,10-5 180,-4-3-810,7-2 540,-3-18 180,13-2-180,-7-9 0,15-13-179,-15 1 179,7-5-360,-9 7-1349,0-7 1439,5-7 270,-4-1 810,4-10-91,-9-6-269,-12 12 0,-3 1 180,-3-17-1,-18 5 91,16 31-180,2 5-2069,4 4 989,3 4 0,-6 5 630,10 2-90,-11 6 180,12-7 0,-3 4 0,4-5-90,0 5 90,0 0-90,0 1 0,4-6 0,2-1 90,7 1-90,-3 2 360,4-2 0,-5 3-270,0-9 809,9 13-989,6-14-180,5 6-449,-9-8-2558,8-12 3264,-19 5 0,12-11 0,-11 9 1</inkml:trace>
+  <inkml:trace contextRef="#ctx0" brushRef="#br0" timeOffset="851775">24535 15571 7533,'0'5'2698,"4"-1"-989,5 13-1349,2-9-450,-2 18 270,-1-3-180,-6 1 0,-3 5-315,2 7 0,-2 1 180,0-5 0,-3 1-215,-1 4 0,-3-5-1179,-7-6 1529,-7 9 0,2-15 0,-3 2 0</inkml:trace>
+  <inkml:trace contextRef="#ctx0" brushRef="#br0" timeOffset="853128">24600 15264 7533,'0'5'0,"0"-1"809,0-4 91,4 0-900,-3 0 90,3 0 90,1 4-1,0-3 541,4 12 629,9 5-359,-3 11-810,3-4 269,4 13-179,-15-24 90,14 20-180,-15-18 0,7 2 539,1 29-629,-4 3-45,-5-21 0,-1 1-157,-1-1 0,-2-1 22,-1 17 0,0 4 45,0-21 0,0 0 45,5 14 90,-4-6-810,3 1 540,0-7 90,-3 6-315,1-10 1,0 0 224,-6 9 0,-1 1 0,-3 1 0,-4-12 0,0 0-250,0 1 0,-1 0 250,-14 15-315,6-17 1,-1-1-46,-7 2 225,-3 0 0,-1-3 315,1-6 0,-16 2 0,15-9 0</inkml:trace>
+  <inkml:trace contextRef="#ctx0" brushRef="#br0" timeOffset="864274">19641 16920 7533,'0'-10'-900,"0"5"1350,0 1 2788,0 4-2878,4 0 270,1-4-1,4 3-449,5-7 630,9-2-630,-7 0 89,10 1 91,-3-4-90,-2 7-180,1-3 270,4 1-180,7 2-360,-2 1 90,4 1-90,-12 4 180,-7 0-360,14 0-2917,-1-4 1697,-8-5 1580,0-2 0,-21-6 0,0 2 0</inkml:trace>
+  <inkml:trace contextRef="#ctx0" brushRef="#br0" timeOffset="864555">19976 16548 7533,'-4'9'1799,"-5"13"-1619,-2-10 1439,-2 22-1260,8-17 541,0 18 269,5 10-629,0-12-180,5 11 89,-4-13-269,3-5-539,0 22 89,-3-21-2159,3 21 2429,0-22 0,-3 6 0,3-10 0</inkml:trace>
+  <inkml:trace contextRef="#ctx0" brushRef="#br0" timeOffset="876459">20953 16362 7533,'-6'5'1079,"-2"-1"-899,7-4 0,-3 0 180,0 0-180,3 0 719,-7 0-269,6 0-540,-2 0 359,0 0-539,3-4 360,-7 3-719,3-8 269,-5 4 0,1 0 90,0-3-180,0 7 270,-1-3-180,-3 8 360,2 1 0,-2 4-180,-1 1 270,8-1 269,-14 17-449,17-9 90,-14 10-3392,16-5 3392,-3-2-474,4 3 384,0-4-180,0 7-90,0 3 270,0-4-270,0 1 270,4-12 3186,5 9-3170,2-7 164,-2 6 0,3-9-270,-10-2 664,15 14-754,-11-12 0,8 13-90,-5-8 90,4 14 45,-9 1 0,-1 1 135,5 12-90,-7-15 0,-2-1 180,1 9 0,-4-12 90,-1 9 89,-1-9-359,-2-11 540,7 14-270,-7-18-180,7 10 90,-8-9-90,8-3 90,-7 8-1,7-8-89,-11 0-180,5-6-179,-14-8 179,9-1-90,-5-1-450,3-10 450,8 9-2248,-10-23 89,9 5 2339,-2-12 0,5 4 0,4 0 0</inkml:trace>
+  <inkml:trace contextRef="#ctx0" brushRef="#br0" timeOffset="878092">21176 16752 7533,'0'5'-270,"0"0"3238,0-5-2698,4-5-270,-3 0 180,3-4 0,0-9-180,-2-1 0,6-5 90,-7 5-180,3-2 0,-4 13 0,-17-8 0,1 19 0,-8-2 0,-2 21 270,19-10-180,-10 10 0,12-9-180,0-2 180,-3 2-90,7 1 90,-3-4 0,4 3 0,0-3 90,0-1-90,0 0 270,4 1-270,5-5-90,6-1 90,-1-8-450,4-1 0,-4-9 361,5 4-721,8-4 630,-15 9-270,13-3 450,-23 15 180,6-1-360,-12 9 360,3 2 90,-15 14-90,8-4 90,-5 18-270,9-25 90,4 23 0,0-29-90,0 33 0,4-30-90,-3 10 180,7-9-90,-7-12-90,7 6 360,-2-7-270,-1 1 0,3-2 90,-7-4 0,7-4-180,-3-2-540,5-15 360,-5 8 0,-1-12 270,-4 14-90,0-2 360,-8-1-360,6 4 630,-23-8 1709,-4-4-1980,6 9-89,-2-3 90,25 16 90,0 0-180,0 4 180,5 1-90,0 4-91,4 1-89,0-5 90,5 3-180,-4-3-90,12 0 0,-11 0-2158,15-10 1618,-6-4-2248,4-9 2248,-6-2 630,0-15 0,-8 13 0,4-9 0</inkml:trace>
+  <inkml:trace contextRef="#ctx0" brushRef="#br0" timeOffset="878372">21409 16678 7533,'0'5'2338,"0"-1"-1438,-9 13-181,-1-5-449,0 15-360,-3-13 270,8 0-180,-4 3 0,4-1 0,1 3 180,4-2-450,0-2 0,4 20 270,1-17-2338,12 16 1888,-5-27 450,10 5 0,-12-11 0,3 3 0</inkml:trace>
+  <inkml:trace contextRef="#ctx0" brushRef="#br0" timeOffset="878808">21465 16659 7533,'0'5'1799,"0"0"719,0-5-1528,4 4-720,-3 1 359,15 4-899,-13-4 360,22 0-1439,-13-1 1169,6 1 0,-8 0-629,-2 7 449,-7-10 90,3 11-360,-8-4 361,-1 1-1,0 4 270,-4-5-270,4 1 180,0-1 270,-7 0 0,5 0 539,-2 1-539,5-5 360,4-1 899,8 0-899,2 1-360,5 1-90,3-2-180,-8-4 90,3 0 0,5 0-90,-7 0 90,7 0-1350,-9 0 541,0 0 809,1-4 0,-1-2 0,0-3 0</inkml:trace>
+  <inkml:trace contextRef="#ctx0" brushRef="#br0" timeOffset="879355">21836 16650 7533,'0'14'3058,"0"-4"-2608,0 2-540,0-10 180,4 11-810,-3-12 90,8 7-809,-8-7 1439,7 3 0,-7-4 0,3 0 0</inkml:trace>
+  <inkml:trace contextRef="#ctx0" brushRef="#br0" timeOffset="879555">21864 16836 7533,'0'16'2968,"0"8"-2968,0 4-720,-4 16 720,3-13 0,-3-2-809,4-20 449,0-3 180,0 2 180,0-8 0,0 0 0</inkml:trace>
+  <inkml:trace contextRef="#ctx0" brushRef="#br0" timeOffset="880072">22050 16715 7533,'-4'5'2069,"-1"4"-1710,0-4 1170,-8 8-449,11 2-990,-6-1 90,8 8-180,0-7 0,8 8-450,7 0-629,17-4 359,2-8 720,-5-8-450,-3-21 270,-16-1 90,-1-1-90,0-10 180,-8 18-89,3-18 268,0 18 91,-3-18 270,-13 10 0,-9-4-271,-4 10-89,-1 10-360,16 8 360,-3 2-449,-1 11-181,0-1 180,3 6-450,3-7 451,8-6-1530,0-1 809,0-7 990,0 4 0,0-5 0</inkml:trace>
+  <inkml:trace contextRef="#ctx0" brushRef="#br0" timeOffset="880654">22134 16492 6723,'0'-9'-899,"0"3"899,0-2 0,0 7 180,0-3-90,0 12-90,0-6 269,0 6 1,0-8-270,0 0 180,-4 0-90,3 0 540,-3 0 719,4 5-809,0-4 269,0 11-449,0-6 0,0 12 0,0-8-181,0 4-2761,0 16 2672,0-16 353,0 24-353,4-26 270,-3 22-900,3 4 180,-7-10 1,-2 1 44,2 0 0,0-1-404,-7 10-541,6 4 990,4-32 3389,0 14-3209,0-18-179,0 3-891,4 0-279,1-4 1439,1 0 0,2-10 0,-3 0 0</inkml:trace>
+  <inkml:trace contextRef="#ctx0" brushRef="#br0" timeOffset="881090">22339 16455 7533,'5'14'1619,"-5"4"-1259,-1-8-1,-3 3 271,4-3-270,0-1 899,0 4-90,8 10-809,2 6-180,1-4 0,-3 1-270,-8 1 90,0 11-90,-4 5 0,3-1-270,-7-6 270,2-11-89,-3 18-1,0-16 0,0 13 0,-5-12-810,4-4-269,-8 7 989,8-15 270,-8 10 0,8-19 0,-4 1 0</inkml:trace>
+  <inkml:trace contextRef="#ctx0" brushRef="#br0" timeOffset="882341">22553 16790 7533,'0'5'0,"0"-1"0,0 0 2428,0-3-1528,0 3-450,0 0-720,0-3 90,4 8-360,-3-8 450,3 3-270,0-4 91,-3-4 89,8 3 180,-8-8 0,7 0 0,-3-5 0</inkml:trace>
+  <inkml:trace contextRef="#ctx0" brushRef="#br0" timeOffset="882690">22702 16529 7533,'-4'20'2518,"3"-3"-2428,-3-7 270,4 7-270,0-5 90,0 13-270,0-9 270,0 27-90,0-7 0,0 7-270,0 4-720,4-11 630,5 6-359,-3-14-1,11-7 360,-15-10-1079,19 2 450,-10-8 899,8 0 0,-6-14 0,-8-1 0,-1-9 0</inkml:trace>
+  <inkml:trace contextRef="#ctx0" brushRef="#br0" timeOffset="883054">22925 16734 7533,'0'5'1079,"-8"7"180,-2 11-1169,-1-5 180,-1 16-90,11-23-3457,-3 19 3162,8-22-1760,5 17 1785,6-23-606,12 2 516,-11-9-809,14-12 719,-18 5 0,5-9-270,-12 2 450,4 3-450,-8-9 630,3 13 2788,-17-14-2788,6 19 1990,-15-9-1181,-5 15-433,10 1-106,-13 13-1169,24-6 89,-3 14 720,9-19 0,0 10 0,0-6 0</inkml:trace>
+  <inkml:trace contextRef="#ctx0" brushRef="#br0" timeOffset="883625">23093 16743 7533,'14'-22'2069,"-4"6"-1530,-6-11-359,-8 4-180,-2 12-270,-7-6 180,7 12-90,-7 4 90,8 2-179,-8 21-1,7 3 180,-3-1 90,9-2-90,0-13 90,0-3-90,0 2-180,0-7 180,4 3-90,-2-4 0,10 0 90,-10 0 0,19 0 180,-14-4-90,10 3 450,-7-3-180,-1 4 450,-4 8-541,4-2 181,-8 12-90,3-8-180,-4 8 270,4 0-180,-3 2 90,3 15-270,-4-1 179,0 4-3456,0 7 3252,0-19-1019,0 1 0,0 1 1134,0 1 0,0 16 360,0-10-360,0-13 179,0 5 181,0 3-540,0-17 2449,0 13-2449,0-21 3366,0-1-2981,-4-4-474,3 0 89,-12-16 0,7 7-90,-7-17-3097,3 12 2712,5-5 205,-7-7-1259,6-8 450,-4-4 179,6 5 361,4 10 179,0 6-117,0 2 0,4-3 0,2-1 0</inkml:trace>
+  <inkml:trace contextRef="#ctx0" brushRef="#br0" timeOffset="884354">23297 16529 7892,'-5'0'1889,"1"0"-359,12 0-1171,-6 0 361,19-4-450,-10 3-90,8-7-450,-6 7 360,-4-8 90,-3 8-1080,6-7 630,-10 7-269,10-3 539,-11 4-90,8 0 90,-8 0 0,3 0 0,-4 8 719,0 11-539,0 6 90,0 2 180,-4 13-360,3-18 134,-1 10 1,0 1-135,2-3 45,0 2 0,0 1-45,0-2 0,0 3 0,0 1-450,0-4 180,0 21-1349,0-1-90,0-24 1080,0 17 179,0-36-360,0-8 270,-5-4-1169,4-18 1619,-3 4 0,0-17 0,-1 11 0</inkml:trace>
+  <inkml:trace contextRef="#ctx0" brushRef="#br0" timeOffset="884638">23464 16576 7533,'10'0'899,"-5"0"-359,3-5 269,-3 4-359,1-3 90,6 4-360,-6 0 180,8 0-181,-5 4-89,-4-3 450,3 12-360,-2-7 0,-1 7-270,-1 1 180,-8-4-90,-10 20 90,3-12 0,-15 25-90,11-25-630,-4 12 90,1-24-899,12 2 180,-6-8 1259,11 0 0,-8-4 0,4-1 0</inkml:trace>
+  <inkml:trace contextRef="#ctx0" brushRef="#br0" timeOffset="884958">23734 16455 7533,'0'9'1889,"-4"-4"-540,-5 16-1169,-1-13 719,-8 26-449,12-21-90,-7 8 90,12-3 539,-3 6-989,4 0-90,-4-1 450,3-1-540,-3-7 180,4 4 180,4 3-1170,-3-11-539,12 19 990,-7-18-1890,11 10-90,2-17 1699,-4-1 1,3-8 0,-9-1 0</inkml:trace>
+  <inkml:trace contextRef="#ctx0" brushRef="#br0" timeOffset="885304">23837 16520 7533,'9'18'3276,"-4"-3"-975,4-2-1942,-4 1-89,0-8 270,11 15 269,-4-10-449,15 16 0,-8-8-450,8 4-540,-3-4 271,-4-5-721,1 4 900,-14-12 0,5 2 180,-11-16 0,3 2 0,-4-8 0</inkml:trace>
+  <inkml:trace contextRef="#ctx0" brushRef="#br0" timeOffset="885576">24079 16482 7353,'-5'10'3276,"-12"7"-2235,10-5-51,-19 14-540,15-15 179,-15 15-539,14-15-180,-9 15-1079,6-6 468,5-1 432,2-1-2076,3-5 1715,4-2-1259,-3 2 1889,0-8 0,3 4 0,-3-4 0</inkml:trace>
+  <inkml:trace contextRef="#ctx0" brushRef="#br0" timeOffset="885855">24246 16520 7533,'5'5'3058,"-4"3"-3058,3-3 0,-4 1-1259,0 2 1169,0-7 90,0 7-630,0-7 270,0 3 360,0 0 0,-4-3 0,-2 4 0</inkml:trace>
+  <inkml:trace contextRef="#ctx0" brushRef="#br0" timeOffset="886071">24209 16697 7533,'4'14'1529,"-3"-1"-989,3 1-361,-8-4-179,3 4-1439,-11 7 1169,6-8 180,-4 13 0,2-20 90,7 14-89,-7-12-1,7 9-450,-3-3 450,-1-8 90,4 6 0,-7-11 0,3 3 0</inkml:trace>
+  <inkml:trace contextRef="#ctx0" brushRef="#br0" timeOffset="886805">24386 16622 7533,'-4'19'3276,"3"-5"-3224,-7 4 38,7-8 1169,-8 24-719,12-15-540,-2 12 0,5-18 180,2-8-630,-3 4 180,8-8-180,2 7 180,4-7 91,-5 3-91,0-4 270,3-4-180,7-9 90,-3 1-180,0-14 270,-11 11 0,-5-8-630,7-12 720,-10 12-90,7-12-90,-9 21 450,-13-8-360,6 10 180,-15-5 0,12 12-90,1 1 0,-4 4-180,7 4 0,-8-3 0,5 11 90,0-1 0,0 7 90,-1 1-180,5-9 450,-3 11 0,7-14-270,-3 11 359,8-9-179,5 0-90,6 1-90,-1-5 90,8-1-90,-11-4-90,7 0 180,-9 0-180,9 0-90,-7 0 0,2 0-720,-4 0 361,-4 0 269,0 0-810,-1 0 91,0-4 899,-3-1 0,3-9 0,-4 0 0</inkml:trace>
+  <inkml:trace contextRef="#ctx0" brushRef="#br0" timeOffset="887066">24674 16520 7533,'8'9'2698,"-2"-4"-1349,4 8-989,-6-7 0,-4 7 989,4 5-1259,-3-7 180,7 15-90,-7-15 180,8 24-180,-4-18-270,0 10-180,-1 3 90,-4-12 90,0 21-360,-4-19 180,3 7-1169,-12 0 810,11-10 89,-10 4 540,-5 1 0,4-14 0,-8 9 0</inkml:trace>
+  <inkml:trace contextRef="#ctx0" brushRef="#br0" timeOffset="888855">24916 16790 7533,'-9'4'2069,"3"-3"-1620,-2 11-449,7-10 180,-7 15-1079,3-7 719,-5 5 0,5-2-90,-3 0-90,3 2 360,-1 3-90,2 5 360,4-7 0,0 5-90,0-10-90,0 2 0,13-4 0,-10-3-180,22-2-90,-22-8 0,26-10-90,-17-1 270,7-8 0,-7 4-450,-7-3 360,5 2-89,-5-3-181,-1-4 90,0-2 90,-3-12 180,3 11 0,-8-1-180,-1 0 540,0 1-270,1-7 539,0 13 1,3 7-90,-4 7-180,5 5 89,0 1 271,0 16-630,0-4 450,0 13-361,0-6-89,0-1 270,0 8-90,5 2 90,0 9-180,0-4-360,-1-2 90,-4 4-180,0-10 180,0 10 180,0-4-1079,0-6-540,4 10 1079,1-16-899,0 7 899,4-16 90,-8 3 360,7-9 0,-7-5 0,3 0 0</inkml:trace>
+  <inkml:trace contextRef="#ctx0" brushRef="#br0" timeOffset="889211">25083 16799 7533,'10'5'2248,"-5"3"-2068,-1-7 360,0 3-360,1-4 629,5 5-359,-1 0-90,0 4-180,1 0-90,-5 5 90,-1-4-540,-4-1 270,0 4-720,0-7 451,-4 7 89,-1-3-360,-1-1 270,2 0-89,0 1 269,3-5-90,-3 3 180,4-3 810,4 9-541,1-8 631,5 6-630,-1-11-90,0 3 180,5-4-270,-4 0 0,3-4 0,-3-1 0</inkml:trace>
+  <inkml:trace contextRef="#ctx0" brushRef="#br0" timeOffset="919893">20562 17915 7533,'-29'9'-1350,"6"1"1350,5-1 0,8 0-820,-8 1 1,8-5 0,-3-1 0</inkml:trace>
+  <inkml:trace contextRef="#ctx0" brushRef="#br0" timeOffset="924192">20608 17431 7533,'0'-5'-1350,"0"1"3869,0 4-1889,0 8-360,0-6-1,0 7 361,0-5-180,0-3-270,0 7 359,4-3-269,-3 5-90,3-5-90,1 7 90,-4-6 90,7 20 0,-7-13-1,7 25 451,-7 4-450,8 4 90,-8 3-1710,11-13 991,-6-19 179,4 0 90,-6-22-270,0 0 180,-3-8-629,11-10 539,-10 2-270,11-18 450,-8 9-360,8-15 450,2 6-180,-1 15 360,-4 3 0,-2 16-90,1-5 180,1 5 270,4 1-91,-5 12-179,-4-1-90,4 6 450,-4 5-270,4-7-90,-4 11 449,8-8 360,5 25-719,3-11-135,-3 1 0,-1-1-585,4-5-90,2 3-809,3-26 809,-18-10-1349,21-21 270,-18-12 1169,2 14 1,1 1 179,2-11 0,5 9-90,10 33 1260,-12-1-181,11 20-719,-21-7 899,5 4-449,-8-1-90,10-8-180,-9 7 1169,14 6-1439,-1 2 180,0-5 0,6 0 0,-11-14-810,4 4 180,7-10-1079,-2-14 1169,5-1-45,-1-8 1,0-2 404,6-4-66,-5 7 0,0 0 246,12-1-924,-11 13 654,1 2 270,-13 3-90,-3 4 0,3-3 0,-4 8 89,0-3 479,12 20-209,-13-8-449,8 9 1209,-11-8-760,3-1 1,14-7-1080,-5-2 361,9-9-271,0-8 270,-9 3 0,3 1 0,1 0-89,6-1 359,18 0-90,-17 6 359,-9 0-89,-2 3 270,9-7-180,0 3-180,14-5-225,-17 7 0,-2 1 135,3-2-630,2 5 1,-3 2 179,-14 2-809,12 0 1259,-22 8 0,-4-11 0,0 6 0</inkml:trace>
+  <inkml:trace contextRef="#ctx0" brushRef="#br0" timeOffset="925338">1163 18120 7533,'-24'9'3276,"9"-4"-2954,7-1 37,8 0-1078,0-3 269,0 4-2068,0-1 2518,0 1 0,4 4 0,1 0 0</inkml:trace>
+  <inkml:trace contextRef="#ctx0" brushRef="#br0" timeOffset="926162">1284 18008 7533,'-10'0'-360,"1"0"720,4 0-1,1 0-808,4 0 449,8 4 0,-6-3 0,6 3 0</inkml:trace>
+  <inkml:trace contextRef="#ctx0" brushRef="#br3" timeOffset="932300">20366 17534 7533,'0'5'3276,"0"-1"-2055,0-4-591,8 0-270,-6-4 449,19 3-629,-18-3 0,14 4 1349,21 33-1169,-16-17 44,6 12 1,0 0-45,-8-6-180,3 9 0,-5-8-270,-4 4 180,5-2-90,-5-2-180,0-10 270,-9-7-90,3-6 180,10-35-180,-6 15 0,3-6 0,0 0-180,1 1-3097,15-15 14,-15 18 2720,14-12 543,-14 23 90,2-7 0,17 9 360,-13 4 44,5 10 1,-1 6 135,1 11-540,4 7 3186,-13 1-2532,8-19-834,4-10 0,12-16 0,-9-10-45,-13 7 0,0 1-40,10 0 85,-6 2 0,1 0-90,14 4 0,-8 1 0,1 2 0,14 12 90,-5-2 90,-11 19 270,-6-5-270,-3-2 90,13-1-90,-18-12 90,11 3-3367,12 0 3252,-15 1 25,23 4-2178,-22 1 2268,3-1 0,-1 0 314,-3-1 1,4-2-360,12-12 0,1-3 0,-6 10 0,-2-3-265,6-9 1,-4-4 309,-7 2 2096,-4 3-2276,11-4 0,-14 5 180,6 4-360,-9 1 3403,5 0-3223,6 7 90,0-2 180,-7 8-180,-8 0 270,3 1 90,-1-5-2882,7-1 2432,-9-4-1198,20-4 838,-15-1-578,28-9 758,-25 8-2339,18-6 2519,-20 11 1889,11 1-1709,-7 5 2051,4 4-1331,4-4 175,-7-1-265,10-4 918,-9 4 0,2 1-906,6 2 1,0 0-733,-4-2 0,0 1-90,0 4 0,-4-3 90,-11-6-720,28-1-89,-3-18 584,-14 12 0,0 0-45,20-16-90,-20 15 1,0 1-91,16-4-4,8 0 454,-18 6-180,-9 4 270,-4 0-360,4 0 180,-4 0 450,16 4 89,-13-3-1905,6 1 1,0 0 1635,1-2-45,1-1 0,1-2-135,8-2-90,-7-2 0,-1 1 0,7-1-116,-10 1 0,-1 0 116,-1 5-90,6-3 0,16 8 90,-23 1 90,3-1 0,0 1 0,-11 5-90,13-5-180,-3 3 180,-5-7-899,17-1 539,-14-9-499,5 0 0,1-1 859,0-5-45,-3 7 0,0 2 135,8 2-180,12 8 630,-4 2 44,-14 0 1,-3 1-45,0 3-270,4 0 540,-9 2-360,-7-6-200,20 12 19,-14-8 682,27 8-681,-25-8-81,20-1-279,-14-5 90,0-4-1079,2-8 989,-11 2 2366,-2-7-2816,4-1 630,-11 4 816,15-8-1086,-10 4 465,2-5-375,-4 9-1249,-5-7 1429,-4 7 0,-1-9 0,-4 1 0</inkml:trace>
+  <inkml:trace contextRef="#ctx0" brushRef="#br3" timeOffset="934111">20981 18296 7533,'0'10'539,"0"-5"-89,0 3 270,0-7 1798,0 3-2428,4-4 540,5-16-720,1 8-450,8-22 360,-12 18-449,7-5 449,-12 11 0,3 2 0,-4 4-90,0 0 180,0-4 630,0 3-360,0-7 180,0 3-270,0 0-90,0 0 0,0 1 0,0 3-270,0-3 90,0 0-90,0-1 180,0-4 90,0-1 0,0-3-90,4-6-90,-3 4 90,3-7-360,-4 7 271,0 1-91,4 1 180,-3 3 0,3 5-180,-4-3 90,0 7 630,0-3 539,-4 8 1,3 1 719,-7 33-1439,3-17 89,0 26 271,0-15-450,1-2 179,4-1 1,-1-1 0,-3 5-90,4 20-45,2-26 0,0 0 45,3 15-180,5 8-90,-5-27-990,7-6 990,-5-11-539,6 3 269,-4-9 180,1 0-900,-1 0-179,13-17 359,-6 5-89,15-24 449,-15 16 45,-3-3 1,0-2-1036,2-11 1081,4-6 35,-6 7 1,-4 11-1,1-4 1</inkml:trace>
+  <inkml:trace contextRef="#ctx0" brushRef="#br3" timeOffset="934426">21316 18166 7533,'-4'49'1638,"3"-20"0,1-1-597,0-1-771,1 4 270,11-14-630,-6-7 90,8 4-630,11-9 630,-11-5-540,12-5 91,-13-9 179,-2 0 90,2-1 0,-8 6-180,-1-3 180,-4 6 90,0-8-89,-4-3 89,-1 5 90,-8-5 0,2 11 90,-2-2-90,-9 7 90,10-3-180,-14 12-90,15-6-720,2 15 450,5-15-989,16 10 1439,4-11 0,8 4 0,-2-5 0</inkml:trace>
+  <inkml:trace contextRef="#ctx0" brushRef="#br3" timeOffset="934972">21576 18194 7533,'6'-4'2698,"-2"-1"-1618,-4-4-451,0-5-269,0 8-540,0-7 180,-4 12-450,-14-3 180,6 8 1,-10 10 179,17-3 90,0 15 0,5-15-360,5 19 90,-4-21-180,7 7 1,-3-16 179,4 0-270,5-4 540,-4-1-90,12-8 0,-7-2 270,8-4-90,-8 9-90,-6-2 90,-5 11 0,0-4 0,-3 1 180,3-5-270,-4 3 359,0-7-179,5 12 0,-4-7 540,7 7-360,-8-3-180,8 12-180,-2 11 269,-1 10-449,3 12 1,-7 2 269,3-9-360,4 17 719,-1-12 1,1 0-788,-1-9 1,1 1 382,1 9 0,0-2 135,4 7-90,-6-14 0,5 13 0,-11-19 0,3 2-360,-4-4 90,0-12-590,0 6 500,0-16 270,-4 3-270,-1-8 180,-4-2-90,-1-3 376,-7-13-286,5 6-270,-9-11-1349,-6-16 1709,10 14 0,3 4 0,2 1 0,3-4 0</inkml:trace>
+  <inkml:trace contextRef="#ctx0" brushRef="#br3" timeOffset="935392">21883 18008 7533,'8'5'3276,"-6"-1"-2055,10-4-1491,-6 0-90,7-4 360,6 3-89,-4-3 268,11 0-179,-15 3 0,15-7 270,-14 7 0,9-8-270,-14 8 0,5 1 90,-11 1-180,3 20 0,-4 12-90,0-1 180,-4 12 90,3-12-45,-3-5 0,0 0-168,3 16 78,-1-16 0,0-2 405,2 3 45,5 16 0,2 2-225,0-2-1781,0 2 0,0-2 1061,1-21 360,-7-4-1619,7 3 360,-7-15 1489,3-11 1,-4-13 0,0-15 0</inkml:trace>
+  <inkml:trace contextRef="#ctx0" brushRef="#br3" timeOffset="935663">22153 17989 7533,'9'0'3276,"0"0"-1425,9-4-2121,-7 3 180,7-3 900,4 37-451,-14-16-89,8 22 180,-16-21-90,0-4 89,0 13-449,0-6 180,-4 5-2069,-22 10 1530,12-18 269,-20 8-1889,19-22 899,-3-4 1080,-5 0 0,7-8 0,-1-2 0</inkml:trace>
+  <inkml:trace contextRef="#ctx0" brushRef="#br3" timeOffset="935988">22451 17869 7533,'0'5'1889,"0"-1"-540,-9 0-1079,7 1 269,-10 5 541,2 7-451,0 11 1,-3 6-450,3 7-90,5-12 90,1-2-180,4 0-360,4 10 0,6-2-1349,4 2 1169,5-11-809,3-10-630,2 6 1979,-4-16 0,2 6 0,-8-7 0</inkml:trace>
+  <inkml:trace contextRef="#ctx0" brushRef="#br3" timeOffset="936375">22581 17841 7533,'0'14'3276,"0"0"-2145,0 3-681,4-6 809,5 24-270,8-8 1,2 0-720,-6-3 0,1 1-225,10 9 0,1-2 404,8 1-2459,-8-9 1380,1-2 360,-8-12-1709,-2 3 1080,2-3 269,-9-5 360,0 3-1529,0-7 900,-3 3-181,2-4 91,-7 0 1536,3-8 1,-4-2 0,0-9 0</inkml:trace>
+  <inkml:trace contextRef="#ctx0" brushRef="#br3" timeOffset="936597">22907 17869 7533,'0'5'3276,"-4"3"-1515,-6-3-1311,-13 13-271,-1 1-358,-13 13 179,13-3-90,1-1 0,1 3-956,11-10 1046,-7 2-511,9-2 332,0-9 89,3 5-3187,-2-3 1606,7-4 1671,-7 4 0,3-5 0,-5 0 0</inkml:trace>
+  <inkml:trace contextRef="#ctx0" brushRef="#br3" timeOffset="936811">23046 17952 7533,'6'15'3276,"2"-6"-1065,-7-5-3021,3-4-89,-4 0 539,0 4-1079,4-3-360,-3 8 989,7-4 810,-7 4 0,8 0 0,-4 1 0</inkml:trace>
+  <inkml:trace contextRef="#ctx0" brushRef="#br3" timeOffset="936962">23111 18157 7533,'24'42'3238,"-5"-13"-2429,-10-7 1,-5-9-540,-4 2-990,0-1 450,-4 4-3007,-9 0 2882,1-6 0,-5 4 0,7-10 0</inkml:trace>
+  <inkml:trace contextRef="#ctx0" brushRef="#br3" timeOffset="937616">23381 18027 7533,'0'14'3276,"0"8"-2145,0-7-951,0 4 360,0-6-180,0-3-1,0-1-89,0 4-90,0-2 90,0 2-360,0-3 180,4-1-450,1 0 360,8 5 0,-2-8-1079,6 6 809,-6-11-450,6 3-449,2-16 539,-4-16 540,-1-7 90,-10-2-269,-4 6 628,-4 7-269,-1 0 810,-9-3-810,4 12 90,-4-3 179,5 9 181,-4 0-630,6 3 270,-13 6 0,8 18-180,-6 7 0,8 0 90,6-8-90,4-9-90,0 2 90,0-4 90,0 6-180,0-6 90,4-1 0,6 3 270,0-3-270,4 0 180,-5 4-90,0-8 0,5 3 359,-4-4-359,3 0-449,-3-4 179,3 3-270,6-12-1079,9-1 899,-12 2 270,5-4-989,-16 15 360,0-3 696,-1 4 1,-12 0 0,-2 0-1</inkml:trace>
+  <inkml:trace contextRef="#ctx0" brushRef="#br3" timeOffset="937922">23679 17924 7533,'19'11'3276,"-5"1"-1335,-6-11-1312,1 12-809,2-7 180,6 11-89,-11-6-1,11 6 359,-7 2 181,5 13-180,2 2 360,-6 7-361,-2-8-269,-1 4 180,-7-13-3457,3 16 2623,-4-19 744,-4 6-2519,-1-5 1979,-4-11 90,-1 7-1888,-7-9 2248,1-4 0,-2 4 0,4-4 0</inkml:trace>
+</inkml:ink>
+</file>
+
 <file path=ppt/ink/ink2.xml><?xml version="1.0" encoding="utf-8"?>
 <inkml:ink xmlns:inkml="http://www.w3.org/2003/InkML">
   <inkml:definitions>
@@ -1623,66 +2328,66 @@
   <inkml:trace contextRef="#ctx0" brushRef="#br0" timeOffset="213472">9621 11618 7083,'-6'0'2069,"-2"4"-1709,7 1-181,-7 4 181,3 9 0,-5 6 0,1 9-180,0 4 90,0-4-270,-1 3 0,-3-3-90,2-4-90,-6 2 180,11-15-630,-7 1 270,8-8 180,0 1-1259,-3-1 450,7-4 539,-4-1 90,1-4 360,3 0 0,-3-8 0,4-2 0</inkml:trace>
   <inkml:trace contextRef="#ctx0" brushRef="#br0" timeOffset="213758">9574 11655 7533,'9'-4'539,"-3"3"361,2-4-1,-3 5-629,0 0 270,3 5 179,2 0-539,0 4 270,-1 0 180,4 9-450,-7 2 0,7-1-270,-3 3 180,-1-3-180,0 0 90,0 8-360,1-3 180,-1 0 90,-4-6-630,3-4-89,-3-5-630,4-4 899,-3 3-180,2-7-89,-3 4 359,0-5 450,4-5 0,-4 0 0,4-4 0</inkml:trace>
   <inkml:trace contextRef="#ctx0" brushRef="#br0" timeOffset="214098">9927 11590 7533,'0'-5'180,"0"0"-1,0 1 721,0 3 1349,0-3-1890,-4 12-179,3-6 0,-3 11 0,0-4 0,3 1 0,-8 8-180,8-8 270,-11 16 0,10-13-360,-11 12 450,8-2-271,-4 2 1,0 7-90,3 0-90,-2-7 90,3 6-269,0-12-1,1 0-450,-1-5 91,4-5-631,-3-4 541,4 3 269,0-7 90,0 3 0,4-4 0,2 0 1</inkml:trace>
-  <inkml:trace contextRef="#ctx0" brushRef="#br0" timeOffset="216347">10523 12436 7533,'-5'0'539,"-4"0"1,8 0-270,-3 0 450,4-4-451,0-1-89,4-4 0,1-5 0,5 4-90,-5-4 90,7 1 0,-5 3-270,2-4 180,-1 5-3367,-3 0 3072,1 3 25,2-2 90,-7 7 0,3-3 0,-4 4-90,0 0 180,0 4 3276,4 10-2890,-3 5-386,3 9 0,-4-4 180,4-1 90,-3 12 90,4 4-360,-5 4 90,0-2 179,4 3-269,-3 5-23,3-17 0,0 1 23,-3-1 0,-1 1-375,4 0 0,0-1 375,-3-1 0,-1-1-90,2-2 0,1 0-270,1 18-89,-3-8 89,3-11 90,-4-8 0,0-10 392,0-4-752,0-5-1214,0-25 1844,-4 2 0,-1-18 0,-5 9 0</inkml:trace>
-  <inkml:trace contextRef="#ctx0" brushRef="#br0" timeOffset="216697">10625 12455 7533,'0'-10'-360,"0"1"360,0 4 809,0 1 181,0 4-360,0-4-91,9 3-89,1-3 90,13 4-360,-8 4-1,3-3 91,-5 7 180,2-3-270,-1 0-270,0-1 270,-5 1 0,0 0 90,-4 0-1,4 7-89,-8-1-90,3 11-90,-4-6-90,0 1-90,0 1 180,-4-2-89,-1 2-361,-5 4 180,-3-3-90,-2 5-359,-3-1 179,-1-4-1259,-4-5 1529,8-5-719,1 0 989,6-8 0,7 3 0,-3-4 0</inkml:trace>
-  <inkml:trace contextRef="#ctx0" brushRef="#br0" timeOffset="217108">11147 12297 7533,'-6'0'1619,"-2"4"-540,7 1-89,-7 8 629,-2 18-1260,0-8-179,1 12 270,1-8 90,2 2-180,1 12-181,1-11 91,4 1 180,0-4-180,0 2-90,0 8-180,0-4 0,0 0 0,4-10-90,-3-4 180,7-2-180,-2-6 180,-1 2-450,3-3 90,-3-1 90,5-4-1169,-1 3 270,4-7-810,-2 3 899,2-4-1438,5 0 2428,-7-4 0,6-1 0,-8-4 0</inkml:trace>
-  <inkml:trace contextRef="#ctx0" brushRef="#br0" timeOffset="221010">11388 12399 7533,'0'5'989,"0"-1"-539,0 0 90,4 2 89,5 3 451,14 13-721,-2-2-179,1 4 0,-8-6 0,-5-9 90,0 4 90,5 2-270,0 8-180,5 0 270,-5 1-360,0-5 90,-5 2 90,1-5-450,-1 2 180,0 0 270,0-3-360,-3-1 91,2-1-541,-3-3 270,0-5-809,4-1 270,-8-4-1,7-4 1080,-3-1 0,4-9 0,1 0 0</inkml:trace>
-  <inkml:trace contextRef="#ctx0" brushRef="#br0" timeOffset="221265">11741 12380 7533,'-4'6'539,"-1"-2"-359,-4 0 360,-5 1-360,4 0 450,-8 8-271,4-7-179,0 11 90,-4-6 0,8 2-3392,-8 1 3392,8 0-1191,-8 5 1011,8-5-221,-4 4 311,5-4-275,-9 9 185,7-8-90,-7 3 0,9-9 90,0 5 90,4-4-1080,-4 3 3231,8-7-2601,-3 2 1735,4-3-2994,0 0 1183,0 3 346,0-7 0,4 8 0,2-4 0</inkml:trace>
-  <inkml:trace contextRef="#ctx0" brushRef="#br0" timeOffset="221749">11835 12631 7533,'0'6'2338,"0"10"-2158,0-9 0,0 11 540,0-5-91,0 6-179,0-3-270,0 1 0,0-8-270,0 1 180,0 3 0,0-3 90,-5 4-450,4-5 270,-3 1-90,4-1 0,0 0-90,0-4 180,0-1-989,0 1 539,0-4-629,0 3 179,4-17 630,2 6-269,-1-10-181,3-1 540,-7 7 180,7-11-90,-7 12-90,8-4 0,-8 1 180,7 2-90,-7-2 270,11-5 0,-10 7 450,11-7 179,-12 9-449,7 4-90,-7-3 540,7 7-361,-6-8-89,6 8-90,-7-3 90,7 4 179,-3 0-359,0 0-90,0 0 90,-1 4 0,-3-3-90,7 12 90,-7-7 0,3 7 180,0 5-181,-3-7-89,8 7 90,-8-9 0,3 9-90,-4-7 270,0 7-630,4-9-270,1 9-1259,4-11 990,-3 5 359,2-12-1169,-3 0 630,0 0 989,4-4 0,-4-1 0,4-4 0</inkml:trace>
-  <inkml:trace contextRef="#ctx0" brushRef="#br0" timeOffset="222627">12281 12166 7533,'-5'0'449,"1"0"91,4 0-360,0 5 180,0-4-180,0 7 90,0-7 89,-4 7-179,3-3 90,-3 5-90,4-5 0,0 3 360,0 1-361,0 6 1,0-1 0,0 4 0,0-8 0,0 8 0,0-8 450,4 37-540,-3-26 89,3 27-179,-4-25 90,0 5-90,0 9 90,0 13-90,-4-13 0,3 14 0,-3-25 0,4 6 0,0-9 0,0-5 90,0 1 0,0-5-270,0 4 180,0-8 90,0 8-90,0-8-90,0 8 90,0-8 0,0 8 0,0-4 0,0 5-180,0-5 1,0 4 179,0-12 0,0 2 0,0-4-360,0-2-2917,0 2 1157,0-17 1670,0 6 450,0-11 0,-4 5 0,-2-1 0</inkml:trace>
-  <inkml:trace contextRef="#ctx0" brushRef="#br0" timeOffset="225587">12663 12418 7533,'-9'-6'809,"4"2"-719,0 4 270,1 0 90,3 0-360,-3 0-90,0 0 359,3 0 1,-7 9-360,3-3 0,-1 7 90,2 1 0,4-4 0,-4 8 0,3-4 0,-3 5 180,4-1 0,0 1-180,0-1 0,0 1 179,0 0 91,0-1-270,0-3 90,0 2 0,0-2 0,4-1-90,-3 4 0,7-8-90,-7 4 180,12-5-360,-7 0 180,3-4 0,0-1-180,-4-4 0,8 0 270,-2 0-180,2-4-90,-4-1 180,0-4 0,-4 0-270,3-1 90,-3-3 0,5 2 1,-1-6 179,0 7-90,-3-8 90,2 3-90,-3 1 0,4-4 0,-4 4 270,4-5-270,-8 1 0,7-13 180,-7 13-90,3-20 180,-8 17-180,-1-2 0,-4 5 0,-5 5 0,4 2 0,-4 2 0,5 1 0,0 7-90,-8-4 90,9 5 0,-8 0 0,11 0 0,-4 0 0,-1 5 0,1 0-90,0 4 90,-1 0 0,1 1 0,0-1 0,0 4 0,3 2 0,-2-1 0,7 0 0,-3-5 0,4 0 0,0 1 0,0-5 0,0 3 90,0-3-90,4 5 0,-3-1 180,7-4-1,-7 3-179,12-3 450,-7 5-450,7-1 180,-3-4-90,-1-1 0,0-4-90,-3 5 270,2-4-90,-3 3-180,4-4 180,0 0-90,-4 0 0,3 0-1,-3-4-89,5 3-89,-5-4 89,3 1-540,-3-1 90,5-4 270,-5 4-360,3 0 91,-7 1 269,7-1-1079,-7 0 449,4 1 360,-5 4-370,4-4 1,-3-1 0,3-5 0</inkml:trace>
-  <inkml:trace contextRef="#ctx0" brushRef="#br0" timeOffset="226212">12988 12278 7533,'-4'-9'0,"3"4"809,-3 0-359,0 5-90,3-4 0,-4 3 179,5-3 1170,0 4-1349,5 4-90,-4-3-90,7 8 180,-3-4 89,4 4-269,1 0 0,-5 1 90,3-1 90,-3 0-180,5 1 359,3 3-359,-3-3 0,0 4 0,-2-1-180,-3-2 270,4 2-90,-3 0-180,2-2 0,-7 6 180,7 6-90,-7-6 0,3 8 90,-4-6-270,0 1 0,0 2 180,0-3-90,0 0 0,0-5-180,0 4 270,0-4-180,-8 25 0,6-15 0,-10 11 90,6-17-90,1-8 90,-3 8 0,3-8 0,-4 4-360,3-1 180,-2-3 0,3 4 180,-4-5-809,3 0-1,-6 1 91,10-1-271,-10-4 360,11 3 271,-8-7-91,8 4-719,-7-5 539,7 0 90,-3 0 0,4 0 1</inkml:trace>
-  <inkml:trace contextRef="#ctx0" brushRef="#br0" timeOffset="230993">7304 14315 7533,'-6'0'719,"2"0"1440,4 0-1799,8 0 90,-1 0-271,6 0 1,1 4 90,0-3 90,9 3-360,-4-4 270,0 0-90,-1 0 0,-4 0-270,1 0 180,2 0-270,2 0 180,0 0-630,4 0 270,-8 0 270,-2 0-899,-4 0 89,1 0 631,-1 0-901,-4 0 451,-1 5 269,1 0-90,-4 4 540,3 0 0,-8 1 0,-2-1 0</inkml:trace>
-  <inkml:trace contextRef="#ctx0" brushRef="#br0" timeOffset="231257">7350 14594 7533,'-10'0'359,"1"0"541,9 0 1888,0 0-2248,9 0 90,5 0 89,10 0-539,4 0 90,-4 0-90,-2 0-270,-3 0 90,0 0-90,-5 0-450,4 0 450,-4 0 0,1 0-989,2 0 180,2 4-181,9-3 181,5 4 449,0-5 450,-5 0 0,-5 4 0,-5 1 0</inkml:trace>
-  <inkml:trace contextRef="#ctx0" brushRef="#br0" timeOffset="259981">8317 14185 7533,'-10'-9'1079,"-2"3"-629,11 2-180,-4 4 989,5 0-989,9 0-3482,-3 0 3392,7 0 179,1 0-179,0 0 90,17 0 90,8 0-180,0 0-384,1 0 204,-8 0 3276,1 0-2946,13 4-240,-3-3-90,-4 4-90,-8-5 90,-4 0 0,-7 0-180,3 0-270,11-5-539,-19 4 539,15-3 90,-25 8-639,-1 6-261,-17 4 1,-2 9 1259,-9-8 0,1 7 0,5-7 0</inkml:trace>
-  <inkml:trace contextRef="#ctx0" brushRef="#br0" timeOffset="260665">8355 14287 7533,'-10'0'1169,"1"0"-989,4 0 270,1 0 1439,4 0-1530,8 4-179,-2-3-90,8 8 360,-1-4-270,6 4 180,9 5-270,0-3 0,2 0-360,5 6 225,-7-4 0,0 0-585,-5-3 540,-3 4-270,-2-1 180,-9-3-89,-4 4-1,3 3 180,-7 3-270,-1 8 270,-1-9 0,-7-1-270,-5 0 270,-3-3-89,-11 4-181,-5 2-2917,2-9 2802,-6 5 205,0 1-1618,6-11 1978,-2 14-199,1-15 20,6 12 89,-3-8-90,9-1 449,2 0-269,2-4 2808,-3 4-2718,8-4 2630,-2-1-2630,11-4 0,-3 0 310,-1 4-400,4-3 0,-3 4-90,4-5 180,0 0-180,0 4 90,0 1 0,0 4 0,4-4-90,1-1 270,1-4-270,2 5 90,-3-4 179,8 3-3546,1-4 3342,1 0 385,6 0-360,-5 0 0,7 0 90,-5 0-90,1-4-90,12 3 0,3-4 180,4 5-360,-1 0 90,-14 0 3366,0 0-3070,-4 0-296,-1 0 90,5 0 0,-3 0 0,2 0 0,-11 0 0,1 0 0,-11 0-1529,3 0-810,-8 5 1799,3-4-359,-7 7 899,-1-3 0,-6 4 0,-3 1 0</inkml:trace>
-  <inkml:trace contextRef="#ctx0" brushRef="#br0" timeOffset="261398">8160 15106 7533,'-5'0'-90,"1"0"90,4 0 90,-5 0 539,4 8-359,-3-2-180,4 4 90,0-2 0,0-3-90,0 8 90,0 2 0,0 4 0,-4 3 89,3-2-448,-7 7 358,7-12-448,-7 3 179,7-5 90,-8-2-540,8-2 180,-3-1-90,0-7 1,3 3-91,-3-4 180,4-4 90,0-1 0,0-4-89,0-1 359,0 1 0,0-8 0,0 5 0,4-9-3277,1 10 3252,4-2-65,5-5 90,-4 3 270,4-4-91,-5 6-89,0-1 720,1 4-360,-1-4-91,0 5-179,0 0 450,0-5-360,5 4 3006,-4-3-2890,-1 7-476,-1 2 90,-7 4-90,8 0 90,-4 0-180,0 0 270,3 4-90,-7 2 90,3 3 90,-4-4 90,5 8-181,-4-7 1,3 7 180,-4 1-180,0-4 0,4 7 0,-3-6-180,3 2 180,-4-8 0,0 4-90,4-4-90,-3 4 180,3 5-180,-4-8 0,5 6-629,-4-7 269,3 9 270,-4-8-540,0 2 91,4-4 269,-3-3-360,3 4 271,-4-5 449,0 0 0,0 0 0</inkml:trace>
-  <inkml:trace contextRef="#ctx0" brushRef="#br0" timeOffset="261617">8420 15115 7533,'0'-5'899,"4"1"-809,-3 0 360,7 3 180,-3-3-630,1-1 179,2 4-179,-3-7 0,4 7-90,-4-3 270,4 4-449,-4 0 179,0 0 0,3 0 180,-2 0-1080,-1 0 450,-1 0 271,-4 4-1,4 1-630,-3 5 900,3-1 0,-8 4 0,-1 2 0</inkml:trace>
-  <inkml:trace contextRef="#ctx0" brushRef="#br0" timeOffset="261824">8429 15217 9691,'9'0'1170,"1"-4"-631,16-5-808,-13 3 269,13-7 0,-13 12 180,-2-3-1620,6 0 1171,-2 3-1081,-1-3 541,0 4 359,-5 0 90,0 0 360,1-4 0,-1 3 0,0-3 0</inkml:trace>
-  <inkml:trace contextRef="#ctx0" brushRef="#br0" timeOffset="262033">8746 15059 9602,'0'10'539,"0"-1"-359,0 4-90,0-2-90,0 2-90,0 5-180,0-7 180,0 7-899,0-5 989,4 10 0,1-11 0,4 5 0</inkml:trace>
-  <inkml:trace contextRef="#ctx0" brushRef="#br0" timeOffset="262948">8550 13608 7713,'0'10'1169,"0"-1"-809,0 4-90,-4 2-1,-1 12-179,-5-3 90,1 4 0,0-1-180,0-7 90,-1 3 0,1-1-3302,0-2 3122,-1 3 180,-7 4 90,1-3 0,2 4-180,1-9-270,8-6 90,-4-3-899,0-1 539,3-4 270,2-1 2493,0-4-2673,3 0 0,-3-4 450,0-9 0,-1-3 0,-5-7 0</inkml:trace>
-  <inkml:trace contextRef="#ctx0" brushRef="#br0" timeOffset="263166">8420 13701 7533,'23'-14'359,"-8"0"-89,7 9-90,-12 1 180,4 4-270,-1 0 90,-3 0 360,8 8 269,5 19-629,-7-4 90,6 8-90,-17-14-180,3-6 180,-7 6 0,8-6-360,-4 10 180,0-9 180,-1 9-720,0-10 360,-3 2-809,8 1 449,-8-4 360,7-1-90,-7 0-719,7-8-1,-3 3 990,5-4 0,-1 0 0,0 0 0</inkml:trace>
-  <inkml:trace contextRef="#ctx0" brushRef="#br0" timeOffset="263405">8783 13673 8612,'0'10'1799,"0"7"-5076,0-1 1523,-4 6 3523,-2 5-1589,-3 2 90,4-4 769,-3 1-1129,3-3 90,-5-3-450,5 3 181,-3-1 179,7-7-900,-7 4 451,6-6 179,-2-3 3572,4-1-4471,0 0 1259,-4 0 0,3 1 0,-3-1 0</inkml:trace>
-  <inkml:trace contextRef="#ctx0" brushRef="#br0" timeOffset="266950">9741 14073 6633,'-5'10'900,"1"-1"-451,-1 4-89,-4 6-270,-1 1 0,-3-2 0,4 0-90,-1 0 90,1 2 0,0 3 0,0 0 0,-1-4 90,-3 16-90,-2-5 0,1 16-2186,0-12 2186,5 2-203,4-8 1,1 1 292,-1 10-180,2-11 0,1-2 90,2-3-90,0-2 0,5-9 90,-4 5-90,7-3-90,1-4 2010,6 3-2100,7-7-589,2-2 499,0-4-359,-1 0-91,3-4 180,-1-2 540,7-11 0,-13 6 0,3-7 0,-7 0 0,3-1 0,-3-13 0,-6 3-179,-1-3 269,-7 12-1,3 3 181,-8 3 0,-5 4 180,-1-4-180,-4 9 0,9 1 269,-3 4-89,-1 8 0,-2 3-270,2 3-180,5 0 180,4 3-180,8 11 90,2-6-90,9 4-270,0-21 90,-5-1 0,4-4 0,-8 0 0,3-4 0,1-1-3097,-4-5 3162,4 1 115,-5-4-90,0-2 180,-4-4-180,0 9 90,-5-2 180,0 7-180,-9-1 3276,-5 2-3070,-2 4-206,-14 0 90,14 0-90,-11 4 90,12 2-360,6-1 0,5 3-90,4-3 181,0 4-361,4 1 0,1-1 540,13 9 0,-3-7 0,8 7 0</inkml:trace>
-  <inkml:trace contextRef="#ctx0" brushRef="#br0" timeOffset="267711">10234 14576 7533,'4'-10'0,"2"1"0,-1 4 180,-1-8 179,0 3 271,-3-8 90,3 3-451,-8 2 91,3 3 90,-7 1-90,3-4-270,-9 2 0,0 2-360,-5 5 90,0 4-360,1 0 270,3 8-89,2 7 269,8 4-90,0 8 270,10-3-180,0 0 180,8-6-90,2-4 90,-1-9-90,0-1 0,-1-4 270,-3-4-181,4-5-89,-5-2 0,1-2 360,-1-17-180,0 7-90,0-13 180,-3 13-180,-2 5-90,-4 3-180,0 2 270,0 7 0,0 2-450,0 4 360,0 13 0,0-6 0,0 15 0,0-4 180,0 2 0,0 3-180,0-5 270,0 1-90,0-1-90,0 5-90,0-3 179,4 3-89,-3 8 0,3 7 90,-4 1-180,4-3 90,-3 8 0,3-16-90,-4 16 180,0-4-180,0 0 180,-4 10-180,3-16 90,-7-3 0,7-4-90,-7-10 0,7 4 180,-12-7-270,11-4-90,-19 4 0,14-9 180,-10-1-180,-5-4 90,1-4 0,-7-1-90,5-5 90,-3-7 90,9 5-90,-9-9 0,16 10 90,-4-6 180,5-2-270,4 4 90,1-3 90,4-4-90,4 2 0,5-16-3277,2 11 2803,6-2 114,2 4-360,13-1 181,2-4 89,-1 9 180,-6 1-450,0 5 91,-11 3 179,10-4 450,-7 5 0,-4-1 0,3 1 0</inkml:trace>
-  <inkml:trace contextRef="#ctx0" brushRef="#br0" timeOffset="270828">10877 14036 7533,'-6'0'629,"2"0"271,4 0-720,9 0 180,-3 4-1,7-3 181,5 8-180,1-4 0,13 4-181,-7-4 91,-2 3-90,-5-7-180,-4 4 360,9-5-270,-8 0-90,3 0 180,-5 0-90,2 0-90,4 0 90,-5-5-90,8 4 0,-11-3-90,6 0 0,-7 3 90,3-3 90,-7 4-630,6 0 90,-7 0-539,1 0 449,-2 0-899,-4 0 719,0 4-629,-4 5 900,-2 2 449,-7 2 0,-1-4 0,-4 1 0</inkml:trace>
-  <inkml:trace contextRef="#ctx0" brushRef="#br0" timeOffset="271727">10867 14148 7533,'-14'0'1259,"4"0"-899,2 0 269,7 0 181,-3 0-360,4 4-91,0-3-179,0 3 180,0 4-180,4-6 90,1 11-90,5-8-90,-1 4 270,9 1-270,-3-1 89,4 0 1,-2-4-180,-2 4 0,-1-4 90,4 0-180,0 3 0,-2-3 90,2 5 0,-5-5-180,-3 3-3097,4-3 2893,-5 0 6,0 4 198,1-4 0,-1 4 180,-4 0-360,3-3 0,-2 6 180,-1-6-89,-1 8 269,-4-5 3070,0-4-3070,0 3 610,0-2-700,0 3 0,0-4 180,0 3-180,-4-2-90,-1 3 90,-5 0 0,1 0 0,-9 5 0,7-4 0,-7 4-90,5-5-3097,-10 4 2802,7-2 475,-10 2-177,11-4 87,-3 1 0,-1-1 90,1 0 0,-5 5 0,3 0-2149,-7 5 2059,8-5 2419,-8 4-2329,11-8 180,-1 4-90,7-5 0,1 0-180,4-4 360,-4 4-183,4-4-87,-4 4 270,4-4-270,1-1 90,0 1 3186,3-4-2980,-4 3-206,1-4-90,3 4 90,-3-3-90,4 3 270,0-4-1,4 0 1,-3 0-90,8 0-180,-4 0 270,0 0-180,3 0 0,-7-4 0,7 3 0,-2-3-90,3 4 90,-4 0 90,7 0-270,-9-4 90,13 3-90,-6-4 270,21 1-180,-5 3 90,6-7-90,-13 7 179,7-3-89,-5 0 90,11 3-3457,-13-3 3252,3 4-65,-12 0 270,4 0 0,-1 0-180,-2 0 179,2 0 1,1 0-180,-4 0 3276,3 0-3069,-3 0-207,-5 0 450,7 0-450,-1 0 90,3 0-1,-1 0-89,-3 0 180,3 0-270,-7 0 90,6 0 90,-6 0-90,-2 0 0,5 0 0,-8 0-180,7 0 270,-7 0-90,7 0-359,-7 0-461,3 0 1,-16 0 0,-3 0 0</inkml:trace>
-  <inkml:trace contextRef="#ctx0" brushRef="#br0" timeOffset="272548">10774 14957 9152,'0'5'899,"0"3"-989,0-2 180,0 7 0,-4-3-180,-1 8 270,0-4-90,-4 5 0,8-5 0,-3 0-90,4-5 180,0 5-90,0-4-180,0-1 90,0 4-90,0-7 0,0 3 90,0-5-270,4-4 90,-3 0 90,4 0-359,3 0-1620,6-16 1349,-2 8 270,0-14 450,-8 8 0,-3 4 0,3-8 0,-4 4 0</inkml:trace>
-  <inkml:trace contextRef="#ctx0" brushRef="#br0" timeOffset="272788">10681 14817 7533,'0'6'180,"0"-2"539,0-4-179,4 0-90,-3 0-270,8 0-1,-4 0-89,0 0-90,7 0 90,-6 4-449,4-3 269,-2 7-90,-3-7-90,0 8 180,4-8 0,-4 3 0,0 0-1349,7 1 1259,-5 0 180,6-1 0,-4-4 0,1 0 0</inkml:trace>
-  <inkml:trace contextRef="#ctx0" brushRef="#br0" timeOffset="273146">10942 14966 7533,'-5'0'629,"0"0"91,5 0-360,9-4-360,1 3 180,5-3-270,2 0 270,-7 3-720,0-3 270,-2 4 90,-3 0-1079,0 0 1259,4 4 0,-8 5 0,3 6 0</inkml:trace>
-  <inkml:trace contextRef="#ctx0" brushRef="#br0" timeOffset="273365">10988 15059 7533,'0'5'719,"0"0"1440,0-5-2069,4 0-90,2 0 0,3 0 180,0-5-630,1 4 270,3-7-449,1 7-451,5-7 91,-4 7 989,-2-3 0,-4 0 0,1-2 0</inkml:trace>
-  <inkml:trace contextRef="#ctx0" brushRef="#br0" timeOffset="273615">11212 14938 8072,'-5'0'540,"0"-4"-180,5 3 1169,0-3-1529,0 12 270,0 3-180,-4 3-90,3 0-90,-3-5 90,0 13-450,-1-2 180,0 4 90,0-6 90,5-13-449,0 3-1,0-3 360,5 5-1079,-4-5 1259,3-1 0,0 0 0,1 1 0</inkml:trace>
-  <inkml:trace contextRef="#ctx0" brushRef="#br0" timeOffset="274832">10998 13441 7533,'-6'0'270,"-2"4"-181,7 1 361,-7 4-90,7-3-90,-7 6 180,2-2-91,1 5-269,-3 2 180,3-2-270,0-1 180,-4 4 0,8-4-180,-7 13 270,3 6-270,0-3-90,1 1 270,4-12-720,0-1 450,0-3 0,0 2-719,0 2 449,0-3 90,0 1-719,0-8 539,0-3 90,4 2-539,1-7 899,0 3 0,7-4 0,-1 0 0</inkml:trace>
-  <inkml:trace contextRef="#ctx0" brushRef="#br0" timeOffset="275343">11174 13590 7533,'6'-6'719,"-2"-2"-539,-4 7 1619,0-3-1619,-4 8 0,-6 1-270,0 5 90,-3-1 90,-1 0-360,0 1 180,-1-1 0,2-4 0,-1 3 0,4-3 90,-4 1-90,1 2 90,-6-7 0,4 7-180,-3-7 1,1 3-1,-7 0 180,7-2 0,-3 2 0,19-4 0,-3 0 0,4 4 90,4-3 90,-3 7-180,11-7 269,-10 7-89,11-7 270,-4 8-270,5-4 0,1 0 359,2 3-359,-6-3 90,2 1 180,5 2-180,-7-3-90,7 0 0,-9-1-90,0 0 89,1-2 1,-1 2-90,4-4-270,2 0 1,-1 4 89,0-3 0,-9 3-630,3-4 360,-3 0 180,1 0 90,2 0-1079,-7 4 449,7-3 271,-7 3-721,8-4 1170,-5 4 0,6 2 0,-1 3 0</inkml:trace>
-  <inkml:trace contextRef="#ctx0" brushRef="#br0" timeOffset="280201">11611 14362 7533,'-5'-4'899,"1"-6"-449,8-4-180,1-1-90,4 2 179,1 4 1,3-5-180,-2 4-270,2-4 90,-4 5 180,1 4-270,3-7 90,-3 9-180,0-9 90,-2 11 180,-3-3-270,0 0 270,-1 3-270,1-3 90,-4 4-89,3 0 89,-4 8 90,0 2 0,0 5 90,0-2-90,0 0 0,0 2 179,0 8-179,0 5 0,0-4 180,4 3 90,-3 0-270,7-6 180,-7 10-1720,3-7 1630,-4 4-180,0-5 180,0 4-188,-4 5 188,-1 11-90,0-8-90,-3 4 90,3-11-90,-5 9 90,1 1-180,0 0 90,3-11 0,2 0-360,4-11 180,0 1 1629,0-11-1809,0 2-170,0-7-639,0 3 630,4-21 629,-3-3 0,8-9 0,-8-2 0,3 7 0,-4-4 0</inkml:trace>
-  <inkml:trace contextRef="#ctx0" brushRef="#br0" timeOffset="280511">11732 14436 7533,'5'-13'0,"4"-6"-270,-8 4 180,7-3 540,-3 5-91,0 6 91,-1-5-180,5 7-90,-7 0 0,10 0 90,-3 1 0,6 3-1,-1-3-89,0 8 0,-5-3 90,0 12 360,9 9-720,-11-4 90,6 12 90,-13-15-90,0 7-90,0-6 0,0 1 180,-4 1-180,3-11 90,-4 10 90,1-12-450,3 4 270,-7 0-90,3-3-270,-5 2 1,-3-3-451,-1 0 450,-1-1 180,-3-4-809,4 0 539,0 0 181,4 0 359,2-4 0,3-1 0,-5-4 0</inkml:trace>
-  <inkml:trace contextRef="#ctx0" brushRef="#br0" timeOffset="280905">12133 14269 7533,'5'-4'180,"3"2"629,-7-2 91,3 4-631,-4 0 181,4 0 180,-3 0 89,3 4-539,-4-2-180,0 6 180,-4 1 90,-1 14-90,-4-7 0,-1 10 0,5-15-90,-3 6-90,7-2 180,-3 3 89,0 9-179,3-6 0,-3 6 90,4-1-90,0-9-180,4 9 180,1-12 90,0 5-360,3-5 90,2 0 180,0-5-270,-1 0 90,8 1-899,-6-5 449,12-1-809,-9-4 539,0 0-10,-1 4 1,-2-3 0,2 3 0</inkml:trace>
-  <inkml:trace contextRef="#ctx0" brushRef="#br0" timeOffset="284275">12375 14315 7533,'-6'0'-180,"2"0"270,4 0 359,0-4 91,0 3 1349,0-3-1619,4 4-90,2 0 0,3 0 0,0 0-180,0 0 0,1 0 269,3 0-269,2 0 0,-1 0 90,4 0 0,0 0-270,-2 0 91,6 0 178,-12 0-268,3 0 89,1 0 180,-8 4-270,6-3 180,-6 3 0,-1-4-90,3 4 90,-7-3 0,3 3 0,-4-4 0,4 5 0,-3-4 0,4 3 0,-5 0-90,0-3 90,-5 7 0,4-7-90,-7 12 90,3-11-90,-4 10 0,-1-7 90,1 5 0,0-1-90,-5 0 90,4 1 0,-4-5 0,9 3 0,-3-3-90,3 4 90,-4 1 0,-5-1 0,0 4 0,-1-2 0,2 2 0,8-8 0,0 4 0,1-8 0,3 7 90,-7-7-90,7 7 90,-7-7 90,7 8 0,-8-4-90,8 0-90,-3-1 90,4-4 0,0 0 0,0 4-1,0-3 451,0 3-540,4-4 180,-3 0 0,12 4-180,-7-2 270,7 2-90,-3-4-180,-1 0 270,4 0-91,6 0-179,-3 0 0,1 0 0,-3 0-179,-4 0 269,3 0-1,-3 0-448,-1 0 449,0 0-180,1 0-90,-5 0 180,3 0-90,-7 0-180,3 0 90,0 0-90,-3 0-1169,4 0 630,-1 0 269,-3 0-2159,3 0 2699,0-4 0,-3-2 0,3-3 0</inkml:trace>
-  <inkml:trace contextRef="#ctx0" brushRef="#br0" timeOffset="285013">12727 14483 7892,'-5'5'1170,"1"3"-990,4-3-180,0 0 360,0 4-91,0 0-89,0 1-270,0 0 450,0 2-180,0-6-270,0 8 540,0-1-540,0 2 180,0-1 90,0-1-270,0-7 90,0 6-90,0-6 180,0 4-180,0-6-1619,0-4 1169,0-13-90,0 2 451,0-12-1,0 9 0,0 0 0,0 5 270,0 0-180,4-5-90,-3 8 360,3-6-90,-4 6 0,0 1-180,5-3 270,-4 7-90,3-3 90,-4 0 179,0 3-269,4-8 90,-3 8 0,3-3-180,0 4 0,-3 0 270,3 0-180,1 0-90,-4 0 180,7 0-90,-7 0-90,7 0 90,-7 4 0,3-3 90,0 8-91,2-8 91,-1 3-180,-1 0 90,-4-3 0,4 7 0,-3-7 90,3 8-90,-4-8 90,4 7 0,-3-3-90,4 0 0,-5 3 90,0-2-180,0 3 0,0 0 90,0 1-90,0-5 0,0 3 0,0-3-90,0 4 180,0 1-90,0-5 0,0 3 0,0-3 90,0 1-360,4 2 90,-3-7 0,7 3-90,-7-4-180,3 0 1,4 4-1171,-1-3 271,10 3 1349,-11-8 0,11 3 0,-7-3 0</inkml:trace>
-  <inkml:trace contextRef="#ctx0" brushRef="#br0" timeOffset="285463">13025 14362 7533,'-5'-5'180,"1"0"-1,4 5 181,0-4 0,0 3 0,0-3 90,0 0-91,4 3 451,1-3-540,5 4-270,-1 0 180,0 0 0,-4 0-270,4 0 90,-4 0 90,0 0 89,3 0-628,-7 0 359,8 0-720,-8 0 361,7 0 269,-7 0 0,7 0 0,-7 4-720,3-3 361,-4 3-91,5-4 180,-4 4 90,3-3 1,-4 3 359,0-4 0,4 5 0,1 0 0</inkml:trace>
-  <inkml:trace contextRef="#ctx0" brushRef="#br0" timeOffset="285712">13035 14436 7533,'-6'10'-180,"2"-1"180,4-5 0,0-3 899,0 3-359,0 0-180,0-3 0,0 3 359,9 0 1,1-3-540,4 4 179,4-5-359,-12 0 0,7 0-449,-8 4 269,4-3 90,-4 3-900,8-4 541,-11 0 179,10 4 90,-7-3-450,1 3 181,2-4 89,-3 0 360,4 0 0,1 0 0,-1 0 0</inkml:trace>
-  <inkml:trace contextRef="#ctx0" brushRef="#br0" timeOffset="287543">13491 14418 7533,'-5'0'-180,"0"4"540,5-3-91,-4 3 181,3-4-180,-7 0 0,7 4-90,-3-3 0,0 3-90,3 0 179,-8 1-89,8 5-180,-7-1 180,7-4 0,-3 3-180,0-2 0,3 3 90,-3 0-180,4 1 90,0-1 90,0 13-90,4-10-90,1 10 90,0-17 90,3 3-270,-7-7 90,8 3 90,-8-4 0,7 0-270,-7 0-89,7 0-361,-2 0 360,-1 0-179,7-8 89,-10 6 90,6-10 360,-3 2 0,0-4 0,4-5 0</inkml:trace>
-  <inkml:trace contextRef="#ctx0" brushRef="#br0" timeOffset="287772">13453 14259 7533,'-5'-5'180,"1"1"629,4 4 360,0 0-809,0 4-360,4-3 0,-3 7-90,8-6-359,-8 2 179,3-4 270,0 4-990,-3-3 271,7 3-361,-2-4 1080,-1 0 0,3 0 0,-3 0 0</inkml:trace>
-  <inkml:trace contextRef="#ctx0" brushRef="#br0" timeOffset="288179">13584 14166 7713,'5'0'539,"3"0"-179,-7 0 540,12 0-541,-7 4 451,12 2-450,-12 3-180,6-4 359,-3 7-179,2-5-180,2 6 0,-3-8 0,3 4 90,-3-4-90,4 8-1,-5-2 181,5 6-180,-4-2 0,-1-1 180,4 8-360,-11-11 270,10 15-90,-7-11-270,0 8 180,0 0-1,-5-3-178,0 2-1,0-7 180,0 2-1,0-2-268,0 3 89,-9 5-180,-1 1 360,-4 0-720,0-6 270,5-4 180,-1-1 1,1-7-901,0 11 450,0-15 181,-1 10 179,1-6-989,0-1 89,-5 3 361,4-7 809,-4 3 0,1 0 0,-2 1 0</inkml:trace>
-  <inkml:trace contextRef="#ctx0" brushRef="#br0" timeOffset="289761">14040 14473 6363,'-5'0'990,"1"0"719,4 0-1439,-4 0-90,3-4 629,-4 3-449,5-3 1259,0 4-1529,-4 4-90,3-3 90,-3 3-90,4-4 0,0 0 0,-4 0 0,3 0-1093,-3 0 1,4 0 0</inkml:trace>
-  <inkml:trace contextRef="#ctx0" brushRef="#br0" timeOffset="290997">14244 14259 0,'8'51'0,"-1"0"0,1-1 0,-1 1 0,1 0 0,-1-1 0,1 1 0,-1-5 0,-1 1 0,1-1 0,0 0 0,-1 1 0,1-1 0</inkml:trace>
-  <inkml:trace contextRef="#ctx0" brushRef="#br0" timeOffset="291317">14337 14352 7533,'5'-14'180,"4"0"89,-8 9 1,7 1-90,-3 4 540,13-4-360,-3 3-270,4-3 449,-2 0-359,-6 3 0,2-3 0,-4 4-270,1 0 270,-1 0 0,0 4-180,1-3 90,-1 7 0,-4-3-90,3 4 0,-7-3 90,8 6 89,-8-6-179,3 8 90,-4-5 0,0 0-90,0 5 0,0-4 90,-4 4 0,-1-1-90,-5-3 0,1 8 90,0-8 0,-1 4-180,1-1 0,0-3 180,-1 4-719,-7-1 449,5-2 180,-5 2-810,8-8 181,-5 3 449,4-6-360,0 6-180,-2-7 361,10 3-541,-6-4 900,8 0 0,-4-4 0,-2-1 0</inkml:trace>
-  <inkml:trace contextRef="#ctx0" brushRef="#br0" timeOffset="293328">14812 14185 7083,'-5'0'0,"-4"0"90,8 0 0,-3 0 270,0 0-270,3 0 179,-3 0-89,0 0-90,3 0 360,-3 0-90,-1 0 0,0 4-91,0 1-89,1 5-90,0-1 90,3 0 0,-3 0-90,4 5 90,0-4 0,0 8 0,0-4 0,0 5 89,0 8-89,0-11-180,0 10 180,0-11 0,0 3-90,0 5-90,0-3 90,4 11-180,1-2 0,0-5-450,-1-2 361,0-9 89,-3-2-450,8 6 360,-4-10 0,4 5 0,-4-11-539,4 7-181,0-7-809,5 3 1709,1-4 0,-2 0 0,-3 0 0</inkml:trace>
-  <inkml:trace contextRef="#ctx0" brushRef="#br0" timeOffset="296880">15073 14306 7533,'-6'0'629,"2"0"-449,0-4 180,3 3-90,-3-3-90,4 4 1439,0 0-1349,4 0-3482,1 4 3212,5-3-591,-1 7 681,-4-3 0,7 9-90,3 0 89,0 1-89,3-2 180,-5 5-270,-2-3 0,2 4 3145,1 2-3145,-4-9 1108,-1 9-928,0-10-180,-4 6 90,0-6 90,3 2-270,-3 1-89,1-4 359,-2 3-630,0-3 180,-3-5 180,3 3-899,0-7 809,-3 3-540,3-4-89,0-4 539,2-1-90,-1-4 450,-1-1 0,0-3 0,1-2 0</inkml:trace>
-  <inkml:trace contextRef="#ctx0" brushRef="#br0" timeOffset="297196">15398 14250 7533,'0'-5'0,"0"1"90,0 4 449,-8 0 91,2 0-450,-3 0 90,0 0 90,8 4-181,-7-3 181,-1 7 0,-6 1-360,1 2 180,0 2-90,-3 1-90,1-4 90,-2 8 90,0-8-270,3 3 0,-7 5 90,-2 6 0,0-4 0,6 6 0,0-7-180,8 5-1529,-8 8 1439,12-16-450,-2 5 361,12-20-1,-3 3 0,7-4-270,-3 0 630,4 0 0,1 0 0,-1 0 0</inkml:trace>
-  <inkml:trace contextRef="#ctx0" brushRef="#br0" timeOffset="297818">15445 14418 7533,'0'5'-360,"0"3"810,0-3-181,0 4 1,0 1 180,0 3-360,0-3 0,0 8 90,0-8-90,0 4 0,0-1-90,0-2 270,0 6-90,0-6-270,0 2 180,0 0-1,0-6-178,0 5-91,0-11 270,0 7-270,0-7-1799,0 3 1799,0-12-90,0 2-180,0-12 270,0 8-179,0-3 359,0-1 0,4 0 0,-3-1 0,3 6 0,-4 1 0,4 3 0,-3-1 269,4-2-89,-1 3 0,-3-4 90,7 3-90,-7-2 0,3 7 0,0-7 180,-3 7 179,8-3-359,-8 4-90,3-4 90,0 3-90,-3-4 0,11 10 90,-10 0 0,11 4-90,-12-4-90,3 3 90,0-2 90,-3 3-91,3 0 1,-4 1 180,0-1-180,0-4 90,4 3-90,-3-3 0,4 9 0,-5-8-360,0 6 180,4-6 180,-3-1-630,3 3 91,0-7 269,1 3-90,0 0-180,4-3 180,-4 4-449,0-5 179,3 0 540,-3-5 0,5 4 0,-1-3 0</inkml:trace>
-  <inkml:trace contextRef="#ctx0" brushRef="#br0" timeOffset="301581">15835 14278 10321,'5'0'-270,"-1"0"270,-4 0-449,5 0 269,-4 0 180,3 0-1260,0 4 721,-3 1 539,3 0 0,0 8 0,1-3 0</inkml:trace>
-  <inkml:trace contextRef="#ctx0" brushRef="#br0" timeOffset="301883">15863 14455 7353,'0'5'629,"0"-1"181,0 0-540,4-3 180,-3 7-91,3-7 1,-4 8 0,0-4-90,0 4 0,0 5-90,0-4-270,0 3 90,-4 5 179,-1-7-448,0 7 89,-8 0-270,7 1-449,-7 5 179,3-1-1529,-3-1 2249,7-6 0,-7 1 0,8-7 0</inkml:trace>
-  <inkml:trace contextRef="#ctx0" brushRef="#br0" timeOffset="307180">16207 14576 7533,'0'9'180,"0"-4"-90,0-1 2158,0-4-1978,5 0-90,-4 0-270,7 0 180,-7 0 0,7-4 90,-3 3-270,0-7 270,8 3-270,-7-13 180,8 7 0,-9-7-180,3 5 90,-3-2 90,0 1-180,4-4 0,-8 4 90,7-1 90,-7-2-270,7 2 0,-7-3 180,3-1 0,-4 5-180,5-4 0,-4 3 180,3-11-270,-4 5 1,-4-14 179,3 14 0,-8-2 180,8 2-180,-7 9 90,7-5-90,-3 7 360,4 1 359,0-4-629,0 6 180,0-1 0,0 8-90,0 0-90,-4 0 90,3 0-90,-4 0 90,5 4-180,0 1 0,0 5 90,-4-1 0,3 0-90,-3 5 90,4 9 0,0-3 0,0 7 0,0-8 0,0-1 90,0 1-90,0 4 0,0 13 0,0-9-1827,0 8 1827,0-16-1117,0-1 1117,4 1 0,-3-1-90,3 1 90,-4-5 0,5 0-90,-4-1 90,7-7 1585,-3 11-1585,0-11 1359,4 4-1449,-8-6 90,7-4-90,-7 0 90,7 0 0,-3 0-90,5 0 90,-5 0 0,3 0-270,6-9 180,1-5-90,8-14 91,-9 3 89,0 2-180,8-19 180,-10 21-90,5-22 0,-8 16 0,-4-6 0,0-5-3187,-1 5 3162,-4 6-400,0 8 515,0 1-90,0-5 270,0 7-90,0-1-90,0 7 3276,0 1-2875,0 0 548,0 0-679,0 3-270,0 2 270,0 4-360,0 9 90,4 1 90,-3 4-90,4 4 180,-5-4-180,0 5 0,0 0 0,0-1 270,0 1-180,4 8 180,-3 2-181,3 12 91,-4-7-180,0-6 0,0-6-90,0-12 180,0 4-90,0-5-90,0 0-89,8 9 89,-6-7-90,11 2 0,-12-8-90,7-1 270,-7-3-270,7 3-180,-3-4 91,5 0 89,-5 0-630,3 0 361,-3-4 89,5 3 180,-1-8 270,-4 4 0,8-4 0,-3 0 0</inkml:trace>
-  <inkml:trace contextRef="#ctx0" brushRef="#br0" timeOffset="307785">16803 14445 7173,'0'6'270,"0"-2"179,-4 4-359,3-6 0,-3 10 0,0-6 540,3 7-270,-3 2 0,4-1-270,0-1 89,0-3 1,0 3 90,-5 2-90,4-1-180,-3 0 0,4-5 180,0 0 0,0 0-180,0 1 0,4-1-270,-3-4 180,8-1 90,-8-4-720,7 0 271,-3 0 359,5 0-900,-1 0 1,4-4 719,-7-1-450,7-4 720,-12-1 0,7 1 0,-3 0 0</inkml:trace>
-  <inkml:trace contextRef="#ctx0" brushRef="#br0" timeOffset="307996">16766 14287 7533,'-5'0'719,"1"0"361,4 0-990,0-4 0,0 3 269,0-3-269,4 4-629,5 4 449,-3-3-360,7 7 180,-8-7 180,4 8-1169,1-4 1259,-1 4 0,0 0 0,0 1 0</inkml:trace>
-  <inkml:trace contextRef="#ctx0" brushRef="#br0" timeOffset="308253">17101 14604 7533,'-4'9'1079,"3"0"-1079,-3 5 540,0-8-360,3 6 539,-8-3-179,8 2-360,-7 2-270,7-3 0,-7-1-270,3 4 180,-5-2 0,5 2-1169,1-4 630,4 1 719,-4-1 0,-1 0 0,-5 1 0</inkml:trace>
-  <inkml:trace contextRef="#ctx0" brushRef="#br0" timeOffset="308875">17407 14213 7533,'-9'-9'-1350,"4"3"1081,-3-2 269,3 7-90,-5-7 90,5 7 0,-3-8 0,7 4 270,-8 0 89,4-3-359,-4 7 360,4-3 90,-3 0 269,7 3-89,-4-8-270,5 8 449,0-3-89,0 0-360,5 3-180,-4-7 0,7 7-180,-3-3 0,8-1 179,-2 4 1,6-3-180,-2 0 180,8 3-270,-8-3 180,7 4 90,-12 0-540,4 0 270,-5 0 0,0 0-539,5 0 359,-4 0 180,3 0-719,-3 0 449,-5 0 90,3 0-90,-3 0-539,1 4 449,-2-3-630,0 3 1080,-3-4 0,3 4 0,-4 2 0</inkml:trace>
-  <inkml:trace contextRef="#ctx0" brushRef="#br0" timeOffset="309500">17342 14157 7533,'-10'0'180,"2"0"-180,8 4 90,0-3 179,0 3 91,0 0-180,0-3 450,0 12-450,0-7 0,0 8 179,8-1 91,-2 1-270,8 5 0,-5-9-360,0 3 270,1-8-90,-1 4 180,-4-4-270,3 4 90,2-4 0,8 4-90,2 0 90,7 5-90,-12-8 0,3 7 90,-13-12-180,3 7 180,-7-3 0,8 0 0,-8 3 0,3-7 0,-4 8-90,-8-4 90,5 4-180,-9-4 180,3 8-180,-2-11 90,-6 10 0,-2-2 1,4-4 89,-7 6-90,7-7 180,1 5-90,-8-1 0,3 4 0,-1-2 0,2 2 0,9-8 0,0 4-90,4-4 90,-4 0 90,8 3-90,-3-7 0,4 3 0,0 0 0,0-2 0,0 2 0,0 0 179,0-3 1,0 3-180,4-4 0,1 4 270,5-3 90,3 3-90,-2-4 0,6 0-90,2 0 89,-4 0-179,7 0 0,-12 0 270,8 0 90,1 0-270,-4 0-180,3 0 360,-1-4-181,-5 3-448,5-3 179,-8 4 0,1-4-720,3 3 720,-7-3-719,7 4 449,-8 0 90,0 0-989,8 0 719,-7 0-629,7 0 539,-8 0 630,4 0 0,-8-4 0,3-2 0</inkml:trace>
-  <inkml:trace contextRef="#ctx0" brushRef="#br0" timeOffset="309924">17798 14604 9512,'0'5'719,"0"3"-629,0-7 0,0 7 0,0-7 90,0 8-90,0-4 0,0 4 90,0 0-450,5-3 270,-4 2-90,3-7 180,-4 3-630,0 0 360,4-3 0,-3 3-539,3-4 629,0 0-90,-3 0-1529,8-8 1709,-8 2 0,7-8 0,-3 5 0</inkml:trace>
-  <inkml:trace contextRef="#ctx0" brushRef="#br0" timeOffset="310155">17789 14408 7533,'-5'0'1349,"1"-4"-1439,4 3 180,0-3 360,4 4 89,-3 0 1,7 4-90,-3 1-450,5 0 90,-5 0-720,-1-5 360,0 4-359,-3-3 449,8 7 0,-8-7-1349,7 7 1529,-7-7 0,7 8 0,-3-4 0</inkml:trace>
-  <inkml:trace contextRef="#ctx0" brushRef="#br0" timeOffset="311852">18050 14073 7892,'0'-5'720,"0"1"-90,0 4-450,4 4 89,1 1 91,13 9 90,-3 0-270,4 5 0,-6-1 270,5 5-271,-7-7 181,7 14-180,-9-18 0,0 14 0,1-16 90,-1 12-90,0-7-180,1 8 0,-5-4 180,-1-5-1,0 4-268,-3-4 358,3 13-89,0-6-270,-3 6 90,4 0-90,-5-7 0,0 7 180,0-12 0,-5 2-180,4-6 0,-7 2 0,3 5 1,-4-7 178,-1 11-89,5-12-269,-3 3 89,3-3 90,-5-1-270,1 0 90,0 1 90,4-5-2158,-8 3 359,11-7 1979,-6 3 0,4-4 0,-1 0 0</inkml:trace>
-  <inkml:trace contextRef="#ctx0" brushRef="#br0" timeOffset="313712">14087 14287 8252,'5'0'990,"-1"0"-630,0 0-181,1 0-89,5 0 180,-1 0-90,0 0 90,0 0-90,5-4-180,-4 3 180,4-7-90,-5 7-180,4-12 180,-3 7 0,3-3-180,-7 1 180,2 2 0,-7 1-90,7-7-90,-3 6 0,1-12 180,2 8-90,-7 0-180,3 2 270,-4 7-180,0-7 90,4 7 0,-3-3 0,3 0 0,-4 3 0,0-4-90,0 1 90,0 3-270,0-3 360,0 12-90,0-1-90,0 6 180,0-8-180,0 8 270,0-7-180,0 7 0,0-3 0,0-1 270,0 4-90,0 2-180,0-1 0,0 0 90,0-1-90,0-3 89,0 4-89,0-1 90,0-2-90,0 2 90,0 1-90,0-4 90,0 3-90,0 1 90,0-4-180,0 12 180,0-7-90,0 8-90,0-9 180,4 8-90,-3-10-90,4 5 90,-5-8 0,4 1 0,-3 3 0,3-2 0,-4 2 0,4 5 0,-3-3 0,3 4-90,-4-6 90,0-4 180,0 1-180,0-1 0,0 0 0,0 1 180,0-1-180,0 0 90,0 0 90,0 1-180,0-1 0,0 0 180,0 5-90,0 0 90,-4 5-180,3-5 0,-3 0 90,4-1-90,0-2 0,0 2 90,-4 0 0,3-2-180,-3 2 180,4-3-90,0-5-90,0 3 90,0-3 0,0 4 0,0-3 0,0 2 0,0-3 0,0 0 0,0-1-90,0 0 90,0-3-180,0 4 180,0-1 0,0-3-2069,0 3 1259,0-12 361,0 1 89,0-6-540,0 4 361,0-1-541,4-3 1080,-3-6 0,7 0 0,-3-4 0</inkml:trace>
+  <inkml:trace contextRef="#ctx0" brushRef="#br0" timeOffset="-213149.73">10523 12436 7533,'-5'0'539,"-4"0"1,8 0-270,-3 0 450,4-4-451,0-1-89,4-4 0,1-5 0,5 4-90,-5-4 90,7 1 0,-5 3-270,2-4 180,-1 5-3367,-3 0 3072,1 3 25,2-2 90,-7 7 0,3-3 0,-4 4-90,0 0 180,0 4 3276,4 10-2890,-3 5-386,3 9 0,-4-4 180,4-1 90,-3 12 90,4 4-360,-5 4 90,0-2 179,4 3-269,-3 5-23,3-17 0,0 1 23,-3-1 0,-1 1-375,4 0 0,0-1 375,-3-1 0,-1-1-90,2-2 0,1 0-270,1 18-89,-3-8 89,3-11 90,-4-8 0,0-10 392,0-4-752,0-5-1214,0-25 1844,-4 2 0,-1-18 0,-5 9 0</inkml:trace>
+  <inkml:trace contextRef="#ctx0" brushRef="#br0" timeOffset="-212799.73">10625 12455 7533,'0'-10'-360,"0"1"360,0 4 809,0 1 181,0 4-360,0-4-91,9 3-89,1-3 90,13 4-360,-8 4-1,3-3 91,-5 7 180,2-3-270,-1 0-270,0-1 270,-5 1 0,0 0 90,-4 0-1,4 7-89,-8-1-90,3 11-90,-4-6-90,0 1-90,0 1 180,-4-2-89,-1 2-361,-5 4 180,-3-3-90,-2 5-359,-3-1 179,-1-4-1259,-4-5 1529,8-5-719,1 0 989,6-8 0,7 3 0,-3-4 0</inkml:trace>
+  <inkml:trace contextRef="#ctx0" brushRef="#br0" timeOffset="-212388.73">11147 12297 7533,'-6'0'1619,"-2"4"-540,7 1-89,-7 8 629,-2 18-1260,0-8-179,1 12 270,1-8 90,2 2-180,1 12-181,1-11 91,4 1 180,0-4-180,0 2-90,0 8-180,0-4 0,0 0 0,4-10-90,-3-4 180,7-2-180,-2-6 180,-1 2-450,3-3 90,-3-1 90,5-4-1169,-1 3 270,4-7-810,-2 3 899,2-4-1438,5 0 2428,-7-4 0,6-1 0,-8-4 0</inkml:trace>
+  <inkml:trace contextRef="#ctx0" brushRef="#br0" timeOffset="-208486.73">11388 12399 7533,'0'5'989,"0"-1"-539,0 0 90,4 2 89,5 3 451,14 13-721,-2-2-179,1 4 0,-8-6 0,-5-9 90,0 4 90,5 2-270,0 8-180,5 0 270,-5 1-360,0-5 90,-5 2 90,1-5-450,-1 2 180,0 0 270,0-3-360,-3-1 91,2-1-541,-3-3 270,0-5-809,4-1 270,-8-4-1,7-4 1080,-3-1 0,4-9 0,1 0 0</inkml:trace>
+  <inkml:trace contextRef="#ctx0" brushRef="#br0" timeOffset="-208231.73">11741 12380 7533,'-4'6'539,"-1"-2"-359,-4 0 360,-5 1-360,4 0 450,-8 8-271,4-7-179,0 11 90,-4-6 0,8 2-3392,-8 1 3392,8 0-1191,-8 5 1011,8-5-221,-4 4 311,5-4-275,-9 9 185,7-8-90,-7 3 0,9-9 90,0 5 90,4-4-1080,-4 3 3231,8-7-2601,-3 2 1735,4-3-2994,0 0 1183,0 3 346,0-7 0,4 8 0,2-4 0</inkml:trace>
+  <inkml:trace contextRef="#ctx0" brushRef="#br0" timeOffset="-207747.73">11835 12631 7533,'0'6'2338,"0"10"-2158,0-9 0,0 11 540,0-5-91,0 6-179,0-3-270,0 1 0,0-8-270,0 1 180,0 3 0,0-3 90,-5 4-450,4-5 270,-3 1-90,4-1 0,0 0-90,0-4 180,0-1-989,0 1 539,0-4-629,0 3 179,4-17 630,2 6-269,-1-10-181,3-1 540,-7 7 180,7-11-90,-7 12-90,8-4 0,-8 1 180,7 2-90,-7-2 270,11-5 0,-10 7 450,11-7 179,-12 9-449,7 4-90,-7-3 540,7 7-361,-6-8-89,6 8-90,-7-3 90,7 4 179,-3 0-359,0 0-90,0 0 90,-1 4 0,-3-3-90,7 12 90,-7-7 0,3 7 180,0 5-181,-3-7-89,8 7 90,-8-9 0,3 9-90,-4-7 270,0 7-630,4-9-270,1 9-1259,4-11 990,-3 5 359,2-12-1169,-3 0 630,0 0 989,4-4 0,-4-1 0,4-4 0</inkml:trace>
+  <inkml:trace contextRef="#ctx0" brushRef="#br0" timeOffset="-206869.73">12281 12166 7533,'-5'0'449,"1"0"91,4 0-360,0 5 180,0-4-180,0 7 90,0-7 89,-4 7-179,3-3 90,-3 5-90,4-5 0,0 3 360,0 1-361,0 6 1,0-1 0,0 4 0,0-8 0,0 8 0,0-8 450,4 37-540,-3-26 89,3 27-179,-4-25 90,0 5-90,0 9 90,0 13-90,-4-13 0,3 14 0,-3-25 0,4 6 0,0-9 0,0-5 90,0 1 0,0-5-270,0 4 180,0-8 90,0 8-90,0-8-90,0 8 90,0-8 0,0 8 0,0-4 0,0 5-180,0-5 1,0 4 179,0-12 0,0 2 0,0-4-360,0-2-2917,0 2 1157,0-17 1670,0 6 450,0-11 0,-4 5 0,-2-1 0</inkml:trace>
+  <inkml:trace contextRef="#ctx0" brushRef="#br0" timeOffset="-203909.73">12663 12418 7533,'-9'-6'809,"4"2"-719,0 4 270,1 0 90,3 0-360,-3 0-90,0 0 359,3 0 1,-7 9-360,3-3 0,-1 7 90,2 1 0,4-4 0,-4 8 0,3-4 0,-3 5 180,4-1 0,0 1-180,0-1 0,0 1 179,0 0 91,0-1-270,0-3 90,0 2 0,0-2 0,4-1-90,-3 4 0,7-8-90,-7 4 180,12-5-360,-7 0 180,3-4 0,0-1-180,-4-4 0,8 0 270,-2 0-180,2-4-90,-4-1 180,0-4 0,-4 0-270,3-1 90,-3-3 0,5 2 1,-1-6 179,0 7-90,-3-8 90,2 3-90,-3 1 0,4-4 0,-4 4 270,4-5-270,-8 1 0,7-13 180,-7 13-90,3-20 180,-8 17-180,-1-2 0,-4 5 0,-5 5 0,4 2 0,-4 2 0,5 1 0,0 7-90,-8-4 90,9 5 0,-8 0 0,11 0 0,-4 0 0,-1 5 0,1 0-90,0 4 90,-1 0 0,1 1 0,0-1 0,0 4 0,3 2 0,-2-1 0,7 0 0,-3-5 0,4 0 0,0 1 0,0-5 0,0 3 90,0-3-90,4 5 0,-3-1 180,7-4-1,-7 3-179,12-3 450,-7 5-450,7-1 180,-3-4-90,-1-1 0,0-4-90,-3 5 270,2-4-90,-3 3-180,4-4 180,0 0-90,-4 0 0,3 0-1,-3-4-89,5 3-89,-5-4 89,3 1-540,-3-1 90,5-4 270,-5 4-360,3 0 91,-7 1 269,7-1-1079,-7 0 449,4 1 360,-5 4-370,4-4 1,-3-1 0,3-5 0</inkml:trace>
+  <inkml:trace contextRef="#ctx0" brushRef="#br0" timeOffset="-203284.73">12988 12278 7533,'-4'-9'0,"3"4"809,-3 0-359,0 5-90,3-4 0,-4 3 179,5-3 1170,0 4-1349,5 4-90,-4-3-90,7 8 180,-3-4 89,4 4-269,1 0 0,-5 1 90,3-1 90,-3 0-180,5 1 359,3 3-359,-3-3 0,0 4 0,-2-1-180,-3-2 270,4 2-90,-3 0-180,2-2 0,-7 6 180,7 6-90,-7-6 0,3 8 90,-4-6-270,0 1 0,0 2 180,0-3-90,0 0 0,0-5-180,0 4 270,0-4-180,-8 25 0,6-15 0,-10 11 90,6-17-90,1-8 90,-3 8 0,3-8 0,-4 4-360,3-1 180,-2-3 0,3 4 180,-4-5-809,3 0-1,-6 1 91,10-1-271,-10-4 360,11 3 271,-8-7-91,8 4-719,-7-5 539,7 0 90,-3 0 0,4 0 1</inkml:trace>
+  <inkml:trace contextRef="#ctx0" brushRef="#br0" timeOffset="-198503.73">7304 14315 7533,'-6'0'719,"2"0"1440,4 0-1799,8 0 90,-1 0-271,6 0 1,1 4 90,0-3 90,9 3-360,-4-4 270,0 0-90,-1 0 0,-4 0-270,1 0 180,2 0-270,2 0 180,0 0-630,4 0 270,-8 0 270,-2 0-899,-4 0 89,1 0 631,-1 0-901,-4 0 451,-1 5 269,1 0-90,-4 4 540,3 0 0,-8 1 0,-2-1 0</inkml:trace>
+  <inkml:trace contextRef="#ctx0" brushRef="#br0" timeOffset="-198239.73">7350 14594 7533,'-10'0'359,"1"0"541,9 0 1888,0 0-2248,9 0 90,5 0 89,10 0-539,4 0 90,-4 0-90,-2 0-270,-3 0 90,0 0-90,-5 0-450,4 0 450,-4 0 0,1 0-989,2 0 180,2 4-181,9-3 181,5 4 449,0-5 450,-5 0 0,-5 4 0,-5 1 0</inkml:trace>
+  <inkml:trace contextRef="#ctx0" brushRef="#br0" timeOffset="-169515.73">8317 14185 7533,'-10'-9'1079,"-2"3"-629,11 2-180,-4 4 989,5 0-989,9 0-3482,-3 0 3392,7 0 179,1 0-179,0 0 90,17 0 90,8 0-180,0 0-384,1 0 204,-8 0 3276,1 0-2946,13 4-240,-3-3-90,-4 4-90,-8-5 90,-4 0 0,-7 0-180,3 0-270,11-5-539,-19 4 539,15-3 90,-25 8-639,-1 6-261,-17 4 1,-2 9 1259,-9-8 0,1 7 0,5-7 0</inkml:trace>
+  <inkml:trace contextRef="#ctx0" brushRef="#br0" timeOffset="-168831.73">8355 14287 7533,'-10'0'1169,"1"0"-989,4 0 270,1 0 1439,4 0-1530,8 4-179,-2-3-90,8 8 360,-1-4-270,6 4 180,9 5-270,0-3 0,2 0-360,5 6 225,-7-4 0,0 0-585,-5-3 540,-3 4-270,-2-1 180,-9-3-89,-4 4-1,3 3 180,-7 3-270,-1 8 270,-1-9 0,-7-1-270,-5 0 270,-3-3-89,-11 4-181,-5 2-2917,2-9 2802,-6 5 205,0 1-1618,6-11 1978,-2 14-199,1-15 20,6 12 89,-3-8-90,9-1 449,2 0-269,2-4 2808,-3 4-2718,8-4 2630,-2-1-2630,11-4 0,-3 0 310,-1 4-400,4-3 0,-3 4-90,4-5 180,0 0-180,0 4 90,0 1 0,0 4 0,4-4-90,1-1 270,1-4-270,2 5 90,-3-4 179,8 3-3546,1-4 3342,1 0 385,6 0-360,-5 0 0,7 0 90,-5 0-90,1-4-90,12 3 0,3-4 180,4 5-360,-1 0 90,-14 0 3366,0 0-3070,-4 0-296,-1 0 90,5 0 0,-3 0 0,2 0 0,-11 0 0,1 0 0,-11 0-1529,3 0-810,-8 5 1799,3-4-359,-7 7 899,-1-3 0,-6 4 0,-3 1 0</inkml:trace>
+  <inkml:trace contextRef="#ctx0" brushRef="#br0" timeOffset="-168098.73">8160 15106 7533,'-5'0'-90,"1"0"90,4 0 90,-5 0 539,4 8-359,-3-2-180,4 4 90,0-2 0,0-3-90,0 8 90,0 2 0,0 4 0,-4 3 89,3-2-448,-7 7 358,7-12-448,-7 3 179,7-5 90,-8-2-540,8-2 180,-3-1-90,0-7 1,3 3-91,-3-4 180,4-4 90,0-1 0,0-4-89,0-1 359,0 1 0,0-8 0,0 5 0,4-9-3277,1 10 3252,4-2-65,5-5 90,-4 3 270,4-4-91,-5 6-89,0-1 720,1 4-360,-1-4-91,0 5-179,0 0 450,0-5-360,5 4 3006,-4-3-2890,-1 7-476,-1 2 90,-7 4-90,8 0 90,-4 0-180,0 0 270,3 4-90,-7 2 90,3 3 90,-4-4 90,5 8-181,-4-7 1,3 7 180,-4 1-180,0-4 0,4 7 0,-3-6-180,3 2 180,-4-8 0,0 4-90,4-4-90,-3 4 180,3 5-180,-4-8 0,5 6-629,-4-7 269,3 9 270,-4-8-540,0 2 91,4-4 269,-3-3-360,3 4 271,-4-5 449,0 0 0,0 0 0</inkml:trace>
+  <inkml:trace contextRef="#ctx0" brushRef="#br0" timeOffset="-167879.73">8420 15115 7533,'0'-5'899,"4"1"-809,-3 0 360,7 3 180,-3-3-630,1-1 179,2 4-179,-3-7 0,4 7-90,-4-3 270,4 4-449,-4 0 179,0 0 0,3 0 180,-2 0-1080,-1 0 450,-1 0 271,-4 4-1,4 1-630,-3 5 900,3-1 0,-8 4 0,-1 2 0</inkml:trace>
+  <inkml:trace contextRef="#ctx0" brushRef="#br0" timeOffset="-167672.75">8429 15217 9691,'9'0'1170,"1"-4"-631,16-5-808,-13 3 269,13-7 0,-13 12 180,-2-3-1620,6 0 1171,-2 3-1081,-1-3 541,0 4 359,-5 0 90,0 0 360,1-4 0,-1 3 0,0-3 0</inkml:trace>
+  <inkml:trace contextRef="#ctx0" brushRef="#br0" timeOffset="-167463.75">8746 15059 9602,'0'10'539,"0"-1"-359,0 4-90,0-2-90,0 2-90,0 5-180,0-7 180,0 7-899,0-5 989,4 10 0,1-11 0,4 5 0</inkml:trace>
+  <inkml:trace contextRef="#ctx0" brushRef="#br0" timeOffset="-166548.75">8550 13608 7713,'0'10'1169,"0"-1"-809,0 4-90,-4 2-1,-1 12-179,-5-3 90,1 4 0,0-1-180,0-7 90,-1 3 0,1-1-3302,0-2 3122,-1 3 180,-7 4 90,1-3 0,2 4-180,1-9-270,8-6 90,-4-3-899,0-1 539,3-4 270,2-1 2493,0-4-2673,3 0 0,-3-4 450,0-9 0,-1-3 0,-5-7 0</inkml:trace>
+  <inkml:trace contextRef="#ctx0" brushRef="#br0" timeOffset="-166330.75">8420 13701 7533,'23'-14'359,"-8"0"-89,7 9-90,-12 1 180,4 4-270,-1 0 90,-3 0 360,8 8 269,5 19-629,-7-4 90,6 8-90,-17-14-180,3-6 180,-7 6 0,8-6-360,-4 10 180,0-9 180,-1 9-720,0-10 360,-3 2-809,8 1 449,-8-4 360,7-1-90,-7 0-719,7-8-1,-3 3 990,5-4 0,-1 0 0,0 0 0</inkml:trace>
+  <inkml:trace contextRef="#ctx0" brushRef="#br0" timeOffset="-166091.75">8783 13673 8612,'0'10'1799,"0"7"-5076,0-1 1523,-4 6 3523,-2 5-1589,-3 2 90,4-4 769,-3 1-1129,3-3 90,-5-3-450,5 3 181,-3-1 179,7-7-900,-7 4 451,6-6 179,-2-3 3572,4-1-4471,0 0 1259,-4 0 0,3 1 0,-3-1 0</inkml:trace>
+  <inkml:trace contextRef="#ctx0" brushRef="#br0" timeOffset="-162546.75">9741 14073 6633,'-5'10'900,"1"-1"-451,-1 4-89,-4 6-270,-1 1 0,-3-2 0,4 0-90,-1 0 90,1 2 0,0 3 0,0 0 0,-1-4 90,-3 16-90,-2-5 0,1 16-2186,0-12 2186,5 2-203,4-8 1,1 1 292,-1 10-180,2-11 0,1-2 90,2-3-90,0-2 0,5-9 90,-4 5-90,7-3-90,1-4 2010,6 3-2100,7-7-589,2-2 499,0-4-359,-1 0-91,3-4 180,-1-2 540,7-11 0,-13 6 0,3-7 0,-7 0 0,3-1 0,-3-13 0,-6 3-179,-1-3 269,-7 12-1,3 3 181,-8 3 0,-5 4 180,-1-4-180,-4 9 0,9 1 269,-3 4-89,-1 8 0,-2 3-270,2 3-180,5 0 180,4 3-180,8 11 90,2-6-90,9 4-270,0-21 90,-5-1 0,4-4 0,-8 0 0,3-4 0,1-1-3097,-4-5 3162,4 1 115,-5-4-90,0-2 180,-4-4-180,0 9 90,-5-2 180,0 7-180,-9-1 3276,-5 2-3070,-2 4-206,-14 0 90,14 0-90,-11 4 90,12 2-360,6-1 0,5 3-90,4-3 181,0 4-361,4 1 0,1-1 540,13 9 0,-3-7 0,8 7 0</inkml:trace>
+  <inkml:trace contextRef="#ctx0" brushRef="#br0" timeOffset="-161785.75">10234 14576 7533,'4'-10'0,"2"1"0,-1 4 180,-1-8 179,0 3 271,-3-8 90,3 3-451,-8 2 91,3 3 90,-7 1-90,3-4-270,-9 2 0,0 2-360,-5 5 90,0 4-360,1 0 270,3 8-89,2 7 269,8 4-90,0 8 270,10-3-180,0 0 180,8-6-90,2-4 90,-1-9-90,0-1 0,-1-4 270,-3-4-181,4-5-89,-5-2 0,1-2 360,-1-17-180,0 7-90,0-13 180,-3 13-180,-2 5-90,-4 3-180,0 2 270,0 7 0,0 2-450,0 4 360,0 13 0,0-6 0,0 15 0,0-4 180,0 2 0,0 3-180,0-5 270,0 1-90,0-1-90,0 5-90,0-3 179,4 3-89,-3 8 0,3 7 90,-4 1-180,4-3 90,-3 8 0,3-16-90,-4 16 180,0-4-180,0 0 180,-4 10-180,3-16 90,-7-3 0,7-4-90,-7-10 0,7 4 180,-12-7-270,11-4-90,-19 4 0,14-9 180,-10-1-180,-5-4 90,1-4 0,-7-1-90,5-5 90,-3-7 90,9 5-90,-9-9 0,16 10 90,-4-6 180,5-2-270,4 4 90,1-3 90,4-4-90,4 2 0,5-16-3277,2 11 2803,6-2 114,2 4-360,13-1 181,2-4 89,-1 9 180,-6 1-450,0 5 91,-11 3 179,10-4 450,-7 5 0,-4-1 0,3 1 0</inkml:trace>
+  <inkml:trace contextRef="#ctx0" brushRef="#br0" timeOffset="-158668.75">10877 14036 7533,'-6'0'629,"2"0"271,4 0-720,9 0 180,-3 4-1,7-3 181,5 8-180,1-4 0,13 4-181,-7-4 91,-2 3-90,-5-7-180,-4 4 360,9-5-270,-8 0-90,3 0 180,-5 0-90,2 0-90,4 0 90,-5-5-90,8 4 0,-11-3-90,6 0 0,-7 3 90,3-3 90,-7 4-630,6 0 90,-7 0-539,1 0 449,-2 0-899,-4 0 719,0 4-629,-4 5 900,-2 2 449,-7 2 0,-1-4 0,-4 1 0</inkml:trace>
+  <inkml:trace contextRef="#ctx0" brushRef="#br0" timeOffset="-157769.75">10867 14148 7533,'-14'0'1259,"4"0"-899,2 0 269,7 0 181,-3 0-360,4 4-91,0-3-179,0 3 180,0 4-180,4-6 90,1 11-90,5-8-90,-1 4 270,9 1-270,-3-1 89,4 0 1,-2-4-180,-2 4 0,-1-4 90,4 0-180,0 3 0,-2-3 90,2 5 0,-5-5-180,-3 3-3097,4-3 2893,-5 0 6,0 4 198,1-4 0,-1 4 180,-4 0-360,3-3 0,-2 6 180,-1-6-89,-1 8 269,-4-5 3070,0-4-3070,0 3 610,0-2-700,0 3 0,0-4 180,0 3-180,-4-2-90,-1 3 90,-5 0 0,1 0 0,-9 5 0,7-4 0,-7 4-90,5-5-3097,-10 4 2802,7-2 475,-10 2-177,11-4 87,-3 1 0,-1-1 90,1 0 0,-5 5 0,3 0-2149,-7 5 2059,8-5 2419,-8 4-2329,11-8 180,-1 4-90,7-5 0,1 0-180,4-4 360,-4 4-183,4-4-87,-4 4 270,4-4-270,1-1 90,0 1 3186,3-4-2980,-4 3-206,1-4-90,3 4 90,-3-3-90,4 3 270,0-4-1,4 0 1,-3 0-90,8 0-180,-4 0 270,0 0-180,3 0 0,-7-4 0,7 3 0,-2-3-90,3 4 90,-4 0 90,7 0-270,-9-4 90,13 3-90,-6-4 270,21 1-180,-5 3 90,6-7-90,-13 7 179,7-3-89,-5 0 90,11 3-3457,-13-3 3252,3 4-65,-12 0 270,4 0 0,-1 0-180,-2 0 179,2 0 1,1 0-180,-4 0 3276,3 0-3069,-3 0-207,-5 0 450,7 0-450,-1 0 90,3 0-1,-1 0-89,-3 0 180,3 0-270,-7 0 90,6 0 90,-6 0-90,-2 0 0,5 0 0,-8 0-180,7 0 270,-7 0-90,7 0-359,-7 0-461,3 0 1,-16 0 0,-3 0 0</inkml:trace>
+  <inkml:trace contextRef="#ctx0" brushRef="#br0" timeOffset="-156948.75">10774 14957 9152,'0'5'899,"0"3"-989,0-2 180,0 7 0,-4-3-180,-1 8 270,0-4-90,-4 5 0,8-5 0,-3 0-90,4-5 180,0 5-90,0-4-180,0-1 90,0 4-90,0-7 0,0 3 90,0-5-270,4-4 90,-3 0 90,4 0-359,3 0-1620,6-16 1349,-2 8 270,0-14 450,-8 8 0,-3 4 0,3-8 0,-4 4 0</inkml:trace>
+  <inkml:trace contextRef="#ctx0" brushRef="#br0" timeOffset="-156708.75">10681 14817 7533,'0'6'180,"0"-2"539,0-4-179,4 0-90,-3 0-270,8 0-1,-4 0-89,0 0-90,7 0 90,-6 4-449,4-3 269,-2 7-90,-3-7-90,0 8 180,4-8 0,-4 3 0,0 0-1349,7 1 1259,-5 0 180,6-1 0,-4-4 0,1 0 0</inkml:trace>
+  <inkml:trace contextRef="#ctx0" brushRef="#br0" timeOffset="-156350.75">10942 14966 7533,'-5'0'629,"0"0"91,5 0-360,9-4-360,1 3 180,5-3-270,2 0 270,-7 3-720,0-3 270,-2 4 90,-3 0-1079,0 0 1259,4 4 0,-8 5 0,3 6 0</inkml:trace>
+  <inkml:trace contextRef="#ctx0" brushRef="#br0" timeOffset="-156131.75">10988 15059 7533,'0'5'719,"0"0"1440,0-5-2069,4 0-90,2 0 0,3 0 180,0-5-630,1 4 270,3-7-449,1 7-451,5-7 91,-4 7 989,-2-3 0,-4 0 0,1-2 0</inkml:trace>
+  <inkml:trace contextRef="#ctx0" brushRef="#br0" timeOffset="-155881.75">11212 14938 8072,'-5'0'540,"0"-4"-180,5 3 1169,0-3-1529,0 12 270,0 3-180,-4 3-90,3 0-90,-3-5 90,0 13-450,-1-2 180,0 4 90,0-6 90,5-13-449,0 3-1,0-3 360,5 5-1079,-4-5 1259,3-1 0,0 0 0,1 1 0</inkml:trace>
+  <inkml:trace contextRef="#ctx0" brushRef="#br0" timeOffset="-154664.75">10998 13441 7533,'-6'0'270,"-2"4"-181,7 1 361,-7 4-90,7-3-90,-7 6 180,2-2-91,1 5-269,-3 2 180,3-2-270,0-1 180,-4 4 0,8-4-180,-7 13 270,3 6-270,0-3-90,1 1 270,4-12-720,0-1 450,0-3 0,0 2-719,0 2 449,0-3 90,0 1-719,0-8 539,0-3 90,4 2-539,1-7 899,0 3 0,7-4 0,-1 0 0</inkml:trace>
+  <inkml:trace contextRef="#ctx0" brushRef="#br0" timeOffset="-154153.75">11174 13590 7533,'6'-6'719,"-2"-2"-539,-4 7 1619,0-3-1619,-4 8 0,-6 1-270,0 5 90,-3-1 90,-1 0-360,0 1 180,-1-1 0,2-4 0,-1 3 0,4-3 90,-4 1-90,1 2 90,-6-7 0,4 7-180,-3-7 1,1 3-1,-7 0 180,7-2 0,-3 2 0,19-4 0,-3 0 0,4 4 90,4-3 90,-3 7-180,11-7 269,-10 7-89,11-7 270,-4 8-270,5-4 0,1 0 359,2 3-359,-6-3 90,2 1 180,5 2-180,-7-3-90,7 0 0,-9-1-90,0 0 89,1-2 1,-1 2-90,4-4-270,2 0 1,-1 4 89,0-3 0,-9 3-630,3-4 360,-3 0 180,1 0 90,2 0-1079,-7 4 449,7-3 271,-7 3-721,8-4 1170,-5 4 0,6 2 0,-1 3 0</inkml:trace>
+  <inkml:trace contextRef="#ctx0" brushRef="#br0" timeOffset="-149295.75">11611 14362 7533,'-5'-4'899,"1"-6"-449,8-4-180,1-1-90,4 2 179,1 4 1,3-5-180,-2 4-270,2-4 90,-4 5 180,1 4-270,3-7 90,-3 9-180,0-9 90,-2 11 180,-3-3-270,0 0 270,-1 3-270,1-3 90,-4 4-89,3 0 89,-4 8 90,0 2 0,0 5 90,0-2-90,0 0 0,0 2 179,0 8-179,0 5 0,0-4 180,4 3 90,-3 0-270,7-6 180,-7 10-1720,3-7 1630,-4 4-180,0-5 180,0 4-188,-4 5 188,-1 11-90,0-8-90,-3 4 90,3-11-90,-5 9 90,1 1-180,0 0 90,3-11 0,2 0-360,4-11 180,0 1 1629,0-11-1809,0 2-170,0-7-639,0 3 630,4-21 629,-3-3 0,8-9 0,-8-2 0,3 7 0,-4-4 0</inkml:trace>
+  <inkml:trace contextRef="#ctx0" brushRef="#br0" timeOffset="-148985.75">11732 14436 7533,'5'-13'0,"4"-6"-270,-8 4 180,7-3 540,-3 5-91,0 6 91,-1-5-180,5 7-90,-7 0 0,10 0 90,-3 1 0,6 3-1,-1-3-89,0 8 0,-5-3 90,0 12 360,9 9-720,-11-4 90,6 12 90,-13-15-90,0 7-90,0-6 0,0 1 180,-4 1-180,3-11 90,-4 10 90,1-12-450,3 4 270,-7 0-90,3-3-270,-5 2 1,-3-3-451,-1 0 450,-1-1 180,-3-4-809,4 0 539,0 0 181,4 0 359,2-4 0,3-1 0,-5-4 0</inkml:trace>
+  <inkml:trace contextRef="#ctx0" brushRef="#br0" timeOffset="-148591.75">12133 14269 7533,'5'-4'180,"3"2"629,-7-2 91,3 4-631,-4 0 181,4 0 180,-3 0 89,3 4-539,-4-2-180,0 6 180,-4 1 90,-1 14-90,-4-7 0,-1 10 0,5-15-90,-3 6-90,7-2 180,-3 3 89,0 9-179,3-6 0,-3 6 90,4-1-90,0-9-180,4 9 180,1-12 90,0 5-360,3-5 90,2 0 180,0-5-270,-1 0 90,8 1-899,-6-5 449,12-1-809,-9-4 539,0 0-10,-1 4 1,-2-3 0,2 3 0</inkml:trace>
+  <inkml:trace contextRef="#ctx0" brushRef="#br0" timeOffset="-145221.75">12375 14315 7533,'-6'0'-180,"2"0"270,4 0 359,0-4 91,0 3 1349,0-3-1619,4 4-90,2 0 0,3 0 0,0 0-180,0 0 0,1 0 269,3 0-269,2 0 0,-1 0 90,4 0 0,0 0-270,-2 0 91,6 0 178,-12 0-268,3 0 89,1 0 180,-8 4-270,6-3 180,-6 3 0,-1-4-90,3 4 90,-7-3 0,3 3 0,-4-4 0,4 5 0,-3-4 0,4 3 0,-5 0-90,0-3 90,-5 7 0,4-7-90,-7 12 90,3-11-90,-4 10 0,-1-7 90,1 5 0,0-1-90,-5 0 90,4 1 0,-4-5 0,9 3 0,-3-3-90,3 4 90,-4 1 0,-5-1 0,0 4 0,-1-2 0,2 2 0,8-8 0,0 4 0,1-8 0,3 7 90,-7-7-90,7 7 90,-7-7 90,7 8 0,-8-4-90,8 0-90,-3-1 90,4-4 0,0 0 0,0 4-1,0-3 451,0 3-540,4-4 180,-3 0 0,12 4-180,-7-2 270,7 2-90,-3-4-180,-1 0 270,4 0-91,6 0-179,-3 0 0,1 0 0,-3 0-179,-4 0 269,3 0-1,-3 0-448,-1 0 449,0 0-180,1 0-90,-5 0 180,3 0-90,-7 0-180,3 0 90,0 0-90,-3 0-1169,4 0 630,-1 0 269,-3 0-2159,3 0 2699,0-4 0,-3-2 0,3-3 0</inkml:trace>
+  <inkml:trace contextRef="#ctx0" brushRef="#br0" timeOffset="-144483.75">12727 14483 7892,'-5'5'1170,"1"3"-990,4-3-180,0 0 360,0 4-91,0 0-89,0 1-270,0 0 450,0 2-180,0-6-270,0 8 540,0-1-540,0 2 180,0-1 90,0-1-270,0-7 90,0 6-90,0-6 180,0 4-180,0-6-1619,0-4 1169,0-13-90,0 2 451,0-12-1,0 9 0,0 0 0,0 5 270,0 0-180,4-5-90,-3 8 360,3-6-90,-4 6 0,0 1-180,5-3 270,-4 7-90,3-3 90,-4 0 179,0 3-269,4-8 90,-3 8 0,3-3-180,0 4 0,-3 0 270,3 0-180,1 0-90,-4 0 180,7 0-90,-7 0-90,7 0 90,-7 4 0,3-3 90,0 8-91,2-8 91,-1 3-180,-1 0 90,-4-3 0,4 7 0,-3-7 90,3 8-90,-4-8 90,4 7 0,-3-3-90,4 0 0,-5 3 90,0-2-180,0 3 0,0 0 90,0 1-90,0-5 0,0 3 0,0-3-90,0 4 180,0 1-90,0-5 0,0 3 0,0-3 90,0 1-360,4 2 90,-3-7 0,7 3-90,-7-4-180,3 0 1,4 4-1171,-1-3 271,10 3 1349,-11-8 0,11 3 0,-7-3 0</inkml:trace>
+  <inkml:trace contextRef="#ctx0" brushRef="#br0" timeOffset="-144033.75">13025 14362 7533,'-5'-5'180,"1"0"-1,4 5 181,0-4 0,0 3 0,0-3 90,0 0-91,4 3 451,1-3-540,5 4-270,-1 0 180,0 0 0,-4 0-270,4 0 90,-4 0 90,0 0 89,3 0-628,-7 0 359,8 0-720,-8 0 361,7 0 269,-7 0 0,7 0 0,-7 4-720,3-3 361,-4 3-91,5-4 180,-4 4 90,3-3 1,-4 3 359,0-4 0,4 5 0,1 0 0</inkml:trace>
+  <inkml:trace contextRef="#ctx0" brushRef="#br0" timeOffset="-143784.75">13035 14436 7533,'-6'10'-180,"2"-1"180,4-5 0,0-3 899,0 3-359,0 0-180,0-3 0,0 3 359,9 0 1,1-3-540,4 4 179,4-5-359,-12 0 0,7 0-449,-8 4 269,4-3 90,-4 3-900,8-4 541,-11 0 179,10 4 90,-7-3-450,1 3 181,2-4 89,-3 0 360,4 0 0,1 0 0,-1 0 0</inkml:trace>
+  <inkml:trace contextRef="#ctx0" brushRef="#br0" timeOffset="-141953.75">13491 14418 7533,'-5'0'-180,"0"4"540,5-3-91,-4 3 181,3-4-180,-7 0 0,7 4-90,-3-3 0,0 3-90,3 0 179,-8 1-89,8 5-180,-7-1 180,7-4 0,-3 3-180,0-2 0,3 3 90,-3 0-180,4 1 90,0-1 90,0 13-90,4-10-90,1 10 90,0-17 90,3 3-270,-7-7 90,8 3 90,-8-4 0,7 0-270,-7 0-89,7 0-361,-2 0 360,-1 0-179,7-8 89,-10 6 90,6-10 360,-3 2 0,0-4 0,4-5 0</inkml:trace>
+  <inkml:trace contextRef="#ctx0" brushRef="#br0" timeOffset="-141724.75">13453 14259 7533,'-5'-5'180,"1"1"629,4 4 360,0 0-809,0 4-360,4-3 0,-3 7-90,8-6-359,-8 2 179,3-4 270,0 4-990,-3-3 271,7 3-361,-2-4 1080,-1 0 0,3 0 0,-3 0 0</inkml:trace>
+  <inkml:trace contextRef="#ctx0" brushRef="#br0" timeOffset="-141317.75">13584 14166 7713,'5'0'539,"3"0"-179,-7 0 540,12 0-541,-7 4 451,12 2-450,-12 3-180,6-4 359,-3 7-179,2-5-180,2 6 0,-3-8 0,3 4 90,-3-4-90,4 8-1,-5-2 181,5 6-180,-4-2 0,-1-1 180,4 8-360,-11-11 270,10 15-90,-7-11-270,0 8 180,0 0-1,-5-3-178,0 2-1,0-7 180,0 2-1,0-2-268,0 3 89,-9 5-180,-1 1 360,-4 0-720,0-6 270,5-4 180,-1-1 1,1-7-901,0 11 450,0-15 181,-1 10 179,1-6-989,0-1 89,-5 3 361,4-7 809,-4 3 0,1 0 0,-2 1 0</inkml:trace>
+  <inkml:trace contextRef="#ctx0" brushRef="#br0" timeOffset="-139735.75">14040 14473 6363,'-5'0'990,"1"0"719,4 0-1439,-4 0-90,3-4 629,-4 3-449,5-3 1259,0 4-1529,-4 4-90,3-3 90,-3 3-90,4-4 0,0 0 0,-4 0 0,3 0-1093,-3 0 1,4 0 0</inkml:trace>
+  <inkml:trace contextRef="#ctx0" brushRef="#br0" timeOffset="-138499.75">14244 14259 0,'8'51'0,"-1"0"0,1-1 0,-1 1 0,1 0 0,-1-1 0,1 1 0,-1-5 0,-1 1 0,1-1 0,0 0 0,-1 1 0,1-1 0</inkml:trace>
+  <inkml:trace contextRef="#ctx0" brushRef="#br0" timeOffset="-138179.75">14337 14352 7533,'5'-14'180,"4"0"89,-8 9 1,7 1-90,-3 4 540,13-4-360,-3 3-270,4-3 449,-2 0-359,-6 3 0,2-3 0,-4 4-270,1 0 270,-1 0 0,0 4-180,1-3 90,-1 7 0,-4-3-90,3 4 0,-7-3 90,8 6 89,-8-6-179,3 8 90,-4-5 0,0 0-90,0 5 0,0-4 90,-4 4 0,-1-1-90,-5-3 0,1 8 90,0-8 0,-1 4-180,1-1 0,0-3 180,-1 4-719,-7-1 449,5-2 180,-5 2-810,8-8 181,-5 3 449,4-6-360,0 6-180,-2-7 361,10 3-541,-6-4 900,8 0 0,-4-4 0,-2-1 0</inkml:trace>
+  <inkml:trace contextRef="#ctx0" brushRef="#br0" timeOffset="-136168.75">14812 14185 7083,'-5'0'0,"-4"0"90,8 0 0,-3 0 270,0 0-270,3 0 179,-3 0-89,0 0-90,3 0 360,-3 0-90,-1 0 0,0 4-91,0 1-89,1 5-90,0-1 90,3 0 0,-3 0-90,4 5 90,0-4 0,0 8 0,0-4 0,0 5 89,0 8-89,0-11-180,0 10 180,0-11 0,0 3-90,0 5-90,0-3 90,4 11-180,1-2 0,0-5-450,-1-2 361,0-9 89,-3-2-450,8 6 360,-4-10 0,4 5 0,-4-11-539,4 7-181,0-7-809,5 3 1709,1-4 0,-2 0 0,-3 0 0</inkml:trace>
+  <inkml:trace contextRef="#ctx0" brushRef="#br0" timeOffset="-132616.75">15073 14306 7533,'-6'0'629,"2"0"-449,0-4 180,3 3-90,-3-3-90,4 4 1439,0 0-1349,4 0-3482,1 4 3212,5-3-591,-1 7 681,-4-3 0,7 9-90,3 0 89,0 1-89,3-2 180,-5 5-270,-2-3 0,2 4 3145,1 2-3145,-4-9 1108,-1 9-928,0-10-180,-4 6 90,0-6 90,3 2-270,-3 1-89,1-4 359,-2 3-630,0-3 180,-3-5 180,3 3-899,0-7 809,-3 3-540,3-4-89,0-4 539,2-1-90,-1-4 450,-1-1 0,0-3 0,1-2 0</inkml:trace>
+  <inkml:trace contextRef="#ctx0" brushRef="#br0" timeOffset="-132300.75">15398 14250 7533,'0'-5'0,"0"1"90,0 4 449,-8 0 91,2 0-450,-3 0 90,0 0 90,8 4-181,-7-3 181,-1 7 0,-6 1-360,1 2 180,0 2-90,-3 1-90,1-4 90,-2 8 90,0-8-270,3 3 0,-7 5 90,-2 6 0,0-4 0,6 6 0,0-7-180,8 5-1529,-8 8 1439,12-16-450,-2 5 361,12-20-1,-3 3 0,7-4-270,-3 0 630,4 0 0,1 0 0,-1 0 0</inkml:trace>
+  <inkml:trace contextRef="#ctx0" brushRef="#br0" timeOffset="-131678.75">15445 14418 7533,'0'5'-360,"0"3"810,0-3-181,0 4 1,0 1 180,0 3-360,0-3 0,0 8 90,0-8-90,0 4 0,0-1-90,0-2 270,0 6-90,0-6-270,0 2 180,0 0-1,0-6-178,0 5-91,0-11 270,0 7-270,0-7-1799,0 3 1799,0-12-90,0 2-180,0-12 270,0 8-179,0-3 359,0-1 0,4 0 0,-3-1 0,3 6 0,-4 1 0,4 3 0,-3-1 269,4-2-89,-1 3 0,-3-4 90,7 3-90,-7-2 0,3 7 0,0-7 180,-3 7 179,8-3-359,-8 4-90,3-4 90,0 3-90,-3-4 0,11 10 90,-10 0 0,11 4-90,-12-4-90,3 3 90,0-2 90,-3 3-91,3 0 1,-4 1 180,0-1-180,0-4 90,4 3-90,-3-3 0,4 9 0,-5-8-360,0 6 180,4-6 180,-3-1-630,3 3 91,0-7 269,1 3-90,0 0-180,4-3 180,-4 4-449,0-5 179,3 0 540,-3-5 0,5 4 0,-1-3 0</inkml:trace>
+  <inkml:trace contextRef="#ctx0" brushRef="#br0" timeOffset="-127915.73">15835 14278 10321,'5'0'-270,"-1"0"270,-4 0-449,5 0 269,-4 0 180,3 0-1260,0 4 721,-3 1 539,3 0 0,0 8 0,1-3 0</inkml:trace>
+  <inkml:trace contextRef="#ctx0" brushRef="#br0" timeOffset="-127613.73">15863 14455 7353,'0'5'629,"0"-1"181,0 0-540,4-3 180,-3 7-91,3-7 1,-4 8 0,0-4-90,0 4 0,0 5-90,0-4-270,0 3 90,-4 5 179,-1-7-448,0 7 89,-8 0-270,7 1-449,-7 5 179,3-1-1529,-3-1 2249,7-6 0,-7 1 0,8-7 0</inkml:trace>
+  <inkml:trace contextRef="#ctx0" brushRef="#br0" timeOffset="-122316.73">16207 14576 7533,'0'9'180,"0"-4"-90,0-1 2158,0-4-1978,5 0-90,-4 0-270,7 0 180,-7 0 0,7-4 90,-3 3-270,0-7 270,8 3-270,-7-13 180,8 7 0,-9-7-180,3 5 90,-3-2 90,0 1-180,4-4 0,-8 4 90,7-1 90,-7-2-270,7 2 0,-7-3 180,3-1 0,-4 5-180,5-4 0,-4 3 180,3-11-270,-4 5 1,-4-14 179,3 14 0,-8-2 180,8 2-180,-7 9 90,7-5-90,-3 7 360,4 1 359,0-4-629,0 6 180,0-1 0,0 8-90,0 0-90,-4 0 90,3 0-90,-4 0 90,5 4-180,0 1 0,0 5 90,-4-1 0,3 0-90,-3 5 90,4 9 0,0-3 0,0 7 0,0-8 0,0-1 90,0 1-90,0 4 0,0 13 0,0-9-1827,0 8 1827,0-16-1117,0-1 1117,4 1 0,-3-1-90,3 1 90,-4-5 0,5 0-90,-4-1 90,7-7 1585,-3 11-1585,0-11 1359,4 4-1449,-8-6 90,7-4-90,-7 0 90,7 0 0,-3 0-90,5 0 90,-5 0 0,3 0-270,6-9 180,1-5-90,8-14 91,-9 3 89,0 2-180,8-19 180,-10 21-90,5-22 0,-8 16 0,-4-6 0,0-5-3187,-1 5 3162,-4 6-400,0 8 515,0 1-90,0-5 270,0 7-90,0-1-90,0 7 3276,0 1-2875,0 0 548,0 0-679,0 3-270,0 2 270,0 4-360,0 9 90,4 1 90,-3 4-90,4 4 180,-5-4-180,0 5 0,0 0 0,0-1 270,0 1-180,4 8 180,-3 2-181,3 12 91,-4-7-180,0-6 0,0-6-90,0-12 180,0 4-90,0-5-90,0 0-89,8 9 89,-6-7-90,11 2 0,-12-8-90,7-1 270,-7-3-270,7 3-180,-3-4 91,5 0 89,-5 0-630,3 0 361,-3-4 89,5 3 180,-1-8 270,-4 4 0,8-4 0,-3 0 0</inkml:trace>
+  <inkml:trace contextRef="#ctx0" brushRef="#br0" timeOffset="-121711.73">16803 14445 7173,'0'6'270,"0"-2"179,-4 4-359,3-6 0,-3 10 0,0-6 540,3 7-270,-3 2 0,4-1-270,0-1 89,0-3 1,0 3 90,-5 2-90,4-1-180,-3 0 0,4-5 180,0 0 0,0 0-180,0 1 0,4-1-270,-3-4 180,8-1 90,-8-4-720,7 0 271,-3 0 359,5 0-900,-1 0 1,4-4 719,-7-1-450,7-4 720,-12-1 0,7 1 0,-3 0 0</inkml:trace>
+  <inkml:trace contextRef="#ctx0" brushRef="#br0" timeOffset="-121500.73">16766 14287 7533,'-5'0'719,"1"0"361,4 0-990,0-4 0,0 3 269,0-3-269,4 4-629,5 4 449,-3-3-360,7 7 180,-8-7 180,4 8-1169,1-4 1259,-1 4 0,0 0 0,0 1 0</inkml:trace>
+  <inkml:trace contextRef="#ctx0" brushRef="#br0" timeOffset="-121243.73">17101 14604 7533,'-4'9'1079,"3"0"-1079,-3 5 540,0-8-360,3 6 539,-8-3-179,8 2-360,-7 2-270,7-3 0,-7-1-270,3 4 180,-5-2 0,5 2-1169,1-4 630,4 1 719,-4-1 0,-1 0 0,-5 1 0</inkml:trace>
+  <inkml:trace contextRef="#ctx0" brushRef="#br0" timeOffset="-120621.73">17407 14213 7533,'-9'-9'-1350,"4"3"1081,-3-2 269,3 7-90,-5-7 90,5 7 0,-3-8 0,7 4 270,-8 0 89,4-3-359,-4 7 360,4-3 90,-3 0 269,7 3-89,-4-8-270,5 8 449,0-3-89,0 0-360,5 3-180,-4-7 0,7 7-180,-3-3 0,8-1 179,-2 4 1,6-3-180,-2 0 180,8 3-270,-8-3 180,7 4 90,-12 0-540,4 0 270,-5 0 0,0 0-539,5 0 359,-4 0 180,3 0-719,-3 0 449,-5 0 90,3 0-90,-3 0-539,1 4 449,-2-3-630,0 3 1080,-3-4 0,3 4 0,-4 2 0</inkml:trace>
+  <inkml:trace contextRef="#ctx0" brushRef="#br0" timeOffset="-119996.73">17342 14157 7533,'-10'0'180,"2"0"-180,8 4 90,0-3 179,0 3 91,0 0-180,0-3 450,0 12-450,0-7 0,0 8 179,8-1 91,-2 1-270,8 5 0,-5-9-360,0 3 270,1-8-90,-1 4 180,-4-4-270,3 4 90,2-4 0,8 4-90,2 0 90,7 5-90,-12-8 0,3 7 90,-13-12-180,3 7 180,-7-3 0,8 0 0,-8 3 0,3-7 0,-4 8-90,-8-4 90,5 4-180,-9-4 180,3 8-180,-2-11 90,-6 10 0,-2-2 1,4-4 89,-7 6-90,7-7 180,1 5-90,-8-1 0,3 4 0,-1-2 0,2 2 0,9-8 0,0 4-90,4-4 90,-4 0 90,8 3-90,-3-7 0,4 3 0,0 0 0,0-2 0,0 2 0,0 0 179,0-3 1,0 3-180,4-4 0,1 4 270,5-3 90,3 3-90,-2-4 0,6 0-90,2 0 89,-4 0-179,7 0 0,-12 0 270,8 0 90,1 0-270,-4 0-180,3 0 360,-1-4-181,-5 3-448,5-3 179,-8 4 0,1-4-720,3 3 720,-7-3-719,7 4 449,-8 0 90,0 0-989,8 0 719,-7 0-629,7 0 539,-8 0 630,4 0 0,-8-4 0,3-2 0</inkml:trace>
+  <inkml:trace contextRef="#ctx0" brushRef="#br0" timeOffset="-119572.73">17798 14604 9512,'0'5'719,"0"3"-629,0-7 0,0 7 0,0-7 90,0 8-90,0-4 0,0 4 90,0 0-450,5-3 270,-4 2-90,3-7 180,-4 3-630,0 0 360,4-3 0,-3 3-539,3-4 629,0 0-90,-3 0-1529,8-8 1709,-8 2 0,7-8 0,-3 5 0</inkml:trace>
+  <inkml:trace contextRef="#ctx0" brushRef="#br0" timeOffset="-119341.73">17789 14408 7533,'-5'0'1349,"1"-4"-1439,4 3 180,0-3 360,4 4 89,-3 0 1,7 4-90,-3 1-450,5 0 90,-5 0-720,-1-5 360,0 4-359,-3-3 449,8 7 0,-8-7-1349,7 7 1529,-7-7 0,7 8 0,-3-4 0</inkml:trace>
+  <inkml:trace contextRef="#ctx0" brushRef="#br0" timeOffset="-117644.73">18050 14073 7892,'0'-5'720,"0"1"-90,0 4-450,4 4 89,1 1 91,13 9 90,-3 0-270,4 5 0,-6-1 270,5 5-271,-7-7 181,7 14-180,-9-18 0,0 14 0,1-16 90,-1 12-90,0-7-180,1 8 0,-5-4 180,-1-5-1,0 4-268,-3-4 358,3 13-89,0-6-270,-3 6 90,4 0-90,-5-7 0,0 7 180,0-12 0,-5 2-180,4-6 0,-7 2 0,3 5 1,-4-7 178,-1 11-89,5-12-269,-3 3 89,3-3 90,-5-1-270,1 0 90,0 1 90,4-5-2158,-8 3 359,11-7 1979,-6 3 0,4-4 0,-1 0 0</inkml:trace>
+  <inkml:trace contextRef="#ctx0" brushRef="#br0" timeOffset="-115784.73">14087 14287 8252,'5'0'990,"-1"0"-630,0 0-181,1 0-89,5 0 180,-1 0-90,0 0 90,0 0-90,5-4-180,-4 3 180,4-7-90,-5 7-180,4-12 180,-3 7 0,3-3-180,-7 1 180,2 2 0,-7 1-90,7-7-90,-3 6 0,1-12 180,2 8-90,-7 0-180,3 2 270,-4 7-180,0-7 90,4 7 0,-3-3 0,3 0 0,-4 3 0,0-4-90,0 1 90,0 3-270,0-3 360,0 12-90,0-1-90,0 6 180,0-8-180,0 8 270,0-7-180,0 7 0,0-3 0,0-1 270,0 4-90,0 2-180,0-1 0,0 0 90,0-1-90,0-3 89,0 4-89,0-1 90,0-2-90,0 2 90,0 1-90,0-4 90,0 3-90,0 1 90,0-4-180,0 12 180,0-7-90,0 8-90,0-9 180,4 8-90,-3-10-90,4 5 90,-5-8 0,4 1 0,-3 3 0,3-2 0,-4 2 0,4 5 0,-3-3 0,3 4-90,-4-6 90,0-4 180,0 1-180,0-1 0,0 0 0,0 1 180,0-1-180,0 0 90,0 0 90,0 1-180,0-1 0,0 0 180,0 5-90,0 0 90,-4 5-180,3-5 0,-3 0 90,4-1-90,0-2 0,0 2 90,-4 0 0,3-2-180,-3 2 180,4-3-90,0-5-90,0 3 90,0-3 0,0 4 0,0-3 0,0 2 0,0-3 0,0 0 0,0-1-90,0 0 90,0-3-180,0 4 180,0-1 0,0-3-2069,0 3 1259,0-12 361,0 1 89,0-6-540,0 4 361,0-1-541,4-3 1080,-3-6 0,7 0 0,-3-4 0</inkml:trace>
 </inkml:ink>
 </file>
 
@@ -1959,326 +2664,326 @@
   <inkml:trace contextRef="#ctx0" brushRef="#br2" timeOffset="213113">18580 10687 7533,'6'-14'-1260,"2"-4"1170,-7 8 1,7-3 89,-7 3 359,7 1-269,-6 0-90,2 3 270,0 2-270,-3 0 0,3 3 0,-4-3-45,0 4 0,4 0 0,1 0 0</inkml:trace>
   <inkml:trace contextRef="#ctx0" brushRef="#br2" timeOffset="213745">18673 10511 7533,'0'-6'-270,"-4"-2"270,3 7 0,-3-7 450,4 7-271,0-7 91,0 7 270,0-8-180,-4 8 0,3-7-180,-3 7-1,4-7 1,-4 7 0,3-8 0,-3 4-270,-1 0 90,4-3 0,-7 7-270,-1-8 270,-2 8 0,-6-3-359,-18 8 359,3 10 0,-10 1-90,15 8 90,-4 4-90,10-2 270,-6 3-1,1 15-3211,14-19 3122,-1-1 0,0 1 540,-2 10-450,1 0 89,0 2 37,5 4 143,0 3-269,3 1-90,2-4 90,4-12 0,0-4-90,4 11-90,2-17 0,7 12-360,-3-20 270,8-1-2130,-4-1 1770,5-6 2359,16 2-2089,-8-8-179,13 2-181,-3-14 450,-11 9-180,9-11 90,-16 5 234,0 2-234,-1-6 0,-8 2-90,12-7 360,-15 2-90,9-3-270,-10 5 360,-1 3 90,-1 2 3096,-4 8-3001,0-4-122,4 8 207,-3-3-90,3 8-90,-4 1 360,0 13-361,0-2 181,0 2-90,0-4 90,4 3-360,-3-5 90,3 5 90,-4-8-630,0 1 270,5-1 180,-4-4-989,3-1 539,-4-4-629,0 0 269,4 0-539,-3 0 1349,2 0 0,-3-8 0,0-2 0</inkml:trace>
   <inkml:trace contextRef="#ctx0" brushRef="#br2" timeOffset="213969">18534 10808 7533,'-9'5'0,"-1"0"0,5-5 989,1 0-449,4-5-90,0 4 1259,0-3-1350,0 0 91,4-1-90,1 0 90,13-3 179,10 2-988,-6 1 269,7 1 180,-18 4-1170,11 0 630,-7 4 181,3-3 179,0 3-1529,-8 1 719,3-4 270,1 7 630,4-7 0,2 7 0,3-3 0</inkml:trace>
-  <inkml:trace contextRef="#ctx0" brushRef="#br2" timeOffset="214896">18766 10985 7533,'-5'9'-990,"0"-3"1800,5-2-91,0 0-359,5-3 0,-4 3 180,11 0-360,-6-3 179,12 3 91,-8-4-90,20-8-3572,-12 6 3392,9-10-708,-10 6 528,-6-3 360,6-8-540,-2 1 180,-5-3-270,7 2 90,-15 6 90,6-2 90,-8 4-179,0-1 3219,0 1-3130,0 4 0,-4-3-359,-1 7 179,-5-4 90,1 5-90,-4 0 0,-2 0 0,-4 0 270,5 0 789,-8 0-969,11 5 90,-7-4 0,9 7-90,4-3 90,1 4 810,4 5-270,0-4-270,0 8 0,0-8 359,0 8-3571,0-8 3302,4 3-231,1-3 231,8 3-180,6-2-90,1 2 0,-2-8-630,4 3 361,-6-7 89,6 4 90,-7-5-810,2 0 591,-6 0 39,2 0-539,5-5 359,-7 0 90,7 0-539,-9-7 899,0 1 0,1-3 0,-1-12 0,-4 14 3276,-1-14-3160,-4 15-116,0-2 0,-8 0 0,-2-2 90,-5 1 449,2 4-179,3 2-180,5 7 360,-3-3-181,7 4-89,-7 0-90,7 0 720,-4 0-540,5 4-181,0-3 1,0 7 90,5-2-90,-4-1 0,7 3 0,-7-3 0,7 4-270,-7-3 180,7 6 0,-6-2-90,2 9 90,-4 0-270,0-5 180,0 4-90,0-8 180,0 3-270,0 1 90,-4 0 90,2 1 0,-2-2 0,4-4-360,0-3 0,0 2 360,0-7-1079,0 3 899,0-12-450,0 2 271,0-8-631,9-12 630,-7 13 180,6-17 91,-4 15 89,-3 1-180,3 1 180,0-1 0,2 0 0,-1-1 359,-1 6-89,0 1-270,1 2 900,0 1-361,4 1-269,-8 4-90,3 0 630,0 0-1,1 4-539,0 1 90,-1 5-180,-4 3-90,5-2 90,-4 2 0,3 0-91,-4 6 181,0-3-90,4 5 0,-3-10-360,3 2 180,-4-4 0,4 1-629,1-1 359,1 0 180,2-4-810,-3-1 451,0-4 179,3 0-990,-2 0 1,11 0 899,-5 0 360,9-4 0,-10-1 0,2-4 0</inkml:trace>
-  <inkml:trace contextRef="#ctx0" brushRef="#br2" timeOffset="215185">19399 11013 7533,'9'-4'1349,"-4"-1"-1079,4-5 0,-4 1-180,0 0 0,-1-1 719,0-7-539,-3 5-90,8-5-450,-8 4 270,3 2-540,-4 2 360,0 1 90,0 2 0,-4 1-179,3 1 89,-8 0 0,4 3 90,-4-3 90,-1 4-180,-3 0-90,-2 0 360,1 0-90,1 4 450,-1 5-3662,8 2 3392,-7 2-182,8-4 2,0 5 90,1-4 360,0 8-180,3-8 0,-3 8-180,4-8 90,0 3 179,0 1-269,4-4-180,5 4 180,1-9 0,12 3 90,-10-7-1079,13 7 449,-9-7 270,7 3-1439,-5-4 719,1 0 900,4 0 0,-4 0 0,4 0 0</inkml:trace>
-  <inkml:trace contextRef="#ctx0" brushRef="#br2" timeOffset="215748">19557 10827 7533,'0'5'1439,"0"-1"-1349,0 5 180,0-3-90,0 7-1,0 1 1,0-4 180,0 12-180,0-7 0,0 4 90,0-6-270,0 1 180,0-4 0,0 3-1,0-3-448,0-5 179,0 3 90,0-3-810,0 0 450,0 0-1439,0-5 1440,4 0-451,-3 0-179,8-9 989,-8 3 0,3-7 0,0 3 0,-3-3 0,3 3 0,-4-4 0,4 5 0,1 0 0,0 3 0,4-2 0,-8 3 0,7 0 359,-3-3-179,5 6 0,-1-2 630,-4 0-361,7 3-179,-9-3 90,13 0-450,-10 3 0,8-3 270,-1 4 90,-3 0-720,4 0 450,8 4 0,-10 1 0,10 4 0</inkml:trace>
-  <inkml:trace contextRef="#ctx0" brushRef="#br2" timeOffset="216167">19892 10966 7533,'5'0'0,"-1"-4"0,-4-1-90,0 0 90,-4-3 0,3 3 0,-7-5 539,7 5 91,-7-3-450,3 3 180,-5-1 0,1 2-91,0 4-269,-5 0 180,4 0-90,-4 4-270,5-2 180,0 6-90,-1-3 0,5 8 1,-3-2 89,7 2 0,-7 5 89,7 1-89,-3 1-89,4 2-1,8-8 180,-2-4-360,7 3 90,5-12-450,-7 3 360,11-4 90,-11 0-1169,14-8 630,-8-3 719,10-7 0,-13 3 0,-4 2 0,-2 4 0,-7-1-180,7 1 180,-7 0 0,3-1 0,-4 1 180,4 4-90,-2 1 89,2 0 721,-4 3-1,0-3-719,-4 4 720,2 0-361,-2 4-179,4 1 90,0 4-450,0-4 360,0 4-900,0-4 270,4 0 270,2-1-1169,3-4 539,4 0-449,2-4 719,4-1-90,-5-9 450,-1 4 0,-3-12 0,-1 3 0</inkml:trace>
-  <inkml:trace contextRef="#ctx0" brushRef="#br2" timeOffset="216372">20199 10520 7533,'-9'-25'0,"-1"3"270,6 13 179,-5 4-179,4 13-180,-4 4 630,4 10-181,1 1-269,4 1 450,0 4-270,0 0-181,0 0 1,4 4-386,1-3 296,4 7 0,0-3 0,0 16-180,1-8 0,-6 8-1170,5-16 631,-4 4 359,0-8 90,3-2-1979,-2 0 2069,3-7 0,0 3 0,0-5 0</inkml:trace>
-  <inkml:trace contextRef="#ctx0" brushRef="#br2" timeOffset="217128">21111 10845 7533,'0'-9'-450,"0"4"270,0-3 810,-4 7-271,3-8-89,-3 8 360,-5-7-270,3 7 0,-7-3-91,3 0-89,1 3 0,0-3 270,-9 4-270,7 0 0,-11 0 0,12 0 89,-8 4 91,0 5-360,2 6 180,-10 12 90,15-7-628,-7 11 448,9-11 89,0 3-45,3 12 46,2-13-180,4 14-90,4-22 270,6-1-540,8 1 270,2-4 0,7 0-989,-7-6 893,6-4-174,-6 0 180,7 0-1259,-7 0 539,2 0 361,-3 0 539,4 0 0,-4-4 0,4-2 0</inkml:trace>
-  <inkml:trace contextRef="#ctx0" brushRef="#br2" timeOffset="217549">21399 10929 7533,'-4'-19'1619,"-1"1"-1169,-4 5-1,4 6-539,-8-5 90,7 7 90,-12 0 90,4 0-180,-5 5 180,1 0 450,-5 0-271,3 0-179,-2 0 0,3 0 0,4 5 90,-2-4-90,7 7 0,-4-3-180,5 4 270,0 9-270,-1-7-180,5 11 180,1-12-540,4 8 360,0-8 0,4 8 90,1-8 0,5 8 180,-1-8-180,4-1 0,2 0-89,3-8-181,9 3 270,-2-4-90,3 0 0,-5-4-90,-5-1 90,-3-5-1259,2 1 450,-2-4 719,-5 2 90,3-6 450,-8 2-90,0-3-90,-1 3 539,-4 6-269,0 1-180,-4 6 180,-1-2 179,-4 4-269,-1 0 0,5 0 720,-7 0-721,5 0 181,-2 4-270,1 2 0,7 3 0,-3 0-270,4 1 90,0-1 90,0 0 90,4 0-1080,1 1 540,4-1 181,1 0 179,3-3-1709,1-2 809,5-4 270,-4 0 630,2 0 0,-2 0 0,3 0 0</inkml:trace>
-  <inkml:trace contextRef="#ctx0" brushRef="#br2" timeOffset="217937">21614 10892 7533,'0'-9'0,"0"-1"-90,0 5-90,0-3 450,0 3-270,0-4 0,0 3-180,0-2 540,-5 7-270,0-7 89,-4 7 271,0-3-180,-1-1 450,-7 4-451,5-3-89,-5 4 180,8 0-90,-1 4-90,5-3 180,-3 8-90,7-4-91,-3 4 91,4-4-540,0 4 180,0-4 90,4 4-899,1 0 539,4 1 180,1-5 90,3 3-539,1-7 269,1 7 90,2-6 0,-2 6 180,4-7 0,-1 3-180,-3 0 450,2-3-180,-7 7 0,4-2-90,-5-1 270,0 3-180,-4-3 90,-1 4 180,-4 1 180,0-1 0,0 4 359,-8 2-539,2-1 0,-7 0 0,3-5-180,-3 0 90,3 1 89,-4-1-179,1 0 90,3-3 90,-12 2-90,11-7-90,-7 3-360,13-4 180,-3 0 90,2 0-90,1 0-1529,1 0 810,4-4 269,0-1 540,0-1 0,4-2 0,1 3 0</inkml:trace>
-  <inkml:trace contextRef="#ctx0" brushRef="#br2" timeOffset="218495">21920 10948 7533,'0'-9'1529,"0"3"-90,4-2-1079,-3 7-180,3-3 0,-4 4-450,0 0 360,0 4 90,0-3 989,0 3-1349,4-4-90,-3-4 180,8 3 90,0-7 0,-3 3 0,7-1 180,-8-2-180,4 3 0,-4 0 90,4-3-90,-8 2 0,3 1 90,-4-3 90,0 7-180,0-7 90,0 7 90,0-4 90,0 1-180,-4-1-90,-6 0 90,4-3-180,-6 7 180,6-8-1,-3 8 1,0-3-180,0 4 1,3-4 89,-2 3 89,3-3-268,0 4 89,-4 0-180,4 0 270,0 0 0,1 0 0,0 0-90,3 0 0,-3 0 90,0 4 0,3-3-90,-4 7 0,5-2 90,0-1-90,-4 3 90,3-3-90,-3 5 90,4-1 90,0 4-90,0-2 0,0 2 180,0-4 0,0 13 180,0-5-180,4 9-91,1-11-89,5-2 90,-5-7-90,3 2 90,1-7-90,6 7 180,8-7-270,0 3 90,1-4 0,-5 0-359,-2 0 269,-2 0-180,-1 0-540,4-4 360,-4 3 181,1-7-541,11 3 1,-10-5 539,7 5 270,-9 1 0,-1 0 0,2-1 0</inkml:trace>
-  <inkml:trace contextRef="#ctx0" brushRef="#br2" timeOffset="218891">22469 10669 10321,'0'5'-90,"0"-1"-180,0 0 360,4-3-1439,-3 3 270,4 1 1079,-5 0 0,4 4 0,1 0 0</inkml:trace>
-  <inkml:trace contextRef="#ctx0" brushRef="#br2" timeOffset="219016">22451 10873 7533,'0'6'0,"0"2"0,4-3 1079,-3 0-359,3-1-361,-4-4 631,0 0-1530,4 0 270,-3 0 180,7 0 90,-7 0 0,8-8 0,-4-2 0</inkml:trace>
-  <inkml:trace contextRef="#ctx0" brushRef="#br2" timeOffset="223123">19138 11692 7533,'0'5'-540,"0"-1"810,0-4 0,-4 4-180,3-3 269,-3 8 91,0 0 0,3 5-180,-3 9-180,-1-7 90,4 5-90,-3-6 89,4-1-179,0 4 0,-4-4 180,3 13-180,-3-6 90,0 6 0,3-9-180,-3 5 270,4 5-270,0 1 0,0 3 270,0 0-270,0 5 180,4-11-629,13 8-181,-4-22 0,21 1 450,-18-13-629,11-5 359,-8-4 540,0-1 0,3-3 0,2-2 0</inkml:trace>
-  <inkml:trace contextRef="#ctx0" brushRef="#br2" timeOffset="223425">19380 11980 7533,'-9'0'809,"4"0"-899,-4 0 90,8 0 90,-7 0-180,3 5 540,-9 0-270,8 4 180,-6 0-180,7 1 0,0-1 89,0 4-89,5 6 0,0-4-540,5 3 270,0-9 0,4 1-359,0-1 179,5-4-90,4-1 180,-2-4 0,2 0 0,-1-4 180,-6-1-180,3-4 1,-6-1 269,-3 1 89,1-13-179,-2 10 90,-4-6 90,0 10-180,-4 7 0,-2-3 0,-7 0 0,-2 3 90,-3-3-90,7 4-450,-1 0 271,11 0 179,-7 0 0,7 0 0,-3 0 0</inkml:trace>
-  <inkml:trace contextRef="#ctx0" brushRef="#br2" timeOffset="224186">19706 12018 7533,'0'-10'0,"0"5"0,0-3 180,0 7-1,0-12 1,-4 7 180,3-7 0,-7-1-180,2 8 0,-3-6 0,0 11 0,-1-8-90,-7 8-1,-3-3-358,-8 4 269,9 0-180,-3 0 180,12 4-90,-4 2 180,5 3-270,4 0 90,-4 0 90,8 1 0,-3 7 90,4-1-180,0 11 90,0-12 0,4 3 0,2-9 90,3-4-90,0 4-180,5-8 180,4 3 0,-2-4-90,5-4 90,-10 3 0,6-8 0,-6 4-180,2-4-90,1-5 180,-4 0 0,3-1 0,-3-2 180,-5 7-180,3-4 180,-7 1-90,3-2-90,-4 5 270,0 2 0,-4 3-180,3 4 0,-3-3 270,0 4 90,3 0-90,-7 0-270,7 0 180,-4 4 179,5 6-179,0 4-90,0 5 0,0-5 0,0 4 180,0-4-90,0 5-90,0-5-3367,0 8 3522,0-6-781,0 10 625,0-2-530,0 0 621,0 7-334,0-10 334,0 10 2609,0 5-2699,0 7 90,5-3-90,-4-1 0,3-15 961,-4-1-1051,0 4 89,0-7-89,0 7-89,4-8 860,-3 8-861,3-7 0,-4-2 542,0 0-362,-4-8-270,3 0 180,-7-2 0,7-7-90,-8 7 0,4-7 90,-4 3-90,-5-4 90,4 0-90,-3 0 90,-1-4-180,-5-5 0,0-1 90,0-8 90,6 4-359,-1-5-91,0-8 180,4 6 180,-3-10-450,16-17 360,-6 18 45,9 4 1,5 0-766,12-2 450,3 8-231,9-6-308,-15 15 449,7-2 540,-7 4 0,2-5 0,-3 0 0</inkml:trace>
-  <inkml:trace contextRef="#ctx0" brushRef="#br2" timeOffset="225604">20088 11590 7533,'-5'14'629,"-4"4"-89,8-8-270,-3 4 90,4-1-90,0-3 89,0 8-179,0-4 180,0 5 0,0-5-180,0 4 0,0-4-270,-4 5 270,3 0 89,-7-1-89,2 13-90,-7-1 0,3 7-180,-8 0 90,12-13 0,-7 3-180,8-4 0,-4 1 90,0 4 1,-1-9 89,5-1-180,1-9 180,0 1 0,3-5-90,-3-1 90,4-4 359,0 0-179,8 0 360,6 0-360,2 0 90,2 0 0,-5 0-180,2 0 179,7 0-89,2 0-90,-4-4 90,1 3-90,-6-8 180,12 8-180,-3-7 180,8 3-450,-12 0 180,1 1 0,-10 4-90,-2 0-270,3 0-449,-5 0 269,6 4 360,-4-3-450,1 3 181,-5-4 269,-1 0-1439,0 0 899,-3 0 180,3 0 540,0 0 0,-3-4 0,4-1 0</inkml:trace>
-  <inkml:trace contextRef="#ctx0" brushRef="#br2" timeOffset="225869">20078 11543 7533,'-10'-9'1529,"2"0"-1169,8 3-450,0 2 719,0 4-449,4 0 360,1 0 179,8 0-89,6 0-450,1 0 0,-2 0-270,4 0 180,-3 4-270,5-3 180,-6 4-450,4-5-359,-11 4 449,7-3 90,-9 7-1079,1-7 0,-1 7 1349,-4-3 0,3 9 0,-2 0 0</inkml:trace>
-  <inkml:trace contextRef="#ctx0" brushRef="#br2" timeOffset="226119">20125 11869 7533,'-15'0'0,"6"0"809,1 0-269,7 0 1709,-3 0-1530,12 0-179,-2 0-180,8 0 359,3 0-449,3 0 0,7 0-450,1 0 90,-8 0 180,1 0 0,-10 0-1529,2 4 809,0-3 180,-2 3 450,11 0 0,-7 1 0,8 5 0</inkml:trace>
-  <inkml:trace contextRef="#ctx0" brushRef="#br2" timeOffset="229688">20599 11794 7533,'-5'0'1169,"1"0"1260,4 0-1980,4 4-89,1-3 0,4 8-180,1-4 90,-1 4 90,0 1-181,0-1 1,1 0-90,-1 0 0,-4 5 90,3-4-270,-2 4 90,3-5 180,-4 0-90,3 1-3367,-7 3 3252,8-3 205,-8 4-360,3-5 90,0 9 90,-3-3-180,3 4 180,-4-2-180,0-6 3302,0 6-3302,0-6 91,0 2-2880,4 5 2160,-3-11 269,4 9 270,-5-15-449,4 4 269,-3-5 90,7-5 180,-3 4 180,0-7 0,4-1 0,-4-6 0</inkml:trace>
-  <inkml:trace contextRef="#ctx0" brushRef="#br2" timeOffset="230031">20934 11785 7533,'-4'-5'1439,"3"-3"-1169,-3 7-180,0-4-90,2 5 359,-2 0 1,0 0-180,3 0 90,-7 0 270,3 0-181,0 0-89,-4 0-90,4 5 180,-8 0-180,2 4-90,-6 0 180,2 9-90,-3-7-180,3 7 539,-19 12-449,15-12 90,-12 18-270,18-22 270,0 4-270,2-8 270,-6 8-270,6-8 270,-6 7-90,6-6 0,-6 2-90,6-4 90,-6 1-180,6-1-720,-2 0 1,4 1 359,-1-5 180,-3 3-90,7-3 91,-7 0-1,8 0 0,0-5 0,1 4 90,0-3-270,3 3-449,-3-4 359,4 0 180,4 4-629,1-3 989,4 3 0,0-4 0,1 0 0</inkml:trace>
-  <inkml:trace contextRef="#ctx0" brushRef="#br2" timeOffset="232524">20748 12073 6273,'-5'0'270,"1"0"270,4 0-540,0 5 90,0-4 90,4 3-90,-3 0 270,3-3-271,-4 3 1,4 0 0,-3-3 0,3 3 90,0 0-90,-3 2-90,8-1 90,-8-1 0,3 0-90,0-3 0,-3 7 90,3-7 0,-4 8-180,0-8 180,0 3 90,0 0-180,0-3 0,0 7 90,0-7 90,0 3-180,0 1 90,0-4-360,0 3 180,0 0-90,0-3-600,0 3 1,0-4-1</inkml:trace>
-  <inkml:trace contextRef="#ctx0" brushRef="#br2" timeOffset="233690">20431 11590 7803,'5'0'629,"0"0"-539,-1 0 90,1 0 0,8 0-180,-6 0 180,5 0-90,-7 0-180,4 0 90,1 0 0,-1-4 180,-4 3-540,4-4 270,-4 5 0,0 0-90,-1 0 180,0 0-630,-3 0 472,3 0 1,-4 4 0,0 2 0</inkml:trace>
-  <inkml:trace contextRef="#ctx0" brushRef="#br2" timeOffset="234240">20478 11599 7533,'-5'5'0,"1"-1"90,-1-4 359,0 4-359,0-3 0,-3 4 360,7-1 180,-8 1-450,8 0-90,-3 3-1,4-2 91,-4 3-90,3 0 90,-3 5-90,4-4 90,-4 3-270,3 1 270,-3-4-90,4 8 90,-4 0-90,3-2 0,-4 5-180,5-10 90,0 6 90,-4-6 0,3 6-270,-3 6 90,0-6 0,3 8 0,-3-10 90,0-1 0,3 4-180,-8-4 180,8 1 0,-3 2 0,0-2 0,3 3 0,-3-3 0,0 3 0,3-4 0,-8 9 0,8-8 0,-3 7 0,0-12 0,3 4 0,-3-1 0,4-3 0,-4 4 0,3-5 0,-8-4 0,8 4 0,-3-4-90,4 4 90,-4-4 0,3 4 0,-3-8 0,4 7 0,0-7 0,0 7 270,0-7 989,0 3-1259,4-4 90,-3 0 0,7 0-180,-7 0 0,8 0 180,-4 0 0,4 0-630,0 0 271,1 0 89,-1 0-810,0 0 451,1 0 179,3 0 180,-2 0-989,6 0 449,-7 0 720,8 0 0,-8 0 0,4 0 0</inkml:trace>
-  <inkml:trace contextRef="#ctx0" brushRef="#br2" timeOffset="235035">21064 11525 7533,'0'-6'0,"0"-2"-450,0 7 3238,0-3-2608,0 12 0,4-6 0,-3 7-180,8-9 0,-4 0 180,4 0-180,5 0-180,0 0 90,1 0 90,-2 0 0,-4 0-180,1 0 90,-1 0 0,-4 0-90,3 0 1,-2 0 179,-1 0 0,-1 0-270,0 0 90,-3 0 0,3 0 0,-4 4 90,0-3-90,0 3 270,0 0 0,0-3-180,0 7 180,0-7 0,0 8-180,0-8 90,0 7 180,-4-3-90,3 4 0,-3 1 0,4-1 0,-4 0 90,3 1-180,-3 3 269,4-3-179,0 8 180,-4-4-270,2 1 270,-2 2 0,4-2-90,-4 3-90,3 1 0,-3 0 90,0-1-90,3 1-90,-7 4 179,2 5 1,1-4-180,1 3 180,4 4-90,-4-9-180,3 9 0,-3-8 180,4-4-180,0 4 0,0-4 180,0 3-90,0-2-90,0-1 270,4 19-90,-3-23-90,3 20 90,-4-26-90,0 0 90,0-4 0,0 4 0,0-8 0,0 7-90,0-7 180,0 7 0,0-7-180,-4 3 90,3-4 90,-7 4-180,3-3 90,-1 4-180,-2-5 0,3 0 180,-4 0 0,-1 0-180,-3 0-90,2 0 270,-2 0-270,0 0 0,-2 0 180,1 0 90,-4 0-990,4 0 541,-5 0-1,0 0-1169,5 0 719,0 0 270,1 0 540,7 0 0,-11 4 0,7 1 0</inkml:trace>
-  <inkml:trace contextRef="#ctx0" brushRef="#br2" timeOffset="236088">21604 11757 7533,'-5'0'629,"1"0"451,4 0-900,8 0 359,3 0-179,11 4-360,6 1 270,5 1-270,-5 2 360,4-7-450,-17 7 270,19-3-270,-20 5 180,11-5 0,-19-1-180,2 0 180,-7-3 0,3 3-90,-4-4 90,4 4-1,-3-3 1,3 3 0,-4-4 270,0 0-270,-4 5 0,3-4-180,-7 3 0,3 0 180,-5-3-90,1 7-90,-4-3 0,2 5 180,-6-1-270,6-4 90,-6 3 90,7-2 0,-8 3-719,8 0 359,-8 1 180,8-1-1259,-3 0 719,3 0 181,1 1 179,0-1 360,0 0 0,-5 5 0,0 0 0</inkml:trace>
-  <inkml:trace contextRef="#ctx0" brushRef="#br2" timeOffset="236379">21511 12259 7533,'-5'0'719,"1"0"2070,4 0-2430,8 0-179,-2-4 0,12 3 0,-4-7 0,5 3 0,0-4-180,-1-1 180,5 1 0,1-5-540,3 4 270,1-7 180,0 6-90,0-6-1529,0 2-146,0-3 1226,-5-1-1350,0 5 1693,-4-4 0,3 3 1,2-3-1</inkml:trace>
-  <inkml:trace contextRef="#ctx0" brushRef="#br2" timeOffset="237732">22339 11645 7533,'0'6'1349,"0"2"-540,0-7-359,0 7 180,0 6-1,0 5-449,0 5 90,0-1-90,0 0 0,0-4 0,0 4 180,0-5-180,0 5 0,0-3-180,-4 3 0,3-1 179,-8-2 1,8 3-360,-7 0 180,3 0 0,0 1-359,-4 3 269,8-3-427,-7 4 427,7-5 0,-7 4-360,3 9 270,-5-13 180,5 3-90,1-18 0,4-7 90,0 8 90,0-8 90,0 3 0,4-8 247,1 3-157,1-4-270,6 5 90,-6-4 90,8 3 90,-1-3-270,-3 4 269,8 0-89,-8 0-90,8 0 0,-4 0 180,5-4 0,-5 3-180,4-3-90,-3 4 90,-1 0 0,4 0 90,-8 0-180,8 0-90,-8 4 270,7-3-540,-2 3 270,-1 0 0,0-3-1079,-5 8 539,1-8 270,-1 3 180,0-4-1529,0 4 810,1-3 359,-5 3-629,3-4 449,-7 0 720,8 0 0,-8-4 0,3-1 0</inkml:trace>
-  <inkml:trace contextRef="#ctx0" brushRef="#br2" timeOffset="237985">22441 11562 7533,'-14'-14'0,"4"4"719,6 1-269,4 0-360,0 8 1799,0-3-1529,4 4-1,-3 0 541,8 0-90,0 0-451,6 0 1,-1 0-90,8 4-180,-7-3 0,8 8 90,-8-8-540,2 3 360,2 0-1349,5 1 719,-5 0 180,-1 4-1708,-9-8 898,0 7 1260,1-3 0,-1 9 0,0 0 0</inkml:trace>
-  <inkml:trace contextRef="#ctx0" brushRef="#br2" timeOffset="238240">22404 11915 7533,'-13'0'1169,"6"0"-180,-1 0-1078,20 0 89,-4 0 0,5 0 629,-5 0-359,-7 0 0,8 0 449,-8 0-269,7 4-180,-3-3 90,9 4 180,-4-1-91,3-3-89,1 3 90,9 0-270,-7-3 0,10 3-720,-11-4 360,3 0 180,1 0 0,-5 0-1619,4 4 899,-8-3 181,8 3-1530,-4-4 810,1 0 1259,2 5 0,-2-4 0,3 3 0</inkml:trace>
-  <inkml:trace contextRef="#ctx0" brushRef="#br2" timeOffset="240325">22972 11478 7533,'-9'-13'1349,"3"6"-809,2-5-91,4 7-449,0 0 180,0 1 90,0 4-180,9 0 360,1 0-630,4 0 90,4 0 270,-8 0-450,8 4 180,-12 1 90,6 0 0,-6 3-809,-1-7 359,3 8 270,-7-4-810,7 4 451,-7-4 269,4 3-540,-5-2 810,0 3 0,0 0 0,0 1 0</inkml:trace>
-  <inkml:trace contextRef="#ctx0" brushRef="#br2" timeOffset="240786">23009 11497 7533,'-10'-10'-180,"-3"1"0,12 4 180,-7 1 0,7 4 360,-7-4-90,7 3-91,-3-4 181,-1 10-90,4-4-180,-3 11 0,0-6 360,3 8-90,-3-1-91,4 2-89,0 3 90,0 1-90,0-5 0,0 8 0,0-7 90,4 8-180,-3 0 179,3-3-269,-4 6-539,0-6 719,0 7-512,0-7 332,-4 6 0,3-2 90,-7 0-450,7 3 270,-7-3 0,2-1-180,-3 4 0,4-7 180,-3 7-90,2-3 797,1-1-707,-7 12 0,10-13 435,-11 13-435,8-11 180,0-4 0,1-3 90,0-7 0,3-1-90,-3-4-90,4-1 180,0 0-180,0-3 0,0 4 90,0-1 0,0-3 89,4 3 1,1 0 0,0-3 0,3 3-90,-7-4 180,8 0-90,-4 0 360,4 4-450,0-3-1,1 3 91,-1-4-360,0 0 360,1 0-90,-5 0 90,3 0-360,-3 0 180,5 0-90,-1 0-359,0 0 179,1 0 180,-1 0 0,0 0-360,0 0 180,1 0 180,-1 0-1169,0 0 539,1 0 181,-1 0 269,0 0-989,1 0 1259,-1-4 0,0-1 0,0-4 0</inkml:trace>
-  <inkml:trace contextRef="#ctx0" brushRef="#br2" timeOffset="241201">23343 11590 7533,'-10'-5'989,"2"0"-899,8 5-360,0 0 900,0 4-270,0 2-90,0 3 359,0 0-269,0 1-90,0 3 0,0 1 89,0 5 91,0 0-270,0-1 180,0 5-180,0-3 0,0 7 0,0-8-180,-4 8 179,3-7 181,-4 15-450,5-9-569,-4 6 659,3-5-180,-3 5 0,4-7 360,0 11-539,0-17 269,0 4 0,0 0-540,0-8 90,4 15 360,2-17-629,3 8-1,0-11-539,5-1 1079,-4-4-629,3-1 1018,-3-8-479,-1 3 360,0-7 0,1-2 0,-1-4 0</inkml:trace>
-  <inkml:trace contextRef="#ctx0" brushRef="#br2" timeOffset="241520">23483 11980 7533,'0'-5'0,"0"-3"899,0 7 540,0-3-899,0 16 0,0 0-360,0 10 0,0-7 269,0 6-449,4-9 90,-3 5 270,12-3-810,-7-4 360,7-1 90,-3 0-629,-1-8 359,0 3 90,1-4 0,-1 0-270,0-4 270,0 3 1,1-12-181,3 3 270,-7-4-90,7 0 180,-12-3-90,7 5 0,-7-5 360,3 7 359,-8-7-449,3 5 0,-7-1-90,3 5 270,-5 7-270,5-8 180,-3 8-180,3-7-360,-5 7 180,5-3 90,-3 4-989,7 0 449,-3 0 180,0 4-360,3-3 271,-3 7-631,4 2 1080,0 0 0,4 3 0,1-3 0</inkml:trace>
-  <inkml:trace contextRef="#ctx0" brushRef="#br2" timeOffset="242197">23790 12018 7533,'4'-10'1619,"2"-3"-1349,-1 3 449,3-4-359,-7 5 180,7-5-630,-7 4 180,3-3 90,-4 7-360,0-2 360,0 7-90,0-7-1,0 7-538,0-3 179,-4 4 270,-1 0-900,-8 0 810,2 0-89,-2 4-1,8 1 90,-4 4 0,4-4 90,0 8 90,1-7-270,4 7 360,0-3-270,0-1 0,0 0 90,0 1 0,0-1 0,4 4 0,1-6-180,0 5 90,8-11 90,-11 3 0,10-4-90,-6 0 90,-1 0 90,3 0-180,-3 0 180,4-4-90,1-1-90,-5-4-3187,3-1 3252,-3-3 25,1 3 0,2-4 270,-3 1-270,0 2 0,-1-2 450,0-1 2826,-3 8-2981,4-6 65,-5 11-360,0-3-90,-5 8 90,4 5 90,-3 1-180,4 4 180,0 3 90,0-5-180,0 10 0,0 0 540,0 6 0,0 2-271,4 10-377,-3-8 0,-1-3 288,5-5 90,-1 3-180,-3-3 90,3 4 0,0 0 0,-3 0-1,3-5-89,-4 4 0,4 9 0,-3-5 90,4 10-360,-5-13 180,0-5-90,0 4 0,0-7 0,0 7 90,-5-12-90,4 3 90,-7-9 0,3 0 90,0-3 0,-8-2 486,7-4-486,-3-4-90,1-2 90,2-3-180,-3-4 90,-4 2 90,2-6-270,-2-6 180,4-2-809,-1-11 359,5 7 180,1 1 90,4 5-719,0 9 359,0-4 180,0 8-539,4-12 539,1 11 180,5-7-539,-1 9 269,0 0 180,0 0 270,1-1 0,3-3 0,2-2 0</inkml:trace>
-  <inkml:trace contextRef="#ctx0" brushRef="#br2" timeOffset="242712">24153 11794 7533,'-5'0'-180,"1"0"90,0 0 540,3 0 1708,-3 0-1438,8 4-270,-3-3-180,7 8-1,-3-4 91,1 4 0,2 1-90,-3-1 359,13 4-449,-7-2 0,7 2-90,-9-4 90,0 1 0,5-1 0,-4 0-90,3 1-90,-3-1 270,-1 0-540,0 0 270,1 1 0,-1-1 90,0-4-540,0 4 180,1-4-359,3 8 359,-6-3-90,9 8-1259,-14-12 809,10 7 271,-6-12 179,-1 7-989,3-7 1349,-7 3 0,7-4 0,-2 0 0</inkml:trace>
-  <inkml:trace contextRef="#ctx0" brushRef="#br2" timeOffset="242940">24498 11748 7533,'-19'-5'2608,"1"0"-2158,7 5-180,-1 0-540,11 0-90,-12 9-269,7 1 269,-11 5-270,-6 10 1889,2-8-719,-6 10 719,0 0-719,7-7-180,-7 7 180,4 0-361,7-6-89,-5 6-359,6 0 179,1-7 90,0 7-630,5-4 630,4-4-90,1 0-1889,4-5 720,4-5 1259,1 0 0,8 0 0,2 1 0</inkml:trace>
-  <inkml:trace contextRef="#ctx0" brushRef="#br2" timeOffset="244002">24591 11478 7533,'-10'-5'539,"-3"-3"-179,12 7 540,-3-4-720,4 1 89,0 3-89,4-3 0,-3 4 0,7 0 180,-2 4 0,3-3-180,-4 3-1,7 1 361,3-4-450,5 3-90,-2-4 270,-5 0-90,0 0-360,-2 0 90,6 0 90,-6 0 180,2 0-450,-4 0 180,1 0 0,-1 0-90,0 0 90,1 0 0,-5 0 0,-1 0-89,0 0-1,-3 0 270,3 0 0,-8 4-90,-1-3 0,0 7 0,-4-3 89,4 9-89,0-4 90,1 4-90,4-5 180,-4 0 0,3 13-90,-3-6 90,4 11 0,-5-8-180,4-1 180,-3 1 180,4 12-270,0-9-295,0 13 295,-4-15 180,3 15-270,-3-14 90,4 10 0,0-12-90,0 0-90,0 3 180,0-2-90,0 11 269,-4 19-269,3-16 90,-3 13 90,4-28 0,-4-5-90,3 4 180,-4-8-90,1 8-180,3-8 834,-3 4-384,0-5-270,3-4 90,-3 3-180,4-7 90,0 4 89,-4-1-89,3-3 90,-8 3 90,8 0-180,-3-3 0,0 3-90,3-4 180,-7 0-1,-1 4-89,-1-3 0,-4 8 0,5-8-270,0 3 270,-1-4-90,-3 4-180,-6-3 90,0 7 90,-4-7-1169,-4 7 899,6-2-1529,-5-1 269,-1 7 1081,6-10-2430,-6 11 1170,13-12 1619,-4 7 0,-1-3 0,-4 4 0</inkml:trace>
-  <inkml:trace contextRef="#ctx0" brushRef="#br0" timeOffset="265142">1777 6307 7533,'-9'0'359,"4"0"91,1 0 0,4 0-180,0 4 90,0 1-1,0 4 1,0 5-3572,0 0 3392,0 5-2268,0-1 2177,0 1 91,-5 12-90,0 7-180,0 2 270,-3 4-180,3-3-90,-9 7 0,4-5-478,-4-2 747,5-5-269,-4 2 907,5-5 1,1 1-998,-7 10 180,8-17 0,2-2 0,0-6-180,0-1 90,-1-8 558,0 3-468,1-3-90,-1-5 180,4 3 105,-3-7-195,4 3 3276,0-4-1990,4 0-1196,2 0-1,-1 0 1,3-4 0,-3 3 0,0-3-90,8 0 0,-11 3-90,10-3 180,-11 4-90,8 0 90,-8 0 0,7 0 90,1 0 0,2 0 90,6 0-90,2 0 90,5 4 89,3-3 1,1 3-180,-4-4-90,-1 0-90,-9 0 0,4 0-90,-8 0 180,4 0-90,-5 0-90,5 0-90,-4 4 180,-1-3-180,-5 3-719,0-4 179,2 0 450,-1 0 90,3 0-1529,-3 4 720,5-3 989,-1 3 0,0 1 0,0 0 0</inkml:trace>
-  <inkml:trace contextRef="#ctx0" brushRef="#br0" timeOffset="266911">2363 6363 7533,'-10'4'-630,"1"1"900,0 8 90,-5 6 269,4 9 181,-7 5-450,6 0 179,-2 7-269,3-10 0,-3 19-90,-1-10-45,7-12 0,0 1 135,-11 19-90,8 0-540,1-6-270,4-8 360,5-9 180,5-2-899,0-8 179,12 1-179,-1-6-90,10-5 1079,-10-4 0,5-4 0,-6-1 0</inkml:trace>
-  <inkml:trace contextRef="#ctx0" brushRef="#br0" timeOffset="267593">2521 6539 7533,'0'-5'-90,"-4"-3"899,-1 7-539,0-7-90,0 7 540,1-4-271,-1 5 91,-4 0 90,0 17-450,-1-9-270,5 18 180,-3-7-180,7 9 90,-3 0-180,-1 0 180,4-5 0,-3-4 90,4-1-180,0 1 180,0 8 0,0 2-90,4 4-90,6 3 90,4-7 0,9-5 0,-8-7 0,7-7 90,-11-5-90,6-1 0,-2-4 0,3-4 0,5-6 0,5-4 0,1-13 0,-1-2-3277,-10 0 3162,-4 2 115,-1 0 0,-2-1 90,-2-1 0,-5 2-90,-4 4 89,0 3-89,0 2 0,0-4 90,-8 2 3186,-3-3-3070,-11 0-116,-6 8-360,-18 2-89,10 8 269,-8 1 180,20 8-90,1 1 180,9 8-1,0 2-89,9 3 180,1 1-180,8 4 0,1-4 0,4 4 180,5-8-180,5-2 180,0-8-180,8-1-180,-11-4 180,5 0 0,-2 0-450,-4 0 180,3 0-989,-5 0 269,2 0-629,4-4 270,-5-1 1259,-1-4 0,-3 0 0,-1-1 0</inkml:trace>
-  <inkml:trace contextRef="#ctx0" brushRef="#br0" timeOffset="267917">2810 6372 7533,'4'-5'1619,"1"1"-720,4 4 1,5 4 89,0 1-179,5 4 269,4 5-359,0 0-361,-3 1-179,-2 2-3392,-9-7 3572,0 4 180,5 8-180,-4 2-1,-1 14-359,0-1-2088,-8-8 2268,3-2-270,-4-1 90,0-5 0,0 2 0,-4 3 90,3-10 1728,-8 7-2087,8-5 179,-7-8-90,7 3-900,-7 1 91,3 0 719,-5 1-1439,5-2 2313,-7 1-2223,5-4 799,-10 7 1,6-6 0,-2 2 0</inkml:trace>
-  <inkml:trace contextRef="#ctx0" brushRef="#br0" timeOffset="268510">3415 6549 10321,'9'0'1169,"5"0"-1259,0 0 450,5 0-270,-1 0-90,1 0-719,-1 0 179,1 0-899,-4 0 179,-2 0-538,-8 8 1798,3-2 0,-7 7 0,4-3 0</inkml:trace>
-  <inkml:trace contextRef="#ctx0" brushRef="#br0" timeOffset="268754">3452 6744 7533,'-10'0'90,"1"0"-90,9 0 989,0 0 360,0 4-539,0-3-1,0 3-89,4-4-180,2 0-270,11 0-91,3 0 1,0 0-899,-3 0 449,-3 0-3007,-4 0 3252,3 0-2404,1 0 360,4 0 1260,-2 0 269,6 0 540,-12 0 0,8 4 0,-4 2 0</inkml:trace>
-  <inkml:trace contextRef="#ctx0" brushRef="#br0" timeOffset="272294">1330 6939 7533,'-5'11'539,"1"-3"-179,4-8 0,0 4-90,0-3-90,0 3 0,4 0 0,5-3 89,6 3-89,8-4-90,-4 0 0,0-4 180,3-1-90,-3-8 90,9-6-180,-4 4 0,-5-3-3367,-6 5 3431,-4 2-154,9-15 180,2 2-270,8-14 180,-9 9-90,3 3-90,-8 7 90,1 0 90,3 1 3186,-4-1-3070,5 1-206,-5-1 90,4 0-270,-8 1 180,12-13-90,-3 1 90,5-12 0,-1 5 0,-9 8-90,0 2 90,-5 5-179,0-6 179,1-5-270,-1-4-3007,-4 12 3162,-1-1 115,-4 11 90,5-7-180,-4 6 90,3-1 0,-4 7 90,0 1-180,0 0 180,-4-1-90,-2 1 0,1 0 0,1 4 3276,0 0-3160,3 5-206,-3-4 90,0 3 0,3-3-90,-4 4 90,1 0 0,3 0-180,-3 0 180,0 0 0,3 0-90,-3 4 90,0-3 0,3 8 0,-3-4-90,-1 4 90,4 0 90,-7-3-180,7 6 270,-7-2-90,3 9 90,-5 0-180,5-5 180,1-1 0,0 5 89,-1-3 1,-5 29-270,1-24 90,4 22-90,-3-22 90,7 7-180,-8 5-3187,4-7 3252,0 2-65,-3 4 90,-2 3 0,4 0 0,-6-3 0,7 0 90,-5-1 90,-3 12-180,3-5 0,-4-8 0,9-2 0,-3-13 0,2 4 0,-3 5 3276,0 1-2980,0 12-296,-1-11 90,5-2 0,-3-1-90,7-7 0,-3 4 0,-1 3 0,4-11 0,-3 6 0,4-3 0,-4-4 90,3 8-90,-3-12 0,4 6 180,0-11 0,0 4-180,4-1 90,-3-3-1,7 3 1,-7-4-90,4 0 90,-1 0 0,1 0-90,4 0 0,1 0 90,-5 0-90,3 0 90,1-4-90,6-1 90,3-9-90,1 4-90,-5-4 180,8 1-180,-2-2 90,8-7-360,0 2-179,-4-7 179,-2 8 180,-7 0-630,-2 6 91,1-1 449,-4 4-270,3-4-179,-3 5-451,3 0 1170,-2-1 0,6 1 0,-2 0 0</inkml:trace>
-  <inkml:trace contextRef="#ctx0" brushRef="#br0" timeOffset="283551">4196 6363 7533,'-10'0'1439,"1"0"-809,9 0-361,0 0 91,4 0 180,6 0-180,8 4-91,2 1 181,19 0-90,-8 3-3482,7-7 3212,-7 3-789,-8-4 879,5 0-152,13 0 242,-2-4-181,-11 4 1,-1-1 0,8-7 0,0 7-646,-20-3 646,2 4 90,-6 0-360,6-4 2830,-2 3-2560,-5-3-270,2 4 1268,-6 0-1447,-1 0 275,-1 0-6,0 0 335,-3 0-2764,3 0 2160,-4 4-631,-8 1 181,2 8 449,-8-2 360,1 2 0,-2-4 0,-3 1 0</inkml:trace>
-  <inkml:trace contextRef="#ctx0" brushRef="#br0" timeOffset="287323">4215 6400 7533,'-5'5'-450,"4"-1"720,-3-4 90,4 0-270,4 4 269,-3 1-179,8 5 90,-4-1-90,4 4 0,0-2-90,1 2 180,-1 1-90,0 4 89,5 2-89,-4 7 0,8-4 0,-12-3-90,6-2-90,-6-5 90,-1-3 0,7 8 0,-6-8 0,8 4 0,-1-1 90,2 2-3457,-1-5 3162,4 2 295,-4-6-180,1 3 90,2 0-90,-2 1-90,-1-1 180,0 0-90,-9 0 0,3-3 3276,-7 2-3160,7-7-116,-7 7 0,8-7 0,-8 3 89,3-4-448,-4 0 359,-8 0 0,1 0 0,-2 0-90,1 0 90,3 0 0,0 0-90,-4 4 90,4-2 0,-8 2-90,-2-4 90,-3 0-180,-9 8 0,2-2-90,-3 8 270,5-1-90,4-3 180,-3 4-90,2-1-90,1-7 90,6 7 0,4-8-90,-5 4 90,-4 1-90,-2 3-3187,-3-7 3162,9 7 25,-4-8 90,4 4 0,-5-4 0,5 4 90,0-4-180,5 0 180,4 3-90,1-7 0,-1 3 3276,4 0-3160,-3-3-26,0 4-90,3-1 0,-3-3 0,4 3 90,0-4 90,0 4-180,0-3 0,0 7 180,0-7-90,8 8-90,-6-4 180,11 0 90,0 3 0,3-3-91,6 1-89,-7 2 270,7-7-90,1 3 0,6-4-90,8 0 0,-8 0 0,3 0 89,-4 0-179,-9 0-90,3 0 90,-12 0 0,4 0-90,-1 0 90,-3 0 0,8 0-90,-8 0 180,12 0-180,-6 0 90,6 0 0,-11 0-180,1 0 180,-7 0-90,5 0-90,-1 0 0,0 0-90,-4 0 0,4 0 0,-8 4 90,7-3 1,-7 3-181,3-4 0,0 0-180,-3 0 0,8 0 1,-8 0-991,3 0 901,0 0 539,-3 4 0,-1 2 0,-5 3 0</inkml:trace>
-  <inkml:trace contextRef="#ctx0" brushRef="#br0" timeOffset="288128">4038 7386 7533,'-6'0'-90,"2"0"629,4 0-269,0 4 0,0 5 0,-4 6-180,3-1 0,-3 4-90,4-8 0,-4 4 90,3-1-180,-3-3 270,-5 16-90,7-13-90,-10 12 90,11-14 0,-7 6-90,7-6 0,-8 2-90,8 0-180,-7-2 180,7 2-90,-3-8-1349,4-1 1259,4-12 90,-3 2 0,7-7-180,-3-9 270,5 1-269,3-11 539,-2 13-180,2-3 629,0 3-449,-2 4-90,2-3 90,-3 5 360,-5 2-91,7-2 1,-2 0 0,9 2-180,-4 2 0,-2 5-91,-4 4-89,1 0-180,-1 0 90,-4 4 90,-1 1 0,0 4 0,-3 5 0,4 0-90,-5 9 0,0-8 90,0 7 0,0-3 0,-5 5 0,4-1-90,-3 0-90,4-8 90,0 2-450,0-7 91,4 4 269,-3-9-1170,8-1 451,-4-4 179,8-4 1,-2 3 629,-2-7 0,-1-2 0,-3-4 0</inkml:trace>
-  <inkml:trace contextRef="#ctx0" brushRef="#br0" timeOffset="288362">4308 7451 8342,'4'-5'2069,"1"1"-1709,4 4-270,1-5-90,-5 4 0,3-3 180,-7 4-810,7 0 270,-3 0 270,1 0-989,-2 0-180,0 4 449,-3 2 180,3 3-190,-4 0 1,-4 5 0,-1 0 0</inkml:trace>
-  <inkml:trace contextRef="#ctx0" brushRef="#br0" timeOffset="288566">4326 7553 7533,'0'5'0,"0"-1"3276,0-4-2774,4 0-502,2 0 179,3 0-718,0 0 449,5-4-360,0-1 180,9 0-1169,1-3 90,3 3 0,1-5 529,-8 5 1,2-3 0,-8 3 0</inkml:trace>
-  <inkml:trace contextRef="#ctx0" brushRef="#br0" timeOffset="288791">4615 7432 7533,'4'-5'809,"-3"-3"-269,3 3 90,-4 0-91,0 0 810,0 5-1528,0 9 269,4-3-90,-3 7-90,3 1 0,-4 4-90,0 6-180,-4 0-540,3-1 1,-3-5 89,4-3 361,4-6 449,-3-1 0,8-3 0,-4 5 0</inkml:trace>
-  <inkml:trace contextRef="#ctx0" brushRef="#br0" timeOffset="289785">4391 5646 7173,'0'5'719,"0"8"-629,0-7 270,0 8 0,0-5-180,0 0-3457,-8 21 3022,6-11-1154,-10 16 1499,11-17 0,-12 13 180,7-1-270,-12 16-90,4-8 0,-5 3-90,1-7-270,3-2 91,2-9-361,8-8 270,0-7 2269,5-4-1999,0-3 0,0-9 0,0-8 0</inkml:trace>
-  <inkml:trace contextRef="#ctx0" brushRef="#br0" timeOffset="290058">4363 5795 7533,'0'-5'0,"0"1"0,5 4 0,-4 0 0,7 0 0,-3 4 0,4 1 0,5 13 0,-4-7 1439,8 7-180,-4-1-899,9 3-270,-3 8-180,2-4 90,-3 2-180,0-6-180,-5 7 0,4-7-179,-8 2-810,8 1 539,-8-12 810,3 2 0,-3-13 0,-1 0 0</inkml:trace>
-  <inkml:trace contextRef="#ctx0" brushRef="#br0" timeOffset="290459">4792 5646 7533,'0'-5'539,"0"-3"-179,0 7 540,0-3-451,-4 4-179,3 4 90,-4 5-270,1 1 90,3 4 0,-7 3 90,3 7-90,-5 9-1,1 4-89,0 1 180,0-1-270,-1-4 90,1-1-270,4-8 270,1-6-180,-1 4 90,0-6-90,0 6-90,1-3-179,4-5-91,0 4 180,0-12-270,0 7 1,0-8-811,0 4 451,0-4 449,0-1-370,4-4 1,1 5 0,5 0 0</inkml:trace>
-  <inkml:trace contextRef="#ctx0" brushRef="#br0" timeOffset="294060">5536 6325 7533,'-10'4'-720,"5"-2"1260,-7 10 89,5-2-539,-6 5 180,4 2 0,-5 2-90,4 1-270,-4 2 360,1 9-90,-1 8-90,-5 0 0,4 1 0,6-12 90,1 0-91,3 0-89,-5 0 180,1 12 0,0-9-270,4 5 90,-4 3 90,8-12-270,-3 10 180,4-2-90,0-18 0,0 13 90,4-15-269,-3-5 89,8 2 0,-4-11-180,4 4 0,13-5-539,-1-5 89,15-4 810,-12-1 0,3-8 0,-8 4 0</inkml:trace>
-  <inkml:trace contextRef="#ctx0" brushRef="#br0" timeOffset="294417">5573 6735 7533,'-5'0'270,"-4"4"-1,4 1 91,-4 4-3637,0 1 1434,-1-1 3611,1 8-1318,-4 3-1679,6 0 1409,-5 1 0,11-10-180,-3 6 2538,4 2-2358,0 1-360,4-2 180,-3-4-360,7-5 3572,6 0-3482,1 0-3007,8-3 2893,-5-2 204,5-8-90,5-6-2088,-3-4 2268,-2-1-90,-1-6 90,-11 9 180,6-5 437,-7 3-347,-5 4-270,-1-8 0,-4 8 270,0 1-180,-4 1 0,-1 6 2664,-17-6-2664,5 3 0,-9 0 0,7 1 0,0 4 2469,-3 0-2289,2 0-630,-3 0 0,9 0 360,4 4-899,6-3 449,4 7 540,0-7 0,0 7 0,0-2 0</inkml:trace>
-  <inkml:trace contextRef="#ctx0" brushRef="#br0" timeOffset="295207">5954 6828 0,'0'-10'0,"0"-3"2412,0 3-1782,0-4 1408,-4 5-1678,-1 0-90,-4 3 859,-9-2-949,3 7 3096,-8-3-3340,9 4-26,0 0 0,5 4 270,-1 1-90,1 5-540,0-1 181,0 13 89,-1-10-180,5 39 450,1-31-180,4 28 180,4-29-180,5 4 180,6-13 0,3-1-90,5-18 0,-7 3 0,1-7 0,-3-1 0,-8 0 0,10-9 0,-9 4 0,6 0 180,-4 1-180,-3 4 180,6-9 89,-6 4-269,4-4 90,-6 8-90,-4 6 90,0 1-90,0-2 180,0 0-180,-4 1 0,3 5 90,-8 4-180,8 0 90,-7 4-90,7 5 270,-3 10-180,4 5-3277,0-1 3252,0 0-497,0-8 522,0 2 180,0 10-90,0 7-2005,0 4 2005,0-2 982,0-3 1,0 0-983,0 12-45,0-5 0,0 0-1204,0-1 1159,0 1 90,0 1-1113,0-15 1023,-4 14 1989,3-12-1989,-8 5 210,8 0-210,-7-10 0,7-5 1992,-7-9-1992,3 1 90,-1-5 2034,-6 3-2034,-3-7-3367,0 3 3072,-7-4 205,4-4-449,-14-5 269,-3-10-90,-2-4 180,13-1 270,7 5-360,7-3 180,5 7-90,1-4 3366,8-7-3340,6 2-26,8-14 90,6 5 0,0 5-90,-1 6-90,-5 7 90,5 2-449,5-1-1,5 0 270,-4-1-1079,10 2 989,-17 8 0,5 1-179,-1 0 539,-10 3 0,11-4 0,-12 1 0,-2-1 0</inkml:trace>
-  <inkml:trace contextRef="#ctx0" brushRef="#br0" timeOffset="299095">6345 6474 7173,'14'0'1619,"5"-8"-1259,4 2-90,5-8-270,-4 1 269,3 2-179,-7-2 0,-2 8-180,-4 1 0,-5 0 1,-4 3-1,-1-8 0,0 8 180,-3-3 0,4 4-90,-5 0 0,-9 8 89,7 3 1,-6 3-90,8 0 0,-4-5 90,3 4-90,-3 10 90,4-2 0,0 6 90,0 16-180,0-18 45,0 4 0,0 2 45,0 4-90,0-8 0,0 1 90,-4 23-3038,2-7 2858,-2-4 90,4-12 0,-4 0 90,3 0-270,-3-4 270,4 3-90,-4-4-90,3 9 1,-3-3-356,4-5 445,0-6-233,0-9-127,0 0 180,0-4-90,0-1-719,0-4 179,4-4 3367,-3-9-3637,7-11 319,-7-1 1,7-6-1,-2 8 1</inkml:trace>
-  <inkml:trace contextRef="#ctx0" brushRef="#br0" timeOffset="299522">6550 6474 7533,'0'-9'-1080,"4"4"1530,-3-4 90,4 4-450,-5 0 269,0-3-269,0 7 0,0-3 0,4 4 270,-3-4 180,3 2-540,0-2 90,-3 4 270,7 0 179,2 0-359,0 0 0,3 4 0,1 2 90,0 3-90,13 4 90,-6 2-270,-2-5 179,-7 3-89,-7-4 0,0 1 0,-1 4 90,-4-5-270,0 4-3187,0-2 3252,0 2 25,0 9-90,-4-6 180,-1 7-180,-4-1-2088,0-7 1998,-1 4 187,1-1-97,0-8 90,-1 3-539,1-3-313,4-1 672,-3 0-810,-2-4 541,0 4 89,1-8 90,0 3-719,4-4 2117,-4 0-1128,4 0 0,-4-4 0,4-1 0</inkml:trace>
-  <inkml:trace contextRef="#ctx0" brushRef="#br0" timeOffset="303673">6010 6344 7533,'-9'-5'-630,"4"1"1350,1 4 1259,4 0-1620,12 0 1,4 0 0,16 0-180,-7 0-180,1 0 360,1 0-91,-6 0-269,6 0 270,-4 0-270,-4 0 180,17-4-360,-19 2 180,9-2-90,-17 4-90,1 0 90,-1 0-89,0 0-91,0 0 0,-3 0 90,2 0-90,-3 0 90,0 0 0,-1 0-539,-4 4 359,0-2 90,0 2-449,0 0-181,0-3 91,0 7 809,-4-3 0,-1 0 0,-4 4 0,-1-4 0</inkml:trace>
-  <inkml:trace contextRef="#ctx0" brushRef="#br0" timeOffset="304517">6085 6390 0,'-5'6'0,"-4"-2"1872,8-4-2231,-7 0 1498,7 4-420,-7-3 770,7 3-769,-8-4 2556,8 0-2530,-3 0-207,4 4-449,4-3 90,2 7 90,7-2-90,-3-1-90,4 3 90,-1-3-180,-2 0 180,6 4-91,-6-4 91,10 4-180,-1 0 90,4 1-180,3 3 90,-12-2 0,7 2-180,-8-4 180,1 5 0,-2-4 0,-8-1 0,0 0 0,-1-4-89,-3 4 178,7 5-178,-7-4 89,3 3 0,-4-8 0,0 4-90,0-4 0,-4 4 90,3 1-180,-7-1 180,3 0-270,-9 5 180,0 0 90,3-4-180,-1 3 90,3-8 0,-14 12 0,10-9 0,-7 8 0,10-11 0,0 5 0,-3-1 0,3 0 1,1 1-1,4-5 90,-3-1 0,7 0 0,-4-3-90,5 7 180,0-7 899,0 4-629,5-5-90,0 0 89,8 0-269,-3 0 180,4 0 90,-1 0 90,2 0-180,3-5-90,1 4 179,0-3-539,-1 4 270,1 0 0,-5 0-90,0 0-90,-5-4 90,0 3-90,-3-3 90,2 4-359,-3 0-1,0 0-90,-1 0-270,1 0 1,-4 0-1530,3 0 1080,-4 4 359,0-3 810,0 7 0,-4-7 0,-2 4 0</inkml:trace>
-  <inkml:trace contextRef="#ctx0" brushRef="#br0" timeOffset="304982">6187 7107 7533,'-5'0'-360,"1"0"1889,4 0-1529,-4 0 360,3 4-270,-3 1 90,4 4 269,0 5-179,0 0 0,0 5 0,0-1-360,4-3 0,-3 2 0,7-6-450,-3 2 91,0-8-91,0 0 180,-1-5 180,-3 0-1439,3 0 1619,0-9 0,-3 3 0,3-7 0</inkml:trace>
-  <inkml:trace contextRef="#ctx0" brushRef="#br0" timeOffset="305233">6131 6949 7533,'-5'0'180,"1"0"1169,4 0-630,12 0-3996,-4 0 2663,9 0 1653,-7 0-859,3 0-450,2 0 180,-1 0-719,-1 4 269,-3-3 3392,-1 7-3212,-4-7-899,4 11 1259,-8-5 0,7 6 0,-3-4 0</inkml:trace>
-  <inkml:trace contextRef="#ctx0" brushRef="#br0" timeOffset="305455">6252 7097 7533,'-5'0'90,"1"0"989,4 0-719,8 0-270,3-4 0,3 3-360,0-3-810,-9 4 361,3 0 629,-7 4-450,3 1 540,-4 5 0,0 3 0,0 2 0</inkml:trace>
-  <inkml:trace contextRef="#ctx0" brushRef="#br0" timeOffset="305625">6280 7190 7533,'6'0'1439,"2"0"-1079,-7-4-1,3 3-179,-4-3-360,0 4 270,4-4 90,-3 3-1079,7-3 359,-2 4 540,-1-4-1169,3 3 269,-3-4 900,0 1 0,4-1 0,-4-4 0</inkml:trace>
-  <inkml:trace contextRef="#ctx0" brushRef="#br0" timeOffset="305857">6439 6995 8072,'-6'0'990,"-2"4"-630,7-3-180,-3 8-1,0-4 1,3 0 180,-8 7-90,8-6-360,-3 8-3187,4-5 3252,0 0 115,-4 5 0,3 0 90,-3 1-450,4 7 270,0-11-720,0 6-1908,0-7 2448,0-1 1189,0 9-1638,0-11 179,4 9 450,1-10 0,0 3 0,0 0 0</inkml:trace>
-  <inkml:trace contextRef="#ctx0" brushRef="#br0" timeOffset="306833">6187 5776 7533,'0'-5'-630,"0"1"540,0 4 810,-4 0-181,3 4-179,-3 2 0,4 3 0,-4 8 179,-1 7-359,-1 5-180,-2-1 90,3 7-180,-4 3 90,-1-2-90,1 3 180,0-7-539,-1 6-1,5 0 360,1-14-720,4-7 361,4-16 179,-3 7 0,8-7 270,0 3 0,5-12 0,5-2 0</inkml:trace>
-  <inkml:trace contextRef="#ctx0" brushRef="#br0" timeOffset="307239">6383 5925 7533,'0'-5'0,"0"1"-360,0 0-180,-4 3 1170,3-3-1,-8 4 811,-12 8-1170,7-6-181,-12 10 1,17-10-180,0 6 1,-1-3 178,-7 4-178,5-4 178,-5 4 1,7-8-269,-3 7 268,3-7-89,-4 7-89,5-3-91,0 1 180,-1-2-360,5 0 270,-3-3 90,7 7 0,-3-7-90,4 3 270,0-4 0,0 5-180,0-4 0,4 3 180,-3 0 0,7-3-180,-7 3 359,7-4-179,-2 4 90,3-3 0,0 7 0,1-7-180,-1 4 90,0-5-180,0 0 90,1 4 89,3-3-358,2 3-1,3-4 90,-3 0-270,2 4 90,-2-3 180,-1 7-1169,0-7 539,-5 8 720,9 0 0,-7 1 0,7 4 0</inkml:trace>
-  <inkml:trace contextRef="#ctx0" brushRef="#br0" timeOffset="308527">7024 6409 6723,'0'-5'360,"0"1"-90,-4 4 90,3 0-270,-3 0 89,0 0 181,3 0 0,-8 0-90,4 4 0,-4 1-90,0 8-180,3 2 90,-2-1 179,7 12 1,-7-1-90,7 12 0,-3 0 0,0 1 0,3-1-90,-4 0 0,5-8-90,0-6 0,0-2 0,5-1 90,0 4 0,0-10-270,3-1 0,-3-8-360,1 0 360,2 3-359,-3-7-451,4 4-89,5-5 539,-8 0 270,6 0-539,-6 0 809,3 0 0,0-5 0,0 0 0</inkml:trace>
-  <inkml:trace contextRef="#ctx0" brushRef="#br0" timeOffset="309262">7164 6502 6273,'0'-5'540,"0"1"-90,0 4 90,0-4-451,0 3 361,0-4 90,0 1-360,0 3 989,0-3-809,4 4-360,1 0-90,0 0 270,4 0 90,-4 0-360,4 0 90,0 0 0,1 4 0,3 1 0,-3 5-90,4-1 0,-9 0 90,-1 1-90,0 3 0,-3-3 90,4 8 0,-5-8-90,-5 8 90,-4-4 0,3 1 0,-7-2 0,8 1-90,-4-4-90,-4 8 180,2-8-180,-2-1 90,-1 8 180,4-14-180,-3 13 180,7-10-90,2-1 90,0-1-90,3 0 0,-3-3 0,4 3 270,0-4-90,4 0-180,-3 4 270,7-3-90,-2 4 359,7-5-269,1 0-90,5 0 90,4 0-90,-8 0-270,3 0 360,4 0-900,-10 0 270,14 0-809,-16 0 539,4 0 1,-1 0-1440,2 0 1080,-1 0 989,-5 0 0,4 0 0,-3 0 0</inkml:trace>
-  <inkml:trace contextRef="#ctx0" brushRef="#br0" timeOffset="309767">7434 6670 7713,'-5'0'1169,"0"4"-629,1 1-181,3 4 91,-3 5-360,4 0 0,0 0 90,-4 0-90,3-1 90,-3-2-270,4 2 90,-4 1 90,3-4-270,-3 3 0,4-3-180,0-1 0,0-4-359,0-1-361,0-4 721,4-8-181,1-2 270,0-5 0,3 2 180,-2-5 90,-1 7-180,-1-7 1,0 13 448,-3-3-179,7-2 630,-3 0-90,1-3 539,2 8-539,-7 0-91,7 5-359,-7 0-180,3 0 450,1 0-270,-4 0-270,7 0 270,-7 5-90,3 0-90,0 8 0,-3-7 90,3 7-90,-4-4 0,0 6 0,0 3 90,4-3-1,-3-2-628,4-4 179,-5 1 270,4-5-1259,-3 3 989,7-7 0,-7 3-1439,7-4 1439,-2 0 360,3 0 0,0-4 0,0-1 0</inkml:trace>
-  <inkml:trace contextRef="#ctx0" brushRef="#br0" timeOffset="310043">7695 6530 7533,'-11'0'0,"3"0"0,4 0 0,3 0 0,-3 0 0,4 4 0,0-3 1619,0 3-180,0 0-809,0-3-181,8 8-449,2-8 0,9 3-359,-5-4 269,0 4 90,-5-3-810,0 3 270,5-4-449,-4 4 179,8-3 451,-12 3-451,2 1-89,-8 0 899,0 4 0,-4 5 0,-1 0 0</inkml:trace>
-  <inkml:trace contextRef="#ctx0" brushRef="#br0" timeOffset="310235">7639 6716 7533,'-6'5'0,"2"-1"1079,4-4 0,0 0-629,9 0-90,1 0-360,9 0-90,3-4-450,-2-1 91,7 0 359,-3-3 180,-5 7-180,3-4-90,-12 5 180,8 0 0,-8 0 0,4 0 0</inkml:trace>
-  <inkml:trace contextRef="#ctx0" brushRef="#br0" timeOffset="310484">8011 6632 7533,'4'-5'1709,"-3"1"-1709,3 4 629,-4 0-449,-4 4-90,-1-3 180,0 7-90,-3-2 719,2 24-899,1-12 90,1 21-90,4-15-269,0-4 179,0-3-990,0 1 451,4-7-181,6 7 450,0-13 90,3-1-1169,1-8 1439,-4-1 0,4-4 0,-5-1 0</inkml:trace>
-  <inkml:trace contextRef="#ctx0" brushRef="#br0" timeOffset="310695">8076 6437 7533,'-9'-4'1439,"0"3"-1349,3-3-270,-2 4 630,7 4-180,-3 1-91,4 4 361,-4 5-360,3-4 90,-3 3-180,4-3 899,4 3-1528,1 2-721,4-1 361,1 0-810,3-9 1709,1-1 0,1-4 0,-2 0 0</inkml:trace>
-  <inkml:trace contextRef="#ctx0" brushRef="#br0" timeOffset="312258">8289 6335 7443,'5'5'989,"-4"3"-719,7-7 270,-3 12 89,4-3-179,1 13-90,-1 0 0,0 9-180,1-7-90,-5 2 89,3 0 91,-7 6-90,7 5-360,-7-5 180,4-6-180,-10 4 0,-4-1 270,3 3-449,-7-2 179,8-11 0,-4 3 180,0-5-270,-1 1-90,-3 8 270,3-7-90,-4 3 0,5-9 91,0-5-631,-5 4 90,4-7 1,-3 3-271,8-9 1,1 0 899,4-4 0,8-2 0,2-3 0</inkml:trace>
-  <inkml:trace contextRef="#ctx0" brushRef="#br0" timeOffset="312586">8634 6716 8612,'4'5'-210,"-3"3"0,3-2 0</inkml:trace>
-  <inkml:trace contextRef="#ctx0" brushRef="#br0" timeOffset="313389">8755 6511 6633,'-5'0'1349,"1"0"181,4 0-1081,12 0-269,-1 0-180,12-4 90,-8 3 90,2-7-270,-6 3 180,2 0 0,0-4-180,-2 8 0,6-7 180,-10 3-180,5 0-3187,-7 1 3072,0-1 205,4 4-90,-8-3 90,3 0-90,-4 3 0,0-3 90,-4 8 0,3-3 3276,-4 7-3250,1-2-26,3 7 0,-7-3 0,7 8 180,-3 1-180,0 0 0,3 0 180,-3-2 0,4-2-180,0-1 270,0 12-180,0-9-90,0 10 180,-5 4-90,4-10 0,-3 10-180,4-12 90,0 4 90,0-4 0,0 8-180,0-3 180,0 16 0,0-1-1,0 4-659,0-11 660,0-5-90,0-8 0,0 4 0,0-4 0,-4 3-90,3 6 90,-3-7 90,4 1-90,-4-13-270,3 0-90,-3 1-539,4-5-1,0-1 181,0-4 750,-5 0-571,4-8 270,-3 1-90,4-10 90,0 2-179,0-3-371,0-1 1,0-4 0,0 0 0</inkml:trace>
-  <inkml:trace contextRef="#ctx0" brushRef="#br0" timeOffset="313736">8932 6660 7533,'5'-33'809,"3"1"-899,-7 12 180,3 7-90,-4 5 90,0 3 90,0-1 0,0 2 0,4 4 90,-2 0 539,10 0-629,-6 0 0,4 4 360,2 2-180,-2 7-91,5-3-89,-2 4 0,-4-5 0,1 0 0,-5 1 0,3-1-180,-7 0 180,3 1 0,-4-1-180,0-4-90,0 3 270,0-2-90,0 3-90,0 0 90,-4 0-90,-1 1-180,-8 3 180,2-3-360,-2 4 180,4-5 0,-1 1 180,-3-1-450,2-4 180,-2 3 91,0-7-1,2 8-450,-6-8 270,6 3 90,-2-4-359,4 0 179,-1 0 90,1 0 90,0 0-449,3 0 359,-2 0 90,7 0-449,-3 0 719,4-4 0,4-2 0,1-3 0</inkml:trace>
-  <inkml:trace contextRef="#ctx0" brushRef="#br0" timeOffset="314133">9295 6409 7533,'0'-5'-810,"0"1"1530,0 0-360,0 3 719,0-4-270,0 1-89,-4 3-540,3-3 180,-3 4-180,-1 4 0,4 1-1,-7 5-179,3-1 270,0 0-90,-4 5 0,8-4 0,-7 8 0,3-4 0,0 9 359,-3 5-359,2 1 0,1-1-180,1-6 90,0-3 90,3 4-270,-3-4 180,4 12 0,0-2-3212,0 9 3122,0-5-90,0-10 0,4-1 90,1-12-270,0 4 90,8-5 0,-7 0-899,7 1 449,-3-5 271,3 3-991,-3-7 541,8 7 269,-8-6 270,8 2-899,-4-4 809,5 0 360,-5 0 0,4-4 0,-3-2 0</inkml:trace>
-  <inkml:trace contextRef="#ctx0" brushRef="#br0" timeOffset="316943">9537 6446 7353,'-5'-4'989,"1"3"-449,4-3 90,0 4-361,4 8 1,-3-2-90,7 12 0,-3-8-90,5 8 90,3 1 90,-3 0-270,4 4 360,3 8-271,3-1 1,0 3-180,-3-6 1,-3-4-91,0 0-990,9 1 990,-8-5-449,2-6-181,-8-8 271,1-1-811,7-4 1350,-5 0 0,5-4 0,-7-1 0</inkml:trace>
-  <inkml:trace contextRef="#ctx0" brushRef="#br0" timeOffset="317203">9862 6400 7533,'-9'0'359,"-1"4"361,-3 1 0,-6 13-181,-9 5-89,-4 10-315,13-12 0,0 0-3412,-9 9 2999,1 5 548,0-3-360,10-6 90,-8 5 0,14-13 332,-2 1-602,-1 4 90,8-8-720,-6 7 361,11-12 269,-3 4 0,4-5-629,0 0 359,0-3 180,0 2-244,4-7 1,1 3 0,4-4-1</inkml:trace>
-  <inkml:trace contextRef="#ctx0" brushRef="#br0" timeOffset="317630">9890 6642 0,'9'0'0,"-4"0"2322,4 8-1782,-8 2 1408,3 13-1318,-4 1-360,-4-1 0,3-4 769,-8 3-769,8-3 3006,-7 9-2710,7-8-117,-3-7-89,4-4 0,0-4-450,0 0-1439,0-1 719,0 0 451,0-3-1081,0 3 1081,4-12-541,1-2 270,4-13 630,1 3-359,3-6 359,-7 10 0,7-1 0,-8 7 270,4 1-181,1 0-89,-5-1 810,7 1-180,-6 4-1,4-3-269,-2 7-180,-7-4 90,7 5 449,-3 5-629,1 0 90,-2 0-90,-4 3 180,4-3-90,-3 13-270,3-7 270,-4 7 0,0-9-180,0 0 90,0 1-180,0 7 180,0-5-810,4 1 360,-3-5 270,8-7-89,-4 8-271,4-8 0,4 3-989,2-4 1439,3 0 0,-3-4 0,-2-1 0</inkml:trace>
-  <inkml:trace contextRef="#ctx0" brushRef="#br0" timeOffset="318297">10420 6214 7533,'-5'5'-720,"-3"3"1350,7-3-1,-7 9 1,7 8-90,-4 3-1,5 16-179,0-7-180,0 3 0,0-9 90,5 11 90,-4 0-315,3-11 0,0 0-45,-3 16 179,3-4-179,0 0 0,-3-1-218,1-11 0,0-1 38,-2 21 180,0-21 0,0 1-90,0 15 180,0-2-90,0-13-180,0-9-90,0-6-539,0-3 179,0-5 270,0-1-269,0-4 615,5-8-795,-4-3 359,7-3 180,-7-4 270,7 8 0,-3-8 0,5 4 0</inkml:trace>
-  <inkml:trace contextRef="#ctx0" brushRef="#br0" timeOffset="319312">10625 6502 7533,'-9'-9'359,"0"4"-89,-1-4 90,5 8 0,1-7 90,4 7 89,0-7-449,0 7 0,0-3 270,12 4-180,-4 0 270,26 0-91,-8 4-269,11 1-90,-5 4-90,-8-4 1,-6 4 89,0-8 0,-8 7-540,4 1 450,-5 2-450,-4 2 360,-1-4 0,-4 1-269,0 11 359,-8-4 0,2 6-90,-12 2-90,0-4 180,-2 11 90,-3-4 270,5 0-270,3-8 360,2-3-180,3-8 0,5 1-180,-3-1 269,7 0 91,-3 1-270,4-5-90,0 3 180,0-3-90,0 0 90,0 4 0,4-8 90,5 3-180,2-4-180,-2 0 180,3 0-1,-6 0-89,8 0-179,-5 0 89,1-4 0,-1 3-180,8-8 0,-1 8 90,3-3-3097,11-4 644,-17 6 1083,17-10 1550,-20 10 0,4-6 0,-5 3 0</inkml:trace>
-  <inkml:trace contextRef="#ctx0" brushRef="#br0" timeOffset="319714">11007 6688 7533,'-5'0'1349,"1"0"-899,-1 4-91,0 6 181,-4 8-360,0 6 90,4-4 0,-4-3-180,8 1 90,-7-7-90,7 7-180,-3-5 90,4-3-540,0 4 90,0-9-719,4-1 989,-3-8-90,7-1-450,1-9 1,2-4 89,11-14 540,-11 10 90,2-4 360,-4 17-90,-4 4-180,0-4 809,3 8-539,-7-3-90,3 4 540,1 0-271,-4 0-449,3 0 180,0 4-90,-3 2 0,3 7-270,0-3 90,-3 4-90,3-5-360,-4-4 270,4 4-359,-2 0-91,6-3 270,-7 6-359,7-10 179,-3 6 270,0-7 270,4 3 0,-4-8 0,4-1 0</inkml:trace>
-  <inkml:trace contextRef="#ctx0" brushRef="#br0" timeOffset="319923">11285 6558 7533,'0'-10'1889,"4"-3"-1889,-2 12 0,2-3 180,0 4-180,1 0 0,4 0 269,1 0-89,-5 0-90,3 0-90,-3 4 180,0-3-90,8 3-180,-7-4-270,3 4 180,0-3 1,-8 4-901,7-1 540,-7 1 1,3 4 539,-4 5 0,0-4 0,0 3 0</inkml:trace>
-  <inkml:trace contextRef="#ctx0" brushRef="#br0" timeOffset="320113">11285 6707 7533,'-4'5'2338,"3"-1"-2068,-3-4 540,4 0-630,0 4 0,4-3-270,10 3 90,-3-4-450,7-4-989,12-1 539,-12-4 630,13 4-899,-13-4 1169,-8 8 0,8-3 0,-4 4 0</inkml:trace>
-  <inkml:trace contextRef="#ctx0" brushRef="#br0" timeOffset="320418">11667 6604 7533,'-10'0'1349,"-3"0"-1169,12 0 90,-3 0 89,0 0-179,3 0 90,-3 0-360,0 5 180,3 0 90,-3 8 0,4-3 0,0 4 0,0-5 0,-5 9 0,4-7-450,-3 11 270,4-8 0,0 5-270,0-5 180,0 0 0,0-5-720,4 0 361,-3-3 179,8 2-1079,-4-7 179,4-1 1170,0-5 0,1-5 0,-1 1 0</inkml:trace>
-  <inkml:trace contextRef="#ctx0" brushRef="#br0" timeOffset="320610">11658 6400 7533,'-5'-4'1979,"0"3"-1800,5-4 181,0 5-90,0 9-180,5-7-540,0 6 91,4-4 269,0-3-1170,-3 7 1260,10-2 0,-9 3 0,11 0 0</inkml:trace>
-  <inkml:trace contextRef="#ctx0" brushRef="#br0" timeOffset="328269">11872 6297 7533,'-10'-4'-180,"5"3"360,1-7 90,4 7 179,0-3-179,4 4 180,1 0-360,5 4 90,-1-3 90,0 11 89,5-5-89,0 14 270,9-1 0,1 12-181,4 1 91,-4 4-90,-2 5-90,-11-12-180,1 5 270,-7-7-1,0 9-179,0-7 0,-5 1-3457,0-13 3432,-5 1 25,0 8-270,-4-2 180,0 3 90,-1-6-270,1-3 0,-4 4 90,-2 5-90,1-4 3366,4 3-3250,-2-8-206,6-1-270,-8 1-2827,9-4 2713,-3-6-246,3-1 270,-1-7 360,2 3-449,4-4-2648,0 0 3129,4 0 0,2 0 1,3 0-1</inkml:trace>
-  <inkml:trace contextRef="#ctx0" brushRef="#br0" timeOffset="336291">3061 8753 8072,'9'5'-90,"-4"-1"810,4-4-90,0 0-271,-3 0-3636,15 0 3023,-14 0 1473,19 0-1039,-15 0-180,7 0 180,-5 0-360,6 0 0,5 0-989,0 5 989,-2-4-720,-7 7 360,-2-7 271,-3 7 3391,-1-3-3752,-4 1-179,3 6 809,-7-10 0,4 10 0,-5-6 0,0 3 0</inkml:trace>
-  <inkml:trace contextRef="#ctx0" brushRef="#br0" timeOffset="336573">3061 9042 7533,'-14'5'-180,"4"-1"899,2 0 1,7-3-450,-3 7-90,4-7 539,8 8 1,2-8-270,5 7-270,-2-7 359,1 3 1,4 0-360,-2-3 90,1 3 89,1-4-179,-7 0-180,11 0 180,-3 0 0,0 0-360,4 0 90,4-4-899,2 3 539,8-3-90,-8 4 91,-2 0 269,-8 0-1259,-5 0 179,12 0 1260,-5 0 0,3 0 0,-7 0 0</inkml:trace>
-  <inkml:trace contextRef="#ctx0" brushRef="#br0" timeOffset="337774">4140 8651 0,'-9'0'0,"-1"0"1243,5 0-1513,-3 0 1499,7 0-959,-7 0 1039,2 0-1039,1 0 3006,-3 0-2711,7 0 245,-3 0-540,0 0-90,3 0 90,-3 0-1,12 0 91,6 0-180,2 0 180,10 0 90,10 0-270,-8 0-1,24 4 181,-18-3-270,0 3-90,-3-4 0,-13 0 180,1 0 0,0 0-270,3 0 0,6-4 180,10-1-90,0-4-360,-9 3 180,-3 2 90,-16 4 0,3 0-629,-3 0 359,-1 0 90,0 0-809,-3 0-1,-2 9-179,-4 1 1259,0 4 0,0 0 0,0-5 0</inkml:trace>
-  <inkml:trace contextRef="#ctx0" brushRef="#br0" timeOffset="338492">4149 8688 7201,'-22'0'720,"6"0"524,3 0-435,8 0-124,5 0-505,13 4 388,2 1-209,13 9-179,-4-4-6,-1-1-84,-4 0 90,-5-4 0,4 4-270,-4-4 90,1 4 0,-2-4 0,5 8-90,-7-7 0,7 7-180,-1-4 90,-1 6 270,6-5-90,-7 2 0,-2-7-90,-3 5-90,-1-1 180,0-4-180,0 8 180,-3-11 0,2 10-179,-7-7 179,3 5 0,-4-5-540,-8 7 540,2-1-270,-12 3 0,-1 8-180,-8-3 1,-7 9 179,-3 0-2406,8-4 2496,2-5 0,9-2 270,-26 10 0,24-9-45,-4-3 0,1-1 314,8 1-179,-8-1 0,8 0-180,6-5 90,1 0 90,3-3 0,-1 2-90,2-7 0,0 7 90,3-7 2496,-3 8-2496,0-8-90,3 3 0,-3-4 0,4 4 0,0-3 539,0 3-449,0 0-90,0-3 180,0 3 90,4-4 90,5 4-1,10-3-179,9 4-180,-4-5 90,3 0 180,4 0-180,-1-5 179,16 0-269,-4-4-90,-8 0 90,-3-1-359,0 1-91,4 4 90,7-3-360,8 7-89,-23-4 89,7 5-180,-28 0 361,6 0 179,-11 0-899,3 5 449,-4-4-809,0 3 1529,0 0 0,-4 1 0,-1 4 0</inkml:trace>
-  <inkml:trace contextRef="#ctx0" brushRef="#br0" timeOffset="339073">4019 9590 7533,'-9'5'90,"4"3"449,-4-7 91,8 12-540,-3-7 270,0 7 0,3 1 179,-7 8-359,7-5 0,-4 9-90,5-16 90,0 8 180,0 0-180,0-2 89,-4 1-538,3-3 179,-3-8 0,4 6-540,0-11-809,0 4 1259,4-10 0,-3 0-360,3-4 91,1-4 269,-4-2-90,7-4-270,-7-7 360,7 9 180,-7-9-270,8 8 91,-4-2 628,4 1-179,4 2-270,-2 6 900,2-2-271,-3 4 361,3-1-451,-3 5 1,4 1-270,-5 8 0,0 1-90,-3 5 0,-2-1-91,-4 4 1,4 6 0,-3 5 90,3 4-270,-4 0 180,0-9-450,0-1 91,0-5 359,0-2-990,4-2 181,1-1 539,1-7-450,2 3-90,-3-4 451,4 0-631,1-4 900,-1-9 0,0 1 0,1-5 0</inkml:trace>
-  <inkml:trace contextRef="#ctx0" brushRef="#br0" timeOffset="339270">4261 9562 7533,'5'0'719,"-1"0"-269,-4 0-450,4 0 450,-2 0 0,6 0-271,-7 0 1,7 0 180,-3 0 0,17 0-900,-10 0 360,6 0-899,-6 0 269,-10 4 630,11-3-719,-12 7 0,3 2 899,-4 0 0,-4 3 0,-1-3 0</inkml:trace>
-  <inkml:trace contextRef="#ctx0" brushRef="#br0" timeOffset="339441">4298 9701 7533,'-5'0'899,"1"5"-269,4-4 719,0 3-539,4-4-631,1 0 1,5 0-360,-1-4 180,4-2-809,2 1 269,8-3-899,-4 3 719,4 0 91,-9-4 629,4 8 0,-8-7 0,4 3 0</inkml:trace>
-  <inkml:trace contextRef="#ctx0" brushRef="#br0" timeOffset="339619">4568 9590 7533,'5'0'1079,"4"0"-629,-8 0-270,7 0 90,-7 4-180,7 1-1,-7 4 1,3 1 0,-4-5 90,0 7-90,0-6-180,5 12 90,-4-8-989,3 4 269,0-1-629,1 2 529,4-1 1,1 0 0,-1-5 0</inkml:trace>
-  <inkml:trace contextRef="#ctx0" brushRef="#br0" timeOffset="340197">4261 8093 7533,'9'4'719,"5"13"-89,-8 4-90,2 11-1,-8-4-89,0 4-90,-8 14-360,6-14 90,-6-6 0,-1-1-90,3-3 270,-7 13-495,0-8 0,0-1 225,-5 5-720,-4 16 181,5-25-541,11-15 91,-8 10-271,9-24 1260,1 0 0,0-11 0,-1-1 0</inkml:trace>
-  <inkml:trace contextRef="#ctx0" brushRef="#br0" timeOffset="340427">4242 8279 7533,'19'-5'539,"-9"0"-449,3 1 810,-4 3-91,6 1-89,3 5-360,-7 5-180,1-1 269,-7 4-269,4-2 0,1 6-180,-1-6 0,-4 2-90,8 5 0,-7-3 270,7 4-540,-8-6 180,8 1 180,-7-8-1169,3 6 90,4-11-900,-3 4 900,9-5 1079,-5-5 0,0 0 0,-5-4 0</inkml:trace>
-  <inkml:trace contextRef="#ctx0" brushRef="#br0" timeOffset="340704">4615 8065 7533,'-5'-11'1799,"0"3"-1799,5 8 359,0 0-89,0 4-90,0-3 360,0 12-180,0-7-180,0 12 179,0 0 91,0 10-180,0 5 90,-4 4-360,3-8-90,-7-2 0,7 0 0,-7 2-720,3 4 181,-1-5-810,2-5 359,4-9 720,0 0-899,0-5 1259,0-4 0,4-1 0,2-4 0</inkml:trace>
-  <inkml:trace contextRef="#ctx0" brushRef="#br0" timeOffset="342376">5470 8530 7533,'0'-5'-900,"0"-4"1980,-4 8-721,3-3 91,-7 8-90,-1 6-90,-2 13-90,-2-3 90,4 11 89,-5 5-89,4 8 180,-1-3 0,0 3-360,5-9 0,1 1-1697,-5 4 1,2-2 1696,5-10 0,1-2 0,-6 24-2139,7-10 2049,-8 6-488,8-14 488,-3-5-1458,4-3 1548,0 3 1008,0-3-1547,0 4 1942,4-4-2122,6-6 269,0-9 180,3-4 234,5-5-504,-7-5 3572,11 0-3931,-7-8-1,7-10 630,-6 2-179,6-1 359,-8-4 0,1 9 0,-2-10 0,0 1 0,-6 5 0,5-6 0,-7 4 629,0-5-359,0 8 0,-5 2-90,0 14 180,0 4 179,-5 4 271,0 10-360,0 1-91,1 4 271,0 7-540,3-6 180,1 12-360,5-8 90,4-5-360,1-10 270,-1-5 0,8-4 0,-5 0-90,9-4 0,-2-10-179,1-5 179,3-9 180,-9 8-90,-5-1 180,0 6-180,-8 1 90,3 0-90,-4 5 270,-4 0-270,-10 3 180,-10-2-90,0 7 0,-3-3 0,4 8 0,3-3 90,2 7-90,4-7 0,5 8 0,4-4-90,-4 0 90,4 3-540,0-2 180,1-1 0,4 3-809,4-3 1169,5 4 0,2 1 0,2-1 0</inkml:trace>
-  <inkml:trace contextRef="#ctx0" brushRef="#br0" timeOffset="343179">5908 9060 7533,'9'-9'-450,"1"0"270,-5-1 1080,-1 1-541,-4 4 91,0-4-180,0 8 0,0-7 180,-4 3-271,3 0 1,-8-3 0,0 7 0,-1-4 0,-8 5-180,4 0 0,-1 5-180,-2 0 90,2 8 90,-4 6-90,5 0 90,5 4-90,5 0 90,4 5 0,8-3 0,-2-7 0,8-10 0,-5-8 0,4 0 270,2 0-270,8-12 90,-4 1-90,0-12-90,-6 8 180,1-6-180,0-3 180,1-9-180,-2 0-3187,-8 9 3162,4 7 25,-8 3 90,3 8 0,-4-2 0,0 8-90,0 0 90,0 4 0,0 1 270,0 4 3006,0 5-3070,0 4-26,4 6 0,-3 8 0,3-3 90,-4-1-181,0-5 181,4 4-90,-3-7-90,3 7 270,-4 8-90,5 4-135,-5-9 0,1 0-45,3 15 44,-2-11 1,0 1-135,-1 11-91,1-13 1,0-2 180,-2 7-180,0-3 90,0-2 0,0 5-90,0 8 90,0-16-90,-4 0 0,-1-11 90,-9 0-269,0 0 360,-5-5-451,-4-9-180,-13-1 181,9-8-181,-12-10 540,15-5-180,4-5 0,7 5 540,9 2-270,4 2 0,0-3 90,0-1 0,4 0-180,1 1-90,5-1 539,3 1 1,6-5-270,-4 3 180,7-3 179,-4-3-539,-2 9 180,6-8-90,-12 14 90,3-2-3457,1 4 2802,-4 4-419,4-4 624,-5 8 90,9-3-449,-3 4-1260,20 0 720,-9 4-181,2-3 631,-6 3 719,-12 1 0,8 0 0,-4 4 0</inkml:trace>
-  <inkml:trace contextRef="#ctx0" brushRef="#br0" timeOffset="348897">6494 8511 7533,'-4'5'-90,"-1"0"809,0-1-449,1-3 180,4 3 359,12-4-269,8 0-180,13 4-180,0-3 180,3 12-91,-7-11-269,-1 10 90,-5-11 90,-5 3-270,1 0 90,3-3 360,10 3-360,-2-4 90,19 0 0,-18 0-180,9-4 90,-16 3-90,-1-3 0,-1 0-90,-2 3 180,-1-3-359,-10 4 179,-1 0-990,-7 0 900,3 4-719,-4-3 90,0 11 539,0-10-180,-4 11 270,-1-12 270,-4 7 0,-5-3 0,0 5 0</inkml:trace>
-  <inkml:trace contextRef="#ctx0" brushRef="#br0" timeOffset="350569">6494 8567 6363,'-5'0'540,"1"0"1169,4 0-1619,0 4 180,0 1 0,4 5-90,-3-1 89,8 4-179,-4-2 270,4 2-90,0 1-270,1-8 180,-1 6-90,0-7 90,1 5-180,-5-5 180,15 11 90,1 0-360,4 4 180,-3-3 89,-5-3 1,3 0-180,0-4 90,1 3-90,-15-8-90,6 0 180,-7 3 0,5-7-180,-1 4 90,-4-1 90,-1-3-270,0 3 270,-3 0-90,4-3-90,-1 3 90,-3-4 0,3 0 0,-4 4 90,0-3-90,0 3 0,-4-4-90,-1 5 90,-1-4 0,-2 7-180,3-3 90,-4 4 90,3 1 0,-2-1 0,3 0 0,-4 1-89,4-1 89,-3 0-90,3 1 90,-4-1-270,-17 13 180,12-10 180,-16 10-180,20-13 0,-8 4 90,8-2-90,-8 2 90,8-8 90,-3 4-180,3-4 90,1 0 0,0 3 90,-1-3-180,1 1 180,-4 2-90,2-7 0,2 7 0,1-7 0,3 3 0,-5-4 0,1 4 0,4-3 0,-4 8 0,8-8 90,-7 3-90,3-4 0,0 0 0,1 4 0,4-3 0,0 3 90,-5-4-90,4 0 0,-3 0 0,4 4 0,0-3 449,0 3-269,4-4-90,2 0 90,3 0-90,-4 0-90,3 0 90,-2 0 90,7 0 0,-3 5-180,4-4 180,-1 3 0,6-4 0,5 0 0,8 0-91,-7 0 91,1 0 0,1 0 0,2-4 90,4 3-360,3-4 90,-7 1 0,15 3 0,-17-3-3277,4 4 3252,-13 0 25,-8 0 90,16 0-90,-14 0 90,18 0 0,-18 0-90,5 0 180,-3 4-90,-8-3-180,6 3 3366,-6-4-2980,-1 0-296,3 0 0,-7 0 0,7 0 90,-7 0-90,3 0-90,1 0 180,-4 0-180,3 0-90,0 0 180,-3 0-3059,3 0 2520,-12 0 269,6 0 270,-7 0 0,1 0 0,-2 0 0</inkml:trace>
-  <inkml:trace contextRef="#ctx0" brushRef="#br0" timeOffset="352159">6588 9414 7533,'-6'0'-270,"-2"0"180,7 4 0,-3-3 540,0 7-1,-1-7-359,-1 7 270,2-7 0,0 8-180,3-4 0,-3 4 0,0 0 0,3 1-1,-3-1 1,0 0 0,2 1 360,-6 11-360,7-9 0,-7 18 0,7-19 0,-3 7-360,4-9 90,0-3 90,0 2 90,0-7-270,0 7 90,4-7 0,-3 3 180,3-4-450,-4 0 180,4 0 0,-3 0 90,7 0-629,-2 0 269,-1-4-270,3 3 1,-3-11 449,5 10-540,-5-11-10,3 8 1,-3-8 0,5-2 0</inkml:trace>
-  <inkml:trace contextRef="#ctx0" brushRef="#br0" timeOffset="352394">6504 9293 7533,'-10'0'-1260,"5"0"1980,1 0 629,4 0-269,17 4-990,-9-3 0,14 3-1,-13-4-358,0 0 179,1 0-630,3 0 450,-3 4 90,4-3 0,-5 3-269,0 0 179,1-3 90,-5 4 180,3-1 0,-3 1 0,5 4 0</inkml:trace>
-  <inkml:trace contextRef="#ctx0" brushRef="#br0" timeOffset="352627">6699 9423 7533,'-5'0'0,"1"0"-90,4 0 270,8 0 0,-2 0-91,8 0-268,-9 0 179,3 0-360,-3 0-90,4 0 0,0 8 270,-4-2-89,0 8 179,-5-5 90,0 0 0,-5 1 0,0 3 0,-4 2 0</inkml:trace>
-  <inkml:trace contextRef="#ctx0" brushRef="#br0" timeOffset="352802">6708 9553 7533,'0'5'0,"0"-1"2069,0-4-1710,5 0 271,-4-4-450,7 3 0,-3-3 0,0-1-360,3 4 180,-3-3-630,8 4 360,-2 0 180,2 0-1259,-3 0 629,-1 0 361,0 0-1,0 0 360,1-4 0,3 3 0,2-3 0</inkml:trace>
-  <inkml:trace contextRef="#ctx0" brushRef="#br0" timeOffset="353022">7043 9395 7533,'-5'0'-360,"0"0"-270,5 0 1170,0 4-360,0-3-90,0 7 0,0-7 809,0 8-449,0-4-180,0 4 270,0-4-181,0 4 91,0 0-180,0 10-90,0-4-360,0 3 180,0-9 180,0 0 0,-4 0-900,3 0 360,-3 1 270,4-1 0,0 0-1259,0 0 720,4-3 629,-3 2 0,8-7 0,-4 3 0</inkml:trace>
-  <inkml:trace contextRef="#ctx0" brushRef="#br0" timeOffset="353922">6810 7897 7533,'-9'10'-540,"4"-1"720,-8 4 0,11 2 0,-10-1-180,7 0 449,-1-1 181,-2 10-90,3 10-450,0-3-334,1 9 334,4-14-515,0 7 515,-4-4-180,3 0 180,-3 8 0,4-10-180,0 9 90,0-19 0,0 5-1169,0-2 269,4-8 674,-3 2-134,7-13 516,-3-4 0,8-6 1,2-4-1</inkml:trace>
-  <inkml:trace contextRef="#ctx0" brushRef="#br0" timeOffset="354310">7099 8018 7533,'0'-5'539,"0"1"-1078,0 0 179,0 3 90,-4-3 900,-2 4 89,-7 4-359,3-3-180,-8 7 270,-1-3-180,-4 9-270,-9 0 90,-2 5-669,5-5 490,-2 0 89,4 3 0,-2-1 0,5 2-90,2-4 0,12-5-90,-8 5 180,8-4 90,1-1-180,5-1 758,4-7-488,0 8-180,4-4 0,1 0 449,4 3-269,0-7 90,1 4 180,3-1-270,2 1 90,-1 0-1,4-1-89,-4-4-90,1 0-90,2 0 180,2 0-630,4 4 181,1-3 179,-5 3-1170,-1-4 631,-8 0 269,7 0 90,-6 0 270,10 5 0,-9 0 0,5 4 0</inkml:trace>
-  <inkml:trace contextRef="#ctx0" brushRef="#br0" timeOffset="358884">7564 8772 7533,'-5'0'270,"1"0"719,4 0-539,0-4-270,0-2 0,4-3-1,1 4 1,4-7 0,9 1 180,2-16-180,3 11-90,-4-10 90,7 7-270,-9-4-3187,5 3 3072,-8 2-587,-9 13 792,3-3-90,-7 7 90,3-3-90,-4 4 0,0 0 3088,0-4-3177,0 3 914,0-3-735,0 12-90,0-2 180,-4 7-90,3-3-90,-3-1 270,0 0-180,3 1 90,-3 11-90,4-4 0,-4 6 180,3-6-180,-4-2 0,5 3 180,-4 5 90,-1 9-270,0-6 180,-3 5 90,7 0 89,-8 7-269,8-3 0,-3 5 90,4-17-90,0 1 0,0 11 90,0-5-90,0 12 0,0-9 0,0-5-90,0 3-90,-4-3 180,3 1-180,-3 2-90,4-11 270,-4 3-180,3 0-90,-3-8 180,4 7-90,0-8-90,-5 9 0,4-3 0,-3-2 180,4-4-89,0-9-181,0 3-180,0-7-1439,0 3 1169,0-16 361,4 5-1,-3-15 0,8 7-539,-4-20 846,0 8 1,3-13 0,-2 12 0</inkml:trace>
-  <inkml:trace contextRef="#ctx0" brushRef="#br0" timeOffset="359221">7788 8772 7533,'0'-5'-270,"0"-8"540,4 7 0,-3-7 269,7 3 91,1-3-3842,2 2 3572,2 2-1663,-4 5 1483,1 0-981,-1 3 981,4-3 270,2 8-450,4-3 2352,-5 7-2082,0 1 1902,-1 6-1993,-3 4 1872,0 3-1781,-6-2-3547,-4 3 3252,0-9-155,-4 8 360,-6-3-180,-4 14-270,-9-5 90,8-4 90,-7-2-359,3-8-1,-9 1 270,8-2 2942,-6-8-3032,15 0 1,-2-1-811,4-3 361,3 3 269,-2-4 360,7 0 0,-3 0 0</inkml:trace>
-  <inkml:trace contextRef="#ctx0" brushRef="#br0" timeOffset="359738">8289 8614 7533,'-5'0'-630,"1"0"1080,4 0 359,-4 0-449,3 0 90,-7 0 90,7 0-361,-8 0 181,8 4 0,-7 1-180,3 4 0,-4 1 0,3-1 0,-2 4 269,3 6-89,-8 5-90,3 8 0,1-7-180,5 1 90,-1-11 0,4 7 0,-3-7-180,0 8 89,3-5 181,-3 5-90,4 5 0,0 9-360,0-11-180,8 25 91,-2-36-181,8 19-450,-1-24 181,-3-5 449,4-1-360,-5-4 181,0 0 89,0 0-1349,1 0 1709,-1 0 0,4-4 0,2-1 0</inkml:trace>
-  <inkml:trace contextRef="#ctx0" brushRef="#br0" timeOffset="360527">8466 8688 7533,'-5'-5'0,"-3"1"0,7 4-90,-3-4 0,4 3 180,0-4 0,-4 1 449,3 3 271,-4-3-360,5 4 359,0-4-449,5 3-180,0-3-90,4 4 270,4 0-180,-2 0-91,2 0 91,-3 4 0,-1-3-90,4 3-90,6 0-270,-4-3 270,3 3-90,-9 1-89,1-4 89,-1 7 0,-4-7-180,3 3 180,-7 0 0,4 1 0,-5 5 0,0-1 0,0 0 90,0 1-90,-5 3 0,-4 1 90,3 1 0,-11-2 0,11 1 0,-11 0 90,2 1-180,1-2 90,0-4 180,5 5-90,0-4 0,-1 4 90,5-5 90,-3-4-270,7 3 90,-3-7 90,4 4-180,0-1 89,0-3 361,0 3-270,8 0 0,-2-3-90,8 3 0,-5-4-180,0 4 270,5-3 0,-4 4-360,12-5-90,-7 0 0,8 0-1079,-4 0-1928,-5 0 1723,0 0 571,-5 0 533,0 0 91,0 0-451,1 0 270,-1-5 181,-4 4 359,3-7 0,-6 3 0,6-4 0,-3-1 0</inkml:trace>
-  <inkml:trace contextRef="#ctx0" brushRef="#br0" timeOffset="361013">8764 8800 8342,'0'13'1349,"0"-7"-1259,0 7 90,0-8 90,0 4-90,0 5 0,0-4 0,0 3 0,0-3 180,-4 7-271,3-1 1,-3 2 90,4 4-360,0-11-89,-4 15 179,3-18 0,-3 8-450,4-15 90,0 7-359,0-7-541,0 4 631,4-18 539,-3 6 0,3-11 0,0 9 180,-3 0 0,7-1-270,-3-7 360,5 5-180,-1-9 360,5 6-90,-4-3-3457,3 3 3792,-7 6-342,2 1 6,-7 7 1,3-8 180,0 8 90,1-3-180,0 4 3006,4 0-2939,-8 0-101,7 0-57,-7 0-89,7 4 0,-7 1 0,8 1 0,-8 2 0,3-3 0,0 0 180,-3 4-90,7 0 270,-7 5-270,3 1-1,-4-2-89,0-3 0,0-1 90,5-4-360,-4 3 90,3 2-179,-4 0 179,4-1-90,-3-1 180,3-7-990,0 8-1169,5-8 1440,2 3 719,2-4 0,-3 0 0,-1 0 0</inkml:trace>
-  <inkml:trace contextRef="#ctx0" brushRef="#br0" timeOffset="362422">9081 8753 7533,'-5'0'539,"0"-4"-359,5 3 90,0-3 0,5 4 0,0 0-90,4 0-270,-4-4 180,3 3 0,-2-3-90,3 4-90,0 0-90,1 0 90,-1 0 0,-4 0 90,3 0-360,-2 4 270,-1-3 0,3 3-449,-7-4 179,3 4 180,0-3-630,-3 7 810,3-7 0,-4 8 0,0-4 0</inkml:trace>
-  <inkml:trace contextRef="#ctx0" brushRef="#br0" timeOffset="362649">9127 8874 9062,'10'0'719,"-1"-4"-809,0 3-359,1-3 89,3 4-540,-3 0 271,8 0-271,-4 0 900,-3 0 0,5-4 0,-5-2 0</inkml:trace>
-  <inkml:trace contextRef="#ctx0" brushRef="#br0" timeOffset="363021">9416 8800 7533,'5'4'-1260,"-1"-3"1260,-4 3 180,0 0 0,4-3 0,-3 3-90,4 0 180,-5-3-180,0 8 0,0-4 180,0 0-1,0 3-179,0-3 0,0 1 180,0 2 90,0 1 270,0 6-450,-5-1-180,4 0-90,-3-5 270,4 0-1,0 1-179,0-1 0,0-4 90,0 3 0,0-3-539,0 1 179,0 2 270,0-7-1529,0 3 1529,8-8 0,-6-5 0,7-6 0</inkml:trace>
-  <inkml:trace contextRef="#ctx0" brushRef="#br0" timeOffset="363235">9490 8642 7533,'-10'-6'1259,"2"2"-1619,8 4 720,0 0 90,-4 4-90,3 2-540,-4 3 90,5-4 180,5 3-810,-4-7 180,7 8-179,-3-4 719,0 0 0,3-1 0,-2-4 0</inkml:trace>
-  <inkml:trace contextRef="#ctx0" brushRef="#br0" timeOffset="363547">9732 8632 7533,'-5'-5'-1529,"4"-3"1529,-3 7 0,4-7 0,0 2 0,0-3 0,0 0 0</inkml:trace>
-  <inkml:trace contextRef="#ctx0" brushRef="#br0" timeOffset="363964">9722 8390 7083,'0'10'1079,"0"3"-899,0-3 0,0 8 270,0 1-90,0 0-180,0 8 269,0 1-89,0 9-3637,0-3 3432,0-2 115,0-5-180,0-7 270,0 19-181,-4 5-179,4 0-115,-4 5 295,4-20-270,-4 7 270,3-3-90,-4 4 0,1 8-1,-1 3-134,2-20 1,1 0 44,-2 19 179,4 3-179,0-20-90,0 1 90,0-8 3246,0 0-3246,0-3 0,4-2-180,-3-5 0,3-3 0,0 0 263,-3-2-263,3-7-720,-4 7 450,5-7 181,-4 4-1,3-5-540,-4 0-179,4-5-91,5-4 260,-3-5 1,6-5 0,-7 0 0</inkml:trace>
-  <inkml:trace contextRef="#ctx0" brushRef="#br0" timeOffset="366283">9880 8772 8072,'0'5'1170,"0"-1"-631,0-4-179,5 0-180,0 0 0,4 4 90,0-3 90,5 3-1,0 1-179,9 0 0,1 8 0,-4-3-270,1 4 90,-10-5 0,2 0 180,1 1-450,-4-1 180,7 9-90,-2 1-359,3 13 449,-3-7-630,-2 2 360,-3-13 91,-5 0 89,-1-5-540,0-4 270,-3 4 180,7-8 1,-6 3-541,6-4 270,-7 0 540,7 0 0,-7-4 0,3-1 0</inkml:trace>
-  <inkml:trace contextRef="#ctx0" brushRef="#br0" timeOffset="366574">10244 8688 7533,'-10'-4'0,"5"3"359,1-3 1,0 4-360,3 0 720,-8 0-270,4 0-181,-4 0 451,-4 8-180,-6 6-450,-1 6 90,2-1-3393,0-2 3303,4-2 90,-13 16-135,8-11 0,0 2 45,-7 18-90,5-15 0,3-1-1611,7 1 1611,-7 2-270,5 0 180,3-11 0,0 6-720,6-13 361,0 0 269,3-3-900,-3 2 3089,4-7-2369,0 3 90,4-4-269,1 0 2454,4 0-2365,5-4 450,4-1 0,2-5 0,3 1 0</inkml:trace>
-  <inkml:trace contextRef="#ctx0" brushRef="#br0" timeOffset="367059">10271 8949 7803,'0'5'1349,"0"3"-989,0-7-1,0 7 1,0-3-90,0 1-90,0 2 450,0 9-630,0-4 0,0 9 179,0-13-358,0 0 179,0 0 0,0 1 179,0-1-538,0 0 269,0-3 90,0 2-90,0-7-630,0 7 360,0-7-359,0 3 449,5-4 90,-4 0-540,3 0 361,0-4-451,1-5 180,0-6 451,4-3 89,-8 3 90,3 2 0,0 4 180,-3-5-180,7 4-90,-7-4 0,3 5 449,0 0-179,-3-1-90,4 5 990,-1-3-451,-3 7 541,7-7-721,-7 7-179,3-3 180,0 4-90,2 0-180,3 4-270,-4 1 360,3 0-91,-7 3-269,3-3 1,1 9 89,-4-4 0,3 4 89,0-5-89,-3 0 90,3 1 0,-4-1-180,4 8 180,-3-9-90,3 8-809,1-11 449,-4 1 90,3 2-359,0-7-271,-3 7 360,3-7-269,0 3 269,1-4 180,0 0-460,4 0 1,-4-4 0,4-1 0</inkml:trace>
-  <inkml:trace contextRef="#ctx0" brushRef="#br0" timeOffset="367556">10551 8688 7533,'0'-5'-1080,"0"-3"1530,0 2-270,0 1 90,0 1 0,0 4 179,0-4-89,0 3 0,4-3 0,-3 4-180,7 0 0,-7 0-1,8 0 181,-4 0 90,4 0-270,-4 4 180,3-3-90,-2 7-91,3-3 1,-4 1 90,3 2 90,-2 1-180,3 2 180,0 6 89,0-2-269,-3-1 0,-2-1 0,0-3 180,-3-1 270,7 9-361,-7 1-89,3 1 0,-4 2-90,0-12 90,0 8 90,0 0-270,0-2 180,0 5 0,0-10-360,0 6 90,0-2 90,0-1 90,0 8-90,-4-2 90,3-1-360,-7-1 90,7-5-90,-7-2-539,2 6 629,-3-7-720,4 4 361,-3-5 179,3 0-1259,-5 1 449,1-1-719,0 0 1080,-1-3 809,5 2 0,-7-7 0,1 3 0</inkml:trace>
-  <inkml:trace contextRef="#ctx0" brushRef="#br0" timeOffset="369395">11072 8958 7533,'-15'0'2158,"2"0"-1798,13 0-1619,0 0 180,4 0 1079,1 0 0,5 4 0,-1 1 0</inkml:trace>
-  <inkml:trace contextRef="#ctx0" brushRef="#br0" timeOffset="371753">11658 8409 7533,'-10'0'-1619,"5"0"2518,1 0 1530,4 0-2249,12 0 179,0-4-179,15-1 0,-12-5 0,3 1 0,-5 0-180,-2 4 180,10-8-90,-9 7-270,5-7 180,-7 3-180,-1 1 90,0 0-180,-4-1 180,0 5 90,-5 1-270,0 4 181,-5 8 178,4-1-89,-7 10 0,7-7 90,-7 4-180,3 8 90,-1-10 180,2 14 0,0-12-180,3 5 360,-3 16 0,4 4-135,0-11 0,0 0-276,0 0 1,0 0 140,0 19 0,0-5-90,4 2 180,-3 4-520,1-20 1,0 1 429,-2 18-90,0-2 0,0-8-257,0 5 167,0-8 254,0-7-524,-4-5-2803,3-11 2983,-3 7-20,4-9-340,0 0 270,0-3-180,0-2-864,4-17 504,1-6 270,0-6 540,0-2 0,-1 4 0,1 0 0</inkml:trace>
-  <inkml:trace contextRef="#ctx0" brushRef="#br0" timeOffset="372095">11853 8521 7533,'0'-34'-270,"0"3"899,0 16-359,0 6 0,0 0 0,0 8 540,0-3-451,4 0-89,1 3-90,1-3 180,2 4-180,-3 0 0,4 0 0,-3 4-180,2-3 179,1 7-89,2 2 90,2 0-180,-8 4 90,3-5-90,-7 17 90,4-13-180,-5 17 0,-5-11 180,4-4-180,-7 7 0,-1-8 180,3 1-360,-7-2 1,4 1-1,-1-4 180,-4 3-720,5-3 271,-5-1-541,4-4 91,-3 3 629,7-6-360,2 2 720,4-4 0,0 0 0,0 0 0</inkml:trace>
-  <inkml:trace contextRef="#ctx0" brushRef="#br0" timeOffset="378240">12216 8307 6453,'-4'-6'810,"3"2"-540,-3 4 89,0 0-269,3 0 630,-12 9-540,3 1 90,-4 13 0,-4-4-90,12 4-1,-7-4 91,8 8 180,-4 2-180,0 12 180,3 1-271,2 1 181,4-2-270,4-4 0,6-4 0,-4-9-90,6-6 0,-7-1-90,9-5-180,-4 9-179,4-10-271,-5 2 270,-4-8 180,3 3-359,-6-7-91,6 4 1,-7-5 89,7 0 360,-3-5-180,0 4 450,4-7 0,-8-1 0,3-6 0</inkml:trace>
-  <inkml:trace contextRef="#ctx0" brushRef="#br0" timeOffset="379992">12328 8418 7263,'0'-5'719,"-4"1"-539,3 4 1529,-3 0-1709,12 0 180,-2 0-180,12 4 180,-4-3-180,5 3 0,-1-4 90,-3 0-270,3 0 270,-8 0 0,3 0-180,-3 0 0,-1 0 0,0 0 90,1 0 0,-1 0 0,-4 0 0,3 0 0,-7 0 0,3 0 0,1 4 0,-4-3-90,3 4 180,-4-1-90,0-3 0,0 3 0,0 0 0,0-3 0,0 3 0,0 0 0,0 6 0,-9 0 0,7 3 0,-10-3 0,7-1 0,-4 0 0,-1 1 0,1-1 0,0 0 0,3 1 90,-14 15-90,11-11 180,-12 12-180,11-21 0,5 3 90,-3 1-90,3 6 0,-4-1 90,-1 0-180,5-9 90,1 3 90,4-7-180,-4 7 90,3-6 0,-3 2-90,4-4 90,0 4 0,0-3 0,0 3 0,0 0-180,0-3 180,0 3 0,4-4-90,-3 0 180,3 0-180,0 0 90,-3 0 0,3 0 90,0 0 0,2 4 90,7-3-180,-3 4 90,8-5 0,-4 0-90,-3 0 90,1 4-90,-7-3 180,5 3-180,-5-4 0,3 0 90,1 0-90,-2 0-270,5 0 180,-7 0-90,0 0-450,4 4 271,-4-3 179,0 3-360,3-4-90,-3 0-539,1 0 629,2 0 181,-7 0 359,7 0 0,-7 0 0,3 0 0</inkml:trace>
-  <inkml:trace contextRef="#ctx0" brushRef="#br0" timeOffset="380471">12635 8642 7533,'0'-6'-180,"4"2"180,-3 4 1259,3 0-1169,-4 4 180,5 2 90,-4 3-90,3 0-1,-4 5-89,0-4-90,0 3 0,0 1 90,0-4-90,-4 4-90,3-5-90,-4 0 270,5 0-90,-4 1-90,3-5 0,-3 3 90,4-3 0,0 1-450,0-2 90,0 0-629,0-3-271,0 3 900,4-12 91,-3 2-1,8-8-90,-8 5-90,7-1 90,-7 1 180,3 4 0,4-7 90,-6 5 0,7-6 270,-5 8-180,-3-3 0,7 2 540,-7 1-271,3-3-179,0 7-90,-3-3 450,4 4-180,-5 0-90,3 0-90,-2 0 899,7 0-989,-7 4 180,8-3-90,-8 7-180,3 1 0,0 2 0,-3 2 0,3-3-450,-4-1 270,4 0 90,-3 0-90,3-3-629,-4 2 359,5-7 270,-4 7-90,3-3-270,0 1 91,-3 2 449,7-7 0,-3 7 0,5-3 0</inkml:trace>
-  <inkml:trace contextRef="#ctx0" brushRef="#br0" timeOffset="380959">12960 8465 7533,'-5'0'-630,"1"0"2159,4 0-719,-4 0-271,3 0 91,-3-4-450,8 3-180,-3-3 90,7 4 90,-7 0 0,7 0-90,-3 0-90,5 0 449,-1 0-718,9 0 358,-11 0-358,9 0-1,-10 0-270,3 0 270,-4 0-899,8 0 359,-7 4 541,3-3-901,-5 3 1170,0-4 0,-3 4 0,3 1 0</inkml:trace>
-  <inkml:trace contextRef="#ctx0" brushRef="#br0" timeOffset="381200">13016 8642 7533,'-14'5'1889,"4"-1"-1350,6-4-809,4 0 270,8 0 180,-6 0 270,11 0 0,-4 0-270,2 0 180,2 0-900,-4 0 360,1 0-1529,3 4 1439,-7-3 90,7 3-719,-8-4 269,0 0 270,3 0 90,-7 0 270,8 0 0,-4 4 0,4 1 0</inkml:trace>
-  <inkml:trace contextRef="#ctx0" brushRef="#br0" timeOffset="381467">13342 8502 7533,'0'9'1079,"0"-4"-539,0 4-180,0-4-1,0 4 91,0 1 90,-4-1-90,-1 4-271,-1-2-89,2 2 90,0 5 0,3-7-360,-7 7 180,7-5 0,-3-3-989,-1 16 899,4-18-989,-3 13 179,8-16-1079,2 0 1529,3 0 450,-4-5 0,7-5 0,-1 0 0</inkml:trace>
-  <inkml:trace contextRef="#ctx0" brushRef="#br0" timeOffset="381689">13416 8316 7533,'-13'-8'0,"7"6"0,-3-7 1259,9 9-90,0 0-1079,0 4-90,0-2 180,0 6 90,0-3-180,5 0 90,-4 3 0,7-7 0,-7 8-720,7-8 450,-3 7 0,0-7-180,4 7-809,-8-7 539,7 8-179,-7-8-91,3 3 810,0-4 0,2 4 0,3 1 0</inkml:trace>
-  <inkml:trace contextRef="#ctx0" brushRef="#br0" timeOffset="382041">13491 8195 7533,'9'0'719,"-4"0"-359,8 0-180,-11 4 270,10-3-90,-7 7-181,1-2 361,6 3 0,-6 4-90,12 2-271,-12-1 91,6 0 0,-7-5 0,1 0 270,2 9-91,-3-3-269,0 8-90,4-8 90,-8 2 0,3-6 90,-4 23-270,0-16 0,0 17 90,0-16-360,-4 0 180,-2 3 90,-3-2-540,0 3 181,-1 4 179,1-11-900,4 6 451,-3-9 269,7-2 90,-8 6-1169,8-6 719,-7 2 181,7-4 539,-7 5 0,3-4 0,-5 3 0</inkml:trace>
-  <inkml:trace contextRef="#ctx0" brushRef="#br0" timeOffset="383116">13891 8511 8702,'-5'0'989,"1"-4"-809,4 3-1529,0-3 540,0 12 539,4-6 270,-3 7 0,7-5 0,-3 1 0</inkml:trace>
-  <inkml:trace contextRef="#ctx0" brushRef="#br0" timeOffset="383618">13966 8335 7533,'0'-20'90,"0"6"269,0 2 91,4 6-450,-3-3 450,7 0-180,-3 8 0,0-3-180,4 0 179,-4 3-89,4-3-90,0 4-180,1-4 180,-5 3 0,7-3-180,-10 4 270,11 0-90,-12 0-180,7 0 0,-3 0 90,0 4-90,0 1 180,-1 0-90,-3 3 0,3-3 90,-4 1-90,0 2 90,0-3 90,0 0-180,0 3 90,0-2 90,0 11-180,0-5 90,0 5 180,0 5-1,0-1 1,0 6-90,0 0-90,0-7 180,0 15-90,0-9-90,0 18 180,0-5-1476,0-5 1116,0 1 180,0-15 90,0 2-1033,0 1 673,-4-3-183,3 2 363,-3-3-90,4 8 1,0 6-361,0 5 90,0-1 180,-5-9 1210,4-9-1120,-3-6-360,4-8 181,0 4-1,0-8 323,0 7-773,0-7 80,0 3 280,0-12 0,4 2-360,-3-12 361,8 4 359,-8-9 0,7-1 0,-3-4 0</inkml:trace>
-  <inkml:trace contextRef="#ctx0" brushRef="#br0" timeOffset="383970">14161 8418 7533,'0'-19'-90,"0"-3"90,0 16 270,0-7-1,4 8-89,-3 0 180,7 1 90,-2 0 0,-1 3-181,3-3 181,-3 4 540,21 4-541,-13 1-89,17 8 0,-20 6-270,4-4 0,-9 3 90,-1-9 0,-4 1-180,4-1 180,-3 0-1,3 1-179,-4-1 180,0 4-180,0 6 0,-8 0 90,6 0-90,-11-1 0,4-4-539,-10 5 179,-4-1 0,-1-7 180,2 1-719,-5-7 539,6 0 90,-5 0-989,3-1 179,7-3-179,-1 3 719,7-4 540,5 0 0,1 0 0,4 0 0</inkml:trace>
-  <inkml:trace contextRef="#ctx0" brushRef="#br0" timeOffset="385684">14588 8195 7533,'-9'-5'-540,"4"1"1080,-3 4-360,3 4 89,-1-3-89,-2 7 90,3 1 90,-4 6-270,-1-1 90,5 4 90,-3-4-90,7 5-90,-3 0 269,4 3-89,0 6 90,0 14-180,0-11 0,0 8-90,0-3 90,0 3-90,0 0-270,0-4-720,8 5 89,-2-16 451,3 10 180,0-25 0,-8 1-630,11-1 181,-6-4 359,4-1-270,-2-4 452,1 0 88,2-8-820,2 2 1,-4-12 0,1 4 0</inkml:trace>
-  <inkml:trace contextRef="#ctx0" brushRef="#br0" timeOffset="385951">14654 8316 7533,'-6'-9'539,"2"3"-179,4-2 630,0 7-541,4 9 181,6 4-360,-4 11 90,6-9-180,-2 8 269,0-3-449,8 13 90,-8-3 0,7 3-90,-6-12 0,-2 2-629,4-8 269,-11 1 180,10-2-1349,-7 1 179,5-4 361,-1-1 989,0-1 0,0-11 0,1 2 0</inkml:trace>
-  <inkml:trace contextRef="#ctx0" brushRef="#br0" timeOffset="386207">14933 8260 7533,'-15'-4'-90,"6"3"1169,5-3-359,4 4-450,-4 4-270,-1 1 90,-5 4-1,1 1 1,0-1 0,-1 0 180,-3 5-360,-2-4 360,-3 12-180,-1-7-270,5 8 180,-1-1 0,0 0-90,1 2-270,-12 20 91,13-22-541,3 2 180,-4 4-359,5-8 539,4-7 90,1-5 360,4-6 0,4 2 0,1-4 0</inkml:trace>
-  <inkml:trace contextRef="#ctx0" brushRef="#br0" timeOffset="386674">14961 8502 7713,'5'0'449,"-1"0"91,-4 8 180,0 3 89,0 11-539,0-6-90,0 6 0,-4-12 0,3 7 0,-7-2-1,3 12-179,-5-7 0,5 7-359,1-8-1,4-5-360,0-4 361,0-6-631,0-4 270,4 0 451,-3-4-91,7-1-90,-2-9 180,-1 4 90,3-8-179,-7 4 179,7-1 180,-7-2 0,12-2 0,-11-1 0,10 2 539,-7-4-629,5 11 1080,-5-7 359,7 5-1169,-6 7 90,4-3 90,-2 9-91,-7 0 361,7 0-540,-7 0 180,8 0-90,-8 4 0,3-3-90,-4 8-90,4-8 180,-3 11-180,3-6 0,0 8-180,-3-1 90,3-2-180,-4 6 0,5-6-809,-4 2 539,7-4 540,-3 1 0,4-1 0,1 0 0</inkml:trace>
-  <inkml:trace contextRef="#ctx0" brushRef="#br0" timeOffset="387043">15408 8149 7533,'-10'-10'270,"5"1"-270,1 4-180,4 1-90,-4 4 180,3 0 630,-7 0-1,2 0-449,1 0 810,1 4-91,0 5-449,3 6 0,-3-1-180,4 4 0,0-4 449,0 13-179,0 6-3662,-4-3 3392,3 5 0,-4-15 134,1 11 1,0 2-495,2 0 225,-4 8 0,0 0-744,5-14 519,-8 21 90,4-15-510,0 9 150,-3 5 90,7-1-359,-8-3 89,8-2 360,-3-16-629,4-3 3152,0-13-2703,0 0-179,0 1-1,0-5 1368,0-1-1188,0-4 450,4 0 0,-3-4 0,4-1 0</inkml:trace>
-  <inkml:trace contextRef="#ctx0" brushRef="#br0" timeOffset="387696">15473 8297 7533,'-5'0'-1619,"1"0"1619,4 0 0,0 4 0,0-2 0,0 2 0,4 0 0,1 1 0,4 0 1709,0-1-630,1 0-539,-1-3 269,5 8-359,0-8-450,0 7 180,0-7 0,-1 7 90,-2-7-270,2 3 180,1 1-1,-4-4 91,7 7 180,-2-3-450,-5 4 180,-1-3-90,-9 2 0,0-3-180,0 0 270,0 3-1709,-9 2 449,-1 4 810,-5 1 1,-2-2 179,2 1 180,-7 0-270,2 9 180,1-8 90,6 3-90,4-9 0,4 0 0,-4 5 0,4-8 90,0 6 89,1-2-268,4-4 268,0 6 1,0-6-180,0-1 270,0 3-90,0-7-90,4 3 0,1-4 270,0 4-180,4-3 89,-4 3-89,4-4 0,4 0 90,2 0-360,3 0 180,-3 0-720,7-4 91,-3 3-990,9-7 899,-8 7 90,-3-3-899,-4 4 1439,-2-4 0,2 3 0,-4-3 0</inkml:trace>
-  <inkml:trace contextRef="#ctx0" brushRef="#br0" timeOffset="388205">15882 8483 7533,'-10'0'1979,"5"0"-2699,1 0 180,4 0 180,0 5-89,0 0 449,-4 4-180,3 0 1439,-7 5-989,2 0 899,1 9-629,-3-3-180,3 6-180,-5-2-90,5 0 269,1-5 1,0-2-630,3-6 180,-3 6-449,4-7 359,0 0-540,0-2 271,0-7 269,0 3-360,4-4 0,1 0-629,9-16 899,-4 7-90,3-12-179,-3 7 629,-5 4-90,3-4-270,-7 5 270,3 0 180,0 0-180,-3-1 719,8 1-359,-8 0 180,7 3-181,-7-2 451,7 7-90,-7-3-361,4 4 1,-1 0 180,-3 0-360,3 0 0,0 4 89,-3 1 91,7 9-270,-7-4-90,3 8 90,-4-12 0,5 6-270,-4-7 90,7 9-899,-7-4 539,3 4 90,4-5-899,-6 0 629,11 1 91,-8-5-451,0 3 990,8-3 0,-11 0 0,10-1 0,-7 1 0,5 0 0</inkml:trace>
-  <inkml:trace contextRef="#ctx0" brushRef="#br0" timeOffset="388631">16114 8428 7533,'-9'0'359,"4"-5"451,1 0-630,4 0-90,0 1 270,0 4-1,4-4-179,1 3 0,4-3 0,1 4 90,-1 0-90,0 0 90,9 0 0,-7 0-91,15 4-179,-15-3 0,3 3-719,-2 0 359,-10-3-989,11 3 629,-8 0-719,0-3 809,3 8 271,-7-8 359,4 7 0,-5-7 0,0 3 0</inkml:trace>
-  <inkml:trace contextRef="#ctx0" brushRef="#br0" timeOffset="388812">16170 8521 7533,'-5'10'1079,"1"-2"-809,4-4 0,0-3 269,0 4-179,4-1-180,-3-3-270,7 3 270,6-4-540,1 0 180,4 0-629,-6 0 269,1-4 360,-4 3-449,4-3 179,-5 4 450,0-5 0,1 4 0,-1-3 0</inkml:trace>
-  <inkml:trace contextRef="#ctx0" brushRef="#br0" timeOffset="389117">16505 8474 7533,'-5'0'270,"-3"0"-91,7 0 541,-7 0-270,7 0-90,-4 0 89,1 0-89,3 8 270,-7 11-360,7-2-270,-3 8 90,4-14 89,0 2-179,0 5 180,0-7 0,0 7-1259,0-9-180,0 0 719,0 1 180,0-5 90,0-1-719,4-4-1,1 0 990,4-8 0,1 1 0,-1-6 0</inkml:trace>
-  <inkml:trace contextRef="#ctx0" brushRef="#br0" timeOffset="389306">16477 8279 7533,'0'-15'1979,"0"6"-2069,5 5 270,-4 4-91,7 8-89,-3-2 90,0 8-90,3-9-90,-7 3 180,8-3-90,12 13 0,-7-11 0,12 6 0</inkml:trace>
-  <inkml:trace contextRef="#ctx0" brushRef="#br0" timeOffset="389715">16654 8046 7353,'5'5'809,"8"4"181,-7-4-91,8 4-539,-5 0 90,0 1 89,0-1-359,1 0 180,-1 1 90,0 7 270,17 11-541,-12-2 1,12 1 0,-17-10 0,0-2-90,0-1 90,-3 4 90,2 5-360,-3-3 270,0 11-180,-1-3 90,-8 14 0,-1-3-706,-4 2 526,-5-9 90,4 0-90,-8 10 180,4-7-90,-1 5-630,-2 0 451,7-9-541,-4 10 270,5-13 180,-1-1-1079,1 10 90,-4-3-270,2 7 449,-2-12 1080,8-6 0,-4-10 0,4-3 0</inkml:trace>
-  <inkml:trace contextRef="#ctx0" brushRef="#br0" timeOffset="391476">11313 9135 7533,'-14'-5'-360,"4"4"360,6-7 450,4 7-360,0-7-180,0 7 270,0-3-180,4 4 89,-2 0 181,6 0 180,1 0-180,1 0 0,4 0-90,-1 0-90,-2 0 179,6 0 1,-2 0-180,3 0 180,1 0-90,0 0 0,-1 0 90,13 0-90,-5 0-385,10 0 385,-4 0-270,-3 0 270,12-4-90,-7 2-45,-6-2 0,2 0 135,11 3-135,-15-3 0,2 0 0,7 1 0,0 1-1090,15-8 1045,-12 8 0,-1-1 90,10-5 0,4 3-90,-4 0 90,0-4-90,-2 4 90,-6 0-90,6-3 90,2 3 0,4-1-1505,-23 2 1,0 0 1504,24-1 0,-1 0-751,-9 1 841,7 0-180,-5 3 45,-17-2 0,0 1-280,25 2 325,-17 0 0,2 0-135,1 0 0,1 0-506,-3 0 1,0 0 595,0 0 0,-1 0-45,4 0 0,-1 0 45,-7 0 0,0 0 0,8 0 0,-1 0-208,-10 2 0,-2 1 163,22-2-924,3 3 924,-24-4 0,1 0-45,-2 2 0,0 0 495,4-2 0,0 1-360,22 3 0,-24-4 0,-1 0-90,16 0 0,-16 0 0,0 0 0,21 0 135,-21 0 0,2 0-90,11 0 0,0 0 0,-9 0 0,0 0-45,7 0 0,0 0 177,1 0 0,-3 0-177,-7 0 0,-1 0 45,13 0 0,-1 0-45,-11 0 0,-1 0 45,2 0 0,0 0-90,-2 0 0,0 0-45,23 0 135,-23 0 0,-1 0-225,25 0 225,-24 0 0,0 0-45,2 0 0,0 0 0,-4-2 0,1 0 0,2 1 0,1 1 0,17-4 90,4 3 0,3 2-90,-20-1 0,0 0 36,17 0 0,0 0 8,-9-2 1,-4 0-45,11 1 45,-13-1 0,2-1-45,-4 1 0,0 0 45,6 2 0,2-1 406,5-1 0,0 0-406,-11 2 0,-1 0-135,-5 0 0,-2 0 180,13 0-90,-3 0 0,4 0 384,-1 0-474,-14 0 0,1 0 0,17 4 2215,5-3-2125,-18 3 0,-4 1-90,8-4 451,2 7-451,-3-7 90,-4 3 0,-9-4 180,-2 0-180,3 0 0,-5 0 1441,1 0-1261,-5 0 57,4 0-327,-3 0 645,-1 0-555,-1 0 354,-7 0-534,2 0 0,-7-4 180,7 3-360,-7-3-180,8 4 361,-8 0-91,3 0 180,-4-4 0,0 3 180,0-4-180,4 5 180,-3 0 0,3 0-450,-4-4 90,0 3 90,0-3 0,0 0 90,0 3-3187,0-3 977,0 12 2300,0-2 0,-4 8 0,-1-5 0</inkml:trace>
-  <inkml:trace contextRef="#ctx0" brushRef="#br0" timeOffset="393439">12691 9423 7533,'-9'5'-450,"4"-1"990,0-4 539,5 0-629,13 0-270,-6 0-90,10-4 269,1-1-359,-7-4 180,6-1-90,-3 1-180,-4 4 450,12-8-360,-7 3 0,4-4 0,-10 4 0,4 2-90,-11 7 90,6-7 0,-8 7 0,0-3 180,0 12-90,0 2-90,0 5 180,0 2-3457,0-2 3252,0-1-94,0 4 209,0-4-90,0 5 90,4-1 0,-3 13 0,8-9 0,-8 9 0,3-9 0,-4-2-90,0 7 0,4-8 208,-3 21-118,3-13-270,-4 9 270,0-1-180,0-1-179,0 0 359,0-3-630,4-8 270,-3-8 90,3 7-180,-4-12 91,0 0-631,0 2 540,4-10 90,-3 6-89,4-8-91,-5 0-180,4 0 3842,-3-4-3751,7-1 539,-7-8 0,7-2 0,-2-3 0</inkml:trace>
-  <inkml:trace contextRef="#ctx0" brushRef="#br0" timeOffset="393772">12960 9423 7533,'0'-28'-360,"0"8"630,0 3-90,0 7-180,0 1 449,-4 4 1,3-3-360,-3 7 180,8-3 0,1 4-180,0 0 0,8 4 180,-7-3 89,12 11-89,-4-6-180,1 8 180,6-5 0,-5 5-90,2 0 0,-4 0-90,-9 0 89,3-1-179,-7 2-90,3 8 180,-4-8 0,0 3-359,-8-1 269,2-6-180,-8 11 0,5-12 270,-4 3-3367,2-3 2892,-6-1 205,-6 9-360,-6-3-1529,-12 4 810,15-6-1549,0-8 2808,21-1 0,1-4 0,4 0 0</inkml:trace>
-  <inkml:trace contextRef="#ctx0" brushRef="#br0" timeOffset="394539">13509 9218 7533,'-5'0'449,"1"0"-89,0 0-180,-1 0 0,0 0 360,-8 4-360,7 2 0,-3 3 179,-4 8-89,7-5-90,-7 10 270,3 4-270,1-4 0,4 9 269,-3 4-269,7-12 0,-8 16 0,8-7 0,-3-6-270,4 9 90,0-16 0,0 4 180,0 0-180,4-4 0,6 12-180,0-6-90,7 7 0,-6-12-179,2-3-631,1-3 630,-4-4 91,4 0-1710,3-6 1619,-6-4 450,7 0 0,-5 0 0,2 0 0</inkml:trace>
-  <inkml:trace contextRef="#ctx0" brushRef="#br0" timeOffset="395223">13612 9414 7533,'-10'-6'0,"5"-2"-90,1 7 90,4-3 90,0 0 180,0 3 269,0-3-359,4 4 180,6-4-90,4 3-90,1-4-90,2 5 269,-2 5-179,3-4 0,-3 7 90,2-7-360,-6 7 90,2-7 90,-4 7-180,5-2 90,-8-1-90,7-1-180,-12 0 180,3 1-90,0 0-89,-3 4-3008,3-4 2802,-8 4 115,-18 17 180,9-13 90,-17 17 0,19-20 90,-6 4 0,-2-1-90,0 1 360,0 1-180,5-2 270,5-3-180,0-1 3096,4 0-2980,1-4-296,8 4 270,5-8-181,5 3 1,1-4 0,11 0 90,-6 0-450,17 0 180,-17 0-539,6 0 89,-7 0 360,-4 0-539,3 0-91,-5 0 540,-2 0-179,2-4 449,-4 3 0,1-8 0,-1 4 0</inkml:trace>
-  <inkml:trace contextRef="#ctx0" brushRef="#br0" timeOffset="395649">13975 9543 8072,'-5'25'720,"1"-3"-180,-1-5-270,4-1-270,-7 19-180,7-17-3097,-3 3 1852,4-17 1835,0-4-1040,4-4-89,5-9 359,-2 1-90,9-9 360,-14 10 0,11-2-89,-8 4 448,0-1-179,3 1-90,-3 4 3276,5-3-1900,-1 7-1286,-4-8 719,3 8-449,-6-3 0,6 4 0,-3 0-91,0 0-89,3 0 90,-2 0-180,-1 0 180,3 0-90,-3 0 0,0 4 0,4-3-1,-4 12-179,0-7 90,-1 7-269,-4-3 89,0-1 0,0 0 180,0 1-810,4-1 360,-3 0 90,8 0-719,-8 1 359,7-5 270,-3 3-359,0-7 269,3 8 0,-2-8 450,3 3 0,0 0 0,0 1 0</inkml:trace>
-  <inkml:trace contextRef="#ctx0" brushRef="#br0" timeOffset="396612">14328 9386 7533,'-5'0'-450,"0"0"2339,5 0-1799,9 0 90,-3 0-90,7 0-90,-3 0 0,-1 0 180,0 0-90,5 0-90,0 0 89,1 0 1,-2 0-539,-4 0 179,1 0 180,-5 0-720,3 0 451,-3 4 89,1-3 90,-2 7-540,-4-3 270,0 5 450,0-5 0,0 3 0,0-3 0</inkml:trace>
-  <inkml:trace contextRef="#ctx0" brushRef="#br0" timeOffset="396790">14365 9497 7533,'-5'5'629,"1"0"-449,4-5 180,0 0 0,0 4-270,0-3 90,4 3-180,5-4 90,6 0-450,7 0 90,-6 0 270,6 0-90,-8 0-899,1 0 359,2 0 630,-2 0 0,-1-4 0,0-1 0</inkml:trace>
-  <inkml:trace contextRef="#ctx0" brushRef="#br0" timeOffset="397088">14765 9460 7533,'-5'0'-900,"-3"0"540,7 0 270,-7 4 810,7-3-270,-8 3-270,8 1 90,-7 0-1,7 0-179,-7 3 180,7-7 0,-4 7-180,5-2 0,-4 3 180,3 0-90,-3 0-90,4 0 0,0 1 0,0-1-1,0 0 91,0 0-360,0 1 180,0-5-89,0 3-181,0-3 270,0 1-180,0 2 270,4-7-720,-3 3 90,8-4 360,-4 0-629,0-4 809,7-5 0,-5-6 0,6-4 0</inkml:trace>
-  <inkml:trace contextRef="#ctx0" brushRef="#br0" timeOffset="397281">14756 9265 7533,'0'-5'719,"-4"0"-269,3 5 0,-3 0-360,8 5 0,-3-4 0,3 3 0,0 0 0,-3-3-180,7 7 0,-2-7 180,-1 3-630,3 1 180,-3-4 270,5 7-90,-1-3 180,0 0 0,0 3 0,1-2 0</inkml:trace>
-  <inkml:trace contextRef="#ctx0" brushRef="#br0" timeOffset="398058">15091 9144 7443,'-5'0'449,"1"0"-89,0 0-270,3 0 0,-8 4-90,8 1 0,-3 4 90,4 1 270,0 3-270,0 2 270,0 7-180,0-2-180,0 3 179,0 0 91,0-4 180,0 16-90,0-1 0,0 13-450,-4-1 180,3 1-896,-3-5 896,0-5-180,3-9 1,-3-5 178,4-5-89,0 1-89,0 4 89,0-8 0,-5 7-90,4-4 0,-3-2 90,4 1-360,0-11 895,0 2-805,0-7 270,0 7-719,0-7-1440,0 3 2159,4-8 0,2-5 0,3-6 0</inkml:trace>
-  <inkml:trace contextRef="#ctx0" brushRef="#br0" timeOffset="398439">15315 9348 7533,'-15'-4'1079,"2"-1"-539,7 0-180,2 1-360,4 4 539,0 0-179,4 4-180,2 1 0,3 4 180,0 1-1,5-1-179,-4 0 0,3 5 90,5 0-90,-7 5 0,7-5-360,-9 0 180,1-5 0,-1 5 0,0-4-270,1 3 180,-1-3 0,0-1-270,1 8 270,-1-5-809,-4 5 449,3-8 180,-3-4 91,1 4-811,2-8-89,1 7 719,2-7-360,-2 3 271,-1-4 449,-3-4 0,5-1 0,-1-5 0</inkml:trace>
-  <inkml:trace contextRef="#ctx0" brushRef="#br0" timeOffset="398682">15631 9283 7533,'-9'-9'180,"-1"4"-180,5-3 0,-3 7 269,3-4 91,-9 5-360,4 0-180,-3 5 180,3 0 0,1 8 0,0-2 270,-1 6 90,-7 2-270,5 0 180,-5 4 90,-1 4-91,-6 2-179,0 0-458,-3 2 278,8-12 180,5 4 0,-4-5-180,-1 5 180,0-3-90,0-2-630,6-4 271,8-5 179,0 0-990,5 1 1170,5-1 0,0-4 0,4-1 0</inkml:trace>
-  <inkml:trace contextRef="#ctx0" brushRef="#br0" timeOffset="399184">15714 9525 10681,'9'0'-3277,"-3"4"2956,-2 5 771,-13 6-180,7-1-270,-10-1 0,7-3 899,0 3-449,-3-2-270,7 2-90,-3-4 359,0 5-269,3-4 90,-3 3 0,4 5 180,-5-2-810,4 2 270,-3-4 90,4-5-720,0 0 361,0-4 179,0 4 90,0-8-630,4 3 270,-3-4 181,4 0-1,-1 0-180,1-4 90,0-2 0,3-3 91,-3 0 89,0-5 180,3 4 0,-7-7 0,7-2-90,-2-5 90,3 5 0,0-3 449,1 11-269,-1-2-90,-4 4 0,3-1 720,-2 5-91,3-7-89,0 10-90,0-11-270,1 12-1,-5-3-89,3 4-90,-3 0 180,1 0-90,2 4-90,-7 2 90,7 7 90,-7 1-180,3 1-90,-4-2 90,0-3 89,0-1-179,4 0-90,-3 1-269,4 3 179,-1-3-990,1 4 271,4-5 719,1-4-1259,-1-1 1439,-4-4 0,3 0 0,-3 0 0</inkml:trace>
-  <inkml:trace contextRef="#ctx0" brushRef="#br0" timeOffset="400804">16096 9153 7533,'-5'0'-180,"-4"-4"90,8 3 540,-3-7-91,4 7 271,0-3 0,8 8-181,7 5-3571,4 1 3302,0 4 510,19 20-331,-14-6-269,-5-8 0,-2 1 90,1 6 90,0 0 0,-7-6-90,7 5-846,-13-7 846,3 0 0,-3-1-180,0 5 2651,-1-3-2561,-4 6 39,0 6 50,-8 11-269,-2 8-1809,-5-8 1899,-2-2-90,6-13 684,-6 4-684,-6 5-90,2-7-4,-6 5-86,13-15-1259,-4 2 630,8-7 449,-3 2 90,3-6-719,1 2 797,0-4 1,-5 1 0,0-1 0</inkml:trace>
-  <inkml:trace contextRef="#ctx0" brushRef="#br0" timeOffset="413983">3080 10706 7533,'-10'-4'-450,"5"3"2159,1-3-720,4 4 1260,0 0-1799,4 4 0,5 1-270,-2 4-1,5 1 1,-7-1 0,0 0 0,4 1-90,-4-1 360,21 17-270,-13-13-270,17 13 0,-19-17 180,6 1-180,-2-1 90,11 4 90,-1-7-180,3 7-90,-5-8 270,-4 0-180,7 3 90,-5-2 90,6-1-180,-12 3 0,-2-7 90,-4 3 0,1-4-90,-5 4 90,3-3 0,-7 4 0,3-5-90,0 0 90,-3 0 360,4 0-360,-14 0 0,3 0-90,-3 0 180,0 0-90,8 0-90,-7 0 180,3 0-270,-8 0 90,2 4 90,-2-3-90,-1 7 90,4-3 0,-8 4-90,0 5 90,2-4-90,-5 4 180,-2 3-90,6-5-180,-9 5 90,4 1-359,-3-3-91,-7 8 540,12-9-810,-2 0 361,12-5 89,-8 0-630,8-3 361,-3 2 179,3-3 450,1 0 0,-4 4 0,-2-4 0</inkml:trace>
-  <inkml:trace contextRef="#ctx0" brushRef="#br0" timeOffset="415143">2996 11590 7533,'-11'4'-630,"-1"-3"0,7 3 990,-4 0 540,-1-3-181,1 7-449,4-7 0,1 4-90,0-5-90,2 0 1619,-2 0-1349,13 0-1,1 0 91,17-5 0,2-4-270,0-1-180,2-4 270,-12 5-90,4 0-1,-4-1 181,9-6 0,4-2-90,13-5-1909,-12 4 1,-2 1 1433,5 1-1263,-18 3 1558,1 4-1212,0-3 1212,-5 3 90,4 1-180,-8 0 90,3 4 1974,-3-4-2064,-1 4 90,-4 0 1885,3 1-2155,-7 4-1259,4 0 1079,-1 0 2123,-3 0-4012,3 0 1080,0 0 449,-3 4 270,3-3 450,-4 7 0,0-3 0,0 5 0</inkml:trace>
-  <inkml:trace contextRef="#ctx0" brushRef="#br0" timeOffset="424582">2372 9962 7533,'-5'0'0,"1"-4"359,4 3 1081,0-3-991,0-1 1620,29 0-1439,-5-4-450,3 6 0,4 1 90,16-7-1740,-8 4 1650,1 0 0,-21 1-180,4 4 180,4-4-630,-6 3 180,1-3 91,0 0-541,-10 3 360,5-4-449,-3 5 359,-8 0 180,2 0 1649,-4 0-2008,-3 0-1440,3 0 1259,-4 5 91,-4 0 719,-5 0 0,-6 3 0,-3-3 0</inkml:trace>
-  <inkml:trace contextRef="#ctx0" brushRef="#br0" timeOffset="424908">2726 9925 7533,'-10'10'-810,"1"2"1260,9-6-180,-4-1 359,-1 7-179,0-6 450,-4 12-720,8-8 269,-7 4 1,7-1-270,-3 2-180,4-1 90,0 12 360,0-5-360,0 15-1,0-3 181,0-4-450,0-2 180,0-9-90,0 1 180,0 4-180,0 0-89,0 1 269,0-5-180,0-6 90,-4-4 90,3 1-180,-12-1-90,11 0 180,-10 1-270,-2-5 0,-1 3 0,-16-7 90,14 3 90,-8-4-269,2-4 179,-2-5-360,-7-6 270,12 1 0,3 0-269,7 1 359,5 3-630,1 0 810,8-2 0,1 6 0,5-8 0</inkml:trace>
-  <inkml:trace contextRef="#ctx0" brushRef="#br0" timeOffset="425533">2772 10325 7533,'0'9'180,"0"-4"179,0-1-269,5-4 270,-4 0 90,7 0-270,-3 0 0,4 0-90,1 0 269,3 0-89,6-8-180,-4 6 90,7-11-180,-8 4 0,1-1-90,-2-4 180,1 1-90,-8 3-180,6-4-90,-11 5 1,4 0 89,-5-1 0,0 5 180,-5 1-360,0 0-90,-8 3 270,2-3 90,-6 4 90,-2 0-90,4 0 0,-3 0 180,5 4 90,-2 5-3457,5 1 3342,-3 4-441,12-5 556,-3 0-180,0 1 270,3-1-268,-3 0 177,4 1 1,4 7-90,1-5 0,9 9-450,0-14 91,9 1 179,-3-8 2353,2 0-2983,1 0 540,-3 0-719,-2 0 539,0-4 360,-8-2 0,4-3 0,-5 0 0</inkml:trace>
-  <inkml:trace contextRef="#ctx0" brushRef="#br0" timeOffset="425748">3042 10185 7533,'0'-5'-180,"-4"1"180,3 4 0,-3 0 450,0 0-271,3 4 91,-3 1 90,4 8 90,0 2 0,0 8-271,0-8 1,0 3 180,0-1-450,0-5 180,0 5 0,0-7-809,0-1 629,0-4 0,0 3-270,0-7-1079,0 3 809,4-4 360,1-4 270,4-9 0,1-3 0,-1-6 0</inkml:trace>
-  <inkml:trace contextRef="#ctx0" brushRef="#br0" timeOffset="425939">3108 10194 7533,'5'-5'-360,"3"1"1349,-7 4-449,3 4 270,-4 1-361,0 5-269,0 3-90,0-3 90,0 0 0,0-2-360,0-3 90,0 4 270,0 1-270,4-1 90,-3-4 0,3 4 0,-4-8-809,5 7 359,-4-7 180,7 7-1079,-3-7 989,0 3-360,4-4 271,-8 0 449,7 0 0,-7 0 0,7 0 0,-3 0 0,5 0 0</inkml:trace>
-  <inkml:trace contextRef="#ctx0" brushRef="#br0" timeOffset="426368">3359 10148 7533,'0'-9'90,"0"3"-90,0-2 809,0 7-269,0-3-180,-4 0 359,-1 3-269,-5-3-360,1 4 180,0 0-90,-1 0 0,5 0-270,-3 0 180,3 0 0,-5 0 89,1 4-358,0-3 179,4 7 0,-4-3-90,4 9 0,0-4 90,1 3-180,4-3 180,0-1-450,0 0 270,0 1-90,0-1 270,4-4-360,1 3 181,4-7-1,1 4 90,-1-1-180,0-3-90,9 3 270,-7 0 270,7-3-450,-5 3 450,-6 0-90,5-3-180,-11 3 270,7 1-270,-7-4 90,4 7 180,-5-3 270,0 13-270,-5-11-1,4 9 1,-11-10-90,2 3-270,-5 0 270,6-4-90,1 4-90,2-8-89,-3 3 268,4-4-898,-3 0 359,2 0 180,1 0 180,1 0-2158,4 0 2248,8 0 0,-1 0 0,6 0 0,-4 0 0,5-4 0,0-2 0</inkml:trace>
-  <inkml:trace contextRef="#ctx0" brushRef="#br0" timeOffset="427046">3350 10352 7533,'28'-7'584,"-1"0"1,20-11 225,-34 0-631,-2 2 91,2-5 90,-3 2-180,-1-1 0,-4-2 0,-1 11 0,-4-5-180,0 10 90,0-4-360,0 6 270,0 0 0,-4 3-270,-1-3 90,-4 4 90,3 0 0,-2 4-90,3 1 180,0 4 0,1 1 0,4 3 0,-5 2 90,4-1-90,-3 0 0,4-1 180,0-3 0,0 8-180,0-8 0,0 4 90,4-1-360,2-3 180,3 4 0,0-9 90,-4-1-180,4 0 0,0-3-359,1 3 269,4-4 90,-5 0-450,0 0-359,5-8 359,-4 2-89,4-12 719,-5 0 0,0 2 0,-4-1 0,4-1 0,-8 7 0,3-11 0,0 12 0,-3-4 359,3 5-269,-4 4-3367,0-3 4602,0 7-696,0-8-179,0 8 539,0-3 271,4 4-1080,-3 0-1,3 4 1,-4 1 0,5 5 2942,-4-1-3122,3-4 0,-4 3-359,0-2 89,4 3-360,-3 0 180,3-4 360,0 4-359,-3-8-1,3 3 270,-4-4-180,5 0 90,-4 0 1,3-4-1,0 3 90,-3-8 0,7 4 0,-7-4 0,7 0 180,-2-1 0,-1 1 90,3 4 360,-7-3-90,7 7 89,-3-4 271,0 5-180,3 0 809,-7 0-899,3 5-91,0 0 1,-2 4-90,2-4-90,-4 3 0,0-2 180,4 11-270,-3-5-90,7 9-1530,-3-6 1351,0-1-1710,4 0 1069,0-1 1,1-7 0,4 3 0</inkml:trace>
-  <inkml:trace contextRef="#ctx0" brushRef="#br0" timeOffset="430275">4280 11032 7533,'-6'0'1259,"2"0"-270,21 0-449,-5 0-90,15 0 449,0 0-179,10-5-360,-2 4-180,10-7 44,-16 2 1,0-1-45,10-5-180,-6 1 0,-1 1 180,11-1-450,-12 2 180,7 1 90,-27 7-1079,7-3 449,-9 4 271,-3 4-991,2-3 631,-7 3 179,3 0-449,-4 1 89,0 9 540,0-4 360,-4-1 0,-5 4 0,-6-3 0</inkml:trace>
-  <inkml:trace contextRef="#ctx0" brushRef="#br0" timeOffset="430846">4317 11032 7533,'-9'0'0,"3"0"989,-2 0 1,7 0 359,-3 0-630,8 4-89,1 1-450,5 0 360,7 12-630,-1-10 180,2 10-90,0-7 180,-4-1-91,9 4-178,5 2-1,-3-1 0,10 4-360,-18-8 270,4 4 0,-11-5 90,3 0-270,-7 1 180,7 3-89,-12-3 89,7 4 90,-7-5-90,3 9 90,-8-3 0,-1 4 0,-9-2-90,4-2-180,-16 8 270,5-8-179,-6 7 179,4-12 0,0 4-90,3-5 270,-2 4-360,-5 2 450,6-1-90,-6 0 0,9-5 0,-1 0 0,4 1-90,2-5 179,8 3-89,-3-7 0,7 7 360,-4-7-90,5 8 269,0-8-89,5 7-270,0-7 0,4 3 90,9-4 89,-3 0-89,12 0 270,18-4-270,-4 3-315,0-3 0,2 0-225,-14 3 0,-1 1-1459,2-3 1,0 1 1343,5 2-155,-8 0-179,-3 0-91,13-4 450,-17 3 0,2-3 0,-17 4-809,4 4 90,-4-3 4021,0 3-3932,-1 1 361,-4 0 89,0 0 450,-4 3 0,-1-7 0,-5 3 0</inkml:trace>
-  <inkml:trace contextRef="#ctx0" brushRef="#br0" timeOffset="431623">4131 11850 8162,'0'5'810,"4"4"-630,-3-4 90,3 4 89,-4 4-269,0-2 0,0 6 90,0-6-90,0 6 180,-4 2-180,-1 5-90,0-1 0,0 0 180,5-8-450,-4-2 270,3 1-90,-3-8 180,4 6-450,0-7 0,0 0-179,0 0-541,0-5 810,4-5 91,-3 0-1,8-8-180,-8 3-180,7-16 450,-7 13-90,3-13 0,-4 12-89,4 0 269,-3-4 90,7 8-90,-6-8 0,6 8 629,-3-4-449,0 5 0,3-4-90,-2 2 540,-1 2-271,3 1-89,-3 2 0,0 1 0,4-3-90,-4 7 90,0-3-90,3 4 89,-7 0-179,8 0 630,4 8-540,-6-2-90,10 8 90,-16-5 90,3 0-91,-4 1-179,0 3 270,4 2-90,-3-1-180,3-1 90,-4-3 90,0-1-360,0 0 180,0 1-90,0-1 180,4 0-720,-3 1 361,4-1 89,-5 0-990,4-4 271,-3 4 539,7-4-719,-7 0 449,7-1 180,-2-4 450,-1 0 0,3 4 0,-3 1 0</inkml:trace>
-  <inkml:trace contextRef="#ctx0" brushRef="#br0" timeOffset="432244">4484 11841 7533,'-5'0'629,"1"0"1890,4 0-2159,8 0-180,-1 0-1,6 0 91,-4 0-90,1-4 0,3 3 0,-3-4-270,8 5 180,-3 0-810,-1 0 361,-1 0 269,-3 0-1080,-1 0 541,-4 0 359,-1 0-630,1 9 1,-4-3 449,3 7-90,-4-3 540,-4 3 0,-6-2 0,0-2 0,-4-1 0,1-3 0,-1 5 0</inkml:trace>
-  <inkml:trace contextRef="#ctx0" brushRef="#br0" timeOffset="432402">4522 11934 7533,'-21'5'1529,"4"-1"-810,22-4-539,4 0 90,1 0-90,4 0 0,-5 0-3457,0 0 2302,1 0 1361,3 0-386,-3 0 212,4 0-392,-1 0 90,-2-4 90,2 3 90,-4-3-1349,1 0 2030,3 3 0,-2-8 0,2 4 0</inkml:trace>
-  <inkml:trace contextRef="#ctx0" brushRef="#br0" timeOffset="432628">4773 11804 7892,'5'0'1260,"-1"0"809,-4 0-1890,5 4 1,-4 1-180,3 4 0,-4 5 0,0-4 0,0 3-90,0 5 0,0-3 90,0 4 0,0-5-809,0-5 449,0 4 90,0-2-1169,0 6 809,4-6-359,-3 2 989,3-8 0,0 3 0,1-2 0</inkml:trace>
-  <inkml:trace contextRef="#ctx0" brushRef="#br0" timeOffset="434171">4419 10362 7533,'0'9'-450,"4"0"360,-3 1 989,8 3-629,-8-3-180,3 8 540,0-8-270,-3 8 0,3-4 89,-4 5-89,-4 8-180,3-2-180,-7 7 180,-2 8 0,0-13-360,-3 12 180,3-15-540,-7 20 180,5-7-698,-1 0 968,5-11-810,3-16 181,-1 3 539,2-7-630,4-2 675,0-4 0,0-13 0,0-2 1</inkml:trace>
-  <inkml:trace contextRef="#ctx0" brushRef="#br0" timeOffset="434402">4401 10529 7533,'9'-5'449,"0"-3"271,9 7 90,-3-3-631,4 4 181,-6 0 90,5 4-180,-2 5-90,2 1 0,-4 8-270,-5-4 90,0 5 180,1-4-540,-5-2 180,3 0 180,-3-2-810,4 2 1,5 9 269,-8-10 180,7 6 90,-8-10 270,8-7 0,-2 7 0,2-2 0</inkml:trace>
-  <inkml:trace contextRef="#ctx0" brushRef="#br0" timeOffset="434713">4792 10306 7713,'0'-5'1799,"-4"1"-1440,-2 8 91,1 5 0,-3 10-270,3 4 90,-5 10-91,1 0-89,0 8 90,4-11-180,-4 1 0,8-8-270,-11 13 1,6-1 179,-8 10 90,9-20-270,-3 1-90,7-11 360,-7-1-630,6 0 271,-2-5 89,4 0-900,0 5 631,0-8 89,0 6 450,0-7 0,4 0 0,2 0 0</inkml:trace>
-  <inkml:trace contextRef="#ctx0" brushRef="#br0" timeOffset="437945">5396 11004 7533,'-5'-6'-810,"1"2"1979,4 0-449,0 3 180,0-3-631,0 0 271,8 3 0,2-3-270,9 4-1,-5-4-89,4 3 0,-4-4 180,9 5-90,5 0-180,9 0 0,-3-4-90,-1 3 180,-7-3-270,-2 4 180,4 0-90,0-4-180,8 3-90,-2-7-450,4 7 271,-10-8-721,-10 8 541,-9-3 269,0 4-989,-8 0 1349,3 4 0,-4 2 0,0 3 0</inkml:trace>
-  <inkml:trace contextRef="#ctx0" brushRef="#br0" timeOffset="438623">5508 11032 7533,'-24'0'1259,"9"0"-899,3 0-180,11 0 0,-7 0 89,7 0 91,-4 0-180,5 4 0,0-3 90,0 7-90,0-3 0,0 4 0,0 1 89,5-1-89,0 0 0,4 1 0,9 3 0,-7-3-180,7 4 0,-5-9 180,-3 3-90,8-3-180,-4 1 0,13 2 180,-6-3-180,6 0 0,-8 4 180,-1-8-360,5 7 180,-8-3-90,3 4-719,0 5 629,-11 0 90,1 5 90,-9-1 0,-11-3-180,-3 7 90,-9-3 180,-3 5-180,3-1 91,-7-1 89,10-6-1639,-2 3 1,-2 0 1433,2-4 131,1 2 0,0 0 164,-2-3-180,5 1 269,1-2 1,9-8-90,0 4 0,3-8 90,-2 3-180,7 0 0,-3-3 180,4 3-90,-4-4 3186,3 0-3053,-3 4-2,4-3-131,0 3 90,4-4-90,-3 0-90,7 0 359,1 4-3481,2-2 3212,2 2-638,1-4 818,-4 0 0,8 0 0,-8 0-180,7 0 89,-6 0-2146,6 0 2057,-2 0-382,-1 0 471,4 0 1,-4 0-180,5 0 26,0 0 64,-5 0 0,4 0-90,-4 0-90,5 0 180,-1 0 0,1 0-180,0 0 1970,3 0-1970,-2 0 0,-1-4 577,-2 3-397,-6-4-90,2 5 2917,-4 0-2827,1 0 800,-5 0-1249,-1 0-2918,-4 0 77,0-4 3200,-4 3 0,-5-3 0,-6 4 0</inkml:trace>
-  <inkml:trace contextRef="#ctx0" brushRef="#br0" timeOffset="439361">5452 11850 7533,'-5'4'-630,"-4"-3"1170,8 8 89,-7-8-449,7 7 180,-3-3 180,4 4-270,0 5 179,0 4-359,0 2 0,0-1-90,0-6 360,0 5-180,0-7-270,0 7 180,0-5 0,0-3-360,0 4 0,0-5-539,0-4 449,0-1-720,0-4 260,8-4 1,-2-5 0,8-6 0</inkml:trace>
-  <inkml:trace contextRef="#ctx0" brushRef="#br0" timeOffset="439589">5405 11757 7713,'0'-5'809,"0"1"-539,0 4 270,0-4-360,0 3 89,0-4-269,4 5 180,2 0 0,3 0-180,-4 0-90,3 0 270,-3 0-1259,9 0 989,-4 0 0,4 0-990,-5 0 541,0 0 179,1 0 360,-5 5 0,3-4 0,-3 3 0</inkml:trace>
-  <inkml:trace contextRef="#ctx0" brushRef="#br0" timeOffset="439863">5573 11859 7533,'0'6'0,"0"-2"2158,0-4-1978,4 0 180,1 0-180,4 0-180,1 0 270,3 0-90,-2 0-450,2 0 270,-4 0-90,1 0 270,-1 0-1080,0 0 271,0 0 449,-3 0-900,-2 0 541,0 4 89,-3-3 450,3 7 0,-8-3 0,-1 5 0</inkml:trace>
-  <inkml:trace contextRef="#ctx0" brushRef="#br0" timeOffset="440054">5619 11962 7533,'0'5'180,"0"3"179,0-7 1081,0 3-361,9-4-989,-3 0 0,7 0 0,-3 0 90,-1-4-450,4 3 180,-2-7-810,2 7-2377,-4-7 2533,1 7 543,-1-8-429,0 8 270,5-3 181,-4 0 179,8-1 0,-8-4 0,3-1 0</inkml:trace>
-  <inkml:trace contextRef="#ctx0" brushRef="#br0" timeOffset="440293">5917 11822 7533,'0'-5'1709,"0"1"0,0 4-1260,0 12-269,0-4-270,0 9 180,0-3-359,0 4-181,0 2 270,0-2 180,0-4-900,0-1 271,0 2 449,0-1-900,0 0 91,0-1 989,4-7 0,-3 7 0,4-8 0</inkml:trace>
-  <inkml:trace contextRef="#ctx0" brushRef="#br0" timeOffset="441364">5582 10380 7892,'0'10'810,"0"-1"-720,0 0 90,0 1 0,0-1-90,0 4 180,-4 10-270,3-2 179,-7 6 1,7-1-90,-8 8 0,4-4-270,0 1 180,1-13-90,4 1 180,-4-5-719,3 4 359,-3-8 90,4 4 0,0-5-629,0-4 449,0 3 0,0-7-360,4 3 720,-3-4 0,7-4 0,-3-1 0</inkml:trace>
-  <inkml:trace contextRef="#ctx0" brushRef="#br0" timeOffset="441750">5833 10473 7533,'0'-5'-1170,"0"1"1440,0 0 270,0 3 1079,0-3-1439,-4 4 0,-5 0-90,-1 4 0,-12 1 0,-2 9-90,-9 0 0,4 0 180,2 4-360,9-8 90,-1 4 90,4-5-90,-2 0 90,2 5 0,1-4 0,1 0 0,3-2 0,5-3 0,-3 0 0,7 3 90,-3-7-90,4 4 180,0-5-180,4 4 359,-3-3-179,7 3 0,-7-4 90,7 4 180,6 1-360,-3 0 180,11 4-91,-12-8-89,8 3 90,-4 0-90,5-3 90,0 7-450,28-3 360,-21 1-2564,21 2 1845,-28-7 269,0 3-1259,-1 0 1619,-3-3 0,2 7 0,-2-2 0</inkml:trace>
-  <inkml:trace contextRef="#ctx0" brushRef="#br0" timeOffset="444084">6299 11180 7533,'-9'6'-270,"3"-2"360,-2-4 270,7 0-181,-7 0 91,7 0 810,-3 0-720,8-4-360,-3-2 0,7-3 89,-3 0 181,9-5-180,0 0-180,-3-1 270,1 2-90,-11 4-180,7 3 90,-7-2 90,8 7-180,-8-7 0,3 7-180,0-7 360,-3 7-90,3-4 0,-4 10-90,0-4 180,0 11-180,0-2 180,0 5-90,4 11 0,-3-10 90,3 11-90,-4 0 0,0 6 90,0 1-45,-2-8 0,0 1-45,1 9 90,-3-5 0,0 0-3367,3 5 3162,-7 13 205,7-8-324,-8 11 234,9-22 0,-1 1 45,0 2 0,-2-1-135,-1 12 90,3 0 0,-3-25-180,4 0 180,0 3-180,0-7 3141,0 8-3320,0-13 394,0-1-575,0-9 0,0 0 91,4-5-181,-3-12 360,3 0-90,0-10-296,-3-20 1,3 13-1,-4 5 1,0 0 0</inkml:trace>
-  <inkml:trace contextRef="#ctx0" brushRef="#br0" timeOffset="444410">6364 11301 7533,'5'-29'-450,"-1"7"90,-4 4 270,0 8 810,0-4-1,0 5 181,0 0-360,0 4-361,0-4 1,5 8 0,0-3 0,0 4 270,11 0-270,-8 0-90,9 0-3302,-3 0 3392,0 4-393,1-3 213,2 8 180,-2-4-270,3 4 270,-3-4 0,-2 3-180,-3-2 90,-1 7-90,-4 2-90,3 3 90,-7-3 3276,4-2-3310,-5 0 486,-9 6-542,3 1 0,-7-2-180,-9 8 181,9-13-1,-8 8-270,7-7-90,-4-4 360,2 3-180,-1-7 90,7 2 0,1-7 1,0 3-631,-1 0-89,5-3 899,1 3 0,4-4 0,0 0 0</inkml:trace>
-  <inkml:trace contextRef="#ctx0" brushRef="#br0" timeOffset="445009">6959 10966 7533,'-5'0'-630,"1"0"180,0 0 810,3 0 0,-8 0-90,8 0 90,-7 0-91,7 0-89,-3 0 180,0 0 0,3 0-270,-8 0 180,8 0 0,-7 5 89,-1 4-269,-6 9-3212,5-2 3302,-2 2-90,6-1 270,-7 15-180,3-5 0,0 8-1,2-4 91,3 3-180,-4 13 180,-1 3-582,5 2 402,-3-4-270,7-7 3372,-3-13-3282,4-1-89,0-8 268,0 0-178,0-1-91,4-4-3013,1 1 2473,4-2 556,-4-8-106,8-1 91,-7-4-901,7 0 91,5 0-630,2 0 1619,-1 0 0,3-4 0,-7-1 0</inkml:trace>
-  <inkml:trace contextRef="#ctx0" brushRef="#br0" timeOffset="445654">7080 11125 7533,'-5'0'-1439,"-3"0"1439,7 0 449,-4 0 451,5-5-361,0 4 1530,0-3-1889,5 4 0,0 0 0,4 4-90,0-3 270,1 4-180,-1-5-180,0 4 359,5-3-628,-4 3-1,4 0 180,-5-3 0,0 7 180,-4-7-360,-1 8-90,1-8 450,-4 7-270,3-3-90,-8 4 0,3 5 1,-12 0 269,7 1-180,-7 2 90,3-6 0,1 6-90,0-6 90,-1 6 0,1-7 0,0 4 180,4-1 0,-4-2-180,4 2 180,-4 1 0,-1 0-3367,5-4 3432,1 3-65,4-12 180,0 7-91,0-7 1,0 7 0,4-7-90,-3 4 3186,8-1-2710,-4-3-206,4 3-90,0 0-180,-3-3 269,6 3-89,-6-4-360,8 0 90,-5 0 90,0 0-899,1 0 449,-5 0-540,7 0 271,-2 0-1080,13 0 899,-7 0 810,1 0 0,-3-4 0,0-1 0</inkml:trace>
-  <inkml:trace contextRef="#ctx0" brushRef="#br0" timeOffset="446100">7415 11292 0,'-9'0'0,"4"0"973,1 4-344,-1-3 1500,4 12-1499,-7-3 679,3 9-859,-4-1-91,3 1-179,2-5 270,0 4-90,3 0-180,-7 2-270,7 3-2179,-3-9 2179,4 0 2539,0-5-2899,0-4 270,0 3 90,0-7-450,0 4 361,4-5 3211,-3 0-3482,11-9 90,-10 3-539,19-28 809,-14 15 180,7-12-90,-6 18 90,-3 4 90,0-1 89,4 5 271,-8-3-270,3 7-180,0-3 629,1 4-359,0 0-90,-1 0 0,1 0 0,-4 0-90,7 0-90,-7 0 179,3 0-89,0 4-90,-3 5 0,8 6 0,-8 3-450,3-3 270,-4-2 1,0-4-901,4 1 360,-3-1 361,3-4-1081,4 8 181,-2-11 1169,8 10 0,-1-11 0,2 3 0</inkml:trace>
-  <inkml:trace contextRef="#ctx0" brushRef="#br0" timeOffset="447226">7601 11190 7533,'-5'-5'719,"1"0"-449,4 5 90,0-4 180,4 3-1,6-3-359,-4 4 90,14 0-270,-12 0 360,13 0-720,-6 0-2917,-1 0 2263,0 0 354,-5 0 480,0 0 0,1 0-450,-1 4 181,-4-3 179,-1 8-288,-4-4 1,4 4 0,2 0 0</inkml:trace>
-  <inkml:trace contextRef="#ctx0" brushRef="#br0" timeOffset="447418">7657 11329 7533,'0'5'0,"0"4"359,0-8 901,0 3-900,4-4-1,2 0 1,7-4 90,1-2-270,1 1-900,-2 1-269,5 0-1,-7-1 451,7 0 539,0-4 0,-7 4 0,7-4 0</inkml:trace>
-  <inkml:trace contextRef="#ctx0" brushRef="#br0" timeOffset="447836">7955 11236 7623,'0'5'719,"0"0"-449,0-5 90,0 4-180,0-3 90,0 7 269,0 5-449,0-1 90,0 5-270,0-3 180,-4-4-90,3 3 0,-3 1 90,4-4 0,0 4-450,0-5 180,0 0 90,0 1-719,0-1 449,0-4 90,0-1 180,0-4-899,0 4 449,0-3 540,4 4 0,-3-10 0,3 0 0</inkml:trace>
-  <inkml:trace contextRef="#ctx0" brushRef="#br0" timeOffset="448058">8002 11059 7533,'-5'-5'-450,"-4"1"90,8 0 180,-3 3 1529,4-3-359,0 4-270,-4 0-361,3 0 1,-3 0-450,4 4-270,0 5 1,4 2-181,1 2 270,0-4 180,4-3-90,-4 2 180,4-7 0,0 7 0,1-3 0</inkml:trace>
-  <inkml:trace contextRef="#ctx0" brushRef="#br0" timeOffset="450229">8317 10818 8342,'0'14'1080,"0"4"-541,0 4-179,-4 16 0,3 9-180,-3-3 0,0-4 179,3 0 1,-7 4-382,7-15 1,1 2 156,-5-3 0,1 0-90,4 7 0,-1-1-45,-7 11-90,7 8 0,-7-8 0,7-13 0,-3 2 0,-1 0 0,4 5 90,-3-10 0,0 1 0,3 3-180,-3-6 180,4-9-90,0 1 90,-4-5-180,3 0 90,-3-9-180,4-1-1349,0-4 1033,0-16 226,4 7 1,-3-12 359,7 3 0,-3 2 0,4-6 0</inkml:trace>
-  <inkml:trace contextRef="#ctx0" brushRef="#br0" timeOffset="451163">8457 11069 7533,'0'-5'-90,"0"0"2608,0 5-2158,8 0-90,-2 5 0,12 0 90,1 8-91,0-2-89,4 2 90,-4 0-90,-5-2 180,8 6-180,-11-6-90,11 6 0,-12-6 90,0 2-1,-2-4-358,-3 1 89,4 3 270,-3 2-450,-2-1 90,0-1 90,-3-3-450,3 7-899,-4-1 809,0 2 271,4-8-2520,1 2 2879,5-10 0,-5 6 0,-1-8 0</inkml:trace>
-  <inkml:trace contextRef="#ctx0" brushRef="#br0" timeOffset="451437">8811 11041 0,'-4'-9'240,"3"3"2652,-8 2-2712,8 4 1678,-7 0-1498,3 0-180,-5 0 859,1 4-769,0 6 3006,-9 4-2350,3 9-567,-16 5-359,14-8 0,-13 10-3212,19-18 3122,-15 10 364,2 4-364,-5 4 90,1 3-90,10-2-720,0-3-1789,8-3 2419,-4 2-1079,9-4-720,1 5 1259,8-8 1280,5-2 0,2-10 0,2-3 0</inkml:trace>
-  <inkml:trace contextRef="#ctx0" brushRef="#br0" timeOffset="451926">8829 11255 6723,'0'10'2519,"0"3"-2070,0-4-179,0 1 0,-4 8-270,3-4 360,-7 13-180,7-6-180,-7 1 180,7 0-180,-4-6-90,5 2 0,0-4 270,0-5-450,0 4 90,0-6-270,0 1 270,0-8 90,0 0-989,9-4 629,1-10 1,5-5-2828,-2-5 2712,-8 5 25,8-2 630,-7 1-90,7 0 630,-3 3-360,-1 7-181,-4 1 1,3 0 630,-3 4-270,1-4-180,2 8 449,-3-7-89,8 7-270,-6-3-180,5 4 3096,-7 0-2621,5 0-655,-5 0 0,3 4 90,-3 1 0,0 9 0,0 0-180,-5 1 270,0 6-180,0-9 90,0 5 0,0-3 0,0-4-180,0 8-90,0-4-90,4-3 90,-3 1 0,3-7-719,0 0 89,1-1-449,4 0 629,1-2 181,-5 2 179,3-8-630,-3 2 900,1-2 0,2-4 0,-3-2 0</inkml:trace>
-  <inkml:trace contextRef="#ctx0" brushRef="#br0" timeOffset="452312">9192 10994 7533,'0'-10'809,"0"-2"-269,0 11 989,0-4-809,5 5-1,0 0-539,4 5 360,0 0 179,5 8-89,0 6-270,1 0-180,-6 0 180,3 3-91,-5-3 1,6 1-90,-4 2 270,-3 5-270,2-6 90,-7 23-180,-1-6-2764,-5 1 2494,-5-3-177,1 0 88,-4-2 269,2 4-720,-2-6 450,4-9 90,-1-5-629,-3 9 359,3-6 270,-4 6-90,9-13-1529,-3 4 3021,7 0-2931,-8-2 1709,8 1 0,-7-3 0,3 0 0</inkml:trace>
-  <inkml:trace contextRef="#ctx0" brushRef="#br0" timeOffset="455814">9741 11357 7533,'-10'-4'539,"1"3"91,9-3-630,0 4 0,4 0 0,2-4 0,3-1 0</inkml:trace>
-  <inkml:trace contextRef="#ctx0" brushRef="#br0" timeOffset="458133">10076 10864 7083,'0'-9'450,"0"4"-360,0 0 989,0 5-719,-4 9-270,3-3 90,-7 7 90,2 9-1,-7 11 1,-2 11-239,8-17 0,0 0 104,-2-1 0,0 0 0,2 4 0,0 0 0,0 0 0,-1 1-201,1 5 0,1 1 111,1-4 0,1 2 45,-1 14 0,0 0-90,2-17 0,1-1-45,1 6 0,2-3-135,8-2-90,6-9-449,4-13-1,7-2 104,3-12-104,9-9 450,-9 2-3007,2-15 2409,-12 10 149,8-11 449,-7-1 270,3-1 0,-9-3 0,-5 9 0,-4 4 0,-5 6 0,0 3 0,0 1 0,-5 0 90,-4-1 359,-1 1 2827,-8 4-2620,12 1-116,-6 4-1,6 0 181,-3 8-180,4 2-1,1 9-89,4 0-450,0-5 180,4 0 90,1-5-90,4 4 90,5-2-270,4-2-90,2-5-90,-1-4 180,-6 0-90,-4 0-180,1-8 90,-1 2 180,0-12 0,-3 8 0,2-4 0,-7 5 0,3-5 0,-4 4 0,-4-3 0,-1 3 0,-5 1 0,-7 0 90,-3-1-90,-4 5-270,-3 1 180,12 4-90,-3 0 180,13 0-449,-3 4 179,7 1 90,-3 1-1169,4 6 1349,4-6 0,1 12 0,4-4 0</inkml:trace>
-  <inkml:trace contextRef="#ctx0" brushRef="#br0" timeOffset="458926">10635 11394 7533,'0'-14'629,"-5"-4"-179,0 8-270,-4-4-180,0 5 810,-1 0-271,1 4 91,-4-8-90,-2 7-540,-4-7 0,-3 8-360,2 0 0,-3 10 0,9 0 180,4 4 90,2 0-90,3 1 90,0 3-89,-3-3 358,7 12-268,-4-11-1,5 11 90,0-12 179,0 4-3391,0-5 3212,0-4 90,9 4 0,1-8-90,9 3 0,-1-4 0,1-4-90,0-6 3366,-1-4-3160,-3-1-116,-6 2-90,3-5 180,-5 3-90,2-4 180,-5 6-90,-4 4 0,0-1 0,0 5 90,0-3-90,0 7 0,-4-3 0,3 0-90,-7 3 90,7-4-90,-4 10 90,1 4 0,3 9 0,-3 2 179,4 7 1,0-3-180,0 4 180,0 4-90,0 1-90,0-4-90,0-2 180,0 4-270,0 7 270,0 13-2776,4-7 2596,-3 0 90,3-15 90,-4-1-90,5-1 0,-4-3 0,3 8-1,0-3 1,-3-1 0,3 3 2866,-4-2-3046,0 0 90,-4-3 180,-1-3-270,-5 1-90,-3 0 90,-6-10-3187,4-5 3072,-7-9-65,3-9 1,-13-5-271,-2-14 90,-3-1 90,13 1 270,7 5-269,7-4 89,5 3 0,1-13 3392,8 4-3302,5-4 90,6 12-90,4-5 360,12 7-90,3-6-380,-10 10 0,2 1-115,-2 5 1,0 2-316,23-12-2557,-14 10 1766,-11 7 1272,-4 2 0,-8 0 0,4-1 1</inkml:trace>
-  <inkml:trace contextRef="#ctx0" brushRef="#br0" timeOffset="460193">10793 10836 8702,'13'-9'1709,"-2"0"-1529,2 3 0,0-2 0,2 3 0,4 0 0,-5-3 269,8 2-269,-11-3 0,11 4 0,-16-3-900,7 7 1,-8-4 449,0 1 180,-1 3-180,-4-3-270,0 4 540,-4 9 90,-1 1-90,-5 4 0,5 0 0,-3-1 90,7-3 0,-3 8-90,0-4-3277,3 9 3432,-4-3-939,5 7 1054,0-8 270,0 29-360,5-19-290,-5-1 1,1 1 199,3 1-180,-4 6 126,0 0 54,0-10-180,0 9 270,0-3-180,0-6-90,0 5-90,0-17 270,0 4-270,0-8-270,0 4 2871,0-5-2511,0-4-62,0-1-1467,0-4 1259,4-12-450,1 5 270,0-15 540,4 8 0,-4-13 0,4-2 0</inkml:trace>
-  <inkml:trace contextRef="#ctx0" brushRef="#br0" timeOffset="460483">10988 10845 7533,'0'-18'0,"4"8"449,-3-3 361,8 8-180,-4 0-361,0 1 91,3 4 90,-2 0-90,3 0-180,0 0 359,9 4-359,-7-3 0,3 3-270,-6 0 90,-7-3 180,7 7-90,-7-2 0,3-1 180,-4 7-450,0-6 180,0 12-270,0 1 90,-4 4 180,-1 1-360,-4-5 270,3-2-89,-2-6 89,3 2-360,-4-4 0,-1 5 270,1-4-269,0-1-1,0 0-270,-1-8 270,5 3 91,-3-4-361,3 0 360,-1 0 0,2 0 270,4 0 0,0-8 0,0-3 1</inkml:trace>
-  <inkml:trace contextRef="#ctx0" brushRef="#br0" timeOffset="460984">11462 10697 7533,'-5'0'-450,"1"0"90,0 0 810,-1 0 0,-1 0 89,-6 4-179,10-3-90,-10 7 450,6-3-451,-3 5 1,0-1 0,-1 0-2942,-7 17 2852,5-8-1399,-1 8 1398,5-8-1804,7-4 1805,-3 5-363,-1 4 273,4-3 1895,-3 15-2075,4-1-269,0 8 269,0-9 1349,0-6-1259,4-12-899,2 2 449,-1-7 180,3 4 180,-3-5-449,9 0 3143,-4-3-2784,3-2-509,5-4 239,-2 0 90,2 0-179,0 0 539,-8 0 0,8-4 0,-4-1 0</inkml:trace>
-  <inkml:trace contextRef="#ctx0" brushRef="#br0" timeOffset="461585">11621 10808 7533,'-11'-4'-1619,"-1"3"1619,7-7 90,-5 7-90,5-3 539,-3 4-269,7 0 0,-3-4 180,4 3-91,-5-4 91,4 5 540,-3 0-810,13 0-1,-3 0 1,7 0 180,1 0-3572,-4 5 3392,8-4 90,0 3 180,6-4-361,4 4-89,-4-3-269,-10 3 89,-1 0 0,-8-3 3456,0 3-3520,-1 5 64,-4-3 0,-4 7 90,-1-8-269,-4 4-91,-5 4 270,4-2 90,-8 7 0,8-9 180,-8 5-180,8-8 0,-4 11 0,5-11 180,0 7-180,-1-4 0,1 1 90,4-5 180,-3 3 0,7-3-180,-3 5 270,4-1-90,0-4 0,0 3 359,0-2-269,8 3 0,-6-4-180,10-1 90,-2 0-90,0-3 0,3 3 0,-3-4-180,-1 0 180,4 0 0,-2 0 0,2 0-540,-3 0 180,-1 0 270,4-4-1799,2 3 1439,-1-7-1079,4 3 629,-8 0 810,4-4 0,-5 4 0,0-4 0</inkml:trace>
-  <inkml:trace contextRef="#ctx0" brushRef="#br0" timeOffset="462002">11900 10920 7083,'0'5'899,"0"3"-269,-4-7-270,3 8-90,-4-4 0,5 4 359,0 5-359,0-4-180,-4 3 270,3 1-270,-3-4-180,0 4 90,3-5 0,-3 0 180,4 5-270,0-8 270,0 6-900,0-11-1349,0 3 1440,0-12-1,4-2 270,1-5 90,0 2 180,4-1 0,-8 4 90,3-3 0,-4 3 0,4 5-90,-3-3 1,7 7 808,-7-7-359,3 7-180,0-8 719,-2 8 900,10-3-1529,-10 4 0,6 4-180,-8 1 90,0 1 0,4 2-90,-3-3 0,4 4 89,-5 1-538,0-1 359,0-4 0,0 3-90,4-2-720,-3 3 360,3-4 181,-4 3 179,0-7-900,4 8 361,-3-8 269,7 3-720,-2-4 1080,-1 0 0,3 4 0,-3 1 0</inkml:trace>
-  <inkml:trace contextRef="#ctx0" brushRef="#br0" timeOffset="462304">12133 10836 7533,'-6'0'-450,"2"0"450,0 0 1079,3 0-89,-3 0-451,4-4-89,0 3 630,0-3-271,0 0-629,8 3 90,-2-3-90,4 4-360,2 0 270,-10 0-90,11 0-360,-8 0 180,4 0 180,0 0-1169,5 0 179,-4 0 721,4 0-541,-5 0 270,-4 0 180,3 4 1,-7-3 359,3 3 0,1 0 0,0 1 0</inkml:trace>
-  <inkml:trace contextRef="#ctx0" brushRef="#br0" timeOffset="462776">12160 10994 7713,'0'-5'1799,"0"1"-1260,5 0-89,-4 3-270,3-3 180,0 0-90,1 3-270,4-4 179,1 5 1,-1-4-180,0 3 0,1-3 180,-1 4-630,-4 0 181,3 0-721,2 0 540,-4 0-989,6 0 180,-7 0 899,1 0 360,2 0 0,-7 0 0,3 0 0</inkml:trace>
-  <inkml:trace contextRef="#ctx0" brushRef="#br0" timeOffset="463029">12430 10855 9152,'-5'16'1619,"1"-3"-1439,4 10-270,-4-6 90,3-7 0,-3 4-270,4-5 270,0 0-90,0 1-809,0-5 449,0 3 270,0-7-1979,0 3 2159,4-4 0,1-8 0,4-2 0</inkml:trace>
-  <inkml:trace contextRef="#ctx0" brushRef="#br0" timeOffset="463225">12486 10659 7533,'-9'0'2428,"4"0"-1978,1 5-270,4 4 90,0-3-270,0 7 360,-5-4-91,4 1-448,-3-1 268,4 0-89,0-4-269,0 0 179,4-1 180,2 0-2159,7-3 2069,2 3 0,-1-8 0,-1-1 0</inkml:trace>
-  <inkml:trace contextRef="#ctx0" brushRef="#br0" timeOffset="463554">12617 10501 7533,'0'-10'-540,"0"-2"-90,0 6 1710,0 1-720,4 1 629,5 8-719,-3 1 629,7 5 1,-8 7-540,4-5 179,0 5 181,1 1-90,-1 1-271,0 1-179,-4 2 180,3-8 90,2 13-180,-4-2-1,6 15-179,-11-14 90,3 5 0,-4-8-360,0-4 45,-4 11 0,0 0 45,2 2 90,-4-2 0,-1-3-179,2-4-181,0-4 180,-3 3 90,3-2-2159,-4 7 810,0-3 270,-1-1 899,5-4-899,-3-6 449,7-7 720,-7 2 0,7-7 0,-4 3 0</inkml:trace>
-  <inkml:trace contextRef="#ctx0" brushRef="#br0" timeOffset="464815">13007 10920 7533,'-10'-4'539,"5"3"-359,1-3-90,4 0 540,-4 2 89,3-2-269,-3 0-180,4 3-1349,0-3 1079,4 4-1080,-3 0 451,7 0 269,-3 0 360,5 0 0,-1 4 0,0 1 0</inkml:trace>
-  <inkml:trace contextRef="#ctx0" brushRef="#br0" timeOffset="465330">13118 10752 7533,'-5'-4'180,"1"3"-1,4-7-89,0 7 630,0-3-180,0 0-270,0 3-1,0-3-89,0-1-180,0 4 0,0-7 180,4 7 0,-3-7-180,8 7 90,-4-3 90,0 0 0,3 3-180,1-4-180,-2 5 90,5 0 0,-11 0-90,3 0 270,0 0-180,-3 0 270,4 0 0,-5 5 0,0 4-90,0 1 90,0 4-90,0 3 90,0 3-91,0 4 91,0-2-90,0-3 0,0-1 0,0 1 180,0 12-180,0-9-3367,0 13 3252,0-15 62,4 15 53,-3-14-90,3 10-90,-4-8 180,0-3-90,0 11-270,0-2 181,0 0 178,0-2-89,0-9-179,-4 1 89,3-1 90,-3 1 2871,4 4-3141,0-8 1,0 3 179,0-9-270,0 0 393,0-3-303,0-2-2338,0-4 1798,4-13 540,-3 2 270,7-12 0,-7 5 0,3-1 0</inkml:trace>
-  <inkml:trace contextRef="#ctx0" brushRef="#br0" timeOffset="465630">13202 10827 7533,'5'-9'449,"0"-5"91,3 0-450,-2 3 0,3-1 90,4 7 90,-7 0-90,7 0 0,-3 5 269,-1 0-179,0 0 90,1 0 90,3 0-91,6 5-179,-4 0 180,7 4-90,-16 5-90,7-4 0,-12 3-180,3-3 180,-4-1 0,-4 8-180,-6 3 90,0 4-180,-4-1 0,1-1-270,-14 10-540,5-10 181,-13 8-271,20-24 271,1 3 359,6-9-360,3 4-89,-4-3 449,3-1 360,2-1 0,4-12 0,0 3 0</inkml:trace>
-  <inkml:trace contextRef="#ctx0" brushRef="#br0" timeOffset="465993">13630 10632 7533,'0'-15'-810,"0"6"450,0 5 3636,0 4-1784,-4 0-953,3 4-179,-7 5-180,3 6 0,0-1 180,-4 12-180,4-14 0,0 14 89,-3-3 1,7-2-90,-8 5-90,8-7 90,-7 0-3457,7-1 3432,-3 1-155,0 12 0,3-1 0,-3 11-450,4-8 270,0-9 90,0-2-539,4-8 359,-3 5 180,7-5 3302,-3 0-4381,0-5-2108,4-4 1992,-4 3-874,8-2 720,2 3 1439,-1-4 0,0-1 0,-5-4 0</inkml:trace>
-  <inkml:trace contextRef="#ctx0" brushRef="#br0" timeOffset="466453">13789 10762 7533,'-15'-9'-450,"2"-1"1170,8 5-271,1 1-179,4 0 450,0 3-271,0-3-89,8 4-180,-2 0 90,12 4 0,-8 1 0,7 4 269,2 5-359,-3 0 0,5 1 0,-10-2-90,2-4 0,-4 5 90,1-4 0,-1 4-360,0-5-3097,1 0 3072,-1 0 175,0 1-780,1-1 540,-1 0 90,-4 1-1169,3-1 720,-3 0-721,5 1 361,-1-1 989,0-4 0,1-1 0,-1-4 0</inkml:trace>
-  <inkml:trace contextRef="#ctx0" brushRef="#br0" timeOffset="466714">14096 10687 7533,'-9'-5'1349,"-1"1"-1529,5 4 180,-3 4-90,3 1 810,-5 5-91,-7 7-179,-3 3 0,-8 4-91,10-3 1,0 1-360,-4 2-90,-4 15 270,17-20 0,0-1-3457,-5 1 2802,4 0-334,-8 3 449,12-2 180,-6-1-899,7-6 539,-1-4 270,2 1 3302,4-5-3571,0 3-181,4-7 720,10 3 0,-3-8 0,7-1 0</inkml:trace>
-  <inkml:trace contextRef="#ctx0" brushRef="#br0" timeOffset="467119">14133 10873 7533,'10'0'629,"-1"0"-359,-5 5-90,-3-4-90,3 7 630,-4-7-271,0 7-179,0-3 0,0 5 180,0-1-90,0 4-181,-4-2 1,3 2 0,-7-4 180,7 9-270,-8-7-180,4 15 0,0-10 180,1-2-989,4-1 179,0-12-719,0 3 449,4-4 451,1-4-91,4-6 360,1 0 90,-1-3 0,-4 3 180,3 1-90,-6-4 90,6 6-179,-3-5 538,0 7-179,-1-5-180,0 5 1080,1-3-541,0 3-269,-1 0 630,0 1-361,-3 4-179,8 0 0,-8 0 270,7 0-271,-3 4 1,0-3-180,-1 7 0,0-3 0,-2 0-90,2 4 90,-4-4 0,4 4 0,-3 0-270,3-3 90,-4 2 90,4-3-1080,-3 0 450,3 3 271,0-2-1261,-3-1 721,8 3-720,-4-7 989,4 3 540,-4-4 0,4 4 0,-4 1 0</inkml:trace>
-  <inkml:trace contextRef="#ctx0" brushRef="#br0" timeOffset="467771">14430 10520 6903,'-5'-4'360,"1"3"359,0-3-359,3-1 90,-3 4-270,-1-3 180,4 4 269,-3 0-629,4 4 360,0 10-3572,0-3 3572,0 11-1776,0-8 1596,0 5-505,0 0 685,0 3-90,0-2-90,4 3-1483,-3-1 1483,8-2 676,-8 7-766,3-3 399,0 0-309,-3 2-1083,7-2 903,-7 8 168,3-3-79,1 3 650,-4 9-739,3-6 824,-4 2-1094,0 10 2183,0-19-2183,0 13 2976,0-19-2886,0-3 180,0 0-138,0-1-42,0-3 180,0 2-360,-4-6-90,3 10 361,-4-13-541,5 8 682,0-11-322,0 0-89,0 4-541,0-8-1169,0 3 1709,0-12 1,5 1 359,-4-6 0,7-5 0,-3-1 0</inkml:trace>
-  <inkml:trace contextRef="#ctx0" brushRef="#br0" timeOffset="469181">14626 10725 7533,'-5'-5'989,"0"4"-809,5-3 0,0 4 0,0-4 270,0 3 629,0-3-899,5 4 0,0 0 0,4 0 0,0 0 89,9 0-89,-3 4 90,8 1-270,-8 0 180,-2 4-450,-4-4 90,1 4-539,-5 5 269,-1 0-90,-4 5 270,-4-5 1,-1 4-1,-5-8 270,5 8-90,-3-4 0,3 1 0,-5 2 0,-3 2 0,3-4 450,0 7-270,2-12 0,3 4 809,0 3-719,-4-5 0,8 5 450,-3-3-271,4-4-359,0-1 90,0 0 0,4-8 90,2 7-270,3-7 270,0 3-90,1-4-90,7 0 0,-6 0-630,7-4 91,0-1-541,-3-5 451,4 1 269,-2 0-630,-6 0-359,19-13 1079,-17 9-89,13-8 359,-17 11 0,1 1 0,-1 0 0,-4 0 0,3 3 0,-7-2 0,4 3 0,-5 0 90,0 1-90,0 0 90,0 2 2608,0-2-1888,0 17-541,0-6 1,0 11-90,0-5 90,0-3 0,0 12-90,-5-11 0,4 7-180,-3-9 90,4 1-90,0-1-360,0-4 180,0 3-450,0-7 450,0 3 0,4-4 90,-3 0-449,8 0-1,-4-8 0,4 2 271,1-7-91,-1 3 90,-4 1 270,3-4-180,-3 2 180,5-10 0,-5 9 0,3-1-180,-7 4 1080,3 8-541,0-7-179,-2 7 630,2-3-360,0 4-91,-3 0-179,3 4 270,-4 1-180,4 5 90,-3-1 269,3 4-449,-4-2-180,4 6 270,-3-2-90,4-1-360,-5 0 180,4-5 0,-3 0-989,7 0 539,-7-3 180,3 2-629,0-3-271,-3 0 1,8-1 1169,-8 0 0,7-2 0,-3 2 0</inkml:trace>
-  <inkml:trace contextRef="#ctx0" brushRef="#br0" timeOffset="469429">15175 10808 7533,'-13'-4'0,"6"3"359,-1-3-359,8 4 1260,0 0-451,4 0-179,1 0-360,5 0 0,-1 0-180,0 4 0,1-3-1,-1 3 1,0-4-359,0 0 89,1 0 360,3 4-1260,-2-3 541,2 4 179,-8-1-1169,3-3 629,-7 7 900,4-7 0,-5 7 0,0-3 0</inkml:trace>
-  <inkml:trace contextRef="#ctx0" brushRef="#br0" timeOffset="469610">15175 10966 7533,'-5'11'2698,"1"1"-2698,4-11 720,0 3-630,4-4-180,1 0 0,4 0-360,5-4 270,-4 3-90,3-7 270,1 7-1169,-4-7 449,8 7 361,-8-8-721,8 4 1080,-8 0 0,8-3 0,-4 3 0</inkml:trace>
-  <inkml:trace contextRef="#ctx0" brushRef="#br0" timeOffset="469794">15454 10845 7533,'0'6'1079,"0"2"-809,0-3-270,0 4 0,0 1 630,0-1-271,0 0-179,-4 1 450,3 7-270,-3-5-90,4 5-91,0-8-358,0 1 179,0-1-180,0 4 270,4-2-2339,1-2 2249,5-5 0,-1-4 0,0 0 0</inkml:trace>
-  <inkml:trace contextRef="#ctx0" brushRef="#br0" timeOffset="469976">15603 10725 7533,'-9'0'0,"4"0"0,0 0 0,5 4 0,0-3 0,-4 7 0,-1-3 0,0 5 0,1 3 0,0-3 0,3 4 0,-3-5 0,4-4 270,0 3-181,0-2-89,0-1 0,4-1 0,1-4 0</inkml:trace>
-  <inkml:trace contextRef="#ctx0" brushRef="#br0" timeOffset="470171">15584 10418 7533,'-5'-6'1979,"1"2"-1620,8 4 1,-3 0-360,3 4 270,-4-3-90,5 8 360,0-4-181,4 4-179,0 1-360,1-5 90,-1 3 180,0-7-90,5 7-2068,4-3 1798,-2 1 270,1-2 0,-4 0 0,2 1 0</inkml:trace>
-  <inkml:trace contextRef="#ctx0" brushRef="#br0" timeOffset="470448">15956 10548 7533,'4'13'90,"1"-2"1079,1 6-180,-2-2-719,-4-1 900,0 4-91,4 0-719,-3 2 269,3 3-269,-4-5 90,0 1 90,0 4-91,0 0-89,0 5-360,-4 0 0,3 8 0,-7-1-135,3-9 0,0 1-527,-5 14 662,1-8 0,0 0-810,-1 8 495,-1-6 0,0 0 135,0 3-935,0-12 0,0 0 305,-3 7 181,-1 0-1260,-15 8 1889,8-20 0,1-5 0,-2-2 0,-15 1 0</inkml:trace>
-  <inkml:trace contextRef="#ctx0" brushRef="#br0" timeOffset="471526">10914 11506 7533,'-28'0'539,"8"-4"-359,7-1 0,5-1 0,6-2 0,-2 7-270,0-7 180,3 7-90,-3-3 450,4 0 1079,-4-6-1439,7 4 180,-2-6-90,8 11-91,5-3 181,0-1-90,5 4 90,12-3-90,3 0 270,17-1-1783,-12 0 1422,1 1 91,9-1 0,-8 4-90,-14-1 0,1 0 90,21 2-180,-6 0 180,8 0 0,-8 0 0,-2 0 90,0 0-46,-7 0 1,4 0 0,4 0 0,3 0-195,-10 0 0,2 0 0,-1 0-1230,10 0 0,-2 0 1200,-4 0 0,1 0-45,3 0 1,2 0-511,2 0 0,1 0 645,1 0 0,0 0-180,-5 1 0,0-2 150,-9 0 0,0 0 0,-1-1-15,3 2 0,-1-1-418,-2-1 1,2-2-1,-2 2 418,0 2 0,-1-1-45,0-3 0,2 0 30,1 3 0,2 1 0,1 0 59,-4-3 1,-1 0 0,3 0-45,2 3 0,2 0 0,0 0 0,-2-1-159,-1-1 0,-2-2 0,0 2 174,1 1 0,0 1 0,-1 0-1,1-1 1,-1-1 0,-1 1-170,7-1 1,1 0 139,-7 0 0,2 0 0,-1 0 15,5 0 0,-3-1 44,-3-1 1,1 0-60,-1 2 0,3 1 0,2-1-116,6-2 1,2-1-1,-1 0 146,-1 2 0,0 0 0,1-1-38,-4 1 1,3-1 0,-1 1-1,-3 0-66,-2 1 1,-2 0 0,0 1 73,1-1 0,0 1 0,0-1-60,-5 1 0,0-1 0,-1 1 0,2 1 0,-1-1 0,0 1 0,0 0 0,0 0 1,0 0-1,1 0 0,2 0 0,-3 1 30,10 3 0,-1 1-90,5-3 0,-1 1-45,-5 3 0,1 1 135,2-4 0,0 0 0,-8 4 0,-2-1-90,15-1 619,-25-3 1,0 1-530,21 5-90,2-3 90,-22-2 0,-1 0 0,0 1 0,-1 0-90,21 1 0,-10 0-90,-15-1 180,-3 1 304,4 0-844,-8 0 2639,3-1-5067,-13 0 4577,-1-3-2599,-8 3-409,-18 0 1399,-12-3 0,-9 4 0,-3-5 0</inkml:trace>
-  <inkml:trace contextRef="#ctx0" brushRef="#br0" timeOffset="472264">11928 11757 7533,'-6'0'-450,"2"0"2069,4 0-1349,9-4-180,-3 3 90,7-11 180,9 1-181,-5-3 1,9-4 180,1 4-90,2-9 0,9 7 0,-10-5-360,-1 14 270,-8-1-180,-4 12 179,-2 6-89,-4 4 0,-4 5 180,4 32-180,-8-20-90,3-3 0,0 1 90,-3 12 180,3 2-2154,-4 0 2064,0 2-270,0-16-54,0 7 144,-4 9 89,3 8-319,-3-22 1,0-1 139,3-1 0,1-2-449,-4 15 269,4-10 180,4-13-1259,-3-1 719,7-12 1069,-3 2-799,0-12-565,4-5 385,-8-6 654,3-3 0,0-5 0,1-1 0</inkml:trace>
-  <inkml:trace contextRef="#ctx0" brushRef="#br0" timeOffset="472533">12226 11664 7533,'4'-19'1259,"5"1"-989,5 7 809,5-1 1,8 15-901,-10-2 1,4 9 270,-11 3-270,-1-3-180,-4 8 360,3 1-90,-7 8 0,-5 11-360,-6 0 0,-9 7-1430,1-15 1430,3 1-450,-7-4 149,-1 2-599,-6 4 540,1-9 181,9-11-721,2 0 181,6-11 809,2 2 0,9-9 0,5-4 0</inkml:trace>
-  <inkml:trace contextRef="#ctx0" brushRef="#br0" timeOffset="472819">12561 11627 7533,'0'-15'180,"4"6"-90,-3 5 1529,3 8-1080,-8 5 271,-1 10 179,-5 9-269,1 5-180,4 8-181,1 2-89,4 3-90,0-3 90,0-10-630,4-6 360,5-1-1079,6 3 899,3 0-1619,1-6 180,4-1 0,5-11 449,1 3 1170,6-10 0,-6-8 0,3-2 0</inkml:trace>
-  <inkml:trace contextRef="#ctx0" brushRef="#br0" timeOffset="473314">12849 11766 7533,'-14'-9'0,"4"-4"180,-4 2-1,9-2-179,1 4 1170,0-1-1,3 1-539,-3 4-270,4 1-1,0 4-179,4 0 90,9 0-90,7 0 0,4 0 0,-2 0 0,-3 4-270,0 1 180,3 8 90,-6-2-270,1 2 90,-11-3 0,2-1-450,-7 4 270,3-2 90,-4 6 0,-4-2-540,-5 7 451,-2-2-91,-6-1 0,6-2 270,-6-6-180,-10 14 0,9-12 360,-8 8-360,17-11 540,0-5-180,4 3 90,1-3-90,4 1-1,4-2-179,5-4 180,1 0 90,8 0-270,-4 0 90,5 0-270,0 0 90,8 0-270,1 0 181,-3-4-1,1 3-1709,-7-8 1529,-4 8 0,3-3-1259,-9 0 1259,0-1-179,-3 0 539,2-4 0,-7 8 0,7-11 0,-3 2 0</inkml:trace>
-  <inkml:trace contextRef="#ctx0" brushRef="#br0" timeOffset="473649">13128 11859 7533,'0'-5'1619,"0"1"-1080,0 4-179,0 8 90,0 3 0,0 11-270,0-6 359,-4 14-539,3-18 180,-4 10 0,5-13-540,0 1 270,0-1 90,0-4-809,0-1-810,0-4 1169,5-8 90,-4 2-269,7-8 179,-7 5 180,7 0 0,-7-1 0,7-3 90,-6 7 180,6-11 0,-3 11 0,0-3-269,-1 5 1078,0 0-269,-3 2 629,8-2-539,-4 4-180,0 0 539,3 4-359,-2 2-451,3 7 1,0-7-90,-4 7 90,4-8-899,0 4 179,1 0 450,4-3-1619,-5 2 1709,4-7 0,-2 3 0,2-4 0</inkml:trace>
-  <inkml:trace contextRef="#ctx0" brushRef="#br0" timeOffset="473876">13407 11720 7533,'-14'-4'0,"0"3"539,9-3-359,1 4-180,4-5 360,0 4 809,0-3-1079,4 8 360,1-3-180,4 4-90,1-5-90,-1 4-450,0-3 90,9 7-539,-3-7 359,0 7 270,-3-7-540,-6 8 271,-1-4 179,-1 0 270,-4 3 0,0-3 0,0 5 0</inkml:trace>
-  <inkml:trace contextRef="#ctx0" brushRef="#br0" timeOffset="474042">13426 11850 7533,'-10'9'809,"5"-3"-179,1 2-270,4-7 1349,0 3-1350,4-4-988,-3 0 179,12 0 450,-7 0-989,7 0 539,-3-4 180,-1 3-989,4-7 1259,2 2 0,-1-3 0,0 0 0</inkml:trace>
-  <inkml:trace contextRef="#ctx0" brushRef="#br0" timeOffset="474225">13603 11794 8612,'0'5'630,"0"4"-810,0-4 90,0 4 0,0-4 270,0 4-90,0 0 270,0 1-181,0 8 91,0-8-270,0 4 90,0-9 0,0 3-360,4 1 1,-3 2-721,7-2 270,-3-5 720,4-4 0,1-4 0,-1-1 0</inkml:trace>
-  <inkml:trace contextRef="#ctx0" brushRef="#br0" timeOffset="474411">13714 11590 7533,'-10'0'3058,"2"0"-2968,8 0 90,0 0-270,0 8 90,-5-2 0,4 8 90,-3-5-90,4-4-180,0 3-270,0-7-90,9 8-899,-3-8 630,7 3 809,-3-4 0,-1-4 0,0-2 0</inkml:trace>
-  <inkml:trace contextRef="#ctx0" brushRef="#br0" timeOffset="474747">13863 11450 7533,'-5'0'2518,"1"0"-2518,12 0 90,-6 4 360,6 1-180,-8 1 629,5 6-539,-4-6 0,3 4-90,0-2 90,-3-3-1,3 0-179,-4 3 0,4 2 0,-3-4 0,8 6 0,-8-7-180,3 5 0,0 3 180,-3-2-450,7 2 180,-7-4 90,3 1-630,0 3 181,2 6 359,-1 0-720,-1 0 90,-4 7 541,0-10-451,0 11 180,0-8 90,0-5 1,-4 4-1,-1-4-90,-5 9-360,-3 1 91,-2 4 359,1-9 0,0-1-2917,1-9 2623,3 0 654,-8 5 0,8-4 0,-8 4 0,4-5 0</inkml:trace>
-  <inkml:trace contextRef="#ctx0" brushRef="#br0" timeOffset="476302">13966 11552 7533,'-6'0'-1529,"2"0"1529,4-4 0,0 3 0,-4-7 0,3 7 90,-3-7-1,4 3-89,0-5 180,0 5-90,0-3 0,0 7-90,-4-7 270,3 6-270,-3-2 90,4 0-180,-5 3 180,4-7-90,-3 3 90,0 0 0,3-4-180,-3 8 0,4-7 180,0 7 0,-4-3-90,3 0 0,-3 3 0,4-3 899,0 4-449,0-5-360,0 4 1709,0-3-1079,0 17-361,0-2 271,0 16-270,0-7-180,4-2 0,-3 0 359,3 0-359,0 2 0,-3 3 0,3-5 0,-4 1 180,4 12-360,-3-9 180,4 9 0,-5-9 89,0-2-359,0 3 360,0-5-90,0 1-180,0-1-3277,0 1 3432,0 0-480,0-1 415,0 1-90,0 0 180,0-5-331,0 4 61,0-4 90,0 9-90,0 1 180,0-5-180,0-1 3068,0-5-3068,0-2 597,0-2-507,0-1 203,0-7-1552,0 3 719,0-12-179,0 2-1,0-12 91,0 0 539,0 2-360,0-1 180,4 7 0,-3 1 360,7 0 0,-3-5 0,5 0 0</inkml:trace>
-  <inkml:trace contextRef="#ctx0" brushRef="#br0" timeOffset="476702">14207 11562 10141,'5'0'1259,"-1"0"-899,0 0 270,1 4-180,5 1-270,-1 4-1,-4-3 1,3 2 0,-2-3 0,3 4 360,4 13-450,-2-10 90,2 10 90,-4-8-91,1-4-179,-5 7-3212,3-6 3392,-3 6-1007,5-2 917,-1-1 0,4 8-270,-6-11 180,5 11-2025,-7-12 2205,0 4 409,4-1-1129,-4-2-388,4 6-511,0-6 989,-3 2-449,2-8 449,-7-1 90,7-4 1888,-3 0-1528,5-4 0,-1-5 0,0-6 0</inkml:trace>
-  <inkml:trace contextRef="#ctx0" brushRef="#br0" timeOffset="476961">14542 11543 7533,'-5'-9'0,"-4"4"1529,8 1-180,-7-1-989,3 4 0,0-3-1,-3 4-179,2 4 180,-7 2-180,3 3 270,-16 13-90,5-2-360,-11 16 269,8-11-766,6 2 497,-8 8 0,9-12-270,-10 16 270,9-19-180,-1 3 270,-3-5-360,6 1 90,-13 4-809,12 0 449,-6-3-401,14-2-589,5-13 811,8-1 719,5-4 0,10-4 0,5-1 0</inkml:trace>
-  <inkml:trace contextRef="#ctx0" brushRef="#br0" timeOffset="477421">14644 11720 7533,'-5'0'3276,"1"0"-2325,4 0-1760,0 4 539,4 1 270,-3 5-180,3-1 450,-12 12 180,6-8 89,-10 17-179,6-10-180,1-1 90,1 3-3482,4-12 3032,0 4 180,0-5-360,0 0 0,0 5-269,0-4 359,0 3 180,0-7 3366,0-2-3610,4-4 64,1 0-629,5-4 179,3-10 450,-7 3-359,7-7-91,-8 1 720,4 5-90,1-9-270,-1 6 720,-4 1-270,3 0-180,-7 5 630,3 4-360,1-4-90,-4 8-90,3-3 1259,0 0-629,-3 3-181,3-3 631,-4 4-451,0 0-179,4 0-180,-3 0 0,3 4 0,-4-3-90,5 7-1,-4-2 181,3 3-90,0 0-90,-3 1 0,3-1 0,-4 0 180,4 0 179,5 5-1258,2-4 359,2 0 270,-3-2-1259,-1-7 629,0 3 270,0-4-1259,1 0 720,3 0 359,-2 0-899,6-4 1529,-7-1 0,4-5 0,-5 1 0</inkml:trace>
-  <inkml:trace contextRef="#ctx0" brushRef="#br0" timeOffset="477787">15091 11525 10951,'5'4'1619,"8"5"-1439,-7 1 269,7 4-3726,-3-5 1614,-1 5 3251,0-4-1138,1 7 949,7 2-1219,-5 1 450,9 2-270,-10-3 89,6 0-179,-6-1 0,2 1-90,-4-1 3096,1 1-2440,-1 0-567,0 3-89,-4-2-270,0 7 90,-5-3 0,0-1-359,-9 21 179,-1-16-265,-9 20 535,1-15-2270,-1 9 1461,-4-4 179,4 3-1034,1-16 0,1 0 854,-5 11 135,4-13 1,1-1-46,-3 5 181,-7 1 449,3 0 0,-8 4 0,-1 1 0</inkml:trace>
-  <inkml:trace contextRef="#ctx0" brushRef="#br0" timeOffset="501181">3350 13450 7533,'-15'0'719,"6"0"-359,5-4 0,4 3 809,0-3-989,4 4 360,1 0 359,17 4-539,-10-3 0,22 7-180,-9-7-360,8 3 180,3-4-360,-7-4 180,3 3-989,-4-3 629,-8 4 270,2 0 0,-16 0-539,6 4-1,-7 6-269,5 0 1079,-5 3 0,-5 1 0,-5 0 0</inkml:trace>
-  <inkml:trace contextRef="#ctx0" brushRef="#br0" timeOffset="501422">3359 13804 7533,'-9'4'1169,"-1"-3"-539,5 3-360,1-4 1079,4 0-1079,8 0 359,-2 0-269,8 0 0,-1 0 180,-2 0-181,6-4 1,-2 3-180,-1-8-180,4 8 90,-4-7 90,5 7 0,-5-3-810,8 0 360,-6 3 270,6-7-1799,-3 6 900,0-2-900,16 4 1079,-12 0 720,16 0 0,-20 0 0,4 0 0</inkml:trace>
-  <inkml:trace contextRef="#ctx0" brushRef="#br0" timeOffset="503206">4363 13292 7533,'0'-5'1259,"0"1"-989,9 4 180,5 0 89,22 0-179,8 0-135,-17 0 0,2 0-135,1-2 0,0 0 45,-3 1 0,-2 0-2461,22-7 2146,-15 3 171,-1 0 188,-10-3-448,6 7 89,-5-4-900,-2 5 541,-1 0 2501,-2 5-3401,-11 0 1439,3 8 0,-13 2 0,-2 3 0</inkml:trace>
-  <inkml:trace contextRef="#ctx0" brushRef="#br0" timeOffset="503721">4391 13422 7533,'-15'0'-270,"2"0"-90,13 0 2879,0 0-1620,0 4-629,0-3-90,0 8 90,0-8-180,5 7 179,8-3-179,7 4 0,12 1-180,1-1 270,-4-4-90,-2 3-629,-4 2 449,-8-4-450,3 11 360,-9-11 0,0 7 0,-4 1-180,-1-4-89,-8 16 269,-9 3 90,2 1-322,-11 5 412,7-16 0,-3 8-180,-9 1 180,6-3 0,-6-2 0,0-2 180,7-9-270,-3 9 180,1-10 90,11 2-180,-7-8 682,9 4-233,0-8 91,3 3-540,2 0 180,4-3 450,21 3-361,-3-4-89,14 0 90,-10-4-180,1 3 90,1-3-90,4 0 180,0 3 0,-4-3-90,3-1-90,5 4-90,-2-3-77,2 4-373,-10-4 360,-3 3 0,0-3-360,-5 4 270,4 0 90,-8 0 0,8 0-989,-8 0 449,3 4 271,-3-3-644,3 7 373,-7-7 271,7 4-811,-8-1 1170,0 1 0,-1 0 0,-4-1 0</inkml:trace>
-  <inkml:trace contextRef="#ctx0" brushRef="#br0" timeOffset="504441">4224 14204 7803,'0'5'1079,"4"3"-629,-3 1-270,3 2 89,0 2-89,-3 5 90,3-7-90,-4 11 90,0-4-90,-4-2 0,3 6-90,-7-4-90,3-2-90,0 5 0,-4-10-360,8 6 90,-3-11 180,4 3-629,0-9-1,0 0-179,4-9 89,6-5 541,0-6 89,-1 2 270,4-4 0,-7 7 359,11-12-359,-6 7 0,2 1 1080,-3 2-271,3 2 541,-3 1-1081,4 5 91,-5 4 0,-4 1 0,4 3-90,-4-3-180,0 8 90,-1-3-1,0 8-89,-3-4 0,3 4 180,-4 13-180,0-2-270,0 12-359,0-8 269,4-5 180,-2-6 0,2-8-540,-4 4 270,4-4 270,-3 0-89,7-1-1171,-3-4 1350,9 0 0,-4 0 0,4 0 0</inkml:trace>
-  <inkml:trace contextRef="#ctx0" brushRef="#br0" timeOffset="504631">4559 14259 7533,'5'-5'449,"-1"-3"361,-4 7 0,4-7-451,2 7-359,-1-4 90,7 5-90,-6 0 90,8 0-180,-5 0-629,0 0 89,1 0-449,-1 5 449,-4 0 270,-1 4 360,-4 0 0,0 1 0,0-1 0</inkml:trace>
-  <inkml:trace contextRef="#ctx0" brushRef="#br0" timeOffset="504776">4587 14390 7533,'0'5'-90,"0"-1"2249,0-4-1530,4 0-449,1 0 0,4-4 0,1 3-180,-1-8 180,9 4-1350,-7-4 631,11 0 269,-12 4 270,8-4 0,-8 4 0,4-4 0</inkml:trace>
-  <inkml:trace contextRef="#ctx0" brushRef="#br0" timeOffset="504962">4885 14231 9691,'0'19'2249,"0"-4"-2069,-4-2-450,3-4 180,-4 1 180,5-1-1349,0 4 629,0-2 360,0 2 181,0 1-1621,5-4 1710,-4 3 0,7-3 0,-3-1 0</inkml:trace>
-  <inkml:trace contextRef="#ctx0" brushRef="#br0" timeOffset="505516">4568 12715 7533,'-9'4'-180,"4"-3"0,1 8 899,4 0 541,-5 26-990,0-11-180,0 19 269,1-23-89,0 3-90,3-1-180,-7-2 180,7 7 0,-8-7-180,4 11-90,-4-3 270,-1 1-810,1-2 270,0-8 270,4-9-359,-4-1 179,8-9-1079,-7 0 1349,3-5 0,-4-4 0,-1-5 0</inkml:trace>
-  <inkml:trace contextRef="#ctx0" brushRef="#br0" timeOffset="505734">4522 12855 7533,'5'0'270,"7"0"-1,-6 0-179,8 0-3367,-5 0 1883,5 0 3703,0 8-1680,1-6-269,-2 15 0,-8-11-180,4 11 1039,-4 2-949,4 1-360,-4 2 180,8 1 90,-11-3-810,10-2 450,-7 0 3456,0-8-3250,4 4-1195,-4-5 180,4 0-271,1-4 541,-1 0 179,0-5 540,0-5 0,1 0 0,-1-4 0</inkml:trace>
-  <inkml:trace contextRef="#ctx0" brushRef="#br0" timeOffset="505980">4866 12725 7533,'-4'-11'1889,"3"3"-1080,-3 8-359,0 0-270,3 4 899,-8 5-899,8 2-180,-7 6 270,7-6-90,-3 6-180,4-7 180,-4 16 0,3-9-180,-8 10 90,8-5 89,-3-2-89,0 3-449,3 0-1081,-7 21 1171,7-15 179,-3 10-1170,4-21 541,0-8 269,0 4-1079,0-5 709,0 0 1,0 0 0,0 1 0</inkml:trace>
-  <inkml:trace contextRef="#ctx0" brushRef="#br0" timeOffset="507884">5768 13292 7083,'-5'0'1349,"-3"0"-1079,7 0 90,-7 8-90,7-2-90,-4 8 269,1 8-179,-1 2-90,0 9-180,-3-5 360,2 7-180,-3 0-180,4-1 180,-3 1-90,2-16-90,-3 8 0,4-3 0,-3 4 90,-2 12-180,0-9 180,-3 10-270,-1-1 0,0-1-428,-1 8 608,2-18-180,8-3 180,-4-8 0,8-2-90,-3-3 90,4-5 0,-4-7 0,3 8 0,-3-8 90,4 3 810,0-4-113,8 0-697,-6 0 90,11 0 90,-4 0-180,1 0 270,12 0-270,-6 0 179,10 0-89,-6 0-90,3 0 225,4 0 0,2 0-135,-1 0-180,-1 0 0,1 0 270,3-4-180,-13 3-180,12-3 90,-20 4-90,8 0-360,-8 0 180,4 0 180,-5 0-449,5 0 89,0 0 180,1 4-899,-2-3 539,-4 3 180,1-4 90,-1 0-809,-4 0 180,7 0 989,-9-4 0,9-6 0,-7-4 0</inkml:trace>
-  <inkml:trace contextRef="#ctx0" brushRef="#br0" timeOffset="508151">5787 13283 7533,'-5'-15'0,"1"-2"180,4 2 179,0 1 811,0 0-451,8 5-89,2 4-540,5-3 180,2 6-90,-6-2 0,6 4-91,2 0-89,5 0-179,-1 0-91,0 4-720,-8-2 451,-2 6 269,-8-3-810,4 0 181,-4 12 899,0-2 0,-5 13 0,-5 0 0</inkml:trace>
-  <inkml:trace contextRef="#ctx0" brushRef="#br0" timeOffset="508395">5712 13636 7533,'-4'5'359,"3"-1"91,-7 1-270,7-4 270,-3 3-180,4-4 90,0 4 1169,12 5-1349,0-3 179,6 7 271,4-12-270,2 3-360,5-4 90,-1 0-90,-6 0 180,-7 0-900,2 0 360,-6 0 270,6 0 0,-6 0-1529,6 0 720,-6 0 359,6 0 540,2 0 0,-4 4 0,3 1 0</inkml:trace>
-  <inkml:trace contextRef="#ctx0" brushRef="#br0" timeOffset="510637">6290 13934 7353,'-6'-10'1259,"2"5"-1169,4 1 90,0 4-90,0-4 0,0 3 360,0-3-360,4 8 89,2 1 1,-1 0-90,3 4 90,-3-8 0,0 3-180,0-4 180,-1 0-180,1 4 90,0-3-90,3 3 90,-7-4-90,3 4 90,1-3-180,-4 3 180,7-4-90,-7 0 90,7 0 0,-7 0-180,3 0 90,1 0 90,-4 0-270,3 0 180,-4 5 0,0-4 0,0 3 0,0 0-90,0-3 90,0 7-180,0 1 180,0 6 0,0-1-90,-4 0 0,-2 3 0,1-5 90,-3 9 0,7-10 0,-7 6-90,2-6 90,1 6-90,-3-6 180,3 2-180,-9 5 90,0-3-3277,4 4 3162,-3-6 115,4-4-90,-1 1 180,0-1-90,2-4 90,7-1-90,-3 0 3276,4-2-2980,0 2-296,4-4 270,1 0 90,4 0-360,1 0 270,-1 0-91,4 0-269,-6 0 180,9 0 0,-14 0-449,11 0 269,-8 0-90,4 0 270,0 0-1170,1 0 451,-1 0 269,5 0 180,-4 0-1259,3 0 719,1-4 720,-4 2 0,8-6 0,-4 3 0</inkml:trace>
-  <inkml:trace contextRef="#ctx0" brushRef="#br0" timeOffset="511055">6606 14148 7533,'-9'0'0,"4"0"719,1 4-269,4-3-90,0 7 0,-5-3-180,4 0-1,-7 4 1,7-4 0,-3 4-180,0 1 180,3-1 0,-3 0-180,-1 5 180,4 0-180,-3 1 180,4-2 0,0-8-720,0 3 270,0-7 90,0 4-449,0-1 179,4-3-90,2 3 90,3-12 181,0 6 89,-4-15 90,4 11 90,-8-8-180,11 1 90,-10 3 180,11-4-90,-8 5 360,4-5-1,0 4-269,-3 1 540,2 5-270,-7-1-180,3 4 90,0-3 89,-3 4-179,3 0-90,0 4 180,-3 2-90,8-1-270,-8 3 270,3-3 0,-4 5-90,0-1-90,0 0-90,4 0 180,-3 1-360,3-1 180,-4 0-90,0-3-1259,4 2 1169,-3-3-899,8 0 539,-8-1 270,7-4 360,-7 0 0,7 0 0,-3 0 0</inkml:trace>
-  <inkml:trace contextRef="#ctx0" brushRef="#br0" timeOffset="511430">6857 13962 7533,'0'-5'1259,"0"-8"-899,0 11-180,0-6 0,0 8 1169,0 0-899,0 4 359,4 13-539,-3-4-270,7 13 360,-7-8-90,3 10-1,-4 5-179,0-4-90,0 2 0,0-11 90,0 3-180,0 3 90,0-5-90,0 10 0,0-7 180,0 0-359,0-6 179,0 0 0,0-8 90,0 8-360,0-8-90,0 8 450,0-8-540,0 4 271,0-5-1,0 0-720,0 0 181,4 1 269,-3-1 180,4-4-719,-5-1 269,0-4 810,4 0 0,-3-8 0,3-2 0</inkml:trace>
-  <inkml:trace contextRef="#ctx0" brushRef="#br0" timeOffset="511791">7061 13990 7533,'-9'0'359,"4"0"271,-3 0-180,7 0 1709,-4 0-1800,14 0 1,1 8-180,5-6 0,-2 10 180,-4-2-180,5 0-90,-4 3 90,4-3 89,-1 7-448,-3-1 179,4 7 89,-5-9-538,0-1 269,-3-3 90,2-1-450,-3 9 360,4-11 0,1 9-989,-5-10 449,3 3-629,-3 0 450,5-4 359,-1-1 540,-4-4 0,3 0 0,-2 0 0</inkml:trace>
-  <inkml:trace contextRef="#ctx0" brushRef="#br0" timeOffset="512053">7359 13906 7533,'-14'0'0,"5"0"0,4 0 1079,1 0-539,-1 0-180,-4 4-1,4 1-89,-4 4 0,4 1-180,-8-1 270,2 5 0,-2-4-181,4 3 1,-1 1-180,1-4 360,-17 32-360,13-21 0,-13 23 0,17-26 0,-5 1 0,4-1 90,-4 1-450,5 0 180,0-5 90,-1 4-809,1-8 449,0 3 180,4-7 91,-4 2-901,8-7 450,-3 3 181,4-4 359,0 0 0,0 0 0</inkml:trace>
-  <inkml:trace contextRef="#ctx0" brushRef="#br0" timeOffset="512566">7471 14129 7533,'0'5'0,"0"-1"899,0 1 91,0 0-631,0 0 181,0 3-180,0-3 0,-4 0-180,3 4-1,-3-4 91,0 4-180,3 5 90,-4-4-90,5-1-90,0 0 270,0-4-90,0 8-450,0-7 180,0 11 0,0-15-360,0 15 1,0-11 269,0 3-450,0-5 360,0 0 0,5-3-269,-4 3 179,3-4 180,0 0-180,-3 0 90,3-4-89,0 3 89,-3-7 0,8 3-180,-4-9 180,0 4 270,-1-7 0,0 6-180,-3-2 450,3 3-180,0 1-180,-3-4 900,4 6-360,-5-5-271,0 7 631,4 0-90,-3-4-451,3 4 1,-4 0 270,4-3-180,-3 7-360,3-7 90,0 7 90,-3-4-1,8 1-179,-8 3 180,7-3-180,-7 4-90,7 0 180,-7 4 180,3 1-180,1 5 0,-4-1 0,3 0 180,-4 1 539,4 20-719,-3-16 90,3 16-450,0-21 270,-3 5 0,3-4 90,1 4-1799,0-5 1440,4 0-1081,0 0 91,5-3 899,-4-2-809,8-4 1169,-8 0 0,8 4 0,-4 1 0</inkml:trace>
-  <inkml:trace contextRef="#ctx0" brushRef="#br0" timeOffset="518428">8261 13264 6453,'-5'0'810,"1"0"269,4 0-899,0 4 0,-4-3 90,3 7-90,-7 2 0,7 0-90,-3 4 90,-1 3 89,-3 7-3391,-7 17 3212,5-10-39,-6 13 39,14-24-90,-11 7 179,8 4-89,-4-5-90,3 6 180,-2 7-90,7-12-90,-3 14 0,0-14 90,3-3 0,-3 3 3148,4-7-3508,4 11 374,1-2-194,8 4-90,-6-9 180,5-3-540,-3-6 91,10-1-541,4 0 271,5-9-271,-4-5 360,3-10 630,-12 0 0,7-12 0,-8 3 0</inkml:trace>
-  <inkml:trace contextRef="#ctx0" brushRef="#br0" timeOffset="518761">8420 13627 7533,'-18'16'1079,"7"-7"-809,-3 16 270,6-10 179,7 8-629,-3-4 90,4 4 0,0-8-180,0 2 180,0 2-270,8 0 90,3 0 0,7-6-360,-3-7 90,6-2 180,-5-4-269,7-4 269,-5-2-90,1-3-3097,-5 0 2802,0-5-1305,-5 4 1780,5-3-307,-4 3 217,-1-3 180,-1-2-90,-7 1 2357,4 0-2357,-5 5 90,0 0 0,0 4-90,-5-4-90,-4 4 360,-1 0-270,-8-3 0,4 7 2601,-13-3-2601,-2 4 90,4 0-90,-1 0 251,12 4-521,-1 5 270,6-3 0,5 11 0,4-11 0,0 7 0</inkml:trace>
-  <inkml:trace contextRef="#ctx0" brushRef="#br0" timeOffset="519602">8857 13766 7533,'0'-9'2069,"0"0"-1890,0-1 1,-4 5 0,-1-3-90,0 3 180,-3 0-90,2-4 0,-3 4-90,0 0 90,-1-3 0,1 7-270,0-3 90,-1 4-360,-3-4 360,3 2 0,0-2-90,2 8-180,7-2 180,-7 6 0,7-3-90,-7 8 180,6-2 0,-2 2-90,4-4 90,0 5 0,0-4-90,0 0 270,0 2-180,0-10 180,0 10 0,4-6-180,-2-1 90,2-1-90,4 0 90,2-3-180,5 3 90,-2-8-90,-4-1 0,1 0-3187,-1-4 3072,0 4-134,1-4 249,-1 0 90,0 3 180,1-2-90,3-1-90,-3 3 270,0-7-90,-2 8-1,-3-4 91,5 0 90,-1-1-360,0 1 180,-4 0 3044,-1 3-3224,1-2 507,-4 3-507,3-4-90,-4-1 0,0 1 90,-4 4 0,3 1-90,-4 4 90,5 0 0,-4 0 0,3 0-180,-3 8 180,0 2 0,3 9-90,-3 4 270,4 5-180,0-4 0,0-1 450,0 3-270,0-9 180,0 26-270,0-12 90,4 19-90,-3-16-180,3 2 270,0 0-90,-3-6-90,3 6 89,-4 0 1,0-6-180,5 2 180,-4-1-180,3-6 180,-4 3 0,-4-1-3367,3-7 3252,-8-2-401,4 0 426,0-8 0,-7 8-90,1-8 90,-7-1 0,3 0-270,-7-8 90,3 3 2821,-9-12-2731,8 1-179,-2-10-2666,12 6 2755,-3-6-1592,3 2 1772,1 1-180,0-12 1,4 10 269,0-7-90,5-3-90,5 14 180,0-14 2693,8 3-2603,-2 2 0,2-6-270,9 5 270,-6 2 2200,11-3-2380,-4 9-360,1 0-90,5 3 1,3 1 179,4-3 180,-7 4 0,-1 1-2159,3-1 2249,-10 8 0,5-7 0,-7 3 0</inkml:trace>
-  <inkml:trace contextRef="#ctx0" brushRef="#br0" timeOffset="540504">9267 13357 7533,'-5'-4'1979,"5"3"-1800,5-7 271,8-2-270,-2 0 0,2-3 0,1 3 270,0-3-450,1 7 0,-2-7 180,-4 8-270,-4 0 90,4 1 0,-4 0 90,0 3-90,3-4-90,-7 5 0,4 0 90,-1 0-90,-3 0-90,3 0 180,-4 9 90,0 1 0,0 13-90,0-4 180,0 4-3303,0 0 3123,0-3-842,0 2 1022,0 1-2050,0 1 1960,0 4-1107,0-5 1287,0 9 1329,0 5-1509,0 2 0,0 2 0,0 12-180,0-16 135,0-10 0,0 0 45,0 6-180,0 3-90,0-7 270,4 3-180,-3 8 90,3-4 90,-4 5-270,0-9 90,0-4 465,0 8-555,0-14 2524,0 8-2704,4-12 2662,-3-2-2392,4 1-128,-5-11-142,4-2 90,-3-4-719,3 0 449,0-4 180,-3-2-269,3-7 269,-4-1 0,4-9 360,-3-5 0,3-5 0,-4-4 0</inkml:trace>
-  <inkml:trace contextRef="#ctx0" brushRef="#br0" timeOffset="540828">9425 13385 0,'-5'-5'0,"-3"-3"1602,7 7-1691,-3-4 1318,4 1-150,0 3 410,0-3-1039,0 0 2826,0 3-2441,4-3-655,1 4 270,4 0 270,9 0-181,1 0-179,5 0-180,-5 0 0,-2 4 90,-2 1 179,12 13-89,-7-3-360,3 4 90,-9-6 90,-5-3 0,-4 3-180,-1-3 360,0 16-180,-3-14-360,-1 14 180,-9-3 90,-1-2-270,-4 6 90,5-5 0,-4-2-540,-2 7-2647,1-7 1543,-4-2 745,4 0-270,-9-12 719,7 2 540,-1-8 0,3-4 0,0-1 0</inkml:trace>
-  <inkml:trace contextRef="#ctx0" brushRef="#br0" timeOffset="545312">9936 13264 7443,'-5'9'1079,"-3"5"-629,3 4-90,-5 6 179,1 4-89,0 4 0,0 1-2460,3-4 2370,-2-2-180,7-4 0,-3-4 0,4 8 270,0-7 89,0 19-179,4-4 0,-3 16-360,7-9 0,-2 0 0,3-13 180,-4-7-450,3-8 180,-7-5 0,8 0 0,-4 1-809,0-5 539,3-1 1290,-3-4-1290,5 0-899,-1-4 539,-4 3 270,3-7-809,2 2 1259,-4-3 0,6-4 0,-6-2 0</inkml:trace>
-  <inkml:trace contextRef="#ctx0" brushRef="#br0" timeOffset="546236">10169 13404 7533,'-5'0'90,"1"0"90,4-5 89,-4 4-89,3-3 0,-4 4 450,1 0-270,3 0 1349,-3 0-1350,17 4-89,-2 6 0,12 0-450,-9-1 270,4-5 0,-4 1-270,5 0 0,-1 0 90,-3-1 90,-6 0-90,4-3 0,-11 3 90,6-4-89,-8 5-1,4-4 180,-3 3-270,3 0 0,-4 1 90,0 0-180,-4 3-90,-1 2 90,-8 4 180,2 5-90,-15 4 91,14-8-1,-10 3 90,9-5-180,-2 1 360,-3 5-3457,7-9 3072,3 3 654,8-8 91,0 4-270,0-3-90,0-2 180,4 0-1,1-3 2917,5 7-2890,-1-7-206,0 3-90,5-4-90,0 0 0,1 0 0,-6 0 90,-1 0-810,-3 0 181,9 0-900,5 0 359,0 0-269,4 0 270,-4 0 1079,-5 0 0,-1-4 0,-3-1 0</inkml:trace>
-  <inkml:trace contextRef="#ctx0" brushRef="#br0" timeOffset="546644">10448 13543 7533,'0'9'1709,"0"1"-1349,-4-5 449,3 7-179,-3-1-91,4 11 1,0-2-360,0 7-90,-4-7 0,3-2-90,-3-4 180,4-1-180,0-3-540,0 0 90,0-2 360,0-7-719,0 3 269,4-4 270,-3-4-449,3-1 269,0-5-90,1-3-179,5-6 449,-1 0 0,4-4 90,-2 13 540,-2-3-270,3 8 629,-5 0-179,6-3-360,-8 7 540,4-4 89,-4 5-269,0 0-180,-1 5-91,0-4 1,-3 7 90,8 1-90,-8 6 0,3 3-450,-4 1 90,4 0-1619,-3-1 0,11-3 899,-10-6 361,11-5 89,-8-4 360,0 0 0,8-4 0,-3-1 0</inkml:trace>
-  <inkml:trace contextRef="#ctx0" brushRef="#br0" timeOffset="546867">10746 13478 8972,'5'0'2339,"4"0"-1980,-8 0-269,7 0-360,-7 0 180,7 0 90,-2 0-269,3 0 179,0 0 0,0 0-1529,1 0 1259,-5 0-809,3 0 449,-7 0-180,3 0 541,-4 4 359,0 1 0,-4 5 0,-1-1 0</inkml:trace>
-  <inkml:trace contextRef="#ctx0" brushRef="#br0" timeOffset="547028">10765 13571 7533,'-5'10'1529,"1"3"-1169,4-12 359,0 3 91,0 0-450,0-3-91,4 3 91,1-4-360,8 0 0,-2 0-719,6 0 269,6-4-1079,2-1 90,3-4 1439,-5-1 0,-5 1 0,1 0 0</inkml:trace>
-  <inkml:trace contextRef="#ctx0" brushRef="#br0" timeOffset="547229">11072 13487 7533,'5'10'-270,"-1"-1"180,0-4-3187,-2 3 1703,2-2 2611,-4-1-138,0 3 536,0-3-1075,0 4 0,0-3 89,0 2-89,0 1-90,0-3 2598,0 7-2598,0-4 548,0 1-997,0 4-451,0-9-360,0 3 451,0-7 179,0 3-1259,4-4 1652,-3 0 0,7 0 0,-3 0 0</inkml:trace>
-  <inkml:trace contextRef="#ctx0" brushRef="#br0" timeOffset="547442">11156 13292 2935,'-9'0'0,"3"0"1959,2 4-1959,4 1 2952,0 5-1782,0-1-113,0-4-338,0 7-539,0-9 0,0 9-90,0-7 90,4 0 1328,-3 4-1418,8-8 179,-4 7 91,0-7 0,3 3-360,-3-4 0,5 4 0,-1 1 0</inkml:trace>
-  <inkml:trace contextRef="#ctx0" brushRef="#br0" timeOffset="547790">11304 13180 7623,'5'0'1169,"3"0"990,2 4-1260,4 2 181,1 3-451,2 9-3661,-6-7 3212,2 11-1165,-4-12 1345,-3 7-2063,2-2 1883,-3 8-1259,0-4 1169,3 4 1619,-7 8-1620,8 3-736,-8 4 647,3-6 808,-4-5-1167,-4-3 2053,-1 16-1964,-5-4 180,1 5-90,0-9 2128,-1-4-2668,-3 8-809,-2-6 180,-3 6 989,3-16-1169,2-7 720,4-9 809,-1 0 0,-3-2 0,-2 2 0</inkml:trace>
-  <inkml:trace contextRef="#ctx0" brushRef="#br0" timeOffset="548233">11639 13562 7533,'5'4'1439,"-1"-3"-1079,1 3-1,-4-4-179,3 0 0,0 0-450,-3 4 270,3-3 0,0 3 180,-3-4-1169,7 0 539,-6 0 270,6 0 90,-3 0 90,0 0 0,8-4 0,-3-1 0</inkml:trace>
-  <inkml:trace contextRef="#ctx0" brushRef="#br0" timeOffset="548718">11788 13348 7533,'-13'0'539,"6"0"-449,-1 0-90,8 0 630,0 0 719,4-8-1349,-3 1 90,8-2 90,-4 1-90,8 7-270,-3-8 180,4 8 0,-5-7 90,5 7-90,0-7-90,-3 3 180,1-1-90,-7 2 90,4 4-90,-3 0 90,-2 0 0,-4 0-90,4 0 270,-3 0-90,3 0-180,-4 4 269,0 2-89,0 7-90,0-3 0,0 4 0,0-1-3367,0 2 3342,0 3-1475,0 1 1500,0 0 180,0 12-180,0-10 0,0 14-755,0-11 1025,0 4 1686,0 0-1866,0 0-90,0 0-90,-4 4 0,3 13 0,-3 4-90,4-2 180,0-6-270,0-13 0,0-5 270,0 4-450,0-7 180,0 3 90,0-1 1,0-2-91,0-1 1566,0 11-2105,0-17 359,0 9 90,0-14-359,0-7-91,0 3 1020,0-12-1110,0-2 835,0-9-25,0-4 0,-4-1 0,-2-3 0</inkml:trace>
-  <inkml:trace contextRef="#ctx0" brushRef="#br0" timeOffset="549007">11881 13450 7533,'0'-14'1619,"0"0"-2069,4 1 0,1 7 90,5-7 720,3 8-90,2 0 720,-1 1-451,0 4 1,3 0 269,-5 0-269,5 0-270,-8 0 0,1 4-90,-1-3 0,0 7 0,1-7-90,-1 7 179,0 2-89,-4 4 0,0 5 90,-5-5-270,-5 4 0,0-4-180,-21 30 180,9-20-225,1-1 0,1-2 45,0-3 91,2 1-811,0 0 270,-2-1 450,0-3-1079,2-2-180,4-8 629,-1 0 361,5-5 89,-3-5 360,7 0 0,-7-8 0,2-2 0</inkml:trace>
-  <inkml:trace contextRef="#ctx0" brushRef="#br0" timeOffset="549333">12281 13329 7533,'0'-5'-540,"0"1"360,0 0 540,0 3 809,0-3-359,-4 4-450,3 0 269,-7 0 271,3 8-720,0-2 269,-4 12 271,4 4-630,0-1 90,1 6 0,4-9 0,-4 5 269,3 9-269,-3-2-270,4 2 270,0-5 0,0-3 90,0 4-540,4-4-2572,1 7 2842,0-11-1300,8 15 311,-3-6 809,4 0-1349,4-6 719,-8-10 181,4-3-361,-1-1 451,-3-4 179,4-1-90,-1-4 450,6 0 0,1 0 0,2 0 0</inkml:trace>
-  <inkml:trace contextRef="#ctx0" brushRef="#br0" timeOffset="549984">12533 13366 7533,'-5'-14'0,"0"0"-360,5 1 360,0 3 180,0-4-540,0 9 180,0-3 0,0 3 90,0-1 0,5-2 180,-4 7-90,3-7 0,0 7 0,-3-7 90,3 7 0,-4-4-90,0 5 180,4-4 0,-3 3-180,3-3 450,-4 4 1079,0 0-1349,-4 4 359,3 1-179,-3 5 90,0 3-180,3 2 90,-7 3 89,7 9 91,-8-2-180,8 3 0,-7-1-180,7-8-1556,-3 8 1735,0-7-562,3 7 203,-3-8 90,-1 8 90,4-7 0,-3 7 179,4 17-179,0-11-180,0 16 90,4-17 1482,2 1-1482,3-8-269,0 1 89,0-16 90,1 3 457,-1-3-637,0-5 0,1 3 270,-1-7-360,0 3 180,1-4-90,-5 0 180,-1 0-270,0 0 0,1 0 0,0-4 181,0-1-91,-5 0 180,0-3-90,0 6 0,0-6-180,0-1 180,0 3 0,0-7-90,-5 8 90,4 0 0,-3-3 0,0 3 0,3-5 0,-3 5 0,4 1 0,0 0-89,-4 3 89,3-3 180,-3 4-810,4-4 450,-5 2-180,4-2-179,-3 4-990,4 0 179,0-4 1440,0 3 0,-4-7 0,-1 3 0</inkml:trace>
-  <inkml:trace contextRef="#ctx0" brushRef="#br0" timeOffset="550774">12328 13394 8072,'0'5'1170,"4"4"-810,1-8-1,0 7 541,8 1-450,-7 2-181,12 2 1,-8-4 180,8 1-90,-8-1 0,8 0 89,-8 1-179,7-1 90,-2 0-180,4 1 270,3 3-181,-6-3 1,6 4 90,-4-1-90,2 2-180,-2-1 90,-4-5 0,-5 0-450,-4-4 360,8 8-1350,-7-2 1081,7 2-631,-7-8 450,-2 3 90,0-2 91,-3-1-1710,7-1 899,-7 0 361,3-3-191,0 7 1,1-2 0,4 3 0</inkml:trace>
-  <inkml:trace contextRef="#ctx0" brushRef="#br0" timeOffset="551269">12746 13627 7533,'-5'0'-270,"1"-4"630,4 3 2916,0-4-2775,4 18-321,-3-6 0,3 11 90,-4-5-270,0-2 360,4 10-180,-3-5-180,3 2 180,-4 0-450,0-8 180,0 4-1349,5-1 449,-4-7 541,7 3 179,-7-14 0,3 4-360,0-11-179,-3 2 179,7-17 270,-7 2 360,4-7 90,-1 4-180,-3 8 1080,7-1-541,-7 15-179,3-3-180,0 5 900,-3 3-91,8-3 91,-4 4-271,4 0-359,-4 4-90,0 1 270,-1 5-181,1 3-89,0 1-90,-1 1 90,-4-2-270,4 1 90,-3 0-1889,8 5 1619,-4-9 0,0 3-1349,7-8-630,-6 4 2159,12-4 0,-8-1 0,4-4 0</inkml:trace>
-  <inkml:trace contextRef="#ctx0" brushRef="#br0" timeOffset="551792">13090 13069 7533,'0'-5'2788,"-4"5"-2608,3 5 360,-3 4-181,4 0 1,0 5 90,0 8-270,0-1 90,0 6 90,4 12-1,-3 2-1653,8 10 1564,-8-9-90,3-10-270,0 0-281,-3 9 551,3-6-450,0 10 180,-3-4-90,8 11 90,-7-24 1,1 1-991,2 18 540,3-7 1,1-8-900,-2-7 539,5 2 360,-7-12-539,0-2 1677,4-4-598,-4-4 0,4 4 0,1-4 0</inkml:trace>
-  <inkml:trace contextRef="#ctx0" brushRef="#br0" timeOffset="553395">13351 13441 7533,'-9'-5'1079,"0"-4"-899,3 8 180,2-7 90,4 7-271,-4-3 1,3 4 900,-3 0-900,12 0 89,-2-4-89,8 3 0,-1-3-180,-2 4 90,6 0 270,2 0-360,0 0 90,0 0-90,3 0-90,-11 0 90,3 0-90,-6 4-450,-3-3 91,0 11-271,-1 3 540,-4 0-90,0 7 90,-4-8-179,-1 1 269,0 2 90,-3-6 0,3 6-90,-5-2 0,1-1 180,-5 4-3367,8-8 2982,-6 8 205,7-8 450,-5 3-270,1 1 0,0-4 449,4 12-89,0-7 2826,5 0-2620,0-3-566,9-7 0,-7 1-1,14-2-89,-5-4 90,3 0 0,4 0-719,0-4 359,-2-2 90,1-3-809,1-8 449,-3 5 180,4-5-360,-5 3 271,-5 4 89,4-4-90,-2 5 90,6-4 181,-10 2 268,5-2-268,-11-1-1,3 8 270,-4-6-90,0 11 0,0-7 359,0 7 2880,0-4-1890,0 22-989,0-5-91,0 11-89,0 3-180,0-14 180,0 14 90,0-7-270,0 0 180,0 0-450,4-6 180,-3-3-539,7-5 89,-2-1 360,-1-4-360,3 0 1,-3-8-1,9-3-90,-4-11 450,-1 6 90,0-5-90,-8 10 1,7-2 358,-7 3-179,3 5 810,0-3-270,1 3 359,1 0-539,-2 0 0,0 5 359,-3 5 1,7 0-540,-7 4-180,8 0 180,-8 1 90,3-1-180,0 4-270,-3 2 90,7-1 0,-7 0 90,7-5-1260,-7 0 181,8 1 899,-4-5-1349,0 3 90,8-7 1439,-11 3 0,10-4 0,-7 0 0</inkml:trace>
-  <inkml:trace contextRef="#ctx0" brushRef="#br0" timeOffset="553636">13919 13469 8252,'4'5'2339,"-3"3"-1979,7-7 179,-2 3-359,3 0 90,-4-3-90,8 4-180,-7-5 180,7 0-360,1 0 0,-4 0 270,-1 0-1349,0 0 629,-4 0 360,0 0 1,-1 4-2070,0 1 2339,-3 0 0,3 3 0,-4-3 0</inkml:trace>
-  <inkml:trace contextRef="#ctx0" brushRef="#br0" timeOffset="553814">13928 13655 7533,'-5'9'2248,"1"0"-2248,4-3 900,4 2-270,-3-7-271,7 3 1,-2-4-630,3 0 270,0-4-90,1 3-719,-1-7 449,0 6 180,5-6-1259,-4 3 270,12-4-91,-7-5 1260,4 4 0,-2-3 0,-2 3 0</inkml:trace>
-  <inkml:trace contextRef="#ctx0" brushRef="#br0" timeOffset="554013">14207 13515 7533,'5'0'1079,"3"0"-989,-7 0 90,3 4 90,-4 6-270,0 0 0,0 3 1169,0 5-989,0-7 360,0 7-91,0-5-179,0-2-90,0 2-360,0 1 90,0-4 180,0 3 90,0-3-540,0-5 180,5 7 270,-4-10-1259,7 7 90,-3-9-540,4 0 1619,-3-5 0,2 0 0,-3-4 0</inkml:trace>
-  <inkml:trace contextRef="#ctx0" brushRef="#br0" timeOffset="554196">14309 13376 7533,'-9'0'2518,"4"0"-2338,1 0 630,4 0-181,0 4-359,0 1-270,0 4 180,0 1-180,0-1 90,0 0-3367,0-4 2352,4 4-1503,5-4 1528,1 0 900,4-1 0,-9-8 0,-1-1 0</inkml:trace>
-  <inkml:trace contextRef="#ctx0" brushRef="#br0" timeOffset="554891">14542 13152 7533,'-10'0'0,"-3"0"539,12-4-89,-3 3-90,4-3 449,-4 4 721,3 0-1171,-3 0-89,4 4-90,4 1 180,-3 5 0,7 3-180,-3-2 269,5 6-269,-1-2 180,4 11 0,-2-1 0,2 3-180,-4-1 269,1 5-269,-1-6 0,0 21 0,1-24 90,-5 16-180,3-2-90,-7-6 90,3 9-360,-4 4 180,-4-7 0,-1 12 0,-4-12-863,-5-4 1043,4 4-810,-8-8 405,5-5 0,-1 0 135,-7 8-495,4-9 1,-1-1-495,-15 10 809,3-8-1349,-2 3-1568,10-12 1979,3-6 1191,5-5 0,-8-4 1,2 0-1</inkml:trace>
-  <inkml:trace contextRef="#ctx0" brushRef="#br0" timeOffset="595710">15221 13617 7533,'-5'-5'989,"1"1"1,4 0-361,8 3-89,3-7-180,12 7 89,0-3-269,-3 4 180,2 0 0,0-5-180,-5 4 90,9-3 0,-12 4 89,17-4-179,-13 3 0,12-3 0,-11 4-180,-4 0 0,7 0-180,-12 0 90,8 0 90,-8 0-90,8 0 90,-4 0 0,1 0-180,-2 0-90,0 0 360,-2 0-629,-2 4 179,4-3 180,-11 3-1079,6-4 179,-8 0-629,0 0 1709,0 4 0,0-3 0,0 4 0</inkml:trace>
-  <inkml:trace contextRef="#ctx0" brushRef="#br0" timeOffset="596655">16161 13069 7533,'-15'4'180,"6"1"269,1 0 181,3 8-540,-5-3 270,5 4 0,-3 4-271,3-4 451,-5 13-180,1 6-270,4 1-353,-3 3 443,7-9-180,-4-1 180,1 14 0,3 6-3105,-3-6 3105,4 2-90,0-19-180,0 0-90,0 11 270,4-14-54,-3 15-215,12-13-541,-3 5 540,5-8-1169,2-3 1079,-7-7 0,8-5-539,-8-1-900,25-20 1709,-21 7 0,16-21 0,-21 11 0</inkml:trace>
-  <inkml:trace contextRef="#ctx0" brushRef="#br0" timeOffset="596971">16291 13469 7533,'0'-21'-90,"0"4"989,0 17-269,0 0-360,0 5 449,0 4-269,0 1 90,-4 16-360,3-9 0,-3 5-360,4 0 0,0-2 0,8-1 0,-2-1-3097,8-13 2442,-5-1 655,0-4-89,1 0-271,3-8 360,-2 2 270,2-8-360,-4 1 3546,5-2-2980,-8-3-206,2-1 90,-8 5-90,-8 4-90,-2 2 90,-13 7-90,7-3 180,-1 4-180,7 0 0,1 0 270,-4 4-270,6-3 0,-5 3-450,11 0 90,-3-3-1619,4 8 1979,0-8 0,4 3 0,1-4 0</inkml:trace>
-  <inkml:trace contextRef="#ctx0" brushRef="#br0" timeOffset="597617">16664 13487 7533,'5'-9'1349,"-1"0"-719,-4-1-181,0 1-89,0 4-270,0-3 270,-4 3-90,-6-5 0,-4 1-91,-1 0-448,2 3-181,-21 6 540,23 1-450,-23 8-90,29 0 90,0 5 91,1 9 269,4-7-90,0 1-270,4-7-90,5-1 180,6-4 90,-1-1 90,0-4-3187,-5 0 3162,5-4-391,-4 3 596,-1-11-90,4 1 90,-3-7 0,0 3-1,3-2 1,-12 10 3186,3-5-3142,-4 11 355,4-7-399,-3 7-90,3-3 180,-4 4-180,0 0 180,0 8 0,0 2-90,0 5 180,0-2-270,0 1 989,0 4-359,0 10-450,0-3-1,0 6-89,4-12 0,-3 8 180,4 10 0,-5 10-225,0-20 0,0 3 0,0 12 0,0 1-135,0-12 0,0 0-665,0 2 0,0-2 845,0 4-690,0-16 960,0-1-90,0 1-1,-5 3-179,4-6-180,-3 1 1,0-11 1389,-1-2-1390,-4-4 900,-1 0-1260,-3-4 90,-6-14-270,0-7 361,0-8-1,10 5 90,0 6-90,8-1-284,-3 3 464,4-2-295,4-10 385,10 2 0,1-11-90,4 12-270,-6 2-90,5 0 360,-7 7-1169,11-3 1259,-7 1 0,3 7 0,1-8 0</inkml:trace>
-  <inkml:trace contextRef="#ctx0" brushRef="#br0" timeOffset="598277">16850 13255 7533,'-10'5'180,"5"-1"-180,1-4 719,4 0-449,8-4-90,3 3 180,12-7-270,-4 2 0,0 1 0,-6-3 0,1 7 89,0-7 1,5 7-90,-5-3-180,-4 4 0,-2 0 180,-7 4 0,3-3 0,-4 7 0,0-3-90,0 9 270,0 0-270,0 5 90,0-1 0,0 1 90,0-1-1351,0 5 1261,0-3-183,0 3 272,0-1 1,0-2-90,0 7 90,0 9-90,0-9-180,0 12 90,0-3 0,0 8 526,0-1-436,0-3-873,0-16 513,0-1-643,8 12 733,-6-16 0,7 7-539,-5-18 269,-3-7 818,3 3-1268,-4-4 1044,4-4-504,-3-1-146,3-9 506,-4-9 0,-4-1 0,-1-8 0</inkml:trace>
-  <inkml:trace contextRef="#ctx0" brushRef="#br0" timeOffset="598555">17008 13348 7533,'4'-29'359,"1"6"-269,5 10-180,-5 3 990,3 5-180,-3-3-91,9 7-539,-4-3 450,3 4 179,1 0-359,0 4-180,1 1 90,-2 0 0,1 8 90,-4-3-180,4 9 179,-9 3-359,-1-6-90,-4 6 360,0-12-90,-8 20-270,1-17 0,-6 17 180,4-19-630,-1 2 271,1-8 89,0 3-1080,-5-2 451,0 3 629,-1-4-1259,2-1 629,4 0-179,3-3 989,-2 3 0,3-4 0,-4 0 0</inkml:trace>
-  <inkml:trace contextRef="#ctx0" brushRef="#br0" timeOffset="600054">17407 13162 7533,'-9'14'449,"0"4"181,0 0 90,-5 6-91,4 8 1,0 5-450,6-7 0,4 6-90,0-17 90,0 4-1,0 0-89,4-4 0,-3 4 90,8-4 0,-8-1-540,7 1 270,-3-5 90,0 4 0,4-8-809,-4 4 449,0-1 90,3-3 180,-3 0-989,5-2 449,-5-7 270,3 7-539,-7-7 269,8 3-190,-8-4 1,7-4 0,-3-1 0</inkml:trace>
-  <inkml:trace contextRef="#ctx0" brushRef="#br0" timeOffset="600504">17482 13273 8072,'0'-5'630,"0"1"-270,0 4-90,4 0 359,5-4-359,2 3 90,2-3 90,5 4-270,-7 0-1,11 0-179,-4 0 90,-2 0-359,2 0 179,-5 4 180,-3 1-270,4 4 180,-5 1-90,-4-1 90,-1 0-180,-4 13 0,-4-1 0,-5 15 0,-1-16 180,-4 6-90,1-11 0,2-1 90,-6 0 0,6-5 90,-2 0-180,4 1 90,-1-1 0,1 0 0,0-4 0,4-1 180,1-4 0,4 5-90,0-4 450,0 3-360,4-4 89,1 0-179,4 0 0,0 0-90,1 0 180,7 0-90,-5 0-450,5 0 270,-3 0-89,-4 0-271,3 0 180,-3 0-630,7 0-179,-5 0 359,5-4 720,-3 3 0,0-8 0,5 4 0</inkml:trace>
-  <inkml:trace contextRef="#ctx0" brushRef="#br0" timeOffset="600897">17836 13422 7533,'0'-5'2608,"0"1"-2068,0 4-90,-4 0-91,3 4-179,-4-3 90,5 7-270,0-2 270,0-1-90,0 3-270,0-3 270,0 13-270,0-3 90,0 4 0,0-6 0,0-3-720,0-1 450,0-4 91,0 3-901,0-7 810,0 8-269,0-8-91,5 3 360,-4-8-90,7-2 1,-7-3 89,7 0 0,-7 0 180,7-1-270,-2-3 180,-1 2 450,3-2-270,-3 0 1169,5 2-89,-5-2-271,3 8-89,-7 0-360,7 5-180,-7 0 269,3 0-179,1 5 0,-4 0-90,3 0 90,-4 3-180,4 2-360,1 0 180,0 3 90,-1-3-1259,1-5 629,-4 3 360,7-7-1259,-3 7 270,4-2 719,-3-1 540,2-1 0,-7-4 0,3 0 0</inkml:trace>
-  <inkml:trace contextRef="#ctx0" brushRef="#br0" timeOffset="601425">18087 13273 7533,'-9'0'809,"-1"0"-629,5 0 360,-3-4-360,7 3 0,-3-3 629,4 4 271,0 0-901,8 0-89,2 4-90,5-3 0,-2 3-359,13 0-91,-12-2 270,12 2 90,-17-4-360,-4 0 270,3 0 0,-3 0-989,1 4 539,2-3 271,-7 7 359,3-3 0,-8 5 0,-1-1 0</inkml:trace>
-  <inkml:trace contextRef="#ctx0" brushRef="#br0" timeOffset="601616">18115 13422 7533,'0'5'0,"4"-1"629,-3-4-179,7 0 180,-2 0-360,3 0-91,-4 0-179,7 0 90,-5 0-180,6-4-629,1 3 269,-4-7 270,3 7-1439,-3-7 1169,3 3 450,-3-5 0,4 1 0,-9 4 0,3-8 0,-3 3 0</inkml:trace>
-  <inkml:trace contextRef="#ctx0" brushRef="#br0" timeOffset="601783">18301 13329 7533,'0'29'2248,"0"-6"-2248,0-10 90,0-3 90,0-1 0,0 0-180,0 5 270,0-4-450,4 3 0,-3-3-1169,8-5 989,-8-1-449,3-4-1,0 0 1,1 0 809,0-4 0,-1-1 0,-4-5 0</inkml:trace>
-  <inkml:trace contextRef="#ctx0" brushRef="#br0" timeOffset="602023">18310 13152 7533,'6'0'1439,"-2"0"270,-4 0-1349,-4 5-180,3-4-180,-4 3 449,5 0-269,0-3-360,0 3 180,0 0-90,5 1 90,-4 1-989,7 2 269,-3-3 630,0 0-1259,4 3 630,-8-7 179,7 4 270,-7-5 270,3 0 0,0 4 0,1 1 0</inkml:trace>
-  <inkml:trace contextRef="#ctx0" brushRef="#br0" timeOffset="602876">18506 13059 9152,'0'6'809,"0"-2"-449,0 0 0,0-3-180,0 7-180,0-7 180,0 3 0,4-4-1,-3 0 1,3 4-90,-4-3 360,0 4-360,0-1 180,0-3-180,0 3-180,0 0 90,0-3 90,0 3 0,4-4-90,-3 4 0,4-3 0,-5 4 90,0-5-90,0 4 0,0-3 539,0 3-359,0 0-180,0-3 90,0 7 0,0-3-180,0 1 90,0 2 0,0 1 90,4 6-90,-3 3 0,3 5 0,-4 5 0,0 5 0,4-4 0,-3-2-90,3-4 90,-4-4 0,0 4-90,0 4 90,0-7-90,0 3 0,0 3 90,0-5-90,4 2 1,-3-1 89,4-7-270,-5-1 270,0 8-90,0-11-90,4 7 90,-3-5 90,3-2-360,-4-2-90,0-1 360,0-7-1259,0 3 180,4-4 449,-3-4 1,3-1 719,-4-4 0,4-9 0,1-2 0</inkml:trace>
-  <inkml:trace contextRef="#ctx0" brushRef="#br0" timeOffset="603233">18673 13190 8882,'6'0'1079,"-2"4"-809,0-3 360,-3 7-91,11 1-359,-10-2 90,10 5 180,-7-3-270,5 2-180,-1 6 360,0 2-360,0-4 90,1 7 179,3-3-628,2 4-271,-1 1-719,8 11 629,-11-17-179,7 8 89,-5-21 810,-6-1 0,9-4 0,-6 0 0</inkml:trace>
-  <inkml:trace contextRef="#ctx0" brushRef="#br0" timeOffset="603491">18971 13134 7533,'-15'0'0,"2"0"809,3 0-449,1 4-450,0-3 270,-1 7-90,-3-3-180,3 5 1439,-12 7-1169,6-5 180,-2 9 90,-4-2-540,2 13 270,-3 2-180,0-1 0,8-6 90,-2 0-180,3 2 0,3-4 90,-1 1-1529,7-8 1349,0-2-540,1 1 270,4-12 450,4 4 0,1-8 0,4 3 0</inkml:trace>
-  <inkml:trace contextRef="#ctx0" brushRef="#br0" timeOffset="603916">18998 13357 7533,'6'-5'2518,"2"1"-1798,-7 4-360,3 8-91,-4 2 91,0 13 90,0-3-270,-4 7 0,3-4-360,-3 1 0,4-1-450,4-9-179,1 0 179,4-5 450,-3-4-539,2-1-541,1-16 541,2 1 539,2-12-90,-4 4 720,1 1-450,-5-1 989,-1 5-539,0 4 989,-3 2-359,7 3-361,-7 0-89,8 1-450,-8 4 269,7 8-89,-3 2-180,0 5-270,-1-2 270,1 1-540,4 0 90,1 0 270,4 0-1349,-5-9 270,4 3-1,-2-7 181,6 3-1080,-6-12 1979,2 2 0,-4-12 0,1 4 0</inkml:trace>
-  <inkml:trace contextRef="#ctx0" brushRef="#br0" timeOffset="604200">19352 13125 7533,'4'-10'2608,"-3"5"-1978,4 1-1,-5 4-449,4 0 0,-3 0 1080,7 8-541,-3 3 91,5 11-271,3 2 271,1 8-630,-3-7 90,1-2 89,-2 7-179,-4-13-90,6 14 90,-7 4 90,5-4-180,-7-4 0,-1 0-360,2 4 180,-4 8-270,-4-2 180,-1 6-762,-3-12 1,-2 2 446,1-4 0,-2 0-495,-2 3 1,-2 0 43,2-7 0,-2-3 496,-8 16-1349,4-16 1799,1-8 0,4-5 0,-5 1 0</inkml:trace>
-  <inkml:trace contextRef="#ctx0" brushRef="#br0" timeOffset="607326">19753 13013 6633,'5'0'810,"3"0"-810,-7 0 270,7 0-1,-3 0 1,9 0-270,-8 0 90,7 0 90,-8 0-90,4 0 90,-4 0-90,3 0 0,-2 0 0,3 0 0,-4 0-90,3 0 180,-2 0-90,3 0-270,0 0 180,1 0-90,-1 4 180,-4-3-90,-1 3 0,0 0 90,-3-3 0,3 8 0,1-4-90,-4 0 269,3 3-269,-4-7 90,0 8 180,0-4-180,0 4 0,0-4 0,0 3 90,0-2 0,0-1-90,0 3 90,0 1 0,0 6 89,0 3-179,0 1-90,0-4 90,0 2 0,0-2 0,0 3-90,0 1 90,0-1 0,0 5 0,0 9 0,0 2-90,4 3 90,-3-9 0,3-1-90,-4-7 0,4 3 90,-3-1-180,3 10 180,-4-6-90,4 9 0,-2 2 0,6 2 0,-7 3 0,3-10 90,0 3 0,-3-1-1696,3-6 0,0-1 1606,-3 9 0,4 4 90,-5-22-90,0 5 90,0-3 89,0 15-89,0-5 90,0 11 90,0-4-90,0-12 3096,0 1-2980,0-16-206,0 4 0,0-5 0,0 0 0,0 1 0,0-1 90,0 4-1,0-2-89,0 2 0,0-8 0,0 4 90,0-8-90,-5 7-90,4-7 90,-7 3-270,3-4 90,-4 4 0,-1-3 180,1 3-1439,-4-4 719,2 0 271,-6 0 89,2 0 0,-8 0 90,0 5 180,-14 4 0,-5 5 0,16-4 0,0-1 0</inkml:trace>
-  <inkml:trace contextRef="#ctx0" brushRef="#br0" timeOffset="608549">7760 12994 7533,'-6'0'719,"2"0"-1079,4 0 450,9 0 90,-7 0 180,18 0-90,-12 4 180,17-3-270,-1 4-180,-3-1 90,1-3 89,-13 3-89,4-4 90,-2 0-180,2 0 180,-3 0-90,-1 0-180,0-4-90,5 3 270,-4-3-360,-1 4 180,0 0-89,-4-5 269,0 4-720,3-3 360,-7 4 90,7 0-629,-7 0 269,4 0 270,-1 0 0,-3 0-269,3 0 539,-4 4 0,-4 2 0,-1 3 0</inkml:trace>
-  <inkml:trace contextRef="#ctx0" brushRef="#br0" timeOffset="609100">7834 13069 7533,'-9'5'-270,"4"-1"90,1 0 630,4-3 989,0 16-1169,0-6 90,0 16-271,4-12 91,-3 7 0,3-7-90,-4 3-180,4 1 180,-3-1 90,3 1-90,-4 4 0,0-4 0,0 8 0,0 5-90,0-2 90,0 2-90,0-5-90,-4-7 0,3 7 90,-7 17 90,2-11-90,1 16 0,-3-13 0,7-6 90,-7 2-180,7-5 90,-8-7 0,8 2 0,-3-3 0,0 8 90,3-11 0,-3 10-90,4-16 0,0 4 0,0-5 90,0 0-90,0 1 0,0-1 90,0 0-90,0 1 0,0-5 90,0 3-90,0-3 0,4 0 0,-3 0 0,3-1 0,0-3 0,-3 7 0,8-7 0,-8 3 90,7-4 0,-3 4-1,4-3-89,-3 4 90,2-5 0,-7 0-90,3 0 0,0 0 270,-3 0-270,8 0 90,-8 0-90,7 0 270,-3 0-270,0 0 180,8 0-90,-7 0 0,7 0 0,-3 0-90,-5-5 90,3 4 0,-3-3 0,5 4-180,-1 0 0,0 0 180,0 4-900,1-3 450,-1 8 180,5-4 180,4 8 0,2 2 0,3 3 0</inkml:trace>
+  <inkml:trace contextRef="#ctx0" brushRef="#br2" timeOffset="-214600.73">18766 10985 7533,'-5'9'-990,"0"-3"1800,5-2-91,0 0-359,5-3 0,-4 3 180,11 0-360,-6-3 179,12 3 91,-8-4-90,20-8-3572,-12 6 3392,9-10-708,-10 6 528,-6-3 360,6-8-540,-2 1 180,-5-3-270,7 2 90,-15 6 90,6-2 90,-8 4-179,0-1 3219,0 1-3130,0 4 0,-4-3-359,-1 7 179,-5-4 90,1 5-90,-4 0 0,-2 0 0,-4 0 270,5 0 789,-8 0-969,11 5 90,-7-4 0,9 7-90,4-3 90,1 4 810,4 5-270,0-4-270,0 8 0,0-8 359,0 8-3571,0-8 3302,4 3-231,1-3 231,8 3-180,6-2-90,1 2 0,-2-8-630,4 3 361,-6-7 89,6 4 90,-7-5-810,2 0 591,-6 0 39,2 0-539,5-5 359,-7 0 90,7 0-539,-9-7 899,0 1 0,1-3 0,-1-12 0,-4 14 3276,-1-14-3160,-4 15-116,0-2 0,-8 0 0,-2-2 90,-5 1 449,2 4-179,3 2-180,5 7 360,-3-3-181,7 4-89,-7 0-90,7 0 720,-4 0-540,5 4-181,0-3 1,0 7 90,5-2-90,-4-1 0,7 3 0,-7-3 0,7 4-270,-7-3 180,7 6 0,-6-2-90,2 9 90,-4 0-270,0-5 180,0 4-90,0-8 180,0 3-270,0 1 90,-4 0 90,2 1 0,-2-2 0,4-4-360,0-3 0,0 2 360,0-7-1079,0 3 899,0-12-450,0 2 271,0-8-631,9-12 630,-7 13 180,6-17 91,-4 15 89,-3 1-180,3 1 180,0-1 0,2 0 0,-1-1 359,-1 6-89,0 1-270,1 2 900,0 1-361,4 1-269,-8 4-90,3 0 630,0 0-1,1 4-539,0 1 90,-1 5-180,-4 3-90,5-2 90,-4 2 0,3 0-91,-4 6 181,0-3-90,4 5 0,-3-10-360,3 2 180,-4-4 0,4 1-629,1-1 359,1 0 180,2-4-810,-3-1 451,0-4 179,3 0-990,-2 0 1,11 0 899,-5 0 360,9-4 0,-10-1 0,2-4 0</inkml:trace>
+  <inkml:trace contextRef="#ctx0" brushRef="#br2" timeOffset="-214311.73">19399 11013 7533,'9'-4'1349,"-4"-1"-1079,4-5 0,-4 1-180,0 0 0,-1-1 719,0-7-539,-3 5-90,8-5-450,-8 4 270,3 2-540,-4 2 360,0 1 90,0 2 0,-4 1-179,3 1 89,-8 0 0,4 3 90,-4-3 90,-1 4-180,-3 0-90,-2 0 360,1 0-90,1 4 450,-1 5-3662,8 2 3392,-7 2-182,8-4 2,0 5 90,1-4 360,0 8-180,3-8 0,-3 8-180,4-8 90,0 3 179,0 1-269,4-4-180,5 4 180,1-9 0,12 3 90,-10-7-1079,13 7 449,-9-7 270,7 3-1439,-5-4 719,1 0 900,4 0 0,-4 0 0,4 0 0</inkml:trace>
+  <inkml:trace contextRef="#ctx0" brushRef="#br2" timeOffset="-213748.73">19557 10827 7533,'0'5'1439,"0"-1"-1349,0 5 180,0-3-90,0 7-1,0 1 1,0-4 180,0 12-180,0-7 0,0 4 90,0-6-270,0 1 180,0-4 0,0 3-1,0-3-448,0-5 179,0 3 90,0-3-810,0 0 450,0 0-1439,0-5 1440,4 0-451,-3 0-179,8-9 989,-8 3 0,3-7 0,0 3 0,-3-3 0,3 3 0,-4-4 0,4 5 0,1 0 0,0 3 0,4-2 0,-8 3 0,7 0 359,-3-3-179,5 6 0,-1-2 630,-4 0-361,7 3-179,-9-3 90,13 0-450,-10 3 0,8-3 270,-1 4 90,-3 0-720,4 0 450,8 4 0,-10 1 0,10 4 0</inkml:trace>
+  <inkml:trace contextRef="#ctx0" brushRef="#br2" timeOffset="-213329.73">19892 10966 7533,'5'0'0,"-1"-4"0,-4-1-90,0 0 90,-4-3 0,3 3 0,-7-5 539,7 5 91,-7-3-450,3 3 180,-5-1 0,1 2-91,0 4-269,-5 0 180,4 0-90,-4 4-270,5-2 180,0 6-90,-1-3 0,5 8 1,-3-2 89,7 2 0,-7 5 89,7 1-89,-3 1-89,4 2-1,8-8 180,-2-4-360,7 3 90,5-12-450,-7 3 360,11-4 90,-11 0-1169,14-8 630,-8-3 719,10-7 0,-13 3 0,-4 2 0,-2 4 0,-7-1-180,7 1 180,-7 0 0,3-1 0,-4 1 180,4 4-90,-2 1 89,2 0 721,-4 3-1,0-3-719,-4 4 720,2 0-361,-2 4-179,4 1 90,0 4-450,0-4 360,0 4-900,0-4 270,4 0 270,2-1-1169,3-4 539,4 0-449,2-4 719,4-1-90,-5-9 450,-1 4 0,-3-12 0,-1 3 0</inkml:trace>
+  <inkml:trace contextRef="#ctx0" brushRef="#br2" timeOffset="-213124.73">20199 10520 7533,'-9'-25'0,"-1"3"270,6 13 179,-5 4-179,4 13-180,-4 4 630,4 10-181,1 1-269,4 1 450,0 4-270,0 0-181,0 0 1,4 4-386,1-3 296,4 7 0,0-3 0,0 16-180,1-8 0,-6 8-1170,5-16 631,-4 4 359,0-8 90,3-2-1979,-2 0 2069,3-7 0,0 3 0,0-5 0</inkml:trace>
+  <inkml:trace contextRef="#ctx0" brushRef="#br2" timeOffset="-212368.73">21111 10845 7533,'0'-9'-450,"0"4"270,0-3 810,-4 7-271,3-8-89,-3 8 360,-5-7-270,3 7 0,-7-3-91,3 0-89,1 3 0,0-3 270,-9 4-270,7 0 0,-11 0 0,12 0 89,-8 4 91,0 5-360,2 6 180,-10 12 90,15-7-628,-7 11 448,9-11 89,0 3-45,3 12 46,2-13-180,4 14-90,4-22 270,6-1-540,8 1 270,2-4 0,7 0-989,-7-6 893,6-4-174,-6 0 180,7 0-1259,-7 0 539,2 0 361,-3 0 539,4 0 0,-4-4 0,4-2 0</inkml:trace>
+  <inkml:trace contextRef="#ctx0" brushRef="#br2" timeOffset="-211947.73">21399 10929 7533,'-4'-19'1619,"-1"1"-1169,-4 5-1,4 6-539,-8-5 90,7 7 90,-12 0 90,4 0-180,-5 5 180,1 0 450,-5 0-271,3 0-179,-2 0 0,3 0 0,4 5 90,-2-4-90,7 7 0,-4-3-180,5 4 270,0 9-270,-1-7-180,5 11 180,1-12-540,4 8 360,0-8 0,4 8 90,1-8 0,5 8 180,-1-8-180,4-1 0,2 0-89,3-8-181,9 3 270,-2-4-90,3 0 0,-5-4-90,-5-1 90,-3-5-1259,2 1 450,-2-4 719,-5 2 90,3-6 450,-8 2-90,0-3-90,-1 3 539,-4 6-269,0 1-180,-4 6 180,-1-2 179,-4 4-269,-1 0 0,5 0 720,-7 0-721,5 0 181,-2 4-270,1 2 0,7 3 0,-3 0-270,4 1 90,0-1 90,0 0 90,4 0-1080,1 1 540,4-1 181,1 0 179,3-3-1709,1-2 809,5-4 270,-4 0 630,2 0 0,-2 0 0,3 0 0</inkml:trace>
+  <inkml:trace contextRef="#ctx0" brushRef="#br2" timeOffset="-211559.73">21614 10892 7533,'0'-9'0,"0"-1"-90,0 5-90,0-3 450,0 3-270,0-4 0,0 3-180,0-2 540,-5 7-270,0-7 89,-4 7 271,0-3-180,-1-1 450,-7 4-451,5-3-89,-5 4 180,8 0-90,-1 4-90,5-3 180,-3 8-90,7-4-91,-3 4 91,4-4-540,0 4 180,0-4 90,4 4-899,1 0 539,4 1 180,1-5 90,3 3-539,1-7 269,1 7 90,2-6 0,-2 6 180,4-7 0,-1 3-180,-3 0 450,2-3-180,-7 7 0,4-2-90,-5-1 270,0 3-180,-4-3 90,-1 4 180,-4 1 180,0-1 0,0 4 359,-8 2-539,2-1 0,-7 0 0,3-5-180,-3 0 90,3 1 89,-4-1-179,1 0 90,3-3 90,-12 2-90,11-7-90,-7 3-360,13-4 180,-3 0 90,2 0-90,1 0-1529,1 0 810,4-4 269,0-1 540,0-1 0,4-2 0,1 3 0</inkml:trace>
+  <inkml:trace contextRef="#ctx0" brushRef="#br2" timeOffset="-211001.73">21920 10948 7533,'0'-9'1529,"0"3"-90,4-2-1079,-3 7-180,3-3 0,-4 4-450,0 0 360,0 4 90,0-3 989,0 3-1349,4-4-90,-3-4 180,8 3 90,0-7 0,-3 3 0,7-1 180,-8-2-180,4 3 0,-4 0 90,4-3-90,-8 2 0,3 1 90,-4-3 90,0 7-180,0-7 90,0 7 90,0-4 90,0 1-180,-4-1-90,-6 0 90,4-3-180,-6 7 180,6-8-1,-3 8 1,0-3-180,0 4 1,3-4 89,-2 3 89,3-3-268,0 4 89,-4 0-180,4 0 270,0 0 0,1 0 0,0 0-90,3 0 0,-3 0 90,0 4 0,3-3-90,-4 7 0,5-2 90,0-1-90,-4 3 90,3-3-90,-3 5 90,4-1 90,0 4-90,0-2 0,0 2 180,0-4 0,0 13 180,0-5-180,4 9-91,1-11-89,5-2 90,-5-7-90,3 2 90,1-7-90,6 7 180,8-7-270,0 3 90,1-4 0,-5 0-359,-2 0 269,-2 0-180,-1 0-540,4-4 360,-4 3 181,1-7-541,11 3 1,-10-5 539,7 5 270,-9 1 0,-1 0 0,2-1 0</inkml:trace>
+  <inkml:trace contextRef="#ctx0" brushRef="#br2" timeOffset="-210605.73">22469 10669 10321,'0'5'-90,"0"-1"-180,0 0 360,4-3-1439,-3 3 270,4 1 1079,-5 0 0,4 4 0,1 0 0</inkml:trace>
+  <inkml:trace contextRef="#ctx0" brushRef="#br2" timeOffset="-210480.73">22451 10873 7533,'0'6'0,"0"2"0,4-3 1079,-3 0-359,3-1-361,-4-4 631,0 0-1530,4 0 270,-3 0 180,7 0 90,-7 0 0,8-8 0,-4-2 0</inkml:trace>
+  <inkml:trace contextRef="#ctx0" brushRef="#br2" timeOffset="-206373.73">19138 11692 7533,'0'5'-540,"0"-1"810,0-4 0,-4 4-180,3-3 269,-3 8 91,0 0 0,3 5-180,-3 9-180,-1-7 90,4 5-90,-3-6 89,4-1-179,0 4 0,-4-4 180,3 13-180,-3-6 90,0 6 0,3-9-180,-3 5 270,4 5-270,0 1 0,0 3 270,0 0-270,0 5 180,4-11-629,13 8-181,-4-22 0,21 1 450,-18-13-629,11-5 359,-8-4 540,0-1 0,3-3 0,2-2 0</inkml:trace>
+  <inkml:trace contextRef="#ctx0" brushRef="#br2" timeOffset="-206071.73">19380 11980 7533,'-9'0'809,"4"0"-899,-4 0 90,8 0 90,-7 0-180,3 5 540,-9 0-270,8 4 180,-6 0-180,7 1 0,0-1 89,0 4-89,5 6 0,0-4-540,5 3 270,0-9 0,4 1-359,0-1 179,5-4-90,4-1 180,-2-4 0,2 0 0,-1-4 180,-6-1-180,3-4 1,-6-1 269,-3 1 89,1-13-179,-2 10 90,-4-6 90,0 10-180,-4 7 0,-2-3 0,-7 0 0,-2 3 90,-3-3-90,7 4-450,-1 0 271,11 0 179,-7 0 0,7 0 0,-3 0 0</inkml:trace>
+  <inkml:trace contextRef="#ctx0" brushRef="#br2" timeOffset="-205310.73">19706 12018 7533,'0'-10'0,"0"5"0,0-3 180,0 7-1,0-12 1,-4 7 180,3-7 0,-7-1-180,2 8 0,-3-6 0,0 11 0,-1-8-90,-7 8-1,-3-3-358,-8 4 269,9 0-180,-3 0 180,12 4-90,-4 2 180,5 3-270,4 0 90,-4 0 90,8 1 0,-3 7 90,4-1-180,0 11 90,0-12 0,4 3 0,2-9 90,3-4-90,0 4-180,5-8 180,4 3 0,-2-4-90,5-4 90,-10 3 0,6-8 0,-6 4-180,2-4-90,1-5 180,-4 0 0,3-1 0,-3-2 180,-5 7-180,3-4 180,-7 1-90,3-2-90,-4 5 270,0 2 0,-4 3-180,3 4 0,-3-3 270,0 4 90,3 0-90,-7 0-270,7 0 180,-4 4 179,5 6-179,0 4-90,0 5 0,0-5 0,0 4 180,0-4-90,0 5-90,0-5-3367,0 8 3522,0-6-781,0 10 625,0-2-530,0 0 621,0 7-334,0-10 334,0 10 2609,0 5-2699,0 7 90,5-3-90,-4-1 0,3-15 961,-4-1-1051,0 4 89,0-7-89,0 7-89,4-8 860,-3 8-861,3-7 0,-4-2 542,0 0-362,-4-8-270,3 0 180,-7-2 0,7-7-90,-8 7 0,4-7 90,-4 3-90,-5-4 90,4 0-90,-3 0 90,-1-4-180,-5-5 0,0-1 90,0-8 90,6 4-359,-1-5-91,0-8 180,4 6 180,-3-10-450,16-17 360,-6 18 45,9 4 1,5 0-766,12-2 450,3 8-231,9-6-308,-15 15 449,7-2 540,-7 4 0,2-5 0,-3 0 0</inkml:trace>
+  <inkml:trace contextRef="#ctx0" brushRef="#br2" timeOffset="-203892.73">20088 11590 7533,'-5'14'629,"-4"4"-89,8-8-270,-3 4 90,4-1-90,0-3 89,0 8-179,0-4 180,0 5 0,0-5-180,0 4 0,0-4-270,-4 5 270,3 0 89,-7-1-89,2 13-90,-7-1 0,3 7-180,-8 0 90,12-13 0,-7 3-180,8-4 0,-4 1 90,0 4 1,-1-9 89,5-1-180,1-9 180,0 1 0,3-5-90,-3-1 90,4-4 359,0 0-179,8 0 360,6 0-360,2 0 90,2 0 0,-5 0-180,2 0 179,7 0-89,2 0-90,-4-4 90,1 3-90,-6-8 180,12 8-180,-3-7 180,8 3-450,-12 0 180,1 1 0,-10 4-90,-2 0-270,3 0-449,-5 0 269,6 4 360,-4-3-450,1 3 181,-5-4 269,-1 0-1439,0 0 899,-3 0 180,3 0 540,0 0 0,-3-4 0,4-1 0</inkml:trace>
+  <inkml:trace contextRef="#ctx0" brushRef="#br2" timeOffset="-203627.73">20078 11543 7533,'-10'-9'1529,"2"0"-1169,8 3-450,0 2 719,0 4-449,4 0 360,1 0 179,8 0-89,6 0-450,1 0 0,-2 0-270,4 0 180,-3 4-270,5-3 180,-6 4-450,4-5-359,-11 4 449,7-3 90,-9 7-1079,1-7 0,-1 7 1349,-4-3 0,3 9 0,-2 0 0</inkml:trace>
+  <inkml:trace contextRef="#ctx0" brushRef="#br2" timeOffset="-203377.73">20125 11869 7533,'-15'0'0,"6"0"809,1 0-269,7 0 1709,-3 0-1530,12 0-179,-2 0-180,8 0 359,3 0-449,3 0 0,7 0-450,1 0 90,-8 0 180,1 0 0,-10 0-1529,2 4 809,0-3 180,-2 3 450,11 0 0,-7 1 0,8 5 0</inkml:trace>
+  <inkml:trace contextRef="#ctx0" brushRef="#br2" timeOffset="-199808.73">20599 11794 7533,'-5'0'1169,"1"0"1260,4 0-1980,4 4-89,1-3 0,4 8-180,1-4 90,-1 4 90,0 1-181,0-1 1,1 0-90,-1 0 0,-4 5 90,3-4-270,-2 4 90,3-5 180,-4 0-90,3 1-3367,-7 3 3252,8-3 205,-8 4-360,3-5 90,0 9 90,-3-3-180,3 4 180,-4-2-180,0-6 3302,0 6-3302,0-6 91,0 2-2880,4 5 2160,-3-11 269,4 9 270,-5-15-449,4 4 269,-3-5 90,7-5 180,-3 4 180,0-7 0,4-1 0,-4-6 0</inkml:trace>
+  <inkml:trace contextRef="#ctx0" brushRef="#br2" timeOffset="-199465.73">20934 11785 7533,'-4'-5'1439,"3"-3"-1169,-3 7-180,0-4-90,2 5 359,-2 0 1,0 0-180,3 0 90,-7 0 270,3 0-181,0 0-89,-4 0-90,4 5 180,-8 0-180,2 4-90,-6 0 180,2 9-90,-3-7-180,3 7 539,-19 12-449,15-12 90,-12 18-270,18-22 270,0 4-270,2-8 270,-6 8-270,6-8 270,-6 7-90,6-6 0,-6 2-90,6-4 90,-6 1-180,6-1-720,-2 0 1,4 1 359,-1-5 180,-3 3-90,7-3 91,-7 0-1,8 0 0,0-5 0,1 4 90,0-3-270,3 3-449,-3-4 359,4 0 180,4 4-629,1-3 989,4 3 0,0-4 0,1 0 0</inkml:trace>
+  <inkml:trace contextRef="#ctx0" brushRef="#br2" timeOffset="-196972.73">20748 12073 6273,'-5'0'270,"1"0"270,4 0-540,0 5 90,0-4 90,4 3-90,-3 0 270,3-3-271,-4 3 1,4 0 0,-3-3 0,3 3 90,0 0-90,-3 2-90,8-1 90,-8-1 0,3 0-90,0-3 0,-3 7 90,3-7 0,-4 8-180,0-8 180,0 3 90,0 0-180,0-3 0,0 7 90,0-7 90,0 3-180,0 1 90,0-4-360,0 3 180,0 0-90,0-3-600,0 3 1,0-4-1</inkml:trace>
+  <inkml:trace contextRef="#ctx0" brushRef="#br2" timeOffset="-195806.73">20431 11590 7803,'5'0'629,"0"0"-539,-1 0 90,1 0 0,8 0-180,-6 0 180,5 0-90,-7 0-180,4 0 90,1 0 0,-1-4 180,-4 3-540,4-4 270,-4 5 0,0 0-90,-1 0 180,0 0-630,-3 0 472,3 0 1,-4 4 0,0 2 0</inkml:trace>
+  <inkml:trace contextRef="#ctx0" brushRef="#br2" timeOffset="-195256.73">20478 11599 7533,'-5'5'0,"1"-1"90,-1-4 359,0 4-359,0-3 0,-3 4 360,7-1 180,-8 1-450,8 0-90,-3 3-1,4-2 91,-4 3-90,3 0 90,-3 5-90,4-4 90,-4 3-270,3 1 270,-3-4-90,4 8 90,-4 0-90,3-2 0,-4 5-180,5-10 90,0 6 90,-4-6 0,3 6-270,-3 6 90,0-6 0,3 8 0,-3-10 90,0-1 0,3 4-180,-8-4 180,8 1 0,-3 2 0,0-2 0,3 3 0,-3-3 0,0 3 0,3-4 0,-8 9 0,8-8 0,-3 7 0,0-12 0,3 4 0,-3-1 0,4-3 0,-4 4 0,3-5 0,-8-4 0,8 4 0,-3-4-90,4 4 90,-4-4 0,3 4 0,-3-8 0,4 7 0,0-7 0,0 7 270,0-7 989,0 3-1259,4-4 90,-3 0 0,7 0-180,-7 0 0,8 0 180,-4 0 0,4 0-630,0 0 271,1 0 89,-1 0-810,0 0 451,1 0 179,3 0 180,-2 0-989,6 0 449,-7 0 720,8 0 0,-8 0 0,4 0 0</inkml:trace>
+  <inkml:trace contextRef="#ctx0" brushRef="#br2" timeOffset="-194461.73">21064 11525 7533,'0'-6'0,"0"-2"-450,0 7 3238,0-3-2608,0 12 0,4-6 0,-3 7-180,8-9 0,-4 0 180,4 0-180,5 0-180,0 0 90,1 0 90,-2 0 0,-4 0-180,1 0 90,-1 0 0,-4 0-90,3 0 1,-2 0 179,-1 0 0,-1 0-270,0 0 90,-3 0 0,3 0 0,-4 4 90,0-3-90,0 3 270,0 0 0,0-3-180,0 7 180,0-7 0,0 8-180,0-8 90,0 7 180,-4-3-90,3 4 0,-3 1 0,4-1 0,-4 0 90,3 1-180,-3 3 269,4-3-179,0 8 180,-4-4-270,2 1 270,-2 2 0,4-2-90,-4 3-90,3 1 0,-3 0 90,0-1-90,3 1-90,-7 4 179,2 5 1,1-4-180,1 3 180,4 4-90,-4-9-180,3 9 0,-3-8 180,4-4-180,0 4 0,0-4 180,0 3-90,0-2-90,0-1 270,4 19-90,-3-23-90,3 20 90,-4-26-90,0 0 90,0-4 0,0 4 0,0-8 0,0 7-90,0-7 180,0 7 0,0-7-180,-4 3 90,3-4 90,-7 4-180,3-3 90,-1 4-180,-2-5 0,3 0 180,-4 0 0,-1 0-180,-3 0-90,2 0 270,-2 0-270,0 0 0,-2 0 180,1 0 90,-4 0-990,4 0 541,-5 0-1,0 0-1169,5 0 719,0 0 270,1 0 540,7 0 0,-11 4 0,7 1 0</inkml:trace>
+  <inkml:trace contextRef="#ctx0" brushRef="#br2" timeOffset="-193408.73">21604 11757 7533,'-5'0'629,"1"0"451,4 0-900,8 0 359,3 0-179,11 4-360,6 1 270,5 1-270,-5 2 360,4-7-450,-17 7 270,19-3-270,-20 5 180,11-5 0,-19-1-180,2 0 180,-7-3 0,3 3-90,-4-4 90,4 4-1,-3-3 1,3 3 0,-4-4 270,0 0-270,-4 5 0,3-4-180,-7 3 0,3 0 180,-5-3-90,1 7-90,-4-3 0,2 5 180,-6-1-270,6-4 90,-6 3 90,7-2 0,-8 3-719,8 0 359,-8 1 180,8-1-1259,-3 0 719,3 0 181,1 1 179,0-1 360,0 0 0,-5 5 0,0 0 0</inkml:trace>
+  <inkml:trace contextRef="#ctx0" brushRef="#br2" timeOffset="-193117.73">21511 12259 7533,'-5'0'719,"1"0"2070,4 0-2430,8 0-179,-2-4 0,12 3 0,-4-7 0,5 3 0,0-4-180,-1-1 180,5 1 0,1-5-540,3 4 270,1-7 180,0 6-90,0-6-1529,0 2-146,0-3 1226,-5-1-1350,0 5 1693,-4-4 0,3 3 1,2-3-1</inkml:trace>
+  <inkml:trace contextRef="#ctx0" brushRef="#br2" timeOffset="-191764.73">22339 11645 7533,'0'6'1349,"0"2"-540,0-7-359,0 7 180,0 6-1,0 5-449,0 5 90,0-1-90,0 0 0,0-4 0,0 4 180,0-5-180,0 5 0,0-3-180,-4 3 0,3-1 179,-8-2 1,8 3-360,-7 0 180,3 0 0,0 1-359,-4 3 269,8-3-427,-7 4 427,7-5 0,-7 4-360,3 9 270,-5-13 180,5 3-90,1-18 0,4-7 90,0 8 90,0-8 90,0 3 0,4-8 247,1 3-157,1-4-270,6 5 90,-6-4 90,8 3 90,-1-3-270,-3 4 269,8 0-89,-8 0-90,8 0 0,-4 0 180,5-4 0,-5 3-180,4-3-90,-3 4 90,-1 0 0,4 0 90,-8 0-180,8 0-90,-8 4 270,7-3-540,-2 3 270,-1 0 0,0-3-1079,-5 8 539,1-8 270,-1 3 180,0-4-1529,0 4 810,1-3 359,-5 3-629,3-4 449,-7 0 720,8 0 0,-8-4 0,3-1 0</inkml:trace>
+  <inkml:trace contextRef="#ctx0" brushRef="#br2" timeOffset="-191511.73">22441 11562 7533,'-14'-14'0,"4"4"719,6 1-269,4 0-360,0 8 1799,0-3-1529,4 4-1,-3 0 541,8 0-90,0 0-451,6 0 1,-1 0-90,8 4-180,-7-3 0,8 8 90,-8-8-540,2 3 360,2 0-1349,5 1 719,-5 0 180,-1 4-1708,-9-8 898,0 7 1260,1-3 0,-1 9 0,0 0 0</inkml:trace>
+  <inkml:trace contextRef="#ctx0" brushRef="#br2" timeOffset="-191256.73">22404 11915 7533,'-13'0'1169,"6"0"-180,-1 0-1078,20 0 89,-4 0 0,5 0 629,-5 0-359,-7 0 0,8 0 449,-8 0-269,7 4-180,-3-3 90,9 4 180,-4-1-91,3-3-89,1 3 90,9 0-270,-7-3 0,10 3-720,-11-4 360,3 0 180,1 0 0,-5 0-1619,4 4 899,-8-3 181,8 3-1530,-4-4 810,1 0 1259,2 5 0,-2-4 0,3 3 0</inkml:trace>
+  <inkml:trace contextRef="#ctx0" brushRef="#br2" timeOffset="-189171.73">22972 11478 7533,'-9'-13'1349,"3"6"-809,2-5-91,4 7-449,0 0 180,0 1 90,0 4-180,9 0 360,1 0-630,4 0 90,4 0 270,-8 0-450,8 4 180,-12 1 90,6 0 0,-6 3-809,-1-7 359,3 8 270,-7-4-810,7 4 451,-7-4 269,4 3-540,-5-2 810,0 3 0,0 0 0,0 1 0</inkml:trace>
+  <inkml:trace contextRef="#ctx0" brushRef="#br2" timeOffset="-188710.73">23009 11497 7533,'-10'-10'-180,"-3"1"0,12 4 180,-7 1 0,7 4 360,-7-4-90,7 3-91,-3-4 181,-1 10-90,4-4-180,-3 11 0,0-6 360,3 8-90,-3-1-91,4 2-89,0 3 90,0 1-90,0-5 0,0 8 0,0-7 90,4 8-180,-3 0 179,3-3-269,-4 6-539,0-6 719,0 7-512,0-7 332,-4 6 0,3-2 90,-7 0-450,7 3 270,-7-3 0,2-1-180,-3 4 0,4-7 180,-3 7-90,2-3 797,1-1-707,-7 12 0,10-13 435,-11 13-435,8-11 180,0-4 0,1-3 90,0-7 0,3-1-90,-3-4-90,4-1 180,0 0-180,0-3 0,0 4 90,0-1 0,0-3 89,4 3 1,1 0 0,0-3 0,3 3-90,-7-4 180,8 0-90,-4 0 360,4 4-450,0-3-1,1 3 91,-1-4-360,0 0 360,1 0-90,-5 0 90,3 0-360,-3 0 180,5 0-90,-1 0-359,0 0 179,1 0 180,-1 0 0,0 0-360,0 0 180,1 0 180,-1 0-1169,0 0 539,1 0 181,-1 0 269,0 0-989,1 0 1259,-1-4 0,0-1 0,0-4 0</inkml:trace>
+  <inkml:trace contextRef="#ctx0" brushRef="#br2" timeOffset="-188295.73">23343 11590 7533,'-10'-5'989,"2"0"-899,8 5-360,0 0 900,0 4-270,0 2-90,0 3 359,0 0-269,0 1-90,0 3 0,0 1 89,0 5 91,0 0-270,0-1 180,0 5-180,0-3 0,0 7 0,0-8-180,-4 8 179,3-7 181,-4 15-450,5-9-569,-4 6 659,3-5-180,-3 5 0,4-7 360,0 11-539,0-17 269,0 4 0,0 0-540,0-8 90,4 15 360,2-17-629,3 8-1,0-11-539,5-1 1079,-4-4-629,3-1 1018,-3-8-479,-1 3 360,0-7 0,1-2 0,-1-4 0</inkml:trace>
+  <inkml:trace contextRef="#ctx0" brushRef="#br2" timeOffset="-187976.73">23483 11980 7533,'0'-5'0,"0"-3"899,0 7 540,0-3-899,0 16 0,0 0-360,0 10 0,0-7 269,0 6-449,4-9 90,-3 5 270,12-3-810,-7-4 360,7-1 90,-3 0-629,-1-8 359,0 3 90,1-4 0,-1 0-270,0-4 270,0 3 1,1-12-181,3 3 270,-7-4-90,7 0 180,-12-3-90,7 5 0,-7-5 360,3 7 359,-8-7-449,3 5 0,-7-1-90,3 5 270,-5 7-270,5-8 180,-3 8-180,3-7-360,-5 7 180,5-3 90,-3 4-989,7 0 449,-3 0 180,0 4-360,3-3 271,-3 7-631,4 2 1080,0 0 0,4 3 0,1-3 0</inkml:trace>
+  <inkml:trace contextRef="#ctx0" brushRef="#br2" timeOffset="-187299.73">23790 12018 7533,'4'-10'1619,"2"-3"-1349,-1 3 449,3-4-359,-7 5 180,7-5-630,-7 4 180,3-3 90,-4 7-360,0-2 360,0 7-90,0-7-1,0 7-538,0-3 179,-4 4 270,-1 0-900,-8 0 810,2 0-89,-2 4-1,8 1 90,-4 4 0,4-4 90,0 8 90,1-7-270,4 7 360,0-3-270,0-1 0,0 0 90,0 1 0,0-1 0,4 4 0,1-6-180,0 5 90,8-11 90,-11 3 0,10-4-90,-6 0 90,-1 0 90,3 0-180,-3 0 180,4-4-90,1-1-90,-5-4-3187,3-1 3252,-3-3 25,1 3 0,2-4 270,-3 1-270,0 2 0,-1-2 450,0-1 2826,-3 8-2981,4-6 65,-5 11-360,0-3-90,-5 8 90,4 5 90,-3 1-180,4 4 180,0 3 90,0-5-180,0 10 0,0 0 540,0 6 0,0 2-271,4 10-377,-3-8 0,-1-3 288,5-5 90,-1 3-180,-3-3 90,3 4 0,0 0 0,-3 0-1,3-5-89,-4 4 0,4 9 0,-3-5 90,4 10-360,-5-13 180,0-5-90,0 4 0,0-7 0,0 7 90,-5-12-90,4 3 90,-7-9 0,3 0 90,0-3 0,-8-2 486,7-4-486,-3-4-90,1-2 90,2-3-180,-3-4 90,-4 2 90,2-6-270,-2-6 180,4-2-809,-1-11 359,5 7 180,1 1 90,4 5-719,0 9 359,0-4 180,0 8-539,4-12 539,1 11 180,5-7-539,-1 9 269,0 0 180,0 0 270,1-1 0,3-3 0,2-2 0</inkml:trace>
+  <inkml:trace contextRef="#ctx0" brushRef="#br2" timeOffset="-186784.73">24153 11794 7533,'-5'0'-180,"1"0"90,0 0 540,3 0 1708,-3 0-1438,8 4-270,-3-3-180,7 8-1,-3-4 91,1 4 0,2 1-90,-3-1 359,13 4-449,-7-2 0,7 2-90,-9-4 90,0 1 0,5-1 0,-4 0-90,3 1-90,-3-1 270,-1 0-540,0 0 270,1 1 0,-1-1 90,0-4-540,0 4 180,1-4-359,3 8 359,-6-3-90,9 8-1259,-14-12 809,10 7 271,-6-12 179,-1 7-989,3-7 1349,-7 3 0,7-4 0,-2 0 0</inkml:trace>
+  <inkml:trace contextRef="#ctx0" brushRef="#br2" timeOffset="-186556.73">24498 11748 7533,'-19'-5'2608,"1"0"-2158,7 5-180,-1 0-540,11 0-90,-12 9-269,7 1 269,-11 5-270,-6 10 1889,2-8-719,-6 10 719,0 0-719,7-7-180,-7 7 180,4 0-361,7-6-89,-5 6-359,6 0 179,1-7 90,0 7-630,5-4 630,4-4-90,1 0-1889,4-5 720,4-5 1259,1 0 0,8 0 0,2 1 0</inkml:trace>
+  <inkml:trace contextRef="#ctx0" brushRef="#br2" timeOffset="-185494.73">24591 11478 7533,'-10'-5'539,"-3"-3"-179,12 7 540,-3-4-720,4 1 89,0 3-89,4-3 0,-3 4 0,7 0 180,-2 4 0,3-3-180,-4 3-1,7 1 361,3-4-450,5 3-90,-2-4 270,-5 0-90,0 0-360,-2 0 90,6 0 90,-6 0 180,2 0-450,-4 0 180,1 0 0,-1 0-90,0 0 90,1 0 0,-5 0 0,-1 0-89,0 0-1,-3 0 270,3 0 0,-8 4-90,-1-3 0,0 7 0,-4-3 89,4 9-89,0-4 90,1 4-90,4-5 180,-4 0 0,3 13-90,-3-6 90,4 11 0,-5-8-180,4-1 180,-3 1 180,4 12-270,0-9-295,0 13 295,-4-15 180,3 15-270,-3-14 90,4 10 0,0-12-90,0 0-90,0 3 180,0-2-90,0 11 269,-4 19-269,3-16 90,-3 13 90,4-28 0,-4-5-90,3 4 180,-4-8-90,1 8-180,3-8 834,-3 4-384,0-5-270,3-4 90,-3 3-180,4-7 90,0 4 89,-4-1-89,3-3 90,-8 3 90,8 0-180,-3-3 0,0 3-90,3-4 180,-7 0-1,-1 4-89,-1-3 0,-4 8 0,5-8-270,0 3 270,-1-4-90,-3 4-180,-6-3 90,0 7 90,-4-7-1169,-4 7 899,6-2-1529,-5-1 269,-1 7 1081,6-10-2430,-6 11 1170,13-12 1619,-4 7 0,-1-3 0,-4 4 0</inkml:trace>
+  <inkml:trace contextRef="#ctx0" brushRef="#br0" timeOffset="-164354.75">1777 6307 7533,'-9'0'359,"4"0"91,1 0 0,4 0-180,0 4 90,0 1-1,0 4 1,0 5-3572,0 0 3392,0 5-2268,0-1 2177,0 1 91,-5 12-90,0 7-180,0 2 270,-3 4-180,3-3-90,-9 7 0,4-5-478,-4-2 747,5-5-269,-4 2 907,5-5 1,1 1-998,-7 10 180,8-17 0,2-2 0,0-6-180,0-1 90,-1-8 558,0 3-468,1-3-90,-1-5 180,4 3 105,-3-7-195,4 3 3276,0-4-1990,4 0-1196,2 0-1,-1 0 1,3-4 0,-3 3 0,0-3-90,8 0 0,-11 3-90,10-3 180,-11 4-90,8 0 90,-8 0 0,7 0 90,1 0 0,2 0 90,6 0-90,2 0 90,5 4 89,3-3 1,1 3-180,-4-4-90,-1 0-90,-9 0 0,4 0-90,-8 0 180,4 0-90,-5 0-90,5 0-90,-4 4 180,-1-3-180,-5 3-719,0-4 179,2 0 450,-1 0 90,3 0-1529,-3 4 720,5-3 989,-1 3 0,0 1 0,0 0 0</inkml:trace>
+  <inkml:trace contextRef="#ctx0" brushRef="#br0" timeOffset="-162585.75">2363 6363 7533,'-10'4'-630,"1"1"900,0 8 90,-5 6 269,4 9 181,-7 5-450,6 0 179,-2 7-269,3-10 0,-3 19-90,-1-10-45,7-12 0,0 1 135,-11 19-90,8 0-540,1-6-270,4-8 360,5-9 180,5-2-899,0-8 179,12 1-179,-1-6-90,10-5 1079,-10-4 0,5-4 0,-6-1 0</inkml:trace>
+  <inkml:trace contextRef="#ctx0" brushRef="#br0" timeOffset="-161903.75">2521 6539 7533,'0'-5'-90,"-4"-3"899,-1 7-539,0-7-90,0 7 540,1-4-271,-1 5 91,-4 0 90,0 17-450,-1-9-270,5 18 180,-3-7-180,7 9 90,-3 0-180,-1 0 180,4-5 0,-3-4 90,4-1-180,0 1 180,0 8 0,0 2-90,4 4-90,6 3 90,4-7 0,9-5 0,-8-7 0,7-7 90,-11-5-90,6-1 0,-2-4 0,3-4 0,5-6 0,5-4 0,1-13 0,-1-2-3277,-10 0 3162,-4 2 115,-1 0 0,-2-1 90,-2-1 0,-5 2-90,-4 4 89,0 3-89,0 2 0,0-4 90,-8 2 3186,-3-3-3070,-11 0-116,-6 8-360,-18 2-89,10 8 269,-8 1 180,20 8-90,1 1 180,9 8-1,0 2-89,9 3 180,1 1-180,8 4 0,1-4 0,4 4 180,5-8-180,5-2 180,0-8-180,8-1-180,-11-4 180,5 0 0,-2 0-450,-4 0 180,3 0-989,-5 0 269,2 0-629,4-4 270,-5-1 1259,-1-4 0,-3 0 0,-1-1 0</inkml:trace>
+  <inkml:trace contextRef="#ctx0" brushRef="#br0" timeOffset="-161579.75">2810 6372 7533,'4'-5'1619,"1"1"-720,4 4 1,5 4 89,0 1-179,5 4 269,4 5-359,0 0-361,-3 1-179,-2 2-3392,-9-7 3572,0 4 180,5 8-180,-4 2-1,-1 14-359,0-1-2088,-8-8 2268,3-2-270,-4-1 90,0-5 0,0 2 0,-4 3 90,3-10 1728,-8 7-2087,8-5 179,-7-8-90,7 3-900,-7 1 91,3 0 719,-5 1-1439,5-2 2313,-7 1-2223,5-4 799,-10 7 1,6-6 0,-2 2 0</inkml:trace>
+  <inkml:trace contextRef="#ctx0" brushRef="#br0" timeOffset="-160986.75">3415 6549 10321,'9'0'1169,"5"0"-1259,0 0 450,5 0-270,-1 0-90,1 0-719,-1 0 179,1 0-899,-4 0 179,-2 0-538,-8 8 1798,3-2 0,-7 7 0,4-3 0</inkml:trace>
+  <inkml:trace contextRef="#ctx0" brushRef="#br0" timeOffset="-160742.75">3452 6744 7533,'-10'0'90,"1"0"-90,9 0 989,0 0 360,0 4-539,0-3-1,0 3-89,4-4-180,2 0-270,11 0-91,3 0 1,0 0-899,-3 0 449,-3 0-3007,-4 0 3252,3 0-2404,1 0 360,4 0 1260,-2 0 269,6 0 540,-12 0 0,8 4 0,-4 2 0</inkml:trace>
+  <inkml:trace contextRef="#ctx0" brushRef="#br0" timeOffset="-157202.75">1330 6939 7533,'-5'11'539,"1"-3"-179,4-8 0,0 4-90,0-3-90,0 3 0,4 0 0,5-3 89,6 3-89,8-4-90,-4 0 0,0-4 180,3-1-90,-3-8 90,9-6-180,-4 4 0,-5-3-3367,-6 5 3431,-4 2-154,9-15 180,2 2-270,8-14 180,-9 9-90,3 3-90,-8 7 90,1 0 90,3 1 3186,-4-1-3070,5 1-206,-5-1 90,4 0-270,-8 1 180,12-13-90,-3 1 90,5-12 0,-1 5 0,-9 8-90,0 2 90,-5 5-179,0-6 179,1-5-270,-1-4-3007,-4 12 3162,-1-1 115,-4 11 90,5-7-180,-4 6 90,3-1 0,-4 7 90,0 1-180,0 0 180,-4-1-90,-2 1 0,1 0 0,1 4 3276,0 0-3160,3 5-206,-3-4 90,0 3 0,3-3-90,-4 4 90,1 0 0,3 0-180,-3 0 180,0 0 0,3 0-90,-3 4 90,0-3 0,3 8 0,-3-4-90,-1 4 90,4 0 90,-7-3-180,7 6 270,-7-2-90,3 9 90,-5 0-180,5-5 180,1-1 0,0 5 89,-1-3 1,-5 29-270,1-24 90,4 22-90,-3-22 90,7 7-180,-8 5-3187,4-7 3252,0 2-65,-3 4 90,-2 3 0,4 0 0,-6-3 0,7 0 90,-5-1 90,-3 12-180,3-5 0,-4-8 0,9-2 0,-3-13 0,2 4 0,-3 5 3276,0 1-2980,0 12-296,-1-11 90,5-2 0,-3-1-90,7-7 0,-3 4 0,-1 3 0,4-11 0,-3 6 0,4-3 0,-4-4 90,3 8-90,-3-12 0,4 6 180,0-11 0,0 4-180,4-1 90,-3-3-1,7 3 1,-7-4-90,4 0 90,-1 0 0,1 0-90,4 0 0,1 0 90,-5 0-90,3 0 90,1-4-90,6-1 90,3-9-90,1 4-90,-5-4 180,8 1-180,-2-2 90,8-7-360,0 2-179,-4-7 179,-2 8 180,-7 0-630,-2 6 91,1-1 449,-4 4-270,3-4-179,-3 5-451,3 0 1170,-2-1 0,6 1 0,-2 0 0</inkml:trace>
+  <inkml:trace contextRef="#ctx0" brushRef="#br0" timeOffset="-145945.75">4196 6363 7533,'-10'0'1439,"1"0"-809,9 0-361,0 0 91,4 0 180,6 0-180,8 4-91,2 1 181,19 0-90,-8 3-3482,7-7 3212,-7 3-789,-8-4 879,5 0-152,13 0 242,-2-4-181,-11 4 1,-1-1 0,8-7 0,0 7-646,-20-3 646,2 4 90,-6 0-360,6-4 2830,-2 3-2560,-5-3-270,2 4 1268,-6 0-1447,-1 0 275,-1 0-6,0 0 335,-3 0-2764,3 0 2160,-4 4-631,-8 1 181,2 8 449,-8-2 360,1 2 0,-2-4 0,-3 1 0</inkml:trace>
+  <inkml:trace contextRef="#ctx0" brushRef="#br0" timeOffset="-142173.75">4215 6400 7533,'-5'5'-450,"4"-1"720,-3-4 90,4 0-270,4 4 269,-3 1-179,8 5 90,-4-1-90,4 4 0,0-2-90,1 2 180,-1 1-90,0 4 89,5 2-89,-4 7 0,8-4 0,-12-3-90,6-2-90,-6-5 90,-1-3 0,7 8 0,-6-8 0,8 4 0,-1-1 90,2 2-3457,-1-5 3162,4 2 295,-4-6-180,1 3 90,2 0-90,-2 1-90,-1-1 180,0 0-90,-9 0 0,3-3 3276,-7 2-3160,7-7-116,-7 7 0,8-7 0,-8 3 89,3-4-448,-4 0 359,-8 0 0,1 0 0,-2 0-90,1 0 90,3 0 0,0 0-90,-4 4 90,4-2 0,-8 2-90,-2-4 90,-3 0-180,-9 8 0,2-2-90,-3 8 270,5-1-90,4-3 180,-3 4-90,2-1-90,1-7 90,6 7 0,4-8-90,-5 4 90,-4 1-90,-2 3-3187,-3-7 3162,9 7 25,-4-8 90,4 4 0,-5-4 0,5 4 90,0-4-180,5 0 180,4 3-90,1-7 0,-1 3 3276,4 0-3160,-3-3-26,0 4-90,3-1 0,-3-3 0,4 3 90,0-4 90,0 4-180,0-3 0,0 7 180,0-7-90,8 8-90,-6-4 180,11 0 90,0 3 0,3-3-91,6 1-89,-7 2 270,7-7-90,1 3 0,6-4-90,8 0 0,-8 0 0,3 0 89,-4 0-179,-9 0-90,3 0 90,-12 0 0,4 0-90,-1 0 90,-3 0 0,8 0-90,-8 0 180,12 0-180,-6 0 90,6 0 0,-11 0-180,1 0 180,-7 0-90,5 0-90,-1 0 0,0 0-90,-4 0 0,4 0 0,-8 4 90,7-3 1,-7 3-181,3-4 0,0 0-180,-3 0 0,8 0 1,-8 0-991,3 0 901,0 0 539,-3 4 0,-1 2 0,-5 3 0</inkml:trace>
+  <inkml:trace contextRef="#ctx0" brushRef="#br0" timeOffset="-141368.75">4038 7386 7533,'-6'0'-90,"2"0"629,4 0-269,0 4 0,0 5 0,-4 6-180,3-1 0,-3 4-90,4-8 0,-4 4 90,3-1-180,-3-3 270,-5 16-90,7-13-90,-10 12 90,11-14 0,-7 6-90,7-6 0,-8 2-90,8 0-180,-7-2 180,7 2-90,-3-8-1349,4-1 1259,4-12 90,-3 2 0,7-7-180,-3-9 270,5 1-269,3-11 539,-2 13-180,2-3 629,0 3-449,-2 4-90,2-3 90,-3 5 360,-5 2-91,7-2 1,-2 0 0,9 2-180,-4 2 0,-2 5-91,-4 4-89,1 0-180,-1 0 90,-4 4 90,-1 1 0,0 4 0,-3 5 0,4 0-90,-5 9 0,0-8 90,0 7 0,0-3 0,-5 5 0,4-1-90,-3 0-90,4-8 90,0 2-450,0-7 91,4 4 269,-3-9-1170,8-1 451,-4-4 179,8-4 1,-2 3 629,-2-7 0,-1-2 0,-3-4 0</inkml:trace>
+  <inkml:trace contextRef="#ctx0" brushRef="#br0" timeOffset="-141134.75">4308 7451 8342,'4'-5'2069,"1"1"-1709,4 4-270,1-5-90,-5 4 0,3-3 180,-7 4-810,7 0 270,-3 0 270,1 0-989,-2 0-180,0 4 449,-3 2 180,3 3-190,-4 0 1,-4 5 0,-1 0 0</inkml:trace>
+  <inkml:trace contextRef="#ctx0" brushRef="#br0" timeOffset="-140930.75">4326 7553 7533,'0'5'0,"0"-1"3276,0-4-2774,4 0-502,2 0 179,3 0-718,0 0 449,5-4-360,0-1 180,9 0-1169,1-3 90,3 3 0,1-5 529,-8 5 1,2-3 0,-8 3 0</inkml:trace>
+  <inkml:trace contextRef="#ctx0" brushRef="#br0" timeOffset="-140705.75">4615 7432 7533,'4'-5'809,"-3"-3"-269,3 3 90,-4 0-91,0 0 810,0 5-1528,0 9 269,4-3-90,-3 7-90,3 1 0,-4 4-90,0 6-180,-4 0-540,3-1 1,-3-5 89,4-3 361,4-6 449,-3-1 0,8-3 0,-4 5 0</inkml:trace>
+  <inkml:trace contextRef="#ctx0" brushRef="#br0" timeOffset="-139711.75">4391 5646 7173,'0'5'719,"0"8"-629,0-7 270,0 8 0,0-5-180,0 0-3457,-8 21 3022,6-11-1154,-10 16 1499,11-17 0,-12 13 180,7-1-270,-12 16-90,4-8 0,-5 3-90,1-7-270,3-2 91,2-9-361,8-8 270,0-7 2269,5-4-1999,0-3 0,0-9 0,0-8 0</inkml:trace>
+  <inkml:trace contextRef="#ctx0" brushRef="#br0" timeOffset="-139438.75">4363 5795 7533,'0'-5'0,"0"1"0,5 4 0,-4 0 0,7 0 0,-3 4 0,4 1 0,5 13 0,-4-7 1439,8 7-180,-4-1-899,9 3-270,-3 8-180,2-4 90,-3 2-180,0-6-180,-5 7 0,4-7-179,-8 2-810,8 1 539,-8-12 810,3 2 0,-3-13 0,-1 0 0</inkml:trace>
+  <inkml:trace contextRef="#ctx0" brushRef="#br0" timeOffset="-139037.75">4792 5646 7533,'0'-5'539,"0"-3"-179,0 7 540,0-3-451,-4 4-179,3 4 90,-4 5-270,1 1 90,3 4 0,-7 3 90,3 7-90,-5 9-1,1 4-89,0 1 180,0-1-270,-1-4 90,1-1-270,4-8 270,1-6-180,-1 4 90,0-6-90,0 6-90,1-3-179,4-5-91,0 4 180,0-12-270,0 7 1,0-8-811,0 4 451,0-4 449,0-1-370,4-4 1,1 5 0,5 0 0</inkml:trace>
+  <inkml:trace contextRef="#ctx0" brushRef="#br0" timeOffset="-135436.75">5536 6325 7533,'-10'4'-720,"5"-2"1260,-7 10 89,5-2-539,-6 5 180,4 2 0,-5 2-90,4 1-270,-4 2 360,1 9-90,-1 8-90,-5 0 0,4 1 0,6-12 90,1 0-91,3 0-89,-5 0 180,1 12 0,0-9-270,4 5 90,-4 3 90,8-12-270,-3 10 180,4-2-90,0-18 0,0 13 90,4-15-269,-3-5 89,8 2 0,-4-11-180,4 4 0,13-5-539,-1-5 89,15-4 810,-12-1 0,3-8 0,-8 4 0</inkml:trace>
+  <inkml:trace contextRef="#ctx0" brushRef="#br0" timeOffset="-135079.75">5573 6735 7533,'-5'0'270,"-4"4"-1,4 1 91,-4 4-3637,0 1 1434,-1-1 3611,1 8-1318,-4 3-1679,6 0 1409,-5 1 0,11-10-180,-3 6 2538,4 2-2358,0 1-360,4-2 180,-3-4-360,7-5 3572,6 0-3482,1 0-3007,8-3 2893,-5-2 204,5-8-90,5-6-2088,-3-4 2268,-2-1-90,-1-6 90,-11 9 180,6-5 437,-7 3-347,-5 4-270,-1-8 0,-4 8 270,0 1-180,-4 1 0,-1 6 2664,-17-6-2664,5 3 0,-9 0 0,7 1 0,0 4 2469,-3 0-2289,2 0-630,-3 0 0,9 0 360,4 4-899,6-3 449,4 7 540,0-7 0,0 7 0,0-2 0</inkml:trace>
+  <inkml:trace contextRef="#ctx0" brushRef="#br0" timeOffset="-134289.75">5954 6828 0,'0'-10'0,"0"-3"2412,0 3-1782,0-4 1408,-4 5-1678,-1 0-90,-4 3 859,-9-2-949,3 7 3096,-8-3-3340,9 4-26,0 0 0,5 4 270,-1 1-90,1 5-540,0-1 181,0 13 89,-1-10-180,5 39 450,1-31-180,4 28 180,4-29-180,5 4 180,6-13 0,3-1-90,5-18 0,-7 3 0,1-7 0,-3-1 0,-8 0 0,10-9 0,-9 4 0,6 0 180,-4 1-180,-3 4 180,6-9 89,-6 4-269,4-4 90,-6 8-90,-4 6 90,0 1-90,0-2 180,0 0-180,-4 1 0,3 5 90,-8 4-180,8 0 90,-7 4-90,7 5 270,-3 10-180,4 5-3277,0-1 3252,0 0-497,0-8 522,0 2 180,0 10-90,0 7-2005,0 4 2005,0-2 982,0-3 1,0 0-983,0 12-45,0-5 0,0 0-1204,0-1 1159,0 1 90,0 1-1113,0-15 1023,-4 14 1989,3-12-1989,-8 5 210,8 0-210,-7-10 0,7-5 1992,-7-9-1992,3 1 90,-1-5 2034,-6 3-2034,-3-7-3367,0 3 3072,-7-4 205,4-4-449,-14-5 269,-3-10-90,-2-4 180,13-1 270,7 5-360,7-3 180,5 7-90,1-4 3366,8-7-3340,6 2-26,8-14 90,6 5 0,0 5-90,-1 6-90,-5 7 90,5 2-449,5-1-1,5 0 270,-4-1-1079,10 2 989,-17 8 0,5 1-179,-1 0 539,-10 3 0,11-4 0,-12 1 0,-2-1 0</inkml:trace>
+  <inkml:trace contextRef="#ctx0" brushRef="#br0" timeOffset="-130401.73">6345 6474 7173,'14'0'1619,"5"-8"-1259,4 2-90,5-8-270,-4 1 269,3 2-179,-7-2 0,-2 8-180,-4 1 0,-5 0 1,-4 3-1,-1-8 0,0 8 180,-3-3 0,4 4-90,-5 0 0,-9 8 89,7 3 1,-6 3-90,8 0 0,-4-5 90,3 4-90,-3 10 90,4-2 0,0 6 90,0 16-180,0-18 45,0 4 0,0 2 45,0 4-90,0-8 0,0 1 90,-4 23-3038,2-7 2858,-2-4 90,4-12 0,-4 0 90,3 0-270,-3-4 270,4 3-90,-4-4-90,3 9 1,-3-3-356,4-5 445,0-6-233,0-9-127,0 0 180,0-4-90,0-1-719,0-4 179,4-4 3367,-3-9-3637,7-11 319,-7-1 1,7-6-1,-2 8 1</inkml:trace>
+  <inkml:trace contextRef="#ctx0" brushRef="#br0" timeOffset="-129974.73">6550 6474 7533,'0'-9'-1080,"4"4"1530,-3-4 90,4 4-450,-5 0 269,0-3-269,0 7 0,0-3 0,4 4 270,-3-4 180,3 2-540,0-2 90,-3 4 270,7 0 179,2 0-359,0 0 0,3 4 0,1 2 90,0 3-90,13 4 90,-6 2-270,-2-5 179,-7 3-89,-7-4 0,0 1 0,-1 4 90,-4-5-270,0 4-3187,0-2 3252,0 2 25,0 9-90,-4-6 180,-1 7-180,-4-1-2088,0-7 1998,-1 4 187,1-1-97,0-8 90,-1 3-539,1-3-313,4-1 672,-3 0-810,-2-4 541,0 4 89,1-8 90,0 3-719,4-4 2117,-4 0-1128,4 0 0,-4-4 0,4-1 0</inkml:trace>
+  <inkml:trace contextRef="#ctx0" brushRef="#br0" timeOffset="-125823.73">6010 6344 7533,'-9'-5'-630,"4"1"1350,1 4 1259,4 0-1620,12 0 1,4 0 0,16 0-180,-7 0-180,1 0 360,1 0-91,-6 0-269,6 0 270,-4 0-270,-4 0 180,17-4-360,-19 2 180,9-2-90,-17 4-90,1 0 90,-1 0-89,0 0-91,0 0 0,-3 0 90,2 0-90,-3 0 90,0 0 0,-1 0-539,-4 4 359,0-2 90,0 2-449,0 0-181,0-3 91,0 7 809,-4-3 0,-1 0 0,-4 4 0,-1-4 0</inkml:trace>
+  <inkml:trace contextRef="#ctx0" brushRef="#br0" timeOffset="-124979.73">6085 6390 0,'-5'6'0,"-4"-2"1872,8-4-2231,-7 0 1498,7 4-420,-7-3 770,7 3-769,-8-4 2556,8 0-2530,-3 0-207,4 4-449,4-3 90,2 7 90,7-2-90,-3-1-90,4 3 90,-1-3-180,-2 0 180,6 4-91,-6-4 91,10 4-180,-1 0 90,4 1-180,3 3 90,-12-2 0,7 2-180,-8-4 180,1 5 0,-2-4 0,-8-1 0,0 0 0,-1-4-89,-3 4 178,7 5-178,-7-4 89,3 3 0,-4-8 0,0 4-90,0-4 0,-4 4 90,3 1-180,-7-1 180,3 0-270,-9 5 180,0 0 90,3-4-180,-1 3 90,3-8 0,-14 12 0,10-9 0,-7 8 0,10-11 0,0 5 0,-3-1 0,3 0 1,1 1-1,4-5 90,-3-1 0,7 0 0,-4-3-90,5 7 180,0-7 899,0 4-629,5-5-90,0 0 89,8 0-269,-3 0 180,4 0 90,-1 0 90,2 0-180,3-5-90,1 4 179,0-3-539,-1 4 270,1 0 0,-5 0-90,0 0-90,-5-4 90,0 3-90,-3-3 90,2 4-359,-3 0-1,0 0-90,-1 0-270,1 0 1,-4 0-1530,3 0 1080,-4 4 359,0-3 810,0 7 0,-4-7 0,-2 4 0</inkml:trace>
+  <inkml:trace contextRef="#ctx0" brushRef="#br0" timeOffset="-124514.73">6187 7107 7533,'-5'0'-360,"1"0"1889,4 0-1529,-4 0 360,3 4-270,-3 1 90,4 4 269,0 5-179,0 0 0,0 5 0,0-1-360,4-3 0,-3 2 0,7-6-450,-3 2 91,0-8-91,0 0 180,-1-5 180,-3 0-1439,3 0 1619,0-9 0,-3 3 0,3-7 0</inkml:trace>
+  <inkml:trace contextRef="#ctx0" brushRef="#br0" timeOffset="-124263.73">6131 6949 7533,'-5'0'180,"1"0"1169,4 0-630,12 0-3996,-4 0 2663,9 0 1653,-7 0-859,3 0-450,2 0 180,-1 0-719,-1 4 269,-3-3 3392,-1 7-3212,-4-7-899,4 11 1259,-8-5 0,7 6 0,-3-4 0</inkml:trace>
+  <inkml:trace contextRef="#ctx0" brushRef="#br0" timeOffset="-124041.73">6252 7097 7533,'-5'0'90,"1"0"989,4 0-719,8 0-270,3-4 0,3 3-360,0-3-810,-9 4 361,3 0 629,-7 4-450,3 1 540,-4 5 0,0 3 0,0 2 0</inkml:trace>
+  <inkml:trace contextRef="#ctx0" brushRef="#br0" timeOffset="-123871.73">6280 7190 7533,'6'0'1439,"2"0"-1079,-7-4-1,3 3-179,-4-3-360,0 4 270,4-4 90,-3 3-1079,7-3 359,-2 4 540,-1-4-1169,3 3 269,-3-4 900,0 1 0,4-1 0,-4-4 0</inkml:trace>
+  <inkml:trace contextRef="#ctx0" brushRef="#br0" timeOffset="-123639.73">6439 6995 8072,'-6'0'990,"-2"4"-630,7-3-180,-3 8-1,0-4 1,3 0 180,-8 7-90,8-6-360,-3 8-3187,4-5 3252,0 0 115,-4 5 0,3 0 90,-3 1-450,4 7 270,0-11-720,0 6-1908,0-7 2448,0-1 1189,0 9-1638,0-11 179,4 9 450,1-10 0,0 3 0,0 0 0</inkml:trace>
+  <inkml:trace contextRef="#ctx0" brushRef="#br0" timeOffset="-122663.73">6187 5776 7533,'0'-5'-630,"0"1"540,0 4 810,-4 0-181,3 4-179,-3 2 0,4 3 0,-4 8 179,-1 7-359,-1 5-180,-2-1 90,3 7-180,-4 3 90,-1-2-90,1 3 180,0-7-539,-1 6-1,5 0 360,1-14-720,4-7 361,4-16 179,-3 7 0,8-7 270,0 3 0,5-12 0,5-2 0</inkml:trace>
+  <inkml:trace contextRef="#ctx0" brushRef="#br0" timeOffset="-122257.73">6383 5925 7533,'0'-5'0,"0"1"-360,0 0-180,-4 3 1170,3-3-1,-8 4 811,-12 8-1170,7-6-181,-12 10 1,17-10-180,0 6 1,-1-3 178,-7 4-178,5-4 178,-5 4 1,7-8-269,-3 7 268,3-7-89,-4 7-89,5-3-91,0 1 180,-1-2-360,5 0 270,-3-3 90,7 7 0,-3-7-90,4 3 270,0-4 0,0 5-180,0-4 0,4 3 180,-3 0 0,7-3-180,-7 3 359,7-4-179,-2 4 90,3-3 0,0 7 0,1-7-180,-1 4 90,0-5-180,0 0 90,1 4 89,3-3-358,2 3-1,3-4 90,-3 0-270,2 4 90,-2-3 180,-1 7-1169,0-7 539,-5 8 720,9 0 0,-7 1 0,7 4 0</inkml:trace>
+  <inkml:trace contextRef="#ctx0" brushRef="#br0" timeOffset="-120969.73">7024 6409 6723,'0'-5'360,"0"1"-90,-4 4 90,3 0-270,-3 0 89,0 0 181,3 0 0,-8 0-90,4 4 0,-4 1-90,0 8-180,3 2 90,-2-1 179,7 12 1,-7-1-90,7 12 0,-3 0 0,0 1 0,3-1-90,-4 0 0,5-8-90,0-6 0,0-2 0,5-1 90,0 4 0,0-10-270,3-1 0,-3-8-360,1 0 360,2 3-359,-3-7-451,4 4-89,5-5 539,-8 0 270,6 0-539,-6 0 809,3 0 0,0-5 0,0 0 0</inkml:trace>
+  <inkml:trace contextRef="#ctx0" brushRef="#br0" timeOffset="-120234.73">7164 6502 6273,'0'-5'540,"0"1"-90,0 4 90,0-4-451,0 3 361,0-4 90,0 1-360,0 3 989,0-3-809,4 4-360,1 0-90,0 0 270,4 0 90,-4 0-360,4 0 90,0 0 0,1 4 0,3 1 0,-3 5-90,4-1 0,-9 0 90,-1 1-90,0 3 0,-3-3 90,4 8 0,-5-8-90,-5 8 90,-4-4 0,3 1 0,-7-2 0,8 1-90,-4-4-90,-4 8 180,2-8-180,-2-1 90,-1 8 180,4-14-180,-3 13 180,7-10-90,2-1 90,0-1-90,3 0 0,-3-3 0,4 3 270,0-4-90,4 0-180,-3 4 270,7-3-90,-2 4 359,7-5-269,1 0-90,5 0 90,4 0-90,-8 0-270,3 0 360,4 0-900,-10 0 270,14 0-809,-16 0 539,4 0 1,-1 0-1440,2 0 1080,-1 0 989,-5 0 0,4 0 0,-3 0 0</inkml:trace>
+  <inkml:trace contextRef="#ctx0" brushRef="#br0" timeOffset="-119729.73">7434 6670 7713,'-5'0'1169,"0"4"-629,1 1-181,3 4 91,-3 5-360,4 0 0,0 0 90,-4 0-90,3-1 90,-3-2-270,4 2 90,-4 1 90,3-4-270,-3 3 0,4-3-180,0-1 0,0-4-359,0-1-361,0-4 721,4-8-181,1-2 270,0-5 0,3 2 180,-2-5 90,-1 7-180,-1-7 1,0 13 448,-3-3-179,7-2 630,-3 0-90,1-3 539,2 8-539,-7 0-91,7 5-359,-7 0-180,3 0 450,1 0-270,-4 0-270,7 0 270,-7 5-90,3 0-90,0 8 0,-3-7 90,3 7-90,-4-4 0,0 6 0,0 3 90,4-3-1,-3-2-628,4-4 179,-5 1 270,4-5-1259,-3 3 989,7-7 0,-7 3-1439,7-4 1439,-2 0 360,3 0 0,0-4 0,0-1 0</inkml:trace>
+  <inkml:trace contextRef="#ctx0" brushRef="#br0" timeOffset="-119453.73">7695 6530 7533,'-11'0'0,"3"0"0,4 0 0,3 0 0,-3 0 0,4 4 0,0-3 1619,0 3-180,0 0-809,0-3-181,8 8-449,2-8 0,9 3-359,-5-4 269,0 4 90,-5-3-810,0 3 270,5-4-449,-4 4 179,8-3 451,-12 3-451,2 1-89,-8 0 899,0 4 0,-4 5 0,-1 0 0</inkml:trace>
+  <inkml:trace contextRef="#ctx0" brushRef="#br0" timeOffset="-119261.73">7639 6716 7533,'-6'5'0,"2"-1"1079,4-4 0,0 0-629,9 0-90,1 0-360,9 0-90,3-4-450,-2-1 91,7 0 359,-3-3 180,-5 7-180,3-4-90,-12 5 180,8 0 0,-8 0 0,4 0 0</inkml:trace>
+  <inkml:trace contextRef="#ctx0" brushRef="#br0" timeOffset="-119012.73">8011 6632 7533,'4'-5'1709,"-3"1"-1709,3 4 629,-4 0-449,-4 4-90,-1-3 180,0 7-90,-3-2 719,2 24-899,1-12 90,1 21-90,4-15-269,0-4 179,0-3-990,0 1 451,4-7-181,6 7 450,0-13 90,3-1-1169,1-8 1439,-4-1 0,4-4 0,-5-1 0</inkml:trace>
+  <inkml:trace contextRef="#ctx0" brushRef="#br0" timeOffset="-118801.73">8076 6437 7533,'-9'-4'1439,"0"3"-1349,3-3-270,-2 4 630,7 4-180,-3 1-91,4 4 361,-4 5-360,3-4 90,-3 3-180,4-3 899,4 3-1528,1 2-721,4-1 361,1 0-810,3-9 1709,1-1 0,1-4 0,-2 0 0</inkml:trace>
+  <inkml:trace contextRef="#ctx0" brushRef="#br0" timeOffset="-117238.73">8289 6335 7443,'5'5'989,"-4"3"-719,7-7 270,-3 12 89,4-3-179,1 13-90,-1 0 0,0 9-180,1-7-90,-5 2 89,3 0 91,-7 6-90,7 5-360,-7-5 180,4-6-180,-10 4 0,-4-1 270,3 3-449,-7-2 179,8-11 0,-4 3 180,0-5-270,-1 1-90,-3 8 270,3-7-90,-4 3 0,5-9 91,0-5-631,-5 4 90,4-7 1,-3 3-271,8-9 1,1 0 899,4-4 0,8-2 0,2-3 0</inkml:trace>
+  <inkml:trace contextRef="#ctx0" brushRef="#br0" timeOffset="-116910.73">8634 6716 8612,'4'5'-210,"-3"3"0,3-2 0</inkml:trace>
+  <inkml:trace contextRef="#ctx0" brushRef="#br0" timeOffset="-116107.73">8755 6511 6633,'-5'0'1349,"1"0"181,4 0-1081,12 0-269,-1 0-180,12-4 90,-8 3 90,2-7-270,-6 3 180,2 0 0,0-4-180,-2 8 0,6-7 180,-10 3-180,5 0-3187,-7 1 3072,0-1 205,4 4-90,-8-3 90,3 0-90,-4 3 0,0-3 90,-4 8 0,3-3 3276,-4 7-3250,1-2-26,3 7 0,-7-3 0,7 8 180,-3 1-180,0 0 0,3 0 180,-3-2 0,4-2-180,0-1 270,0 12-180,0-9-90,0 10 180,-5 4-90,4-10 0,-3 10-180,4-12 90,0 4 90,0-4 0,0 8-180,0-3 180,0 16 0,0-1-1,0 4-659,0-11 660,0-5-90,0-8 0,0 4 0,0-4 0,-4 3-90,3 6 90,-3-7 90,4 1-90,-4-13-270,3 0-90,-3 1-539,4-5-1,0-1 181,0-4 750,-5 0-571,4-8 270,-3 1-90,4-10 90,0 2-179,0-3-371,0-1 1,0-4 0,0 0 0</inkml:trace>
+  <inkml:trace contextRef="#ctx0" brushRef="#br0" timeOffset="-115760.73">8932 6660 7533,'5'-33'809,"3"1"-899,-7 12 180,3 7-90,-4 5 90,0 3 90,0-1 0,0 2 0,4 4 90,-2 0 539,10 0-629,-6 0 0,4 4 360,2 2-180,-2 7-91,5-3-89,-2 4 0,-4-5 0,1 0 0,-5 1 0,3-1-180,-7 0 180,3 1 0,-4-1-180,0-4-90,0 3 270,0-2-90,0 3-90,0 0 90,-4 0-90,-1 1-180,-8 3 180,2-3-360,-2 4 180,4-5 0,-1 1 180,-3-1-450,2-4 180,-2 3 91,0-7-1,2 8-450,-6-8 270,6 3 90,-2-4-359,4 0 179,-1 0 90,1 0 90,0 0-449,3 0 359,-2 0 90,7 0-449,-3 0 719,4-4 0,4-2 0,1-3 0</inkml:trace>
+  <inkml:trace contextRef="#ctx0" brushRef="#br0" timeOffset="-115363.73">9295 6409 7533,'0'-5'-810,"0"1"1530,0 0-360,0 3 719,0-4-270,0 1-89,-4 3-540,3-3 180,-3 4-180,-1 4 0,4 1-1,-7 5-179,3-1 270,0 0-90,-4 5 0,8-4 0,-7 8 0,3-4 0,0 9 359,-3 5-359,2 1 0,1-1-180,1-6 90,0-3 90,3 4-270,-3-4 180,4 12 0,0-2-3212,0 9 3122,0-5-90,0-10 0,4-1 90,1-12-270,0 4 90,8-5 0,-7 0-899,7 1 449,-3-5 271,3 3-991,-3-7 541,8 7 269,-8-6 270,8 2-899,-4-4 809,5 0 360,-5 0 0,4-4 0,-3-2 0</inkml:trace>
+  <inkml:trace contextRef="#ctx0" brushRef="#br0" timeOffset="-112553.73">9537 6446 7353,'-5'-4'989,"1"3"-449,4-3 90,0 4-361,4 8 1,-3-2-90,7 12 0,-3-8-90,5 8 90,3 1 90,-3 0-270,4 4 360,3 8-271,3-1 1,0 3-180,-3-6 1,-3-4-91,0 0-990,9 1 990,-8-5-449,2-6-181,-8-8 271,1-1-811,7-4 1350,-5 0 0,5-4 0,-7-1 0</inkml:trace>
+  <inkml:trace contextRef="#ctx0" brushRef="#br0" timeOffset="-112293.73">9862 6400 7533,'-9'0'359,"-1"4"361,-3 1 0,-6 13-181,-9 5-89,-4 10-315,13-12 0,0 0-3412,-9 9 2999,1 5 548,0-3-360,10-6 90,-8 5 0,14-13 332,-2 1-602,-1 4 90,8-8-720,-6 7 361,11-12 269,-3 4 0,4-5-629,0 0 359,0-3 180,0 2-244,4-7 1,1 3 0,4-4-1</inkml:trace>
+  <inkml:trace contextRef="#ctx0" brushRef="#br0" timeOffset="-111866.73">9890 6642 0,'9'0'0,"-4"0"2322,4 8-1782,-8 2 1408,3 13-1318,-4 1-360,-4-1 0,3-4 769,-8 3-769,8-3 3006,-7 9-2710,7-8-117,-3-7-89,4-4 0,0-4-450,0 0-1439,0-1 719,0 0 451,0-3-1081,0 3 1081,4-12-541,1-2 270,4-13 630,1 3-359,3-6 359,-7 10 0,7-1 0,-8 7 270,4 1-181,1 0-89,-5-1 810,7 1-180,-6 4-1,4-3-269,-2 7-180,-7-4 90,7 5 449,-3 5-629,1 0 90,-2 0-90,-4 3 180,4-3-90,-3 13-270,3-7 270,-4 7 0,0-9-180,0 0 90,0 1-180,0 7 180,0-5-810,4 1 360,-3-5 270,8-7-89,-4 8-271,4-8 0,4 3-989,2-4 1439,3 0 0,-3-4 0,-2-1 0</inkml:trace>
+  <inkml:trace contextRef="#ctx0" brushRef="#br0" timeOffset="-111199.73">10420 6214 7533,'-5'5'-720,"-3"3"1350,7-3-1,-7 9 1,7 8-90,-4 3-1,5 16-179,0-7-180,0 3 0,0-9 90,5 11 90,-4 0-315,3-11 0,0 0-45,-3 16 179,3-4-179,0 0 0,-3-1-218,1-11 0,0-1 38,-2 21 180,0-21 0,0 1-90,0 15 180,0-2-90,0-13-180,0-9-90,0-6-539,0-3 179,0-5 270,0-1-269,0-4 615,5-8-795,-4-3 359,7-3 180,-7-4 270,7 8 0,-3-8 0,5 4 0</inkml:trace>
+  <inkml:trace contextRef="#ctx0" brushRef="#br0" timeOffset="-110184.73">10625 6502 7533,'-9'-9'359,"0"4"-89,-1-4 90,5 8 0,1-7 90,4 7 89,0-7-449,0 7 0,0-3 270,12 4-180,-4 0 270,26 0-91,-8 4-269,11 1-90,-5 4-90,-8-4 1,-6 4 89,0-8 0,-8 7-540,4 1 450,-5 2-450,-4 2 360,-1-4 0,-4 1-269,0 11 359,-8-4 0,2 6-90,-12 2-90,0-4 180,-2 11 90,-3-4 270,5 0-270,3-8 360,2-3-180,3-8 0,5 1-180,-3-1 269,7 0 91,-3 1-270,4-5-90,0 3 180,0-3-90,0 0 90,0 4 0,4-8 90,5 3-180,2-4-180,-2 0 180,3 0-1,-6 0-89,8 0-179,-5 0 89,1-4 0,-1 3-180,8-8 0,-1 8 90,3-3-3097,11-4 644,-17 6 1083,17-10 1550,-20 10 0,4-6 0,-5 3 0</inkml:trace>
+  <inkml:trace contextRef="#ctx0" brushRef="#br0" timeOffset="-109782.73">11007 6688 7533,'-5'0'1349,"1"0"-899,-1 4-91,0 6 181,-4 8-360,0 6 90,4-4 0,-4-3-180,8 1 90,-7-7-90,7 7-180,-3-5 90,4-3-540,0 4 90,0-9-719,4-1 989,-3-8-90,7-1-450,1-9 1,2-4 89,11-14 540,-11 10 90,2-4 360,-4 17-90,-4 4-180,0-4 809,3 8-539,-7-3-90,3 4 540,1 0-271,-4 0-449,3 0 180,0 4-90,-3 2 0,3 7-270,0-3 90,-3 4-90,3-5-360,-4-4 270,4 4-359,-2 0-91,6-3 270,-7 6-359,7-10 179,-3 6 270,0-7 270,4 3 0,-4-8 0,4-1 0</inkml:trace>
+  <inkml:trace contextRef="#ctx0" brushRef="#br0" timeOffset="-109573.73">11285 6558 7533,'0'-10'1889,"4"-3"-1889,-2 12 0,2-3 180,0 4-180,1 0 0,4 0 269,1 0-89,-5 0-90,3 0-90,-3 4 180,0-3-90,8 3-180,-7-4-270,3 4 180,0-3 1,-8 4-901,7-1 540,-7 1 1,3 4 539,-4 5 0,0-4 0,0 3 0</inkml:trace>
+  <inkml:trace contextRef="#ctx0" brushRef="#br0" timeOffset="-109383.73">11285 6707 7533,'-4'5'2338,"3"-1"-2068,-3-4 540,4 0-630,0 4 0,4-3-270,10 3 90,-3-4-450,7-4-989,12-1 539,-12-4 630,13 4-899,-13-4 1169,-8 8 0,8-3 0,-4 4 0</inkml:trace>
+  <inkml:trace contextRef="#ctx0" brushRef="#br0" timeOffset="-109078.73">11667 6604 7533,'-10'0'1349,"-3"0"-1169,12 0 90,-3 0 89,0 0-179,3 0 90,-3 0-360,0 5 180,3 0 90,-3 8 0,4-3 0,0 4 0,0-5 0,-5 9 0,4-7-450,-3 11 270,4-8 0,0 5-270,0-5 180,0 0 0,0-5-720,4 0 361,-3-3 179,8 2-1079,-4-7 179,4-1 1170,0-5 0,1-5 0,-1 1 0</inkml:trace>
+  <inkml:trace contextRef="#ctx0" brushRef="#br0" timeOffset="-108886.73">11658 6400 7533,'-5'-4'1979,"0"3"-1800,5-4 181,0 5-90,0 9-180,5-7-540,0 6 91,4-4 269,0-3-1170,-3 7 1260,10-2 0,-9 3 0,11 0 0</inkml:trace>
+  <inkml:trace contextRef="#ctx0" brushRef="#br0" timeOffset="-101227.73">11872 6297 7533,'-10'-4'-180,"5"3"360,1-7 90,4 7 179,0-3-179,4 4 180,1 0-360,5 4 90,-1-3 90,0 11 89,5-5-89,0 14 270,9-1 0,1 12-181,4 1 91,-4 4-90,-2 5-90,-11-12-180,1 5 270,-7-7-1,0 9-179,0-7 0,-5 1-3457,0-13 3432,-5 1 25,0 8-270,-4-2 180,0 3 90,-1-6-270,1-3 0,-4 4 90,-2 5-90,1-4 3366,4 3-3250,-2-8-206,6-1-270,-8 1-2827,9-4 2713,-3-6-246,3-1 270,-1-7 360,2 3-449,4-4-2648,0 0 3129,4 0 0,2 0 1,3 0-1</inkml:trace>
+  <inkml:trace contextRef="#ctx0" brushRef="#br0" timeOffset="-93205.73">3061 8753 8072,'9'5'-90,"-4"-1"810,4-4-90,0 0-271,-3 0-3636,15 0 3023,-14 0 1473,19 0-1039,-15 0-180,7 0 180,-5 0-360,6 0 0,5 0-989,0 5 989,-2-4-720,-7 7 360,-2-7 271,-3 7 3391,-1-3-3752,-4 1-179,3 6 809,-7-10 0,4 10 0,-5-6 0,0 3 0</inkml:trace>
+  <inkml:trace contextRef="#ctx0" brushRef="#br0" timeOffset="-92923.73">3061 9042 7533,'-14'5'-180,"4"-1"899,2 0 1,7-3-450,-3 7-90,4-7 539,8 8 1,2-8-270,5 7-270,-2-7 359,1 3 1,4 0-360,-2-3 90,1 3 89,1-4-179,-7 0-180,11 0 180,-3 0 0,0 0-360,4 0 90,4-4-899,2 3 539,8-3-90,-8 4 91,-2 0 269,-8 0-1259,-5 0 179,12 0 1260,-5 0 0,3 0 0,-7 0 0</inkml:trace>
+  <inkml:trace contextRef="#ctx0" brushRef="#br0" timeOffset="-91722.73">4140 8651 0,'-9'0'0,"-1"0"1243,5 0-1513,-3 0 1499,7 0-959,-7 0 1039,2 0-1039,1 0 3006,-3 0-2711,7 0 245,-3 0-540,0 0-90,3 0 90,-3 0-1,12 0 91,6 0-180,2 0 180,10 0 90,10 0-270,-8 0-1,24 4 181,-18-3-270,0 3-90,-3-4 0,-13 0 180,1 0 0,0 0-270,3 0 0,6-4 180,10-1-90,0-4-360,-9 3 180,-3 2 90,-16 4 0,3 0-629,-3 0 359,-1 0 90,0 0-809,-3 0-1,-2 9-179,-4 1 1259,0 4 0,0 0 0,0-5 0</inkml:trace>
+  <inkml:trace contextRef="#ctx0" brushRef="#br0" timeOffset="-91004.73">4149 8688 7201,'-22'0'720,"6"0"524,3 0-435,8 0-124,5 0-505,13 4 388,2 1-209,13 9-179,-4-4-6,-1-1-84,-4 0 90,-5-4 0,4 4-270,-4-4 90,1 4 0,-2-4 0,5 8-90,-7-7 0,7 7-180,-1-4 90,-1 6 270,6-5-90,-7 2 0,-2-7-90,-3 5-90,-1-1 180,0-4-180,0 8 180,-3-11 0,2 10-179,-7-7 179,3 5 0,-4-5-540,-8 7 540,2-1-270,-12 3 0,-1 8-180,-8-3 1,-7 9 179,-3 0-2406,8-4 2496,2-5 0,9-2 270,-26 10 0,24-9-45,-4-3 0,1-1 314,8 1-179,-8-1 0,8 0-180,6-5 90,1 0 90,3-3 0,-1 2-90,2-7 0,0 7 90,3-7 2496,-3 8-2496,0-8-90,3 3 0,-3-4 0,4 4 0,0-3 539,0 3-449,0 0-90,0-3 180,0 3 90,4-4 90,5 4-1,10-3-179,9 4-180,-4-5 90,3 0 180,4 0-180,-1-5 179,16 0-269,-4-4-90,-8 0 90,-3-1-359,0 1-91,4 4 90,7-3-360,8 7-89,-23-4 89,7 5-180,-28 0 361,6 0 179,-11 0-899,3 5 449,-4-4-809,0 3 1529,0 0 0,-4 1 0,-1 4 0</inkml:trace>
+  <inkml:trace contextRef="#ctx0" brushRef="#br0" timeOffset="-90423.73">4019 9590 7533,'-9'5'90,"4"3"449,-4-7 91,8 12-540,-3-7 270,0 7 0,3 1 179,-7 8-359,7-5 0,-4 9-90,5-16 90,0 8 180,0 0-180,0-2 89,-4 1-538,3-3 179,-3-8 0,4 6-540,0-11-809,0 4 1259,4-10 0,-3 0-360,3-4 91,1-4 269,-4-2-90,7-4-270,-7-7 360,7 9 180,-7-9-270,8 8 91,-4-2 628,4 1-179,4 2-270,-2 6 900,2-2-271,-3 4 361,3-1-451,-3 5 1,4 1-270,-5 8 0,0 1-90,-3 5 0,-2-1-91,-4 4 1,4 6 0,-3 5 90,3 4-270,-4 0 180,0-9-450,0-1 91,0-5 359,0-2-990,4-2 181,1-1 539,1-7-450,2 3-90,-3-4 451,4 0-631,1-4 900,-1-9 0,0 1 0,1-5 0</inkml:trace>
+  <inkml:trace contextRef="#ctx0" brushRef="#br0" timeOffset="-90226.73">4261 9562 7533,'5'0'719,"-1"0"-269,-4 0-450,4 0 450,-2 0 0,6 0-271,-7 0 1,7 0 180,-3 0 0,17 0-900,-10 0 360,6 0-899,-6 0 269,-10 4 630,11-3-719,-12 7 0,3 2 899,-4 0 0,-4 3 0,-1-3 0</inkml:trace>
+  <inkml:trace contextRef="#ctx0" brushRef="#br0" timeOffset="-90055.73">4298 9701 7533,'-5'0'899,"1"5"-269,4-4 719,0 3-539,4-4-631,1 0 1,5 0-360,-1-4 180,4-2-809,2 1 269,8-3-899,-4 3 719,4 0 91,-9-4 629,4 8 0,-8-7 0,4 3 0</inkml:trace>
+  <inkml:trace contextRef="#ctx0" brushRef="#br0" timeOffset="-89877.73">4568 9590 7533,'5'0'1079,"4"0"-629,-8 0-270,7 0 90,-7 4-180,7 1-1,-7 4 1,3 1 0,-4-5 90,0 7-90,0-6-180,5 12 90,-4-8-989,3 4 269,0-1-629,1 2 529,4-1 1,1 0 0,-1-5 0</inkml:trace>
+  <inkml:trace contextRef="#ctx0" brushRef="#br0" timeOffset="-89299.73">4261 8093 7533,'9'4'719,"5"13"-89,-8 4-90,2 11-1,-8-4-89,0 4-90,-8 14-360,6-14 90,-6-6 0,-1-1-90,3-3 270,-7 13-495,0-8 0,0-1 225,-5 5-720,-4 16 181,5-25-541,11-15 91,-8 10-271,9-24 1260,1 0 0,0-11 0,-1-1 0</inkml:trace>
+  <inkml:trace contextRef="#ctx0" brushRef="#br0" timeOffset="-89069.73">4242 8279 7533,'19'-5'539,"-9"0"-449,3 1 810,-4 3-91,6 1-89,3 5-360,-7 5-180,1-1 269,-7 4-269,4-2 0,1 6-180,-1-6 0,-4 2-90,8 5 0,-7-3 270,7 4-540,-8-6 180,8 1 180,-7-8-1169,3 6 90,4-11-900,-3 4 900,9-5 1079,-5-5 0,0 0 0,-5-4 0</inkml:trace>
+  <inkml:trace contextRef="#ctx0" brushRef="#br0" timeOffset="-88792.73">4615 8065 7533,'-5'-11'1799,"0"3"-1799,5 8 359,0 0-89,0 4-90,0-3 360,0 12-180,0-7-180,0 12 179,0 0 91,0 10-180,0 5 90,-4 4-360,3-8-90,-7-2 0,7 0 0,-7 2-720,3 4 181,-1-5-810,2-5 359,4-9 720,0 0-899,0-5 1259,0-4 0,4-1 0,2-4 0</inkml:trace>
+  <inkml:trace contextRef="#ctx0" brushRef="#br0" timeOffset="-87120.73">5470 8530 7533,'0'-5'-900,"0"-4"1980,-4 8-721,3-3 91,-7 8-90,-1 6-90,-2 13-90,-2-3 90,4 11 89,-5 5-89,4 8 180,-1-3 0,0 3-360,5-9 0,1 1-1697,-5 4 1,2-2 1696,5-10 0,1-2 0,-6 24-2139,7-10 2049,-8 6-488,8-14 488,-3-5-1458,4-3 1548,0 3 1008,0-3-1547,0 4 1942,4-4-2122,6-6 269,0-9 180,3-4 234,5-5-504,-7-5 3572,11 0-3931,-7-8-1,7-10 630,-6 2-179,6-1 359,-8-4 0,1 9 0,-2-10 0,0 1 0,-6 5 0,5-6 0,-7 4 629,0-5-359,0 8 0,-5 2-90,0 14 180,0 4 179,-5 4 271,0 10-360,0 1-91,1 4 271,0 7-540,3-6 180,1 12-360,5-8 90,4-5-360,1-10 270,-1-5 0,8-4 0,-5 0-90,9-4 0,-2-10-179,1-5 179,3-9 180,-9 8-90,-5-1 180,0 6-180,-8 1 90,3 0-90,-4 5 270,-4 0-270,-10 3 180,-10-2-90,0 7 0,-3-3 0,4 8 0,3-3 90,2 7-90,4-7 0,5 8 0,4-4-90,-4 0 90,4 3-540,0-2 180,1-1 0,4 3-809,4-3 1169,5 4 0,2 1 0,2-1 0</inkml:trace>
+  <inkml:trace contextRef="#ctx0" brushRef="#br0" timeOffset="-86317.73">5908 9060 7533,'9'-9'-450,"1"0"270,-5-1 1080,-1 1-541,-4 4 91,0-4-180,0 8 0,0-7 180,-4 3-271,3 0 1,-8-3 0,0 7 0,-1-4 0,-8 5-180,4 0 0,-1 5-180,-2 0 90,2 8 90,-4 6-90,5 0 90,5 4-90,5 0 90,4 5 0,8-3 0,-2-7 0,8-10 0,-5-8 0,4 0 270,2 0-270,8-12 90,-4 1-90,0-12-90,-6 8 180,1-6-180,0-3 180,1-9-180,-2 0-3187,-8 9 3162,4 7 25,-8 3 90,3 8 0,-4-2 0,0 8-90,0 0 90,0 4 0,0 1 270,0 4 3006,0 5-3070,0 4-26,4 6 0,-3 8 0,3-3 90,-4-1-181,0-5 181,4 4-90,-3-7-90,3 7 270,-4 8-90,5 4-135,-5-9 0,1 0-45,3 15 44,-2-11 1,0 1-135,-1 11-91,1-13 1,0-2 180,-2 7-180,0-3 90,0-2 0,0 5-90,0 8 90,0-16-90,-4 0 0,-1-11 90,-9 0-269,0 0 360,-5-5-451,-4-9-180,-13-1 181,9-8-181,-12-10 540,15-5-180,4-5 0,7 5 540,9 2-270,4 2 0,0-3 90,0-1 0,4 0-180,1 1-90,5-1 539,3 1 1,6-5-270,-4 3 180,7-3 179,-4-3-539,-2 9 180,6-8-90,-12 14 90,3-2-3457,1 4 2802,-4 4-419,4-4 624,-5 8 90,9-3-449,-3 4-1260,20 0 720,-9 4-181,2-3 631,-6 3 719,-12 1 0,8 0 0,-4 4 0</inkml:trace>
+  <inkml:trace contextRef="#ctx0" brushRef="#br0" timeOffset="-80599.73">6494 8511 7533,'-4'5'-90,"-1"0"809,0-1-449,1-3 180,4 3 359,12-4-269,8 0-180,13 4-180,0-3 180,3 12-91,-7-11-269,-1 10 90,-5-11 90,-5 3-270,1 0 90,3-3 360,10 3-360,-2-4 90,19 0 0,-18 0-180,9-4 90,-16 3-90,-1-3 0,-1 0-90,-2 3 180,-1-3-359,-10 4 179,-1 0-990,-7 0 900,3 4-719,-4-3 90,0 11 539,0-10-180,-4 11 270,-1-12 270,-4 7 0,-5-3 0,0 5 0</inkml:trace>
+  <inkml:trace contextRef="#ctx0" brushRef="#br0" timeOffset="-78927.73">6494 8567 6363,'-5'0'540,"1"0"1169,4 0-1619,0 4 180,0 1 0,4 5-90,-3-1 89,8 4-179,-4-2 270,4 2-90,0 1-270,1-8 180,-1 6-90,0-7 90,1 5-180,-5-5 180,15 11 90,1 0-360,4 4 180,-3-3 89,-5-3 1,3 0-180,0-4 90,1 3-90,-15-8-90,6 0 180,-7 3 0,5-7-180,-1 4 90,-4-1 90,-1-3-270,0 3 270,-3 0-90,4-3-90,-1 3 90,-3-4 0,3 0 0,-4 4 90,0-3-90,0 3 0,-4-4-90,-1 5 90,-1-4 0,-2 7-180,3-3 90,-4 4 90,3 1 0,-2-1 0,3 0 0,-4 1-89,4-1 89,-3 0-90,3 1 90,-4-1-270,-17 13 180,12-10 180,-16 10-180,20-13 0,-8 4 90,8-2-90,-8 2 90,8-8 90,-3 4-180,3-4 90,1 0 0,0 3 90,-1-3-180,1 1 180,-4 2-90,2-7 0,2 7 0,1-7 0,3 3 0,-5-4 0,1 4 0,4-3 0,-4 8 0,8-8 90,-7 3-90,3-4 0,0 0 0,1 4 0,4-3 0,0 3 90,-5-4-90,4 0 0,-3 0 0,4 4 0,0-3 449,0 3-269,4-4-90,2 0 90,3 0-90,-4 0-90,3 0 90,-2 0 90,7 0 0,-3 5-180,4-4 180,-1 3 0,6-4 0,5 0 0,8 0-91,-7 0 91,1 0 0,1 0 0,2-4 90,4 3-360,3-4 90,-7 1 0,15 3 0,-17-3-3277,4 4 3252,-13 0 25,-8 0 90,16 0-90,-14 0 90,18 0 0,-18 0-90,5 0 180,-3 4-90,-8-3-180,6 3 3366,-6-4-2980,-1 0-296,3 0 0,-7 0 0,7 0 90,-7 0-90,3 0-90,1 0 180,-4 0-180,3 0-90,0 0 180,-3 0-3059,3 0 2520,-12 0 269,6 0 270,-7 0 0,1 0 0,-2 0 0</inkml:trace>
+  <inkml:trace contextRef="#ctx0" brushRef="#br0" timeOffset="-77337.73">6588 9414 7533,'-6'0'-270,"-2"0"180,7 4 0,-3-3 540,0 7-1,-1-7-359,-1 7 270,2-7 0,0 8-180,3-4 0,-3 4 0,0 0 0,3 1-1,-3-1 1,0 0 0,2 1 360,-6 11-360,7-9 0,-7 18 0,7-19 0,-3 7-360,4-9 90,0-3 90,0 2 90,0-7-270,0 7 90,4-7 0,-3 3 180,3-4-450,-4 0 180,4 0 0,-3 0 90,7 0-629,-2 0 269,-1-4-270,3 3 1,-3-11 449,5 10-540,-5-11-10,3 8 1,-3-8 0,5-2 0</inkml:trace>
+  <inkml:trace contextRef="#ctx0" brushRef="#br0" timeOffset="-77102.73">6504 9293 7533,'-10'0'-1260,"5"0"1980,1 0 629,4 0-269,17 4-990,-9-3 0,14 3-1,-13-4-358,0 0 179,1 0-630,3 0 450,-3 4 90,4-3 0,-5 3-269,0 0 179,1-3 90,-5 4 180,3-1 0,-3 1 0,5 4 0</inkml:trace>
+  <inkml:trace contextRef="#ctx0" brushRef="#br0" timeOffset="-76869.73">6699 9423 7533,'-5'0'0,"1"0"-90,4 0 270,8 0 0,-2 0-91,8 0-268,-9 0 179,3 0-360,-3 0-90,4 0 0,0 8 270,-4-2-89,0 8 179,-5-5 90,0 0 0,-5 1 0,0 3 0,-4 2 0</inkml:trace>
+  <inkml:trace contextRef="#ctx0" brushRef="#br0" timeOffset="-76694.73">6708 9553 7533,'0'5'0,"0"-1"2069,0-4-1710,5 0 271,-4-4-450,7 3 0,-3-3 0,0-1-360,3 4 180,-3-3-630,8 4 360,-2 0 180,2 0-1259,-3 0 629,-1 0 361,0 0-1,0 0 360,1-4 0,3 3 0,2-3 0</inkml:trace>
+  <inkml:trace contextRef="#ctx0" brushRef="#br0" timeOffset="-76474.73">7043 9395 7533,'-5'0'-360,"0"0"-270,5 0 1170,0 4-360,0-3-90,0 7 0,0-7 809,0 8-449,0-4-180,0 4 270,0-4-181,0 4 91,0 0-180,0 10-90,0-4-360,0 3 180,0-9 180,0 0 0,-4 0-900,3 0 360,-3 1 270,4-1 0,0 0-1259,0 0 720,4-3 629,-3 2 0,8-7 0,-4 3 0</inkml:trace>
+  <inkml:trace contextRef="#ctx0" brushRef="#br0" timeOffset="-75574.73">6810 7897 7533,'-9'10'-540,"4"-1"720,-8 4 0,11 2 0,-10-1-180,7 0 449,-1-1 181,-2 10-90,3 10-450,0-3-334,1 9 334,4-14-515,0 7 515,-4-4-180,3 0 180,-3 8 0,4-10-180,0 9 90,0-19 0,0 5-1169,0-2 269,4-8 674,-3 2-134,7-13 516,-3-4 0,8-6 1,2-4-1</inkml:trace>
+  <inkml:trace contextRef="#ctx0" brushRef="#br0" timeOffset="-75186.73">7099 8018 7533,'0'-5'539,"0"1"-1078,0 0 179,0 3 90,-4-3 900,-2 4 89,-7 4-359,3-3-180,-8 7 270,-1-3-180,-4 9-270,-9 0 90,-2 5-669,5-5 490,-2 0 89,4 3 0,-2-1 0,5 2-90,2-4 0,12-5-90,-8 5 180,8-4 90,1-1-180,5-1 758,4-7-488,0 8-180,4-4 0,1 0 449,4 3-269,0-7 90,1 4 180,3-1-270,2 1 90,-1 0-1,4-1-89,-4-4-90,1 0-90,2 0 180,2 0-630,4 4 181,1-3 179,-5 3-1170,-1-4 631,-8 0 269,7 0 90,-6 0 270,10 5 0,-9 0 0,5 4 0</inkml:trace>
+  <inkml:trace contextRef="#ctx0" brushRef="#br0" timeOffset="-70612.73">7564 8772 7533,'-5'0'270,"1"0"719,4 0-539,0-4-270,0-2 0,4-3-1,1 4 1,4-7 0,9 1 180,2-16-180,3 11-90,-4-10 90,7 7-270,-9-4-3187,5 3 3072,-8 2-587,-9 13 792,3-3-90,-7 7 90,3-3-90,-4 4 0,0 0 3088,0-4-3177,0 3 914,0-3-735,0 12-90,0-2 180,-4 7-90,3-3-90,-3-1 270,0 0-180,3 1 90,-3 11-90,4-4 0,-4 6 180,3-6-180,-4-2 0,5 3 180,-4 5 90,-1 9-270,0-6 180,-3 5 90,7 0 89,-8 7-269,8-3 0,-3 5 90,4-17-90,0 1 0,0 11 90,0-5-90,0 12 0,0-9 0,0-5-90,0 3-90,-4-3 180,3 1-180,-3 2-90,4-11 270,-4 3-180,3 0-90,-3-8 180,4 7-90,0-8-90,-5 9 0,4-3 0,-3-2 180,4-4-89,0-9-181,0 3-180,0-7-1439,0 3 1169,0-16 361,4 5-1,-3-15 0,8 7-539,-4-20 846,0 8 1,3-13 0,-2 12 0</inkml:trace>
+  <inkml:trace contextRef="#ctx0" brushRef="#br0" timeOffset="-70275.73">7788 8772 7533,'0'-5'-270,"0"-8"540,4 7 0,-3-7 269,7 3 91,1-3-3842,2 2 3572,2 2-1663,-4 5 1483,1 0-981,-1 3 981,4-3 270,2 8-450,4-3 2352,-5 7-2082,0 1 1902,-1 6-1993,-3 4 1872,0 3-1781,-6-2-3547,-4 3 3252,0-9-155,-4 8 360,-6-3-180,-4 14-270,-9-5 90,8-4 90,-7-2-359,3-8-1,-9 1 270,8-2 2942,-6-8-3032,15 0 1,-2-1-811,4-3 361,3 3 269,-2-4 360,7 0 0,-3 0 0</inkml:trace>
+  <inkml:trace contextRef="#ctx0" brushRef="#br0" timeOffset="-69758.73">8289 8614 7533,'-5'0'-630,"1"0"1080,4 0 359,-4 0-449,3 0 90,-7 0 90,7 0-361,-8 0 181,8 4 0,-7 1-180,3 4 0,-4 1 0,3-1 0,-2 4 269,3 6-89,-8 5-90,3 8 0,1-7-180,5 1 90,-1-11 0,4 7 0,-3-7-180,0 8 89,3-5 181,-3 5-90,4 5 0,0 9-360,0-11-180,8 25 91,-2-36-181,8 19-450,-1-24 181,-3-5 449,4-1-360,-5-4 181,0 0 89,0 0-1349,1 0 1709,-1 0 0,4-4 0,2-1 0</inkml:trace>
+  <inkml:trace contextRef="#ctx0" brushRef="#br0" timeOffset="-68969.73">8466 8688 7533,'-5'-5'0,"-3"1"0,7 4-90,-3-4 0,4 3 180,0-4 0,-4 1 449,3 3 271,-4-3-360,5 4 359,0-4-449,5 3-180,0-3-90,4 4 270,4 0-180,-2 0-91,2 0 91,-3 4 0,-1-3-90,4 3-90,6 0-270,-4-3 270,3 3-90,-9 1-89,1-4 89,-1 7 0,-4-7-180,3 3 180,-7 0 0,4 1 0,-5 5 0,0-1 0,0 0 90,0 1-90,-5 3 0,-4 1 90,3 1 0,-11-2 0,11 1 0,-11 0 90,2 1-180,1-2 90,0-4 180,5 5-90,0-4 0,-1 4 90,5-5 90,-3-4-270,7 3 90,-3-7 90,4 4-180,0-1 89,0-3 361,0 3-270,8 0 0,-2-3-90,8 3 0,-5-4-180,0 4 270,5-3 0,-4 4-360,12-5-90,-7 0 0,8 0-1079,-4 0-1928,-5 0 1723,0 0 571,-5 0 533,0 0 91,0 0-451,1 0 270,-1-5 181,-4 4 359,3-7 0,-6 3 0,6-4 0,-3-1 0</inkml:trace>
+  <inkml:trace contextRef="#ctx0" brushRef="#br0" timeOffset="-68483.73">8764 8800 8342,'0'13'1349,"0"-7"-1259,0 7 90,0-8 90,0 4-90,0 5 0,0-4 0,0 3 0,0-3 180,-4 7-271,3-1 1,-3 2 90,4 4-360,0-11-89,-4 15 179,3-18 0,-3 8-450,4-15 90,0 7-359,0-7-541,0 4 631,4-18 539,-3 6 0,3-11 0,0 9 180,-3 0 0,7-1-270,-3-7 360,5 5-180,-1-9 360,5 6-90,-4-3-3457,3 3 3792,-7 6-342,2 1 6,-7 7 1,3-8 180,0 8 90,1-3-180,0 4 3006,4 0-2939,-8 0-101,7 0-57,-7 0-89,7 4 0,-7 1 0,8 1 0,-8 2 0,3-3 0,0 0 180,-3 4-90,7 0 270,-7 5-270,3 1-1,-4-2-89,0-3 0,0-1 90,5-4-360,-4 3 90,3 2-179,-4 0 179,4-1-90,-3-1 180,3-7-990,0 8-1169,5-8 1440,2 3 719,2-4 0,-3 0 0,-1 0 0</inkml:trace>
+  <inkml:trace contextRef="#ctx0" brushRef="#br0" timeOffset="-67074.73">9081 8753 7533,'-5'0'539,"0"-4"-359,5 3 90,0-3 0,5 4 0,0 0-90,4 0-270,-4-4 180,3 3 0,-2-3-90,3 4-90,0 0-90,1 0 90,-1 0 0,-4 0 90,3 0-360,-2 4 270,-1-3 0,3 3-449,-7-4 179,3 4 180,0-3-630,-3 7 810,3-7 0,-4 8 0,0-4 0</inkml:trace>
+  <inkml:trace contextRef="#ctx0" brushRef="#br0" timeOffset="-66847.73">9127 8874 9062,'10'0'719,"-1"-4"-809,0 3-359,1-3 89,3 4-540,-3 0 271,8 0-271,-4 0 900,-3 0 0,5-4 0,-5-2 0</inkml:trace>
+  <inkml:trace contextRef="#ctx0" brushRef="#br0" timeOffset="-66475.73">9416 8800 7533,'5'4'-1260,"-1"-3"1260,-4 3 180,0 0 0,4-3 0,-3 3-90,4 0 180,-5-3-180,0 8 0,0-4 180,0 0-1,0 3-179,0-3 0,0 1 180,0 2 90,0 1 270,0 6-450,-5-1-180,4 0-90,-3-5 270,4 0-1,0 1-179,0-1 0,0-4 90,0 3 0,0-3-539,0 1 179,0 2 270,0-7-1529,0 3 1529,8-8 0,-6-5 0,7-6 0</inkml:trace>
+  <inkml:trace contextRef="#ctx0" brushRef="#br0" timeOffset="-66261.73">9490 8642 7533,'-10'-6'1259,"2"2"-1619,8 4 720,0 0 90,-4 4-90,3 2-540,-4 3 90,5-4 180,5 3-810,-4-7 180,7 8-179,-3-4 719,0 0 0,3-1 0,-2-4 0</inkml:trace>
+  <inkml:trace contextRef="#ctx0" brushRef="#br0" timeOffset="-65949.73">9732 8632 7533,'-5'-5'-1529,"4"-3"1529,-3 7 0,4-7 0,0 2 0,0-3 0,0 0 0</inkml:trace>
+  <inkml:trace contextRef="#ctx0" brushRef="#br0" timeOffset="-65532.73">9722 8390 7083,'0'10'1079,"0"3"-899,0-3 0,0 8 270,0 1-90,0 0-180,0 8 269,0 1-89,0 9-3637,0-3 3432,0-2 115,0-5-180,0-7 270,0 19-181,-4 5-179,4 0-115,-4 5 295,4-20-270,-4 7 270,3-3-90,-4 4 0,1 8-1,-1 3-134,2-20 1,1 0 44,-2 19 179,4 3-179,0-20-90,0 1 90,0-8 3246,0 0-3246,0-3 0,4-2-180,-3-5 0,3-3 0,0 0 263,-3-2-263,3-7-720,-4 7 450,5-7 181,-4 4-1,3-5-540,-4 0-179,4-5-91,5-4 260,-3-5 1,6-5 0,-7 0 0</inkml:trace>
+  <inkml:trace contextRef="#ctx0" brushRef="#br0" timeOffset="-63213.73">9880 8772 8072,'0'5'1170,"0"-1"-631,0-4-179,5 0-180,0 0 0,4 4 90,0-3 90,5 3-1,0 1-179,9 0 0,1 8 0,-4-3-270,1 4 90,-10-5 0,2 0 180,1 1-450,-4-1 180,7 9-90,-2 1-359,3 13 449,-3-7-630,-2 2 360,-3-13 91,-5 0 89,-1-5-540,0-4 270,-3 4 180,7-8 1,-6 3-541,6-4 270,-7 0 540,7 0 0,-7-4 0,3-1 0</inkml:trace>
+  <inkml:trace contextRef="#ctx0" brushRef="#br0" timeOffset="-62922.73">10244 8688 7533,'-10'-4'0,"5"3"359,1-3 1,0 4-360,3 0 720,-8 0-270,4 0-181,-4 0 451,-4 8-180,-6 6-450,-1 6 90,2-1-3393,0-2 3303,4-2 90,-13 16-135,8-11 0,0 2 45,-7 18-90,5-15 0,3-1-1611,7 1 1611,-7 2-270,5 0 180,3-11 0,0 6-720,6-13 361,0 0 269,3-3-900,-3 2 3089,4-7-2369,0 3 90,4-4-269,1 0 2454,4 0-2365,5-4 450,4-1 0,2-5 0,3 1 0</inkml:trace>
+  <inkml:trace contextRef="#ctx0" brushRef="#br0" timeOffset="-62437.73">10271 8949 7803,'0'5'1349,"0"3"-989,0-7-1,0 7 1,0-3-90,0 1-90,0 2 450,0 9-630,0-4 0,0 9 179,0-13-358,0 0 179,0 0 0,0 1 179,0-1-538,0 0 269,0-3 90,0 2-90,0-7-630,0 7 360,0-7-359,0 3 449,5-4 90,-4 0-540,3 0 361,0-4-451,1-5 180,0-6 451,4-3 89,-8 3 90,3 2 0,0 4 180,-3-5-180,7 4-90,-7-4 0,3 5 449,0 0-179,-3-1-90,4 5 990,-1-3-451,-3 7 541,7-7-721,-7 7-179,3-3 180,0 4-90,2 0-180,3 4-270,-4 1 360,3 0-91,-7 3-269,3-3 1,1 9 89,-4-4 0,3 4 89,0-5-89,-3 0 90,3 1 0,-4-1-180,4 8 180,-3-9-90,3 8-809,1-11 449,-4 1 90,3 2-359,0-7-271,-3 7 360,3-7-269,0 3 269,1-4 180,0 0-460,4 0 1,-4-4 0,4-1 0</inkml:trace>
+  <inkml:trace contextRef="#ctx0" brushRef="#br0" timeOffset="-61940.73">10551 8688 7533,'0'-5'-1080,"0"-3"1530,0 2-270,0 1 90,0 1 0,0 4 179,0-4-89,0 3 0,4-3 0,-3 4-180,7 0 0,-7 0-1,8 0 181,-4 0 90,4 0-270,-4 4 180,3-3-90,-2 7-91,3-3 1,-4 1 90,3 2 90,-2 1-180,3 2 180,0 6 89,0-2-269,-3-1 0,-2-1 0,0-3 180,-3-1 270,7 9-361,-7 1-89,3 1 0,-4 2-90,0-12 90,0 8 90,0 0-270,0-2 180,0 5 0,0-10-360,0 6 90,0-2 90,0-1 90,0 8-90,-4-2 90,3-1-360,-7-1 90,7-5-90,-7-2-539,2 6 629,-3-7-720,4 4 361,-3-5 179,3 0-1259,-5 1 449,1-1-719,0 0 1080,-1-3 809,5 2 0,-7-7 0,1 3 0</inkml:trace>
+  <inkml:trace contextRef="#ctx0" brushRef="#br0" timeOffset="-60101.73">11072 8958 7533,'-15'0'2158,"2"0"-1798,13 0-1619,0 0 180,4 0 1079,1 0 0,5 4 0,-1 1 0</inkml:trace>
+  <inkml:trace contextRef="#ctx0" brushRef="#br0" timeOffset="-57743.73">11658 8409 7533,'-10'0'-1619,"5"0"2518,1 0 1530,4 0-2249,12 0 179,0-4-179,15-1 0,-12-5 0,3 1 0,-5 0-180,-2 4 180,10-8-90,-9 7-270,5-7 180,-7 3-180,-1 1 90,0 0-180,-4-1 180,0 5 90,-5 1-270,0 4 181,-5 8 178,4-1-89,-7 10 0,7-7 90,-7 4-180,3 8 90,-1-10 180,2 14 0,0-12-180,3 5 360,-3 16 0,4 4-135,0-11 0,0 0-276,0 0 1,0 0 140,0 19 0,0-5-90,4 2 180,-3 4-520,1-20 1,0 1 429,-2 18-90,0-2 0,0-8-257,0 5 167,0-8 254,0-7-524,-4-5-2803,3-11 2983,-3 7-20,4-9-340,0 0 270,0-3-180,0-2-864,4-17 504,1-6 270,0-6 540,0-2 0,-1 4 0,1 0 0</inkml:trace>
+  <inkml:trace contextRef="#ctx0" brushRef="#br0" timeOffset="-57401.73">11853 8521 7533,'0'-34'-270,"0"3"899,0 16-359,0 6 0,0 0 0,0 8 540,0-3-451,4 0-89,1 3-90,1-3 180,2 4-180,-3 0 0,4 0 0,-3 4-180,2-3 179,1 7-89,2 2 90,2 0-180,-8 4 90,3-5-90,-7 17 90,4-13-180,-5 17 0,-5-11 180,4-4-180,-7 7 0,-1-8 180,3 1-360,-7-2 1,4 1-1,-1-4 180,-4 3-720,5-3 271,-5-1-541,4-4 91,-3 3 629,7-6-360,2 2 720,4-4 0,0 0 0,0 0 0</inkml:trace>
+  <inkml:trace contextRef="#ctx0" brushRef="#br0" timeOffset="-51256.73">12216 8307 6453,'-4'-6'810,"3"2"-540,-3 4 89,0 0-269,3 0 630,-12 9-540,3 1 90,-4 13 0,-4-4-90,12 4-1,-7-4 91,8 8 180,-4 2-180,0 12 180,3 1-271,2 1 181,4-2-270,4-4 0,6-4 0,-4-9-90,6-6 0,-7-1-90,9-5-180,-4 9-179,4-10-271,-5 2 270,-4-8 180,3 3-359,-6-7-91,6 4 1,-7-5 89,7 0 360,-3-5-180,0 4 450,4-7 0,-8-1 0,3-6 0</inkml:trace>
+  <inkml:trace contextRef="#ctx0" brushRef="#br0" timeOffset="-49504.73">12328 8418 7263,'0'-5'719,"-4"1"-539,3 4 1529,-3 0-1709,12 0 180,-2 0-180,12 4 180,-4-3-180,5 3 0,-1-4 90,-3 0-270,3 0 270,-8 0 0,3 0-180,-3 0 0,-1 0 0,0 0 90,1 0 0,-1 0 0,-4 0 0,3 0 0,-7 0 0,3 0 0,1 4 0,-4-3-90,3 4 180,-4-1-90,0-3 0,0 3 0,0 0 0,0-3 0,0 3 0,0 0 0,0 6 0,-9 0 0,7 3 0,-10-3 0,7-1 0,-4 0 0,-1 1 0,1-1 0,0 0 0,3 1 90,-14 15-90,11-11 180,-12 12-180,11-21 0,5 3 90,-3 1-90,3 6 0,-4-1 90,-1 0-180,5-9 90,1 3 90,4-7-180,-4 7 90,3-6 0,-3 2-90,4-4 90,0 4 0,0-3 0,0 3 0,0 0-180,0-3 180,0 3 0,4-4-90,-3 0 180,3 0-180,0 0 90,-3 0 0,3 0 90,0 0 0,2 4 90,7-3-180,-3 4 90,8-5 0,-4 0-90,-3 0 90,1 4-90,-7-3 180,5 3-180,-5-4 0,3 0 90,1 0-90,-2 0-270,5 0 180,-7 0-90,0 0-450,4 4 271,-4-3 179,0 3-360,3-4-90,-3 0-539,1 0 629,2 0 181,-7 0 359,7 0 0,-7 0 0,3 0 0</inkml:trace>
+  <inkml:trace contextRef="#ctx0" brushRef="#br0" timeOffset="-49025.73">12635 8642 7533,'0'-6'-180,"4"2"180,-3 4 1259,3 0-1169,-4 4 180,5 2 90,-4 3-90,3 0-1,-4 5-89,0-4-90,0 3 0,0 1 90,0-4-90,-4 4-90,3-5-90,-4 0 270,5 0-90,-4 1-90,3-5 0,-3 3 90,4-3 0,0 1-450,0-2 90,0 0-629,0-3-271,0 3 900,4-12 91,-3 2-1,8-8-90,-8 5-90,7-1 90,-7 1 180,3 4 0,4-7 90,-6 5 0,7-6 270,-5 8-180,-3-3 0,7 2 540,-7 1-271,3-3-179,0 7-90,-3-3 450,4 4-180,-5 0-90,3 0-90,-2 0 899,7 0-989,-7 4 180,8-3-90,-8 7-180,3 1 0,0 2 0,-3 2 0,3-3-450,-4-1 270,4 0 90,-3 0-90,3-3-629,-4 2 359,5-7 270,-4 7-90,3-3-270,0 1 91,-3 2 449,7-7 0,-3 7 0,5-3 0</inkml:trace>
+  <inkml:trace contextRef="#ctx0" brushRef="#br0" timeOffset="-48537.73">12960 8465 7533,'-5'0'-630,"1"0"2159,4 0-719,-4 0-271,3 0 91,-3-4-450,8 3-180,-3-3 90,7 4 90,-7 0 0,7 0-90,-3 0-90,5 0 449,-1 0-718,9 0 358,-11 0-358,9 0-1,-10 0-270,3 0 270,-4 0-899,8 0 359,-7 4 541,3-3-901,-5 3 1170,0-4 0,-3 4 0,3 1 0</inkml:trace>
+  <inkml:trace contextRef="#ctx0" brushRef="#br0" timeOffset="-48296.73">13016 8642 7533,'-14'5'1889,"4"-1"-1350,6-4-809,4 0 270,8 0 180,-6 0 270,11 0 0,-4 0-270,2 0 180,2 0-900,-4 0 360,1 0-1529,3 4 1439,-7-3 90,7 3-719,-8-4 269,0 0 270,3 0 90,-7 0 270,8 0 0,-4 4 0,4 1 0</inkml:trace>
+  <inkml:trace contextRef="#ctx0" brushRef="#br0" timeOffset="-48029.73">13342 8502 7533,'0'9'1079,"0"-4"-539,0 4-180,0-4-1,0 4 91,0 1 90,-4-1-90,-1 4-271,-1-2-89,2 2 90,0 5 0,3-7-360,-7 7 180,7-5 0,-3-3-989,-1 16 899,4-18-989,-3 13 179,8-16-1079,2 0 1529,3 0 450,-4-5 0,7-5 0,-1 0 0</inkml:trace>
+  <inkml:trace contextRef="#ctx0" brushRef="#br0" timeOffset="-47807.73">13416 8316 7533,'-13'-8'0,"7"6"0,-3-7 1259,9 9-90,0 0-1079,0 4-90,0-2 180,0 6 90,0-3-180,5 0 90,-4 3 0,7-7 0,-7 8-720,7-8 450,-3 7 0,0-7-180,4 7-809,-8-7 539,7 8-179,-7-8-91,3 3 810,0-4 0,2 4 0,3 1 0</inkml:trace>
+  <inkml:trace contextRef="#ctx0" brushRef="#br0" timeOffset="-47455.73">13491 8195 7533,'9'0'719,"-4"0"-359,8 0-180,-11 4 270,10-3-90,-7 7-181,1-2 361,6 3 0,-6 4-90,12 2-271,-12-1 91,6 0 0,-7-5 0,1 0 270,2 9-91,-3-3-269,0 8-90,4-8 90,-8 2 0,3-6 90,-4 23-270,0-16 0,0 17 90,0-16-360,-4 0 180,-2 3 90,-3-2-540,0 3 181,-1 4 179,1-11-900,4 6 451,-3-9 269,7-2 90,-8 6-1169,8-6 719,-7 2 181,7-4 539,-7 5 0,3-4 0,-5 3 0</inkml:trace>
+  <inkml:trace contextRef="#ctx0" brushRef="#br0" timeOffset="-46380.73">13891 8511 8702,'-5'0'989,"1"-4"-809,4 3-1529,0-3 540,0 12 539,4-6 270,-3 7 0,7-5 0,-3 1 0</inkml:trace>
+  <inkml:trace contextRef="#ctx0" brushRef="#br0" timeOffset="-45878.73">13966 8335 7533,'0'-20'90,"0"6"269,0 2 91,4 6-450,-3-3 450,7 0-180,-3 8 0,0-3-180,4 0 179,-4 3-89,4-3-90,0 4-180,1-4 180,-5 3 0,7-3-180,-10 4 270,11 0-90,-12 0-180,7 0 0,-3 0 90,0 4-90,0 1 180,-1 0-90,-3 3 0,3-3 90,-4 1-90,0 2 90,0-3 90,0 0-180,0 3 90,0-2 90,0 11-180,0-5 90,0 5 180,0 5-1,0-1 1,0 6-90,0 0-90,0-7 180,0 15-90,0-9-90,0 18 180,0-5-1476,0-5 1116,0 1 180,0-15 90,0 2-1033,0 1 673,-4-3-183,3 2 363,-3-3-90,4 8 1,0 6-361,0 5 90,0-1 180,-5-9 1210,4-9-1120,-3-6-360,4-8 181,0 4-1,0-8 323,0 7-773,0-7 80,0 3 280,0-12 0,4 2-360,-3-12 361,8 4 359,-8-9 0,7-1 0,-3-4 0</inkml:trace>
+  <inkml:trace contextRef="#ctx0" brushRef="#br0" timeOffset="-45526.73">14161 8418 7533,'0'-19'-90,"0"-3"90,0 16 270,0-7-1,4 8-89,-3 0 180,7 1 90,-2 0 0,-1 3-181,3-3 181,-3 4 540,21 4-541,-13 1-89,17 8 0,-20 6-270,4-4 0,-9 3 90,-1-9 0,-4 1-180,4-1 180,-3 0-1,3 1-179,-4-1 180,0 4-180,0 6 0,-8 0 90,6 0-90,-11-1 0,4-4-539,-10 5 179,-4-1 0,-1-7 180,2 1-719,-5-7 539,6 0 90,-5 0-989,3-1 179,7-3-179,-1 3 719,7-4 540,5 0 0,1 0 0,4 0 0</inkml:trace>
+  <inkml:trace contextRef="#ctx0" brushRef="#br0" timeOffset="-43812.73">14588 8195 7533,'-9'-5'-540,"4"1"1080,-3 4-360,3 4 89,-1-3-89,-2 7 90,3 1 90,-4 6-270,-1-1 90,5 4 90,-3-4-90,7 5-90,-3 0 269,4 3-89,0 6 90,0 14-180,0-11 0,0 8-90,0-3 90,0 3-90,0 0-270,0-4-720,8 5 89,-2-16 451,3 10 180,0-25 0,-8 1-630,11-1 181,-6-4 359,4-1-270,-2-4 452,1 0 88,2-8-820,2 2 1,-4-12 0,1 4 0</inkml:trace>
+  <inkml:trace contextRef="#ctx0" brushRef="#br0" timeOffset="-43545.73">14654 8316 7533,'-6'-9'539,"2"3"-179,4-2 630,0 7-541,4 9 181,6 4-360,-4 11 90,6-9-180,-2 8 269,0-3-449,8 13 90,-8-3 0,7 3-90,-6-12 0,-2 2-629,4-8 269,-11 1 180,10-2-1349,-7 1 179,5-4 361,-1-1 989,0-1 0,0-11 0,1 2 0</inkml:trace>
+  <inkml:trace contextRef="#ctx0" brushRef="#br0" timeOffset="-43289.73">14933 8260 7533,'-15'-4'-90,"6"3"1169,5-3-359,4 4-450,-4 4-270,-1 1 90,-5 4-1,1 1 1,0-1 0,-1 0 180,-3 5-360,-2-4 360,-3 12-180,-1-7-270,5 8 180,-1-1 0,0 0-90,1 2-270,-12 20 91,13-22-541,3 2 180,-4 4-359,5-8 539,4-7 90,1-5 360,4-6 0,4 2 0,1-4 0</inkml:trace>
+  <inkml:trace contextRef="#ctx0" brushRef="#br0" timeOffset="-42822.73">14961 8502 7713,'5'0'449,"-1"0"91,-4 8 180,0 3 89,0 11-539,0-6-90,0 6 0,-4-12 0,3 7 0,-7-2-1,3 12-179,-5-7 0,5 7-359,1-8-1,4-5-360,0-4 361,0-6-631,0-4 270,4 0 451,-3-4-91,7-1-90,-2-9 180,-1 4 90,3-8-179,-7 4 179,7-1 180,-7-2 0,12-2 0,-11-1 0,10 2 539,-7-4-629,5 11 1080,-5-7 359,7 5-1169,-6 7 90,4-3 90,-2 9-91,-7 0 361,7 0-540,-7 0 180,8 0-90,-8 4 0,3-3-90,-4 8-90,4-8 180,-3 11-180,3-6 0,0 8-180,-3-1 90,3-2-180,-4 6 0,5-6-809,-4 2 539,7-4 540,-3 1 0,4-1 0,1 0 0</inkml:trace>
+  <inkml:trace contextRef="#ctx0" brushRef="#br0" timeOffset="-42453.73">15408 8149 7533,'-10'-10'270,"5"1"-270,1 4-180,4 1-90,-4 4 180,3 0 630,-7 0-1,2 0-449,1 0 810,1 4-91,0 5-449,3 6 0,-3-1-180,4 4 0,0-4 449,0 13-179,0 6-3662,-4-3 3392,3 5 0,-4-15 134,1 11 1,0 2-495,2 0 225,-4 8 0,0 0-744,5-14 519,-8 21 90,4-15-510,0 9 150,-3 5 90,7-1-359,-8-3 89,8-2 360,-3-16-629,4-3 3152,0-13-2703,0 0-179,0 1-1,0-5 1368,0-1-1188,0-4 450,4 0 0,-3-4 0,4-1 0</inkml:trace>
+  <inkml:trace contextRef="#ctx0" brushRef="#br0" timeOffset="-41800.73">15473 8297 7533,'-5'0'-1619,"1"0"1619,4 0 0,0 4 0,0-2 0,0 2 0,4 0 0,1 1 0,4 0 1709,0-1-630,1 0-539,-1-3 269,5 8-359,0-8-450,0 7 180,0-7 0,-1 7 90,-2-7-270,2 3 180,1 1-1,-4-4 91,7 7 180,-2-3-450,-5 4 180,-1-3-90,-9 2 0,0-3-180,0 0 270,0 3-1709,-9 2 449,-1 4 810,-5 1 1,-2-2 179,2 1 180,-7 0-270,2 9 180,1-8 90,6 3-90,4-9 0,4 0 0,-4 5 0,4-8 90,0 6 89,1-2-268,4-4 268,0 6 1,0-6-180,0-1 270,0 3-90,0-7-90,4 3 0,1-4 270,0 4-180,4-3 89,-4 3-89,4-4 0,4 0 90,2 0-360,3 0 180,-3 0-720,7-4 91,-3 3-990,9-7 899,-8 7 90,-3-3-899,-4 4 1439,-2-4 0,2 3 0,-4-3 0</inkml:trace>
+  <inkml:trace contextRef="#ctx0" brushRef="#br0" timeOffset="-41291.73">15882 8483 7533,'-10'0'1979,"5"0"-2699,1 0 180,4 0 180,0 5-89,0 0 449,-4 4-180,3 0 1439,-7 5-989,2 0 899,1 9-629,-3-3-180,3 6-180,-5-2-90,5 0 269,1-5 1,0-2-630,3-6 180,-3 6-449,4-7 359,0 0-540,0-2 271,0-7 269,0 3-360,4-4 0,1 0-629,9-16 899,-4 7-90,3-12-179,-3 7 629,-5 4-90,3-4-270,-7 5 270,3 0 180,0 0-180,-3-1 719,8 1-359,-8 0 180,7 3-181,-7-2 451,7 7-90,-7-3-361,4 4 1,-1 0 180,-3 0-360,3 0 0,0 4 89,-3 1 91,7 9-270,-7-4-90,3 8 90,-4-12 0,5 6-270,-4-7 90,7 9-899,-7-4 539,3 4 90,4-5-899,-6 0 629,11 1 91,-8-5-451,0 3 990,8-3 0,-11 0 0,10-1 0,-7 1 0,5 0 0</inkml:trace>
+  <inkml:trace contextRef="#ctx0" brushRef="#br0" timeOffset="-40865.73">16114 8428 7533,'-9'0'359,"4"-5"451,1 0-630,4 0-90,0 1 270,0 4-1,4-4-179,1 3 0,4-3 0,1 4 90,-1 0-90,0 0 90,9 0 0,-7 0-91,15 4-179,-15-3 0,3 3-719,-2 0 359,-10-3-989,11 3 629,-8 0-719,0-3 809,3 8 271,-7-8 359,4 7 0,-5-7 0,0 3 0</inkml:trace>
+  <inkml:trace contextRef="#ctx0" brushRef="#br0" timeOffset="-40684.73">16170 8521 7533,'-5'10'1079,"1"-2"-809,4-4 0,0-3 269,0 4-179,4-1-180,-3-3-270,7 3 270,6-4-540,1 0 180,4 0-629,-6 0 269,1-4 360,-4 3-449,4-3 179,-5 4 450,0-5 0,1 4 0,-1-3 0</inkml:trace>
+  <inkml:trace contextRef="#ctx0" brushRef="#br0" timeOffset="-40379.73">16505 8474 7533,'-5'0'270,"-3"0"-91,7 0 541,-7 0-270,7 0-90,-4 0 89,1 0-89,3 8 270,-7 11-360,7-2-270,-3 8 90,4-14 89,0 2-179,0 5 180,0-7 0,0 7-1259,0-9-180,0 0 719,0 1 180,0-5 90,0-1-719,4-4-1,1 0 990,4-8 0,1 1 0,-1-6 0</inkml:trace>
+  <inkml:trace contextRef="#ctx0" brushRef="#br0" timeOffset="-40190.73">16477 8279 7533,'0'-15'1979,"0"6"-2069,5 5 270,-4 4-91,7 8-89,-3-2 90,0 8-90,3-9-90,-7 3 180,8-3-90,12 13 0,-7-11 0,12 6 0</inkml:trace>
+  <inkml:trace contextRef="#ctx0" brushRef="#br0" timeOffset="-39781.73">16654 8046 7353,'5'5'809,"8"4"181,-7-4-91,8 4-539,-5 0 90,0 1 89,0-1-359,1 0 180,-1 1 90,0 7 270,17 11-541,-12-2 1,12 1 0,-17-10 0,0-2-90,0-1 90,-3 4 90,2 5-360,-3-3 270,0 11-180,-1-3 90,-8 14 0,-1-3-706,-4 2 526,-5-9 90,4 0-90,-8 10 180,4-7-90,-1 5-630,-2 0 451,7-9-541,-4 10 270,5-13 180,-1-1-1079,1 10 90,-4-3-270,2 7 449,-2-12 1080,8-6 0,-4-10 0,4-3 0</inkml:trace>
+  <inkml:trace contextRef="#ctx0" brushRef="#br0" timeOffset="-38020.73">11313 9135 7533,'-14'-5'-360,"4"4"360,6-7 450,4 7-360,0-7-180,0 7 270,0-3-180,4 4 89,-2 0 181,6 0 180,1 0-180,1 0 0,4 0-90,-1 0-90,-2 0 179,6 0 1,-2 0-180,3 0 180,1 0-90,0 0 0,-1 0 90,13 0-90,-5 0-385,10 0 385,-4 0-270,-3 0 270,12-4-90,-7 2-45,-6-2 0,2 0 135,11 3-135,-15-3 0,2 0 0,7 1 0,0 1-1090,15-8 1045,-12 8 0,-1-1 90,10-5 0,4 3-90,-4 0 90,0-4-90,-2 4 90,-6 0-90,6-3 90,2 3 0,4-1-1505,-23 2 1,0 0 1504,24-1 0,-1 0-751,-9 1 841,7 0-180,-5 3 45,-17-2 0,0 1-280,25 2 325,-17 0 0,2 0-135,1 0 0,1 0-506,-3 0 1,0 0 595,0 0 0,-1 0-45,4 0 0,-1 0 45,-7 0 0,0 0 0,8 0 0,-1 0-208,-10 2 0,-2 1 163,22-2-924,3 3 924,-24-4 0,1 0-45,-2 2 0,0 0 495,4-2 0,0 1-360,22 3 0,-24-4 0,-1 0-90,16 0 0,-16 0 0,0 0 0,21 0 135,-21 0 0,2 0-90,11 0 0,0 0 0,-9 0 0,0 0-45,7 0 0,0 0 177,1 0 0,-3 0-177,-7 0 0,-1 0 45,13 0 0,-1 0-45,-11 0 0,-1 0 45,2 0 0,0 0-90,-2 0 0,0 0-45,23 0 135,-23 0 0,-1 0-225,25 0 225,-24 0 0,0 0-45,2 0 0,0 0 0,-4-2 0,1 0 0,2 1 0,1 1 0,17-4 90,4 3 0,3 2-90,-20-1 0,0 0 36,17 0 0,0 0 8,-9-2 1,-4 0-45,11 1 45,-13-1 0,2-1-45,-4 1 0,0 0 45,6 2 0,2-1 406,5-1 0,0 0-406,-11 2 0,-1 0-135,-5 0 0,-2 0 180,13 0-90,-3 0 0,4 0 384,-1 0-474,-14 0 0,1 0 0,17 4 2215,5-3-2125,-18 3 0,-4 1-90,8-4 451,2 7-451,-3-7 90,-4 3 0,-9-4 180,-2 0-180,3 0 0,-5 0 1441,1 0-1261,-5 0 57,4 0-327,-3 0 645,-1 0-555,-1 0 354,-7 0-534,2 0 0,-7-4 180,7 3-360,-7-3-180,8 4 361,-8 0-91,3 0 180,-4-4 0,0 3 180,0-4-180,4 5 180,-3 0 0,3 0-450,-4-4 90,0 3 90,0-3 0,0 0 90,0 3-3187,0-3 977,0 12 2300,0-2 0,-4 8 0,-1-5 0</inkml:trace>
+  <inkml:trace contextRef="#ctx0" brushRef="#br0" timeOffset="-36057.73">12691 9423 7533,'-9'5'-450,"4"-1"990,0-4 539,5 0-629,13 0-270,-6 0-90,10-4 269,1-1-359,-7-4 180,6-1-90,-3 1-180,-4 4 450,12-8-360,-7 3 0,4-4 0,-10 4 0,4 2-90,-11 7 90,6-7 0,-8 7 0,0-3 180,0 12-90,0 2-90,0 5 180,0 2-3457,0-2 3252,0-1-94,0 4 209,0-4-90,0 5 90,4-1 0,-3 13 0,8-9 0,-8 9 0,3-9 0,-4-2-90,0 7 0,4-8 208,-3 21-118,3-13-270,-4 9 270,0-1-180,0-1-179,0 0 359,0-3-630,4-8 270,-3-8 90,3 7-180,-4-12 91,0 0-631,0 2 540,4-10 90,-3 6-89,4-8-91,-5 0-180,4 0 3842,-3-4-3751,7-1 539,-7-8 0,7-2 0,-2-3 0</inkml:trace>
+  <inkml:trace contextRef="#ctx0" brushRef="#br0" timeOffset="-35724.73">12960 9423 7533,'0'-28'-360,"0"8"630,0 3-90,0 7-180,0 1 449,-4 4 1,3-3-360,-3 7 180,8-3 0,1 4-180,0 0 0,8 4 180,-7-3 89,12 11-89,-4-6-180,1 8 180,6-5 0,-5 5-90,2 0 0,-4 0-90,-9 0 89,3-1-179,-7 2-90,3 8 180,-4-8 0,0 3-359,-8-1 269,2-6-180,-8 11 0,5-12 270,-4 3-3367,2-3 2892,-6-1 205,-6 9-360,-6-3-1529,-12 4 810,15-6-1549,0-8 2808,21-1 0,1-4 0,4 0 0</inkml:trace>
+  <inkml:trace contextRef="#ctx0" brushRef="#br0" timeOffset="-34957.73">13509 9218 7533,'-5'0'449,"1"0"-89,0 0-180,-1 0 0,0 0 360,-8 4-360,7 2 0,-3 3 179,-4 8-89,7-5-90,-7 10 270,3 4-270,1-4 0,4 9 269,-3 4-269,7-12 0,-8 16 0,8-7 0,-3-6-270,4 9 90,0-16 0,0 4 180,0 0-180,4-4 0,6 12-180,0-6-90,7 7 0,-6-12-179,2-3-631,1-3 630,-4-4 91,4 0-1710,3-6 1619,-6-4 450,7 0 0,-5 0 0,2 0 0</inkml:trace>
+  <inkml:trace contextRef="#ctx0" brushRef="#br0" timeOffset="-34273.73">13612 9414 7533,'-10'-6'0,"5"-2"-90,1 7 90,4-3 90,0 0 180,0 3 269,0-3-359,4 4 180,6-4-90,4 3-90,1-4-90,2 5 269,-2 5-179,3-4 0,-3 7 90,2-7-360,-6 7 90,2-7 90,-4 7-180,5-2 90,-8-1-90,7-1-180,-12 0 180,3 1-90,0 0-89,-3 4-3008,3-4 2802,-8 4 115,-18 17 180,9-13 90,-17 17 0,19-20 90,-6 4 0,-2-1-90,0 1 360,0 1-180,5-2 270,5-3-180,0-1 3096,4 0-2980,1-4-296,8 4 270,5-8-181,5 3 1,1-4 0,11 0 90,-6 0-450,17 0 180,-17 0-539,6 0 89,-7 0 360,-4 0-539,3 0-91,-5 0 540,-2 0-179,2-4 449,-4 3 0,1-8 0,-1 4 0</inkml:trace>
+  <inkml:trace contextRef="#ctx0" brushRef="#br0" timeOffset="-33847.73">13975 9543 8072,'-5'25'720,"1"-3"-180,-1-5-270,4-1-270,-7 19-180,7-17-3097,-3 3 1852,4-17 1835,0-4-1040,4-4-89,5-9 359,-2 1-90,9-9 360,-14 10 0,11-2-89,-8 4 448,0-1-179,3 1-90,-3 4 3276,5-3-1900,-1 7-1286,-4-8 719,3 8-449,-6-3 0,6 4 0,-3 0-91,0 0-89,3 0 90,-2 0-180,-1 0 180,3 0-90,-3 0 0,0 4 0,4-3-1,-4 12-179,0-7 90,-1 7-269,-4-3 89,0-1 0,0 0 180,0 1-810,4-1 360,-3 0 90,8 0-719,-8 1 359,7-5 270,-3 3-359,0-7 269,3 8 0,-2-8 450,3 3 0,0 0 0,0 1 0</inkml:trace>
+  <inkml:trace contextRef="#ctx0" brushRef="#br0" timeOffset="-32884.73">14328 9386 7533,'-5'0'-450,"0"0"2339,5 0-1799,9 0 90,-3 0-90,7 0-90,-3 0 0,-1 0 180,0 0-90,5 0-90,0 0 89,1 0 1,-2 0-539,-4 0 179,1 0 180,-5 0-720,3 0 451,-3 4 89,1-3 90,-2 7-540,-4-3 270,0 5 450,0-5 0,0 3 0,0-3 0</inkml:trace>
+  <inkml:trace contextRef="#ctx0" brushRef="#br0" timeOffset="-32706.73">14365 9497 7533,'-5'5'629,"1"0"-449,4-5 180,0 0 0,0 4-270,0-3 90,4 3-180,5-4 90,6 0-450,7 0 90,-6 0 270,6 0-90,-8 0-899,1 0 359,2 0 630,-2 0 0,-1-4 0,0-1 0</inkml:trace>
+  <inkml:trace contextRef="#ctx0" brushRef="#br0" timeOffset="-32408.73">14765 9460 7533,'-5'0'-900,"-3"0"540,7 0 270,-7 4 810,7-3-270,-8 3-270,8 1 90,-7 0-1,7 0-179,-7 3 180,7-7 0,-4 7-180,5-2 0,-4 3 180,3 0-90,-3 0-90,4 0 0,0 1 0,0-1-1,0 0 91,0 0-360,0 1 180,0-5-89,0 3-181,0-3 270,0 1-180,0 2 270,4-7-720,-3 3 90,8-4 360,-4 0-629,0-4 809,7-5 0,-5-6 0,6-4 0</inkml:trace>
+  <inkml:trace contextRef="#ctx0" brushRef="#br0" timeOffset="-32215.73">14756 9265 7533,'0'-5'719,"-4"0"-269,3 5 0,-3 0-360,8 5 0,-3-4 0,3 3 0,0 0 0,-3-3-180,7 7 0,-2-7 180,-1 3-630,3 1 180,-3-4 270,5 7-90,-1-3 180,0 0 0,0 3 0,1-2 0</inkml:trace>
+  <inkml:trace contextRef="#ctx0" brushRef="#br0" timeOffset="-31438.73">15091 9144 7443,'-5'0'449,"1"0"-89,0 0-270,3 0 0,-8 4-90,8 1 0,-3 4 90,4 1 270,0 3-270,0 2 270,0 7-180,0-2-180,0 3 179,0 0 91,0-4 180,0 16-90,0-1 0,0 13-450,-4-1 180,3 1-896,-3-5 896,0-5-180,3-9 1,-3-5 178,4-5-89,0 1-89,0 4 89,0-8 0,-5 7-90,4-4 0,-3-2 90,4 1-360,0-11 895,0 2-805,0-7 270,0 7-719,0-7-1440,0 3 2159,4-8 0,2-5 0,3-6 0</inkml:trace>
+  <inkml:trace contextRef="#ctx0" brushRef="#br0" timeOffset="-31057.73">15315 9348 7533,'-15'-4'1079,"2"-1"-539,7 0-180,2 1-360,4 4 539,0 0-179,4 4-180,2 1 0,3 4 180,0 1-1,5-1-179,-4 0 0,3 5 90,5 0-90,-7 5 0,7-5-360,-9 0 180,1-5 0,-1 5 0,0-4-270,1 3 180,-1-3 0,0-1-270,1 8 270,-1-5-809,-4 5 449,3-8 180,-3-4 91,1 4-811,2-8-89,1 7 719,2-7-360,-2 3 271,-1-4 449,-3-4 0,5-1 0,-1-5 0</inkml:trace>
+  <inkml:trace contextRef="#ctx0" brushRef="#br0" timeOffset="-30814.73">15631 9283 7533,'-9'-9'180,"-1"4"-180,5-3 0,-3 7 269,3-4 91,-9 5-360,4 0-180,-3 5 180,3 0 0,1 8 0,0-2 270,-1 6 90,-7 2-270,5 0 180,-5 4 90,-1 4-91,-6 2-179,0 0-458,-3 2 278,8-12 180,5 4 0,-4-5-180,-1 5 180,0-3-90,0-2-630,6-4 271,8-5 179,0 0-990,5 1 1170,5-1 0,0-4 0,4-1 0</inkml:trace>
+  <inkml:trace contextRef="#ctx0" brushRef="#br0" timeOffset="-30312.73">15714 9525 10681,'9'0'-3277,"-3"4"2956,-2 5 771,-13 6-180,7-1-270,-10-1 0,7-3 899,0 3-449,-3-2-270,7 2-90,-3-4 359,0 5-269,3-4 90,-3 3 0,4 5 180,-5-2-810,4 2 270,-3-4 90,4-5-720,0 0 361,0-4 179,0 4 90,0-8-630,4 3 270,-3-4 181,4 0-1,-1 0-180,1-4 90,0-2 0,3-3 91,-3 0 89,0-5 180,3 4 0,-7-7 0,7-2-90,-2-5 90,3 5 0,0-3 449,1 11-269,-1-2-90,-4 4 0,3-1 720,-2 5-91,3-7-89,0 10-90,0-11-270,1 12-1,-5-3-89,3 4-90,-3 0 180,1 0-90,2 4-90,-7 2 90,7 7 90,-7 1-180,3 1-90,-4-2 90,0-3 89,0-1-179,4 0-90,-3 1-269,4 3 179,-1-3-990,1 4 271,4-5 719,1-4-1259,-1-1 1439,-4-4 0,3 0 0,-3 0 0</inkml:trace>
+  <inkml:trace contextRef="#ctx0" brushRef="#br0" timeOffset="-28692.73">16096 9153 7533,'-5'0'-180,"-4"-4"90,8 3 540,-3-7-91,4 7 271,0-3 0,8 8-181,7 5-3571,4 1 3302,0 4 510,19 20-331,-14-6-269,-5-8 0,-2 1 90,1 6 90,0 0 0,-7-6-90,7 5-846,-13-7 846,3 0 0,-3-1-180,0 5 2651,-1-3-2561,-4 6 39,0 6 50,-8 11-269,-2 8-1809,-5-8 1899,-2-2-90,6-13 684,-6 4-684,-6 5-90,2-7-4,-6 5-86,13-15-1259,-4 2 630,8-7 449,-3 2 90,3-6-719,1 2 797,0-4 1,-5 1 0,0-1 0</inkml:trace>
+  <inkml:trace contextRef="#ctx0" brushRef="#br0" timeOffset="-15513.75">3080 10706 7533,'-10'-4'-450,"5"3"2159,1-3-720,4 4 1260,0 0-1799,4 4 0,5 1-270,-2 4-1,5 1 1,-7-1 0,0 0 0,4 1-90,-4-1 360,21 17-270,-13-13-270,17 13 0,-19-17 180,6 1-180,-2-1 90,11 4 90,-1-7-180,3 7-90,-5-8 270,-4 0-180,7 3 90,-5-2 90,6-1-180,-12 3 0,-2-7 90,-4 3 0,1-4-90,-5 4 90,3-3 0,-7 4 0,3-5-90,0 0 90,-3 0 360,4 0-360,-14 0 0,3 0-90,-3 0 180,0 0-90,8 0-90,-7 0 180,3 0-270,-8 0 90,2 4 90,-2-3-90,-1 7 90,4-3 0,-8 4-90,0 5 90,2-4-90,-5 4 180,-2 3-90,6-5-180,-9 5 90,4 1-359,-3-3-91,-7 8 540,12-9-810,-2 0 361,12-5 89,-8 0-630,8-3 361,-3 2 179,3-3 450,1 0 0,-4 4 0,-2-4 0</inkml:trace>
+  <inkml:trace contextRef="#ctx0" brushRef="#br0" timeOffset="-14353.75">2996 11590 7533,'-11'4'-630,"-1"-3"0,7 3 990,-4 0 540,-1-3-181,1 7-449,4-7 0,1 4-90,0-5-90,2 0 1619,-2 0-1349,13 0-1,1 0 91,17-5 0,2-4-270,0-1-180,2-4 270,-12 5-90,4 0-1,-4-1 181,9-6 0,4-2-90,13-5-1909,-12 4 1,-2 1 1433,5 1-1263,-18 3 1558,1 4-1212,0-3 1212,-5 3 90,4 1-180,-8 0 90,3 4 1974,-3-4-2064,-1 4 90,-4 0 1885,3 1-2155,-7 4-1259,4 0 1079,-1 0 2123,-3 0-4012,3 0 1080,0 0 449,-3 4 270,3-3 450,-4 7 0,0-3 0,0 5 0</inkml:trace>
+  <inkml:trace contextRef="#ctx0" brushRef="#br0" timeOffset="-4914.73">2372 9962 7533,'-5'0'0,"1"-4"359,4 3 1081,0-3-991,0-1 1620,29 0-1439,-5-4-450,3 6 0,4 1 90,16-7-1740,-8 4 1650,1 0 0,-21 1-180,4 4 180,4-4-630,-6 3 180,1-3 91,0 0-541,-10 3 360,5-4-449,-3 5 359,-8 0 180,2 0 1649,-4 0-2008,-3 0-1440,3 0 1259,-4 5 91,-4 0 719,-5 0 0,-6 3 0,-3-3 0</inkml:trace>
+  <inkml:trace contextRef="#ctx0" brushRef="#br0" timeOffset="-4588.73">2726 9925 7533,'-10'10'-810,"1"2"1260,9-6-180,-4-1 359,-1 7-179,0-6 450,-4 12-720,8-8 269,-7 4 1,7-1-270,-3 2-180,4-1 90,0 12 360,0-5-360,0 15-1,0-3 181,0-4-450,0-2 180,0-9-90,0 1 180,0 4-180,0 0-89,0 1 269,0-5-180,0-6 90,-4-4 90,3 1-180,-12-1-90,11 0 180,-10 1-270,-2-5 0,-1 3 0,-16-7 90,14 3 90,-8-4-269,2-4 179,-2-5-360,-7-6 270,12 1 0,3 0-269,7 1 359,5 3-630,1 0 810,8-2 0,1 6 0,5-8 0</inkml:trace>
+  <inkml:trace contextRef="#ctx0" brushRef="#br0" timeOffset="-3963.73">2772 10325 7533,'0'9'180,"0"-4"179,0-1-269,5-4 270,-4 0 90,7 0-270,-3 0 0,4 0-90,1 0 269,3 0-89,6-8-180,-4 6 90,7-11-180,-8 4 0,1-1-90,-2-4 180,1 1-90,-8 3-180,6-4-90,-11 5 1,4 0 89,-5-1 0,0 5 180,-5 1-360,0 0-90,-8 3 270,2-3 90,-6 4 90,-2 0-90,4 0 0,-3 0 180,5 4 90,-2 5-3457,5 1 3342,-3 4-441,12-5 556,-3 0-180,0 1 270,3-1-268,-3 0 177,4 1 1,4 7-90,1-5 0,9 9-450,0-14 91,9 1 179,-3-8 2353,2 0-2983,1 0 540,-3 0-719,-2 0 539,0-4 360,-8-2 0,4-3 0,-5 0 0</inkml:trace>
+  <inkml:trace contextRef="#ctx0" brushRef="#br0" timeOffset="-3748.73">3042 10185 7533,'0'-5'-180,"-4"1"180,3 4 0,-3 0 450,0 0-271,3 4 91,-3 1 90,4 8 90,0 2 0,0 8-271,0-8 1,0 3 180,0-1-450,0-5 180,0 5 0,0-7-809,0-1 629,0-4 0,0 3-270,0-7-1079,0 3 809,4-4 360,1-4 270,4-9 0,1-3 0,-1-6 0</inkml:trace>
+  <inkml:trace contextRef="#ctx0" brushRef="#br0" timeOffset="-3557.73">3108 10194 7533,'5'-5'-360,"3"1"1349,-7 4-449,3 4 270,-4 1-361,0 5-269,0 3-90,0-3 90,0 0 0,0-2-360,0-3 90,0 4 270,0 1-270,4-1 90,-3-4 0,3 4 0,-4-8-809,5 7 359,-4-7 180,7 7-1079,-3-7 989,0 3-360,4-4 271,-8 0 449,7 0 0,-7 0 0,7 0 0,-3 0 0,5 0 0</inkml:trace>
+  <inkml:trace contextRef="#ctx0" brushRef="#br0" timeOffset="-3128.73">3359 10148 7533,'0'-9'90,"0"3"-90,0-2 809,0 7-269,0-3-180,-4 0 359,-1 3-269,-5-3-360,1 4 180,0 0-90,-1 0 0,5 0-270,-3 0 180,3 0 0,-5 0 89,1 4-358,0-3 179,4 7 0,-4-3-90,4 9 0,0-4 90,1 3-180,4-3 180,0-1-450,0 0 270,0 1-90,0-1 270,4-4-360,1 3 181,4-7-1,1 4 90,-1-1-180,0-3-90,9 3 270,-7 0 270,7-3-450,-5 3 450,-6 0-90,5-3-180,-11 3 270,7 1-270,-7-4 90,4 7 180,-5-3 270,0 13-270,-5-11-1,4 9 1,-11-10-90,2 3-270,-5 0 270,6-4-90,1 4-90,2-8-89,-3 3 268,4-4-898,-3 0 359,2 0 180,1 0 180,1 0-2158,4 0 2248,8 0 0,-1 0 0,6 0 0,-4 0 0,5-4 0,0-2 0</inkml:trace>
+  <inkml:trace contextRef="#ctx0" brushRef="#br0" timeOffset="-2450.73">3350 10352 7533,'28'-7'584,"-1"0"1,20-11 225,-34 0-631,-2 2 91,2-5 90,-3 2-180,-1-1 0,-4-2 0,-1 11 0,-4-5-180,0 10 90,0-4-360,0 6 270,0 0 0,-4 3-270,-1-3 90,-4 4 90,3 0 0,-2 4-90,3 1 180,0 4 0,1 1 0,4 3 0,-5 2 90,4-1-90,-3 0 0,4-1 180,0-3 0,0 8-180,0-8 0,0 4 90,4-1-360,2-3 180,3 4 0,0-9 90,-4-1-180,4 0 0,0-3-359,1 3 269,4-4 90,-5 0-450,0 0-359,5-8 359,-4 2-89,4-12 719,-5 0 0,0 2 0,-4-1 0,4-1 0,-8 7 0,3-11 0,0 12 0,-3-4 359,3 5-269,-4 4-3367,0-3 4602,0 7-696,0-8-179,0 8 539,0-3 271,4 4-1080,-3 0-1,3 4 1,-4 1 0,5 5 2942,-4-1-3122,3-4 0,-4 3-359,0-2 89,4 3-360,-3 0 180,3-4 360,0 4-359,-3-8-1,3 3 270,-4-4-180,5 0 90,-4 0 1,3-4-1,0 3 90,-3-8 0,7 4 0,-7-4 0,7 0 180,-2-1 0,-1 1 90,3 4 360,-7-3-90,7 7 89,-3-4 271,0 5-180,3 0 809,-7 0-899,3 5-91,0 0 1,-2 4-90,2-4-90,-4 3 0,0-2 180,4 11-270,-3-5-90,7 9-1530,-3-6 1351,0-1-1710,4 0 1069,0-1 1,1-7 0,4 3 0</inkml:trace>
+  <inkml:trace contextRef="#ctx0" brushRef="#br0" timeOffset="778.27">4280 11032 7533,'-6'0'1259,"2"0"-270,21 0-449,-5 0-90,15 0 449,0 0-179,10-5-360,-2 4-180,10-7 44,-16 2 1,0-1-45,10-5-180,-6 1 0,-1 1 180,11-1-450,-12 2 180,7 1 90,-27 7-1079,7-3 449,-9 4 271,-3 4-991,2-3 631,-7 3 179,3 0-449,-4 1 89,0 9 540,0-4 360,-4-1 0,-5 4 0,-6-3 0</inkml:trace>
+  <inkml:trace contextRef="#ctx0" brushRef="#br0" timeOffset="1349.27">4317 11032 7533,'-9'0'0,"3"0"989,-2 0 1,7 0 359,-3 0-630,8 4-89,1 1-450,5 0 360,7 12-630,-1-10 180,2 10-90,0-7 180,-4-1-91,9 4-178,5 2-1,-3-1 0,10 4-360,-18-8 270,4 4 0,-11-5 90,3 0-270,-7 1 180,7 3-89,-12-3 89,7 4 90,-7-5-90,3 9 90,-8-3 0,-1 4 0,-9-2-90,4-2-180,-16 8 270,5-8-179,-6 7 179,4-12 0,0 4-90,3-5 270,-2 4-360,-5 2 450,6-1-90,-6 0 0,9-5 0,-1 0 0,4 1-90,2-5 179,8 3-89,-3-7 0,7 7 360,-4-7-90,5 8 269,0-8-89,5 7-270,0-7 0,4 3 90,9-4 89,-3 0-89,12 0 270,18-4-270,-4 3-315,0-3 0,2 0-225,-14 3 0,-1 1-1459,2-3 1,0 1 1343,5 2-155,-8 0-179,-3 0-91,13-4 450,-17 3 0,2-3 0,-17 4-809,4 4 90,-4-3 4021,0 3-3932,-1 1 361,-4 0 89,0 0 450,-4 3 0,-1-7 0,-5 3 0</inkml:trace>
+  <inkml:trace contextRef="#ctx0" brushRef="#br0" timeOffset="2126.27">4131 11850 8162,'0'5'810,"4"4"-630,-3-4 90,3 4 89,-4 4-269,0-2 0,0 6 90,0-6-90,0 6 180,-4 2-180,-1 5-90,0-1 0,0 0 180,5-8-450,-4-2 270,3 1-90,-3-8 180,4 6-450,0-7 0,0 0-179,0 0-541,0-5 810,4-5 91,-3 0-1,8-8-180,-8 3-180,7-16 450,-7 13-90,3-13 0,-4 12-89,4 0 269,-3-4 90,7 8-90,-6-8 0,6 8 629,-3-4-449,0 5 0,3-4-90,-2 2 540,-1 2-271,3 1-89,-3 2 0,0 1 0,4-3-90,-4 7 90,0-3-90,3 4 89,-7 0-179,8 0 630,4 8-540,-6-2-90,10 8 90,-16-5 90,3 0-91,-4 1-179,0 3 270,4 2-90,-3-1-180,3-1 90,-4-3 90,0-1-360,0 0 180,0 1-90,0-1 180,4 0-720,-3 1 361,4-1 89,-5 0-990,4-4 271,-3 4 539,7-4-719,-7 0 449,7-1 180,-2-4 450,-1 0 0,3 4 0,-3 1 0</inkml:trace>
+  <inkml:trace contextRef="#ctx0" brushRef="#br0" timeOffset="2747.27">4484 11841 7533,'-5'0'629,"1"0"1890,4 0-2159,8 0-180,-1 0-1,6 0 91,-4 0-90,1-4 0,3 3 0,-3-4-270,8 5 180,-3 0-810,-1 0 361,-1 0 269,-3 0-1080,-1 0 541,-4 0 359,-1 0-630,1 9 1,-4-3 449,3 7-90,-4-3 540,-4 3 0,-6-2 0,0-2 0,-4-1 0,1-3 0,-1 5 0</inkml:trace>
+  <inkml:trace contextRef="#ctx0" brushRef="#br0" timeOffset="2905.27">4522 11934 7533,'-21'5'1529,"4"-1"-810,22-4-539,4 0 90,1 0-90,4 0 0,-5 0-3457,0 0 2302,1 0 1361,3 0-386,-3 0 212,4 0-392,-1 0 90,-2-4 90,2 3 90,-4-3-1349,1 0 2030,3 3 0,-2-8 0,2 4 0</inkml:trace>
+  <inkml:trace contextRef="#ctx0" brushRef="#br0" timeOffset="3131.27">4773 11804 7892,'5'0'1260,"-1"0"809,-4 0-1890,5 4 1,-4 1-180,3 4 0,-4 5 0,0-4 0,0 3-90,0 5 0,0-3 90,0 4 0,0-5-809,0-5 449,0 4 90,0-2-1169,0 6 809,4-6-359,-3 2 989,3-8 0,0 3 0,1-2 0</inkml:trace>
+  <inkml:trace contextRef="#ctx0" brushRef="#br0" timeOffset="4674.26">4419 10362 7533,'0'9'-450,"4"0"360,-3 1 989,8 3-629,-8-3-180,3 8 540,0-8-270,-3 8 0,3-4 89,-4 5-89,-4 8-180,3-2-180,-7 7 180,-2 8 0,0-13-360,-3 12 180,3-15-540,-7 20 180,5-7-698,-1 0 968,5-11-810,3-16 181,-1 3 539,2-7-630,4-2 675,0-4 0,0-13 0,0-2 1</inkml:trace>
+  <inkml:trace contextRef="#ctx0" brushRef="#br0" timeOffset="4905.26">4401 10529 7533,'9'-5'449,"0"-3"271,9 7 90,-3-3-631,4 4 181,-6 0 90,5 4-180,-2 5-90,2 1 0,-4 8-270,-5-4 90,0 5 180,1-4-540,-5-2 180,3 0 180,-3-2-810,4 2 1,5 9 269,-8-10 180,7 6 90,-8-10 270,8-7 0,-2 7 0,2-2 0</inkml:trace>
+  <inkml:trace contextRef="#ctx0" brushRef="#br0" timeOffset="5216.26">4792 10306 7713,'0'-5'1799,"-4"1"-1440,-2 8 91,1 5 0,-3 10-270,3 4 90,-5 10-91,1 0-89,0 8 90,4-11-180,-4 1 0,8-8-270,-11 13 1,6-1 179,-8 10 90,9-20-270,-3 1-90,7-11 360,-7-1-630,6 0 271,-2-5 89,4 0-900,0 5 631,0-8 89,0 6 450,0-7 0,4 0 0,2 0 0</inkml:trace>
+  <inkml:trace contextRef="#ctx0" brushRef="#br0" timeOffset="8448.27">5396 11004 7533,'-5'-6'-810,"1"2"1979,4 0-449,0 3 180,0-3-631,0 0 271,8 3 0,2-3-270,9 4-1,-5-4-89,4 3 0,-4-4 180,9 5-90,5 0-180,9 0 0,-3-4-90,-1 3 180,-7-3-270,-2 4 180,4 0-90,0-4-180,8 3-90,-2-7-450,4 7 271,-10-8-721,-10 8 541,-9-3 269,0 4-989,-8 0 1349,3 4 0,-4 2 0,0 3 0</inkml:trace>
+  <inkml:trace contextRef="#ctx0" brushRef="#br0" timeOffset="9126.27">5508 11032 7533,'-24'0'1259,"9"0"-899,3 0-180,11 0 0,-7 0 89,7 0 91,-4 0-180,5 4 0,0-3 90,0 7-90,0-3 0,0 4 0,0 1 89,5-1-89,0 0 0,4 1 0,9 3 0,-7-3-180,7 4 0,-5-9 180,-3 3-90,8-3-180,-4 1 0,13 2 180,-6-3-180,6 0 0,-8 4 180,-1-8-360,5 7 180,-8-3-90,3 4-719,0 5 629,-11 0 90,1 5 90,-9-1 0,-11-3-180,-3 7 90,-9-3 180,-3 5-180,3-1 91,-7-1 89,10-6-1639,-2 3 1,-2 0 1433,2-4 131,1 2 0,0 0 164,-2-3-180,5 1 269,1-2 1,9-8-90,0 4 0,3-8 90,-2 3-180,7 0 0,-3-3 180,4 3-90,-4-4 3186,3 0-3053,-3 4-2,4-3-131,0 3 90,4-4-90,-3 0-90,7 0 359,1 4-3481,2-2 3212,2 2-638,1-4 818,-4 0 0,8 0 0,-8 0-180,7 0 89,-6 0-2146,6 0 2057,-2 0-382,-1 0 471,4 0 1,-4 0-180,5 0 26,0 0 64,-5 0 0,4 0-90,-4 0-90,5 0 180,-1 0 0,1 0-180,0 0 1970,3 0-1970,-2 0 0,-1-4 577,-2 3-397,-6-4-90,2 5 2917,-4 0-2827,1 0 800,-5 0-1249,-1 0-2918,-4 0 77,0-4 3200,-4 3 0,-5-3 0,-6 4 0</inkml:trace>
+  <inkml:trace contextRef="#ctx0" brushRef="#br0" timeOffset="9864.27">5452 11850 7533,'-5'4'-630,"-4"-3"1170,8 8 89,-7-8-449,7 7 180,-3-3 180,4 4-270,0 5 179,0 4-359,0 2 0,0-1-90,0-6 360,0 5-180,0-7-270,0 7 180,0-5 0,0-3-360,0 4 0,0-5-539,0-4 449,0-1-720,0-4 260,8-4 1,-2-5 0,8-6 0</inkml:trace>
+  <inkml:trace contextRef="#ctx0" brushRef="#br0" timeOffset="10092.27">5405 11757 7713,'0'-5'809,"0"1"-539,0 4 270,0-4-360,0 3 89,0-4-269,4 5 180,2 0 0,3 0-180,-4 0-90,3 0 270,-3 0-1259,9 0 989,-4 0 0,4 0-990,-5 0 541,0 0 179,1 0 360,-5 5 0,3-4 0,-3 3 0</inkml:trace>
+  <inkml:trace contextRef="#ctx0" brushRef="#br0" timeOffset="10366.27">5573 11859 7533,'0'6'0,"0"-2"2158,0-4-1978,4 0 180,1 0-180,4 0-180,1 0 270,3 0-90,-2 0-450,2 0 270,-4 0-90,1 0 270,-1 0-1080,0 0 271,0 0 449,-3 0-900,-2 0 541,0 4 89,-3-3 450,3 7 0,-8-3 0,-1 5 0</inkml:trace>
+  <inkml:trace contextRef="#ctx0" brushRef="#br0" timeOffset="10557.27">5619 11962 7533,'0'5'180,"0"3"179,0-7 1081,0 3-361,9-4-989,-3 0 0,7 0 0,-3 0 90,-1-4-450,4 3 180,-2-7-810,2 7-2377,-4-7 2533,1 7 543,-1-8-429,0 8 270,5-3 181,-4 0 179,8-1 0,-8-4 0,3-1 0</inkml:trace>
+  <inkml:trace contextRef="#ctx0" brushRef="#br0" timeOffset="10796.27">5917 11822 7533,'0'-5'1709,"0"1"0,0 4-1260,0 12-269,0-4-270,0 9 180,0-3-359,0 4-181,0 2 270,0-2 180,0-4-900,0-1 271,0 2 449,0-1-900,0 0 91,0-1 989,4-7 0,-3 7 0,4-8 0</inkml:trace>
+  <inkml:trace contextRef="#ctx0" brushRef="#br0" timeOffset="11867.27">5582 10380 7892,'0'10'810,"0"-1"-720,0 0 90,0 1 0,0-1-90,0 4 180,-4 10-270,3-2 179,-7 6 1,7-1-90,-8 8 0,4-4-270,0 1 180,1-13-90,4 1 180,-4-5-719,3 4 359,-3-8 90,4 4 0,0-5-629,0-4 449,0 3 0,0-7-360,4 3 720,-3-4 0,7-4 0,-3-1 0</inkml:trace>
+  <inkml:trace contextRef="#ctx0" brushRef="#br0" timeOffset="12253.27">5833 10473 7533,'0'-5'-1170,"0"1"1440,0 0 270,0 3 1079,0-3-1439,-4 4 0,-5 0-90,-1 4 0,-12 1 0,-2 9-90,-9 0 0,4 0 180,2 4-360,9-8 90,-1 4 90,4-5-90,-2 0 90,2 5 0,1-4 0,1 0 0,3-2 0,5-3 0,-3 0 0,7 3 90,-3-7-90,4 4 180,0-5-180,4 4 359,-3-3-179,7 3 0,-7-4 90,7 4 180,6 1-360,-3 0 180,11 4-91,-12-8-89,8 3 90,-4 0-90,5-3 90,0 7-450,28-3 360,-21 1-2564,21 2 1845,-28-7 269,0 3-1259,-1 0 1619,-3-3 0,2 7 0,-2-2 0</inkml:trace>
+  <inkml:trace contextRef="#ctx0" brushRef="#br0" timeOffset="14587.27">6299 11180 7533,'-9'6'-270,"3"-2"360,-2-4 270,7 0-181,-7 0 91,7 0 810,-3 0-720,8-4-360,-3-2 0,7-3 89,-3 0 181,9-5-180,0 0-180,-3-1 270,1 2-90,-11 4-180,7 3 90,-7-2 90,8 7-180,-8-7 0,3 7-180,0-7 360,-3 7-90,3-4 0,-4 10-90,0-4 180,0 11-180,0-2 180,0 5-90,4 11 0,-3-10 90,3 11-90,-4 0 0,0 6 90,0 1-45,-2-8 0,0 1-45,1 9 90,-3-5 0,0 0-3367,3 5 3162,-7 13 205,7-8-324,-8 11 234,9-22 0,-1 1 45,0 2 0,-2-1-135,-1 12 90,3 0 0,-3-25-180,4 0 180,0 3-180,0-7 3141,0 8-3320,0-13 394,0-1-575,0-9 0,0 0 91,4-5-181,-3-12 360,3 0-90,0-10-296,-3-20 1,3 13-1,-4 5 1,0 0 0</inkml:trace>
+  <inkml:trace contextRef="#ctx0" brushRef="#br0" timeOffset="14913.27">6364 11301 7533,'5'-29'-450,"-1"7"90,-4 4 270,0 8 810,0-4-1,0 5 181,0 0-360,0 4-361,0-4 1,5 8 0,0-3 0,0 4 270,11 0-270,-8 0-90,9 0-3302,-3 0 3392,0 4-393,1-3 213,2 8 180,-2-4-270,3 4 270,-3-4 0,-2 3-180,-3-2 90,-1 7-90,-4 2-90,3 3 90,-7-3 3276,4-2-3310,-5 0 486,-9 6-542,3 1 0,-7-2-180,-9 8 181,9-13-1,-8 8-270,7-7-90,-4-4 360,2 3-180,-1-7 90,7 2 0,1-7 1,0 3-631,-1 0-89,5-3 899,1 3 0,4-4 0,0 0 0</inkml:trace>
+  <inkml:trace contextRef="#ctx0" brushRef="#br0" timeOffset="15512.27">6959 10966 7533,'-5'0'-630,"1"0"180,0 0 810,3 0 0,-8 0-90,8 0 90,-7 0-91,7 0-89,-3 0 180,0 0 0,3 0-270,-8 0 180,8 0 0,-7 5 89,-1 4-269,-6 9-3212,5-2 3302,-2 2-90,6-1 270,-7 15-180,3-5 0,0 8-1,2-4 91,3 3-180,-4 13 180,-1 3-582,5 2 402,-3-4-270,7-7 3372,-3-13-3282,4-1-89,0-8 268,0 0-178,0-1-91,4-4-3013,1 1 2473,4-2 556,-4-8-106,8-1 91,-7-4-901,7 0 91,5 0-630,2 0 1619,-1 0 0,3-4 0,-7-1 0</inkml:trace>
+  <inkml:trace contextRef="#ctx0" brushRef="#br0" timeOffset="16157.27">7080 11125 7533,'-5'0'-1439,"-3"0"1439,7 0 449,-4 0 451,5-5-361,0 4 1530,0-3-1889,5 4 0,0 0 0,4 4-90,0-3 270,1 4-180,-1-5-180,0 4 359,5-3-628,-4 3-1,4 0 180,-5-3 0,0 7 180,-4-7-360,-1 8-90,1-8 450,-4 7-270,3-3-90,-8 4 0,3 5 1,-12 0 269,7 1-180,-7 2 90,3-6 0,1 6-90,0-6 90,-1 6 0,1-7 0,0 4 180,4-1 0,-4-2-180,4 2 180,-4 1 0,-1 0-3367,5-4 3432,1 3-65,4-12 180,0 7-91,0-7 1,0 7 0,4-7-90,-3 4 3186,8-1-2710,-4-3-206,4 3-90,0 0-180,-3-3 269,6 3-89,-6-4-360,8 0 90,-5 0 90,0 0-899,1 0 449,-5 0-540,7 0 271,-2 0-1080,13 0 899,-7 0 810,1 0 0,-3-4 0,0-1 0</inkml:trace>
+  <inkml:trace contextRef="#ctx0" brushRef="#br0" timeOffset="16603.27">7415 11292 0,'-9'0'0,"4"0"973,1 4-344,-1-3 1500,4 12-1499,-7-3 679,3 9-859,-4-1-91,3 1-179,2-5 270,0 4-90,3 0-180,-7 2-270,7 3-2179,-3-9 2179,4 0 2539,0-5-2899,0-4 270,0 3 90,0-7-450,0 4 361,4-5 3211,-3 0-3482,11-9 90,-10 3-539,19-28 809,-14 15 180,7-12-90,-6 18 90,-3 4 90,0-1 89,4 5 271,-8-3-270,3 7-180,0-3 629,1 4-359,0 0-90,-1 0 0,1 0 0,-4 0-90,7 0-90,-7 0 179,3 0-89,0 4-90,-3 5 0,8 6 0,-8 3-450,3-3 270,-4-2 1,0-4-901,4 1 360,-3-1 361,3-4-1081,4 8 181,-2-11 1169,8 10 0,-1-11 0,2 3 0</inkml:trace>
+  <inkml:trace contextRef="#ctx0" brushRef="#br0" timeOffset="17729.27">7601 11190 7533,'-5'-5'719,"1"0"-449,4 5 90,0-4 180,4 3-1,6-3-359,-4 4 90,14 0-270,-12 0 360,13 0-720,-6 0-2917,-1 0 2263,0 0 354,-5 0 480,0 0 0,1 0-450,-1 4 181,-4-3 179,-1 8-288,-4-4 1,4 4 0,2 0 0</inkml:trace>
+  <inkml:trace contextRef="#ctx0" brushRef="#br0" timeOffset="17921.27">7657 11329 7533,'0'5'0,"0"4"359,0-8 901,0 3-900,4-4-1,2 0 1,7-4 90,1-2-270,1 1-900,-2 1-269,5 0-1,-7-1 451,7 0 539,0-4 0,-7 4 0,7-4 0</inkml:trace>
+  <inkml:trace contextRef="#ctx0" brushRef="#br0" timeOffset="18339.27">7955 11236 7623,'0'5'719,"0"0"-449,0-5 90,0 4-180,0-3 90,0 7 269,0 5-449,0-1 90,0 5-270,0-3 180,-4-4-90,3 3 0,-3 1 90,4-4 0,0 4-450,0-5 180,0 0 90,0 1-719,0-1 449,0-4 90,0-1 180,0-4-899,0 4 449,0-3 540,4 4 0,-3-10 0,3 0 0</inkml:trace>
+  <inkml:trace contextRef="#ctx0" brushRef="#br0" timeOffset="18561.27">8002 11059 7533,'-5'-5'-450,"-4"1"90,8 0 180,-3 3 1529,4-3-359,0 4-270,-4 0-361,3 0 1,-3 0-450,4 4-270,0 5 1,4 2-181,1 2 270,0-4 180,4-3-90,-4 2 180,4-7 0,0 7 0,1-3 0</inkml:trace>
+  <inkml:trace contextRef="#ctx0" brushRef="#br0" timeOffset="20732.27">8317 10818 8342,'0'14'1080,"0"4"-541,0 4-179,-4 16 0,3 9-180,-3-3 0,0-4 179,3 0 1,-7 4-382,7-15 1,1 2 156,-5-3 0,1 0-90,4 7 0,-1-1-45,-7 11-90,7 8 0,-7-8 0,7-13 0,-3 2 0,-1 0 0,4 5 90,-3-10 0,0 1 0,3 3-180,-3-6 180,4-9-90,0 1 90,-4-5-180,3 0 90,-3-9-180,4-1-1349,0-4 1033,0-16 226,4 7 1,-3-12 359,7 3 0,-3 2 0,4-6 0</inkml:trace>
+  <inkml:trace contextRef="#ctx0" brushRef="#br0" timeOffset="21666.27">8457 11069 7533,'0'-5'-90,"0"0"2608,0 5-2158,8 0-90,-2 5 0,12 0 90,1 8-91,0-2-89,4 2 90,-4 0-90,-5-2 180,8 6-180,-11-6-90,11 6 0,-12-6 90,0 2-1,-2-4-358,-3 1 89,4 3 270,-3 2-450,-2-1 90,0-1 90,-3-3-450,3 7-899,-4-1 809,0 2 271,4-8-2520,1 2 2879,5-10 0,-5 6 0,-1-8 0</inkml:trace>
+  <inkml:trace contextRef="#ctx0" brushRef="#br0" timeOffset="21940.27">8811 11041 0,'-4'-9'240,"3"3"2652,-8 2-2712,8 4 1678,-7 0-1498,3 0-180,-5 0 859,1 4-769,0 6 3006,-9 4-2350,3 9-567,-16 5-359,14-8 0,-13 10-3212,19-18 3122,-15 10 364,2 4-364,-5 4 90,1 3-90,10-2-720,0-3-1789,8-3 2419,-4 2-1079,9-4-720,1 5 1259,8-8 1280,5-2 0,2-10 0,2-3 0</inkml:trace>
+  <inkml:trace contextRef="#ctx0" brushRef="#br0" timeOffset="22429.27">8829 11255 6723,'0'10'2519,"0"3"-2070,0-4-179,0 1 0,-4 8-270,3-4 360,-7 13-180,7-6-180,-7 1 180,7 0-180,-4-6-90,5 2 0,0-4 270,0-5-450,0 4 90,0-6-270,0 1 270,0-8 90,0 0-989,9-4 629,1-10 1,5-5-2828,-2-5 2712,-8 5 25,8-2 630,-7 1-90,7 0 630,-3 3-360,-1 7-181,-4 1 1,3 0 630,-3 4-270,1-4-180,2 8 449,-3-7-89,8 7-270,-6-3-180,5 4 3096,-7 0-2621,5 0-655,-5 0 0,3 4 90,-3 1 0,0 9 0,0 0-180,-5 1 270,0 6-180,0-9 90,0 5 0,0-3 0,0-4-180,0 8-90,0-4-90,4-3 90,-3 1 0,3-7-719,0 0 89,1-1-449,4 0 629,1-2 181,-5 2 179,3-8-630,-3 2 900,1-2 0,2-4 0,-3-2 0</inkml:trace>
+  <inkml:trace contextRef="#ctx0" brushRef="#br0" timeOffset="22815.27">9192 10994 7533,'0'-10'809,"0"-2"-269,0 11 989,0-4-809,5 5-1,0 0-539,4 5 360,0 0 179,5 8-89,0 6-270,1 0-180,-6 0 180,3 3-91,-5-3 1,6 1-90,-4 2 270,-3 5-270,2-6 90,-7 23-180,-1-6-2764,-5 1 2494,-5-3-177,1 0 88,-4-2 269,2 4-720,-2-6 450,4-9 90,-1-5-629,-3 9 359,3-6 270,-4 6-90,9-13-1529,-3 4 3021,7 0-2931,-8-2 1709,8 1 0,-7-3 0,3 0 0</inkml:trace>
+  <inkml:trace contextRef="#ctx0" brushRef="#br0" timeOffset="26317.27">9741 11357 7533,'-10'-4'539,"1"3"91,9-3-630,0 4 0,4 0 0,2-4 0,3-1 0</inkml:trace>
+  <inkml:trace contextRef="#ctx0" brushRef="#br0" timeOffset="28636.27">10076 10864 7083,'0'-9'450,"0"4"-360,0 0 989,0 5-719,-4 9-270,3-3 90,-7 7 90,2 9-1,-7 11 1,-2 11-239,8-17 0,0 0 104,-2-1 0,0 0 0,2 4 0,0 0 0,0 0 0,-1 1-201,1 5 0,1 1 111,1-4 0,1 2 45,-1 14 0,0 0-90,2-17 0,1-1-45,1 6 0,2-3-135,8-2-90,6-9-449,4-13-1,7-2 104,3-12-104,9-9 450,-9 2-3007,2-15 2409,-12 10 149,8-11 449,-7-1 270,3-1 0,-9-3 0,-5 9 0,-4 4 0,-5 6 0,0 3 0,0 1 0,-5 0 90,-4-1 359,-1 1 2827,-8 4-2620,12 1-116,-6 4-1,6 0 181,-3 8-180,4 2-1,1 9-89,4 0-450,0-5 180,4 0 90,1-5-90,4 4 90,5-2-270,4-2-90,2-5-90,-1-4 180,-6 0-90,-4 0-180,1-8 90,-1 2 180,0-12 0,-3 8 0,2-4 0,-7 5 0,3-5 0,-4 4 0,-4-3 0,-1 3 0,-5 1 0,-7 0 90,-3-1-90,-4 5-270,-3 1 180,12 4-90,-3 0 180,13 0-449,-3 4 179,7 1 90,-3 1-1169,4 6 1349,4-6 0,1 12 0,4-4 0</inkml:trace>
+  <inkml:trace contextRef="#ctx0" brushRef="#br0" timeOffset="29429.27">10635 11394 7533,'0'-14'629,"-5"-4"-179,0 8-270,-4-4-180,0 5 810,-1 0-271,1 4 91,-4-8-90,-2 7-540,-4-7 0,-3 8-360,2 0 0,-3 10 0,9 0 180,4 4 90,2 0-90,3 1 90,0 3-89,-3-3 358,7 12-268,-4-11-1,5 11 90,0-12 179,0 4-3391,0-5 3212,0-4 90,9 4 0,1-8-90,9 3 0,-1-4 0,1-4-90,0-6 3366,-1-4-3160,-3-1-116,-6 2-90,3-5 180,-5 3-90,2-4 180,-5 6-90,-4 4 0,0-1 0,0 5 90,0-3-90,0 7 0,-4-3 0,3 0-90,-7 3 90,7-4-90,-4 10 90,1 4 0,3 9 0,-3 2 179,4 7 1,0-3-180,0 4 180,0 4-90,0 1-90,0-4-90,0-2 180,0 4-270,0 7 270,0 13-2776,4-7 2596,-3 0 90,3-15 90,-4-1-90,5-1 0,-4-3 0,3 8-1,0-3 1,-3-1 0,3 3 2866,-4-2-3046,0 0 90,-4-3 180,-1-3-270,-5 1-90,-3 0 90,-6-10-3187,4-5 3072,-7-9-65,3-9 1,-13-5-271,-2-14 90,-3-1 90,13 1 270,7 5-269,7-4 89,5 3 0,1-13 3392,8 4-3302,5-4 90,6 12-90,4-5 360,12 7-90,3-6-380,-10 10 0,2 1-115,-2 5 1,0 2-316,23-12-2557,-14 10 1766,-11 7 1272,-4 2 0,-8 0 0,4-1 1</inkml:trace>
+  <inkml:trace contextRef="#ctx0" brushRef="#br0" timeOffset="30696.27">10793 10836 8702,'13'-9'1709,"-2"0"-1529,2 3 0,0-2 0,2 3 0,4 0 0,-5-3 269,8 2-269,-11-3 0,11 4 0,-16-3-900,7 7 1,-8-4 449,0 1 180,-1 3-180,-4-3-270,0 4 540,-4 9 90,-1 1-90,-5 4 0,5 0 0,-3-1 90,7-3 0,-3 8-90,0-4-3277,3 9 3432,-4-3-939,5 7 1054,0-8 270,0 29-360,5-19-290,-5-1 1,1 1 199,3 1-180,-4 6 126,0 0 54,0-10-180,0 9 270,0-3-180,0-6-90,0 5-90,0-17 270,0 4-270,0-8-270,0 4 2871,0-5-2511,0-4-62,0-1-1467,0-4 1259,4-12-450,1 5 270,0-15 540,4 8 0,-4-13 0,4-2 0</inkml:trace>
+  <inkml:trace contextRef="#ctx0" brushRef="#br0" timeOffset="30986.27">10988 10845 7533,'0'-18'0,"4"8"449,-3-3 361,8 8-180,-4 0-361,0 1 91,3 4 90,-2 0-90,3 0-180,0 0 359,9 4-359,-7-3 0,3 3-270,-6 0 90,-7-3 180,7 7-90,-7-2 0,3-1 180,-4 7-450,0-6 180,0 12-270,0 1 90,-4 4 180,-1 1-360,-4-5 270,3-2-89,-2-6 89,3 2-360,-4-4 0,-1 5 270,1-4-269,0-1-1,0 0-270,-1-8 270,5 3 91,-3-4-361,3 0 360,-1 0 0,2 0 270,4 0 0,0-8 0,0-3 1</inkml:trace>
+  <inkml:trace contextRef="#ctx0" brushRef="#br0" timeOffset="31487.27">11462 10697 7533,'-5'0'-450,"1"0"90,0 0 810,-1 0 0,-1 0 89,-6 4-179,10-3-90,-10 7 450,6-3-451,-3 5 1,0-1 0,-1 0-2942,-7 17 2852,5-8-1399,-1 8 1398,5-8-1804,7-4 1805,-3 5-363,-1 4 273,4-3 1895,-3 15-2075,4-1-269,0 8 269,0-9 1349,0-6-1259,4-12-899,2 2 449,-1-7 180,3 4 180,-3-5-449,9 0 3143,-4-3-2784,3-2-509,5-4 239,-2 0 90,2 0-179,0 0 539,-8 0 0,8-4 0,-4-1 0</inkml:trace>
+  <inkml:trace contextRef="#ctx0" brushRef="#br0" timeOffset="32088.27">11621 10808 7533,'-11'-4'-1619,"-1"3"1619,7-7 90,-5 7-90,5-3 539,-3 4-269,7 0 0,-3-4 180,4 3-91,-5-4 91,4 5 540,-3 0-810,13 0-1,-3 0 1,7 0 180,1 0-3572,-4 5 3392,8-4 90,0 3 180,6-4-361,4 4-89,-4-3-269,-10 3 89,-1 0 0,-8-3 3456,0 3-3520,-1 5 64,-4-3 0,-4 7 90,-1-8-269,-4 4-91,-5 4 270,4-2 90,-8 7 0,8-9 180,-8 5-180,8-8 0,-4 11 0,5-11 180,0 7-180,-1-4 0,1 1 90,4-5 180,-3 3 0,7-3-180,-3 5 270,4-1-90,0-4 0,0 3 359,0-2-269,8 3 0,-6-4-180,10-1 90,-2 0-90,0-3 0,3 3 0,-3-4-180,-1 0 180,4 0 0,-2 0 0,2 0-540,-3 0 180,-1 0 270,4-4-1799,2 3 1439,-1-7-1079,4 3 629,-8 0 810,4-4 0,-5 4 0,0-4 0</inkml:trace>
+  <inkml:trace contextRef="#ctx0" brushRef="#br0" timeOffset="32505.27">11900 10920 7083,'0'5'899,"0"3"-269,-4-7-270,3 8-90,-4-4 0,5 4 359,0 5-359,0-4-180,-4 3 270,3 1-270,-3-4-180,0 4 90,3-5 0,-3 0 180,4 5-270,0-8 270,0 6-900,0-11-1349,0 3 1440,0-12-1,4-2 270,1-5 90,0 2 180,4-1 0,-8 4 90,3-3 0,-4 3 0,4 5-90,-3-3 1,7 7 808,-7-7-359,3 7-180,0-8 719,-2 8 900,10-3-1529,-10 4 0,6 4-180,-8 1 90,0 1 0,4 2-90,-3-3 0,4 4 89,-5 1-538,0-1 359,0-4 0,0 3-90,4-2-720,-3 3 360,3-4 181,-4 3 179,0-7-900,4 8 361,-3-8 269,7 3-720,-2-4 1080,-1 0 0,3 4 0,-3 1 0</inkml:trace>
+  <inkml:trace contextRef="#ctx0" brushRef="#br0" timeOffset="32807.25">12133 10836 7533,'-6'0'-450,"2"0"450,0 0 1079,3 0-89,-3 0-451,4-4-89,0 3 630,0-3-271,0 0-629,8 3 90,-2-3-90,4 4-360,2 0 270,-10 0-90,11 0-360,-8 0 180,4 0 180,0 0-1169,5 0 179,-4 0 721,4 0-541,-5 0 270,-4 0 180,3 4 1,-7-3 359,3 3 0,1 0 0,0 1 0</inkml:trace>
+  <inkml:trace contextRef="#ctx0" brushRef="#br0" timeOffset="33279.25">12160 10994 7713,'0'-5'1799,"0"1"-1260,5 0-89,-4 3-270,3-3 180,0 0-90,1 3-270,4-4 179,1 5 1,-1-4-180,0 3 0,1-3 180,-1 4-630,-4 0 181,3 0-721,2 0 540,-4 0-989,6 0 180,-7 0 899,1 0 360,2 0 0,-7 0 0,3 0 0</inkml:trace>
+  <inkml:trace contextRef="#ctx0" brushRef="#br0" timeOffset="33532.25">12430 10855 9152,'-5'16'1619,"1"-3"-1439,4 10-270,-4-6 90,3-7 0,-3 4-270,4-5 270,0 0-90,0 1-809,0-5 449,0 3 270,0-7-1979,0 3 2159,4-4 0,1-8 0,4-2 0</inkml:trace>
+  <inkml:trace contextRef="#ctx0" brushRef="#br0" timeOffset="33728.25">12486 10659 7533,'-9'0'2428,"4"0"-1978,1 5-270,4 4 90,0-3-270,0 7 360,-5-4-91,4 1-448,-3-1 268,4 0-89,0-4-269,0 0 179,4-1 180,2 0-2159,7-3 2069,2 3 0,-1-8 0,-1-1 0</inkml:trace>
+  <inkml:trace contextRef="#ctx0" brushRef="#br0" timeOffset="34057.25">12617 10501 7533,'0'-10'-540,"0"-2"-90,0 6 1710,0 1-720,4 1 629,5 8-719,-3 1 629,7 5 1,-8 7-540,4-5 179,0 5 181,1 1-90,-1 1-271,0 1-179,-4 2 180,3-8 90,2 13-180,-4-2-1,6 15-179,-11-14 90,3 5 0,-4-8-360,0-4 45,-4 11 0,0 0 45,2 2 90,-4-2 0,-1-3-179,2-4-181,0-4 180,-3 3 90,3-2-2159,-4 7 810,0-3 270,-1-1 899,5-4-899,-3-6 449,7-7 720,-7 2 0,7-7 0,-4 3 0</inkml:trace>
+  <inkml:trace contextRef="#ctx0" brushRef="#br0" timeOffset="35318.25">13007 10920 7533,'-10'-4'539,"5"3"-359,1-3-90,4 0 540,-4 2 89,3-2-269,-3 0-180,4 3-1349,0-3 1079,4 4-1080,-3 0 451,7 0 269,-3 0 360,5 0 0,-1 4 0,0 1 0</inkml:trace>
+  <inkml:trace contextRef="#ctx0" brushRef="#br0" timeOffset="35833.25">13118 10752 7533,'-5'-4'180,"1"3"-1,4-7-89,0 7 630,0-3-180,0 0-270,0 3-1,0-3-89,0-1-180,0 4 0,0-7 180,4 7 0,-3-7-180,8 7 90,-4-3 90,0 0 0,3 3-180,1-4-180,-2 5 90,5 0 0,-11 0-90,3 0 270,0 0-180,-3 0 270,4 0 0,-5 5 0,0 4-90,0 1 90,0 4-90,0 3 90,0 3-91,0 4 91,0-2-90,0-3 0,0-1 0,0 1 180,0 12-180,0-9-3367,0 13 3252,0-15 62,4 15 53,-3-14-90,3 10-90,-4-8 180,0-3-90,0 11-270,0-2 181,0 0 178,0-2-89,0-9-179,-4 1 89,3-1 90,-3 1 2871,4 4-3141,0-8 1,0 3 179,0-9-270,0 0 393,0-3-303,0-2-2338,0-4 1798,4-13 540,-3 2 270,7-12 0,-7 5 0,3-1 0</inkml:trace>
+  <inkml:trace contextRef="#ctx0" brushRef="#br0" timeOffset="36133.25">13202 10827 7533,'5'-9'449,"0"-5"91,3 0-450,-2 3 0,3-1 90,4 7 90,-7 0-90,7 0 0,-3 5 269,-1 0-179,0 0 90,1 0 90,3 0-91,6 5-179,-4 0 180,7 4-90,-16 5-90,7-4 0,-12 3-180,3-3 180,-4-1 0,-4 8-180,-6 3 90,0 4-180,-4-1 0,1-1-270,-14 10-540,5-10 181,-13 8-271,20-24 271,1 3 359,6-9-360,3 4-89,-4-3 449,3-1 360,2-1 0,4-12 0,0 3 0</inkml:trace>
+  <inkml:trace contextRef="#ctx0" brushRef="#br0" timeOffset="36496.25">13630 10632 7533,'0'-15'-810,"0"6"450,0 5 3636,0 4-1784,-4 0-953,3 4-179,-7 5-180,3 6 0,0-1 180,-4 12-180,4-14 0,0 14 89,-3-3 1,7-2-90,-8 5-90,8-7 90,-7 0-3457,7-1 3432,-3 1-155,0 12 0,3-1 0,-3 11-450,4-8 270,0-9 90,0-2-539,4-8 359,-3 5 180,7-5 3302,-3 0-4381,0-5-2108,4-4 1992,-4 3-874,8-2 720,2 3 1439,-1-4 0,0-1 0,-5-4 0</inkml:trace>
+  <inkml:trace contextRef="#ctx0" brushRef="#br0" timeOffset="36956.25">13789 10762 7533,'-15'-9'-450,"2"-1"1170,8 5-271,1 1-179,4 0 450,0 3-271,0-3-89,8 4-180,-2 0 90,12 4 0,-8 1 0,7 4 269,2 5-359,-3 0 0,5 1 0,-10-2-90,2-4 0,-4 5 90,1-4 0,-1 4-360,0-5-3097,1 0 3072,-1 0 175,0 1-780,1-1 540,-1 0 90,-4 1-1169,3-1 720,-3 0-721,5 1 361,-1-1 989,0-4 0,1-1 0,-1-4 0</inkml:trace>
+  <inkml:trace contextRef="#ctx0" brushRef="#br0" timeOffset="37217.25">14096 10687 7533,'-9'-5'1349,"-1"1"-1529,5 4 180,-3 4-90,3 1 810,-5 5-91,-7 7-179,-3 3 0,-8 4-91,10-3 1,0 1-360,-4 2-90,-4 15 270,17-20 0,0-1-3457,-5 1 2802,4 0-334,-8 3 449,12-2 180,-6-1-899,7-6 539,-1-4 270,2 1 3302,4-5-3571,0 3-181,4-7 720,10 3 0,-3-8 0,7-1 0</inkml:trace>
+  <inkml:trace contextRef="#ctx0" brushRef="#br0" timeOffset="37622.25">14133 10873 7533,'10'0'629,"-1"0"-359,-5 5-90,-3-4-90,3 7 630,-4-7-271,0 7-179,0-3 0,0 5 180,0-1-90,0 4-181,-4-2 1,3 2 0,-7-4 180,7 9-270,-8-7-180,4 15 0,0-10 180,1-2-989,4-1 179,0-12-719,0 3 449,4-4 451,1-4-91,4-6 360,1 0 90,-1-3 0,-4 3 180,3 1-90,-6-4 90,6 6-179,-3-5 538,0 7-179,-1-5-180,0 5 1080,1-3-541,0 3-269,-1 0 630,0 1-361,-3 4-179,8 0 0,-8 0 270,7 0-271,-3 4 1,0-3-180,-1 7 0,0-3 0,-2 0-90,2 4 90,-4-4 0,4 4 0,-3 0-270,3-3 90,-4 2 90,4-3-1080,-3 0 450,3 3 271,0-2-1261,-3-1 721,8 3-720,-4-7 989,4 3 540,-4-4 0,4 4 0,-4 1 0</inkml:trace>
+  <inkml:trace contextRef="#ctx0" brushRef="#br0" timeOffset="38274.25">14430 10520 6903,'-5'-4'360,"1"3"359,0-3-359,3-1 90,-3 4-270,-1-3 180,4 4 269,-3 0-629,4 4 360,0 10-3572,0-3 3572,0 11-1776,0-8 1596,0 5-505,0 0 685,0 3-90,0-2-90,4 3-1483,-3-1 1483,8-2 676,-8 7-766,3-3 399,0 0-309,-3 2-1083,7-2 903,-7 8 168,3-3-79,1 3 650,-4 9-739,3-6 824,-4 2-1094,0 10 2183,0-19-2183,0 13 2976,0-19-2886,0-3 180,0 0-138,0-1-42,0-3 180,0 2-360,-4-6-90,3 10 361,-4-13-541,5 8 682,0-11-322,0 0-89,0 4-541,0-8-1169,0 3 1709,0-12 1,5 1 359,-4-6 0,7-5 0,-3-1 0</inkml:trace>
+  <inkml:trace contextRef="#ctx0" brushRef="#br0" timeOffset="39684.25">14626 10725 7533,'-5'-5'989,"0"4"-809,5-3 0,0 4 0,0-4 270,0 3 629,0-3-899,5 4 0,0 0 0,4 0 0,0 0 89,9 0-89,-3 4 90,8 1-270,-8 0 180,-2 4-450,-4-4 90,1 4-539,-5 5 269,-1 0-90,-4 5 270,-4-5 1,-1 4-1,-5-8 270,5 8-90,-3-4 0,3 1 0,-5 2 0,-3 2 0,3-4 450,0 7-270,2-12 0,3 4 809,0 3-719,-4-5 0,8 5 450,-3-3-271,4-4-359,0-1 90,0 0 0,4-8 90,2 7-270,3-7 270,0 3-90,1-4-90,7 0 0,-6 0-630,7-4 91,0-1-541,-3-5 451,4 1 269,-2 0-630,-6 0-359,19-13 1079,-17 9-89,13-8 359,-17 11 0,1 1 0,-1 0 0,-4 0 0,3 3 0,-7-2 0,4 3 0,-5 0 90,0 1-90,0 0 90,0 2 2608,0-2-1888,0 17-541,0-6 1,0 11-90,0-5 90,0-3 0,0 12-90,-5-11 0,4 7-180,-3-9 90,4 1-90,0-1-360,0-4 180,0 3-450,0-7 450,0 3 0,4-4 90,-3 0-449,8 0-1,-4-8 0,4 2 271,1-7-91,-1 3 90,-4 1 270,3-4-180,-3 2 180,5-10 0,-5 9 0,3-1-180,-7 4 1080,3 8-541,0-7-179,-2 7 630,2-3-360,0 4-91,-3 0-179,3 4 270,-4 1-180,4 5 90,-3-1 269,3 4-449,-4-2-180,4 6 270,-3-2-90,4-1-360,-5 0 180,4-5 0,-3 0-989,7 0 539,-7-3 180,3 2-629,0-3-271,-3 0 1,8-1 1169,-8 0 0,7-2 0,-3 2 0</inkml:trace>
+  <inkml:trace contextRef="#ctx0" brushRef="#br0" timeOffset="39932.25">15175 10808 7533,'-13'-4'0,"6"3"359,-1-3-359,8 4 1260,0 0-451,4 0-179,1 0-360,5 0 0,-1 0-180,0 4 0,1-3-1,-1 3 1,0-4-359,0 0 89,1 0 360,3 4-1260,-2-3 541,2 4 179,-8-1-1169,3-3 629,-7 7 900,4-7 0,-5 7 0,0-3 0</inkml:trace>
+  <inkml:trace contextRef="#ctx0" brushRef="#br0" timeOffset="40113.25">15175 10966 7533,'-5'11'2698,"1"1"-2698,4-11 720,0 3-630,4-4-180,1 0 0,4 0-360,5-4 270,-4 3-90,3-7 270,1 7-1169,-4-7 449,8 7 361,-8-8-721,8 4 1080,-8 0 0,8-3 0,-4 3 0</inkml:trace>
+  <inkml:trace contextRef="#ctx0" brushRef="#br0" timeOffset="40297.25">15454 10845 7533,'0'6'1079,"0"2"-809,0-3-270,0 4 0,0 1 630,0-1-271,0 0-179,-4 1 450,3 7-270,-3-5-90,4 5-91,0-8-358,0 1 179,0-1-180,0 4 270,4-2-2339,1-2 2249,5-5 0,-1-4 0,0 0 0</inkml:trace>
+  <inkml:trace contextRef="#ctx0" brushRef="#br0" timeOffset="40479.25">15603 10725 7533,'-9'0'0,"4"0"0,0 0 0,5 4 0,0-3 0,-4 7 0,-1-3 0,0 5 0,1 3 0,0-3 0,3 4 0,-3-5 0,4-4 270,0 3-181,0-2-89,0-1 0,4-1 0,1-4 0</inkml:trace>
+  <inkml:trace contextRef="#ctx0" brushRef="#br0" timeOffset="40674.25">15584 10418 7533,'-5'-6'1979,"1"2"-1620,8 4 1,-3 0-360,3 4 270,-4-3-90,5 8 360,0-4-181,4 4-179,0 1-360,1-5 90,-1 3 180,0-7-90,5 7-2068,4-3 1798,-2 1 270,1-2 0,-4 0 0,2 1 0</inkml:trace>
+  <inkml:trace contextRef="#ctx0" brushRef="#br0" timeOffset="40951.25">15956 10548 7533,'4'13'90,"1"-2"1079,1 6-180,-2-2-719,-4-1 900,0 4-91,4 0-719,-3 2 269,3 3-269,-4-5 90,0 1 90,0 4-91,0 0-89,0 5-360,-4 0 0,3 8 0,-7-1-135,3-9 0,0 1-527,-5 14 662,1-8 0,0 0-810,-1 8 495,-1-6 0,0 0 135,0 3-935,0-12 0,0 0 305,-3 7 181,-1 0-1260,-15 8 1889,8-20 0,1-5 0,-2-2 0,-15 1 0</inkml:trace>
+  <inkml:trace contextRef="#ctx0" brushRef="#br0" timeOffset="42029.27">10914 11506 7533,'-28'0'539,"8"-4"-359,7-1 0,5-1 0,6-2 0,-2 7-270,0-7 180,3 7-90,-3-3 450,4 0 1079,-4-6-1439,7 4 180,-2-6-90,8 11-91,5-3 181,0-1-90,5 4 90,12-3-90,3 0 270,17-1-1783,-12 0 1422,1 1 91,9-1 0,-8 4-90,-14-1 0,1 0 90,21 2-180,-6 0 180,8 0 0,-8 0 0,-2 0 90,0 0-46,-7 0 1,4 0 0,4 0 0,3 0-195,-10 0 0,2 0 0,-1 0-1230,10 0 0,-2 0 1200,-4 0 0,1 0-45,3 0 1,2 0-511,2 0 0,1 0 645,1 0 0,0 0-180,-5 1 0,0-2 150,-9 0 0,0 0 0,-1-1-15,3 2 0,-1-1-418,-2-1 1,2-2-1,-2 2 418,0 2 0,-1-1-45,0-3 0,2 0 30,1 3 0,2 1 0,1 0 59,-4-3 1,-1 0 0,3 0-45,2 3 0,2 0 0,0 0 0,-2-1-159,-1-1 0,-2-2 0,0 2 174,1 1 0,0 1 0,-1 0-1,1-1 1,-1-1 0,-1 1-170,7-1 1,1 0 139,-7 0 0,2 0 0,-1 0 15,5 0 0,-3-1 44,-3-1 1,1 0-60,-1 2 0,3 1 0,2-1-116,6-2 1,2-1-1,-1 0 146,-1 2 0,0 0 0,1-1-38,-4 1 1,3-1 0,-1 1-1,-3 0-66,-2 1 1,-2 0 0,0 1 73,1-1 0,0 1 0,0-1-60,-5 1 0,0-1 0,-1 1 0,2 1 0,-1-1 0,0 1 0,0 0 0,0 0 1,0 0-1,1 0 0,2 0 0,-3 1 30,10 3 0,-1 1-90,5-3 0,-1 1-45,-5 3 0,1 1 135,2-4 0,0 0 0,-8 4 0,-2-1-90,15-1 619,-25-3 1,0 1-530,21 5-90,2-3 90,-22-2 0,-1 0 0,0 1 0,-1 0-90,21 1 0,-10 0-90,-15-1 180,-3 1 304,4 0-844,-8 0 2639,3-1-5067,-13 0 4577,-1-3-2599,-8 3-409,-18 0 1399,-12-3 0,-9 4 0,-3-5 0</inkml:trace>
+  <inkml:trace contextRef="#ctx0" brushRef="#br0" timeOffset="42767.27">11928 11757 7533,'-6'0'-450,"2"0"2069,4 0-1349,9-4-180,-3 3 90,7-11 180,9 1-181,-5-3 1,9-4 180,1 4-90,2-9 0,9 7 0,-10-5-360,-1 14 270,-8-1-180,-4 12 179,-2 6-89,-4 4 0,-4 5 180,4 32-180,-8-20-90,3-3 0,0 1 90,-3 12 180,3 2-2154,-4 0 2064,0 2-270,0-16-54,0 7 144,-4 9 89,3 8-319,-3-22 1,0-1 139,3-1 0,1-2-449,-4 15 269,4-10 180,4-13-1259,-3-1 719,7-12 1069,-3 2-799,0-12-565,4-5 385,-8-6 654,3-3 0,0-5 0,1-1 0</inkml:trace>
+  <inkml:trace contextRef="#ctx0" brushRef="#br0" timeOffset="43036.27">12226 11664 7533,'4'-19'1259,"5"1"-989,5 7 809,5-1 1,8 15-901,-10-2 1,4 9 270,-11 3-270,-1-3-180,-4 8 360,3 1-90,-7 8 0,-5 11-360,-6 0 0,-9 7-1430,1-15 1430,3 1-450,-7-4 149,-1 2-599,-6 4 540,1-9 181,9-11-721,2 0 181,6-11 809,2 2 0,9-9 0,5-4 0</inkml:trace>
+  <inkml:trace contextRef="#ctx0" brushRef="#br0" timeOffset="43322.27">12561 11627 7533,'0'-15'180,"4"6"-90,-3 5 1529,3 8-1080,-8 5 271,-1 10 179,-5 9-269,1 5-180,4 8-181,1 2-89,4 3-90,0-3 90,0-10-630,4-6 360,5-1-1079,6 3 899,3 0-1619,1-6 180,4-1 0,5-11 449,1 3 1170,6-10 0,-6-8 0,3-2 0</inkml:trace>
+  <inkml:trace contextRef="#ctx0" brushRef="#br0" timeOffset="43817.27">12849 11766 7533,'-14'-9'0,"4"-4"180,-4 2-1,9-2-179,1 4 1170,0-1-1,3 1-539,-3 4-270,4 1-1,0 4-179,4 0 90,9 0-90,7 0 0,4 0 0,-2 0 0,-3 4-270,0 1 180,3 8 90,-6-2-270,1 2 90,-11-3 0,2-1-450,-7 4 270,3-2 90,-4 6 0,-4-2-540,-5 7 451,-2-2-91,-6-1 0,6-2 270,-6-6-180,-10 14 0,9-12 360,-8 8-360,17-11 540,0-5-180,4 3 90,1-3-90,4 1-1,4-2-179,5-4 180,1 0 90,8 0-270,-4 0 90,5 0-270,0 0 90,8 0-270,1 0 181,-3-4-1,1 3-1709,-7-8 1529,-4 8 0,3-3-1259,-9 0 1259,0-1-179,-3 0 539,2-4 0,-7 8 0,7-11 0,-3 2 0</inkml:trace>
+  <inkml:trace contextRef="#ctx0" brushRef="#br0" timeOffset="44152.27">13128 11859 7533,'0'-5'1619,"0"1"-1080,0 4-179,0 8 90,0 3 0,0 11-270,0-6 359,-4 14-539,3-18 180,-4 10 0,5-13-540,0 1 270,0-1 90,0-4-809,0-1-810,0-4 1169,5-8 90,-4 2-269,7-8 179,-7 5 180,7 0 0,-7-1 0,7-3 90,-6 7 180,6-11 0,-3 11 0,0-3-269,-1 5 1078,0 0-269,-3 2 629,8-2-539,-4 4-180,0 0 539,3 4-359,-2 2-451,3 7 1,0-7-90,-4 7 90,4-8-899,0 4 179,1 0 450,4-3-1619,-5 2 1709,4-7 0,-2 3 0,2-4 0</inkml:trace>
+  <inkml:trace contextRef="#ctx0" brushRef="#br0" timeOffset="44379.27">13407 11720 7533,'-14'-4'0,"0"3"539,9-3-359,1 4-180,4-5 360,0 4 809,0-3-1079,4 8 360,1-3-180,4 4-90,1-5-90,-1 4-450,0-3 90,9 7-539,-3-7 359,0 7 270,-3-7-540,-6 8 271,-1-4 179,-1 0 270,-4 3 0,0-3 0,0 5 0</inkml:trace>
+  <inkml:trace contextRef="#ctx0" brushRef="#br0" timeOffset="44545.27">13426 11850 7533,'-10'9'809,"5"-3"-179,1 2-270,4-7 1349,0 3-1350,4-4-988,-3 0 179,12 0 450,-7 0-989,7 0 539,-3-4 180,-1 3-989,4-7 1259,2 2 0,-1-3 0,0 0 0</inkml:trace>
+  <inkml:trace contextRef="#ctx0" brushRef="#br0" timeOffset="44728.27">13603 11794 8612,'0'5'630,"0"4"-810,0-4 90,0 4 0,0-4 270,0 4-90,0 0 270,0 1-181,0 8 91,0-8-270,0 4 90,0-9 0,0 3-360,4 1 1,-3 2-721,7-2 270,-3-5 720,4-4 0,1-4 0,-1-1 0</inkml:trace>
+  <inkml:trace contextRef="#ctx0" brushRef="#br0" timeOffset="44914.27">13714 11590 7533,'-10'0'3058,"2"0"-2968,8 0 90,0 0-270,0 8 90,-5-2 0,4 8 90,-3-5-90,4-4-180,0 3-270,0-7-90,9 8-899,-3-8 630,7 3 809,-3-4 0,-1-4 0,0-2 0</inkml:trace>
+  <inkml:trace contextRef="#ctx0" brushRef="#br0" timeOffset="45250.27">13863 11450 7533,'-5'0'2518,"1"0"-2518,12 0 90,-6 4 360,6 1-180,-8 1 629,5 6-539,-4-6 0,3 4-90,0-2 90,-3-3-1,3 0-179,-4 3 0,4 2 0,-3-4 0,8 6 0,-8-7-180,3 5 0,0 3 180,-3-2-450,7 2 180,-7-4 90,3 1-630,0 3 181,2 6 359,-1 0-720,-1 0 90,-4 7 541,0-10-451,0 11 180,0-8 90,0-5 1,-4 4-1,-1-4-90,-5 9-360,-3 1 91,-2 4 359,1-9 0,0-1-2917,1-9 2623,3 0 654,-8 5 0,8-4 0,-8 4 0,4-5 0</inkml:trace>
+  <inkml:trace contextRef="#ctx0" brushRef="#br0" timeOffset="46805.27">13966 11552 7533,'-6'0'-1529,"2"0"1529,4-4 0,0 3 0,-4-7 0,3 7 90,-3-7-1,4 3-89,0-5 180,0 5-90,0-3 0,0 7-90,-4-7 270,3 6-270,-3-2 90,4 0-180,-5 3 180,4-7-90,-3 3 90,0 0 0,3-4-180,-3 8 0,4-7 180,0 7 0,-4-3-90,3 0 0,-3 3 0,4-3 899,0 4-449,0-5-360,0 4 1709,0-3-1079,0 17-361,0-2 271,0 16-270,0-7-180,4-2 0,-3 0 359,3 0-359,0 2 0,-3 3 0,3-5 0,-4 1 180,4 12-360,-3-9 180,4 9 0,-5-9 89,0-2-359,0 3 360,0-5-90,0 1-180,0-1-3277,0 1 3432,0 0-480,0-1 415,0 1-90,0 0 180,0-5-331,0 4 61,0-4 90,0 9-90,0 1 180,0-5-180,0-1 3068,0-5-3068,0-2 597,0-2-507,0-1 203,0-7-1552,0 3 719,0-12-179,0 2-1,0-12 91,0 0 539,0 2-360,0-1 180,4 7 0,-3 1 360,7 0 0,-3-5 0,5 0 0</inkml:trace>
+  <inkml:trace contextRef="#ctx0" brushRef="#br0" timeOffset="47205.27">14207 11562 10141,'5'0'1259,"-1"0"-899,0 0 270,1 4-180,5 1-270,-1 4-1,-4-3 1,3 2 0,-2-3 0,3 4 360,4 13-450,-2-10 90,2 10 90,-4-8-91,1-4-179,-5 7-3212,3-6 3392,-3 6-1007,5-2 917,-1-1 0,4 8-270,-6-11 180,5 11-2025,-7-12 2205,0 4 409,4-1-1129,-4-2-388,4 6-511,0-6 989,-3 2-449,2-8 449,-7-1 90,7-4 1888,-3 0-1528,5-4 0,-1-5 0,0-6 0</inkml:trace>
+  <inkml:trace contextRef="#ctx0" brushRef="#br0" timeOffset="47464.27">14542 11543 7533,'-5'-9'0,"-4"4"1529,8 1-180,-7-1-989,3 4 0,0-3-1,-3 4-179,2 4 180,-7 2-180,3 3 270,-16 13-90,5-2-360,-11 16 269,8-11-766,6 2 497,-8 8 0,9-12-270,-10 16 270,9-19-180,-1 3 270,-3-5-360,6 1 90,-13 4-809,12 0 449,-6-3-401,14-2-589,5-13 811,8-1 719,5-4 0,10-4 0,5-1 0</inkml:trace>
+  <inkml:trace contextRef="#ctx0" brushRef="#br0" timeOffset="47924.27">14644 11720 7533,'-5'0'3276,"1"0"-2325,4 0-1760,0 4 539,4 1 270,-3 5-180,3-1 450,-12 12 180,6-8 89,-10 17-179,6-10-180,1-1 90,1 3-3482,4-12 3032,0 4 180,0-5-360,0 0 0,0 5-269,0-4 359,0 3 180,0-7 3366,0-2-3610,4-4 64,1 0-629,5-4 179,3-10 450,-7 3-359,7-7-91,-8 1 720,4 5-90,1-9-270,-1 6 720,-4 1-270,3 0-180,-7 5 630,3 4-360,1-4-90,-4 8-90,3-3 1259,0 0-629,-3 3-181,3-3 631,-4 4-451,0 0-179,4 0-180,-3 0 0,3 4 0,-4-3-90,5 7-1,-4-2 181,3 3-90,0 0-90,-3 1 0,3-1 0,-4 0 180,4 0 179,5 5-1258,2-4 359,2 0 270,-3-2-1259,-1-7 629,0 3 270,0-4-1259,1 0 720,3 0 359,-2 0-899,6-4 1529,-7-1 0,4-5 0,-5 1 0</inkml:trace>
+  <inkml:trace contextRef="#ctx0" brushRef="#br0" timeOffset="48290.27">15091 11525 10951,'5'4'1619,"8"5"-1439,-7 1 269,7 4-3726,-3-5 1614,-1 5 3251,0-4-1138,1 7 949,7 2-1219,-5 1 450,9 2-270,-10-3 89,6 0-179,-6-1 0,2 1-90,-4-1 3096,1 1-2440,-1 0-567,0 3-89,-4-2-270,0 7 90,-5-3 0,0-1-359,-9 21 179,-1-16-265,-9 20 535,1-15-2270,-1 9 1461,-4-4 179,4 3-1034,1-16 0,1 0 854,-5 11 135,4-13 1,1-1-46,-3 5 181,-7 1 449,3 0 0,-8 4 0,-1 1 0</inkml:trace>
+  <inkml:trace contextRef="#ctx0" brushRef="#br0" timeOffset="71684.27">3350 13450 7533,'-15'0'719,"6"0"-359,5-4 0,4 3 809,0-3-989,4 4 360,1 0 359,17 4-539,-10-3 0,22 7-180,-9-7-360,8 3 180,3-4-360,-7-4 180,3 3-989,-4-3 629,-8 4 270,2 0 0,-16 0-539,6 4-1,-7 6-269,5 0 1079,-5 3 0,-5 1 0,-5 0 0</inkml:trace>
+  <inkml:trace contextRef="#ctx0" brushRef="#br0" timeOffset="71925.27">3359 13804 7533,'-9'4'1169,"-1"-3"-539,5 3-360,1-4 1079,4 0-1079,8 0 359,-2 0-269,8 0 0,-1 0 180,-2 0-181,6-4 1,-2 3-180,-1-8-180,4 8 90,-4-7 90,5 7 0,-5-3-810,8 0 360,-6 3 270,6-7-1799,-3 6 900,0-2-900,16 4 1079,-12 0 720,16 0 0,-20 0 0,4 0 0</inkml:trace>
+  <inkml:trace contextRef="#ctx0" brushRef="#br0" timeOffset="73709.27">4363 13292 7533,'0'-5'1259,"0"1"-989,9 4 180,5 0 89,22 0-179,8 0-135,-17 0 0,2 0-135,1-2 0,0 0 45,-3 1 0,-2 0-2461,22-7 2146,-15 3 171,-1 0 188,-10-3-448,6 7 89,-5-4-900,-2 5 541,-1 0 2501,-2 5-3401,-11 0 1439,3 8 0,-13 2 0,-2 3 0</inkml:trace>
+  <inkml:trace contextRef="#ctx0" brushRef="#br0" timeOffset="74224.27">4391 13422 7533,'-15'0'-270,"2"0"-90,13 0 2879,0 0-1620,0 4-629,0-3-90,0 8 90,0-8-180,5 7 179,8-3-179,7 4 0,12 1-180,1-1 270,-4-4-90,-2 3-629,-4 2 449,-8-4-450,3 11 360,-9-11 0,0 7 0,-4 1-180,-1-4-89,-8 16 269,-9 3 90,2 1-322,-11 5 412,7-16 0,-3 8-180,-9 1 180,6-3 0,-6-2 0,0-2 180,7-9-270,-3 9 180,1-10 90,11 2-180,-7-8 682,9 4-233,0-8 91,3 3-540,2 0 180,4-3 450,21 3-361,-3-4-89,14 0 90,-10-4-180,1 3 90,1-3-90,4 0 180,0 3 0,-4-3-90,3-1-90,5 4-90,-2-3-77,2 4-373,-10-4 360,-3 3 0,0-3-360,-5 4 270,4 0 90,-8 0 0,8 0-989,-8 0 449,3 4 271,-3-3-644,3 7 373,-7-7 271,7 4-811,-8-1 1170,0 1 0,-1 0 0,-4-1 0</inkml:trace>
+  <inkml:trace contextRef="#ctx0" brushRef="#br0" timeOffset="74944.27">4224 14204 7803,'0'5'1079,"4"3"-629,-3 1-270,3 2 89,0 2-89,-3 5 90,3-7-90,-4 11 90,0-4-90,-4-2 0,3 6-90,-7-4-90,3-2-90,0 5 0,-4-10-360,8 6 90,-3-11 180,4 3-629,0-9-1,0 0-179,4-9 89,6-5 541,0-6 89,-1 2 270,4-4 0,-7 7 359,11-12-359,-6 7 0,2 1 1080,-3 2-271,3 2 541,-3 1-1081,4 5 91,-5 4 0,-4 1 0,4 3-90,-4-3-180,0 8 90,-1-3-1,0 8-89,-3-4 0,3 4 180,-4 13-180,0-2-270,0 12-359,0-8 269,4-5 180,-2-6 0,2-8-540,-4 4 270,4-4 270,-3 0-89,7-1-1171,-3-4 1350,9 0 0,-4 0 0,4 0 0</inkml:trace>
+  <inkml:trace contextRef="#ctx0" brushRef="#br0" timeOffset="75134.27">4559 14259 7533,'5'-5'449,"-1"-3"361,-4 7 0,4-7-451,2 7-359,-1-4 90,7 5-90,-6 0 90,8 0-180,-5 0-629,0 0 89,1 0-449,-1 5 449,-4 0 270,-1 4 360,-4 0 0,0 1 0,0-1 0</inkml:trace>
+  <inkml:trace contextRef="#ctx0" brushRef="#br0" timeOffset="75279.27">4587 14390 7533,'0'5'-90,"0"-1"2249,0-4-1530,4 0-449,1 0 0,4-4 0,1 3-180,-1-8 180,9 4-1350,-7-4 631,11 0 269,-12 4 270,8-4 0,-8 4 0,4-4 0</inkml:trace>
+  <inkml:trace contextRef="#ctx0" brushRef="#br0" timeOffset="75465.27">4885 14231 9691,'0'19'2249,"0"-4"-2069,-4-2-450,3-4 180,-4 1 180,5-1-1349,0 4 629,0-2 360,0 2 181,0 1-1621,5-4 1710,-4 3 0,7-3 0,-3-1 0</inkml:trace>
+  <inkml:trace contextRef="#ctx0" brushRef="#br0" timeOffset="76019.27">4568 12715 7533,'-9'4'-180,"4"-3"0,1 8 899,4 0 541,-5 26-990,0-11-180,0 19 269,1-23-89,0 3-90,3-1-180,-7-2 180,7 7 0,-8-7-180,4 11-90,-4-3 270,-1 1-810,1-2 270,0-8 270,4-9-359,-4-1 179,8-9-1079,-7 0 1349,3-5 0,-4-4 0,-1-5 0</inkml:trace>
+  <inkml:trace contextRef="#ctx0" brushRef="#br0" timeOffset="76237.27">4522 12855 7533,'5'0'270,"7"0"-1,-6 0-179,8 0-3367,-5 0 1883,5 0 3703,0 8-1680,1-6-269,-2 15 0,-8-11-180,4 11 1039,-4 2-949,4 1-360,-4 2 180,8 1 90,-11-3-810,10-2 450,-7 0 3456,0-8-3250,4 4-1195,-4-5 180,4 0-271,1-4 541,-1 0 179,0-5 540,0-5 0,1 0 0,-1-4 0</inkml:trace>
+  <inkml:trace contextRef="#ctx0" brushRef="#br0" timeOffset="76483.27">4866 12725 7533,'-4'-11'1889,"3"3"-1080,-3 8-359,0 0-270,3 4 899,-8 5-899,8 2-180,-7 6 270,7-6-90,-3 6-180,4-7 180,-4 16 0,3-9-180,-8 10 90,8-5 89,-3-2-89,0 3-449,3 0-1081,-7 21 1171,7-15 179,-3 10-1170,4-21 541,0-8 269,0 4-1079,0-5 709,0 0 1,0 0 0,0 1 0</inkml:trace>
+  <inkml:trace contextRef="#ctx0" brushRef="#br0" timeOffset="78387.27">5768 13292 7083,'-5'0'1349,"-3"0"-1079,7 0 90,-7 8-90,7-2-90,-4 8 269,1 8-179,-1 2-90,0 9-180,-3-5 360,2 7-180,-3 0-180,4-1 180,-3 1-90,2-16-90,-3 8 0,4-3 0,-3 4 90,-2 12-180,0-9 180,-3 10-270,-1-1 0,0-1-428,-1 8 608,2-18-180,8-3 180,-4-8 0,8-2-90,-3-3 90,4-5 0,-4-7 0,3 8 0,-3-8 90,4 3 810,0-4-113,8 0-697,-6 0 90,11 0 90,-4 0-180,1 0 270,12 0-270,-6 0 179,10 0-89,-6 0-90,3 0 225,4 0 0,2 0-135,-1 0-180,-1 0 0,1 0 270,3-4-180,-13 3-180,12-3 90,-20 4-90,8 0-360,-8 0 180,4 0 180,-5 0-449,5 0 89,0 0 180,1 4-899,-2-3 539,-4 3 180,1-4 90,-1 0-809,-4 0 180,7 0 989,-9-4 0,9-6 0,-7-4 0</inkml:trace>
+  <inkml:trace contextRef="#ctx0" brushRef="#br0" timeOffset="78654.27">5787 13283 7533,'-5'-15'0,"1"-2"180,4 2 179,0 1 811,0 0-451,8 5-89,2 4-540,5-3 180,2 6-90,-6-2 0,6 4-91,2 0-89,5 0-179,-1 0-91,0 4-720,-8-2 451,-2 6 269,-8-3-810,4 0 181,-4 12 899,0-2 0,-5 13 0,-5 0 0</inkml:trace>
+  <inkml:trace contextRef="#ctx0" brushRef="#br0" timeOffset="78898.27">5712 13636 7533,'-4'5'359,"3"-1"91,-7 1-270,7-4 270,-3 3-180,4-4 90,0 4 1169,12 5-1349,0-3 179,6 7 271,4-12-270,2 3-360,5-4 90,-1 0-90,-6 0 180,-7 0-900,2 0 360,-6 0 270,6 0 0,-6 0-1529,6 0 720,-6 0 359,6 0 540,2 0 0,-4 4 0,3 1 0</inkml:trace>
+  <inkml:trace contextRef="#ctx0" brushRef="#br0" timeOffset="81140.27">6290 13934 7353,'-6'-10'1259,"2"5"-1169,4 1 90,0 4-90,0-4 0,0 3 360,0-3-360,4 8 89,2 1 1,-1 0-90,3 4 90,-3-8 0,0 3-180,0-4 180,-1 0-180,1 4 90,0-3-90,3 3 90,-7-4-90,3 4 90,1-3-180,-4 3 180,7-4-90,-7 0 90,7 0 0,-7 0-180,3 0 90,1 0 90,-4 0-270,3 0 180,-4 5 0,0-4 0,0 3 0,0 0-90,0-3 90,0 7-180,0 1 180,0 6 0,0-1-90,-4 0 0,-2 3 0,1-5 90,-3 9 0,7-10 0,-7 6-90,2-6 90,1 6-90,-3-6 180,3 2-180,-9 5 90,0-3-3277,4 4 3162,-3-6 115,4-4-90,-1 1 180,0-1-90,2-4 90,7-1-90,-3 0 3276,4-2-2980,0 2-296,4-4 270,1 0 90,4 0-360,1 0 270,-1 0-91,4 0-269,-6 0 180,9 0 0,-14 0-449,11 0 269,-8 0-90,4 0 270,0 0-1170,1 0 451,-1 0 269,5 0 180,-4 0-1259,3 0 719,1-4 720,-4 2 0,8-6 0,-4 3 0</inkml:trace>
+  <inkml:trace contextRef="#ctx0" brushRef="#br0" timeOffset="81558.27">6606 14148 7533,'-9'0'0,"4"0"719,1 4-269,4-3-90,0 7 0,-5-3-180,4 0-1,-7 4 1,7-4 0,-3 4-180,0 1 180,3-1 0,-3 0-180,-1 5 180,4 0-180,-3 1 180,4-2 0,0-8-720,0 3 270,0-7 90,0 4-449,0-1 179,4-3-90,2 3 90,3-12 181,0 6 89,-4-15 90,4 11 90,-8-8-180,11 1 90,-10 3 180,11-4-90,-8 5 360,4-5-1,0 4-269,-3 1 540,2 5-270,-7-1-180,3 4 90,0-3 89,-3 4-179,3 0-90,0 4 180,-3 2-90,8-1-270,-8 3 270,3-3 0,-4 5-90,0-1-90,0 0-90,4 0 180,-3 1-360,3-1 180,-4 0-90,0-3-1259,4 2 1169,-3-3-899,8 0 539,-8-1 270,7-4 360,-7 0 0,7 0 0,-3 0 0</inkml:trace>
+  <inkml:trace contextRef="#ctx0" brushRef="#br0" timeOffset="81933.27">6857 13962 7533,'0'-5'1259,"0"-8"-899,0 11-180,0-6 0,0 8 1169,0 0-899,0 4 359,4 13-539,-3-4-270,7 13 360,-7-8-90,3 10-1,-4 5-179,0-4-90,0 2 0,0-11 90,0 3-180,0 3 90,0-5-90,0 10 0,0-7 180,0 0-359,0-6 179,0 0 0,0-8 90,0 8-360,0-8-90,0 8 450,0-8-540,0 4 271,0-5-1,0 0-720,0 0 181,4 1 269,-3-1 180,4-4-719,-5-1 269,0-4 810,4 0 0,-3-8 0,3-2 0</inkml:trace>
+  <inkml:trace contextRef="#ctx0" brushRef="#br0" timeOffset="82294.27">7061 13990 7533,'-9'0'359,"4"0"271,-3 0-180,7 0 1709,-4 0-1800,14 0 1,1 8-180,5-6 0,-2 10 180,-4-2-180,5 0-90,-4 3 90,4-3 89,-1 7-448,-3-1 179,4 7 89,-5-9-538,0-1 269,-3-3 90,2-1-450,-3 9 360,4-11 0,1 9-989,-5-10 449,3 3-629,-3 0 450,5-4 359,-1-1 540,-4-4 0,3 0 0,-2 0 0</inkml:trace>
+  <inkml:trace contextRef="#ctx0" brushRef="#br0" timeOffset="82556.27">7359 13906 7533,'-14'0'0,"5"0"0,4 0 1079,1 0-539,-1 0-180,-4 4-1,4 1-89,-4 4 0,4 1-180,-8-1 270,2 5 0,-2-4-181,4 3 1,-1 1-180,1-4 360,-17 32-360,13-21 0,-13 23 0,17-26 0,-5 1 0,4-1 90,-4 1-450,5 0 180,0-5 90,-1 4-809,1-8 449,0 3 180,4-7 91,-4 2-901,8-7 450,-3 3 181,4-4 359,0 0 0,0 0 0</inkml:trace>
+  <inkml:trace contextRef="#ctx0" brushRef="#br0" timeOffset="83069.27">7471 14129 7533,'0'5'0,"0"-1"899,0 1 91,0 0-631,0 0 181,0 3-180,0-3 0,-4 0-180,3 4-1,-3-4 91,0 4-180,3 5 90,-4-4-90,5-1-90,0 0 270,0-4-90,0 8-450,0-7 180,0 11 0,0-15-360,0 15 1,0-11 269,0 3-450,0-5 360,0 0 0,5-3-269,-4 3 179,3-4 180,0 0-180,-3 0 90,3-4-89,0 3 89,-3-7 0,8 3-180,-4-9 180,0 4 270,-1-7 0,0 6-180,-3-2 450,3 3-180,0 1-180,-3-4 900,4 6-360,-5-5-271,0 7 631,4 0-90,-3-4-451,3 4 1,-4 0 270,4-3-180,-3 7-360,3-7 90,0 7 90,-3-4-1,8 1-179,-8 3 180,7-3-180,-7 4-90,7 0 180,-7 4 180,3 1-180,1 5 0,-4-1 0,3 0 180,-4 1 539,4 20-719,-3-16 90,3 16-450,0-21 270,-3 5 0,3-4 90,1 4-1799,0-5 1440,4 0-1081,0 0 91,5-3 899,-4-2-809,8-4 1169,-8 0 0,8 4 0,-4 1 0</inkml:trace>
+  <inkml:trace contextRef="#ctx0" brushRef="#br0" timeOffset="88931.27">8261 13264 6453,'-5'0'810,"1"0"269,4 0-899,0 4 0,-4-3 90,3 7-90,-7 2 0,7 0-90,-3 4 90,-1 3 89,-3 7-3391,-7 17 3212,5-10-39,-6 13 39,14-24-90,-11 7 179,8 4-89,-4-5-90,3 6 180,-2 7-90,7-12-90,-3 14 0,0-14 90,3-3 0,-3 3 3148,4-7-3508,4 11 374,1-2-194,8 4-90,-6-9 180,5-3-540,-3-6 91,10-1-541,4 0 271,5-9-271,-4-5 360,3-10 630,-12 0 0,7-12 0,-8 3 0</inkml:trace>
+  <inkml:trace contextRef="#ctx0" brushRef="#br0" timeOffset="89264.27">8420 13627 7533,'-18'16'1079,"7"-7"-809,-3 16 270,6-10 179,7 8-629,-3-4 90,4 4 0,0-8-180,0 2 180,0 2-270,8 0 90,3 0 0,7-6-360,-3-7 90,6-2 180,-5-4-269,7-4 269,-5-2-90,1-3-3097,-5 0 2802,0-5-1305,-5 4 1780,5-3-307,-4 3 217,-1-3 180,-1-2-90,-7 1 2357,4 0-2357,-5 5 90,0 0 0,0 4-90,-5-4-90,-4 4 360,-1 0-270,-8-3 0,4 7 2601,-13-3-2601,-2 4 90,4 0-90,-1 0 251,12 4-521,-1 5 270,6-3 0,5 11 0,4-11 0,0 7 0</inkml:trace>
+  <inkml:trace contextRef="#ctx0" brushRef="#br0" timeOffset="90105.27">8857 13766 7533,'0'-9'2069,"0"0"-1890,0-1 1,-4 5 0,-1-3-90,0 3 180,-3 0-90,2-4 0,-3 4-90,0 0 90,-1-3 0,1 7-270,0-3 90,-1 4-360,-3-4 360,3 2 0,0-2-90,2 8-180,7-2 180,-7 6 0,7-3-90,-7 8 180,6-2 0,-2 2-90,4-4 90,0 5 0,0-4-90,0 0 270,0 2-180,0-10 180,0 10 0,4-6-180,-2-1 90,2-1-90,4 0 90,2-3-180,5 3 90,-2-8-90,-4-1 0,1 0-3187,-1-4 3072,0 4-134,1-4 249,-1 0 90,0 3 180,1-2-90,3-1-90,-3 3 270,0-7-90,-2 8-1,-3-4 91,5 0 90,-1-1-360,0 1 180,-4 0 3044,-1 3-3224,1-2 507,-4 3-507,3-4-90,-4-1 0,0 1 90,-4 4 0,3 1-90,-4 4 90,5 0 0,-4 0 0,3 0-180,-3 8 180,0 2 0,3 9-90,-3 4 270,4 5-180,0-4 0,0-1 450,0 3-270,0-9 180,0 26-270,0-12 90,4 19-90,-3-16-180,3 2 270,0 0-90,-3-6-90,3 6 89,-4 0 1,0-6-180,5 2 180,-4-1-180,3-6 180,-4 3 0,-4-1-3367,3-7 3252,-8-2-401,4 0 426,0-8 0,-7 8-90,1-8 90,-7-1 0,3 0-270,-7-8 90,3 3 2821,-9-12-2731,8 1-179,-2-10-2666,12 6 2755,-3-6-1592,3 2 1772,1 1-180,0-12 1,4 10 269,0-7-90,5-3-90,5 14 180,0-14 2693,8 3-2603,-2 2 0,2-6-270,9 5 270,-6 2 2200,11-3-2380,-4 9-360,1 0-90,5 3 1,3 1 179,4-3 180,-7 4 0,-1 1-2159,3-1 2249,-10 8 0,5-7 0,-7 3 0</inkml:trace>
+  <inkml:trace contextRef="#ctx0" brushRef="#br0" timeOffset="111007.27">9267 13357 7533,'-5'-4'1979,"5"3"-1800,5-7 271,8-2-270,-2 0 0,2-3 0,1 3 270,0-3-450,1 7 0,-2-7 180,-4 8-270,-4 0 90,4 1 0,-4 0 90,0 3-90,3-4-90,-7 5 0,4 0 90,-1 0-90,-3 0-90,3 0 180,-4 9 90,0 1 0,0 13-90,0-4 180,0 4-3303,0 0 3123,0-3-842,0 2 1022,0 1-2050,0 1 1960,0 4-1107,0-5 1287,0 9 1329,0 5-1509,0 2 0,0 2 0,0 12-180,0-16 135,0-10 0,0 0 45,0 6-180,0 3-90,0-7 270,4 3-180,-3 8 90,3-4 90,-4 5-270,0-9 90,0-4 465,0 8-555,0-14 2524,0 8-2704,4-12 2662,-3-2-2392,4 1-128,-5-11-142,4-2 90,-3-4-719,3 0 449,0-4 180,-3-2-269,3-7 269,-4-1 0,4-9 360,-3-5 0,3-5 0,-4-4 0</inkml:trace>
+  <inkml:trace contextRef="#ctx0" brushRef="#br0" timeOffset="111331.27">9425 13385 0,'-5'-5'0,"-3"-3"1602,7 7-1691,-3-4 1318,4 1-150,0 3 410,0-3-1039,0 0 2826,0 3-2441,4-3-655,1 4 270,4 0 270,9 0-181,1 0-179,5 0-180,-5 0 0,-2 4 90,-2 1 179,12 13-89,-7-3-360,3 4 90,-9-6 90,-5-3 0,-4 3-180,-1-3 360,0 16-180,-3-14-360,-1 14 180,-9-3 90,-1-2-270,-4 6 90,5-5 0,-4-2-540,-2 7-2647,1-7 1543,-4-2 745,4 0-270,-9-12 719,7 2 540,-1-8 0,3-4 0,0-1 0</inkml:trace>
+  <inkml:trace contextRef="#ctx0" brushRef="#br0" timeOffset="115815.27">9936 13264 7443,'-5'9'1079,"-3"5"-629,3 4-90,-5 6 179,1 4-89,0 4 0,0 1-2460,3-4 2370,-2-2-180,7-4 0,-3-4 0,4 8 270,0-7 89,0 19-179,4-4 0,-3 16-360,7-9 0,-2 0 0,3-13 180,-4-7-450,3-8 180,-7-5 0,8 0 0,-4 1-809,0-5 539,3-1 1290,-3-4-1290,5 0-899,-1-4 539,-4 3 270,3-7-809,2 2 1259,-4-3 0,6-4 0,-6-2 0</inkml:trace>
+  <inkml:trace contextRef="#ctx0" brushRef="#br0" timeOffset="116739.27">10169 13404 7533,'-5'0'90,"1"0"90,4-5 89,-4 4-89,3-3 0,-4 4 450,1 0-270,3 0 1349,-3 0-1350,17 4-89,-2 6 0,12 0-450,-9-1 270,4-5 0,-4 1-270,5 0 0,-1 0 90,-3-1 90,-6 0-90,4-3 0,-11 3 90,6-4-89,-8 5-1,4-4 180,-3 3-270,3 0 0,-4 1 90,0 0-180,-4 3-90,-1 2 90,-8 4 180,2 5-90,-15 4 91,14-8-1,-10 3 90,9-5-180,-2 1 360,-3 5-3457,7-9 3072,3 3 654,8-8 91,0 4-270,0-3-90,0-2 180,4 0-1,1-3 2917,5 7-2890,-1-7-206,0 3-90,5-4-90,0 0 0,1 0 0,-6 0 90,-1 0-810,-3 0 181,9 0-900,5 0 359,0 0-269,4 0 270,-4 0 1079,-5 0 0,-1-4 0,-3-1 0</inkml:trace>
+  <inkml:trace contextRef="#ctx0" brushRef="#br0" timeOffset="117147.27">10448 13543 7533,'0'9'1709,"0"1"-1349,-4-5 449,3 7-179,-3-1-91,4 11 1,0-2-360,0 7-90,-4-7 0,3-2-90,-3-4 180,4-1-180,0-3-540,0 0 90,0-2 360,0-7-719,0 3 269,4-4 270,-3-4-449,3-1 269,0-5-90,1-3-179,5-6 449,-1 0 0,4-4 90,-2 13 540,-2-3-270,3 8 629,-5 0-179,6-3-360,-8 7 540,4-4 89,-4 5-269,0 0-180,-1 5-91,0-4 1,-3 7 90,8 1-90,-8 6 0,3 3-450,-4 1 90,4 0-1619,-3-1 0,11-3 899,-10-6 361,11-5 89,-8-4 360,0 0 0,8-4 0,-3-1 0</inkml:trace>
+  <inkml:trace contextRef="#ctx0" brushRef="#br0" timeOffset="117370.27">10746 13478 8972,'5'0'2339,"4"0"-1980,-8 0-269,7 0-360,-7 0 180,7 0 90,-2 0-269,3 0 179,0 0 0,0 0-1529,1 0 1259,-5 0-809,3 0 449,-7 0-180,3 0 541,-4 4 359,0 1 0,-4 5 0,-1-1 0</inkml:trace>
+  <inkml:trace contextRef="#ctx0" brushRef="#br0" timeOffset="117531.27">10765 13571 7533,'-5'10'1529,"1"3"-1169,4-12 359,0 3 91,0 0-450,0-3-91,4 3 91,1-4-360,8 0 0,-2 0-719,6 0 269,6-4-1079,2-1 90,3-4 1439,-5-1 0,-5 1 0,1 0 0</inkml:trace>
+  <inkml:trace contextRef="#ctx0" brushRef="#br0" timeOffset="117732.27">11072 13487 7533,'5'10'-270,"-1"-1"180,0-4-3187,-2 3 1703,2-2 2611,-4-1-138,0 3 536,0-3-1075,0 4 0,0-3 89,0 2-89,0 1-90,0-3 2598,0 7-2598,0-4 548,0 1-997,0 4-451,0-9-360,0 3 451,0-7 179,0 3-1259,4-4 1652,-3 0 0,7 0 0,-3 0 0</inkml:trace>
+  <inkml:trace contextRef="#ctx0" brushRef="#br0" timeOffset="117945.27">11156 13292 2935,'-9'0'0,"3"0"1959,2 4-1959,4 1 2952,0 5-1782,0-1-113,0-4-338,0 7-539,0-9 0,0 9-90,0-7 90,4 0 1328,-3 4-1418,8-8 179,-4 7 91,0-7 0,3 3-360,-3-4 0,5 4 0,-1 1 0</inkml:trace>
+  <inkml:trace contextRef="#ctx0" brushRef="#br0" timeOffset="118293.27">11304 13180 7623,'5'0'1169,"3"0"990,2 4-1260,4 2 181,1 3-451,2 9-3661,-6-7 3212,2 11-1165,-4-12 1345,-3 7-2063,2-2 1883,-3 8-1259,0-4 1169,3 4 1619,-7 8-1620,8 3-736,-8 4 647,3-6 808,-4-5-1167,-4-3 2053,-1 16-1964,-5-4 180,1 5-90,0-9 2128,-1-4-2668,-3 8-809,-2-6 180,-3 6 989,3-16-1169,2-7 720,4-9 809,-1 0 0,-3-2 0,-2 2 0</inkml:trace>
+  <inkml:trace contextRef="#ctx0" brushRef="#br0" timeOffset="118736.27">11639 13562 7533,'5'4'1439,"-1"-3"-1079,1 3-1,-4-4-179,3 0 0,0 0-450,-3 4 270,3-3 0,0 3 180,-3-4-1169,7 0 539,-6 0 270,6 0 90,-3 0 90,0 0 0,8-4 0,-3-1 0</inkml:trace>
+  <inkml:trace contextRef="#ctx0" brushRef="#br0" timeOffset="119221.27">11788 13348 7533,'-13'0'539,"6"0"-449,-1 0-90,8 0 630,0 0 719,4-8-1349,-3 1 90,8-2 90,-4 1-90,8 7-270,-3-8 180,4 8 0,-5-7 90,5 7-90,0-7-90,-3 3 180,1-1-90,-7 2 90,4 4-90,-3 0 90,-2 0 0,-4 0-90,4 0 270,-3 0-90,3 0-180,-4 4 269,0 2-89,0 7-90,0-3 0,0 4 0,0-1-3367,0 2 3342,0 3-1475,0 1 1500,0 0 180,0 12-180,0-10 0,0 14-755,0-11 1025,0 4 1686,0 0-1866,0 0-90,0 0-90,-4 4 0,3 13 0,-3 4-90,4-2 180,0-6-270,0-13 0,0-5 270,0 4-450,0-7 180,0 3 90,0-1 1,0-2-91,0-1 1566,0 11-2105,0-17 359,0 9 90,0-14-359,0-7-91,0 3 1020,0-12-1110,0-2 835,0-9-25,0-4 0,-4-1 0,-2-3 0</inkml:trace>
+  <inkml:trace contextRef="#ctx0" brushRef="#br0" timeOffset="119510.27">11881 13450 7533,'0'-14'1619,"0"0"-2069,4 1 0,1 7 90,5-7 720,3 8-90,2 0 720,-1 1-451,0 4 1,3 0 269,-5 0-269,5 0-270,-8 0 0,1 4-90,-1-3 0,0 7 0,1-7-90,-1 7 179,0 2-89,-4 4 0,0 5 90,-5-5-270,-5 4 0,0-4-180,-21 30 180,9-20-225,1-1 0,1-2 45,0-3 91,2 1-811,0 0 270,-2-1 450,0-3-1079,2-2-180,4-8 629,-1 0 361,5-5 89,-3-5 360,7 0 0,-7-8 0,2-2 0</inkml:trace>
+  <inkml:trace contextRef="#ctx0" brushRef="#br0" timeOffset="119836.27">12281 13329 7533,'0'-5'-540,"0"1"360,0 0 540,0 3 809,0-3-359,-4 4-450,3 0 269,-7 0 271,3 8-720,0-2 269,-4 12 271,4 4-630,0-1 90,1 6 0,4-9 0,-4 5 269,3 9-269,-3-2-270,4 2 270,0-5 0,0-3 90,0 4-540,4-4-2572,1 7 2842,0-11-1300,8 15 311,-3-6 809,4 0-1349,4-6 719,-8-10 181,4-3-361,-1-1 451,-3-4 179,4-1-90,-1-4 450,6 0 0,1 0 0,2 0 0</inkml:trace>
+  <inkml:trace contextRef="#ctx0" brushRef="#br0" timeOffset="120487.27">12533 13366 7533,'-5'-14'0,"0"0"-360,5 1 360,0 3 180,0-4-540,0 9 180,0-3 0,0 3 90,0-1 0,5-2 180,-4 7-90,3-7 0,0 7 0,-3-7 90,3 7 0,-4-4-90,0 5 180,4-4 0,-3 3-180,3-3 450,-4 4 1079,0 0-1349,-4 4 359,3 1-179,-3 5 90,0 3-180,3 2 90,-7 3 89,7 9 91,-8-2-180,8 3 0,-7-1-180,7-8-1556,-3 8 1735,0-7-562,3 7 203,-3-8 90,-1 8 90,4-7 0,-3 7 179,4 17-179,0-11-180,0 16 90,4-17 1482,2 1-1482,3-8-269,0 1 89,0-16 90,1 3 457,-1-3-637,0-5 0,1 3 270,-1-7-360,0 3 180,1-4-90,-5 0 180,-1 0-270,0 0 0,1 0 0,0-4 181,0-1-91,-5 0 180,0-3-90,0 6 0,0-6-180,0-1 180,0 3 0,0-7-90,-5 8 90,4 0 0,-3-3 0,0 3 0,3-5 0,-3 5 0,4 1 0,0 0-89,-4 3 89,3-3 180,-3 4-810,4-4 450,-5 2-180,4-2-179,-3 4-990,4 0 179,0-4 1440,0 3 0,-4-7 0,-1 3 0</inkml:trace>
+  <inkml:trace contextRef="#ctx0" brushRef="#br0" timeOffset="121277.27">12328 13394 8072,'0'5'1170,"4"4"-810,1-8-1,0 7 541,8 1-450,-7 2-181,12 2 1,-8-4 180,8 1-90,-8-1 0,8 0 89,-8 1-179,7-1 90,-2 0-180,4 1 270,3 3-181,-6-3 1,6 4 90,-4-1-90,2 2-180,-2-1 90,-4-5 0,-5 0-450,-4-4 360,8 8-1350,-7-2 1081,7 2-631,-7-8 450,-2 3 90,0-2 91,-3-1-1710,7-1 899,-7 0 361,3-3-191,0 7 1,1-2 0,4 3 0</inkml:trace>
+  <inkml:trace contextRef="#ctx0" brushRef="#br0" timeOffset="121772.27">12746 13627 7533,'-5'0'-270,"1"-4"630,4 3 2916,0-4-2775,4 18-321,-3-6 0,3 11 90,-4-5-270,0-2 360,4 10-180,-3-5-180,3 2 180,-4 0-450,0-8 180,0 4-1349,5-1 449,-4-7 541,7 3 179,-7-14 0,3 4-360,0-11-179,-3 2 179,7-17 270,-7 2 360,4-7 90,-1 4-180,-3 8 1080,7-1-541,-7 15-179,3-3-180,0 5 900,-3 3-91,8-3 91,-4 4-271,4 0-359,-4 4-90,0 1 270,-1 5-181,1 3-89,0 1-90,-1 1 90,-4-2-270,4 1 90,-3 0-1889,8 5 1619,-4-9 0,0 3-1349,7-8-630,-6 4 2159,12-4 0,-8-1 0,4-4 0</inkml:trace>
+  <inkml:trace contextRef="#ctx0" brushRef="#br0" timeOffset="122295.27">13090 13069 7533,'0'-5'2788,"-4"5"-2608,3 5 360,-3 4-181,4 0 1,0 5 90,0 8-270,0-1 90,0 6 90,4 12-1,-3 2-1653,8 10 1564,-8-9-90,3-10-270,0 0-281,-3 9 551,3-6-450,0 10 180,-3-4-90,8 11 90,-7-24 1,1 1-991,2 18 540,3-7 1,1-8-900,-2-7 539,5 2 360,-7-12-539,0-2 1677,4-4-598,-4-4 0,4 4 0,1-4 0</inkml:trace>
+  <inkml:trace contextRef="#ctx0" brushRef="#br0" timeOffset="123898.27">13351 13441 7533,'-9'-5'1079,"0"-4"-899,3 8 180,2-7 90,4 7-271,-4-3 1,3 4 900,-3 0-900,12 0 89,-2-4-89,8 3 0,-1-3-180,-2 4 90,6 0 270,2 0-360,0 0 90,0 0-90,3 0-90,-11 0 90,3 0-90,-6 4-450,-3-3 91,0 11-271,-1 3 540,-4 0-90,0 7 90,-4-8-179,-1 1 269,0 2 90,-3-6 0,3 6-90,-5-2 0,1-1 180,-5 4-3367,8-8 2982,-6 8 205,7-8 450,-5 3-270,1 1 0,0-4 449,4 12-89,0-7 2826,5 0-2620,0-3-566,9-7 0,-7 1-1,14-2-89,-5-4 90,3 0 0,4 0-719,0-4 359,-2-2 90,1-3-809,1-8 449,-3 5 180,4-5-360,-5 3 271,-5 4 89,4-4-90,-2 5 90,6-4 181,-10 2 268,5-2-268,-11-1-1,3 8 270,-4-6-90,0 11 0,0-7 359,0 7 2880,0-4-1890,0 22-989,0-5-91,0 11-89,0 3-180,0-14 180,0 14 90,0-7-270,0 0 180,0 0-450,4-6 180,-3-3-539,7-5 89,-2-1 360,-1-4-360,3 0 1,-3-8-1,9-3-90,-4-11 450,-1 6 90,0-5-90,-8 10 1,7-2 358,-7 3-179,3 5 810,0-3-270,1 3 359,1 0-539,-2 0 0,0 5 359,-3 5 1,7 0-540,-7 4-180,8 0 180,-8 1 90,3-1-180,0 4-270,-3 2 90,7-1 0,-7 0 90,7-5-1260,-7 0 181,8 1 899,-4-5-1349,0 3 90,8-7 1439,-11 3 0,10-4 0,-7 0 0</inkml:trace>
+  <inkml:trace contextRef="#ctx0" brushRef="#br0" timeOffset="124139.27">13919 13469 8252,'4'5'2339,"-3"3"-1979,7-7 179,-2 3-359,3 0 90,-4-3-90,8 4-180,-7-5 180,7 0-360,1 0 0,-4 0 270,-1 0-1349,0 0 629,-4 0 360,0 0 1,-1 4-2070,0 1 2339,-3 0 0,3 3 0,-4-3 0</inkml:trace>
+  <inkml:trace contextRef="#ctx0" brushRef="#br0" timeOffset="124317.27">13928 13655 7533,'-5'9'2248,"1"0"-2248,4-3 900,4 2-270,-3-7-271,7 3 1,-2-4-630,3 0 270,0-4-90,1 3-719,-1-7 449,0 6 180,5-6-1259,-4 3 270,12-4-91,-7-5 1260,4 4 0,-2-3 0,-2 3 0</inkml:trace>
+  <inkml:trace contextRef="#ctx0" brushRef="#br0" timeOffset="124516.27">14207 13515 7533,'5'0'1079,"3"0"-989,-7 0 90,3 4 90,-4 6-270,0 0 0,0 3 1169,0 5-989,0-7 360,0 7-91,0-5-179,0-2-90,0 2-360,0 1 90,0-4 180,0 3 90,0-3-540,0-5 180,5 7 270,-4-10-1259,7 7 90,-3-9-540,4 0 1619,-3-5 0,2 0 0,-3-4 0</inkml:trace>
+  <inkml:trace contextRef="#ctx0" brushRef="#br0" timeOffset="124699.27">14309 13376 7533,'-9'0'2518,"4"0"-2338,1 0 630,4 0-181,0 4-359,0 1-270,0 4 180,0 1-180,0-1 90,0 0-3367,0-4 2352,4 4-1503,5-4 1528,1 0 900,4-1 0,-9-8 0,-1-1 0</inkml:trace>
+  <inkml:trace contextRef="#ctx0" brushRef="#br0" timeOffset="125394.27">14542 13152 7533,'-10'0'0,"-3"0"539,12-4-89,-3 3-90,4-3 449,-4 4 721,3 0-1171,-3 0-89,4 4-90,4 1 180,-3 5 0,7 3-180,-3-2 269,5 6-269,-1-2 180,4 11 0,-2-1 0,2 3-180,-4-1 269,1 5-269,-1-6 0,0 21 0,1-24 90,-5 16-180,3-2-90,-7-6 90,3 9-360,-4 4 180,-4-7 0,-1 12 0,-4-12-863,-5-4 1043,4 4-810,-8-8 405,5-5 0,-1 0 135,-7 8-495,4-9 1,-1-1-495,-15 10 809,3-8-1349,-2 3-1568,10-12 1979,3-6 1191,5-5 0,-8-4 1,2 0-1</inkml:trace>
+  <inkml:trace contextRef="#ctx0" brushRef="#br0" timeOffset="166213.27">15221 13617 7533,'-5'-5'989,"1"1"1,4 0-361,8 3-89,3-7-180,12 7 89,0-3-269,-3 4 180,2 0 0,0-5-180,-5 4 90,9-3 0,-12 4 89,17-4-179,-13 3 0,12-3 0,-11 4-180,-4 0 0,7 0-180,-12 0 90,8 0 90,-8 0-90,8 0 90,-4 0 0,1 0-180,-2 0-90,0 0 360,-2 0-629,-2 4 179,4-3 180,-11 3-1079,6-4 179,-8 0-629,0 0 1709,0 4 0,0-3 0,0 4 0</inkml:trace>
+  <inkml:trace contextRef="#ctx0" brushRef="#br0" timeOffset="167158.27">16161 13069 7533,'-15'4'180,"6"1"269,1 0 181,3 8-540,-5-3 270,5 4 0,-3 4-271,3-4 451,-5 13-180,1 6-270,4 1-353,-3 3 443,7-9-180,-4-1 180,1 14 0,3 6-3105,-3-6 3105,4 2-90,0-19-180,0 0-90,0 11 270,4-14-54,-3 15-215,12-13-541,-3 5 540,5-8-1169,2-3 1079,-7-7 0,8-5-539,-8-1-900,25-20 1709,-21 7 0,16-21 0,-21 11 0</inkml:trace>
+  <inkml:trace contextRef="#ctx0" brushRef="#br0" timeOffset="167474.27">16291 13469 7533,'0'-21'-90,"0"4"989,0 17-269,0 0-360,0 5 449,0 4-269,0 1 90,-4 16-360,3-9 0,-3 5-360,4 0 0,0-2 0,8-1 0,-2-1-3097,8-13 2442,-5-1 655,0-4-89,1 0-271,3-8 360,-2 2 270,2-8-360,-4 1 3546,5-2-2980,-8-3-206,2-1 90,-8 5-90,-8 4-90,-2 2 90,-13 7-90,7-3 180,-1 4-180,7 0 0,1 0 270,-4 4-270,6-3 0,-5 3-450,11 0 90,-3-3-1619,4 8 1979,0-8 0,4 3 0,1-4 0</inkml:trace>
+  <inkml:trace contextRef="#ctx0" brushRef="#br0" timeOffset="168120.27">16664 13487 7533,'5'-9'1349,"-1"0"-719,-4-1-181,0 1-89,0 4-270,0-3 270,-4 3-90,-6-5 0,-4 1-91,-1 0-448,2 3-181,-21 6 540,23 1-450,-23 8-90,29 0 90,0 5 91,1 9 269,4-7-90,0 1-270,4-7-90,5-1 180,6-4 90,-1-1 90,0-4-3187,-5 0 3162,5-4-391,-4 3 596,-1-11-90,4 1 90,-3-7 0,0 3-1,3-2 1,-12 10 3186,3-5-3142,-4 11 355,4-7-399,-3 7-90,3-3 180,-4 4-180,0 0 180,0 8 0,0 2-90,0 5 180,0-2-270,0 1 989,0 4-359,0 10-450,0-3-1,0 6-89,4-12 0,-3 8 180,4 10 0,-5 10-225,0-20 0,0 3 0,0 12 0,0 1-135,0-12 0,0 0-665,0 2 0,0-2 845,0 4-690,0-16 960,0-1-90,0 1-1,-5 3-179,4-6-180,-3 1 1,0-11 1389,-1-2-1390,-4-4 900,-1 0-1260,-3-4 90,-6-14-270,0-7 361,0-8-1,10 5 90,0 6-90,8-1-284,-3 3 464,4-2-295,4-10 385,10 2 0,1-11-90,4 12-270,-6 2-90,5 0 360,-7 7-1169,11-3 1259,-7 1 0,3 7 0,1-8 0</inkml:trace>
+  <inkml:trace contextRef="#ctx0" brushRef="#br0" timeOffset="168780.27">16850 13255 7533,'-10'5'180,"5"-1"-180,1-4 719,4 0-449,8-4-90,3 3 180,12-7-270,-4 2 0,0 1 0,-6-3 0,1 7 89,0-7 1,5 7-90,-5-3-180,-4 4 0,-2 0 180,-7 4 0,3-3 0,-4 7 0,0-3-90,0 9 270,0 0-270,0 5 90,0-1 0,0 1 90,0-1-1351,0 5 1261,0-3-183,0 3 272,0-1 1,0-2-90,0 7 90,0 9-90,0-9-180,0 12 90,0-3 0,0 8 526,0-1-436,0-3-873,0-16 513,0-1-643,8 12 733,-6-16 0,7 7-539,-5-18 269,-3-7 818,3 3-1268,-4-4 1044,4-4-504,-3-1-146,3-9 506,-4-9 0,-4-1 0,-1-8 0</inkml:trace>
+  <inkml:trace contextRef="#ctx0" brushRef="#br0" timeOffset="169058.27">17008 13348 7533,'4'-29'359,"1"6"-269,5 10-180,-5 3 990,3 5-180,-3-3-91,9 7-539,-4-3 450,3 4 179,1 0-359,0 4-180,1 1 90,-2 0 0,1 8 90,-4-3-180,4 9 179,-9 3-359,-1-6-90,-4 6 360,0-12-90,-8 20-270,1-17 0,-6 17 180,4-19-630,-1 2 271,1-8 89,0 3-1080,-5-2 451,0 3 629,-1-4-1259,2-1 629,4 0-179,3-3 989,-2 3 0,3-4 0,-4 0 0</inkml:trace>
+  <inkml:trace contextRef="#ctx0" brushRef="#br0" timeOffset="170557.27">17407 13162 7533,'-9'14'449,"0"4"181,0 0 90,-5 6-91,4 8 1,0 5-450,6-7 0,4 6-90,0-17 90,0 4-1,0 0-89,4-4 0,-3 4 90,8-4 0,-8-1-540,7 1 270,-3-5 90,0 4 0,4-8-809,-4 4 449,0-1 90,3-3 180,-3 0-989,5-2 449,-5-7 270,3 7-539,-7-7 269,8 3-190,-8-4 1,7-4 0,-3-1 0</inkml:trace>
+  <inkml:trace contextRef="#ctx0" brushRef="#br0" timeOffset="171007.27">17482 13273 8072,'0'-5'630,"0"1"-270,0 4-90,4 0 359,5-4-359,2 3 90,2-3 90,5 4-270,-7 0-1,11 0-179,-4 0 90,-2 0-359,2 0 179,-5 4 180,-3 1-270,4 4 180,-5 1-90,-4-1 90,-1 0-180,-4 13 0,-4-1 0,-5 15 0,-1-16 180,-4 6-90,1-11 0,2-1 90,-6 0 0,6-5 90,-2 0-180,4 1 90,-1-1 0,1 0 0,0-4 0,4-1 180,1-4 0,4 5-90,0-4 450,0 3-360,4-4 89,1 0-179,4 0 0,0 0-90,1 0 180,7 0-90,-5 0-450,5 0 270,-3 0-89,-4 0-271,3 0 180,-3 0-630,7 0-179,-5 0 359,5-4 720,-3 3 0,0-8 0,5 4 0</inkml:trace>
+  <inkml:trace contextRef="#ctx0" brushRef="#br0" timeOffset="171400.27">17836 13422 7533,'0'-5'2608,"0"1"-2068,0 4-90,-4 0-91,3 4-179,-4-3 90,5 7-270,0-2 270,0-1-90,0 3-270,0-3 270,0 13-270,0-3 90,0 4 0,0-6 0,0-3-720,0-1 450,0-4 91,0 3-901,0-7 810,0 8-269,0-8-91,5 3 360,-4-8-90,7-2 1,-7-3 89,7 0 0,-7 0 180,7-1-270,-2-3 180,-1 2 450,3-2-270,-3 0 1169,5 2-89,-5-2-271,3 8-89,-7 0-360,7 5-180,-7 0 269,3 0-179,1 5 0,-4 0-90,3 0 90,-4 3-180,4 2-360,1 0 180,0 3 90,-1-3-1259,1-5 629,-4 3 360,7-7-1259,-3 7 270,4-2 719,-3-1 540,2-1 0,-7-4 0,3 0 0</inkml:trace>
+  <inkml:trace contextRef="#ctx0" brushRef="#br0" timeOffset="171928.27">18087 13273 7533,'-9'0'809,"-1"0"-629,5 0 360,-3-4-360,7 3 0,-3-3 629,4 4 271,0 0-901,8 0-89,2 4-90,5-3 0,-2 3-359,13 0-91,-12-2 270,12 2 90,-17-4-360,-4 0 270,3 0 0,-3 0-989,1 4 539,2-3 271,-7 7 359,3-3 0,-8 5 0,-1-1 0</inkml:trace>
+  <inkml:trace contextRef="#ctx0" brushRef="#br0" timeOffset="172119.27">18115 13422 7533,'0'5'0,"4"-1"629,-3-4-179,7 0 180,-2 0-360,3 0-91,-4 0-179,7 0 90,-5 0-180,6-4-629,1 3 269,-4-7 270,3 7-1439,-3-7 1169,3 3 450,-3-5 0,4 1 0,-9 4 0,3-8 0,-3 3 0</inkml:trace>
+  <inkml:trace contextRef="#ctx0" brushRef="#br0" timeOffset="172286.27">18301 13329 7533,'0'29'2248,"0"-6"-2248,0-10 90,0-3 90,0-1 0,0 0-180,0 5 270,0-4-450,4 3 0,-3-3-1169,8-5 989,-8-1-449,3-4-1,0 0 1,1 0 809,0-4 0,-1-1 0,-4-5 0</inkml:trace>
+  <inkml:trace contextRef="#ctx0" brushRef="#br0" timeOffset="172526.27">18310 13152 7533,'6'0'1439,"-2"0"270,-4 0-1349,-4 5-180,3-4-180,-4 3 449,5 0-269,0-3-360,0 3 180,0 0-90,5 1 90,-4 1-989,7 2 269,-3-3 630,0 0-1259,4 3 630,-8-7 179,7 4 270,-7-5 270,3 0 0,0 4 0,1 1 0</inkml:trace>
+  <inkml:trace contextRef="#ctx0" brushRef="#br0" timeOffset="173379.27">18506 13059 9152,'0'6'809,"0"-2"-449,0 0 0,0-3-180,0 7-180,0-7 180,0 3 0,4-4-1,-3 0 1,3 4-90,-4-3 360,0 4-360,0-1 180,0-3-180,0 3-180,0 0 90,0-3 90,0 3 0,4-4-90,-3 4 0,4-3 0,-5 4 90,0-5-90,0 4 0,0-3 539,0 3-359,0 0-180,0-3 90,0 7 0,0-3-180,0 1 90,0 2 0,0 1 90,4 6-90,-3 3 0,3 5 0,-4 5 0,0 5 0,4-4 0,-3-2-90,3-4 90,-4-4 0,0 4-90,0 4 90,0-7-90,0 3 0,0 3 90,0-5-90,4 2 1,-3-1 89,4-7-270,-5-1 270,0 8-90,0-11-90,4 7 90,-3-5 90,3-2-360,-4-2-90,0-1 360,0-7-1259,0 3 180,4-4 449,-3-4 1,3-1 719,-4-4 0,4-9 0,1-2 0</inkml:trace>
+  <inkml:trace contextRef="#ctx0" brushRef="#br0" timeOffset="173736.27">18673 13190 8882,'6'0'1079,"-2"4"-809,0-3 360,-3 7-91,11 1-359,-10-2 90,10 5 180,-7-3-270,5 2-180,-1 6 360,0 2-360,0-4 90,1 7 179,3-3-628,2 4-271,-1 1-719,8 11 629,-11-17-179,7 8 89,-5-21 810,-6-1 0,9-4 0,-6 0 0</inkml:trace>
+  <inkml:trace contextRef="#ctx0" brushRef="#br0" timeOffset="173994.27">18971 13134 7533,'-15'0'0,"2"0"809,3 0-449,1 4-450,0-3 270,-1 7-90,-3-3-180,3 5 1439,-12 7-1169,6-5 180,-2 9 90,-4-2-540,2 13 270,-3 2-180,0-1 0,8-6 90,-2 0-180,3 2 0,3-4 90,-1 1-1529,7-8 1349,0-2-540,1 1 270,4-12 450,4 4 0,1-8 0,4 3 0</inkml:trace>
+  <inkml:trace contextRef="#ctx0" brushRef="#br0" timeOffset="174419.27">18998 13357 7533,'6'-5'2518,"2"1"-1798,-7 4-360,3 8-91,-4 2 91,0 13 90,0-3-270,-4 7 0,3-4-360,-3 1 0,4-1-450,4-9-179,1 0 179,4-5 450,-3-4-539,2-1-541,1-16 541,2 1 539,2-12-90,-4 4 720,1 1-450,-5-1 989,-1 5-539,0 4 989,-3 2-359,7 3-361,-7 0-89,8 1-450,-8 4 269,7 8-89,-3 2-180,0 5-270,-1-2 270,1 1-540,4 0 90,1 0 270,4 0-1349,-5-9 270,4 3-1,-2-7 181,6 3-1080,-6-12 1979,2 2 0,-4-12 0,1 4 0</inkml:trace>
+  <inkml:trace contextRef="#ctx0" brushRef="#br0" timeOffset="174703.27">19352 13125 7533,'4'-10'2608,"-3"5"-1978,4 1-1,-5 4-449,4 0 0,-3 0 1080,7 8-541,-3 3 91,5 11-271,3 2 271,1 8-630,-3-7 90,1-2 89,-2 7-179,-4-13-90,6 14 90,-7 4 90,5-4-180,-7-4 0,-1 0-360,2 4 180,-4 8-270,-4-2 180,-1 6-762,-3-12 1,-2 2 446,1-4 0,-2 0-495,-2 3 1,-2 0 43,2-7 0,-2-3 496,-8 16-1349,4-16 1799,1-8 0,4-5 0,-5 1 0</inkml:trace>
+  <inkml:trace contextRef="#ctx0" brushRef="#br0" timeOffset="177829.27">19753 13013 6633,'5'0'810,"3"0"-810,-7 0 270,7 0-1,-3 0 1,9 0-270,-8 0 90,7 0 90,-8 0-90,4 0 90,-4 0-90,3 0 0,-2 0 0,3 0 0,-4 0-90,3 0 180,-2 0-90,3 0-270,0 0 180,1 0-90,-1 4 180,-4-3-90,-1 3 0,0 0 90,-3-3 0,3 8 0,1-4-90,-4 0 269,3 3-269,-4-7 90,0 8 180,0-4-180,0 4 0,0-4 0,0 3 90,0-2 0,0-1-90,0 3 90,0 1 0,0 6 89,0 3-179,0 1-90,0-4 90,0 2 0,0-2 0,0 3-90,0 1 90,0-1 0,0 5 0,0 9 0,0 2-90,4 3 90,-3-9 0,3-1-90,-4-7 0,4 3 90,-3-1-180,3 10 180,-4-6-90,4 9 0,-2 2 0,6 2 0,-7 3 0,3-10 90,0 3 0,-3-1-1696,3-6 0,0-1 1606,-3 9 0,4 4 90,-5-22-90,0 5 90,0-3 89,0 15-89,0-5 90,0 11 90,0-4-90,0-12 3096,0 1-2980,0-16-206,0 4 0,0-5 0,0 0 0,0 1 0,0-1 90,0 4-1,0-2-89,0 2 0,0-8 0,0 4 90,0-8-90,-5 7-90,4-7 90,-7 3-270,3-4 90,-4 4 0,-1-3 180,1 3-1439,-4-4 719,2 0 271,-6 0 89,2 0 0,-8 0 90,0 5 180,-14 4 0,-5 5 0,16-4 0,0-1 0</inkml:trace>
+  <inkml:trace contextRef="#ctx0" brushRef="#br0" timeOffset="179052.27">7760 12994 7533,'-6'0'719,"2"0"-1079,4 0 450,9 0 90,-7 0 180,18 0-90,-12 4 180,17-3-270,-1 4-180,-3-1 90,1-3 89,-13 3-89,4-4 90,-2 0-180,2 0 180,-3 0-90,-1 0-180,0-4-90,5 3 270,-4-3-360,-1 4 180,0 0-89,-4-5 269,0 4-720,3-3 360,-7 4 90,7 0-629,-7 0 269,4 0 270,-1 0 0,-3 0-269,3 0 539,-4 4 0,-4 2 0,-1 3 0</inkml:trace>
+  <inkml:trace contextRef="#ctx0" brushRef="#br0" timeOffset="179603.27">7834 13069 7533,'-9'5'-270,"4"-1"90,1 0 630,4-3 989,0 16-1169,0-6 90,0 16-271,4-12 91,-3 7 0,3-7-90,-4 3-180,4 1 180,-3-1 90,3 1-90,-4 4 0,0-4 0,0 8 0,0 5-90,0-2 90,0 2-90,0-5-90,-4-7 0,3 7 90,-7 17 90,2-11-90,1 16 0,-3-13 0,7-6 90,-7 2-180,7-5 90,-8-7 0,8 2 0,-3-3 0,0 8 90,3-11 0,-3 10-90,4-16 0,0 4 0,0-5 90,0 0-90,0 1 0,0-1 90,0 0-90,0 1 0,0-5 90,0 3-90,0-3 0,4 0 0,-3 0 0,3-1 0,0-3 0,-3 7 0,8-7 0,-8 3 90,7-4 0,-3 4-1,4-3-89,-3 4 90,2-5 0,-7 0-90,3 0 0,0 0 270,-3 0-270,8 0 90,-8 0-90,7 0 270,-3 0-270,0 0 180,8 0-90,-7 0 0,7 0 0,-3 0-90,-5-5 90,3 4 0,-3-3 0,5 4-180,-1 0 0,0 0 180,0 4-900,1-3 450,-1 8 180,5-4 180,4 8 0,2 2 0,3 3 0</inkml:trace>
 </inkml:ink>
 </file>
 
@@ -2717,381 +3422,381 @@
   <inkml:trace contextRef="#ctx0" brushRef="#br0" timeOffset="197604">15259 6744 6813,'0'-5'0,"0"1"180,0-1 0,0 4 0,0-3 0,0 0 179,4 3-359,-3-3 270,3 4 720,-4 0-810,0 4 0,-4 1-1,-1 5-268,0-1 268,-8 4 1,7-2-180,-16 15 90,11-6-3367,-7 4 3342,9-6-245,-4 7 270,6-11-180,-5 12-90,11-21-89,-3-1-181,4-4 3482,0 0-3212,4 0-90,-3-4-539,7-1-1,1-5 810,2 1 0,2-4 0,-3-2 0</inkml:trace>
   <inkml:trace contextRef="#ctx0" brushRef="#br0" timeOffset="197918">15333 6735 7533,'5'0'0,"-1"-5"0,-4 4 180,0-3-1,-4 4 91,3 0 2249,-3 0-1979,4 4-361,0 2 181,8 7-180,-5 2-270,9-1 270,-11-1-90,7-3-90,-3 3-180,5-2 90,-5 2-449,3-4-721,-3-4-449,5 0 1709,-1-5 0,0 4 0,1 1 0</inkml:trace>
   <inkml:trace contextRef="#ctx0" brushRef="#br0" timeOffset="200068">15315 6763 7713,'-6'0'179,"2"0"811,4 0-900,0 4 90,4 1-90,-3 0 180,4 3-180,-1-3 89,-3 5-89,3-5 90,0 3 0,-3-3-90,3 1-180,-4-2-719,0-4 719,0 4-90,0-3-90,0 3 90,-4-12 180,-1 1-90,0-2 90,-4 1-90,4 3 0,-4-5 90,4 1 0,-4 4 90,8-3 90,-3 7-270,4-3 630,0 4-360,0 8-90,0-2 90,0 7-91,0-3 1,0-5-180,0 3 180,4-3-269,-3 1 268,4-2-178,-1-4-1,-3 0 0,3 0 90,0 0 0,-3 0-180,3 0 180,-4-4 0,0 2 0,0-6 90,0 7 90,0-3 89,4 8 1,6 5-360,-4-2 0,6 5 90,-7-11 0,1 3 0,-2-4-90,-4 0 90,0-4-179,-4-1 179,-2-4 0,1-1 0,1 5 0,4 1 0,0 0 89,-4 3-178,3-3 358,-3 4-89,4 0 0,4 4 0,1 1-180,0 0 90,4-1-180,-8 0 0,3-2 180,0 6-90,-3-7-90,3 3 0,-4-4-360,0 4 91,0-3-541,4 3 540,-3-4 90,3 4-989,-4-3 1259,0 4 0,5-1 0,0 1 0</inkml:trace>
-  <inkml:trace contextRef="#ctx0" brushRef="#br0" timeOffset="219047">6439 8428 7443,'22'4'2428,"-6"-3"-1798,10 7-180,-3-7-1,15 7-449,0-7 90,3 8-3367,-16-8 3162,1 3-244,-8-4 89,6 0-2089,-1 0 1550,-4-4 308,-5 3 231,-5-3 1210,4 4-1570,-7 0 270,7 0 360,-12 0 0,-1 4 0,-5 1 0</inkml:trace>
-  <inkml:trace contextRef="#ctx0" brushRef="#br0" timeOffset="219274">6541 8772 7533,'-15'5'1619,"6"-1"-720,5-4 900,4 0-989,12 0-450,-4-4-1,9 3-269,1-7 0,2 2-360,24-7 360,-16 7 90,11-2 0,-21 8-180,1 0 0,-1 0 0,5-5 0,1 0 0</inkml:trace>
-  <inkml:trace contextRef="#ctx0" brushRef="#br0" timeOffset="219834">7490 8307 7533,'-16'-4'-90,"4"2"629,12-2 811,0 4-721,8 4-89,6-2-3482,6 6 3122,3-7 89,4 7-89,14-3-180,-9 0 180,16 0-180,-19-5 0,0 0-360,19-5 180,-13 3 1,-2-1-1081,4-6 451,-5 4-1260,-8-3 1529,-10 6 1359,-6-2 0,-8 8 0,0 2 0</inkml:trace>
-  <inkml:trace contextRef="#ctx0" brushRef="#br0" timeOffset="220305">7518 8353 7533,'-15'4'1079,"2"-3"-809,8 3 450,0-4-91,5 5-179,0 0-270,0 4 270,5 0-271,0 1 1,4-1 90,4 0 90,2 5-270,8 0 0,-4 1-90,0-2-540,15 9 270,-15-6-179,12 15-1,-18-3 180,-12 5-90,-6 0 270,-5-5 0,-8-5-90,-1 4 1,-4 2 179,-5 0 0,0 2 89,4-16 91,-3 3 270,12-9-90,1-4-180,10-1 0,4 1 0,0-4 89,8 3 91,7 0-180,13-3 0,-3 3-183,6-4 272,5 0 1,7-4-180,-13 3 0,0 1 90,15-4-1236,-5 0 876,-5 3-360,-9-4 181,10 5-1800,-16 0 1709,-2 5 90,-13 0-735,-1 4 376,-4 0 49,0 1 1,-4-1 0,-2 0 0</inkml:trace>
-  <inkml:trace contextRef="#ctx0" brushRef="#br0" timeOffset="220835">7359 9125 7533,'-5'4'1529,"1"2"-1079,4 7-91,0 6-89,0 8 0,-4-2-90,3-2 0,-7 6 0,-1 1-270,2-1 90,-2 3 0,0-3 90,4-15-540,1-1 180,4-12-1349,0 3 90,4-21 1169,1 5-90,5-15 450,3 0 0,2 2 0,-1-11-359,4 11 359,-4-6 899,5 12-359,-5 0-180,0 6 719,-5 8-449,-4 0-181,4 5 1,-4 0 0,0 0-90,3 0-91,-7 0-179,8 0 90,-8 5 0,7 0 0,-7 4 0,3 0 0,-4 5 0,0-4 0,0 8-180,0-8 180,0 8 0,0-4-180,0 9-720,0-4 450,0 0 90,0-6 180,0-3-1259,0-1 269,4 0-809,1 1 990,0-5 359,4-1 450,-4-4 0,4-4 0,0-1 0</inkml:trace>
-  <inkml:trace contextRef="#ctx0" brushRef="#br0" timeOffset="221026">7657 9162 7533,'0'-5'719,"0"1"181,0 0-91,4 3-89,2-3-540,-1 4 90,3 0-1,1 0-89,2 0 90,6 0-90,-2 0-1349,-5 0 629,2 0 270,-6 4-1799,-1 1 1249,-1 4 1,-4 5 0,0 0 0</inkml:trace>
-  <inkml:trace contextRef="#ctx0" brushRef="#br0" timeOffset="221208">7639 9293 7533,'0'5'1169,"0"-1"1080,0-4-1530,8 0-449,-2 0-270,8 0 0,3-4 0,-1-1 180,6 0-632,-3-4-717,0 4-2108,-5 0 2742,4-3 1,-4 2-1265,1 1 809,2-3 990,-6 3 0,2-4 0,-4-1 0</inkml:trace>
-  <inkml:trace contextRef="#ctx0" brushRef="#br0" timeOffset="221385">7927 9116 8342,'0'5'2699,"0"3"-1980,0 2-269,0 8-360,0 23-1619,0-9 360,0 12 1169,4-20 0,-3-6 0,3-4 0</inkml:trace>
-  <inkml:trace contextRef="#ctx0" brushRef="#br0" timeOffset="222241">7648 7842 7353,'-5'0'1619,"1"0"-1259,4 0 89,0 8 1,0 2-270,0 13 0,0-3 0,0 2 0,0 1 180,-4 5-181,-2-3-269,1 2 1,-3-9 89,3 1-180,-5 4 0,1 4-900,0-2 631,-1-2-991,1-10 1081,4-7-541,1-2 900,0-13 0,3-1 0,-4-8 0</inkml:trace>
-  <inkml:trace contextRef="#ctx0" brushRef="#br0" timeOffset="222458">7629 7842 7533,'4'-10'539,"2"5"-89,3 1 0,0 4 180,5 0-91,0 8 91,5 3-180,-5 15 179,12 20-449,-9-13-899,5 10 269,-8-28-899,-5 2 179,0-10-359,1 1 1529,-1-8 0,0 0 0,1 0 0</inkml:trace>
-  <inkml:trace contextRef="#ctx0" brushRef="#br0" timeOffset="222675">7909 7749 7533,'-6'-6'1799,"2"2"-1529,4 8 809,0-3-539,0 8-91,0-4 181,-4 12 0,3 3-540,-7 8 89,3 4-1078,-5-3 809,1 7-3187,4 5 0,1-10 3123,4 9 0,4-21 0,1 4 0</inkml:trace>
-  <inkml:trace contextRef="#ctx0" brushRef="#br0" timeOffset="223412">8587 8269 7375,'-14'0'-630,"0"0"1518,9-4 1001,1 3-1053,21 5-206,3-1-167,22 9-103,0-11-181,5 3 1,-1-4-360,1-4 90,-9 3 130,-6-3-40,-9 0-899,-5 3 269,9-4-899,-6 5 989,2 0-629,-14 0 0,-5 5 1169,-4 0 0,-4 4 0,-1 0 0</inkml:trace>
-  <inkml:trace contextRef="#ctx0" brushRef="#br0" timeOffset="223809">8559 8316 7533,'-24'0'1619,"2"0"-1619,17 0-270,1 0 1079,4 4-359,4 1 180,1 9 89,12 0-629,-1 1 0,7-2 90,4 1 0,-11-4-90,10 3 0,-12-8 90,1 4 0,3-4-270,-8 4 90,7 5 90,-6-4-540,2 3 270,-3 5-539,-5-7 359,-1 11 180,-4-7-360,0 3 90,-8 9-89,-7 2 179,-5 4 180,-6-1-180,6-12 630,-3-3-180,9-7 360,4-5 0,2-1-1,7 0 1,1-3-90,14 7-180,5-7 0,5 3-270,-1-4 360,-1 0-181,6 0-358,6-4 89,-5 3 180,-3-3-180,-7 4-810,-5 0 451,4 0 269,-8 0-1259,8 4 1529,-12 1 0,7 5 0,-8-1 0</inkml:trace>
-  <inkml:trace contextRef="#ctx0" brushRef="#br0" timeOffset="224204">8504 9116 7533,'0'5'1169,"4"3"-809,-3-7 0,3 8 179,-4-4 1,4 4-90,-3 0-180,3 5 89,-4 0-89,0 5-270,0 0 180,0-5-90,0 4-180,0 0-270,0 2-179,0 3 269,0-9 180,0-5-1079,0-5 89,4-4 900,1 0 180,1-4 0,6-5 0,-2-5 0</inkml:trace>
-  <inkml:trace contextRef="#ctx0" brushRef="#br0" timeOffset="224394">8504 8986 8072,'-6'-5'2339,"6"0"-1799,6 5-360,-1 0 0,3 0 89,1 0 91,6 0-180,-1 0-630,4 0-1169,-4 0 540,5 0 899,0 5-1259,-5-4 1439,0 7 0,-5-3 0,0 4 0</inkml:trace>
-  <inkml:trace contextRef="#ctx0" brushRef="#br0" timeOffset="224569">8708 9088 9332,'6'0'1169,"2"0"-1169,-3 0 0,0 0 270,3 0-900,-2-4 450,3 3 90,0-3-1259,0 4 360,5 4 989,-8 1 0,2 8 0,-8 2 0</inkml:trace>
-  <inkml:trace contextRef="#ctx0" brushRef="#br0" timeOffset="224751">8736 9246 7533,'0'5'719,"-4"-1"541,3-4 269,-3 0-1349,4 5-1,4-4 1,-3 3-539,7-4 179,6-4-1080,5-2 271,14-3 989,-4 0 0,-2 0 0,-4-1 0</inkml:trace>
-  <inkml:trace contextRef="#ctx0" brushRef="#br0" timeOffset="224958">8997 9060 7533,'5'-4'2248,"-1"3"-1888,-4-3 270,0 4-180,0 8-91,4 2 1,-3 13-180,4-7-270,-5 5 90,0-10 90,0 6 90,0 6-90,0 6-630,0 0 360,0-2 90,0-9 0,0 1-1529,0 4 1619,0 0 0,4-3 0,1-2 0</inkml:trace>
-  <inkml:trace contextRef="#ctx0" brushRef="#br0" timeOffset="226064">8774 7776 7533,'-6'0'1079,"2"0"-809,4 0 180,-4 9 89,3 5-89,-7 14-90,7 9 90,-3 2-270,-1-2-180,4-9 359,-3 7-539,4-5-629,0 15 359,0-15 270,0-3-1169,0-5 180,9-11 1169,-7 3 0,14-10 0,-5-4 0</inkml:trace>
-  <inkml:trace contextRef="#ctx0" brushRef="#br0" timeOffset="226421">9071 7860 7533,'-4'-9'1529,"3"4"-630,-7 1-449,7 4 0,-7 0-180,-6 4 179,-5 5-539,-14 6 180,9-1 90,-3-1-270,-4 1-90,1 0 90,-8 1-179,6-2 89,9 1-90,4-4 0,6-1 270,7 0 0,-2-8 90,7 3 0,-3-4 360,12 8-1,3-2-179,3 3 0,4 0 360,0-8-360,2 7-90,3-7-1,8 3-718,-1-4 179,15 0 270,-15 0-720,1 0 181,-4 4 449,-6-3-1979,6 4 2159,-13-5 0,4 4 0,-4 1 0</inkml:trace>
-  <inkml:trace contextRef="#ctx0" brushRef="#br0" timeOffset="227642">10039 8418 7533,'-14'0'-360,"0"0"-90,-1 0 1979,2-4-719,4 3-450,-1-3-1,5 4 361,-3 0-180,7 0 359,-3 0-629,12 4 180,11-3-180,14 7 89,9-7-2736,-4 8 2377,-6-8-1348,-3 3 1,-2 0 898,-4-3 179,28 7 180,-41-7-90,-1 8-180,-5 0 1321,-4 10-1411,-8 4 3212,-6 9-2942,-2-7 90,-6 2-179,-4 0 179,-9-2 90,12-9 0,0 0-2953,-11 8 3133,-1-6-91,11 4 1,4-11 90,3 7 270,3-5-180,8-2-180,-2 2 539,8-4-89,4 1 2736,9-1-2699,11 0-38,13-4 91,6-1-684,7-4 234,-14 0-270,-1-4 180,-8 3-720,-3-7 270,0 7 180,-6-3-1529,-5 4 900,-2 0 269,-2 0 643,3 0 1,-6-4-1,8-1 1</inkml:trace>
-  <inkml:trace contextRef="#ctx0" brushRef="#br0" timeOffset="227969">10076 8028 7533,'-9'-15'1709,"4"2"-2519,0 8 270,5-4 181,0 8 2517,0-3-1708,0 12 809,-16 23-1079,8-7-90,-14 15 180,8-12-90,4-6-540,-3 6 270,3-4-1259,5-8 719,1 3-539,4-9-540,0-4 1709,0-1 0,0-4 0,0 0 0</inkml:trace>
-  <inkml:trace contextRef="#ctx0" brushRef="#br0" timeOffset="228160">10039 7981 7533,'5'0'0,"3"-4"899,-3 3-89,9-7-91,-4 7 1,8-3-450,-12 8-90,6 1-180,-6 8 90,3 2-1080,4 3 540,-2-3 181,2-2 179,1 1-1350,-4-4 631,3 3 809,-3 1 0,3-4 0,2 4 0</inkml:trace>
-  <inkml:trace contextRef="#ctx0" brushRef="#br0" timeOffset="228856">10467 8716 7533,'0'9'-540,"0"5"630,0-4 0,0 3-180,0-3 720,0-1-91,0 9-359,0-3 180,0 8 90,0 0-360,-4-4 90,3 4-90,-3-9-360,4 0 270,0-1-180,0-2 0,0-2 180,0-5-540,0-4 90,0-8-629,8-15 899,-6 6-180,6-13 91,-8 15 179,0-8 90,0 8 0,4-7-180,-3 12 629,4-4-179,-1 1-180,1 3 360,0-4-270,3 5-90,-3 4 90,1 1 719,2-1 1,-3 4-1,9-3-629,-8 4-90,6 4 0,-11 2 0,8-1-90,-4 7-90,0-2 180,3 5-990,-7-2 450,3-7 270,0 2 0,-3-3-629,8 4 269,-8-4 270,7 4-1799,-3-4 1979,5 4 0,-1-4 0,0-1 0</inkml:trace>
-  <inkml:trace contextRef="#ctx0" brushRef="#br0" timeOffset="229070">10793 8855 7533,'0'10'-900,"0"-5"1710,0 3 89,0 2-449,0 0-90,0 3 449,-4 1-89,-1 4-450,-5 2 0,1 7-91,4-12-988,1 3 539,4-9 270,0 1-2339,0 3 1980,0-3-1,0 0 360,4-2 0,1-7 0,4 3 0</inkml:trace>
-  <inkml:trace contextRef="#ctx0" brushRef="#br0" timeOffset="229388">11091 8800 7533,'-6'-5'270,"2"0"-181,0 5-89,3 0 90,-3 0 0,0 0 0,3 5 0,-3-4 0,4 7-90,0-3 90,0 4-90,-4 1 1709,3-1-450,-4 8-899,5-5-270,0 5-629,0-3 89,0-4 270,0 4-899,0-5 449,0 0-450,5-4-179,-4 0 899,7-5 1,-7 0 359,3-5 0,0-4 0,1-5 0</inkml:trace>
-  <inkml:trace contextRef="#ctx0" brushRef="#br0" timeOffset="229572">11035 8614 7533,'-16'-30'2428,"4"8"-2248,12 18 990,0 4-991,0 12 1,0-5-539,0 11 269,4-13 180,1 3-1,0-2-1348,8-1 450,-3 3 809,13-3 0,-8 0 0,3 0 0</inkml:trace>
-  <inkml:trace contextRef="#ctx0" brushRef="#br0" timeOffset="231253">11825 8130 0,'-9'4'0,"0"-3"1962,-1 7-1062,-3 2-630,7 0 359,-7 8 1590,4 4-1680,-1 15 1,0 11-360,6-18 0,0 0-1221,3 14 1041,-3 5 360,4 1 732,-2-22 1,0 2-1003,1 3 0,1 0 90,-4 18-540,4-14 270,0-2 90,0-14-899,0 6 449,4-9 180,1-8-1709,8 4 1170,2-9 89,3-1 720,-3-8 0,2-1 0,-2-5 0</inkml:trace>
-  <inkml:trace contextRef="#ctx0" brushRef="#br0" timeOffset="231591">11974 8530 7533,'0'9'809,"0"1"91,4 3-181,-3 6-179,4 8-360,-5-2 180,0 2-90,0-4-270,0-8 0,0 3 179,0-9-358,4 1 268,1-5-89,4 3 270,5-7-899,-4 3 449,3-4 90,1 0-360,4-4 360,-2-5-90,2 3 0,-9-11 0,0 11 91,5-16-1,-4 2 0,-1 1 270,-5 1-270,-4 9 90,0 0 0,0-1 359,-4-3-179,-1 7 0,-12-7 90,-7 12 0,3-3-270,-5 4 180,3 0-360,3 0-630,-7 4 91,16 1-91,3 9 360,8-4 450,4 4 0,2-5 0,3 0 0</inkml:trace>
-  <inkml:trace contextRef="#ctx0" brushRef="#br0" timeOffset="232251">12375 8651 7533,'4'-14'1799,"5"0"-720,-3-5-719,2 1 90,-8 3-271,0 2 271,0 4 270,-4-5-360,3 0-180,-7 3-1,3-1-269,-4 7 90,-1 0 90,1 0-269,-5 1 89,-4 7-630,-2-2 180,-3 17 1,5 2-1,8 8 270,-3-1-360,20 5 451,-1-7-1,9-6 90,-2-11 180,1-8-180,4 0 90,2-4-270,3-5-90,-4-6 180,-1-7 90,-3-2 90,-2 4 270,-8 3 0,-1-1-180,1 7 450,-4-3-271,3 6-89,-4 3 450,-4 0-90,3 0-181,-8 10-89,4 4-360,0 9 90,-3 6 0,7 0-90,-4-1 180,5-5-3302,0 5 3032,0 1-1998,0 4 2178,0 0 21,0 12 249,5 12-1525,-4-3 1345,1-20 0,0 0 0,-2-1 0,0-1 574,-2 2 1,0 0-620,1 0 0,1-1 45,-5 17 180,1 0-180,-1-19 89,0 14 181,-3-8-450,3-11 2274,-5 9-2004,1-23-360,0 5 527,-5-11-527,4-1 3168,-8-5-3347,4-13 179,-5 3 90,5-12-2806,-4 7 2626,8-2-858,-4-1 948,5 3 90,0-7-270,3 8-90,2-16-89,8 0 179,2 1-180,7-1-179,6 7 539,0 3 2382,4-1-2651,-4 7 89,-1 0 0,1 1-90,0 3-1794,3-2 1884,-2 6 55,3-2 1,0 0 0,0-2 0</inkml:trace>
-  <inkml:trace contextRef="#ctx0" brushRef="#br0" timeOffset="233330">12663 8335 7533,'-5'0'1709,"1"0"-810,4 0-629,0 4 270,4 5-180,-3 14 89,7 2-269,-7 2-90,8-4 270,-8 8-360,3-5 90,-4 6-1467,0-9 1197,0-5 180,0 1 0,0 0-258,0-5-12,0 4 180,0-4 0,0 5-89,0-9 179,0-2-360,0-8 1478,4 0-1567,1-8-2517,0 2 2966,3-8-540,-3-7 270,4 0 180,0-7 0,-3 5 90,2 1 0,-3 2 90,0 1-90,-1 10 90,-4 1 3186,5 7-2620,-4-3-476,3 8 180,-4 1-90,0 8-1,0 2-89,0-1 0,0 4 0,0-4-90,0 5 450,0 24-450,0-18 90,0 19 89,8-26-448,2 1 268,5-5 91,-2 0-360,5-9 180,-7-1 90,7-4 90,-1-4-180,3-5 90,4-10 0,-6-1-180,0-2 180,-8-9-270,4 9 270,-9-13-90,3 11-180,-3-4 270,1-12-360,-2 5-89,-4-15-271,0 16 0,-9-2-629,3 16 180,-7 7-181,8 9 901,0 4 359,5 4 0,-4 5 0,-1 5 0</inkml:trace>
-  <inkml:trace contextRef="#ctx0" brushRef="#br0" timeOffset="233721">13156 8716 9512,'-6'5'1978,"2"-1"-1348,4 0-180,0 2-270,-4-1 0,3 7-90,-3-6 359,4 16-3661,0-11 2852,0 3 181,0-6-1081,0-7-1168,0 3 988,4-4 1440,1-4 0,1-1 0,-2-4 0</inkml:trace>
-  <inkml:trace contextRef="#ctx0" brushRef="#br0" timeOffset="233928">13202 8549 699,'-4'-6'899,"3"-2"2051,-3 7-1421,4-3 1549,0 4-3258,4 0 180,-3 0-540,7 0 360,-2 0 90,3 4-2106,4 1 2196,-7 0 0,7 4 0,-8-4 0</inkml:trace>
-  <inkml:trace contextRef="#ctx0" brushRef="#br0" timeOffset="235423">13854 8521 9422,'18'0'1978,"-3"0"-1618,3 0 270,4 0-270,7 0 179,13 0-269,-8 0-180,-2-5 90,3 0 0,-13 0-360,9-3 270,-9 3-630,2 0 1,0-4 449,-6 8-1170,-9-3 631,-1 4 179,-6 0-899,6 0 449,-7 0-539,7 0 1439,-7 0 0,3 0 0,-4 0 0</inkml:trace>
-  <inkml:trace contextRef="#ctx0" brushRef="#br0" timeOffset="235787">14087 8353 7533,'-10'0'-360,"1"0"270,4 0 0,-3 0 180,6 0 90,-2 0 180,4-4-270,0 3 1709,0-3-1530,4 4 1,-2 4 360,6 1 0,-3 4-1,0 5 91,3 0-270,-7 1-271,4-2 1,-5 1 90,0-4-90,0 8 0,0-8 0,0 8 0,0-4 0,0 5 89,0-1 1,0 5 90,0 5-360,0 1 90,-5-5 0,4-7-360,-3-8 180,4 1 0,0-1-180,-4 0 180,3-3 1,-3 2-1,4-7-990,0 7 451,0-7-2648,0 3 617,4-4 2660,-3 0 0,7 0 0,-2 0 0</inkml:trace>
-  <inkml:trace contextRef="#ctx0" brushRef="#br0" timeOffset="253925">15175 8195 7533,'-5'0'449,"1"0"-269,-1 0 90,4 0 90,-3 0-180,0 4 450,3 5-451,-7 2 1,7 6 90,-7-6-90,7 6 0,-8-2 0,8 7 0,-3-2-180,0 7 180,3-3 0,-7 0-180,7 7 179,-4-7-3391,1 21 3212,3-14 180,-3 5-1696,4-9 1336,0-3 27,0-1 63,0 0-269,0 0 89,4 1 180,-3-5-450,8-5 2521,0-6-3510,14-7 2112,2-1 0,2-9 0,-4-6 0</inkml:trace>
-  <inkml:trace contextRef="#ctx0" brushRef="#br0" timeOffset="254257">15352 8465 7533,'-4'9'629,"3"0"-629,-8 1 360,4-1 0,-4 4 539,0 6-449,3-3-180,-2 5 450,7-2-451,1 5-89,9-1-360,6-4 270,8-10-449,0-5 89,5-8 180,-8 3-180,-2-7 90,-5-1 0,-3-2 90,0-2 0,-2 0 360,-7-2-360,3 1 270,-4 0 90,0 5-270,0 0 0,-4-1-90,3 1 180,-7 4-90,3 1 0,-9-1-270,4 4-3007,-8-3 2892,8 0 295,-12 3 90,11-3-180,-7 4 0,9 0 180,-1 0-989,5 4 179,1 1 3843,4 5-3033,4-1 0,1 0 0,5 1 0</inkml:trace>
-  <inkml:trace contextRef="#ctx0" brushRef="#br0" timeOffset="254900">15631 8530 7533,'0'-15'2069,"0"6"-1710,-4-3-179,3 6 360,-3-8 269,0 5-449,-2 0 0,1-1-180,-3 5 0,3-3-180,-9 7 90,4-3-540,1 4 270,-4 0 180,7 4-540,-3 1 361,1 4 89,7 1-360,-4 3 90,5 6-360,0 4 91,0 1 359,5-5 0,0-6 90,8-4 270,-3-3-270,4-2 180,-1-4 0,-2 0 90,6-4-180,-2-6 180,-1 0-180,0-3 450,-9 3-270,3 1 270,-3-9 0,0 7-180,0-7-1,-1 13 181,-3-3-180,3 3 0,-4 0-90,0 1 270,0 4-180,-4 0 0,3 0 269,-8 12-269,4 8 90,0 13-450,1-4 180,4 2 0,0-12 0,0 8 90,0 9 180,0 8-180,4-5-90,-3 4 180,3 3-90,-5-18 0,-2 2-511,3 5 0,-1 0 466,-3-8 0,0-1 45,3 14 269,-7-5-269,2-13-180,1 5 90,-7-10 0,10-6-180,-11-2 1,4-5 268,-1-4-448,-4-4 1201,1-10-1382,-2-13 0,1-8 360,5-2-89,0 9 269,8-7 0,-3 5-180,8-3 270,1 6-180,5 9 0,-1-1 0,0 5-270,5-4-90,4 4-629,10-5 539,-3 5 90,2 0-269,-5 5 269,-6-1 450,13 1 0,-12 0 0,10 0 0</inkml:trace>
-  <inkml:trace contextRef="#ctx0" brushRef="#br0" timeOffset="256608">16096 8242 7533,'-5'0'270,"0"0"89,5 0 631,-4 8-720,3-2 359,-3 16-89,0-3-360,3 5 0,-7-1 180,2 4-360,-7 10 179,3-2-269,-4 5 270,1 1-1741,2-14 1471,-2 12 90,4-19 78,-1 6-78,1-6-359,0-1-1,-1-2 180,5-6-540,-3 2 271,7-8 179,-3-1-1619,0-4 1889,3-8 0,-8-2 0,4-9 0</inkml:trace>
-  <inkml:trace contextRef="#ctx0" brushRef="#br0" timeOffset="256861">16040 8288 7533,'9'0'629,"0"0"-179,1 0-180,3 0 1259,14 8-809,-9-6-271,8 11 451,-9-4-450,-5 1-1,5 8-269,-3-4 90,-4 9-360,7 1 90,-6-4-90,-2 1 90,-1-2 90,-2 1-90,-1-2-1439,3 8-180,-3-9 899,0 5 361,-1-8-1171,1-5 451,-4-4 1079,7-1 0,-7-8 0,3-1 0</inkml:trace>
-  <inkml:trace contextRef="#ctx0" brushRef="#br0" timeOffset="257226">16459 8093 7533,'-4'-5'719,"3"-4"-719,-3 8 90,4-3 2339,0 4-2159,4 0 359,-3 4 181,3 6-270,-4 4-181,0 9 1,-4 5-180,-2 5 270,-3 4-270,0-8-180,-1-2 359,1 4-179,0-10-270,0 10 0,-5 0-89,4-1 269,-4 16-180,5-4-2190,4-8 2010,-3-7-89,7-5 449,-4-11-540,5 7 90,-4-9-450,3 1 181,-3-1-361,4-4 2640,0-1-3989,0-4 2339,4 0 0,1-4 0,5-1 0</inkml:trace>
-  <inkml:trace contextRef="#ctx0" brushRef="#br0" timeOffset="258163">16719 8176 7443,'-9'5'1079,"4"0"-359,-7 8 359,1 14-719,-7-1 90,3 14-91,2-7-89,7 12 0,2 1-2277,-1-8 2052,2 4 0,2-4-945,5-19 270,1 0-179,5 4 179,3-8-1439,2-6 2069,-1-5 0,4-4 0,-4 0 0</inkml:trace>
-  <inkml:trace contextRef="#ctx0" brushRef="#br0" timeOffset="258486">16803 8242 7533,'-14'-6'270,"4"2"-270,6 4 539,4 0 900,0 8-179,9-1-990,-3 6 539,7-4 1,1 9-451,-4-7-269,3 7 270,5-5-180,-7-2-90,7 6 360,-5-2-630,-2-5 180,2 3-360,1-4 270,-4 1 0,3-1-539,1 0 359,-4-4 90,4 0-720,-5 3 451,-4-2 179,3-1-1439,-2 3 1259,3-3-270,-4 0 1,3 4 359,-7-8-450,8 3 810,-8-4 0,7-4 0,-3-2 0</inkml:trace>
-  <inkml:trace contextRef="#ctx0" brushRef="#br0" timeOffset="258745">17073 8214 7533,'-9'0'1079,"4"0"-809,1 0 719,4 0 271,-5 0-451,-4 8-539,3-2 90,-7 8 180,4 3-361,-1-6-179,-4 11-3277,5-11 3522,0 6-65,-1-2-270,-7 7 90,6-2-1463,-11 3 1284,11-5 59,-10 9-600,5-6 360,-2 6-1079,0 0 360,8-3 2563,0 4-2473,6-9-361,8-10 1350,2-5 0,7-4 0,1 0 0</inkml:trace>
-  <inkml:trace contextRef="#ctx0" brushRef="#br0" timeOffset="259154">17092 8446 7533,'14'5'2338,"-4"0"-1528,-6-1-180,-4 5-181,0 1-89,0 4 90,0-1-90,0 2-180,0 3-180,0-3 0,0-2-360,0-4 360,0 1-720,0-5 90,0-1 541,0-4-811,4 0 1,-3 0 539,7-4-270,-7-1-179,7-9 269,-2 4 180,-1-3 0,3 3 180,-3 5 270,5-3-90,-5 3 360,7-5-180,-10 5-270,10-3 990,-7 7-361,0-3-269,3 4 989,-7-4-629,8 3-180,-8-4 629,7 5-809,-7 0 180,3 0 89,0 5-179,-3-4 0,4 7 90,-5-7 179,4 20-539,1-13-90,0 9 180,3-8-1169,-7-4 359,8 8-359,-4-7 359,0 7 0,7-8-2428,-5 4 3058,6-3 0,-4 2 0,1-3 0</inkml:trace>
-  <inkml:trace contextRef="#ctx0" brushRef="#br0" timeOffset="260211">17594 8558 7533,'-10'4'2338,"5"-3"-2068,-3 11-90,7-5 180,-7 10-180,7-6-180,-8 2 360,4 0-900,0-2 450,1 2 90,4-8-1439,0 4 719,0-4 360,0 0 360,0 3 0,0-7 0,0 3 0</inkml:trace>
-  <inkml:trace contextRef="#ctx0" brushRef="#br0" timeOffset="261416">17901 8242 7533,'0'5'270,"0"3"269,0-3 1,0 9-360,0-4 90,0 3-180,0 1 90,0-4-1,0 8-179,-4-8 180,3 16 0,-8-10-270,4 11 90,0-8 0,-3 0 180,7-1-360,-8 5 90,4-4 0,0 4 180,-3-4-180,3-1-90,0 5 1,-4-3 89,8-2 0,-3-4-720,4-9 91,0 3 449,0-3-720,0 1 990,4-2 0,1-8 0,5-2 0</inkml:trace>
-  <inkml:trace contextRef="#ctx0" brushRef="#br0" timeOffset="261977">17901 8307 7533,'0'-10'-450,"0"5"540,0-3-180,0 7 3366,0-3-3044,4 12-52,-3-2-90,7 8-270,-7-1 270,3 2-180,1-1 0,-4-1 180,3 1-180,-4 0 90,0 9 0,0-7-180,0 1 180,0-7 0,0-1-180,0 0 0,0 0 180,0 5-90,0-8 90,0 6-90,0-11 90,0 4-90,4-5 180,5 0-90,-3-5 0,11 0 0,-11-8 0,8 3 0,-1-12 0,2 10-90,-1-9-3187,4 6 3162,-8 1-254,3-4 369,-3 8 0,7-16 0,-9 14 90,8-10-2326,-11 9 2236,0 2 2146,4-2-1966,-8 3 189,7-3-369,-7 3 0,3-4 0,-4 9 3276,0-3-3070,-4 7-116,3-3 0,-7 4-90,7 0 90,-3 0 0,-1 0 180,4 4 449,-3 1 1,0 8-540,3-2 90,-3 2-360,4 1 180,0-4 90,0 7-360,0-2 180,0-1 0,0 4-90,0 1-90,0 4 180,4 1-989,-3-5 449,7-2 180,-2-6 180,3 2-1079,-4-4 0,7 1 539,-5-5 720,6 3 0,1-7 0,0 3 0</inkml:trace>
-  <inkml:trace contextRef="#ctx0" brushRef="#br0" timeOffset="262290">18320 8465 7533,'-4'13'989,"3"-2"-809,-4-2 0,5 3 270,-4-6-180,3 8-1,-3-5 91,4 1-90,0-1-90,0 0-90,-4 0 270,3 9-270,-3-7-540,4 3 270,0-10 180,0 0 0,0-3-1349,0 3 1079,4-4-1799,-3-4 2069,7-1 0,-7-4 0,3-1 0</inkml:trace>
-  <inkml:trace contextRef="#ctx0" brushRef="#br0" timeOffset="262481">18338 8307 7533,'-5'0'1799,"-3"0"-180,7 4-1619,-3-3 180,4 3 179,0 0 271,0-3 90,0 3-1080,4 0 360,1-3-1439,4 8 809,1-8 270,-1 7 360,0-7-1169,1 7 1169,-5-7 0,3 8 0,-3-4 0</inkml:trace>
-  <inkml:trace contextRef="#ctx0" brushRef="#br0" timeOffset="262864">18683 8586 7533,'-9'0'719,"-1"4"-719,5 1 990,-3 0-181,3 8-89,-5-11-180,5 10 89,-7 2-269,1 1-180,-3 4-450,0-2 270,5-2 0,0-1 180,-1 4-1170,5-8 361,-7 12 539,10-11-1439,-6 7 719,8-9 271,0 0 539,0-4 0,0 0 0,0-5 0</inkml:trace>
-  <inkml:trace contextRef="#ctx0" brushRef="#br0" timeOffset="263187">18747 8195 7533,'-5'-18'-540,"5"7"360,5-2 1529,4 9-89,5 4-991,0 0 1081,1 0-631,2 0-269,-2 0-90,4 0-180,-1 4 0,-3-3-90,2 3 0,-6-4 89,6 0 1,-2 0-360,-1 0 270,4 0-90,-8 0-90,12 0 0,-7 0 1,4 0-1171,-6 0 541,-3 0 269,-1-4-989,0-2 539,1 1 271,-5 1-361,-1 0 990,0 3 0,-7-7 0,2 3 0</inkml:trace>
-  <inkml:trace contextRef="#ctx0" brushRef="#br0" timeOffset="263619">18840 8167 7533,'-18'22'1169,"7"-10"-809,3 6-180,8-10 90,0-3 1259,0 9-1080,4 0 1,-3 1-90,7-2-90,-2-4-3482,3 1 3122,0-1 90,5-4 90,-4 3 90,8-2-450,-8-1 180,8-1 90,-8 0 180,8-3-270,-8 7 0,3-7 90,-3 3-540,-1 1 270,-4-4 3482,3 7-3751,-7-7 269,3 7 90,-4-3-90,0 5 180,0-1 0,-4 0 0,3 1-90,-7-1 180,-1 0-90,-2 5 0,-2-4 1,-5 8 178,3-8-178,-4 3 178,6-3-178,-1 3 358,4-3-89,-8 4-180,8-5 270,1 0-90,5-3 90,4 2-270,0-7 180,0 7 0,0-7-90,0 7 89,4-6 91,1 2-270,4 0 180,5-3 90,-4 3 270,20-4-360,-17 0-90,18 0 90,-21 0-450,7 0 270,-2 0-90,-1 0-720,8 0 450,-11 0 91,11 0-451,-11 0-539,2 0 629,-8 0 180,3 0 450,-2 0 0,3 4 0,0 1 0</inkml:trace>
-  <inkml:trace contextRef="#ctx0" brushRef="#br0" timeOffset="264157">19287 8614 7533,'-5'0'899,"-3"0"-629,7 4 0,-4-3-180,5 3 1709,-4 4-1439,3-2-1,-3 12-449,4-8 90,0 4 0,0-5 270,0-4-989,0 3 449,0-2 180,0-1-900,0 3 541,0-7-541,0 3 630,4-4 1,-3 0 89,8 0-630,-8 0 900,7 0 0,-7-4 0,3-1 0</inkml:trace>
-  <inkml:trace contextRef="#ctx0" brushRef="#br0" timeOffset="264354">19268 8381 9781,'0'5'1889,"5"4"-1439,-4-8-270,3 7 0,0-7 0,-3 7-450,7-7 180,-3 3 90,1 0-1709,10 2 1529,-9-1 90,11-1 90,-9-4 0,5 0 0,0 0 0</inkml:trace>
-  <inkml:trace contextRef="#ctx0" brushRef="#br0" timeOffset="265099">19538 8028 8342,'5'9'1889,"-4"-4"-1259,7 7-180,-3-5-91,0 10 541,8 2-630,-11 0 89,10 4-179,-7-4 0,0-1 180,4 13-90,-4-1 180,0 12-270,-1-13-1,-4-2 1,0-5 0,0-2 0,0 7-347,-4-3 347,-1 4-90,-9-1 90,4 5-180,-3-3-432,3 3 612,-3-4 0,3 0-2159,-4 0-1169,1 12 1979,2-13 359,-2 13 810,-1-21 0,0 8 0,-5-3 0</inkml:trace>
-  <inkml:trace contextRef="#ctx0" brushRef="#br0" timeOffset="269516">20106 8549 7533,'-9'4'1439,"4"-3"-1169,1 3-90,4-4 179,4 0-179,1 4 270,4-3 270,5 3-361,0-4 1,1 0-180,-2 0 0,0 0-90,-2 0 90,2 0 0,0 0-90,6 0 180,-4 0-270,3-4 0,-5 3 179,-2-3 1,2 4-899,-4 0 359,1 0 180,-1 0-1259,4 0 629,-2 0 361,2 0-1170,-4 0 1619,1 0 0,3-4 0,2-1 0</inkml:trace>
-  <inkml:trace contextRef="#ctx0" brushRef="#br0" timeOffset="270017">20776 8186 7533,'-20'0'90,"2"0"-90,13 0-90,-3 0 1799,-1 12-630,-2-1-629,-2 8-90,8-5-180,1-5-1,0 4 91,2 6-90,-2-4 0,4 7 0,-4-12-180,3 8 180,-3-8 0,4 8 0,0-8-270,0 8 180,0-4-180,0 5 270,0-5-360,0 4-3097,0-4 2982,0 5-52,0 8 347,0-6 0,0 5-270,0-3-360,4-3 180,1 3 270,5-9 2545,-1-1-2905,-4-7 180,3 2 90,-2-7-809,7 3 359,-3-4 361,4-4 387,-1-1 1,-2-5 0,2 1 0</inkml:trace>
-  <inkml:trace contextRef="#ctx0" brushRef="#br0" timeOffset="270351">20925 8456 7533,'0'-6'539,"-4"2"-179,2 4 270,-6 4-360,3 2 89,-4-1-269,-1 3 810,1-3-1,0 9-539,0 0-180,3 0 0,2 0 0,4-1-630,0 2 540,4-1-90,2 0-720,7-5 720,-3-4-539,4 3 269,-1-6 90,-2 2 0,2-4-90,0-4 90,-2 2-89,2-6-1,-3 3 360,-1-4-270,-4-1 90,3 1 0,-7 0 270,8 0-3457,-8-1 3252,3 1 48,-4 0 67,0-1 90,0 1 0,0 4-90,0-3 0,0 7 3186,-4-8-3012,-2 8-264,-3-7 90,0 7 368,-9-3-458,7 4 90,-7 0-90,5 0 0,3 0 90,-4 0-90,5 0-630,4 0 360,0 0-1709,5 0 1979,0 4 0,5 1 0,0 4 0</inkml:trace>
-  <inkml:trace contextRef="#ctx0" brushRef="#br0" timeOffset="271040">21316 8493 7533,'5'-4'-1619,"3"-2"4677,-3-3-2428,0 0 89,0 0 1,-5-1-361,0 5 451,-5-3-360,0 7-90,-4-8-91,0 8-538,-1-3 269,-3 4 90,3 0-90,-4 0-720,1 0 450,2 0 180,-6 4-270,6 2 180,-2 3 180,4 0-449,-1 1-271,-3 3 540,7 1-90,-7 1 90,12-2 1,-3 1-1,4-4 360,0 4-180,0-5 90,0 0-180,4 5 180,6-4-180,0-1-90,12-1 180,-11-6 0,7 2-90,-9-4 90,4-4 0,-2 2-90,2-6 90,-4 3 0,1-4 0,-1-1-90,0-3 90,1 3 180,-1-4 0,-4 1-270,3 2 539,-7-6-269,8 7 90,-8-4-270,3 5 180,-4 0 90,0-1-270,0 1 360,0 0-180,0 3 89,-4-2-179,3 7 270,-3-3-90,-1 4-90,4 0 0,-7 0-270,7 0 90,-3 0 0,0 4 180,3 1-360,-3 5 0,4 7 90,0-1 0,0 6 90,0-3-180,0 0 270,0-1-90,4 1 0,-3 4-90,3-4 90,0 4 0,-3 8 180,3-9 90,-4 13-270,0-16 180,0 8 90,0-7-270,0 7 90,0-3-1074,0 3 1253,0 1-726,-4 13 547,3-14 0,-7 12 360,-1-7-270,-2-6-90,-2 1-90,3-18 90,5-1 0,-3-7-180,-5 7 0,1-6 180,-10 2 801,12-8-981,-3 2 0,-1-6-360,0 3 1000,-1-8-640,2 2-90,4-6 1,-1 2-181,1-12 180,0 3-360,3-4-179,2 1-91,4 7 360,4-3 90,2 5 1,3 3-361,4 2 270,2-1-719,16 0 629,-5-5 181,6 5 359,-9 0 0,-1 1 0,2 3 0,4-4 0</inkml:trace>
-  <inkml:trace contextRef="#ctx0" brushRef="#br0" timeOffset="271990">21530 8344 7533,'-9'0'180,"3"0"-1,2 0-89,4 0 450,-4 0-180,3 0 180,-7 0-1,7 0 990,-3 0-1349,4 4 90,4-3-90,-3 7 0,7-7 90,1 12-270,6-7 180,-1 3-270,29 4 0,-23-11-1134,24 10 1044,-26-11 0,5 3 1,0-4 179,-3 0 0,-3-4 0,-7 3-180,-1-3 0,-4 4 90,3 0 0,-7 0 0,4 0 1224,-1 0-1045,-3 0-89,3 0 0,-4 4 0,0 1-89,-4 5 89,-1-1-180,-9 4 180,4-2-90,-4 6 90,5-6-180,0 6 180,-1-2 0,1-1 0,0 0-90,0-1 90,0-3-90,4 4 360,-3-1-180,2-2 0,-3 2 269,4 0-89,-3 2-180,7-1 90,-3 0 90,4-5-180,0 0 180,0 1-180,0-5 90,0 3 89,4-3-179,1 0 90,4 0-90,0-1 90,-3-3-90,6 3 90,-2-4-270,4 0 180,-1 0-3302,-3 0 2852,-1 0 270,0 0 0,1 0-449,-1 0 449,0 0 0,1 0-1260,-5 0 3843,3 0-2943,-3 0-1169,0 0 630,4 0 989,-8 0 0,7-4 0,-3-1 0</inkml:trace>
-  <inkml:trace contextRef="#ctx0" brushRef="#br0" timeOffset="272525">21632 8028 7533,'-5'4'449,"-3"-3"-179,7 3 180,-3-4-450,4 0 180,0 4 540,-5 1-361,4 4 1,-7 1-180,7-1-90,-3 0 90,0 1 360,-1 20-361,-5-12-448,5 13 269,-3-13 179,7-4-808,-7 1 359,7-2-540,-8-3-269,8-5 449,-3 3 181,4-7 449,0 3 0,-4-8 0,-1-1 0</inkml:trace>
-  <inkml:trace contextRef="#ctx0" brushRef="#br0" timeOffset="272707">21595 8018 7533,'5'5'1709,"3"4"-1170,-2-4-179,-1 0 0,3 3 90,-7-3-90,7 5-1,-3-1-179,1 0-360,2 1 180,1 3-809,5 2 269,1 3 450,-2-3 90,4 2 0,-1-6 0,7 2 0</inkml:trace>
-  <inkml:trace contextRef="#ctx0" brushRef="#br0" timeOffset="273667">21883 8623 7892,'-5'0'900,"0"4"-720,5-3 0,-4 7 539,3-7-359,-3 8-360,4-4 180,0 4 90,-4 0-360,3-3 90,-3 6 180,4-6-360,0 12 90,0-8 90,0 4 0,-4-5-180,3 0 0,-4 5-180,5-4 181,0 3 179,0-7-900,0-2 720,0-4-360,5 0 271,-4 0-1,3 0 0,0-4-180,-3-2-449,11-19 899,-10 11 0,7-16 90,-9 20-90,0-8 0,4 8 0,-3 1 0,3 0 90,-4 4-90,0 0 449,4 1 271,-3 0-360,3 3-180,-4-3 2248,0 4-1888,4 0-90,-3 4-91,4-3-179,-5 7 0,0-3 0,4 0-180,-3 4 0,7-8 180,-7 7-990,7-7 541,-2 7 89,3-7 180,0 7-1439,0-6 269,5 6 900,-4-7 270,4 7 0,-1-7 0,2 3 0</inkml:trace>
-  <inkml:trace contextRef="#ctx0" brushRef="#br0" timeOffset="273873">22171 8707 7533,'-9'4'1799,"-4"1"-630,2 8-270,-2 2-629,3-5-270,5 3 270,-3 0-899,7-2 359,-3 7 180,4-5-900,0-2 541,0 6-1171,0-6 361,8 2 1259,-6-8 0,15-1 0,-7-4 0</inkml:trace>
-  <inkml:trace contextRef="#ctx0" brushRef="#br0" timeOffset="274168">22339 8735 7533,'-9'0'629,"3"0"721,2 0-541,4 0-359,-4 0 90,3 0 269,-3 0-629,0 0-360,3 0 180,-3 4 0,4-3 180,0 7-450,0-3 180,0 9 180,0-4-720,0 3 181,0-3-91,0-1 360,0 0-449,0-4-361,0 0 270,0-5-539,4 0 720,1-5 539,0 0 0,3-8 0,-2-2 0</inkml:trace>
-  <inkml:trace contextRef="#ctx0" brushRef="#br0" timeOffset="274360">22320 8437 7533,'-4'-5'1889,"3"1"-810,-3 4-90,4 0 720,-4 4-1439,3-3-90,-3 7 90,8-3-720,1 5 180,0-1 270,3 0-629,-2-4-451,3 4 541,0-8 179,5 7 360,0-3 0,1 0 0,-2-1 0</inkml:trace>
-  <inkml:trace contextRef="#ctx0" brushRef="#br0" timeOffset="274493">22469 8483 7533,'-9'0'0,"4"0"629,1 0-562,4 0 1,8-4 0,2-1-1</inkml:trace>
-  <inkml:trace contextRef="#ctx0" brushRef="#br0" timeOffset="278572">22655 7907 8072,'5'13'540,"0"2"-270,4-1 0,0 4-180,1-4 809,-1 9-449,4-4-957,-2 8 956,6-3 271,2 16-450,-4-4 0,3 5-1390,-5-9 1300,-2-4 90,2 4 44,-3-3-44,-1 3-90,-4 0-1392,-1-3 1392,-4 7 90,0-3-91,0 4-134,0-10 0,0 0 135,0 10-225,-1-10 0,-2-1 135,-2 3-90,-5-1 0,-2 1-90,0 5 45,1-5 0,0-1 225,-2 1-523,2 3 253,-6-4 0,6 0-90,-2-1-180,-1 1 180,4-4 90,-3-1-449,3-5 179,1 1 180,0 0-496,-1-1-224,1-3 270,0-2 633,4-4-3,-4 1 0,4-5 0,-4-1 0</inkml:trace>
-  <inkml:trace contextRef="#ctx0" brushRef="#br0" timeOffset="280332">11546 8046 7533,'0'-14'-990,"0"0"990,-4 5-90,3 4 180,-3-3-180,4 2 0,0-3 90,0 4-90,0-3 180,0 2-90,0 1-90,0-3 90,0 3 90,0-4-90,0-1 0,0 1 0,0 4 180,0-3 0,0 7-180,0-4 0,0 1 270,0 3 0,0-3-90,0 0 90,0 3 269,0-3-269,-4 4 360,-10 4-360,3 5 89,-11 10-89,8 5-270,-1-1 90,2 4 90,3-3-90,1 0 90,-9 19 0,7-11-1239,-7 18 1149,9-13 90,0 0-90,0 5 90,-1-8-90,6-5 0,-1 3-243,-2-3 1,0 1 197,4 5 0,0 1 45,-1-5 0,0-2-180,0 20 90,3-14 0,-2-9 0,2 0-90,5 6 180,-3 13 0,7-21-270,-3-2-2551,5-3 2821,-5-1-180,11 5 0,-13-7 873,14 5-872,-12-10 89,4 2 0,1-3 0,-1-1 188,5-4-188,-4 3-90,3-7 3302,-3 3-3212,-1-4-179,0 0-91,1 0 180,-5 0 90,3 0-630,-3 0 1,0-4-181,4 3 360,-8-3 180,7 0-89,-7 3 359,7-7 0,-3 3 0,5-5 0</inkml:trace>
-  <inkml:trace contextRef="#ctx0" brushRef="#br0" timeOffset="302521">3898 10259 7533,'-4'-19'809,"3"5"-449,-7 6 0,2 3 0,-3-4-1,-9 3 1,7 2-180,-11 4 0,8 0-270,-5 0 360,-11 4-180,-9 6-992,5 0 902,-2 4 180,14-1-90,6-3 0,-1 4 0,7-5-180,5 0 0,-3 1 180,7-1-332,-3 0 152,4 5 90,4-4-270,26 20 180,-6-17 90,5 3 0,3-2 0,-1-7-767,18 5 767,-12-7 90,1 5 0,-5-5 749,-6 3-659,-13-7 68,0 7-158,-5-3 0,-4 1 90,4 2-180,-8-3 90,3 4 90,-4 1-91,-8 11-178,-3 0 822,-12 11-733,4-12-180,-4-3 1,4-7 269,-3-1-1729,2-4 1549,-3 3-359,1-7-90,2 3 269,-2-4 90,7 0-1080,-6 0 721,9 0 89,-1 0-263,9 0 1,0 0 0,-2 0 0</inkml:trace>
-  <inkml:trace contextRef="#ctx0" brushRef="#br0" timeOffset="303138">4131 10622 7533,'-5'0'270,"0"0"-270,5 0 1079,0 4-449,-4-3-271,3 4 901,-3-5-2250,4 0 990,8 0 0,-1 0 0,6 0 0</inkml:trace>
-  <inkml:trace contextRef="#ctx0" brushRef="#br0" timeOffset="303690">4512 10176 7533,'0'-5'-90,"0"0"90,0 1 90,0 3 1259,0-3-899,0 0-91,0 3 361,0-3-360,0 12 0,0 2-1,0 17-179,0-10-180,0 9 90,0-12 90,0 5-270,0-1 90,0 1 90,0 0-180,0-1 0,0 1 180,0 4-180,-4 4 0,3-2-90,-3 2 270,4-8-539,0-1-1,4 9 270,-3-10-540,8 9 91,-4-12-361,4-4 451,-4 3-181,8-12 0,-7 3 720,7-4 0,-3 0 0,-1 0 0</inkml:trace>
-  <inkml:trace contextRef="#ctx0" brushRef="#br0" timeOffset="303960">4335 10241 7533,'-14'0'0,"5"0"899,5 0-359,4 0 90,0 4-451,0-3 1,4 3 450,1 4-270,8-1 179,6 6-359,-4-8 90,7-1-360,5 1 180,-5-4-270,13 3 90,-15-4 0,7 0-269,21 0 179,-18 0-180,18-4 0,-26 3-1169,2-4 1529,4 5 0,-8 0 0,-3 0 0</inkml:trace>
-  <inkml:trace contextRef="#ctx0" brushRef="#br0" timeOffset="304473">4866 10576 7533,'-13'0'1799,"7"0"-1529,-3 0-181,9 0-898,0 0 89,4 0 720,2 0 0,3 4 0,0 1 0</inkml:trace>
-  <inkml:trace contextRef="#ctx0" brushRef="#br0" timeOffset="307973">5759 10008 7533,'-26'0'270,"1"0"179,24 0-89,-7 0 360,7-4-181,-7 3 1,7-3-180,-3 4-90,12 0 89,15 0 91,11 4-360,-7-3 0,1-1-2155,12 4 2245,4-4-274,-7 0 94,-7 0-90,6 0 0,8 0 90,-12-4-90,9 3-359,-2-7 89,-4 7-450,3-3 361,-7 4 179,-16-4-270,-2 3-90,1-4 360,-8 5-629,2 0 2195,-8 9-1296,-4 1 0,-5 4 0,-6 0 0</inkml:trace>
-  <inkml:trace contextRef="#ctx0" brushRef="#br0" timeOffset="308470">5805 10120 7533,'-19'0'539,"1"0"91,13 0 180,1 0-451,4 0 1170,25 12-1259,-2 0 180,22 6-270,-16-4-270,-2-5-180,0 4 270,2-2-180,8 6 90,0-6-449,-8 6 89,-2-2-180,-12 3 181,-6 5-181,-13 1 360,-7 0 180,-7-6-180,-1 0 90,1-4 0,-5 1 1,3 2-91,-11-2 90,10-1 450,-5 4-90,3-8-270,3 4 359,2-5 91,0 0 0,8-4-180,-4 0 360,9-5-360,1 0 89,4 4 271,8-3-270,-2 3 0,8-4 179,7 0-359,-4 0 90,10 0 0,-8 0 0,-1 0 0,1 0 0,4 0 270,9 0-360,-6 0 0,9 0 89,-3-4 1,-6 3-449,9-3 89,-11 4 270,-5 0-810,3 0 270,-8 0-179,5 4-91,-4 1-1079,-6 0 1259,-1 3-449,-7-7 359,3 8 630,-4-8 0,-4 7 0,-1-3 0</inkml:trace>
-  <inkml:trace contextRef="#ctx0" brushRef="#br0" timeOffset="308979">5805 10845 7533,'6'0'-540,"-2"0"180,-4 0 180,4 0 0,-3 0 900,3 0-270,0 0-180,-3 5 89,8-4 91,-8 7 180,3 1-91,0 6-179,1 7 0,0 2-180,-1 0-90,-4-1 360,0-1-270,0-6-180,0 6 269,0-4-359,0 6 180,0-4-449,-8 10 269,2-18 0,-8 6-90,5-14 180,0-4-540,-5 0 270,4-4 90,-3-2-1169,-5-11 989,7 1-359,-7-6 719,5-9 0,-2 5 0,-3-10 0</inkml:trace>
-  <inkml:trace contextRef="#ctx0" brushRef="#br0" timeOffset="309190">5675 10641 7533,'5'0'2158,"4"0"-1798,0 0 90,1 4-90,4-3-90,-5 3-180,5-4 179,0 0-89,0 0-539,0 0-811,16 0 181,-7 4-540,13 1 1529,-13 1 0,-9 6 0,0-2 0</inkml:trace>
-  <inkml:trace contextRef="#ctx0" brushRef="#br0" timeOffset="309384">6029 10752 10231,'19'0'-360,"-1"0"-89,1 0-1081,-1 5 1530,-3-4 0,-6 11 0,-5-2 0</inkml:trace>
-  <inkml:trace contextRef="#ctx0" brushRef="#br0" timeOffset="309565">6010 10966 7533,'-5'5'0,"1"-4"989,4 3 1260,0-4-1620,4 0-269,1-4-90,9 3-360,-4-4 90,8 1 0,-4-1-809,13 0 269,2-3-2248,8 3 2788,-12-1 0,1-2 0,-12 3 0</inkml:trace>
-  <inkml:trace contextRef="#ctx0" brushRef="#br0" timeOffset="309755">6308 10780 9602,'4'19'1619,"-3"0"-1709,4 3-180,-1 2 450,-3-4-1350,3 1 631,-4-6 269,4-1 270,-3 12 0,7-9 0,-3 10 0</inkml:trace>
-  <inkml:trace contextRef="#ctx0" brushRef="#br0" timeOffset="310657">5964 9488 7533,'0'9'-270,"-4"1"899,3 3 1,-8 1-180,4 13 180,-4-2-451,0 15 1,-1-14 0,5 9 0,-3-3-720,3 2 271,-1 7-811,2-8 271,4-9 809,9-10 0,-3-6 0,7-3 0</inkml:trace>
-  <inkml:trace contextRef="#ctx0" brushRef="#br0" timeOffset="310998">6197 9627 7533,'0'-9'809,"0"3"1,0-2-91,0 7-539,-5-7 0,0 7 0,-8-3 0,-10 4-180,-2 0-90,-11 4-270,3 1 270,0 8-90,5-2 90,5 2-179,9-3 269,4-1-270,2 0 270,7-4-90,-3 4 90,4-4-90,0 4 450,8 0-1,2 1 1,9-1-90,4 0 0,5-4-180,-8 4-90,6-8 270,-3 3-990,-2-4 360,6 4 90,0-3-1349,-11 7 1619,10-7 0,-12 8 0,5-4 0</inkml:trace>
-  <inkml:trace contextRef="#ctx0" brushRef="#br0" timeOffset="311899">6718 10008 7892,'-5'-4'990,"0"3"-810,5-3 629,0 4-629,0 8 0,-4 3 270,-1 11-360,0 6-3367,-3 1 3162,7 3 115,-8 4-90,8 3 0,-3-1 0,4-6 90,0 7 0,0-16-90,0 12 3302,4-16-3212,2-9-180,-1-2 180,3-4 0,-3-3-180,9-1 180,-4-1 0,3-11-269,-4 6 269,0-12-3277,1 8 2982,-1-8 205,4 0 90,-2-2 0,-2-3-90,3-3 180,-5-3 90,6 0-180,-8 6 3276,-1 9-2531,-4 9-565,0 1 180,0 4-270,0 13-90,0-6 180,0 19-90,0-7-180,4 5 180,6 7 0,4-6 0,9 11-180,-3-15 90,-2 0-90,4-11 180,-2-1-90,-1-4 180,-1-1-180,-9-4 89,1 0-89,-1-4 360,8-9-90,-5-3-180,5-15 0,-11 6 0,2-11-180,-7 11 180,3-6-90,-4 12 90,0-4-90,0 0 90,0 4-90,0-16-90,-4 17 180,3-12-180,-3 20 90,0 0-90,3 2 180,-4 7-270,5-3-640,0 4 1,0 8 0,0 3 0</inkml:trace>
-  <inkml:trace contextRef="#ctx0" brushRef="#br0" timeOffset="312390">7415 10501 7533,'0'5'359,"0"0"-89,0-1 180,0-3-360,0 7 270,0-7 0,0 7-180,0-2 179,0 3 181,0 8-450,0-5 180,0 5-90,0-7 0,0 3-90,0-3 269,-4 12-269,3-6 90,-3 6-90,4-7 90,-4 7-270,3-7 180,-3 4 0,-9 11-270,6-13 90,-11 10 180,13-13-270,-3-9 0,3 3 0,-9-7 0,0 3-3097,-1-4 2263,2-4-1139,4-1 1883,-1-4-140,1-1-939,0-3 449,-1-2 900,1-3 0,0-5 0,-1-1 0</inkml:trace>
-  <inkml:trace contextRef="#ctx0" brushRef="#br0" timeOffset="312601">7406 10269 7533,'0'-5'1889,"0"0"-1530,0 1-359,0 3 180,4-3 0,-3 4 1259,3 0-1259,-4 4 0,0-3-90,4 3-270,2-4-719,3 5 449,0-4 360,-4 3-1799,8-4 540,-3 0 1349,0 0 0,3 4 0,-8 1 0</inkml:trace>
-  <inkml:trace contextRef="#ctx0" brushRef="#br0" timeOffset="313058">7974 10222 7533,'-11'0'90,"3"0"-90,8 0 1529,0 0-1439,0 4 539,0-3 271,0 4-450,4-5-91,1 0-179,5 4 90,3-3-360,2 3 270,7-4-450,6 0-3007,-3 0 2623,2 0-271,-8 0 835,-1 0-540,5 0 450,-3 0 1,-2 0-1,-5 4-1080,-3-3 541,-1 3 269,0 0 1205,-4-3 1,3 8 0,-3-4 0</inkml:trace>
-  <inkml:trace contextRef="#ctx0" brushRef="#br0" timeOffset="313290">8039 10455 7533,'-10'0'1169,"1"0"-90,9 4-809,0-3 450,0 3-360,0 0 269,4-3-269,2 3-180,3-4 180,0 0 269,13 0-449,-5 0-180,5 0 0,0-4-359,2 3 89,1-7 270,1 7 0,-7-3-630,-5 4 270,3 0 270,-6 0-90,6 0-1439,-6 0 630,6 0 449,-6 4 540,2-3 0,0 7 0,2-3 0</inkml:trace>
-  <inkml:trace contextRef="#ctx0" brushRef="#br0" timeOffset="315044">8792 9915 8072,'-5'10'990,"1"-5"-450,4 7-181,0-1 361,0 11-360,0 2-90,0 0-1,0-1-89,0-5-90,0 5 270,4 9-90,-3 6-180,3-4 90,-4 1 0,0-15-180,0 7-3277,0-7 3252,-4 6-565,3 6 679,-3-6 1,4 9-269,-4-3-1,3 7 90,-8 3 0,8-5-90,-3-9 180,4-9 0,0-6-360,0-3 3145,0-1-3685,0 0 720,0-4-90,0 4 568,0-8-1737,4 3 899,1-8 271,5 3 269,-1-8 0,0 0 0,1-5 0</inkml:trace>
-  <inkml:trace contextRef="#ctx0" brushRef="#br1" timeOffset="339560">18664 10194 9242,'0'6'1169,"0"6"-989,0-10 90,4 10-90,-3-6 0,3 3-1,-4 4-89,0 2 270,0 8-360,0-4 0,0 4 0,-4 4 0,-5 6 0,-1 9-90,-4-4 0,5-1 0,-4 3 180,-2-5-180,6-10 0,-1 0-921,-4 5 831,0-3-314,5-10 494,4-7-90,-7 12 0,5-6 0,-6 6 0,4-7 694,3-2-1594,-2-3 1533,7-1-543,-3-4 179,4-1-179,0 0-90,0-3 2069,0 3-1439,8-4-90,3 0-180,3 0-1,4 0 271,0 0-450,2 0 90,-1 0 180,2 0-180,-5 0-90,7 0 179,-1 5-269,-7-4 0,7 3 0,-8-4-89,9 4-91,1-3-90,0 3-900,-2-4 181,-3 0-1799,0 0 1258,3 0 1530,-6 0 0,1-4 0,-7-1 0</inkml:trace>
-  <inkml:trace contextRef="#ctx0" brushRef="#br1" timeOffset="340391">19175 10659 7533,'0'-9'449,"0"0"-269,0 0 0,0 3 630,-4-6-540,-1 10-90,0-10 539,-7 6-449,9 1-270,-9 1 180,7 4 0,-5-4-90,1 3 0,-8-3 179,1 4-179,-7 4-269,9 1 179,-4 8 0,4 2-180,-1 4 90,6-5 180,-12 24 90,17-14-1,-16 21-269,18-22 90,2 0 0,6-9-89,-1 0-91,3-9 180,1-1-450,6-4 270,-1 0 0,0 0-180,3-8 270,-5-2-90,5-5-179,-3-2 269,-4 6 180,4-6-90,-5 6-90,0-2 360,-4 4-180,4-1-1,-8 1-89,7 0 270,-7-1 0,7 1 90,-7 0-180,3 4 270,-4 0 89,0 5-449,-4 0 0,3 0 450,-3 0-360,0 9 0,3-3 0,-3 7-270,4-3 0,0-1 180,0 0 0,0 1-270,0-1 90,4 0 0,-3-4 180,3 4-1170,4 0-899,-1 1 1260,14 0-1530,-5-2 2249,7-7 0,-9 3 0,0-4 0</inkml:trace>
-  <inkml:trace contextRef="#ctx0" brushRef="#br1" timeOffset="341688">19417 10743 7892,'6'0'1440,"-2"0"-361,4-12-629,-6 5-270,6-15 90,-3 16-91,-4-11 1,3 7 0,-4-1 90,0-5-270,0 10 180,0-8-450,0 5 180,-4 0 0,-2-1 0,1 5-359,-7 1 89,-3 4 270,0 0-270,-3 0-180,5 4 360,2-3-89,-2 7 179,4-2 0,-1 3 90,5 0-90,-3 5 0,3-4 90,0 8 90,0-8-180,5 8 0,0 0 0,0 6 90,0-4 90,0-3-90,5-8-90,0 1 180,8-1-90,-7-4 0,7-1 90,-8-4-90,4 0 0,1 0 180,-1 0-270,4-4 270,-2-5-180,2-1 449,1-16-3571,-4 13 3302,-1-8 0,-5 11-90,-4 5 0,0 1 0,0 0 90,5 3-90,-4-3 3186,3 8-3160,-4 5-116,0 6 90,0 3-90,0-3 0,0 11 0,0-14 0,0 14 90,0 1-90,0-2 0,0 12 90,0-1-1572,0-6 1662,0 6-150,0 0 150,-4-10-180,3 9 90,-8-3 180,8-6-181,-3 5-89,0-8 1562,-1-4-1472,0 0-180,-4-6 70,4-7 110,0-2-90,-3-4-90,3 0-90,-5 0 180,1 0-180,-5-9 0,4-1 0,-8-4 180,8-4-269,-3 4-181,-1-13-360,4 2-829,4-5 1,3-1-1355,7 0 1679,-2 2 0,2 2 1314,14 3 0,-4 1 0,5 0 0</inkml:trace>
-  <inkml:trace contextRef="#ctx0" brushRef="#br1" timeOffset="342292">19641 10604 7533,'-5'0'899,"1"0"-359,4 0-180,-5 0 179,4 0-539,-3 0 180,4 4-180,0 1 0,0 4 270,0 25-360,0-6 90,0 9 0,0-11-180,-4-3 270,3-2-90,-7 1-270,7-4 180,-3-8-89,-1 8 179,4-8-90,-3 0-1440,4-6-179,0-4 1260,0-9 449,0 3 0,0-15 0,0 1 0</inkml:trace>
-  <inkml:trace contextRef="#ctx0" brushRef="#br1" timeOffset="342441">19622 10706 7533,'0'-5'629,"4"-3"-269,-3 7 0,4-8 360,-1 4-361,-3 0 91,7 1-90,1 0-180,2-2-90,2 1-270,1 1 180,0 4-1259,0 0-2018,4 0 2352,-8 0 925,12 0 0,-6 4 0,6 1 0</inkml:trace>
-  <inkml:trace contextRef="#ctx0" brushRef="#br1" timeOffset="343348">19920 10725 7083,'5'0'-360,"-1"0"180,-4 0 180,5 0 90,-4 0-90,3-5 630,-4 0-90,0 0-91,0-3-269,0 3 90,0-5-180,0 5 360,-4-3-90,-6 3-271,-4 0 91,-1-4-90,2 8-90,-1-3-180,-4 4 90,2 4 180,3 1-359,5 9 359,7-4-270,-8 4 180,8-1 0,-3 10 0,4-7 0,0 6 0,0-13 0,0 1 0,4 3 0,1-7 0,1 7 0,2-12 0,-3 3-180,4-4-180,5 0 90,-8 0 90,6 0-180,-2-8 91,0 6 89,-1-11-90,4 8 90,-7-4 90,3-1 0,0 1 90,-4 0-90,4 4 360,0-8-180,-3 7 270,-2-3-180,0 0-91,-3 4 91,3 0 270,-4 1-180,0 0-90,0 3 1259,0-3-1169,0 12-90,-4-2-270,3 8 90,-3-5-90,0 8-90,2-1-360,-2 3 181,4-6 179,0-4 90,4 1-810,-2-5 360,6-1 271,-7-4-901,15 0 811,-8 0 359,9-8 0,-8 1 0,1-6 0,-1 0 0,0-2 0,1 1 0,-5 0 0,3 1 179,-3-2 451,5 5-270,-5-2-180,3 11 90,-7-4 809,3 5-359,0-4-1,-3 3-359,8 1-270,-8 10 0,3 0 0,0 3-3302,-3 1 3032,3-4 270,-4 8-450,0-4 180,0-4 180,0 3-90,0-8-270,0 4-359,0-4 3661,0 4-3662,0-8 181,4-5-1,2-7 360,-1-3 0,3 0 270,-7 5-90,3-4-270,0-2 270,1 1 90,1 0 450,2 5-180,-8 0 1169,13-1-1169,-7 5 449,7 1-359,-8 4-90,-1 0 179,1 8-359,-4-1 90,3 6-450,-4 0 270,0-2-90,0 2-90,0 1 90,4 0 180,-3 5-1349,3-5 359,0 8 720,1-11-1529,1 11 810,2-12 809,-7 4 0,11-5 0,-1 0 0</inkml:trace>
-  <inkml:trace contextRef="#ctx0" brushRef="#br1" timeOffset="344132">20543 10743 7533,'-5'0'1349,"1"-4"-1169,4-1 539,0 0-359,0-4 0,0 4-180,0-4 270,-4 0 179,3-5-359,-4 4 90,1-4 0,-1 5-540,0 0 270,-3 4-450,-2-4 270,-4 8-450,-9-3 181,8 4 269,-3 0-540,0 4 270,7-3 180,-2 8-180,0 0 91,11 5 179,-10 1 270,11 3-90,-3-8-180,4 7 0,0-2-180,0 16 630,0-14-270,0 13-1,4-19 1,-3 2-269,7-8-1,-3 4 180,4-8-90,1 3 90,-1-4-90,0 0 90,1 0 0,-1-4-90,0-1 0,-4-5 0,4 1 90,-4 0-90,0-1 180,3-7-90,-2 5-90,-1-5 270,-1 8 0,0-1-90,-3 1 359,3 4-269,-4 1 630,0 4-720,-4 4 0,3 1 0,-3 0 0,4 8 179,0-3-179,0 8-90,0 1 180,0-5-180,0 4 270,0 9-180,0 7 0,0 0 0,0 1 0,0-15-90,0 7 90,0-8 0,0 4-90,-4 8 180,-1-1-180,-5 7 90,5-9-270,-12-1 270,10-11-450,-19-3 270,15-9 0,-7-4-90,5-4 180,-1-1-360,-1-4 180,2-1-89,3-3-361,-3-6 90,2-5-269,2 1 359,5 0 90,4 4 0,0 1-359,0 3 269,0-2 450,8-2 0,3-1 0,7-2 0</inkml:trace>
-  <inkml:trace contextRef="#ctx0" brushRef="#br1" timeOffset="344368">20645 10752 7533,'0'-5'1079,"0"-3"-539,0 7-90,5-3-181,-4 4 811,3 0-181,-4 8-629,0-6 90,0 11-270,0-8 90,0 4-270,0 0 90,0 5 0,0-8-360,0 11 90,0-7-899,0 0 539,0 3 360,0-8 90,0 4-1349,0-4 630,0-1 449,0 1 450,0-4 0,0 3 0</inkml:trace>
-  <inkml:trace contextRef="#ctx0" brushRef="#br1" timeOffset="344579">20664 10473 7533,'0'-9'0,"0"0"1439,0 4-720,0 1-269,0 4 270,4 0 179,-3-5-629,7 4-180,-6-3 270,6 8-90,-3-3-990,0 8 450,3-8-2878,14 19 2339,-8-11 179,11 12 630,-15-11 0,-1-1 0,0 0 0</inkml:trace>
-  <inkml:trace contextRef="#ctx0" brushRef="#br1" timeOffset="345259">20915 10725 7263,'6'-5'899,"-2"4"-629,-4-7-90,0 7-90,0-7 270,4 7-270,-3-7 0,3 7 0,-4-8 90,0 4-1,-4 0 1,3 1 0,-7 0-180,2 3 180,-7-4-180,3 5 0,-8 0 90,8-4 0,-8 3-180,4-3 180,-5 4-360,4 0 180,2 4 0,4 1 90,-1 1-90,1 2 0,0 5-89,4 7 89,1 0 90,4 1 0,0-6 0,0 3-3277,0 1 3072,0-9 225,0 7-110,0-11 90,4 8 0,1-5 0,0-4-90,3 3 0,6-7-90,-3 3 180,7-4 0,-9-4-449,4-5 3536,-2 3-3986,15-23 629,-14 20 464,10-21-464,-13 11 360,5-5 90,-8 5-180,6 5 719,-11 2-179,7 10-90,-6-7-180,2 9 539,-4 0-449,0 5-270,0 0 0,0 4 90,0 0-90,0 9 0,0-7-180,0 11 270,0-16-450,0 11 270,0-11-90,0 7 180,0 1-270,0-4 90,4 4-630,-3-5 361,3-4 89,-4-1 90,4 0-1619,1-3 1439,0 3-270,4-8 630,-8-1 0,7-4 0,-3-1 0</inkml:trace>
-  <inkml:trace contextRef="#ctx0" brushRef="#br1" timeOffset="345651">21036 10743 7533,'5'-5'0,"-4"1"989,3 4 1,-4-4-631,0 3 1710,0-3-1889,4 4 90,-3 0-450,3 0 180,-4 4 0,0 1-180,0 8 270,0-2-3302,0 2 2582,0-4-753,0 1 1203,0-1 90,0 0-1259,0 5 809,0-8 180,0 2 2571,0-8-2481,0 0 1396,4-4-1486,-3-5 180,7-2-90,-7-2-3007,8 4 3072,-8-5 137,7 4-22,-7-3 270,12-1-90,-11 4 899,10-8-539,-7 8-180,5 1-180,-5 0 3186,-1 8-1845,0-7-969,1 7-102,0-3 180,4 4-181,-8 0 181,7 0-360,-3 0 0,0 0 90,3 0-270,-2 0 180,-1 4 0,3 1-1,-7 9 91,12 8-270,-11-1-809,6 2 539,-8-10 90,4-4 90,-3 5-719,3-4 359,0 4 180,-3-5 90,8 0-1799,-8 1 1979,7-5 0,-3 3 0,4-3 0</inkml:trace>
-  <inkml:trace contextRef="#ctx0" brushRef="#br1" timeOffset="352761">18850 9274 8882,'0'9'1439,"0"-3"-1259,0 2 90,0 1-90,0 1 0,0 4-90,0-1 0,0-2 89,0 6 1,-5-6-180,4 6 90,-3-7-180,0 12 90,-1-6 0,0 2 0,-3-4-270,6-5 181,-2 0-1,4 1-360,-4-1 180,3-4 180,-3-1-90,4-4-180,0 4-89,0-3-181,0 3 540,4-16-180,-3 5 0,7-15-269,2 4 269,0-2 270,8-3-180,-8 9 360,3-4-360,5-9 720,2-3-3817,-1 1 3791,-1 8-354,-9 11 20,-4 1 179,4 4-179,-4 1 0,0 0 0,3 3 3096,-7-4-2719,8 5-78,-4 0-299,0 5-90,-1-4 90,0 7-90,-3 1 0,3 6 0,-4-1-90,5 4 179,-4-4-179,3 5 90,-4-5 0,0 0-90,0-5-90,0 0-179,0 1 89,0-5 90,0-1 90,0-4-540,4 0 270,-3 0-629,11-13 179,-1-6 180,7-14 450,-3 4 270,-2 6-90,-8 10-90,4 8 630,-8-4-360,7 8 0,-7-3-90,3 4 269,-4 0 631,4 12-810,-3-8-1,8 12-269,-8-11 180,3 5-180,0 3-90,-3-3 90,3 4 90,0-5-809,-3 0 359,8 1 180,-4-1 90,4 0-1259,0-4 629,1 4 270,-1-8-719,0 3 1169,1-4 0,3 4 0,1 1 0</inkml:trace>
-  <inkml:trace contextRef="#ctx0" brushRef="#br1" timeOffset="353215">19436 9293 7713,'4'-5'-540,"-3"-8"1439,3 11-359,-4-10-180,0 11 270,0-8-271,0 8 91,0-3-360,0 0 90,0 3 0,0-3 0,-4 4-270,-5 0 180,-1 0-90,-4 0 0,-4 8-90,7-2-90,-6 8-90,7-5 90,5 0 90,-3 1-180,3-1 270,-1 0 0,2 1-270,4 3 91,0-3 179,0 4 0,0-5-360,0-4-90,9-1 360,-3-4-90,7 0 90,-3 0 0,-1 0-90,0-4 90,1 3-89,-5-7 89,3 3-180,1-13 270,2 3-90,2-4 90,-8 6 360,-1 8-181,-4 0-89,0 1 0,0 3 360,0-3 360,0 12-540,0-1-1,0 2-89,5-1 90,-4-3 0,3 5-540,-4-1 270,0-4 0,4 3 90,-3-7-899,3 8 449,0-8 180,-3 3 90,7-4-990,-7 0-808,16 0 1888,-14-4 0,14-2 0,-12-3 0</inkml:trace>
-  <inkml:trace contextRef="#ctx0" brushRef="#br1" timeOffset="353450">19548 9209 7533,'0'-5'1979,"0"1"-1260,4 4-359,-3 0-180,7 0 180,-7 4 269,8 1-449,-4 0 180,0 3 0,3-2-180,-3 3-270,5-4 180,-1 3-90,-4-3 0,3 5-90,-2-5 360,3 3-630,4 2 180,-6-4 90,5 6-989,1-3 809,-5-2 90,8 5-810,-15-11 1,12 7-1080,-3-3 1619,0 1 450,3-2 0,-8-4 0,4 0 0</inkml:trace>
-  <inkml:trace contextRef="#ctx0" brushRef="#br1" timeOffset="353707">19818 9125 7533,'-10'4'1439,"5"-3"-1259,1 4 90,0-5 719,-5 8-269,-2 2-3997,-2 9 3112,4-5 1168,-5 8-823,4-11 0,-4 11-270,1-3 0,-2 9 0,-7 0 0,2 0-270,1-9 180,2-6-719,6-3 3464,-2 3-4004,8-3 503,1 0 576,4-2 360,0-7 0,4 7 0,1-2 0</inkml:trace>
-  <inkml:trace contextRef="#ctx0" brushRef="#br1" timeOffset="356948">20608 8967 7533,'-9'-9'270,"4"4"-270,1 1 359,-1 4-179,0-5-270,0 4 450,-3-3-90,3 4 0,-5 0-270,1 0 270,0 4-270,-1 2-90,5 3 270,-3 0-180,3 0 90,0 1-1,-4 3 1,4-3 180,0 8-180,-3-3 0,7 3 180,-8 9-180,8-2 90,-3 3 0,4-6-90,-4-3 0,3 4 0,-3-4 179,4 25-89,0-20-270,0 23 90,-4-10 90,3-6-180,-3 9 0,4-21 90,0 8-90,-5-7 1,4 2 178,-3 5-178,0 6-91,3-7 0,-7 0 180,7-17 0,-3-4-450,0 3 180,3-7 90,-8 8-629,4-8 539,-4 3 0,-1-8-629,1-2 269,4-3 270,-3 0-90,2-5 1,-3 4 449,0-7 0,-5-2 0,0-5 0</inkml:trace>
-  <inkml:trace contextRef="#ctx0" brushRef="#br1" timeOffset="357207">20292 9218 7533,'0'-9'0,"0"4"0,0 1 1979,0 4-1260,4 0-449,1 0 0,0 0-90,3 0 0,-2 0 0,3 0-180,0 0 269,5 4 1,8-3-270,3 3-270,3-4 180,-5 0 180,-9 0-180,4 0-629,-4-4 449,5 3-1169,8-3 719,-6 4 360,1 0 91,-4 0-451,-4-4 270,1 2 450,3-2 0,-8 4 0,3 0 0</inkml:trace>
-  <inkml:trace contextRef="#ctx0" brushRef="#br1" timeOffset="357581">20813 9144 7533,'-5'0'270,"-3"0"-181,6 0 721,-6 0-360,7 0-90,-7 4-1,7-3 181,-7 7-360,2-3-90,-3 1 90,4 2 0,-3-3-180,7 4 180,-8 1-1,8-1 1,-7 4-90,7-2 90,-7 6 360,3 6-360,-1-2-90,2 6 270,0-5-181,3-2 1,-3-1 0,4-2-180,0-7 90,0 4 90,0-1-630,4 2 270,1-5 91,5 3-901,-1-8 360,4 4 361,-2-4-1081,6-1 91,6-4-90,6 0 1349,4 0 0,-5 0 0,-5 0 0</inkml:trace>
-  <inkml:trace contextRef="#ctx0" brushRef="#br1" timeOffset="358448">21018 9209 7533,'-5'0'539,"-4"0"-359,8 0 2609,-3 0-2519,8 4-91,1 1-589,22 15 0,15 9 1,-6-6-1,-3-7 1,2 4-1,0 1 0,0-1 1</inkml:trace>
-  <inkml:trace contextRef="#ctx0" brushRef="#br1" timeOffset="358545">21204 9181 7533,'-31'41'655,"0"0"0,0 0 1,1-3-1,1-2 0,13-14-423,16-18-2301,0-4 1619,5 0 90,-4 0-359,7 0-181,-3-8 900,0 6 0,3-15 0,-2 7 0</inkml:trace>
-  <inkml:trace contextRef="#ctx0" brushRef="#br1" timeOffset="359493">21372 9200 7533,'-6'0'0,"2"-4"0,4 2 0,-4-2 0,3 4 3276,-3 0-2774,16 4-413,-4-2 91,5 6 0,-5-3 180,-3 4-180,1 1 0,2-1-90,-7 0 180,7 5-180,-7-4 90,8 3-91,-8-3 181,3-1 0,-4 0-90,0 1 90,0-1-180,0 0 90,0 0 0,0 1-180,0-1 0,0 5-3212,-4-4 3391,3 3-448,-8-3 269,4-1-450,-4 4 270,-5 2 0,8-1-270,-6 0 3572,11-5-3211,-8-4-1531,8 8 181,-3-11-270,4 10 900,0-11 809,0 3 0,0-4 0</inkml:trace>
-  <inkml:trace contextRef="#ctx0" brushRef="#br1" timeOffset="362630">19501 9915 7083,'5'-9'540,"0"4"-271,-5-3-89,0 7 360,0-8-180,0 8 0,-5-7 179,0 3-359,0 0 90,-7-4-90,5 8 0,-2-7-180,1 7 180,3-3 90,-5 4-360,-3 0 270,-10 0-360,7 0 180,-6 0-90,8 0-90,4 0 90,-3 0 180,3 0-90,5 0-90,-3 0 0,7 4 90,-7-3-90,7 11 90,-4-9 0,5 9-180,5-7 0,0 4 90,4 1 90,0-1-90,1 0 90,3 1 0,-3-1-90,4-4 90,-1 3 0,-2-2-90,6-1 180,-6-1-90,2 0-90,-4-3 180,1 3-90,-1 0 0,-4-3 90,-1 3-90,0-4 0,-3 5 0,4-4 180,-5 3-90,0 0-90,0-3 270,0 7-270,0-3 90,-5 0-90,0 8 0,-4-11 90,4 10-3367,-3-11 2982,2 8 385,-3-4-270,0 0 0,4-1 90,-4-4 0,8 4-989,-3-3 3841,4 3-3032,0-4-989,4 0 1259,1 0 0,5 0 0,-1 0 0</inkml:trace>
-  <inkml:trace contextRef="#ctx0" brushRef="#br1" timeOffset="362825">19613 10036 7533,'0'5'0,"0"4"629,-4-8-269,3 7 90,-3-7-180,-1 3 0,4 0-1,-7-3-89,7 3 180,-3 1 90,4-4-1709,0 3 809,4-4 270,1 0-1349,9 0 1529,-4 0 0,4-9 0,-5-1 0</inkml:trace>
-  <inkml:trace contextRef="#ctx0" brushRef="#br1" timeOffset="363076">19818 9878 7533,'-5'-5'359,"0"1"-179,5 4 720,0 0-540,-4 0 89,3 0 631,-3 0-900,4 4 0,0-3-1,0 7 1,0-7-360,0 8 270,4-4 0,-3 4 90,3 0-270,1-4 180,-4 8 0,7-11-899,-7 10 269,7-2-899,-3-4 1079,1 6 180,-2-11-719,-4 3 359,4-4 90,-3 5 450,3-4 0,0 3 0,1-4 0</inkml:trace>
-  <inkml:trace contextRef="#ctx0" brushRef="#br1" timeOffset="363702">19874 9785 7533,'-6'0'0,"2"-4"180,4 3-1,0-3 1,-4 4 0,3 0 90,-3 0 180,0 0-270,3 4 0,-3-3-90,4 7 90,-4-7-1,2 8 1,-2-4-180,4 4 270,-4 4-270,3-2 180,-3 6-90,4-6 90,0 2-180,0 1 270,0 0-360,0 5 270,0-1-90,0-3 0,0-2-180,0-4 0,4 5-90,1 0 90,1-3-90,2 1-180,-7-11 180,7 3 0,-7 0 90,7-3-719,-2 4 539,3-5-180,-4 0 90,3 0-989,-2-9 900,-1 7 449,-1-6 0,0 0 0,1-3 0</inkml:trace>
-  <inkml:trace contextRef="#ctx0" brushRef="#br1" timeOffset="363901">19762 9878 7533,'-9'0'359,"-1"-4"-359,5 3 900,-3-3-360,7 4 629,-3 0-539,24 0-990,-10 0 180,20 0 270,-16 0-900,1 0 541,2 0 89,-2 0 0,3 0-630,-3 0 360,2 0 91,-2 0 359,3-4 0,5 3 0,1-3 0</inkml:trace>
-  <inkml:trace contextRef="#ctx0" brushRef="#br1" timeOffset="364904">20088 10046 7533,'-15'0'719,"2"4"-269,8-3-270,0 3 540,5-4-1260,0 0 0,5 0 270,0 0 270,4 0 0,0-4 0,1-1 0</inkml:trace>
-  <inkml:trace contextRef="#ctx0" brushRef="#br1" timeOffset="369627">20692 9925 7533,'0'5'0,"0"-1"270,0 0-1,0-3 721,0 3-990,4-4 360,1-4-270,5-1 269,3-9-359,-3 0 270,8-5-360,-8 5 90,4 1 90,-5-1-180,0 4 180,-3 0 0,-2 2-270,-4 3 270,4-4 0,-3-1-90,3 5-90,-4-3 180,0 3-180,-4 0 90,3 0 0,-7 1 0,2 3-90,-3-3 0,0 4 90,-5 0-180,4 0 1,-4 0 89,5 0 90,0 4-180,0-3 180,-1 8 0,1-8-90,4 7 90,-3-3 0,6 4-90,-6 1 180,7-1-180,-3 0 90,4 1-90,0-1 270,0 0-270,0 1 90,0-5 90,0 3-90,0-7-90,4 7 90,-3-3 0,7 1 0,-2-2 0,3-4-180,-4 0 90,8 0 0,-7 0 90,7-4 0,-4 3-90,1-8 90,-1 4-90,-4 0 90,12-12 90,-10 10-180,7-10 90,-10 7 180,-4 5-180,0-3 0,0 7 180,0-3 90,0 0-270,0 3 809,0-4-449,0 14-90,0-3-180,0 11-90,0-6 90,0 2 0,0-3 0,0 3 90,4 6-90,-3 0-90,3 4 89,-4-4 1,0-1-90,0 1 90,0 8 0,0-7-90,0 11-90,0-11 90,0 7 90,0-8-180,-4 17 180,3-15-90,-3 10 90,0-12-90,2-1 0,-2-3 0,0 3 0,3-8 0,-3 3 90,0-8-270,3 4 180,-3-8 90,0 7-90,3-7-360,-12 3 91,11-4 89,-10 0 0,2-4-90,0-1 0,-3-9 0,-1 0 180,4-5 0,-4 5 0,5-4 1,0 8-1,-1-8 0,1 8 90,0-12 0,0 7 90,3-4 0,2 2 89,4 6-179,0-2-90,0 0 360,0 2-90,0-6-180,0 6 0,4-2 90,2-1-90,3 4-270,8-8 180,-1 8-90,7-3 180,-5-1-719,1 8 269,4-6 180,0 7-719,1-5 449,7 5 540,-10-3 0,10 7 0,-7-3 0</inkml:trace>
-  <inkml:trace contextRef="#ctx0" brushRef="#br1" timeOffset="369998">21139 9804 7533,'0'-5'-450,"-4"0"450,3 1 540,-4 3-181,5-3 1,-4 4-180,3 0 180,-3-4 90,0 3-270,3-3 539,-7 4-539,3 0 0,-1 0 90,-2 4-90,7 1 0,-7 4-270,7 1 180,-12 7 179,11-5-359,-10 9 90,11-10 180,-7 6 0,2 6-180,1-6 0,-3 8 270,7-6-180,-3 1 0,4 2-180,0-7 180,0 2 0,0-6-540,4 6 180,5-2-719,6 3 539,-1-7 90,0 1-1978,16-11 2338,-8-1 0,15-5 0,-15-4 0</inkml:trace>
-  <inkml:trace contextRef="#ctx0" brushRef="#br1" timeOffset="370297">21232 9850 6183,'-5'4'1530,"1"-3"-1171,4 4 91,0-5 450,0 4-541,0 1 1,0 0 0,0 3-180,0-7 90,4 8 90,-3-8-1,7 7-179,-3-3 0,4 0-90,1 3 0,-5-2 90,7-1-180,-1 7 90,-1-10-180,7 15-180,1-11 90,-1 7-629,9-3 359,-16-5 180,-1-1 90,0 0-1079,-4-3 539,4 3 271,-4-4-541,4 0 990,-8 0 0,7 0 0,-3 0 0</inkml:trace>
-  <inkml:trace contextRef="#ctx0" brushRef="#br1" timeOffset="370539">21446 9813 7533,'-9'-4'1889,"-1"3"-1530,5-3-359,1 4 180,0 0 0,3 0 90,-7 0-270,2 4 90,1 1 90,-3 0 539,-1 8-269,-6-3-450,1 4 180,-4 0 0,8-5-270,-4 0 90,5 5 0,-4-4 0,2 8-809,-10-4 809,9 5-3277,-14 4 2352,15-4-302,-3 0 508,10-6 269,4-3 180,0-1-899,0-4 1169,0 3 0,4-7 0,2 3 0</inkml:trace>
-  <inkml:trace contextRef="#ctx0" brushRef="#br1" timeOffset="370847">21530 9776 7533,'0'-5'2518,"0"0"-3417,0 5 719,4 5 1079,-3-4-449,3 7-180,0-7 899,1 11-179,5-5-451,-1 10-179,4-2-360,-2 3 0,-2-3 180,-1-2-90,-7-4 0,8 13-90,-8-5 0,3 5-180,-4-8-90,-4 3-269,3-5 179,-8 5 0,4-3-809,0-4 449,1 4 360,0-5 90,3 0-629,-3 0 269,4-3 630,-4 6 0,-2-10 0,-3 6 0</inkml:trace>
-  <inkml:trace contextRef="#ctx0" brushRef="#br1" timeOffset="371329">21864 9832 13199,'15'0'360,"-2"0"-450,-4 0-449,1-5 269,-1 4-900,13-11 541,-10 10 359,10-6-1619,-9 4 1079,-2 3 361,2-4-541,-4 5 990,-3 0 0,2 5 0,-3 0 0</inkml:trace>
-  <inkml:trace contextRef="#ctx0" brushRef="#br1" timeOffset="371534">21892 9953 7533,'-5'5'449,"-3"3"-269,7-7 0,-4 3 630,1-4-360,3 4-91,-3-3-269,4 3-90,0-4-90,4 0-90,6 0 1,0 0 268,3 0-808,1 0 449,0-4 90,5 3-360,0-7 91,3 7 269,2-7-720,0 7 900,3-8 0,-8 4 0,4-4 0,-4 0 0</inkml:trace>
-  <inkml:trace contextRef="#ctx0" brushRef="#br1" timeOffset="371883">22227 9841 7533,'4'-9'629,"-3"-1"91,3 1 0,-4 4-451,0 1-89,0 4 630,-4 0-540,3 4-90,-7 1-270,3 8 90,0-2-90,1 6 90,4 6 180,0-6-180,0 8 0,0-14 0,0 6-270,4-2 90,1-5 0,4 3 0,0-12 0,1 3 180,-5-4 90,11 0-90,-8-4 180,13-10 90,-6 3-270,-1-11 180,8-1 0,-10 3-180,9-7 90,-10 8-1,2 1 1,-4 3 0,-4-2 180,4-2 0,-4 3-270,0-1 450,-1 3-180,-4 8-90,-4-6 2428,-9 3-2248,-3-2-180,-2 2-270,4 5 90,5 4 0,-5 0-1259,4 0 629,-3 0 270,7 0 180,-2 0-1799,3 0 900,-4 0-1530,3 0 2609,-2 0 0,3 4 0,-4 1 0</inkml:trace>
-  <inkml:trace contextRef="#ctx0" brushRef="#br1" timeOffset="376962">21864 10492 7713,'0'18'1079,"0"-7"-539,0 7 179,0-1-359,0-6-180,0 11 180,0-3 0,0 0-181,0 0 1,0-1-90,0-4 90,-4 5 0,3-1 270,-11 26-270,5-20-270,-2 20 90,1-26-370,3 9 280,-5-6-90,-3 18 270,2-13-359,-6 14 358,7-15-289,0 2-160,-2-8 450,6-5-450,-4 0 0,-2-1 91,10-7 179,-11 7-90,12-12 120,-7 3-30,8-4 0,-4 0 0,0 0 0,3 0-89,-4 0 89,1 0 90,3 0 90,-3-4-90,4 3 179,0-3-179,0-1 0,0 4 90,0-3-90,0 0 180,4 3-90,-3-3-90,3 4 270,1 0-90,-4 0-90,7-4 90,-8 3 359,8-7-269,-2 6-180,3-2 270,0 4-270,-4 0 0,4 0 90,-4 0 90,4-4 0,-4 3-180,4-3 269,-4 4-269,4 0 90,0 0 0,1 0 0,-1 0-90,0 0 90,-4 0 0,4 0-270,-4 4 180,4-3-270,0 3 90,1-4 180,-1 0-180,0 0 90,-3 0-90,2 0-630,-3 0 271,0 0 179,3 0 180,-2 0-1439,3 0 629,0 0-1169,9 0 1170,-7-4 359,7 3 540,-9-3 0,0 0 0,1-1 0</inkml:trace>
-  <inkml:trace contextRef="#ctx0" brushRef="#br1" timeOffset="378012">22199 10892 6633,'-4'-5'450,"3"1"-450,-3 4 540,4 0-1,-4-4-359,3 3 180,-8-4 270,4 1-450,0 3 89,-3-3-89,7 4 0,-7 0-90,2 0 270,-7 0-180,7 0-180,-7 0 0,8 0 0,-8 0-90,2 0 0,-2 4 180,8 1-270,-4 5 90,4-1 90,-4 0 0,0 5-180,3-4 180,-2 4 90,7-1-180,-7-3 0,7 8 0,-3-8 90,4 8 0,0-8 0,0 4 0,0-5-90,0 4 90,8-2 0,-2 2-270,8-8 91,-5-1 89,0-4 90,1 0-180,3 0 0,-3 0 90,4 0 0,-5-4-90,9-5 90,-7-1 0,7-4 90,-5-8-90,-3 6 0,0-7 0,-2 10 450,-7-1-270,3 4 90,-4-3 180,0 3-180,0 1 89,0 4-89,0 1 540,0 4-450,-4 0-90,3 0-270,-7 4 270,7-3-90,-8 7 0,8-3-180,-3 5 0,4-1 0,0 0 180,0 0-630,0-3 270,0 2 90,0-3-629,0 4 359,4-3 180,-3 2 90,8-3-449,-4 0 179,4-1 180,0 0-90,1-3-269,-1 4 629,-4-5 0,4 4 0,-4 1 0</inkml:trace>
-  <inkml:trace contextRef="#ctx0" brushRef="#br1" timeOffset="378719">22339 11013 7533,'5'-15'90,"-1"2"-90,-4 4 0,0-1 629,0 1-179,0 0-180,0 0 270,0-1-181,0 1 1,0 0-180,0-1 0,0 1 0,0 0 0,0-1-180,-4 1 0,3 4 0,-3 1-720,0 0 720,-1 3-90,-5-4-360,5 5 181,-3 5 89,7-4-90,-8 7 0,8 1 90,-7 2 180,7 2-180,-3-4 90,4 5 0,0-4 180,0 4 0,0-5-180,0 4 270,0 2-180,0-1 0,0 0 90,4-9-180,-3 3 180,7-7-90,-2 7 0,-1-7 0,7 4 0,-10-5 0,11-5 0,-8 4 0,4-7 0,-4 3 0,4-4 0,-4-1 0,0 1 0,3 0 0,-7-1 180,8-3 90,-4-10-90,0 3 0,-1-3-180,0 9 270,-3 5-1,3 0-269,-4 0 90,0 3 180,0-2-180,0 7 0,0-3 0,-4 4 0,3 0-90,-3 0-90,0 0 0,3 4 0,-3 1-90,4 5 180,-4 7 0,3-1 0,-4 2 0,5 0 0,0 0 90,0 2-90,0 3 0,0-1 90,0-2-90,0 3 0,0 0 0,0-4 0,0 8 0,-4-7 90,3 7-180,-3-8 90,4 8-281,0-3 281,-4 4 180,-1 8-180,0-6 0,0 2 90,1-9-90,-1 4 90,-4-3-1,0 0-89,-1-6 90,5-13 0,-7 3 0,10-3-90,-11 1 372,8-2-372,-4-4-90,-1 0 90,1-4 90,0-2-540,-13-19 270,10 3-1899,-10-10 1900,13 5-2704,3 3 2703,-2 0-803,7-3 623,-3 8-175,4-8-5,4 7 181,1-2 89,5 7 878,-1-2-968,0 6-89,0-6 269,5 6 0,-4-2 890,4-1-710,-5 4 89,0-3 1,5-1 0,0 0 0</inkml:trace>
-  <inkml:trace contextRef="#ctx0" brushRef="#br1" timeOffset="379877">22627 10641 7533,'-5'0'899,"1"0"-629,4 0-90,-4 0 90,3 0-90,-3 4-90,4-3 90,0 7-91,-4-3 91,3 5 0,-4-1-270,5 0 360,-4 5-180,3-4-90,-3 4 180,4-5-90,0 4-180,-4-2 270,3 2-90,-3 1 0,0-4-180,3 7 180,-3-2 0,4 3-360,0 1 180,0 0-90,0-1 270,0 1-900,0 0 361,0-1 179,0-3-899,0 2 449,4-6 270,1 6 450,4-7 0,1 4 0,-1-5 0</inkml:trace>
-  <inkml:trace contextRef="#ctx0" brushRef="#br1" timeOffset="380919">22711 10697 8522,'15'14'1259,"2"0"-1259,-2-1 90,-1-3-180,4 8 360,-4 1-180,5-4 0,-5 7 90,0-12-90,-5 8-90,0-8 90,1 8 0,3-8 0,-7 3-180,7 1 0,-8-4 180,8 8-540,-6-8 270,5 3-719,-7 1 449,0-4 180,4 0 90,-8-2-449,7-7 179,-7 3 180,3-4-450,0 0 720,-3 0 0,8 0 0,-4 0 0</inkml:trace>
-  <inkml:trace contextRef="#ctx0" brushRef="#br1" timeOffset="381143">22953 10762 7533,'-9'-4'719,"0"3"-359,3-4-180,2 1 180,0 3-90,3-3-90,-7 4-91,3 0 1,-5 4 0,1 2 90,4 3 90,-3-4-180,2 7 0,-7-5 90,-1 14-90,-1-9 0,2 9-270,-1-2 90,4-4-450,-4 3 180,1 0 181,7-11-631,-7 9 360,12-10 90,-3-1-719,4 3 449,0-7 630,0 7 0,0-7 0,0 3 0</inkml:trace>
-  <inkml:trace contextRef="#ctx0" brushRef="#br1" timeOffset="381481">23018 10669 7533,'0'-16'1889,"5"0"-1620,-4 15-179,11-3-180,-6 4 1,8 0-1,-9 0 0,3 0 90,-7 4 0,7-3-90,-7 7 1169,8-3-629,-8 4-180,3 1-90,0 3 539,-3-2-359,3 2 180,0 5-181,-3-3-179,3 4 90,-4-2-180,0-6 90,0 6 90,0-7-90,0 8-180,0-8 180,0 8 0,0-4-450,0 1 180,-4 2 90,3-2-90,-7 4-540,7-5 180,-7 12-809,7-14 540,-3 10 269,4-9-1079,-5 2 719,4-1 360,-3-4-359,4-2 179,0-3 270,0 0 1,0-1 359,0-4 0,-4 4 0,-1 2 0</inkml:trace>
-  <inkml:trace contextRef="#ctx0" brushRef="#br1" timeOffset="381799">23269 10818 7533,'0'-6'1619,"0"-2"-1349,0 7 89,4-3-179,-3 0 0,7 3-90,-2-3-360,3 4 90,-4 0 180,3 0 360,-2 0 90,3 0-360,0 4-90,0-3 90,-3 3-90,2 0 180,-7-3-180,7 3-1889,1 0 1439,-2 2 270,1-1 180,-4-1 0,-3 0 0,3 1 0</inkml:trace>
-  <inkml:trace contextRef="#ctx0" brushRef="#br1" timeOffset="381981">23306 10957 7533,'-10'-4'3276,"6"3"-2774,9-3-862,4 4 180,1 0-90,-1 0 270,0-4-270,0 3 180,1-8 0,3 8-539,-2-7 359,6 7-90,-7-7 180,8 3 180,-8-1 0,8-6 0,-4 2 0</inkml:trace>
-  <inkml:trace contextRef="#ctx0" brushRef="#br1" timeOffset="384284">23781 10399 7083,'0'-5'90,"0"-3"90,0 7 0,0-4 179,-4 1 91,-1-1 90,-5 0-90,5-3-270,-3 7-90,3-4 179,0 5-89,-4 0 0,8-4-360,-7 3 180,7-3-90,-7 4-90,7 0 90,-8 4 90,8 1 90,-7 5-180,7-1 1,-7 0 178,7 1-178,-8 11 89,4 4 269,-4 4-269,4-2 0,-4-4 90,8-4 90,-3 8 0,0-7-90,3 7-90,-3-8 90,4 8-90,0-7 0,4 19 180,1 0-1581,5 5 1311,-1 0-90,-4-15 270,3 7-270,-2-7 90,-1 8 90,3-8-180,-7 15 180,3-17-838,-4 12 838,0-15 0,0 0-7,0-2 7,0-3 1362,0 0-1362,-4 3 0,-1 2 0,0-4 0,-4-3-180,8-7 180,-7-5 876,7-1-876,-7-4-711,7 0 261,-8 0-719,4 0 539,0-4 180,-3-1 450,3-9 0,-5 0 0,1-5 0</inkml:trace>
-  <inkml:trace contextRef="#ctx0" brushRef="#br1" timeOffset="384598">23437 10706 7533,'4'-9'-1080,"-3"-1"1440,7 1 90,-3 4-360,4 1 539,-3 0-269,2 3 0,-7-4 360,11 1-540,-5 3 179,2-3-89,-1 4 90,-3 0 90,5 0-91,-1 0-179,0 0 0,1 0-180,-1 0 180,4 0 0,-2 0-360,2 0 180,5 0-629,-7 4 359,7-3 270,-9 3-90,4-4-360,-2 0 180,2 0 90,-4 0-719,1 5-1,3-4 630,-2 3-629,2-4-1,0 4 900,-6-3 0,5 3 0,-7-4 0</inkml:trace>
-  <inkml:trace contextRef="#ctx0" brushRef="#br1" timeOffset="384962">23855 10678 7533,'0'-5'-900,"0"1"3419,0 4-2429,0 8 0,0-6 180,0 11-1,-4-4-89,3-3 90,-3 6-90,0-6-90,3 3 90,-7 0 0,7 1-90,-4-1 0,1 0-90,3 5 180,-3-4-360,4 7 180,0-6 0,0 2 0,0 1 0,0-4-90,0 3 180,0 1-360,4 0 90,1 5 0,5-5-989,3 8-990,6-10 1349,-4 1 451,3-9 359,-13-4 0,3-4 0,-2-1 0</inkml:trace>
-  <inkml:trace contextRef="#ctx0" brushRef="#br1" timeOffset="385198">23930 10780 7533,'-5'-4'0,"1"3"0,-1-3-90,4 4 1169,-3 0-809,4 4 360,0 1-361,4 5 1,2-1 0,-1-4-180,3 3 90,-3-2 0,5 3-180,-1-4 90,0 3 90,0-2-540,1 3 270,3 0 180,-2-4-900,-2 4 181,3-4-631,-1 0 631,3-1 629,0-4 0,-5 4 0,0 1 0</inkml:trace>
-  <inkml:trace contextRef="#ctx0" brushRef="#br1" timeOffset="385465">24070 10743 7533,'-11'4'449,"3"-3"-269,8 3-989,0 1 89,0-4 360,-4 7 1530,3-7-541,-3 7-359,-1-7 270,4 8-180,-7-4-90,7 0-180,-7 7-90,3-6 89,-5 8-89,1-5 90,0 1 90,-1-1 90,1 0-540,4 0 180,-3 1 90,3-1-90,-1 0-449,-2-3 179,7 2 180,-7-3-630,7 0 451,-3 3-1,-1-7 90,4 8 270,-3-8 0,4 3 0,0-4 0,0 0 0</inkml:trace>
-  <inkml:trace contextRef="#ctx0" brushRef="#br1" timeOffset="385845">24172 10632 7533,'0'-6'180,"0"2"269,0 4-269,-4 4 180,3-3-180,-3 8 0,4-8 90,0 7 449,0-3-449,0 4 0,0-3 0,0 2-90,0-3 0,0 0-90,4 4 89,-3-4 181,7 12-90,-7-5-90,3 5-180,-4-3 90,0-4 90,0 3-90,0 1-90,0-4-90,0 8 270,0-8-270,0 8 270,0-4-90,0 1-90,0 6-90,-4-1-3187,-1 4 2802,0-6-894,-4-4 1279,8-5-359,-7 0 179,7 1 90,-3-1 90,0 0 1634,3-4-2264,-3 4 2048,4-8-1778,-4 7-629,3-7 449,-4 7 630,5-7 0,-4 8 0,-1-4 0</inkml:trace>
-  <inkml:trace contextRef="#ctx0" brushRef="#br1" timeOffset="386969">24302 10845 9691,'5'0'180,"4"0"0,-4-4-270,0 3 180,3-3 90,-3 4-90,1 0-180,2 0 0,-7 0 180,7-4-180,-7 3 0,8-3 0,-8 4 90,7 0-359,-7 0 179,3 0 180,0 0-540,-3 0 90,3 0-539,0 0 449,-2-4 180,2 3 360,0-3 0,-3-1 0,3 0 0</inkml:trace>
-  <inkml:trace contextRef="#ctx0" brushRef="#br1" timeOffset="387493">24544 10697 5824,'5'0'270,"0"4"-181,-5-3 91,0 3 90,0 0-90,0-3 0,0 7-180,0-7 360,0 8-90,0-8 269,0 7-179,0-3-180,0 5 0,-5-1 90,4-4-180,-3 7 90,0-10 0,-1 19-1,0-14-89,-3 11-90,7-5 90,-8-2 0,4 6 90,0-2-270,-3-1 180,2 4 0,-7 5 0,3-3-90,0 3 0,-2-1-180,6-7 270,-4 4-450,2-6 180,7-4 1,-7 1 179,7-1-540,-7-4 270,6 3 90,-2-6-90,4 2-337,0-4 0,4-13 0,2-2 0</inkml:trace>
-  <inkml:trace contextRef="#ctx0" brushRef="#br1" timeOffset="388188">24535 10529 7713,'-5'0'0,"1"0"719,4 0-629,8 0 270,-6 4 0,6 2-180,-8-1 89,4 3 1,-3-3-90,4 4-90,-1 1 90,-3-1 0,3 0-270,-4 1 0,4-1 270,-3 4-180,7-6-90,-7 5 180,4-7-180,-1 17 270,-3-6-90,3 7-90,-4-5 180,4-4-90,-3 9-180,3 1 180,-4-5-90,0 3-180,0-8 270,0 1-270,0-2-360,0 1 360,4-4-449,-3 4-91,8-5 450,-8 0-629,7-4-91,-3 4 451,4-8 539,-3 3 0,2-4 0,-3 0 0</inkml:trace>
-  <inkml:trace contextRef="#ctx0" brushRef="#br1" timeOffset="390557">24767 10678 7803,'5'0'539,"3"0"-449,-2-4 0,-1 3 0,3-3 0,-7 0 0,7-2 0,-3 1 90,1-3-180,2 7 180,-3-11-270,0 10 0,-1-11 180,0 8 0,-2 0-180,2-3-90,-4 2 90,0-3 90,0 0 0,0-1 0,-4 5 0,2-3 0,-6 3 0,3 0 0,0-4-90,-12 4 540,6-4-360,-12 4-180,9 1 180,0 4-360,9 0 0,-3 4 270,7 1-180,-3 0 180,0 7 0,3 3-90,-8 9 270,8-5-180,-3-1-90,4 0 270,0-7-180,0 6 0,0-7 0,0-1 90,0 0-90,0 1 90,0-5 0,4 3 0,5-7 0,-2 3-90,5-4-90,-7 0-180,0 0 90,4-4 0,-4 3 90,8-11 90,-2 6-90,2-12 90,-4 12 180,-3-7-180,-2 8 0,0-4 180,-3 4 0,3-4-90,-4 8-90,0-3 90,0 0-180,0 3 90,0-3 0,-4 4 0,3 0 90,-3 0-90,4 4 180,0 5-180,0 2 0,0 2 270,0-4-270,0 1 0,0-1 269,-4 0-179,3 9 0,-4-3 180,5 8-180,0 0 90,0 5-90,0 9-180,0-3-183,0-2 363,0-5-90,0-7 0,0 7 0,0-8 0,-4 16 0,3-13 90,-3 13-270,0-7 180,3-3 90,-3 2-90,0 0 0,-1-7 363,-1 7-93,-2 0-270,3-2 90,-4-1-90,3-7 0,2-8 0,0 1 90,-1-1-90,0 0 0,-3-3 0,2-2 90,1-4-90,-7 0 90,10 0-90,-11 0 0,8-4 89,-4-10-268,0 3-91,0-11 360,4 12-450,-3-8 180,7 4-90,-4-5 270,5 1-629,0-1 269,0 4 90,0-2-360,5-2 270,0 0 181,4-4 89,0 8-90,0-2-270,8-6 360,3-2 0,0 1-344,1 3 254,-6 10 0,-1-2 90,4 4 90,-8-1 0,8 1 0,-4 0 0</inkml:trace>
-  <inkml:trace contextRef="#ctx0" brushRef="#br1" timeOffset="391411">25055 10613 7533,'-5'0'180,"1"0"89,4 0-89,0 4 90,-4 1-180,3 0 90,-3 4-90,0-4 0,3 4 0,-3-4 0,4 4 0,-5-4-90,4 4 270,-3 0-1,4 1-179,-4-1 0,3 0 0,-3 1 90,4-1 0,0 0-270,-4 1 180,3-1 180,-3 8-360,4-5 0,0 5 180,0-7-180,0 3 0,0-3 90,0 4 90,0-5-180,0 0 90,0 5 0,0-8-180,4 6 90,-3-6 90,7 3 0,-7 0-449,7 1 179,-2-5 180,-1-1-450,7 0 360,-10-3-90,11 3-539,-8-4 359,0 0 90,3 0 360,-7 0 0,8-4 0,-4-1 0</inkml:trace>
-  <inkml:trace contextRef="#ctx0" brushRef="#br1" timeOffset="391760">25102 10715 9152,'5'5'719,"-1"0"-269,-4-1-270,4-3 0,-3 7 0,4-3 0,-1 0 90,-3 4-360,3-8 90,0 3 179,-3 0-358,3-3 179,0 3 0,-3 0 90,4-3-270,-1 8 360,-3-4-630,3 0 180,0 3 0,1-7 270,4 3 0,-3-4 0,2 4 0,-3 2 0</inkml:trace>
-  <inkml:trace contextRef="#ctx0" brushRef="#br1" timeOffset="392085">25204 10669 7533,'-5'0'539,"1"0"-988,4 0 359,-4 0-90,3 0 90,-3 4 180,0 1 809,-2 0-179,1 4-450,1-4 0,0 0-180,3 3 179,-3-3-179,0 0 90,3 4 180,-8-4-360,8 4 90,-3 1 90,0-1-180,-1 13 180,0-10-450,1 10 180,-1-13 90,4 0-270,-3-4 0,0 8 270,3-7-180,-3 3 0,4 0 91,0-8-721,0 7 450,0-7-68,0 3 1,4-12 0,1-3 0</inkml:trace>
-  <inkml:trace contextRef="#ctx0" brushRef="#br1" timeOffset="392960">25186 10557 7533,'0'-5'-1350,"0"-3"1350,0 7 0,0-8-269,0 8 449,0-3-91,0 0 91,0 3 810,0-3-900,4 12 0,-3-6 180,3 7-1,-4-9-179,0 4 0,0-3 180,4 3-90,-3 0-90,3-3 0,-4 3 90,5 0-90,-4-3 90,3 8-180,0-8 90,-3 7 90,3-7-91,-4 7 1,4-3 0,-3 1 90,3 2-90,0-7 90,-2 7-90,6 1 0,-7-2 0,3 5-90,-4-3 0,0 2 90,4 2-180,-3 1 180,3-8-90,-4 6 0,0-7 180,4 13-180,-3-7 90,4 7-90,-5-9 0,0-4 90,0 8-180,0-7 180,0 7 0,-5-3 0,4-1-90,-7 0 90,7 1-90,-7-1 89,7 0-89,-3 0 90,-5 5-90,7-4 90,-10 8-90,7-4 90,0 5-449,-4-5 269,8-4-90,-3-2 180,0-3-450,3 4 180,-3-3 90,4 2-449,0-7-91,0 7 450,0-7-270,0 3 0,4-4 1,1 0-1</inkml:trace>
-  <inkml:trace contextRef="#ctx0" brushRef="#br1" timeOffset="398544">1191 18362 7533,'-16'5'-630,"4"3"630,12-7 0,0 7 0,0-2 0</inkml:trace>
-  <inkml:trace contextRef="#ctx0" brushRef="#br0" timeOffset="407310">2782 11720 7533,'5'5'-90,"7"3"899,-6-2-269,8 3 270,-1 8 179,10 15-809,-6-5-395,0 8 485,-8-12-173,-8-3-7,3 3 90,-4-1-3294,0 2 3024,0 4-280,-9 16 101,3-7 269,-11 12 0,6-16 5,-2-1-95,-1-4-90,4 0 180,-3 0-90,3-4 90,-3 7 0,-2-11 2977,5 7-3157,-6-8 619,5 0-529,-7-5-90,3-5 90,2-5 90,3 1-90,5-4 0,-3 3 90,3-4-89,0 0 178,0 0-268,5 0 89,0-4 270,5 3-270,0-8 449,8 8 181,2-7-270,3 7-90,-3-3-90,2 4 270,-6-4 89,15 3-269,-10-3 90,11 4-90,-8-5 180,7 4 0,3 1-360,8 0 0,-6 2 0,0 2 0,1 5-3277,-8-4 3162,-6-1 25,0 0 90,-12-3-540,6 8 90,-6-8-629,7 7 899,-7-7 0,7 3 2043,-12-4-2673,7 0 271,-3 0 539,0 0 0,4-4 0,-4-1 0</inkml:trace>
-  <inkml:trace contextRef="#ctx0" brushRef="#br0" timeOffset="408986">3368 12232 7533,'0'-6'0,"0"2"90,0 0 90,0 3 179,0-7 1,-4-2-90,3 4-90,-3-6 0,0 7-180,-1 0 0,-5-4 270,5 8-90,-3-7-360,3 7 180,-25-3 0,11 4-90,-16 0 90,12 8 0,8-2 90,-3 8-3367,9-5 3252,-1 4 25,1 2 179,0 4 1,4-5-90,0 4 90,5-8-90,0 12 0,5-11-180,-4 7-90,11-9 270,-6 0-90,8-4-270,-1-1 1,10-4 89,-2 0 90,6 0 3122,-1-8-3212,-5 2 0,2-12-90,-1 4 0,-11-1 180,7-2-89,-9 7 268,-4-4 1,3 5-180,-7 0 90,3-1 180,-4 5-270,0-3 270,0 7 180,-4-3-90,-5 8-270,3-3 450,-7 7-270,12-3 0,-7 9-1,7-4 181,-7 3 180,7 5-450,-3-7-270,4 7 180,0-9-720,12 9 181,-1-11 89,8 5 180,-6-12 90,1 0-539,-4 0-91,12 0 450,-11-4-179,7-1 539,-9-4 0,1 4 0,-1-4 0,0 4 0,0-4 0,1 0 0,-1-1 0,5-3 179,0-2-89,0 1 360,0 5 0,-5-4 719,5 3-179,-4-9-720,3 5 359,-7 0-179,2 5-90,-7 4-1,3-7-89,-4 5-270,0-6 180,0 4 0,-4 3-180,3-2 0,-7 7 270,2-7-360,-7 3 0,3 0 90,-4-4-360,-3 8 180,1-3 90,-2 4-269,-4 0 269,10 0-90,-5 4 0,8 1 90,-1 5 0,5-1 0,-3 0-90,7 13 180,-3-10-90,8 18 0,-3-18 0,11 5 90,-6-7-90,8-5-90,-1 3 270,2-7-180,8 3 90,-4-8 0,0 3-89,-6-7 89,-3 3 0,-1-5-90,4-7 90,-6 1 90,5-2-180,-11 0 90,3 8 90,0-8-1,-3 8 1,-1-4-90,-5 9 180,-4 1 0,-1 4-180,5 0 270,-3 4 0,3-3-270,0 8 270,0 4-90,5 7 89,0 12-179,0-8-90,0 3 90,0-8 90,5 8-180,-4-7 180,7 20-180,-3 2-425,0-14 1,-1 1 514,2 20-90,-2-1 90,-4-19 0,0 0-90,-4 10-740,4-9 1,-1-3 828,-8-3 1,4 11-90,-4-9 90,4 6-90,-4-14 90,4-4-270,0-9 90,-3 3 90,3-7 944,-1 4-1214,-2-5 1745,-1 0-1655,-1-5-90,-8 0 270,8-4-359,-8-5 89,4 0 0,-1-5 180,-3 1 0,8-1 0,-3 1-90,7 3 90,2-2 180,4 2 90,0-4-270,0 1 90,13-5 0,-6 4 90,15-4-90,-4 0 90,2 3-270,3 2 180,-5 4 0,1 5 0,4 0-630,-4 4 271,4-4 89,0 8 90,-3-3-900,6 4 451,-6-4 629,2 3 0,-3-3 0,-1 4 0</inkml:trace>
-  <inkml:trace contextRef="#ctx0" brushRef="#br0" timeOffset="409897">4140 11711 7533,'-9'4'-360,"-1"1"900,1 4-181,0 1 1,-1 3 0,1-3 90,0 8-270,0-8 89,-1 8 181,1 9 90,-5 7-180,4 16-305,5-22 0,1 0 125,0 21 0,4 0-45,0-22 0,0 0 89,-1 6 1,2 0-180,0-4 0,2-2 45,-1 1 0,1-3-270,2 2 180,8 1-179,-3 5 89,9-4-1979,12 6 1709,-10-23 180,10 5-1529,-12-13 1709,0-3 0,-1-1 0,1-5 0</inkml:trace>
-  <inkml:trace contextRef="#ctx0" brushRef="#br0" timeOffset="416324">4438 11887 7533,'-15'4'989,"2"2"-809,4 3 180,-1 9-180,5-7 0,-3 6 0,3-3-91,0 0 91,-4 5 0,8 0 0,-7 16 0,3 4-90,0 0 90,0 1-90,5-17-90,0 1 270,0 11-180,5-9-270,-4 6 450,11-9-450,-10-13 180,11 3 0,-8-12 0,12 3 0,-5-4-90,9 0 0,2-9 90,-2 3-90,2-11 90,3-2 0,-10-9-445,11 3 445,-13-1 0,0-1 0,-5 2 0,0-3-90,-3-7 90,-2 5 0,-4-3 0,0 6 0,0 12-180,-4 2 90,-6-5 90,-4 7-180,-5-7-90,1 13 270,3-3-89,-7 7-91,7-3 445,-12 4-355,7 0 270,2 0-270,0 0 0,8 4 180,-4 1-180,5 4 180,0 5 89,-5 0-268,8 1 358,-2-2 1,8 1-270,0-4 90,0 3 90,0-3-90,0-1 180,8 5 90,7 0-91,0 0-89,7 0 0,-8-9-180,5 3 270,8-7-3547,-6 4 3072,5-5-529,-7 0 734,-5 0 90,4 0-1079,-3 0 269,3 0-90,-3 0-359,-2 0 90,1 0 1079,-8 0 0,6-5 0,-7 0 0</inkml:trace>
-  <inkml:trace contextRef="#ctx0" brushRef="#br0" timeOffset="416661">4680 11776 7533,'14'0'2158,"0"0"-1348,-5 0 0,1 0-91,-1 8 1,0-2-360,0 12-1,1-8 1,-1 4 0,0-1-180,1-3 0,-1 8-180,0-8 270,1 8-91,-1-8-269,0 8 90,-4-4 180,4 1-90,-8 10-180,3-12 90,-4 17 0,0-11-90,0 9 90,-4-4-989,-1 7 629,-5-2-809,1-4 539,4 1 270,-4-12-2608,4 13 2608,-4-6 360,4 1 0,-3-8 0,2-5 0</inkml:trace>
-  <inkml:trace contextRef="#ctx0" brushRef="#br0" timeOffset="417050">5136 11980 9781,'9'0'990,"1"0"-630,-1 0-180,0 0-1,1 0-89,-1 5 360,4-4-360,2 3 90,-1-4-630,-1 0 270,0 4 180,-6-3-1259,9 7 360,-5-3-810,3 5 1709,-5-1 0,-5 4 0,-4 2 0</inkml:trace>
-  <inkml:trace contextRef="#ctx0" brushRef="#br0" timeOffset="417250">5173 12213 8432,'0'5'3148,"0"-1"-2878,0 0 450,4-3-1,6 4-898,0-5 179,4 0 0,-1 0-270,1 0-990,13-9-898,2 3 2158,12-7 0,-11 3 0,1 1 0</inkml:trace>
-  <inkml:trace contextRef="#ctx0" brushRef="#br0" timeOffset="420315">6150 11701 7533,'0'23'449,"0"1"181,0 4-90,0 4-1,0 1-179,0-4-180,-4-2 180,-1 0-180,-9 1 90,0 10-270,-1-5 270,2-1-270,-1 4 0,4-10-90,-3 9 269,3-15-358,1 2-1,-4 1-180,-2 9 360,1-6 0,4 1-90,2-18 180,7-1-180,-3-7 90,4 8 0,0-8 540,0 3-271,8-4 1,-2 0-90,12 0 0,-4 0 90,1 0 270,7 0-1,-3 0-269,5 0-180,-1 0 90,-9 0-90,4 0 90,-4 0-180,1 0 180,7 0-90,-11 0-180,11 0 0,-8 0 270,1 0-360,-2 4 180,-8-3-90,3 3-630,-2-4 361,3 0-91,0 0-720,1 4 541,-5-3-1260,7 3 1079,-6-4 810,8-4 0,-1-1 0,2-4 0</inkml:trace>
-  <inkml:trace contextRef="#ctx0" brushRef="#br0" timeOffset="420761">6681 11776 7263,'-5'-5'1529,"0"0"-899,0 5-1,-3 0-89,7 9-180,-7 1-180,7 13 0,-4-4 89,5 4-269,-4-4 90,3-1 90,-3 1 0,4 0-90,0-1 90,0 5 0,-4-3-90,3 2 0,-3 9 90,4-5-270,0 6 90,0-1 90,0-10-270,0 6 90,0-5-360,0-6 270,0 2 180,0-9-1169,4 0 179,-3 0-89,7 1 180,2-5 899,0-1 0,3-4 0,-3 0 0</inkml:trace>
-  <inkml:trace contextRef="#ctx0" brushRef="#br0" timeOffset="421385">6894 11952 7533,'-10'0'1889,"1"0"-2159,9 0 270,-4 0 180,-1 0-180,-4 5-90,3 0 1079,-2 4-179,3 5-1,-4 4-449,-1 6-360,5 0 0,1-2 180,4-3-270,0 0 90,0-1 180,0 1-90,0 4 0,8 0-3367,-1-3 2982,6-2 25,0-5 90,2-7 0,-1 7 90,8-12 90,-2 3-90,8-8 90,0-10 0,-9 3 3276,3-7-3340,-8-3 64,5-4 0,0-12-3212,-5-9 3482,-4 15 90,-2-8-360,-7 23 180,3-5-90,-8 2 0,3 3-180,-7-1 0,-6-1 0,-6-1 3366,-7-1-3430,-1-2 64,4 16 0,1-6 90,9 11-270,-4-4 270,8 10-90,-4 0 90,5 4-180,0 0 180,3 1-89,-2-1 89,3 4-180,0 6 90,-3 1 0,6 7-90,-2-8 180,8 0-90,-2-2 180,10-6-180,-6 2 270,8-4 359,-9 1-269,3-5 180,1 3-180,2-7-270,2 3 90,-4-4-90,5 0 90,-4 0 0,8-4-720,-4-1-1439,21-12 1350,-16 5 179,11-5 540,-16 7 0,-4 1 0,3 0 0</inkml:trace>
-  <inkml:trace contextRef="#ctx0" brushRef="#br0" timeOffset="421778">7192 11804 7533,'0'-14'180,"0"8"449,0-6 91,0 6-1,0 1-269,4-3-270,1 7 360,4-3 179,5 8-179,-4-3-180,4 7 90,-1 2 809,10 12-989,-7-5-90,6 5 359,-8-9-269,-4-3 0,3 4 180,-3-1-270,-1 2 0,0-1 89,1 8 91,-5-3-450,-1 14 90,-4-13-180,0 6 90,-4-3-449,-1 10 179,-9 5 270,4-5-450,-4-6 1,1 0-1620,-2-2 540,-3 3 1619,3-2 0,-2-10 0,2 2 0</inkml:trace>
-  <inkml:trace contextRef="#ctx0" brushRef="#br0" timeOffset="422853">7843 12027 7533,'-10'0'449,"2"0"91,8 4 270,0-3-91,4 3 361,1 0-721,9-3-89,-4 3 360,12-4-450,-11 0 180,11 0 269,-4 0-449,-2 0 180,1 0 0,5 0-180,-9 0-270,12 0 180,-14 0-90,6 0-990,2 0 900,-4 0-719,3 0 269,0 0-1439,1 0 990,1 0 269,-2 0 720,-1-4 0,-6-1 0,6-4 0</inkml:trace>
-  <inkml:trace contextRef="#ctx0" brushRef="#br0" timeOffset="425782">8811 11925 7533,'0'5'-270,"0"7"450,0-6 90,0 8 179,-4-1 1,-2 2-180,1 3-90,-3-3 180,3 11-91,-9-6-89,8 12-270,-6-8 270,7-1 0,-5-5-3457,-3 1 3252,2 0 205,-10 7-90,1 3-270,-4-4 270,6 1-2538,0-16 2448,4 8-598,-5-8 688,0 4-270,1-9 90,-1 3-539,-4-3 359,8 1 0,-7-2 1388,8-4-1478,3-4 0,3-2 90,4-3 270,3 0 0,-3-5 0,4 0 0</inkml:trace>
-  <inkml:trace contextRef="#ctx0" brushRef="#br0" timeOffset="426262">8643 11701 7533,'0'-9'-630,"0"4"1080,0-3 0,0 7-91,0-4-269,0 1 360,4 3-270,2-3 0,-1 4 0,3 4 180,-3-3 89,4 8-269,1-4 180,-1 4 0,0 4-180,1-2 179,-1 2 1,4 5-180,-2-7-180,2 7 270,-4-5-90,1-3 0,-1 8-180,0-8 0,1 4 180,-1-1 269,9 22-539,-7-11 1,2 15 268,-8-8-269,-5 4 180,-9 15-463,3 2 328,-1-26 0,1 0-1075,1 12 1210,-4-7-90,8-4 90,-3-3-180,4 0 180,0-6-180,0-5 90,8 2 90,-1-1-360,6-4 417,-4-2-147,1-7 1257,-1 3-1617,4-4 90,-2 0 90,6 4 90,-2-3-899,3 3 449,-3-4 180,2 0-359,-6 0 179,6-4-809,2 3 1349,1-7 0,2 3 0,-3-5 0</inkml:trace>
-  <inkml:trace contextRef="#ctx0" brushRef="#br0" timeOffset="428867">9481 11450 7533,'-14'14'270,"0"0"179,1 5-269,2-1 90,-2 1 180,-1 8-270,4-7 0,1 11 269,-4 6-269,11-2 0,-10 10 180,7 5-180,-5-14 90,5 8-90,-3 1-3393,7-13 3213,-3 12-181,4-16 361,0 0-90,0 17-90,0-1 180,0 4-360,0-12 90,4-9 90,-3-8-180,3 4 90,0-4 0,-3-1 0,8-3-90,-8 2 180,7-2-270,-3-1 90,0 0 1,3-5-91,-2 4 90,-1-2 0,3-2 3303,-7-1-3843,7-7 541,-2 8-630,-1-8 269,3 3 180,-3-4-269,0 0 629,4 0 0,-4-9 0,4-1 0</inkml:trace>
-  <inkml:trace contextRef="#ctx0" brushRef="#br0" timeOffset="429380">9787 11794 7533,'-5'-5'0,"1"-3"0,4 7 0,0-3 0,4 4 0,10 0 0,5 0 0,9 4 0,-4-3 2428,-1 3-629,0-4-1439,4 0-270,-2 0 0,6 0 90,-11 0-720,3 0 360,0 0 0,-4 0-3097,4 4 2173,-5-3 384,9 3-449,-10-4 449,5 4 271,-13-3-361,0 8 181,-4-8 629,0 7 0,-5-3 0,0 4 0</inkml:trace>
-  <inkml:trace contextRef="#ctx0" brushRef="#br0" timeOffset="429930">9862 11822 7533,'-27'9'629,"15"-3"271,-9 7-91,20 1-359,-3-8-90,4 6-180,4-3 180,5 6-181,6-1-89,-1-4-90,0-2 180,-1-3 0,-3 0-360,8 4 90,-4-4-90,9 4 1,1 0-1,-4 1 0,1-5-270,-6 7 180,-1-6 180,-4 8 0,-6-5 0,-4 0 90,0 5-90,-4-4 0,-2 4 1,-3-1 89,0 2-3277,-5-1 2982,4 4 115,-16 0 270,14 2-180,-14-2 270,3 0-270,7-3 0,-10-1 90,11-1 90,1-3-2179,0-1 1999,5-4 2359,0 3-2089,-1-7-180,5 8 0,-3-8 179,7 7 541,1-3 2556,5 5-2890,4-5-26,9-1-270,-3-4 89,8 0 1,0 0-90,-8 0 180,7 0-90,-3-4 180,9-1-180,-3-1-90,2 2-90,-13 0 180,4 3-90,-4-3-360,5 4 180,-5 0 0,4 0-270,-4 0 90,1 0 180,-2 0-90,-8 0-359,4 0 269,-4 0 0,0 0-90,-1 0 90,0 0-89,-3 0-541,3 0 450,0 0 90,-2 0-270,2 0 1,-4 0 0</inkml:trace>
-  <inkml:trace contextRef="#ctx0" brushRef="#br0" timeOffset="430539">9871 12631 7533,'-5'0'-180,"1"0"2788,4 0-2428,0 5 0,0-4 0,0 7 0,0-3-180,0 0 450,0 8-360,0 1 269,0 6-359,0-2 0,-4-4 180,3 3-90,-8-1 0,8 2-180,-3-4 90,4-1 90,-4-2-270,3 2 270,-3-4 0,0-3-360,3 2 90,-8-7 1,8 7-271,-7-7 180,7 3 90,-7-4-1529,-1 0 270,-2-12 1439,2-4 0,1-7 0,2 0 0</inkml:trace>
-  <inkml:trace contextRef="#ctx0" brushRef="#br0" timeOffset="430758">9732 12371 7533,'0'5'719,"4"3"1,1-6-360,0 6-90,3-7-1,-3 7-89,5-7 0,-5 3-180,3 0 180,-3-3 90,5 4-90,-1-5-270,0 0 90,5 0-180,-4 0 270,4 4-990,-5-3 271,4 3 539,-2-4-1169,2 4 1259,-4-3 0,1 7 0,-1-3 0</inkml:trace>
-  <inkml:trace contextRef="#ctx0" brushRef="#br0" timeOffset="431005">10048 12529 2644,'-9'0'810,"4"4"1443,0-3-1804,5 3 1604,0-4-1874,5 0 248,-4 0-517,7 0 1249,-3 0-1159,4 5 0,1-4 180,-1 3-809,0-4 359,1 0 90,-1 0 180,-4 0-540,3 0 527,-2 4-167,3-3 90,-4 7-899,3-7 989,-7 12 0,3-7 0,-4 7 0</inkml:trace>
-  <inkml:trace contextRef="#ctx0" brushRef="#br0" timeOffset="431200">10067 12659 7533,'-15'6'629,"6"-2"-449,5-4 0,0 0 180,3 0 1709,-4 0-1889,14 0 0,-3 0-180,7 0 89,-3 0 91,-1 0-449,0 0 179,5 0 180,-4 0-90,4-4-990,-1 3 540,-3-8 91,8 8-991,-8-3 181,8 0 1169,-8 3 0,4-7 0,-5 2 0</inkml:trace>
-  <inkml:trace contextRef="#ctx0" brushRef="#br0" timeOffset="431410">10281 12520 10231,'0'13'630,"0"-2"-720,0 2 180,0 5 90,4-7-360,-3 7 0,3-5-180,-4-3 270,0 4-90,0-5-1079,0 0 270,4 5 989,-3-8 0,8 6 0,-4-6 0</inkml:trace>
-  <inkml:trace contextRef="#ctx0" brushRef="#br0" timeOffset="432349">10020 11218 7533,'-9'9'449,"4"0"-269,1 0 360,-5 5-360,7 0 0,-10 1 270,7 11-91,-1 3-269,2 1-90,4 1 180,-4-13-180,3 1 0,-3-1 180,4 1 90,0 0-810,0-5 270,0 4 180,0-8 90,0 3-899,0-3 449,4-1 180,-3-4 270,12 3 0,-3-6 0,9 2 0</inkml:trace>
-  <inkml:trace contextRef="#ctx0" brushRef="#br0" timeOffset="432661">10234 11376 7533,'-4'-5'-270,"3"-4"90,-3 8 0,0-3 0,3 4 1439,-8 0-629,4 0-270,-4 0 180,-9 0-91,-5 4-359,-11 1-90,1 5 90,1 3 0,9-7-270,4 7 90,5-12 180,5 7-180,0-3 180,0 5-360,3 3 360,2-3 90,8 4 0,6-1 90,4-2-270,5-2 0,4 3 90,4-6-810,23 8 181,-8-9 269,3 3 90,-18-7 180,-8 3 0,-1 1 0,1 0 0</inkml:trace>
-  <inkml:trace contextRef="#ctx0" brushRef="#br0" timeOffset="433466">10644 11878 7533,'-9'0'-630,"3"-4"360,2 3 270,0-3 810,3 4-1,-3 0-89,0 0-360,-1 4-90,-5 5 89,5 10-359,1-4 180,0 7 90,3 5-180,-3 3 0,4 15 90,0-11 0,0-2-360,4 20 90,1-30-90,0 16 180,8-30-90,-11-7 90,10 4-180,-7-5 180,9-13-90,0-2-90,1-9 180,-2 1 0,-4 5-270,1-1 91,-5-4-1,3 4-180,-3-12 270,5 6 90,-5-3 0,-1 9-90,-4 6 90,0 3 180,0 1-270,0 4 0,0 1 270,0 4 0,0-4-270,0 3 270,0 5-180,0 6 180,0 9 0,0-1 89,0 9 1,0 2-180,4 4 180,1-9-180,9 2 0,-4-15 0,4 7 0,-5-9 0,0-4 0,0-1 0,1-4 90,3-4 89,2-5-89,3-10-270,-7 4-359,5-19 179,-10 16 180,4-13-810,-2 17 181,-7-4 539,3 12-540,0-6 181,-3 6 539,8 1 0,-8-3 0,3 3 0</inkml:trace>
-  <inkml:trace contextRef="#ctx0" brushRef="#br0" timeOffset="433836">11156 12185 8702,'0'9'1619,"0"5"-1439,0 0 0,0 1-180,0-2 270,0 1-90,0 8 0,0-1-1,-4 6 91,3 0-270,-3-7 90,-1 7 90,4-8-270,-3-1 0,0 13-90,3-13 90,-3 8 0,0-13 180,3-6-539,-3 5 179,4-7 180,0 0-270,-5-1 0,4-4-719,-7-8 629,3 2 0,0-12 181,1 4-631,4-5 900,0 1 0,-4-9 0,-2-2 0</inkml:trace>
-  <inkml:trace contextRef="#ctx0" brushRef="#br0" timeOffset="434032">11184 11971 7533,'-5'0'3276,"0"4"-2864,5 1 37,0 5-269,0-5-540,5 3 360,-4-3-1259,7 0 719,-7 0-1259,11-1 1799,-2-3 0,5 7 0,-2-3 0</inkml:trace>
-  <inkml:trace contextRef="#ctx0" brushRef="#br0" timeOffset="434518">11648 12111 7443,'-5'0'629,"1"0"1440,4 0-1889,8 0 180,-1 0-90,10 0-90,-7 0 0,16-5 269,-1 4-584,3-3 0,2 0 135,13 3 0,2-3-1169,-19 4 180,-8 0 809,-2 0-1169,6 0-1928,-12-4 3068,8 3 0,-8-7 1,3 2-1</inkml:trace>
-  <inkml:trace contextRef="#ctx0" brushRef="#br0" timeOffset="434814">12226 11831 7533,'-6'-5'1169,"2"1"-1079,8 4 0,-3 9 450,4 1-271,-5 4-89,0 0 360,0-1-270,0-2 449,0 10-269,0-9-270,0 5 0,0-3 90,0 0-90,0 1 0,0 2 179,0 18-179,-5-7-270,4 25-449,-3-15 179,4 4-630,0 0 181,0-9-630,0-5 269,4-10 811,2-8-271,3-6 630,0-4 0,1-4 0,-1-1 0</inkml:trace>
-  <inkml:trace contextRef="#ctx0" brushRef="#br0" timeOffset="435269">12561 11590 7533,'-10'-10'0,"5"1"90,1 0-90,4 4 0,4 0 269,1 5-89,5-4-360,-1 3 720,-4-3-270,3 8-180,-2-3 90,3 8 719,0-4 1,1 12-1,7 3-179,-6 12-270,7-3-1,-9-1-179,1 7-90,-1-13 0,-4 13 90,3-16-180,-7 8 90,7-7 0,-7 7 0,7 5-3457,-7-2 3431,8 6 26,-8-8-345,3 0 165,-4 0 89,0 4-178,0-3 89,0 3 89,-8 12-268,-3 5 269,-3-1-893,-3-3 623,2-17 90,-3 0-989,-9 16 674,11-22 0,-1 1-765,-6 7 1,-1-1 320,5-8 1,-1-2 623,0-1 0,0-1 225,-8 1 0,0 1 0,0 0 0</inkml:trace>
-  <inkml:trace contextRef="#ctx0" brushRef="#br0" timeOffset="438386">1647 13311 7533,'-15'5'-540,"-2"3"900,6 1-180,-2 2 359,-5 19-449,11-13 180,-9 14 270,10-4-450,1-2 270,1 3-1,4 7-359,4-13 180,1 9 0,5-9-270,3-2 180,10 7 90,-2-12-180,10 3 0,1-9 0,10-4-90,10-13-2359,-9 1 2269,-6-15 90,-2-1 85,-9-6-85,6-8 90,-14 8 0,-4 2 90,-9 1-90,3 5 0,-7-10 90,3 3-90,-8 3 0,-1-2 90,-4 9-90,-1-1 0,-3 1 2509,3 3-2779,-20-2 270,8 6-269,-14 2-3008,8 5 2927,4 4-472,-3 0 192,7 0-198,-7 0 558,8 4 0,-4 5-270,9 2 91,0 6 449,5-2 0,0 3 0,-1 1 0</inkml:trace>
-  <inkml:trace contextRef="#ctx0" brushRef="#br0" timeOffset="438940">2131 13524 7533,'-4'10'359,"3"-1"-179,-8 0 0,8 1 0,-3-1 0,4 4 0,0 2-180,0 8 0,-4 0-2051,3 5 2231,-7 4 0,3-3 0,-1 3 0,-2 0-180,7-3 270,-7 20-502,7-17 143,-3 12-237,0 1 236,3-13 0,-4 12-2409,5-20 2589,0-1 444,0-5-714,0-3 617,0-2-617,5-8 294,-4 0-564,7-14 270,-3 3 1,0-16 2761,3-5-2942,-2 1 90,-1-9-269,-1 3 539,-6-1 0,0-2 0,1-10 0,-4 10 0,-3 1 0,-2 1 0</inkml:trace>
-  <inkml:trace contextRef="#ctx0" brushRef="#br0" timeOffset="439187">2056 13664 7533,'13'-36'239,"-1"1"1,-1 0 0,0 7 120,2 13 180,6-3-90,5 3-271,-5 6 1,-1 5 0,-5 4 90,-2 0-90,2 0 0,0 0 180,2 0-180,-1 4-1,-1 1 1,-3 8 0,-5-2 0,3 6-360,-7 2 360,3 1-270,-4-2 90,-4 12 0,-1-12-180,-4 13 0,-1-4 180,1-7-269,0 7-1,-4-4-810,-2-3 810,1-2 1,1-9-541,3 0 360,-3-8-719,-2 3 629,1-4 181,5 0-461,0 0 1,4-4 0,-4-1 0</inkml:trace>
-  <inkml:trace contextRef="#ctx0" brushRef="#br0" timeOffset="439456">2549 13404 7803,'5'4'719,"-1"1"-179,-4 4-270,0 5 89,0 0 91,-4 5-180,3-1 90,-7 1 269,3 8-269,-5 2-450,1 0 360,4 2-90,1-12-450,4 4 180,-4-4 180,3-1 0,-4 1-1259,5-1 269,0 5 810,0-11-1259,5 4 630,-4-15 179,3 3-180,-4-4 271,0 0 449,0-8 0,0-2 0,0-9 0</inkml:trace>
-  <inkml:trace contextRef="#ctx0" brushRef="#br0" timeOffset="439647">2372 13534 7533,'-9'-4'-450,"4"-1"1259,0-1-269,5 2 540,0 4-451,9 0-539,5 0 0,10 0-450,0 0 270,3-4-403,-8 3 223,4-3-179,0 0 179,-3 3-270,15-3 270,-14-1 90,10 4-89,-12-3-631,0 4 360,-5 0 271,4 0-546,-8 0 0,8 0 1,-4 0-1</inkml:trace>
-  <inkml:trace contextRef="#ctx0" brushRef="#br0" timeOffset="439831">2810 13469 7533,'0'5'1079,"0"7"-719,0-10-270,0 11 90,-5-4-360,4 1 270,-7 8-90,7-4 90,-7 13-90,3-6 0,0 6 90,-4 4 0,8-9 0,-3 9 89,4-17-538,0-1 89,0-3 180,0-1-810,0-4 451,0 3 179,0-6 225,0 2 0,4-17 0,1-2 0</inkml:trace>
-  <inkml:trace contextRef="#ctx0" brushRef="#br0" timeOffset="440006">2782 13311 7533,'-4'-6'449,"3"-2"-179,-4 7-90,5-3 1079,0 4-899,5 4-630,-4 1-179,7 13-361,-3-3 720,0 4-899,3-6 89,2 1 900,0-4 0,8 4 0,-4-5 0</inkml:trace>
-  <inkml:trace contextRef="#ctx0" brushRef="#br0" timeOffset="440615">3080 13543 7533,'-6'0'-990,"-2"4"900,7-3 0,-3 3 360,0-4-180,3 0 0,-3 0 0,0 0 360,3 5 89,-8 0-179,8 0 0,-7 3 0,3 1-90,-5 2-90,5 6 0,-3-2-270,3-1 180,0 8-1,-4-6-3366,4 15 3073,0-7 114,-3 0 161,7-2-341,-3-8 180,4 5-539,0-5 359,0-4 90,0-2-360,0-7 3429,0 3-3069,4-12 72,1-3-162,4-7 90,1-1 90,3 1-269,-3-1 359,8-12 0,-12 9 0,7-9 0,-8 4 0,4 11-90,0-6 90,-4 13 180,4 0 269,-8-1-269,3 5-90,-4 1 360,4 4-180,-3 0 90,3 0 89,0 0-89,-3 4-90,4 5 0,-5 6-90,0 3 0,0-3-180,0 3 0,0-8 179,0 7-358,0-6 89,0 2 180,0-3-360,4-1-90,-3-4 360,7-1-180,-7-4 180,7-8 0,-3 2-360,1-8 90,2 5 90,-3 0-89,0-1-181,8-7 180,-11 5 270,10-5 90,-7 12-90,0 0 180,4 5-90,-4 5-90,0 0 90,-1 0 270,0 3-91,-3-3-89,4 5 270,-1 3-360,1-2-180,0 2 90,7-4-720,-1 1 91,12-1 539,-8-4-720,7-1 810,-8-4 0,5-4 0,0-1 0</inkml:trace>
-  <inkml:trace contextRef="#ctx0" brushRef="#br0" timeOffset="441055">3536 13636 7533,'0'-9'1169,"0"0"-899,0-1-90,0 5 180,0-3-181,0 3-179,-4-1 90,-2-2-269,-7 7-1,3-3-90,-4 4 180,5 0 0,-5 0 0,8 0 90,-6 0 0,7 0-90,-1 4 90,2 1 0,4 0 0,0 8 0,0-7-90,0 8-90,9-1 0,-3-7 180,7 7-90,-8-12 90,4 3 0,-8-4 0,7 0-90,-3 0 0,5 0 90,-5 0 0,3-4-90,-7 3 90,7-8-179,-7 4 89,8-8 90,-4 2-90,0-6 270,-1 6-1,-4-2 1,0 8-270,0 1 990,0 4-270,-4 8-181,-1-2-179,0 16-180,0-11-360,10 15-719,-4-19 539,7 6 180,-3-13 90,9 0-269,4 0 449,-2-4 0,9-6 0,-5-4 0</inkml:trace>
-  <inkml:trace contextRef="#ctx0" brushRef="#br0" timeOffset="441470">3861 13162 7533,'0'5'0,"0"3"270,0-7 269,0 12-359,0-7 180,0 7-180,0 1 0,-4-4 0,3 8 179,-8-4-179,8 9 0,-7-4-90,7 4 90,-7-4 0,7 4-270,-8-4 180,4 12-270,0 2-90,1-3 270,0 1-90,3-12-719,-3-1 449,4-3 90,0 2-539,4 2 449,-3-3 90,3-3 270,4-5 0,-2-7 0,8 3 0</inkml:trace>
-  <inkml:trace contextRef="#ctx0" brushRef="#br0" timeOffset="442123">4084 13469 7533,'-5'0'90,"-3"0"179,3 4-89,-1-3 180,-2 7 90,3 1-90,-9 6-180,8-1 0,-6 0-91,11-1-178,-7-2 448,2 6-1078,1 6 449,1-11 270,4 9-810,0-20 181,0 3-1,4-4 90,1-8 540,5 2 0,-1-12 0,0 4 0</inkml:trace>
-  <inkml:trace contextRef="#ctx0" brushRef="#br0" timeOffset="442514">3982 13394 7533,'-4'-9'0,"3"0"449,-4 4-89,1 0-90,3 1-90,-3 3 0,4-3 0,0 4-180,4 4-90,-3-3-360,12 8 90,1-4-449,2 0 449,5-1 180,-6-4 0,4-4-90,-1 3 0,1-7 1,-1 7 269,1-8 0,-4 4 0,2-4 0,2-5 0,-4 4 0,11-8 0,-15 12 0,7-2 0,-13 4 0,3 3 90,-6-3 89,6 4-89,-7 0 540,3 0-180,0 0-360,-3 0 449,3 4 91,-4 5-360,0-3 180,4 11 359,-3-7-719,4 9 90,-5-5 0,0 0 90,0-1-360,0-3 90,0 4 180,0-1-180,0-2 0,0 6 90,0-6 90,0 6-720,0-7 270,0 4 90,0-1 90,0-2-899,0 2 179,0-4-359,0 1 629,0-5 540,0-1 0,0 0 0,0 1 0</inkml:trace>
-  <inkml:trace contextRef="#ctx0" brushRef="#br0" timeOffset="442807">4363 13311 5824,'6'0'1979,"-2"8"-1530,0 2-89,-3 9-180,3-5 180,-4 0 0,0-1-91,0-3 91,0 4-90,0-1 90,-4 6-360,3-4 180,-3 3 0,4-5-270,-4-2 90,3 6 180,-4-6-1080,5 2 270,0 1 1,0-4 269,0-1 90,0-5 90,0 0-989,0-3 1169,0 4 0,5-5 0,0 0 0</inkml:trace>
-  <inkml:trace contextRef="#ctx0" brushRef="#br0" timeOffset="443223">4261 13431 7533,'-5'0'-1080,"1"0"900,4 0 720,0-4-270,0 3 989,0-3-359,12 4-540,-5 0-181,11 0-179,-9 0 180,1 0 0,-1 0 0,0 0-270,1 0 90,-1 0 0,0 0 180,0-4-450,1 3 270,-1-3-629,0 0 359,1-1 180,-1-1 0,0 2-450,5 0 90,0-1 450,9 0 0,-7 1 0,1 4 0</inkml:trace>
-  <inkml:trace contextRef="#ctx0" brushRef="#br0" timeOffset="443534">4568 13376 7533,'-9'5'-90,"4"-1"270,1 0 0,-1-3 809,4 7-449,-3-2 359,4 7-269,0 1-450,0 1-180,0-2 180,0-3 89,0-1-89,4 0-270,-3 1 180,8-1-90,-4-4-270,0 3 270,3-2 0,-2-1-899,3 3 449,0-7 270,0 7-899,1-7 629,-1 8 90,0-8 91,-3 3-541,2-4 270,-3 0 91,4 0 449,1 0 0,-1-9 0,0-1 0</inkml:trace>
-  <inkml:trace contextRef="#ctx0" brushRef="#br0" timeOffset="443864">4754 13385 8972,'-5'0'1529,"-3"4"-1349,7 1 0,-7 5 90,7-1 89,-8 0-179,4 1 0,-4 3 90,4-3-90,-4 8 0,4-4 0,-4 1 0,0 2 0,-9 6-1,3 6 91,-8 4-881,8-5 701,-2 3-180,6-6 270,-6 7-450,2-4 180,-7 12 180,2-9-360,-3 9 270,9-12-180,-4 0 0,-1 8-90,0 3 181,0-5-1,6-3 90,3-13-360,1 1 90,0 0 0,0 3-360,-1-6 271,1 1 89,4-3-450,-4-8 181,8 6 179,-3-11 0,4 4-27,0-5 0,9-13 0,1-2 1</inkml:trace>
-  <inkml:trace contextRef="#ctx0" brushRef="#br0" timeOffset="445328">5554 13059 7533,'-5'-5'-810,"-3"-3"630,7 3 630,-3 0-180,-1 0 90,4 1-91,-7 3 1,7-3-90,-7 4-90,7 0 360,-7 0-360,2 4 90,-3 1 270,-4 21-181,2-4-179,-6 23 90,6-16 0,2 8 90,5 11-135,3-6 0,2 3-135,-1-6 0,0 1-1067,0 6 0,0-3 1067,0 7 90,0-13-698,0 0 518,-4 1 90,3-1 0,-3-4-270,-1 3-90,4 6 180,-3-11 0,4 4 180,0-17-539,0 1-1,0 0 360,0-5-630,0-1 91,0-7 359,0-2 730,0-4 0,-8-9 1,-2-1-1</inkml:trace>
-  <inkml:trace contextRef="#ctx0" brushRef="#br0" timeOffset="445541">5173 13469 7533,'0'-15'0,"-4"2"629,3 4-179,-3-1-90,4 1 0,0 0-1,0 3 91,8-2-450,-1 7 180,10-3 180,1 4-450,6-4-90,20 3 90,-12-3-3187,13 0 3252,-21 3-1810,2-4 1475,-6 1-809,15-1 269,-5-8 630,3 6-179,-6-5 89,-12 11 360,2-7 721,-6 7 0,2-8 0,-4 4 0</inkml:trace>
-  <inkml:trace contextRef="#ctx0" brushRef="#br0" timeOffset="446431">5647 13301 7533,'-4'10'0,"3"-5"90,-7 3 90,3-7 179,-5 11 1,5-5-90,-3 6 180,3 5-270,0-7 0,-4 11-180,8-12 359,-3 16-179,4-14-180,0 14 0,0-16 180,0 4-270,0-1-90,0-2 270,0-2-90,4-1-90,6-7-90,0 3 90,3-4 0,1 0-89,-4-4 179,4-1-270,16-25 270,-16 16 0,16-20-90,-25 23 180,4-6-180,-8 6 270,7-10-180,-7 9-90,3-9 270,-4 6-180,0 1 90,-4 0-90,-5 5 0,-2 0-270,-6 3 180,6 2-90,-2 4 180,3 0-270,1 0-90,0 0 360,0 0-270,-1 0 90,5 4 91,-3-3-1,7 4 0,-3-1 180,4-3 0,0 7-180,0-7 269,0 3-179,0 0-89,0-3 268,4 3-179,1-4 0,4 0 0,5 0-90,0 0 90,5-4 0,-1 3 0,-3-7 0,-2 7 0,1-7 0,-4 7 180,12-8 0,-2 4 90,-1 0 180,3 5-180,-12 5-180,0 5 0,-2 3 0,-7-3 0,3 8-90,-4-8-90,0 8 180,0-8-1,0 8-178,0-4 178,-4 9 1,3 1 0,-3-5-90,4-5-180,0-6 270,0-7-90,0 7-90,0-7 270,0 3-90,0-12-90,4-2 0,-3-5-90,7-2-90,-3-2 91,0-9-91,4-5 90,-4 8 0,4-5 90,-4 15 180,0-4-270,-1 10 180,1 1 0,0 7 179,3-3-89,-3 8-90,1 1 90,-2 4-180,0 1 90,-3 7 180,7-1-270,-7 2 0,3 0 90,-4-8-90,5 4 0,0-1 0,0-7-90,-1 7 180,-4-12-90,4 3-270,-3-4-180,3 0 450,1 0-90,-4 0 0,3 0-179,-4-4 269,0 3-90,0-8-180,4 8 0,-3-7 90,3 7 90,-4-7-90,0 7-90,0-8 90,0 8 1,0-7-91,0 7-180,0-3 360,0 0-90,0 3-450,0-3 630,0 12 0,-4-2 0,-1 8 0</inkml:trace>
-  <inkml:trace contextRef="#ctx0" brushRef="#br0" timeOffset="447817">6736 13311 7533,'-9'0'-270,"4"-5"180,1 4 0,4-3-180,0 4 0,0 8 0,0 3 1</inkml:trace>
-  <inkml:trace contextRef="#ctx0" brushRef="#br0" timeOffset="450134">6541 13171 7533,'-9'-9'180,"3"4"629,2-4-629,4 8 899,0-3-629,0 17-360,0-2 90,-4 12 180,3 3-90,-3 8-2312,4 0 2132,0-2 90,0-5-1,0-4-89,0 14 0,0-3-90,0 11-90,0-11-90,0-2 180,0-13 0,4-2-179,1-6 2310,5-2-2131,-1-5-89,0-4 89,9 0-180,2-8 180,3 2 0,0-8-180,0-7 0,1-4-180,-1-17 270,0 4 0,-5-7-154,1 2 154,-5-3 180,0 3-180,-9 15 90,-1 2 90,-4 11 90,0-3-90,-4 7 0,3-1-1,-8 11 426,4-3-605,-4 12 180,4 6-90,1 2 180,-1 10 0,9 22-91,-3-4-366,4-10 1,3-1 276,7 1 90,-1-7 0,-1-14 0,1-3 180,4-1-180,6-4 0,-4-1 90,2-4-90,-12 0-1,3-4 915,5-5-824,-2-6-360,6-7 360,-7-2-270,-2 0 0,-8 1-90,4-3 0,-8 5 270,3-2-3367,-4 6 2622,0 2 385,0 1 90,0-4-899,-4 4 359,-1-5 91,-1 4 179,2 2-270,4 8-89,0 1 509,0 4 0,0 0 0</inkml:trace>
-  <inkml:trace contextRef="#ctx0" brushRef="#br0" timeOffset="451521">7611 13329 7533,'-21'-10'2878,"4"-3"-3598,22 12 361,-4-7 179,3 7-270,-4-3 157,0 4 1,0 12 0,0 4 0</inkml:trace>
-  <inkml:trace contextRef="#ctx0" brushRef="#br0" timeOffset="451697">7573 13552 7533,'-14'0'0,"5"0"1349,4 0-809,5-4-360,0 3-810,0-3 180,5 4 180,-4-4-90,3 3 91,-4-3-91,0 4 180,0-4 180,0 3 0,4-8 0,1 4 0</inkml:trace>
-  <inkml:trace contextRef="#ctx0" brushRef="#br0" timeOffset="457856">4671 14892 7533,'-6'0'-270,"2"-4"899,4 3-89,0-8-180,-4 8 0,3-7-180,-7 7 90,7-7 269,-7 3-449,2-5-90,1 5-3032,-7-7 2942,6 10-417,-12-11 507,8 12-90,-4-3 0,1 4 90,-6-4-89,0 3 89,-4-3 0,0 4-90,-1 4 90,0-3 90,6 7-1,4-3-89,5 5 777,-4 3-777,2 10-2178,-2-7 2357,8 10 1,-4-3 90,8 6-180,-3-4-90,4 1 90,0-16 0,4 8 2178,2 0-2268,7-2 90,1 1-90,1-12 90,15 0 0,-12-5 0,17 0-90,-12-9 90,5 3-123,9-20 33,1-3 45,-16 7 0,-2-2-1729,13-15 1504,-6-2 270,-8 1-90,0 9-180,-9-5-1400,2 9 1580,-7 3 1580,5-12-1580,-5 10-225,-2-1 0,-2-2-494,-13-12 432,5 11 0,-2 0 107,-15-8-90,6 7-179,-8 8 1370,1 3-1731,-8 6 810,9 6 0,2 8 0,8 0 0</inkml:trace>
-  <inkml:trace contextRef="#ctx0" brushRef="#br0" timeOffset="459415">5229 14324 7533,'5'6'449,"3"2"-359,-7-3 450,3 4 270,0 9-630,-3-7 359,3 19-359,-4-13 90,0 10-90,0-9 270,0 13-450,0-9 179,-4 13 1,-1-15-90,-4 7-90,0-8 180,0 12-270,-5 2 0,3 0 0,0 2 0,0-9 0,1 0-1549,-2 4 1,1-1 1344,-2 6 294,-1-11-90,4-4-90,1-3 270,0-7-270,4-1 180,-4 0-180,0-4 90,3 4 0,-2-8 90,7 3-90,-3-4 3302,4 0-3392,0-4 180,0 3-360,4-3 360,1 4-89,5-5-91,-1 4 719,0-3 1,1 4-270,-1 0-90,0-4 90,0 3 89,1-3-179,-1 4 90,0 0 180,5 0-180,-4 0-180,8 0-90,-8 0 90,4 0 90,-5 0-270,0 0 90,0 4-90,0-3 270,4 3-270,-2 0 90,-2-3 90,4 8-90,-7-8-360,7 7 90,-8-7 180,4 3-630,-4 0 271,4-3-1260,5 8 989,-4-8 450,3 3 90,-3-4-270,-1 0 271,0 0 179,-4-4 0,4-2 0,-4-3 0</inkml:trace>
-  <inkml:trace contextRef="#ctx0" brushRef="#br0" timeOffset="460122">5712 14836 7533,'6'-4'-810,"2"3"360,-7-3 271,3 0 89,0 3 90,-3-8 90,3 8-90,-4-3 269,5 0 1,-4 3-180,3-3 270,-4 0-90,0-1-180,0-1 90,0-2-90,0 7 0,0-3-1,-4 0 271,3 3-270,-8-7 90,4 7 90,-4-4-180,-1 1 90,1 3 0,-8-7 0,1 7-90,-7-3 89,9 4-268,-4 0 268,4 0-89,-1 0-180,2 0 0,4 0 180,3 0-90,2 4 0,0 1 90,3 4-180,-3 1 180,4 7 0,0-5 0,0 9 0,0 2 0,0-6-180,0 8 180,0-14 0,4 2-180,-3-3 0,7-1 0,6 0 180,-3-4-360,7-1 90,-9-8 91,0-1 89,5-4-630,0-5 450,1 0-360,2-5 270,-6 1 1,2 3 269,-4 2-180,1 3 90,-1-3 180,-4 3 0,4-4-180,-8 5-90,3 0 270,-4 4-90,0-4-90,0 4 270,0 0 0,-9 1 449,3 4-269,-7 0-180,8 0 90,-4 4-90,8 1 90,-7 9-360,7-4 90,-3 12 90,4-11-270,0 11 90,0-12 180,0 8-90,0-8-540,4 7 180,1-6 180,4 2 0,5-3-629,-4-1 359,4 0 180,-1 0 270,10-3 0,-7-2 0,10-4 0,-11 0 0,3 0 0</inkml:trace>
-  <inkml:trace contextRef="#ctx0" brushRef="#br0" timeOffset="460782">5964 14911 7533,'14'-19'359,"0"4"-179,-9 2 270,-1 4-90,0-1-180,-3 1 0,3 0 269,-4-5-269,0 4-180,0-8 90,0 8 90,0 1-180,-4 1 90,-1 2-450,-4-3 180,-1 4 91,1 1-271,0 4 180,-1 0 90,1 0-90,4 0 90,-3 4 0,3 1 90,-1 0 90,-2 8 0,7 1-180,-3 2 180,4 1-90,0-8-90,0 1 180,0-5-90,4 3 90,-3-7-270,7 3 180,-2-4 0,3 0 0,0 0 0,0 0 0,1 0 0,-1-4 0,0-1-180,5-8 180,-4 2 0,4-2-90,-5 4 90,0-1 0,-4 1 0,4 0 0,-4-1 360,4-3-450,-4 3 450,0 0-180,-5 6 0,0 4 89,-5 0 1,4 0-270,-3 0 180,0 0-270,3 0 180,-7 4-180,7 1 180,-3 5 90,-1-1-180,4 0-90,-3 1 90,4 3 90,-4 2-180,3-1 180,-3 8-90,4-7 0,0 12 0,-4-3 0,3 4 90,-3 0-90,0 0 90,3 0 0,-8 12 90,8-9-370,-7 13 190,7-15 180,-7-1-180,7-1 90,-8-3 0,8 4 0,-7-5 0,7 4-90,-7-7 90,7-1-180,-8-6 90,8-4 90,-7 1-270,3-1 180,-4-4 90,-1-1-270,1-8 180,0-1 0,-1-4 0,-3-5 0,3 4 0,-8-8 0,8 0-90,-8-2 90,8-7-90,-4 7 90,9-2-809,-3-9 548,15 5-188,-1-6 179,13 13-90,-5 6-90,12-1 270,-13 4 90,12-3-89,-10 3-1,4 1 0,-1 0 0,1-1 0,-1 1-180,5 0 270,1 0-180,0-1 180,3 1-269,-4-5-2918,1 8 3248,3-6 0,-7 3 0,3-6 1</inkml:trace>
-  <inkml:trace contextRef="#ctx0" brushRef="#br0" timeOffset="461196">6448 14492 7533,'5'-4'-990,"3"3"810,-7-8 180,8 8 0,-8-3 0,3 4 0,-4 0 0,4 0 0,-3 0 0,3 0 1889,-4 4-899,0 2-361,-4 3 181,-1 8-720,-4-5-90,-1 5 360,-3 9-180,2-8 89,-2 13 181,4-4-360,3-7 90,-2 7-180,7 0-90,-3-6 0,4 18 0,0-9-989,0 7 539,0-9 360,4-5-899,-3-4 539,7-1 0,-2-3-539,7 6 539,2-9 540,-1 1 0,4-5 0,-4-2 0</inkml:trace>
-  <inkml:trace contextRef="#ctx0" brushRef="#br0" timeOffset="462648">6847 14511 7533,'-13'-5'0,"3"4"899,0-3-359,2 4-180,7-4-1,-7 3-89,7-3 90,-3 4-180,-1 0-450,0 4 270,0 1 90,-3 5-180,3 3 90,-1-3 0,-2 12 90,3-6 90,-4 15-90,4-11 0,1 7-180,0-8 90,3-1 90,-3 1 0,4-1-90,0 1 0,0 0 0,0-5 90,0 4 0,0-8-270,4 3 90,1-3-90,0-1 0,3 0 90,1-3-90,1-2 180,4-4-180,-1 0 90,-2-4 90,6-2-90,-2-3-89,-1 0-181,12-9 180,-14 3 270,10-4-180,-13 2 0,1 6 360,3-11 0,-2 7-90,-2-8-91,-5 9-89,-4 0 270,0 5-90,0 0 0,0-5-90,-4 4 90,-1-3 0,-13-5-90,7 7 180,-11-7-90,12 5-180,-8 2 89,4-2 1,-1 4 0,2-1 0,-1 5-360,4-3 91,1 7 179,0-8-360,4 8 270,0-3-90,1 4 0,0 0 180,3 0-90,-3 0 0,4 4 0,0-3-90,0 4 180,0-1 90,0-3 0,0 3-90,0 0 90,0-3-90,0 3 0,-5-4 0,4 0 90,-3 4-90,4-3 180,0 4-180,0-1 90,0-3 0,0 3-90,-4-4 0,3 4 0,-3-3 0,4 3 0,0 0 0,0-3 0,0 8-90,0-8 90,0 7 0,0-7 0,0 3 0,0 0 0,0-3 90,0 3 0,0 0 90,0-2-90,0 2-90,0 0 0,0-3-90,0 3 90,0 0 90,0-3 0,0 3-90,0 0 0,0-3-90,0 4 90,0-1 0,0-3 0,4 3 0,-3-4 90,3 0-90,-4 4 90,0-3-90,0 3 0,0 0 0,4-3 0,-3 3 0,4-4-90,-5 0 180,0 5-90,4-4-90,-3 3 90,3-4 0,-4 0 90,0 4-90,4-3 90,-3 7-90,3-7 0,-4 3 89,4-4-89,-3 4 270,12-2-180,-11 2-90,10 0 0,-11-3 270,8 3-90,-8-4-90,11 0 180,-6 0-180,4 0 0,2 0 0,-6 0 0,8 0-180,-1 0 0,-3 0 0,4 0-630,-5 0 180,5 0 361,-4 0-901,3 4 541,-3-3 89,-1 3-989,4-4 359,2 0 451,-1 0 629,0 0 0,-5 0 0,0 0 0</inkml:trace>
-  <inkml:trace contextRef="#ctx0" brushRef="#br0" timeOffset="462946">7117 14399 7533,'-9'0'3276,"4"-4"-4214,1 3 219,4-3 179,4 4 630,-3 0-90,7 4-180,-7 1-90,7 4 810,-7 1-360,8-1 1259,-4 4-629,4 2-451,-4 3-89,4-3 630,-8 2-361,7-2-179,-3 3 0,4 5-180,-3-3 0,2 3-360,-7-5 180,3 5 0,-4-3 270,0 2-1080,0 13 181,-4 5 359,-1 3 90,-5-3-2559,-3 9 1930,-1-16 539,7-6 0,-1-1-90,-10 3-1283,4 3 1014,-9-4 629,-1 0 0,-8-1 0,-1 1 0</inkml:trace>
-  <inkml:trace contextRef="#ctx0" brushRef="#br0" timeOffset="464018">3805 15301 7173,'-9'5'-90,"3"-1"540,2-4-180,0 0-181,3 0 1710,-3 0-1439,12 0-180,-2 0 0,8 0 720,24 0-541,-5 0-269,-4 2 0,1 1-2902,13-2 2992,-2 3 90,-8 0-573,7-3 483,-1 7-1,3-7-179,-5 3 180,0-4-90,8 5-90,-5-4 90,10 3 90,-13-4-626,5 0 536,-4 0 0,8 4 0,-8-3-90,-9 1 0,0 0 90,8-2-90,-11 0 0,1 0 90,6 4 0,8-3 0,-3 3-180,4-4 54,-14 2 0,2 0 36,-1 1 0,1 0 45,7 1 0,0 1 958,-10-2 0,-1-1-1003,22 2 89,-11-4 91,-8 0 0,1 0 45,3 2 0,1 0-180,0-1 0,-1-1-135,-2 3 0,-3-2 0,14-1 225,-12 1 0,2-2 45,15-3-90,-14 4 0,2-1-45,1-3 0,-1 0-389,-9 1 0,1 1 433,8 0 1,1-1-90,-2-3 0,-1-1 90,19 1-650,-16-1 0,-1 1 650,13 1-45,-22 3 0,3-1-712,6-1 1,3-3 0,-2 2 711,-3 1 0,1 0-105,9-3 0,5-1 0,-6 1-374,-15 2 1,-1 1 478,10 1 0,-1 0-194,8-5 149,-2 7 0,0-7 270,-3 3-270,7-1 90,-2-2-90,-1 7 90,4-7-293,-19 7 1,0 1 292,19-8-90,4 7 669,-14-4-669,-3 5 611,4 0-521,-4 0 212,20 0-392,-20 0-90,20 0 180,-28 0-539,14 0 359,-17 5 180,9-4-540,-17 3 2421,4 0-2061,-8-3 1233,8 3-1503,-8 0 1254,3 1-1164,-7 1-658,2-2 298,-7 0 306,3-3 144,-4 7-1079,0-7 540,-4 7 809,-1-7 0,-9 8 0,0-4 0</inkml:trace>
-  <inkml:trace contextRef="#ctx0" brushRef="#br0" timeOffset="465049">4931 16017 7533,'0'6'-450,"0"-2"2249,0-4-1439,-4-4-180,3 3 269,-3-4-89,0 1-90,3 3-90,-7-7 360,2 3-361,1 0 271,-7-8-270,6 11-180,-4-10-90,2 11 270,-1-8-180,-6 4 0,-8-4-90,0 4 0,3 1 0,-2 0-90,4 3 90,2-4 0,-6 10 0,12-4-89,-3 7-1,-5 1 180,7 1-90,-7 8 90,9-3 90,4 3-90,-4 1 0,8 3-90,-3-2 360,4 7 44,5-1 1,3 1-315,3 0 90,8 19-90,-2-32 90,-6-8 0,6 6 90,-2-11-90,-1 3 0,4-4 180,0-8 90,2-2-271,3-9 1,-1-4-90,-2 4 90,3-12-229,-5 6 49,1-7-437,-4 4 617,2-4 0,-7 3-270,4 1 270,-5 1-1391,1 3 1211,-5 1 20,3-8 160,-7 10-630,-1-10 270,-5 11 180,-9-2-90,0 3-1079,-9 0 629,4 5 181,-8-4-811,3 8 541,0-3 288,-7 7 431,10 2 0,-6 8 0,9 2 0</inkml:trace>
-  <inkml:trace contextRef="#ctx0" brushRef="#br0" timeOffset="466781">5433 15785 7533,'-5'-20'989,"-3"3"-629,7 12-90,-3-4-90,4 8 449,-5-7-359,4 7 0,-7-3-90,7 4 0,-3 0 90,0 0-1,3 4-89,-7-3-180,6 7 180,-6 6 0,3 1-270,0 8 180,-3-4-180,2-1 0,-3 9 270,4-2-360,-3 3-751,7-6 841,-8 1 90,8 5-90,-3 1 90,4-1 90,0-5-180,0-5-90,0 1 180,0-1-90,0-3-90,4-2 180,1-3-90,5-1 932,-1-4-842,5-1-90,-4-4 90,3-4 0,-3-1-90,3-8 0,-3 2 90,4-6-90,-1 6-90,-2-6 0,2 2 180,-4-3-90,5-5 90,4-5 90,-6 3-180,4 2 180,-15 6 90,8 7-270,-8-4 450,7 1-180,-7 6 0,3-5-90,-4 11 359,0-7 1,0 7-90,0-3-360,0 12-90,0-2-90,0 12 270,0-4-180,0 13 90,0-6 90,0 6-90,0-9 0,4 5 0,2 5 0,3 1 90,0-6-90,0-1 90,1-11-90,-1 6 0,0-11 0,5 7 270,-4-12-90,4 7-180,-5-7 90,4 3 179,-2-8-269,2 3 90,1-7 180,0-6 0,1-1-180,-2-8-90,-4 4 90,1 1 0,-1-1 0,-4 1 0,3-1 90,-2 0-90,-1-3-180,3 2 180,-7-3 0,3 5 0,-4-1-270,0-20 180,0 15-368,0-15 188,-4 20 270,-1 5-990,-4-8 451,-1 11 179,1-7-989,0 9 539,3 4 548,-2-4-1357,7 8 629,-3-3 451,4 4 449,0 4 0,-4 6 0,-1 4 0</inkml:trace>
-  <inkml:trace contextRef="#ctx0" brushRef="#br0" timeOffset="467339">6076 16064 7533,'-6'0'0,"2"0"539,4 0 1,-4 0-180,3 0 270,-7 0-451,7 4-89,-3-3 90,4 7 180,0 2-180,0 0 90,0 3 90,0-3-181,0-1-358,0 5 358,0-4 1,0-1-1169,0 4 899,0-11-899,0 10 179,4-11 630,1 7-360,0-7 181,3 3 89,-7-4-180,8 0-270,-4-4 720,4-1 0,0-4 0,1-5 0,-1 0 0</inkml:trace>
-  <inkml:trace contextRef="#ctx0" brushRef="#br0" timeOffset="467519">6085 15906 7533,'-4'-15'989,"-1"2"-719,-1 8 360,2 1-181,4-1-179,0 4-540,0-3 180,4 13 0,2-7-269,3 10-1,4-7-540,-2 0 451,2 0 449,5-1 0,-3 1 0,8 4 0</inkml:trace>
-  <inkml:trace contextRef="#ctx0" brushRef="#br0" timeOffset="469279">7816 15087 7533,'-11'0'359,"3"0"91,8 0 720,0 0-361,8 0-179,3 0-360,3 0-1,4 0-89,-4 0-90,1 0-90,2 0 180,-7 0-90,16 0 270,-5 0-990,7 0 360,-5 0 180,-9 0 1,4 0-1,-4 4 0,1-3 90,2 4-180,-6-1 0,2 1-90,-4 0 180,-3 3 90,2-3 0,-7 5 0,3-1 0</inkml:trace>
-  <inkml:trace contextRef="#ctx0" brushRef="#br0" timeOffset="469476">7825 15394 7533,'-10'0'0,"1"0"629,4 4 181,1-3-91,4 3 91,0 1-180,4-4-91,14 3-898,-2-4 269,11 0 90,-8 0-1170,-1-4 541,5 3 449,1-8-720,20 0 900,5-1 0,-23 1 0,1 0 0,22-5 0</inkml:trace>
-  <inkml:trace contextRef="#ctx0" brushRef="#br0" timeOffset="469844">8420 15134 7533,'-5'-4'1079,"-4"3"-989,4-4 2968,-8 1-2248,2 3-360,2-3-450,1 8 90,7 1 89,-3 5-89,4 11 0,0-8 0,0 13-360,0-12 1,4 5 179,5-1 180,1-3-720,8 2 360,-4-6-270,17 6 181,0-6 89,6-2 360,-9-5-90,3-4-90,-11 0 270,7-4-90,-12-1 0,2-5 449,2-11-89,1 0 0,-6-7-180,-2 5-91,-6 5 361,-1-1-180,-1 1-90,0-1 0,-3 0-1,3 1 91,-4-1-180,-4 1 90,3-1-450,-11 0 90,5 1 90,-6 3-270,0-2 180,-2 6 90,-4-2 0,1 4-1889,-13-1 1530,5 5-1530,-6 1 719,9 4 451,5 4 359,3 6 360,-7 4 0,7 9 0,-8 1 0</inkml:trace>
-  <inkml:trace contextRef="#ctx0" brushRef="#br0" timeOffset="471884">3972 16678 7533,'-5'0'90,"-3"0"269,7 0-179,-3 0 90,0 4-90,-1-3 90,-1 3-90,-2 0 0,7-3 0,-7 8 0,7-8 179,-8 11-179,4-2 90,-8 13-90,3 5 90,-4 9 0,5 10-180,4 4-1665,0-7 1665,5-4-214,0-4 304,0 7-90,0-4 0,0 1 180,9-4-90,1 3 0,9 3-90,-5-9-1,0-10 1,-5-6 0,4-6 180,2 6-90,12-2-2119,-7-1 1580,3-4-265,-1-6 354,-11 0 0,23-3-179,-12 3-181,14-4 90,-12 0 2692,-1 0-2602,-9 0 90,0 0 491,-5-4-851,0-1 720,-3 0 0,2-4 0,-3 4 0</inkml:trace>
-  <inkml:trace contextRef="#ctx0" brushRef="#br0" timeOffset="472248">4168 17152 5267,'-5'0'0,"1"0"1242,4 0-1242,0 4 475,0-3-295,0 4 18,0-1-198,0 1 719,4 0-269,-3 3 441,7-2-622,-3 3 91,5 4-270,-1-2 270,0 2-180,1-4 0,-1 1-90,0-1 0,0 0 90,1 1-1,-1-1-179,0 0 90,-3 0 180,2 5-180,-3-8 0,4 6 90,-4-6-180,0 3 90,-5-4 0,0 3 90,4-2-90,-3-1 0,3 3 0,-4-3 90,-4 4-270,-1 1 90,-1-1 90,-2 0 0,3 1-270,-4-1 90,-5 0 0,4 1-180,-8-1 180,8 0-90,-3 0-899,3 1 179,-3 3 630,2-2-1079,2 2 630,5-4-91,4 5 90,0-8 720,4 6 0,1-7 0,5 5 0</inkml:trace>
-  <inkml:trace contextRef="#ctx0" brushRef="#br0" timeOffset="472743">4689 17255 7533,'-5'0'0,"-3"0"0,7 0 270,-3 0 359,0 0-269,2 0 899,-2 0-809,13 0-270,1 0 0,4 0-180,0 0 180,3 0-270,-1 0 90,3 0-90,-6 0 180,-4 0-90,1 0-180,-1 0 270,0 0-180,-4 0-360,8 4 270,-7-3 0,8 3-989,-5-4 629,0 0 91,0 0 449,1 4 0,-1-3 0,0 3 0</inkml:trace>
-  <inkml:trace contextRef="#ctx0" brushRef="#br0" timeOffset="472981">4680 17571 7533,'-10'5'0,"1"-1"0,9-4 0,0 4 0,0-3 0,4 8 0,2-8 0,3 3 0,0-4 0,1 0 0,3 0 0,6-4 2338,4-6-359,10 0-2249,-5 1 270,0 5-90,-5 4 270,-4-5-719,-1 4 359,1-3 90,4 4-1349,-4 0 179,12 4 990,-10-3 270,2 4 0,-6-1 0,-2 1 0</inkml:trace>
-  <inkml:trace contextRef="#ctx0" brushRef="#br0" timeOffset="480436">6048 17106 7533,'0'5'1079,"0"-1"-719,0-4 270,8 4 179,6-3-449,6 3 0,3-4-180,0 0 269,-4 0-89,16 0-180,-13 0 180,9 0-180,-8 0 0,-3 0-180,2 0 90,-3 0 89,-1 0-179,34 0-90,-25 0 180,25 0 0,-38 0-539,4 0-2828,-8 0 2892,8 0-693,-8 0 358,4 0 361,-5 0 89,0 0-1259,0 0 1079,1 0 2273,-5 5-2453,-1-4 1658,0 3-1388,-3 0-90,3 1 450,-4 0 0,-4 3 0,-1-2 0</inkml:trace>
-  <inkml:trace contextRef="#ctx0" brushRef="#br0" timeOffset="481234">6066 17236 7533,'-5'0'-810,"1"-4"1080,4 3 1799,0-3-1080,8 4-539,-2 4-180,8-3-180,-5 7 270,9 1-1,-7 2-179,7 2 0,-9-3 90,0-1-270,1-4 180,-1 7 90,0-5-90,1 6-90,3-4 90,-3 1-1,4-1 1,-1 0-90,2 1-270,-1-1 180,0 0 0,-5 0 90,0-3-270,1 2 90,-1-3 90,0 0 0,0 3-269,1-2 179,-1 3 0,-4-4 0,4 3 0,-8-2 0,7 7-90,-7-7 0,3 7 180,-4-8-90,0 4-90,-4 0 0,-1 5-179,-13 0 89,7 5 180,-11-5-270,-1 12 270,3-13-90,-7 12 90,8-10 180,-4 3-270,4 1 90,-8-4 180,7 2-180,-3-7 90,-16 20 0,19-16 180,-22 16-180,35-24 0,-10 6 90,12-11 0,0 8-90,1-8 0,0 3 360,3 0-270,-4-3 180,5 3 809,0-4-1079,5 0 270,-4 0 0,7 0-180,-7 0 0,7 0 90,-3 0-91,5 0 1,-5 0 0,7 0 0,-6 0 0,8 0 0,-5 0 90,9 0 0,-3 0-270,4 0 180,-1 0 0,-4 0 0,0 0-180,4 0 180,-8 0 0,8 0 0,-8 0-90,8 0 90,-8 0 0,8 0 180,0 0-181,-2-4 181,6 3-3547,-12-3 3252,3 4 169,1 0-234,-4-4 180,4 3 0,-1-3-1,-2 4-89,2 0 270,9 0-360,-10 0 90,14 0-180,-16-5 3456,4 4-3537,-9-3 135,-1 4-143,0 0 269,-3 0-450,3 0 270,-4-4-90,0 3 270,-4-3 0,-5 0 0,-6-1 0</inkml:trace>
-  <inkml:trace contextRef="#ctx0" brushRef="#br0" timeOffset="482121">5899 18157 7533,'-5'-5'-360,"4"1"360,-3 4 989,4 0-629,0 4 0,0 1-270,0 4 0,0 1 270,0-1-180,0 0-91,0 0 91,0 1-90,0 3 90,0 2 0,0-1-180,0 4 90,0-4 90,0 1-90,0 2-180,0-2 0,-4 3 180,3-3-270,-3-2 0,0 1-90,3-4 180,-3-1-90,4-5-899,0-4 899,0-8-629,0-2 359,0-9 90,0 5 0,4-4 1,-3 4 359,3-5 0,0-24 0,1 18 0,0-14 0,4 21 0,-4 8 0,0-8 449,3 8-89,-7-4-180,8 5 719,-8 4 91,11-3-540,-10 7-91,11-4-89,-12 5-180,7 0 180,-3 5-90,0 0-180,4 4 180,-8 4-90,7 2 0,-7-1 0,3 4 0,-4-8 0,0 8 0,0-8-1,0 8 91,0-8-270,0 4 0,0-1 180,0-3-539,0 4 269,0-5 90,0 0 0,0 1-989,4-5 179,-3 3 630,8-7-449,-4 7-91,4-7 90,0-1 720,-4-1 0,4-11 0,-4 2 0</inkml:trace>
-  <inkml:trace contextRef="#ctx0" brushRef="#br0" timeOffset="482331">6150 18185 7533,'0'-5'90,"0"0"179,0 5 541,0-4-270,0 3-270,0-3 89,4 4 91,-3 0-180,7-4 90,-2 3-90,-1-3-270,3 0 179,-3 3-358,5-3 179,-1-1 0,-4 4 269,3-3-1078,-3 4 539,5 0 90,-1 0 180,-4 0-1349,4 0 719,-4 0-89,4 0-271,-4 4 990,-1 2 0,-4 3 0,0 0 0</inkml:trace>
-  <inkml:trace contextRef="#ctx0" brushRef="#br0" timeOffset="482545">6215 18278 7533,'-5'5'0,"1"-1"899,0-4-359,3 0 1888,-3 0-2338,12 0 90,-2-4 90,12 3-899,-8-7 359,3 7 270,-3-8-90,3 8-720,-2-7 360,2 7 271,-4-7-361,1 7 90,-1-7 270,0 6 0,0-2-989,5 0 539,-4 3 181,0-3 449,-2 0 0,-3-1 0,4-5 0</inkml:trace>
-  <inkml:trace contextRef="#ctx0" brushRef="#br0" timeOffset="482739">6532 18082 7533,'0'-5'1529,"0"1"720,0 4-2070,0 9-179,0-3 360,4 15-180,-3-5-450,3 15 360,0-10-1169,-3 1 269,7 4-1079,-2-13 900,-1 12 989,-1-14 0,0 2 0,1-4 0</inkml:trace>
-  <inkml:trace contextRef="#ctx0" brushRef="#br0" timeOffset="484098">6290 16631 7533,'0'6'-180,"0"2"180,0-3 0,0 4 450,0 1-181,0-1 1,-4 4 90,2-2 0,-2 2 0,-4 9-180,2-10-91,-3 14 91,0-16-180,4 8 0,-4-4 90,-1 5-180,1 0 90,0-5-90,0 4 270,-1-8-629,1 3 269,4-3 90,-4-1-810,4-4 181,0-1 539,-3-4-360,7 0 540,-3-4 0,0-5 0,-2-6 0</inkml:trace>
-  <inkml:trace contextRef="#ctx0" brushRef="#br0" timeOffset="484321">6271 16678 7533,'5'-4'449,"3"3"-359,-6-3 0,6 4 630,-7 0-270,7 0-91,-7 4 91,3-3-90,0 7 0,-3-3-180,8 5-90,-8-1 0,3 0 89,0 0 1,-3 5-90,7-4 90,-3 8-450,9 9-719,-4-14 539,4 12 180,-9-20-809,3 0 449,-3 3 181,5-6-811,3 2 1260,-3-4 0,8 0 0,-4 0 0</inkml:trace>
-  <inkml:trace contextRef="#ctx0" brushRef="#br0" timeOffset="484572">6569 16529 7533,'0'-14'1799,"0"0"-1799,0 9 180,0 1 269,0 4-89,0 8-180,0-6 0,0 11 90,0-8-180,0 8 90,0-2-1,-4 6 1,3-2-180,-3 3 90,-1 5-90,0-3 0,-4 2 180,4-3-540,-3 4 360,2-4-809,-7 21 449,3-18 180,0 9 0,6-13-1079,0-4 1259,3 9 0,-3-3 0,4 2 0</inkml:trace>
-  <inkml:trace contextRef="#ctx0" brushRef="#br0" timeOffset="497384">7071 17338 9062,'4'5'1079,"1"0"-809,0-1-90,4-3-90,-4 3 270,12-4-180,-5 0-90,5 0 89,1 0 1,1 0 0,5 0-360,3 0 90,-11 0 270,1 0-360,-7 0 90,-1 0-89,0 0 268,-4 0-89,0 0 0,-1 0-89,-3 4-1,3 1 90,-4 5 0,0-1-180,-4 0 0,3 0 180,-8 1-180,4 3-360,-17 18 450,10-12 90,-10 15 90,13-24-180,-4 12 90,-2-2-90,1-1 90,0-1-90,9-5 180,-3-2 90,3 6-180,-1-7 180,-2 4-90,7-5 270,-3 0-180,0 1 0,3-1-90,-3 0 269,4 1-179,4-5-90,-3-1 0,7 0 360,-3-3-360,5 3 270,-1-4-90,0 0-1,0 0-89,1 0-180,-1 0 90,0 0 90,1 0 0,3 0-360,-3 0 180,4 0-90,-1 0 180,-2-4-270,6 3 0,-6-3 90,6 0-989,-6 3 629,2-3 90,0 0-449,-2 3-900,6-4 1259,-6 1-719,6 3 449,-6-3 270,2 4-370,-8 0 1,4-4 0,-4-1 0</inkml:trace>
-  <inkml:trace contextRef="#ctx0" brushRef="#br0" timeOffset="498019">7545 17636 7533,'-9'0'899,"4"0"-1169,1 0 630,0 4-90,3-3 0,-3 7-180,-1-7 180,4 8-1,-3-4-179,4 4 0,0 0-90,0 1 180,0 7-90,0-5 90,0 5-90,0-3 0,0-4 90,0 4-90,0-5 0,4 0-180,-3 0 0,4-3 180,-5 2 0,0-7-270,0 7 90,4-7 0,-3 3 180,3-4-810,-4 0 451,4 0 89,-3 0 0,3 0-540,-4-4 1,4-1 269,-3-4 0,3-5-180,1 0 451,-4-9-1,3 3 90,-4 2 90,0 0 0,0 8 0,0-4 270,0 5-181,0 0 1,0 4 810,0-4-360,0 8-271,4-7-89,-3 7 450,3-3-270,-4 4 0,0 0-1,0-4 1,4 3-180,-3-3-180,8 4 0,-8 0 180,3 0 360,4 12-540,-6-5 0,6 11 90,-3-9 0,-4 0 179,3 1-179,-4 3 0,0-2-90,4 2 90,-3-4 90,3 1-720,0-1 181,1 0-181,5 1 180,-1-5 270,-4 3-90,3-7-1259,-2 3 0,7-4 1439,1 0 0,1 0 0,-2 0 0</inkml:trace>
-  <inkml:trace contextRef="#ctx0" brushRef="#br0" timeOffset="498235">7843 17776 7533,'0'9'90,"0"-4"0,-4 3-90,3-7 0,-3 8 1349,4-8 270,-4 11-1079,-1-6-361,0 8-538,1-5 179,4-4 270,0 3-90,0-2-1349,0-1 539,0 7 630,0-10-1349,0 6 1529,0-8 0,4 0 0,1 0 0</inkml:trace>
-  <inkml:trace contextRef="#ctx0" brushRef="#br0" timeOffset="498659">7983 17692 7713,'-5'4'989,"1"-3"-719,4 3-90,0-4 449,0 4 1,0 1-270,-4 1 0,3-2-180,-4 0 89,5-3 181,0 7-90,0-3-180,0 5 90,0-5-90,0 3-90,0-3 359,0 5-89,-4-1 0,3 4-360,-3-7 0,4 7 180,0-8 0,0 4-180,0 1-90,0-1 180,0-4-180,0 3 180,0 2 0,0-4-270,0 6 360,0-6-270,0 3 90,0-4 90,4 3-270,-3-7 0,3 3 180,1-4-900,-4 0 451,3 0 179,0 0-1349,-3 0 719,7 0 360,-7 0 91,8-4-990,-4 3 89,4-11 1350,-4 1 0,-1-3 0,-4 1 0</inkml:trace>
-  <inkml:trace contextRef="#ctx0" brushRef="#br0" timeOffset="498851">7936 17506 7533,'-5'0'0,"1"0"3276,4 0-2055,0 4-1221,0-3 0,0 3 180,4 0-450,-3-3-449,8 8 359,-4-4-1349,4 0 899,0 3 810,1-7 0,-5 7 0,-1-2 0</inkml:trace>
-  <inkml:trace contextRef="#ctx0" brushRef="#br0" timeOffset="499468">7238 16855 7892,'-5'0'540,"1"0"-270,0 4-90,3 1-90,-7 0-90,7 8 180,-8-7 0,4 7-90,0 1 179,-3 0-89,2 1 0,-3 10 0,-4-4-180,6 7 0,-5-9-90,11-2 180,-7-7-630,7 8 271,-8-8-811,8 8 181,-7-8 719,7 0 180,-3-6 0,4 0 0,0 1 0</inkml:trace>
-  <inkml:trace contextRef="#ctx0" brushRef="#br0" timeOffset="499656">7248 16910 7533,'5'0'1979,"3"0"-1530,-7 0 91,7 0 270,-2 5-631,3 0-179,-4 0 0,3 3 90,-3-3-899,9 5 269,5 3-269,0-3 449,0 4 360,-2-1 0,-2 2 0,3 3 0</inkml:trace>
-  <inkml:trace contextRef="#ctx0" brushRef="#br0" timeOffset="502171">8345 17487 7533,'-5'0'899,"1"0"450,0 0-989,3 0-788,-3 0 1,12-4 0,2-1 0</inkml:trace>
-  <inkml:trace contextRef="#ctx0" brushRef="#br0" timeOffset="503549">8690 17515 8342,'9'0'900,"-4"0"-630,8 4-91,-11-3 1,10 8 90,-3-8-90,2 3-90,6 0 90,2-3 0,1 3-90,-2-4 90,0 0 90,0 0-181,2 4 91,3-3 180,4 3-180,-2-4-90,3 0 180,-6 0-180,-3 0 90,0 0 0,-1 4 179,5-3 271,17 4-450,-12-5-90,7 0 180,-9 4-180,-13-3-90,12 3 270,-6-4-450,-3 0 180,1 0 0,-8 0 0,1 0-90,-1 0 180,-4 0 0,4 0-720,-8 0 360,7 0 90,-7 0-899,3 0 629,0 0 90,-3 0-2158,3 0 1978,-4 4-1619,-4 1 1620,-5 4 539,-6-3 0,-3 2 0,-1-3 0</inkml:trace>
-  <inkml:trace contextRef="#ctx0" brushRef="#br0" timeOffset="504343">8867 17766 7803,'0'-5'-450,"0"1"2159,0 4-1349,0 8-270,4-6 179,-3 11 181,3-4-360,0 1 270,-3 4 180,3-1-361,-4-3 1,0 4 0,0-5 90,0 1-90,0 3-90,0-3 270,4 12-450,-3-11 90,4 11 0,-5-12-180,0 4-3097,0-1 2982,0-2 115,4 19 180,-3-13-90,7 6 0,-7-11 90,3-11 0,-4 3 0,4-4 0,-3 0 3276,3 0-3160,1 0-116,-4-4-90,7-1 180,-3-8-90,4 2-270,1-6 270,3-2 0,-7 4-180,7-7 180,-8 12 0,0-8 0,3 8 0,-7-4-89,8 5 178,-8 0-178,3 4 178,-4-4-89,4 8 0,-3-3-89,3 4 178,-4 0-89,0 4 0,4 2 0,-3 3 0,4 0 0,-5 0 0,4 5 180,-3-4-180,7 8 0,-7-8 90,7 4 90,-3 3 0,5-1 90,-1 6-180,0-7 0,1-2 0,-1-3 0,0-5 180,5-1-180,-4-4 0,4 0-1,-5-4 1,0-1-90,0-5 90,1 1-90,-5 0 0,3-5 90,-3 4 0,1-8-90,2 8 90,-7-8 0,7 4-270,-7-9 180,7 8 90,-7-7-719,4 3 539,-5 4-900,0-7 181,-9 3 539,7 4-540,-10-3-89,7 5 539,0 7-809,-4-7 539,8 12 270,-3-3 360,0 4 0,3-4 0,-3-1 0</inkml:trace>
-  <inkml:trace contextRef="#ctx0" brushRef="#br0" timeOffset="506101">9397 18120 7892,'0'5'450,"-4"-1"-360,3-4 540,-3 0-360,4 4-270,0-3 449,0 3-359,-4-4 90,3 4 0,-3-3-90,4 8 90,0-8 0,0 3 0,0 0 0,-5-3-90,4 7 179,-3-7-89,4 8 0,0-4 180,0 0-90,0 7-90,0-5-90,0 6 0,0-4 180,0-3-180,0 2-90,0-3 89,0 4 1,0-4-180,0 4 90,0-4 0,0 0 90,0 3-180,0-7 90,0 3-179,0 1 89,0-4 180,4 3-90,-3-4-180,4 0 0,-1 0-360,1 0 90,4 0 270,1-4-179,-1 3 89,-4-8 0,3 4-630,-3-4 361,5 0 89,-5-1-539,3 5 359,-3-3 270,1 3 0,2-9 360,-7 4 0,7-4 0,-3 5 0</inkml:trace>
-  <inkml:trace contextRef="#ctx0" brushRef="#br0" timeOffset="506325">9453 17943 7533,'-9'0'1529,"4"0"-720,1 0 1890,4 0-2609,0 4-450,4-3 180,-3 7 270,7-7-90,-7 8-1799,11 0 1619,-10-3-629,11 7 269,-8-12 180,0 3-1169,3-4 1529,-2 0 0,-1 4 0,-1 1 0</inkml:trace>
-  <inkml:trace contextRef="#ctx0" brushRef="#br0" timeOffset="506998">9109 16659 7533,'-4'5'0,"2"4"180,-2-4 89,4 4-269,0 1 900,0 11-360,0-4-181,0 10 1,0-5 0,-4-2 90,3 7-270,-3-3-90,0 4-90,3-1 359,-7 14-269,7-6-807,-8 6 896,8-9-1078,-7 0 539,7-3 180,-3 3 180,4-4 0,0 4 0,0 1 0,0 5 0</inkml:trace>
-  <inkml:trace contextRef="#ctx0" brushRef="#br0" timeOffset="514273">10299 17571 7533,'-10'0'1799,"2"0"-1350,8 0 1170,0 0-1349,4 0 90,1 0-180,0 0 270,4 0-90,-4 0-91,8 0-89,-3 0 270,8 0-90,-8 0 0,8 0-91,-4-4 721,38-6-720,-25 0-1482,25 1 1032,-34 5 14,-3 4 166,-2-4 180,5 3-180,-11-4-450,10 5 181,-12 0 179,4 0 1351,-4 0-2160,4 0 475,-4 0 334,0 0-1349,-1 0 180,0 0 899,1 0-1169,1 0 629,2 0 361,-7 0 539,3 0 0,0 5 0,1 0 0</inkml:trace>
-  <inkml:trace contextRef="#ctx0" brushRef="#br0" timeOffset="517750">11434 17348 7533,'-5'0'1349,"1"0"-629,0 4-451,3-3 181,-3 7-270,4-3 90,-4 5 270,-2 3-271,1 1 91,-3 1-180,3 2 0,-5-2 180,-7 12-180,5-7-270,-9 7 180,6-8-90,-3 4-1162,-1-4 1072,0 4-626,-7 8 806,5-5-180,-5 6 90,7-9 0,1-5 0,3 1-359,2-5-1,-5 0-360,7-5 360,-11-4 181,12-1-991,-4-4 1325,5 0-1684,-5-12 809,8 1 270,-6-12 450,11 0 0,-8-1 0,4-4 0</inkml:trace>
-  <inkml:trace contextRef="#ctx0" brushRef="#br0" timeOffset="518124">11193 17069 7533,'0'-6'719,"0"2"-269,0 0-180,0 3 809,0-3-539,4 4-180,-3 0 0,8 0 359,-5 0-359,1 4 0,3 1 539,6 5-539,-3-1-180,7 0 360,-1 5-271,-5-4 181,5 8-180,-3-8 90,-4 7 90,8 6-271,-8-2 1,3 6 0,-3-9-90,-5 5 90,3-3 90,-7 7-180,8 0 90,-8 11-270,7-4-344,-7-2 434,7-9-278,-7-5 188,3 1 180,0-1-270,2 9 90,3-6-90,-4 6-269,7-4 179,-9-8 180,9 7-746,-7-8 476,4 1 180,1-2-881,-1-4 342,0 1-1080,9-1 1439,-7 0 0,11-4-1169,-12 4 180,8-4 1349,-8 0 0,4-1 0,-5-4 0</inkml:trace>
-  <inkml:trace contextRef="#ctx0" brushRef="#br0" timeOffset="518808">11881 17357 7533,'-9'0'-360,"4"0"450,0 0 270,5 0-91,-4 0-89,3 0 3096,-3 0-2594,12 0-502,-1 0 270,6 0-90,-4 4-181,1-3 1,-1 7-90,4-7 270,2 4-360,4-5 0,-1 0-450,9 0 270,-6 0 91,6 0 89,-13 0-1620,4 4 811,-4-3 269,1 3 180,-2 0-1349,-4-3 1709,1 3 0,-1 4 0,0 3 0</inkml:trace>
-  <inkml:trace contextRef="#ctx0" brushRef="#br0" timeOffset="519041">11928 17543 7533,'-4'5'0,"-2"-1"0,1-4 1529,1 0-720,8 4-269,-3-3-180,3 4 539,0-5-359,2 4-180,-1-3 809,11 3-809,-4-4 0,6 0-270,4 0 90,-6 0-1,6 0-628,-3 0 449,8 0 0,-6-4-450,10 3 360,-16-3 90,7 4-90,-8 0-1979,5 0 90,4 0 1979,-8 4 0,7-3 0,-8 3 0</inkml:trace>
-  <inkml:trace contextRef="#ctx0" brushRef="#br0" timeOffset="523675">12718 17217 7533,'-4'-10'-630,"3"2"630,-2 8 360,-2 0 180,4 0-271,-3 0 91,0 0 0,3 0-90,-7 8 270,7 2-1,-3 17-179,4-6 0,0 6 90,0-4-271,0-4 91,0 4-90,0-4 0,0-1 0,0 1-180,4-1 0,-3 1 180,7-5-270,-7 4 180,11 1 0,-6-4-90,3 3 0,0-9 0,-4-4-90,4 3 0,0-7 0,1 4 90,-1-5 0,0 0 90,1 0 90,3 0-90,2-5-90,-1-4 90,-1-1-90,-3-8 90,-1 4 0,0-5 0,-3 1 0,2-5-1,-7 3 1,7-3 180,-7-8-270,-1-7-90,-5 3 180,-4 4-539,-9 9 269,7 11 180,-11-7-450,12 9 0,-12 0 270,6 4-629,-2 1 269,0 4 270,8 0-539,-4 0 269,5 0 180,0 4 360,-4 5 0,3 5 0,-4 5 0</inkml:trace>
-  <inkml:trace contextRef="#ctx0" brushRef="#br0" timeOffset="532838">13603 16045 7533,'4'-9'539,"1"0"-269,4-5-270,5 4 90,-4-3 540,16-5-540,-10 2 270,11-6-1,-12-1-539,2 3 269,2-7 271,1 4-90,-3 2 0,1-3-180,-1-2 0,0 0-1682,0-1 1,0 0 1681,-1 1 0,-1 2-270,4-8-541,2 6 0,1-1 361,3-7 212,-3 9 0,-1 2 58,-2 0-360,-5 9 339,0 0-68,-5 5 2400,1 4-3211,-5-4 2549,3 8-1918,-7-3 758,3 8-1298,-4 1 899,-8 17 0,-2-1 0,-9 11 0</inkml:trace>
-  <inkml:trace contextRef="#ctx0" brushRef="#br0" timeOffset="533073">13807 16120 7533,'-5'0'809,"1"0"91,4 0-1890,0 4 1,8-3 1259,-6-1-180,11-1-90,-4-16 989,1 6-449,4-12-270,-1 1 179,-2-2-2203,6-4 2024,-2 0-779,1 5 0,3-3 464,0 0 0,1-1-45,10-10 0,0-1 45,-7 9 0,-1 0 0,0 1 0,0 3-1214,6-8 629,-4 0 630,-2 6 0,-4-1 0,1 0 0</inkml:trace>
-  <inkml:trace contextRef="#ctx0" brushRef="#br0" timeOffset="533449">14040 15171 7426,'-16'-13'0,"4"2"0,12 2 143,0 5-143,0 4 468,4-4-288,1 3-180,5-4 989,3 1-539,-2 3-180,6-3-1,-2 4 181,7 0 99,10-4-325,-3 0 1,1-1-314,9-1-35,13-3 304,-30 5-360,-2 3 180,3-3-90,-5 0 90,9 3-179,-6-3 179,2 4 0,-6 0-90,-6 4 180,2 1-90,-4 4 329,1 1-149,-5 3-90,3 1-90,-7 1 270,7 15-270,-7-13 180,4 23-90,-5-3 0,-5-2-180,4 10 0,-7 0 180,7-9-2322,-3 13 1603,4-16 269,0 0-1439,0 3 1799,4-7 0,1 7 0,5-3 0</inkml:trace>
-  <inkml:trace contextRef="#ctx0" brushRef="#br0" timeOffset="536449">15426 13580 7533,'-10'0'270,"2"0"449,4 0-269,2 4 0,-2-3-91,4 8 181,0 0-360,0 1 0,0 4 180,0 8-180,0-6-1,0 11 91,0-8-90,0 3 0,0-2 0,0 3-90,0-1 90,0-2 270,0 11-450,0-6 0,4 7-90,2-12 180,-1-3-360,3-12 180,-7-1 0,7 1 90,-7-4-180,8 3-90,-4-8 180,4-2 90,1-3-180,-1-8-90,0 1 1,0-7-181,1-4 180,-1 7 180,-4-7 180,4 0-270,-4-6 180,0 7 180,-1 4-270,-4 14 270,0 7 0,0-3 90,0 12 0,0 3-270,4 7 359,-3 1-179,3-1 0,-4 1 0,4 8-180,2-7 180,3 3 90,0-9-180,1-1 180,3-3-360,1 4 270,1-5-91,-2-4-89,1 0-89,-4-5 178,8 0-3366,-8 0 3252,7 0-347,-7-5 462,4 0-2145,-5-4 2055,4 0 90,-2-9-90,2-2 2235,-3-8-2325,-5 9 90,-1 1 282,0 1-192,-3-3-90,3 0-449,-8 3 3481,3 3-3212,-7 4-630,7 1 1,-8 1-1710,8 6 1979,-3-6 540,8 7 0,-3-3 0,4 4 0</inkml:trace>
-  <inkml:trace contextRef="#ctx0" brushRef="#br0" timeOffset="541525">15975 13971 6543,'0'5'540,"-4"-1"-270,3-4 90,-4 4-270,5-3 179,0 4-89,0-1-90,-4-3 90,3 3 180,-3 0-270,4 1 180,0 0-90,0 4 0,0-8-1,0 7-179,-4-3 180,3 0 0,-3 4-90,4-4-90,0 4 360,0 0-180,0 5-90,0 0 90,0 1 0,0-6-90,0-1-270,0-3 180,4 1 90,-3 2-270,3-7 90,0 3 180,1-4-540,1 0 180,2 0-449,-7 0 359,7 0-90,-3 0-1079,9-4 1529,-4-5 0,4-2 0,-5-2 0</inkml:trace>
-  <inkml:trace contextRef="#ctx0" brushRef="#br0" timeOffset="541780">15984 13850 7533,'-5'0'719,"1"0"1800,4 0-3149,12 0 360,-9 0 180,14 0 0,-12 4-449,4-3 269,1 3 180,-1 0 90,0-2 0,0 2 0,1-4 0</inkml:trace>
-  <inkml:trace contextRef="#ctx0" brushRef="#br0" timeOffset="547301">16394 13515 7533,'0'-5'539,"0"1"91,0 4-450,0-4 90,0 3 180,4-8 269,5 4-539,1 0 0,8 1 90,-8 0 0,12 3-91,-11-3 1,11 4-180,-12-4 90,8 3-90,-8-4-359,4 5 179,-1 0 180,-2 0-90,2 0-270,1 0 90,-4 0 270,3 0-1169,-3 0 629,-5 5 90,3-4 180,-3 7-719,0-7 0,0 11 989,-5-6 0,0 8 0,0-5 0</inkml:trace>
-  <inkml:trace contextRef="#ctx0" brushRef="#br0" timeOffset="547504">16468 13673 7533,'-5'10'449,"1"-5"-269,4-1 0,0-4 0,0 4 180,0-3 180,0 3-271,4-4 181,1 0-90,4 0-90,1 0 629,7 0-719,-5 0-270,9 0 90,-10 0 270,10-4-1079,-9 3 539,10-3 90,-12 0-720,7 3 361,-2-3 539,-1 4 0,4-4 0,-3-2 0</inkml:trace>
-  <inkml:trace contextRef="#ctx0" brushRef="#br0" timeOffset="548723">17854 12920 7533,'-14'0'0,"5"-4"-90,4 3 450,5-3 809,0 4-989,5 0 180,0 0-91,4 0 1,4 0-180,2 0 90,-1 0 0,4 0-90,1 0 0,9 4-90,1-3 180,-2 3-180,-4-4-90,-4 0 270,4 0-630,-4 0 180,8 0 180,-11 0-809,1 0 179,-3 0 540,-8 0-809,6 0 449,-11 0 390,3 0 0,-4 0 0</inkml:trace>
-  <inkml:trace contextRef="#ctx0" brushRef="#br0" timeOffset="549200">17817 12948 7533,'-9'0'359,"-1"4"-179,1-3-180,0 3 180,4-4 0,-4 0 0,8 4 180,-3-3 90,4 7 179,0 2-449,0-4 0,0 6 0,13-2 0,-6 0 0,10 3-180,1-3 270,2-1-270,3 0 179,-4 1-179,3-1 0,-7-4-179,8 3 269,-4-2-270,-5-1 90,12 3-180,-9-3 180,5 4 0,-8-3-270,-5-2 270,0 0-449,-3 1 359,-2 4 0,-4 1-180,-9 3 0,-5 6 180,-6-4 0,-2 3-179,-5-1 359,-2-1-180,-4 7 270,5-9-90,9 0 359,1-5-179,8 0 0,1-4-180,1-1 270,7 1 180,-4-4-450,5 3 180,0-4 90,9 4-91,-3-3 181,7 3 90,1-4 0,4 0-360,-2 0-90,6 0 269,-4 0-89,2-4-449,-1 3 269,6-3-360,-4 4 180,3 0 180,-7 0-180,-3 0-989,-4 0 179,8 0-269,-8 4 1259,4 1 0,-5 4 0,0 1 0</inkml:trace>
-  <inkml:trace contextRef="#ctx0" brushRef="#br0" timeOffset="550102">17650 13506 8072,'-6'0'630,"2"0"-450,4 0 180,0 8-450,0-2 90,0 8 90,0-5-90,0 0 90,-4 9-90,3-3 90,-3 4 0,0-5-90,3-5-90,-3-4 0,4 3 180,0-7-360,0 8-180,0-8-719,0 3 629,0-13 0,0-1 270,4-9 91,-3 5 179,3 1 0,-4-1-180,4 0 719,1-5-359,0 5-180,4 0 720,-4 5-360,4 0-180,-4 3 359,4-2 91,-4 3-450,4 0-90,0 1 270,1 8 89,-1 5-269,0 6 90,1 3-90,-5-3-270,-1-2 180,-4 1 90,4-8-90,-3 10-180,3-14 90,-4 11 0,0-8 90,0 4-720,0-4-809,4 12 270,-3-14 449,8 9 720,-8-12 0,7 0 0,-3 0 0</inkml:trace>
-  <inkml:trace contextRef="#ctx0" brushRef="#br0" timeOffset="550314">17901 13524 7443,'5'0'2248,"3"0"-2248,-7 0 0,8 0 180,-4 0-360,4 0 1,5 0-721,-4 0 540,3 0 180,-3 0-1349,-1 0 1259,-4 5 270,-1-4 0,0 7 0,2-3 0</inkml:trace>
-  <inkml:trace contextRef="#ctx0" brushRef="#br0" timeOffset="550500">17957 13608 7533,'0'5'0,"0"4"629,4-8-179,-3 3-180,7-4 629,-3 0-449,1 0-180,2 0-180,-3 0-90,4 0 270,1 0-90,-1 0-720,-4-4 270,3 3-989,2-8 359,4 4 720,1 0-539,-2 1 719,-8 0 0,4 3 0,-4-3 0</inkml:trace>
-  <inkml:trace contextRef="#ctx0" brushRef="#br0" timeOffset="550699">18217 13506 7533,'6'0'2428,"-2"0"-1888,-4 0-180,4 4-180,-3 1-180,3 0 90,-4 4 90,0-4-270,0 0 90,0 7-990,0-10 450,0 11-359,4-4-180,-3-3 1079,3 7 0,0-8 0,2 4 0</inkml:trace>
-  <inkml:trace contextRef="#ctx0" brushRef="#br0" timeOffset="551935">17826 12492 7533,'0'-5'-630,"0"-3"630,5 7 450,-4-4-90,7 5-270,-7 0-1,3 0 271,-4 9 90,4 1-90,-3 17-90,3-2-270,-4 3 180,0-6-90,0-7 89,0 2-358,0-2 89,0-1-180,-4 8 0,3-2 90,-7-5-630,7 6 181,-3-19 179,4 6 450,0-8 0,-4-4 0,-2-1 0</inkml:trace>
-  <inkml:trace contextRef="#ctx0" brushRef="#br0" timeOffset="552175">17864 12473 7533,'9'0'719,"0"0"-89,1 0-270,3 5-270,-7 0 90,7 4-1,-12 4 1,7-2 90,-3 6-360,4 2-270,1 1 271,-1-2-1,0-4 90,-3-5-630,2-4 180,-3 3-90,0-3 91,3 1-361,-2-2 360,-1-4 450,3-4 0,-3-2 0,5-3 0</inkml:trace>
-  <inkml:trace contextRef="#ctx0" brushRef="#br0" timeOffset="552385">18096 12343 7533,'0'-5'270,"0"1"179,0 4 1,5 0 270,-4 0-540,3 0 179,-4 4 271,0 9-360,0-1 0,0 5 89,-4 5-359,3-5 180,-4 9-180,5 1-90,-4-6 90,3 6-3277,-3-9 2353,4 1 172,0-4 482,0 2-1259,0 2 809,4-4 181,-3 3 539,8-9 0,-8 0 0,3 1 0</inkml:trace>
-  <inkml:trace contextRef="#ctx0" brushRef="#br0" timeOffset="554125">18756 13050 7533,'-9'-4'-90,"4"3"629,1-3-179,4 4 1169,-4-4-1349,3 3 0,-3-4 0,4 5 180,0 0-360,4 0 270,1-4-90,4 3-270,0-3 90,5 0 0,0 3-90,1-3 0,7 4 90,-11 0-180,11 0 0,-8 0 90,1 4-90,-2-3 270,-4 7-360,-3-7 90,2 8 0,-7-4-89,3 4 179,-4 0 0,0 1-90,0-1-90,-8 4 90,-3 6 90,-3-3-180,-4 1 90,0 1 90,-2-3 180,-3 4-270,1 3 270,2-11 0,1 11-270,-2-8 450,9 5-180,-1-5 0,1 4 0,10-8 180,-10-1-90,11 0 270,-4-4-91,5 4-269,0-4 180,5-1-90,-1-4-90,2 0 360,6 0-360,-2 0 90,9 0-90,-5 0-180,4 0 180,-8 0 0,3 0-1,-3 0-448,-1 0 89,9 0 180,-7 0-810,7 0 91,-1 0-360,-5 0 539,9 0 90,-10 0 540,2 0 0,1 0 0,0 0 0</inkml:trace>
-  <inkml:trace contextRef="#ctx0" brushRef="#br0" timeOffset="554801">19101 13218 7083,'-5'0'1259,"1"0"-1079,4 0 0,0 4-90,0 9 90,0-2-270,0 15 270,0-10-90,0 7-180,0-9 180,0 4 0,0-8-270,0 3 90,0-3 90,0-1 90,0-4-270,0 3 0,0-7 180,0 4-180,0-1 0,0-3-90,0 3 1,4-12 179,-3-3-450,3-7 360,-4-1 0,0 0 90,4 1-90,-3 3 180,3-6-270,-4 1 91,0 0 448,0 3-269,0 8 90,0 3-180,0-2 630,0 7-180,4-3 180,-3 4-181,4 0-179,-1 0 90,-3 0 270,7 4-450,-3 1 270,0 5-271,4-1 181,-4-4-180,0 3-180,3-3 90,-7 5 0,8-1-989,-4 0 899,4 1 0,0-1-1079,1-4 1169,3 3 0,-3-7 0,4 4 0</inkml:trace>
-  <inkml:trace contextRef="#ctx0" brushRef="#br0" timeOffset="554996">19352 13255 7533,'0'5'0,"0"-1"180,0 0-90,-4-3-90,3 7 629,-7-2 1,7 3-270,-8 0-1,4 1-269,0-1 90,1 4 0,0-2-360,3 2 90,-7-4 0,7 1-629,-4 7 359,5-5 270,0 5-90,0-12-360,0 4 271,0-4 89,5 0 180,-4 3 0,7-7 0,-3 3 0</inkml:trace>
-  <inkml:trace contextRef="#ctx0" brushRef="#br0" timeOffset="555253">19538 13199 7623,'0'5'180,"0"3"-1,0-2-89,0 3 270,0 0-180,-4 0 0,3 9 360,-3-7-1,0 15-89,3-14-180,-3 5 0,4-3-180,0-4-90,0 3 180,0 5 0,0-7-810,0 7 360,4-9 180,-3 1-719,7-1 719,-7 0-90,3-4-1349,1-1 1169,-4-4-540,7-4 900,-7-1 0,7-8 0,-3-2 0</inkml:trace>
-  <inkml:trace contextRef="#ctx0" brushRef="#br0" timeOffset="555459">19492 13004 7533,'-5'-6'539,"1"-2"-89,4 7 90,0-3-270,-5 8-90,4-3-90,-3 7 89,4-7 1,0 8 0,4-4-180,-3 0 0,4 3 180,-1-7-450,1 12 180,8-11-1259,-6 10 270,9-7 1079,-10 1 0,8-2 0,-5-4 0</inkml:trace>
-  <inkml:trace contextRef="#ctx0" brushRef="#br0" timeOffset="556284">18905 12566 7533,'-9'-5'-540,"4"1"360,1 4 630,0 0-270,3 0 90,-8 0 89,4 4-89,-4 1-90,0 5-90,3-1 0,-6 4 90,6-2-90,-8 2-90,5 1 0,0 0 180,-1 1-360,-3 6 180,3-5 0,-4 7 90,9-13-180,1 2 180,4-11-788,0 3 1,4-12 0,1-2 0</inkml:trace>
-  <inkml:trace contextRef="#ctx0" brushRef="#br0" timeOffset="556451">18850 12538 7533,'13'-8'899,"-3"6"-539,4-6-90,-5 12-90,-4 1 0,8 4 0,-11 1-1,14 7-179,-9-1 180,6 7-450,-4-9 270,1 4-89,-5-8-361,3 8-630,1 0 1080,6 2 0,-1-2 0,0-4 0</inkml:trace>
-  <inkml:trace contextRef="#ctx0" brushRef="#br0" timeOffset="557488">17110 13831 7533,'-5'0'270,"1"0"539,4 0-539,0 5-180,4-4 270,1 3 359,21 0-629,-8 1 0,13 4 90,-13-3 0,9 2 0,-3-7-180,8 7 360,13-3-1509,-13 0 1149,12 0 0,-11-5 180,-4 0-90,7 0-279,-3 0 323,-3 0 1,2 0-314,20 0-260,-18 0 0,0 0 529,17 0 0,-5-5-135,-15 5 0,1-1 45,4-3 0,0 0 0,0 3 0,0 1 45,-1-2 0,-2 0-45,14 2-90,2 0 0,-13 0 90,8 0 90,-7 0-180,6 0 90,3 0 0,5 0 630,-4 0-495,-19-2 0,-1 0 134,21 1-89,-2-3-270,4 0 180,-3 2-726,-19-2 0,0 0 725,2 3 1,0 1 90,-4-2 0,0 0-45,4 0 0,-1 0 45,19 1-254,3-7 29,-24 7 0,0 1 135,-1-2 0,1-1-90,14 1 0,3 0 0,-2 2 0,-1-1-45,0-1 0,0 0 45,-5 2 0,-1 0 0,16 0 0,-4 0 0,-19 0 0,-1 0-90,21 0 90,-21 0 0,0 0 21,17-4-21,-13 4 0,0-1-72,10-3-63,-14 2 1,0 0-46,10 1 1062,1-3-972,-5 4-630,-1 0 360,-4 0 90,-5 0-188,4 0-351,-8 0 359,-4 0-270,-3 0 1461,-11 0-1034,3 0 1,-16 4 0,-4 1 0</inkml:trace>
-  <inkml:trace contextRef="#ctx0" brushRef="#br0" timeOffset="558278">18710 14176 7713,'-5'0'539,"1"0"-269,4 0-180,-5 4 0,4 1 0,-3 0 90,1 3-90,2-2 0,-7 7 0,7-3 0,-8 4 0,4-5-180,0 4 180,-3-2 0,3 6 0,-5-6-90,1 6-90,-13 10 0,10-9-780,-14 12 960,16-16-270,-8 1 180,4 2 0,-1-6-360,-3 2 0,-4-4 270,5 1-449,-9-5 179,16-1 180,-8-4-90,8 0-360,-3-4 181,3-1 449,1-5 0,0-3 0,-1-2 0</inkml:trace>
-  <inkml:trace contextRef="#ctx0" brushRef="#br0" timeOffset="558675">18441 14036 7533,'5'-9'-360,"3"-1"0,-3 5 180,5-3 630,7 7-90,-5-3-180,5 0 89,-3 3 181,-4-3 180,8 8 0,0 1-361,-2 4 181,14 13-270,-14-10 0,7 10 180,-6-4-90,-6-3-270,6 4 0,-7-2 179,4-6-179,-5 6 0,0-7 90,0 8 90,5-3-90,-4-1 0,4 4 0,-5-8 0,-4 3 0,3-3 90,-6-1-180,6 0 90,-7 1 0,7-1 90,-7 0-270,3 0 90,-4 1 90,0-1-270,4 0 90,-3 1 90,4-1 90,-5 0-270,0 1 0,0-1 180,0 0-360,0 1 180,0-5-90,4 3 181,-3-3-91,7 0 0,-3 4 0,4-8 0,1 3-450,-1-4 181,0 0 269,5 0-810,0 0 361,1 0 269,2 0 360,6-9 0,2-1 0,7-8 0</inkml:trace>
-  <inkml:trace contextRef="#ctx0" brushRef="#br0" timeOffset="575165">1098 18343 7533,'-5'9'0,"0"1"0</inkml:trace>
-  <inkml:trace contextRef="#ctx0" brushRef="#br2" timeOffset="583924">9351 10408 7533,'13'0'539,"-3"-4"-629,0 3-269,-2-3 269,-3 4-360,5 0 360,-1 0-90,0 0 0,-4-4-90,4 3-89,-4-3 269,4 4 0,0 0 90,5 0 0,-4 0 0,8 0 0,-8 0 0,-1 0 0,4 0 0,-11 0 0,14 0 0,-9 0 0,6 0 0,-4 0 0,5 0 0,-4 0 0,4 0 0,-1 0 90,-3 0 90,4 0-180,-5 0 359,9 0-269,-3 0 360,12 0-450,-8 0 90,0 4 0,-6-3-540,-4 3 270,1-4 180,-1 0 0,0 4 0,1 1 0</inkml:trace>
-  <inkml:trace contextRef="#ctx0" brushRef="#br2" timeOffset="584085">9992 10418 7533,'11'5'0,"1"-1"270,-7-4 89,9 0-179,-4 4-540,3-3 181,1 3 179,-4-4 0,8 0 0,-8 0 0,4 0 0,-5 0 0</inkml:trace>
-  <inkml:trace contextRef="#ctx0" brushRef="#br2" timeOffset="584296">10588 10464 7533,'14'0'359,"0"0"-179,-5 0-360,1 0 180,-1 0 0,0 0 270,0 0-719,5 0 449,-4 0 0,8 0 0,-4 0 0</inkml:trace>
-  <inkml:trace contextRef="#ctx0" brushRef="#br2" timeOffset="584486">10960 10483 7533,'11'9'719,"1"-4"-539,-7 3 0,5-7-180,7 12-540,-5-11 271,9 10 179,-10-11 0,2 4-360,-4-5 180,5 4 90,-8-3 0,11 3 180,-11-4 0,7 0 0,-3 4-90,-1-3-90,4 3 180,-2 0 0,2-3 0,-4 3 0</inkml:trace>
-  <inkml:trace contextRef="#ctx0" brushRef="#br2" timeOffset="584646">11574 10641 8882,'19'5'1169,"-5"-1"-899,4-4-90,0 0-1439,2 0 1259,3 0 0,-1 4 0,2 1 0</inkml:trace>
-  <inkml:trace contextRef="#ctx0" brushRef="#br2" timeOffset="584830">12077 10734 7533,'9'0'629,"0"0"-359,5 0-360,-4 0 90,3 0 180,1 4-180,-4-3 0,8 3 270,-8-4-90,8 0-990,-8 0 540,8 0 91,-4 4 179,1-3 0,2 3 0,-2-4 0</inkml:trace>
-  <inkml:trace contextRef="#ctx0" brushRef="#br2" timeOffset="584993">12561 10725 7533,'18'4'809,"-3"-3"-539,-2 3-180,-3 0 90,3-3-450,1 3 90,1-4 180,3 4-1349,0 2 539,-3-1 810,2 3 0,-3-3 0,0 4 0</inkml:trace>
-  <inkml:trace contextRef="#ctx0" brushRef="#br2" timeOffset="585146">12876 10827 7533,'14'9'-630,"-8"-4"450,11 4 630,-7-4-360,4 0-90,0 3 90,-5-7-90,5 8 90,-4-4-270,3 0 0,1 3 270,-4-3-90,4 5-90,-5-1 90,4 4-450,2 6 270,-1-3 0,-4 1 180,-2-4 0,-3 2 0,4 4 0</inkml:trace>
-  <inkml:trace contextRef="#ctx0" brushRef="#br2" timeOffset="585266">13193 11134 7533,'20'25'90,"-3"-4"90,-8-15 89,1 2-359,-1-3 270,0 4-539,9 9-1,-3 1 360,4 1 0,-5 2 0,-5-8 0</inkml:trace>
-  <inkml:trace contextRef="#ctx0" brushRef="#br2" timeOffset="585429">13472 11543 7533,'0'9'719,"4"9"-269,-3-7-180,3 7 90,1-9-810,-4 1 360,7-1 90,-3 4 0,0-2-1169,4 6 539,-4-2 270,0-1 360,-1 4 0,0-4 0,1 5 0</inkml:trace>
-  <inkml:trace contextRef="#ctx0" brushRef="#br2" timeOffset="585596">13612 12045 7533,'0'18'1079,"0"-2"-809,0 6 90,0-7-450,0 2 90,0-6 180,0 6 0,4-2-1080,1-1 540,4 4 180,1-4 180,-5 5 0,3-1 0,-3 1 0</inkml:trace>
-  <inkml:trace contextRef="#ctx0" brushRef="#br2" timeOffset="586020">13770 12678 7533,'0'39'-810,"0"-7"540,0 14-485,0-18 665,4-1 180,-3-8-180,8 8 217,-8-7-127,7 11 0,-3-11 0,4 3-90,1 3 90,-5-14 90,3 14-180,-3-3 90,0-2 110,4 1-200,-8-4 90,7-4 0,-7 5 0,3 0 0,0 3 0,-3-2 0,3-1 0,1 2 0,-4 3 0,7-3 90,-7 5-90,3-12 0,-4 1 270,4 6 68,-3-5-338,8 6 0,-8-7 0,3 3 0,0 0-180,-3 2 180,3 2 0,-4-3-179,4 0 179,-3-5 0,3 4-90,-4-4 90,0 1 0,0 2-90,0-2 360,4 7-91,-3-6-89,4 6 540,-1-4-450,-3-2-90,7 1 90,-3 5-90,0-10-360,4 14 90,-8-15 90,7 6 180,-3-2-90,0-1 0,4 4 0,-4-4 0</inkml:trace>
-  <inkml:trace contextRef="#ctx0" brushRef="#br2" timeOffset="586184">14180 14269 7533,'0'29'-450,"4"-3"270,1-7-360,4 4 360,4-4 1,-3 4-641,4-4 1,-1 4 0,2 0 0</inkml:trace>
-  <inkml:trace contextRef="#ctx0" brushRef="#br2" timeOffset="586409">14654 15292 7533,'0'42'0,"0"-9"1169,4-6-629,1-8-270,8 4-1260,-2-8 450,6 7 91,-2-12-541,3 4 990,1-5 0,0 0 0,-1 0 0</inkml:trace>
-  <inkml:trace contextRef="#ctx0" brushRef="#br2" timeOffset="586659">15147 15711 7533,'9'14'0,"1"-1"629,-1-3-179,0-1-180,1 0 180,-1 1-91,0-1-89,0 0-90,9 5-180,-7-4-450,15 8 181,-10-12 269,2 6-90,0-11-630,-8 7 450,4-7 90,-5 8 0,0-8 1,1 3-91,-1-4 90,0 4-450,1-3 270,-5 3 360,7 0 0,-10-3 0,11 8 0,-8-4 0,4 4 0</inkml:trace>
-  <inkml:trace contextRef="#ctx0" brushRef="#br2" timeOffset="587138">15417 15748 7533,'-5'0'1619,"1"0"-1349,0 0-90,2 0-720,-2 0 180,13 0 90,-3 0 90,7 0-180,-3 0 271,-5 0-91,3 0 90,-3 0 270,0 0-270,4 4 989,-4 1-539,4 0-180,-4 3 719,8 2-449,-11-4-180,10 6 0,-7-7 0,5 5-180,-1-1 269,0 0-539,1 1 180,3-1 0,-3 0 180,8 5-180,-12-4 0,7 3-359,-4 1 448,-3-4 91,2 4-90,-8-5-90,0 0 0,0 1 180,0-1 0,-4 0-90,-1 1-180,-8 3 270,-6 6-90,-1-4-998,-2 7 818,3-8 90,0 1-180,1 2 90,-1-6 0,1 2 180,-1-4-1529,4 1 270,-6-1 1169,5-4 0,-7 3 0,5-2 0</inkml:trace>
-  <inkml:trace contextRef="#ctx0" brushRef="#br2" timeOffset="589573">16636 14455 7533,'-6'5'809,"2"3"-629,4-3-90,0 5 180,0 3-90,0-3-180,0 4 0,0-5 180,0 0-360,0 1 90,0 3 90,0 2-720,0-1 450,0 4 1,0-8-811,0 3 1080,0 1 0,4-4 0,2 4 0</inkml:trace>
-  <inkml:trace contextRef="#ctx0" brushRef="#br2" timeOffset="589720">16617 14920 7533,'-4'5'809,"3"-1"-449,-7 0-180,7 1-900,-4 9 181,5 0 179,5 1 360,-4 2 0,7 2 0,-3 5 0</inkml:trace>
-  <inkml:trace contextRef="#ctx0" brushRef="#br2" timeOffset="590049">16636 15273 7533,'-10'4'0,"5"-3"1259,1 8-449,4-4-361,0 4-1078,0 0 449,0 1 90,0 3 90,0-2-1260,0 2 631,4 0 359,-3-2-540,3 15 541,-4-14 269,0 10 0,0-13 0,0 9 0,0-11 0,0 5 0,0-8 0,0-3 0,-4 4 0,3-5 269,-3 0 1,4 4-270,0-3 0,0 3 360,4 0-90,-3-3-90,3 3 90,-4 0-270,0-3 180,0 3-1,0 1-358,0-4-1,4 7 270,-2-7-90,2 3 0,-4 0 0,0 1 0</inkml:trace>
-  <inkml:trace contextRef="#ctx0" brushRef="#br2" timeOffset="590474">16310 15431 9332,'5'0'0,"3"0"-90,-3 0 90,5 5 90,-5-4 90,3 7-450,-3-7 90,5 3 0,7 4 360,-5-6-90,5 11 0,-8-8-180,5 0 0,-4 3 180,4-2-90,-1 3 0,6 0 0,-4 0-90,7 1 90,-12-5 90,8 3-90,-8-3-90,4 1 90,-1 2 0,-2-7 0,2 3 0,0-4 0,-2 0 180,6-4 0,-6 3-90,-2-7 89,3-6-89,-5 3 0,6-11 0,5-13-719,-7 15 53,7-18 396,-13 23 180,7-11 0,-6 1 0,8-7 0</inkml:trace>
-  <inkml:trace contextRef="#ctx0" brushRef="#br2" timeOffset="593337">17603 15599 7533,'0'10'90,"0"3"179,0-8 1,0 4-270,0 5 720,0 4-360,0-2 269,-4 9-269,3-9 0,-7 7-180,6-9-90,-6 4 90,3-4 0,-4 9-270,-1-3 180,1 2 179,-8 9-359,5-5-2113,-10 10 2203,8-12 0,-1 3-140,-2-3 230,7 0 0,-8 2-360,3-2 270,-3-4-180,-1 2-90,1-8-90,-5 5 360,3-9-449,-3 2 179,9-11 0,-4 3 180,8-4-720,-3-4-89,-1-9 629,4-3 811,1-6 0,1-1 0,3-1 1</inkml:trace>
-  <inkml:trace contextRef="#ctx0" brushRef="#br2" timeOffset="593883">17454 15469 7533,'0'-10'-450,"0"5"360,0-3 90,0 7 360,0-7-90,0 7-1,0-8 91,0 8 0,0-3-180,4 4-90,-3 0 360,3 0-91,0 0 1,-3 0 360,8 0-540,-4 0 90,0 4 89,3 1-179,-7 1 0,8 2 90,-8-3 90,11 8-90,-10-2-270,11 2 180,-12 1-1,7-4-89,-3 3 0,0-3 90,4-1-180,-8 4 0,3-2 90,-4 2 0,4 9 90,-3-6-90,3 11 90,-4-8-180,0 4 0,0-4 0,0 8 90,-4 5 0,3 2-270,-3-1 270,4-6 0,0-8-180,0 0 90,0-1 0,4 1 0,1-9 90,4 2-270,9-6 270,-7-1-90,11 3 90,-7-7 0,3 3-90,9-4 90,-10 0-90,8 0 0,-10 0-90,-1 0 180,12 0-540,-5 4 0,7-3 360,-10 4-270,-4-5-89,-1 0-721,-2 0 541,2 0 89,-8 4 270,4-3 270,0 7 0,-3-7 0,2 3 0</inkml:trace>
-  <inkml:trace contextRef="#ctx0" brushRef="#br2" timeOffset="594516">18171 15664 7533,'-5'0'809,"1"-4"-629,4 3 180,0-3-180,4 4 0,-3 0 0,11 0 89,-2 0 451,5 0-450,-2 0 0,-3 0-90,-1 0 89,0 0 181,5 0-810,-4 0 181,4 0 179,-5 0-1080,0 0 361,9 4 539,-7-3-540,7 3 0,-1 0 720,-9-3 0,8 12 0,-11-3 0</inkml:trace>
-  <inkml:trace contextRef="#ctx0" brushRef="#br2" timeOffset="594741">18255 15841 7533,'-15'0'2248,"6"0"-2427,9 4-1,1-3 0,7 7 180,-3-7-90,9 7 1529,0-7-1079,1 4-90,2-5 359,-6 0-269,6 0-450,6 0 0,-2 0 180,6 0 0,-9 0-1709,1 0 540,8 0 1079,-7 0 0,7 0 0,-8 0 0</inkml:trace>
-  <inkml:trace contextRef="#ctx0" brushRef="#br2" timeOffset="605821">19026 15459 7533,'-5'6'270,"1"-2"359,4 0-269,4-3-90,1 3 1709,17-4-1530,-9 0 1,12 0-90,-10 0 0,4 0-90,-1-4-90,1 3 89,4-3-89,-4 0 0,8 2 0,-3-6 0,0 7 0,3-3-360,-8 0 270,12 3-90,-10-3 0,6 4 270,-4 0-630,-8 0 180,3 0-629,-1-4 719,-5 3 0,1-4-810,-5 5 181,-2 0 449,-1 0-990,-1 0 541,0 0 269,-3 5-180,3 0 181,-4 4-181,-8 4-90,2-2 720,-8 2 0,1 1 0,-2 0 0</inkml:trace>
-  <inkml:trace contextRef="#ctx0" brushRef="#br2" timeOffset="606545">19073 15552 6903,'0'-5'1259,"0"1"2017,0 4-2414,0 8-682,4-1 90,-3 10 0,7-7-91,-7 4 1,8-5 0,-4 0-180,8 1 360,2 3-360,3 2-90,1-1 270,0-5-450,-5 0 270,4-4 0,-8 4 0,8-4 0,-8 4 0,3-4 0,-3 4 0,-1 0-180,0 1 90,-3-1-90,2 9 90,-7-3 1,3 4-91,-8-2 180,-1-6-450,-9 10 450,4-9-90,-8 5 0,4-3 0,-1-4 0,-2 3 0,2-3-90,1-1-3097,-4 4 2982,8-2 18,-8 2 188,8-3-1,-4-1 180,5 0-90,-4 5 0,-2 0 179,5-4-269,-2 3 90,10-12 180,-6 7 3096,7-7-3072,-3 3 75,4 0-99,0-3 180,0 4-270,0-1 0,0-3 180,4 3-90,1-4 89,1 0 181,2 0 90,5 0-450,-1 0 270,9 0 179,2-8-359,-2 5 90,6-9-90,-5 7 0,-2-4-90,7 3 180,-3-2-91,0 7 1,2-7-360,-6 7 180,3-3 0,-5 0-179,-3 3 179,15-4-180,-17 5 180,13 0-90,-16 0 90,-1 0-90,0 0-90,1 0 180,-1 0-180,0 0 0,0 0 180,-3 0-90,2 0-360,-7 5 181,3-4 89,0 3-900,-3-4 260,3 0 1,-12 0 0,-2 0 0</inkml:trace>
-  <inkml:trace contextRef="#ctx0" brushRef="#br2" timeOffset="607523">19017 16380 4042,'0'10'449,"0"-1"865,0 0-954,4 0 766,-3 1-946,8-1 682,-8 4-683,7-2 977,-7 2-1066,3-3 563,-4 3-473,4-3 0,-3 12 0,3-11 0,-4 11 89,0-3-269,0-4 180,0 3 0,0-5-360,0-2 270,-4 2-180,3-4 0,-7 1 0,3 3 90,0-3-89,-4 0 178,4-2-448,0-7-1,-12 3-719,14-4-91,-17-16-89,18 7 1259,-11-25 0,8 18 0,-4-11 0</inkml:trace>
-  <inkml:trace contextRef="#ctx0" brushRef="#br2" timeOffset="607732">18998 16296 9871,'6'0'1080,"2"0"-720,-3 0-450,0 0 180,4 0-1,-4 0-358,4 0 179,0 0 180,-3-4-1080,6 3 451,-6-3 359,8 4 0,-5 0-540,0 0 270,-4 0 91,4 0 359,-8 4 0,7 2 0,-3 3 0</inkml:trace>
-  <inkml:trace contextRef="#ctx0" brushRef="#br2" timeOffset="607972">19157 16427 7533,'0'5'449,"0"-1"-179,4-4 0,1 0 630,0 0-361,4 0-89,-4 0-90,4 0-360,0-4 180,1 3 0,-1-3-540,0 4 270,1 0 90,-1 0 0,0-4-1079,0 3 629,1-4 180,-1 5-1079,0 0 629,1 0 270,-5 5 450,-1-4 0,0 7 0,1-3 0</inkml:trace>
-  <inkml:trace contextRef="#ctx0" brushRef="#br2" timeOffset="608150">19241 16548 7533,'-5'10'1259,"4"-2"-989,-3-8 90,4 4 89,0-3 361,0 4-450,4-5 269,6-5-719,4 0 90,5 0 0,-5 1-1079,4 0 719,-8 3 180,8-7-719,-4 6 89,5-6 810,-1 3 0,-3-4 0,-2-1 0</inkml:trace>
-  <inkml:trace contextRef="#ctx0" brushRef="#br2" timeOffset="608341">19501 16380 11221,'0'10'1169,"0"-1"-1259,4 8 90,2-1 0,-1 7 0,-1-5-1079,0 5 179,1 1-269,4-5-180,-3 3 1349,2-12 0,-3 4 0,4-5 0</inkml:trace>
-  <inkml:trace contextRef="#ctx0" brushRef="#br2" timeOffset="608840">19306 14929 7533,'-10'-4'180,"5"3"-180,-3-3 269,7 4 1,-7 0 450,2 4-360,1-3-1,-3 7 181,3 6-180,0-3-180,-4 11 0,4-4-180,0 2 180,-3 3-360,3 4 180,-5 18-990,5-8 181,5 12 719,1-30-1349,7-1 719,2-9 720,0-3 0,4-2 0,-5-4 0</inkml:trace>
-  <inkml:trace contextRef="#ctx0" brushRef="#br2" timeOffset="609166">19492 15041 7533,'0'-11'899,"0"-1"-449,0 11 539,0-3-179,-4 4-360,-1 4-91,-9 1-269,0 9-90,-5-4-180,-4 7 91,-1-2-451,-3 4 180,-1-5 270,4-1-90,5-3 90,6-1 0,-1 0 180,8 1-180,-2-1 180,8-4 90,0 3-180,8-7 360,2 8-180,9-8 180,8 7-91,-6-7-269,1 3 90,4-4 90,-1 0-899,8 4 179,3 1 540,-2 5 0,-6-5 0,-1-1 0</inkml:trace>
-  <inkml:trace contextRef="#ctx0" brushRef="#br2" timeOffset="609614">19967 15506 7533,'-16'-5'989,"4"1"-809,12 4 630,0 0-91,8 0 181,6 0-181,14 4-449,10 1-90,8 0-2179,-6-1 1909,-4-4 180,-14 0 0,1 0-180,-4 0 270,8-8-450,-12 6 90,11-11-1439,-2 8 90,-3 0 719,-4 5 271,-12 1 1061,-5 12 0,-9-7 0,-1 7 1</inkml:trace>
-  <inkml:trace contextRef="#ctx0" brushRef="#br2" timeOffset="610170">20041 15506 7533,'-14'0'0,"0"0"0,9 0 0,-3 0 180,7 4 179,-8-3-179,4 3 90,0-4 90,1 0 90,4 4-91,0-3 1,0 3-180,0 1 270,0-4-90,4 3 89,1 0-89,5-3 90,-1 7-270,0-7 0,0 7 0,1-2 0,3-1-1,-2 3 1,10-3 180,-1 5-360,8-1-180,12 8 180,-17-5-360,6 5 91,-19-3-1,-1-4 0,0 12-90,-4-7 90,-1 4 90,-4-1-359,-8-4 359,-2 5-90,-9-1 0,5-7 180,-3 5 90,2-10-90,-16 8 90,1-1 0,1-7 90,4 7-180,14-8 90,-2 0 180,3 3-270,1-7 360,4 4-90,1-1-90,4-3 90,0 7 90,0-7-180,0 7 539,4-3-449,1 1 90,9-2 270,0 0 89,13-3-179,2 3-270,0-4 90,-2 0 90,-13 0-91,4 0 1,0 0 180,10 0-270,-8-4-360,2 3 180,-9-3 0,-2 4-900,11-4 721,-11 3-1171,15-4 721,-19 5 179,10 0-450,-12 0 271,4 5 179,-4-4 180,4 3-1709,-8 0 1620,7-3-721,-7 7 1080,3-7 0,-4 7 0,0-2 0</inkml:trace>
-  <inkml:trace contextRef="#ctx0" brushRef="#br2" timeOffset="610958">20050 16306 7533,'-5'0'539,"1"0"-269,4 0 90,0 4-270,0-3 450,-4 3-181,3 0 1,-3-3-180,4 8 0,0-4 0,0 4 0,0 0-360,0 5 180,0-4-180,0 4 180,0-1-90,0-3 270,0 4-360,0-1 90,-4 2-90,3 3 90,-3-3 0,4-2-359,0-8 179,0 4 90,0-8-1979,0 3 1709,0-17 181,0 6 269,0-10 0,0 7 0,0-3 0,0 2 0,0-6 0,0 7 0,0-8 0,0 8 0,0-8 0,0 4 0,0-1 89,4 2 1,-3 3 630,3 1 90,0 0-361,-3 0 1,3-1 90,0 5-1,-3-3-269,8 7 90,-4-3-180,4 4 0,0 0-180,1 0 180,-5 0 90,3 4-270,-3 1 90,0 0 89,4 3-179,-8-2 90,7 7 0,-3-3 90,0 4-90,4-5 90,-8 0 90,3 5 0,0 0-180,-3 1-180,3-2 90,-4-4 0,0 5-90,0-4-630,4 16 270,-3-9-539,8 9 539,-8-15 91,3 1 179,-4-11-810,4 3 361,-4-4 269,4 0-270,0 0 90,-3 0 540,8-4 0,-8-5 0,3-6 0</inkml:trace>
-  <inkml:trace contextRef="#ctx0" brushRef="#br2" timeOffset="611176">20282 16296 7533,'-5'0'0,"1"0"3276,4 0-3044,0-4-142,0 3-180,4-3 270,1 4-540,5 0 90,-1 0 180,0 0-1079,1 0 269,-1 4-359,-4-3 539,3 8 720,-7-4 0,4 4 0,-5 0 0</inkml:trace>
-  <inkml:trace contextRef="#ctx0" brushRef="#br2" timeOffset="611342">20292 16389 7533,'0'6'1079,"0"2"-629,0-7-90,0 3 89,0 0-269,0-3 0,0 3 0,4-4-360,1 0 270,8 0-1529,6 0 1259,-3-4 90,1 3-1259,-3-7 1349,-8 3 0,10-4 0,-5-1 0</inkml:trace>
-  <inkml:trace contextRef="#ctx0" brushRef="#br2" timeOffset="611525">20496 16278 9332,'-5'0'1529,"1"0"-1079,4 0-271,0 4-269,4 1 270,-3 5 0,3-1-270,1 0 180,-4 0-90,7 1-1079,-3-1 359,4 9 630,1-7-1439,-5 7 630,3-9 899,-3-4 0,5 3 0,-1-3 0</inkml:trace>
-  <inkml:trace contextRef="#ctx0" brushRef="#br2" timeOffset="612834">20106 14938 7533,'-5'6'-990,"1"-2"900,0 0 90,3-3 90,-3 3 90,4-4-180,0 4 0,0-3 540,0 3-360,-4 0 90,3-3-91,-4 4-179,5-5 360,0 0 0,0 4-270,0-3 270,0 7-90,0-3-180,0 5-90,0-1 90,0 0 0,0-4-90,0 4 89,0-4 91,0 4-90,0-4-180,0 3 0,0-7 180,0 8 0,0-8-180,0 3-90,0 0 270,0-3 180,0 3-180,-4 0 0,3-3-90,-3 8 0,4-8 0,0 7 90,-4-7-90,3 11 0,-3-10 180,0 19-180,-2-14 90,1 15-180,-3-3 90,3 0 0,-5 4-90,5-4 180,-3-1-180,3 9 90,-4-10 0,3 9 0,-2-12-180,7 0 0,-3 0 180,4-9 0,0 3-629,-4-7 179,3 8 270,-3-8-899,8 3 539,-3-8-180,11-6 720,-10-4 0,11-5 0,-8 1 0</inkml:trace>
-  <inkml:trace contextRef="#ctx0" brushRef="#br2" timeOffset="613065">20116 15059 7533,'5'-5'0,"-1"-3"359,-4 7 91,0-3-450,4 4 630,-3 0-360,7 0 179,-7 0 541,12 4-630,-11 1-90,10 4 179,10 17-719,-5-12 1,10 16-721,-14-24 540,-4 2 181,-3-4 89,2-3-450,-7 3 90,7-4-809,-3 0 719,1 0 630,-2 0 0,0-8 0,1-2 0</inkml:trace>
-  <inkml:trace contextRef="#ctx0" brushRef="#br2" timeOffset="613297">20320 14873 7533,'0'-9'0,"0"0"0,4 4 989,-3-4-449,3 8-90,-4-3-91,0 0 91,0 3 180,0-3-1,4 8-449,-3-3 0,3 11 360,-4-1-360,0 7-180,0 1 90,0-5 90,0 4 0,0-4-270,0 5 90,0 0-630,0 20 270,0-15 90,0 15-1169,0-20 630,0-1 359,0-3-630,0 2 451,0-2 629,0-1 0,0 4 0,0-4 0</inkml:trace>
-  <inkml:trace contextRef="#ctx0" brushRef="#br2" timeOffset="614694">21027 15450 7533,'-13'-4'-270,"-2"3"270,1-7-360,4 7 0,-2-4 270,10 5 720,-10 0-180,6 0-270,1 0 449,1 0-179,4 0-180,-4 0 270,3 0-271,-3 5-89,4-4 180,4 7-90,-3-7-180,7 7 90,-3-7-90,5 3 90,-1 0-1,0-2 1,1 2-90,3-4-90,-3 0 270,4 0-360,-5 0 90,5-4 90,-4 2 0,3-6-270,5 3 270,-3 0-90,4-3 180,11 2-180,-12-3 90,9 4 0,-10-3 0,-7 7-90,4-8 90,-5 8 0,0-3 90,1 0-90,-1 3 0,0-7 0,-3 7-90,2-3 90,-7-1 89,7 4-269,-7-3 1,3 4-181,-4 0 270,5 0-90,-4 0 539,3 0-449,-4 4 0,-4-3 0,3 4 0,-4-5-89,5 0 89,0 4 0,0-3 0,0 7 89,0-7-89,-4 3 0,3-4 0,-3 4 0,4-3 0,-4 8 0,3-4 0,-7 4 0,7 0 0,-8 1 0,8-1 0,-7 0 0,3 1 0,-5-1-179,1 4 179,0-2 0,0 6-90,-1-6 0,5 6 90,-7-2-90,5-1 90,-6 4-90,4-4 0,-1 5 90,1-1 90,4 5-180,-3-3 0,3 7 180,-5-8-180,5 4 90,-3-9 0,7 4 0,-8-8 0,8 4-90,-3-5 90,0 0 0,3 1 0,-3-5 0,4-1 0,0 0 90,0-3 0,0 3 90,0 0-180,0-3 360,0 4-181,0-1-179,0-3 360,4 3 90,10-4-180,-3 0 90,7 0-270,-9 0-1,4 0 271,2 0-180,-1 0 0,4 0-270,-4 0 180,5-4 180,4 3-270,-8-3-90,7-1 270,-8 4-720,1-3 270,-2 4 180,-3 0-90,3 0-809,-3-4 449,4 3 181,-5-3 89,0 4-1349,-3-4 809,2 3 270,-3-7-899,4 7 630,1-8 359,-5 8 450,3-7 0,-3 3 0,5-4 0</inkml:trace>
-  <inkml:trace contextRef="#ctx0" brushRef="#br2" timeOffset="615705">21548 15729 7533,'-5'0'359,"-3"0"-359,7 0 0,-3 4 90,4-3 0,0 12-90,0-7 630,0 7-270,0-3-90,0-1-90,0 4-1,0-2 1,0 2-90,0-4-90,0 5 180,0 0-90,0-3-90,0 1 0,0-7-90,0 4 0,0 1 0,0-5 180,0-1-719,0-4 89,4 0 360,-3 0-630,3 0 631,-4-4-271,4-1 90,-3-5 0,3 1 180,-4-4 180,0 2-269,0-2 89,0 0 270,0 2-90,0-10 0,0 9-90,0-10 180,0 12-90,0-3-90,0 3 899,0 1-449,0 4-90,5-3 629,-4 7-449,3-8 90,0 8-180,1-3-91,4 4 181,-3 0 0,10 8-180,-9 3-90,11 3-1,-13 0 1,3-9-180,-7 3 360,8-3-630,-4 5 180,0-1 90,3-4 0,-3-1-1439,4 0 1259,1-3-1169,-6 8 270,9-8 719,-7 3 360,7-4 0,-3 4 0,-1 1 0</inkml:trace>
-  <inkml:trace contextRef="#ctx0" brushRef="#br2" timeOffset="616181">21892 15869 9332,'-5'0'719,"1"0"-539,4 4 0,0 1 0,0 0-90,-4 7-90,3-5-180,-4 10 360,1-6-900,3 2 181,-3 0-541,4-6 361,0 5 449,0-7-90,0 0 360,0 0 0,0-5 0,0 0 0</inkml:trace>
-  <inkml:trace contextRef="#ctx0" brushRef="#br2" timeOffset="616542">22050 15794 7533,'5'0'719,"4"0"-449,-8 0-180,3 4 90,-4-3 180,4 12 0,-3-7-270,3 7 89,-4-3-89,0 3 180,4 2 270,-3 3-360,3-3 0,-4 2 449,0 2-539,0-4 0,0 7 270,0-3-180,0 4-180,0 1 0,0-1 180,0-4-180,0 7-90,0-5 0,0 2-90,-4-6 90,3-6-450,-3 6 360,0-10 91,3 5-721,-3-11 360,0 3 270,-1-4-719,-5 0 539,5-4 90,-3-5 270,3-10 0,-9-1 0,0-2 0</inkml:trace>
-  <inkml:trace contextRef="#ctx0" brushRef="#br2" timeOffset="616755">22004 15562 7533,'5'0'359,"3"0"181,-3 0-270,1 0-270,-2 0 1439,0 4-1079,1-3 0,0 7-450,3-7 90,-7 7-630,8-7 91,0 8 449,-3-4 90,7 4 0,-8 0 0,4 1 0</inkml:trace>
-  <inkml:trace contextRef="#ctx0" brushRef="#br2" timeOffset="617536">21111 14966 10231,'-4'14'1169,"3"-4"-1079,-8 8-180,8-8 180,-7 8-269,3 4 89,-4 3 90,-1 3-810,5-9 450,-3-2 90,7-6-1439,-7 6 990,7-11 89,-4 3 630,5-9 0,0 0 0,0 0 0</inkml:trace>
-  <inkml:trace contextRef="#ctx0" brushRef="#br2" timeOffset="617712">21139 14994 7533,'13'-4'719,"-2"3"-449,2-3 0,0 4-180,2 4 630,-1-3 89,4 11 1,-3-5-451,3 6-179,-3-4-540,-2 1 181,1-5 269,0 3-900,0-7 540,4 7 180,-4-2-730,1-1 1,3 7 0,-4-1 0</inkml:trace>
-  <inkml:trace contextRef="#ctx0" brushRef="#br2" timeOffset="621140">1116 17999 8011,'9'9'0</inkml:trace>
-  <inkml:trace contextRef="#ctx0" brushRef="#br0" timeOffset="627025">16626 17385 7533,'-5'0'899,"1"4"271,0 9-811,-1 3-179,0 7 90,0-9-90,5 4 0,0-4 0,-4 9-90,3-3 269,-3 19-179,4-16-90,0 20 90,0-18 0,0 7 270,4 16-270,-3-15-270,8 12 90,-8-22 0,7-5-180,-3-3 180,0 2-90,3-6 180,2 2-90,4-8-180,5-1 90,0-8 0,-5-1-270,8-13 270,-11 3 90,11-12-269,-12 7 89,8-2-90,-8-1 0,4-1 180,-5 0 0,0-2 0,0 6 180,1-7-3367,-1 7 3174,-4-6-1443,4 6 1725,-8 1-1004,3 2 735,-4 6 340,4 2-160,-3 1 2202,3 7-2112,-4-3 1898,0 4-1988,0 12-90,0-5 90,0 19 90,0-10-90,4 11-90,1-4 90,0 5 180,8 0-270,-7 0 90,8 0 89,-1 0 1719,-3-4-1808,8-2 0,-4-3 0,1-5-90,2 0 180,-2-5-180,-1 1 403,21-1-223,-13-8-90,14 2-90,-17-11 180,2-2-90,-9 0 0,5-8 0,-8-4-90,1 1 90,-5-6-90,3-8 0,-3 8 90,0-13 0,0 12-180,-5 0 0,0 0 180,0 4-90,-5-3-450,0 8 270,-4-4 0,0 4-449,-1 1-181,-3 3-899,3 2 1349,1 8-1349,5 1 1709,4 4 0,0 4 0,0 1 0</inkml:trace>
-  <inkml:trace contextRef="#ctx0" brushRef="#br0" timeOffset="627509">17566 17869 8342,'0'5'810,"-4"3"-91,3 1-179,-4 2-180,5 2 0,0-4-1,0 5-89,0 0-90,0 1-180,0-2 90,0-3 90,0-1-360,0 0 270,0-4-90,0 4 180,5-4-1169,-4 0 449,7 3 360,-7-7 90,7 7-720,-3-7 271,5 4 269,-1-5-1259,0-5 629,-4 0 900,4-4 0,-4-4 0,4-2 0</inkml:trace>
-  <inkml:trace contextRef="#ctx0" brushRef="#br0" timeOffset="627685">17612 17636 7533,'-9'-5'0,"4"-3"809,1 7 1,4-4 89,0 5-719,4 0 0,1 5-1619,8-4 1259,2 7-1349,4-7 1529,-5 3 0,4-4 0,-4 0 0</inkml:trace>
-  <inkml:trace contextRef="#ctx0" brushRef="#br0" timeOffset="628311">18078 17450 7533,'-4'-5'-360,"3"1"2429,-8 0-1620,8 2-179,-3-2 90,4 4 450,0 0-361,4 0-89,1 0-180,1 4 0,2-2-90,1 2-90,2-4 180,2 0 0,-4 0-360,1 0 270,3 0-90,-3 0-810,4 0 450,-1 0 270,-2 0 1,2 0-1620,-4 0 269,5 0 1440,-4 4 0,4 1 0,-5 4 0</inkml:trace>
-  <inkml:trace contextRef="#ctx0" brushRef="#br0" timeOffset="628585">18096 17701 7533,'-20'0'0,"3"0"-90,13 0 1079,3 4-359,-3-3-270,4 3 1708,0-4-1708,4 0-180,1 0 180,9 0-180,-4 0 0,8 0 90,0 0-91,2 0 1,-2 0 0,0 0-270,-8 0 90,8-4 90,-4 3-1079,1-3 539,2 4 360,-6 0-90,2 0-629,1 0 359,-4 0 180,3 0-1889,1 0 2159,-8 0 0,7 0 0,-8 0 0</inkml:trace>
-  <inkml:trace contextRef="#ctx0" brushRef="#br0" timeOffset="630093">19501 17003 7533,'-9'0'-360,"4"0"360,1 0 719,-1 0-269,4 0-180,-7 0 90,7 0 539,-3 0-629,0 0 90,3 0 180,-3 0-181,16 0-89,-1-4-270,12 3 0,-8-3 180,2 4-270,-2 0 0,3 0 180,1 0 0,0 0-270,16 0-90,-8 0 360,5 0-90,-11 0-359,-10 0 179,6-4 0,-6 3 90,2-3-270,-4 4 90,1 0 0,-5 0-899,3 0 1169,-3 0 0,5 4 0,-1 1 0</inkml:trace>
-  <inkml:trace contextRef="#ctx0" brushRef="#br0" timeOffset="630906">19473 17050 7533,'-14'0'0,"0"0"629,5 0-179,4 0-180,-3 0 90,7 0-360,-4 0 270,1 0-91,3 0 361,-7 0-180,7 0 270,-3 0 269,16 4-539,0 1-180,6 0 0,-4 4 179,-1-4-179,2 4-90,3 0 90,1-3 0,-5 2-360,0-7 270,-5 3-90,5 0-180,0-3 90,9 8 90,-8-4-180,7 4 90,-8-4 1,1 3-1,7-2-90,-11-1 180,7 3-180,-9-7-90,0 7 180,1-2-90,-1 3 180,-4-4-90,-1 3 0,-4-3-90,0 1-180,-8 2 91,-2-3 269,-9 4-90,4 1-360,-10-1 360,12-4 0,-13 3-180,12-2 180,-5 3 0,1 0 90,3 0-270,-7 1 181,11-1 178,-7-4 1,9 3-180,0-2 1,0-1 268,-5 3-179,4-3 0,0 0 0,6 4 90,0-8 90,3 3-180,-3 0 180,4-3 0,-4 3 90,3 0-270,-3-3 90,4 3 90,0-4 0,-4 0-180,3 0 1439,-4 0-1259,14 0-90,-3 0 90,7 0 89,-3 0-179,-1-4 90,0 3-90,1-3 90,3 4-180,-3-4 180,4 3-90,-1-3-90,-2 0 90,6 3 0,-7-3 0,8 4-180,-8-5 90,8 4 90,-8-3 0,8 4-270,-8-4 90,8 3 90,-8-3-90,8 4-180,-4 0 180,1 0-90,-2 0-269,1 0 359,-4 0-90,-1 0-90,0-4 180,-8 3-360,3-3-90,0 4 181,-3 0-271,3 0 0,0 0-269,-3 0 359,3 0-539,0 0 1079,2 0 0,-1 4 0,-1 1 0</inkml:trace>
-  <inkml:trace contextRef="#ctx0" brushRef="#br0" timeOffset="632173">19417 17515 6993,'0'5'90,"0"-1"180,0-4 180,0 5 179,0-4-269,0 7-180,0-3-90,0 4 90,0-4 0,0 4-90,0-4 89,0 4-179,0 0 90,0-3 180,0 6-360,0-6-180,0 8 270,0-9-89,0 3-1,0-7-1530,0 3 1351,5-12-271,-4-2-90,7-9 450,-7 5-89,3-4 269,-4 4 90,0 3-90,4-1 89,-3 7 1,3-5 0,-4 5 810,5-3-450,-4 3 179,3 0-449,0 0 0,-3 5 270,3 0-270,0 0-90,-3 0 90,3 5-91,0-4 271,-3 7-180,8-3 0,-8 4 0,3-3-90,-4 2 90,4-3-270,-3 0 270,3 3-180,-4-2 0,0-1-90,0 3 180,0-7-540,0 7 90,0-3-989,4 5 1079,-3-5-360,4 3 271,-5-7-1,0 3 90,4-4-360,-3 0 271,3 0 359,0 0 0,-3 0-820,3-4 1,0-1 0,1-4 0</inkml:trace>
-  <inkml:trace contextRef="#ctx0" brushRef="#br0" timeOffset="632399">19604 17515 9781,'9'0'450,"-4"0"-270,3 0 0,-7 0-630,8 0 270,-4 0-719,0 0 449,3 0 180,-3 0 90,1 0-809,2 0 989,-3 4 0,0-3 0,-1 3 0</inkml:trace>
-  <inkml:trace contextRef="#ctx0" brushRef="#br0" timeOffset="632586">19641 17562 7533,'-4'5'0,"3"-1"359,-3-4 1,4 4 450,0-3 449,0 3-1079,4-4-450,-3 0 90,11 0 0,-2 0 180,5-4-90,-2 3-1079,5-3 449,-7 0 720,7 3 0,-5-8 0,2 4 0</inkml:trace>
-  <inkml:trace contextRef="#ctx0" brushRef="#br0" timeOffset="632797">19855 17469 7533,'0'5'359,"0"-1"1171,0-4-1350,0 4 449,0-3-179,0 3-90,0 0-1,0 1-179,0 1 0,0 2 0,0-3 0,0 4-180,0 1-180,0-1 180,0 0-1169,0 1 359,4-1-1079,1 4 1889,9-6 0,-8 5 0,2-7 0</inkml:trace>
-  <inkml:trace contextRef="#ctx0" brushRef="#br0" timeOffset="634029">19576 16734 7533,'-5'0'-360,"-4"0"360,8 4 719,-7 1-269,7 0-90,-3-1-90,4-4 90,-4 4 269,3 6-809,-4 0 360,5 4 0,-4-5-270,3 0 90,-3 0-90,4 5 0,-4 9 180,-1-3-180,0-1-90,1-7 1,4-7 89,-5 1-630,4 2 540,-3-7 0,4 3-382,0-4 0,0-8 0,0-3 0</inkml:trace>
-  <inkml:trace contextRef="#ctx0" brushRef="#br0" timeOffset="634272">19548 16762 7713,'4'-6'449,"-3"2"-359,3 4 810,-4 0-720,4 0-90,-3 4 90,8-3-1,-4 4 181,4 3-180,-4-6 0,3 10 0,-2-2-360,-1 0 180,3 3-270,6 5 450,-7-11-1259,13 6-181,-13-13 361,10 0 899,-6 0 0,2-4 0,-4-2 0</inkml:trace>
-  <inkml:trace contextRef="#ctx0" brushRef="#br0" timeOffset="634515">19790 16659 7533,'0'-5'-360,"0"1"180,0 4 0,-4 0 990,3 0-361,-8 0-179,8 0 630,-7 4-451,7 1-179,-7 5 630,3 7-990,-1-5 90,2 5 180,0-8-90,3 1 0,-3 3 90,4-3-630,-4 0-720,3 10 811,-3-11-1,4 12 270,0-11-1349,0-1 1439,0 0 0,4 1 0,1-1 0</inkml:trace>
-  <inkml:trace contextRef="#ctx0" brushRef="#br0" timeOffset="636060">20162 17096 7533,'-9'0'-450,"4"0"900,1 0 2788,4 0-3058,8 0 0,-6 0-90,10 0-90,-7 0 179,4 0 1,1 0 0,-1 0 0,0 0-450,4 0 180,2 0-90,-1 0 180,-4 0-89,-2 0-181,-3 0 90,4 0 90,-3 0 90,2 0-270,-7 0 0,7 0 0,-7 0 90,7 5 90,-7 0 90,4 0-179,-10 3 179,4-3-90,-7 5 0,3-1 90,0-4-90,-3 3 90,2-2-90,-3 3 0,4 0 90,-3 1 180,2-1-270,-3 0 90,0 0 90,4-3-180,-4 2 90,8-3 0,-7 0 90,7 3 90,-3-7 89,4 8-89,0-8-90,0 7-90,0-7 360,0 3-270,0 0 0,0-3 90,4 4 180,1-1-90,0-3-181,4 3 1,-4-4 90,0 4-90,3-3 0,-3 3 0,5-4-180,-5 0 270,3 0-90,-3 0 0,5 0-180,-1 0-90,-4 0 270,3 0 0,-2 0-720,-1 0 181,7 0-721,-6 0 541,8 0 179,-5 0-899,-4 0 0,8-4 1079,-11 3 270,10-7 0,-11 3 0,3-5 0</inkml:trace>
-  <inkml:trace contextRef="#ctx0" brushRef="#br0" timeOffset="637282">20524 17255 7533,'-5'0'-900,"1"0"1080,4 0 270,0 4-90,0-3 89,0 3-179,-4 0-180,3 1 180,-3 0-180,4 4 90,0-8-90,0 7 90,0-3-90,0 4 90,0 1-180,0-1 90,0 0 89,0 5-89,0-4-180,0 4 90,0-5 0,0 0-90,0 0 90,0-3-89,0 2 178,0-7-448,0 7 179,0-7 0,0 3-90,0 0 180,0-2-90,0 2-270,4-4 181,-3-4-1,3-2 90,-4-3-270,4 0 180,-3-1-90,3 1 360,-4 0-179,5-5 89,-4 4 90,3-3-90,-4-9 90,4 10 90,-3-10-180,3 13 719,-4 3-359,4 2-90,-3 0 0,3 3 540,0-3-361,-3 4-89,4 0-180,-1 0 90,-3 0-90,3 0 0,0 0 0,-3 4 90,3-3-90,-4 7 0,4-7 0,-3 8 0,4-8 0,-5 7-1,0-7 1,4 7 0,-3-3 0,3 1 0,-4 2-180,0-3 0,0 0 180,4 3 0,-3-7-719,3 4 179,0-1 270,-3-3-720,8 7 361,-8-7 179,7 3 360,-7-4 0,7 4 0,-3 2 0</inkml:trace>
-  <inkml:trace contextRef="#ctx0" brushRef="#br0" timeOffset="637549">20804 17366 7533,'-4'5'2069,"2"4"-1710,-2-8-179,0 7 270,3-7 180,-3 11-451,0-10-179,3 11 180,-3-8-539,0 4 359,3-3 0,-4 2 90,5-3-900,0 0 270,0-1 360,0 0-629,0-3 449,0 8 0,0-8 360,0 3 0,0 0 0,0 1 0</inkml:trace>
-  <inkml:trace contextRef="#ctx0" brushRef="#br0" timeOffset="638099">21008 17292 7533,'-5'0'-90,"1"0"1529,4 0-1259,-4 0 180,3 0-180,-3 0-1,4 4-179,0-3-90,0 7 270,0-3 0,0 1-180,0 2 0,0-3 180,0 4-90,0 1-90,0-1 90,0 0 0,0 1-270,0 3 270,0-7 0,0 7-270,0-12 270,0 7-450,0-7 90,4 7 180,-3-7-719,7 3 179,-3-8 270,5 3-629,-1-7 989,-4 7 0,4-12 0,-4 3 0</inkml:trace>
-  <inkml:trace contextRef="#ctx0" brushRef="#br0" timeOffset="638300">21008 17106 7533,'-9'-5'0,"4"0"0,1 5 539,0 0-269,3 0 270,-3 0-360,4 5 0,0-4-90,0 7 0,0-7-90,0 7 90,0-3-540,4 5 270,1-5 0,0 3-360,7-3 360,-5 5 180,6-5 0,-4 3 0,1-3 0</inkml:trace>
-  <inkml:trace contextRef="#ctx0" brushRef="#br0" timeOffset="638916">20320 16752 7533,'-6'0'-630,"2"0"1170,4 0-450,-4 0 0,3 0 269,-3 0 1,0 0-270,3 0 90,-3 4 180,0-3-90,-2 12-90,1-7-90,-3 8 269,3-5-449,-5 0 90,5 0 0,-3 1 0,3-1 0,0-4 90,0 3 90,1-2-719,3 3 359,-7 0 90,7-4 0,-3 4-720,4-8 91,0 7 719,0-7 0,0 7 0,0-3 0</inkml:trace>
-  <inkml:trace contextRef="#ctx0" brushRef="#br0" timeOffset="639107">20329 16771 8162,'9'5'900,"-4"-1"-810,4 0-90,-8-3-90,7 8 450,1-4-180,2 0-720,6 3 540,-6-3-990,2 5 451,-4-1 359,1 0 180,-1-3 0,4 6 0,2-2 0</inkml:trace>
-  <inkml:trace contextRef="#ctx0" brushRef="#br0" timeOffset="641264">18683 17785 11221,'5'0'90,"2"0"179,-6 0-269,8 0 0,-4 0 180,4 0-90,1 0 90,-5 0-90,7 0 90,-2 0-90,5 0 0,3 0 90,-8 0-180,3 0 180,1 0-90,-4 0 0,8 0 0,-8 0 89,8 0-89,-8 0-90,8 0 90,-4 0 90,9 0 0,-4 0 0,4 0-180,-4 0 90,-5 0 0,0 0 0,-1 0-90,-2 0 0,6-4 90,-7 3-90,8-3 0,-3-1 180,11 4-45,7-5 0,1 0-46,4 4-427,-3-3 0,-2 2 428,-13 3 0,3 0 0,-5 0 0,1 0-90,-1 0 90,-3 0-90,3-5 0,-8 4 90,7-7 0,-2 7-270,4-7 270,-5 7-90,4-3-180,0 0 270,2 3-90,3-4 90,-5 5-270,1 0 180,4 0 90,-4 0-90,4 0-90,0 0 90,-4 0 0,4 0 586,-4 0-586,-5 0 0,4 0 0,-4 0 0,1 0 0,2 0-90,-2 0 180,-1 0-90,4 0-90,-4 0 90,5 0 90,0 0-90,-1 0-90,1-4 90,0 3 90,-1-3-180,1 4 90,4 0 90,-4 0-90,4 0 0,-4 0 0,-1 0 0,0 0 0,-3 0 0,2 0 0,-3 0 0,5 0 0,-4 0 0,10-4 0,-12 3 0,13-3 0,-4 4 0,3-4 0,3 3 0,-5-4 0,0 1 0,9 3 90,-6-3-357,5 0 267,-13 3 179,1-3-179,0 4 90,-1-4-90,1 3 0,-1-3 0,-3 4 0,2 0 90,-6 0-180,11-5 90,-7 4 0,8-3 0,-5 4 0,13-4 90,-9 3-507,9-3 417,-8 4 0,-3 0-90,2-4 349,9 3-259,-9-3 0,9 4 0,-12 0 90,4-4 90,-4 3-180,0-4 0,-2 5 180,6 0-90,-2 0-90,10 0 0,-11 0 336,6-4-246,-6 3-180,7-3 90,-3 4 90,0 0-90,-2-4-180,1 3 180,-3-3 0,2 4 90,-3-4-270,0 3 270,-5-4-180,4 5 180,-4 0-90,5-4 0,-5 3 0,4-3 90,17 4 90,-11-4-559,15 3 469,-20-3-90,3 4 90,-2 0 0,10-4-90,-13 3-90,9-3 90,-12 4 90,5-5-270,-5 4 180,4-3 0,-8 4 90,4-4 379,-1 3-469,-2-3 0,2 4-90,-4 0 90,1-4 0,-1 3 0,4-3 180,-2 4-180,2 0 0,-4 0 0,1 0 0,-1 0 0,0-4 0,-3 3-90,2-4 90,-3 5 0,4 0 90,-3 0-270,2 0 0,-7 0 180,3 0-90,0 0 0,-3-4 90,3 3-90,-4-3-90,4 4-90,-3 0-359,4 0 269,-1-4 90,-3 3-720,3-3 361,-4 4-1,4 0-1349,-3 0 1979,7 0 0,-2 0 0,3 0 0</inkml:trace>
-  <inkml:trace contextRef="#ctx0" brushRef="#br0" timeOffset="643260">19008 18157 7533,'0'5'1169,"0"-1"-989,0 0-180,0-3 450,0 8 179,4-8-449,1 7 180,4-7 90,5 3-270,-4-4-90,8 0 89,-8 0 1,4 0 0,-1 0-90,-3 0-90,8 0 180,-8 0-450,8 0 180,-4 0 0,5 0 180,-5 0-270,4 0 1,-8 0-721,12 0 450,-10-4 180,5 3 91,-8-3-901,1 4 91,3 0 719,-7 0-540,3 0 361,-5 0 449,-3 0 0,3-4 0,-4 3 0,-4-4 0,-1 5 0,-5 0 0</inkml:trace>
-  <inkml:trace contextRef="#ctx0" brushRef="#br0" timeOffset="643889">19064 18203 7533,'-15'0'359,"2"5"-269,8-4 360,-4 3 180,4 0-450,0-3 359,1 3 451,4 4-540,0-1-271,0 6-89,4-4 270,5 1-450,2-1 180,-2 0 270,3 0-450,-1 1 270,3-5 0,0-1-90,-5 0-180,0-3 90,0 3 0,1 0-180,3-2 180,-2 2-90,6-4 180,-6 0-270,2 0 90,0 0-90,-2 4-90,2-3 90,-3 3 91,-5-4-1,3 0-90,-3 4 0,0-3 90,-1 3 0,-4 0 0,0-3 0,0 4 90,0-1-180,0-3 0,-4 7 180,-1-3-90,-4 0 0,0 4 90,-1-8-180,1 7 90,0-3 90,-5 0-89,4 4 178,-4-8-268,-3 7 89,5-3 180,-5 4-180,7-4 90,1 4 90,4-4 0,-3 4-180,3-4 90,-1 4 179,-2-4-179,7 0 270,-7 3-270,7-3 0,-3 1 180,4-2 0,-4 0-180,2-3 0,-2 3 270,4-4-180,0 4-90,0-3 360,0 3-360,4-4 90,-2 4 179,2-3-89,0 4-90,-3-5 90,3 0 90,0 4-180,1-3-90,5 3 90,-5-4 0,3 0 0,1 0 0,2 0 0,2 0-90,-4 0 90,5 0 0,-4 0 0,4-4-180,-1 3 90,-3-8 90,4 8-180,-1-3 0,-2 0 90,2 3 90,-4-7-630,1 7 180,3-7 180,-2 7-629,2-4 359,-4 5 180,-4-4-629,4 3 269,-8-3 270,3 4-269,0 0-181,-3 0 1,7 0 809,-7 0 0,4 4 0,-5 1 0</inkml:trace>
-  <inkml:trace contextRef="#ctx0" brushRef="#br0" timeOffset="644645">18998 18659 7533,'-5'0'-270,"1"0"2339,4 0-1710,0 4-269,0 1 90,0 1 0,0 2-270,0-3 270,0 4 0,4 1-180,-3-1 180,3 0 0,-4 1-180,0-1 0,0 0 90,0-4-90,0 4 0,0-8 90,0 7 0,0-7-180,0 7 180,-4-7 0,3 8-180,-3-8 0,0 3 90,3 0 90,-3-3-360,-4 3 90,6 0 270,-11-3-540,12 3 270,-7-4 0,3 0 90,-1 0-269,-2 0 89,7 0 0,-7 0-180,7 0 180,-7 0 0,7 0-89,-4-4 89,1-1-180,3-8-90,-3 2 181,4-2 359,0-1 0,0 4 0,-4-8 0,-1 4 0</inkml:trace>
-  <inkml:trace contextRef="#ctx0" brushRef="#br0" timeOffset="644861">18915 18557 7533,'0'-5'-450,"0"1"2159,0 4-1529,4 4 0,-3-3 0,7 3-270,-7 0 270,7-3 0,-6 3-360,6-4 180,-3 4 0,0-3 90,3 4-450,-7-5 180,8 0 90,-4 0-1439,8 4 1169,-2-3 180,-2 3 180,-1-4 0,-3 4 0,5 1 0</inkml:trace>
-  <inkml:trace contextRef="#ctx0" brushRef="#br0" timeOffset="645138">19147 18631 7533,'0'5'-90,"-4"0"90,3-5 270,-3 0-180,4 4-90,0-3 1619,0 3-1439,0 0-180,0-3 269,0 3-359,4-4 0,-3 0 180,3 0 90,1 0-539,0 0 179,4 0 180,0 0-990,-3 0 540,2 0 181,-3 0-361,0 0 270,-1 0 90,0 0 0,-3 0-89,4 4 359,-5-3 0,-5 8 0,0-4 0</inkml:trace>
-  <inkml:trace contextRef="#ctx0" brushRef="#br0" timeOffset="645339">19147 18696 7533,'-9'10'270,"4"-5"269,1-1-269,4-4 1709,0 0-1979,0 4 180,0-3-270,4 3 90,1-4 0,4 0 0,5 0 0,-4 0 0,4 0-720,-5 0 361,0 0-1,9 0-630,-7 0 451,7 0 179,-9 0 90,0 0-540,1 0 451,-1 0 359,0 0 0,1-8 0,-1-2 0</inkml:trace>
-  <inkml:trace contextRef="#ctx0" brushRef="#br0" timeOffset="645553">19408 18641 7533,'0'5'180,"0"-1"1798,0-4-1528,-4 0-180,3 0 630,-3 0-451,4 4-449,0-3 270,0 7-360,0-3 90,0 5-809,0-1 539,0 0 0,0 1-450,4-1 1,1 0 449,0 1-1259,4-5 1529,-4-1 0,4-4 0,0 0 0</inkml:trace>
-  <inkml:trace contextRef="#ctx0" brushRef="#br0" timeOffset="646846">19110 17887 7533,'-5'15'1259,"1"2"-1259,4-6 180,-4 2-90,3 0 90,-3-2 0,4 6 0,0-6-1,0 6 1,-5-6 0,4 6-180,-3-7 0,4 8 270,0-8-360,0 8 0,0-12 90,0 7-989,0-8 629,0 4 90,4-4-1079,-3-1 539,8-4 810,-8 0 0,7-8 0,-3-2 0</inkml:trace>
-  <inkml:trace contextRef="#ctx0" brushRef="#br0" timeOffset="647211">19268 17924 7533,'0'-5'-180,"-4"1"809,3 4-269,-7 0-90,7 0 0,-7 0 90,7 0-90,-8 4-1,4-3-359,0 3 180,-7 1 90,5 0-180,-6 0 0,4-1 180,-1-4 0,1 8-360,4-6 180,-3 7-90,2-5-90,-3-3 90,-4 3 0,6 0 1,-5-3 89,11 3 0,-3-4 0,4 0 0,-4 0 0,3 4 0,-3 2 0,4-1 0,0 3 269,0-3-269,4 0 0,-3 4 270,7-8-180,-3 3-90,4-4 180,1 0 0,3 0-90,-2 0-180,2 0-90,1 8 270,-4-2-90,7 3-810,-6-4 451,6-5 89,-2 0 180,3 0-810,1 0 900,4 4 0,-8-3 0,3 3 0</inkml:trace>
-  <inkml:trace contextRef="#ctx0" brushRef="#br0" timeOffset="647857">19669 18138 7533,'-11'0'-540,"-1"-4"810,7 3 0,0-7-90,1 7 179,4-3 1171,0 4-991,8 0-359,-2 0 0,7 4 0,1-3-90,0 7 90,1-7 0,2 3-270,6-4 270,-6 0-360,9 0 180,-8 0 90,2 0-180,-1-4 180,2-1-180,-9 0-90,5 1-180,1 0-90,-7 3 180,7-4-89,-9 5-361,0 0 360,1 0-809,-1 5 629,-4 0 180,-1 0 360,0 3 0,-3-3 0,-5 5 0,-6-1 0</inkml:trace>
-  <inkml:trace contextRef="#ctx0" brushRef="#br0" timeOffset="648389">19734 18175 7533,'-9'6'180,"-1"-2"-180,5 0 0,-3-3 269,7 3-89,-7 0 90,7-3 360,-4 8-270,5-4-1,0 0-179,0 3 90,0-7-90,5 7 0,-4-6 0,7 6 0,-3-7 0,0 7 0,3-7-1,6 7 91,-3-2-360,7-1 90,-9 3 0,0-7 90,1 7-270,-1-7 180,0 8-180,1-8 270,-1 3-359,0 0 89,5 1 90,-4 0-180,4-1 90,-5 0 0,-4-2-90,8 6 180,-11-7 0,6 7 0,-8-7 270,0 7-270,0-7 0,0 8 90,0-8-179,0 7 89,-8-7-180,1 7 180,-6-3 90,4 1-90,-1-2 0,-3 0 90,2-3 0,-2 7-90,0-3 0,2 1 270,-2-2-90,8 0-90,-4-3-90,8 7 270,-3-7 90,4 7-90,0-7-1,0 8-179,0-8 90,0 7 90,0-7-90,4 7-90,1-7 180,1 4-180,2-1 90,-3-3 0,13 3 0,-7-4 0,7 0 0,-5 0 0,2 0 0,-1 0-180,4 0 90,-8 0 90,3-4-540,1 3 270,-4-3 0,4 4-270,-5 0 271,0 0-1,-4 0 0,4 0-900,-4 0 451,0 0 629,-1 4 0,-4 1 0,0 4 0</inkml:trace>
-  <inkml:trace contextRef="#ctx0" brushRef="#br0" timeOffset="648939">19734 18641 7533,'-5'0'359,"1"0"1,4 0 180,0 4-180,0-3-90,0 3 179,0 0-89,0-3-90,0 3 90,0 4-180,0-5 0,0 9-1,0-3 1,0 2 0,0 2-270,-4 0 90,2-2 270,-2 2-720,0 1-89,3-4 89,-3 3 360,4-7-540,0-2-449,0-4 719,0-8 90,0 1-359,0-6 269,0 4-360,0-5 630,0 4-89,0-4 89,0-3 90,4 5 0,-3-1 269,7 1-89,-6 9-180,2-9 0,0 11 810,-3-3-450,3 0-91,0 3 91,-3-3-90,7 4 90,-2 0 360,3 0-451,0 4-89,0-3 180,1 7-180,-5-3-90,3 0 180,-3 8-90,1-11 179,-2 10-89,0-2-180,-3 0 90,3 3 180,0-3-450,-3-1 270,3 0 0,-4-4-450,0 4 180,0-4-810,0 0 451,0 3-1350,4-7 989,-2 3 271,6-8-1170,-3-1 1439,0-4 270,3 4 0,-2-8 0,3 3 0</inkml:trace>
-  <inkml:trace contextRef="#ctx0" brushRef="#br0" timeOffset="649167">19957 18641 9871,'0'5'1350,"0"-1"-1171,0-4-179,4 0-89,2 0 178,3 0 181,0 0-1169,1 0 359,-1 0 360,0 0-989,0 4 179,1-3 631,-5 3-631,3 0 990,-7 1 0,-1 5 0,-5-1 0</inkml:trace>
-  <inkml:trace contextRef="#ctx0" brushRef="#br0" timeOffset="649341">19967 18724 7533,'-11'11'1979,"3"-3"-1080,4-8-539,3 0 899,-3 0-1259,12 0 180,-6 0-720,10 0 450,-2 0 90,8 0-1259,-2-4 629,6 3 271,-8-3-1350,1-1 629,2 4 541,-6-3 539,2 0 0,-4-1 0,1-4 0</inkml:trace>
-  <inkml:trace contextRef="#ctx0" brushRef="#br0" timeOffset="649524">20189 18631 7982,'-4'5'-269,"4"0"-91,-4-1 2339,4 1-1080,0 4-269,0 5-450,0-4-360,0 3 180,0-3 0,0-1 180,0 0-900,0 1 360,0-5 270,0 3-1619,4 1 900,1-2 359,-1 1 450,1-8 0,-1 0 0,1 0 0</inkml:trace>
-  <inkml:trace contextRef="#ctx0" brushRef="#br0" timeOffset="650499">19818 17813 7533,'0'9'-270,"0"0"90,0 1 90,0-1 90,0 0 360,-4 1-90,3-1-1,-4 4 271,5 2-180,-4 8-180,3-8-90,-3 3 0,4-9-90,-4 0 270,3 5-270,-7 0-90,7 1 90,-8-6 180,8-1-810,-3-7 180,4 7 360,0-7-1889,0 4 1979,-4-10 0,3-4 0,-3-5 0</inkml:trace>
-  <inkml:trace contextRef="#ctx0" brushRef="#br0" timeOffset="650724">19827 17850 7713,'5'0'629,"-1"0"91,0 0 89,2 0-539,-1 4-90,3 1-270,-7 5 180,3-1-90,0-4-180,-3 3 90,8 2 180,-8 0-540,7-1 271,-7 0 179,3-4-450,0 0 180,2 3 180,-1-7-899,3 3 449,-3-4 180,0 0 90,4 0 270,-8 0 0,3-4 0,-4-1 0</inkml:trace>
-  <inkml:trace contextRef="#ctx0" brushRef="#br0" timeOffset="650924">19985 17794 9332,'-4'9'1799,"3"1"-1530,-3-1 271,0 9-360,3-3 0,-3 4-360,0 2 270,2-9-900,-2 5 541,4-7 89,0 3 90,0-3-1349,0 4 179,4 3 901,-2-5 359,2 5 0,0-7 0,1-1 0</inkml:trace>
-  <inkml:trace contextRef="#ctx0" brushRef="#br0" timeOffset="651815">20590 18110 7533,'-11'0'0,"-1"0"0,11 0-90,-3 0 0,4-4 809,-5 3-359,4-3-90,-3 4 2249,4 0-1890,4 8-449,-3-6-180,12 11 90,-7-12 0,8 7 0,3-3 0,3 0 90,-1 0-180,-1-1 0,0-3-360,-7 3 270,11-4 0,-12 0 0,3 0-180,-3 0 90,-1 0 1,0 0-1,1 0-90,-5 0 180,3 0 0,-7 0 0,3 4 0,-4 1 0,0 5 90,-4-1-180,-5 4 0,3-2 90,-11 6 90,11-6-90,-8 2 180,5 0-90,0-2 90,-5 10 90,4-9-180,-3 9-90,3-10 540,1 2-180,-4 1-90,2 0 90,-2-4 179,4 7-269,-1-7-90,5 1 90,1 1-90,4-7 0,0 0 0,0 0 90,0-1-90,4-3 90,-3 3-90,7 0 89,-2-3-89,3 3 0,0-4 0,-4 0 0,4 0 180,0 0-450,1 0 360,4 0-90,-5 0 0,4 0-180,2 0-1619,20-4 1529,-12 3 90,8-3-90,-14 0-90,-2 3 270,-1-3 0,4 4 0,-4 0 0</inkml:trace>
-  <inkml:trace contextRef="#ctx0" brushRef="#br0" timeOffset="652323">21027 18324 7533,'0'6'90,"-4"-2"0,3 0 0,-3-3 989,4 7-539,0-7 449,-4 7-539,3-2 0,-4 3 89,1 0 91,3 5-450,-7-4 359,7 12-628,-3-7 89,4 4 179,0-6 1,0-4-450,0 5-449,0-4 359,0 0 270,0-2-540,0-7-359,0 3 359,0-12-89,4-3-451,1-11 451,0-2 719,4 0-180,-8 6 180,3 0 0,0 8 0,-3-4 0,3 5 90,0 0 630,-3 3-91,8-2 271,-4 7-630,0 1-1,-1 1 1,0 7 0,-3-7-90,3 8 180,0-4-180,-3 0 0,4 3-1,-5-3 181,0 5-270,4-1 90,-3-4 0,3 4 0,-4-4 90,4 8-540,-3-7 180,3 7 180,0-8-1349,-3 0 629,8 3-2608,0-7 3238,1 4 0,4-5 0,-5 0 0</inkml:trace>
-  <inkml:trace contextRef="#ctx0" brushRef="#br0" timeOffset="652599">21353 18427 7533,'-5'0'1079,"-4"4"-899,8-3 0,-3 3 809,0-4-359,3 0-180,-3 0 899,0 4-989,-1 1-90,0 5-91,-4 3 1,8 2-180,-7 3 180,7-3-360,-3-2 180,0 0-989,3-2 179,-4 6-899,5-6 720,0-2-90,0-5 1079,0-4 0,5 0 0,0 0 0</inkml:trace>
-  <inkml:trace contextRef="#ctx0" brushRef="#br0" timeOffset="653083">21539 18343 7623,'0'-5'2698,"0"1"-2068,0 4 89,-4 0-629,3 0 180,-3 4 90,4 1 0,0 4-180,0 1-90,0-1 359,0 8-269,0 3-270,0 4 360,0-6-450,4 0 180,-3-3 0,3 11-90,-4 3 0,0 0 0,-4-2 0,3-4 90,-7-4-90,7 4 90,-8-4 0,0-1 0,3 1-809,-11-9 629,15-1-989,-10-9 539,7 0 180,-1 0-1259,-6-9 450,6-1 1259,-8-17 0,5 6 0,0-5 0</inkml:trace>
-  <inkml:trace contextRef="#ctx0" brushRef="#br0" timeOffset="653274">21455 18241 5824,'0'0'0</inkml:trace>
-  <inkml:trace contextRef="#ctx0" brushRef="#br0" timeOffset="653574">21455 18222 6633,'0'-5'-360,"0"1"2069,0 4-1439,4 0 90,-3 0-180,4 4 270,-5-3 629,0 3-899,4-4 0,-3 0 270,3 0-270,0 0-360,-3 0 90,3 0 90,0 4-90,-3-3-360,8 3 270,-8-4 90,7 0-1079,-7 0 629,7 4 90,-2-2-539,-1 2 989,-1-4 0,0 0 0,1 0 0</inkml:trace>
-  <inkml:trace contextRef="#ctx0" brushRef="#br0" timeOffset="654571">20673 17794 7533,'-5'0'270,"1"4"269,0 1-179,3 1 90,-7 2-90,2 1-181,-3 1 91,4 8-90,-3-8-270,3 4 180,-5-5-90,5 5 90,-3-4-90,3 3 180,-1-3-90,-2-5-540,3 3 180,0-3-899,1 5 539,4-5 271,0-1 66,0-4 1,0-8 0,0-3-1</inkml:trace>
-  <inkml:trace contextRef="#ctx0" brushRef="#br0" timeOffset="654734">20683 17813 7533,'5'0'1709,"3"0"-1260,-7 0 271,7 4-360,-7 1-180,8 4-90,-4 5 0,0-8 0,3 6 89,-3-6-1168,5 3 539,3 0 270,-2 1 180,10-1 0,-9-4 0,5-1 0</inkml:trace>
+  <inkml:trace contextRef="#ctx0" brushRef="#br0" timeOffset="-210449.73">6439 8428 7443,'22'4'2428,"-6"-3"-1798,10 7-180,-3-7-1,15 7-449,0-7 90,3 8-3367,-16-8 3162,1 3-244,-8-4 89,6 0-2089,-1 0 1550,-4-4 308,-5 3 231,-5-3 1210,4 4-1570,-7 0 270,7 0 360,-12 0 0,-1 4 0,-5 1 0</inkml:trace>
+  <inkml:trace contextRef="#ctx0" brushRef="#br0" timeOffset="-210222.73">6541 8772 7533,'-15'5'1619,"6"-1"-720,5-4 900,4 0-989,12 0-450,-4-4-1,9 3-269,1-7 0,2 2-360,24-7 360,-16 7 90,11-2 0,-21 8-180,1 0 0,-1 0 0,5-5 0,1 0 0</inkml:trace>
+  <inkml:trace contextRef="#ctx0" brushRef="#br0" timeOffset="-209662.73">7490 8307 7533,'-16'-4'-90,"4"2"629,12-2 811,0 4-721,8 4-89,6-2-3482,6 6 3122,3-7 89,4 7-89,14-3-180,-9 0 180,16 0-180,-19-5 0,0 0-360,19-5 180,-13 3 1,-2-1-1081,4-6 451,-5 4-1260,-8-3 1529,-10 6 1359,-6-2 0,-8 8 0,0 2 0</inkml:trace>
+  <inkml:trace contextRef="#ctx0" brushRef="#br0" timeOffset="-209191.73">7518 8353 7533,'-15'4'1079,"2"-3"-809,8 3 450,0-4-91,5 5-179,0 0-270,0 4 270,5 0-271,0 1 1,4-1 90,4 0 90,2 5-270,8 0 0,-4 1-90,0-2-540,15 9 270,-15-6-179,12 15-1,-18-3 180,-12 5-90,-6 0 270,-5-5 0,-8-5-90,-1 4 1,-4 2 179,-5 0 0,0 2 89,4-16 91,-3 3 270,12-9-90,1-4-180,10-1 0,4 1 0,0-4 89,8 3 91,7 0-180,13-3 0,-3 3-183,6-4 272,5 0 1,7-4-180,-13 3 0,0 1 90,15-4-1236,-5 0 876,-5 3-360,-9-4 181,10 5-1800,-16 0 1709,-2 5 90,-13 0-735,-1 4 376,-4 0 49,0 1 1,-4-1 0,-2 0 0</inkml:trace>
+  <inkml:trace contextRef="#ctx0" brushRef="#br0" timeOffset="-208661.73">7359 9125 7533,'-5'4'1529,"1"2"-1079,4 7-91,0 6-89,0 8 0,-4-2-90,3-2 0,-7 6 0,-1 1-270,2-1 90,-2 3 0,0-3 90,4-15-540,1-1 180,4-12-1349,0 3 90,4-21 1169,1 5-90,5-15 450,3 0 0,2 2 0,-1-11-359,4 11 359,-4-6 899,5 12-359,-5 0-180,0 6 719,-5 8-449,-4 0-181,4 5 1,-4 0 0,0 0-90,3 0-91,-7 0-179,8 0 90,-8 5 0,7 0 0,-7 4 0,3 0 0,-4 5 0,0-4 0,0 8-180,0-8 180,0 8 0,0-4-180,0 9-720,0-4 450,0 0 90,0-6 180,0-3-1259,0-1 269,4 0-809,1 1 990,0-5 359,4-1 450,-4-4 0,4-4 0,0-1 0</inkml:trace>
+  <inkml:trace contextRef="#ctx0" brushRef="#br0" timeOffset="-208470.73">7657 9162 7533,'0'-5'719,"0"1"181,0 0-91,4 3-89,2-3-540,-1 4 90,3 0-1,1 0-89,2 0 90,6 0-90,-2 0-1349,-5 0 629,2 0 270,-6 4-1799,-1 1 1249,-1 4 1,-4 5 0,0 0 0</inkml:trace>
+  <inkml:trace contextRef="#ctx0" brushRef="#br0" timeOffset="-208288.73">7639 9293 7533,'0'5'1169,"0"-1"1080,0-4-1530,8 0-449,-2 0-270,8 0 0,3-4 0,-1-1 180,6 0-632,-3-4-717,0 4-2108,-5 0 2742,4-3 1,-4 2-1265,1 1 809,2-3 990,-6 3 0,2-4 0,-4-1 0</inkml:trace>
+  <inkml:trace contextRef="#ctx0" brushRef="#br0" timeOffset="-208111.73">7927 9116 8342,'0'5'2699,"0"3"-1980,0 2-269,0 8-360,0 23-1619,0-9 360,0 12 1169,4-20 0,-3-6 0,3-4 0</inkml:trace>
+  <inkml:trace contextRef="#ctx0" brushRef="#br0" timeOffset="-207255.73">7648 7842 7353,'-5'0'1619,"1"0"-1259,4 0 89,0 8 1,0 2-270,0 13 0,0-3 0,0 2 0,0 1 180,-4 5-181,-2-3-269,1 2 1,-3-9 89,3 1-180,-5 4 0,1 4-900,0-2 631,-1-2-991,1-10 1081,4-7-541,1-2 900,0-13 0,3-1 0,-4-8 0</inkml:trace>
+  <inkml:trace contextRef="#ctx0" brushRef="#br0" timeOffset="-207038.73">7629 7842 7533,'4'-10'539,"2"5"-89,3 1 0,0 4 180,5 0-91,0 8 91,5 3-180,-5 15 179,12 20-449,-9-13-899,5 10 269,-8-28-899,-5 2 179,0-10-359,1 1 1529,-1-8 0,0 0 0,1 0 0</inkml:trace>
+  <inkml:trace contextRef="#ctx0" brushRef="#br0" timeOffset="-206821.73">7909 7749 7533,'-6'-6'1799,"2"2"-1529,4 8 809,0-3-539,0 8-91,0-4 181,-4 12 0,3 3-540,-7 8 89,3 4-1078,-5-3 809,1 7-3187,4 5 0,1-10 3123,4 9 0,4-21 0,1 4 0</inkml:trace>
+  <inkml:trace contextRef="#ctx0" brushRef="#br0" timeOffset="-206084.73">8587 8269 7375,'-14'0'-630,"0"0"1518,9-4 1001,1 3-1053,21 5-206,3-1-167,22 9-103,0-11-181,5 3 1,-1-4-360,1-4 90,-9 3 130,-6-3-40,-9 0-899,-5 3 269,9-4-899,-6 5 989,2 0-629,-14 0 0,-5 5 1169,-4 0 0,-4 4 0,-1 0 0</inkml:trace>
+  <inkml:trace contextRef="#ctx0" brushRef="#br0" timeOffset="-205687.73">8559 8316 7533,'-24'0'1619,"2"0"-1619,17 0-270,1 0 1079,4 4-359,4 1 180,1 9 89,12 0-629,-1 1 0,7-2 90,4 1 0,-11-4-90,10 3 0,-12-8 90,1 4 0,3-4-270,-8 4 90,7 5 90,-6-4-540,2 3 270,-3 5-539,-5-7 359,-1 11 180,-4-7-360,0 3 90,-8 9-89,-7 2 179,-5 4 180,-6-1-180,6-12 630,-3-3-180,9-7 360,4-5 0,2-1-1,7 0 1,1-3-90,14 7-180,5-7 0,5 3-270,-1-4 360,-1 0-181,6 0-358,6-4 89,-5 3 180,-3-3-180,-7 4-810,-5 0 451,4 0 269,-8 0-1259,8 4 1529,-12 1 0,7 5 0,-8-1 0</inkml:trace>
+  <inkml:trace contextRef="#ctx0" brushRef="#br0" timeOffset="-205292.73">8504 9116 7533,'0'5'1169,"4"3"-809,-3-7 0,3 8 179,-4-4 1,4 4-90,-3 0-180,3 5 89,-4 0-89,0 5-270,0 0 180,0-5-90,0 4-180,0 0-270,0 2-179,0 3 269,0-9 180,0-5-1079,0-5 89,4-4 900,1 0 180,1-4 0,6-5 0,-2-5 0</inkml:trace>
+  <inkml:trace contextRef="#ctx0" brushRef="#br0" timeOffset="-205102.73">8504 8986 8072,'-6'-5'2339,"6"0"-1799,6 5-360,-1 0 0,3 0 89,1 0 91,6 0-180,-1 0-630,4 0-1169,-4 0 540,5 0 899,0 5-1259,-5-4 1439,0 7 0,-5-3 0,0 4 0</inkml:trace>
+  <inkml:trace contextRef="#ctx0" brushRef="#br0" timeOffset="-204927.73">8708 9088 9332,'6'0'1169,"2"0"-1169,-3 0 0,0 0 270,3 0-900,-2-4 450,3 3 90,0-3-1259,0 4 360,5 4 989,-8 1 0,2 8 0,-8 2 0</inkml:trace>
+  <inkml:trace contextRef="#ctx0" brushRef="#br0" timeOffset="-204745.73">8736 9246 7533,'0'5'719,"-4"-1"541,3-4 269,-3 0-1349,4 5-1,4-4 1,-3 3-539,7-4 179,6-4-1080,5-2 271,14-3 989,-4 0 0,-2 0 0,-4-1 0</inkml:trace>
+  <inkml:trace contextRef="#ctx0" brushRef="#br0" timeOffset="-204538.73">8997 9060 7533,'5'-4'2248,"-1"3"-1888,-4-3 270,0 4-180,0 8-91,4 2 1,-3 13-180,4-7-270,-5 5 90,0-10 90,0 6 90,0 6-90,0 6-630,0 0 360,0-2 90,0-9 0,0 1-1529,0 4 1619,0 0 0,4-3 0,1-2 0</inkml:trace>
+  <inkml:trace contextRef="#ctx0" brushRef="#br0" timeOffset="-203432.73">8774 7776 7533,'-6'0'1079,"2"0"-809,4 0 180,-4 9 89,3 5-89,-7 14-90,7 9 90,-3 2-270,-1-2-180,4-9 359,-3 7-539,4-5-629,0 15 359,0-15 270,0-3-1169,0-5 180,9-11 1169,-7 3 0,14-10 0,-5-4 0</inkml:trace>
+  <inkml:trace contextRef="#ctx0" brushRef="#br0" timeOffset="-203075.73">9071 7860 7533,'-4'-9'1529,"3"4"-630,-7 1-449,7 4 0,-7 0-180,-6 4 179,-5 5-539,-14 6 180,9-1 90,-3-1-270,-4 1-90,1 0 90,-8 1-179,6-2 89,9 1-90,4-4 0,6-1 270,7 0 0,-2-8 90,7 3 0,-3-4 360,12 8-1,3-2-179,3 3 0,4 0 360,0-8-360,2 7-90,3-7-1,8 3-718,-1-4 179,15 0 270,-15 0-720,1 0 181,-4 4 449,-6-3-1979,6 4 2159,-13-5 0,4 4 0,-4 1 0</inkml:trace>
+  <inkml:trace contextRef="#ctx0" brushRef="#br0" timeOffset="-201854.73">10039 8418 7533,'-14'0'-360,"0"0"-90,-1 0 1979,2-4-719,4 3-450,-1-3-1,5 4 361,-3 0-180,7 0 359,-3 0-629,12 4 180,11-3-180,14 7 89,9-7-2736,-4 8 2377,-6-8-1348,-3 3 1,-2 0 898,-4-3 179,28 7 180,-41-7-90,-1 8-180,-5 0 1321,-4 10-1411,-8 4 3212,-6 9-2942,-2-7 90,-6 2-179,-4 0 179,-9-2 90,12-9 0,0 0-2953,-11 8 3133,-1-6-91,11 4 1,4-11 90,3 7 270,3-5-180,8-2-180,-2 2 539,8-4-89,4 1 2736,9-1-2699,11 0-38,13-4 91,6-1-684,7-4 234,-14 0-270,-1-4 180,-8 3-720,-3-7 270,0 7 180,-6-3-1529,-5 4 900,-2 0 269,-2 0 643,3 0 1,-6-4-1,8-1 1</inkml:trace>
+  <inkml:trace contextRef="#ctx0" brushRef="#br0" timeOffset="-201527.73">10076 8028 7533,'-9'-15'1709,"4"2"-2519,0 8 270,5-4 181,0 8 2517,0-3-1708,0 12 809,-16 23-1079,8-7-90,-14 15 180,8-12-90,4-6-540,-3 6 270,3-4-1259,5-8 719,1 3-539,4-9-540,0-4 1709,0-1 0,0-4 0,0 0 0</inkml:trace>
+  <inkml:trace contextRef="#ctx0" brushRef="#br0" timeOffset="-201336.73">10039 7981 7533,'5'0'0,"3"-4"899,-3 3-89,9-7-91,-4 7 1,8-3-450,-12 8-90,6 1-180,-6 8 90,3 2-1080,4 3 540,-2-3 181,2-2 179,1 1-1350,-4-4 631,3 3 809,-3 1 0,3-4 0,2 4 0</inkml:trace>
+  <inkml:trace contextRef="#ctx0" brushRef="#br0" timeOffset="-200640.73">10467 8716 7533,'0'9'-540,"0"5"630,0-4 0,0 3-180,0-3 720,0-1-91,0 9-359,0-3 180,0 8 90,0 0-360,-4-4 90,3 4-90,-3-9-360,4 0 270,0-1-180,0-2 0,0-2 180,0-5-540,0-4 90,0-8-629,8-15 899,-6 6-180,6-13 91,-8 15 179,0-8 90,0 8 0,4-7-180,-3 12 629,4-4-179,-1 1-180,1 3 360,0-4-270,3 5-90,-3 4 90,1 1 719,2-1 1,-3 4-1,9-3-629,-8 4-90,6 4 0,-11 2 0,8-1-90,-4 7-90,0-2 180,3 5-990,-7-2 450,3-7 270,0 2 0,-3-3-629,8 4 269,-8-4 270,7 4-1799,-3-4 1979,5 4 0,-1-4 0,0-1 0</inkml:trace>
+  <inkml:trace contextRef="#ctx0" brushRef="#br0" timeOffset="-200426.73">10793 8855 7533,'0'10'-900,"0"-5"1710,0 3 89,0 2-449,0 0-90,0 3 449,-4 1-89,-1 4-450,-5 2 0,1 7-91,4-12-988,1 3 539,4-9 270,0 1-2339,0 3 1980,0-3-1,0 0 360,4-2 0,1-7 0,4 3 0</inkml:trace>
+  <inkml:trace contextRef="#ctx0" brushRef="#br0" timeOffset="-200108.73">11091 8800 7533,'-6'-5'270,"2"0"-181,0 5-89,3 0 90,-3 0 0,0 0 0,3 5 0,-3-4 0,4 7-90,0-3 90,0 4-90,-4 1 1709,3-1-450,-4 8-899,5-5-270,0 5-629,0-3 89,0-4 270,0 4-899,0-5 449,0 0-450,5-4-179,-4 0 899,7-5 1,-7 0 359,3-5 0,0-4 0,1-5 0</inkml:trace>
+  <inkml:trace contextRef="#ctx0" brushRef="#br0" timeOffset="-199924.73">11035 8614 7533,'-16'-30'2428,"4"8"-2248,12 18 990,0 4-991,0 12 1,0-5-539,0 11 269,4-13 180,1 3-1,0-2-1348,8-1 450,-3 3 809,13-3 0,-8 0 0,3 0 0</inkml:trace>
+  <inkml:trace contextRef="#ctx0" brushRef="#br0" timeOffset="-198243.73">11825 8130 0,'-9'4'0,"0"-3"1962,-1 7-1062,-3 2-630,7 0 359,-7 8 1590,4 4-1680,-1 15 1,0 11-360,6-18 0,0 0-1221,3 14 1041,-3 5 360,4 1 732,-2-22 1,0 2-1003,1 3 0,1 0 90,-4 18-540,4-14 270,0-2 90,0-14-899,0 6 449,4-9 180,1-8-1709,8 4 1170,2-9 89,3-1 720,-3-8 0,2-1 0,-2-5 0</inkml:trace>
+  <inkml:trace contextRef="#ctx0" brushRef="#br0" timeOffset="-197905.73">11974 8530 7533,'0'9'809,"0"1"91,4 3-181,-3 6-179,4 8-360,-5-2 180,0 2-90,0-4-270,0-8 0,0 3 179,0-9-358,4 1 268,1-5-89,4 3 270,5-7-899,-4 3 449,3-4 90,1 0-360,4-4 360,-2-5-90,2 3 0,-9-11 0,0 11 91,5-16-1,-4 2 0,-1 1 270,-5 1-270,-4 9 90,0 0 0,0-1 359,-4-3-179,-1 7 0,-12-7 90,-7 12 0,3-3-270,-5 4 180,3 0-360,3 0-630,-7 4 91,16 1-91,3 9 360,8-4 450,4 4 0,2-5 0,3 0 0</inkml:trace>
+  <inkml:trace contextRef="#ctx0" brushRef="#br0" timeOffset="-197245.73">12375 8651 7533,'4'-14'1799,"5"0"-720,-3-5-719,2 1 90,-8 3-271,0 2 271,0 4 270,-4-5-360,3 0-180,-7 3-1,3-1-269,-4 7 90,-1 0 90,1 0-269,-5 1 89,-4 7-630,-2-2 180,-3 17 1,5 2-1,8 8 270,-3-1-360,20 5 451,-1-7-1,9-6 90,-2-11 180,1-8-180,4 0 90,2-4-270,3-5-90,-4-6 180,-1-7 90,-3-2 90,-2 4 270,-8 3 0,-1-1-180,1 7 450,-4-3-271,3 6-89,-4 3 450,-4 0-90,3 0-181,-8 10-89,4 4-360,0 9 90,-3 6 0,7 0-90,-4-1 180,5-5-3302,0 5 3032,0 1-1998,0 4 2178,0 0 21,0 12 249,5 12-1525,-4-3 1345,1-20 0,0 0 0,-2-1 0,0-1 574,-2 2 1,0 0-620,1 0 0,1-1 45,-5 17 180,1 0-180,-1-19 89,0 14 181,-3-8-450,3-11 2274,-5 9-2004,1-23-360,0 5 527,-5-11-527,4-1 3168,-8-5-3347,4-13 179,-5 3 90,5-12-2806,-4 7 2626,8-2-858,-4-1 948,5 3 90,0-7-270,3 8-90,2-16-89,8 0 179,2 1-180,7-1-179,6 7 539,0 3 2382,4-1-2651,-4 7 89,-1 0 0,1 1-90,0 3-1794,3-2 1884,-2 6 55,3-2 1,0 0 0,0-2 0</inkml:trace>
+  <inkml:trace contextRef="#ctx0" brushRef="#br0" timeOffset="-196166.73">12663 8335 7533,'-5'0'1709,"1"0"-810,4 0-629,0 4 270,4 5-180,-3 14 89,7 2-269,-7 2-90,8-4 270,-8 8-360,3-5 90,-4 6-1467,0-9 1197,0-5 180,0 1 0,0 0-258,0-5-12,0 4 180,0-4 0,0 5-89,0-9 179,0-2-360,0-8 1478,4 0-1567,1-8-2517,0 2 2966,3-8-540,-3-7 270,4 0 180,0-7 0,-3 5 90,2 1 0,-3 2 90,0 1-90,-1 10 90,-4 1 3186,5 7-2620,-4-3-476,3 8 180,-4 1-90,0 8-1,0 2-89,0-1 0,0 4 0,0-4-90,0 5 450,0 24-450,0-18 90,0 19 89,8-26-448,2 1 268,5-5 91,-2 0-360,5-9 180,-7-1 90,7-4 90,-1-4-180,3-5 90,4-10 0,-6-1-180,0-2 180,-8-9-270,4 9 270,-9-13-90,3 11-180,-3-4 270,1-12-360,-2 5-89,-4-15-271,0 16 0,-9-2-629,3 16 180,-7 7-181,8 9 901,0 4 359,5 4 0,-4 5 0,-1 5 0</inkml:trace>
+  <inkml:trace contextRef="#ctx0" brushRef="#br0" timeOffset="-195775.73">13156 8716 9512,'-6'5'1978,"2"-1"-1348,4 0-180,0 2-270,-4-1 0,3 7-90,-3-6 359,4 16-3661,0-11 2852,0 3 181,0-6-1081,0-7-1168,0 3 988,4-4 1440,1-4 0,1-1 0,-2-4 0</inkml:trace>
+  <inkml:trace contextRef="#ctx0" brushRef="#br0" timeOffset="-195568.73">13202 8549 699,'-4'-6'899,"3"-2"2051,-3 7-1421,4-3 1549,0 4-3258,4 0 180,-3 0-540,7 0 360,-2 0 90,3 4-2106,4 1 2196,-7 0 0,7 4 0,-8-4 0</inkml:trace>
+  <inkml:trace contextRef="#ctx0" brushRef="#br0" timeOffset="-194073.73">13854 8521 9422,'18'0'1978,"-3"0"-1618,3 0 270,4 0-270,7 0 179,13 0-269,-8 0-180,-2-5 90,3 0 0,-13 0-360,9-3 270,-9 3-630,2 0 1,0-4 449,-6 8-1170,-9-3 631,-1 4 179,-6 0-899,6 0 449,-7 0-539,7 0 1439,-7 0 0,3 0 0,-4 0 0</inkml:trace>
+  <inkml:trace contextRef="#ctx0" brushRef="#br0" timeOffset="-193709.73">14087 8353 7533,'-10'0'-360,"1"0"270,4 0 0,-3 0 180,6 0 90,-2 0 180,4-4-270,0 3 1709,0-3-1530,4 4 1,-2 4 360,6 1 0,-3 4-1,0 5 91,3 0-270,-7 1-271,4-2 1,-5 1 90,0-4-90,0 8 0,0-8 0,0 8 0,0-4 0,0 5 89,0-1 1,0 5 90,0 5-360,0 1 90,-5-5 0,4-7-360,-3-8 180,4 1 0,0-1-180,-4 0 180,3-3 1,-3 2-1,4-7-990,0 7 451,0-7-2648,0 3 617,4-4 2660,-3 0 0,7 0 0,-2 0 0</inkml:trace>
+  <inkml:trace contextRef="#ctx0" brushRef="#br0" timeOffset="-175571.73">15175 8195 7533,'-5'0'449,"1"0"-269,-1 0 90,4 0 90,-3 0-180,0 4 450,3 5-451,-7 2 1,7 6 90,-7-6-90,7 6 0,-8-2 0,8 7 0,-3-2-180,0 7 180,3-3 0,-7 0-180,7 7 179,-4-7-3391,1 21 3212,3-14 180,-3 5-1696,4-9 1336,0-3 27,0-1 63,0 0-269,0 0 89,4 1 180,-3-5-450,8-5 2521,0-6-3510,14-7 2112,2-1 0,2-9 0,-4-6 0</inkml:trace>
+  <inkml:trace contextRef="#ctx0" brushRef="#br0" timeOffset="-175239.73">15352 8465 7533,'-4'9'629,"3"0"-629,-8 1 360,4-1 0,-4 4 539,0 6-449,3-3-180,-2 5 450,7-2-451,1 5-89,9-1-360,6-4 270,8-10-449,0-5 89,5-8 180,-8 3-180,-2-7 90,-5-1 0,-3-2 90,0-2 0,-2 0 360,-7-2-360,3 1 270,-4 0 90,0 5-270,0 0 0,-4-1-90,3 1 180,-7 4-90,3 1 0,-9-1-270,4 4-3007,-8-3 2892,8 0 295,-12 3 90,11-3-180,-7 4 0,9 0 180,-1 0-989,5 4 179,1 1 3843,4 5-3033,4-1 0,1 0 0,5 1 0</inkml:trace>
+  <inkml:trace contextRef="#ctx0" brushRef="#br0" timeOffset="-174596.73">15631 8530 7533,'0'-15'2069,"0"6"-1710,-4-3-179,3 6 360,-3-8 269,0 5-449,-2 0 0,1-1-180,-3 5 0,3-3-180,-9 7 90,4-3-540,1 4 270,-4 0 180,7 4-540,-3 1 361,1 4 89,7 1-360,-4 3 90,5 6-360,0 4 91,0 1 359,5-5 0,0-6 90,8-4 270,-3-3-270,4-2 180,-1-4 0,-2 0 90,6-4-180,-2-6 180,-1 0-180,0-3 450,-9 3-270,3 1 270,-3-9 0,0 7-180,0-7-1,-1 13 181,-3-3-180,3 3 0,-4 0-90,0 1 270,0 4-180,-4 0 0,3 0 269,-8 12-269,4 8 90,0 13-450,1-4 180,4 2 0,0-12 0,0 8 90,0 9 180,0 8-180,4-5-90,-3 4 180,3 3-90,-5-18 0,-2 2-511,3 5 0,-1 0 466,-3-8 0,0-1 45,3 14 269,-7-5-269,2-13-180,1 5 90,-7-10 0,10-6-180,-11-2 1,4-5 268,-1-4-448,-4-4 1201,1-10-1382,-2-13 0,1-8 360,5-2-89,0 9 269,8-7 0,-3 5-180,8-3 270,1 6-180,5 9 0,-1-1 0,0 5-270,5-4-90,4 4-629,10-5 539,-3 5 90,2 0-269,-5 5 269,-6-1 450,13 1 0,-12 0 0,10 0 0</inkml:trace>
+  <inkml:trace contextRef="#ctx0" brushRef="#br0" timeOffset="-172888.73">16096 8242 7533,'-5'0'270,"0"0"89,5 0 631,-4 8-720,3-2 359,-3 16-89,0-3-360,3 5 0,-7-1 180,2 4-360,-7 10 179,3-2-269,-4 5 270,1 1-1741,2-14 1471,-2 12 90,4-19 78,-1 6-78,1-6-359,0-1-1,-1-2 180,5-6-540,-3 2 271,7-8 179,-3-1-1619,0-4 1889,3-8 0,-8-2 0,4-9 0</inkml:trace>
+  <inkml:trace contextRef="#ctx0" brushRef="#br0" timeOffset="-172635.73">16040 8288 7533,'9'0'629,"0"0"-179,1 0-180,3 0 1259,14 8-809,-9-6-271,8 11 451,-9-4-450,-5 1-1,5 8-269,-3-4 90,-4 9-360,7 1 90,-6-4-90,-2 1 90,-1-2 90,-2 1-90,-1-2-1439,3 8-180,-3-9 899,0 5 361,-1-8-1171,1-5 451,-4-4 1079,7-1 0,-7-8 0,3-1 0</inkml:trace>
+  <inkml:trace contextRef="#ctx0" brushRef="#br0" timeOffset="-172270.73">16459 8093 7533,'-4'-5'719,"3"-4"-719,-3 8 90,4-3 2339,0 4-2159,4 0 359,-3 4 181,3 6-270,-4 4-181,0 9 1,-4 5-180,-2 5 270,-3 4-270,0-8-180,-1-2 359,1 4-179,0-10-270,0 10 0,-5 0-89,4-1 269,-4 16-180,5-4-2190,4-8 2010,-3-7-89,7-5 449,-4-11-540,5 7 90,-4-9-450,3 1 181,-3-1-361,4-4 2640,0-1-3989,0-4 2339,4 0 0,1-4 0,5-1 0</inkml:trace>
+  <inkml:trace contextRef="#ctx0" brushRef="#br0" timeOffset="-171333.73">16719 8176 7443,'-9'5'1079,"4"0"-359,-7 8 359,1 14-719,-7-1 90,3 14-91,2-7-89,7 12 0,2 1-2277,-1-8 2052,2 4 0,2-4-945,5-19 270,1 0-179,5 4 179,3-8-1439,2-6 2069,-1-5 0,4-4 0,-4 0 0</inkml:trace>
+  <inkml:trace contextRef="#ctx0" brushRef="#br0" timeOffset="-171010.73">16803 8242 7533,'-14'-6'270,"4"2"-270,6 4 539,4 0 900,0 8-179,9-1-990,-3 6 539,7-4 1,1 9-451,-4-7-269,3 7 270,5-5-180,-7-2-90,7 6 360,-5-2-630,-2-5 180,2 3-360,1-4 270,-4 1 0,3-1-539,1 0 359,-4-4 90,4 0-720,-5 3 451,-4-2 179,3-1-1439,-2 3 1259,3-3-270,-4 0 1,3 4 359,-7-8-450,8 3 810,-8-4 0,7-4 0,-3-2 0</inkml:trace>
+  <inkml:trace contextRef="#ctx0" brushRef="#br0" timeOffset="-170751.73">17073 8214 7533,'-9'0'1079,"4"0"-809,1 0 719,4 0 271,-5 0-451,-4 8-539,3-2 90,-7 8 180,4 3-361,-1-6-179,-4 11-3277,5-11 3522,0 6-65,-1-2-270,-7 7 90,6-2-1463,-11 3 1284,11-5 59,-10 9-600,5-6 360,-2 6-1079,0 0 360,8-3 2563,0 4-2473,6-9-361,8-10 1350,2-5 0,7-4 0,1 0 0</inkml:trace>
+  <inkml:trace contextRef="#ctx0" brushRef="#br0" timeOffset="-170342.73">17092 8446 7533,'14'5'2338,"-4"0"-1528,-6-1-180,-4 5-181,0 1-89,0 4 90,0-1-90,0 2-180,0 3-180,0-3 0,0-2-360,0-4 360,0 1-720,0-5 90,0-1 541,0-4-811,4 0 1,-3 0 539,7-4-270,-7-1-179,7-9 269,-2 4 180,-1-3 0,3 3 180,-3 5 270,5-3-90,-5 3 360,7-5-180,-10 5-270,10-3 990,-7 7-361,0-3-269,3 4 989,-7-4-629,8 3-180,-8-4 629,7 5-809,-7 0 180,3 0 89,0 5-179,-3-4 0,4 7 90,-5-7 179,4 20-539,1-13-90,0 9 180,3-8-1169,-7-4 359,8 8-359,-4-7 359,0 7 0,7-8-2428,-5 4 3058,6-3 0,-4 2 0,1-3 0</inkml:trace>
+  <inkml:trace contextRef="#ctx0" brushRef="#br0" timeOffset="-169285.73">17594 8558 7533,'-10'4'2338,"5"-3"-2068,-3 11-90,7-5 180,-7 10-180,7-6-180,-8 2 360,4 0-900,0-2 450,1 2 90,4-8-1439,0 4 719,0-4 360,0 0 360,0 3 0,0-7 0,0 3 0</inkml:trace>
+  <inkml:trace contextRef="#ctx0" brushRef="#br0" timeOffset="-168080.73">17901 8242 7533,'0'5'270,"0"3"269,0-3 1,0 9-360,0-4 90,0 3-180,0 1 90,0-4-1,0 8-179,-4-8 180,3 16 0,-8-10-270,4 11 90,0-8 0,-3 0 180,7-1-360,-8 5 90,4-4 0,0 4 180,-3-4-180,3-1-90,0 5 1,-4-3 89,8-2 0,-3-4-720,4-9 91,0 3 449,0-3-720,0 1 990,4-2 0,1-8 0,5-2 0</inkml:trace>
+  <inkml:trace contextRef="#ctx0" brushRef="#br0" timeOffset="-167519.75">17901 8307 7533,'0'-10'-450,"0"5"540,0-3-180,0 7 3366,0-3-3044,4 12-52,-3-2-90,7 8-270,-7-1 270,3 2-180,1-1 0,-4-1 180,3 1-180,-4 0 90,0 9 0,0-7-180,0 1 180,0-7 0,0-1-180,0 0 0,0 0 180,0 5-90,0-8 90,0 6-90,0-11 90,0 4-90,4-5 180,5 0-90,-3-5 0,11 0 0,-11-8 0,8 3 0,-1-12 0,2 10-90,-1-9-3187,4 6 3162,-8 1-254,3-4 369,-3 8 0,7-16 0,-9 14 90,8-10-2326,-11 9 2236,0 2 2146,4-2-1966,-8 3 189,7-3-369,-7 3 0,3-4 0,-4 9 3276,0-3-3070,-4 7-116,3-3 0,-7 4-90,7 0 90,-3 0 0,-1 0 180,4 4 449,-3 1 1,0 8-540,3-2 90,-3 2-360,4 1 180,0-4 90,0 7-360,0-2 180,0-1 0,0 4-90,0 1-90,0 4 180,4 1-989,-3-5 449,7-2 180,-2-6 180,3 2-1079,-4-4 0,7 1 539,-5-5 720,6 3 0,1-7 0,0 3 0</inkml:trace>
+  <inkml:trace contextRef="#ctx0" brushRef="#br0" timeOffset="-167206.75">18320 8465 7533,'-4'13'989,"3"-2"-809,-4-2 0,5 3 270,-4-6-180,3 8-1,-3-5 91,4 1-90,0-1-90,0 0-90,-4 0 270,3 9-270,-3-7-540,4 3 270,0-10 180,0 0 0,0-3-1349,0 3 1079,4-4-1799,-3-4 2069,7-1 0,-7-4 0,3-1 0</inkml:trace>
+  <inkml:trace contextRef="#ctx0" brushRef="#br0" timeOffset="-167015.75">18338 8307 7533,'-5'0'1799,"-3"0"-180,7 4-1619,-3-3 180,4 3 179,0 0 271,0-3 90,0 3-1080,4 0 360,1-3-1439,4 8 809,1-8 270,-1 7 360,0-7-1169,1 7 1169,-5-7 0,3 8 0,-3-4 0</inkml:trace>
+  <inkml:trace contextRef="#ctx0" brushRef="#br0" timeOffset="-166632.75">18683 8586 7533,'-9'0'719,"-1"4"-719,5 1 990,-3 0-181,3 8-89,-5-11-180,5 10 89,-7 2-269,1 1-180,-3 4-450,0-2 270,5-2 0,0-1 180,-1 4-1170,5-8 361,-7 12 539,10-11-1439,-6 7 719,8-9 271,0 0 539,0-4 0,0 0 0,0-5 0</inkml:trace>
+  <inkml:trace contextRef="#ctx0" brushRef="#br0" timeOffset="-166309.75">18747 8195 7533,'-5'-18'-540,"5"7"360,5-2 1529,4 9-89,5 4-991,0 0 1081,1 0-631,2 0-269,-2 0-90,4 0-180,-1 4 0,-3-3-90,2 3 0,-6-4 89,6 0 1,-2 0-360,-1 0 270,4 0-90,-8 0-90,12 0 0,-7 0 1,4 0-1171,-6 0 541,-3 0 269,-1-4-989,0-2 539,1 1 271,-5 1-361,-1 0 990,0 3 0,-7-7 0,2 3 0</inkml:trace>
+  <inkml:trace contextRef="#ctx0" brushRef="#br0" timeOffset="-165877.75">18840 8167 7533,'-18'22'1169,"7"-10"-809,3 6-180,8-10 90,0-3 1259,0 9-1080,4 0 1,-3 1-90,7-2-90,-2-4-3482,3 1 3122,0-1 90,5-4 90,-4 3 90,8-2-450,-8-1 180,8-1 90,-8 0 180,8-3-270,-8 7 0,3-7 90,-3 3-540,-1 1 270,-4-4 3482,3 7-3751,-7-7 269,3 7 90,-4-3-90,0 5 180,0-1 0,-4 0 0,3 1-90,-7-1 180,-1 0-90,-2 5 0,-2-4 1,-5 8 178,3-8-178,-4 3 178,6-3-178,-1 3 358,4-3-89,-8 4-180,8-5 270,1 0-90,5-3 90,4 2-270,0-7 180,0 7 0,0-7-90,0 7 89,4-6 91,1 2-270,4 0 180,5-3 90,-4 3 270,20-4-360,-17 0-90,18 0 90,-21 0-450,7 0 270,-2 0-90,-1 0-720,8 0 450,-11 0 91,11 0-451,-11 0-539,2 0 629,-8 0 180,3 0 450,-2 0 0,3 4 0,0 1 0</inkml:trace>
+  <inkml:trace contextRef="#ctx0" brushRef="#br0" timeOffset="-165339.75">19287 8614 7533,'-5'0'899,"-3"0"-629,7 4 0,-4-3-180,5 3 1709,-4 4-1439,3-2-1,-3 12-449,4-8 90,0 4 0,0-5 270,0-4-989,0 3 449,0-2 180,0-1-900,0 3 541,0-7-541,0 3 630,4-4 1,-3 0 89,8 0-630,-8 0 900,7 0 0,-7-4 0,3-1 0</inkml:trace>
+  <inkml:trace contextRef="#ctx0" brushRef="#br0" timeOffset="-165142.75">19268 8381 9781,'0'5'1889,"5"4"-1439,-4-8-270,3 7 0,0-7 0,-3 7-450,7-7 180,-3 3 90,1 0-1709,10 2 1529,-9-1 90,11-1 90,-9-4 0,5 0 0,0 0 0</inkml:trace>
+  <inkml:trace contextRef="#ctx0" brushRef="#br0" timeOffset="-164397.75">19538 8028 8342,'5'9'1889,"-4"-4"-1259,7 7-180,-3-5-91,0 10 541,8 2-630,-11 0 89,10 4-179,-7-4 0,0-1 180,4 13-90,-4-1 180,0 12-270,-1-13-1,-4-2 1,0-5 0,0-2 0,0 7-347,-4-3 347,-1 4-90,-9-1 90,4 5-180,-3-3-432,3 3 612,-3-4 0,3 0-2159,-4 0-1169,1 12 1979,2-13 359,-2 13 810,-1-21 0,0 8 0,-5-3 0</inkml:trace>
+  <inkml:trace contextRef="#ctx0" brushRef="#br0" timeOffset="-159980.75">20106 8549 7533,'-9'4'1439,"4"-3"-1169,1 3-90,4-4 179,4 0-179,1 4 270,4-3 270,5 3-361,0-4 1,1 0-180,-2 0 0,0 0-90,-2 0 90,2 0 0,0 0-90,6 0 180,-4 0-270,3-4 0,-5 3 179,-2-3 1,2 4-899,-4 0 359,1 0 180,-1 0-1259,4 0 629,-2 0 361,2 0-1170,-4 0 1619,1 0 0,3-4 0,2-1 0</inkml:trace>
+  <inkml:trace contextRef="#ctx0" brushRef="#br0" timeOffset="-159479.75">20776 8186 7533,'-20'0'90,"2"0"-90,13 0-90,-3 0 1799,-1 12-630,-2-1-629,-2 8-90,8-5-180,1-5-1,0 4 91,2 6-90,-2-4 0,4 7 0,-4-12-180,3 8 180,-3-8 0,4 8 0,0-8-270,0 8 180,0-4-180,0 5 270,0-5-360,0 4-3097,0-4 2982,0 5-52,0 8 347,0-6 0,0 5-270,0-3-360,4-3 180,1 3 270,5-9 2545,-1-1-2905,-4-7 180,3 2 90,-2-7-809,7 3 359,-3-4 361,4-4 387,-1-1 1,-2-5 0,2 1 0</inkml:trace>
+  <inkml:trace contextRef="#ctx0" brushRef="#br0" timeOffset="-159145.75">20925 8456 7533,'0'-6'539,"-4"2"-179,2 4 270,-6 4-360,3 2 89,-4-1-269,-1 3 810,1-3-1,0 9-539,0 0-180,3 0 0,2 0 0,4-1-630,0 2 540,4-1-90,2 0-720,7-5 720,-3-4-539,4 3 269,-1-6 90,-2 2 0,2-4-90,0-4 90,-2 2-89,2-6-1,-3 3 360,-1-4-270,-4-1 90,3 1 0,-7 0 270,8 0-3457,-8-1 3252,3 1 48,-4 0 67,0-1 90,0 1 0,0 4-90,0-3 0,0 7 3186,-4-8-3012,-2 8-264,-3-7 90,0 7 368,-9-3-458,7 4 90,-7 0-90,5 0 0,3 0 90,-4 0-90,5 0-630,4 0 360,0 0-1709,5 0 1979,0 4 0,5 1 0,0 4 0</inkml:trace>
+  <inkml:trace contextRef="#ctx0" brushRef="#br0" timeOffset="-158456.75">21316 8493 7533,'5'-4'-1619,"3"-2"4677,-3-3-2428,0 0 89,0 0 1,-5-1-361,0 5 451,-5-3-360,0 7-90,-4-8-91,0 8-538,-1-3 269,-3 4 90,3 0-90,-4 0-720,1 0 450,2 0 180,-6 4-270,6 2 180,-2 3 180,4 0-449,-1 1-271,-3 3 540,7 1-90,-7 1 90,12-2 1,-3 1-1,4-4 360,0 4-180,0-5 90,0 0-180,4 5 180,6-4-180,0-1-90,12-1 180,-11-6 0,7 2-90,-9-4 90,4-4 0,-2 2-90,2-6 90,-4 3 0,1-4 0,-1-1-90,0-3 90,1 3 180,-1-4 0,-4 1-270,3 2 539,-7-6-269,8 7 90,-8-4-270,3 5 180,-4 0 90,0-1-270,0 1 360,0 0-180,0 3 89,-4-2-179,3 7 270,-3-3-90,-1 4-90,4 0 0,-7 0-270,7 0 90,-3 0 0,0 4 180,3 1-360,-3 5 0,4 7 90,0-1 0,0 6 90,0-3-180,0 0 270,0-1-90,4 1 0,-3 4-90,3-4 90,0 4 0,-3 8 180,3-9 90,-4 13-270,0-16 180,0 8 90,0-7-270,0 7 90,0-3-1074,0 3 1253,0 1-726,-4 13 547,3-14 0,-7 12 360,-1-7-270,-2-6-90,-2 1-90,3-18 90,5-1 0,-3-7-180,-5 7 0,1-6 180,-10 2 801,12-8-981,-3 2 0,-1-6-360,0 3 1000,-1-8-640,2 2-90,4-6 1,-1 2-181,1-12 180,0 3-360,3-4-179,2 1-91,4 7 360,4-3 90,2 5 1,3 3-361,4 2 270,2-1-719,16 0 629,-5-5 181,6 5 359,-9 0 0,-1 1 0,2 3 0,4-4 0</inkml:trace>
+  <inkml:trace contextRef="#ctx0" brushRef="#br0" timeOffset="-157506.75">21530 8344 7533,'-9'0'180,"3"0"-1,2 0-89,4 0 450,-4 0-180,3 0 180,-7 0-1,7 0 990,-3 0-1349,4 4 90,4-3-90,-3 7 0,7-7 90,1 12-270,6-7 180,-1 3-270,29 4 0,-23-11-1134,24 10 1044,-26-11 0,5 3 1,0-4 179,-3 0 0,-3-4 0,-7 3-180,-1-3 0,-4 4 90,3 0 0,-7 0 0,4 0 1224,-1 0-1045,-3 0-89,3 0 0,-4 4 0,0 1-89,-4 5 89,-1-1-180,-9 4 180,4-2-90,-4 6 90,5-6-180,0 6 180,-1-2 0,1-1 0,0 0-90,0-1 90,0-3-90,4 4 360,-3-1-180,2-2 0,-3 2 269,4 0-89,-3 2-180,7-1 90,-3 0 90,4-5-180,0 0 180,0 1-180,0-5 90,0 3 89,4-3-179,1 0 90,4 0-90,0-1 90,-3-3-90,6 3 90,-2-4-270,4 0 180,-1 0-3302,-3 0 2852,-1 0 270,0 0 0,1 0-449,-1 0 449,0 0 0,1 0-1260,-5 0 3843,3 0-2943,-3 0-1169,0 0 630,4 0 989,-8 0 0,7-4 0,-3-1 0</inkml:trace>
+  <inkml:trace contextRef="#ctx0" brushRef="#br0" timeOffset="-156971.75">21632 8028 7533,'-5'4'449,"-3"-3"-179,7 3 180,-3-4-450,4 0 180,0 4 540,-5 1-361,4 4 1,-7 1-180,7-1-90,-3 0 90,0 1 360,-1 20-361,-5-12-448,5 13 269,-3-13 179,7-4-808,-7 1 359,7-2-540,-8-3-269,8-5 449,-3 3 181,4-7 449,0 3 0,-4-8 0,-1-1 0</inkml:trace>
+  <inkml:trace contextRef="#ctx0" brushRef="#br0" timeOffset="-156789.75">21595 8018 7533,'5'5'1709,"3"4"-1170,-2-4-179,-1 0 0,3 3 90,-7-3-90,7 5-1,-3-1-179,1 0-360,2 1 180,1 3-809,5 2 269,1 3 450,-2-3 90,4 2 0,-1-6 0,7 2 0</inkml:trace>
+  <inkml:trace contextRef="#ctx0" brushRef="#br0" timeOffset="-155829.75">21883 8623 7892,'-5'0'900,"0"4"-720,5-3 0,-4 7 539,3-7-359,-3 8-360,4-4 180,0 4 90,-4 0-360,3-3 90,-3 6 180,4-6-360,0 12 90,0-8 90,0 4 0,-4-5-180,3 0 0,-4 5-180,5-4 181,0 3 179,0-7-900,0-2 720,0-4-360,5 0 271,-4 0-1,3 0 0,0-4-180,-3-2-449,11-19 899,-10 11 0,7-16 90,-9 20-90,0-8 0,4 8 0,-3 1 0,3 0 90,-4 4-90,0 0 449,4 1 271,-3 0-360,3 3-180,-4-3 2248,0 4-1888,4 0-90,-3 4-91,4-3-179,-5 7 0,0-3 0,4 0-180,-3 4 0,7-8 180,-7 7-990,7-7 541,-2 7 89,3-7 180,0 7-1439,0-6 269,5 6 900,-4-7 270,4 7 0,-1-7 0,2 3 0</inkml:trace>
+  <inkml:trace contextRef="#ctx0" brushRef="#br0" timeOffset="-155623.75">22171 8707 7533,'-9'4'1799,"-4"1"-630,2 8-270,-2 2-629,3-5-270,5 3 270,-3 0-899,7-2 359,-3 7 180,4-5-900,0-2 541,0 6-1171,0-6 361,8 2 1259,-6-8 0,15-1 0,-7-4 0</inkml:trace>
+  <inkml:trace contextRef="#ctx0" brushRef="#br0" timeOffset="-155328.75">22339 8735 7533,'-9'0'629,"3"0"721,2 0-541,4 0-359,-4 0 90,3 0 269,-3 0-629,0 0-360,3 0 180,-3 4 0,4-3 180,0 7-450,0-3 180,0 9 180,0-4-720,0 3 181,0-3-91,0-1 360,0 0-449,0-4-361,0 0 270,0-5-539,4 0 720,1-5 539,0 0 0,3-8 0,-2-2 0</inkml:trace>
+  <inkml:trace contextRef="#ctx0" brushRef="#br0" timeOffset="-155136.75">22320 8437 7533,'-4'-5'1889,"3"1"-810,-3 4-90,4 0 720,-4 4-1439,3-3-90,-3 7 90,8-3-720,1 5 180,0-1 270,3 0-629,-2-4-451,3 4 541,0-8 179,5 7 360,0-3 0,1 0 0,-2-1 0</inkml:trace>
+  <inkml:trace contextRef="#ctx0" brushRef="#br0" timeOffset="-155003.75">22469 8483 7533,'-9'0'0,"4"0"629,1 0-562,4 0 1,8-4 0,2-1-1</inkml:trace>
+  <inkml:trace contextRef="#ctx0" brushRef="#br0" timeOffset="-150924.75">22655 7907 8072,'5'13'540,"0"2"-270,4-1 0,0 4-180,1-4 809,-1 9-449,4-4-957,-2 8 956,6-3 271,2 16-450,-4-4 0,3 5-1390,-5-9 1300,-2-4 90,2 4 44,-3-3-44,-1 3-90,-4 0-1392,-1-3 1392,-4 7 90,0-3-91,0 4-134,0-10 0,0 0 135,0 10-225,-1-10 0,-2-1 135,-2 3-90,-5-1 0,-2 1-90,0 5 45,1-5 0,0-1 225,-2 1-523,2 3 253,-6-4 0,6 0-90,-2-1-180,-1 1 180,4-4 90,-3-1-449,3-5 179,1 1 180,0 0-496,-1-1-224,1-3 270,0-2 633,4-4-3,-4 1 0,4-5 0,-4-1 0</inkml:trace>
+  <inkml:trace contextRef="#ctx0" brushRef="#br0" timeOffset="-149164.75">11546 8046 7533,'0'-14'-990,"0"0"990,-4 5-90,3 4 180,-3-3-180,4 2 0,0-3 90,0 4-90,0-3 180,0 2-90,0 1-90,0-3 90,0 3 90,0-4-90,0-1 0,0 1 0,0 4 180,0-3 0,0 7-180,0-4 0,0 1 270,0 3 0,0-3-90,0 0 90,0 3 269,0-3-269,-4 4 360,-10 4-360,3 5 89,-11 10-89,8 5-270,-1-1 90,2 4 90,3-3-90,1 0 90,-9 19 0,7-11-1239,-7 18 1149,9-13 90,0 0-90,0 5 90,-1-8-90,6-5 0,-1 3-243,-2-3 1,0 1 197,4 5 0,0 1 45,-1-5 0,0-2-180,0 20 90,3-14 0,-2-9 0,2 0-90,5 6 180,-3 13 0,7-21-270,-3-2-2551,5-3 2821,-5-1-180,11 5 0,-13-7 873,14 5-872,-12-10 89,4 2 0,1-3 0,-1-1 188,5-4-188,-4 3-90,3-7 3302,-3 3-3212,-1-4-179,0 0-91,1 0 180,-5 0 90,3 0-630,-3 0 1,0-4-181,4 3 360,-8-3 180,7 0-89,-7 3 359,7-7 0,-3 3 0,5-5 0</inkml:trace>
+  <inkml:trace contextRef="#ctx0" brushRef="#br0" timeOffset="-126975.73">3898 10259 7533,'-4'-19'809,"3"5"-449,-7 6 0,2 3 0,-3-4-1,-9 3 1,7 2-180,-11 4 0,8 0-270,-5 0 360,-11 4-180,-9 6-992,5 0 902,-2 4 180,14-1-90,6-3 0,-1 4 0,7-5-180,5 0 0,-3 1 180,7-1-332,-3 0 152,4 5 90,4-4-270,26 20 180,-6-17 90,5 3 0,3-2 0,-1-7-767,18 5 767,-12-7 90,1 5 0,-5-5 749,-6 3-659,-13-7 68,0 7-158,-5-3 0,-4 1 90,4 2-180,-8-3 90,3 4 90,-4 1-91,-8 11-178,-3 0 822,-12 11-733,4-12-180,-4-3 1,4-7 269,-3-1-1729,2-4 1549,-3 3-359,1-7-90,2 3 269,-2-4 90,7 0-1080,-6 0 721,9 0 89,-1 0-263,9 0 1,0 0 0,-2 0 0</inkml:trace>
+  <inkml:trace contextRef="#ctx0" brushRef="#br0" timeOffset="-126358.73">4131 10622 7533,'-5'0'270,"0"0"-270,5 0 1079,0 4-449,-4-3-271,3 4 901,-3-5-2250,4 0 990,8 0 0,-1 0 0,6 0 0</inkml:trace>
+  <inkml:trace contextRef="#ctx0" brushRef="#br0" timeOffset="-125806.73">4512 10176 7533,'0'-5'-90,"0"0"90,0 1 90,0 3 1259,0-3-899,0 0-91,0 3 361,0-3-360,0 12 0,0 2-1,0 17-179,0-10-180,0 9 90,0-12 90,0 5-270,0-1 90,0 1 90,0 0-180,0-1 0,0 1 180,0 4-180,-4 4 0,3-2-90,-3 2 270,4-8-539,0-1-1,4 9 270,-3-10-540,8 9 91,-4-12-361,4-4 451,-4 3-181,8-12 0,-7 3 720,7-4 0,-3 0 0,-1 0 0</inkml:trace>
+  <inkml:trace contextRef="#ctx0" brushRef="#br0" timeOffset="-125536.73">4335 10241 7533,'-14'0'0,"5"0"899,5 0-359,4 0 90,0 4-451,0-3 1,4 3 450,1 4-270,8-1 179,6 6-359,-4-8 90,7-1-360,5 1 180,-5-4-270,13 3 90,-15-4 0,7 0-269,21 0 179,-18 0-180,18-4 0,-26 3-1169,2-4 1529,4 5 0,-8 0 0,-3 0 0</inkml:trace>
+  <inkml:trace contextRef="#ctx0" brushRef="#br0" timeOffset="-125023.73">4866 10576 7533,'-13'0'1799,"7"0"-1529,-3 0-181,9 0-898,0 0 89,4 0 720,2 0 0,3 4 0,0 1 0</inkml:trace>
+  <inkml:trace contextRef="#ctx0" brushRef="#br0" timeOffset="-121523.73">5759 10008 7533,'-26'0'270,"1"0"179,24 0-89,-7 0 360,7-4-181,-7 3 1,7-3-180,-3 4-90,12 0 89,15 0 91,11 4-360,-7-3 0,1-1-2155,12 4 2245,4-4-274,-7 0 94,-7 0-90,6 0 0,8 0 90,-12-4-90,9 3-359,-2-7 89,-4 7-450,3-3 361,-7 4 179,-16-4-270,-2 3-90,1-4 360,-8 5-629,2 0 2195,-8 9-1296,-4 1 0,-5 4 0,-6 0 0</inkml:trace>
+  <inkml:trace contextRef="#ctx0" brushRef="#br0" timeOffset="-121026.73">5805 10120 7533,'-19'0'539,"1"0"91,13 0 180,1 0-451,4 0 1170,25 12-1259,-2 0 180,22 6-270,-16-4-270,-2-5-180,0 4 270,2-2-180,8 6 90,0-6-449,-8 6 89,-2-2-180,-12 3 181,-6 5-181,-13 1 360,-7 0 180,-7-6-180,-1 0 90,1-4 0,-5 1 1,3 2-91,-11-2 90,10-1 450,-5 4-90,3-8-270,3 4 359,2-5 91,0 0 0,8-4-180,-4 0 360,9-5-360,1 0 89,4 4 271,8-3-270,-2 3 0,8-4 179,7 0-359,-4 0 90,10 0 0,-8 0 0,-1 0 0,1 0 0,4 0 270,9 0-360,-6 0 0,9 0 89,-3-4 1,-6 3-449,9-3 89,-11 4 270,-5 0-810,3 0 270,-8 0-179,5 4-91,-4 1-1079,-6 0 1259,-1 3-449,-7-7 359,3 8 630,-4-8 0,-4 7 0,-1-3 0</inkml:trace>
+  <inkml:trace contextRef="#ctx0" brushRef="#br0" timeOffset="-120517.73">5805 10845 7533,'6'0'-540,"-2"0"180,-4 0 180,4 0 0,-3 0 900,3 0-270,0 0-180,-3 5 89,8-4 91,-8 7 180,3 1-91,0 6-179,1 7 0,0 2-180,-1 0-90,-4-1 360,0-1-270,0-6-180,0 6 269,0-4-359,0 6 180,0-4-449,-8 10 269,2-18 0,-8 6-90,5-14 180,0-4-540,-5 0 270,4-4 90,-3-2-1169,-5-11 989,7 1-359,-7-6 719,5-9 0,-2 5 0,-3-10 0</inkml:trace>
+  <inkml:trace contextRef="#ctx0" brushRef="#br0" timeOffset="-120306.73">5675 10641 7533,'5'0'2158,"4"0"-1798,0 0 90,1 4-90,4-3-90,-5 3-180,5-4 179,0 0-89,0 0-539,0 0-811,16 0 181,-7 4-540,13 1 1529,-13 1 0,-9 6 0,0-2 0</inkml:trace>
+  <inkml:trace contextRef="#ctx0" brushRef="#br0" timeOffset="-120112.73">6029 10752 10231,'19'0'-360,"-1"0"-89,1 0-1081,-1 5 1530,-3-4 0,-6 11 0,-5-2 0</inkml:trace>
+  <inkml:trace contextRef="#ctx0" brushRef="#br0" timeOffset="-119931.73">6010 10966 7533,'-5'5'0,"1"-4"989,4 3 1260,0-4-1620,4 0-269,1-4-90,9 3-360,-4-4 90,8 1 0,-4-1-809,13 0 269,2-3-2248,8 3 2788,-12-1 0,1-2 0,-12 3 0</inkml:trace>
+  <inkml:trace contextRef="#ctx0" brushRef="#br0" timeOffset="-119741.73">6308 10780 9602,'4'19'1619,"-3"0"-1709,4 3-180,-1 2 450,-3-4-1350,3 1 631,-4-6 269,4-1 270,-3 12 0,7-9 0,-3 10 0</inkml:trace>
+  <inkml:trace contextRef="#ctx0" brushRef="#br0" timeOffset="-118839.73">5964 9488 7533,'0'9'-270,"-4"1"899,3 3 1,-8 1-180,4 13 180,-4-2-451,0 15 1,-1-14 0,5 9 0,-3-3-720,3 2 271,-1 7-811,2-8 271,4-9 809,9-10 0,-3-6 0,7-3 0</inkml:trace>
+  <inkml:trace contextRef="#ctx0" brushRef="#br0" timeOffset="-118498.73">6197 9627 7533,'0'-9'809,"0"3"1,0-2-91,0 7-539,-5-7 0,0 7 0,-8-3 0,-10 4-180,-2 0-90,-11 4-270,3 1 270,0 8-90,5-2 90,5 2-179,9-3 269,4-1-270,2 0 270,7-4-90,-3 4 90,4-4-90,0 4 450,8 0-1,2 1 1,9-1-90,4 0 0,5-4-180,-8 4-90,6-8 270,-3 3-990,-2-4 360,6 4 90,0-3-1349,-11 7 1619,10-7 0,-12 8 0,5-4 0</inkml:trace>
+  <inkml:trace contextRef="#ctx0" brushRef="#br0" timeOffset="-117597.73">6718 10008 7892,'-5'-4'990,"0"3"-810,5-3 629,0 4-629,0 8 0,-4 3 270,-1 11-360,0 6-3367,-3 1 3162,7 3 115,-8 4-90,8 3 0,-3-1 0,4-6 90,0 7 0,0-16-90,0 12 3302,4-16-3212,2-9-180,-1-2 180,3-4 0,-3-3-180,9-1 180,-4-1 0,3-11-269,-4 6 269,0-12-3277,1 8 2982,-1-8 205,4 0 90,-2-2 0,-2-3-90,3-3 180,-5-3 90,6 0-180,-8 6 3276,-1 9-2531,-4 9-565,0 1 180,0 4-270,0 13-90,0-6 180,0 19-90,0-7-180,4 5 180,6 7 0,4-6 0,9 11-180,-3-15 90,-2 0-90,4-11 180,-2-1-90,-1-4 180,-1-1-180,-9-4 89,1 0-89,-1-4 360,8-9-90,-5-3-180,5-15 0,-11 6 0,2-11-180,-7 11 180,3-6-90,-4 12 90,0-4-90,0 0 90,0 4-90,0-16-90,-4 17 180,3-12-180,-3 20 90,0 0-90,3 2 180,-4 7-270,5-3-640,0 4 1,0 8 0,0 3 0</inkml:trace>
+  <inkml:trace contextRef="#ctx0" brushRef="#br0" timeOffset="-117106.73">7415 10501 7533,'0'5'359,"0"0"-89,0-1 180,0-3-360,0 7 270,0-7 0,0 7-180,0-2 179,0 3 181,0 8-450,0-5 180,0 5-90,0-7 0,0 3-90,0-3 269,-4 12-269,3-6 90,-3 6-90,4-7 90,-4 7-270,3-7 180,-3 4 0,-9 11-270,6-13 90,-11 10 180,13-13-270,-3-9 0,3 3 0,-9-7 0,0 3-3097,-1-4 2263,2-4-1139,4-1 1883,-1-4-140,1-1-939,0-3 449,-1-2 900,1-3 0,0-5 0,-1-1 0</inkml:trace>
+  <inkml:trace contextRef="#ctx0" brushRef="#br0" timeOffset="-116895.73">7406 10269 7533,'0'-5'1889,"0"0"-1530,0 1-359,0 3 180,4-3 0,-3 4 1259,3 0-1259,-4 4 0,0-3-90,4 3-270,2-4-719,3 5 449,0-4 360,-4 3-1799,8-4 540,-3 0 1349,0 0 0,3 4 0,-8 1 0</inkml:trace>
+  <inkml:trace contextRef="#ctx0" brushRef="#br0" timeOffset="-116438.73">7974 10222 7533,'-11'0'90,"3"0"-90,8 0 1529,0 0-1439,0 4 539,0-3 271,0 4-450,4-5-91,1 0-179,5 4 90,3-3-360,2 3 270,7-4-450,6 0-3007,-3 0 2623,2 0-271,-8 0 835,-1 0-540,5 0 450,-3 0 1,-2 0-1,-5 4-1080,-3-3 541,-1 3 269,0 0 1205,-4-3 1,3 8 0,-3-4 0</inkml:trace>
+  <inkml:trace contextRef="#ctx0" brushRef="#br0" timeOffset="-116206.73">8039 10455 7533,'-10'0'1169,"1"0"-90,9 4-809,0-3 450,0 3-360,0 0 269,4-3-269,2 3-180,3-4 180,0 0 269,13 0-449,-5 0-180,5 0 0,0-4-359,2 3 89,1-7 270,1 7 0,-7-3-630,-5 4 270,3 0 270,-6 0-90,6 0-1439,-6 0 630,6 0 449,-6 4 540,2-3 0,0 7 0,2-3 0</inkml:trace>
+  <inkml:trace contextRef="#ctx0" brushRef="#br0" timeOffset="-114452.73">8792 9915 8072,'-5'10'990,"1"-5"-450,4 7-181,0-1 361,0 11-360,0 2-90,0 0-1,0-1-89,0-5-90,0 5 270,4 9-90,-3 6-180,3-4 90,-4 1 0,0-15-180,0 7-3277,0-7 3252,-4 6-565,3 6 679,-3-6 1,4 9-269,-4-3-1,3 7 90,-8 3 0,8-5-90,-3-9 180,4-9 0,0-6-360,0-3 3145,0-1-3685,0 0 720,0-4-90,0 4 568,0-8-1737,4 3 899,1-8 271,5 3 269,-1-8 0,0 0 0,1-5 0</inkml:trace>
+  <inkml:trace contextRef="#ctx0" brushRef="#br1" timeOffset="-89936.73">18664 10194 9242,'0'6'1169,"0"6"-989,0-10 90,4 10-90,-3-6 0,3 3-1,-4 4-89,0 2 270,0 8-360,0-4 0,0 4 0,-4 4 0,-5 6 0,-1 9-90,-4-4 0,5-1 0,-4 3 180,-2-5-180,6-10 0,-1 0-921,-4 5 831,0-3-314,5-10 494,4-7-90,-7 12 0,5-6 0,-6 6 0,4-7 694,3-2-1594,-2-3 1533,7-1-543,-3-4 179,4-1-179,0 0-90,0-3 2069,0 3-1439,8-4-90,3 0-180,3 0-1,4 0 271,0 0-450,2 0 90,-1 0 180,2 0-180,-5 0-90,7 0 179,-1 5-269,-7-4 0,7 3 0,-8-4-89,9 4-91,1-3-90,0 3-900,-2-4 181,-3 0-1799,0 0 1258,3 0 1530,-6 0 0,1-4 0,-7-1 0</inkml:trace>
+  <inkml:trace contextRef="#ctx0" brushRef="#br1" timeOffset="-89105.73">19175 10659 7533,'0'-9'449,"0"0"-269,0 0 0,0 3 630,-4-6-540,-1 10-90,0-10 539,-7 6-449,9 1-270,-9 1 180,7 4 0,-5-4-90,1 3 0,-8-3 179,1 4-179,-7 4-269,9 1 179,-4 8 0,4 2-180,-1 4 90,6-5 180,-12 24 90,17-14-1,-16 21-269,18-22 90,2 0 0,6-9-89,-1 0-91,3-9 180,1-1-450,6-4 270,-1 0 0,0 0-180,3-8 270,-5-2-90,5-5-179,-3-2 269,-4 6 180,4-6-90,-5 6-90,0-2 360,-4 4-180,4-1-1,-8 1-89,7 0 270,-7-1 0,7 1 90,-7 0-180,3 4 270,-4 0 89,0 5-449,-4 0 0,3 0 450,-3 0-360,0 9 0,3-3 0,-3 7-270,4-3 0,0-1 180,0 0 0,0 1-270,0-1 90,4 0 0,-3-4 180,3 4-1170,4 0-899,-1 1 1260,14 0-1530,-5-2 2249,7-7 0,-9 3 0,0-4 0</inkml:trace>
+  <inkml:trace contextRef="#ctx0" brushRef="#br1" timeOffset="-87808.73">19417 10743 7892,'6'0'1440,"-2"0"-361,4-12-629,-6 5-270,6-15 90,-3 16-91,-4-11 1,3 7 0,-4-1 90,0-5-270,0 10 180,0-8-450,0 5 180,-4 0 0,-2-1 0,1 5-359,-7 1 89,-3 4 270,0 0-270,-3 0-180,5 4 360,2-3-89,-2 7 179,4-2 0,-1 3 90,5 0-90,-3 5 0,3-4 90,0 8 90,0-8-180,5 8 0,0 0 0,0 6 90,0-4 90,0-3-90,5-8-90,0 1 180,8-1-90,-7-4 0,7-1 90,-8-4-90,4 0 0,1 0 180,-1 0-270,4-4 270,-2-5-180,2-1 449,1-16-3571,-4 13 3302,-1-8 0,-5 11-90,-4 5 0,0 1 0,0 0 90,5 3-90,-4-3 3186,3 8-3160,-4 5-116,0 6 90,0 3-90,0-3 0,0 11 0,0-14 0,0 14 90,0 1-90,0-2 0,0 12 90,0-1-1572,0-6 1662,0 6-150,0 0 150,-4-10-180,3 9 90,-8-3 180,8-6-181,-3 5-89,0-8 1562,-1-4-1472,0 0-180,-4-6 70,4-7 110,0-2-90,-3-4-90,3 0-90,-5 0 180,1 0-180,-5-9 0,4-1 0,-8-4 180,8-4-269,-3 4-181,-1-13-360,4 2-829,4-5 1,3-1-1355,7 0 1679,-2 2 0,2 2 1314,14 3 0,-4 1 0,5 0 0</inkml:trace>
+  <inkml:trace contextRef="#ctx0" brushRef="#br1" timeOffset="-87204.73">19641 10604 7533,'-5'0'899,"1"0"-359,4 0-180,-5 0 179,4 0-539,-3 0 180,4 4-180,0 1 0,0 4 270,0 25-360,0-6 90,0 9 0,0-11-180,-4-3 270,3-2-90,-7 1-270,7-4 180,-3-8-89,-1 8 179,4-8-90,-3 0-1440,4-6-179,0-4 1260,0-9 449,0 3 0,0-15 0,0 1 0</inkml:trace>
+  <inkml:trace contextRef="#ctx0" brushRef="#br1" timeOffset="-87055.73">19622 10706 7533,'0'-5'629,"4"-3"-269,-3 7 0,4-8 360,-1 4-361,-3 0 91,7 1-90,1 0-180,2-2-90,2 1-270,1 1 180,0 4-1259,0 0-2018,4 0 2352,-8 0 925,12 0 0,-6 4 0,6 1 0</inkml:trace>
+  <inkml:trace contextRef="#ctx0" brushRef="#br1" timeOffset="-86148.73">19920 10725 7083,'5'0'-360,"-1"0"180,-4 0 180,5 0 90,-4 0-90,3-5 630,-4 0-90,0 0-91,0-3-269,0 3 90,0-5-180,0 5 360,-4-3-90,-6 3-271,-4 0 91,-1-4-90,2 8-90,-1-3-180,-4 4 90,2 4 180,3 1-359,5 9 359,7-4-270,-8 4 180,8-1 0,-3 10 0,4-7 0,0 6 0,0-13 0,0 1 0,4 3 0,1-7 0,1 7 0,2-12 0,-3 3-180,4-4-180,5 0 90,-8 0 90,6 0-180,-2-8 91,0 6 89,-1-11-90,4 8 90,-7-4 90,3-1 0,0 1 90,-4 0-90,4 4 360,0-8-180,-3 7 270,-2-3-180,0 0-91,-3 4 91,3 0 270,-4 1-180,0 0-90,0 3 1259,0-3-1169,0 12-90,-4-2-270,3 8 90,-3-5-90,0 8-90,2-1-360,-2 3 181,4-6 179,0-4 90,4 1-810,-2-5 360,6-1 271,-7-4-901,15 0 811,-8 0 359,9-8 0,-8 1 0,1-6 0,-1 0 0,0-2 0,1 1 0,-5 0 0,3 1 179,-3-2 451,5 5-270,-5-2-180,3 11 90,-7-4 809,3 5-359,0-4-1,-3 3-359,8 1-270,-8 10 0,3 0 0,0 3-3302,-3 1 3032,3-4 270,-4 8-450,0-4 180,0-4 180,0 3-90,0-8-270,0 4-359,0-4 3661,0 4-3662,0-8 181,4-5-1,2-7 360,-1-3 0,3 0 270,-7 5-90,3-4-270,0-2 270,1 1 90,1 0 450,2 5-180,-8 0 1169,13-1-1169,-7 5 449,7 1-359,-8 4-90,-1 0 179,1 8-359,-4-1 90,3 6-450,-4 0 270,0-2-90,0 2-90,0 1 90,4 0 180,-3 5-1349,3-5 359,0 8 720,1-11-1529,1 11 810,2-12 809,-7 4 0,11-5 0,-1 0 0</inkml:trace>
+  <inkml:trace contextRef="#ctx0" brushRef="#br1" timeOffset="-85364.73">20543 10743 7533,'-5'0'1349,"1"-4"-1169,4-1 539,0 0-359,0-4 0,0 4-180,0-4 270,-4 0 179,3-5-359,-4 4 90,1-4 0,-1 5-540,0 0 270,-3 4-450,-2-4 270,-4 8-450,-9-3 181,8 4 269,-3 0-540,0 4 270,7-3 180,-2 8-180,0 0 91,11 5 179,-10 1 270,11 3-90,-3-8-180,4 7 0,0-2-180,0 16 630,0-14-270,0 13-1,4-19 1,-3 2-269,7-8-1,-3 4 180,4-8-90,1 3 90,-1-4-90,0 0 90,1 0 0,-1-4-90,0-1 0,-4-5 0,4 1 90,-4 0-90,0-1 180,3-7-90,-2 5-90,-1-5 270,-1 8 0,0-1-90,-3 1 359,3 4-269,-4 1 630,0 4-720,-4 4 0,3 1 0,-3 0 0,4 8 179,0-3-179,0 8-90,0 1 180,0-5-180,0 4 270,0 9-180,0 7 0,0 0 0,0 1 0,0-15-90,0 7 90,0-8 0,0 4-90,-4 8 180,-1-1-180,-5 7 90,5-9-270,-12-1 270,10-11-450,-19-3 270,15-9 0,-7-4-90,5-4 180,-1-1-360,-1-4 180,2-1-89,3-3-361,-3-6 90,2-5-269,2 1 359,5 0 90,4 4 0,0 1-359,0 3 269,0-2 450,8-2 0,3-1 0,7-2 0</inkml:trace>
+  <inkml:trace contextRef="#ctx0" brushRef="#br1" timeOffset="-85128.73">20645 10752 7533,'0'-5'1079,"0"-3"-539,0 7-90,5-3-181,-4 4 811,3 0-181,-4 8-629,0-6 90,0 11-270,0-8 90,0 4-270,0 0 90,0 5 0,0-8-360,0 11 90,0-7-899,0 0 539,0 3 360,0-8 90,0 4-1349,0-4 630,0-1 449,0 1 450,0-4 0,0 3 0</inkml:trace>
+  <inkml:trace contextRef="#ctx0" brushRef="#br1" timeOffset="-84917.73">20664 10473 7533,'0'-9'0,"0"0"1439,0 4-720,0 1-269,0 4 270,4 0 179,-3-5-629,7 4-180,-6-3 270,6 8-90,-3-3-990,0 8 450,3-8-2878,14 19 2339,-8-11 179,11 12 630,-15-11 0,-1-1 0,0 0 0</inkml:trace>
+  <inkml:trace contextRef="#ctx0" brushRef="#br1" timeOffset="-84237.73">20915 10725 7263,'6'-5'899,"-2"4"-629,-4-7-90,0 7-90,0-7 270,4 7-270,-3-7 0,3 7 0,-4-8 90,0 4-1,-4 0 1,3 1 0,-7 0-180,2 3 180,-7-4-180,3 5 0,-8 0 90,8-4 0,-8 3-180,4-3 180,-5 4-360,4 0 180,2 4 0,4 1 90,-1 1-90,1 2 0,0 5-89,4 7 89,1 0 90,4 1 0,0-6 0,0 3-3277,0 1 3072,0-9 225,0 7-110,0-11 90,4 8 0,1-5 0,0-4-90,3 3 0,6-7-90,-3 3 180,7-4 0,-9-4-449,4-5 3536,-2 3-3986,15-23 629,-14 20 464,10-21-464,-13 11 360,5-5 90,-8 5-180,6 5 719,-11 2-179,7 10-90,-6-7-180,2 9 539,-4 0-449,0 5-270,0 0 0,0 4 90,0 0-90,0 9 0,0-7-180,0 11 270,0-16-450,0 11 270,0-11-90,0 7 180,0 1-270,0-4 90,4 4-630,-3-5 361,3-4 89,-4-1 90,4 0-1619,1-3 1439,0 3-270,4-8 630,-8-1 0,7-4 0,-3-1 0</inkml:trace>
+  <inkml:trace contextRef="#ctx0" brushRef="#br1" timeOffset="-83845.73">21036 10743 7533,'5'-5'0,"-4"1"989,3 4 1,-4-4-631,0 3 1710,0-3-1889,4 4 90,-3 0-450,3 0 180,-4 4 0,0 1-180,0 8 270,0-2-3302,0 2 2582,0-4-753,0 1 1203,0-1 90,0 0-1259,0 5 809,0-8 180,0 2 2571,0-8-2481,0 0 1396,4-4-1486,-3-5 180,7-2-90,-7-2-3007,8 4 3072,-8-5 137,7 4-22,-7-3 270,12-1-90,-11 4 899,10-8-539,-7 8-180,5 1-180,-5 0 3186,-1 8-1845,0-7-969,1 7-102,0-3 180,4 4-181,-8 0 181,7 0-360,-3 0 0,0 0 90,3 0-270,-2 0 180,-1 4 0,3 1-1,-7 9 91,12 8-270,-11-1-809,6 2 539,-8-10 90,4-4 90,-3 5-719,3-4 359,0 4 180,-3-5 90,8 0-1799,-8 1 1979,7-5 0,-3 3 0,4-3 0</inkml:trace>
+  <inkml:trace contextRef="#ctx0" brushRef="#br1" timeOffset="-76735.73">18850 9274 8882,'0'9'1439,"0"-3"-1259,0 2 90,0 1-90,0 1 0,0 4-90,0-1 0,0-2 89,0 6 1,-5-6-180,4 6 90,-3-7-180,0 12 90,-1-6 0,0 2 0,-3-4-270,6-5 181,-2 0-1,4 1-360,-4-1 180,3-4 180,-3-1-90,4-4-180,0 4-89,0-3-181,0 3 540,4-16-180,-3 5 0,7-15-269,2 4 269,0-2 270,8-3-180,-8 9 360,3-4-360,5-9 720,2-3-3817,-1 1 3791,-1 8-354,-9 11 20,-4 1 179,4 4-179,-4 1 0,0 0 0,3 3 3096,-7-4-2719,8 5-78,-4 0-299,0 5-90,-1-4 90,0 7-90,-3 1 0,3 6 0,-4-1-90,5 4 179,-4-4-179,3 5 90,-4-5 0,0 0-90,0-5-90,0 0-179,0 1 89,0-5 90,0-1 90,0-4-540,4 0 270,-3 0-629,11-13 179,-1-6 180,7-14 450,-3 4 270,-2 6-90,-8 10-90,4 8 630,-8-4-360,7 8 0,-7-3-90,3 4 269,-4 0 631,4 12-810,-3-8-1,8 12-269,-8-11 180,3 5-180,0 3-90,-3-3 90,3 4 90,0-5-809,-3 0 359,8 1 180,-4-1 90,4 0-1259,0-4 629,1 4 270,-1-8-719,0 3 1169,1-4 0,3 4 0,1 1 0</inkml:trace>
+  <inkml:trace contextRef="#ctx0" brushRef="#br1" timeOffset="-76281.73">19436 9293 7713,'4'-5'-540,"-3"-8"1439,3 11-359,-4-10-180,0 11 270,0-8-271,0 8 91,0-3-360,0 0 90,0 3 0,0-3 0,-4 4-270,-5 0 180,-1 0-90,-4 0 0,-4 8-90,7-2-90,-6 8-90,7-5 90,5 0 90,-3 1-180,3-1 270,-1 0 0,2 1-270,4 3 91,0-3 179,0 4 0,0-5-360,0-4-90,9-1 360,-3-4-90,7 0 90,-3 0 0,-1 0-90,0-4 90,1 3-89,-5-7 89,3 3-180,1-13 270,2 3-90,2-4 90,-8 6 360,-1 8-181,-4 0-89,0 1 0,0 3 360,0-3 360,0 12-540,0-1-1,0 2-89,5-1 90,-4-3 0,3 5-540,-4-1 270,0-4 0,4 3 90,-3-7-899,3 8 449,0-8 180,-3 3 90,7-4-990,-7 0-808,16 0 1888,-14-4 0,14-2 0,-12-3 0</inkml:trace>
+  <inkml:trace contextRef="#ctx0" brushRef="#br1" timeOffset="-76046.73">19548 9209 7533,'0'-5'1979,"0"1"-1260,4 4-359,-3 0-180,7 0 180,-7 4 269,8 1-449,-4 0 180,0 3 0,3-2-180,-3 3-270,5-4 180,-1 3-90,-4-3 0,3 5-90,-2-5 360,3 3-630,4 2 180,-6-4 90,5 6-989,1-3 809,-5-2 90,8 5-810,-15-11 1,12 7-1080,-3-3 1619,0 1 450,3-2 0,-8-4 0,4 0 0</inkml:trace>
+  <inkml:trace contextRef="#ctx0" brushRef="#br1" timeOffset="-75789.73">19818 9125 7533,'-10'4'1439,"5"-3"-1259,1 4 90,0-5 719,-5 8-269,-2 2-3997,-2 9 3112,4-5 1168,-5 8-823,4-11 0,-4 11-270,1-3 0,-2 9 0,-7 0 0,2 0-270,1-9 180,2-6-719,6-3 3464,-2 3-4004,8-3 503,1 0 576,4-2 360,0-7 0,4 7 0,1-2 0</inkml:trace>
+  <inkml:trace contextRef="#ctx0" brushRef="#br1" timeOffset="-72548.73">20608 8967 7533,'-9'-9'270,"4"4"-270,1 1 359,-1 4-179,0-5-270,0 4 450,-3-3-90,3 4 0,-5 0-270,1 0 270,0 4-270,-1 2-90,5 3 270,-3 0-180,3 0 90,0 1-1,-4 3 1,4-3 180,0 8-180,-3-3 0,7 3 180,-8 9-180,8-2 90,-3 3 0,4-6-90,-4-3 0,3 4 0,-3-4 179,4 25-89,0-20-270,0 23 90,-4-10 90,3-6-180,-3 9 0,4-21 90,0 8-90,-5-7 1,4 2 178,-3 5-178,0 6-91,3-7 0,-7 0 180,7-17 0,-3-4-450,0 3 180,3-7 90,-8 8-629,4-8 539,-4 3 0,-1-8-629,1-2 269,4-3 270,-3 0-90,2-5 1,-3 4 449,0-7 0,-5-2 0,0-5 0</inkml:trace>
+  <inkml:trace contextRef="#ctx0" brushRef="#br1" timeOffset="-72289.73">20292 9218 7533,'0'-9'0,"0"4"0,0 1 1979,0 4-1260,4 0-449,1 0 0,0 0-90,3 0 0,-2 0 0,3 0-180,0 0 269,5 4 1,8-3-270,3 3-270,3-4 180,-5 0 180,-9 0-180,4 0-629,-4-4 449,5 3-1169,8-3 719,-6 4 360,1 0 91,-4 0-451,-4-4 270,1 2 450,3-2 0,-8 4 0,3 0 0</inkml:trace>
+  <inkml:trace contextRef="#ctx0" brushRef="#br1" timeOffset="-71915.73">20813 9144 7533,'-5'0'270,"-3"0"-181,6 0 721,-6 0-360,7 0-90,-7 4-1,7-3 181,-7 7-360,2-3-90,-3 1 90,4 2 0,-3-3-180,7 4 180,-8 1-1,8-1 1,-7 4-90,7-2 90,-7 6 360,3 6-360,-1-2-90,2 6 270,0-5-181,3-2 1,-3-1 0,4-2-180,0-7 90,0 4 90,0-1-630,4 2 270,1-5 91,5 3-901,-1-8 360,4 4 361,-2-4-1081,6-1 91,6-4-90,6 0 1349,4 0 0,-5 0 0,-5 0 0</inkml:trace>
+  <inkml:trace contextRef="#ctx0" brushRef="#br1" timeOffset="-71048.73">21018 9209 7533,'-5'0'539,"-4"0"-359,8 0 2609,-3 0-2519,8 4-91,1 1-589,22 15 0,15 9 1,-6-6-1,-3-7 1,2 4-1,0 1 0,0-1 1</inkml:trace>
+  <inkml:trace contextRef="#ctx0" brushRef="#br1" timeOffset="-70951.73">21204 9181 7533,'-31'41'655,"0"0"0,0 0 1,1-3-1,1-2 0,13-14-423,16-18-2301,0-4 1619,5 0 90,-4 0-359,7 0-181,-3-8 900,0 6 0,3-15 0,-2 7 0</inkml:trace>
+  <inkml:trace contextRef="#ctx0" brushRef="#br1" timeOffset="-70003.73">21372 9200 7533,'-6'0'0,"2"-4"0,4 2 0,-4-2 0,3 4 3276,-3 0-2774,16 4-413,-4-2 91,5 6 0,-5-3 180,-3 4-180,1 1 0,2-1-90,-7 0 180,7 5-180,-7-4 90,8 3-91,-8-3 181,3-1 0,-4 0-90,0 1 90,0-1-180,0 0 90,0 0 0,0 1-180,0-1 0,0 5-3212,-4-4 3391,3 3-448,-8-3 269,4-1-450,-4 4 270,-5 2 0,8-1-270,-6 0 3572,11-5-3211,-8-4-1531,8 8 181,-3-11-270,4 10 900,0-11 809,0 3 0,0-4 0</inkml:trace>
+  <inkml:trace contextRef="#ctx0" brushRef="#br1" timeOffset="-66866.73">19501 9915 7083,'5'-9'540,"0"4"-271,-5-3-89,0 7 360,0-8-180,0 8 0,-5-7 179,0 3-359,0 0 90,-7-4-90,5 8 0,-2-7-180,1 7 180,3-3 90,-5 4-360,-3 0 270,-10 0-360,7 0 180,-6 0-90,8 0-90,4 0 90,-3 0 180,3 0-90,5 0-90,-3 0 0,7 4 90,-7-3-90,7 11 90,-4-9 0,5 9-180,5-7 0,0 4 90,4 1 90,0-1-90,1 0 90,3 1 0,-3-1-90,4-4 90,-1 3 0,-2-2-90,6-1 180,-6-1-90,2 0-90,-4-3 180,1 3-90,-1 0 0,-4-3 90,-1 3-90,0-4 0,-3 5 0,4-4 180,-5 3-90,0 0-90,0-3 270,0 7-270,0-3 90,-5 0-90,0 8 0,-4-11 90,4 10-3367,-3-11 2982,2 8 385,-3-4-270,0 0 0,4-1 90,-4-4 0,8 4-989,-3-3 3841,4 3-3032,0-4-989,4 0 1259,1 0 0,5 0 0,-1 0 0</inkml:trace>
+  <inkml:trace contextRef="#ctx0" brushRef="#br1" timeOffset="-66671.73">19613 10036 7533,'0'5'0,"0"4"629,-4-8-269,3 7 90,-3-7-180,-1 3 0,4 0-1,-7-3-89,7 3 180,-3 1 90,4-4-1709,0 3 809,4-4 270,1 0-1349,9 0 1529,-4 0 0,4-9 0,-5-1 0</inkml:trace>
+  <inkml:trace contextRef="#ctx0" brushRef="#br1" timeOffset="-66420.73">19818 9878 7533,'-5'-5'359,"0"1"-179,5 4 720,0 0-540,-4 0 89,3 0 631,-3 0-900,4 4 0,0-3-1,0 7 1,0-7-360,0 8 270,4-4 0,-3 4 90,3 0-270,1-4 180,-4 8 0,7-11-899,-7 10 269,7-2-899,-3-4 1079,1 6 180,-2-11-719,-4 3 359,4-4 90,-3 5 450,3-4 0,0 3 0,1-4 0</inkml:trace>
+  <inkml:trace contextRef="#ctx0" brushRef="#br1" timeOffset="-65794.73">19874 9785 7533,'-6'0'0,"2"-4"180,4 3-1,0-3 1,-4 4 0,3 0 90,-3 0 180,0 0-270,3 4 0,-3-3-90,4 7 90,-4-7-1,2 8 1,-2-4-180,4 4 270,-4 4-270,3-2 180,-3 6-90,4-6 90,0 2-180,0 1 270,0 0-360,0 5 270,0-1-90,0-3 0,0-2-180,0-4 0,4 5-90,1 0 90,1-3-90,2 1-180,-7-11 180,7 3 0,-7 0 90,7-3-719,-2 4 539,3-5-180,-4 0 90,3 0-989,-2-9 900,-1 7 449,-1-6 0,0 0 0,1-3 0</inkml:trace>
+  <inkml:trace contextRef="#ctx0" brushRef="#br1" timeOffset="-65595.73">19762 9878 7533,'-9'0'359,"-1"-4"-359,5 3 900,-3-3-360,7 4 629,-3 0-539,24 0-990,-10 0 180,20 0 270,-16 0-900,1 0 541,2 0 89,-2 0 0,3 0-630,-3 0 360,2 0 91,-2 0 359,3-4 0,5 3 0,1-3 0</inkml:trace>
+  <inkml:trace contextRef="#ctx0" brushRef="#br1" timeOffset="-64592.73">20088 10046 7533,'-15'0'719,"2"4"-269,8-3-270,0 3 540,5-4-1260,0 0 0,5 0 270,0 0 270,4 0 0,0-4 0,1-1 0</inkml:trace>
+  <inkml:trace contextRef="#ctx0" brushRef="#br1" timeOffset="-59869.73">20692 9925 7533,'0'5'0,"0"-1"270,0 0-1,0-3 721,0 3-990,4-4 360,1-4-270,5-1 269,3-9-359,-3 0 270,8-5-360,-8 5 90,4 1 90,-5-1-180,0 4 180,-3 0 0,-2 2-270,-4 3 270,4-4 0,-3-1-90,3 5-90,-4-3 180,0 3-180,-4 0 90,3 0 0,-7 1 0,2 3-90,-3-3 0,0 4 90,-5 0-180,4 0 1,-4 0 89,5 0 90,0 4-180,0-3 180,-1 8 0,1-8-90,4 7 90,-3-3 0,6 4-90,-6 1 180,7-1-180,-3 0 90,4 1-90,0-1 270,0 0-270,0 1 90,0-5 90,0 3-90,0-7-90,4 7 90,-3-3 0,7 1 0,-2-2 0,3-4-180,-4 0 90,8 0 0,-7 0 90,7-4 0,-4 3-90,1-8 90,-1 4-90,-4 0 90,12-12 90,-10 10-180,7-10 90,-10 7 180,-4 5-180,0-3 0,0 7 180,0-3 90,0 0-270,0 3 809,0-4-449,0 14-90,0-3-180,0 11-90,0-6 90,0 2 0,0-3 0,0 3 90,4 6-90,-3 0-90,3 4 89,-4-4 1,0-1-90,0 1 90,0 8 0,0-7-90,0 11-90,0-11 90,0 7 90,0-8-180,-4 17 180,3-15-90,-3 10 90,0-12-90,2-1 0,-2-3 0,0 3 0,3-8 0,-3 3 90,0-8-270,3 4 180,-3-8 90,0 7-90,3-7-360,-12 3 91,11-4 89,-10 0 0,2-4-90,0-1 0,-3-9 0,-1 0 180,4-5 0,-4 5 0,5-4 1,0 8-1,-1-8 0,1 8 90,0-12 0,0 7 90,3-4 0,2 2 89,4 6-179,0-2-90,0 0 360,0 2-90,0-6-180,0 6 0,4-2 90,2-1-90,3 4-270,8-8 180,-1 8-90,7-3 180,-5-1-719,1 8 269,4-6 180,0 7-719,1-5 449,7 5 540,-10-3 0,10 7 0,-7-3 0</inkml:trace>
+  <inkml:trace contextRef="#ctx0" brushRef="#br1" timeOffset="-59498.73">21139 9804 7533,'0'-5'-450,"-4"0"450,3 1 540,-4 3-181,5-3 1,-4 4-180,3 0 180,-3-4 90,0 3-270,3-3 539,-7 4-539,3 0 0,-1 0 90,-2 4-90,7 1 0,-7 4-270,7 1 180,-12 7 179,11-5-359,-10 9 90,11-10 180,-7 6 0,2 6-180,1-6 0,-3 8 270,7-6-180,-3 1 0,4 2-180,0-7 180,0 2 0,0-6-540,4 6 180,5-2-719,6 3 539,-1-7 90,0 1-1978,16-11 2338,-8-1 0,15-5 0,-15-4 0</inkml:trace>
+  <inkml:trace contextRef="#ctx0" brushRef="#br1" timeOffset="-59199.73">21232 9850 6183,'-5'4'1530,"1"-3"-1171,4 4 91,0-5 450,0 4-541,0 1 1,0 0 0,0 3-180,0-7 90,4 8 90,-3-8-1,7 7-179,-3-3 0,4 0-90,1 3 0,-5-2 90,7-1-180,-1 7 90,-1-10-180,7 15-180,1-11 90,-1 7-629,9-3 359,-16-5 180,-1-1 90,0 0-1079,-4-3 539,4 3 271,-4-4-541,4 0 990,-8 0 0,7 0 0,-3 0 0</inkml:trace>
+  <inkml:trace contextRef="#ctx0" brushRef="#br1" timeOffset="-58957.73">21446 9813 7533,'-9'-4'1889,"-1"3"-1530,5-3-359,1 4 180,0 0 0,3 0 90,-7 0-270,2 4 90,1 1 90,-3 0 539,-1 8-269,-6-3-450,1 4 180,-4 0 0,8-5-270,-4 0 90,5 5 0,-4-4 0,2 8-809,-10-4 809,9 5-3277,-14 4 2352,15-4-302,-3 0 508,10-6 269,4-3 180,0-1-899,0-4 1169,0 3 0,4-7 0,2 3 0</inkml:trace>
+  <inkml:trace contextRef="#ctx0" brushRef="#br1" timeOffset="-58649.73">21530 9776 7533,'0'-5'2518,"0"0"-3417,0 5 719,4 5 1079,-3-4-449,3 7-180,0-7 899,1 11-179,5-5-451,-1 10-179,4-2-360,-2 3 0,-2-3 180,-1-2-90,-7-4 0,8 13-90,-8-5 0,3 5-180,-4-8-90,-4 3-269,3-5 179,-8 5 0,4-3-809,0-4 449,1 4 360,0-5 90,3 0-629,-3 0 269,4-3 630,-4 6 0,-2-10 0,-3 6 0</inkml:trace>
+  <inkml:trace contextRef="#ctx0" brushRef="#br1" timeOffset="-58167.73">21864 9832 13199,'15'0'360,"-2"0"-450,-4 0-449,1-5 269,-1 4-900,13-11 541,-10 10 359,10-6-1619,-9 4 1079,-2 3 361,2-4-541,-4 5 990,-3 0 0,2 5 0,-3 0 0</inkml:trace>
+  <inkml:trace contextRef="#ctx0" brushRef="#br1" timeOffset="-57962.73">21892 9953 7533,'-5'5'449,"-3"3"-269,7-7 0,-4 3 630,1-4-360,3 4-91,-3-3-269,4 3-90,0-4-90,4 0-90,6 0 1,0 0 268,3 0-808,1 0 449,0-4 90,5 3-360,0-7 91,3 7 269,2-7-720,0 7 900,3-8 0,-8 4 0,4-4 0,-4 0 0</inkml:trace>
+  <inkml:trace contextRef="#ctx0" brushRef="#br1" timeOffset="-57613.73">22227 9841 7533,'4'-9'629,"-3"-1"91,3 1 0,-4 4-451,0 1-89,0 4 630,-4 0-540,3 4-90,-7 1-270,3 8 90,0-2-90,1 6 90,4 6 180,0-6-180,0 8 0,0-14 0,0 6-270,4-2 90,1-5 0,4 3 0,0-12 0,1 3 180,-5-4 90,11 0-90,-8-4 180,13-10 90,-6 3-270,-1-11 180,8-1 0,-10 3-180,9-7 90,-10 8-1,2 1 1,-4 3 0,-4-2 180,4-2 0,-4 3-270,0-1 450,-1 3-180,-4 8-90,-4-6 2428,-9 3-2248,-3-2-180,-2 2-270,4 5 90,5 4 0,-5 0-1259,4 0 629,-3 0 270,7 0 180,-2 0-1799,3 0 900,-4 0-1530,3 0 2609,-2 0 0,3 4 0,-4 1 0</inkml:trace>
+  <inkml:trace contextRef="#ctx0" brushRef="#br1" timeOffset="-52534.73">21864 10492 7713,'0'18'1079,"0"-7"-539,0 7 179,0-1-359,0-6-180,0 11 180,0-3 0,0 0-181,0 0 1,0-1-90,0-4 90,-4 5 0,3-1 270,-11 26-270,5-20-270,-2 20 90,1-26-370,3 9 280,-5-6-90,-3 18 270,2-13-359,-6 14 358,7-15-289,0 2-160,-2-8 450,6-5-450,-4 0 0,-2-1 91,10-7 179,-11 7-90,12-12 120,-7 3-30,8-4 0,-4 0 0,0 0 0,3 0-89,-4 0 89,1 0 90,3 0 90,-3-4-90,4 3 179,0-3-179,0-1 0,0 4 90,0-3-90,0 0 180,4 3-90,-3-3-90,3 4 270,1 0-90,-4 0-90,7-4 90,-8 3 359,8-7-269,-2 6-180,3-2 270,0 4-270,-4 0 0,4 0 90,-4 0 90,4-4 0,-4 3-180,4-3 269,-4 4-269,4 0 90,0 0 0,1 0 0,-1 0-90,0 0 90,-4 0 0,4 0-270,-4 4 180,4-3-270,0 3 90,1-4 180,-1 0-180,0 0 90,-3 0-90,2 0-630,-3 0 271,0 0 179,3 0 180,-2 0-1439,3 0 629,0 0-1169,9 0 1170,-7-4 359,7 3 540,-9-3 0,0 0 0,1-1 0</inkml:trace>
+  <inkml:trace contextRef="#ctx0" brushRef="#br1" timeOffset="-51484.73">22199 10892 6633,'-4'-5'450,"3"1"-450,-3 4 540,4 0-1,-4-4-359,3 3 180,-8-4 270,4 1-450,0 3 89,-3-3-89,7 4 0,-7 0-90,2 0 270,-7 0-180,7 0-180,-7 0 0,8 0 0,-8 0-90,2 0 0,-2 4 180,8 1-270,-4 5 90,4-1 90,-4 0 0,0 5-180,3-4 180,-2 4 90,7-1-180,-7-3 0,7 8 0,-3-8 90,4 8 0,0-8 0,0 4 0,0-5-90,0 4 90,8-2 0,-2 2-270,8-8 91,-5-1 89,0-4 90,1 0-180,3 0 0,-3 0 90,4 0 0,-5-4-90,9-5 90,-7-1 0,7-4 90,-5-8-90,-3 6 0,0-7 0,-2 10 450,-7-1-270,3 4 90,-4-3 180,0 3-180,0 1 89,0 4-89,0 1 540,0 4-450,-4 0-90,3 0-270,-7 4 270,7-3-90,-8 7 0,8-3-180,-3 5 0,4-1 0,0 0 180,0 0-630,0-3 270,0 2 90,0-3-629,0 4 359,4-3 180,-3 2 90,8-3-449,-4 0 179,4-1 180,0 0-90,1-3-269,-1 4 629,-4-5 0,4 4 0,-4 1 0</inkml:trace>
+  <inkml:trace contextRef="#ctx0" brushRef="#br1" timeOffset="-50777.73">22339 11013 7533,'5'-15'90,"-1"2"-90,-4 4 0,0-1 629,0 1-179,0 0-180,0 0 270,0-1-181,0 1 1,0 0-180,0-1 0,0 1 0,0 0 0,0-1-180,-4 1 0,3 4 0,-3 1-720,0 0 720,-1 3-90,-5-4-360,5 5 181,-3 5 89,7-4-90,-8 7 0,8 1 90,-7 2 180,7 2-180,-3-4 90,4 5 0,0-4 180,0 4 0,0-5-180,0 4 270,0 2-180,0-1 0,0 0 90,4-9-180,-3 3 180,7-7-90,-2 7 0,-1-7 0,7 4 0,-10-5 0,11-5 0,-8 4 0,4-7 0,-4 3 0,4-4 0,-4-1 0,0 1 0,3 0 0,-7-1 180,8-3 90,-4-10-90,0 3 0,-1-3-180,0 9 270,-3 5-1,3 0-269,-4 0 90,0 3 180,0-2-180,0 7 0,0-3 0,-4 4 0,3 0-90,-3 0-90,0 0 0,3 4 0,-3 1-90,4 5 180,-4 7 0,3-1 0,-4 2 0,5 0 0,0 0 90,0 2-90,0 3 0,0-1 90,0-2-90,0 3 0,0 0 0,0-4 0,0 8 0,-4-7 90,3 7-180,-3-8 90,4 8-281,0-3 281,-4 4 180,-1 8-180,0-6 0,0 2 90,1-9-90,-1 4 90,-4-3-1,0 0-89,-1-6 90,5-13 0,-7 3 0,10-3-90,-11 1 372,8-2-372,-4-4-90,-1 0 90,1-4 90,0-2-540,-13-19 270,10 3-1899,-10-10 1900,13 5-2704,3 3 2703,-2 0-803,7-3 623,-3 8-175,4-8-5,4 7 181,1-2 89,5 7 878,-1-2-968,0 6-89,0-6 269,5 6 0,-4-2 890,4-1-710,-5 4 89,0-3 1,5-1 0,0 0 0</inkml:trace>
+  <inkml:trace contextRef="#ctx0" brushRef="#br1" timeOffset="-49619.73">22627 10641 7533,'-5'0'899,"1"0"-629,4 0-90,-4 0 90,3 0-90,-3 4-90,4-3 90,0 7-91,-4-3 91,3 5 0,-4-1-270,5 0 360,-4 5-180,3-4-90,-3 4 180,4-5-90,0 4-180,-4-2 270,3 2-90,-3 1 0,0-4-180,3 7 180,-3-2 0,4 3-360,0 1 180,0 0-90,0-1 270,0 1-900,0 0 361,0-1 179,0-3-899,0 2 449,4-6 270,1 6 450,4-7 0,1 4 0,-1-5 0</inkml:trace>
+  <inkml:trace contextRef="#ctx0" brushRef="#br1" timeOffset="-48577.73">22711 10697 8522,'15'14'1259,"2"0"-1259,-2-1 90,-1-3-180,4 8 360,-4 1-180,5-4 0,-5 7 90,0-12-90,-5 8-90,0-8 90,1 8 0,3-8 0,-7 3-180,7 1 0,-8-4 180,8 8-540,-6-8 270,5 3-719,-7 1 449,0-4 180,4 0 90,-8-2-449,7-7 179,-7 3 180,3-4-450,0 0 720,-3 0 0,8 0 0,-4 0 0</inkml:trace>
+  <inkml:trace contextRef="#ctx0" brushRef="#br1" timeOffset="-48353.73">22953 10762 7533,'-9'-4'719,"0"3"-359,3-4-180,2 1 180,0 3-90,3-3-90,-7 4-91,3 0 1,-5 4 0,1 2 90,4 3 90,-3-4-180,2 7 0,-7-5 90,-1 14-90,-1-9 0,2 9-270,-1-2 90,4-4-450,-4 3 180,1 0 181,7-11-631,-7 9 360,12-10 90,-3-1-719,4 3 449,0-7 630,0 7 0,0-7 0,0 3 0</inkml:trace>
+  <inkml:trace contextRef="#ctx0" brushRef="#br1" timeOffset="-48015.73">23018 10669 7533,'0'-16'1889,"5"0"-1620,-4 15-179,11-3-180,-6 4 1,8 0-1,-9 0 0,3 0 90,-7 4 0,7-3-90,-7 7 1169,8-3-629,-8 4-180,3 1-90,0 3 539,-3-2-359,3 2 180,0 5-181,-3-3-179,3 4 90,-4-2-180,0-6 90,0 6 90,0-7-90,0 8-180,0-8 180,0 8 0,0-4-450,0 1 180,-4 2 90,3-2-90,-7 4-540,7-5 180,-7 12-809,7-14 540,-3 10 269,4-9-1079,-5 2 719,4-1 360,-3-4-359,4-2 179,0-3 270,0 0 1,0-1 359,0-4 0,-4 4 0,-1 2 0</inkml:trace>
+  <inkml:trace contextRef="#ctx0" brushRef="#br1" timeOffset="-47697.73">23269 10818 7533,'0'-6'1619,"0"-2"-1349,0 7 89,4-3-179,-3 0 0,7 3-90,-2-3-360,3 4 90,-4 0 180,3 0 360,-2 0 90,3 0-360,0 4-90,0-3 90,-3 3-90,2 0 180,-7-3-180,7 3-1889,1 0 1439,-2 2 270,1-1 180,-4-1 0,-3 0 0,3 1 0</inkml:trace>
+  <inkml:trace contextRef="#ctx0" brushRef="#br1" timeOffset="-47515.73">23306 10957 7533,'-10'-4'3276,"6"3"-2774,9-3-862,4 4 180,1 0-90,-1 0 270,0-4-270,0 3 180,1-8 0,3 8-539,-2-7 359,6 7-90,-7-7 180,8 3 180,-8-1 0,8-6 0,-4 2 0</inkml:trace>
+  <inkml:trace contextRef="#ctx0" brushRef="#br1" timeOffset="-45212.73">23781 10399 7083,'0'-5'90,"0"-3"90,0 7 0,0-4 179,-4 1 91,-1-1 90,-5 0-90,5-3-270,-3 7-90,3-4 179,0 5-89,-4 0 0,8-4-360,-7 3 180,7-3-90,-7 4-90,7 0 90,-8 4 90,8 1 90,-7 5-180,7-1 1,-7 0 178,7 1-178,-8 11 89,4 4 269,-4 4-269,4-2 0,-4-4 90,8-4 90,-3 8 0,0-7-90,3 7-90,-3-8 90,4 8-90,0-7 0,4 19 180,1 0-1581,5 5 1311,-1 0-90,-4-15 270,3 7-270,-2-7 90,-1 8 90,3-8-180,-7 15 180,3-17-838,-4 12 838,0-15 0,0 0-7,0-2 7,0-3 1362,0 0-1362,-4 3 0,-1 2 0,0-4 0,-4-3-180,8-7 180,-7-5 876,7-1-876,-7-4-711,7 0 261,-8 0-719,4 0 539,0-4 180,-3-1 450,3-9 0,-5 0 0,1-5 0</inkml:trace>
+  <inkml:trace contextRef="#ctx0" brushRef="#br1" timeOffset="-44898.73">23437 10706 7533,'4'-9'-1080,"-3"-1"1440,7 1 90,-3 4-360,4 1 539,-3 0-269,2 3 0,-7-4 360,11 1-540,-5 3 179,2-3-89,-1 4 90,-3 0 90,5 0-91,-1 0-179,0 0 0,1 0-180,-1 0 180,4 0 0,-2 0-360,2 0 180,5 0-629,-7 4 359,7-3 270,-9 3-90,4-4-360,-2 0 180,2 0 90,-4 0-719,1 5-1,3-4 630,-2 3-629,2-4-1,0 4 900,-6-3 0,5 3 0,-7-4 0</inkml:trace>
+  <inkml:trace contextRef="#ctx0" brushRef="#br1" timeOffset="-44534.73">23855 10678 7533,'0'-5'-900,"0"1"3419,0 4-2429,0 8 0,0-6 180,0 11-1,-4-4-89,3-3 90,-3 6-90,0-6-90,3 3 90,-7 0 0,7 1-90,-4-1 0,1 0-90,3 5 180,-3-4-360,4 7 180,0-6 0,0 2 0,0 1 0,0-4-90,0 3 180,0 1-360,4 0 90,1 5 0,5-5-989,3 8-990,6-10 1349,-4 1 451,3-9 359,-13-4 0,3-4 0,-2-1 0</inkml:trace>
+  <inkml:trace contextRef="#ctx0" brushRef="#br1" timeOffset="-44298.73">23930 10780 7533,'-5'-4'0,"1"3"0,-1-3-90,4 4 1169,-3 0-809,4 4 360,0 1-361,4 5 1,2-1 0,-1-4-180,3 3 90,-3-2 0,5 3-180,-1-4 90,0 3 90,0-2-540,1 3 270,3 0 180,-2-4-900,-2 4 181,3-4-631,-1 0 631,3-1 629,0-4 0,-5 4 0,0 1 0</inkml:trace>
+  <inkml:trace contextRef="#ctx0" brushRef="#br1" timeOffset="-44031.73">24070 10743 7533,'-11'4'449,"3"-3"-269,8 3-989,0 1 89,0-4 360,-4 7 1530,3-7-541,-3 7-359,-1-7 270,4 8-180,-7-4-90,7 0-180,-7 7-90,3-6 89,-5 8-89,1-5 90,0 1 90,-1-1 90,1 0-540,4 0 180,-3 1 90,3-1-90,-1 0-449,-2-3 179,7 2 180,-7-3-630,7 0 451,-3 3-1,-1-7 90,4 8 270,-3-8 0,4 3 0,0-4 0,0 0 0</inkml:trace>
+  <inkml:trace contextRef="#ctx0" brushRef="#br1" timeOffset="-43651.73">24172 10632 7533,'0'-6'180,"0"2"269,0 4-269,-4 4 180,3-3-180,-3 8 0,4-8 90,0 7 449,0-3-449,0 4 0,0-3 0,0 2-90,0-3 0,0 0-90,4 4 89,-3-4 181,7 12-90,-7-5-90,3 5-180,-4-3 90,0-4 90,0 3-90,0 1-90,0-4-90,0 8 270,0-8-270,0 8 270,0-4-90,0 1-90,0 6-90,-4-1-3187,-1 4 2802,0-6-894,-4-4 1279,8-5-359,-7 0 179,7 1 90,-3-1 90,0 0 1634,3-4-2264,-3 4 2048,4-8-1778,-4 7-629,3-7 449,-4 7 630,5-7 0,-4 8 0,-1-4 0</inkml:trace>
+  <inkml:trace contextRef="#ctx0" brushRef="#br1" timeOffset="-42527.73">24302 10845 9691,'5'0'180,"4"0"0,-4-4-270,0 3 180,3-3 90,-3 4-90,1 0-180,2 0 0,-7 0 180,7-4-180,-7 3 0,8-3 0,-8 4 90,7 0-359,-7 0 179,3 0 180,0 0-540,-3 0 90,3 0-539,0 0 449,-2-4 180,2 3 360,0-3 0,-3-1 0,3 0 0</inkml:trace>
+  <inkml:trace contextRef="#ctx0" brushRef="#br1" timeOffset="-42003.73">24544 10697 5824,'5'0'270,"0"4"-181,-5-3 91,0 3 90,0 0-90,0-3 0,0 7-180,0-7 360,0 8-90,0-8 269,0 7-179,0-3-180,0 5 0,-5-1 90,4-4-180,-3 7 90,0-10 0,-1 19-1,0-14-89,-3 11-90,7-5 90,-8-2 0,4 6 90,0-2-270,-3-1 180,2 4 0,-7 5 0,3-3-90,0 3 0,-2-1-180,6-7 270,-4 4-450,2-6 180,7-4 1,-7 1 179,7-1-540,-7-4 270,6 3 90,-2-6-90,4 2-337,0-4 0,4-13 0,2-2 0</inkml:trace>
+  <inkml:trace contextRef="#ctx0" brushRef="#br1" timeOffset="-41308.73">24535 10529 7713,'-5'0'0,"1"0"719,4 0-629,8 0 270,-6 4 0,6 2-180,-8-1 89,4 3 1,-3-3-90,4 4-90,-1 1 90,-3-1 0,3 0-270,-4 1 0,4-1 270,-3 4-180,7-6-90,-7 5 180,4-7-180,-1 17 270,-3-6-90,3 7-90,-4-5 180,4-4-90,-3 9-180,3 1 180,-4-5-90,0 3-180,0-8 270,0 1-270,0-2-360,0 1 360,4-4-449,-3 4-91,8-5 450,-8 0-629,7-4-91,-3 4 451,4-8 539,-3 3 0,2-4 0,-3 0 0</inkml:trace>
+  <inkml:trace contextRef="#ctx0" brushRef="#br1" timeOffset="-38939.73">24767 10678 7803,'5'0'539,"3"0"-449,-2-4 0,-1 3 0,3-3 0,-7 0 0,7-2 0,-3 1 90,1-3-180,2 7 180,-3-11-270,0 10 0,-1-11 180,0 8 0,-2 0-180,2-3-90,-4 2 90,0-3 90,0 0 0,0-1 0,-4 5 0,2-3 0,-6 3 0,3 0 0,0-4-90,-12 4 540,6-4-360,-12 4-180,9 1 180,0 4-360,9 0 0,-3 4 270,7 1-180,-3 0 180,0 7 0,3 3-90,-8 9 270,8-5-180,-3-1-90,4 0 270,0-7-180,0 6 0,0-7 0,0-1 90,0 0-90,0 1 90,0-5 0,4 3 0,5-7 0,-2 3-90,5-4-90,-7 0-180,0 0 90,4-4 0,-4 3 90,8-11 90,-2 6-90,2-12 90,-4 12 180,-3-7-180,-2 8 0,0-4 180,-3 4 0,3-4-90,-4 8-90,0-3 90,0 0-180,0 3 90,0-3 0,-4 4 0,3 0 90,-3 0-90,4 4 180,0 5-180,0 2 0,0 2 270,0-4-270,0 1 0,0-1 269,-4 0-179,3 9 0,-4-3 180,5 8-180,0 0 90,0 5-90,0 9-180,0-3-183,0-2 363,0-5-90,0-7 0,0 7 0,0-8 0,-4 16 0,3-13 90,-3 13-270,0-7 180,3-3 90,-3 2-90,0 0 0,-1-7 363,-1 7-93,-2 0-270,3-2 90,-4-1-90,3-7 0,2-8 0,0 1 90,-1-1-90,0 0 0,-3-3 0,2-2 90,1-4-90,-7 0 90,10 0-90,-11 0 0,8-4 89,-4-10-268,0 3-91,0-11 360,4 12-450,-3-8 180,7 4-90,-4-5 270,5 1-629,0-1 269,0 4 90,0-2-360,5-2 270,0 0 181,4-4 89,0 8-90,0-2-270,8-6 360,3-2 0,0 1-344,1 3 254,-6 10 0,-1-2 90,4 4 90,-8-1 0,8 1 0,-4 0 0</inkml:trace>
+  <inkml:trace contextRef="#ctx0" brushRef="#br1" timeOffset="-38085.73">25055 10613 7533,'-5'0'180,"1"0"89,4 0-89,0 4 90,-4 1-180,3 0 90,-3 4-90,0-4 0,3 4 0,-3-4 0,4 4 0,-5-4-90,4 4 270,-3 0-1,4 1-179,-4-1 0,3 0 0,-3 1 90,4-1 0,0 0-270,-4 1 180,3-1 180,-3 8-360,4-5 0,0 5 180,0-7-180,0 3 0,0-3 90,0 4 90,0-5-180,0 0 90,0 5 0,0-8-180,4 6 90,-3-6 90,7 3 0,-7 0-449,7 1 179,-2-5 180,-1-1-450,7 0 360,-10-3-90,11 3-539,-8-4 359,0 0 90,3 0 360,-7 0 0,8-4 0,-4-1 0</inkml:trace>
+  <inkml:trace contextRef="#ctx0" brushRef="#br1" timeOffset="-37736.73">25102 10715 9152,'5'5'719,"-1"0"-269,-4-1-270,4-3 0,-3 7 0,4-3 0,-1 0 90,-3 4-360,3-8 90,0 3 179,-3 0-358,3-3 179,0 3 0,-3 0 90,4-3-270,-1 8 360,-3-4-630,3 0 180,0 3 0,1-7 270,4 3 0,-3-4 0,2 4 0,-3 2 0</inkml:trace>
+  <inkml:trace contextRef="#ctx0" brushRef="#br1" timeOffset="-37411.73">25204 10669 7533,'-5'0'539,"1"0"-988,4 0 359,-4 0-90,3 0 90,-3 4 180,0 1 809,-2 0-179,1 4-450,1-4 0,0 0-180,3 3 179,-3-3-179,0 0 90,3 4 180,-8-4-360,8 4 90,-3 1 90,0-1-180,-1 13 180,0-10-450,1 10 180,-1-13 90,4 0-270,-3-4 0,0 8 270,3-7-180,-3 3 0,4 0 91,0-8-721,0 7 450,0-7-68,0 3 1,4-12 0,1-3 0</inkml:trace>
+  <inkml:trace contextRef="#ctx0" brushRef="#br1" timeOffset="-36536.73">25186 10557 7533,'0'-5'-1350,"0"-3"1350,0 7 0,0-8-269,0 8 449,0-3-91,0 0 91,0 3 810,0-3-900,4 12 0,-3-6 180,3 7-1,-4-9-179,0 4 0,0-3 180,4 3-90,-3 0-90,3-3 0,-4 3 90,5 0-90,-4-3 90,3 8-180,0-8 90,-3 7 90,3-7-91,-4 7 1,4-3 0,-3 1 90,3 2-90,0-7 90,-2 7-90,6 1 0,-7-2 0,3 5-90,-4-3 0,0 2 90,4 2-180,-3 1 180,3-8-90,-4 6 0,0-7 180,4 13-180,-3-7 90,4 7-90,-5-9 0,0-4 90,0 8-180,0-7 180,0 7 0,-5-3 0,4-1-90,-7 0 90,7 1-90,-7-1 89,7 0-89,-3 0 90,-5 5-90,7-4 90,-10 8-90,7-4 90,0 5-449,-4-5 269,8-4-90,-3-2 180,0-3-450,3 4 180,-3-3 90,4 2-449,0-7-91,0 7 450,0-7-270,0 3 0,4-4 1,1 0-1</inkml:trace>
+  <inkml:trace contextRef="#ctx0" brushRef="#br1" timeOffset="-30952.73">1191 18362 7533,'-16'5'-630,"4"3"630,12-7 0,0 7 0,0-2 0</inkml:trace>
+  <inkml:trace contextRef="#ctx0" brushRef="#br0" timeOffset="-22186.73">2782 11720 7533,'5'5'-90,"7"3"899,-6-2-269,8 3 270,-1 8 179,10 15-809,-6-5-395,0 8 485,-8-12-173,-8-3-7,3 3 90,-4-1-3294,0 2 3024,0 4-280,-9 16 101,3-7 269,-11 12 0,6-16 5,-2-1-95,-1-4-90,4 0 180,-3 0-90,3-4 90,-3 7 0,-2-11 2977,5 7-3157,-6-8 619,5 0-529,-7-5-90,3-5 90,2-5 90,3 1-90,5-4 0,-3 3 90,3-4-89,0 0 178,0 0-268,5 0 89,0-4 270,5 3-270,0-8 449,8 8 181,2-7-270,3 7-90,-3-3-90,2 4 270,-6-4 89,15 3-269,-10-3 90,11 4-90,-8-5 180,7 4 0,3 1-360,8 0 0,-6 2 0,0 2 0,1 5-3277,-8-4 3162,-6-1 25,0 0 90,-12-3-540,6 8 90,-6-8-629,7 7 899,-7-7 0,7 3 2043,-12-4-2673,7 0 271,-3 0 539,0 0 0,4-4 0,-4-1 0</inkml:trace>
+  <inkml:trace contextRef="#ctx0" brushRef="#br0" timeOffset="-20510.73">3368 12232 7533,'0'-6'0,"0"2"90,0 0 90,0 3 179,0-7 1,-4-2-90,3 4-90,-3-6 0,0 7-180,-1 0 0,-5-4 270,5 8-90,-3-7-360,3 7 180,-25-3 0,11 4-90,-16 0 90,12 8 0,8-2 90,-3 8-3367,9-5 3252,-1 4 25,1 2 179,0 4 1,4-5-90,0 4 90,5-8-90,0 12 0,5-11-180,-4 7-90,11-9 270,-6 0-90,8-4-270,-1-1 1,10-4 89,-2 0 90,6 0 3122,-1-8-3212,-5 2 0,2-12-90,-1 4 0,-11-1 180,7-2-89,-9 7 268,-4-4 1,3 5-180,-7 0 90,3-1 180,-4 5-270,0-3 270,0 7 180,-4-3-90,-5 8-270,3-3 450,-7 7-270,12-3 0,-7 9-1,7-4 181,-7 3 180,7 5-450,-3-7-270,4 7 180,0-9-720,12 9 181,-1-11 89,8 5 180,-6-12 90,1 0-539,-4 0-91,12 0 450,-11-4-179,7-1 539,-9-4 0,1 4 0,-1-4 0,0 4 0,0-4 0,1 0 0,-1-1 0,5-3 179,0-2-89,0 1 360,0 5 0,-5-4 719,5 3-179,-4-9-720,3 5 359,-7 0-179,2 5-90,-7 4-1,3-7-89,-4 5-270,0-6 180,0 4 0,-4 3-180,3-2 0,-7 7 270,2-7-360,-7 3 0,3 0 90,-4-4-360,-3 8 180,1-3 90,-2 4-269,-4 0 269,10 0-90,-5 4 0,8 1 90,-1 5 0,5-1 0,-3 0-90,7 13 180,-3-10-90,8 18 0,-3-18 0,11 5 90,-6-7-90,8-5-90,-1 3 270,2-7-180,8 3 90,-4-8 0,0 3-89,-6-7 89,-3 3 0,-1-5-90,4-7 90,-6 1 90,5-2-180,-11 0 90,3 8 90,0-8-1,-3 8 1,-1-4-90,-5 9 180,-4 1 0,-1 4-180,5 0 270,-3 4 0,3-3-270,0 8 270,0 4-90,5 7 89,0 12-179,0-8-90,0 3 90,0-8 90,5 8-180,-4-7 180,7 20-180,-3 2-425,0-14 1,-1 1 514,2 20-90,-2-1 90,-4-19 0,0 0-90,-4 10-740,4-9 1,-1-3 828,-8-3 1,4 11-90,-4-9 90,4 6-90,-4-14 90,4-4-270,0-9 90,-3 3 90,3-7 944,-1 4-1214,-2-5 1745,-1 0-1655,-1-5-90,-8 0 270,8-4-359,-8-5 89,4 0 0,-1-5 180,-3 1 0,8-1 0,-3 1-90,7 3 90,2-2 180,4 2 90,0-4-270,0 1 90,13-5 0,-6 4 90,15-4-90,-4 0 90,2 3-270,3 2 180,-5 4 0,1 5 0,4 0-630,-4 4 271,4-4 89,0 8 90,-3-3-900,6 4 451,-6-4 629,2 3 0,-3-3 0,-1 4 0</inkml:trace>
+  <inkml:trace contextRef="#ctx0" brushRef="#br0" timeOffset="-19599.73">4140 11711 7533,'-9'4'-360,"-1"1"900,1 4-181,0 1 1,-1 3 0,1-3 90,0 8-270,0-8 89,-1 8 181,1 9 90,-5 7-180,4 16-305,5-22 0,1 0 125,0 21 0,4 0-45,0-22 0,0 0 89,-1 6 1,2 0-180,0-4 0,2-2 45,-1 1 0,1-3-270,2 2 180,8 1-179,-3 5 89,9-4-1979,12 6 1709,-10-23 180,10 5-1529,-12-13 1709,0-3 0,-1-1 0,1-5 0</inkml:trace>
+  <inkml:trace contextRef="#ctx0" brushRef="#br0" timeOffset="-13172.75">4438 11887 7533,'-15'4'989,"2"2"-809,4 3 180,-1 9-180,5-7 0,-3 6 0,3-3-91,0 0 91,-4 5 0,8 0 0,-7 16 0,3 4-90,0 0 90,0 1-90,5-17-90,0 1 270,0 11-180,5-9-270,-4 6 450,11-9-450,-10-13 180,11 3 0,-8-12 0,12 3 0,-5-4-90,9 0 0,2-9 90,-2 3-90,2-11 90,3-2 0,-10-9-445,11 3 445,-13-1 0,0-1 0,-5 2 0,0-3-90,-3-7 90,-2 5 0,-4-3 0,0 6 0,0 12-180,-4 2 90,-6-5 90,-4 7-180,-5-7-90,1 13 270,3-3-89,-7 7-91,7-3 445,-12 4-355,7 0 270,2 0-270,0 0 0,8 4 180,-4 1-180,5 4 180,0 5 89,-5 0-268,8 1 358,-2-2 1,8 1-270,0-4 90,0 3 90,0-3-90,0-1 180,8 5 90,7 0-91,0 0-89,7 0 0,-8-9-180,5 3 270,8-7-3547,-6 4 3072,5-5-529,-7 0 734,-5 0 90,4 0-1079,-3 0 269,3 0-90,-3 0-359,-2 0 90,1 0 1079,-8 0 0,6-5 0,-7 0 0</inkml:trace>
+  <inkml:trace contextRef="#ctx0" brushRef="#br0" timeOffset="-12835.75">4680 11776 7533,'14'0'2158,"0"0"-1348,-5 0 0,1 0-91,-1 8 1,0-2-360,0 12-1,1-8 1,-1 4 0,0-1-180,1-3 0,-1 8-180,0-8 270,1 8-91,-1-8-269,0 8 90,-4-4 180,4 1-90,-8 10-180,3-12 90,-4 17 0,0-11-90,0 9 90,-4-4-989,-1 7 629,-5-2-809,1-4 539,4 1 270,-4-12-2608,4 13 2608,-4-6 360,4 1 0,-3-8 0,2-5 0</inkml:trace>
+  <inkml:trace contextRef="#ctx0" brushRef="#br0" timeOffset="-12446.75">5136 11980 9781,'9'0'990,"1"0"-630,-1 0-180,0 0-1,1 0-89,-1 5 360,4-4-360,2 3 90,-1-4-630,-1 0 270,0 4 180,-6-3-1259,9 7 360,-5-3-810,3 5 1709,-5-1 0,-5 4 0,-4 2 0</inkml:trace>
+  <inkml:trace contextRef="#ctx0" brushRef="#br0" timeOffset="-12246.75">5173 12213 8432,'0'5'3148,"0"-1"-2878,0 0 450,4-3-1,6 4-898,0-5 179,4 0 0,-1 0-270,1 0-990,13-9-898,2 3 2158,12-7 0,-11 3 0,1 1 0</inkml:trace>
+  <inkml:trace contextRef="#ctx0" brushRef="#br0" timeOffset="-9181.75">6150 11701 7533,'0'23'449,"0"1"181,0 4-90,0 4-1,0 1-179,0-4-180,-4-2 180,-1 0-180,-9 1 90,0 10-270,-1-5 270,2-1-270,-1 4 0,4-10-90,-3 9 269,3-15-358,1 2-1,-4 1-180,-2 9 360,1-6 0,4 1-90,2-18 180,7-1-180,-3-7 90,4 8 0,0-8 540,0 3-271,8-4 1,-2 0-90,12 0 0,-4 0 90,1 0 270,7 0-1,-3 0-269,5 0-180,-1 0 90,-9 0-90,4 0 90,-4 0-180,1 0 180,7 0-90,-11 0-180,11 0 0,-8 0 270,1 0-360,-2 4 180,-8-3-90,3 3-630,-2-4 361,3 0-91,0 0-720,1 4 541,-5-3-1260,7 3 1079,-6-4 810,8-4 0,-1-1 0,2-4 0</inkml:trace>
+  <inkml:trace contextRef="#ctx0" brushRef="#br0" timeOffset="-8735.75">6681 11776 7263,'-5'-5'1529,"0"0"-899,0 5-1,-3 0-89,7 9-180,-7 1-180,7 13 0,-4-4 89,5 4-269,-4-4 90,3-1 90,-3 1 0,4 0-90,0-1 90,0 5 0,-4-3-90,3 2 0,-3 9 90,4-5-270,0 6 90,0-1 90,0-10-270,0 6 90,0-5-360,0-6 270,0 2 180,0-9-1169,4 0 179,-3 0-89,7 1 180,2-5 899,0-1 0,3-4 0,-3 0 0</inkml:trace>
+  <inkml:trace contextRef="#ctx0" brushRef="#br0" timeOffset="-8111.73">6894 11952 7533,'-10'0'1889,"1"0"-2159,9 0 270,-4 0 180,-1 0-180,-4 5-90,3 0 1079,-2 4-179,3 5-1,-4 4-449,-1 6-360,5 0 0,1-2 180,4-3-270,0 0 90,0-1 180,0 1-90,0 4 0,8 0-3367,-1-3 2982,6-2 25,0-5 90,2-7 0,-1 7 90,8-12 90,-2 3-90,8-8 90,0-10 0,-9 3 3276,3-7-3340,-8-3 64,5-4 0,0-12-3212,-5-9 3482,-4 15 90,-2-8-360,-7 23 180,3-5-90,-8 2 0,3 3-180,-7-1 0,-6-1 0,-6-1 3366,-7-1-3430,-1-2 64,4 16 0,1-6 90,9 11-270,-4-4 270,8 10-90,-4 0 90,5 4-180,0 0 180,3 1-89,-2-1 89,3 4-180,0 6 90,-3 1 0,6 7-90,-2-8 180,8 0-90,-2-2 180,10-6-180,-6 2 270,8-4 359,-9 1-269,3-5 180,1 3-180,2-7-270,2 3 90,-4-4-90,5 0 90,-4 0 0,8-4-720,-4-1-1439,21-12 1350,-16 5 179,11-5 540,-16 7 0,-4 1 0,3 0 0</inkml:trace>
+  <inkml:trace contextRef="#ctx0" brushRef="#br0" timeOffset="-7718.73">7192 11804 7533,'0'-14'180,"0"8"449,0-6 91,0 6-1,0 1-269,4-3-270,1 7 360,4-3 179,5 8-179,-4-3-180,4 7 90,-1 2 809,10 12-989,-7-5-90,6 5 359,-8-9-269,-4-3 0,3 4 180,-3-1-270,-1 2 0,0-1 89,1 8 91,-5-3-450,-1 14 90,-4-13-180,0 6 90,-4-3-449,-1 10 179,-9 5 270,4-5-450,-4-6 1,1 0-1620,-2-2 540,-3 3 1619,3-2 0,-2-10 0,2 2 0</inkml:trace>
+  <inkml:trace contextRef="#ctx0" brushRef="#br0" timeOffset="-6643.73">7843 12027 7533,'-10'0'449,"2"0"91,8 4 270,0-3-91,4 3 361,1 0-721,9-3-89,-4 3 360,12-4-450,-11 0 180,11 0 269,-4 0-449,-2 0 180,1 0 0,5 0-180,-9 0-270,12 0 180,-14 0-90,6 0-990,2 0 900,-4 0-719,3 0 269,0 0-1439,1 0 990,1 0 269,-2 0 720,-1-4 0,-6-1 0,6-4 0</inkml:trace>
+  <inkml:trace contextRef="#ctx0" brushRef="#br0" timeOffset="-3714.73">8811 11925 7533,'0'5'-270,"0"7"450,0-6 90,0 8 179,-4-1 1,-2 2-180,1 3-90,-3-3 180,3 11-91,-9-6-89,8 12-270,-6-8 270,7-1 0,-5-5-3457,-3 1 3252,2 0 205,-10 7-90,1 3-270,-4-4 270,6 1-2538,0-16 2448,4 8-598,-5-8 688,0 4-270,1-9 90,-1 3-539,-4-3 359,8 1 0,-7-2 1388,8-4-1478,3-4 0,3-2 90,4-3 270,3 0 0,-3-5 0,4 0 0</inkml:trace>
+  <inkml:trace contextRef="#ctx0" brushRef="#br0" timeOffset="-3234.73">8643 11701 7533,'0'-9'-630,"0"4"1080,0-3 0,0 7-91,0-4-269,0 1 360,4 3-270,2-3 0,-1 4 0,3 4 180,-3-3 89,4 8-269,1-4 180,-1 4 0,0 4-180,1-2 179,-1 2 1,4 5-180,-2-7-180,2 7 270,-4-5-90,1-3 0,-1 8-180,0-8 0,1 4 180,-1-1 269,9 22-539,-7-11 1,2 15 268,-8-8-269,-5 4 180,-9 15-463,3 2 328,-1-26 0,1 0-1075,1 12 1210,-4-7-90,8-4 90,-3-3-180,4 0 180,0-6-180,0-5 90,8 2 90,-1-1-360,6-4 417,-4-2-147,1-7 1257,-1 3-1617,4-4 90,-2 0 90,6 4 90,-2-3-899,3 3 449,-3-4 180,2 0-359,-6 0 179,6-4-809,2 3 1349,1-7 0,2 3 0,-3-5 0</inkml:trace>
+  <inkml:trace contextRef="#ctx0" brushRef="#br0" timeOffset="-629.73">9481 11450 7533,'-14'14'270,"0"0"179,1 5-269,2-1 90,-2 1 180,-1 8-270,4-7 0,1 11 269,-4 6-269,11-2 0,-10 10 180,7 5-180,-5-14 90,5 8-90,-3 1-3393,7-13 3213,-3 12-181,4-16 361,0 0-90,0 17-90,0-1 180,0 4-360,0-12 90,4-9 90,-3-8-180,3 4 90,0-4 0,-3-1 0,8-3-90,-8 2 180,7-2-270,-3-1 90,0 0 1,3-5-91,-2 4 90,-1-2 0,3-2 3303,-7-1-3843,7-7 541,-2 8-630,-1-8 269,3 3 180,-3-4-269,0 0 629,4 0 0,-4-9 0,4-1 0</inkml:trace>
+  <inkml:trace contextRef="#ctx0" brushRef="#br0" timeOffset="-116.73">9787 11794 7533,'-5'-5'0,"1"-3"0,4 7 0,0-3 0,4 4 0,10 0 0,5 0 0,9 4 0,-4-3 2428,-1 3-629,0-4-1439,4 0-270,-2 0 0,6 0 90,-11 0-720,3 0 360,0 0 0,-4 0-3097,4 4 2173,-5-3 384,9 3-449,-10-4 449,5 4 271,-13-3-361,0 8 181,-4-8 629,0 7 0,-5-3 0,0 4 0</inkml:trace>
+  <inkml:trace contextRef="#ctx0" brushRef="#br0" timeOffset="433.27">9862 11822 7533,'-27'9'629,"15"-3"271,-9 7-91,20 1-359,-3-8-90,4 6-180,4-3 180,5 6-181,6-1-89,-1-4-90,0-2 180,-1-3 0,-3 0-360,8 4 90,-4-4-90,9 4 1,1 0-1,-4 1 0,1-5-270,-6 7 180,-1-6 180,-4 8 0,-6-5 0,-4 0 90,0 5-90,-4-4 0,-2 4 1,-3-1 89,0 2-3277,-5-1 2982,4 4 115,-16 0 270,14 2-180,-14-2 270,3 0-270,7-3 0,-10-1 90,11-1 90,1-3-2179,0-1 1999,5-4 2359,0 3-2089,-1-7-180,5 8 0,-3-8 179,7 7 541,1-3 2556,5 5-2890,4-5-26,9-1-270,-3-4 89,8 0 1,0 0-90,-8 0 180,7 0-90,-3-4 180,9-1-180,-3-1-90,2 2-90,-13 0 180,4 3-90,-4-3-360,5 4 180,-5 0 0,4 0-270,-4 0 90,1 0 180,-2 0-90,-8 0-359,4 0 269,-4 0 0,0 0-90,-1 0 90,0 0-89,-3 0-541,3 0 450,0 0 90,-2 0-270,2 0 1,-4 0 0</inkml:trace>
+  <inkml:trace contextRef="#ctx0" brushRef="#br0" timeOffset="1042.27">9871 12631 7533,'-5'0'-180,"1"0"2788,4 0-2428,0 5 0,0-4 0,0 7 0,0-3-180,0 0 450,0 8-360,0 1 269,0 6-359,0-2 0,-4-4 180,3 3-90,-8-1 0,8 2-180,-3-4 90,4-1 90,-4-2-270,3 2 270,-3-4 0,0-3-360,3 2 90,-8-7 1,8 7-271,-7-7 180,7 3 90,-7-4-1529,-1 0 270,-2-12 1439,2-4 0,1-7 0,2 0 0</inkml:trace>
+  <inkml:trace contextRef="#ctx0" brushRef="#br0" timeOffset="1261.27">9732 12371 7533,'0'5'719,"4"3"1,1-6-360,0 6-90,3-7-1,-3 7-89,5-7 0,-5 3-180,3 0 180,-3-3 90,5 4-90,-1-5-270,0 0 90,5 0-180,-4 0 270,4 4-990,-5-3 271,4 3 539,-2-4-1169,2 4 1259,-4-3 0,1 7 0,-1-3 0</inkml:trace>
+  <inkml:trace contextRef="#ctx0" brushRef="#br0" timeOffset="1508.27">10048 12529 2644,'-9'0'810,"4"4"1443,0-3-1804,5 3 1604,0-4-1874,5 0 248,-4 0-517,7 0 1249,-3 0-1159,4 5 0,1-4 180,-1 3-809,0-4 359,1 0 90,-1 0 180,-4 0-540,3 0 527,-2 4-167,3-3 90,-4 7-899,3-7 989,-7 12 0,3-7 0,-4 7 0</inkml:trace>
+  <inkml:trace contextRef="#ctx0" brushRef="#br0" timeOffset="1703.27">10067 12659 7533,'-15'6'629,"6"-2"-449,5-4 0,0 0 180,3 0 1709,-4 0-1889,14 0 0,-3 0-180,7 0 89,-3 0 91,-1 0-449,0 0 179,5 0 180,-4 0-90,4-4-990,-1 3 540,-3-8 91,8 8-991,-8-3 181,8 0 1169,-8 3 0,4-7 0,-5 2 0</inkml:trace>
+  <inkml:trace contextRef="#ctx0" brushRef="#br0" timeOffset="1913.27">10281 12520 10231,'0'13'630,"0"-2"-720,0 2 180,0 5 90,4-7-360,-3 7 0,3-5-180,-4-3 270,0 4-90,0-5-1079,0 0 270,4 5 989,-3-8 0,8 6 0,-4-6 0</inkml:trace>
+  <inkml:trace contextRef="#ctx0" brushRef="#br0" timeOffset="2852.27">10020 11218 7533,'-9'9'449,"4"0"-269,1 0 360,-5 5-360,7 0 0,-10 1 270,7 11-91,-1 3-269,2 1-90,4 1 180,-4-13-180,3 1 0,-3-1 180,4 1 90,0 0-810,0-5 270,0 4 180,0-8 90,0 3-899,0-3 449,4-1 180,-3-4 270,12 3 0,-3-6 0,9 2 0</inkml:trace>
+  <inkml:trace contextRef="#ctx0" brushRef="#br0" timeOffset="3164.27">10234 11376 7533,'-4'-5'-270,"3"-4"90,-3 8 0,0-3 0,3 4 1439,-8 0-629,4 0-270,-4 0 180,-9 0-91,-5 4-359,-11 1-90,1 5 90,1 3 0,9-7-270,4 7 90,5-12 180,5 7-180,0-3 180,0 5-360,3 3 360,2-3 90,8 4 0,6-1 90,4-2-270,5-2 0,4 3 90,4-6-810,23 8 181,-8-9 269,3 3 90,-18-7 180,-8 3 0,-1 1 0,1 0 0</inkml:trace>
+  <inkml:trace contextRef="#ctx0" brushRef="#br0" timeOffset="3969.27">10644 11878 7533,'-9'0'-630,"3"-4"360,2 3 270,0-3 810,3 4-1,-3 0-89,0 0-360,-1 4-90,-5 5 89,5 10-359,1-4 180,0 7 90,3 5-180,-3 3 0,4 15 90,0-11 0,0-2-360,4 20 90,1-30-90,0 16 180,8-30-90,-11-7 90,10 4-180,-7-5 180,9-13-90,0-2-90,1-9 180,-2 1 0,-4 5-270,1-1 91,-5-4-1,3 4-180,-3-12 270,5 6 90,-5-3 0,-1 9-90,-4 6 90,0 3 180,0 1-270,0 4 0,0 1 270,0 4 0,0-4-270,0 3 270,0 5-180,0 6 180,0 9 0,0-1 89,0 9 1,0 2-180,4 4 180,1-9-180,9 2 0,-4-15 0,4 7 0,-5-9 0,0-4 0,0-1 0,1-4 90,3-4 89,2-5-89,3-10-270,-7 4-359,5-19 179,-10 16 180,4-13-810,-2 17 181,-7-4 539,3 12-540,0-6 181,-3 6 539,8 1 0,-8-3 0,3 3 0</inkml:trace>
+  <inkml:trace contextRef="#ctx0" brushRef="#br0" timeOffset="4339.26">11156 12185 8702,'0'9'1619,"0"5"-1439,0 0 0,0 1-180,0-2 270,0 1-90,0 8 0,0-1-1,-4 6 91,3 0-270,-3-7 90,-1 7 90,4-8-270,-3-1 0,0 13-90,3-13 90,-3 8 0,0-13 180,3-6-539,-3 5 179,4-7 180,0 0-270,-5-1 0,4-4-719,-7-8 629,3 2 0,0-12 181,1 4-631,4-5 900,0 1 0,-4-9 0,-2-2 0</inkml:trace>
+  <inkml:trace contextRef="#ctx0" brushRef="#br0" timeOffset="4535.26">11184 11971 7533,'-5'0'3276,"0"4"-2864,5 1 37,0 5-269,0-5-540,5 3 360,-4-3-1259,7 0 719,-7 0-1259,11-1 1799,-2-3 0,5 7 0,-2-3 0</inkml:trace>
+  <inkml:trace contextRef="#ctx0" brushRef="#br0" timeOffset="5021.26">11648 12111 7443,'-5'0'629,"1"0"1440,4 0-1889,8 0 180,-1 0-90,10 0-90,-7 0 0,16-5 269,-1 4-584,3-3 0,2 0 135,13 3 0,2-3-1169,-19 4 180,-8 0 809,-2 0-1169,6 0-1928,-12-4 3068,8 3 0,-8-7 1,3 2-1</inkml:trace>
+  <inkml:trace contextRef="#ctx0" brushRef="#br0" timeOffset="5317.27">12226 11831 7533,'-6'-5'1169,"2"1"-1079,8 4 0,-3 9 450,4 1-271,-5 4-89,0 0 360,0-1-270,0-2 449,0 10-269,0-9-270,0 5 0,0-3 90,0 0-90,0 1 0,0 2 179,0 18-179,-5-7-270,4 25-449,-3-15 179,4 4-630,0 0 181,0-9-630,0-5 269,4-10 811,2-8-271,3-6 630,0-4 0,1-4 0,-1-1 0</inkml:trace>
+  <inkml:trace contextRef="#ctx0" brushRef="#br0" timeOffset="5772.27">12561 11590 7533,'-10'-10'0,"5"1"90,1 0-90,4 4 0,4 0 269,1 5-89,5-4-360,-1 3 720,-4-3-270,3 8-180,-2-3 90,3 8 719,0-4 1,1 12-1,7 3-179,-6 12-270,7-3-1,-9-1-179,1 7-90,-1-13 0,-4 13 90,3-16-180,-7 8 90,7-7 0,-7 7 0,7 5-3457,-7-2 3431,8 6 26,-8-8-345,3 0 165,-4 0 89,0 4-178,0-3 89,0 3 89,-8 12-268,-3 5 269,-3-1-893,-3-3 623,2-17 90,-3 0-989,-9 16 674,11-22 0,-1 1-765,-6 7 1,-1-1 320,5-8 1,-1-2 623,0-1 0,0-1 225,-8 1 0,0 1 0,0 0 0</inkml:trace>
+  <inkml:trace contextRef="#ctx0" brushRef="#br0" timeOffset="8889.27">1647 13311 7533,'-15'5'-540,"-2"3"900,6 1-180,-2 2 359,-5 19-449,11-13 180,-9 14 270,10-4-450,1-2 270,1 3-1,4 7-359,4-13 180,1 9 0,5-9-270,3-2 180,10 7 90,-2-12-180,10 3 0,1-9 0,10-4-90,10-13-2359,-9 1 2269,-6-15 90,-2-1 85,-9-6-85,6-8 90,-14 8 0,-4 2 90,-9 1-90,3 5 0,-7-10 90,3 3-90,-8 3 0,-1-2 90,-4 9-90,-1-1 0,-3 1 2509,3 3-2779,-20-2 270,8 6-269,-14 2-3008,8 5 2927,4 4-472,-3 0 192,7 0-198,-7 0 558,8 4 0,-4 5-270,9 2 91,0 6 449,5-2 0,0 3 0,-1 1 0</inkml:trace>
+  <inkml:trace contextRef="#ctx0" brushRef="#br0" timeOffset="9443.27">2131 13524 7533,'-4'10'359,"3"-1"-179,-8 0 0,8 1 0,-3-1 0,4 4 0,0 2-180,0 8 0,-4 0-2051,3 5 2231,-7 4 0,3-3 0,-1 3 0,-2 0-180,7-3 270,-7 20-502,7-17 143,-3 12-237,0 1 236,3-13 0,-4 12-2409,5-20 2589,0-1 444,0-5-714,0-3 617,0-2-617,5-8 294,-4 0-564,7-14 270,-3 3 1,0-16 2761,3-5-2942,-2 1 90,-1-9-269,-1 3 539,-6-1 0,0-2 0,1-10 0,-4 10 0,-3 1 0,-2 1 0</inkml:trace>
+  <inkml:trace contextRef="#ctx0" brushRef="#br0" timeOffset="9690.27">2056 13664 7533,'13'-36'239,"-1"1"1,-1 0 0,0 7 120,2 13 180,6-3-90,5 3-271,-5 6 1,-1 5 0,-5 4 90,-2 0-90,2 0 0,0 0 180,2 0-180,-1 4-1,-1 1 1,-3 8 0,-5-2 0,3 6-360,-7 2 360,3 1-270,-4-2 90,-4 12 0,-1-12-180,-4 13 0,-1-4 180,1-7-269,0 7-1,-4-4-810,-2-3 810,1-2 1,1-9-541,3 0 360,-3-8-719,-2 3 629,1-4 181,5 0-461,0 0 1,4-4 0,-4-1 0</inkml:trace>
+  <inkml:trace contextRef="#ctx0" brushRef="#br0" timeOffset="9959.27">2549 13404 7803,'5'4'719,"-1"1"-179,-4 4-270,0 5 89,0 0 91,-4 5-180,3-1 90,-7 1 269,3 8-269,-5 2-450,1 0 360,4 2-90,1-12-450,4 4 180,-4-4 180,3-1 0,-4 1-1259,5-1 269,0 5 810,0-11-1259,5 4 630,-4-15 179,3 3-180,-4-4 271,0 0 449,0-8 0,0-2 0,0-9 0</inkml:trace>
+  <inkml:trace contextRef="#ctx0" brushRef="#br0" timeOffset="10150.27">2372 13534 7533,'-9'-4'-450,"4"-1"1259,0-1-269,5 2 540,0 4-451,9 0-539,5 0 0,10 0-450,0 0 270,3-4-403,-8 3 223,4-3-179,0 0 179,-3 3-270,15-3 270,-14-1 90,10 4-89,-12-3-631,0 4 360,-5 0 271,4 0-546,-8 0 0,8 0 1,-4 0-1</inkml:trace>
+  <inkml:trace contextRef="#ctx0" brushRef="#br0" timeOffset="10334.27">2810 13469 7533,'0'5'1079,"0"7"-719,0-10-270,0 11 90,-5-4-360,4 1 270,-7 8-90,7-4 90,-7 13-90,3-6 0,0 6 90,-4 4 0,8-9 0,-3 9 89,4-17-538,0-1 89,0-3 180,0-1-810,0-4 451,0 3 179,0-6 225,0 2 0,4-17 0,1-2 0</inkml:trace>
+  <inkml:trace contextRef="#ctx0" brushRef="#br0" timeOffset="10509.27">2782 13311 7533,'-4'-6'449,"3"-2"-179,-4 7-90,5-3 1079,0 4-899,5 4-630,-4 1-179,7 13-361,-3-3 720,0 4-899,3-6 89,2 1 900,0-4 0,8 4 0,-4-5 0</inkml:trace>
+  <inkml:trace contextRef="#ctx0" brushRef="#br0" timeOffset="11118.27">3080 13543 7533,'-6'0'-990,"-2"4"900,7-3 0,-3 3 360,0-4-180,3 0 0,-3 0 0,0 0 360,3 5 89,-8 0-179,8 0 0,-7 3 0,3 1-90,-5 2-90,5 6 0,-3-2-270,3-1 180,0 8-1,-4-6-3366,4 15 3073,0-7 114,-3 0 161,7-2-341,-3-8 180,4 5-539,0-5 359,0-4 90,0-2-360,0-7 3429,0 3-3069,4-12 72,1-3-162,4-7 90,1-1 90,3 1-269,-3-1 359,8-12 0,-12 9 0,7-9 0,-8 4 0,4 11-90,0-6 90,-4 13 180,4 0 269,-8-1-269,3 5-90,-4 1 360,4 4-180,-3 0 90,3 0 89,0 0-89,-3 4-90,4 5 0,-5 6-90,0 3 0,0-3-180,0 3 0,0-8 179,0 7-358,0-6 89,0 2 180,0-3-360,4-1-90,-3-4 360,7-1-180,-7-4 180,7-8 0,-3 2-360,1-8 90,2 5 90,-3 0-89,0-1-181,8-7 180,-11 5 270,10-5 90,-7 12-90,0 0 180,4 5-90,-4 5-90,0 0 90,-1 0 270,0 3-91,-3-3-89,4 5 270,-1 3-360,1-2-180,0 2 90,7-4-720,-1 1 91,12-1 539,-8-4-720,7-1 810,-8-4 0,5-4 0,0-1 0</inkml:trace>
+  <inkml:trace contextRef="#ctx0" brushRef="#br0" timeOffset="11558.27">3536 13636 7533,'0'-9'1169,"0"0"-899,0-1-90,0 5 180,0-3-181,0 3-179,-4-1 90,-2-2-269,-7 7-1,3-3-90,-4 4 180,5 0 0,-5 0 0,8 0 90,-6 0 0,7 0-90,-1 4 90,2 1 0,4 0 0,0 8 0,0-7-90,0 8-90,9-1 0,-3-7 180,7 7-90,-8-12 90,4 3 0,-8-4 0,7 0-90,-3 0 0,5 0 90,-5 0 0,3-4-90,-7 3 90,7-8-179,-7 4 89,8-8 90,-4 2-90,0-6 270,-1 6-1,-4-2 1,0 8-270,0 1 990,0 4-270,-4 8-181,-1-2-179,0 16-180,0-11-360,10 15-719,-4-19 539,7 6 180,-3-13 90,9 0-269,4 0 449,-2-4 0,9-6 0,-5-4 0</inkml:trace>
+  <inkml:trace contextRef="#ctx0" brushRef="#br0" timeOffset="11973.27">3861 13162 7533,'0'5'0,"0"3"270,0-7 269,0 12-359,0-7 180,0 7-180,0 1 0,-4-4 0,3 8 179,-8-4-179,8 9 0,-7-4-90,7 4 90,-7-4 0,7 4-270,-8-4 180,4 12-270,0 2-90,1-3 270,0 1-90,3-12-719,-3-1 449,4-3 90,0 2-539,4 2 449,-3-3 90,3-3 270,4-5 0,-2-7 0,8 3 0</inkml:trace>
+  <inkml:trace contextRef="#ctx0" brushRef="#br0" timeOffset="12626.27">4084 13469 7533,'-5'0'90,"-3"0"179,3 4-89,-1-3 180,-2 7 90,3 1-90,-9 6-180,8-1 0,-6 0-91,11-1-178,-7-2 448,2 6-1078,1 6 449,1-11 270,4 9-810,0-20 181,0 3-1,4-4 90,1-8 540,5 2 0,-1-12 0,0 4 0</inkml:trace>
+  <inkml:trace contextRef="#ctx0" brushRef="#br0" timeOffset="13017.27">3982 13394 7533,'-4'-9'0,"3"0"449,-4 4-89,1 0-90,3 1-90,-3 3 0,4-3 0,0 4-180,4 4-90,-3-3-360,12 8 90,1-4-449,2 0 449,5-1 180,-6-4 0,4-4-90,-1 3 0,1-7 1,-1 7 269,1-8 0,-4 4 0,2-4 0,2-5 0,-4 4 0,11-8 0,-15 12 0,7-2 0,-13 4 0,3 3 90,-6-3 89,6 4-89,-7 0 540,3 0-180,0 0-360,-3 0 449,3 4 91,-4 5-360,0-3 180,4 11 359,-3-7-719,4 9 90,-5-5 0,0 0 90,0-1-360,0-3 90,0 4 180,0-1-180,0-2 0,0 6 90,0-6 90,0 6-720,0-7 270,0 4 90,0-1 90,0-2-899,0 2 179,0-4-359,0 1 629,0-5 540,0-1 0,0 0 0,0 1 0</inkml:trace>
+  <inkml:trace contextRef="#ctx0" brushRef="#br0" timeOffset="13310.27">4363 13311 5824,'6'0'1979,"-2"8"-1530,0 2-89,-3 9-180,3-5 180,-4 0 0,0-1-91,0-3 91,0 4-90,0-1 90,-4 6-360,3-4 180,-3 3 0,4-5-270,-4-2 90,3 6 180,-4-6-1080,5 2 270,0 1 1,0-4 269,0-1 90,0-5 90,0 0-989,0-3 1169,0 4 0,5-5 0,0 0 0</inkml:trace>
+  <inkml:trace contextRef="#ctx0" brushRef="#br0" timeOffset="13726.27">4261 13431 7533,'-5'0'-1080,"1"0"900,4 0 720,0-4-270,0 3 989,0-3-359,12 4-540,-5 0-181,11 0-179,-9 0 180,1 0 0,-1 0 0,0 0-270,1 0 90,-1 0 0,0 0 180,0-4-450,1 3 270,-1-3-629,0 0 359,1-1 180,-1-1 0,0 2-450,5 0 90,0-1 450,9 0 0,-7 1 0,1 4 0</inkml:trace>
+  <inkml:trace contextRef="#ctx0" brushRef="#br0" timeOffset="14037.27">4568 13376 7533,'-9'5'-90,"4"-1"270,1 0 0,-1-3 809,4 7-449,-3-2 359,4 7-269,0 1-450,0 1-180,0-2 180,0-3 89,0-1-89,4 0-270,-3 1 180,8-1-90,-4-4-270,0 3 270,3-2 0,-2-1-899,3 3 449,0-7 270,0 7-899,1-7 629,-1 8 90,0-8 91,-3 3-541,2-4 270,-3 0 91,4 0 449,1 0 0,-1-9 0,0-1 0</inkml:trace>
+  <inkml:trace contextRef="#ctx0" brushRef="#br0" timeOffset="14367.27">4754 13385 8972,'-5'0'1529,"-3"4"-1349,7 1 0,-7 5 90,7-1 89,-8 0-179,4 1 0,-4 3 90,4-3-90,-4 8 0,4-4 0,-4 1 0,0 2 0,-9 6-1,3 6 91,-8 4-881,8-5 701,-2 3-180,6-6 270,-6 7-450,2-4 180,-7 12 180,2-9-360,-3 9 270,9-12-180,-4 0 0,-1 8-90,0 3 181,0-5-1,6-3 90,3-13-360,1 1 90,0 0 0,0 3-360,-1-6 271,1 1 89,4-3-450,-4-8 181,8 6 179,-3-11 0,4 4-27,0-5 0,9-13 0,1-2 1</inkml:trace>
+  <inkml:trace contextRef="#ctx0" brushRef="#br0" timeOffset="15831.27">5554 13059 7533,'-5'-5'-810,"-3"-3"630,7 3 630,-3 0-180,-1 0 90,4 1-91,-7 3 1,7-3-90,-7 4-90,7 0 360,-7 0-360,2 4 90,-3 1 270,-4 21-181,2-4-179,-6 23 90,6-16 0,2 8 90,5 11-135,3-6 0,2 3-135,-1-6 0,0 1-1067,0 6 0,0-3 1067,0 7 90,0-13-698,0 0 518,-4 1 90,3-1 0,-3-4-270,-1 3-90,4 6 180,-3-11 0,4 4 180,0-17-539,0 1-1,0 0 360,0-5-630,0-1 91,0-7 359,0-2 730,0-4 0,-8-9 1,-2-1-1</inkml:trace>
+  <inkml:trace contextRef="#ctx0" brushRef="#br0" timeOffset="16044.27">5173 13469 7533,'0'-15'0,"-4"2"629,3 4-179,-3-1-90,4 1 0,0 0-1,0 3 91,8-2-450,-1 7 180,10-3 180,1 4-450,6-4-90,20 3 90,-12-3-3187,13 0 3252,-21 3-1810,2-4 1475,-6 1-809,15-1 269,-5-8 630,3 6-179,-6-5 89,-12 11 360,2-7 721,-6 7 0,2-8 0,-4 4 0</inkml:trace>
+  <inkml:trace contextRef="#ctx0" brushRef="#br0" timeOffset="16934.27">5647 13301 7533,'-4'10'0,"3"-5"90,-7 3 90,3-7 179,-5 11 1,5-5-90,-3 6 180,3 5-270,0-7 0,-4 11-180,8-12 359,-3 16-179,4-14-180,0 14 0,0-16 180,0 4-270,0-1-90,0-2 270,0-2-90,4-1-90,6-7-90,0 3 90,3-4 0,1 0-89,-4-4 179,4-1-270,16-25 270,-16 16 0,16-20-90,-25 23 180,4-6-180,-8 6 270,7-10-180,-7 9-90,3-9 270,-4 6-180,0 1 90,-4 0-90,-5 5 0,-2 0-270,-6 3 180,6 2-90,-2 4 180,3 0-270,1 0-90,0 0 360,0 0-270,-1 0 90,5 4 91,-3-3-1,7 4 0,-3-1 180,4-3 0,0 7-180,0-7 269,0 3-179,0 0-89,0-3 268,4 3-179,1-4 0,4 0 0,5 0-90,0 0 90,5-4 0,-1 3 0,-3-7 0,-2 7 0,1-7 0,-4 7 180,12-8 0,-2 4 90,-1 0 180,3 5-180,-12 5-180,0 5 0,-2 3 0,-7-3 0,3 8-90,-4-8-90,0 8 180,0-8-1,0 8-178,0-4 178,-4 9 1,3 1 0,-3-5-90,4-5-180,0-6 270,0-7-90,0 7-90,0-7 270,0 3-90,0-12-90,4-2 0,-3-5-90,7-2-90,-3-2 91,0-9-91,4-5 90,-4 8 0,4-5 90,-4 15 180,0-4-270,-1 10 180,1 1 0,0 7 179,3-3-89,-3 8-90,1 1 90,-2 4-180,0 1 90,-3 7 180,7-1-270,-7 2 0,3 0 90,-4-8-90,5 4 0,0-1 0,0-7-90,-1 7 180,-4-12-90,4 3-270,-3-4-180,3 0 450,1 0-90,-4 0 0,3 0-179,-4-4 269,0 3-90,0-8-180,4 8 0,-3-7 90,3 7 90,-4-7-90,0 7-90,0-8 90,0 8 1,0-7-91,0 7-180,0-3 360,0 0-90,0 3-450,0-3 630,0 12 0,-4-2 0,-1 8 0</inkml:trace>
+  <inkml:trace contextRef="#ctx0" brushRef="#br0" timeOffset="18320.27">6736 13311 7533,'-9'0'-270,"4"-5"180,1 4 0,4-3-180,0 4 0,0 8 0,0 3 1</inkml:trace>
+  <inkml:trace contextRef="#ctx0" brushRef="#br0" timeOffset="20637.27">6541 13171 7533,'-9'-9'180,"3"4"629,2-4-629,4 8 899,0-3-629,0 17-360,0-2 90,-4 12 180,3 3-90,-3 8-2312,4 0 2132,0-2 90,0-5-1,0-4-89,0 14 0,0-3-90,0 11-90,0-11-90,0-2 180,0-13 0,4-2-179,1-6 2310,5-2-2131,-1-5-89,0-4 89,9 0-180,2-8 180,3 2 0,0-8-180,0-7 0,1-4-180,-1-17 270,0 4 0,-5-7-154,1 2 154,-5-3 180,0 3-180,-9 15 90,-1 2 90,-4 11 90,0-3-90,-4 7 0,3-1-1,-8 11 426,4-3-605,-4 12 180,4 6-90,1 2 180,-1 10 0,9 22-91,-3-4-366,4-10 1,3-1 276,7 1 90,-1-7 0,-1-14 0,1-3 180,4-1-180,6-4 0,-4-1 90,2-4-90,-12 0-1,3-4 915,5-5-824,-2-6-360,6-7 360,-7-2-270,-2 0 0,-8 1-90,4-3 0,-8 5 270,3-2-3367,-4 6 2622,0 2 385,0 1 90,0-4-899,-4 4 359,-1-5 91,-1 4 179,2 2-270,4 8-89,0 1 509,0 4 0,0 0 0</inkml:trace>
+  <inkml:trace contextRef="#ctx0" brushRef="#br0" timeOffset="22024.27">7611 13329 7533,'-21'-10'2878,"4"-3"-3598,22 12 361,-4-7 179,3 7-270,-4-3 157,0 4 1,0 12 0,0 4 0</inkml:trace>
+  <inkml:trace contextRef="#ctx0" brushRef="#br0" timeOffset="22200.27">7573 13552 7533,'-14'0'0,"5"0"1349,4 0-809,5-4-360,0 3-810,0-3 180,5 4 180,-4-4-90,3 3 91,-4-3-91,0 4 180,0-4 180,0 3 0,4-8 0,1 4 0</inkml:trace>
+  <inkml:trace contextRef="#ctx0" brushRef="#br0" timeOffset="28359.27">4671 14892 7533,'-6'0'-270,"2"-4"899,4 3-89,0-8-180,-4 8 0,3-7-180,-7 7 90,7-7 269,-7 3-449,2-5-90,1 5-3032,-7-7 2942,6 10-417,-12-11 507,8 12-90,-4-3 0,1 4 90,-6-4-89,0 3 89,-4-3 0,0 4-90,-1 4 90,0-3 90,6 7-1,4-3-89,5 5 777,-4 3-777,2 10-2178,-2-7 2357,8 10 1,-4-3 90,8 6-180,-3-4-90,4 1 90,0-16 0,4 8 2178,2 0-2268,7-2 90,1 1-90,1-12 90,15 0 0,-12-5 0,17 0-90,-12-9 90,5 3-123,9-20 33,1-3 45,-16 7 0,-2-2-1729,13-15 1504,-6-2 270,-8 1-90,0 9-180,-9-5-1400,2 9 1580,-7 3 1580,5-12-1580,-5 10-225,-2-1 0,-2-2-494,-13-12 432,5 11 0,-2 0 107,-15-8-90,6 7-179,-8 8 1370,1 3-1731,-8 6 810,9 6 0,2 8 0,8 0 0</inkml:trace>
+  <inkml:trace contextRef="#ctx0" brushRef="#br0" timeOffset="29918.27">5229 14324 7533,'5'6'449,"3"2"-359,-7-3 450,3 4 270,0 9-630,-3-7 359,3 19-359,-4-13 90,0 10-90,0-9 270,0 13-450,0-9 179,-4 13 1,-1-15-90,-4 7-90,0-8 180,0 12-270,-5 2 0,3 0 0,0 2 0,0-9 0,1 0-1549,-2 4 1,1-1 1344,-2 6 294,-1-11-90,4-4-90,1-3 270,0-7-270,4-1 180,-4 0-180,0-4 90,3 4 0,-2-8 90,7 3-90,-3-4 3302,4 0-3392,0-4 180,0 3-360,4-3 360,1 4-89,5-5-91,-1 4 719,0-3 1,1 4-270,-1 0-90,0-4 90,0 3 89,1-3-179,-1 4 90,0 0 180,5 0-180,-4 0-180,8 0-90,-8 0 90,4 0 90,-5 0-270,0 0 90,0 4-90,0-3 270,4 3-270,-2 0 90,-2-3 90,4 8-90,-7-8-360,7 7 90,-8-7 180,4 3-630,-4 0 271,4-3-1260,5 8 989,-4-8 450,3 3 90,-3-4-270,-1 0 271,0 0 179,-4-4 0,4-2 0,-4-3 0</inkml:trace>
+  <inkml:trace contextRef="#ctx0" brushRef="#br0" timeOffset="30625.27">5712 14836 7533,'6'-4'-810,"2"3"360,-7-3 271,3 0 89,0 3 90,-3-8 90,3 8-90,-4-3 269,5 0 1,-4 3-180,3-3 270,-4 0-90,0-1-180,0-1 90,0-2-90,0 7 0,0-3-1,-4 0 271,3 3-270,-8-7 90,4 7 90,-4-4-180,-1 1 90,1 3 0,-8-7 0,1 7-90,-7-3 89,9 4-268,-4 0 268,4 0-89,-1 0-180,2 0 0,4 0 180,3 0-90,2 4 0,0 1 90,3 4-180,-3 1 180,4 7 0,0-5 0,0 9 0,0 2 0,0-6-180,0 8 180,0-14 0,4 2-180,-3-3 0,7-1 0,6 0 180,-3-4-360,7-1 90,-9-8 91,0-1 89,5-4-630,0-5 450,1 0-360,2-5 270,-6 1 1,2 3 269,-4 2-180,1 3 90,-1-3 180,-4 3 0,4-4-180,-8 5-90,3 0 270,-4 4-90,0-4-90,0 4 270,0 0 0,-9 1 449,3 4-269,-7 0-180,8 0 90,-4 4-90,8 1 90,-7 9-360,7-4 90,-3 12 90,4-11-270,0 11 90,0-12 180,0 8-90,0-8-540,4 7 180,1-6 180,4 2 0,5-3-629,-4-1 359,4 0 180,-1 0 270,10-3 0,-7-2 0,10-4 0,-11 0 0,3 0 0</inkml:trace>
+  <inkml:trace contextRef="#ctx0" brushRef="#br0" timeOffset="31285.27">5964 14911 7533,'14'-19'359,"0"4"-179,-9 2 270,-1 4-90,0-1-180,-3 1 0,3 0 269,-4-5-269,0 4-180,0-8 90,0 8 90,0 1-180,-4 1 90,-1 2-450,-4-3 180,-1 4 91,1 1-271,0 4 180,-1 0 90,1 0-90,4 0 90,-3 4 0,3 1 90,-1 0 90,-2 8 0,7 1-180,-3 2 180,4 1-90,0-8-90,0 1 180,0-5-90,4 3 90,-3-7-270,7 3 180,-2-4 0,3 0 0,0 0 0,0 0 0,1 0 0,-1-4 0,0-1-180,5-8 180,-4 2 0,4-2-90,-5 4 90,0-1 0,-4 1 0,4 0 0,-4-1 360,4-3-450,-4 3 450,0 0-180,-5 6 0,0 4 89,-5 0 1,4 0-270,-3 0 180,0 0-270,3 0 180,-7 4-180,7 1 180,-3 5 90,-1-1-180,4 0-90,-3 1 90,4 3 90,-4 2-180,3-1 180,-3 8-90,4-7 0,0 12 0,-4-3 0,3 4 90,-3 0-90,0 0 90,3 0 0,-8 12 90,8-9-370,-7 13 190,7-15 180,-7-1-180,7-1 90,-8-3 0,8 4 0,-7-5 0,7 4-90,-7-7 90,7-1-180,-8-6 90,8-4 90,-7 1-270,3-1 180,-4-4 90,-1-1-270,1-8 180,0-1 0,-1-4 0,-3-5 0,3 4 0,-8-8 0,8 0-90,-8-2 90,8-7-90,-4 7 90,9-2-809,-3-9 548,15 5-188,-1-6 179,13 13-90,-5 6-90,12-1 270,-13 4 90,12-3-89,-10 3-1,4 1 0,-1 0 0,1-1 0,-1 1-180,5 0 270,1 0-180,0-1 180,3 1-269,-4-5-2918,1 8 3248,3-6 0,-7 3 0,3-6 1</inkml:trace>
+  <inkml:trace contextRef="#ctx0" brushRef="#br0" timeOffset="31699.27">6448 14492 7533,'5'-4'-990,"3"3"810,-7-8 180,8 8 0,-8-3 0,3 4 0,-4 0 0,4 0 0,-3 0 0,3 0 1889,-4 4-899,0 2-361,-4 3 181,-1 8-720,-4-5-90,-1 5 360,-3 9-180,2-8 89,-2 13 181,4-4-360,3-7 90,-2 7-180,7 0-90,-3-6 0,4 18 0,0-9-989,0 7 539,0-9 360,4-5-899,-3-4 539,7-1 0,-2-3-539,7 6 539,2-9 540,-1 1 0,4-5 0,-4-2 0</inkml:trace>
+  <inkml:trace contextRef="#ctx0" brushRef="#br0" timeOffset="33151.25">6847 14511 7533,'-13'-5'0,"3"4"899,0-3-359,2 4-180,7-4-1,-7 3-89,7-3 90,-3 4-180,-1 0-450,0 4 270,0 1 90,-3 5-180,3 3 90,-1-3 0,-2 12 90,3-6 90,-4 15-90,4-11 0,1 7-180,0-8 90,3-1 90,-3 1 0,4-1-90,0 1 0,0 0 0,0-5 90,0 4 0,0-8-270,4 3 90,1-3-90,0-1 0,3 0 90,1-3-90,1-2 180,4-4-180,-1 0 90,-2-4 90,6-2-90,-2-3-89,-1 0-181,12-9 180,-14 3 270,10-4-180,-13 2 0,1 6 360,3-11 0,-2 7-90,-2-8-91,-5 9-89,-4 0 270,0 5-90,0 0 0,0-5-90,-4 4 90,-1-3 0,-13-5-90,7 7 180,-11-7-90,12 5-180,-8 2 89,4-2 1,-1 4 0,2-1 0,-1 5-360,4-3 91,1 7 179,0-8-360,4 8 270,0-3-90,1 4 0,0 0 180,3 0-90,-3 0 0,4 4 0,0-3-90,0 4 180,0-1 90,0-3 0,0 3-90,0 0 90,0-3-90,0 3 0,-5-4 0,4 0 90,-3 4-90,4-3 180,0 4-180,0-1 90,0-3 0,0 3-90,-4-4 0,3 4 0,-3-3 0,4 3 0,0 0 0,0-3 0,0 8-90,0-8 90,0 7 0,0-7 0,0 3 0,0 0 0,0-3 90,0 3 0,0 0 90,0-2-90,0 2-90,0 0 0,0-3-90,0 3 90,0 0 90,0-3 0,0 3-90,0 0 0,0-3-90,0 4 90,0-1 0,0-3 0,4 3 0,-3-4 90,3 0-90,-4 4 90,0-3-90,0 3 0,0 0 0,4-3 0,-3 3 0,4-4-90,-5 0 180,0 5-90,4-4-90,-3 3 90,3-4 0,-4 0 90,0 4-90,4-3 90,-3 7-90,3-7 0,-4 3 89,4-4-89,-3 4 270,12-2-180,-11 2-90,10 0 0,-11-3 270,8 3-90,-8-4-90,11 0 180,-6 0-180,4 0 0,2 0 0,-6 0 0,8 0-180,-1 0 0,-3 0 0,4 0-630,-5 0 180,5 0 361,-4 0-901,3 4 541,-3-3 89,-1 3-989,4-4 359,2 0 451,-1 0 629,0 0 0,-5 0 0,0 0 0</inkml:trace>
+  <inkml:trace contextRef="#ctx0" brushRef="#br0" timeOffset="33449.25">7117 14399 7533,'-9'0'3276,"4"-4"-4214,1 3 219,4-3 179,4 4 630,-3 0-90,7 4-180,-7 1-90,7 4 810,-7 1-360,8-1 1259,-4 4-629,4 2-451,-4 3-89,4-3 630,-8 2-361,7-2-179,-3 3 0,4 5-180,-3-3 0,2 3-360,-7-5 180,3 5 0,-4-3 270,0 2-1080,0 13 181,-4 5 359,-1 3 90,-5-3-2559,-3 9 1930,-1-16 539,7-6 0,-1-1-90,-10 3-1283,4 3 1014,-9-4 629,-1 0 0,-8-1 0,-1 1 0</inkml:trace>
+  <inkml:trace contextRef="#ctx0" brushRef="#br0" timeOffset="34521.25">3805 15301 7173,'-9'5'-90,"3"-1"540,2-4-180,0 0-181,3 0 1710,-3 0-1439,12 0-180,-2 0 0,8 0 720,24 0-541,-5 0-269,-4 2 0,1 1-2902,13-2 2992,-2 3 90,-8 0-573,7-3 483,-1 7-1,3-7-179,-5 3 180,0-4-90,8 5-90,-5-4 90,10 3 90,-13-4-626,5 0 536,-4 0 0,8 4 0,-8-3-90,-9 1 0,0 0 90,8-2-90,-11 0 0,1 0 90,6 4 0,8-3 0,-3 3-180,4-4 54,-14 2 0,2 0 36,-1 1 0,1 0 45,7 1 0,0 1 958,-10-2 0,-1-1-1003,22 2 89,-11-4 91,-8 0 0,1 0 45,3 2 0,1 0-180,0-1 0,-1-1-135,-2 3 0,-3-2 0,14-1 225,-12 1 0,2-2 45,15-3-90,-14 4 0,2-1-45,1-3 0,-1 0-389,-9 1 0,1 1 433,8 0 1,1-1-90,-2-3 0,-1-1 90,19 1-650,-16-1 0,-1 1 650,13 1-45,-22 3 0,3-1-712,6-1 1,3-3 0,-2 2 711,-3 1 0,1 0-105,9-3 0,5-1 0,-6 1-374,-15 2 1,-1 1 478,10 1 0,-1 0-194,8-5 149,-2 7 0,0-7 270,-3 3-270,7-1 90,-2-2-90,-1 7 90,4-7-293,-19 7 1,0 1 292,19-8-90,4 7 669,-14-4-669,-3 5 611,4 0-521,-4 0 212,20 0-392,-20 0-90,20 0 180,-28 0-539,14 0 359,-17 5 180,9-4-540,-17 3 2421,4 0-2061,-8-3 1233,8 3-1503,-8 0 1254,3 1-1164,-7 1-658,2-2 298,-7 0 306,3-3 144,-4 7-1079,0-7 540,-4 7 809,-1-7 0,-9 8 0,0-4 0</inkml:trace>
+  <inkml:trace contextRef="#ctx0" brushRef="#br0" timeOffset="35552.25">4931 16017 7533,'0'6'-450,"0"-2"2249,0-4-1439,-4-4-180,3 3 269,-3-4-89,0 1-90,3 3-90,-7-7 360,2 3-361,1 0 271,-7-8-270,6 11-180,-4-10-90,2 11 270,-1-8-180,-6 4 0,-8-4-90,0 4 0,3 1 0,-2 0-90,4 3 90,2-4 0,-6 10 0,12-4-89,-3 7-1,-5 1 180,7 1-90,-7 8 90,9-3 90,4 3-90,-4 1 0,8 3-90,-3-2 360,4 7 44,5-1 1,3 1-315,3 0 90,8 19-90,-2-32 90,-6-8 0,6 6 90,-2-11-90,-1 3 0,4-4 180,0-8 90,2-2-271,3-9 1,-1-4-90,-2 4 90,3-12-229,-5 6 49,1-7-437,-4 4 617,2-4 0,-7 3-270,4 1 270,-5 1-1391,1 3 1211,-5 1 20,3-8 160,-7 10-630,-1-10 270,-5 11 180,-9-2-90,0 3-1079,-9 0 629,4 5 181,-8-4-811,3 8 541,0-3 288,-7 7 431,10 2 0,-6 8 0,9 2 0</inkml:trace>
+  <inkml:trace contextRef="#ctx0" brushRef="#br0" timeOffset="37284.25">5433 15785 7533,'-5'-20'989,"-3"3"-629,7 12-90,-3-4-90,4 8 449,-5-7-359,4 7 0,-7-3-90,7 4 0,-3 0 90,0 0-1,3 4-89,-7-3-180,6 7 180,-6 6 0,3 1-270,0 8 180,-3-4-180,2-1 0,-3 9 270,4-2-360,-3 3-751,7-6 841,-8 1 90,8 5-90,-3 1 90,4-1 90,0-5-180,0-5-90,0 1 180,0-1-90,0-3-90,4-2 180,1-3-90,5-1 932,-1-4-842,5-1-90,-4-4 90,3-4 0,-3-1-90,3-8 0,-3 2 90,4-6-90,-1 6-90,-2-6 0,2 2 180,-4-3-90,5-5 90,4-5 90,-6 3-180,4 2 180,-15 6 90,8 7-270,-8-4 450,7 1-180,-7 6 0,3-5-90,-4 11 359,0-7 1,0 7-90,0-3-360,0 12-90,0-2-90,0 12 270,0-4-180,0 13 90,0-6 90,0 6-90,0-9 0,4 5 0,2 5 0,3 1 90,0-6-90,0-1 90,1-11-90,-1 6 0,0-11 0,5 7 270,-4-12-90,4 7-180,-5-7 90,4 3 179,-2-8-269,2 3 90,1-7 180,0-6 0,1-1-180,-2-8-90,-4 4 90,1 1 0,-1-1 0,-4 1 0,3-1 90,-2 0-90,-1-3-180,3 2 180,-7-3 0,3 5 0,-4-1-270,0-20 180,0 15-368,0-15 188,-4 20 270,-1 5-990,-4-8 451,-1 11 179,1-7-989,0 9 539,3 4 548,-2-4-1357,7 8 629,-3-3 451,4 4 449,0 4 0,-4 6 0,-1 4 0</inkml:trace>
+  <inkml:trace contextRef="#ctx0" brushRef="#br0" timeOffset="37842.25">6076 16064 7533,'-6'0'0,"2"0"539,4 0 1,-4 0-180,3 0 270,-7 0-451,7 4-89,-3-3 90,4 7 180,0 2-180,0 0 90,0 3 90,0-3-181,0-1-358,0 5 358,0-4 1,0-1-1169,0 4 899,0-11-899,0 10 179,4-11 630,1 7-360,0-7 181,3 3 89,-7-4-180,8 0-270,-4-4 720,4-1 0,0-4 0,1-5 0,-1 0 0</inkml:trace>
+  <inkml:trace contextRef="#ctx0" brushRef="#br0" timeOffset="38022.25">6085 15906 7533,'-4'-15'989,"-1"2"-719,-1 8 360,2 1-181,4-1-179,0 4-540,0-3 180,4 13 0,2-7-269,3 10-1,4-7-540,-2 0 451,2 0 449,5-1 0,-3 1 0,8 4 0</inkml:trace>
+  <inkml:trace contextRef="#ctx0" brushRef="#br0" timeOffset="39782.25">7816 15087 7533,'-11'0'359,"3"0"91,8 0 720,0 0-361,8 0-179,3 0-360,3 0-1,4 0-89,-4 0-90,1 0-90,2 0 180,-7 0-90,16 0 270,-5 0-990,7 0 360,-5 0 180,-9 0 1,4 0-1,-4 4 0,1-3 90,2 4-180,-6-1 0,2 1-90,-4 0 180,-3 3 90,2-3 0,-7 5 0,3-1 0</inkml:trace>
+  <inkml:trace contextRef="#ctx0" brushRef="#br0" timeOffset="39979.25">7825 15394 7533,'-10'0'0,"1"0"629,4 4 181,1-3-91,4 3 91,0 1-180,4-4-91,14 3-898,-2-4 269,11 0 90,-8 0-1170,-1-4 541,5 3 449,1-8-720,20 0 900,5-1 0,-23 1 0,1 0 0,22-5 0</inkml:trace>
+  <inkml:trace contextRef="#ctx0" brushRef="#br0" timeOffset="40347.25">8420 15134 7533,'-5'-4'1079,"-4"3"-989,4-4 2968,-8 1-2248,2 3-360,2-3-450,1 8 90,7 1 89,-3 5-89,4 11 0,0-8 0,0 13-360,0-12 1,4 5 179,5-1 180,1-3-720,8 2 360,-4-6-270,17 6 181,0-6 89,6-2 360,-9-5-90,3-4-90,-11 0 270,7-4-90,-12-1 0,2-5 449,2-11-89,1 0 0,-6-7-180,-2 5-91,-6 5 361,-1-1-180,-1 1-90,0-1 0,-3 0-1,3 1 91,-4-1-180,-4 1 90,3-1-450,-11 0 90,5 1 90,-6 3-270,0-2 180,-2 6 90,-4-2 0,1 4-1889,-13-1 1530,5 5-1530,-6 1 719,9 4 451,5 4 359,3 6 360,-7 4 0,7 9 0,-8 1 0</inkml:trace>
+  <inkml:trace contextRef="#ctx0" brushRef="#br0" timeOffset="42387.27">3972 16678 7533,'-5'0'90,"-3"0"269,7 0-179,-3 0 90,0 4-90,-1-3 90,-1 3-90,-2 0 0,7-3 0,-7 8 0,7-8 179,-8 11-179,4-2 90,-8 13-90,3 5 90,-4 9 0,5 10-180,4 4-1665,0-7 1665,5-4-214,0-4 304,0 7-90,0-4 0,0 1 180,9-4-90,1 3 0,9 3-90,-5-9-1,0-10 1,-5-6 0,4-6 180,2 6-90,12-2-2119,-7-1 1580,3-4-265,-1-6 354,-11 0 0,23-3-179,-12 3-181,14-4 90,-12 0 2692,-1 0-2602,-9 0 90,0 0 491,-5-4-851,0-1 720,-3 0 0,2-4 0,-3 4 0</inkml:trace>
+  <inkml:trace contextRef="#ctx0" brushRef="#br0" timeOffset="42751.27">4168 17152 5267,'-5'0'0,"1"0"1242,4 0-1242,0 4 475,0-3-295,0 4 18,0-1-198,0 1 719,4 0-269,-3 3 441,7-2-622,-3 3 91,5 4-270,-1-2 270,0 2-180,1-4 0,-1 1-90,0-1 0,0 0 90,1 1-1,-1-1-179,0 0 90,-3 0 180,2 5-180,-3-8 0,4 6 90,-4-6-180,0 3 90,-5-4 0,0 3 90,4-2-90,-3-1 0,3 3 0,-4-3 90,-4 4-270,-1 1 90,-1-1 90,-2 0 0,3 1-270,-4-1 90,-5 0 0,4 1-180,-8-1 180,8 0-90,-3 0-899,3 1 179,-3 3 630,2-2-1079,2 2 630,5-4-91,4 5 90,0-8 720,4 6 0,1-7 0,5 5 0</inkml:trace>
+  <inkml:trace contextRef="#ctx0" brushRef="#br0" timeOffset="43246.27">4689 17255 7533,'-5'0'0,"-3"0"0,7 0 270,-3 0 359,0 0-269,2 0 899,-2 0-809,13 0-270,1 0 0,4 0-180,0 0 180,3 0-270,-1 0 90,3 0-90,-6 0 180,-4 0-90,1 0-180,-1 0 270,0 0-180,-4 0-360,8 4 270,-7-3 0,8 3-989,-5-4 629,0 0 91,0 0 449,1 4 0,-1-3 0,0 3 0</inkml:trace>
+  <inkml:trace contextRef="#ctx0" brushRef="#br0" timeOffset="43484.27">4680 17571 7533,'-10'5'0,"1"-1"0,9-4 0,0 4 0,0-3 0,4 8 0,2-8 0,3 3 0,0-4 0,1 0 0,3 0 0,6-4 2338,4-6-359,10 0-2249,-5 1 270,0 5-90,-5 4 270,-4-5-719,-1 4 359,1-3 90,4 4-1349,-4 0 179,12 4 990,-10-3 270,2 4 0,-6-1 0,-2 1 0</inkml:trace>
+  <inkml:trace contextRef="#ctx0" brushRef="#br0" timeOffset="50939.27">6048 17106 7533,'0'5'1079,"0"-1"-719,0-4 270,8 4 179,6-3-449,6 3 0,3-4-180,0 0 269,-4 0-89,16 0-180,-13 0 180,9 0-180,-8 0 0,-3 0-180,2 0 90,-3 0 89,-1 0-179,34 0-90,-25 0 180,25 0 0,-38 0-539,4 0-2828,-8 0 2892,8 0-693,-8 0 358,4 0 361,-5 0 89,0 0-1259,0 0 1079,1 0 2273,-5 5-2453,-1-4 1658,0 3-1388,-3 0-90,3 1 450,-4 0 0,-4 3 0,-1-2 0</inkml:trace>
+  <inkml:trace contextRef="#ctx0" brushRef="#br0" timeOffset="51737.27">6066 17236 7533,'-5'0'-810,"1"-4"1080,4 3 1799,0-3-1080,8 4-539,-2 4-180,8-3-180,-5 7 270,9 1-1,-7 2-179,7 2 0,-9-3 90,0-1-270,1-4 180,-1 7 90,0-5-90,1 6-90,3-4 90,-3 1-1,4-1 1,-1 0-90,2 1-270,-1-1 180,0 0 0,-5 0 90,0-3-270,1 2 90,-1-3 90,0 0 0,0 3-269,1-2 179,-1 3 0,-4-4 0,4 3 0,-8-2 0,7 7-90,-7-7 0,3 7 180,-4-8-90,0 4-90,-4 0 0,-1 5-179,-13 0 89,7 5 180,-11-5-270,-1 12 270,3-13-90,-7 12 90,8-10 180,-4 3-270,4 1 90,-8-4 180,7 2-180,-3-7 90,-16 20 0,19-16 180,-22 16-180,35-24 0,-10 6 90,12-11 0,0 8-90,1-8 0,0 3 360,3 0-270,-4-3 180,5 3 809,0-4-1079,5 0 270,-4 0 0,7 0-180,-7 0 0,7 0 90,-3 0-91,5 0 1,-5 0 0,7 0 0,-6 0 0,8 0 0,-5 0 90,9 0 0,-3 0-270,4 0 180,-1 0 0,-4 0 0,0 0-180,4 0 180,-8 0 0,8 0 0,-8 0-90,8 0 90,-8 0 0,8 0 180,0 0-181,-2-4 181,6 3-3547,-12-3 3252,3 4 169,1 0-234,-4-4 180,4 3 0,-1-3-1,-2 4-89,2 0 270,9 0-360,-10 0 90,14 0-180,-16-5 3456,4 4-3537,-9-3 135,-1 4-143,0 0 269,-3 0-450,3 0 270,-4-4-90,0 3 270,-4-3 0,-5 0 0,-6-1 0</inkml:trace>
+  <inkml:trace contextRef="#ctx0" brushRef="#br0" timeOffset="52624.27">5899 18157 7533,'-5'-5'-360,"4"1"360,-3 4 989,4 0-629,0 4 0,0 1-270,0 4 0,0 1 270,0-1-180,0 0-91,0 0 91,0 1-90,0 3 90,0 2 0,0-1-180,0 4 90,0-4 90,0 1-90,0 2-180,0-2 0,-4 3 180,3-3-270,-3-2 0,0 1-90,3-4 180,-3-1-90,4-5-899,0-4 899,0-8-629,0-2 359,0-9 90,0 5 0,4-4 1,-3 4 359,3-5 0,0-24 0,1 18 0,0-14 0,4 21 0,-4 8 0,0-8 449,3 8-89,-7-4-180,8 5 719,-8 4 91,11-3-540,-10 7-91,11-4-89,-12 5-180,7 0 180,-3 5-90,0 0-180,4 4 180,-8 4-90,7 2 0,-7-1 0,3 4 0,-4-8 0,0 8 0,0-8-1,0 8 91,0-8-270,0 4 0,0-1 180,0-3-539,0 4 269,0-5 90,0 0 0,0 1-989,4-5 179,-3 3 630,8-7-449,-4 7-91,4-7 90,0-1 720,-4-1 0,4-11 0,-4 2 0</inkml:trace>
+  <inkml:trace contextRef="#ctx0" brushRef="#br0" timeOffset="52834.27">6150 18185 7533,'0'-5'90,"0"0"179,0 5 541,0-4-270,0 3-270,0-3 89,4 4 91,-3 0-180,7-4 90,-2 3-90,-1-3-270,3 0 179,-3 3-358,5-3 179,-1-1 0,-4 4 269,3-3-1078,-3 4 539,5 0 90,-1 0 180,-4 0-1349,4 0 719,-4 0-89,4 0-271,-4 4 990,-1 2 0,-4 3 0,0 0 0</inkml:trace>
+  <inkml:trace contextRef="#ctx0" brushRef="#br0" timeOffset="53048.27">6215 18278 7533,'-5'5'0,"1"-1"899,0-4-359,3 0 1888,-3 0-2338,12 0 90,-2-4 90,12 3-899,-8-7 359,3 7 270,-3-8-90,3 8-720,-2-7 360,2 7 271,-4-7-361,1 7 90,-1-7 270,0 6 0,0-2-989,5 0 539,-4 3 181,0-3 449,-2 0 0,-3-1 0,4-5 0</inkml:trace>
+  <inkml:trace contextRef="#ctx0" brushRef="#br0" timeOffset="53242.27">6532 18082 7533,'0'-5'1529,"0"1"720,0 4-2070,0 9-179,0-3 360,4 15-180,-3-5-450,3 15 360,0-10-1169,-3 1 269,7 4-1079,-2-13 900,-1 12 989,-1-14 0,0 2 0,1-4 0</inkml:trace>
+  <inkml:trace contextRef="#ctx0" brushRef="#br0" timeOffset="54601.27">6290 16631 7533,'0'6'-180,"0"2"180,0-3 0,0 4 450,0 1-181,0-1 1,-4 4 90,2-2 0,-2 2 0,-4 9-180,2-10-91,-3 14 91,0-16-180,4 8 0,-4-4 90,-1 5-180,1 0 90,0-5-90,0 4 270,-1-8-629,1 3 269,4-3 90,-4-1-810,4-4 181,0-1 539,-3-4-360,7 0 540,-3-4 0,0-5 0,-2-6 0</inkml:trace>
+  <inkml:trace contextRef="#ctx0" brushRef="#br0" timeOffset="54824.27">6271 16678 7533,'5'-4'449,"3"3"-359,-6-3 0,6 4 630,-7 0-270,7 0-91,-7 4 91,3-3-90,0 7 0,-3-3-180,8 5-90,-8-1 0,3 0 89,0 0 1,-3 5-90,7-4 90,-3 8-450,9 9-719,-4-14 539,4 12 180,-9-20-809,3 0 449,-3 3 181,5-6-811,3 2 1260,-3-4 0,8 0 0,-4 0 0</inkml:trace>
+  <inkml:trace contextRef="#ctx0" brushRef="#br0" timeOffset="55075.27">6569 16529 7533,'0'-14'1799,"0"0"-1799,0 9 180,0 1 269,0 4-89,0 8-180,0-6 0,0 11 90,0-8-180,0 8 90,0-2-1,-4 6 1,3-2-180,-3 3 90,-1 5-90,0-3 0,-4 2 180,4-3-540,-3 4 360,2-4-809,-7 21 449,3-18 180,0 9 0,6-13-1079,0-4 1259,3 9 0,-3-3 0,4 2 0</inkml:trace>
+  <inkml:trace contextRef="#ctx0" brushRef="#br0" timeOffset="67887.27">7071 17338 9062,'4'5'1079,"1"0"-809,0-1-90,4-3-90,-4 3 270,12-4-180,-5 0-90,5 0 89,1 0 1,1 0 0,5 0-360,3 0 90,-11 0 270,1 0-360,-7 0 90,-1 0-89,0 0 268,-4 0-89,0 0 0,-1 0-89,-3 4-1,3 1 90,-4 5 0,0-1-180,-4 0 0,3 0 180,-8 1-180,4 3-360,-17 18 450,10-12 90,-10 15 90,13-24-180,-4 12 90,-2-2-90,1-1 90,0-1-90,9-5 180,-3-2 90,3 6-180,-1-7 180,-2 4-90,7-5 270,-3 0-180,0 1 0,3-1-90,-3 0 269,4 1-179,4-5-90,-3-1 0,7 0 360,-3-3-360,5 3 270,-1-4-90,0 0-1,0 0-89,1 0-180,-1 0 90,0 0 90,1 0 0,3 0-360,-3 0 180,4 0-90,-1 0 180,-2-4-270,6 3 0,-6-3 90,6 0-989,-6 3 629,2-3 90,0 0-449,-2 3-900,6-4 1259,-6 1-719,6 3 449,-6-3 270,2 4-370,-8 0 1,4-4 0,-4-1 0</inkml:trace>
+  <inkml:trace contextRef="#ctx0" brushRef="#br0" timeOffset="68522.27">7545 17636 7533,'-9'0'899,"4"0"-1169,1 0 630,0 4-90,3-3 0,-3 7-180,-1-7 180,4 8-1,-3-4-179,4 4 0,0 0-90,0 1 180,0 7-90,0-5 90,0 5-90,0-3 0,0-4 90,0 4-90,0-5 0,4 0-180,-3 0 0,4-3 180,-5 2 0,0-7-270,0 7 90,4-7 0,-3 3 180,3-4-810,-4 0 451,4 0 89,-3 0 0,3 0-540,-4-4 1,4-1 269,-3-4 0,3-5-180,1 0 451,-4-9-1,3 3 90,-4 2 90,0 0 0,0 8 0,0-4 270,0 5-181,0 0 1,0 4 810,0-4-360,0 8-271,4-7-89,-3 7 450,3-3-270,-4 4 0,0 0-1,0-4 1,4 3-180,-3-3-180,8 4 0,-8 0 180,3 0 360,4 12-540,-6-5 0,6 11 90,-3-9 0,-4 0 179,3 1-179,-4 3 0,0-2-90,4 2 90,-3-4 90,3 1-720,0-1 181,1 0-181,5 1 180,-1-5 270,-4 3-90,3-7-1259,-2 3 0,7-4 1439,1 0 0,1 0 0,-2 0 0</inkml:trace>
+  <inkml:trace contextRef="#ctx0" brushRef="#br0" timeOffset="68738.27">7843 17776 7533,'0'9'90,"0"-4"0,-4 3-90,3-7 0,-3 8 1349,4-8 270,-4 11-1079,-1-6-361,0 8-538,1-5 179,4-4 270,0 3-90,0-2-1349,0-1 539,0 7 630,0-10-1349,0 6 1529,0-8 0,4 0 0,1 0 0</inkml:trace>
+  <inkml:trace contextRef="#ctx0" brushRef="#br0" timeOffset="69162.27">7983 17692 7713,'-5'4'989,"1"-3"-719,4 3-90,0-4 449,0 4 1,0 1-270,-4 1 0,3-2-180,-4 0 89,5-3 181,0 7-90,0-3-180,0 5 90,0-5-90,0 3-90,0-3 359,0 5-89,-4-1 0,3 4-360,-3-7 0,4 7 180,0-8 0,0 4-180,0 1-90,0-1 180,0-4-180,0 3 180,0 2 0,0-4-270,0 6 360,0-6-270,0 3 90,0-4 90,4 3-270,-3-7 0,3 3 180,1-4-900,-4 0 451,3 0 179,0 0-1349,-3 0 719,7 0 360,-7 0 91,8-4-990,-4 3 89,4-11 1350,-4 1 0,-1-3 0,-4 1 0</inkml:trace>
+  <inkml:trace contextRef="#ctx0" brushRef="#br0" timeOffset="69354.27">7936 17506 7533,'-5'0'0,"1"0"3276,4 0-2055,0 4-1221,0-3 0,0 3 180,4 0-450,-3-3-449,8 8 359,-4-4-1349,4 0 899,0 3 810,1-7 0,-5 7 0,-1-2 0</inkml:trace>
+  <inkml:trace contextRef="#ctx0" brushRef="#br0" timeOffset="69971.27">7238 16855 7892,'-5'0'540,"1"0"-270,0 4-90,3 1-90,-7 0-90,7 8 180,-8-7 0,4 7-90,0 1 179,-3 0-89,2 1 0,-3 10 0,-4-4-180,6 7 0,-5-9-90,11-2 180,-7-7-630,7 8 271,-8-8-811,8 8 181,-7-8 719,7 0 180,-3-6 0,4 0 0,0 1 0</inkml:trace>
+  <inkml:trace contextRef="#ctx0" brushRef="#br0" timeOffset="70159.27">7248 16910 7533,'5'0'1979,"3"0"-1530,-7 0 91,7 0 270,-2 5-631,3 0-179,-4 0 0,3 3 90,-3-3-899,9 5 269,5 3-269,0-3 449,0 4 360,-2-1 0,-2 2 0,3 3 0</inkml:trace>
+  <inkml:trace contextRef="#ctx0" brushRef="#br0" timeOffset="72674.27">8345 17487 7533,'-5'0'899,"1"0"450,0 0-989,3 0-788,-3 0 1,12-4 0,2-1 0</inkml:trace>
+  <inkml:trace contextRef="#ctx0" brushRef="#br0" timeOffset="74052.27">8690 17515 8342,'9'0'900,"-4"0"-630,8 4-91,-11-3 1,10 8 90,-3-8-90,2 3-90,6 0 90,2-3 0,1 3-90,-2-4 90,0 0 90,0 0-181,2 4 91,3-3 180,4 3-180,-2-4-90,3 0 180,-6 0-180,-3 0 90,0 0 0,-1 4 179,5-3 271,17 4-450,-12-5-90,7 0 180,-9 4-180,-13-3-90,12 3 270,-6-4-450,-3 0 180,1 0 0,-8 0 0,1 0-90,-1 0 180,-4 0 0,4 0-720,-8 0 360,7 0 90,-7 0-899,3 0 629,0 0 90,-3 0-2158,3 0 1978,-4 4-1619,-4 1 1620,-5 4 539,-6-3 0,-3 2 0,-1-3 0</inkml:trace>
+  <inkml:trace contextRef="#ctx0" brushRef="#br0" timeOffset="74846.27">8867 17766 7803,'0'-5'-450,"0"1"2159,0 4-1349,0 8-270,4-6 179,-3 11 181,3-4-360,0 1 270,-3 4 180,3-1-361,-4-3 1,0 4 0,0-5 90,0 1-90,0 3-90,0-3 270,4 12-450,-3-11 90,4 11 0,-5-12-180,0 4-3097,0-1 2982,0-2 115,4 19 180,-3-13-90,7 6 0,-7-11 90,3-11 0,-4 3 0,4-4 0,-3 0 3276,3 0-3160,1 0-116,-4-4-90,7-1 180,-3-8-90,4 2-270,1-6 270,3-2 0,-7 4-180,7-7 180,-8 12 0,0-8 0,3 8 0,-7-4-89,8 5 178,-8 0-178,3 4 178,-4-4-89,4 8 0,-3-3-89,3 4 178,-4 0-89,0 4 0,4 2 0,-3 3 0,4 0 0,-5 0 0,4 5 180,-3-4-180,7 8 0,-7-8 90,7 4 90,-3 3 0,5-1 90,-1 6-180,0-7 0,1-2 0,-1-3 0,0-5 180,5-1-180,-4-4 0,4 0-1,-5-4 1,0-1-90,0-5 90,1 1-90,-5 0 0,3-5 90,-3 4 0,1-8-90,2 8 90,-7-8 0,7 4-270,-7-9 180,7 8 90,-7-7-719,4 3 539,-5 4-900,0-7 181,-9 3 539,7 4-540,-10-3-89,7 5 539,0 7-809,-4-7 539,8 12 270,-3-3 360,0 4 0,3-4 0,-3-1 0</inkml:trace>
+  <inkml:trace contextRef="#ctx0" brushRef="#br0" timeOffset="76604.27">9397 18120 7892,'0'5'450,"-4"-1"-360,3-4 540,-3 0-360,4 4-270,0-3 449,0 3-359,-4-4 90,3 4 0,-3-3-90,4 8 90,0-8 0,0 3 0,0 0 0,-5-3-90,4 7 179,-3-7-89,4 8 0,0-4 180,0 0-90,0 7-90,0-5-90,0 6 0,0-4 180,0-3-180,0 2-90,0-3 89,0 4 1,0-4-180,0 4 90,0-4 0,0 0 90,0 3-180,0-7 90,0 3-179,0 1 89,0-4 180,4 3-90,-3-4-180,4 0 0,-1 0-360,1 0 90,4 0 270,1-4-179,-1 3 89,-4-8 0,3 4-630,-3-4 361,5 0 89,-5-1-539,3 5 359,-3-3 270,1 3 0,2-9 360,-7 4 0,7-4 0,-3 5 0</inkml:trace>
+  <inkml:trace contextRef="#ctx0" brushRef="#br0" timeOffset="76828.27">9453 17943 7533,'-9'0'1529,"4"0"-720,1 0 1890,4 0-2609,0 4-450,4-3 180,-3 7 270,7-7-90,-7 8-1799,11 0 1619,-10-3-629,11 7 269,-8-12 180,0 3-1169,3-4 1529,-2 0 0,-1 4 0,-1 1 0</inkml:trace>
+  <inkml:trace contextRef="#ctx0" brushRef="#br0" timeOffset="77501.27">9109 16659 7533,'-4'5'0,"2"4"180,-2-4 89,4 4-269,0 1 900,0 11-360,0-4-181,0 10 1,0-5 0,-4-2 90,3 7-270,-3-3-90,0 4-90,3-1 359,-7 14-269,7-6-807,-8 6 896,8-9-1078,-7 0 539,7-3 180,-3 3 180,4-4 0,0 4 0,0 1 0,0 5 0</inkml:trace>
+  <inkml:trace contextRef="#ctx0" brushRef="#br0" timeOffset="84776.27">10299 17571 7533,'-10'0'1799,"2"0"-1350,8 0 1170,0 0-1349,4 0 90,1 0-180,0 0 270,4 0-90,-4 0-91,8 0-89,-3 0 270,8 0-90,-8 0 0,8 0-91,-4-4 721,38-6-720,-25 0-1482,25 1 1032,-34 5 14,-3 4 166,-2-4 180,5 3-180,-11-4-450,10 5 181,-12 0 179,4 0 1351,-4 0-2160,4 0 475,-4 0 334,0 0-1349,-1 0 180,0 0 899,1 0-1169,1 0 629,2 0 361,-7 0 539,3 0 0,0 5 0,1 0 0</inkml:trace>
+  <inkml:trace contextRef="#ctx0" brushRef="#br0" timeOffset="88253.27">11434 17348 7533,'-5'0'1349,"1"0"-629,0 4-451,3-3 181,-3 7-270,4-3 90,-4 5 270,-2 3-271,1 1 91,-3 1-180,3 2 0,-5-2 180,-7 12-180,5-7-270,-9 7 180,6-8-90,-3 4-1162,-1-4 1072,0 4-626,-7 8 806,5-5-180,-5 6 90,7-9 0,1-5 0,3 1-359,2-5-1,-5 0-360,7-5 360,-11-4 181,12-1-991,-4-4 1325,5 0-1684,-5-12 809,8 1 270,-6-12 450,11 0 0,-8-1 0,4-4 0</inkml:trace>
+  <inkml:trace contextRef="#ctx0" brushRef="#br0" timeOffset="88627.27">11193 17069 7533,'0'-6'719,"0"2"-269,0 0-180,0 3 809,0-3-539,4 4-180,-3 0 0,8 0 359,-5 0-359,1 4 0,3 1 539,6 5-539,-3-1-180,7 0 360,-1 5-271,-5-4 181,5 8-180,-3-8 90,-4 7 90,8 6-271,-8-2 1,3 6 0,-3-9-90,-5 5 90,3-3 90,-7 7-180,8 0 90,-8 11-270,7-4-344,-7-2 434,7-9-278,-7-5 188,3 1 180,0-1-270,2 9 90,3-6-90,-4 6-269,7-4 179,-9-8 180,9 7-746,-7-8 476,4 1 180,1-2-881,-1-4 342,0 1-1080,9-1 1439,-7 0 0,11-4-1169,-12 4 180,8-4 1349,-8 0 0,4-1 0,-5-4 0</inkml:trace>
+  <inkml:trace contextRef="#ctx0" brushRef="#br0" timeOffset="89311.27">11881 17357 7533,'-9'0'-360,"4"0"450,0 0 270,5 0-91,-4 0-89,3 0 3096,-3 0-2594,12 0-502,-1 0 270,6 0-90,-4 4-181,1-3 1,-1 7-90,4-7 270,2 4-360,4-5 0,-1 0-450,9 0 270,-6 0 91,6 0 89,-13 0-1620,4 4 811,-4-3 269,1 3 180,-2 0-1349,-4-3 1709,1 3 0,-1 4 0,0 3 0</inkml:trace>
+  <inkml:trace contextRef="#ctx0" brushRef="#br0" timeOffset="89544.27">11928 17543 7533,'-4'5'0,"-2"-1"0,1-4 1529,1 0-720,8 4-269,-3-3-180,3 4 539,0-5-359,2 4-180,-1-3 809,11 3-809,-4-4 0,6 0-270,4 0 90,-6 0-1,6 0-628,-3 0 449,8 0 0,-6-4-450,10 3 360,-16-3 90,7 4-90,-8 0-1979,5 0 90,4 0 1979,-8 4 0,7-3 0,-8 3 0</inkml:trace>
+  <inkml:trace contextRef="#ctx0" brushRef="#br0" timeOffset="94178.27">12718 17217 7533,'-4'-10'-630,"3"2"630,-2 8 360,-2 0 180,4 0-271,-3 0 91,0 0 0,3 0-90,-7 8 270,7 2-1,-3 17-179,4-6 0,0 6 90,0-4-271,0-4 91,0 4-90,0-4 0,0-1 0,0 1-180,4-1 0,-3 1 180,7-5-270,-7 4 180,11 1 0,-6-4-90,3 3 0,0-9 0,-4-4-90,4 3 0,0-7 0,1 4 90,-1-5 0,0 0 90,1 0 90,3 0-90,2-5-90,-1-4 90,-1-1-90,-3-8 90,-1 4 0,0-5 0,-3 1 0,2-5-1,-7 3 1,7-3 180,-7-8-270,-1-7-90,-5 3 180,-4 4-539,-9 9 269,7 11 180,-11-7-450,12 9 0,-12 0 270,6 4-629,-2 1 269,0 4 270,8 0-539,-4 0 269,5 0 180,0 4 360,-4 5 0,3 5 0,-4 5 0</inkml:trace>
+  <inkml:trace contextRef="#ctx0" brushRef="#br0" timeOffset="103341.27">13603 16045 7533,'4'-9'539,"1"0"-269,4-5-270,5 4 90,-4-3 540,16-5-540,-10 2 270,11-6-1,-12-1-539,2 3 269,2-7 271,1 4-90,-3 2 0,1-3-180,-1-2 0,0 0-1682,0-1 1,0 0 1681,-1 1 0,-1 2-270,4-8-541,2 6 0,1-1 361,3-7 212,-3 9 0,-1 2 58,-2 0-360,-5 9 339,0 0-68,-5 5 2400,1 4-3211,-5-4 2549,3 8-1918,-7-3 758,3 8-1298,-4 1 899,-8 17 0,-2-1 0,-9 11 0</inkml:trace>
+  <inkml:trace contextRef="#ctx0" brushRef="#br0" timeOffset="103576.27">13807 16120 7533,'-5'0'809,"1"0"91,4 0-1890,0 4 1,8-3 1259,-6-1-180,11-1-90,-4-16 989,1 6-449,4-12-270,-1 1 179,-2-2-2203,6-4 2024,-2 0-779,1 5 0,3-3 464,0 0 0,1-1-45,10-10 0,0-1 45,-7 9 0,-1 0 0,0 1 0,0 3-1214,6-8 629,-4 0 630,-2 6 0,-4-1 0,1 0 0</inkml:trace>
+  <inkml:trace contextRef="#ctx0" brushRef="#br0" timeOffset="103952.27">14040 15171 7426,'-16'-13'0,"4"2"0,12 2 143,0 5-143,0 4 468,4-4-288,1 3-180,5-4 989,3 1-539,-2 3-180,6-3-1,-2 4 181,7 0 99,10-4-325,-3 0 1,1-1-314,9-1-35,13-3 304,-30 5-360,-2 3 180,3-3-90,-5 0 90,9 3-179,-6-3 179,2 4 0,-6 0-90,-6 4 180,2 1-90,-4 4 329,1 1-149,-5 3-90,3 1-90,-7 1 270,7 15-270,-7-13 180,4 23-90,-5-3 0,-5-2-180,4 10 0,-7 0 180,7-9-2322,-3 13 1603,4-16 269,0 0-1439,0 3 1799,4-7 0,1 7 0,5-3 0</inkml:trace>
+  <inkml:trace contextRef="#ctx0" brushRef="#br0" timeOffset="106952.27">15426 13580 7533,'-10'0'270,"2"0"449,4 0-269,2 4 0,-2-3-91,4 8 181,0 0-360,0 1 0,0 4 180,0 8-180,0-6-1,0 11 91,0-8-90,0 3 0,0-2 0,0 3-90,0-1 90,0-2 270,0 11-450,0-6 0,4 7-90,2-12 180,-1-3-360,3-12 180,-7-1 0,7 1 90,-7-4-180,8 3-90,-4-8 180,4-2 90,1-3-180,-1-8-90,0 1 1,0-7-181,1-4 180,-1 7 180,-4-7 180,4 0-270,-4-6 180,0 7 180,-1 4-270,-4 14 270,0 7 0,0-3 90,0 12 0,0 3-270,4 7 359,-3 1-179,3-1 0,-4 1 0,4 8-180,2-7 180,3 3 90,0-9-180,1-1 180,3-3-360,1 4 270,1-5-91,-2-4-89,1 0-89,-4-5 178,8 0-3366,-8 0 3252,7 0-347,-7-5 462,4 0-2145,-5-4 2055,4 0 90,-2-9-90,2-2 2235,-3-8-2325,-5 9 90,-1 1 282,0 1-192,-3-3-90,3 0-449,-8 3 3481,3 3-3212,-7 4-630,7 1 1,-8 1-1710,8 6 1979,-3-6 540,8 7 0,-3-3 0,4 4 0</inkml:trace>
+  <inkml:trace contextRef="#ctx0" brushRef="#br0" timeOffset="112028.27">15975 13971 6543,'0'5'540,"-4"-1"-270,3-4 90,-4 4-270,5-3 179,0 4-89,0-1-90,-4-3 90,3 3 180,-3 0-270,4 1 180,0 0-90,0 4 0,0-8-1,0 7-179,-4-3 180,3 0 0,-3 4-90,4-4-90,0 4 360,0 0-180,0 5-90,0 0 90,0 1 0,0-6-90,0-1-270,0-3 180,4 1 90,-3 2-270,3-7 90,0 3 180,1-4-540,1 0 180,2 0-449,-7 0 359,7 0-90,-3 0-1079,9-4 1529,-4-5 0,4-2 0,-5-2 0</inkml:trace>
+  <inkml:trace contextRef="#ctx0" brushRef="#br0" timeOffset="112283.27">15984 13850 7533,'-5'0'719,"1"0"1800,4 0-3149,12 0 360,-9 0 180,14 0 0,-12 4-449,4-3 269,1 3 180,-1 0 90,0-2 0,0 2 0,1-4 0</inkml:trace>
+  <inkml:trace contextRef="#ctx0" brushRef="#br0" timeOffset="117804.27">16394 13515 7533,'0'-5'539,"0"1"91,0 4-450,0-4 90,0 3 180,4-8 269,5 4-539,1 0 0,8 1 90,-8 0 0,12 3-91,-11-3 1,11 4-180,-12-4 90,8 3-90,-8-4-359,4 5 179,-1 0 180,-2 0-90,2 0-270,1 0 90,-4 0 270,3 0-1169,-3 0 629,-5 5 90,3-4 180,-3 7-719,0-7 0,0 11 989,-5-6 0,0 8 0,0-5 0</inkml:trace>
+  <inkml:trace contextRef="#ctx0" brushRef="#br0" timeOffset="118007.27">16468 13673 7533,'-5'10'449,"1"-5"-269,4-1 0,0-4 0,0 4 180,0-3 180,0 3-271,4-4 181,1 0-90,4 0-90,1 0 629,7 0-719,-5 0-270,9 0 90,-10 0 270,10-4-1079,-9 3 539,10-3 90,-12 0-720,7 3 361,-2-3 539,-1 4 0,4-4 0,-3-2 0</inkml:trace>
+  <inkml:trace contextRef="#ctx0" brushRef="#br0" timeOffset="119226.27">17854 12920 7533,'-14'0'0,"5"-4"-90,4 3 450,5-3 809,0 4-989,5 0 180,0 0-91,4 0 1,4 0-180,2 0 90,-1 0 0,4 0-90,1 0 0,9 4-90,1-3 180,-2 3-180,-4-4-90,-4 0 270,4 0-630,-4 0 180,8 0 180,-11 0-809,1 0 179,-3 0 540,-8 0-809,6 0 449,-11 0 390,3 0 0,-4 0 0</inkml:trace>
+  <inkml:trace contextRef="#ctx0" brushRef="#br0" timeOffset="119703.27">17817 12948 7533,'-9'0'359,"-1"4"-179,1-3-180,0 3 180,4-4 0,-4 0 0,8 4 180,-3-3 90,4 7 179,0 2-449,0-4 0,0 6 0,13-2 0,-6 0 0,10 3-180,1-3 270,2-1-270,3 0 179,-4 1-179,3-1 0,-7-4-179,8 3 269,-4-2-270,-5-1 90,12 3-180,-9-3 180,5 4 0,-8-3-270,-5-2 270,0 0-449,-3 1 359,-2 4 0,-4 1-180,-9 3 0,-5 6 180,-6-4 0,-2 3-179,-5-1 359,-2-1-180,-4 7 270,5-9-90,9 0 359,1-5-179,8 0 0,1-4-180,1-1 270,7 1 180,-4-4-450,5 3 180,0-4 90,9 4-91,-3-3 181,7 3 90,1-4 0,4 0-360,-2 0-90,6 0 269,-4 0-89,2-4-449,-1 3 269,6-3-360,-4 4 180,3 0 180,-7 0-180,-3 0-989,-4 0 179,8 0-269,-8 4 1259,4 1 0,-5 4 0,0 1 0</inkml:trace>
+  <inkml:trace contextRef="#ctx0" brushRef="#br0" timeOffset="120605.27">17650 13506 8072,'-6'0'630,"2"0"-450,4 0 180,0 8-450,0-2 90,0 8 90,0-5-90,0 0 90,-4 9-90,3-3 90,-3 4 0,0-5-90,3-5-90,-3-4 0,4 3 180,0-7-360,0 8-180,0-8-719,0 3 629,0-13 0,0-1 270,4-9 91,-3 5 179,3 1 0,-4-1-180,4 0 719,1-5-359,0 5-180,4 0 720,-4 5-360,4 0-180,-4 3 359,4-2 91,-4 3-450,4 0-90,0 1 270,1 8 89,-1 5-269,0 6 90,1 3-90,-5-3-270,-1-2 180,-4 1 90,4-8-90,-3 10-180,3-14 90,-4 11 0,0-8 90,0 4-720,0-4-809,4 12 270,-3-14 449,8 9 720,-8-12 0,7 0 0,-3 0 0</inkml:trace>
+  <inkml:trace contextRef="#ctx0" brushRef="#br0" timeOffset="120817.27">17901 13524 7443,'5'0'2248,"3"0"-2248,-7 0 0,8 0 180,-4 0-360,4 0 1,5 0-721,-4 0 540,3 0 180,-3 0-1349,-1 0 1259,-4 5 270,-1-4 0,0 7 0,2-3 0</inkml:trace>
+  <inkml:trace contextRef="#ctx0" brushRef="#br0" timeOffset="121003.27">17957 13608 7533,'0'5'0,"0"4"629,4-8-179,-3 3-180,7-4 629,-3 0-449,1 0-180,2 0-180,-3 0-90,4 0 270,1 0-90,-1 0-720,-4-4 270,3 3-989,2-8 359,4 4 720,1 0-539,-2 1 719,-8 0 0,4 3 0,-4-3 0</inkml:trace>
+  <inkml:trace contextRef="#ctx0" brushRef="#br0" timeOffset="121202.27">18217 13506 7533,'6'0'2428,"-2"0"-1888,-4 0-180,4 4-180,-3 1-180,3 0 90,-4 4 90,0-4-270,0 0 90,0 7-990,0-10 450,0 11-359,4-4-180,-3-3 1079,3 7 0,0-8 0,2 4 0</inkml:trace>
+  <inkml:trace contextRef="#ctx0" brushRef="#br0" timeOffset="122438.27">17826 12492 7533,'0'-5'-630,"0"-3"630,5 7 450,-4-4-90,7 5-270,-7 0-1,3 0 271,-4 9 90,4 1-90,-3 17-90,3-2-270,-4 3 180,0-6-90,0-7 89,0 2-358,0-2 89,0-1-180,-4 8 0,3-2 90,-7-5-630,7 6 181,-3-19 179,4 6 450,0-8 0,-4-4 0,-2-1 0</inkml:trace>
+  <inkml:trace contextRef="#ctx0" brushRef="#br0" timeOffset="122678.27">17864 12473 7533,'9'0'719,"0"0"-89,1 0-270,3 5-270,-7 0 90,7 4-1,-12 4 1,7-2 90,-3 6-360,4 2-270,1 1 271,-1-2-1,0-4 90,-3-5-630,2-4 180,-3 3-90,0-3 91,3 1-361,-2-2 360,-1-4 450,3-4 0,-3-2 0,5-3 0</inkml:trace>
+  <inkml:trace contextRef="#ctx0" brushRef="#br0" timeOffset="122888.27">18096 12343 7533,'0'-5'270,"0"1"179,0 4 1,5 0 270,-4 0-540,3 0 179,-4 4 271,0 9-360,0-1 0,0 5 89,-4 5-359,3-5 180,-4 9-180,5 1-90,-4-6 90,3 6-3277,-3-9 2353,4 1 172,0-4 482,0 2-1259,0 2 809,4-4 181,-3 3 539,8-9 0,-8 0 0,3 1 0</inkml:trace>
+  <inkml:trace contextRef="#ctx0" brushRef="#br0" timeOffset="124628.27">18756 13050 7533,'-9'-4'-90,"4"3"629,1-3-179,4 4 1169,-4-4-1349,3 3 0,-3-4 0,4 5 180,0 0-360,4 0 270,1-4-90,4 3-270,0-3 90,5 0 0,0 3-90,1-3 0,7 4 90,-11 0-180,11 0 0,-8 0 90,1 4-90,-2-3 270,-4 7-360,-3-7 90,2 8 0,-7-4-89,3 4 179,-4 0 0,0 1-90,0-1-90,-8 4 90,-3 6 90,-3-3-180,-4 1 90,0 1 90,-2-3 180,-3 4-270,1 3 270,2-11 0,1 11-270,-2-8 450,9 5-180,-1-5 0,1 4 0,10-8 180,-10-1-90,11 0 270,-4-4-91,5 4-269,0-4 180,5-1-90,-1-4-90,2 0 360,6 0-360,-2 0 90,9 0-90,-5 0-180,4 0 180,-8 0 0,3 0-1,-3 0-448,-1 0 89,9 0 180,-7 0-810,7 0 91,-1 0-360,-5 0 539,9 0 90,-10 0 540,2 0 0,1 0 0,0 0 0</inkml:trace>
+  <inkml:trace contextRef="#ctx0" brushRef="#br0" timeOffset="125304.27">19101 13218 7083,'-5'0'1259,"1"0"-1079,4 0 0,0 4-90,0 9 90,0-2-270,0 15 270,0-10-90,0 7-180,0-9 180,0 4 0,0-8-270,0 3 90,0-3 90,0-1 90,0-4-270,0 3 0,0-7 180,0 4-180,0-1 0,0-3-90,0 3 1,4-12 179,-3-3-450,3-7 360,-4-1 0,0 0 90,4 1-90,-3 3 180,3-6-270,-4 1 91,0 0 448,0 3-269,0 8 90,0 3-180,0-2 630,0 7-180,4-3 180,-3 4-181,4 0-179,-1 0 90,-3 0 270,7 4-450,-3 1 270,0 5-271,4-1 181,-4-4-180,0 3-180,3-3 90,-7 5 0,8-1-989,-4 0 899,4 1 0,0-1-1079,1-4 1169,3 3 0,-3-7 0,4 4 0</inkml:trace>
+  <inkml:trace contextRef="#ctx0" brushRef="#br0" timeOffset="125499.27">19352 13255 7533,'0'5'0,"0"-1"180,0 0-90,-4-3-90,3 7 629,-7-2 1,7 3-270,-8 0-1,4 1-269,0-1 90,1 4 0,0-2-360,3 2 90,-7-4 0,7 1-629,-4 7 359,5-5 270,0 5-90,0-12-360,0 4 271,0-4 89,5 0 180,-4 3 0,7-7 0,-3 3 0</inkml:trace>
+  <inkml:trace contextRef="#ctx0" brushRef="#br0" timeOffset="125756.27">19538 13199 7623,'0'5'180,"0"3"-1,0-2-89,0 3 270,0 0-180,-4 0 0,3 9 360,-3-7-1,0 15-89,3-14-180,-3 5 0,4-3-180,0-4-90,0 3 180,0 5 0,0-7-810,0 7 360,4-9 180,-3 1-719,7-1 719,-7 0-90,3-4-1349,1-1 1169,-4-4-540,7-4 900,-7-1 0,7-8 0,-3-2 0</inkml:trace>
+  <inkml:trace contextRef="#ctx0" brushRef="#br0" timeOffset="125962.27">19492 13004 7533,'-5'-6'539,"1"-2"-89,4 7 90,0-3-270,-5 8-90,4-3-90,-3 7 89,4-7 1,0 8 0,4-4-180,-3 0 0,4 3 180,-1-7-450,1 12 180,8-11-1259,-6 10 270,9-7 1079,-10 1 0,8-2 0,-5-4 0</inkml:trace>
+  <inkml:trace contextRef="#ctx0" brushRef="#br0" timeOffset="126787.27">18905 12566 7533,'-9'-5'-540,"4"1"360,1 4 630,0 0-270,3 0 90,-8 0 89,4 4-89,-4 1-90,0 5-90,3-1 0,-6 4 90,6-2-90,-8 2-90,5 1 0,0 0 180,-1 1-360,-3 6 180,3-5 0,-4 7 90,9-13-180,1 2 180,4-11-788,0 3 1,4-12 0,1-2 0</inkml:trace>
+  <inkml:trace contextRef="#ctx0" brushRef="#br0" timeOffset="126954.27">18850 12538 7533,'13'-8'899,"-3"6"-539,4-6-90,-5 12-90,-4 1 0,8 4 0,-11 1-1,14 7-179,-9-1 180,6 7-450,-4-9 270,1 4-89,-5-8-361,3 8-630,1 0 1080,6 2 0,-1-2 0,0-4 0</inkml:trace>
+  <inkml:trace contextRef="#ctx0" brushRef="#br0" timeOffset="127991.27">17110 13831 7533,'-5'0'270,"1"0"539,4 0-539,0 5-180,4-4 270,1 3 359,21 0-629,-8 1 0,13 4 90,-13-3 0,9 2 0,-3-7-180,8 7 360,13-3-1509,-13 0 1149,12 0 0,-11-5 180,-4 0-90,7 0-279,-3 0 323,-3 0 1,2 0-314,20 0-260,-18 0 0,0 0 529,17 0 0,-5-5-135,-15 5 0,1-1 45,4-3 0,0 0 0,0 3 0,0 1 45,-1-2 0,-2 0-45,14 2-90,2 0 0,-13 0 90,8 0 90,-7 0-180,6 0 90,3 0 0,5 0 630,-4 0-495,-19-2 0,-1 0 134,21 1-89,-2-3-270,4 0 180,-3 2-726,-19-2 0,0 0 725,2 3 1,0 1 90,-4-2 0,0 0-45,4 0 0,-1 0 45,19 1-254,3-7 29,-24 7 0,0 1 135,-1-2 0,1-1-90,14 1 0,3 0 0,-2 2 0,-1-1-45,0-1 0,0 0 45,-5 2 0,-1 0 0,16 0 0,-4 0 0,-19 0 0,-1 0-90,21 0 90,-21 0 0,0 0 21,17-4-21,-13 4 0,0-1-72,10-3-63,-14 2 1,0 0-46,10 1 1062,1-3-972,-5 4-630,-1 0 360,-4 0 90,-5 0-188,4 0-351,-8 0 359,-4 0-270,-3 0 1461,-11 0-1034,3 0 1,-16 4 0,-4 1 0</inkml:trace>
+  <inkml:trace contextRef="#ctx0" brushRef="#br0" timeOffset="128781.27">18710 14176 7713,'-5'0'539,"1"0"-269,4 0-180,-5 4 0,4 1 0,-3 0 90,1 3-90,2-2 0,-7 7 0,7-3 0,-8 4 0,4-5-180,0 4 180,-3-2 0,3 6 0,-5-6-90,1 6-90,-13 10 0,10-9-780,-14 12 960,16-16-270,-8 1 180,4 2 0,-1-6-360,-3 2 0,-4-4 270,5 1-449,-9-5 179,16-1 180,-8-4-90,8 0-360,-3-4 181,3-1 449,1-5 0,0-3 0,-1-2 0</inkml:trace>
+  <inkml:trace contextRef="#ctx0" brushRef="#br0" timeOffset="129178.27">18441 14036 7533,'5'-9'-360,"3"-1"0,-3 5 180,5-3 630,7 7-90,-5-3-180,5 0 89,-3 3 181,-4-3 180,8 8 0,0 1-361,-2 4 181,14 13-270,-14-10 0,7 10 180,-6-4-90,-6-3-270,6 4 0,-7-2 179,4-6-179,-5 6 0,0-7 90,0 8 90,5-3-90,-4-1 0,4 4 0,-5-8 0,-4 3 0,3-3 90,-6-1-180,6 0 90,-7 1 0,7-1 90,-7 0-270,3 0 90,-4 1 90,0-1-270,4 0 90,-3 1 90,4-1 90,-5 0-270,0 1 0,0-1 180,0 0-360,0 1 180,0-5-90,4 3 181,-3-3-91,7 0 0,-3 4 0,4-8 0,1 3-450,-1-4 181,0 0 269,5 0-810,0 0 361,1 0 269,2 0 360,6-9 0,2-1 0,7-8 0</inkml:trace>
+  <inkml:trace contextRef="#ctx0" brushRef="#br0" timeOffset="145668.27">1098 18343 7533,'-5'9'0,"0"1"0</inkml:trace>
+  <inkml:trace contextRef="#ctx0" brushRef="#br2" timeOffset="154427.27">9351 10408 7533,'13'0'539,"-3"-4"-629,0 3-269,-2-3 269,-3 4-360,5 0 360,-1 0-90,0 0 0,-4-4-90,4 3-89,-4-3 269,4 4 0,0 0 90,5 0 0,-4 0 0,8 0 0,-8 0 0,-1 0 0,4 0 0,-11 0 0,14 0 0,-9 0 0,6 0 0,-4 0 0,5 0 0,-4 0 0,4 0 0,-1 0 90,-3 0 90,4 0-180,-5 0 359,9 0-269,-3 0 360,12 0-450,-8 0 90,0 4 0,-6-3-540,-4 3 270,1-4 180,-1 0 0,0 4 0,1 1 0</inkml:trace>
+  <inkml:trace contextRef="#ctx0" brushRef="#br2" timeOffset="154588.27">9992 10418 7533,'11'5'0,"1"-1"270,-7-4 89,9 0-179,-4 4-540,3-3 181,1 3 179,-4-4 0,8 0 0,-8 0 0,4 0 0,-5 0 0</inkml:trace>
+  <inkml:trace contextRef="#ctx0" brushRef="#br2" timeOffset="154799.27">10588 10464 7533,'14'0'359,"0"0"-179,-5 0-360,1 0 180,-1 0 0,0 0 270,0 0-719,5 0 449,-4 0 0,8 0 0,-4 0 0</inkml:trace>
+  <inkml:trace contextRef="#ctx0" brushRef="#br2" timeOffset="154989.27">10960 10483 7533,'11'9'719,"1"-4"-539,-7 3 0,5-7-180,7 12-540,-5-11 271,9 10 179,-10-11 0,2 4-360,-4-5 180,5 4 90,-8-3 0,11 3 180,-11-4 0,7 0 0,-3 4-90,-1-3-90,4 3 180,-2 0 0,2-3 0,-4 3 0</inkml:trace>
+  <inkml:trace contextRef="#ctx0" brushRef="#br2" timeOffset="155149.27">11574 10641 8882,'19'5'1169,"-5"-1"-899,4-4-90,0 0-1439,2 0 1259,3 0 0,-1 4 0,2 1 0</inkml:trace>
+  <inkml:trace contextRef="#ctx0" brushRef="#br2" timeOffset="155333.27">12077 10734 7533,'9'0'629,"0"0"-359,5 0-360,-4 0 90,3 0 180,1 4-180,-4-3 0,8 3 270,-8-4-90,8 0-990,-8 0 540,8 0 91,-4 4 179,1-3 0,2 3 0,-2-4 0</inkml:trace>
+  <inkml:trace contextRef="#ctx0" brushRef="#br2" timeOffset="155496.27">12561 10725 7533,'18'4'809,"-3"-3"-539,-2 3-180,-3 0 90,3-3-450,1 3 90,1-4 180,3 4-1349,0 2 539,-3-1 810,2 3 0,-3-3 0,0 4 0</inkml:trace>
+  <inkml:trace contextRef="#ctx0" brushRef="#br2" timeOffset="155649.27">12876 10827 7533,'14'9'-630,"-8"-4"450,11 4 630,-7-4-360,4 0-90,0 3 90,-5-7-90,5 8 90,-4-4-270,3 0 0,1 3 270,-4-3-90,4 5-90,-5-1 90,4 4-450,2 6 270,-1-3 0,-4 1 180,-2-4 0,-3 2 0,4 4 0</inkml:trace>
+  <inkml:trace contextRef="#ctx0" brushRef="#br2" timeOffset="155769.27">13193 11134 7533,'20'25'90,"-3"-4"90,-8-15 89,1 2-359,-1-3 270,0 4-539,9 9-1,-3 1 360,4 1 0,-5 2 0,-5-8 0</inkml:trace>
+  <inkml:trace contextRef="#ctx0" brushRef="#br2" timeOffset="155932.27">13472 11543 7533,'0'9'719,"4"9"-269,-3-7-180,3 7 90,1-9-810,-4 1 360,7-1 90,-3 4 0,0-2-1169,4 6 539,-4-2 270,0-1 360,-1 4 0,0-4 0,1 5 0</inkml:trace>
+  <inkml:trace contextRef="#ctx0" brushRef="#br2" timeOffset="156099.27">13612 12045 7533,'0'18'1079,"0"-2"-809,0 6 90,0-7-450,0 2 90,0-6 180,0 6 0,4-2-1080,1-1 540,4 4 180,1-4 180,-5 5 0,3-1 0,-3 1 0</inkml:trace>
+  <inkml:trace contextRef="#ctx0" brushRef="#br2" timeOffset="156523.27">13770 12678 7533,'0'39'-810,"0"-7"540,0 14-485,0-18 665,4-1 180,-3-8-180,8 8 217,-8-7-127,7 11 0,-3-11 0,4 3-90,1 3 90,-5-14 90,3 14-180,-3-3 90,0-2 110,4 1-200,-8-4 90,7-4 0,-7 5 0,3 0 0,0 3 0,-3-2 0,3-1 0,1 2 0,-4 3 0,7-3 90,-7 5-90,3-12 0,-4 1 270,4 6 68,-3-5-338,8 6 0,-8-7 0,3 3 0,0 0-180,-3 2 180,3 2 0,-4-3-179,4 0 179,-3-5 0,3 4-90,-4-4 90,0 1 0,0 2-90,0-2 360,4 7-91,-3-6-89,4 6 540,-1-4-450,-3-2-90,7 1 90,-3 5-90,0-10-360,4 14 90,-8-15 90,7 6 180,-3-2-90,0-1 0,4 4 0,-4-4 0</inkml:trace>
+  <inkml:trace contextRef="#ctx0" brushRef="#br2" timeOffset="156687.27">14180 14269 7533,'0'29'-450,"4"-3"270,1-7-360,4 4 360,4-4 1,-3 4-641,4-4 1,-1 4 0,2 0 0</inkml:trace>
+  <inkml:trace contextRef="#ctx0" brushRef="#br2" timeOffset="156912.27">14654 15292 7533,'0'42'0,"0"-9"1169,4-6-629,1-8-270,8 4-1260,-2-8 450,6 7 91,-2-12-541,3 4 990,1-5 0,0 0 0,-1 0 0</inkml:trace>
+  <inkml:trace contextRef="#ctx0" brushRef="#br2" timeOffset="157162.27">15147 15711 7533,'9'14'0,"1"-1"629,-1-3-179,0-1-180,1 0 180,-1 1-91,0-1-89,0 0-90,9 5-180,-7-4-450,15 8 181,-10-12 269,2 6-90,0-11-630,-8 7 450,4-7 90,-5 8 0,0-8 1,1 3-91,-1-4 90,0 4-450,1-3 270,-5 3 360,7 0 0,-10-3 0,11 8 0,-8-4 0,4 4 0</inkml:trace>
+  <inkml:trace contextRef="#ctx0" brushRef="#br2" timeOffset="157641.27">15417 15748 7533,'-5'0'1619,"1"0"-1349,0 0-90,2 0-720,-2 0 180,13 0 90,-3 0 90,7 0-180,-3 0 271,-5 0-91,3 0 90,-3 0 270,0 0-270,4 4 989,-4 1-539,4 0-180,-4 3 719,8 2-449,-11-4-180,10 6 0,-7-7 0,5 5-180,-1-1 269,0 0-539,1 1 180,3-1 0,-3 0 180,8 5-180,-12-4 0,7 3-359,-4 1 448,-3-4 91,2 4-90,-8-5-90,0 0 0,0 1 180,0-1 0,-4 0-90,-1 1-180,-8 3 270,-6 6-90,-1-4-998,-2 7 818,3-8 90,0 1-180,1 2 90,-1-6 0,1 2 180,-1-4-1529,4 1 270,-6-1 1169,5-4 0,-7 3 0,5-2 0</inkml:trace>
+  <inkml:trace contextRef="#ctx0" brushRef="#br2" timeOffset="160076.27">16636 14455 7533,'-6'5'809,"2"3"-629,4-3-90,0 5 180,0 3-90,0-3-180,0 4 0,0-5 180,0 0-360,0 1 90,0 3 90,0 2-720,0-1 450,0 4 1,0-8-811,0 3 1080,0 1 0,4-4 0,2 4 0</inkml:trace>
+  <inkml:trace contextRef="#ctx0" brushRef="#br2" timeOffset="160223.27">16617 14920 7533,'-4'5'809,"3"-1"-449,-7 0-180,7 1-900,-4 9 181,5 0 179,5 1 360,-4 2 0,7 2 0,-3 5 0</inkml:trace>
+  <inkml:trace contextRef="#ctx0" brushRef="#br2" timeOffset="160552.27">16636 15273 7533,'-10'4'0,"5"-3"1259,1 8-449,4-4-361,0 4-1078,0 0 449,0 1 90,0 3 90,0-2-1260,0 2 631,4 0 359,-3-2-540,3 15 541,-4-14 269,0 10 0,0-13 0,0 9 0,0-11 0,0 5 0,0-8 0,0-3 0,-4 4 0,3-5 269,-3 0 1,4 4-270,0-3 0,0 3 360,4 0-90,-3-3-90,3 3 90,-4 0-270,0-3 180,0 3-1,0 1-358,0-4-1,4 7 270,-2-7-90,2 3 0,-4 0 0,0 1 0</inkml:trace>
+  <inkml:trace contextRef="#ctx0" brushRef="#br2" timeOffset="160977.27">16310 15431 9332,'5'0'0,"3"0"-90,-3 0 90,5 5 90,-5-4 90,3 7-450,-3-7 90,5 3 0,7 4 360,-5-6-90,5 11 0,-8-8-180,5 0 0,-4 3 180,4-2-90,-1 3 0,6 0 0,-4 0-90,7 1 90,-12-5 90,8 3-90,-8-3-90,4 1 90,-1 2 0,-2-7 0,2 3 0,0-4 0,-2 0 180,6-4 0,-6 3-90,-2-7 89,3-6-89,-5 3 0,6-11 0,5-13-719,-7 15 53,7-18 396,-13 23 180,7-11 0,-6 1 0,8-7 0</inkml:trace>
+  <inkml:trace contextRef="#ctx0" brushRef="#br2" timeOffset="163840.27">17603 15599 7533,'0'10'90,"0"3"179,0-8 1,0 4-270,0 5 720,0 4-360,0-2 269,-4 9-269,3-9 0,-7 7-180,6-9-90,-6 4 90,3-4 0,-4 9-270,-1-3 180,1 2 179,-8 9-359,5-5-2113,-10 10 2203,8-12 0,-1 3-140,-2-3 230,7 0 0,-8 2-360,3-2 270,-3-4-180,-1 2-90,1-8-90,-5 5 360,3-9-449,-3 2 179,9-11 0,-4 3 180,8-4-720,-3-4-89,-1-9 629,4-3 811,1-6 0,1-1 0,3-1 1</inkml:trace>
+  <inkml:trace contextRef="#ctx0" brushRef="#br2" timeOffset="164386.27">17454 15469 7533,'0'-10'-450,"0"5"360,0-3 90,0 7 360,0-7-90,0 7-1,0-8 91,0 8 0,0-3-180,4 4-90,-3 0 360,3 0-91,0 0 1,-3 0 360,8 0-540,-4 0 90,0 4 89,3 1-179,-7 1 0,8 2 90,-8-3 90,11 8-90,-10-2-270,11 2 180,-12 1-1,7-4-89,-3 3 0,0-3 90,4-1-180,-8 4 0,3-2 90,-4 2 0,4 9 90,-3-6-90,3 11 90,-4-8-180,0 4 0,0-4 0,0 8 90,-4 5 0,3 2-270,-3-1 270,4-6 0,0-8-180,0 0 90,0-1 0,4 1 0,1-9 90,4 2-270,9-6 270,-7-1-90,11 3 90,-7-7 0,3 3-90,9-4 90,-10 0-90,8 0 0,-10 0-90,-1 0 180,12 0-540,-5 4 0,7-3 360,-10 4-270,-4-5-89,-1 0-721,-2 0 541,2 0 89,-8 4 270,4-3 270,0 7 0,-3-7 0,2 3 0</inkml:trace>
+  <inkml:trace contextRef="#ctx0" brushRef="#br2" timeOffset="165019.27">18171 15664 7533,'-5'0'809,"1"-4"-629,4 3 180,0-3-180,4 4 0,-3 0 0,11 0 89,-2 0 451,5 0-450,-2 0 0,-3 0-90,-1 0 89,0 0 181,5 0-810,-4 0 181,4 0 179,-5 0-1080,0 0 361,9 4 539,-7-3-540,7 3 0,-1 0 720,-9-3 0,8 12 0,-11-3 0</inkml:trace>
+  <inkml:trace contextRef="#ctx0" brushRef="#br2" timeOffset="165244.27">18255 15841 7533,'-15'0'2248,"6"0"-2427,9 4-1,1-3 0,7 7 180,-3-7-90,9 7 1529,0-7-1079,1 4-90,2-5 359,-6 0-269,6 0-450,6 0 0,-2 0 180,6 0 0,-9 0-1709,1 0 540,8 0 1079,-7 0 0,7 0 0,-8 0 0</inkml:trace>
+  <inkml:trace contextRef="#ctx0" brushRef="#br2" timeOffset="176324.27">19026 15459 7533,'-5'6'270,"1"-2"359,4 0-269,4-3-90,1 3 1709,17-4-1530,-9 0 1,12 0-90,-10 0 0,4 0-90,-1-4-90,1 3 89,4-3-89,-4 0 0,8 2 0,-3-6 0,0 7 0,3-3-360,-8 0 270,12 3-90,-10-3 0,6 4 270,-4 0-630,-8 0 180,3 0-629,-1-4 719,-5 3 0,1-4-810,-5 5 181,-2 0 449,-1 0-990,-1 0 541,0 0 269,-3 5-180,3 0 181,-4 4-181,-8 4-90,2-2 720,-8 2 0,1 1 0,-2 0 0</inkml:trace>
+  <inkml:trace contextRef="#ctx0" brushRef="#br2" timeOffset="177048.27">19073 15552 6903,'0'-5'1259,"0"1"2017,0 4-2414,0 8-682,4-1 90,-3 10 0,7-7-91,-7 4 1,8-5 0,-4 0-180,8 1 360,2 3-360,3 2-90,1-1 270,0-5-450,-5 0 270,4-4 0,-8 4 0,8-4 0,-8 4 0,3-4 0,-3 4 0,-1 0-180,0 1 90,-3-1-90,2 9 90,-7-3 1,3 4-91,-8-2 180,-1-6-450,-9 10 450,4-9-90,-8 5 0,4-3 0,-1-4 0,-2 3 0,2-3-90,1-1-3097,-4 4 2982,8-2 18,-8 2 188,8-3-1,-4-1 180,5 0-90,-4 5 0,-2 0 179,5-4-269,-2 3 90,10-12 180,-6 7 3096,7-7-3072,-3 3 75,4 0-99,0-3 180,0 4-270,0-1 0,0-3 180,4 3-90,1-4 89,1 0 181,2 0 90,5 0-450,-1 0 270,9 0 179,2-8-359,-2 5 90,6-9-90,-5 7 0,-2-4-90,7 3 180,-3-2-91,0 7 1,2-7-360,-6 7 180,3-3 0,-5 0-179,-3 3 179,15-4-180,-17 5 180,13 0-90,-16 0 90,-1 0-90,0 0-90,1 0 180,-1 0-180,0 0 0,0 0 180,-3 0-90,2 0-360,-7 5 181,3-4 89,0 3-900,-3-4 260,3 0 1,-12 0 0,-2 0 0</inkml:trace>
+  <inkml:trace contextRef="#ctx0" brushRef="#br2" timeOffset="178026.27">19017 16380 4042,'0'10'449,"0"-1"865,0 0-954,4 0 766,-3 1-946,8-1 682,-8 4-683,7-2 977,-7 2-1066,3-3 563,-4 3-473,4-3 0,-3 12 0,3-11 0,-4 11 89,0-3-269,0-4 180,0 3 0,0-5-360,0-2 270,-4 2-180,3-4 0,-7 1 0,3 3 90,0-3-89,-4 0 178,4-2-448,0-7-1,-12 3-719,14-4-91,-17-16-89,18 7 1259,-11-25 0,8 18 0,-4-11 0</inkml:trace>
+  <inkml:trace contextRef="#ctx0" brushRef="#br2" timeOffset="178235.27">18998 16296 9871,'6'0'1080,"2"0"-720,-3 0-450,0 0 180,4 0-1,-4 0-358,4 0 179,0 0 180,-3-4-1080,6 3 451,-6-3 359,8 4 0,-5 0-540,0 0 270,-4 0 91,4 0 359,-8 4 0,7 2 0,-3 3 0</inkml:trace>
+  <inkml:trace contextRef="#ctx0" brushRef="#br2" timeOffset="178475.27">19157 16427 7533,'0'5'449,"0"-1"-179,4-4 0,1 0 630,0 0-361,4 0-89,-4 0-90,4 0-360,0-4 180,1 3 0,-1-3-540,0 4 270,1 0 90,-1 0 0,0-4-1079,0 3 629,1-4 180,-1 5-1079,0 0 629,1 0 270,-5 5 450,-1-4 0,0 7 0,1-3 0</inkml:trace>
+  <inkml:trace contextRef="#ctx0" brushRef="#br2" timeOffset="178653.27">19241 16548 7533,'-5'10'1259,"4"-2"-989,-3-8 90,4 4 89,0-3 361,0 4-450,4-5 269,6-5-719,4 0 90,5 0 0,-5 1-1079,4 0 719,-8 3 180,8-7-719,-4 6 89,5-6 810,-1 3 0,-3-4 0,-2-1 0</inkml:trace>
+  <inkml:trace contextRef="#ctx0" brushRef="#br2" timeOffset="178844.27">19501 16380 11221,'0'10'1169,"0"-1"-1259,4 8 90,2-1 0,-1 7 0,-1-5-1079,0 5 179,1 1-269,4-5-180,-3 3 1349,2-12 0,-3 4 0,4-5 0</inkml:trace>
+  <inkml:trace contextRef="#ctx0" brushRef="#br2" timeOffset="179343.27">19306 14929 7533,'-10'-4'180,"5"3"-180,-3-3 269,7 4 1,-7 0 450,2 4-360,1-3-1,-3 7 181,3 6-180,0-3-180,-4 11 0,4-4-180,0 2 180,-3 3-360,3 4 180,-5 18-990,5-8 181,5 12 719,1-30-1349,7-1 719,2-9 720,0-3 0,4-2 0,-5-4 0</inkml:trace>
+  <inkml:trace contextRef="#ctx0" brushRef="#br2" timeOffset="179669.27">19492 15041 7533,'0'-11'899,"0"-1"-449,0 11 539,0-3-179,-4 4-360,-1 4-91,-9 1-269,0 9-90,-5-4-180,-4 7 91,-1-2-451,-3 4 180,-1-5 270,4-1-90,5-3 90,6-1 0,-1 0 180,8 1-180,-2-1 180,8-4 90,0 3-180,8-7 360,2 8-180,9-8 180,8 7-91,-6-7-269,1 3 90,4-4 90,-1 0-899,8 4 179,3 1 540,-2 5 0,-6-5 0,-1-1 0</inkml:trace>
+  <inkml:trace contextRef="#ctx0" brushRef="#br2" timeOffset="180117.27">19967 15506 7533,'-16'-5'989,"4"1"-809,12 4 630,0 0-91,8 0 181,6 0-181,14 4-449,10 1-90,8 0-2179,-6-1 1909,-4-4 180,-14 0 0,1 0-180,-4 0 270,8-8-450,-12 6 90,11-11-1439,-2 8 90,-3 0 719,-4 5 271,-12 1 1061,-5 12 0,-9-7 0,-1 7 1</inkml:trace>
+  <inkml:trace contextRef="#ctx0" brushRef="#br2" timeOffset="180673.27">20041 15506 7533,'-14'0'0,"0"0"0,9 0 0,-3 0 180,7 4 179,-8-3-179,4 3 90,0-4 90,1 0 90,4 4-91,0-3 1,0 3-180,0 1 270,0-4-90,4 3 89,1 0-89,5-3 90,-1 7-270,0-7 0,0 7 0,1-2 0,3-1-1,-2 3 1,10-3 180,-1 5-360,8-1-180,12 8 180,-17-5-360,6 5 91,-19-3-1,-1-4 0,0 12-90,-4-7 90,-1 4 90,-4-1-359,-8-4 359,-2 5-90,-9-1 0,5-7 180,-3 5 90,2-10-90,-16 8 90,1-1 0,1-7 90,4 7-180,14-8 90,-2 0 180,3 3-270,1-7 360,4 4-90,1-1-90,4-3 90,0 7 90,0-7-180,0 7 539,4-3-449,1 1 90,9-2 270,0 0 89,13-3-179,2 3-270,0-4 90,-2 0 90,-13 0-91,4 0 1,0 0 180,10 0-270,-8-4-360,2 3 180,-9-3 0,-2 4-900,11-4 721,-11 3-1171,15-4 721,-19 5 179,10 0-450,-12 0 271,4 5 179,-4-4 180,4 3-1709,-8 0 1620,7-3-721,-7 7 1080,3-7 0,-4 7 0,0-2 0</inkml:trace>
+  <inkml:trace contextRef="#ctx0" brushRef="#br2" timeOffset="181461.27">20050 16306 7533,'-5'0'539,"1"0"-269,4 0 90,0 4-270,0-3 450,-4 3-181,3 0 1,-3-3-180,4 8 0,0-4 0,0 4 0,0 0-360,0 5 180,0-4-180,0 4 180,0-1-90,0-3 270,0 4-360,0-1 90,-4 2-90,3 3 90,-3-3 0,4-2-359,0-8 179,0 4 90,0-8-1979,0 3 1709,0-17 181,0 6 269,0-10 0,0 7 0,0-3 0,0 2 0,0-6 0,0 7 0,0-8 0,0 8 0,0-8 0,0 4 0,0-1 89,4 2 1,-3 3 630,3 1 90,0 0-361,-3 0 1,3-1 90,0 5-1,-3-3-269,8 7 90,-4-3-180,4 4 0,0 0-180,1 0 180,-5 0 90,3 4-270,-3 1 90,0 0 89,4 3-179,-8-2 90,7 7 0,-3-3 90,0 4-90,4-5 90,-8 0 90,3 5 0,0 0-180,-3 1-180,3-2 90,-4-4 0,0 5-90,0-4-630,4 16 270,-3-9-539,8 9 539,-8-15 91,3 1 179,-4-11-810,4 3 361,-4-4 269,4 0-270,0 0 90,-3 0 540,8-4 0,-8-5 0,3-6 0</inkml:trace>
+  <inkml:trace contextRef="#ctx0" brushRef="#br2" timeOffset="181679.27">20282 16296 7533,'-5'0'0,"1"0"3276,4 0-3044,0-4-142,0 3-180,4-3 270,1 4-540,5 0 90,-1 0 180,0 0-1079,1 0 269,-1 4-359,-4-3 539,3 8 720,-7-4 0,4 4 0,-5 0 0</inkml:trace>
+  <inkml:trace contextRef="#ctx0" brushRef="#br2" timeOffset="181845.27">20292 16389 7533,'0'6'1079,"0"2"-629,0-7-90,0 3 89,0 0-269,0-3 0,0 3 0,4-4-360,1 0 270,8 0-1529,6 0 1259,-3-4 90,1 3-1259,-3-7 1349,-8 3 0,10-4 0,-5-1 0</inkml:trace>
+  <inkml:trace contextRef="#ctx0" brushRef="#br2" timeOffset="182028.27">20496 16278 9332,'-5'0'1529,"1"0"-1079,4 0-271,0 4-269,4 1 270,-3 5 0,3-1-270,1 0 180,-4 0-90,7 1-1079,-3-1 359,4 9 630,1-7-1439,-5 7 630,3-9 899,-3-4 0,5 3 0,-1-3 0</inkml:trace>
+  <inkml:trace contextRef="#ctx0" brushRef="#br2" timeOffset="183337.27">20106 14938 7533,'-5'6'-990,"1"-2"900,0 0 90,3-3 90,-3 3 90,4-4-180,0 4 0,0-3 540,0 3-360,-4 0 90,3-3-91,-4 4-179,5-5 360,0 0 0,0 4-270,0-3 270,0 7-90,0-3-180,0 5-90,0-1 90,0 0 0,0-4-90,0 4 89,0-4 91,0 4-90,0-4-180,0 3 0,0-7 180,0 8 0,0-8-180,0 3-90,0 0 270,0-3 180,0 3-180,-4 0 0,3-3-90,-3 8 0,4-8 0,0 7 90,-4-7-90,3 11 0,-3-10 180,0 19-180,-2-14 90,1 15-180,-3-3 90,3 0 0,-5 4-90,5-4 180,-3-1-180,3 9 90,-4-10 0,3 9 0,-2-12-180,7 0 0,-3 0 180,4-9 0,0 3-629,-4-7 179,3 8 270,-3-8-899,8 3 539,-3-8-180,11-6 720,-10-4 0,11-5 0,-8 1 0</inkml:trace>
+  <inkml:trace contextRef="#ctx0" brushRef="#br2" timeOffset="183568.27">20116 15059 7533,'5'-5'0,"-1"-3"359,-4 7 91,0-3-450,4 4 630,-3 0-360,7 0 179,-7 0 541,12 4-630,-11 1-90,10 4 179,10 17-719,-5-12 1,10 16-721,-14-24 540,-4 2 181,-3-4 89,2-3-450,-7 3 90,7-4-809,-3 0 719,1 0 630,-2 0 0,0-8 0,1-2 0</inkml:trace>
+  <inkml:trace contextRef="#ctx0" brushRef="#br2" timeOffset="183800.27">20320 14873 7533,'0'-9'0,"0"0"0,4 4 989,-3-4-449,3 8-90,-4-3-91,0 0 91,0 3 180,0-3-1,4 8-449,-3-3 0,3 11 360,-4-1-360,0 7-180,0 1 90,0-5 90,0 4 0,0-4-270,0 5 90,0 0-630,0 20 270,0-15 90,0 15-1169,0-20 630,0-1 359,0-3-630,0 2 451,0-2 629,0-1 0,0 4 0,0-4 0</inkml:trace>
+  <inkml:trace contextRef="#ctx0" brushRef="#br2" timeOffset="185197.27">21027 15450 7533,'-13'-4'-270,"-2"3"270,1-7-360,4 7 0,-2-4 270,10 5 720,-10 0-180,6 0-270,1 0 449,1 0-179,4 0-180,-4 0 270,3 0-271,-3 5-89,4-4 180,4 7-90,-3-7-180,7 7 90,-3-7-90,5 3 90,-1 0-1,0-2 1,1 2-90,3-4-90,-3 0 270,4 0-360,-5 0 90,5-4 90,-4 2 0,3-6-270,5 3 270,-3 0-90,4-3 180,11 2-180,-12-3 90,9 4 0,-10-3 0,-7 7-90,4-8 90,-5 8 0,0-3 90,1 0-90,-1 3 0,0-7 0,-3 7-90,2-3 90,-7-1 89,7 4-269,-7-3 1,3 4-181,-4 0 270,5 0-90,-4 0 539,3 0-449,-4 4 0,-4-3 0,3 4 0,-4-5-89,5 0 89,0 4 0,0-3 0,0 7 89,0-7-89,-4 3 0,3-4 0,-3 4 0,4-3 0,-4 8 0,3-4 0,-7 4 0,7 0 0,-8 1 0,8-1 0,-7 0 0,3 1 0,-5-1-179,1 4 179,0-2 0,0 6-90,-1-6 0,5 6 90,-7-2-90,5-1 90,-6 4-90,4-4 0,-1 5 90,1-1 90,4 5-180,-3-3 0,3 7 180,-5-8-180,5 4 90,-3-9 0,7 4 0,-8-8 0,8 4-90,-3-5 90,0 0 0,3 1 0,-3-5 0,4-1 0,0 0 90,0-3 0,0 3 90,0 0-180,0-3 360,0 4-181,0-1-179,0-3 360,4 3 90,10-4-180,-3 0 90,7 0-270,-9 0-1,4 0 271,2 0-180,-1 0 0,4 0-270,-4 0 180,5-4 180,4 3-270,-8-3-90,7-1 270,-8 4-720,1-3 270,-2 4 180,-3 0-90,3 0-809,-3-4 449,4 3 181,-5-3 89,0 4-1349,-3-4 809,2 3 270,-3-7-899,4 7 630,1-8 359,-5 8 450,3-7 0,-3 3 0,5-4 0</inkml:trace>
+  <inkml:trace contextRef="#ctx0" brushRef="#br2" timeOffset="186208.27">21548 15729 7533,'-5'0'359,"-3"0"-359,7 0 0,-3 4 90,4-3 0,0 12-90,0-7 630,0 7-270,0-3-90,0-1-90,0 4-1,0-2 1,0 2-90,0-4-90,0 5 180,0 0-90,0-3-90,0 1 0,0-7-90,0 4 0,0 1 0,0-5 180,0-1-719,0-4 89,4 0 360,-3 0-630,3 0 631,-4-4-271,4-1 90,-3-5 0,3 1 180,-4-4 180,0 2-269,0-2 89,0 0 270,0 2-90,0-10 0,0 9-90,0-10 180,0 12-90,0-3-90,0 3 899,0 1-449,0 4-90,5-3 629,-4 7-449,3-8 90,0 8-180,1-3-91,4 4 181,-3 0 0,10 8-180,-9 3-90,11 3-1,-13 0 1,3-9-180,-7 3 360,8-3-630,-4 5 180,0-1 90,3-4 0,-3-1-1439,4 0 1259,1-3-1169,-6 8 270,9-8 719,-7 3 360,7-4 0,-3 4 0,-1 1 0</inkml:trace>
+  <inkml:trace contextRef="#ctx0" brushRef="#br2" timeOffset="186684.27">21892 15869 9332,'-5'0'719,"1"0"-539,4 4 0,0 1 0,0 0-90,-4 7-90,3-5-180,-4 10 360,1-6-900,3 2 181,-3 0-541,4-6 361,0 5 449,0-7-90,0 0 360,0 0 0,0-5 0,0 0 0</inkml:trace>
+  <inkml:trace contextRef="#ctx0" brushRef="#br2" timeOffset="187045.27">22050 15794 7533,'5'0'719,"4"0"-449,-8 0-180,3 4 90,-4-3 180,4 12 0,-3-7-270,3 7 89,-4-3-89,0 3 180,4 2 270,-3 3-360,3-3 0,-4 2 449,0 2-539,0-4 0,0 7 270,0-3-180,0 4-180,0 1 0,0-1 180,0-4-180,0 7-90,0-5 0,0 2-90,-4-6 90,3-6-450,-3 6 360,0-10 91,3 5-721,-3-11 360,0 3 270,-1-4-719,-5 0 539,5-4 90,-3-5 270,3-10 0,-9-1 0,0-2 0</inkml:trace>
+  <inkml:trace contextRef="#ctx0" brushRef="#br2" timeOffset="187258.27">22004 15562 7533,'5'0'359,"3"0"181,-3 0-270,1 0-270,-2 0 1439,0 4-1079,1-3 0,0 7-450,3-7 90,-7 7-630,8-7 91,0 8 449,-3-4 90,7 4 0,-8 0 0,4 1 0</inkml:trace>
+  <inkml:trace contextRef="#ctx0" brushRef="#br2" timeOffset="188039.27">21111 14966 10231,'-4'14'1169,"3"-4"-1079,-8 8-180,8-8 180,-7 8-269,3 4 89,-4 3 90,-1 3-810,5-9 450,-3-2 90,7-6-1439,-7 6 990,7-11 89,-4 3 630,5-9 0,0 0 0,0 0 0</inkml:trace>
+  <inkml:trace contextRef="#ctx0" brushRef="#br2" timeOffset="188215.27">21139 14994 7533,'13'-4'719,"-2"3"-449,2-3 0,0 4-180,2 4 630,-1-3 89,4 11 1,-3-5-451,3 6-179,-3-4-540,-2 1 181,1-5 269,0 3-900,0-7 540,4 7 180,-4-2-730,1-1 1,3 7 0,-4-1 0</inkml:trace>
+  <inkml:trace contextRef="#ctx0" brushRef="#br2" timeOffset="191643.27">1116 17999 8011,'9'9'0</inkml:trace>
+  <inkml:trace contextRef="#ctx0" brushRef="#br0" timeOffset="197528.27">16626 17385 7533,'-5'0'899,"1"4"271,0 9-811,-1 3-179,0 7 90,0-9-90,5 4 0,0-4 0,-4 9-90,3-3 269,-3 19-179,4-16-90,0 20 90,0-18 0,0 7 270,4 16-270,-3-15-270,8 12 90,-8-22 0,7-5-180,-3-3 180,0 2-90,3-6 180,2 2-90,4-8-180,5-1 90,0-8 0,-5-1-270,8-13 270,-11 3 90,11-12-269,-12 7 89,8-2-90,-8-1 0,4-1 180,-5 0 0,0-2 0,0 6 180,1-7-3367,-1 7 3174,-4-6-1443,4 6 1725,-8 1-1004,3 2 735,-4 6 340,4 2-160,-3 1 2202,3 7-2112,-4-3 1898,0 4-1988,0 12-90,0-5 90,0 19 90,0-10-90,4 11-90,1-4 90,0 5 180,8 0-270,-7 0 90,8 0 89,-1 0 1719,-3-4-1808,8-2 0,-4-3 0,1-5-90,2 0 180,-2-5-180,-1 1 403,21-1-223,-13-8-90,14 2-90,-17-11 180,2-2-90,-9 0 0,5-8 0,-8-4-90,1 1 90,-5-6-90,3-8 0,-3 8 90,0-13 0,0 12-180,-5 0 0,0 0 180,0 4-90,-5-3-450,0 8 270,-4-4 0,0 4-449,-1 1-181,-3 3-899,3 2 1349,1 8-1349,5 1 1709,4 4 0,0 4 0,0 1 0</inkml:trace>
+  <inkml:trace contextRef="#ctx0" brushRef="#br0" timeOffset="198012.27">17566 17869 8342,'0'5'810,"-4"3"-91,3 1-179,-4 2-180,5 2 0,0-4-1,0 5-89,0 0-90,0 1-180,0-2 90,0-3 90,0-1-360,0 0 270,0-4-90,0 4 180,5-4-1169,-4 0 449,7 3 360,-7-7 90,7 7-720,-3-7 271,5 4 269,-1-5-1259,0-5 629,-4 0 900,4-4 0,-4-4 0,4-2 0</inkml:trace>
+  <inkml:trace contextRef="#ctx0" brushRef="#br0" timeOffset="198188.27">17612 17636 7533,'-9'-5'0,"4"-3"809,1 7 1,4-4 89,0 5-719,4 0 0,1 5-1619,8-4 1259,2 7-1349,4-7 1529,-5 3 0,4-4 0,-4 0 0</inkml:trace>
+  <inkml:trace contextRef="#ctx0" brushRef="#br0" timeOffset="198814.27">18078 17450 7533,'-4'-5'-360,"3"1"2429,-8 0-1620,8 2-179,-3-2 90,4 4 450,0 0-361,4 0-89,1 0-180,1 4 0,2-2-90,1 2-90,2-4 180,2 0 0,-4 0-360,1 0 270,3 0-90,-3 0-810,4 0 450,-1 0 270,-2 0 1,2 0-1620,-4 0 269,5 0 1440,-4 4 0,4 1 0,-5 4 0</inkml:trace>
+  <inkml:trace contextRef="#ctx0" brushRef="#br0" timeOffset="199088.27">18096 17701 7533,'-20'0'0,"3"0"-90,13 0 1079,3 4-359,-3-3-270,4 3 1708,0-4-1708,4 0-180,1 0 180,9 0-180,-4 0 0,8 0 90,0 0-91,2 0 1,-2 0 0,0 0-270,-8 0 90,8-4 90,-4 3-1079,1-3 539,2 4 360,-6 0-90,2 0-629,1 0 359,-4 0 180,3 0-1889,1 0 2159,-8 0 0,7 0 0,-8 0 0</inkml:trace>
+  <inkml:trace contextRef="#ctx0" brushRef="#br0" timeOffset="200596.27">19501 17003 7533,'-9'0'-360,"4"0"360,1 0 719,-1 0-269,4 0-180,-7 0 90,7 0 539,-3 0-629,0 0 90,3 0 180,-3 0-181,16 0-89,-1-4-270,12 3 0,-8-3 180,2 4-270,-2 0 0,3 0 180,1 0 0,0 0-270,16 0-90,-8 0 360,5 0-90,-11 0-359,-10 0 179,6-4 0,-6 3 90,2-3-270,-4 4 90,1 0 0,-5 0-899,3 0 1169,-3 0 0,5 4 0,-1 1 0</inkml:trace>
+  <inkml:trace contextRef="#ctx0" brushRef="#br0" timeOffset="201409.27">19473 17050 7533,'-14'0'0,"0"0"629,5 0-179,4 0-180,-3 0 90,7 0-360,-4 0 270,1 0-91,3 0 361,-7 0-180,7 0 270,-3 0 269,16 4-539,0 1-180,6 0 0,-4 4 179,-1-4-179,2 4-90,3 0 90,1-3 0,-5 2-360,0-7 270,-5 3-90,5 0-180,0-3 90,9 8 90,-8-4-180,7 4 90,-8-4 1,1 3-1,7-2-90,-11-1 180,7 3-180,-9-7-90,0 7 180,1-2-90,-1 3 180,-4-4-90,-1 3 0,-4-3-90,0 1-180,-8 2 91,-2-3 269,-9 4-90,4 1-360,-10-1 360,12-4 0,-13 3-180,12-2 180,-5 3 0,1 0 90,3 0-270,-7 1 181,11-1 178,-7-4 1,9 3-180,0-2 1,0-1 268,-5 3-179,4-3 0,0 0 0,6 4 90,0-8 90,3 3-180,-3 0 180,4-3 0,-4 3 90,3 0-270,-3-3 90,4 3 90,0-4 0,-4 0-180,3 0 1439,-4 0-1259,14 0-90,-3 0 90,7 0 89,-3 0-179,-1-4 90,0 3-90,1-3 90,3 4-180,-3-4 180,4 3-90,-1-3-90,-2 0 90,6 3 0,-7-3 0,8 4-180,-8-5 90,8 4 90,-8-3 0,8 4-270,-8-4 90,8 3 90,-8-3-90,8 4-180,-4 0 180,1 0-90,-2 0-269,1 0 359,-4 0-90,-1 0-90,0-4 180,-8 3-360,3-3-90,0 4 181,-3 0-271,3 0 0,0 0-269,-3 0 359,3 0-539,0 0 1079,2 0 0,-1 4 0,-1 1 0</inkml:trace>
+  <inkml:trace contextRef="#ctx0" brushRef="#br0" timeOffset="202676.27">19417 17515 6993,'0'5'90,"0"-1"180,0-4 180,0 5 179,0-4-269,0 7-180,0-3-90,0 4 90,0-4 0,0 4-90,0-4 89,0 4-179,0 0 90,0-3 180,0 6-360,0-6-180,0 8 270,0-9-89,0 3-1,0-7-1530,0 3 1351,5-12-271,-4-2-90,7-9 450,-7 5-89,3-4 269,-4 4 90,0 3-90,4-1 89,-3 7 1,3-5 0,-4 5 810,5-3-450,-4 3 179,3 0-449,0 0 0,-3 5 270,3 0-270,0 0-90,-3 0 90,3 5-91,0-4 271,-3 7-180,8-3 0,-8 4 0,3-3-90,-4 2 90,4-3-270,-3 0 270,3 3-180,-4-2 0,0-1-90,0 3 180,0-7-540,0 7 90,0-3-989,4 5 1079,-3-5-360,4 3 271,-5-7-1,0 3 90,4-4-360,-3 0 271,3 0 359,0 0 0,-3 0-820,3-4 1,0-1 0,1-4 0</inkml:trace>
+  <inkml:trace contextRef="#ctx0" brushRef="#br0" timeOffset="202902.27">19604 17515 9781,'9'0'450,"-4"0"-270,3 0 0,-7 0-630,8 0 270,-4 0-719,0 0 449,3 0 180,-3 0 90,1 0-809,2 0 989,-3 4 0,0-3 0,-1 3 0</inkml:trace>
+  <inkml:trace contextRef="#ctx0" brushRef="#br0" timeOffset="203089.27">19641 17562 7533,'-4'5'0,"3"-1"359,-3-4 1,4 4 450,0-3 449,0 3-1079,4-4-450,-3 0 90,11 0 0,-2 0 180,5-4-90,-2 3-1079,5-3 449,-7 0 720,7 3 0,-5-8 0,2 4 0</inkml:trace>
+  <inkml:trace contextRef="#ctx0" brushRef="#br0" timeOffset="203300.27">19855 17469 7533,'0'5'359,"0"-1"1171,0-4-1350,0 4 449,0-3-179,0 3-90,0 0-1,0 1-179,0 1 0,0 2 0,0-3 0,0 4-180,0 1-180,0-1 180,0 0-1169,0 1 359,4-1-1079,1 4 1889,9-6 0,-8 5 0,2-7 0</inkml:trace>
+  <inkml:trace contextRef="#ctx0" brushRef="#br0" timeOffset="204532.27">19576 16734 7533,'-5'0'-360,"-4"0"360,8 4 719,-7 1-269,7 0-90,-3-1-90,4-4 90,-4 4 269,3 6-809,-4 0 360,5 4 0,-4-5-270,3 0 90,-3 0-90,4 5 0,-4 9 180,-1-3-180,0-1-90,1-7 1,4-7 89,-5 1-630,4 2 540,-3-7 0,4 3-382,0-4 0,0-8 0,0-3 0</inkml:trace>
+  <inkml:trace contextRef="#ctx0" brushRef="#br0" timeOffset="204775.27">19548 16762 7713,'4'-6'449,"-3"2"-359,3 4 810,-4 0-720,4 0-90,-3 4 90,8-3-1,-4 4 181,4 3-180,-4-6 0,3 10 0,-2-2-360,-1 0 180,3 3-270,6 5 450,-7-11-1259,13 6-181,-13-13 361,10 0 899,-6 0 0,2-4 0,-4-2 0</inkml:trace>
+  <inkml:trace contextRef="#ctx0" brushRef="#br0" timeOffset="205018.27">19790 16659 7533,'0'-5'-360,"0"1"180,0 4 0,-4 0 990,3 0-361,-8 0-179,8 0 630,-7 4-451,7 1-179,-7 5 630,3 7-990,-1-5 90,2 5 180,0-8-90,3 1 0,-3 3 90,4-3-630,-4 0-720,3 10 811,-3-11-1,4 12 270,0-11-1349,0-1 1439,0 0 0,4 1 0,1-1 0</inkml:trace>
+  <inkml:trace contextRef="#ctx0" brushRef="#br0" timeOffset="206563.27">20162 17096 7533,'-9'0'-450,"4"0"900,1 0 2788,4 0-3058,8 0 0,-6 0-90,10 0-90,-7 0 179,4 0 1,1 0 0,-1 0 0,0 0-450,4 0 180,2 0-90,-1 0 180,-4 0-89,-2 0-181,-3 0 90,4 0 90,-3 0 90,2 0-270,-7 0 0,7 0 0,-7 0 90,7 5 90,-7 0 90,4 0-179,-10 3 179,4-3-90,-7 5 0,3-1 90,0-4-90,-3 3 90,2-2-90,-3 3 0,4 0 90,-3 1 180,2-1-270,-3 0 90,0 0 90,4-3-180,-4 2 90,8-3 0,-7 0 90,7 3 90,-3-7 89,4 8-89,0-8-90,0 7-90,0-7 360,0 3-270,0 0 0,0-3 90,4 4 180,1-1-90,0-3-181,4 3 1,-4-4 90,0 4-90,3-3 0,-3 3 0,5-4-180,-5 0 270,3 0-90,-3 0 0,5 0-180,-1 0-90,-4 0 270,3 0 0,-2 0-720,-1 0 181,7 0-721,-6 0 541,8 0 179,-5 0-899,-4 0 0,8-4 1079,-11 3 270,10-7 0,-11 3 0,3-5 0</inkml:trace>
+  <inkml:trace contextRef="#ctx0" brushRef="#br0" timeOffset="207785.27">20524 17255 7533,'-5'0'-900,"1"0"1080,4 0 270,0 4-90,0-3 89,0 3-179,-4 0-180,3 1 180,-3 0-180,4 4 90,0-8-90,0 7 90,0-3-90,0 4 90,0 1-180,0-1 90,0 0 89,0 5-89,0-4-180,0 4 90,0-5 0,0 0-90,0 0 90,0-3-89,0 2 178,0-7-448,0 7 179,0-7 0,0 3-90,0 0 180,0-2-90,0 2-270,4-4 181,-3-4-1,3-2 90,-4-3-270,4 0 180,-3-1-90,3 1 360,-4 0-179,5-5 89,-4 4 90,3-3-90,-4-9 90,4 10 90,-3-10-180,3 13 719,-4 3-359,4 2-90,-3 0 0,3 3 540,0-3-361,-3 4-89,4 0-180,-1 0 90,-3 0-90,3 0 0,0 0 0,-3 4 90,3-3-90,-4 7 0,4-7 0,-3 8 0,4-8 0,-5 7-1,0-7 1,4 7 0,-3-3 0,3 1 0,-4 2-180,0-3 0,0 0 180,4 3 0,-3-7-719,3 4 179,0-1 270,-3-3-720,8 7 361,-8-7 179,7 3 360,-7-4 0,7 4 0,-3 2 0</inkml:trace>
+  <inkml:trace contextRef="#ctx0" brushRef="#br0" timeOffset="208052.27">20804 17366 7533,'-4'5'2069,"2"4"-1710,-2-8-179,0 7 270,3-7 180,-3 11-451,0-10-179,3 11 180,-3-8-539,0 4 359,3-3 0,-4 2 90,5-3-900,0 0 270,0-1 360,0 0-629,0-3 449,0 8 0,0-8 360,0 3 0,0 0 0,0 1 0</inkml:trace>
+  <inkml:trace contextRef="#ctx0" brushRef="#br0" timeOffset="208602.27">21008 17292 7533,'-5'0'-90,"1"0"1529,4 0-1259,-4 0 180,3 0-180,-3 0-1,4 4-179,0-3-90,0 7 270,0-3 0,0 1-180,0 2 0,0-3 180,0 4-90,0 1-90,0-1 90,0 0 0,0 1-270,0 3 270,0-7 0,0 7-270,0-12 270,0 7-450,0-7 90,4 7 180,-3-7-719,7 3 179,-3-8 270,5 3-629,-1-7 989,-4 7 0,4-12 0,-4 3 0</inkml:trace>
+  <inkml:trace contextRef="#ctx0" brushRef="#br0" timeOffset="208803.27">21008 17106 7533,'-9'-5'0,"4"0"0,1 5 539,0 0-269,3 0 270,-3 0-360,4 5 0,0-4-90,0 7 0,0-7-90,0 7 90,0-3-540,4 5 270,1-5 0,0 3-360,7-3 360,-5 5 180,6-5 0,-4 3 0,1-3 0</inkml:trace>
+  <inkml:trace contextRef="#ctx0" brushRef="#br0" timeOffset="209419.27">20320 16752 7533,'-6'0'-630,"2"0"1170,4 0-450,-4 0 0,3 0 269,-3 0 1,0 0-270,3 0 90,-3 4 180,0-3-90,-2 12-90,1-7-90,-3 8 269,3-5-449,-5 0 90,5 0 0,-3 1 0,3-1 0,0-4 90,0 3 90,1-2-719,3 3 359,-7 0 90,7-4 0,-3 4-720,4-8 91,0 7 719,0-7 0,0 7 0,0-3 0</inkml:trace>
+  <inkml:trace contextRef="#ctx0" brushRef="#br0" timeOffset="209610.27">20329 16771 8162,'9'5'900,"-4"-1"-810,4 0-90,-8-3-90,7 8 450,1-4-180,2 0-720,6 3 540,-6-3-990,2 5 451,-4-1 359,1 0 180,-1-3 0,4 6 0,2-2 0</inkml:trace>
+  <inkml:trace contextRef="#ctx0" brushRef="#br0" timeOffset="211767.27">18683 17785 11221,'5'0'90,"2"0"179,-6 0-269,8 0 0,-4 0 180,4 0-90,1 0 90,-5 0-90,7 0 90,-2 0-90,5 0 0,3 0 90,-8 0-180,3 0 180,1 0-90,-4 0 0,8 0 0,-8 0 89,8 0-89,-8 0-90,8 0 90,-4 0 90,9 0 0,-4 0 0,4 0-180,-4 0 90,-5 0 0,0 0 0,-1 0-90,-2 0 0,6-4 90,-7 3-90,8-3 0,-3-1 180,11 4-45,7-5 0,1 0-46,4 4-427,-3-3 0,-2 2 428,-13 3 0,3 0 0,-5 0 0,1 0-90,-1 0 90,-3 0-90,3-5 0,-8 4 90,7-7 0,-2 7-270,4-7 270,-5 7-90,4-3-180,0 0 270,2 3-90,3-4 90,-5 5-270,1 0 180,4 0 90,-4 0-90,4 0-90,0 0 90,-4 0 0,4 0 586,-4 0-586,-5 0 0,4 0 0,-4 0 0,1 0 0,2 0-90,-2 0 180,-1 0-90,4 0-90,-4 0 90,5 0 90,0 0-90,-1 0-90,1-4 90,0 3 90,-1-3-180,1 4 90,4 0 90,-4 0-90,4 0 0,-4 0 0,-1 0 0,0 0 0,-3 0 0,2 0 0,-3 0 0,5 0 0,-4 0 0,10-4 0,-12 3 0,13-3 0,-4 4 0,3-4 0,3 3 0,-5-4 0,0 1 0,9 3 90,-6-3-357,5 0 267,-13 3 179,1-3-179,0 4 90,-1-4-90,1 3 0,-1-3 0,-3 4 0,2 0 90,-6 0-180,11-5 90,-7 4 0,8-3 0,-5 4 0,13-4 90,-9 3-507,9-3 417,-8 4 0,-3 0-90,2-4 349,9 3-259,-9-3 0,9 4 0,-12 0 90,4-4 90,-4 3-180,0-4 0,-2 5 180,6 0-90,-2 0-90,10 0 0,-11 0 336,6-4-246,-6 3-180,7-3 90,-3 4 90,0 0-90,-2-4-180,1 3 180,-3-3 0,2 4 90,-3-4-270,0 3 270,-5-4-180,4 5 180,-4 0-90,5-4 0,-5 3 0,4-3 90,17 4 90,-11-4-559,15 3 469,-20-3-90,3 4 90,-2 0 0,10-4-90,-13 3-90,9-3 90,-12 4 90,5-5-270,-5 4 180,4-3 0,-8 4 90,4-4 379,-1 3-469,-2-3 0,2 4-90,-4 0 90,1-4 0,-1 3 0,4-3 180,-2 4-180,2 0 0,-4 0 0,1 0 0,-1 0 0,0-4 0,-3 3-90,2-4 90,-3 5 0,4 0 90,-3 0-270,2 0 0,-7 0 180,3 0-90,0 0 0,-3-4 90,3 3-90,-4-3-90,4 4-90,-3 0-359,4 0 269,-1-4 90,-3 3-720,3-3 361,-4 4-1,4 0-1349,-3 0 1979,7 0 0,-2 0 0,3 0 0</inkml:trace>
+  <inkml:trace contextRef="#ctx0" brushRef="#br0" timeOffset="213763.27">19008 18157 7533,'0'5'1169,"0"-1"-989,0 0-180,0-3 450,0 8 179,4-8-449,1 7 180,4-7 90,5 3-270,-4-4-90,8 0 89,-8 0 1,4 0 0,-1 0-90,-3 0-90,8 0 180,-8 0-450,8 0 180,-4 0 0,5 0 180,-5 0-270,4 0 1,-8 0-721,12 0 450,-10-4 180,5 3 91,-8-3-901,1 4 91,3 0 719,-7 0-540,3 0 361,-5 0 449,-3 0 0,3-4 0,-4 3 0,-4-4 0,-1 5 0,-5 0 0</inkml:trace>
+  <inkml:trace contextRef="#ctx0" brushRef="#br0" timeOffset="214392.27">19064 18203 7533,'-15'0'359,"2"5"-269,8-4 360,-4 3 180,4 0-450,0-3 359,1 3 451,4 4-540,0-1-271,0 6-89,4-4 270,5 1-450,2-1 180,-2 0 270,3 0-450,-1 1 270,3-5 0,0-1-90,-5 0-180,0-3 90,0 3 0,1 0-180,3-2 180,-2 2-90,6-4 180,-6 0-270,2 0 90,0 0-90,-2 4-90,2-3 90,-3 3 91,-5-4-1,3 0-90,-3 4 0,0-3 90,-1 3 0,-4 0 0,0-3 0,0 4 90,0-1-180,0-3 0,-4 7 180,-1-3-90,-4 0 0,0 4 90,-1-8-180,1 7 90,0-3 90,-5 0-89,4 4 178,-4-8-268,-3 7 89,5-3 180,-5 4-180,7-4 90,1 4 90,4-4 0,-3 4-180,3-4 90,-1 4 179,-2-4-179,7 0 270,-7 3-270,7-3 0,-3 1 180,4-2 0,-4 0-180,2-3 0,-2 3 270,4-4-180,0 4-90,0-3 360,0 3-360,4-4 90,-2 4 179,2-3-89,0 4-90,-3-5 90,3 0 90,0 4-180,1-3-90,5 3 90,-5-4 0,3 0 0,1 0 0,2 0 0,2 0-90,-4 0 90,5 0 0,-4 0 0,4-4-180,-1 3 90,-3-8 90,4 8-180,-1-3 0,-2 0 90,2 3 90,-4-7-630,1 7 180,3-7 180,-2 7-629,2-4 359,-4 5 180,-4-4-629,4 3 269,-8-3 270,3 4-269,0 0-181,-3 0 1,7 0 809,-7 0 0,4 4 0,-5 1 0</inkml:trace>
+  <inkml:trace contextRef="#ctx0" brushRef="#br0" timeOffset="-214348.46">18998 18659 7533,'-5'0'-270,"1"0"2339,4 0-1710,0 4-269,0 1 90,0 1 0,0 2-270,0-3 270,0 4 0,4 1-180,-3-1 180,3 0 0,-4 1-180,0-1 0,0 0 90,0-4-90,0 4 0,0-8 90,0 7 0,0-7-180,0 7 180,-4-7 0,3 8-180,-3-8 0,0 3 90,3 0 90,-3-3-360,-4 3 90,6 0 270,-11-3-540,12 3 270,-7-4 0,3 0 90,-1 0-269,-2 0 89,7 0 0,-7 0-180,7 0 180,-7 0 0,7 0-89,-4-4 89,1-1-180,3-8-90,-3 2 181,4-2 359,0-1 0,0 4 0,-4-8 0,-1 4 0</inkml:trace>
+  <inkml:trace contextRef="#ctx0" brushRef="#br0" timeOffset="-214132.46">18915 18557 7533,'0'-5'-450,"0"1"2159,0 4-1529,4 4 0,-3-3 0,7 3-270,-7 0 270,7-3 0,-6 3-360,6-4 180,-3 4 0,0-3 90,3 4-450,-7-5 180,8 0 90,-4 0-1439,8 4 1169,-2-3 180,-2 3 180,-1-4 0,-3 4 0,5 1 0</inkml:trace>
+  <inkml:trace contextRef="#ctx0" brushRef="#br0" timeOffset="-213855.46">19147 18631 7533,'0'5'-90,"-4"0"90,3-5 270,-3 0-180,4 4-90,0-3 1619,0 3-1439,0 0-180,0-3 269,0 3-359,4-4 0,-3 0 180,3 0 90,1 0-539,0 0 179,4 0 180,0 0-990,-3 0 540,2 0 181,-3 0-361,0 0 270,-1 0 90,0 0 0,-3 0-89,4 4 359,-5-3 0,-5 8 0,0-4 0</inkml:trace>
+  <inkml:trace contextRef="#ctx0" brushRef="#br0" timeOffset="-213654.46">19147 18696 7533,'-9'10'270,"4"-5"269,1-1-269,4-4 1709,0 0-1979,0 4 180,0-3-270,4 3 90,1-4 0,4 0 0,5 0 0,-4 0 0,4 0-720,-5 0 361,0 0-1,9 0-630,-7 0 451,7 0 179,-9 0 90,0 0-540,1 0 451,-1 0 359,0 0 0,1-8 0,-1-2 0</inkml:trace>
+  <inkml:trace contextRef="#ctx0" brushRef="#br0" timeOffset="-213440.46">19408 18641 7533,'0'5'180,"0"-1"1798,0-4-1528,-4 0-180,3 0 630,-3 0-451,4 4-449,0-3 270,0 7-360,0-3 90,0 5-809,0-1 539,0 0 0,0 1-450,4-1 1,1 0 449,0 1-1259,4-5 1529,-4-1 0,4-4 0,0 0 0</inkml:trace>
+  <inkml:trace contextRef="#ctx0" brushRef="#br0" timeOffset="-212147.46">19110 17887 7533,'-5'15'1259,"1"2"-1259,4-6 180,-4 2-90,3 0 90,-3-2 0,4 6 0,0-6-1,0 6 1,-5-6 0,4 6-180,-3-7 0,4 8 270,0-8-360,0 8 0,0-12 90,0 7-989,0-8 629,0 4 90,4-4-1079,-3-1 539,8-4 810,-8 0 0,7-8 0,-3-2 0</inkml:trace>
+  <inkml:trace contextRef="#ctx0" brushRef="#br0" timeOffset="-211782.46">19268 17924 7533,'0'-5'-180,"-4"1"809,3 4-269,-7 0-90,7 0 0,-7 0 90,7 0-90,-8 4-1,4-3-359,0 3 180,-7 1 90,5 0-180,-6 0 0,4-1 180,-1-4 0,1 8-360,4-6 180,-3 7-90,2-5-90,-3-3 90,-4 3 0,6 0 1,-5-3 89,11 3 0,-3-4 0,4 0 0,-4 0 0,3 4 0,-3 2 0,4-1 0,0 3 269,0-3-269,4 0 0,-3 4 270,7-8-180,-3 3-90,4-4 180,1 0 0,3 0-90,-2 0-180,2 0-90,1 8 270,-4-2-90,7 3-810,-6-4 451,6-5 89,-2 0 180,3 0-810,1 0 900,4 4 0,-8-3 0,3 3 0</inkml:trace>
+  <inkml:trace contextRef="#ctx0" brushRef="#br0" timeOffset="-211136.46">19669 18138 7533,'-11'0'-540,"-1"-4"810,7 3 0,0-7-90,1 7 179,4-3 1171,0 4-991,8 0-359,-2 0 0,7 4 0,1-3-90,0 7 90,1-7 0,2 3-270,6-4 270,-6 0-360,9 0 180,-8 0 90,2 0-180,-1-4 180,2-1-180,-9 0-90,5 1-180,1 0-90,-7 3 180,7-4-89,-9 5-361,0 0 360,1 0-809,-1 5 629,-4 0 180,-1 0 360,0 3 0,-3-3 0,-5 5 0,-6-1 0</inkml:trace>
+  <inkml:trace contextRef="#ctx0" brushRef="#br0" timeOffset="-210604.46">19734 18175 7533,'-9'6'180,"-1"-2"-180,5 0 0,-3-3 269,7 3-89,-7 0 90,7-3 360,-4 8-270,5-4-1,0 0-179,0 3 90,0-7-90,5 7 0,-4-6 0,7 6 0,-3-7 0,0 7 0,3-7-1,6 7 91,-3-2-360,7-1 90,-9 3 0,0-7 90,1 7-270,-1-7 180,0 8-180,1-8 270,-1 3-359,0 0 89,5 1 90,-4 0-180,4-1 90,-5 0 0,-4-2-90,8 6 180,-11-7 0,6 7 0,-8-7 270,0 7-270,0-7 0,0 8 90,0-8-179,0 7 89,-8-7-180,1 7 180,-6-3 90,4 1-90,-1-2 0,-3 0 90,2-3 0,-2 7-90,0-3 0,2 1 270,-2-2-90,8 0-90,-4-3-90,8 7 270,-3-7 90,4 7-90,0-7-1,0 8-179,0-8 90,0 7 90,0-7-90,4 7-90,1-7 180,1 4-180,2-1 90,-3-3 0,13 3 0,-7-4 0,7 0 0,-5 0 0,2 0 0,-1 0-180,4 0 90,-8 0 90,3-4-540,1 3 270,-4-3 0,4 4-270,-5 0 271,0 0-1,-4 0 0,4 0-900,-4 0 451,0 0 629,-1 4 0,-4 1 0,0 4 0</inkml:trace>
+  <inkml:trace contextRef="#ctx0" brushRef="#br0" timeOffset="-210054.46">19734 18641 7533,'-5'0'359,"1"0"1,4 0 180,0 4-180,0-3-90,0 3 179,0 0-89,0-3-90,0 3 90,0 4-180,0-5 0,0 9-1,0-3 1,0 2 0,0 2-270,-4 0 90,2-2 270,-2 2-720,0 1-89,3-4 89,-3 3 360,4-7-540,0-2-449,0-4 719,0-8 90,0 1-359,0-6 269,0 4-360,0-5 630,0 4-89,0-4 89,0-3 90,4 5 0,-3-1 269,7 1-89,-6 9-180,2-9 0,0 11 810,-3-3-450,3 0-91,0 3 91,-3-3-90,7 4 90,-2 0 360,3 0-451,0 4-89,0-3 180,1 7-180,-5-3-90,3 0 180,-3 8-90,1-11 179,-2 10-89,0-2-180,-3 0 90,3 3 180,0-3-450,-3-1 270,3 0 0,-4-4-450,0 4 180,0-4-810,0 0 451,0 3-1350,4-7 989,-2 3 271,6-8-1170,-3-1 1439,0-4 270,3 4 0,-2-8 0,3 3 0</inkml:trace>
+  <inkml:trace contextRef="#ctx0" brushRef="#br0" timeOffset="-209826.46">19957 18641 9871,'0'5'1350,"0"-1"-1171,0-4-179,4 0-89,2 0 178,3 0 181,0 0-1169,1 0 359,-1 0 360,0 0-989,0 4 179,1-3 631,-5 3-631,3 0 990,-7 1 0,-1 5 0,-5-1 0</inkml:trace>
+  <inkml:trace contextRef="#ctx0" brushRef="#br0" timeOffset="-209652.46">19967 18724 7533,'-11'11'1979,"3"-3"-1080,4-8-539,3 0 899,-3 0-1259,12 0 180,-6 0-720,10 0 450,-2 0 90,8 0-1259,-2-4 629,6 3 271,-8-3-1350,1-1 629,2 4 541,-6-3 539,2 0 0,-4-1 0,1-4 0</inkml:trace>
+  <inkml:trace contextRef="#ctx0" brushRef="#br0" timeOffset="-209469.46">20189 18631 7982,'-4'5'-269,"4"0"-91,-4-1 2339,4 1-1080,0 4-269,0 5-450,0-4-360,0 3 180,0-3 0,0-1 180,0 0-900,0 1 360,0-5 270,0 3-1619,4 1 900,1-2 359,-1 1 450,1-8 0,-1 0 0,1 0 0</inkml:trace>
+  <inkml:trace contextRef="#ctx0" brushRef="#br0" timeOffset="-208494.46">19818 17813 7533,'0'9'-270,"0"0"90,0 1 90,0-1 90,0 0 360,-4 1-90,3-1-1,-4 4 271,5 2-180,-4 8-180,3-8-90,-3 3 0,4-9-90,-4 0 270,3 5-270,-7 0-90,7 1 90,-8-6 180,8-1-810,-3-7 180,4 7 360,0-7-1889,0 4 1979,-4-10 0,3-4 0,-3-5 0</inkml:trace>
+  <inkml:trace contextRef="#ctx0" brushRef="#br0" timeOffset="-208269.46">19827 17850 7713,'5'0'629,"-1"0"91,0 0 89,2 0-539,-1 4-90,3 1-270,-7 5 180,3-1-90,0-4-180,-3 3 90,8 2 180,-8 0-540,7-1 271,-7 0 179,3-4-450,0 0 180,2 3 180,-1-7-899,3 3 449,-3-4 180,0 0 90,4 0 270,-8 0 0,3-4 0,-4-1 0</inkml:trace>
+  <inkml:trace contextRef="#ctx0" brushRef="#br0" timeOffset="-208069.46">19985 17794 9332,'-4'9'1799,"3"1"-1530,-3-1 271,0 9-360,3-3 0,-3 4-360,0 2 270,2-9-900,-2 5 541,4-7 89,0 3 90,0-3-1349,0 4 179,4 3 901,-2-5 359,2 5 0,0-7 0,1-1 0</inkml:trace>
+  <inkml:trace contextRef="#ctx0" brushRef="#br0" timeOffset="-207178.46">20590 18110 7533,'-11'0'0,"-1"0"0,11 0-90,-3 0 0,4-4 809,-5 3-359,4-3-90,-3 4 2249,4 0-1890,4 8-449,-3-6-180,12 11 90,-7-12 0,8 7 0,3-3 0,3 0 90,-1 0-180,-1-1 0,0-3-360,-7 3 270,11-4 0,-12 0 0,3 0-180,-3 0 90,-1 0 1,0 0-1,1 0-90,-5 0 180,3 0 0,-7 0 0,3 4 0,-4 1 0,0 5 90,-4-1-180,-5 4 0,3-2 90,-11 6 90,11-6-90,-8 2 180,5 0-90,0-2 90,-5 10 90,4-9-180,-3 9-90,3-10 540,1 2-180,-4 1-90,2 0 90,-2-4 179,4 7-269,-1-7-90,5 1 90,1 1-90,4-7 0,0 0 0,0 0 90,0-1-90,4-3 90,-3 3-90,7 0 89,-2-3-89,3 3 0,0-4 0,-4 0 0,4 0 180,0 0-450,1 0 360,4 0-90,-5 0 0,4 0-180,2 0-1619,20-4 1529,-12 3 90,8-3-90,-14 0-90,-2 3 270,-1-3 0,4 4 0,-4 0 0</inkml:trace>
+  <inkml:trace contextRef="#ctx0" brushRef="#br0" timeOffset="-206670.46">21027 18324 7533,'0'6'90,"-4"-2"0,3 0 0,-3-3 989,4 7-539,0-7 449,-4 7-539,3-2 0,-4 3 89,1 0 91,3 5-450,-7-4 359,7 12-628,-3-7 89,4 4 179,0-6 1,0-4-450,0 5-449,0-4 359,0 0 270,0-2-540,0-7-359,0 3 359,0-12-89,4-3-451,1-11 451,0-2 719,4 0-180,-8 6 180,3 0 0,0 8 0,-3-4 0,3 5 90,0 0 630,-3 3-91,8-2 271,-4 7-630,0 1-1,-1 1 1,0 7 0,-3-7-90,3 8 180,0-4-180,-3 0 0,4 3-1,-5-3 181,0 5-270,4-1 90,-3-4 0,3 4 0,-4-4 90,4 8-540,-3-7 180,3 7 180,0-8-1349,-3 0 629,8 3-2608,0-7 3238,1 4 0,4-5 0,-5 0 0</inkml:trace>
+  <inkml:trace contextRef="#ctx0" brushRef="#br0" timeOffset="-206394.46">21353 18427 7533,'-5'0'1079,"-4"4"-899,8-3 0,-3 3 809,0-4-359,3 0-180,-3 0 899,0 4-989,-1 1-90,0 5-91,-4 3 1,8 2-180,-7 3 180,7-3-360,-3-2 180,0 0-989,3-2 179,-4 6-899,5-6 720,0-2-90,0-5 1079,0-4 0,5 0 0,0 0 0</inkml:trace>
+  <inkml:trace contextRef="#ctx0" brushRef="#br0" timeOffset="-205910.46">21539 18343 7623,'0'-5'2698,"0"1"-2068,0 4 89,-4 0-629,3 0 180,-3 4 90,4 1 0,0 4-180,0 1-90,0-1 359,0 8-269,0 3-270,0 4 360,0-6-450,4 0 180,-3-3 0,3 11-90,-4 3 0,0 0 0,-4-2 0,3-4 90,-7-4-90,7 4 90,-8-4 0,0-1 0,3 1-809,-11-9 629,15-1-989,-10-9 539,7 0 180,-1 0-1259,-6-9 450,6-1 1259,-8-17 0,5 6 0,0-5 0</inkml:trace>
+  <inkml:trace contextRef="#ctx0" brushRef="#br0" timeOffset="-205719.46">21455 18241 5824,'0'0'0</inkml:trace>
+  <inkml:trace contextRef="#ctx0" brushRef="#br0" timeOffset="-205419.46">21455 18222 6633,'0'-5'-360,"0"1"2069,0 4-1439,4 0 90,-3 0-180,4 4 270,-5-3 629,0 3-899,4-4 0,-3 0 270,3 0-270,0 0-360,-3 0 90,3 0 90,0 4-90,-3-3-360,8 3 270,-8-4 90,7 0-1079,-7 0 629,7 4 90,-2-2-539,-1 2 989,-1-4 0,0 0 0,1 0 0</inkml:trace>
+  <inkml:trace contextRef="#ctx0" brushRef="#br0" timeOffset="-204422.46">20673 17794 7533,'-5'0'270,"1"4"269,0 1-179,3 1 90,-7 2-90,2 1-181,-3 1 91,4 8-90,-3-8-270,3 4 180,-5-5-90,5 5 90,-3-4-90,3 3 180,-1-3-90,-2-5-540,3 3 180,0-3-899,1 5 539,4-5 271,0-1 66,0-4 1,0-8 0,0-3-1</inkml:trace>
+  <inkml:trace contextRef="#ctx0" brushRef="#br0" timeOffset="-204259.46">20683 17813 7533,'5'0'1709,"3"0"-1260,-7 0 271,7 4-360,-7 1-180,8 4-90,-4 5 0,0-8 0,3 6 89,-3-6-1168,5 3 539,3 0 270,-2 1 180,10-1 0,-9-4 0,5-1 0</inkml:trace>
 </inkml:ink>
 </file>
 
@@ -3199,195 +3904,195 @@
   <inkml:trace contextRef="#ctx0" brushRef="#br0" timeOffset="186727">24628 3684 8342,'0'9'630,"0"-4"-360,0 3-180,0-3-90,0 1 180,0 2-1,0-3-89,0 4-180,0 1 1,0-1 268,0 0-89,0 1-270,0-1 180,0 0-89,0 0-91,0-3 90,0 2 90,0-3-540,0 4-1259,0 1 1439,0-5 180,0-1-90,0-4 270,4 0 0,-3-8 0,3-3 0</inkml:trace>
   <inkml:trace contextRef="#ctx0" brushRef="#br0" timeOffset="186960">24656 3544 7533,'-5'0'2428,"1"0"-2338,4 0-90,0 4-1799,4-3 1529,-3 7 91,3-7 179,-4 4-90,0-1 90,0-3 179,0 3 1,0 0-270,0-3-629,0 7 179,0-7 540,0 8 0,4-8 0,1 3 0</inkml:trace>
   <inkml:trace contextRef="#ctx0" brushRef="#br0" timeOffset="187459">24739 3358 7533,'0'-9'449,"0"3"-269,0 2 0,0 4 0,4 0-180,-3-4 0,3 3 270,0-3 0,2 4 270,3 0-271,0 4-89,1-3 270,-1 7-90,0-2-180,-4-1 0,4 3-1,-4-3 1,4 0 0,0 4-90,-3-4 0,2 4 90,1 5-270,-3-4 270,7 3 0,-8-3-270,0 3 180,-1-3 0,0 8 0,-3-3-90,4 3 0,-5 9-180,0-6 0,0 10 360,-5 1-720,0-2-184,0 6 544,-3-8-899,3 0-2,-5 12-88,-3-1 629,3 0 540,0-4 0,-2-16 0,1 4 0</inkml:trace>
-  <inkml:trace contextRef="#ctx0" brushRef="#br0" timeOffset="298489">3126 5079 7533,'-5'14'629,"1"4"181,4 1-1,0 4-179,-4 9-360,-1 6-180,-1-4 90,-2 2 0,3 8 0,0-12-234,-4 13 144,4-5-90,-4-13-90,4 12 90,-3-3-90,2-9 0,-3 21-180,0-22 0,-1 18-90,1-14-90,-4 6 361,6-12-1,-5-5 144,11-10 35,-3-5-178,4-4 358,0 0 181,8-4 360,19-1-630,-4-5-1,12 5 451,-12-3-360,-4 7 0,4-7 269,4 7-89,-2-8-540,3 8 90,-5-3 90,-5 4-360,1 0 180,4 0-89,-4 0-1,8 0-1170,-11 0 181,5 0-720,-10 0 1889,2 4 0,-4-3 0,1 3 0</inkml:trace>
-  <inkml:trace contextRef="#ctx0" brushRef="#br0" timeOffset="298950">3833 5088 7533,'-14'0'0,"4"4"0,-3 1 0,3 5-360,-3 3 810,-5 6 89,-2 9-449,2-4 810,4 8-450,5-13-181,0 8 541,-1 13-180,5 9-606,1-17 1,0 1 199,3-2 1,1-1-135,-2 1 0,0-2-3139,2 14 2869,0-2-1049,0 3 779,4-16 180,1 15-630,4-27 361,-3 2 269,2-9 90,1-4-732,1 3 192,4-7 271,-1 3-451,1-4 900,5-4 0,-1-1 0,1-4 0</inkml:trace>
-  <inkml:trace contextRef="#ctx0" brushRef="#br0" timeOffset="299457">4028 5237 7533,'-15'5'899,"2"-1"-899,13 0 1349,-8 6-359,2 8-271,-12 14-539,8-2 31,3-2 1,1 1-122,0 13-360,7 8 0,3 0-90,6-6 225,-1-4 0,5-7-88,18-23 133,6-6-90,4-17 180,4-7-90,-8-12 180,-9 11 0,-3-9 179,-12 7-179,-3-2 90,1-2-3457,-11 8 3545,7 1 200,-6-9-468,2 2 180,-13-7-150,-9 8-210,-3 6 270,-10 4 0,7 1 2942,-4 6-3302,0-5-89,0 11 179,1-3 0,3 4 270,-3 0-270,7 8 90,6-2 270,1 12 0,12 5-180,-3 6 180,4 8-180,0-8 179,4-7 91,1-4-180,13-3-180,2-5-809,28-2 539,-19-12 180,15-1-629,-26-4 449,1 3-360,4-6 720,-4 6 0,4-8 0,-4 5 0</inkml:trace>
-  <inkml:trace contextRef="#ctx0" brushRef="#br0" timeOffset="299780">4326 5116 7533,'0'-5'1709,"4"-3"-900,2 7-89,3-3 539,0 8-269,5 1-1,0 8-269,9 6-541,-8-4 91,3 7-90,-9-12 0,5 8-3392,0-8 3302,1 8-122,4 14 1,0 4 301,-4 9-383,2-2 0,-4 1 113,-8-1-90,-5-10 180,-5 10-2204,0-20 2204,-4 16 0,0-15 944,-1 4-1663,-3 8-1530,-6 2-540,-5 5 1260,1-10 1439,4-11 0,1-8 0,4-5 0</inkml:trace>
-  <inkml:trace contextRef="#ctx0" brushRef="#br0" timeOffset="300423">5052 5358 7533,'-9'0'359,"4"0"-179,-3 0 1080,7 0 1078,-4 0-1798,18 0-180,2 0-90,13 0-180,4 0-90,-3 0 180,-1 0-990,-5-4 270,-1 3-1169,2-8 900,-5 8 269,-1-3 180,-13 4 360,-1 4 0,-4 6 0,0 4 0</inkml:trace>
-  <inkml:trace contextRef="#ctx0" brushRef="#br0" timeOffset="300608">5090 5590 7533,'0'6'3276,"4"-2"-1695,5-4-1221,10 0 0,4 0-450,9-4-900,5-6 540,10 0 450,-12 1 0,4 0 0,-15 4 0</inkml:trace>
-  <inkml:trace contextRef="#ctx0" brushRef="#br0" timeOffset="332987">7946 5386 7533,'-9'0'539,"3"0"181,2 0 1439,4 0-1710,4 4-269,6-3 180,4 7 0,9-7-270,-3 8 0,6-8 0,-6 3-90,3-4 180,4 0-90,-2 0 180,7 0-270,-9-4-90,4 3-180,-12-4 90,3 5 90,-13 0 0,3 0-810,-3 0-1078,0 0-901,8 0 2879,-7 0 0,3 0 0,-5 0 0</inkml:trace>
-  <inkml:trace contextRef="#ctx0" brushRef="#br0" timeOffset="333620">8950 4846 7533,'-10'-5'-540,"2"1"1709,8 4-809,0-4-90,0 3 989,0-3-449,0 33-450,0-10-181,0 22-89,0-19 90,0-7 90,0 2-180,0 2 90,0 5-3457,0 0 2982,-4-2-84,3-3 199,-8 0 0,4 3-360,-4 2 1,4 0 359,1-6-990,4-4 3250,0-5-2350,0 0-809,0-3 1079,0 2 0,0-7 0,0 3 0</inkml:trace>
-  <inkml:trace contextRef="#ctx0" brushRef="#br0" timeOffset="333967">8643 5367 7533,'-5'0'-180,"1"0"899,4-4 1,0 3-360,0-3-90,4 4 179,1 0-269,5 0 0,-1 0 180,0 0 0,0 0-90,1 0 89,7-4-89,-5 3-360,5-3 540,1 4-360,6-5 0,9 0 90,-4 0-270,-2 1 180,-9 4-90,1 0-630,4 0 180,0 0-89,-3 0 269,2 0-989,-8 0 269,5 0-359,-5 4 360,-4 5 989,-6 2 0,-4 2 0,0-3 0</inkml:trace>
-  <inkml:trace contextRef="#ctx0" brushRef="#br0" timeOffset="334403">8811 5488 7533,'-15'5'809,"2"4"-179,3-8-180,5 3-181,1-4 91,4 4-180,0-3 180,0 3 0,8 0-360,-1-3 0,10 7 180,-2-6 89,-1 2-179,12 0 90,-14-3-360,14 3 270,-7 0 0,-3-3-270,1 7 90,-4-2 90,-6 3-269,1 0-1,-8 9 90,0-7 0,0 11 90,-8-4 0,-3-2 90,-3 6 0,-8-4-90,11-2 90,-7 1 0,1-3 0,5-4 0,-5 4-90,7-9 540,5 3 359,-3-7-629,7 7 90,-3-7 90,4 3-270,4 1 180,-3-4 0,7 3-90,1-4-1,2 4 91,2-3 180,5 3-270,-3-4-270,8 0 180,-4 0-630,-1 0 270,-3 0-1349,7-4 720,-11 3 449,7-7-1079,-5 7 809,-3-4 720,4 5 0,-5-4 0,0-1 0</inkml:trace>
-  <inkml:trace contextRef="#ctx0" brushRef="#br0" timeOffset="335866">9444 5060 7533,'-5'-5'-540,"1"-3"900,-1 7-270,4-3 1079,-7 0-629,3 2-90,0-2-91,-8 8-179,7 10 0,-7 6-3392,3 3 3212,5 0-90,-3-4 360,3 12-270,-5-5 90,1 22 0,0-4 0,4-1-270,0-3 360,5-4-2359,0-10 1909,0 5 2359,5-8-1999,-4-8-810,7 3 181,1-9-991,6-3 1530,16-11 0,-14-1 0,9-7 0</inkml:trace>
-  <inkml:trace contextRef="#ctx0" brushRef="#br0" timeOffset="336248">9509 5246 7533,'0'-5'719,"0"1"-449,0 12-270,0-2 540,-4 16 89,3 2-179,-8 13 0,8 1-450,-3-9-90,8 10 90,2-26 270,7 13-90,-3-21-90,8-1-90,-4-8 0,1-1-90,-2-4-90,-3-1 90,-1 1-90,0 0-809,-3-5 449,2 4 270,-7-4 90,7-3 90,-7 6 180,3-19-90,-8 13 180,-5-6 0,-6 10 90,1 3 180,0 5-361,5 1-89,0 4-89,0 0-181,3 0 180,-2 4-90,3-3 90,0 8 90,1-8-630,4 7 1,-5 1 629,4 2 0,-7 2 0,3-4 0</inkml:trace>
-  <inkml:trace contextRef="#ctx0" brushRef="#br0" timeOffset="336951">9834 5330 7533,'0'-13'1259,"0"6"-270,-8-9-809,6 14 180,-11-11-180,8 12 0,-4-3 90,-5 0-360,0 3 90,-9 1-180,0 5 0,3 0 90,3 4 0,12 0-180,-4 1-90,4 12 91,0-2 179,1 7 90,4 1-3277,4-8 3162,1-2 25,13-5 180,-3-7-90,12 3 0,-4-9 0,5-9-90,-4-1 90,-10-5 3276,-1 2-3250,-8 0-3303,4-6 3162,-4-1 115,0-2 360,-1-1-91,-7 7 1,6-1-90,-12 12-180,8 1 90,-3 8-90,0 5 180,3 10 3096,-3 8-2710,4 7-476,0 7 269,0-3-89,4-1-483,-3-5 572,3 9-89,0 2-225,-3-15 0,-1 0 45,5 19-90,-5-9 90,0 1-95,0-5 185,-5 4-180,0-6-90,-4-13 180,0-6-180,3-7 0,-6-2-89,2-4 89,-5 0 393,-11 0-483,14-4-90,-14-2-3007,16-7 3077,-7 3-2068,7-4 2178,-4 1-233,5 2 143,4-6 180,1 6-90,4-6 0,0 7-180,0-8-777,24-21 58,-1 10 404,3 2 0,1 1-134,4 5 179,0 0 270,-13 16 270,-8-4 0,8 4 0,-4-4 0</inkml:trace>
-  <inkml:trace contextRef="#ctx0" brushRef="#br0" timeOffset="337537">10104 4902 7533,'-5'0'449,"1"4"-359,4-3 360,0 12 180,-5-3 89,4 17-89,-7 2-90,7 8-1,-3 4-179,0 2-270,3-9-143,-3 1 323,0 1-90,3 8 0,-8-1-360,8-3 270,-3-3-545,0 1 185,3 0-899,-3-6 899,4-13-809,0-10 539,0-5-89,4-4-361,1 0 1,4 0 989,1 0 0,-1-8 0,0-3 0</inkml:trace>
-  <inkml:trace contextRef="#ctx0" brushRef="#br0" timeOffset="337979">10290 5042 7533,'-9'-4'1439,"4"2"-809,0-2 179,5 0-629,0 3 180,5-3-90,-4 8-91,7-3 181,5 7-180,7-6 90,0 6-360,10-7 90,-14 3-90,15-4 0,-7 0-450,4 0 271,0 0 179,-8 0-270,-7 0-1079,-1 0 179,-10 0 991,7 0-811,-9 4 1080,0-3 0,-9 7 0,-1-2 0</inkml:trace>
-  <inkml:trace contextRef="#ctx0" brushRef="#br0" timeOffset="338467">10309 5070 6038,'-14'0'1169,"8"0"-109,-2 0-520,8 0 521,0 0-611,0 4-180,0-3 0,0 7 175,4 1-85,1 2-180,4 2-270,1-4 660,3 1-390,-3-1-293,4 0 23,-5 1 180,1-5-360,3 7 90,-3-10-180,4 11 91,-1-4-3008,-7-3 2892,7 7 115,-12-4-360,7 9 360,-15 2 180,5-1 0,-12-6 1,1 1 3365,-2 0-3160,-3 0-206,3 0 180,2-9-180,4 3 90,-1-7 179,1 8 1,0-4 0,4 4-180,-4-4 90,8 4 90,-3-4-90,4 4 90,4-4 0,-3-1 90,12 0 0,-11-3-270,10 8 89,-7-8 181,5 3-90,7-4 90,-1 0 180,11 0-360,-8 0 0,8 0-450,-7 0-899,3 0 719,-13 0 270,2 4 0,-7-3-539,1 3 269,-2-4 270,0 0-1259,1 4 1529,0-3 0,4 4 0,-4-5 0</inkml:trace>
-  <inkml:trace contextRef="#ctx0" brushRef="#br0" timeOffset="338713">10653 5377 7533,'0'5'0,"0"3"0,0-3 0,0 4 0,0 1 1529,0-1-90,0 0-1079,0 1-630,0-5 0,0 7-989,0-6 899,0 4-360,0-6 91,0-4 629,4 0 0,-3-4 0,3-1 0</inkml:trace>
-  <inkml:trace contextRef="#ctx0" brushRef="#br0" timeOffset="338917">10672 5293 11670,'4'5'-180,"-3"3"-179,7-7-721,-7 8 181,8-8 719,-8 3-1349,7-4 1529,-7 0 0,3 4 0,-4 1 0</inkml:trace>
-  <inkml:trace contextRef="#ctx0" brushRef="#br0" timeOffset="340232">10932 4874 7173,'-5'0'2069,"1"0"-1440,4 0-269,0 4 90,0 6-90,0 4 89,-4 5-89,3 3-180,-3 2 270,4 4-270,0-4-90,0-1 270,0 4-181,-4 2 1,3 12 0,-8 9-270,8-9-3187,-3 3 3252,4-20 25,0 15-90,0-8 90,0 15-90,0-9 90,0-4 90,0-5-180,0-5 90,0-5 0,0-3 3276,0-2-3250,0-4 64,0-3-449,0-2-901,0-4-359,0-8 360,0 1 1259,0-6 0,4 4 0,2-1 0</inkml:trace>
-  <inkml:trace contextRef="#ctx0" brushRef="#br0" timeOffset="348476">11239 5330 7533,'-19'0'719,"6"-4"-179,4 3 0,8-3-1,-3 0-179,4 3 540,0-4-541,8 5-179,-2 0-180,8-4 180,-6 3 0,6-3 180,9 0 0,6 3-270,8-3-90,-8 4 90,-2 0-90,-5-4-90,2 3-180,4-3-360,-4 4-449,3 0 539,-7 0 360,-2 0-1259,-4 0 90,-5 0 1349,0 0 0,1-5 0,-1 0 0</inkml:trace>
-  <inkml:trace contextRef="#ctx0" brushRef="#br0" timeOffset="348951">12207 4818 7533,'-9'0'0,"-1"0"-360,5 0 180,1 0 1169,0 0-269,3 9 180,-7 1-181,2 13-449,1-4 90,1 4-180,4-4 0,0-1 179,0 13-179,0-1 0,0 12-270,0-5 90,0 0-719,0-4 179,0-1-629,0-12 449,0-3-449,0-3 179,0 0 990,0-3 0,0 1 0,0-7 0</inkml:trace>
-  <inkml:trace contextRef="#ctx0" brushRef="#br0" timeOffset="349216">11946 5321 7533,'-4'5'270,"3"-1"89,-3-4 811,4 0-811,8 0 1,-1 0 270,18 4-270,0-3-3637,4 3 3252,2-4-335,-3 0 360,1 0 0,-1 0 0,-5 0-900,-5-4-1728,1 3 2448,-5-3 1729,8 4-2179,-6 0 630,2 0 0,-8 4 0,-6 1 0</inkml:trace>
-  <inkml:trace contextRef="#ctx0" brushRef="#br0" timeOffset="349600">12049 5553 7533,'-15'5'1259,"2"0"-899,8-5-180,0 0 0,5 0 269,9 0-269,1 4 0,5-3 0,2 3 0,-7-4 0,16 0-90,-5 4 90,3-3-360,-7 7 0,-3-3-270,-8 9 180,2 0 180,-8 5 0,0-5-179,-8 8-3008,2-11 2802,-8 7-1794,5-4 2359,0-4-1553,-1 3 1463,1-3 180,-4 3 539,2 1 1319,2 1-1678,5-6 2284,4 0-2644,4-8 270,1 3-180,5-4 90,3 0-90,-3 0 89,8 0-89,-4 0 3162,5 0-3432,-4 0 180,2 0 0,-7 0 0,8 0-720,-8-4 181,12-2 359,-11 1-1259,7-3 89,0 3 1350,-11 0 0,9-4 0,-10 4 0</inkml:trace>
-  <inkml:trace contextRef="#ctx0" brushRef="#br0" timeOffset="350917">12663 5125 7533,'-5'-4'90,"1"3"179,0-3-89,3 4 360,-4 0-180,1 0-90,-1 0-90,-4 0 0,4 4 89,-8 6-89,7 4 0,-7 0 0,3 4-180,1-3-3212,0 7 3662,-1 27-180,1 1-1315,6-21 1,1-1 1134,-2 17 0,4-9-180,0-10 270,0 5-90,4-9-180,1-2 270,4-1 1728,1-2-2717,3-6 3661,-3 2-2942,4-8-899,-5-1 89,5-4-359,-4 0 629,3 0 630,-3 0 0,-1-4 0,0-1 0</inkml:trace>
-  <inkml:trace contextRef="#ctx0" brushRef="#br0" timeOffset="352439">12755 5218 9152,'6'10'989,"2"-1"-629,5 9 90,7 5-270,0 2-270,1 2 449,-2 0-359,1-6 0,-2 5-269,16 10 359,-19-14-810,15 9 180,-17-13-449,2-8 179,3 4 1,-3-9 359,-2-1 180,-8-4 270,4-4 0,-4-5 0,4-6 0</inkml:trace>
-  <inkml:trace contextRef="#ctx0" brushRef="#br0" timeOffset="352662">13044 5163 7533,'-5'-6'899,"-4"2"-449,8 4-90,-7 0 269,3 0 1,-13 9-450,7-3 90,-11 11 90,4 2-91,-2 1-89,1 2-90,-6 9-90,8-5 90,-10 6-270,9 3 90,-1-13 0,4 9-1619,-6 4 270,13-12 810,-4 8 89,12-18 540,0-7 0,4 2 0,1-3 0</inkml:trace>
-  <inkml:trace contextRef="#ctx0" brushRef="#br0" timeOffset="353069">13118 5395 8522,'0'5'450,"0"12"180,0-6 179,0 16-359,-4 1-180,-1 1-270,0-5 180,1-7-1,4-7-538,0-1 359,0 0-810,0 0 450,0-3 90,0-2-629,0-4 89,4-8-269,1-3 539,13-20 360,-7 9 1,7-9 898,-5 13-89,-3 3-1,4 6 181,-9 1 269,3 7-269,-2-3-270,3 4-91,0 4-179,0 5 180,-3 1-3662,2 4 3212,-7-5 90,7 5-450,-7-4 180,7 3-989,-2-7 539,3 2 90,0-3-719,-4 0 3932,4-1-4113,0-4 1440,-3 0 0,7 4 0,-8 2 0</inkml:trace>
-  <inkml:trace contextRef="#ctx0" brushRef="#br0" timeOffset="353295">13481 5311 8792,'6'0'2069,"2"5"-1619,-3-4-450,4 3 0,-3-4 179,6 0-538,-6 0 269,4 0-1260,2 0 541,-2 0 629,5 0 180,-2 0 0,1 0 0,0 0 0</inkml:trace>
-  <inkml:trace contextRef="#ctx0" brushRef="#br0" timeOffset="355501">13854 5153 9332,'-4'10'989,"3"-1"-809,-3 0 180,4 5-180,0 4-3457,0 2 2662,0 3 1564,0 3-1128,-5 12 89,0 5 180,-4-1-630,4-10-1908,-4-5 2358,8-7-450,-7 11 90,7-6 1729,-3 3-2988,4-10 1142,0-8 0,0-10 0,0-6 0</inkml:trace>
-  <inkml:trace contextRef="#ctx0" brushRef="#br0" timeOffset="356121">13900 5135 0,'-5'-4'0,"1"3"1692,4-4 1277,0 5-1021,0 9-1858,0 1 950,0 9-1040,4-1 3276,-3 5-3250,3 1-206,-4 4 0,0-9 180,0 3-180,0-3-90,0 0 90,0 0 0,0-6 180,0-4-180,0-3 91,5-2-1,-4-4 0,7 0 0,-3-4-180,4-2 90,1-3 90,-1 0-90,0-5 180,1 4 0,-5-3-90,3 3 90,-3-3 0,4-1 270,1-1-90,-1-3-180,-4 4 0,4 4 180,-8-3 90,3 8-1,-4-4 1,0 4-180,0 1 990,0 4-811,4 0-269,-3 4 90,3 5 0,-4 1-270,0 4 360,0 3-180,0-5 180,0 9-3457,0-10 3342,0 6-656,0-6 681,0 2 0,4 0 269,5 6-179,2-3 90,6-3-180,-6-9 0,2-4-90,-8-4 90,4 3 1030,0-11-2829,5 1 885,1-7 824,-2-1 0,-3 5 0,-1 0 0</inkml:trace>
-  <inkml:trace contextRef="#ctx0" brushRef="#br0" timeOffset="356946">13910 5181 7173,'-5'0'809,"0"0"181,5 0-720,0 4-90,-4-3-180,3 8 180,-3-4-180,4 8 89,0-2 1,-4-2 0,3 3 90,-3-1-180,4 7-90,-4 1-269,3-1-181,-4 1-180,5-5 360,5-4-899,0 2 1259,4-6 0,0 4 0,1-6 0</inkml:trace>
-  <inkml:trace contextRef="#ctx0" brushRef="#br0" timeOffset="358137">14272 5395 7533,'0'-5'719,"0"1"1440,0 4-1979,0 12 0,0 0-90,-4 14-180,3-6 0,-3-1-540,4-6 181,0-4-541,0 1 360,0-5-359,0-1 989,4-4 0,1-8 0,4-3 0</inkml:trace>
-  <inkml:trace contextRef="#ctx0" brushRef="#br0" timeOffset="358314">14300 5228 10231,'0'5'450,"0"3"-810,0-7 270,4 3-1079,1-4 359,9 0 810,-8 0 0,6-4 0,-7-1 0</inkml:trace>
-  <inkml:trace contextRef="#ctx0" brushRef="#br0" timeOffset="358649">14356 5060 7533,'-5'-18'1169,"-4"7"-809,8-1 449,-3 11-449,4-3-180,0 0 0,0 3 180,4-4 89,1 5 1,9 5 90,0 4-180,5 1 0,4 12-181,-8-11 1,3 7 0,-5-5 0,-2-2 180,6 10-90,-6-1 90,6 8-181,-11-4-269,7-2-3187,-12-3 3342,3 0-245,-4 12 91,0-1 89,0 15 0,-4-15-180,3 1 0,-8-4-630,0 2 181,-5 8-271,-1-8 180,-2 2-809,6-16 630,-2 3 899,-1-9 0,4 1 0,-3-1 0</inkml:trace>
-  <inkml:trace contextRef="#ctx0" brushRef="#br0" timeOffset="359261">14505 4800 7533,'-10'0'0,"5"0"359,1 0 181,4 0 90,-4 0 269,3 0-89,5 4-630,2-3-90,8 7 269,7-7 1,12 3-450,-2 1 0,9-4-899,-21 3 179,0-4-1079,-5 0 450,-5 0 990,-4 0 449,-1 0 0,-4 0 0,0-4 0,0-2 0</inkml:trace>
-  <inkml:trace contextRef="#ctx0" brushRef="#br0" timeOffset="359427">14616 4818 7533,'-9'6'1169,"4"2"-449,-3-3-181,7 13 91,-4 1-360,5 9-180,0 4-450,0-3 90,5 3 180,-4-12-1259,3-3 180,0 1 1169,1-7 0,4 7 0,1-9 0</inkml:trace>
-  <inkml:trace contextRef="#ctx0" brushRef="#br0" timeOffset="360603">14905 5070 7533,'-9'0'-270,"-1"0"270,1 0 989,4 0 1,-3 0-1,7 0 630,-4 0-1439,14 4-180,1-3 630,21 7-810,-5-3 180,10 0 180,-8 0-630,0-5 0,-4 0 450,-6 0-809,-4 0 89,-5 0-809,0-5 180,1 4 449,-5-3 900,-1 4 0,-4 0 0,0 0 0</inkml:trace>
-  <inkml:trace contextRef="#ctx0" brushRef="#br0" timeOffset="361094">14840 5135 7533,'-20'5'1169,"3"-1"90,11-4-899,2 4 0,4-3 180,4 7-91,6 2-89,4 0-90,13 3-90,-2 1-180,7-4 0,-12 4-90,1-5-450,-10 0 360,2-4 90,-4 4-359,1-4-1,-1 4 0,0 0 0,-3 5 91,-2 0 89,-4 5 0,-4 0-3007,-2-5 2982,-3-1 25,-4 5 90,2-7 90,-6 7 270,-2-9-180,-5 5 0,-4-4 360,5 8 2916,0-8-2440,8 3-567,2-3 1,8-1-90,1-4 90,4 3-180,0-6 90,4 6 270,1-3-270,8 0 269,6 3-3571,-4-7 3302,7 4-201,-12-5 381,8 0 90,-3 0 90,20 4-450,-13-3 89,10 3-628,-19 0 3516,0-3-4326,2 3 435,-1-4-975,0 0 809,-9 0 451,-1 0 539,0 4 0,-3-3 0,3 3 0</inkml:trace>
-  <inkml:trace contextRef="#ctx0" brushRef="#br0" timeOffset="362140">15249 5535 7173,'-5'0'630,"1"0"89,0 0-89,3 8-1,-3-2-449,0 8 0,3-5 180,-4 0-180,1 9-180,3-7 180,-3 11-90,4-16-450,0 6 90,0-6-629,0 3 179,0-4-449,0-1 1169,4-4 0,1-4 0,5-1 0</inkml:trace>
-  <inkml:trace contextRef="#ctx0" brushRef="#br0" timeOffset="362339">15221 5395 7533,'-5'0'0,"1"0"2878,4 0-2878,0 4 90,0-3-630,4 3 360,1 1-989,9-4 270,0 3 899,1-4 0,-2 0 0,-3 0 0</inkml:trace>
-  <inkml:trace contextRef="#ctx0" brushRef="#br0" timeOffset="362728">15315 5051 7533,'-10'-4'-1350,"5"3"1440,-3-3 540,3 4-180,-1 0 89,2 0 91,4 0-90,-4 0-270,3 0 1709,-3 0-1979,12 0 89,-2 0-178,12 0-1,-8 0 180,4 0-90,-5 0-900,0 0 270,5-4 540,-4 2-1349,4-6-1838,-5 7 1813,0-7 1349,1 7 0,-1-7 0,0 2 0</inkml:trace>
-  <inkml:trace contextRef="#ctx0" brushRef="#br0" timeOffset="362931">15473 4837 8162,'-5'0'810,"1"0"-360,4 0 539,-5 21-719,4-8-90,-3 18 0,0-12-360,3 3 180,-3-2 90,4 3-540,0 0 270,0-4 90,0 0-1349,0 3 1439,4-7 0,1 8 0,5-5 0</inkml:trace>
-  <inkml:trace contextRef="#ctx0" brushRef="#br0" timeOffset="363501">15751 5153 7533,'-9'-4'270,"4"3"-1,-3-3 181,2 4 0,1 0-90,-3 0 269,3 0-269,-4 4 0,4-3-180,-7 12 449,1 5-539,1 3-90,-2 2 180,6-6 0,1 6 270,-3 10-540,7 5 90,-3-5-270,4-6 180,0 0-3187,0-6 2263,4 1 294,1 0 630,4-11-989,1 7-1,7-9 361,-5 1 179,5-5 180,-8-1 1,0-4 359,0 0 0,1 0 0,-1 0 0,0 0 0,1 0 0</inkml:trace>
-  <inkml:trace contextRef="#ctx0" brushRef="#br0" timeOffset="363878">15891 5181 7533,'-9'-9'629,"3"4"-359,2 1-180,4-1 630,0 4 1618,0-3-2158,0 13 0,4-3 90,2 11 90,3 2-180,0 1 0,1 2 179,3 5-628,1-2-451,5 7 450,0-8 270,-9-6-899,7 0 359,-11-8 270,7 4-1529,1-5 360,-4 0 899,3-4 180,-3 0 360,-5-5 0,3-5 0,-3 0 0</inkml:trace>
-  <inkml:trace contextRef="#ctx0" brushRef="#br0" timeOffset="364112">16142 5116 7533,'-14'0'1709,"4"0"-1260,6 0-628,-4 4 179,2 1 90,-8 5 269,-3 7 271,-3 3-270,1 0-180,-3 1 0,11-10-270,-2 6 180,4-2-1,-5 3 91,0 9-360,-5 2-629,5 8 719,4-8-1079,2-2 359,7-8 540,-3-1-989,4-3 1259,0-6 0,4-1 0,1-3 0</inkml:trace>
-  <inkml:trace contextRef="#ctx0" brushRef="#br0" timeOffset="364503">16189 5349 8522,'0'13'180,"0"-3"270,0 8 89,-4-4-539,3 1 360,-8-2-90,8 1-90,-3-4-90,4 4-180,0-5 90,0 0-630,0 0 361,0 1 89,0-5-270,0-1 90,0-4 180,4 0-539,-3-4-1,8-5-90,-4-6 810,4-3 0,0-5 0,1 7-269,-5-1 269,-1 7-90,-4 5 1169,0 1-539,0 0-270,4 3 449,-3-3-359,3 4 1169,-4 0-270,4 8-1079,2-6 0,-1 11 0,-1-8-360,0 0 180,-3 3-270,7-7-629,-2 7 719,3-7-540,-4 4 181,3-5 359,-7 0 90,8 0-1529,-4 0 1619,4 0 0,0-5 0,1 0 0</inkml:trace>
-  <inkml:trace contextRef="#ctx0" brushRef="#br0" timeOffset="364743">16477 5218 7533,'-5'0'1259,"1"0"-1439,4 0 630,0 5-180,0-4-180,0 7 90,0-7-1,0 3-89,0 0 0,0-3-90,4 3 630,-3-4 0,8 0-361,-4 0-89,4 0-90,0 0-629,13 0-451,-5 0 271,9 0 539,-11-4-810,-2 3 1,1-3-91,0 4 1080,-3 0 0,1-4 0,-7-1 0</inkml:trace>
-  <inkml:trace contextRef="#ctx0" brushRef="#br0" timeOffset="365866">16878 5116 7713,'-5'0'989,"0"0"360,5 0-1079,0 4-90,-4 1 90,3 1-90,-3 2 90,0 9-180,3 4-90,-7 7 0,7-5-3213,-8-5 3034,8 5 149,-7 5-60,3-3 0,-4 6 180,3-12 0,-2 4-2438,7-4 2348,-7-5 1539,7 12-1899,-3-14 90,4 10 119,0-17-748,0 4 89,0-4 541,0 0 2851,0-1-3391,4-4 809,-3-8 0,7 2 0,-3-8 0</inkml:trace>
-  <inkml:trace contextRef="#ctx0" brushRef="#br0" timeOffset="366945">16868 5125 7533,'0'-9'270,"5"0"-270,-4 4 0,3-4 0,-4 8 0,0-3 0,4 4 0,-3 0 0,3 0 0,-4 4 0,4-3 0,-3 8 1978,3-4-1168,0 8-360,-3-2-91,4 2-269,-5 0 90,0 2-90,0 4-180,0-5 0,0 8 180,0-11-270,0 11 90,0-12-359,0 3 89,0 1 180,0-8-270,0 7 180,0-12-359,0 3 179,0 0 90,0-3 180,0 3 180,0-12 0,0 6 0,0-11-90,0 12 90,0-3-90,4 4 90,-3 0-89,3 0-1,-4-4 180,4 3-90,-3-3-90,3 4 2608,-4 0-2518,0 4 180,0-3-180,0 3 90,0 0-90,0-3 90,0 8 0,0-8-90,-4 3 90,3 0-90,-3-3 90,4 7-90,0-7 0,0 3 0,0 0 90,0-3-90,0 8 0,-4-8 0,3 3 90,-3-4 0,4 0-90,0 4 90,0-3 0,0 3-180,0 0 90,0-3 0,0 4-90,0-1 180,0-3-90,0 3-90,4-4 270,-3 4-1,7-3-179,-7 3 0,7-4 0,-7 0 270,4 0-270,-1 0 0,1 0 0,4-4 90,0-1-180,5-9-90,-4 4 180,0-3-359,2-1 449,-10 0-180,10-1 0,-6-2 90,3 6-90,-4-2 0,3-1 180,-2 0-180,-1-5 90,-1 5-90,0 0 180,-3 5-90,3 0 0,-4 0-270,4-5 270,-3 0-90,3-1-90,-4 6-90,0 1 90,0 2 180,0 1-90,0-3 90,0 7 180,0-3 270,5 8-90,-4 9-90,3 3-180,-4 3 0,0-6 179,0 0-179,0 6 0,0-3 90,0 1-90,0-3-270,0-4 270,0 3 0,0-3-90,4 7-90,-3-1 0,7 2 180,-7-4-90,3-5 0,1-4-450,-4 3 1,7-7-361,-7 8 360,7-8 181,-7 3-811,3-4 1,0 0 809,2 0 270,-1-4 0,3-1 0,-3-5 0</inkml:trace>
-  <inkml:trace contextRef="#ctx0" brushRef="#br0" timeOffset="367670">17296 5358 8522,'-5'9'1799,"0"0"-1619,5 1 450,-4 3-630,3 2 0,-3 3 90,4-3 0,0-2 89,0-8-269,0 4 90,0-4-719,0 4 179,4-4 450,-3-1-899,3-4-1,1 0-809,4-4 1799,-3-1 0,7-8 0,-8-2 0</inkml:trace>
-  <inkml:trace contextRef="#ctx0" brushRef="#br0" timeOffset="367845">17324 5191 7533,'-10'0'899,"5"0"91,1 0-1,4 0-809,0 4 0,0-3 0,0 3-720,0 0 450,0-3-899,4 7 179,1-7-629,9 3 1439,-4-4 0,4-4 0,-5-1 0</inkml:trace>
-  <inkml:trace contextRef="#ctx0" brushRef="#br0" timeOffset="368185">17426 5014 7533,'0'-10'270,"0"5"-181,0 1 2520,0 4-1710,4 4-539,-3 1 180,8 5 270,-4 3-271,8 2-89,2 3 90,-1 5 89,4-3-89,-4 7-360,1-12 180,-2 3-1,-4-9-179,-3 4 90,2 2-360,-3-1 90,4 4 180,-3-4-90,2 38-450,-7-25 180,-1 25 180,-1-30-359,-7-2 179,2 15-810,-7-5 181,-2 11-990,1-3 899,1-9 361,3-7 89,1-8-989,0-5 1439,-1 4 0,1-2 0,0 2 0</inkml:trace>
-  <inkml:trace contextRef="#ctx0" brushRef="#br0" timeOffset="372973">17808 4679 7533,'0'-5'629,"0"1"-359,0 4-360,0-5 90,0 4 450,0-3-360,4 4 0,-3 0 270,3 0 89,0 0-269,-3 0-270,8 0 270,-8 0-90,3 4-90,0-3 0,1 4 90,0-5-90,3 0 90,-2 0 0,-1 0-180,3 0 90,-7 0 0,3 0 90,0 0-180,-3 0 180,8 0-270,-4 0 270,0 0-90,3 0-90,-7 4 90,8-3 0,-8 3-180,3-4 180,0 0 0,1 0-90,0 0-90,-1 0 90,1-4 90,-4 3 0,3-3 0,-4 4 180,0 0-180,0 4 0,0-3 180,-4 3 0,3-4-180,-4 4 90,5-3 0,0 7-90,0-7 0,0 3 0,0 1 0,0 0 0,0 0 90,0 3-90,0-7 0,0 7 0,0-6 90,-4 6 0,3 1 0,-3 1 0,4 8 0,0-4-90,0 1 0,0-2 90,0-3-90,0-1-90,0 9 90,0 1 0,0 9 0,0-4 180,0-1-90,0-9-90,0 4 0,0-4 179,-4 1 91,3 6 90,-3-1-180,4 8 0,0-8-90,0 1 0,0-10-90,0 6 90,0-7 0,0 8-180,0 1 270,0 9-90,0-8-180,0 10 180,0-10 0,0 12 89,0 5-89,0-3 0,0-2-90,0-13 90,4-2-90,-3-6 180,3 10-90,-4-5-90,0 3 90,0-6-180,0 0 90,0-2 90,0 6-90,0-6 0,4 2 90,-3 1-90,3 0 90,-4 5-180,0 3 180,0-2-90,5-1 0,-4-2 0,3-7 90,-4 12-90,0-6 0,4 2 0,-3-4 0,3-5 90,-4-4-90,0 3 0,0-2 90,0-1-90,0 3 0,0-7 0,0 7 0,0-7 90,0 8-90,0-8 0,0 3 0,4 0 90,-3-3-90,3 7 90,-4-7 539,0 3-449,0 1-90,0-4 1080,0 3-1081,-4-4 1,3 0 0,-7 0 90,3 4-90,-5-3-180,1 3 90,0-4 90,-1 0-1169,1 0 449,4 0 360,-3 0-2698,3 4 2248,-5-3-1798,1 7 2518,0-6 0,-5 10 0,0-2 0</inkml:trace>
-  <inkml:trace contextRef="#ctx0" brushRef="#br0" timeOffset="376450">18515 5358 7533,'-14'5'449,"0"3"-359,9-7 180,-3 4 180,-1-5-180,2 0-90,-1 0 629,4 0-449,3 0 2698,-3 0-2788,12 0-90,-2 0 90,8 0-90,-1 0 0,2 0 0,-1 0 179,12-5-179,-9 4-180,9-7 270,-7 7-90,0-7 0,3 3-180,-2-1 180,-2 2-90,0 4-270,-8-4 180,3 3-90,1-3-270,-4 4 270,3 0 0,5 0-180,-2 0 180,2 4-89,-4-3-721,-1 3 450,-3-4 91,4 0-1171,3 0 361,-5 0 809,5 0-1079,-7 0 1439,-1-4 0,0 3 0,1-3 0</inkml:trace>
-  <inkml:trace contextRef="#ctx0" brushRef="#br0" timeOffset="376735">18766 5153 7533,'-15'0'0,"6"0"539,5 0 721,4 0-811,-4 0 1,3 0-90,-3 4-90,4-3-90,0 8 269,0-4-89,0 0-90,0 3 90,0 2 0,0 0-180,4 3-1,-3-3 181,3 3 0,-4 10-180,0-2-90,0 5 270,0 1-450,0-6 90,0 6 90,0-9 90,0 1-540,0 0 270,0-1 90,0 1-1169,0-5 269,0 8 630,0-11 90,0 7-90,0-9 180,0 1 90,4-5 0,5 3 0,6-3 0</inkml:trace>
-  <inkml:trace contextRef="#ctx0" brushRef="#br0" timeOffset="381961">19483 5460 7533,'-6'0'1529,"-2"0"-1079,7 0-1620,-3 0 181,12 0 989,-2 0 0,8-4 0,-5-1 0</inkml:trace>
-  <inkml:trace contextRef="#ctx0" brushRef="#br0" timeOffset="382160">19604 5451 7533,'-6'0'809,"2"0"361,4 0-1260,4-4-90,2 3-900,3-3 900,0 4-89,1 0-631,-1 0 900,0 4 0,5 1 0,0 4 0</inkml:trace>
-  <inkml:trace contextRef="#ctx0" brushRef="#br0" timeOffset="382368">19874 5470 8792,'5'0'1169,"-1"0"-809,0 0-180,-3 0 90,3 0-540,0 0 180,-3 0 90,3 0-450,1 0 270,0 0 180,0 0 0,3 0-1439,-3 0 1439,5 0 0,3 4 0,2 1 0</inkml:trace>
-  <inkml:trace contextRef="#ctx0" brushRef="#br0" timeOffset="384819">19473 5442 7713,'-5'0'269,"1"0"1,4 0-90,-4 0-90,3 4 0,-3-3 90,4 3-90,-4-4-90,3 4 0,-4-3 90,5 3 0,-4-4 90,3 4-180,-3-3 180,4 8-180,0-8 90,0 3-90,0 0 179,0-3-268,0 3 178,0 0-178,0-3 89,0 3-1799,4-4 1799,1 5 0,5-4 0,-1 3 0</inkml:trace>
-  <inkml:trace contextRef="#ctx0" brushRef="#br0" timeOffset="385363">19641 5395 7533,'-5'5'0,"1"-1"-270,4-4 180,0 5 0,0-4 360,-5 3-90,4-4-90,-3 4 0,4-3-180,0 3-90,0 0 270,0-3-90,0 3 0,0 0 90,0-3 0,0 4 0,0-1-90,0-3-90,0 3 180,0 0-90,4-3 0,-3 3-90,4-4 90,-5 0 0,4 0 0,-3 0-90,3 0 90,0 0 180,-3 0 899,3 0-1079,-4 4-630,0-3 270,4 4 360,1-1 0,5-3 0,-1 3 0</inkml:trace>
-  <inkml:trace contextRef="#ctx0" brushRef="#br0" timeOffset="385802">19892 5479 8252,'0'5'90,"0"-1"-90,0-4-90,0 4-90,0-3 270,0 3-180,0 1 180,0-4-449,0 3 269,4-4 0,-3 0 90,3 0 0,1-4 0,0-2 0</inkml:trace>
-  <inkml:trace contextRef="#ctx0" brushRef="#br0" timeOffset="403504">1926 6576 7533,'-9'0'-90,"-1"0"180,1 5-90,0 4 989,-9 22-539,11-4-180,-5 9 269,12-1-179,0 3-308,0 14 83,3-22 0,2 0-90,0-1 0,0-1-45,10 19-90,-2-10 90,5-11-180,1-6-3097,1-5 3084,2-7 13,-4-8 90,10-4 90,-3-2 206,2-7-206,-4-10 0,1-10 0,-5-1 0,-1-2 270,-9 8-90,0 0-180,-3 0 90,-2 0-2089,-4 5 2179,0-4-1517,-9-18 1427,-1 12-167,-4-11-103,-8 21 180,-2 4 1164,-9 1-1254,4 7 2054,2 3-2504,4 8 3207,4 0-4106,-4 8 650,9 3-20,4 12 809,6 0 0,4 1 0,0-1 0</inkml:trace>
-  <inkml:trace contextRef="#ctx0" brushRef="#br0" timeOffset="403938">2307 6865 7533,'0'13'449,"0"2"361,0 3-90,0 9-271,0-2-89,0 11-90,0-3-90,-4 4-90,3-8-90,-3-2 360,4 0-181,0-6-89,0 6-3302,0-9 2313,0 1 269,4 4 540,-3-8-539,3 3 89,0-9-270,1-4-89,5-5 179,-5-9 3483,3-10-2763,-7-9 0,7-1 0,-3-3 0</inkml:trace>
-  <inkml:trace contextRef="#ctx0" brushRef="#br0" timeOffset="404189">2316 6911 7533,'4'-28'90,"-3"9"269,8 5 271,-4 6 0,4 7-181,5-3-89,0 4-3572,-3 0 3392,1 4 180,-3 1-180,2 9 0,2-4-270,-8 3 270,3-3-1,-7-1-89,4 4 0,-5 6 0,0-3-270,0 5 90,-5-6 180,0 3-539,-4-3 179,0 2-540,-5-2-269,4-1 3661,-4-4-3481,5-2 539,0-7-90,4 3 450,-4-4 0,4-4 0,-4-1 0</inkml:trace>
-  <inkml:trace contextRef="#ctx0" brushRef="#br0" timeOffset="404453">2568 6763 7533,'9'-5'539,"0"4"-179,-4-3-180,4 4 90,-8 0 90,3 4 269,0 6 1,1 4-360,0 5-90,-1-5 0,-4 0-180,0-1 180,0 10-91,0 2-178,0 11 178,0-16-358,0 6 179,0-11-1619,0 3-1568,5-3 1453,-4-6 1824,3-1 0,-4-7 0,0 4 0</inkml:trace>
-  <inkml:trace contextRef="#ctx0" brushRef="#br0" timeOffset="404638">2493 6818 7533,'4'6'1439,"1"-2"-899,5 0-271,3-3-89,-2 3-90,2-4 90,0 0-450,6 0 180,5 0-1079,4 0 90,-4-4 1079,2 3 0,-10-7 0,2 2 0</inkml:trace>
-  <inkml:trace contextRef="#ctx0" brushRef="#br0" timeOffset="404854">2800 6818 7533,'0'10'899,"0"-5"-449,0-1 180,0 0-181,0 1-89,0 9 0,0 0-270,-4 9-90,3-8 0,-3 3-1889,4 4 1079,0-6 91,0 7 269,0-14 382,0-5 1,4-12 0,1-2-1</inkml:trace>
-  <inkml:trace contextRef="#ctx0" brushRef="#br0" timeOffset="405007">2800 6688 7533,'0'-5'359,"4"1"-269,2 4 90,3 8-450,-4 2 91,7 5-271,-5-2 270,6-3 180,-4-1 0,1 0 0,-1 1 0</inkml:trace>
-  <inkml:trace contextRef="#ctx0" brushRef="#br0" timeOffset="405565">3024 6763 7533,'-5'18'-720,"-4"1"1170,8-1-3727,-7 1 1523,7 0 3703,-7 3-1590,3 6 1,-5 5-450,5-8 1130,1 1-1040,0-12-90,3 5-180,-3-5 3392,4 0-3212,0-9 90,0-1-180,0-12-180,4-7 181,1 0-1,0-7-270,3 4-90,-2-6-179,3-4 719,0 4 449,0 6 91,1 4 270,-1 5-271,0 4 91,1 1-360,-5 4-360,-1 0 450,0 0-180,-3 8-180,3-2 89,-4 3 91,0 4-180,0-3 0,0 0 0,0 7-180,0-15-449,4 10 269,-3-11 270,8 4-90,-8-10-449,7 0 89,-3-8 0,5 2 180,-5-6 540,3 11-180,-7-7-90,3 12 900,0-3-360,-3 4-181,8 0 361,-8 8-90,3-1-360,-4 10 0,4-6-1,1 2-1078,0-8 449,4 3 270,-8-2-1619,11-1 1440,-10-1 359,10-4 0,-6 4 0,3 1 0</inkml:trace>
-  <inkml:trace contextRef="#ctx0" brushRef="#br0" timeOffset="405960">3387 6921 7533,'9'-9'899,"-4"7"-809,4-10 270,-8 7 449,3-9-269,-4 4-360,-4-3 90,-2 7 270,-7-2-540,-1 3 179,-9 0-448,3 1 179,1 4-450,-2 0 270,5 4 0,-2 5 0,4 6 91,9 7 89,1 2-450,8 0-180,5-6 181,6-8 179,3-6-90,1-4 90,4-4 90,-12-1 181,6-5 178,-12 1-268,8 0-1,-6 3 1439,5-2-899,-11 7-270,7-3 719,-7 4-179,3 8-90,1-1-91,-4 10-179,7-7-90,-3 0-989,4-6 449,1-4 180,-1 0-1169,0-4 269,5-10 1080,4-5 0,-2-5 0,1 1 0</inkml:trace>
-  <inkml:trace contextRef="#ctx0" brushRef="#br0" timeOffset="406220">3647 6344 7533,'0'-5'1349,"0"1"-1079,-4 4 90,-1 4-91,-4 13 361,0 8-46,2 6 1,0 4-315,2-7 0,0 1-360,0 12 1,0 0 179,1 7 89,0-3-179,3-5-449,-3 4 314,3-17 0,2 1-450,1 3 1,0-2-316,-1 20-629,12 0 270,-7-24 1259,11-3 0,-6-17 0,2-1 0</inkml:trace>
-  <inkml:trace contextRef="#ctx0" brushRef="#br0" timeOffset="406470">3842 6772 8342,'-4'18'2519,"3"-3"-2159,-3 2-270,0-2 359,-1 8-809,-1 0 450,2 1-989,4-1-1,0-9-1258,0-4 898,4-10 1260,2-5 0,3-9 0,0 0 0</inkml:trace>
-  <inkml:trace contextRef="#ctx0" brushRef="#br0" timeOffset="406641">3814 6670 8882,'-5'0'1439,"1"4"-1709,4 1 90,4 0-809,5 3 179,6-7 720,-1 3-1079,0-4 349,-5 0 1,5-4 0,0-1 0</inkml:trace>
-  <inkml:trace contextRef="#ctx0" brushRef="#br0" timeOffset="406871">4000 6595 7533,'6'-9'899,"-2"4"-359,-4 0 629,0 5-629,0 13 90,0-2-3663,0 12 3213,0-9-90,4 8 0,1-6 0,0 11 0,3-12-720,-7 7 181,8-4 3725,-4-2-4600,0 10 1145,-1-11-1351,0 16 361,-3-6 1169,4 3 0,-5-5 0,0-5 0</inkml:trace>
-  <inkml:trace contextRef="#ctx0" brushRef="#br0" timeOffset="407107">3963 6809 0,'-5'-4'150,"1"3"3126,4-3-1232,0 4-275,4 0-1499,5 0 589,6 0-1039,8 0 3303,4 0-3213,7-4-1080,-1-2 271,3 1 629,-11-3-899,-3 7 1169,0-7 0,-6 3 0,6-5 0</inkml:trace>
-  <inkml:trace contextRef="#ctx0" brushRef="#br0" timeOffset="407327">4252 6716 0,'-5'0'0,"0"4"1692,5 5-1422,-4-2-180,3 5 2488,-3-3-1678,4 6 1219,0 8-1849,0-4 3006,0 8-3250,4-7-296,1 2 360,5-7-1529,-1-2 449,4-7-89,-2-2 1079,2-4 0,1-4 0,0-2 0</inkml:trace>
-  <inkml:trace contextRef="#ctx0" brushRef="#br0" timeOffset="407578">4401 6707 8882,'-4'18'3238,"-6"5"-2698,0 1 89,-8 8-89,8 5-3817,-3-7 2662,3 5 1126,-3 1-511,-2 8-45,5-17 0,-2 2-90,-2-1 0,0-1 45,-1 2 0,1-2 90,-14 17-540,5-4 91,0-4-631,-1-2 91,1 3-1,0-13-1078,8-6 2068,6-13 0,-3-1 0,1-4 0</inkml:trace>
-  <inkml:trace contextRef="#ctx0" brushRef="#br0" timeOffset="409593">5034 6595 7533,'-4'-14'-1439,"-6"0"2698,-4 5-450,-9 0-179,-1 3-270,-8 2 90,3 13-271,1-3 91,10 7 180,-4 5-270,2 10 90,-4 10-270,10 0 0,6-2 0,4 0-90,3 7-90,5 4-90,6 0-539,13-6-1,9-16-629,2-3 989,3-17 180,-5-1 270,5-12 0,-12 2 0,11-12 0,-13 4 0</inkml:trace>
-  <inkml:trace contextRef="#ctx0" brushRef="#br0" timeOffset="410677">5145 6790 7533,'-4'-5'270,"-5"1"-1,-1 4 91,-4 0 180,1 4 90,-2 6-91,1 8-179,4 6-360,6 4 90,8 0-360,6-4-180,4-10 181,5-6-91,0-12 90,-1-5-360,5-14 450,-12 2 90,2-1-90,-17 4 270,-2 12-180,-7-6 1,3 10 268,-8-2-89,4 0 90,-9 3 90,7-3-180,-1 4-90,11 0 0,2 0-180,4-4 0,4 3 0,6-3 0,8 0 180,6 3 90,4-4-180,0 5 360,-8 5-180,-3 0 0,-7 0 90,-1 3 0,0 1 90,0 6 180,-4 8-270,-1-4-1,-4 4-89,0-8-90,0-2-269,0-8-1,0-1-540,4-12 360,1-6-89,9-10 449,0 0-180,1 1 540,2 9-90,-6 4 449,6 2 451,-6 7-451,2 1-179,-4 9-180,-3 2 0,2 2-90,-7 5 89,3-3-628,0 8 179,1-4-900,5-1 271,3-3-630,-3-2 539,8-8 181,-4-1 719,5-4 0,-4-4 0,-2 3 0,-4-7 180,1 7-180,-1-7 89,-4 7 631,-1-8-360,0 8-90,-3-7 539,8-1-89,-4-2-91,0-6 91,3-2 269,-7-9-719,3 4 0,-8 1-270,-1 5 0,-4 12-270,0-6 270,-5 11-539,0-3 269,-5 4 90,4 4 0,6 1-90,1 12 0,7 3 90,-3 4 1,4 3-91,8-8 90,-2-4 180,12-7 0,-4-12 0,5-5-90,-1-10 0,1-9 90,0-5-90,-1-4 270,-3 0-270,2-1 90,-10 9 180,5 3 90,-11-1-180,3 2 89,-12-11 1,-2 11 0,-5 6-180,2 11 90,-1 16 0,4 11 90,-4 14-180,9 9 90,1 5 0,4-1-360,4-3 90,6 2-1439,4-11 450,5 3 269,3-18 900,-2-5 0,7-14 0,-7-10 0,2-4 0</inkml:trace>
-  <inkml:trace contextRef="#ctx0" brushRef="#br0" timeOffset="410852">5843 6735 7533,'0'-10'989,"4"5"-449,-3 5-270,3 14-90,-8 9-1,3 2 91,-3 2 0,0 0-3482,-2-6 3212,1 1 90,1 0-540,4-6 90,0 2-809,0-9 539,0-4 361,4-5 269,-3-9 0,8-1 0,-4-9 0</inkml:trace>
-  <inkml:trace contextRef="#ctx0" brushRef="#br0" timeOffset="411019">5796 6679 7533,'-10'-15'1979,"2"2"-1350,8 8-269,0 1-450,0 4 90,4 4-180,1 1-90,8 4-539,6 1-990,1-1 1799,7-4 0,-12-1 0,3-4 0</inkml:trace>
-  <inkml:trace contextRef="#ctx0" brushRef="#br0" timeOffset="411248">6038 6604 10321,'0'15'270,"0"-2"-450,0-3 90,0 3 180,0 2 270,0 3 0,0-3 179,0 6-359,0-5 0,0 2-360,0 8 0,0-5-269,0 15 179,0-7-1079,0-1 719,0-9-629,0-2-271,0-7 710,0 0 1,4-6 0,2-4 0</inkml:trace>
-  <inkml:trace contextRef="#ctx0" brushRef="#br0" timeOffset="411453">5973 6753 7533,'-5'-9'629,"-3"0"-359,7 3 270,-4-2-180,5 7-90,0-3-540,9 4 270,1 4 90,13-3-3367,-3 3 2712,2-4 115,5 0-359,2 0 269,4 0-270,-1-4 810,-4 3 0,-4-7 0,-5 3 0,-6-5 0</inkml:trace>
-  <inkml:trace contextRef="#ctx0" brushRef="#br0" timeOffset="411628">6252 6697 7533,'-5'0'0,"-3"0"719,7 0 1,-7 5-180,7 4-361,-4 1 1,5 4 180,0-1-180,0-3-90,-4 8 90,3 1-180,-3 4 0,4 5-540,0 0 90,0-8-719,0-3 450,4-11-901,6-11 1620,-4-5 0,6-9 0,-7 1 0</inkml:trace>
-  <inkml:trace contextRef="#ctx0" brushRef="#br0" timeOffset="411802">6234 6530 7533,'-4'-16'1619,"3"0"-1529,-4 15-540,10 9 0,0 4 90,4 14 91,5-6-91,0 3-360,5-5 720,-5-3 0,0-2 0,-5-3 0</inkml:trace>
-  <inkml:trace contextRef="#ctx0" brushRef="#br0" timeOffset="412393">6373 6679 7533,'0'9'180,"0"0"449,0 5-89,0 0-360,-4 9 270,3 1-540,-7 4 180,7 0-90,-3-9-90,8 3 0,1-16 180,9 2-180,-4-8-180,7-8 90,-2-2 0,4-9 90,-5-3 90,-5 6-180,-5-6 180,-4 12-90,-4 1 0,-5 5 90,-5 4 0,-1 0 90,6 0-270,0 0-179,8 0 269,6-5-90,5 0 90,9-4 90,-1-5-180,1 4 540,-1 1 179,-3 1-3481,2 7 3302,-10-4 90,9 10-360,-10 0 0,8 4-1,-5 0 91,0-4-90,1 4 0,-1-8 3186,0 7-2980,-3-3-206,2 0-90,-7 0-90,7-1 90,-3 1 90,1 0-360,-2-1 0,0 0 91,1-3-91,0 8 270,3-8 0,-7 3 90,8 0 0,-8-3 359,3 7 1,-4-3-270,4 1 180,-3 2 179,3-3-359,-4 8 0,0 2-809,0-5 359,0 3-360,4-8 180,2 0-809,3-1 180,0-8 1079,0-1 0,0-9 0,0 0 0</inkml:trace>
-  <inkml:trace contextRef="#ctx0" brushRef="#br0" timeOffset="413230">6653 6735 7533,'-5'0'-1170,"0"0"1620,5 4-180,0-3 360,0 7-91,0-3 91,-4 0-270,3 8-90,-7-7-1,7 3-179,-7 4 0,2-3 90,1 9-180,-3-1 0,7 1-90,-3-1 0,0 1 0,3-4 0,-3-2 0,4-8-179,0-1-91,0-4-720,4-12 901,1 5-361,0-7 0,-1 2 180,0 6-89,1-12 539,1 8-90,2-4 179,-7 9-179,3-3 270,0 3-180,-3-1-90,8-2 630,-8 7-180,7-7 179,-7 7-179,7-3-90,-3 4-270,0 0 90,0 0-90,-1 0 0,-3 0-180,7 0 180,-3 8-360,5-6 360,-5 10-90,3-2 0,-7-4 0,3 2 0</inkml:trace>
-  <inkml:trace contextRef="#ctx0" brushRef="#br0" timeOffset="417207">3629 7981 7533,'-5'-5'180,"0"-3"539,-3 2-359,2-3-180,-12 0 0,12 0-90,-6 3 90,3-2 0,-2 7-91,-2-7 1,-5 7 0,-1-3-90,-5 8-90,5 1 180,2 0-270,2 8 270,5-3-269,-3 4 268,8 8-89,0-6 90,1 6 0,4 5-90,0-6 180,4 10-90,9-7 0,3 3-90,7-7 90,-5-6 180,5-6-90,1-11 0,8-2-180,-7-10 0,-3-3-90,-4-5 90,-3 3 90,3-7-180,-3 8 180,6-16-180,-5 0 0,2-11-2731,-8 8 2821,-6 1-506,-4-3 326,-8 1 90,1-4-90,-10 7-89,-10 0 179,1 6-980,-6 2 980,13 11 2278,2 7-2368,2 5-160,1 1-19,0 8 89,9 1-450,1 5 1064,4 3 1,-4-3 0,-1 4 0</inkml:trace>
-  <inkml:trace contextRef="#ctx0" brushRef="#br0" timeOffset="418463">4084 7609 7533,'-5'0'-630,"1"0"1170,0 4 1079,3 10-4896,-3 1 3022,4 8-721,0-5 1245,0 5 181,0 9-90,-5 6-180,4-3 180,-3 0-180,-4-3 0,6-6-1,-11 9 407,8-16-676,-4 4-180,0 8 90,-1-1-270,1 7 271,0-13 89,4-6 0,-4-9-180,8 0 2862,-3 0-2682,0-3 1690,3-2-1600,-3-4-179,4 0 268,-4 0-89,3 0 180,1-4 0,1 3-180,7-8 360,1 8-180,2-3 540,15 4-271,-2 0-3571,1 0 3302,1 0-180,-7 0 180,0 0-90,0 0 90,-2 0-630,-6 0 360,6 0 0,-6 0-1079,10 4 269,-1-3-809,8 8 900,-8-8 809,-3 3 0,-3 0 0,0 1 0</inkml:trace>
-  <inkml:trace contextRef="#ctx0" brushRef="#br0" timeOffset="418921">4540 7646 7533,'-5'0'-450,"1"0"450,0 0 1079,-1 0 91,-5 4-451,1 6-449,0 8 90,-1 10-3482,5-3 3122,-3 6-2089,7-11 2179,-3 2-1289,4-3 1289,-4 4 270,3 5-360,-3-4 0,-1 3-90,4-8 270,-3 0-270,4-1 0,0 1 180,0-1-270,0 1 180,0 0-90,0-5 90,0 4-360,0-8 90,0 3 181,4-3-91,-3-5-540,8 3 1676,-4-3-1586,4 0 180,0 0 1292,5-5-842,-4 0 0,4-5 0,-5 0 0</inkml:trace>
-  <inkml:trace contextRef="#ctx0" brushRef="#br0" timeOffset="420050">4745 7767 6903,'-5'0'810,"1"4"-451,0 1-269,-1 1 90,-1 2-90,-2-3 90,3 4-90,0 5 90,-4-4-3457,4 16 2662,0-10 795,1 11-678,4-8 588,0 4 0,0 5 180,4 1-270,1 3-90,9-13 2675,-4-1-2495,4-13-90,-5-1 0,0-4 90,0-4 1984,5-5-2074,-4-2 0,4-6 0,-5 6-90,0-6 90,5-6-90,-4-6-89,4-4-91,-5 1 180,-4 4-90,-5 0 180,-9 9-270,-2 1 90,-10 9 180,5-1 90,-2 5-180,0-3 0,8 7 180,-12-3 90,10 4-180,-5 4 180,12 1 0,-4 4-180,8 1 90,-3-1 180,4 4-180,0 2 0,4 4-90,-3-5 0,8-1-180,8-3-180,4-5-720,11-1 811,-8-4 89,-1 0-540,-9 0 270,4-4 450,-8 3 0,8-12 0,-4 3 0</inkml:trace>
-  <inkml:trace contextRef="#ctx0" brushRef="#br0" timeOffset="420298">4987 7674 7533,'-4'-5'-90,"3"1"90,-3 4 2069,4 0-450,21 16-900,-8-3-89,18 14-450,-17-9-90,0-3 90,-5-2 0,-4-4-180,8 9 89,-11 2-1078,6 8 899,-8-5-1079,0-4 179,0 7-539,-8-6 360,-2 17 1169,-13-4 0,-1 0 0,-4-1 0</inkml:trace>
-  <inkml:trace contextRef="#ctx0" brushRef="#br0" timeOffset="420903">3024 8409 7083,'18'-5'1889,"5"-3"-1529,-3 7-270,3-4 359,12 1-89,-8 3-469,17-3 244,-18 4 0,2 0-412,7 2 0,1 0 367,-1-1 0,0-1-90,-1 2 0,-1 0 0,8-2 90,5 0-90,5 0 45,-23 0 0,1 0 45,3 0 0,0 0 90,21 0-135,-24 0 0,0 0 45,23 0 0,0-4-413,-23 4 0,1-1 368,-4-1 0,0 0 45,4 2 0,0 0 180,8-2 0,1 0 45,0 1 0,0 1-225,-1-2 0,0 0-180,-2 2 0,-1 0 0,2 0 0,-1 0 90,-8 0 0,1 0 0,7 0 0,-1 0 90,8 0 0,-2 0 0,-12 0 0,0 0 89,13 0-220,-11-2 1,0 0 220,20 1-180,-7-4-90,2 5 180,-14 0 718,-8-4-718,3 3-180,-12-3-90,7 4 270,-12 0-990,4-4 540,-5 3 91,0-3 89,-4 4-364,0 0-2515,-5 0 2700,-13 0 359,6 0 0,-19 4 0,7 1 0</inkml:trace>
-  <inkml:trace contextRef="#ctx0" brushRef="#br0" timeOffset="422470">3740 9004 7533,'0'-13'539,"0"3"-449,-4-4 90,3 5-90,-7 4 270,3-4 0,-9 4-90,-4-4 89,-6 4-179,4 1-180,-1-1-3277,10 4 3252,-6-3-419,6 8 444,-6-3 270,2 12-450,-7-3 270,6 5-180,-1 2 270,7-2-180,1 7 3262,4 2-3172,1 0 574,4-5-574,4-2-90,1-2 90,12 7 90,3-6-360,8 1 270,-4-11 90,11-2-90,3-13 45,-12 3 0,0-2-91,0-5 1,-1-2-835,13-10 700,-3-6 180,-11-9-180,0 8 90,-5-12 90,-2-1-180,-7 1 180,-2 6 0,-2-1-135,-5 11 0,-1 0-1475,1 0 0,-3 2 1520,-12-5-251,-8 4 71,-11 6-89,-10-2 269,9 14 163,3 5-433,13 4 0,0 4-450,-5 9 91,-1 7 3173,4 8-2904,3-8-89,12 1 449,0-10 0,5 10 0,0-1 0</inkml:trace>
-  <inkml:trace contextRef="#ctx0" brushRef="#br0" timeOffset="432073">4205 8753 7533,'-9'0'-360,"0"-4"450,3 3 180,2-3 89,4 4 91,-4 0-180,3 0 270,-3 0-180,0 0-270,3 0 89,-3 0 181,0 4-180,2 1 0,-2 4-90,0 1 0,3 3 270,-3 2-180,0 3-270,3 1 180,-7-1 89,7 1-89,-8 8 0,0 2-270,3 0 180,-7-2 0,8 0-89,-4 2-3188,4-5 2802,1 2 205,-1-11-270,4 3 90,-3-3 271,4-6-541,0-5 360,0-4 90,4 0 2583,2 0-2673,3-4-90,0 3 91,0-11 359,1 5 0,-1-10 0,0 2 0</inkml:trace>
-  <inkml:trace contextRef="#ctx0" brushRef="#br0" timeOffset="433063">4177 8725 7713,'-5'0'629,"1"0"-539,4 4 0,0-3 0,-4 4 180,3-1-180,-3 1 0,4 4 0,0 0 0,-4 1 0,2-5 0,-2 3 0,4-3 0,-4 17 89,-1-1-179,0 11 180,-3-4-180,7-5-90,-4-4 180,5 3-180,0-7 180,0 4-270,0-2 270,0-6-90,5 2 0,-4-8-90,7 4 90,-3-4-90,8 0 90,-2-1 0,2-4 0,-3 0-179,-1-4 179,4-1-180,-2-9 180,2 4-3277,1-3 2982,-4-1 25,7-9 0,-2-5 180,4-10 0,-5 9 270,-5 7-270,0 4 0,-4 4 0,0-1 180,3-2 0,-3 6-90,1-2 90,2-1 90,-7 4-180,7-3 90,-7 3-90,7-3 0,-6 2 0,2 2 90,0-3 0,-3 10-90,3-11 0,-4 12 270,0-3-270,0 12 3276,0 3-2621,0 7-385,-4 1-90,3-5-90,-3 4 180,4-4-90,-4 9 0,2 1-90,-2 0-180,4-2 180,0-7 0,0 3 0,0-4-90,0 0 179,0 12-89,0-13-270,0 8 270,0-11-90,0-1-90,0 0 1,4 1 89,-2-1-90,2-4-90,-4 3 0,4-7 180,-3 4-630,3-5 1,0 0 359,1 0-900,5 0 541,-1 0 179,0 0 90,0 0 360,1 0 0,-1-5 0,0 0 0</inkml:trace>
-  <inkml:trace contextRef="#ctx0" brushRef="#br0" timeOffset="433610">4699 8986 7533,'-6'0'270,"-2"0"269,7 0-449,-3 0 270,0 4 90,3 1-270,-3 0 0,0 3-1,2-2-89,-2 3 270,4 0-180,-4 5 90,3 4 0,-3 2-90,4-1-90,0-6-90,0-4 0,0 1 0,0-1-180,0 0 90,0 0 180,0 1-270,0-5 90,4-1 90,-3 0-630,7-3 180,-2 3 181,3-4-541,-4-4-89,8-1-181,-11-4 541,10 4 539,-11-4 0,7 0 0,-2-5 0</inkml:trace>
-  <inkml:trace contextRef="#ctx0" brushRef="#br0" timeOffset="433815">4643 8837 7533,'-10'0'180,"1"0"899,4 0 0,1 0-539,4 4-90,4-3-450,1 3 180,4 0-270,1-3 0,3 3-180,2-4 180,-1 5 90,0-4-90,-5 3 90,0-4 0,1 4 0,-1 1 0</inkml:trace>
-  <inkml:trace contextRef="#ctx0" brushRef="#br0" timeOffset="434949">5610 8251 7533,'-5'0'449,"1"0"1350,4 0-1619,8 0 0,-2 0 0,8 4 270,3-3-270,7 7-3392,1-3 3122,2 1-2089,-13-2 2269,4-4-106,-4 4-434,1-3-1092,2 3 1542,-6-4 463,10 0-1272,-5 4 719,3-3-1170,-10 3 827,-1 0 433,-7 2 0,3 3 0,-4 0 0</inkml:trace>
-  <inkml:trace contextRef="#ctx0" brushRef="#br0" timeOffset="435143">5601 8465 7533,'-4'9'359,"3"-4"-359,-4-1 0,5 1 990,0-4-1,0 3 91,9 0-361,5-3-449,6 3-90,-2-4 0,0 0-540,1 0 270,9 0 90,1-4-539,-2 3 269,0-3 360,-7 4-910,7-4 1,-7 3 0,2-4 0</inkml:trace>
-  <inkml:trace contextRef="#ctx0" brushRef="#br0" timeOffset="441226">6625 8093 7533,'-15'-4'1619,"6"3"-1439,5-4 90,4 5 179,8 0 181,7 0 0,13 0-451,0 0 91,0 0-90,-5 0-90,-1 5-90,-2-4 180,7 3-180,5-4 0,10 0 0,2 0-180,1 0 180,-16 0-1079,-6 0 179,-6 0-629,-6 0 270,-2 4 359,-5 1 900,-4 4 0,-8 1 0,-3-1 0</inkml:trace>
-  <inkml:trace contextRef="#ctx0" brushRef="#br0" timeOffset="441693">6671 8102 7533,'-18'5'-270,"3"-1"1169,2-4 1,3 0-540,5 0-1,-3 0 91,7 4-270,-3-3 180,4 8 90,4-4-91,1 4 91,13 5-270,-7-4-270,11 3-3187,-12 1 3342,8-4-1135,-8 4 980,8-1 180,0 2 0,10 7-90,0-2 0,0-1-360,-9-6-450,3 0 451,-11-2 179,2 2 2413,-4 5-2683,-12 1-1253,2 1 1344,-13 2-119,-9 0 298,3-1 0,-7 6 0,8-13-90,-16 16 180,9-12-90,-14 9 360,16-10-180,1-6 90,0 2 270,4-3-270,-4-1 0,8-4 0,2 3 360,4-7 2826,-1 8-2275,1-4-509,4 4-402,5 0 90,1-3 90,15 2 89,-4-7-89,11 3-180,-5-4 180,5 0 0,-3 0-90,2 0 270,9 0-181,-5-4-179,14 3 90,-11-3-1079,-1 4 449,-6 0 270,-7 0 90,-2 0-989,5 0 899,-7 0-1619,7 0 1799,-9 8 0,0-2 0,1 8 0</inkml:trace>
-  <inkml:trace contextRef="#ctx0" brushRef="#br0" timeOffset="442205">6550 8893 7533,'0'5'0,"0"3"629,0-3 91,0 5-270,0 3-270,0-3-1,0 4 271,0 3-90,-4 3-180,3 4-180,-3-1 180,0-1-360,3-6 180,-3 5-360,0-6 180,2-1 180,-2-4-899,4-6-361,0-4 721,4-13 269,-2 6-540,6-14 361,-7 10 449,7-23 0,-7 11 0,7-9 0,-7 15 180,8 3-91,0 0 451,1-1-90,8 2 629,-4 8-89,5 1-630,-9 4 89,3 4-269,-8 1 0,0 4-90,-1 5 90,0 4-90,-3 2 90,4-2 0,-5 0-180,0-3 90,0 3-90,0 5 179,0-3-988,0 2-720,4-7 359,1-6 1170,4-5 0,1-4 0,-1 0 0</inkml:trace>
-  <inkml:trace contextRef="#ctx0" brushRef="#br0" timeOffset="442411">6773 8967 9062,'9'0'989,"-4"0"-809,8 0-360,-3 0 90,5 0 0,2 0 90,-11 0-899,7 0 269,-4 4-539,-3 1 449,3 1 720,-9 2 0,0-3 0,0 4 0</inkml:trace>
-  <inkml:trace contextRef="#ctx0" brushRef="#br0" timeOffset="442595">6773 9107 7533,'0'5'270,"4"-1"809,-3-4 0,11 0-629,-5 0-450,6 0-540,13-8-719,-8 1 270,17-10 269,-16 7 360,0-4 360,-6 9 0,-3-7 0,-1 1 0</inkml:trace>
-  <inkml:trace contextRef="#ctx0" brushRef="#br0" timeOffset="442776">7024 8949 7533,'5'-6'629,"4"2"-179,-8 4 809,3 0-899,-4 4-180,0-3 180,0 8-180,0-4-180,0 4 180,0 5 0,0-4-450,0 3 270,0 5 0,0-7-360,0 11 270,0-12 90,0 4-90,0-5-1259,0 0 1349,0 5 0,0-4 0,0 4 0</inkml:trace>
-  <inkml:trace contextRef="#ctx0" brushRef="#br0" timeOffset="443673">6801 7460 7533,'0'10'719,"-4"7"-359,3-6 0,-3 11-3637,-1-7 1253,4 3 3703,-7 13-1409,3-1-135,-1-1 0,-2 0-135,-2 8 0,2-8 0,-1-1 0,-1-2 859,-3 9-1398,-1-7 179,4-3 270,0-2-450,2-10 3482,7-8-4021,-7-1 1079,7-4 0,-7-8 0,2-2 0</inkml:trace>
-  <inkml:trace contextRef="#ctx0" brushRef="#br0" timeOffset="443905">6745 7600 7533,'9'0'0,"1"0"359,-1 0 271,4 4-180,2 1-90,-1 8-1,0-2-89,-5 2 90,0 5-180,1-3 0,-1 4-90,0 3 0,1-3 90,-1 1-1530,8 10 991,-9-22 179,8 13 90,-15-20-990,8 3 91,-4-4 989,0 0 0,3 0 0,-3 0 0</inkml:trace>
-  <inkml:trace contextRef="#ctx0" brushRef="#br0" timeOffset="444560">7089 7442 7623,'-4'9'1079,"3"4"-809,-7 2-90,3 3 0,0-3 0,-4 2-90,8-6 89,-3 6 91,0-2-270,3 8 180,-7-4 0,7 4-270,-8-5 90,8-3-90,-3 3-180,0-4 180,3 5 0,-7-5 180,7 4-899,-3-8 269,-1 12-719,4-7 1259,-3 4 0,0-6 0,-1-3 0</inkml:trace>
-  <inkml:trace contextRef="#ctx0" brushRef="#br0" timeOffset="473556">5452 5051 7533,'-11'-10'2338,"3"-3"-1978,8 12 0,4-3 360,26 4-541,-6 0 91,25-4-180,-12 3 0,-7-3-568,5 4 298,-3 0 270,-6-4-180,9 3 70,-7-4 20,-3 5-90,2-4 0,-4 3-3187,0-3 3028,5 0 148,-8 3-708,-2-3 539,-13 4 90,-1 0-796,0 0-1003,-3 0 1979,-9 8 0,-4-2 0,-10 8 0</inkml:trace>
-  <inkml:trace contextRef="#ctx0" brushRef="#br0" timeOffset="474146">5489 5144 7533,'-9'0'899,"4"0"1,0 0 809,5 0-1439,9 4 89,1 1-539,5 5 180,6 7-90,-5-1 1,6 2-91,-3 0 0,0-8 270,-5 4 0,8-1-270,-7 2 180,4 3 0,-6 1 0,-7 3 0,-2 2-90,-8 4-3187,-2-8 3162,-3 1 25,-8-2 90,1 9-180,-7 1 180,9-5 0,0-7-90,5 1-180,-4-3 3546,2 8-3340,-2-8-26,8-2 0,-4-4 180,8-4-180,-7 0 0,7-1 90,-3-3-90,4 3 180,0-4-90,4 4 360,1-3 0,9 3 270,8-8-361,-5 3 181,21-7-180,-20 3 90,13-1-180,-4-2-90,6 3 90,5 0-540,4-3 90,-14 7 180,-5-4 0,-5 5-450,-8 0 1,8 0-271,-8 0 91,4 5 89,-5-4-449,-4 3 269,-1 0 810,-4-3 0,0 7 0,0-3 0</inkml:trace>
-  <inkml:trace contextRef="#ctx0" brushRef="#br0" timeOffset="474909">5424 5907 7533,'-5'0'-990,"-4"0"451,8 0 1528,-3 4-359,4 1-91,0 8-449,0-6 90,0 5 90,0-7-180,0 5 90,0 7-90,0-1 90,0 6-90,0-7-180,0-2 0,0-8 180,0 4-450,0-4 90,0 0-539,0 3 449,0-7 90,0 3-360,4-4 1,-3-8 629,4-2 0,-5-9 0,4 1 0,-3-1 0,3 0 0,0 1 90,1 3 449,0 2-269,-1 4-90,1 3 0,-4-2 360,7 7-1,-3-7-179,4 7-180,1-3 180,-1 4-360,0 0 0,1 0 90,-5 0-90,3 4 90,-7-3-180,3 7 270,-4-3 179,0 17-269,0-5 0,0 5 0,0-4-90,0-12 0,0 15 0,0-14-180,4 11 0,-3-9 180,4 0 90,-5 0-899,0 1-91,4-1 181,1-4 89,0-1 90,3-4 540,-2-4 0,-1-1 0,-1-4 0</inkml:trace>
-  <inkml:trace contextRef="#ctx0" brushRef="#br0" timeOffset="475130">5619 5916 7803,'14'0'1169,"-4"-4"-1439,8 3 270,-12-3-630,6 4 271,-2 0-721,0 0 1080,-1 4 0,-5 1 0,-4 4 0</inkml:trace>
-  <inkml:trace contextRef="#ctx0" brushRef="#br0" timeOffset="475331">5629 6018 7533,'5'6'1979,"3"-2"-1530,-7-4-449,7 0 90,-2-4 180,3 3-540,4-8 180,2 4-539,8-4-631,-4 4 1260,12-8 0,-10 7 0,6-8 0</inkml:trace>
-  <inkml:trace contextRef="#ctx0" brushRef="#br0" timeOffset="475547">5871 5879 7533,'0'-5'1979,"0"0"-900,0 5-989,0 9 270,0 1-360,0 9-90,0 3-90,0-2 90,4 3-720,-3-5 271,3 1-901,-4-4 1171,4-2-811,-3-4 1080,3 1 0,0-1 0,2 0 0</inkml:trace>
-  <inkml:trace contextRef="#ctx0" brushRef="#br0" timeOffset="476182">5582 4521 7533,'-5'18'0,"-3"5"0,3 5 1439,-5 1-180,1 7-989,0 1-270,-1 2-270,-3 2 0,2-4-269,-2 0-271,4-8 270,-1-2-179,5-12 179,1-6-179,0-5 719,3-16-820,-3 4 1,4-13 0,0 6 0</inkml:trace>
-  <inkml:trace contextRef="#ctx0" brushRef="#br0" timeOffset="476407">5545 4642 7533,'13'-10'989,"-2"5"-539,2 1 90,-4 8-181,1 1 1,-1 9 0,0 0-180,1 1-450,3 2 180,-3-6 90,0 2 0,-2-4-630,-3 1-449,13 7 629,-3-5-629,4 1 1079,-1-9 0,-8-4 0,3 0 0</inkml:trace>
-  <inkml:trace contextRef="#ctx0" brushRef="#br0" timeOffset="476665">5843 4456 7533,'0'-6'1349,"0"2"-1169,-4 4 180,3 4 89,-8 2-179,8 7 270,-7 6-180,7 0-1,-3 12-359,0-2 0,-1 8-269,-5 1-226,1-9 0,1 0-584,0 5 449,-4 9-989,12-25 799,0-8 1,0 8 0,0-4 0</inkml:trace>
-  <inkml:trace contextRef="#ctx0" brushRef="#br0" timeOffset="477757">6206 4995 7533,'-5'0'-1170,"1"0"1080,-1 0 270,4 0-90,-3 0 0,0 0 0,3 0 180,-3 0 90,0-4-270,3 3 0,-3-3 90,4 4 179,-5 0 1,4 0 1619,-3 0-1709,17 0-270,2 0 270,13 0-180,0 0 90,4 0-90,-3 0-1,3 0 91,-4 0-90,-8-4-180,1 3 90,2-3 90,-6-1-270,9 4-269,5-7 269,-9 3-360,14 0-179,-22 1 179,-5 4-90,0 4 1,-8 1-451,3 4 1080,-12 5 0,-3-4 0,-7 3 0</inkml:trace>
-  <inkml:trace contextRef="#ctx0" brushRef="#br0" timeOffset="478449">6206 5098 7533,'-9'0'-90,"3"-5"180,2 4-90,4-3 1439,0 4-989,4 8-270,-3-1 89,8 10 91,-4-6-90,8 2 90,-2-4 0,6 1 89,-2-1 1,3 0-270,1 0-990,0-3 361,-5 2 269,4-3 90,-8 4 0,-1 1 90,-5-1 0,1-4 0,-4 3 0,3-2-90,-4 7 90,-4 2-3277,3 3 3072,-8 1 25,0 3 90,-6 6-90,-3 1 90,3-1-90,2-5 90,0 0 3366,-2-4-3160,-4 4-205,1-4 268,3-5-269,2-5 90,8 0 90,1-8-90,4 3 90,0-4-90,0 4 0,0-3 0,4 3 180,-3-4 0,11 0-180,-6 0 180,8 0 0,3 0-90,-5 0 90,5 0 0,1 0 0,-3 0-1,12-4 91,-7-1-270,7 0 180,-3 1-180,4-1-90,0 4 90,-5-3-3277,0 4 3072,-8 0 25,2 0-179,-7 0 359,4 0-90,-5 0-180,0 0-90,1 0 0,-5 4 0,3-3 3123,-7 4-3303,8-5-449,-8 0 779,3 0 0,-4 0 0</inkml:trace>
-  <inkml:trace contextRef="#ctx0" brushRef="#br0" timeOffset="479115">6252 5907 7803,'-5'5'1529,"1"3"-900,-4 6-719,6-3 270,-7 11-90,9-12-90,0 3 90,0 5 90,0-7-180,0 7-90,0-5 90,0-2-90,0-2-90,5-1-180,0-3-179,0 5-1,3-5-449,-3-1 629,1-8 0,2 3-719,-7-11 259,3 5 1,0-10 0,1 2 0</inkml:trace>
-  <inkml:trace contextRef="#ctx0" brushRef="#br0" timeOffset="479324">6141 5832 7533,'0'-9'1259,"0"4"-1079,0 1 0,4 4 180,1-4 89,17 3-359,-10-8-90,14 8-90,-16-3 0,8 4 0,-12 4-899,7-3 269,-8 8 540,4-8 180,0 7 0,1-7 0,-1 3 0</inkml:trace>
-  <inkml:trace contextRef="#ctx0" brushRef="#br0" timeOffset="479533">6327 5888 7533,'0'5'1079,"0"-1"-629,0-4-180,4 0-450,5 0 0,2 0 90,2 0 0,-4 0-1259,9 0 629,-7 5 720,7 0 0,-13 4 0,-1 0 0</inkml:trace>
-  <inkml:trace contextRef="#ctx0" brushRef="#br0" timeOffset="479730">6392 6018 7533,'0'11'1079,"0"-3"-449,-4-8-270,3 0 359,-3 0-809,12-4-270,6-1 270,2-5 270,2 5-1619,-1-3 1169,-5 3-809,9-5 1079,-6 1 0,-1 0 0,0-1 0</inkml:trace>
-  <inkml:trace contextRef="#ctx0" brushRef="#br0" timeOffset="479932">6578 5907 7533,'0'-5'180,"0"0"2338,0 5-2338,4 5 270,-3 4-3727,4 1 2482,-5 4-344,0-5 959,0 0 90,0 9 0,0 1 0,0 9-809,0-4 2538,4-1-2809,-3-5 2943,7 1-1773,-3-9 0,4-1 0,1-9 0</inkml:trace>
-  <inkml:trace contextRef="#ctx0" brushRef="#br0" timeOffset="480635">6327 4521 7533,'0'-5'0,"0"0"2248,0 5-2068,0 13-90,0-6 90,0 19-90,-4-2 0,3 13-90,-3 1-90,4 8 90,0-16-180,0 1-180,0-5-2917,0-5 2443,0 2 474,0-1 180,0-7-629,0 0-1,4-3 810,1-11 0,0 3 0,-1-4 0</inkml:trace>
-  <inkml:trace contextRef="#ctx0" brushRef="#br0" timeOffset="481035">6588 4586 0,'0'-9'0,"0"-1"2412,0 5-2232,0 1 1409,0 4-1140,-5 0-269,4 0-90,-7 0 1130,3 0-1041,-9 4 3097,0 1-3339,-21 17-117,8-6 180,-13 11-90,16-8 0,1 0 90,9-5-90,0-1 90,5-3 0,4-5 0,0-1 180,5-4-90,0 4 269,0-3 91,5 3-180,0 0 0,4-2 90,5 6 89,0-7-89,9 7-90,1-7-360,-5 3 0,3-4-360,-3 0 271,0 0 89,0 4-1350,7-3-1837,-14 4 2083,14-5-106,-16 0 491,8 4 632,-8-3 1,8 3 0,-4-4 0</inkml:trace>
-  <inkml:trace contextRef="#ctx0" brushRef="#br0" timeOffset="482910">6913 5153 7533,'-10'0'-270,"5"0"1889,1 0-899,4 0-451,8 0-89,-2 4 0,12-3 90,1 8 0,-4-8-360,7 3 180,-8-4-90,5 0-90,-5 4 90,4-3 0,-4 3-90,5-4-90,-4 4 270,-2 1-180,-4 1-90,-4-2 270,0 0-450,-1 1 360,-3 9-90,3 0 0,-4 0 180,0 0-180,-4-1 90,-1 2 0,-1-1-90,-6 8 90,6-7 0,-8 8-89,1 0 89,3 1 0,-8 4 0,3 0 0,1-5 89,1-4-89,7-6 0,-2 1 0,7-4 0,-3 4 0,4-9 90,0 3-90,0-7 270,0 3-90,4-4-90,-3 0 90,7 0 0,-7 0-90,8 0 180,-4 0-90,4 0-90,-4 0-1,4 0 1,0 0 0,-3 0 0,7-4 0,-8 3-90,4-3 180,5 0-90,-4 3-90,3-3 180,1 4-180,0-5 180,5 4-360,-1-3 270,-3 4-90,-2 0 0,-3 0 90,-1 0-360,-4 0 0,8 0-269,-11 0 269,10 0 90,-11 0-1079,7 0 179,-7 0-359,8 0 1439,-8 0 0,7-8 0,-3-2 0</inkml:trace>
-  <inkml:trace contextRef="#ctx0" brushRef="#br0" timeOffset="483583">7015 4800 7533,'-5'0'-180,"-4"4"540,4 1-1,-4 4-89,0 5-90,-1 0 90,5 5-270,-3-5 180,7 0-90,-7-5-180,7 0 0,-8 5 180,8-4 0,-7 4-450,7-9 180,-3 3 180,4-3-90,-4 0-629,3 4 359,-3-8 90,4 3 270,0-4 0,0 0 0</inkml:trace>
-  <inkml:trace contextRef="#ctx0" brushRef="#br0" timeOffset="483805">6996 4818 7533,'5'0'809,"0"0"1,-5 0-91,4 5-269,-3 0-360,7 4 0,-7-4 90,3 3-180,0-7 180,2 12 0,-1-11-900,3 10 270,-3-6 450,4 3-1349,-3 0 1349,6 0 0,-6 5 0,8 0 0</inkml:trace>
-  <inkml:trace contextRef="#ctx0" brushRef="#br0" timeOffset="484742">7294 5479 6723,'0'9'810,"0"5"-540,0-8-181,0 6 271,0-3 0,0 2-270,0 2 90,0-3 0,0 3-270,0-3 180,-4 4 0,3-5-180,-3 5 180,0-4 90,3 3-90,-3-3-360,4-1 90,-5 4 270,4-2-450,-3-2 180,4-5 0,0 0 90,0-3-989,0 3 809,4-8 0,-3-5-180,8-10 361,-8 4-1,3-3-90,-4 5 180,4 3 0,-3-8 0,3 3 90,-4-3 0,0 7-90,4-1 539,-3 7-359,4 0 360,-5 1-90,0 0-271,0 2 91,4-2-180,-3 4 360,3 0-270,0 0 0,-3 0 90,7 0 0,-7 0-91,8 0 1,-8 0-90,7 4 90,-7 2-90,3-1-90,0 3-90,-3-3 270,3 5-90,0-5-180,-2 3 90,2-3 90,-4 4-540,4 1 90,-3-1-359,7-4 359,-7 4-180,7-4-719,-7 4 450,8 0 809,-8 5 0,7-8 0,-3 2 0</inkml:trace>
-  <inkml:trace contextRef="#ctx0" brushRef="#br0" timeOffset="485063">7480 5693 8342,'0'5'540,"0"3"-360,0-7-90,0 8 0,0-4-90,0 0 0,0 3 90,0-7-720,0 12 0,0-7 450,0 3-89,0-1-541,0-7 450,0 3 360,0 1 0,0 0 0,0 4 0</inkml:trace>
-  <inkml:trace contextRef="#ctx0" brushRef="#br0" timeOffset="485618">7555 5563 8342,'0'5'180,"0"3"0,0-3 0,0 13-270,0-7 90,0 11-180,0-12 180,0-1 90,0 0-540,0-8 90,0 3-809,4 0 809,-3-3 360,3 3 0,-4-8 0,0-1 0</inkml:trace>
-  <inkml:trace contextRef="#ctx0" brushRef="#br0" timeOffset="485848">7499 5414 7892,'0'5'1080,"0"-1"-900,0 0-180,4-3 450,1 7-810,0-7-180,4 4 270,-4-1-719,4 1 989,1 0 0,-1 3 0,0-2 0</inkml:trace>
-  <inkml:trace contextRef="#ctx0" brushRef="#br0" timeOffset="487894">7713 4567 7533,'-5'0'-270,"-3"0"810,7 0 1528,-3 0-2068,12 0 0,-2 0 180,7 4 0,5-3 90,2 8-180,8-8-90,4 3-180,-12-4 180,2-4-360,-4-1 90,-3-5 270,4 5-809,-10-3 89,-1 7-539,-2-3 1259,-1 4 0,-5 4 0,-6 1 0</inkml:trace>
-  <inkml:trace contextRef="#ctx0" brushRef="#br0" timeOffset="488927">7769 4632 7533,'-9'0'-810,"3"4"810,2-2 90,4 2-90,-4 0 450,3-3 90,-3 7-91,4-3-359,0 5 270,0-5 0,0 7 0,4-6-1,-3 12-179,3-4 0,-4 9 0,0-7-270,0 1 90,0-3-90,0-4 90,0 8 0,0-4 90,0 0-270,0 4 90,4 5 0,-2 6 0,2 8-296,-4-8 296,0-2 90,0-13 0,0 4 90,0 5-90,0 1 180,0 13-90,0-9-90,0 4 90,-4-8 386,2-1-386,-2 0-90,0 5 90,3 5-90,-3 0 0,4-5 0,0-6 0,0-7 0,0 2 0,0 2 0,0 1 0,0 2 0,0-3 90,0 4-90,0-12 0,0 6 0,0-12 90,0 4-90,0 5-90,0-4 180,0 3-180,0 1 90,0-4 90,0 4-180,0-1 180,0-3-90,0 4 0,0-5-180,0-4 180,0 8 0,0-7 0,0 3 0,0-1 0,0-7 0,0 8 0,0-8 0,0 3 0,0 0 0,0-3 0,-4 3 0,3 0 0,-3-3 0,4 3-90,0 1 90,0-4-90,0 7 90,0-7 270,0 3-90,0 0-180,0-3 180,4 3 90,-3-4-180,7 0 89,-3 0-89,1 0 90,2 0-90,-3 0 0,4 0 0,1 0 180,-1 5-90,0-4 90,5 3-180,0-4 270,5 0-181,-5 0-89,4 0 90,-8 0-360,4 0 360,-5 0-450,0 0-539,-4 0 89,4 0-1169,0 0 1889,1 0 0,4 4 0,-5 1 0</inkml:trace>
-  <inkml:trace contextRef="#ctx0" brushRef="#br0" timeOffset="494242">7573 8149 7533,'0'-6'1439,"0"2"-1259,0 0 270,5 3 89,0-7-359,4 3 270,0-1-3727,34-2 3292,-21 7-105,25-3 1039,-28 4-679,8 0-450,-7 0 90,7 0-180,-4 4 270,-3-3-90,-2 3-809,4-4 539,-11 0 90,7 0-1259,-9 0 810,1 4 179,-5-3 540,-1 4 0,-4-1 0,0 1 0</inkml:trace>
-  <inkml:trace contextRef="#ctx0" brushRef="#br0" timeOffset="494776">7583 8214 0,'-15'4'0,"2"-3"2862,4 3-2233,3-4-269,2 0 90,0 0-90,3 4 1678,-3-3-1768,8 7 859,1 2-769,9 0 2916,4 8-2800,2-8-296,3 3-360,12 1 0,-8 0-90,13 1-269,-24-6 269,0-1-450,-15-3 270,3 9 91,-4 0 89,-12 9 90,5-7 0,-15 5-90,-1 2 90,-6 2 90,-4 7 270,1-8-1853,12-6 1853,3-4-90,8-5 90,-5 0 90,8 1-270,-2-5 180,8-1 0,0-4 1583,4 0-1494,-3 0-269,7 0 450,-3 0-270,9 0 450,0 0-361,5 0-89,-1 0 0,1 0 90,0-4 90,8-1-180,1-5 0,1 5-90,-2-3-90,0 7 180,-6-7-810,2 7 180,-2-4-539,-5 1 179,7 3 540,-13-3-539,2 4-91,-6 0 1,-1 0 449,-1 0-269,-4 0 719,0 4 0,0 1 0,0 5 0</inkml:trace>
-  <inkml:trace contextRef="#ctx0" brushRef="#br0" timeOffset="495368">7564 8967 6903,'0'5'720,"0"4"-451,0 0-179,0 1 90,-4 4 180,3-1-90,-3 2-180,4 3 0,0-3 0,0-2-90,0-4 180,0 1-180,0-1-90,0-4 180,0 3-450,4-2 180,1-1 90,0-1 90,4-4-450,-4 0 180,4 0 181,0-4 89,1-1 0,-1-9 0,0 0 0</inkml:trace>
-  <inkml:trace contextRef="#ctx0" brushRef="#br0" timeOffset="495581">7592 8809 0,'-13'-9'0,"2"4"2322,2-4-1602,5 8-271,4-3 2310,0 4-2939,4 4 949,5-3-1129,10 8 91,-4-8 179,3 3 0,-9-4-990,5 0 541,-4 0 89,4 0 270,-1 4 180,-3-3 0,4 7 0,-5-3 0</inkml:trace>
-  <inkml:trace contextRef="#ctx0" brushRef="#br0" timeOffset="495756">7750 8828 7533,'0'5'359,"4"-1"-1078,2 0 449,-1-3 1170,3 3-91,-3-4-719,9 0-180,-8 4-630,10 1 361,-9 1 179,2 2-630,-5-7 361,-4 7 449,0 6 0,-4-3 0,-1 7 0</inkml:trace>
-  <inkml:trace contextRef="#ctx0" brushRef="#br0" timeOffset="495909">7741 9023 7533,'-5'9'2248,"5"-4"-1618,13-5-450,-1-1 0,18-11-630,-14 2 270,11-5 270,-12 2-1979,2-1 1350,-2 0 539,-5-5 0,7 5 0,-7 0 0</inkml:trace>
-  <inkml:trace contextRef="#ctx0" brushRef="#br0" timeOffset="496093">7946 8762 7982,'5'0'2069,"-1"5"-1709,-4 4 719,0 38-899,0-20-45,0 2 0,0-2 45,0-7 0,0-2 0,0 4-2519,0-11 540,0 15 1799,0-6 0,4 4 0,1-2 0</inkml:trace>
-  <inkml:trace contextRef="#ctx0" brushRef="#br0" timeOffset="497351">7667 7525 7533,'-6'4'719,"2"-3"-539,0 8 270,3-4 0,-3 8-180,4 2-91,0 3 1,0-3 0,0 15-180,-4-8 90,3 14-180,-7 8 90,6 1-1398,-2-2 859,4-4 143,0-11-324,0-3 271,0-2 269,0-10-540,4-4 720,14-3 0,-1-11 0,10-5 0</inkml:trace>
-  <inkml:trace contextRef="#ctx0" brushRef="#br0" timeOffset="497660">7899 7618 7533,'0'-5'-90,"0"1"719,0 0-269,-4 3 0,-1-3 0,-13 4 0,-1 8-270,-13 2-90,7 5 89,-2-2 181,4 1-180,-1 4-270,1 2 180,4-1-90,6-2 0,7-7 90,2 0 90,4-2-90,0 1 270,4 2-180,6 2 180,8-4-180,-2 1 0,6-5 180,9 3-450,-9-3 90,9 0-720,-9 0 451,-6-1 179,2-3-1170,4 3 1350,-2-4 0,3 4 0,0 1 0</inkml:trace>
-  <inkml:trace contextRef="#ctx0" brushRef="#br0" timeOffset="499140">8457 8204 7533,'0'-5'-900,"0"-3"1170,-4 3 180,3-5-180,-3 5 89,4 1-89,0 0 0,0 3 450,0-3-181,0 0-269,8 3 90,2-3-180,9 4-180,-5 0 450,8 0-540,-6 0 180,6 0-270,1 0 90,-7 0 90,5 0 90,-6 0-180,-1-5 180,4 4 0,-12-3-450,7 4 90,-8 4-180,4 1 91,0 5 179,-3-1-90,-2 0 180,-4 5 0,-4-4-90,-2 12 90,-3-7 0,0 4-180,-9 7 360,7-10-270,-11 15 270,3-11 0,4-1-180,-3-2 180,9-11 0,0 7 90,-1-4 0,1 1-180,4 0 180,-3-2 0,7-3-180,-3 0 90,4 4 0,0-8 0,0 7 269,8-7-269,-2 7 180,12-7 90,-8 3 0,12-4-90,-3 0-180,1 0 89,2 0 1,-4-4 90,6-1-180,-4-4 90,1 4-540,-10 1 180,-2-1 180,-1 4-1079,-3-3 539,5 4-989,3-4 810,-7 3 359,7-3 0,-8 4 360,0 0 0,4-4 0,-4-1 0</inkml:trace>
-  <inkml:trace contextRef="#ctx0" brushRef="#br0" timeOffset="502030">8988 8437 7533,'19'-5'2338,"-5"1"-2158,-10 8-270,0-3 360,-3 11-360,3-6 90,-4 8-90,0-5 0,0 5-359,0 0 89,4 0-180,-3 0 90,4-5-359,-1 1 449,-3-5-719,7-1 1079,-7-4 0,7 0-820,-7 0 1,8-4 0,-4-1 0</inkml:trace>
-  <inkml:trace contextRef="#ctx0" brushRef="#br0" timeOffset="502828">8932 8418 6903,'-5'0'-180,"0"0"450,1 0 0,3 0-90,-3 0 0,4 4 269,0-3-269,0 8 90,0-4-270,0 4 0,0 1 90,0 3 180,0-3-270,0 8 90,0-8-90,0-1 0,0 4 90,0-3-180,0 5 90,0-2 0,0-4 90,0 1-90,-4-1 90,3-4-360,-3 3 90,4-6-1349,0 2 1259,4-8 0,1-2-90,0-3 91,4-4 269,-8-2 0,7-8 0,-3 4 0,0 0 0,-1 6 0,0-5 90,2 11 269,-1-10 91,-1 12-180,-4 0 180,4-3 359,1 3-269,1-1-180,2 2-270,-7 4 90,7 0-91,-7 0 361,7 0-450,-2 0 0,3 0 0,-4 0-90,-1 0 90,-4 0 0,4 4-180,-3-3 270,4 8 0,-5-8 0,0 7 0,0-3-90,0 5 270,0 3-180,0 1 180,0 5-90,0 0-90,0-5-180,0 0 0,0-5-270,0 0 0,0 0 360,0 1-629,0-5 359,0 3 90,0-7-90,4 3-360,-3-4 181,3 0 179,0 0 0,-3 0-180,3 0 180,0 0-179,-3 0 449,8 0 0,-4 0 0,4 0 0</inkml:trace>
-  <inkml:trace contextRef="#ctx0" brushRef="#br0" timeOffset="503532">9202 8595 7533,'-11'19'2788,"-1"-5"-2698,7 0 90,-4 3-360,-1-6-450,1 11-809,4-11 540,-4 2 539,8-8-360,-3-1 720,4-4 0,0 4 0,0 2 0</inkml:trace>
-  <inkml:trace contextRef="#ctx0" brushRef="#br0" timeOffset="504231">9388 8456 7533,'-5'0'1979,"1"4"-1889,4-3 89,0 7 181,-5-3-180,4 9-90,-3 4 0,0 2 0,3 3-180,-3-9 0,4-1 0,0 1 180,0-4-450,0 4 90,0-5 180,0 0-539,0 1 269,0-5 90,0-1-1079,0 0 539,4-3 810,1-1 0,5-5 0,-1-4 0</inkml:trace>
-  <inkml:trace contextRef="#ctx0" brushRef="#br0" timeOffset="504274">9351 8325 984,'25'10'0,"0"0"0,18 7 0</inkml:trace>
-  <inkml:trace contextRef="#ctx0" brushRef="#br0" timeOffset="505428">8606 7702 6892,'-24'38'54,"0"0"0,0 0 0,0 1 0,1-1 0,12-16-1403,11-20 1304,4 6 45,1-16 0,8 2 0,2-8 0</inkml:trace>
-  <inkml:trace contextRef="#ctx0" brushRef="#br0" timeOffset="505630">8634 7702 7533,'14'-5'2968,"-4"9"-2518,-2 6-90,1 25-360,-3-16-2699,11 19 1890,-11-30 359,8 8 450,-5-11 0,0 0 0,1 0 0</inkml:trace>
-  <inkml:trace contextRef="#ctx0" brushRef="#br0" timeOffset="509518">9759 8214 7533,'-5'0'0,"-3"0"719,7 0 541,-3 0-1170,4 4 89,0-3-1258,0 3 269,4-4 810,-3 0 0,7 0 0,-3 0 0</inkml:trace>
-  <inkml:trace contextRef="#ctx0" brushRef="#br0" timeOffset="549263">10160 7916 7533,'-5'0'0,"-8"8"0,11-2 0,-14 12 0,9 1 1439,-10 4-90,6 5-989,-6 8 90,7 7-497,1-18 1,0 2 136,3 1 0,2-1-2919,-6 17 2829,2-4-2215,7-12 2395,-3 0-1721,4 0 1541,0-4 85,0 15-265,4 0 180,1 13-270,9-6 225,-8-17-135,6-3 1607,-2-11-1697,0-1 180,3-1 0,-3-3-941,-5-5 851,3-1 1712,-3 0-2162,5-3 271,-1 3-1440,8-4 1439,-5 0 360,1-4 0,0-1 0,-3-4 0</inkml:trace>
-  <inkml:trace contextRef="#ctx0" brushRef="#br0" timeOffset="549864">10337 8297 7533,'-10'0'-540,"5"0"540,1 0 2788,4 0-2248,0 4 0,8 2-360,-2-1-180,8-1 180,-1-4 89,2 0-269,-1 0 180,4 0-270,-4 0-90,9 0-449,-3 0-630,7 0 629,-12 0 270,3 0-1259,-1 0 1619,-5 0 0,5 0 0,-7 0 0</inkml:trace>
-  <inkml:trace contextRef="#ctx0" brushRef="#br0" timeOffset="551130">11025 8316 7533,'-5'0'90,"1"0"1529,4 0-1080,8 0 181,3 0-360,7 0 0,5 0-270,-3 0 89,7 0 1,-12 0 0,7 0-180,-3 0 0,4 0-719,21 0-181,-16-4-719,11 3 989,-24-3 181,-6 4-451,-1 4 900,-7 1 0,-1 4 0,-5 1 0</inkml:trace>
-  <inkml:trace contextRef="#ctx0" brushRef="#br0" timeOffset="551505">11109 8456 0,'-5'4'0,"1"-3"2210,4 3-501,0-4-107,4 4-1152,1-3 963,9 3-1233,-4 0 3096,8 1-3022,-8 5-667,3 3 143,-7 2 270,-2-1-720,-4 12 541,0-14-181,-4 18 0,-2-14 90,1 2 0,-3-4 90,3-5 270,0-4 180,1 4-180,4-8 270,0 3-90,4-4 0,5 0-180,1 0 0,4 0-1,-5 0-89,4 0 180,2 0 90,7 0 0,2-4 0,-5-2-180,-1 1-90,-9-7 0,1 2 0,-1-9 0</inkml:trace>
-  <inkml:trace contextRef="#ctx0" brushRef="#br0" timeOffset="551776">11147 7944 7533,'-10'-20'180,"5"3"-1,1 7 631,4 1-360,0 4-90,0 1 539,0 4-629,4 0 90,-3 0-180,7 4-3393,-7 1 3393,4 4-259,-1 1 259,-3 3-90,3 6 0,0 4-2003,-3 1 1373,3-1 2543,-4 0-2093,0-8-1079,0 7 439,4-3 730,6 4 0,0-3 0,3-2 0</inkml:trace>
-  <inkml:trace contextRef="#ctx0" brushRef="#br0" timeOffset="552631">11714 8297 7533,'-6'0'0,"2"0"-90,4 0 0,9 0 0,1 0 0</inkml:trace>
-  <inkml:trace contextRef="#ctx0" brushRef="#br0" timeOffset="553355">11956 8102 7533,'-6'0'0,"2"-4"180,4 3 2608,0-3-2518,4 4-90,-3 0 90,12 0-1,1 0-179,2 0 90,6 4-3392,-12-3 3122,3 7 90,5-3-90,-3 9 0,8 0 0,-12 5 0,-3 4 0,-8 0 3366,-4 5-3339,3-4-117,-8-5 180,4-6-180,-4 0-90,-5 2 270,8 4-180,-6-5 0,3 4 90,-2-8 0,-2 3 90,-1-3 90,8-5-90,-2-1 90,8 0-90,0-3-90,0 3 360,4-4 0,1 4 90,4-3-1,5 8-269,-8-8 270,7 3 180,-4-4-270,1 0 90,4 0-91,3 0-3546,-5 0 3522,5 0-245,-3 0 90,0 0-719,5 0 359,-5 0 90,0 0-1169,-5 0 2312,0 0-2402,5 0 1439,-4-4 0,4-1 0,-5-5 0</inkml:trace>
-  <inkml:trace contextRef="#ctx0" brushRef="#br0" timeOffset="554309">12626 8260 8972,'-5'0'719,"1"0"-269,4 4-720,0-3 180,0 3 90,4-4 0,1 5 0,4 0 0</inkml:trace>
-  <inkml:trace contextRef="#ctx0" brushRef="#br0" timeOffset="557842">12876 7981 7533,'-5'0'809,"1"0"-179,4 4-270,4-3 179,10 3-89,9 1-90,11-4-180,3 3 270,0-4-450,-4 0-90,-1 0 269,-8 0-718,-5 0 179,2 0-2917,-5 0 1543,2-4 1194,4 3-449,-15-4 359,10 5 270,-16 0 360,7 0 0,-3 0 0</inkml:trace>
-  <inkml:trace contextRef="#ctx0" brushRef="#br0" timeOffset="558368">12914 8056 7533,'-10'5'0,"5"-1"0,1-4 539,4 0 361,0 4-91,0 1-629,0 4 90,4-3-90,1 2 90,5-3-90,-1 0-90,0 3 270,9-2-181,1 3-3456,1 0 3162,2 0-480,-12-3 505,8 2-270,-4-3 180,1 4 90,-2-3-359,-4 6 89,-3-2 3186,2 9-2916,-7 0 442,-1 3-442,-5-6 0,-5 5 0,-3-2 0,-1-3 180,-1 5-270,-7-6 180,7 3 0,-4-3 0,-3 2 90,-5-2-90,9-1 90,-7-4-90,20-2 360,0-7-360,1 7 270,4-7-270,0 3 269,0 1-269,0-4 90,4 3 180,1 0 0,4-3-180,5 3 360,0-4-270,1 0 90,2 0 89,2 0-89,1 0 0,6 0-90,-10 0-270,6 0 90,-8 0 180,1 0-450,-2 0 180,1 0 180,-4 0-720,3 0 181,-3 0-1,-1 0 180,-4 0-989,3 0 629,-7 0 180,4 0-899,-1 0 1349,-3 0 0,3 0 0,-4 0 0</inkml:trace>
-  <inkml:trace contextRef="#ctx0" brushRef="#br0" timeOffset="559209">13379 8549 7982,'-5'5'1799,"1"3"-1349,4 1-270,0-3-270,0 7 270,0-4-90,0 2-180,0 2 0,0 0 270,0-2-540,0-2-90,0-1-449,0-3 269,0 5 91,4-5 269,-3-1-540,7-4 810,-7-8 0,8 2 0,-4-8 0</inkml:trace>
-  <inkml:trace contextRef="#ctx0" brushRef="#br0" timeOffset="559386">13342 8390 9062,'0'6'809,"0"-2"-539,0 0-90,4 1-270,1 0 0,0-1 90,4 0 90,-4-3-1169,0 4 179,7-5 900,-5 0 0,6 0 0,-4 0 0</inkml:trace>
-  <inkml:trace contextRef="#ctx0" brushRef="#br0" timeOffset="559796">13370 7963 7533,'-5'0'629,"0"0"1,1 0-270,3 0 989,-3 0-1169,12 0-180,-1 0 90,6-5 180,1 4-810,0-3 180,5 0-899,-1 3-2018,-3-7 2262,-2 7 1015,1-8 0,-4 4 0,3-4 0</inkml:trace>
-  <inkml:trace contextRef="#ctx0" brushRef="#br0" timeOffset="560012">13547 7730 8252,'-6'0'1709,"2"0"-1169,4 4-360,0 1 180,0 5-90,0-1-91,0 0-89,0 9 90,0 5-629,0-2 359,0 5-3187,0-11 3072,0 3-3072,0 17 3254,4-8 1,2 9 0,3-13 0</inkml:trace>
-  <inkml:trace contextRef="#ctx0" brushRef="#br0" timeOffset="563669">13835 8297 7533,'-5'0'270,"1"0"449,4 0 1,-4 0-181,3 0-419,-3 0 0,4 0 0</inkml:trace>
-  <inkml:trace contextRef="#ctx0" brushRef="#br0" timeOffset="564773">14263 7981 7533,'-6'0'-630,"2"0"1530,0 4-541,3-3 1,-3 3-180,0 1 0,3-4 180,-7 7 0,7 1-91,-8 6 1,4 3-90,-4 1-270,4-1 450,-3 5-270,7 5 90,-7 5 90,7 4-180,-7 1 89,6 3-89,-2-11-90,4 1 270,0-4-270,4 2-90,-2 8-180,6 0 360,-3-4-269,4 3-1,4 6 0,-3-15 0,4 7-540,-5-24 360,0-1 91,-3-5-3008,2-4 1363,-3 5 654,8-4 1260,-6-1 0,5-6 0,-7-3 0</inkml:trace>
-  <inkml:trace contextRef="#ctx0" brushRef="#br0" timeOffset="565096">14402 8158 7533,'0'-10'-180,"-4"5"180,3-3 629,-3 7 181,4-3 1079,0 4-1709,4 0 0,1 4 359,9 5-179,4 6 90,2 8-180,7 0-90,-7-3 0,-2 2-90,0-4-1,-8 2-89,4 3-89,-1-1-91,1 6-540,5 1 450,-9-1 180,3-9-809,-8 2-2378,4-9 1902,-4 5 206,4-7 0,-4-5 269,4-9 900,1-2 0,-5-12 0,-1 4 0</inkml:trace>
-  <inkml:trace contextRef="#ctx0" brushRef="#br0" timeOffset="565347">14709 8130 7533,'0'-5'0,"0"1"989,0 4-269,-4 0 269,-1 0-179,-4 8-1,-5 10-629,0 11-90,-5 4-90,1 4-90,-5-4-270,3-4 270,2 2 0,4-12-449,1 4 269,2-4 90,-6-1-450,2 5 271,-3 1 179,7-5-810,3-1 451,4-9 89,3-4-450,-3 0 900,4-5 0,4 4 0,1 1 0</inkml:trace>
-  <inkml:trace contextRef="#ctx0" brushRef="#br0" timeOffset="565817">14812 8316 7533,'-5'0'270,"5"4"269,1 5-179,3 2 719,-4 6-629,0-6-180,0 2-90,0 1-90,0 0 0,0 0-90,0 4 90,0-3-180,0 3 629,0 5-449,4 1-3367,-3-9 3072,3 2-604,-4-12 629,0 0-540,4-1 91,1-4-271,5-8 91,-1-7 179,5-8 1,0-5 539,0 8 3366,-4-2-3250,2 8-26,-6-1 629,8 2-269,-9 4-270,-1 4 0,0 0 989,-3 1-539,4 3-90,-5-3-180,0 4 539,4 0 91,-3 0-181,7 4-359,-7 1-180,3 1 90,0 2-90,-3-3 0,8 8 269,-8 6-629,11 17 360,-6-13-1259,4 7 269,2-12-1348,-6-7 1708,8 2 0,-9-4-359,3-8 269,-3 3 540,0-4 0,8 0 0,-3 0 0</inkml:trace>
-  <inkml:trace contextRef="#ctx0" brushRef="#br0" timeOffset="566179">15240 8307 7533,'-5'0'0,"-3"0"0,7 0 3276,-4 0-166,14-4-3110,-3 2 180,12-2 0,-8 4-360,7 0 180,-6 0 90,6 0 90,-2 0-360,-1 0 90,4 0 90,-8 0 90,8 0-1619,-4 4 180,9-2-630,-7 2 899,1-4 451,-3 0 629,-4-4 0,3-2 0,-3-3 0</inkml:trace>
-  <inkml:trace contextRef="#ctx0" brushRef="#br0" timeOffset="566646">15826 8279 6633,'-10'-5'0,"5"0"0,-3 1 0,7 3 0,-3-3 0,0 4 0,-1-4 0,-1 3 0,-2-3 0,7 4 0,-3 0 0,0-4 0,3 3 0,-8-3 0,8 4 0,-3-5 0,0 4 0,-1-7 0,-4 3 0</inkml:trace>
-  <inkml:trace contextRef="#ctx0" brushRef="#br0" timeOffset="567798">15770 8046 7533,'0'-5'359,"0"1"-89,0 4 90,-4 0-180,3 0 450,-3 0-450,-1 0-1,4 0 181,-3 0 90,4 4-180,0 5 0,0 2 0,0 6-91,0-2 1,0 3-180,0 5 270,-4-3-90,3 7-270,-3-4 90,4 5 180,-4-4-3392,3 3 3302,-3-3-1414,0 4 1504,2-1-371,-2 1 11,0 9 90,3-7-359,-3 2 269,0-10 0,3-7-630,-3 2 361,4-6 269,0 2-90,0-4-720,0-3 3092,4-2-2552,-3-4 2066,7 0-2516,-3-9 900,5-9 0,-1-11 0,0-8 0</inkml:trace>
-  <inkml:trace contextRef="#ctx0" brushRef="#br0" timeOffset="568110">15779 8046 7533,'0'-5'449,"0"1"-359,0 0 540,0 3 899,0-3-1169,0 12 0,0-2-90,4 7 89,-3-3-179,4-1 0,-5 0 0,4 9 0,1-3 0,0 4-180,-1-1 0,0-4 180,-3 1-360,3 2 180,1-2 90,-4 3-90,3-3-360,0 2 270,-3-6 0,3 2 90,-4 0-90,0-2 180,4-2-270,-3-1 270,3-2-270,-4-1 180,5 3-180,-4-7 90,3 7 90,-4-7-90,0 3 90,4-4-89,-3 0-1,3 0-1799,-4-4 719,4 3 451,-3-7 269,3 7 0,-4-7-89,4 3 539,-3-5 0,4 1 0,-5 0 0,0-1 0,0 1 0</inkml:trace>
-  <inkml:trace contextRef="#ctx0" brushRef="#br0" timeOffset="568848">15872 8121 7533,'0'-6'-630,"0"2"630,0 4 0,0-4 0,0 3 90,0-3 0,-4 4 90,3 0 90,-3-4-90,4 3 89,-4-3-89,3 4 1080,-3 0-901,0 4-269,3-3 180,-4 7-90,5-7 90,0 7 270,-4 2-360,3 0 179,-3 3-269,4-3 0,0 3 90,-4-2-180,3 6 180,-3-2-180,4-1 180,0 8-90,0-7-90,0 4 90,0-2 90,0-6-90,0 2 0,0 1 0,0-4 89,0 8-179,0-12 90,4 6 0,-3-7-180,3 1 180,0 2 0,-3-7-180,8 7 180,-4-7-90,4 3-90,-4-4 0,3 0 180,-2 0-90,-1 0-90,3-4-89,-3 3 268,0-7-268,4 3 269,-4-5-180,0 1 90,3 0-180,-3-5 180,1 4-180,6-12 180,-6 3-90,8-5 90,-5 1-90,4-4 90,-6 7 0,5-7-90,-7 8 90,0 5-90,4-4-90,-8 8 0,7-12-90,-7 7 360,7-4-90,-7 10-90,3 5 90,-4 4 90,0-5 0,0 4 1349,0-3-1349,5 12 0,-4-1 0,3 6 90,-4 9-90,0-10 90,0 14 0,0-3 0,0-3 0,0 7-90,0-8 90,0-5-180,4 8-90,-3-6 180,7 2-180,-7 0 269,8-4-898,-4 1 269,8 2 270,-7-6-1169,7-2 629,-8-1 181,4-7 269,1 3-1349,-1-4 809,0 0 810,-4 0 0,4 0 0,-4 0 0</inkml:trace>
-  <inkml:trace contextRef="#ctx0" brushRef="#br0" timeOffset="569373">16291 8381 7323,'0'5'989,"0"4"-255,0-8-374,0 7 125,-4-7-305,3 7 377,-3-3-197,4 5 52,0-1-232,0 0 90,0 1-90,0-1 0,0 0-180,0 5 0,0-4 90,0 3 180,0-3-450,0 3 180,0-3 0,0 4-630,0-5 91,0 0 539,4-3-990,-3 2 450,7-7 181,-7 3 89,8-4-540,-8-4 361,7 3 449,-3-12 0,0 3 0,-1-8 0</inkml:trace>
-  <inkml:trace contextRef="#ctx0" brushRef="#br0" timeOffset="570008">16310 8195 7533,'-9'0'0,"3"-4"359,2 3-269,4-3 1350,0 4-901,0 8-179,0-6-180,0 6 0,0-8 90,0 0-270,0 4 180,4-3-90,-3 4-270,3-5 539,-4 0-448,5 4-1,-4-3 90,3 3-90,-4-4 1169,0 0-1079,0 4 90,0-3-270,0 3 180,-4-4 0,3 0 450,-4 0-450,5 4 90,0-3-540,0 4-719,0-1 629,0-3 270,5 3 0,-4-4 0,3 0 270,0 0 0,1 0 0,4 0 0</inkml:trace>
-  <inkml:trace contextRef="#ctx0" brushRef="#br0" timeOffset="571809">16654 8065 0,'-10'-30'0,"2"4"0</inkml:trace>
-  <inkml:trace contextRef="#ctx0" brushRef="#br0" timeOffset="572386">16626 8000 7533,'-5'-21'0,"1"5"90,4 16 269,0-5-269,0 4 450,0-3-90,4 4-360,-3 0 989,3 0-629,0 0-90,-2 4-1,2-3-89,0 4 630,-3-1-450,7 5-91,1 1-89,-2 4 0,5-5 90,-7 4-180,5-2 0,-5 6 89,3-6-89,-7 6 180,7 6 90,-3 2-180,5 7 0,-5 4-90,3-6-1,-7 10 1,3-7-270,-4 5-275,-9 2 1,-5 9 0,0-6 0,6-17 0,-1 1 0,-7 13 0,0 1 0,0 0 0</inkml:trace>
-  <inkml:trace contextRef="#ctx0" brushRef="#br0" timeOffset="573451">16654 7972 369,'11'44'0,"1"0"0,-1 0 0,0 1 0,0-1 0,1 1 0,-1-1 0,1 1 0,0 0 0</inkml:trace>
-  <inkml:trace contextRef="#ctx0" brushRef="#br0" timeOffset="573897">16747 8400 21892,'-5'26'1235,"1"-2"-2941,4-18 201,0-1 603,-4 7 1133,3-10 248,-3 11-394,4-8-1627,-4 0 2489,3 3-1010,-4-3 1395,5 0-1510,0 4-436,0-8-279,-4 7 4169,3-3-2832,-3 5-1965,4-5 769,0 3-1214,-4-7 1885,3 7-406,-3-3 215,4 1-827,0-2 590,0 0-311,4 9 1,1-5 0,4 4 0</inkml:trace>
-  <inkml:trace contextRef="#ctx0" brushRef="#br0" timeOffset="576581">14830 8344 7533,'-1'44'1092,"-1"0"0,0 0 0,-2-11-565,3 12 0,2 9 0,-1-20-617,0-30 90,0-3-2159,0 3 1889,0-12 180,0 1-179,0-6-1,0 4 90,0 3 0,4-6 90,-3 10-90,8-15 0,-8 11 90,3-7-90,-4 4 0,4-1 1,-3 5 268,3-3-89,0-2 1169,16-14 1,3-3-1080,-9 7-90,11-7 0,-4 9 0,-20 18 90,3-4-90,-4 3 90,0-4-90,4 5 0,-3 0 180,3 0-180,0-4 0,-3 3 90,3-3-90,-4 4 360,0 0-270,5 0-90,-4 0 90,3 0-90,-4 4 89,0-3-178,0 3 89,4 1 0,-3-4 0,3 3 0,-4-4 0,0 8 0,4-2 0,1 8 0</inkml:trace>
-  <inkml:trace contextRef="#ctx0" brushRef="#br0" timeOffset="578684">17064 7646 7083,'-5'4'180,"1"-3"90,4 3 179,0-4 1,0 5-90,0-4 0,0 7-180,0-7 0,0 7 179,0-7-179,4 8 0,-3-4 90,7 4-90,-7 0 0,7 1 270,2 7-91,4 3-89,9 12-90,-8-7 0,7 2 0,-4-1 180,10 3-450,-7 0 90,4-2 0,-14-8 0,2-1 0,-4 1 90,1 0-90,3 12 0,-2 7 90,-2-3-180,-5 4 270,-4-7-270,0 11-566,-9-7 1,-8 14-1,-2 4 1,2-2 0,5-11 290,7-2 1,0-1 0,-8 2 0,-6 11 0,-1 1 0,6-10 0,12-21 0,15-21 0</inkml:trace>
-  <inkml:trace contextRef="#ctx0" brushRef="#br0" timeOffset="586554">17789 8214 7533,'-5'0'1259,"1"0"-1079,4 0 360,4-5 89,5 4-269,2-3-90,6 4 359,10 0-449,-9 0 0,20 0-180,-21 0 180,9 0-540,1 0 180,-6 0 91,6 0 89,-8 4-1080,-1-3 271,1 4-451,-1-1-269,-3-3 1529,-6 7 0,-9-3 0,-5 5 0</inkml:trace>
-  <inkml:trace contextRef="#ctx0" brushRef="#br0" timeOffset="586758">17808 8446 7533,'0'5'1799,"4"0"-1350,1-5-89,4 0 90,5 0-270,0 0-90,9 0 0,-3-5 0,2 4-585,13-8 0,3-2-764,10-2 603,-9 2 1,-1 0-1,1-3 1,-15 5 0</inkml:trace>
-  <inkml:trace contextRef="#ctx0" brushRef="#br0" timeOffset="587108">18376 8167 7533,'-6'0'0,"-2"0"899,7 0-269,-3 0-270,4 4 89,0 1 181,-4 5-270,3-1 90,-3 0-271,4 5 1,0-4 180,0 16-360,0-14 0,4 14 180,1-15-360,4 2 180,9 0 180,-3-6-360,8 1 0,0-4 90,5-3-180,1-1 270,-5-1-90,-3-7 90,-6-2-89,-5 0 268,3-3 91,-8-5 0,0-2 0,-1-3 0,-4 0-180,0 8 0,-4 2-90,-1 4 90,-5-5 0,1 4-90,-8-8 0,-3 8 0,-8-3 0,4 7 90,6 2-270,4 8 0,1 2 180,2 3-1170,-6 0 181,2 9 989,-3 1 0,3 5 0,2-1 0</inkml:trace>
+  <inkml:trace contextRef="#ctx0" brushRef="#br0" timeOffset="-131007.73">3126 5079 7533,'-5'14'629,"1"4"181,4 1-1,0 4-179,-4 9-360,-1 6-180,-1-4 90,-2 2 0,3 8 0,0-12-234,-4 13 144,4-5-90,-4-13-90,4 12 90,-3-3-90,2-9 0,-3 21-180,0-22 0,-1 18-90,1-14-90,-4 6 361,6-12-1,-5-5 144,11-10 35,-3-5-178,4-4 358,0 0 181,8-4 360,19-1-630,-4-5-1,12 5 451,-12-3-360,-4 7 0,4-7 269,4 7-89,-2-8-540,3 8 90,-5-3 90,-5 4-360,1 0 180,4 0-89,-4 0-1,8 0-1170,-11 0 181,5 0-720,-10 0 1889,2 4 0,-4-3 0,1 3 0</inkml:trace>
+  <inkml:trace contextRef="#ctx0" brushRef="#br0" timeOffset="-130546.73">3833 5088 7533,'-14'0'0,"4"4"0,-3 1 0,3 5-360,-3 3 810,-5 6 89,-2 9-449,2-4 810,4 8-450,5-13-181,0 8 541,-1 13-180,5 9-606,1-17 1,0 1 199,3-2 1,1-1-135,-2 1 0,0-2-3139,2 14 2869,0-2-1049,0 3 779,4-16 180,1 15-630,4-27 361,-3 2 269,2-9 90,1-4-732,1 3 192,4-7 271,-1 3-451,1-4 900,5-4 0,-1-1 0,1-4 0</inkml:trace>
+  <inkml:trace contextRef="#ctx0" brushRef="#br0" timeOffset="-130039.73">4028 5237 7533,'-15'5'899,"2"-1"-899,13 0 1349,-8 6-359,2 8-271,-12 14-539,8-2 31,3-2 1,1 1-122,0 13-360,7 8 0,3 0-90,6-6 225,-1-4 0,5-7-88,18-23 133,6-6-90,4-17 180,4-7-90,-8-12 180,-9 11 0,-3-9 179,-12 7-179,-3-2 90,1-2-3457,-11 8 3545,7 1 200,-6-9-468,2 2 180,-13-7-150,-9 8-210,-3 6 270,-10 4 0,7 1 2942,-4 6-3302,0-5-89,0 11 179,1-3 0,3 4 270,-3 0-270,7 8 90,6-2 270,1 12 0,12 5-180,-3 6 180,4 8-180,0-8 179,4-7 91,1-4-180,13-3-180,2-5-809,28-2 539,-19-12 180,15-1-629,-26-4 449,1 3-360,4-6 720,-4 6 0,4-8 0,-4 5 0</inkml:trace>
+  <inkml:trace contextRef="#ctx0" brushRef="#br0" timeOffset="-129716.73">4326 5116 7533,'0'-5'1709,"4"-3"-900,2 7-89,3-3 539,0 8-269,5 1-1,0 8-269,9 6-541,-8-4 91,3 7-90,-9-12 0,5 8-3392,0-8 3302,1 8-122,4 14 1,0 4 301,-4 9-383,2-2 0,-4 1 113,-8-1-90,-5-10 180,-5 10-2204,0-20 2204,-4 16 0,0-15 944,-1 4-1663,-3 8-1530,-6 2-540,-5 5 1260,1-10 1439,4-11 0,1-8 0,4-5 0</inkml:trace>
+  <inkml:trace contextRef="#ctx0" brushRef="#br0" timeOffset="-129073.73">5052 5358 7533,'-9'0'359,"4"0"-179,-3 0 1080,7 0 1078,-4 0-1798,18 0-180,2 0-90,13 0-180,4 0-90,-3 0 180,-1 0-990,-5-4 270,-1 3-1169,2-8 900,-5 8 269,-1-3 180,-13 4 360,-1 4 0,-4 6 0,0 4 0</inkml:trace>
+  <inkml:trace contextRef="#ctx0" brushRef="#br0" timeOffset="-128888.73">5090 5590 7533,'0'6'3276,"4"-2"-1695,5-4-1221,10 0 0,4 0-450,9-4-900,5-6 540,10 0 450,-12 1 0,4 0 0,-15 4 0</inkml:trace>
+  <inkml:trace contextRef="#ctx0" brushRef="#br0" timeOffset="-96509.73">7946 5386 7533,'-9'0'539,"3"0"181,2 0 1439,4 0-1710,4 4-269,6-3 180,4 7 0,9-7-270,-3 8 0,6-8 0,-6 3-90,3-4 180,4 0-90,-2 0 180,7 0-270,-9-4-90,4 3-180,-12-4 90,3 5 90,-13 0 0,3 0-810,-3 0-1078,0 0-901,8 0 2879,-7 0 0,3 0 0,-5 0 0</inkml:trace>
+  <inkml:trace contextRef="#ctx0" brushRef="#br0" timeOffset="-95876.73">8950 4846 7533,'-10'-5'-540,"2"1"1709,8 4-809,0-4-90,0 3 989,0-3-449,0 33-450,0-10-181,0 22-89,0-19 90,0-7 90,0 2-180,0 2 90,0 5-3457,0 0 2982,-4-2-84,3-3 199,-8 0 0,4 3-360,-4 2 1,4 0 359,1-6-990,4-4 3250,0-5-2350,0 0-809,0-3 1079,0 2 0,0-7 0,0 3 0</inkml:trace>
+  <inkml:trace contextRef="#ctx0" brushRef="#br0" timeOffset="-95529.73">8643 5367 7533,'-5'0'-180,"1"0"899,4-4 1,0 3-360,0-3-90,4 4 179,1 0-269,5 0 0,-1 0 180,0 0 0,0 0-90,1 0 89,7-4-89,-5 3-360,5-3 540,1 4-360,6-5 0,9 0 90,-4 0-270,-2 1 180,-9 4-90,1 0-630,4 0 180,0 0-89,-3 0 269,2 0-989,-8 0 269,5 0-359,-5 4 360,-4 5 989,-6 2 0,-4 2 0,0-3 0</inkml:trace>
+  <inkml:trace contextRef="#ctx0" brushRef="#br0" timeOffset="-95093.73">8811 5488 7533,'-15'5'809,"2"4"-179,3-8-180,5 3-181,1-4 91,4 4-180,0-3 180,0 3 0,8 0-360,-1-3 0,10 7 180,-2-6 89,-1 2-179,12 0 90,-14-3-360,14 3 270,-7 0 0,-3-3-270,1 7 90,-4-2 90,-6 3-269,1 0-1,-8 9 90,0-7 0,0 11 90,-8-4 0,-3-2 90,-3 6 0,-8-4-90,11-2 90,-7 1 0,1-3 0,5-4 0,-5 4-90,7-9 540,5 3 359,-3-7-629,7 7 90,-3-7 90,4 3-270,4 1 180,-3-4 0,7 3-90,1-4-1,2 4 91,2-3 180,5 3-270,-3-4-270,8 0 180,-4 0-630,-1 0 270,-3 0-1349,7-4 720,-11 3 449,7-7-1079,-5 7 809,-3-4 720,4 5 0,-5-4 0,0-1 0</inkml:trace>
+  <inkml:trace contextRef="#ctx0" brushRef="#br0" timeOffset="-93630.73">9444 5060 7533,'-5'-5'-540,"1"-3"900,-1 7-270,4-3 1079,-7 0-629,3 2-90,0-2-91,-8 8-179,7 10 0,-7 6-3392,3 3 3212,5 0-90,-3-4 360,3 12-270,-5-5 90,1 22 0,0-4 0,4-1-270,0-3 360,5-4-2359,0-10 1909,0 5 2359,5-8-1999,-4-8-810,7 3 181,1-9-991,6-3 1530,16-11 0,-14-1 0,9-7 0</inkml:trace>
+  <inkml:trace contextRef="#ctx0" brushRef="#br0" timeOffset="-93248.73">9509 5246 7533,'0'-5'719,"0"1"-449,0 12-270,0-2 540,-4 16 89,3 2-179,-8 13 0,8 1-450,-3-9-90,8 10 90,2-26 270,7 13-90,-3-21-90,8-1-90,-4-8 0,1-1-90,-2-4-90,-3-1 90,-1 1-90,0 0-809,-3-5 449,2 4 270,-7-4 90,7-3 90,-7 6 180,3-19-90,-8 13 180,-5-6 0,-6 10 90,1 3 180,0 5-361,5 1-89,0 4-89,0 0-181,3 0 180,-2 4-90,3-3 90,0 8 90,1-8-630,4 7 1,-5 1 629,4 2 0,-7 2 0,3-4 0</inkml:trace>
+  <inkml:trace contextRef="#ctx0" brushRef="#br0" timeOffset="-92545.73">9834 5330 7533,'0'-13'1259,"0"6"-270,-8-9-809,6 14 180,-11-11-180,8 12 0,-4-3 90,-5 0-360,0 3 90,-9 1-180,0 5 0,3 0 90,3 4 0,12 0-180,-4 1-90,4 12 91,0-2 179,1 7 90,4 1-3277,4-8 3162,1-2 25,13-5 180,-3-7-90,12 3 0,-4-9 0,5-9-90,-4-1 90,-10-5 3276,-1 2-3250,-8 0-3303,4-6 3162,-4-1 115,0-2 360,-1-1-91,-7 7 1,6-1-90,-12 12-180,8 1 90,-3 8-90,0 5 180,3 10 3096,-3 8-2710,4 7-476,0 7 269,0-3-89,4-1-483,-3-5 572,3 9-89,0 2-225,-3-15 0,-1 0 45,5 19-90,-5-9 90,0 1-95,0-5 185,-5 4-180,0-6-90,-4-13 180,0-6-180,3-7 0,-6-2-89,2-4 89,-5 0 393,-11 0-483,14-4-90,-14-2-3007,16-7 3077,-7 3-2068,7-4 2178,-4 1-233,5 2 143,4-6 180,1 6-90,4-6 0,0 7-180,0-8-777,24-21 58,-1 10 404,3 2 0,1 1-134,4 5 179,0 0 270,-13 16 270,-8-4 0,8 4 0,-4-4 0</inkml:trace>
+  <inkml:trace contextRef="#ctx0" brushRef="#br0" timeOffset="-91959.73">10104 4902 7533,'-5'0'449,"1"4"-359,4-3 360,0 12 180,-5-3 89,4 17-89,-7 2-90,7 8-1,-3 4-179,0 2-270,3-9-143,-3 1 323,0 1-90,3 8 0,-8-1-360,8-3 270,-3-3-545,0 1 185,3 0-899,-3-6 899,4-13-809,0-10 539,0-5-89,4-4-361,1 0 1,4 0 989,1 0 0,-1-8 0,0-3 0</inkml:trace>
+  <inkml:trace contextRef="#ctx0" brushRef="#br0" timeOffset="-91517.73">10290 5042 7533,'-9'-4'1439,"4"2"-809,0-2 179,5 0-629,0 3 180,5-3-90,-4 8-91,7-3 181,5 7-180,7-6 90,0 6-360,10-7 90,-14 3-90,15-4 0,-7 0-450,4 0 271,0 0 179,-8 0-270,-7 0-1079,-1 0 179,-10 0 991,7 0-811,-9 4 1080,0-3 0,-9 7 0,-1-2 0</inkml:trace>
+  <inkml:trace contextRef="#ctx0" brushRef="#br0" timeOffset="-91029.73">10309 5070 6038,'-14'0'1169,"8"0"-109,-2 0-520,8 0 521,0 0-611,0 4-180,0-3 0,0 7 175,4 1-85,1 2-180,4 2-270,1-4 660,3 1-390,-3-1-293,4 0 23,-5 1 180,1-5-360,3 7 90,-3-10-180,4 11 91,-1-4-3008,-7-3 2892,7 7 115,-12-4-360,7 9 360,-15 2 180,5-1 0,-12-6 1,1 1 3365,-2 0-3160,-3 0-206,3 0 180,2-9-180,4 3 90,-1-7 179,1 8 1,0-4 0,4 4-180,-4-4 90,8 4 90,-3-4-90,4 4 90,4-4 0,-3-1 90,12 0 0,-11-3-270,10 8 89,-7-8 181,5 3-90,7-4 90,-1 0 180,11 0-360,-8 0 0,8 0-450,-7 0-899,3 0 719,-13 0 270,2 4 0,-7-3-539,1 3 269,-2-4 270,0 0-1259,1 4 1529,0-3 0,4 4 0,-4-5 0</inkml:trace>
+  <inkml:trace contextRef="#ctx0" brushRef="#br0" timeOffset="-90783.73">10653 5377 7533,'0'5'0,"0"3"0,0-3 0,0 4 0,0 1 1529,0-1-90,0 0-1079,0 1-630,0-5 0,0 7-989,0-6 899,0 4-360,0-6 91,0-4 629,4 0 0,-3-4 0,3-1 0</inkml:trace>
+  <inkml:trace contextRef="#ctx0" brushRef="#br0" timeOffset="-90579.73">10672 5293 11670,'4'5'-180,"-3"3"-179,7-7-721,-7 8 181,8-8 719,-8 3-1349,7-4 1529,-7 0 0,3 4 0,-4 1 0</inkml:trace>
+  <inkml:trace contextRef="#ctx0" brushRef="#br0" timeOffset="-89264.73">10932 4874 7173,'-5'0'2069,"1"0"-1440,4 0-269,0 4 90,0 6-90,0 4 89,-4 5-89,3 3-180,-3 2 270,4 4-270,0-4-90,0-1 270,0 4-181,-4 2 1,3 12 0,-8 9-270,8-9-3187,-3 3 3252,4-20 25,0 15-90,0-8 90,0 15-90,0-9 90,0-4 90,0-5-180,0-5 90,0-5 0,0-3 3276,0-2-3250,0-4 64,0-3-449,0-2-901,0-4-359,0-8 360,0 1 1259,0-6 0,4 4 0,2-1 0</inkml:trace>
+  <inkml:trace contextRef="#ctx0" brushRef="#br0" timeOffset="-81020.73">11239 5330 7533,'-19'0'719,"6"-4"-179,4 3 0,8-3-1,-3 0-179,4 3 540,0-4-541,8 5-179,-2 0-180,8-4 180,-6 3 0,6-3 180,9 0 0,6 3-270,8-3-90,-8 4 90,-2 0-90,-5-4-90,2 3-180,4-3-360,-4 4-449,3 0 539,-7 0 360,-2 0-1259,-4 0 90,-5 0 1349,0 0 0,1-5 0,-1 0 0</inkml:trace>
+  <inkml:trace contextRef="#ctx0" brushRef="#br0" timeOffset="-80545.73">12207 4818 7533,'-9'0'0,"-1"0"-360,5 0 180,1 0 1169,0 0-269,3 9 180,-7 1-181,2 13-449,1-4 90,1 4-180,4-4 0,0-1 179,0 13-179,0-1 0,0 12-270,0-5 90,0 0-719,0-4 179,0-1-629,0-12 449,0-3-449,0-3 179,0 0 990,0-3 0,0 1 0,0-7 0</inkml:trace>
+  <inkml:trace contextRef="#ctx0" brushRef="#br0" timeOffset="-80280.73">11946 5321 7533,'-4'5'270,"3"-1"89,-3-4 811,4 0-811,8 0 1,-1 0 270,18 4-270,0-3-3637,4 3 3252,2-4-335,-3 0 360,1 0 0,-1 0 0,-5 0-900,-5-4-1728,1 3 2448,-5-3 1729,8 4-2179,-6 0 630,2 0 0,-8 4 0,-6 1 0</inkml:trace>
+  <inkml:trace contextRef="#ctx0" brushRef="#br0" timeOffset="-79896.73">12049 5553 7533,'-15'5'1259,"2"0"-899,8-5-180,0 0 0,5 0 269,9 0-269,1 4 0,5-3 0,2 3 0,-7-4 0,16 0-90,-5 4 90,3-3-360,-7 7 0,-3-3-270,-8 9 180,2 0 180,-8 5 0,0-5-179,-8 8-3008,2-11 2802,-8 7-1794,5-4 2359,0-4-1553,-1 3 1463,1-3 180,-4 3 539,2 1 1319,2 1-1678,5-6 2284,4 0-2644,4-8 270,1 3-180,5-4 90,3 0-90,-3 0 89,8 0-89,-4 0 3162,5 0-3432,-4 0 180,2 0 0,-7 0 0,8 0-720,-8-4 181,12-2 359,-11 1-1259,7-3 89,0 3 1350,-11 0 0,9-4 0,-10 4 0</inkml:trace>
+  <inkml:trace contextRef="#ctx0" brushRef="#br0" timeOffset="-78579.73">12663 5125 7533,'-5'-4'90,"1"3"179,0-3-89,3 4 360,-4 0-180,1 0-90,-1 0-90,-4 0 0,4 4 89,-8 6-89,7 4 0,-7 0 0,3 4-180,1-3-3212,0 7 3662,-1 27-180,1 1-1315,6-21 1,1-1 1134,-2 17 0,4-9-180,0-10 270,0 5-90,4-9-180,1-2 270,4-1 1728,1-2-2717,3-6 3661,-3 2-2942,4-8-899,-5-1 89,5-4-359,-4 0 629,3 0 630,-3 0 0,-1-4 0,0-1 0</inkml:trace>
+  <inkml:trace contextRef="#ctx0" brushRef="#br0" timeOffset="-77057.73">12755 5218 9152,'6'10'989,"2"-1"-629,5 9 90,7 5-270,0 2-270,1 2 449,-2 0-359,1-6 0,-2 5-269,16 10 359,-19-14-810,15 9 180,-17-13-449,2-8 179,3 4 1,-3-9 359,-2-1 180,-8-4 270,4-4 0,-4-5 0,4-6 0</inkml:trace>
+  <inkml:trace contextRef="#ctx0" brushRef="#br0" timeOffset="-76834.73">13044 5163 7533,'-5'-6'899,"-4"2"-449,8 4-90,-7 0 269,3 0 1,-13 9-450,7-3 90,-11 11 90,4 2-91,-2 1-89,1 2-90,-6 9-90,8-5 90,-10 6-270,9 3 90,-1-13 0,4 9-1619,-6 4 270,13-12 810,-4 8 89,12-18 540,0-7 0,4 2 0,1-3 0</inkml:trace>
+  <inkml:trace contextRef="#ctx0" brushRef="#br0" timeOffset="-76427.73">13118 5395 8522,'0'5'450,"0"12"180,0-6 179,0 16-359,-4 1-180,-1 1-270,0-5 180,1-7-1,4-7-538,0-1 359,0 0-810,0 0 450,0-3 90,0-2-629,0-4 89,4-8-269,1-3 539,13-20 360,-7 9 1,7-9 898,-5 13-89,-3 3-1,4 6 181,-9 1 269,3 7-269,-2-3-270,3 4-91,0 4-179,0 5 180,-3 1-3662,2 4 3212,-7-5 90,7 5-450,-7-4 180,7 3-989,-2-7 539,3 2 90,0-3-719,-4 0 3932,4-1-4113,0-4 1440,-3 0 0,7 4 0,-8 2 0</inkml:trace>
+  <inkml:trace contextRef="#ctx0" brushRef="#br0" timeOffset="-76201.73">13481 5311 8792,'6'0'2069,"2"5"-1619,-3-4-450,4 3 0,-3-4 179,6 0-538,-6 0 269,4 0-1260,2 0 541,-2 0 629,5 0 180,-2 0 0,1 0 0,0 0 0</inkml:trace>
+  <inkml:trace contextRef="#ctx0" brushRef="#br0" timeOffset="-73995.73">13854 5153 9332,'-4'10'989,"3"-1"-809,-3 0 180,4 5-180,0 4-3457,0 2 2662,0 3 1564,0 3-1128,-5 12 89,0 5 180,-4-1-630,4-10-1908,-4-5 2358,8-7-450,-7 11 90,7-6 1729,-3 3-2988,4-10 1142,0-8 0,0-10 0,0-6 0</inkml:trace>
+  <inkml:trace contextRef="#ctx0" brushRef="#br0" timeOffset="-73375.73">13900 5135 0,'-5'-4'0,"1"3"1692,4-4 1277,0 5-1021,0 9-1858,0 1 950,0 9-1040,4-1 3276,-3 5-3250,3 1-206,-4 4 0,0-9 180,0 3-180,0-3-90,0 0 90,0 0 0,0-6 180,0-4-180,0-3 91,5-2-1,-4-4 0,7 0 0,-3-4-180,4-2 90,1-3 90,-1 0-90,0-5 180,1 4 0,-5-3-90,3 3 90,-3-3 0,4-1 270,1-1-90,-1-3-180,-4 4 0,4 4 180,-8-3 90,3 8-1,-4-4 1,0 4-180,0 1 990,0 4-811,4 0-269,-3 4 90,3 5 0,-4 1-270,0 4 360,0 3-180,0-5 180,0 9-3457,0-10 3342,0 6-656,0-6 681,0 2 0,4 0 269,5 6-179,2-3 90,6-3-180,-6-9 0,2-4-90,-8-4 90,4 3 1030,0-11-2829,5 1 885,1-7 824,-2-1 0,-3 5 0,-1 0 0</inkml:trace>
+  <inkml:trace contextRef="#ctx0" brushRef="#br0" timeOffset="-72550.73">13910 5181 7173,'-5'0'809,"0"0"181,5 0-720,0 4-90,-4-3-180,3 8 180,-3-4-180,4 8 89,0-2 1,-4-2 0,3 3 90,-3-1-180,4 7-90,-4 1-269,3-1-181,-4 1-180,5-5 360,5-4-899,0 2 1259,4-6 0,0 4 0,1-6 0</inkml:trace>
+  <inkml:trace contextRef="#ctx0" brushRef="#br0" timeOffset="-71359.73">14272 5395 7533,'0'-5'719,"0"1"1440,0 4-1979,0 12 0,0 0-90,-4 14-180,3-6 0,-3-1-540,4-6 181,0-4-541,0 1 360,0-5-359,0-1 989,4-4 0,1-8 0,4-3 0</inkml:trace>
+  <inkml:trace contextRef="#ctx0" brushRef="#br0" timeOffset="-71182.73">14300 5228 10231,'0'5'450,"0"3"-810,0-7 270,4 3-1079,1-4 359,9 0 810,-8 0 0,6-4 0,-7-1 0</inkml:trace>
+  <inkml:trace contextRef="#ctx0" brushRef="#br0" timeOffset="-70847.73">14356 5060 7533,'-5'-18'1169,"-4"7"-809,8-1 449,-3 11-449,4-3-180,0 0 0,0 3 180,4-4 89,1 5 1,9 5 90,0 4-180,5 1 0,4 12-181,-8-11 1,3 7 0,-5-5 0,-2-2 180,6 10-90,-6-1 90,6 8-181,-11-4-269,7-2-3187,-12-3 3342,3 0-245,-4 12 91,0-1 89,0 15 0,-4-15-180,3 1 0,-8-4-630,0 2 181,-5 8-271,-1-8 180,-2 2-809,6-16 630,-2 3 899,-1-9 0,4 1 0,-3-1 0</inkml:trace>
+  <inkml:trace contextRef="#ctx0" brushRef="#br0" timeOffset="-70235.73">14505 4800 7533,'-10'0'0,"5"0"359,1 0 181,4 0 90,-4 0 269,3 0-89,5 4-630,2-3-90,8 7 269,7-7 1,12 3-450,-2 1 0,9-4-899,-21 3 179,0-4-1079,-5 0 450,-5 0 990,-4 0 449,-1 0 0,-4 0 0,0-4 0,0-2 0</inkml:trace>
+  <inkml:trace contextRef="#ctx0" brushRef="#br0" timeOffset="-70069.73">14616 4818 7533,'-9'6'1169,"4"2"-449,-3-3-181,7 13 91,-4 1-360,5 9-180,0 4-450,0-3 90,5 3 180,-4-12-1259,3-3 180,0 1 1169,1-7 0,4 7 0,1-9 0</inkml:trace>
+  <inkml:trace contextRef="#ctx0" brushRef="#br0" timeOffset="-68893.73">14905 5070 7533,'-9'0'-270,"-1"0"270,1 0 989,4 0 1,-3 0-1,7 0 630,-4 0-1439,14 4-180,1-3 630,21 7-810,-5-3 180,10 0 180,-8 0-630,0-5 0,-4 0 450,-6 0-809,-4 0 89,-5 0-809,0-5 180,1 4 449,-5-3 900,-1 4 0,-4 0 0,0 0 0</inkml:trace>
+  <inkml:trace contextRef="#ctx0" brushRef="#br0" timeOffset="-68402.73">14840 5135 7533,'-20'5'1169,"3"-1"90,11-4-899,2 4 0,4-3 180,4 7-91,6 2-89,4 0-90,13 3-90,-2 1-180,7-4 0,-12 4-90,1-5-450,-10 0 360,2-4 90,-4 4-359,1-4-1,-1 4 0,0 0 0,-3 5 91,-2 0 89,-4 5 0,-4 0-3007,-2-5 2982,-3-1 25,-4 5 90,2-7 90,-6 7 270,-2-9-180,-5 5 0,-4-4 360,5 8 2916,0-8-2440,8 3-567,2-3 1,8-1-90,1-4 90,4 3-180,0-6 90,4 6 270,1-3-270,8 0 269,6 3-3571,-4-7 3302,7 4-201,-12-5 381,8 0 90,-3 0 90,20 4-450,-13-3 89,10 3-628,-19 0 3516,0-3-4326,2 3 435,-1-4-975,0 0 809,-9 0 451,-1 0 539,0 4 0,-3-3 0,3 3 0</inkml:trace>
+  <inkml:trace contextRef="#ctx0" brushRef="#br0" timeOffset="-67356.73">15249 5535 7173,'-5'0'630,"1"0"89,0 0-89,3 8-1,-3-2-449,0 8 0,3-5 180,-4 0-180,1 9-180,3-7 180,-3 11-90,4-16-450,0 6 90,0-6-629,0 3 179,0-4-449,0-1 1169,4-4 0,1-4 0,5-1 0</inkml:trace>
+  <inkml:trace contextRef="#ctx0" brushRef="#br0" timeOffset="-67157.73">15221 5395 7533,'-5'0'0,"1"0"2878,4 0-2878,0 4 90,0-3-630,4 3 360,1 1-989,9-4 270,0 3 899,1-4 0,-2 0 0,-3 0 0</inkml:trace>
+  <inkml:trace contextRef="#ctx0" brushRef="#br0" timeOffset="-66768.73">15315 5051 7533,'-10'-4'-1350,"5"3"1440,-3-3 540,3 4-180,-1 0 89,2 0 91,4 0-90,-4 0-270,3 0 1709,-3 0-1979,12 0 89,-2 0-178,12 0-1,-8 0 180,4 0-90,-5 0-900,0 0 270,5-4 540,-4 2-1349,4-6-1838,-5 7 1813,0-7 1349,1 7 0,-1-7 0,0 2 0</inkml:trace>
+  <inkml:trace contextRef="#ctx0" brushRef="#br0" timeOffset="-66565.73">15473 4837 8162,'-5'0'810,"1"0"-360,4 0 539,-5 21-719,4-8-90,-3 18 0,0-12-360,3 3 180,-3-2 90,4 3-540,0 0 270,0-4 90,0 0-1349,0 3 1439,4-7 0,1 8 0,5-5 0</inkml:trace>
+  <inkml:trace contextRef="#ctx0" brushRef="#br0" timeOffset="-65995.73">15751 5153 7533,'-9'-4'270,"4"3"-1,-3-3 181,2 4 0,1 0-90,-3 0 269,3 0-269,-4 4 0,4-3-180,-7 12 449,1 5-539,1 3-90,-2 2 180,6-6 0,1 6 270,-3 10-540,7 5 90,-3-5-270,4-6 180,0 0-3187,0-6 2263,4 1 294,1 0 630,4-11-989,1 7-1,7-9 361,-5 1 179,5-5 180,-8-1 1,0-4 359,0 0 0,1 0 0,-1 0 0,0 0 0,1 0 0</inkml:trace>
+  <inkml:trace contextRef="#ctx0" brushRef="#br0" timeOffset="-65618.73">15891 5181 7533,'-9'-9'629,"3"4"-359,2 1-180,4-1 630,0 4 1618,0-3-2158,0 13 0,4-3 90,2 11 90,3 2-180,0 1 0,1 2 179,3 5-628,1-2-451,5 7 450,0-8 270,-9-6-899,7 0 359,-11-8 270,7 4-1529,1-5 360,-4 0 899,3-4 180,-3 0 360,-5-5 0,3-5 0,-3 0 0</inkml:trace>
+  <inkml:trace contextRef="#ctx0" brushRef="#br0" timeOffset="-65384.73">16142 5116 7533,'-14'0'1709,"4"0"-1260,6 0-628,-4 4 179,2 1 90,-8 5 269,-3 7 271,-3 3-270,1 0-180,-3 1 0,11-10-270,-2 6 180,4-2-1,-5 3 91,0 9-360,-5 2-629,5 8 719,4-8-1079,2-2 359,7-8 540,-3-1-989,4-3 1259,0-6 0,4-1 0,1-3 0</inkml:trace>
+  <inkml:trace contextRef="#ctx0" brushRef="#br0" timeOffset="-64993.73">16189 5349 8522,'0'13'180,"0"-3"270,0 8 89,-4-4-539,3 1 360,-8-2-90,8 1-90,-3-4-90,4 4-180,0-5 90,0 0-630,0 0 361,0 1 89,0-5-270,0-1 90,0-4 180,4 0-539,-3-4-1,8-5-90,-4-6 810,4-3 0,0-5 0,1 7-269,-5-1 269,-1 7-90,-4 5 1169,0 1-539,0 0-270,4 3 449,-3-3-359,3 4 1169,-4 0-270,4 8-1079,2-6 0,-1 11 0,-1-8-360,0 0 180,-3 3-270,7-7-629,-2 7 719,3-7-540,-4 4 181,3-5 359,-7 0 90,8 0-1529,-4 0 1619,4 0 0,0-5 0,1 0 0</inkml:trace>
+  <inkml:trace contextRef="#ctx0" brushRef="#br0" timeOffset="-64753.73">16477 5218 7533,'-5'0'1259,"1"0"-1439,4 0 630,0 5-180,0-4-180,0 7 90,0-7-1,0 3-89,0 0 0,0-3-90,4 3 630,-3-4 0,8 0-361,-4 0-89,4 0-90,0 0-629,13 0-451,-5 0 271,9 0 539,-11-4-810,-2 3 1,1-3-91,0 4 1080,-3 0 0,1-4 0,-7-1 0</inkml:trace>
+  <inkml:trace contextRef="#ctx0" brushRef="#br0" timeOffset="-63630.73">16878 5116 7713,'-5'0'989,"0"0"360,5 0-1079,0 4-90,-4 1 90,3 1-90,-3 2 90,0 9-180,3 4-90,-7 7 0,7-5-3213,-8-5 3034,8 5 149,-7 5-60,3-3 0,-4 6 180,3-12 0,-2 4-2438,7-4 2348,-7-5 1539,7 12-1899,-3-14 90,4 10 119,0-17-748,0 4 89,0-4 541,0 0 2851,0-1-3391,4-4 809,-3-8 0,7 2 0,-3-8 0</inkml:trace>
+  <inkml:trace contextRef="#ctx0" brushRef="#br0" timeOffset="-62551.73">16868 5125 7533,'0'-9'270,"5"0"-270,-4 4 0,3-4 0,-4 8 0,0-3 0,4 4 0,-3 0 0,3 0 0,-4 4 0,4-3 0,-3 8 1978,3-4-1168,0 8-360,-3-2-91,4 2-269,-5 0 90,0 2-90,0 4-180,0-5 0,0 8 180,0-11-270,0 11 90,0-12-359,0 3 89,0 1 180,0-8-270,0 7 180,0-12-359,0 3 179,0 0 90,0-3 180,0 3 180,0-12 0,0 6 0,0-11-90,0 12 90,0-3-90,4 4 90,-3 0-89,3 0-1,-4-4 180,4 3-90,-3-3-90,3 4 2608,-4 0-2518,0 4 180,0-3-180,0 3 90,0 0-90,0-3 90,0 8 0,0-8-90,-4 3 90,3 0-90,-3-3 90,4 7-90,0-7 0,0 3 0,0 0 90,0-3-90,0 8 0,-4-8 0,3 3 90,-3-4 0,4 0-90,0 4 90,0-3 0,0 3-180,0 0 90,0-3 0,0 4-90,0-1 180,0-3-90,0 3-90,4-4 270,-3 4-1,7-3-179,-7 3 0,7-4 0,-7 0 270,4 0-270,-1 0 0,1 0 0,4-4 90,0-1-180,5-9-90,-4 4 180,0-3-359,2-1 449,-10 0-180,10-1 0,-6-2 90,3 6-90,-4-2 0,3-1 180,-2 0-180,-1-5 90,-1 5-90,0 0 180,-3 5-90,3 0 0,-4 0-270,4-5 270,-3 0-90,3-1-90,-4 6-90,0 1 90,0 2 180,0 1-90,0-3 90,0 7 180,0-3 270,5 8-90,-4 9-90,3 3-180,-4 3 0,0-6 179,0 0-179,0 6 0,0-3 90,0 1-90,0-3-270,0-4 270,0 3 0,0-3-90,4 7-90,-3-1 0,7 2 180,-7-4-90,3-5 0,1-4-450,-4 3 1,7-7-361,-7 8 360,7-8 181,-7 3-811,3-4 1,0 0 809,2 0 270,-1-4 0,3-1 0,-3-5 0</inkml:trace>
+  <inkml:trace contextRef="#ctx0" brushRef="#br0" timeOffset="-61826.73">17296 5358 8522,'-5'9'1799,"0"0"-1619,5 1 450,-4 3-630,3 2 0,-3 3 90,4-3 0,0-2 89,0-8-269,0 4 90,0-4-719,0 4 179,4-4 450,-3-1-899,3-4-1,1 0-809,4-4 1799,-3-1 0,7-8 0,-8-2 0</inkml:trace>
+  <inkml:trace contextRef="#ctx0" brushRef="#br0" timeOffset="-61651.73">17324 5191 7533,'-10'0'899,"5"0"91,1 0-1,4 0-809,0 4 0,0-3 0,0 3-720,0 0 450,0-3-899,4 7 179,1-7-629,9 3 1439,-4-4 0,4-4 0,-5-1 0</inkml:trace>
+  <inkml:trace contextRef="#ctx0" brushRef="#br0" timeOffset="-61311.73">17426 5014 7533,'0'-10'270,"0"5"-181,0 1 2520,0 4-1710,4 4-539,-3 1 180,8 5 270,-4 3-271,8 2-89,2 3 90,-1 5 89,4-3-89,-4 7-360,1-12 180,-2 3-1,-4-9-179,-3 4 90,2 2-360,-3-1 90,4 4 180,-3-4-90,2 38-450,-7-25 180,-1 25 180,-1-30-359,-7-2 179,2 15-810,-7-5 181,-2 11-990,1-3 899,1-9 361,3-7 89,1-8-989,0-5 1439,-1 4 0,1-2 0,0 2 0</inkml:trace>
+  <inkml:trace contextRef="#ctx0" brushRef="#br0" timeOffset="-56523.73">17808 4679 7533,'0'-5'629,"0"1"-359,0 4-360,0-5 90,0 4 450,0-3-360,4 4 0,-3 0 270,3 0 89,0 0-269,-3 0-270,8 0 270,-8 0-90,3 4-90,0-3 0,1 4 90,0-5-90,3 0 90,-2 0 0,-1 0-180,3 0 90,-7 0 0,3 0 90,0 0-180,-3 0 180,8 0-270,-4 0 270,0 0-90,3 0-90,-7 4 90,8-3 0,-8 3-180,3-4 180,0 0 0,1 0-90,0 0-90,-1 0 90,1-4 90,-4 3 0,3-3 0,-4 4 180,0 0-180,0 4 0,0-3 180,-4 3 0,3-4-180,-4 4 90,5-3 0,0 7-90,0-7 0,0 3 0,0 1 0,0 0 0,0 0 90,0 3-90,0-7 0,0 7 0,0-6 90,-4 6 0,3 1 0,-3 1 0,4 8 0,0-4-90,0 1 0,0-2 90,0-3-90,0-1-90,0 9 90,0 1 0,0 9 0,0-4 180,0-1-90,0-9-90,0 4 0,0-4 179,-4 1 91,3 6 90,-3-1-180,4 8 0,0-8-90,0 1 0,0-10-90,0 6 90,0-7 0,0 8-180,0 1 270,0 9-90,0-8-180,0 10 180,0-10 0,0 12 89,0 5-89,0-3 0,0-2-90,0-13 90,4-2-90,-3-6 180,3 10-90,-4-5-90,0 3 90,0-6-180,0 0 90,0-2 90,0 6-90,0-6 0,4 2 90,-3 1-90,3 0 90,-4 5-180,0 3 180,0-2-90,5-1 0,-4-2 0,3-7 90,-4 12-90,0-6 0,4 2 0,-3-4 0,3-5 90,-4-4-90,0 3 0,0-2 90,0-1-90,0 3 0,0-7 0,0 7 0,0-7 90,0 8-90,0-8 0,0 3 0,4 0 90,-3-3-90,3 7 90,-4-7 539,0 3-449,0 1-90,0-4 1080,0 3-1081,-4-4 1,3 0 0,-7 0 90,3 4-90,-5-3-180,1 3 90,0-4 90,-1 0-1169,1 0 449,4 0 360,-3 0-2698,3 4 2248,-5-3-1798,1 7 2518,0-6 0,-5 10 0,0-2 0</inkml:trace>
+  <inkml:trace contextRef="#ctx0" brushRef="#br0" timeOffset="-53046.73">18515 5358 7533,'-14'5'449,"0"3"-359,9-7 180,-3 4 180,-1-5-180,2 0-90,-1 0 629,4 0-449,3 0 2698,-3 0-2788,12 0-90,-2 0 90,8 0-90,-1 0 0,2 0 0,-1 0 179,12-5-179,-9 4-180,9-7 270,-7 7-90,0-7 0,3 3-180,-2-1 180,-2 2-90,0 4-270,-8-4 180,3 3-90,1-3-270,-4 4 270,3 0 0,5 0-180,-2 0 180,2 4-89,-4-3-721,-1 3 450,-3-4 91,4 0-1171,3 0 361,-5 0 809,5 0-1079,-7 0 1439,-1-4 0,0 3 0,1-3 0</inkml:trace>
+  <inkml:trace contextRef="#ctx0" brushRef="#br0" timeOffset="-52761.73">18766 5153 7533,'-15'0'0,"6"0"539,5 0 721,4 0-811,-4 0 1,3 0-90,-3 4-90,4-3-90,0 8 269,0-4-89,0 0-90,0 3 90,0 2 0,0 0-180,4 3-1,-3-3 181,3 3 0,-4 10-180,0-2-90,0 5 270,0 1-450,0-6 90,0 6 90,0-9 90,0 1-540,0 0 270,0-1 90,0 1-1169,0-5 269,0 8 630,0-11 90,0 7-90,0-9 180,0 1 90,4-5 0,5 3 0,6-3 0</inkml:trace>
+  <inkml:trace contextRef="#ctx0" brushRef="#br0" timeOffset="-47535.73">19483 5460 7533,'-6'0'1529,"-2"0"-1079,7 0-1620,-3 0 181,12 0 989,-2 0 0,8-4 0,-5-1 0</inkml:trace>
+  <inkml:trace contextRef="#ctx0" brushRef="#br0" timeOffset="-47336.73">19604 5451 7533,'-6'0'809,"2"0"361,4 0-1260,4-4-90,2 3-900,3-3 900,0 4-89,1 0-631,-1 0 900,0 4 0,5 1 0,0 4 0</inkml:trace>
+  <inkml:trace contextRef="#ctx0" brushRef="#br0" timeOffset="-47128.73">19874 5470 8792,'5'0'1169,"-1"0"-809,0 0-180,-3 0 90,3 0-540,0 0 180,-3 0 90,3 0-450,1 0 270,0 0 180,0 0 0,3 0-1439,-3 0 1439,5 0 0,3 4 0,2 1 0</inkml:trace>
+  <inkml:trace contextRef="#ctx0" brushRef="#br0" timeOffset="-44677.73">19473 5442 7713,'-5'0'269,"1"0"1,4 0-90,-4 0-90,3 4 0,-3-3 90,4 3-90,-4-4-90,3 4 0,-4-3 90,5 3 0,-4-4 90,3 4-180,-3-3 180,4 8-180,0-8 90,0 3-90,0 0 179,0-3-268,0 3 178,0 0-178,0-3 89,0 3-1799,4-4 1799,1 5 0,5-4 0,-1 3 0</inkml:trace>
+  <inkml:trace contextRef="#ctx0" brushRef="#br0" timeOffset="-44133.73">19641 5395 7533,'-5'5'0,"1"-1"-270,4-4 180,0 5 0,0-4 360,-5 3-90,4-4-90,-3 4 0,4-3-180,0 3-90,0 0 270,0-3-90,0 3 0,0 0 90,0-3 0,0 4 0,0-1-90,0-3-90,0 3 180,0 0-90,4-3 0,-3 3-90,4-4 90,-5 0 0,4 0 0,-3 0-90,3 0 90,0 0 180,-3 0 899,3 0-1079,-4 4-630,0-3 270,4 4 360,1-1 0,5-3 0,-1 3 0</inkml:trace>
+  <inkml:trace contextRef="#ctx0" brushRef="#br0" timeOffset="-43694.73">19892 5479 8252,'0'5'90,"0"-1"-90,0-4-90,0 4-90,0-3 270,0 3-180,0 1 180,0-4-449,0 3 269,4-4 0,-3 0 90,3 0 0,1-4 0,0-2 0</inkml:trace>
+  <inkml:trace contextRef="#ctx0" brushRef="#br0" timeOffset="-25992.73">1926 6576 7533,'-9'0'-90,"-1"0"180,1 5-90,0 4 989,-9 22-539,11-4-180,-5 9 269,12-1-179,0 3-308,0 14 83,3-22 0,2 0-90,0-1 0,0-1-45,10 19-90,-2-10 90,5-11-180,1-6-3097,1-5 3084,2-7 13,-4-8 90,10-4 90,-3-2 206,2-7-206,-4-10 0,1-10 0,-5-1 0,-1-2 270,-9 8-90,0 0-180,-3 0 90,-2 0-2089,-4 5 2179,0-4-1517,-9-18 1427,-1 12-167,-4-11-103,-8 21 180,-2 4 1164,-9 1-1254,4 7 2054,2 3-2504,4 8 3207,4 0-4106,-4 8 650,9 3-20,4 12 809,6 0 0,4 1 0,0-1 0</inkml:trace>
+  <inkml:trace contextRef="#ctx0" brushRef="#br0" timeOffset="-25558.73">2307 6865 7533,'0'13'449,"0"2"361,0 3-90,0 9-271,0-2-89,0 11-90,0-3-90,-4 4-90,3-8-90,-3-2 360,4 0-181,0-6-89,0 6-3302,0-9 2313,0 1 269,4 4 540,-3-8-539,3 3 89,0-9-270,1-4-89,5-5 179,-5-9 3483,3-10-2763,-7-9 0,7-1 0,-3-3 0</inkml:trace>
+  <inkml:trace contextRef="#ctx0" brushRef="#br0" timeOffset="-25307.73">2316 6911 7533,'4'-28'90,"-3"9"269,8 5 271,-4 6 0,4 7-181,5-3-89,0 4-3572,-3 0 3392,1 4 180,-3 1-180,2 9 0,2-4-270,-8 3 270,3-3-1,-7-1-89,4 4 0,-5 6 0,0-3-270,0 5 90,-5-6 180,0 3-539,-4-3 179,0 2-540,-5-2-269,4-1 3661,-4-4-3481,5-2 539,0-7-90,4 3 450,-4-4 0,4-4 0,-4-1 0</inkml:trace>
+  <inkml:trace contextRef="#ctx0" brushRef="#br0" timeOffset="-25043.73">2568 6763 7533,'9'-5'539,"0"4"-179,-4-3-180,4 4 90,-8 0 90,3 4 269,0 6 1,1 4-360,0 5-90,-1-5 0,-4 0-180,0-1 180,0 10-91,0 2-178,0 11 178,0-16-358,0 6 179,0-11-1619,0 3-1568,5-3 1453,-4-6 1824,3-1 0,-4-7 0,0 4 0</inkml:trace>
+  <inkml:trace contextRef="#ctx0" brushRef="#br0" timeOffset="-24858.73">2493 6818 7533,'4'6'1439,"1"-2"-899,5 0-271,3-3-89,-2 3-90,2-4 90,0 0-450,6 0 180,5 0-1079,4 0 90,-4-4 1079,2 3 0,-10-7 0,2 2 0</inkml:trace>
+  <inkml:trace contextRef="#ctx0" brushRef="#br0" timeOffset="-24642.73">2800 6818 7533,'0'10'899,"0"-5"-449,0-1 180,0 0-181,0 1-89,0 9 0,0 0-270,-4 9-90,3-8 0,-3 3-1889,4 4 1079,0-6 91,0 7 269,0-14 382,0-5 1,4-12 0,1-2-1</inkml:trace>
+  <inkml:trace contextRef="#ctx0" brushRef="#br0" timeOffset="-24489.73">2800 6688 7533,'0'-5'359,"4"1"-269,2 4 90,3 8-450,-4 2 91,7 5-271,-5-2 270,6-3 180,-4-1 0,1 0 0,-1 1 0</inkml:trace>
+  <inkml:trace contextRef="#ctx0" brushRef="#br0" timeOffset="-23931.73">3024 6763 7533,'-5'18'-720,"-4"1"1170,8-1-3727,-7 1 1523,7 0 3703,-7 3-1590,3 6 1,-5 5-450,5-8 1130,1 1-1040,0-12-90,3 5-180,-3-5 3392,4 0-3212,0-9 90,0-1-180,0-12-180,4-7 181,1 0-1,0-7-270,3 4-90,-2-6-179,3-4 719,0 4 449,0 6 91,1 4 270,-1 5-271,0 4 91,1 1-360,-5 4-360,-1 0 450,0 0-180,-3 8-180,3-2 89,-4 3 91,0 4-180,0-3 0,0 0 0,0 7-180,0-15-449,4 10 269,-3-11 270,8 4-90,-8-10-449,7 0 89,-3-8 0,5 2 180,-5-6 540,3 11-180,-7-7-90,3 12 900,0-3-360,-3 4-181,8 0 361,-8 8-90,3-1-360,-4 10 0,4-6-1,1 2-1078,0-8 449,4 3 270,-8-2-1619,11-1 1440,-10-1 359,10-4 0,-6 4 0,3 1 0</inkml:trace>
+  <inkml:trace contextRef="#ctx0" brushRef="#br0" timeOffset="-23536.73">3387 6921 7533,'9'-9'899,"-4"7"-809,4-10 270,-8 7 449,3-9-269,-4 4-360,-4-3 90,-2 7 270,-7-2-540,-1 3 179,-9 0-448,3 1 179,1 4-450,-2 0 270,5 4 0,-2 5 0,4 6 91,9 7 89,1 2-450,8 0-180,5-6 181,6-8 179,3-6-90,1-4 90,4-4 90,-12-1 181,6-5 178,-12 1-268,8 0-1,-6 3 1439,5-2-899,-11 7-270,7-3 719,-7 4-179,3 8-90,1-1-91,-4 10-179,7-7-90,-3 0-989,4-6 449,1-4 180,-1 0-1169,0-4 269,5-10 1080,4-5 0,-2-5 0,1 1 0</inkml:trace>
+  <inkml:trace contextRef="#ctx0" brushRef="#br0" timeOffset="-23276.73">3647 6344 7533,'0'-5'1349,"0"1"-1079,-4 4 90,-1 4-91,-4 13 361,0 8-46,2 6 1,0 4-315,2-7 0,0 1-360,0 12 1,0 0 179,1 7 89,0-3-179,3-5-449,-3 4 314,3-17 0,2 1-450,1 3 1,0-2-316,-1 20-629,12 0 270,-7-24 1259,11-3 0,-6-17 0,2-1 0</inkml:trace>
+  <inkml:trace contextRef="#ctx0" brushRef="#br0" timeOffset="-23026.73">3842 6772 8342,'-4'18'2519,"3"-3"-2159,-3 2-270,0-2 359,-1 8-809,-1 0 450,2 1-989,4-1-1,0-9-1258,0-4 898,4-10 1260,2-5 0,3-9 0,0 0 0</inkml:trace>
+  <inkml:trace contextRef="#ctx0" brushRef="#br0" timeOffset="-22855.73">3814 6670 8882,'-5'0'1439,"1"4"-1709,4 1 90,4 0-809,5 3 179,6-7 720,-1 3-1079,0-4 349,-5 0 1,5-4 0,0-1 0</inkml:trace>
+  <inkml:trace contextRef="#ctx0" brushRef="#br0" timeOffset="-22625.73">4000 6595 7533,'6'-9'899,"-2"4"-359,-4 0 629,0 5-629,0 13 90,0-2-3663,0 12 3213,0-9-90,4 8 0,1-6 0,0 11 0,3-12-720,-7 7 181,8-4 3725,-4-2-4600,0 10 1145,-1-11-1351,0 16 361,-3-6 1169,4 3 0,-5-5 0,0-5 0</inkml:trace>
+  <inkml:trace contextRef="#ctx0" brushRef="#br0" timeOffset="-22389.73">3963 6809 0,'-5'-4'150,"1"3"3126,4-3-1232,0 4-275,4 0-1499,5 0 589,6 0-1039,8 0 3303,4 0-3213,7-4-1080,-1-2 271,3 1 629,-11-3-899,-3 7 1169,0-7 0,-6 3 0,6-5 0</inkml:trace>
+  <inkml:trace contextRef="#ctx0" brushRef="#br0" timeOffset="-22169.73">4252 6716 0,'-5'0'0,"0"4"1692,5 5-1422,-4-2-180,3 5 2488,-3-3-1678,4 6 1219,0 8-1849,0-4 3006,0 8-3250,4-7-296,1 2 360,5-7-1529,-1-2 449,4-7-89,-2-2 1079,2-4 0,1-4 0,0-2 0</inkml:trace>
+  <inkml:trace contextRef="#ctx0" brushRef="#br0" timeOffset="-21918.73">4401 6707 8882,'-4'18'3238,"-6"5"-2698,0 1 89,-8 8-89,8 5-3817,-3-7 2662,3 5 1126,-3 1-511,-2 8-45,5-17 0,-2 2-90,-2-1 0,0-1 45,-1 2 0,1-2 90,-14 17-540,5-4 91,0-4-631,-1-2 91,1 3-1,0-13-1078,8-6 2068,6-13 0,-3-1 0,1-4 0</inkml:trace>
+  <inkml:trace contextRef="#ctx0" brushRef="#br0" timeOffset="-19903.73">5034 6595 7533,'-4'-14'-1439,"-6"0"2698,-4 5-450,-9 0-179,-1 3-270,-8 2 90,3 13-271,1-3 91,10 7 180,-4 5-270,2 10 90,-4 10-270,10 0 0,6-2 0,4 0-90,3 7-90,5 4-90,6 0-539,13-6-1,9-16-629,2-3 989,3-17 180,-5-1 270,5-12 0,-12 2 0,11-12 0,-13 4 0</inkml:trace>
+  <inkml:trace contextRef="#ctx0" brushRef="#br0" timeOffset="-18819.73">5145 6790 7533,'-4'-5'270,"-5"1"-1,-1 4 91,-4 0 180,1 4 90,-2 6-91,1 8-179,4 6-360,6 4 90,8 0-360,6-4-180,4-10 181,5-6-91,0-12 90,-1-5-360,5-14 450,-12 2 90,2-1-90,-17 4 270,-2 12-180,-7-6 1,3 10 268,-8-2-89,4 0 90,-9 3 90,7-3-180,-1 4-90,11 0 0,2 0-180,4-4 0,4 3 0,6-3 0,8 0 180,6 3 90,4-4-180,0 5 360,-8 5-180,-3 0 0,-7 0 90,-1 3 0,0 1 90,0 6 180,-4 8-270,-1-4-1,-4 4-89,0-8-90,0-2-269,0-8-1,0-1-540,4-12 360,1-6-89,9-10 449,0 0-180,1 1 540,2 9-90,-6 4 449,6 2 451,-6 7-451,2 1-179,-4 9-180,-3 2 0,2 2-90,-7 5 89,3-3-628,0 8 179,1-4-900,5-1 271,3-3-630,-3-2 539,8-8 181,-4-1 719,5-4 0,-4-4 0,-2 3 0,-4-7 180,1 7-180,-1-7 89,-4 7 631,-1-8-360,0 8-90,-3-7 539,8-1-89,-4-2-91,0-6 91,3-2 269,-7-9-719,3 4 0,-8 1-270,-1 5 0,-4 12-270,0-6 270,-5 11-539,0-3 269,-5 4 90,4 4 0,6 1-90,1 12 0,7 3 90,-3 4 1,4 3-91,8-8 90,-2-4 180,12-7 0,-4-12 0,5-5-90,-1-10 0,1-9 90,0-5-90,-1-4 270,-3 0-270,2-1 90,-10 9 180,5 3 90,-11-1-180,3 2 89,-12-11 1,-2 11 0,-5 6-180,2 11 90,-1 16 0,4 11 90,-4 14-180,9 9 90,1 5 0,4-1-360,4-3 90,6 2-1439,4-11 450,5 3 269,3-18 900,-2-5 0,7-14 0,-7-10 0,2-4 0</inkml:trace>
+  <inkml:trace contextRef="#ctx0" brushRef="#br0" timeOffset="-18644.73">5843 6735 7533,'0'-10'989,"4"5"-449,-3 5-270,3 14-90,-8 9-1,3 2 91,-3 2 0,0 0-3482,-2-6 3212,1 1 90,1 0-540,4-6 90,0 2-809,0-9 539,0-4 361,4-5 269,-3-9 0,8-1 0,-4-9 0</inkml:trace>
+  <inkml:trace contextRef="#ctx0" brushRef="#br0" timeOffset="-18477.73">5796 6679 7533,'-10'-15'1979,"2"2"-1350,8 8-269,0 1-450,0 4 90,4 4-180,1 1-90,8 4-539,6 1-990,1-1 1799,7-4 0,-12-1 0,3-4 0</inkml:trace>
+  <inkml:trace contextRef="#ctx0" brushRef="#br0" timeOffset="-18248.73">6038 6604 10321,'0'15'270,"0"-2"-450,0-3 90,0 3 180,0 2 270,0 3 0,0-3 179,0 6-359,0-5 0,0 2-360,0 8 0,0-5-269,0 15 179,0-7-1079,0-1 719,0-9-629,0-2-271,0-7 710,0 0 1,4-6 0,2-4 0</inkml:trace>
+  <inkml:trace contextRef="#ctx0" brushRef="#br0" timeOffset="-18043.73">5973 6753 7533,'-5'-9'629,"-3"0"-359,7 3 270,-4-2-180,5 7-90,0-3-540,9 4 270,1 4 90,13-3-3367,-3 3 2712,2-4 115,5 0-359,2 0 269,4 0-270,-1-4 810,-4 3 0,-4-7 0,-5 3 0,-6-5 0</inkml:trace>
+  <inkml:trace contextRef="#ctx0" brushRef="#br0" timeOffset="-17868.73">6252 6697 7533,'-5'0'0,"-3"0"719,7 0 1,-7 5-180,7 4-361,-4 1 1,5 4 180,0-1-180,0-3-90,-4 8 90,3 1-180,-3 4 0,4 5-540,0 0 90,0-8-719,0-3 450,4-11-901,6-11 1620,-4-5 0,6-9 0,-7 1 0</inkml:trace>
+  <inkml:trace contextRef="#ctx0" brushRef="#br0" timeOffset="-17694.73">6234 6530 7533,'-4'-16'1619,"3"0"-1529,-4 15-540,10 9 0,0 4 90,4 14 91,5-6-91,0 3-360,5-5 720,-5-3 0,0-2 0,-5-3 0</inkml:trace>
+  <inkml:trace contextRef="#ctx0" brushRef="#br0" timeOffset="-17103.73">6373 6679 7533,'0'9'180,"0"0"449,0 5-89,0 0-360,-4 9 270,3 1-540,-7 4 180,7 0-90,-3-9-90,8 3 0,1-16 180,9 2-180,-4-8-180,7-8 90,-2-2 0,4-9 90,-5-3 90,-5 6-180,-5-6 180,-4 12-90,-4 1 0,-5 5 90,-5 4 0,-1 0 90,6 0-270,0 0-179,8 0 269,6-5-90,5 0 90,9-4 90,-1-5-180,1 4 540,-1 1 179,-3 1-3481,2 7 3302,-10-4 90,9 10-360,-10 0 0,8 4-1,-5 0 91,0-4-90,1 4 0,-1-8 3186,0 7-2980,-3-3-206,2 0-90,-7 0-90,7-1 90,-3 1 90,1 0-360,-2-1 0,0 0 91,1-3-91,0 8 270,3-8 0,-7 3 90,8 0 0,-8-3 359,3 7 1,-4-3-270,4 1 180,-3 2 179,3-3-359,-4 8 0,0 2-809,0-5 359,0 3-360,4-8 180,2 0-809,3-1 180,0-8 1079,0-1 0,0-9 0,0 0 0</inkml:trace>
+  <inkml:trace contextRef="#ctx0" brushRef="#br0" timeOffset="-16266.75">6653 6735 7533,'-5'0'-1170,"0"0"1620,5 4-180,0-3 360,0 7-91,0-3 91,-4 0-270,3 8-90,-7-7-1,7 3-179,-7 4 0,2-3 90,1 9-180,-3-1 0,7 1-90,-3-1 0,0 1 0,3-4 0,-3-2 0,4-8-179,0-1-91,0-4-720,4-12 901,1 5-361,0-7 0,-1 2 180,0 6-89,1-12 539,1 8-90,2-4 179,-7 9-179,3-3 270,0 3-180,-3-1-90,8-2 630,-8 7-180,7-7 179,-7 7-179,7-3-90,-3 4-270,0 0 90,0 0-90,-1 0 0,-3 0-180,7 0 180,-3 8-360,5-6 360,-5 10-90,3-2 0,-7-4 0,3 2 0</inkml:trace>
+  <inkml:trace contextRef="#ctx0" brushRef="#br0" timeOffset="-12289.75">3629 7981 7533,'-5'-5'180,"0"-3"539,-3 2-359,2-3-180,-12 0 0,12 0-90,-6 3 90,3-2 0,-2 7-91,-2-7 1,-5 7 0,-1-3-90,-5 8-90,5 1 180,2 0-270,2 8 270,5-3-269,-3 4 268,8 8-89,0-6 90,1 6 0,4 5-90,0-6 180,4 10-90,9-7 0,3 3-90,7-7 90,-5-6 180,5-6-90,1-11 0,8-2-180,-7-10 0,-3-3-90,-4-5 90,-3 3 90,3-7-180,-3 8 180,6-16-180,-5 0 0,2-11-2731,-8 8 2821,-6 1-506,-4-3 326,-8 1 90,1-4-90,-10 7-89,-10 0 179,1 6-980,-6 2 980,13 11 2278,2 7-2368,2 5-160,1 1-19,0 8 89,9 1-450,1 5 1064,4 3 1,-4-3 0,-1 4 0</inkml:trace>
+  <inkml:trace contextRef="#ctx0" brushRef="#br0" timeOffset="-11033.75">4084 7609 7533,'-5'0'-630,"1"0"1170,0 4 1079,3 10-4896,-3 1 3022,4 8-721,0-5 1245,0 5 181,0 9-90,-5 6-180,4-3 180,-3 0-180,-4-3 0,6-6-1,-11 9 407,8-16-676,-4 4-180,0 8 90,-1-1-270,1 7 271,0-13 89,4-6 0,-4-9-180,8 0 2862,-3 0-2682,0-3 1690,3-2-1600,-3-4-179,4 0 268,-4 0-89,3 0 180,1-4 0,1 3-180,7-8 360,1 8-180,2-3 540,15 4-271,-2 0-3571,1 0 3302,1 0-180,-7 0 180,0 0-90,0 0 90,-2 0-630,-6 0 360,6 0 0,-6 0-1079,10 4 269,-1-3-809,8 8 900,-8-8 809,-3 3 0,-3 0 0,0 1 0</inkml:trace>
+  <inkml:trace contextRef="#ctx0" brushRef="#br0" timeOffset="-10575.75">4540 7646 7533,'-5'0'-450,"1"0"450,0 0 1079,-1 0 91,-5 4-451,1 6-449,0 8 90,-1 10-3482,5-3 3122,-3 6-2089,7-11 2179,-3 2-1289,4-3 1289,-4 4 270,3 5-360,-3-4 0,-1 3-90,4-8 270,-3 0-270,4-1 0,0 1 180,0-1-270,0 1 180,0 0-90,0-5 90,0 4-360,0-8 90,0 3 181,4-3-91,-3-5-540,8 3 1676,-4-3-1586,4 0 180,0 0 1292,5-5-842,-4 0 0,4-5 0,-5 0 0</inkml:trace>
+  <inkml:trace contextRef="#ctx0" brushRef="#br0" timeOffset="-9446.75">4745 7767 6903,'-5'0'810,"1"4"-451,0 1-269,-1 1 90,-1 2-90,-2-3 90,3 4-90,0 5 90,-4-4-3457,4 16 2662,0-10 795,1 11-678,4-8 588,0 4 0,0 5 180,4 1-270,1 3-90,9-13 2675,-4-1-2495,4-13-90,-5-1 0,0-4 90,0-4 1984,5-5-2074,-4-2 0,4-6 0,-5 6-90,0-6 90,5-6-90,-4-6-89,4-4-91,-5 1 180,-4 4-90,-5 0 180,-9 9-270,-2 1 90,-10 9 180,5-1 90,-2 5-180,0-3 0,8 7 180,-12-3 90,10 4-180,-5 4 180,12 1 0,-4 4-180,8 1 90,-3-1 180,4 4-180,0 2 0,4 4-90,-3-5 0,8-1-180,8-3-180,4-5-720,11-1 811,-8-4 89,-1 0-540,-9 0 270,4-4 450,-8 3 0,8-12 0,-4 3 0</inkml:trace>
+  <inkml:trace contextRef="#ctx0" brushRef="#br0" timeOffset="-9198.75">4987 7674 7533,'-4'-5'-90,"3"1"90,-3 4 2069,4 0-450,21 16-900,-8-3-89,18 14-450,-17-9-90,0-3 90,-5-2 0,-4-4-180,8 9 89,-11 2-1078,6 8 899,-8-5-1079,0-4 179,0 7-539,-8-6 360,-2 17 1169,-13-4 0,-1 0 0,-4-1 0</inkml:trace>
+  <inkml:trace contextRef="#ctx0" brushRef="#br0" timeOffset="-8593.75">3024 8409 7083,'18'-5'1889,"5"-3"-1529,-3 7-270,3-4 359,12 1-89,-8 3-469,17-3 244,-18 4 0,2 0-412,7 2 0,1 0 367,-1-1 0,0-1-90,-1 2 0,-1 0 0,8-2 90,5 0-90,5 0 45,-23 0 0,1 0 45,3 0 0,0 0 90,21 0-135,-24 0 0,0 0 45,23 0 0,0-4-413,-23 4 0,1-1 368,-4-1 0,0 0 45,4 2 0,0 0 180,8-2 0,1 0 45,0 1 0,0 1-225,-1-2 0,0 0-180,-2 2 0,-1 0 0,2 0 0,-1 0 90,-8 0 0,1 0 0,7 0 0,-1 0 90,8 0 0,-2 0 0,-12 0 0,0 0 89,13 0-220,-11-2 1,0 0 220,20 1-180,-7-4-90,2 5 180,-14 0 718,-8-4-718,3 3-180,-12-3-90,7 4 270,-12 0-990,4-4 540,-5 3 91,0-3 89,-4 4-364,0 0-2515,-5 0 2700,-13 0 359,6 0 0,-19 4 0,7 1 0</inkml:trace>
+  <inkml:trace contextRef="#ctx0" brushRef="#br0" timeOffset="-7026.73">3740 9004 7533,'0'-13'539,"0"3"-449,-4-4 90,3 5-90,-7 4 270,3-4 0,-9 4-90,-4-4 89,-6 4-179,4 1-180,-1-1-3277,10 4 3252,-6-3-419,6 8 444,-6-3 270,2 12-450,-7-3 270,6 5-180,-1 2 270,7-2-180,1 7 3262,4 2-3172,1 0 574,4-5-574,4-2-90,1-2 90,12 7 90,3-6-360,8 1 270,-4-11 90,11-2-90,3-13 45,-12 3 0,0-2-91,0-5 1,-1-2-835,13-10 700,-3-6 180,-11-9-180,0 8 90,-5-12 90,-2-1-180,-7 1 180,-2 6 0,-2-1-135,-5 11 0,-1 0-1475,1 0 0,-3 2 1520,-12-5-251,-8 4 71,-11 6-89,-10-2 269,9 14 163,3 5-433,13 4 0,0 4-450,-5 9 91,-1 7 3173,4 8-2904,3-8-89,12 1 449,0-10 0,5 10 0,0-1 0</inkml:trace>
+  <inkml:trace contextRef="#ctx0" brushRef="#br0" timeOffset="2576.27">4205 8753 7533,'-9'0'-360,"0"-4"450,3 3 180,2-3 89,4 4 91,-4 0-180,3 0 270,-3 0-180,0 0-270,3 0 89,-3 0 181,0 4-180,2 1 0,-2 4-90,0 1 0,3 3 270,-3 2-180,0 3-270,3 1 180,-7-1 89,7 1-89,-8 8 0,0 2-270,3 0 180,-7-2 0,8 0-89,-4 2-3188,4-5 2802,1 2 205,-1-11-270,4 3 90,-3-3 271,4-6-541,0-5 360,0-4 90,4 0 2583,2 0-2673,3-4-90,0 3 91,0-11 359,1 5 0,-1-10 0,0 2 0</inkml:trace>
+  <inkml:trace contextRef="#ctx0" brushRef="#br0" timeOffset="3566.27">4177 8725 7713,'-5'0'629,"1"0"-539,4 4 0,0-3 0,-4 4 180,3-1-180,-3 1 0,4 4 0,0 0 0,-4 1 0,2-5 0,-2 3 0,4-3 0,-4 17 89,-1-1-179,0 11 180,-3-4-180,7-5-90,-4-4 180,5 3-180,0-7 180,0 4-270,0-2 270,0-6-90,5 2 0,-4-8-90,7 4 90,-3-4-90,8 0 90,-2-1 0,2-4 0,-3 0-179,-1-4 179,4-1-180,-2-9 180,2 4-3277,1-3 2982,-4-1 25,7-9 0,-2-5 180,4-10 0,-5 9 270,-5 7-270,0 4 0,-4 4 0,0-1 180,3-2 0,-3 6-90,1-2 90,2-1 90,-7 4-180,7-3 90,-7 3-90,7-3 0,-6 2 0,2 2 90,0-3 0,-3 10-90,3-11 0,-4 12 270,0-3-270,0 12 3276,0 3-2621,0 7-385,-4 1-90,3-5-90,-3 4 180,4-4-90,-4 9 0,2 1-90,-2 0-180,4-2 180,0-7 0,0 3 0,0-4-90,0 0 179,0 12-89,0-13-270,0 8 270,0-11-90,0-1-90,0 0 1,4 1 89,-2-1-90,2-4-90,-4 3 0,4-7 180,-3 4-630,3-5 1,0 0 359,1 0-900,5 0 541,-1 0 179,0 0 90,0 0 360,1 0 0,-1-5 0,0 0 0</inkml:trace>
+  <inkml:trace contextRef="#ctx0" brushRef="#br0" timeOffset="4113.26">4699 8986 7533,'-6'0'270,"-2"0"269,7 0-449,-3 0 270,0 4 90,3 1-270,-3 0 0,0 3-1,2-2-89,-2 3 270,4 0-180,-4 5 90,3 4 0,-3 2-90,4-1-90,0-6-90,0-4 0,0 1 0,0-1-180,0 0 90,0 0 180,0 1-270,0-5 90,4-1 90,-3 0-630,7-3 180,-2 3 181,3-4-541,-4-4-89,8-1-181,-11-4 541,10 4 539,-11-4 0,7 0 0,-2-5 0</inkml:trace>
+  <inkml:trace contextRef="#ctx0" brushRef="#br0" timeOffset="4318.26">4643 8837 7533,'-10'0'180,"1"0"899,4 0 0,1 0-539,4 4-90,4-3-450,1 3 180,4 0-270,1-3 0,3 3-180,2-4 180,-1 5 90,0-4-90,-5 3 90,0-4 0,1 4 0,-1 1 0</inkml:trace>
+  <inkml:trace contextRef="#ctx0" brushRef="#br0" timeOffset="5452.27">5610 8251 7533,'-5'0'449,"1"0"1350,4 0-1619,8 0 0,-2 0 0,8 4 270,3-3-270,7 7-3392,1-3 3122,2 1-2089,-13-2 2269,4-4-106,-4 4-434,1-3-1092,2 3 1542,-6-4 463,10 0-1272,-5 4 719,3-3-1170,-10 3 827,-1 0 433,-7 2 0,3 3 0,-4 0 0</inkml:trace>
+  <inkml:trace contextRef="#ctx0" brushRef="#br0" timeOffset="5646.27">5601 8465 7533,'-4'9'359,"3"-4"-359,-4-1 0,5 1 990,0-4-1,0 3 91,9 0-361,5-3-449,6 3-90,-2-4 0,0 0-540,1 0 270,9 0 90,1-4-539,-2 3 269,0-3 360,-7 4-910,7-4 1,-7 3 0,2-4 0</inkml:trace>
+  <inkml:trace contextRef="#ctx0" brushRef="#br0" timeOffset="11729.27">6625 8093 7533,'-15'-4'1619,"6"3"-1439,5-4 90,4 5 179,8 0 181,7 0 0,13 0-451,0 0 91,0 0-90,-5 0-90,-1 5-90,-2-4 180,7 3-180,5-4 0,10 0 0,2 0-180,1 0 180,-16 0-1079,-6 0 179,-6 0-629,-6 0 270,-2 4 359,-5 1 900,-4 4 0,-8 1 0,-3-1 0</inkml:trace>
+  <inkml:trace contextRef="#ctx0" brushRef="#br0" timeOffset="12196.27">6671 8102 7533,'-18'5'-270,"3"-1"1169,2-4 1,3 0-540,5 0-1,-3 0 91,7 4-270,-3-3 180,4 8 90,4-4-91,1 4 91,13 5-270,-7-4-270,11 3-3187,-12 1 3342,8-4-1135,-8 4 980,8-1 180,0 2 0,10 7-90,0-2 0,0-1-360,-9-6-450,3 0 451,-11-2 179,2 2 2413,-4 5-2683,-12 1-1253,2 1 1344,-13 2-119,-9 0 298,3-1 0,-7 6 0,8-13-90,-16 16 180,9-12-90,-14 9 360,16-10-180,1-6 90,0 2 270,4-3-270,-4-1 0,8-4 0,2 3 360,4-7 2826,-1 8-2275,1-4-509,4 4-402,5 0 90,1-3 90,15 2 89,-4-7-89,11 3-180,-5-4 180,5 0 0,-3 0-90,2 0 270,9 0-181,-5-4-179,14 3 90,-11-3-1079,-1 4 449,-6 0 270,-7 0 90,-2 0-989,5 0 899,-7 0-1619,7 0 1799,-9 8 0,0-2 0,1 8 0</inkml:trace>
+  <inkml:trace contextRef="#ctx0" brushRef="#br0" timeOffset="12708.27">6550 8893 7533,'0'5'0,"0"3"629,0-3 91,0 5-270,0 3-270,0-3-1,0 4 271,0 3-90,-4 3-180,3 4-180,-3-1 180,0-1-360,3-6 180,-3 5-360,0-6 180,2-1 180,-2-4-899,4-6-361,0-4 721,4-13 269,-2 6-540,6-14 361,-7 10 449,7-23 0,-7 11 0,7-9 0,-7 15 180,8 3-91,0 0 451,1-1-90,8 2 629,-4 8-89,5 1-630,-9 4 89,3 4-269,-8 1 0,0 4-90,-1 5 90,0 4-90,-3 2 90,4-2 0,-5 0-180,0-3 90,0 3-90,0 5 179,0-3-988,0 2-720,4-7 359,1-6 1170,4-5 0,1-4 0,-1 0 0</inkml:trace>
+  <inkml:trace contextRef="#ctx0" brushRef="#br0" timeOffset="12914.27">6773 8967 9062,'9'0'989,"-4"0"-809,8 0-360,-3 0 90,5 0 0,2 0 90,-11 0-899,7 0 269,-4 4-539,-3 1 449,3 1 720,-9 2 0,0-3 0,0 4 0</inkml:trace>
+  <inkml:trace contextRef="#ctx0" brushRef="#br0" timeOffset="13098.27">6773 9107 7533,'0'5'270,"4"-1"809,-3-4 0,11 0-629,-5 0-450,6 0-540,13-8-719,-8 1 270,17-10 269,-16 7 360,0-4 360,-6 9 0,-3-7 0,-1 1 0</inkml:trace>
+  <inkml:trace contextRef="#ctx0" brushRef="#br0" timeOffset="13279.27">7024 8949 7533,'5'-6'629,"4"2"-179,-8 4 809,3 0-899,-4 4-180,0-3 180,0 8-180,0-4-180,0 4 180,0 5 0,0-4-450,0 3 270,0 5 0,0-7-360,0 11 270,0-12 90,0 4-90,0-5-1259,0 0 1349,0 5 0,0-4 0,0 4 0</inkml:trace>
+  <inkml:trace contextRef="#ctx0" brushRef="#br0" timeOffset="14176.27">6801 7460 7533,'0'10'719,"-4"7"-359,3-6 0,-3 11-3637,-1-7 1253,4 3 3703,-7 13-1409,3-1-135,-1-1 0,-2 0-135,-2 8 0,2-8 0,-1-1 0,-1-2 859,-3 9-1398,-1-7 179,4-3 270,0-2-450,2-10 3482,7-8-4021,-7-1 1079,7-4 0,-7-8 0,2-2 0</inkml:trace>
+  <inkml:trace contextRef="#ctx0" brushRef="#br0" timeOffset="14408.27">6745 7600 7533,'9'0'0,"1"0"359,-1 0 271,4 4-180,2 1-90,-1 8-1,0-2-89,-5 2 90,0 5-180,1-3 0,-1 4-90,0 3 0,1-3 90,-1 1-1530,8 10 991,-9-22 179,8 13 90,-15-20-990,8 3 91,-4-4 989,0 0 0,3 0 0,-3 0 0</inkml:trace>
+  <inkml:trace contextRef="#ctx0" brushRef="#br0" timeOffset="15063.27">7089 7442 7623,'-4'9'1079,"3"4"-809,-7 2-90,3 3 0,0-3 0,-4 2-90,8-6 89,-3 6 91,0-2-270,3 8 180,-7-4 0,7 4-270,-8-5 90,8-3-90,-3 3-180,0-4 180,3 5 0,-7-5 180,7 4-899,-3-8 269,-1 12-719,4-7 1259,-3 4 0,0-6 0,-1-3 0</inkml:trace>
+  <inkml:trace contextRef="#ctx0" brushRef="#br0" timeOffset="44059.27">5452 5051 7533,'-11'-10'2338,"3"-3"-1978,8 12 0,4-3 360,26 4-541,-6 0 91,25-4-180,-12 3 0,-7-3-568,5 4 298,-3 0 270,-6-4-180,9 3 70,-7-4 20,-3 5-90,2-4 0,-4 3-3187,0-3 3028,5 0 148,-8 3-708,-2-3 539,-13 4 90,-1 0-796,0 0-1003,-3 0 1979,-9 8 0,-4-2 0,-10 8 0</inkml:trace>
+  <inkml:trace contextRef="#ctx0" brushRef="#br0" timeOffset="44649.27">5489 5144 7533,'-9'0'899,"4"0"1,0 0 809,5 0-1439,9 4 89,1 1-539,5 5 180,6 7-90,-5-1 1,6 2-91,-3 0 0,0-8 270,-5 4 0,8-1-270,-7 2 180,4 3 0,-6 1 0,-7 3 0,-2 2-90,-8 4-3187,-2-8 3162,-3 1 25,-8-2 90,1 9-180,-7 1 180,9-5 0,0-7-90,5 1-180,-4-3 3546,2 8-3340,-2-8-26,8-2 0,-4-4 180,8-4-180,-7 0 0,7-1 90,-3-3-90,4 3 180,0-4-90,4 4 360,1-3 0,9 3 270,8-8-361,-5 3 181,21-7-180,-20 3 90,13-1-180,-4-2-90,6 3 90,5 0-540,4-3 90,-14 7 180,-5-4 0,-5 5-450,-8 0 1,8 0-271,-8 0 91,4 5 89,-5-4-449,-4 3 269,-1 0 810,-4-3 0,0 7 0,0-3 0</inkml:trace>
+  <inkml:trace contextRef="#ctx0" brushRef="#br0" timeOffset="45412.27">5424 5907 7533,'-5'0'-990,"-4"0"451,8 0 1528,-3 4-359,4 1-91,0 8-449,0-6 90,0 5 90,0-7-180,0 5 90,0 7-90,0-1 90,0 6-90,0-7-180,0-2 0,0-8 180,0 4-450,0-4 90,0 0-539,0 3 449,0-7 90,0 3-360,4-4 1,-3-8 629,4-2 0,-5-9 0,4 1 0,-3-1 0,3 0 0,0 1 90,1 3 449,0 2-269,-1 4-90,1 3 0,-4-2 360,7 7-1,-3-7-179,4 7-180,1-3 180,-1 4-360,0 0 0,1 0 90,-5 0-90,3 4 90,-7-3-180,3 7 270,-4-3 179,0 17-269,0-5 0,0 5 0,0-4-90,0-12 0,0 15 0,0-14-180,4 11 0,-3-9 180,4 0 90,-5 0-899,0 1-91,4-1 181,1-4 89,0-1 90,3-4 540,-2-4 0,-1-1 0,-1-4 0</inkml:trace>
+  <inkml:trace contextRef="#ctx0" brushRef="#br0" timeOffset="45633.27">5619 5916 7803,'14'0'1169,"-4"-4"-1439,8 3 270,-12-3-630,6 4 271,-2 0-721,0 0 1080,-1 4 0,-5 1 0,-4 4 0</inkml:trace>
+  <inkml:trace contextRef="#ctx0" brushRef="#br0" timeOffset="45834.27">5629 6018 7533,'5'6'1979,"3"-2"-1530,-7-4-449,7 0 90,-2-4 180,3 3-540,4-8 180,2 4-539,8-4-631,-4 4 1260,12-8 0,-10 7 0,6-8 0</inkml:trace>
+  <inkml:trace contextRef="#ctx0" brushRef="#br0" timeOffset="46050.27">5871 5879 7533,'0'-5'1979,"0"0"-900,0 5-989,0 9 270,0 1-360,0 9-90,0 3-90,0-2 90,4 3-720,-3-5 271,3 1-901,-4-4 1171,4-2-811,-3-4 1080,3 1 0,0-1 0,2 0 0</inkml:trace>
+  <inkml:trace contextRef="#ctx0" brushRef="#br0" timeOffset="46685.27">5582 4521 7533,'-5'18'0,"-3"5"0,3 5 1439,-5 1-180,1 7-989,0 1-270,-1 2-270,-3 2 0,2-4-269,-2 0-271,4-8 270,-1-2-179,5-12 179,1-6-179,0-5 719,3-16-820,-3 4 1,4-13 0,0 6 0</inkml:trace>
+  <inkml:trace contextRef="#ctx0" brushRef="#br0" timeOffset="46910.27">5545 4642 7533,'13'-10'989,"-2"5"-539,2 1 90,-4 8-181,1 1 1,-1 9 0,0 0-180,1 1-450,3 2 180,-3-6 90,0 2 0,-2-4-630,-3 1-449,13 7 629,-3-5-629,4 1 1079,-1-9 0,-8-4 0,3 0 0</inkml:trace>
+  <inkml:trace contextRef="#ctx0" brushRef="#br0" timeOffset="47168.27">5843 4456 7533,'0'-6'1349,"0"2"-1169,-4 4 180,3 4 89,-8 2-179,8 7 270,-7 6-180,7 0-1,-3 12-359,0-2 0,-1 8-269,-5 1-226,1-9 0,1 0-584,0 5 449,-4 9-989,12-25 799,0-8 1,0 8 0,0-4 0</inkml:trace>
+  <inkml:trace contextRef="#ctx0" brushRef="#br0" timeOffset="48260.27">6206 4995 7533,'-5'0'-1170,"1"0"1080,-1 0 270,4 0-90,-3 0 0,0 0 0,3 0 180,-3 0 90,0-4-270,3 3 0,-3-3 90,4 4 179,-5 0 1,4 0 1619,-3 0-1709,17 0-270,2 0 270,13 0-180,0 0 90,4 0-90,-3 0-1,3 0 91,-4 0-90,-8-4-180,1 3 90,2-3 90,-6-1-270,9 4-269,5-7 269,-9 3-360,14 0-179,-22 1 179,-5 4-90,0 4 1,-8 1-451,3 4 1080,-12 5 0,-3-4 0,-7 3 0</inkml:trace>
+  <inkml:trace contextRef="#ctx0" brushRef="#br0" timeOffset="48952.27">6206 5098 7533,'-9'0'-90,"3"-5"180,2 4-90,4-3 1439,0 4-989,4 8-270,-3-1 89,8 10 91,-4-6-90,8 2 90,-2-4 0,6 1 89,-2-1 1,3 0-270,1 0-990,0-3 361,-5 2 269,4-3 90,-8 4 0,-1 1 90,-5-1 0,1-4 0,-4 3 0,3-2-90,-4 7 90,-4 2-3277,3 3 3072,-8 1 25,0 3 90,-6 6-90,-3 1 90,3-1-90,2-5 90,0 0 3366,-2-4-3160,-4 4-205,1-4 268,3-5-269,2-5 90,8 0 90,1-8-90,4 3 90,0-4-90,0 4 0,0-3 0,4 3 180,-3-4 0,11 0-180,-6 0 180,8 0 0,3 0-90,-5 0 90,5 0 0,1 0 0,-3 0-1,12-4 91,-7-1-270,7 0 180,-3 1-180,4-1-90,0 4 90,-5-3-3277,0 4 3072,-8 0 25,2 0-179,-7 0 359,4 0-90,-5 0-180,0 0-90,1 0 0,-5 4 0,3-3 3123,-7 4-3303,8-5-449,-8 0 779,3 0 0,-4 0 0</inkml:trace>
+  <inkml:trace contextRef="#ctx0" brushRef="#br0" timeOffset="49618.27">6252 5907 7803,'-5'5'1529,"1"3"-900,-4 6-719,6-3 270,-7 11-90,9-12-90,0 3 90,0 5 90,0-7-180,0 7-90,0-5 90,0-2-90,0-2-90,5-1-180,0-3-179,0 5-1,3-5-449,-3-1 629,1-8 0,2 3-719,-7-11 259,3 5 1,0-10 0,1 2 0</inkml:trace>
+  <inkml:trace contextRef="#ctx0" brushRef="#br0" timeOffset="49827.27">6141 5832 7533,'0'-9'1259,"0"4"-1079,0 1 0,4 4 180,1-4 89,17 3-359,-10-8-90,14 8-90,-16-3 0,8 4 0,-12 4-899,7-3 269,-8 8 540,4-8 180,0 7 0,1-7 0,-1 3 0</inkml:trace>
+  <inkml:trace contextRef="#ctx0" brushRef="#br0" timeOffset="50036.27">6327 5888 7533,'0'5'1079,"0"-1"-629,0-4-180,4 0-450,5 0 0,2 0 90,2 0 0,-4 0-1259,9 0 629,-7 5 720,7 0 0,-13 4 0,-1 0 0</inkml:trace>
+  <inkml:trace contextRef="#ctx0" brushRef="#br0" timeOffset="50233.27">6392 6018 7533,'0'11'1079,"0"-3"-449,-4-8-270,3 0 359,-3 0-809,12-4-270,6-1 270,2-5 270,2 5-1619,-1-3 1169,-5 3-809,9-5 1079,-6 1 0,-1 0 0,0-1 0</inkml:trace>
+  <inkml:trace contextRef="#ctx0" brushRef="#br0" timeOffset="50435.27">6578 5907 7533,'0'-5'180,"0"0"2338,0 5-2338,4 5 270,-3 4-3727,4 1 2482,-5 4-344,0-5 959,0 0 90,0 9 0,0 1 0,0 9-809,0-4 2538,4-1-2809,-3-5 2943,7 1-1773,-3-9 0,4-1 0,1-9 0</inkml:trace>
+  <inkml:trace contextRef="#ctx0" brushRef="#br0" timeOffset="51138.27">6327 4521 7533,'0'-5'0,"0"0"2248,0 5-2068,0 13-90,0-6 90,0 19-90,-4-2 0,3 13-90,-3 1-90,4 8 90,0-16-180,0 1-180,0-5-2917,0-5 2443,0 2 474,0-1 180,0-7-629,0 0-1,4-3 810,1-11 0,0 3 0,-1-4 0</inkml:trace>
+  <inkml:trace contextRef="#ctx0" brushRef="#br0" timeOffset="51538.27">6588 4586 0,'0'-9'0,"0"-1"2412,0 5-2232,0 1 1409,0 4-1140,-5 0-269,4 0-90,-7 0 1130,3 0-1041,-9 4 3097,0 1-3339,-21 17-117,8-6 180,-13 11-90,16-8 0,1 0 90,9-5-90,0-1 90,5-3 0,4-5 0,0-1 180,5-4-90,0 4 269,0-3 91,5 3-180,0 0 0,4-2 90,5 6 89,0-7-89,9 7-90,1-7-360,-5 3 0,3-4-360,-3 0 271,0 0 89,0 4-1350,7-3-1837,-14 4 2083,14-5-106,-16 0 491,8 4 632,-8-3 1,8 3 0,-4-4 0</inkml:trace>
+  <inkml:trace contextRef="#ctx0" brushRef="#br0" timeOffset="53413.27">6913 5153 7533,'-10'0'-270,"5"0"1889,1 0-899,4 0-451,8 0-89,-2 4 0,12-3 90,1 8 0,-4-8-360,7 3 180,-8-4-90,5 0-90,-5 4 90,4-3 0,-4 3-90,5-4-90,-4 4 270,-2 1-180,-4 1-90,-4-2 270,0 0-450,-1 1 360,-3 9-90,3 0 0,-4 0 180,0 0-180,-4-1 90,-1 2 0,-1-1-90,-6 8 90,6-7 0,-8 8-89,1 0 89,3 1 0,-8 4 0,3 0 0,1-5 89,1-4-89,7-6 0,-2 1 0,7-4 0,-3 4 0,4-9 90,0 3-90,0-7 270,0 3-90,4-4-90,-3 0 90,7 0 0,-7 0-90,8 0 180,-4 0-90,4 0-90,-4 0-1,4 0 1,0 0 0,-3 0 0,7-4 0,-8 3-90,4-3 180,5 0-90,-4 3-90,3-3 180,1 4-180,0-5 180,5 4-360,-1-3 270,-3 4-90,-2 0 0,-3 0 90,-1 0-360,-4 0 0,8 0-269,-11 0 269,10 0 90,-11 0-1079,7 0 179,-7 0-359,8 0 1439,-8 0 0,7-8 0,-3-2 0</inkml:trace>
+  <inkml:trace contextRef="#ctx0" brushRef="#br0" timeOffset="54086.27">7015 4800 7533,'-5'0'-180,"-4"4"540,4 1-1,-4 4-89,0 5-90,-1 0 90,5 5-270,-3-5 180,7 0-90,-7-5-180,7 0 0,-8 5 180,8-4 0,-7 4-450,7-9 180,-3 3 180,4-3-90,-4 0-629,3 4 359,-3-8 90,4 3 270,0-4 0,0 0 0</inkml:trace>
+  <inkml:trace contextRef="#ctx0" brushRef="#br0" timeOffset="54308.27">6996 4818 7533,'5'0'809,"0"0"1,-5 0-91,4 5-269,-3 0-360,7 4 0,-7-4 90,3 3-180,0-7 180,2 12 0,-1-11-900,3 10 270,-3-6 450,4 3-1349,-3 0 1349,6 0 0,-6 5 0,8 0 0</inkml:trace>
+  <inkml:trace contextRef="#ctx0" brushRef="#br0" timeOffset="55245.27">7294 5479 6723,'0'9'810,"0"5"-540,0-8-181,0 6 271,0-3 0,0 2-270,0 2 90,0-3 0,0 3-270,0-3 180,-4 4 0,3-5-180,-3 5 180,0-4 90,3 3-90,-3-3-360,4-1 90,-5 4 270,4-2-450,-3-2 180,4-5 0,0 0 90,0-3-989,0 3 809,4-8 0,-3-5-180,8-10 361,-8 4-1,3-3-90,-4 5 180,4 3 0,-3-8 0,3 3 90,-4-3 0,0 7-90,4-1 539,-3 7-359,4 0 360,-5 1-90,0 0-271,0 2 91,4-2-180,-3 4 360,3 0-270,0 0 0,-3 0 90,7 0 0,-7 0-91,8 0 1,-8 0-90,7 4 90,-7 2-90,3-1-90,0 3-90,-3-3 270,3 5-90,0-5-180,-2 3 90,2-3 90,-4 4-540,4 1 90,-3-1-359,7-4 359,-7 4-180,7-4-719,-7 4 450,8 0 809,-8 5 0,7-8 0,-3 2 0</inkml:trace>
+  <inkml:trace contextRef="#ctx0" brushRef="#br0" timeOffset="55566.27">7480 5693 8342,'0'5'540,"0"3"-360,0-7-90,0 8 0,0-4-90,0 0 0,0 3 90,0-7-720,0 12 0,0-7 450,0 3-89,0-1-541,0-7 450,0 3 360,0 1 0,0 0 0,0 4 0</inkml:trace>
+  <inkml:trace contextRef="#ctx0" brushRef="#br0" timeOffset="56121.27">7555 5563 8342,'0'5'180,"0"3"0,0-3 0,0 13-270,0-7 90,0 11-180,0-12 180,0-1 90,0 0-540,0-8 90,0 3-809,4 0 809,-3-3 360,3 3 0,-4-8 0,0-1 0</inkml:trace>
+  <inkml:trace contextRef="#ctx0" brushRef="#br0" timeOffset="56351.27">7499 5414 7892,'0'5'1080,"0"-1"-900,0 0-180,4-3 450,1 7-810,0-7-180,4 4 270,-4-1-719,4 1 989,1 0 0,-1 3 0,0-2 0</inkml:trace>
+  <inkml:trace contextRef="#ctx0" brushRef="#br0" timeOffset="58397.27">7713 4567 7533,'-5'0'-270,"-3"0"810,7 0 1528,-3 0-2068,12 0 0,-2 0 180,7 4 0,5-3 90,2 8-180,8-8-90,4 3-180,-12-4 180,2-4-360,-4-1 90,-3-5 270,4 5-809,-10-3 89,-1 7-539,-2-3 1259,-1 4 0,-5 4 0,-6 1 0</inkml:trace>
+  <inkml:trace contextRef="#ctx0" brushRef="#br0" timeOffset="59430.27">7769 4632 7533,'-9'0'-810,"3"4"810,2-2 90,4 2-90,-4 0 450,3-3 90,-3 7-91,4-3-359,0 5 270,0-5 0,0 7 0,4-6-1,-3 12-179,3-4 0,-4 9 0,0-7-270,0 1 90,0-3-90,0-4 90,0 8 0,0-4 90,0 0-270,0 4 90,4 5 0,-2 6 0,2 8-296,-4-8 296,0-2 90,0-13 0,0 4 90,0 5-90,0 1 180,0 13-90,0-9-90,0 4 90,-4-8 386,2-1-386,-2 0-90,0 5 90,3 5-90,-3 0 0,4-5 0,0-6 0,0-7 0,0 2 0,0 2 0,0 1 0,0 2 0,0-3 90,0 4-90,0-12 0,0 6 0,0-12 90,0 4-90,0 5-90,0-4 180,0 3-180,0 1 90,0-4 90,0 4-180,0-1 180,0-3-90,0 4 0,0-5-180,0-4 180,0 8 0,0-7 0,0 3 0,0-1 0,0-7 0,0 8 0,0-8 0,0 3 0,0 0 0,0-3 0,-4 3 0,3 0 0,-3-3 0,4 3-90,0 1 90,0-4-90,0 7 90,0-7 270,0 3-90,0 0-180,0-3 180,4 3 90,-3-4-180,7 0 89,-3 0-89,1 0 90,2 0-90,-3 0 0,4 0 0,1 0 180,-1 5-90,0-4 90,5 3-180,0-4 270,5 0-181,-5 0-89,4 0 90,-8 0-360,4 0 360,-5 0-450,0 0-539,-4 0 89,4 0-1169,0 0 1889,1 0 0,4 4 0,-5 1 0</inkml:trace>
+  <inkml:trace contextRef="#ctx0" brushRef="#br0" timeOffset="64745.27">7573 8149 7533,'0'-6'1439,"0"2"-1259,0 0 270,5 3 89,0-7-359,4 3 270,0-1-3727,34-2 3292,-21 7-105,25-3 1039,-28 4-679,8 0-450,-7 0 90,7 0-180,-4 4 270,-3-3-90,-2 3-809,4-4 539,-11 0 90,7 0-1259,-9 0 810,1 4 179,-5-3 540,-1 4 0,-4-1 0,0 1 0</inkml:trace>
+  <inkml:trace contextRef="#ctx0" brushRef="#br0" timeOffset="65279.27">7583 8214 0,'-15'4'0,"2"-3"2862,4 3-2233,3-4-269,2 0 90,0 0-90,3 4 1678,-3-3-1768,8 7 859,1 2-769,9 0 2916,4 8-2800,2-8-296,3 3-360,12 1 0,-8 0-90,13 1-269,-24-6 269,0-1-450,-15-3 270,3 9 91,-4 0 89,-12 9 90,5-7 0,-15 5-90,-1 2 90,-6 2 90,-4 7 270,1-8-1853,12-6 1853,3-4-90,8-5 90,-5 0 90,8 1-270,-2-5 180,8-1 0,0-4 1583,4 0-1494,-3 0-269,7 0 450,-3 0-270,9 0 450,0 0-361,5 0-89,-1 0 0,1 0 90,0-4 90,8-1-180,1-5 0,1 5-90,-2-3-90,0 7 180,-6-7-810,2 7 180,-2-4-539,-5 1 179,7 3 540,-13-3-539,2 4-91,-6 0 1,-1 0 449,-1 0-269,-4 0 719,0 4 0,0 1 0,0 5 0</inkml:trace>
+  <inkml:trace contextRef="#ctx0" brushRef="#br0" timeOffset="65871.27">7564 8967 6903,'0'5'720,"0"4"-451,0 0-179,0 1 90,-4 4 180,3-1-90,-3 2-180,4 3 0,0-3 0,0-2-90,0-4 180,0 1-180,0-1-90,0-4 180,0 3-450,4-2 180,1-1 90,0-1 90,4-4-450,-4 0 180,4 0 181,0-4 89,1-1 0,-1-9 0,0 0 0</inkml:trace>
+  <inkml:trace contextRef="#ctx0" brushRef="#br0" timeOffset="66084.27">7592 8809 0,'-13'-9'0,"2"4"2322,2-4-1602,5 8-271,4-3 2310,0 4-2939,4 4 949,5-3-1129,10 8 91,-4-8 179,3 3 0,-9-4-990,5 0 541,-4 0 89,4 0 270,-1 4 180,-3-3 0,4 7 0,-5-3 0</inkml:trace>
+  <inkml:trace contextRef="#ctx0" brushRef="#br0" timeOffset="66259.27">7750 8828 7533,'0'5'359,"4"-1"-1078,2 0 449,-1-3 1170,3 3-91,-3-4-719,9 0-180,-8 4-630,10 1 361,-9 1 179,2 2-630,-5-7 361,-4 7 449,0 6 0,-4-3 0,-1 7 0</inkml:trace>
+  <inkml:trace contextRef="#ctx0" brushRef="#br0" timeOffset="66412.27">7741 9023 7533,'-5'9'2248,"5"-4"-1618,13-5-450,-1-1 0,18-11-630,-14 2 270,11-5 270,-12 2-1979,2-1 1350,-2 0 539,-5-5 0,7 5 0,-7 0 0</inkml:trace>
+  <inkml:trace contextRef="#ctx0" brushRef="#br0" timeOffset="66596.27">7946 8762 7982,'5'0'2069,"-1"5"-1709,-4 4 719,0 38-899,0-20-45,0 2 0,0-2 45,0-7 0,0-2 0,0 4-2519,0-11 540,0 15 1799,0-6 0,4 4 0,1-2 0</inkml:trace>
+  <inkml:trace contextRef="#ctx0" brushRef="#br0" timeOffset="67854.27">7667 7525 7533,'-6'4'719,"2"-3"-539,0 8 270,3-4 0,-3 8-180,4 2-91,0 3 1,0-3 0,0 15-180,-4-8 90,3 14-180,-7 8 90,6 1-1398,-2-2 859,4-4 143,0-11-324,0-3 271,0-2 269,0-10-540,4-4 720,14-3 0,-1-11 0,10-5 0</inkml:trace>
+  <inkml:trace contextRef="#ctx0" brushRef="#br0" timeOffset="68163.27">7899 7618 7533,'0'-5'-90,"0"1"719,0 0-269,-4 3 0,-1-3 0,-13 4 0,-1 8-270,-13 2-90,7 5 89,-2-2 181,4 1-180,-1 4-270,1 2 180,4-1-90,6-2 0,7-7 90,2 0 90,4-2-90,0 1 270,4 2-180,6 2 180,8-4-180,-2 1 0,6-5 180,9 3-450,-9-3 90,9 0-720,-9 0 451,-6-1 179,2-3-1170,4 3 1350,-2-4 0,3 4 0,0 1 0</inkml:trace>
+  <inkml:trace contextRef="#ctx0" brushRef="#br0" timeOffset="69643.27">8457 8204 7533,'0'-5'-900,"0"-3"1170,-4 3 180,3-5-180,-3 5 89,4 1-89,0 0 0,0 3 450,0-3-181,0 0-269,8 3 90,2-3-180,9 4-180,-5 0 450,8 0-540,-6 0 180,6 0-270,1 0 90,-7 0 90,5 0 90,-6 0-180,-1-5 180,4 4 0,-12-3-450,7 4 90,-8 4-180,4 1 91,0 5 179,-3-1-90,-2 0 180,-4 5 0,-4-4-90,-2 12 90,-3-7 0,0 4-180,-9 7 360,7-10-270,-11 15 270,3-11 0,4-1-180,-3-2 180,9-11 0,0 7 90,-1-4 0,1 1-180,4 0 180,-3-2 0,7-3-180,-3 0 90,4 4 0,0-8 0,0 7 269,8-7-269,-2 7 180,12-7 90,-8 3 0,12-4-90,-3 0-180,1 0 89,2 0 1,-4-4 90,6-1-180,-4-4 90,1 4-540,-10 1 180,-2-1 180,-1 4-1079,-3-3 539,5 4-989,3-4 810,-7 3 359,7-3 0,-8 4 360,0 0 0,4-4 0,-4-1 0</inkml:trace>
+  <inkml:trace contextRef="#ctx0" brushRef="#br0" timeOffset="72533.27">8988 8437 7533,'19'-5'2338,"-5"1"-2158,-10 8-270,0-3 360,-3 11-360,3-6 90,-4 8-90,0-5 0,0 5-359,0 0 89,4 0-180,-3 0 90,4-5-359,-1 1 449,-3-5-719,7-1 1079,-7-4 0,7 0-820,-7 0 1,8-4 0,-4-1 0</inkml:trace>
+  <inkml:trace contextRef="#ctx0" brushRef="#br0" timeOffset="73331.27">8932 8418 6903,'-5'0'-180,"0"0"450,1 0 0,3 0-90,-3 0 0,4 4 269,0-3-269,0 8 90,0-4-270,0 4 0,0 1 90,0 3 180,0-3-270,0 8 90,0-8-90,0-1 0,0 4 90,0-3-180,0 5 90,0-2 0,0-4 90,0 1-90,-4-1 90,3-4-360,-3 3 90,4-6-1349,0 2 1259,4-8 0,1-2-90,0-3 91,4-4 269,-8-2 0,7-8 0,-3 4 0,0 0 0,-1 6 0,0-5 90,2 11 269,-1-10 91,-1 12-180,-4 0 180,4-3 359,1 3-269,1-1-180,2 2-270,-7 4 90,7 0-91,-7 0 361,7 0-450,-2 0 0,3 0 0,-4 0-90,-1 0 90,-4 0 0,4 4-180,-3-3 270,4 8 0,-5-8 0,0 7 0,0-3-90,0 5 270,0 3-180,0 1 180,0 5-90,0 0-90,0-5-180,0 0 0,0-5-270,0 0 0,0 0 360,0 1-629,0-5 359,0 3 90,0-7-90,4 3-360,-3-4 181,3 0 179,0 0 0,-3 0-180,3 0 180,0 0-179,-3 0 449,8 0 0,-4 0 0,4 0 0</inkml:trace>
+  <inkml:trace contextRef="#ctx0" brushRef="#br0" timeOffset="74035.27">9202 8595 7533,'-11'19'2788,"-1"-5"-2698,7 0 90,-4 3-360,-1-6-450,1 11-809,4-11 540,-4 2 539,8-8-360,-3-1 720,4-4 0,0 4 0,0 2 0</inkml:trace>
+  <inkml:trace contextRef="#ctx0" brushRef="#br0" timeOffset="74734.27">9388 8456 7533,'-5'0'1979,"1"4"-1889,4-3 89,0 7 181,-5-3-180,4 9-90,-3 4 0,0 2 0,3 3-180,-3-9 0,4-1 0,0 1 180,0-4-450,0 4 90,0-5 180,0 0-539,0 1 269,0-5 90,0-1-1079,0 0 539,4-3 810,1-1 0,5-5 0,-1-4 0</inkml:trace>
+  <inkml:trace contextRef="#ctx0" brushRef="#br0" timeOffset="74777.27">9351 8325 984,'25'10'0,"0"0"0,18 7 0</inkml:trace>
+  <inkml:trace contextRef="#ctx0" brushRef="#br0" timeOffset="75931.27">8606 7702 6892,'-24'38'54,"0"0"0,0 0 0,0 1 0,1-1 0,12-16-1403,11-20 1304,4 6 45,1-16 0,8 2 0,2-8 0</inkml:trace>
+  <inkml:trace contextRef="#ctx0" brushRef="#br0" timeOffset="76133.27">8634 7702 7533,'14'-5'2968,"-4"9"-2518,-2 6-90,1 25-360,-3-16-2699,11 19 1890,-11-30 359,8 8 450,-5-11 0,0 0 0,1 0 0</inkml:trace>
+  <inkml:trace contextRef="#ctx0" brushRef="#br0" timeOffset="80021.27">9759 8214 7533,'-5'0'0,"-3"0"719,7 0 541,-3 0-1170,4 4 89,0-3-1258,0 3 269,4-4 810,-3 0 0,7 0 0,-3 0 0</inkml:trace>
+  <inkml:trace contextRef="#ctx0" brushRef="#br0" timeOffset="119766.27">10160 7916 7533,'-5'0'0,"-8"8"0,11-2 0,-14 12 0,9 1 1439,-10 4-90,6 5-989,-6 8 90,7 7-497,1-18 1,0 2 136,3 1 0,2-1-2919,-6 17 2829,2-4-2215,7-12 2395,-3 0-1721,4 0 1541,0-4 85,0 15-265,4 0 180,1 13-270,9-6 225,-8-17-135,6-3 1607,-2-11-1697,0-1 180,3-1 0,-3-3-941,-5-5 851,3-1 1712,-3 0-2162,5-3 271,-1 3-1440,8-4 1439,-5 0 360,1-4 0,0-1 0,-3-4 0</inkml:trace>
+  <inkml:trace contextRef="#ctx0" brushRef="#br0" timeOffset="120367.27">10337 8297 7533,'-10'0'-540,"5"0"540,1 0 2788,4 0-2248,0 4 0,8 2-360,-2-1-180,8-1 180,-1-4 89,2 0-269,-1 0 180,4 0-270,-4 0-90,9 0-449,-3 0-630,7 0 629,-12 0 270,3 0-1259,-1 0 1619,-5 0 0,5 0 0,-7 0 0</inkml:trace>
+  <inkml:trace contextRef="#ctx0" brushRef="#br0" timeOffset="121633.27">11025 8316 7533,'-5'0'90,"1"0"1529,4 0-1080,8 0 181,3 0-360,7 0 0,5 0-270,-3 0 89,7 0 1,-12 0 0,7 0-180,-3 0 0,4 0-719,21 0-181,-16-4-719,11 3 989,-24-3 181,-6 4-451,-1 4 900,-7 1 0,-1 4 0,-5 1 0</inkml:trace>
+  <inkml:trace contextRef="#ctx0" brushRef="#br0" timeOffset="122008.27">11109 8456 0,'-5'4'0,"1"-3"2210,4 3-501,0-4-107,4 4-1152,1-3 963,9 3-1233,-4 0 3096,8 1-3022,-8 5-667,3 3 143,-7 2 270,-2-1-720,-4 12 541,0-14-181,-4 18 0,-2-14 90,1 2 0,-3-4 90,3-5 270,0-4 180,1 4-180,4-8 270,0 3-90,4-4 0,5 0-180,1 0 0,4 0-1,-5 0-89,4 0 180,2 0 90,7 0 0,2-4 0,-5-2-180,-1 1-90,-9-7 0,1 2 0,-1-9 0</inkml:trace>
+  <inkml:trace contextRef="#ctx0" brushRef="#br0" timeOffset="122279.27">11147 7944 7533,'-10'-20'180,"5"3"-1,1 7 631,4 1-360,0 4-90,0 1 539,0 4-629,4 0 90,-3 0-180,7 4-3393,-7 1 3393,4 4-259,-1 1 259,-3 3-90,3 6 0,0 4-2003,-3 1 1373,3-1 2543,-4 0-2093,0-8-1079,0 7 439,4-3 730,6 4 0,0-3 0,3-2 0</inkml:trace>
+  <inkml:trace contextRef="#ctx0" brushRef="#br0" timeOffset="123134.27">11714 8297 7533,'-6'0'0,"2"0"-90,4 0 0,9 0 0,1 0 0</inkml:trace>
+  <inkml:trace contextRef="#ctx0" brushRef="#br0" timeOffset="123858.27">11956 8102 7533,'-6'0'0,"2"-4"180,4 3 2608,0-3-2518,4 4-90,-3 0 90,12 0-1,1 0-179,2 0 90,6 4-3392,-12-3 3122,3 7 90,5-3-90,-3 9 0,8 0 0,-12 5 0,-3 4 0,-8 0 3366,-4 5-3339,3-4-117,-8-5 180,4-6-180,-4 0-90,-5 2 270,8 4-180,-6-5 0,3 4 90,-2-8 0,-2 3 90,-1-3 90,8-5-90,-2-1 90,8 0-90,0-3-90,0 3 360,4-4 0,1 4 90,4-3-1,5 8-269,-8-8 270,7 3 180,-4-4-270,1 0 90,4 0-91,3 0-3546,-5 0 3522,5 0-245,-3 0 90,0 0-719,5 0 359,-5 0 90,0 0-1169,-5 0 2312,0 0-2402,5 0 1439,-4-4 0,4-1 0,-5-5 0</inkml:trace>
+  <inkml:trace contextRef="#ctx0" brushRef="#br0" timeOffset="124812.27">12626 8260 8972,'-5'0'719,"1"0"-269,4 4-720,0-3 180,0 3 90,4-4 0,1 5 0,4 0 0</inkml:trace>
+  <inkml:trace contextRef="#ctx0" brushRef="#br0" timeOffset="128345.27">12876 7981 7533,'-5'0'809,"1"0"-179,4 4-270,4-3 179,10 3-89,9 1-90,11-4-180,3 3 270,0-4-450,-4 0-90,-1 0 269,-8 0-718,-5 0 179,2 0-2917,-5 0 1543,2-4 1194,4 3-449,-15-4 359,10 5 270,-16 0 360,7 0 0,-3 0 0</inkml:trace>
+  <inkml:trace contextRef="#ctx0" brushRef="#br0" timeOffset="128871.27">12914 8056 7533,'-10'5'0,"5"-1"0,1-4 539,4 0 361,0 4-91,0 1-629,0 4 90,4-3-90,1 2 90,5-3-90,-1 0-90,0 3 270,9-2-181,1 3-3456,1 0 3162,2 0-480,-12-3 505,8 2-270,-4-3 180,1 4 90,-2-3-359,-4 6 89,-3-2 3186,2 9-2916,-7 0 442,-1 3-442,-5-6 0,-5 5 0,-3-2 0,-1-3 180,-1 5-270,-7-6 180,7 3 0,-4-3 0,-3 2 90,-5-2-90,9-1 90,-7-4-90,20-2 360,0-7-360,1 7 270,4-7-270,0 3 269,0 1-269,0-4 90,4 3 180,1 0 0,4-3-180,5 3 360,0-4-270,1 0 90,2 0 89,2 0-89,1 0 0,6 0-90,-10 0-270,6 0 90,-8 0 180,1 0-450,-2 0 180,1 0 180,-4 0-720,3 0 181,-3 0-1,-1 0 180,-4 0-989,3 0 629,-7 0 180,4 0-899,-1 0 1349,-3 0 0,3 0 0,-4 0 0</inkml:trace>
+  <inkml:trace contextRef="#ctx0" brushRef="#br0" timeOffset="129712.27">13379 8549 7982,'-5'5'1799,"1"3"-1349,4 1-270,0-3-270,0 7 270,0-4-90,0 2-180,0 2 0,0 0 270,0-2-540,0-2-90,0-1-449,0-3 269,0 5 91,4-5 269,-3-1-540,7-4 810,-7-8 0,8 2 0,-4-8 0</inkml:trace>
+  <inkml:trace contextRef="#ctx0" brushRef="#br0" timeOffset="129889.27">13342 8390 9062,'0'6'809,"0"-2"-539,0 0-90,4 1-270,1 0 0,0-1 90,4 0 90,-4-3-1169,0 4 179,7-5 900,-5 0 0,6 0 0,-4 0 0</inkml:trace>
+  <inkml:trace contextRef="#ctx0" brushRef="#br0" timeOffset="130299.27">13370 7963 7533,'-5'0'629,"0"0"1,1 0-270,3 0 989,-3 0-1169,12 0-180,-1 0 90,6-5 180,1 4-810,0-3 180,5 0-899,-1 3-2018,-3-7 2262,-2 7 1015,1-8 0,-4 4 0,3-4 0</inkml:trace>
+  <inkml:trace contextRef="#ctx0" brushRef="#br0" timeOffset="130515.27">13547 7730 8252,'-6'0'1709,"2"0"-1169,4 4-360,0 1 180,0 5-90,0-1-91,0 0-89,0 9 90,0 5-629,0-2 359,0 5-3187,0-11 3072,0 3-3072,0 17 3254,4-8 1,2 9 0,3-13 0</inkml:trace>
+  <inkml:trace contextRef="#ctx0" brushRef="#br0" timeOffset="134172.27">13835 8297 7533,'-5'0'270,"1"0"449,4 0 1,-4 0-181,3 0-419,-3 0 0,4 0 0</inkml:trace>
+  <inkml:trace contextRef="#ctx0" brushRef="#br0" timeOffset="135276.27">14263 7981 7533,'-6'0'-630,"2"0"1530,0 4-541,3-3 1,-3 3-180,0 1 0,3-4 180,-7 7 0,7 1-91,-8 6 1,4 3-90,-4 1-270,4-1 450,-3 5-270,7 5 90,-7 5 90,7 4-180,-7 1 89,6 3-89,-2-11-90,4 1 270,0-4-270,4 2-90,-2 8-180,6 0 360,-3-4-269,4 3-1,4 6 0,-3-15 0,4 7-540,-5-24 360,0-1 91,-3-5-3008,2-4 1363,-3 5 654,8-4 1260,-6-1 0,5-6 0,-7-3 0</inkml:trace>
+  <inkml:trace contextRef="#ctx0" brushRef="#br0" timeOffset="135599.27">14402 8158 7533,'0'-10'-180,"-4"5"180,3-3 629,-3 7 181,4-3 1079,0 4-1709,4 0 0,1 4 359,9 5-179,4 6 90,2 8-180,7 0-90,-7-3 0,-2 2-90,0-4-1,-8 2-89,4 3-89,-1-1-91,1 6-540,5 1 450,-9-1 180,3-9-809,-8 2-2378,4-9 1902,-4 5 206,4-7 0,-4-5 269,4-9 900,1-2 0,-5-12 0,-1 4 0</inkml:trace>
+  <inkml:trace contextRef="#ctx0" brushRef="#br0" timeOffset="135850.27">14709 8130 7533,'0'-5'0,"0"1"989,0 4-269,-4 0 269,-1 0-179,-4 8-1,-5 10-629,0 11-90,-5 4-90,1 4-90,-5-4-270,3-4 270,2 2 0,4-12-449,1 4 269,2-4 90,-6-1-450,2 5 271,-3 1 179,7-5-810,3-1 451,4-9 89,3-4-450,-3 0 900,4-5 0,4 4 0,1 1 0</inkml:trace>
+  <inkml:trace contextRef="#ctx0" brushRef="#br0" timeOffset="136320.27">14812 8316 7533,'-5'0'270,"5"4"269,1 5-179,3 2 719,-4 6-629,0-6-180,0 2-90,0 1-90,0 0 0,0 0-90,0 4 90,0-3-180,0 3 629,0 5-449,4 1-3367,-3-9 3072,3 2-604,-4-12 629,0 0-540,4-1 91,1-4-271,5-8 91,-1-7 179,5-8 1,0-5 539,0 8 3366,-4-2-3250,2 8-26,-6-1 629,8 2-269,-9 4-270,-1 4 0,0 0 989,-3 1-539,4 3-90,-5-3-180,0 4 539,4 0 91,-3 0-181,7 4-359,-7 1-180,3 1 90,0 2-90,-3-3 0,8 8 269,-8 6-629,11 17 360,-6-13-1259,4 7 269,2-12-1348,-6-7 1708,8 2 0,-9-4-359,3-8 269,-3 3 540,0-4 0,8 0 0,-3 0 0</inkml:trace>
+  <inkml:trace contextRef="#ctx0" brushRef="#br0" timeOffset="136682.27">15240 8307 7533,'-5'0'0,"-3"0"0,7 0 3276,-4 0-166,14-4-3110,-3 2 180,12-2 0,-8 4-360,7 0 180,-6 0 90,6 0 90,-2 0-360,-1 0 90,4 0 90,-8 0 90,8 0-1619,-4 4 180,9-2-630,-7 2 899,1-4 451,-3 0 629,-4-4 0,3-2 0,-3-3 0</inkml:trace>
+  <inkml:trace contextRef="#ctx0" brushRef="#br0" timeOffset="137149.27">15826 8279 6633,'-10'-5'0,"5"0"0,-3 1 0,7 3 0,-3-3 0,0 4 0,-1-4 0,-1 3 0,-2-3 0,7 4 0,-3 0 0,0-4 0,3 3 0,-8-3 0,8 4 0,-3-5 0,0 4 0,-1-7 0,-4 3 0</inkml:trace>
+  <inkml:trace contextRef="#ctx0" brushRef="#br0" timeOffset="138301.27">15770 8046 7533,'0'-5'359,"0"1"-89,0 4 90,-4 0-180,3 0 450,-3 0-450,-1 0-1,4 0 181,-3 0 90,4 4-180,0 5 0,0 2 0,0 6-91,0-2 1,0 3-180,0 5 270,-4-3-90,3 7-270,-3-4 90,4 5 180,-4-4-3392,3 3 3302,-3-3-1414,0 4 1504,2-1-371,-2 1 11,0 9 90,3-7-359,-3 2 269,0-10 0,3-7-630,-3 2 361,4-6 269,0 2-90,0-4-720,0-3 3092,4-2-2552,-3-4 2066,7 0-2516,-3-9 900,5-9 0,-1-11 0,0-8 0</inkml:trace>
+  <inkml:trace contextRef="#ctx0" brushRef="#br0" timeOffset="138613.27">15779 8046 7533,'0'-5'449,"0"1"-359,0 0 540,0 3 899,0-3-1169,0 12 0,0-2-90,4 7 89,-3-3-179,4-1 0,-5 0 0,4 9 0,1-3 0,0 4-180,-1-1 0,0-4 180,-3 1-360,3 2 180,1-2 90,-4 3-90,3-3-360,0 2 270,-3-6 0,3 2 90,-4 0-90,0-2 180,4-2-270,-3-1 270,3-2-270,-4-1 180,5 3-180,-4-7 90,3 7 90,-4-7-90,0 3 90,4-4-89,-3 0-1,3 0-1799,-4-4 719,4 3 451,-3-7 269,3 7 0,-4-7-89,4 3 539,-3-5 0,4 1 0,-5 0 0,0-1 0,0 1 0</inkml:trace>
+  <inkml:trace contextRef="#ctx0" brushRef="#br0" timeOffset="139351.27">15872 8121 7533,'0'-6'-630,"0"2"630,0 4 0,0-4 0,0 3 90,0-3 0,-4 4 90,3 0 90,-3-4-90,4 3 89,-4-3-89,3 4 1080,-3 0-901,0 4-269,3-3 180,-4 7-90,5-7 90,0 7 270,-4 2-360,3 0 179,-3 3-269,4-3 0,0 3 90,-4-2-180,3 6 180,-3-2-180,4-1 180,0 8-90,0-7-90,0 4 90,0-2 90,0-6-90,0 2 0,0 1 0,0-4 89,0 8-179,0-12 90,4 6 0,-3-7-180,3 1 180,0 2 0,-3-7-180,8 7 180,-4-7-90,4 3-90,-4-4 0,3 0 180,-2 0-90,-1 0-90,3-4-89,-3 3 268,0-7-268,4 3 269,-4-5-180,0 1 90,3 0-180,-3-5 180,1 4-180,6-12 180,-6 3-90,8-5 90,-5 1-90,4-4 90,-6 7 0,5-7-90,-7 8 90,0 5-90,4-4-90,-8 8 0,7-12-90,-7 7 360,7-4-90,-7 10-90,3 5 90,-4 4 90,0-5 0,0 4 1349,0-3-1349,5 12 0,-4-1 0,3 6 90,-4 9-90,0-10 90,0 14 0,0-3 0,0-3 0,0 7-90,0-8 90,0-5-180,4 8-90,-3-6 180,7 2-180,-7 0 269,8-4-898,-4 1 269,8 2 270,-7-6-1169,7-2 629,-8-1 181,4-7 269,1 3-1349,-1-4 809,0 0 810,-4 0 0,4 0 0,-4 0 0</inkml:trace>
+  <inkml:trace contextRef="#ctx0" brushRef="#br0" timeOffset="139876.27">16291 8381 7323,'0'5'989,"0"4"-255,0-8-374,0 7 125,-4-7-305,3 7 377,-3-3-197,4 5 52,0-1-232,0 0 90,0 1-90,0-1 0,0 0-180,0 5 0,0-4 90,0 3 180,0-3-450,0 3 180,0-3 0,0 4-630,0-5 91,0 0 539,4-3-990,-3 2 450,7-7 181,-7 3 89,8-4-540,-8-4 361,7 3 449,-3-12 0,0 3 0,-1-8 0</inkml:trace>
+  <inkml:trace contextRef="#ctx0" brushRef="#br0" timeOffset="140511.27">16310 8195 7533,'-9'0'0,"3"-4"359,2 3-269,4-3 1350,0 4-901,0 8-179,0-6-180,0 6 0,0-8 90,0 0-270,0 4 180,4-3-90,-3 4-270,3-5 539,-4 0-448,5 4-1,-4-3 90,3 3-90,-4-4 1169,0 0-1079,0 4 90,0-3-270,0 3 180,-4-4 0,3 0 450,-4 0-450,5 4 90,0-3-540,0 4-719,0-1 629,0-3 270,5 3 0,-4-4 0,3 0 270,0 0 0,1 0 0,4 0 0</inkml:trace>
+  <inkml:trace contextRef="#ctx0" brushRef="#br0" timeOffset="142312.27">16654 8065 0,'-10'-30'0,"2"4"0</inkml:trace>
+  <inkml:trace contextRef="#ctx0" brushRef="#br0" timeOffset="142889.27">16626 8000 7533,'-5'-21'0,"1"5"90,4 16 269,0-5-269,0 4 450,0-3-90,4 4-360,-3 0 989,3 0-629,0 0-90,-2 4-1,2-3-89,0 4 630,-3-1-450,7 5-91,1 1-89,-2 4 0,5-5 90,-7 4-180,5-2 0,-5 6 89,3-6-89,-7 6 180,7 6 90,-3 2-180,5 7 0,-5 4-90,3-6-1,-7 10 1,3-7-270,-4 5-275,-9 2 1,-5 9 0,0-6 0,6-17 0,-1 1 0,-7 13 0,0 1 0,0 0 0</inkml:trace>
+  <inkml:trace contextRef="#ctx0" brushRef="#br0" timeOffset="143954.27">16654 7972 369,'11'44'0,"1"0"0,-1 0 0,0 1 0,0-1 0,1 1 0,-1-1 0,1 1 0,0 0 0</inkml:trace>
+  <inkml:trace contextRef="#ctx0" brushRef="#br0" timeOffset="144400.27">16747 8400 21892,'-5'26'1235,"1"-2"-2941,4-18 201,0-1 603,-4 7 1133,3-10 248,-3 11-394,4-8-1627,-4 0 2489,3 3-1010,-4-3 1395,5 0-1510,0 4-436,0-8-279,-4 7 4169,3-3-2832,-3 5-1965,4-5 769,0 3-1214,-4-7 1885,3 7-406,-3-3 215,4 1-827,0-2 590,0 0-311,4 9 1,1-5 0,4 4 0</inkml:trace>
+  <inkml:trace contextRef="#ctx0" brushRef="#br0" timeOffset="147084.27">14830 8344 7533,'-1'44'1092,"-1"0"0,0 0 0,-2-11-565,3 12 0,2 9 0,-1-20-617,0-30 90,0-3-2159,0 3 1889,0-12 180,0 1-179,0-6-1,0 4 90,0 3 0,4-6 90,-3 10-90,8-15 0,-8 11 90,3-7-90,-4 4 0,4-1 1,-3 5 268,3-3-89,0-2 1169,16-14 1,3-3-1080,-9 7-90,11-7 0,-4 9 0,-20 18 90,3-4-90,-4 3 90,0-4-90,4 5 0,-3 0 180,3 0-180,0-4 0,-3 3 90,3-3-90,-4 4 360,0 0-270,5 0-90,-4 0 90,3 0-90,-4 4 89,0-3-178,0 3 89,4 1 0,-3-4 0,3 3 0,-4-4 0,0 8 0,4-2 0,1 8 0</inkml:trace>
+  <inkml:trace contextRef="#ctx0" brushRef="#br0" timeOffset="149187.27">17064 7646 7083,'-5'4'180,"1"-3"90,4 3 179,0-4 1,0 5-90,0-4 0,0 7-180,0-7 0,0 7 179,0-7-179,4 8 0,-3-4 90,7 4-90,-7 0 0,7 1 270,2 7-91,4 3-89,9 12-90,-8-7 0,7 2 0,-4-1 180,10 3-450,-7 0 90,4-2 0,-14-8 0,2-1 0,-4 1 90,1 0-90,3 12 0,-2 7 90,-2-3-180,-5 4 270,-4-7-270,0 11-566,-9-7 1,-8 14-1,-2 4 1,2-2 0,5-11 290,7-2 1,0-1 0,-8 2 0,-6 11 0,-1 1 0,6-10 0,12-21 0,15-21 0</inkml:trace>
+  <inkml:trace contextRef="#ctx0" brushRef="#br0" timeOffset="157057.27">17789 8214 7533,'-5'0'1259,"1"0"-1079,4 0 360,4-5 89,5 4-269,2-3-90,6 4 359,10 0-449,-9 0 0,20 0-180,-21 0 180,9 0-540,1 0 180,-6 0 91,6 0 89,-8 4-1080,-1-3 271,1 4-451,-1-1-269,-3-3 1529,-6 7 0,-9-3 0,-5 5 0</inkml:trace>
+  <inkml:trace contextRef="#ctx0" brushRef="#br0" timeOffset="157261.27">17808 8446 7533,'0'5'1799,"4"0"-1350,1-5-89,4 0 90,5 0-270,0 0-90,9 0 0,-3-5 0,2 4-585,13-8 0,3-2-764,10-2 603,-9 2 1,-1 0-1,1-3 1,-15 5 0</inkml:trace>
+  <inkml:trace contextRef="#ctx0" brushRef="#br0" timeOffset="157611.27">18376 8167 7533,'-6'0'0,"-2"0"899,7 0-269,-3 0-270,4 4 89,0 1 181,-4 5-270,3-1 90,-3 0-271,4 5 1,0-4 180,0 16-360,0-14 0,4 14 180,1-15-360,4 2 180,9 0 180,-3-6-360,8 1 0,0-4 90,5-3-180,1-1 270,-5-1-90,-3-7 90,-6-2-89,-5 0 268,3-3 91,-8-5 0,0-2 0,-1-3 0,-4 0-180,0 8 0,-4 2-90,-1 4 90,-5-5 0,1 4-90,-8-8 0,-3 8 0,-8-3 0,4 7 90,6 2-270,4 8 0,1 2 180,2 3-1170,-6 0 181,2 9 989,-3 1 0,3 5 0,2-1 0</inkml:trace>
 </inkml:ink>
 </file>
 
@@ -3473,7 +4178,7 @@
           <a:p>
             <a:fld id="{9AEDE394-1F10-DF4E-BD74-865E5DD74903}" type="datetimeFigureOut">
               <a:rPr lang="en-US" smtClean="0"/>
-              <a:t>10/25/22</a:t>
+              <a:t>10/27/22</a:t>
             </a:fld>
             <a:endParaRPr lang="en-US"/>
           </a:p>
@@ -8853,13 +9558,6 @@
               <a:rPr lang="en-US" sz="4800" dirty="0"/>
               <a:t>Gaussian Mixture Models</a:t>
             </a:r>
-            <a:br>
-              <a:rPr lang="en-US" sz="4800" dirty="0"/>
-            </a:br>
-            <a:r>
-              <a:rPr lang="en-US" sz="4800" dirty="0"/>
-              <a:t>Linear Dynamical Systems</a:t>
-            </a:r>
           </a:p>
         </p:txBody>
       </p:sp>
@@ -9378,8 +10076,8 @@
           </a:p>
         </p:txBody>
       </p:sp>
-      <mc:AlternateContent xmlns:mc="http://schemas.openxmlformats.org/markup-compatibility/2006">
-        <mc:Choice xmlns:p14="http://schemas.microsoft.com/office/powerpoint/2010/main" Requires="p14">
+      <mc:AlternateContent xmlns:mc="http://schemas.openxmlformats.org/markup-compatibility/2006" xmlns:p14="http://schemas.microsoft.com/office/powerpoint/2010/main">
+        <mc:Choice Requires="p14">
           <p:contentPart p14:bwMode="auto" r:id="rId3">
             <p14:nvContentPartPr>
               <p14:cNvPr id="5" name="Ink 4">
@@ -9398,7 +10096,7 @@
             </p14:xfrm>
           </p:contentPart>
         </mc:Choice>
-        <mc:Fallback>
+        <mc:Fallback xmlns="">
           <p:pic>
             <p:nvPicPr>
               <p:cNvPr id="5" name="Ink 4">
@@ -9673,8 +10371,8 @@
           </a:p>
         </p:txBody>
       </p:sp>
-      <mc:AlternateContent xmlns:mc="http://schemas.openxmlformats.org/markup-compatibility/2006">
-        <mc:Choice xmlns:p14="http://schemas.microsoft.com/office/powerpoint/2010/main" Requires="p14">
+      <mc:AlternateContent xmlns:mc="http://schemas.openxmlformats.org/markup-compatibility/2006" xmlns:p14="http://schemas.microsoft.com/office/powerpoint/2010/main">
+        <mc:Choice Requires="p14">
           <p:contentPart p14:bwMode="auto" r:id="rId3">
             <p14:nvContentPartPr>
               <p14:cNvPr id="5" name="Ink 4">
@@ -9693,7 +10391,7 @@
             </p14:xfrm>
           </p:contentPart>
         </mc:Choice>
-        <mc:Fallback>
+        <mc:Fallback xmlns="">
           <p:pic>
             <p:nvPicPr>
               <p:cNvPr id="5" name="Ink 4">
@@ -9847,8 +10545,8 @@
           </a:p>
         </p:txBody>
       </p:sp>
-      <mc:AlternateContent xmlns:mc="http://schemas.openxmlformats.org/markup-compatibility/2006">
-        <mc:Choice xmlns:p14="http://schemas.microsoft.com/office/powerpoint/2010/main" Requires="p14">
+      <mc:AlternateContent xmlns:mc="http://schemas.openxmlformats.org/markup-compatibility/2006" xmlns:p14="http://schemas.microsoft.com/office/powerpoint/2010/main">
+        <mc:Choice Requires="p14">
           <p:contentPart p14:bwMode="auto" r:id="rId2">
             <p14:nvContentPartPr>
               <p14:cNvPr id="5" name="Ink 4">
@@ -9867,7 +10565,7 @@
             </p14:xfrm>
           </p:contentPart>
         </mc:Choice>
-        <mc:Fallback>
+        <mc:Fallback xmlns="">
           <p:pic>
             <p:nvPicPr>
               <p:cNvPr id="5" name="Ink 4">
@@ -9996,8 +10694,8 @@
           </a:p>
         </p:txBody>
       </p:sp>
-      <mc:AlternateContent xmlns:mc="http://schemas.openxmlformats.org/markup-compatibility/2006">
-        <mc:Choice xmlns:p14="http://schemas.microsoft.com/office/powerpoint/2010/main" Requires="p14">
+      <mc:AlternateContent xmlns:mc="http://schemas.openxmlformats.org/markup-compatibility/2006" xmlns:p14="http://schemas.microsoft.com/office/powerpoint/2010/main">
+        <mc:Choice Requires="p14">
           <p:contentPart p14:bwMode="auto" r:id="rId2">
             <p14:nvContentPartPr>
               <p14:cNvPr id="5" name="Ink 4">
@@ -10016,7 +10714,7 @@
             </p14:xfrm>
           </p:contentPart>
         </mc:Choice>
-        <mc:Fallback>
+        <mc:Fallback xmlns="">
           <p:pic>
             <p:nvPicPr>
               <p:cNvPr id="5" name="Ink 4">
@@ -10039,6 +10737,57 @@
               <a:xfrm>
                 <a:off x="657360" y="1058760"/>
                 <a:ext cx="8318880" cy="2259360"/>
+              </a:xfrm>
+              <a:prstGeom prst="rect">
+                <a:avLst/>
+              </a:prstGeom>
+            </p:spPr>
+          </p:pic>
+        </mc:Fallback>
+      </mc:AlternateContent>
+      <mc:AlternateContent xmlns:mc="http://schemas.openxmlformats.org/markup-compatibility/2006">
+        <mc:Choice xmlns:p14="http://schemas.microsoft.com/office/powerpoint/2010/main" Requires="p14">
+          <p:contentPart p14:bwMode="auto" r:id="rId4">
+            <p14:nvContentPartPr>
+              <p14:cNvPr id="2" name="Ink 1">
+                <a:extLst>
+                  <a:ext uri="{FF2B5EF4-FFF2-40B4-BE49-F238E27FC236}">
+                    <a16:creationId xmlns:a16="http://schemas.microsoft.com/office/drawing/2014/main" id="{3905A2D5-BF3E-8701-0A7A-544AB22D8A3C}"/>
+                  </a:ext>
+                </a:extLst>
+              </p14:cNvPr>
+              <p14:cNvContentPartPr/>
+              <p14:nvPr/>
+            </p14:nvContentPartPr>
+            <p14:xfrm>
+              <a:off x="401760" y="2645640"/>
+              <a:ext cx="8555040" cy="4028400"/>
+            </p14:xfrm>
+          </p:contentPart>
+        </mc:Choice>
+        <mc:Fallback>
+          <p:pic>
+            <p:nvPicPr>
+              <p:cNvPr id="2" name="Ink 1">
+                <a:extLst>
+                  <a:ext uri="{FF2B5EF4-FFF2-40B4-BE49-F238E27FC236}">
+                    <a16:creationId xmlns:a16="http://schemas.microsoft.com/office/drawing/2014/main" id="{3905A2D5-BF3E-8701-0A7A-544AB22D8A3C}"/>
+                  </a:ext>
+                </a:extLst>
+              </p:cNvPr>
+              <p:cNvPicPr/>
+              <p:nvPr/>
+            </p:nvPicPr>
+            <p:blipFill>
+              <a:blip r:embed="rId5"/>
+              <a:stretch>
+                <a:fillRect/>
+              </a:stretch>
+            </p:blipFill>
+            <p:spPr>
+              <a:xfrm>
+                <a:off x="392400" y="2636280"/>
+                <a:ext cx="8573760" cy="4047120"/>
               </a:xfrm>
               <a:prstGeom prst="rect">
                 <a:avLst/>
@@ -12237,6 +12986,57 @@
           </a:prstGeom>
         </p:spPr>
       </p:pic>
+      <mc:AlternateContent xmlns:mc="http://schemas.openxmlformats.org/markup-compatibility/2006">
+        <mc:Choice xmlns:p14="http://schemas.microsoft.com/office/powerpoint/2010/main" Requires="p14">
+          <p:contentPart p14:bwMode="auto" r:id="rId4">
+            <p14:nvContentPartPr>
+              <p14:cNvPr id="6" name="Ink 5">
+                <a:extLst>
+                  <a:ext uri="{FF2B5EF4-FFF2-40B4-BE49-F238E27FC236}">
+                    <a16:creationId xmlns:a16="http://schemas.microsoft.com/office/drawing/2014/main" id="{F7BE72D5-60FF-4EFD-0BB0-D2142C5B492E}"/>
+                  </a:ext>
+                </a:extLst>
+              </p14:cNvPr>
+              <p14:cNvContentPartPr/>
+              <p14:nvPr/>
+            </p14:nvContentPartPr>
+            <p14:xfrm>
+              <a:off x="830520" y="1895400"/>
+              <a:ext cx="6960960" cy="4780440"/>
+            </p14:xfrm>
+          </p:contentPart>
+        </mc:Choice>
+        <mc:Fallback>
+          <p:pic>
+            <p:nvPicPr>
+              <p:cNvPr id="6" name="Ink 5">
+                <a:extLst>
+                  <a:ext uri="{FF2B5EF4-FFF2-40B4-BE49-F238E27FC236}">
+                    <a16:creationId xmlns:a16="http://schemas.microsoft.com/office/drawing/2014/main" id="{F7BE72D5-60FF-4EFD-0BB0-D2142C5B492E}"/>
+                  </a:ext>
+                </a:extLst>
+              </p:cNvPr>
+              <p:cNvPicPr/>
+              <p:nvPr/>
+            </p:nvPicPr>
+            <p:blipFill>
+              <a:blip r:embed="rId5"/>
+              <a:stretch>
+                <a:fillRect/>
+              </a:stretch>
+            </p:blipFill>
+            <p:spPr>
+              <a:xfrm>
+                <a:off x="821160" y="1886040"/>
+                <a:ext cx="6979680" cy="4799160"/>
+              </a:xfrm>
+              <a:prstGeom prst="rect">
+                <a:avLst/>
+              </a:prstGeom>
+            </p:spPr>
+          </p:pic>
+        </mc:Fallback>
+      </mc:AlternateContent>
     </p:spTree>
     <p:extLst>
       <p:ext uri="{BB962C8B-B14F-4D97-AF65-F5344CB8AC3E}">
@@ -12922,68 +13722,224 @@
           <a:chExt cx="0" cy="0"/>
         </a:xfrm>
       </p:grpSpPr>
-      <p:sp>
-        <p:nvSpPr>
-          <p:cNvPr id="2" name="Content Placeholder 1">
-            <a:extLst>
-              <a:ext uri="{FF2B5EF4-FFF2-40B4-BE49-F238E27FC236}">
-                <a16:creationId xmlns:a16="http://schemas.microsoft.com/office/drawing/2014/main" id="{FD51CC4F-91E8-597D-54A6-CF067966AB0C}"/>
-              </a:ext>
-            </a:extLst>
-          </p:cNvPr>
-          <p:cNvSpPr>
-            <a:spLocks noGrp="1"/>
-          </p:cNvSpPr>
-          <p:nvPr>
-            <p:ph idx="1"/>
-          </p:nvPr>
-        </p:nvSpPr>
-        <p:spPr/>
-        <p:txBody>
-          <a:bodyPr/>
-          <a:lstStyle/>
-          <a:p>
-            <a:r>
-              <a:rPr lang="en-US" dirty="0"/>
-              <a:t>What about non-IID data / sequential data</a:t>
-            </a:r>
-          </a:p>
-          <a:p>
-            <a:r>
-              <a:rPr lang="en-US" dirty="0"/>
-              <a:t>Markov assumption</a:t>
-            </a:r>
-          </a:p>
-          <a:p>
-            <a:endParaRPr lang="en-US" dirty="0"/>
-          </a:p>
-          <a:p>
-            <a:r>
-              <a:rPr lang="en-US" dirty="0"/>
-              <a:t>GMM =&gt; Sequential =&gt; HMM</a:t>
-            </a:r>
-          </a:p>
-          <a:p>
-            <a:r>
-              <a:rPr lang="en-US" dirty="0"/>
-              <a:t>PPCA </a:t>
-            </a:r>
-            <a:r>
-              <a:rPr lang="en-US" dirty="0">
-                <a:sym typeface="Wingdings" pitchFamily="2" charset="2"/>
-              </a:rPr>
-              <a:t> Sequential  LDS</a:t>
-            </a:r>
-            <a:endParaRPr lang="en-US" dirty="0"/>
-          </a:p>
-        </p:txBody>
-      </p:sp>
+      <mc:AlternateContent xmlns:mc="http://schemas.openxmlformats.org/markup-compatibility/2006" xmlns:a14="http://schemas.microsoft.com/office/drawing/2010/main">
+        <mc:Choice Requires="a14">
+          <p:sp>
+            <p:nvSpPr>
+              <p:cNvPr id="2" name="Content Placeholder 1">
+                <a:extLst>
+                  <a:ext uri="{FF2B5EF4-FFF2-40B4-BE49-F238E27FC236}">
+                    <a16:creationId xmlns:a16="http://schemas.microsoft.com/office/drawing/2014/main" id="{8737219F-8D5A-EDB1-8AC7-BD7744594513}"/>
+                  </a:ext>
+                </a:extLst>
+              </p:cNvPr>
+              <p:cNvSpPr>
+                <a:spLocks noGrp="1"/>
+              </p:cNvSpPr>
+              <p:nvPr>
+                <p:ph idx="1"/>
+              </p:nvPr>
+            </p:nvSpPr>
+            <p:spPr/>
+            <p:txBody>
+              <a:bodyPr/>
+              <a:lstStyle/>
+              <a:p>
+                <a14:m>
+                  <m:oMath xmlns:m="http://schemas.openxmlformats.org/officeDocument/2006/math">
+                    <m:r>
+                      <a:rPr lang="en-US" b="0" i="1" smtClean="0">
+                        <a:latin typeface="Cambria Math" panose="02040503050406030204" pitchFamily="18" charset="0"/>
+                      </a:rPr>
+                      <m:t>𝐿</m:t>
+                    </m:r>
+                    <m:d>
+                      <m:dPr>
+                        <m:ctrlPr>
+                          <a:rPr lang="en-US" b="0" i="1" smtClean="0">
+                            <a:latin typeface="Cambria Math" panose="02040503050406030204" pitchFamily="18" charset="0"/>
+                          </a:rPr>
+                        </m:ctrlPr>
+                      </m:dPr>
+                      <m:e>
+                        <m:r>
+                          <a:rPr lang="en-US" b="0" i="1" smtClean="0">
+                            <a:latin typeface="Cambria Math" panose="02040503050406030204" pitchFamily="18" charset="0"/>
+                          </a:rPr>
+                          <m:t>𝜃</m:t>
+                        </m:r>
+                      </m:e>
+                    </m:d>
+                    <m:r>
+                      <a:rPr lang="en-US" b="0" i="1" smtClean="0">
+                        <a:latin typeface="Cambria Math" panose="02040503050406030204" pitchFamily="18" charset="0"/>
+                      </a:rPr>
+                      <m:t>=</m:t>
+                    </m:r>
+                    <m:func>
+                      <m:funcPr>
+                        <m:ctrlPr>
+                          <a:rPr lang="en-US" b="0" i="1" smtClean="0">
+                            <a:latin typeface="Cambria Math" panose="02040503050406030204" pitchFamily="18" charset="0"/>
+                          </a:rPr>
+                        </m:ctrlPr>
+                      </m:funcPr>
+                      <m:fName>
+                        <m:r>
+                          <m:rPr>
+                            <m:sty m:val="p"/>
+                          </m:rPr>
+                          <a:rPr lang="en-US" b="0" i="0" smtClean="0">
+                            <a:latin typeface="Cambria Math" panose="02040503050406030204" pitchFamily="18" charset="0"/>
+                          </a:rPr>
+                          <m:t>log</m:t>
+                        </m:r>
+                      </m:fName>
+                      <m:e>
+                        <m:r>
+                          <a:rPr lang="en-US" i="1">
+                            <a:latin typeface="Cambria Math" panose="02040503050406030204" pitchFamily="18" charset="0"/>
+                          </a:rPr>
+                          <m:t>𝑝</m:t>
+                        </m:r>
+                        <m:r>
+                          <a:rPr lang="en-US" i="1">
+                            <a:latin typeface="Cambria Math" panose="02040503050406030204" pitchFamily="18" charset="0"/>
+                          </a:rPr>
+                          <m:t>(</m:t>
+                        </m:r>
+                        <m:r>
+                          <a:rPr lang="en-US" i="1">
+                            <a:latin typeface="Cambria Math" panose="02040503050406030204" pitchFamily="18" charset="0"/>
+                          </a:rPr>
+                          <m:t>𝑋</m:t>
+                        </m:r>
+                        <m:r>
+                          <a:rPr lang="en-US" i="1">
+                            <a:latin typeface="Cambria Math" panose="02040503050406030204" pitchFamily="18" charset="0"/>
+                          </a:rPr>
+                          <m:t>;</m:t>
+                        </m:r>
+                        <m:r>
+                          <a:rPr lang="en-US" i="1">
+                            <a:latin typeface="Cambria Math" panose="02040503050406030204" pitchFamily="18" charset="0"/>
+                          </a:rPr>
+                          <m:t>𝜃</m:t>
+                        </m:r>
+                        <m:r>
+                          <a:rPr lang="en-US" i="1">
+                            <a:latin typeface="Cambria Math" panose="02040503050406030204" pitchFamily="18" charset="0"/>
+                          </a:rPr>
+                          <m:t>)</m:t>
+                        </m:r>
+                      </m:e>
+                    </m:func>
+                  </m:oMath>
+                </a14:m>
+                <a:endParaRPr lang="en-US" dirty="0"/>
+              </a:p>
+              <a:p>
+                <a:r>
+                  <a:rPr lang="en-US" dirty="0"/>
+                  <a:t>Introduce a variational distribution </a:t>
+                </a:r>
+                <a14:m>
+                  <m:oMath xmlns:m="http://schemas.openxmlformats.org/officeDocument/2006/math">
+                    <m:r>
+                      <a:rPr lang="en-US" b="0" i="1" smtClean="0">
+                        <a:latin typeface="Cambria Math" panose="02040503050406030204" pitchFamily="18" charset="0"/>
+                      </a:rPr>
+                      <m:t>𝑞</m:t>
+                    </m:r>
+                    <m:r>
+                      <a:rPr lang="en-US" b="0" i="1" smtClean="0">
+                        <a:latin typeface="Cambria Math" panose="02040503050406030204" pitchFamily="18" charset="0"/>
+                      </a:rPr>
+                      <m:t>(</m:t>
+                    </m:r>
+                    <m:r>
+                      <a:rPr lang="en-US" b="0" i="1" smtClean="0">
+                        <a:latin typeface="Cambria Math" panose="02040503050406030204" pitchFamily="18" charset="0"/>
+                      </a:rPr>
+                      <m:t>𝑋</m:t>
+                    </m:r>
+                    <m:r>
+                      <a:rPr lang="en-US" b="0" i="1" smtClean="0">
+                        <a:latin typeface="Cambria Math" panose="02040503050406030204" pitchFamily="18" charset="0"/>
+                      </a:rPr>
+                      <m:t>;</m:t>
+                    </m:r>
+                    <m:r>
+                      <a:rPr lang="en-US" b="0" i="1" smtClean="0">
+                        <a:latin typeface="Cambria Math" panose="02040503050406030204" pitchFamily="18" charset="0"/>
+                      </a:rPr>
+                      <m:t>𝜙</m:t>
+                    </m:r>
+                    <m:r>
+                      <a:rPr lang="en-US" b="0" i="1" smtClean="0">
+                        <a:latin typeface="Cambria Math" panose="02040503050406030204" pitchFamily="18" charset="0"/>
+                      </a:rPr>
+                      <m:t>)</m:t>
+                    </m:r>
+                  </m:oMath>
+                </a14:m>
+                <a:endParaRPr lang="en-US" dirty="0"/>
+              </a:p>
+              <a:p>
+                <a:r>
+                  <a:rPr lang="en-US" dirty="0"/>
+                  <a:t>Variational bound for this data likelihood</a:t>
+                </a:r>
+              </a:p>
+            </p:txBody>
+          </p:sp>
+        </mc:Choice>
+        <mc:Fallback xmlns="">
+          <p:sp>
+            <p:nvSpPr>
+              <p:cNvPr id="2" name="Content Placeholder 1">
+                <a:extLst>
+                  <a:ext uri="{FF2B5EF4-FFF2-40B4-BE49-F238E27FC236}">
+                    <a16:creationId xmlns:a16="http://schemas.microsoft.com/office/drawing/2014/main" id="{8737219F-8D5A-EDB1-8AC7-BD7744594513}"/>
+                  </a:ext>
+                </a:extLst>
+              </p:cNvPr>
+              <p:cNvSpPr>
+                <a:spLocks noGrp="1" noRot="1" noChangeAspect="1" noMove="1" noResize="1" noEditPoints="1" noAdjustHandles="1" noChangeArrowheads="1" noChangeShapeType="1" noTextEdit="1"/>
+              </p:cNvSpPr>
+              <p:nvPr>
+                <p:ph idx="1"/>
+              </p:nvPr>
+            </p:nvSpPr>
+            <p:spPr>
+              <a:blipFill>
+                <a:blip r:embed="rId2"/>
+                <a:stretch>
+                  <a:fillRect l="-1852"/>
+                </a:stretch>
+              </a:blipFill>
+            </p:spPr>
+            <p:txBody>
+              <a:bodyPr/>
+              <a:lstStyle/>
+              <a:p>
+                <a:r>
+                  <a:rPr lang="en-US">
+                    <a:noFill/>
+                  </a:rPr>
+                  <a:t> </a:t>
+                </a:r>
+              </a:p>
+            </p:txBody>
+          </p:sp>
+        </mc:Fallback>
+      </mc:AlternateContent>
       <p:sp>
         <p:nvSpPr>
           <p:cNvPr id="3" name="Slide Number Placeholder 2">
             <a:extLst>
               <a:ext uri="{FF2B5EF4-FFF2-40B4-BE49-F238E27FC236}">
-                <a16:creationId xmlns:a16="http://schemas.microsoft.com/office/drawing/2014/main" id="{BB9CB7AC-0FEA-7D0D-953A-AF8D637DA7A0}"/>
+                <a16:creationId xmlns:a16="http://schemas.microsoft.com/office/drawing/2014/main" id="{BD43AFE0-7AD9-FEFB-7A2F-BDF7DFBA1386}"/>
               </a:ext>
             </a:extLst>
           </p:cNvPr>
@@ -13023,7 +13979,7 @@
           <p:cNvPr id="4" name="Title 3">
             <a:extLst>
               <a:ext uri="{FF2B5EF4-FFF2-40B4-BE49-F238E27FC236}">
-                <a16:creationId xmlns:a16="http://schemas.microsoft.com/office/drawing/2014/main" id="{151A7FE2-D7E0-4FE5-61C8-B9663C45CC98}"/>
+                <a16:creationId xmlns:a16="http://schemas.microsoft.com/office/drawing/2014/main" id="{11272D0C-7CC7-CDDC-30AA-674E138678E9}"/>
               </a:ext>
             </a:extLst>
           </p:cNvPr>
@@ -13036,22 +13992,71 @@
         </p:nvSpPr>
         <p:spPr/>
         <p:txBody>
-          <a:bodyPr>
-            <a:normAutofit/>
-          </a:bodyPr>
+          <a:bodyPr/>
           <a:lstStyle/>
           <a:p>
             <a:r>
               <a:rPr lang="en-US" dirty="0"/>
-              <a:t>Dynamic Bayesian Networks</a:t>
+              <a:t>A Variational View of EM</a:t>
             </a:r>
           </a:p>
         </p:txBody>
       </p:sp>
+      <mc:AlternateContent xmlns:mc="http://schemas.openxmlformats.org/markup-compatibility/2006">
+        <mc:Choice xmlns:p14="http://schemas.microsoft.com/office/powerpoint/2010/main" Requires="p14">
+          <p:contentPart p14:bwMode="auto" r:id="rId3">
+            <p14:nvContentPartPr>
+              <p14:cNvPr id="5" name="Ink 4">
+                <a:extLst>
+                  <a:ext uri="{FF2B5EF4-FFF2-40B4-BE49-F238E27FC236}">
+                    <a16:creationId xmlns:a16="http://schemas.microsoft.com/office/drawing/2014/main" id="{FC102350-D0E8-81A0-BDCA-4CD7C5D30305}"/>
+                  </a:ext>
+                </a:extLst>
+              </p14:cNvPr>
+              <p14:cNvContentPartPr/>
+              <p14:nvPr/>
+            </p14:nvContentPartPr>
+            <p14:xfrm>
+              <a:off x="401760" y="1534320"/>
+              <a:ext cx="8705880" cy="5270400"/>
+            </p14:xfrm>
+          </p:contentPart>
+        </mc:Choice>
+        <mc:Fallback>
+          <p:pic>
+            <p:nvPicPr>
+              <p:cNvPr id="5" name="Ink 4">
+                <a:extLst>
+                  <a:ext uri="{FF2B5EF4-FFF2-40B4-BE49-F238E27FC236}">
+                    <a16:creationId xmlns:a16="http://schemas.microsoft.com/office/drawing/2014/main" id="{FC102350-D0E8-81A0-BDCA-4CD7C5D30305}"/>
+                  </a:ext>
+                </a:extLst>
+              </p:cNvPr>
+              <p:cNvPicPr/>
+              <p:nvPr/>
+            </p:nvPicPr>
+            <p:blipFill>
+              <a:blip r:embed="rId4"/>
+              <a:stretch>
+                <a:fillRect/>
+              </a:stretch>
+            </p:blipFill>
+            <p:spPr>
+              <a:xfrm>
+                <a:off x="392400" y="1524960"/>
+                <a:ext cx="8724600" cy="5289120"/>
+              </a:xfrm>
+              <a:prstGeom prst="rect">
+                <a:avLst/>
+              </a:prstGeom>
+            </p:spPr>
+          </p:pic>
+        </mc:Fallback>
+      </mc:AlternateContent>
     </p:spTree>
     <p:extLst>
       <p:ext uri="{BB962C8B-B14F-4D97-AF65-F5344CB8AC3E}">
-        <p14:creationId xmlns:p14="http://schemas.microsoft.com/office/powerpoint/2010/main" val="966437331"/>
+        <p14:creationId xmlns:p14="http://schemas.microsoft.com/office/powerpoint/2010/main" val="1374012134"/>
       </p:ext>
     </p:extLst>
   </p:cSld>
@@ -13083,7 +14088,7 @@
           <p:cNvPr id="3" name="Slide Number Placeholder 2">
             <a:extLst>
               <a:ext uri="{FF2B5EF4-FFF2-40B4-BE49-F238E27FC236}">
-                <a16:creationId xmlns:a16="http://schemas.microsoft.com/office/drawing/2014/main" id="{D4A76673-25C0-7990-DBBD-D877325E9AF4}"/>
+                <a16:creationId xmlns:a16="http://schemas.microsoft.com/office/drawing/2014/main" id="{1D8F36D9-12AB-31CE-90F4-126B2178B495}"/>
               </a:ext>
             </a:extLst>
           </p:cNvPr>
@@ -13123,7 +14128,7 @@
           <p:cNvPr id="4" name="Title 3">
             <a:extLst>
               <a:ext uri="{FF2B5EF4-FFF2-40B4-BE49-F238E27FC236}">
-                <a16:creationId xmlns:a16="http://schemas.microsoft.com/office/drawing/2014/main" id="{A91F660F-54EE-46B9-E22F-C3C55032FCC0}"/>
+                <a16:creationId xmlns:a16="http://schemas.microsoft.com/office/drawing/2014/main" id="{50F471D3-7A75-FE15-3FF6-4807B7E67A60}"/>
               </a:ext>
             </a:extLst>
           </p:cNvPr>
@@ -13141,1405 +14146,236 @@
           <a:p>
             <a:r>
               <a:rPr lang="en-US" dirty="0"/>
-              <a:t>Linear Dynamical Systems</a:t>
+              <a:t>What does EM actually do?</a:t>
             </a:r>
           </a:p>
         </p:txBody>
       </p:sp>
-      <p:sp>
-        <p:nvSpPr>
-          <p:cNvPr id="22" name="Oval 21">
+      <p:pic>
+        <p:nvPicPr>
+          <p:cNvPr id="6" name="Picture 5">
             <a:extLst>
               <a:ext uri="{FF2B5EF4-FFF2-40B4-BE49-F238E27FC236}">
-                <a16:creationId xmlns:a16="http://schemas.microsoft.com/office/drawing/2014/main" id="{A9EBF801-A56F-A927-3DCB-88F3CC857D96}"/>
+                <a16:creationId xmlns:a16="http://schemas.microsoft.com/office/drawing/2014/main" id="{885D8A7D-2C34-C975-93FC-D74E067D2660}"/>
               </a:ext>
             </a:extLst>
           </p:cNvPr>
-          <p:cNvSpPr/>
+          <p:cNvPicPr>
+            <a:picLocks noChangeAspect="1"/>
+          </p:cNvPicPr>
           <p:nvPr/>
-        </p:nvSpPr>
+        </p:nvPicPr>
+        <p:blipFill>
+          <a:blip r:embed="rId2"/>
+          <a:stretch>
+            <a:fillRect/>
+          </a:stretch>
+        </p:blipFill>
         <p:spPr>
           <a:xfrm>
-            <a:off x="1882522" y="2249592"/>
-            <a:ext cx="685800" cy="685800"/>
-          </a:xfrm>
-          <a:prstGeom prst="ellipse">
-            <a:avLst/>
-          </a:prstGeom>
-        </p:spPr>
-        <p:style>
-          <a:lnRef idx="2">
-            <a:schemeClr val="dk1"/>
-          </a:lnRef>
-          <a:fillRef idx="1">
-            <a:schemeClr val="lt1"/>
-          </a:fillRef>
-          <a:effectRef idx="0">
-            <a:schemeClr val="dk1"/>
-          </a:effectRef>
-          <a:fontRef idx="minor">
-            <a:schemeClr val="dk1"/>
-          </a:fontRef>
-        </p:style>
-        <p:txBody>
-          <a:bodyPr wrap="none" rtlCol="0" anchor="ctr"/>
-          <a:lstStyle/>
-          <a:p>
-            <a:pPr algn="just"/>
-            <a:r>
-              <a:rPr lang="en-US" sz="3200" dirty="0"/>
-              <a:t>z</a:t>
-            </a:r>
-            <a:r>
-              <a:rPr lang="en-US" sz="3200" baseline="-25000" dirty="0"/>
-              <a:t>1</a:t>
-            </a:r>
-          </a:p>
-        </p:txBody>
-      </p:sp>
-      <p:sp>
-        <p:nvSpPr>
-          <p:cNvPr id="23" name="Oval 22">
-            <a:extLst>
-              <a:ext uri="{FF2B5EF4-FFF2-40B4-BE49-F238E27FC236}">
-                <a16:creationId xmlns:a16="http://schemas.microsoft.com/office/drawing/2014/main" id="{1E60A0FB-EADF-D037-C427-F18949D602C3}"/>
-              </a:ext>
-            </a:extLst>
-          </p:cNvPr>
-          <p:cNvSpPr/>
-          <p:nvPr/>
-        </p:nvSpPr>
-        <p:spPr>
-          <a:xfrm>
-            <a:off x="1882522" y="3468792"/>
-            <a:ext cx="685800" cy="685800"/>
-          </a:xfrm>
-          <a:prstGeom prst="ellipse">
-            <a:avLst/>
-          </a:prstGeom>
-        </p:spPr>
-        <p:style>
-          <a:lnRef idx="2">
-            <a:schemeClr val="dk1">
-              <a:shade val="50000"/>
-            </a:schemeClr>
-          </a:lnRef>
-          <a:fillRef idx="1">
-            <a:schemeClr val="dk1"/>
-          </a:fillRef>
-          <a:effectRef idx="0">
-            <a:schemeClr val="dk1"/>
-          </a:effectRef>
-          <a:fontRef idx="minor">
-            <a:schemeClr val="lt1"/>
-          </a:fontRef>
-        </p:style>
-        <p:txBody>
-          <a:bodyPr wrap="none" rtlCol="0" anchor="ctr"/>
-          <a:lstStyle/>
-          <a:p>
-            <a:pPr algn="just"/>
-            <a:r>
-              <a:rPr lang="en-US" sz="3200" dirty="0"/>
-              <a:t>x</a:t>
-            </a:r>
-            <a:r>
-              <a:rPr lang="en-US" sz="3200" baseline="-25000" dirty="0"/>
-              <a:t>1</a:t>
-            </a:r>
-          </a:p>
-        </p:txBody>
-      </p:sp>
-      <p:cxnSp>
-        <p:nvCxnSpPr>
-          <p:cNvPr id="24" name="Straight Arrow Connector 23">
-            <a:extLst>
-              <a:ext uri="{FF2B5EF4-FFF2-40B4-BE49-F238E27FC236}">
-                <a16:creationId xmlns:a16="http://schemas.microsoft.com/office/drawing/2014/main" id="{A678FD6E-7E9E-9CEB-2C28-E7429A018911}"/>
-              </a:ext>
-            </a:extLst>
-          </p:cNvPr>
-          <p:cNvCxnSpPr>
-            <a:stCxn id="22" idx="4"/>
-            <a:endCxn id="23" idx="0"/>
-          </p:cNvCxnSpPr>
-          <p:nvPr/>
-        </p:nvCxnSpPr>
-        <p:spPr>
-          <a:xfrm>
-            <a:off x="2225422" y="2935392"/>
-            <a:ext cx="0" cy="533400"/>
-          </a:xfrm>
-          <a:prstGeom prst="straightConnector1">
-            <a:avLst/>
-          </a:prstGeom>
-          <a:ln>
-            <a:tailEnd type="arrow"/>
-          </a:ln>
-        </p:spPr>
-        <p:style>
-          <a:lnRef idx="2">
-            <a:schemeClr val="dk1"/>
-          </a:lnRef>
-          <a:fillRef idx="1">
-            <a:schemeClr val="lt1"/>
-          </a:fillRef>
-          <a:effectRef idx="0">
-            <a:schemeClr val="dk1"/>
-          </a:effectRef>
-          <a:fontRef idx="minor">
-            <a:schemeClr val="dk1"/>
-          </a:fontRef>
-        </p:style>
-      </p:cxnSp>
-      <p:sp>
-        <p:nvSpPr>
-          <p:cNvPr id="25" name="Oval 24">
-            <a:extLst>
-              <a:ext uri="{FF2B5EF4-FFF2-40B4-BE49-F238E27FC236}">
-                <a16:creationId xmlns:a16="http://schemas.microsoft.com/office/drawing/2014/main" id="{CA9B7167-DA90-BE14-506E-73A8A25FADC1}"/>
-              </a:ext>
-            </a:extLst>
-          </p:cNvPr>
-          <p:cNvSpPr/>
-          <p:nvPr/>
-        </p:nvSpPr>
-        <p:spPr>
-          <a:xfrm>
-            <a:off x="3684767" y="2249592"/>
-            <a:ext cx="685800" cy="685800"/>
-          </a:xfrm>
-          <a:prstGeom prst="ellipse">
-            <a:avLst/>
-          </a:prstGeom>
-        </p:spPr>
-        <p:style>
-          <a:lnRef idx="2">
-            <a:schemeClr val="dk1"/>
-          </a:lnRef>
-          <a:fillRef idx="1">
-            <a:schemeClr val="lt1"/>
-          </a:fillRef>
-          <a:effectRef idx="0">
-            <a:schemeClr val="dk1"/>
-          </a:effectRef>
-          <a:fontRef idx="minor">
-            <a:schemeClr val="dk1"/>
-          </a:fontRef>
-        </p:style>
-        <p:txBody>
-          <a:bodyPr wrap="none" rtlCol="0" anchor="ctr"/>
-          <a:lstStyle/>
-          <a:p>
-            <a:pPr algn="just"/>
-            <a:r>
-              <a:rPr lang="en-US" sz="3200" dirty="0"/>
-              <a:t>z</a:t>
-            </a:r>
-            <a:r>
-              <a:rPr lang="en-US" sz="3200" baseline="-25000" dirty="0"/>
-              <a:t>2</a:t>
-            </a:r>
-          </a:p>
-        </p:txBody>
-      </p:sp>
-      <p:sp>
-        <p:nvSpPr>
-          <p:cNvPr id="26" name="Oval 25">
-            <a:extLst>
-              <a:ext uri="{FF2B5EF4-FFF2-40B4-BE49-F238E27FC236}">
-                <a16:creationId xmlns:a16="http://schemas.microsoft.com/office/drawing/2014/main" id="{A726A9D9-37E3-D622-A82C-D493AD858407}"/>
-              </a:ext>
-            </a:extLst>
-          </p:cNvPr>
-          <p:cNvSpPr/>
-          <p:nvPr/>
-        </p:nvSpPr>
-        <p:spPr>
-          <a:xfrm>
-            <a:off x="3684767" y="3468792"/>
-            <a:ext cx="685800" cy="685800"/>
-          </a:xfrm>
-          <a:prstGeom prst="ellipse">
-            <a:avLst/>
-          </a:prstGeom>
-        </p:spPr>
-        <p:style>
-          <a:lnRef idx="2">
-            <a:schemeClr val="dk1">
-              <a:shade val="50000"/>
-            </a:schemeClr>
-          </a:lnRef>
-          <a:fillRef idx="1">
-            <a:schemeClr val="dk1"/>
-          </a:fillRef>
-          <a:effectRef idx="0">
-            <a:schemeClr val="dk1"/>
-          </a:effectRef>
-          <a:fontRef idx="minor">
-            <a:schemeClr val="lt1"/>
-          </a:fontRef>
-        </p:style>
-        <p:txBody>
-          <a:bodyPr wrap="none" rtlCol="0" anchor="ctr"/>
-          <a:lstStyle/>
-          <a:p>
-            <a:pPr algn="just"/>
-            <a:r>
-              <a:rPr lang="en-US" sz="3200" dirty="0"/>
-              <a:t>x</a:t>
-            </a:r>
-            <a:r>
-              <a:rPr lang="en-US" sz="3200" baseline="-25000" dirty="0"/>
-              <a:t>2</a:t>
-            </a:r>
-          </a:p>
-        </p:txBody>
-      </p:sp>
-      <p:cxnSp>
-        <p:nvCxnSpPr>
-          <p:cNvPr id="27" name="Straight Arrow Connector 26">
-            <a:extLst>
-              <a:ext uri="{FF2B5EF4-FFF2-40B4-BE49-F238E27FC236}">
-                <a16:creationId xmlns:a16="http://schemas.microsoft.com/office/drawing/2014/main" id="{9CAE63C2-466C-68EB-57E9-7815476CFE6A}"/>
-              </a:ext>
-            </a:extLst>
-          </p:cNvPr>
-          <p:cNvCxnSpPr>
-            <a:stCxn id="25" idx="4"/>
-            <a:endCxn id="26" idx="0"/>
-          </p:cNvCxnSpPr>
-          <p:nvPr/>
-        </p:nvCxnSpPr>
-        <p:spPr>
-          <a:xfrm>
-            <a:off x="4027667" y="2935392"/>
-            <a:ext cx="0" cy="533400"/>
-          </a:xfrm>
-          <a:prstGeom prst="straightConnector1">
-            <a:avLst/>
-          </a:prstGeom>
-          <a:ln>
-            <a:tailEnd type="arrow"/>
-          </a:ln>
-        </p:spPr>
-        <p:style>
-          <a:lnRef idx="2">
-            <a:schemeClr val="dk1"/>
-          </a:lnRef>
-          <a:fillRef idx="1">
-            <a:schemeClr val="lt1"/>
-          </a:fillRef>
-          <a:effectRef idx="0">
-            <a:schemeClr val="dk1"/>
-          </a:effectRef>
-          <a:fontRef idx="minor">
-            <a:schemeClr val="dk1"/>
-          </a:fontRef>
-        </p:style>
-      </p:cxnSp>
-      <p:cxnSp>
-        <p:nvCxnSpPr>
-          <p:cNvPr id="28" name="Straight Arrow Connector 27">
-            <a:extLst>
-              <a:ext uri="{FF2B5EF4-FFF2-40B4-BE49-F238E27FC236}">
-                <a16:creationId xmlns:a16="http://schemas.microsoft.com/office/drawing/2014/main" id="{83028E1A-377C-99B9-4191-95D3B1D524EC}"/>
-              </a:ext>
-            </a:extLst>
-          </p:cNvPr>
-          <p:cNvCxnSpPr>
-            <a:stCxn id="22" idx="6"/>
-            <a:endCxn id="25" idx="2"/>
-          </p:cNvCxnSpPr>
-          <p:nvPr/>
-        </p:nvCxnSpPr>
-        <p:spPr>
-          <a:xfrm>
-            <a:off x="2568322" y="2592492"/>
-            <a:ext cx="1116445" cy="0"/>
-          </a:xfrm>
-          <a:prstGeom prst="straightConnector1">
-            <a:avLst/>
-          </a:prstGeom>
-          <a:ln>
-            <a:tailEnd type="arrow"/>
-          </a:ln>
-        </p:spPr>
-        <p:style>
-          <a:lnRef idx="2">
-            <a:schemeClr val="dk1"/>
-          </a:lnRef>
-          <a:fillRef idx="1">
-            <a:schemeClr val="lt1"/>
-          </a:fillRef>
-          <a:effectRef idx="0">
-            <a:schemeClr val="dk1"/>
-          </a:effectRef>
-          <a:fontRef idx="minor">
-            <a:schemeClr val="dk1"/>
-          </a:fontRef>
-        </p:style>
-      </p:cxnSp>
-      <p:sp>
-        <p:nvSpPr>
-          <p:cNvPr id="29" name="Oval 28">
-            <a:extLst>
-              <a:ext uri="{FF2B5EF4-FFF2-40B4-BE49-F238E27FC236}">
-                <a16:creationId xmlns:a16="http://schemas.microsoft.com/office/drawing/2014/main" id="{12FC555A-02D0-0E93-F418-0C13A6710EDE}"/>
-              </a:ext>
-            </a:extLst>
-          </p:cNvPr>
-          <p:cNvSpPr/>
-          <p:nvPr/>
-        </p:nvSpPr>
-        <p:spPr>
-          <a:xfrm>
-            <a:off x="5437367" y="2249592"/>
-            <a:ext cx="685800" cy="685800"/>
-          </a:xfrm>
-          <a:prstGeom prst="ellipse">
-            <a:avLst/>
-          </a:prstGeom>
-        </p:spPr>
-        <p:style>
-          <a:lnRef idx="2">
-            <a:schemeClr val="dk1"/>
-          </a:lnRef>
-          <a:fillRef idx="1">
-            <a:schemeClr val="lt1"/>
-          </a:fillRef>
-          <a:effectRef idx="0">
-            <a:schemeClr val="dk1"/>
-          </a:effectRef>
-          <a:fontRef idx="minor">
-            <a:schemeClr val="dk1"/>
-          </a:fontRef>
-        </p:style>
-        <p:txBody>
-          <a:bodyPr wrap="none" rtlCol="0" anchor="ctr"/>
-          <a:lstStyle/>
-          <a:p>
-            <a:pPr algn="just"/>
-            <a:r>
-              <a:rPr lang="en-US" sz="3200" dirty="0"/>
-              <a:t>z</a:t>
-            </a:r>
-            <a:r>
-              <a:rPr lang="en-US" sz="3200" baseline="-25000" dirty="0"/>
-              <a:t>3</a:t>
-            </a:r>
-          </a:p>
-        </p:txBody>
-      </p:sp>
-      <p:sp>
-        <p:nvSpPr>
-          <p:cNvPr id="30" name="Oval 29">
-            <a:extLst>
-              <a:ext uri="{FF2B5EF4-FFF2-40B4-BE49-F238E27FC236}">
-                <a16:creationId xmlns:a16="http://schemas.microsoft.com/office/drawing/2014/main" id="{5163C422-3668-8431-598F-141E3689815B}"/>
-              </a:ext>
-            </a:extLst>
-          </p:cNvPr>
-          <p:cNvSpPr/>
-          <p:nvPr/>
-        </p:nvSpPr>
-        <p:spPr>
-          <a:xfrm>
-            <a:off x="5437367" y="3468792"/>
-            <a:ext cx="685800" cy="685800"/>
-          </a:xfrm>
-          <a:prstGeom prst="ellipse">
-            <a:avLst/>
-          </a:prstGeom>
-        </p:spPr>
-        <p:style>
-          <a:lnRef idx="2">
-            <a:schemeClr val="dk1">
-              <a:shade val="50000"/>
-            </a:schemeClr>
-          </a:lnRef>
-          <a:fillRef idx="1">
-            <a:schemeClr val="dk1"/>
-          </a:fillRef>
-          <a:effectRef idx="0">
-            <a:schemeClr val="dk1"/>
-          </a:effectRef>
-          <a:fontRef idx="minor">
-            <a:schemeClr val="lt1"/>
-          </a:fontRef>
-        </p:style>
-        <p:txBody>
-          <a:bodyPr wrap="none" rtlCol="0" anchor="ctr"/>
-          <a:lstStyle/>
-          <a:p>
-            <a:pPr algn="just"/>
-            <a:r>
-              <a:rPr lang="en-US" sz="3200" dirty="0"/>
-              <a:t>x</a:t>
-            </a:r>
-            <a:r>
-              <a:rPr lang="en-US" sz="3200" baseline="-25000" dirty="0"/>
-              <a:t>3</a:t>
-            </a:r>
-          </a:p>
-        </p:txBody>
-      </p:sp>
-      <p:cxnSp>
-        <p:nvCxnSpPr>
-          <p:cNvPr id="31" name="Straight Arrow Connector 30">
-            <a:extLst>
-              <a:ext uri="{FF2B5EF4-FFF2-40B4-BE49-F238E27FC236}">
-                <a16:creationId xmlns:a16="http://schemas.microsoft.com/office/drawing/2014/main" id="{93C54849-5306-09A3-CE79-1B4BA108AA66}"/>
-              </a:ext>
-            </a:extLst>
-          </p:cNvPr>
-          <p:cNvCxnSpPr>
-            <a:stCxn id="29" idx="4"/>
-            <a:endCxn id="30" idx="0"/>
-          </p:cNvCxnSpPr>
-          <p:nvPr/>
-        </p:nvCxnSpPr>
-        <p:spPr>
-          <a:xfrm>
-            <a:off x="5780267" y="2935392"/>
-            <a:ext cx="0" cy="533400"/>
-          </a:xfrm>
-          <a:prstGeom prst="straightConnector1">
-            <a:avLst/>
-          </a:prstGeom>
-          <a:ln>
-            <a:tailEnd type="arrow"/>
-          </a:ln>
-        </p:spPr>
-        <p:style>
-          <a:lnRef idx="2">
-            <a:schemeClr val="dk1"/>
-          </a:lnRef>
-          <a:fillRef idx="1">
-            <a:schemeClr val="lt1"/>
-          </a:fillRef>
-          <a:effectRef idx="0">
-            <a:schemeClr val="dk1"/>
-          </a:effectRef>
-          <a:fontRef idx="minor">
-            <a:schemeClr val="dk1"/>
-          </a:fontRef>
-        </p:style>
-      </p:cxnSp>
-      <p:cxnSp>
-        <p:nvCxnSpPr>
-          <p:cNvPr id="32" name="Straight Arrow Connector 31">
-            <a:extLst>
-              <a:ext uri="{FF2B5EF4-FFF2-40B4-BE49-F238E27FC236}">
-                <a16:creationId xmlns:a16="http://schemas.microsoft.com/office/drawing/2014/main" id="{F68EE775-34CF-5F47-268D-7E0D74FA5103}"/>
-              </a:ext>
-            </a:extLst>
-          </p:cNvPr>
-          <p:cNvCxnSpPr>
-            <a:stCxn id="25" idx="6"/>
-            <a:endCxn id="29" idx="2"/>
-          </p:cNvCxnSpPr>
-          <p:nvPr/>
-        </p:nvCxnSpPr>
-        <p:spPr>
-          <a:xfrm>
-            <a:off x="4370567" y="2592492"/>
-            <a:ext cx="1066800" cy="0"/>
-          </a:xfrm>
-          <a:prstGeom prst="straightConnector1">
-            <a:avLst/>
-          </a:prstGeom>
-          <a:ln>
-            <a:tailEnd type="arrow"/>
-          </a:ln>
-        </p:spPr>
-        <p:style>
-          <a:lnRef idx="2">
-            <a:schemeClr val="dk1"/>
-          </a:lnRef>
-          <a:fillRef idx="1">
-            <a:schemeClr val="lt1"/>
-          </a:fillRef>
-          <a:effectRef idx="0">
-            <a:schemeClr val="dk1"/>
-          </a:effectRef>
-          <a:fontRef idx="minor">
-            <a:schemeClr val="dk1"/>
-          </a:fontRef>
-        </p:style>
-      </p:cxnSp>
-      <p:sp>
-        <p:nvSpPr>
-          <p:cNvPr id="33" name="Oval 32">
-            <a:extLst>
-              <a:ext uri="{FF2B5EF4-FFF2-40B4-BE49-F238E27FC236}">
-                <a16:creationId xmlns:a16="http://schemas.microsoft.com/office/drawing/2014/main" id="{61AD8843-E7FA-8BD1-ABDC-EC5150D2FD0D}"/>
-              </a:ext>
-            </a:extLst>
-          </p:cNvPr>
-          <p:cNvSpPr/>
-          <p:nvPr/>
-        </p:nvSpPr>
-        <p:spPr>
-          <a:xfrm>
-            <a:off x="7266167" y="2249592"/>
-            <a:ext cx="685800" cy="685800"/>
-          </a:xfrm>
-          <a:prstGeom prst="ellipse">
-            <a:avLst/>
-          </a:prstGeom>
-        </p:spPr>
-        <p:style>
-          <a:lnRef idx="2">
-            <a:schemeClr val="dk1"/>
-          </a:lnRef>
-          <a:fillRef idx="1">
-            <a:schemeClr val="lt1"/>
-          </a:fillRef>
-          <a:effectRef idx="0">
-            <a:schemeClr val="dk1"/>
-          </a:effectRef>
-          <a:fontRef idx="minor">
-            <a:schemeClr val="dk1"/>
-          </a:fontRef>
-        </p:style>
-        <p:txBody>
-          <a:bodyPr wrap="none" rtlCol="0" anchor="ctr"/>
-          <a:lstStyle/>
-          <a:p>
-            <a:pPr algn="just"/>
-            <a:r>
-              <a:rPr lang="en-US" sz="3200" dirty="0"/>
-              <a:t>z</a:t>
-            </a:r>
-            <a:r>
-              <a:rPr lang="en-US" sz="3200" baseline="-25000" dirty="0"/>
-              <a:t>4</a:t>
-            </a:r>
-          </a:p>
-        </p:txBody>
-      </p:sp>
-      <p:sp>
-        <p:nvSpPr>
-          <p:cNvPr id="34" name="Oval 33">
-            <a:extLst>
-              <a:ext uri="{FF2B5EF4-FFF2-40B4-BE49-F238E27FC236}">
-                <a16:creationId xmlns:a16="http://schemas.microsoft.com/office/drawing/2014/main" id="{E72D987B-C199-1D9E-390E-C4BFD4500CED}"/>
-              </a:ext>
-            </a:extLst>
-          </p:cNvPr>
-          <p:cNvSpPr/>
-          <p:nvPr/>
-        </p:nvSpPr>
-        <p:spPr>
-          <a:xfrm>
-            <a:off x="7266167" y="3468792"/>
-            <a:ext cx="685800" cy="685800"/>
-          </a:xfrm>
-          <a:prstGeom prst="ellipse">
-            <a:avLst/>
-          </a:prstGeom>
-        </p:spPr>
-        <p:style>
-          <a:lnRef idx="2">
-            <a:schemeClr val="dk1">
-              <a:shade val="50000"/>
-            </a:schemeClr>
-          </a:lnRef>
-          <a:fillRef idx="1">
-            <a:schemeClr val="dk1"/>
-          </a:fillRef>
-          <a:effectRef idx="0">
-            <a:schemeClr val="dk1"/>
-          </a:effectRef>
-          <a:fontRef idx="minor">
-            <a:schemeClr val="lt1"/>
-          </a:fontRef>
-        </p:style>
-        <p:txBody>
-          <a:bodyPr wrap="none" rtlCol="0" anchor="ctr"/>
-          <a:lstStyle/>
-          <a:p>
-            <a:pPr algn="just"/>
-            <a:r>
-              <a:rPr lang="en-US" sz="3200" dirty="0"/>
-              <a:t>x</a:t>
-            </a:r>
-            <a:r>
-              <a:rPr lang="en-US" sz="3200" baseline="-25000" dirty="0"/>
-              <a:t>4</a:t>
-            </a:r>
-          </a:p>
-        </p:txBody>
-      </p:sp>
-      <p:cxnSp>
-        <p:nvCxnSpPr>
-          <p:cNvPr id="35" name="Straight Arrow Connector 34">
-            <a:extLst>
-              <a:ext uri="{FF2B5EF4-FFF2-40B4-BE49-F238E27FC236}">
-                <a16:creationId xmlns:a16="http://schemas.microsoft.com/office/drawing/2014/main" id="{9271EC86-520A-9753-70DE-CB14D2B0E9C8}"/>
-              </a:ext>
-            </a:extLst>
-          </p:cNvPr>
-          <p:cNvCxnSpPr>
-            <a:stCxn id="33" idx="4"/>
-            <a:endCxn id="34" idx="0"/>
-          </p:cNvCxnSpPr>
-          <p:nvPr/>
-        </p:nvCxnSpPr>
-        <p:spPr>
-          <a:xfrm>
-            <a:off x="7609067" y="2935392"/>
-            <a:ext cx="0" cy="533400"/>
-          </a:xfrm>
-          <a:prstGeom prst="straightConnector1">
-            <a:avLst/>
-          </a:prstGeom>
-          <a:ln>
-            <a:tailEnd type="arrow"/>
-          </a:ln>
-        </p:spPr>
-        <p:style>
-          <a:lnRef idx="2">
-            <a:schemeClr val="dk1"/>
-          </a:lnRef>
-          <a:fillRef idx="1">
-            <a:schemeClr val="lt1"/>
-          </a:fillRef>
-          <a:effectRef idx="0">
-            <a:schemeClr val="dk1"/>
-          </a:effectRef>
-          <a:fontRef idx="minor">
-            <a:schemeClr val="dk1"/>
-          </a:fontRef>
-        </p:style>
-      </p:cxnSp>
-      <p:cxnSp>
-        <p:nvCxnSpPr>
-          <p:cNvPr id="36" name="Straight Arrow Connector 35">
-            <a:extLst>
-              <a:ext uri="{FF2B5EF4-FFF2-40B4-BE49-F238E27FC236}">
-                <a16:creationId xmlns:a16="http://schemas.microsoft.com/office/drawing/2014/main" id="{64D65D3A-945E-B636-77B5-A015E6430BE6}"/>
-              </a:ext>
-            </a:extLst>
-          </p:cNvPr>
-          <p:cNvCxnSpPr>
-            <a:stCxn id="29" idx="6"/>
-            <a:endCxn id="33" idx="2"/>
-          </p:cNvCxnSpPr>
-          <p:nvPr/>
-        </p:nvCxnSpPr>
-        <p:spPr>
-          <a:xfrm>
-            <a:off x="6123167" y="2592492"/>
-            <a:ext cx="1143000" cy="0"/>
-          </a:xfrm>
-          <a:prstGeom prst="straightConnector1">
-            <a:avLst/>
-          </a:prstGeom>
-          <a:ln>
-            <a:tailEnd type="arrow"/>
-          </a:ln>
-        </p:spPr>
-        <p:style>
-          <a:lnRef idx="2">
-            <a:schemeClr val="dk1"/>
-          </a:lnRef>
-          <a:fillRef idx="1">
-            <a:schemeClr val="lt1"/>
-          </a:fillRef>
-          <a:effectRef idx="0">
-            <a:schemeClr val="dk1"/>
-          </a:effectRef>
-          <a:fontRef idx="minor">
-            <a:schemeClr val="dk1"/>
-          </a:fontRef>
-        </p:style>
-      </p:cxnSp>
-      <p:sp>
-        <p:nvSpPr>
-          <p:cNvPr id="37" name="TextBox 36">
-            <a:extLst>
-              <a:ext uri="{FF2B5EF4-FFF2-40B4-BE49-F238E27FC236}">
-                <a16:creationId xmlns:a16="http://schemas.microsoft.com/office/drawing/2014/main" id="{F4BB0E63-6CE8-6BA2-61F7-4344B77A07B0}"/>
-              </a:ext>
-            </a:extLst>
-          </p:cNvPr>
-          <p:cNvSpPr txBox="1"/>
-          <p:nvPr/>
-        </p:nvSpPr>
-        <p:spPr>
-          <a:xfrm>
-            <a:off x="2466845" y="2161460"/>
-            <a:ext cx="1385444" cy="461665"/>
+            <a:off x="2560176" y="1498553"/>
+            <a:ext cx="6583824" cy="4760611"/>
           </a:xfrm>
           <a:prstGeom prst="rect">
             <a:avLst/>
           </a:prstGeom>
-          <a:noFill/>
         </p:spPr>
-        <p:txBody>
-          <a:bodyPr wrap="none" rtlCol="0">
-            <a:spAutoFit/>
-          </a:bodyPr>
-          <a:lstStyle/>
-          <a:p>
-            <a:r>
-              <a:rPr lang="en-US" sz="2400" dirty="0"/>
-              <a:t>transition</a:t>
-            </a:r>
-          </a:p>
-        </p:txBody>
-      </p:sp>
-      <p:sp>
-        <p:nvSpPr>
-          <p:cNvPr id="38" name="TextBox 37">
+      </p:pic>
+      <p:cxnSp>
+        <p:nvCxnSpPr>
+          <p:cNvPr id="8" name="Straight Connector 7">
             <a:extLst>
               <a:ext uri="{FF2B5EF4-FFF2-40B4-BE49-F238E27FC236}">
-                <a16:creationId xmlns:a16="http://schemas.microsoft.com/office/drawing/2014/main" id="{2D55688E-BD67-8777-EEFA-4F4D01A64D3A}"/>
+                <a16:creationId xmlns:a16="http://schemas.microsoft.com/office/drawing/2014/main" id="{EF05D821-E347-46E4-4CE8-3DC63021CAF6}"/>
               </a:ext>
             </a:extLst>
           </p:cNvPr>
-          <p:cNvSpPr txBox="1"/>
+          <p:cNvCxnSpPr/>
           <p:nvPr/>
-        </p:nvSpPr>
-        <p:spPr>
-          <a:xfrm>
-            <a:off x="1870432" y="2935392"/>
-            <a:ext cx="1289135" cy="461665"/>
+        </p:nvCxnSpPr>
+        <p:spPr bwMode="auto">
+          <a:xfrm flipH="1">
+            <a:off x="609600" y="2581835"/>
+            <a:ext cx="4554071" cy="0"/>
           </a:xfrm>
-          <a:prstGeom prst="rect">
+          <a:prstGeom prst="line">
             <a:avLst/>
           </a:prstGeom>
-          <a:noFill/>
+          <a:solidFill>
+            <a:schemeClr val="accent1"/>
+          </a:solidFill>
+          <a:ln w="25400" cap="flat" cmpd="sng" algn="ctr">
+            <a:solidFill>
+              <a:schemeClr val="accent4"/>
+            </a:solidFill>
+            <a:prstDash val="solid"/>
+            <a:round/>
+            <a:headEnd type="none" w="med" len="med"/>
+            <a:tailEnd type="none"/>
+          </a:ln>
+          <a:effectLst/>
         </p:spPr>
-        <p:txBody>
-          <a:bodyPr wrap="none" rtlCol="0">
-            <a:spAutoFit/>
-          </a:bodyPr>
-          <a:lstStyle/>
-          <a:p>
-            <a:r>
-              <a:rPr lang="en-US" sz="2400" dirty="0"/>
-              <a:t>emission</a:t>
-            </a:r>
-          </a:p>
-        </p:txBody>
-      </p:sp>
-    </p:spTree>
-    <p:extLst>
-      <p:ext uri="{BB962C8B-B14F-4D97-AF65-F5344CB8AC3E}">
-        <p14:creationId xmlns:p14="http://schemas.microsoft.com/office/powerpoint/2010/main" val="2242316391"/>
-      </p:ext>
-    </p:extLst>
-  </p:cSld>
-  <p:clrMapOvr>
-    <a:masterClrMapping/>
-  </p:clrMapOvr>
-</p:sld>
-</file>
-
-<file path=ppt/slides/slide22.xml><?xml version="1.0" encoding="utf-8"?>
-<p:sld xmlns:a="http://schemas.openxmlformats.org/drawingml/2006/main" xmlns:r="http://schemas.openxmlformats.org/officeDocument/2006/relationships" xmlns:p="http://schemas.openxmlformats.org/presentationml/2006/main">
-  <p:cSld>
-    <p:spTree>
-      <p:nvGrpSpPr>
-        <p:cNvPr id="1" name=""/>
-        <p:cNvGrpSpPr/>
-        <p:nvPr/>
-      </p:nvGrpSpPr>
-      <p:grpSpPr>
-        <a:xfrm>
-          <a:off x="0" y="0"/>
-          <a:ext cx="0" cy="0"/>
-          <a:chOff x="0" y="0"/>
-          <a:chExt cx="0" cy="0"/>
-        </a:xfrm>
-      </p:grpSpPr>
+      </p:cxnSp>
+      <p:cxnSp>
+        <p:nvCxnSpPr>
+          <p:cNvPr id="9" name="Straight Connector 8">
+            <a:extLst>
+              <a:ext uri="{FF2B5EF4-FFF2-40B4-BE49-F238E27FC236}">
+                <a16:creationId xmlns:a16="http://schemas.microsoft.com/office/drawing/2014/main" id="{7626A836-65A6-FF36-B564-CC2339306266}"/>
+              </a:ext>
+            </a:extLst>
+          </p:cNvPr>
+          <p:cNvCxnSpPr/>
+          <p:nvPr/>
+        </p:nvCxnSpPr>
+        <p:spPr bwMode="auto">
+          <a:xfrm flipH="1">
+            <a:off x="609600" y="2949388"/>
+            <a:ext cx="4554071" cy="0"/>
+          </a:xfrm>
+          <a:prstGeom prst="line">
+            <a:avLst/>
+          </a:prstGeom>
+          <a:solidFill>
+            <a:schemeClr val="accent1"/>
+          </a:solidFill>
+          <a:ln w="25400" cap="flat" cmpd="sng" algn="ctr">
+            <a:solidFill>
+              <a:schemeClr val="accent4"/>
+            </a:solidFill>
+            <a:prstDash val="solid"/>
+            <a:round/>
+            <a:headEnd type="none" w="med" len="med"/>
+            <a:tailEnd type="none"/>
+          </a:ln>
+          <a:effectLst/>
+        </p:spPr>
+      </p:cxnSp>
       <mc:AlternateContent xmlns:mc="http://schemas.openxmlformats.org/markup-compatibility/2006" xmlns:a14="http://schemas.microsoft.com/office/drawing/2010/main">
         <mc:Choice Requires="a14">
           <p:sp>
             <p:nvSpPr>
-              <p:cNvPr id="2" name="Content Placeholder 1">
+              <p:cNvPr id="10" name="TextBox 9">
                 <a:extLst>
                   <a:ext uri="{FF2B5EF4-FFF2-40B4-BE49-F238E27FC236}">
-                    <a16:creationId xmlns:a16="http://schemas.microsoft.com/office/drawing/2014/main" id="{9F44E1E0-78BA-8420-2B81-F9BAF96F24D9}"/>
+                    <a16:creationId xmlns:a16="http://schemas.microsoft.com/office/drawing/2014/main" id="{9C3D6BEE-D91E-2951-4E26-0D5873C4EC30}"/>
                   </a:ext>
                 </a:extLst>
               </p:cNvPr>
-              <p:cNvSpPr>
-                <a:spLocks noGrp="1"/>
-              </p:cNvSpPr>
-              <p:nvPr>
-                <p:ph idx="1"/>
-              </p:nvPr>
+              <p:cNvSpPr txBox="1"/>
+              <p:nvPr/>
             </p:nvSpPr>
-            <p:spPr/>
+            <p:spPr>
+              <a:xfrm>
+                <a:off x="0" y="2529857"/>
+                <a:ext cx="2540375" cy="509178"/>
+              </a:xfrm>
+              <a:prstGeom prst="rect">
+                <a:avLst/>
+              </a:prstGeom>
+              <a:noFill/>
+            </p:spPr>
             <p:txBody>
-              <a:bodyPr/>
+              <a:bodyPr wrap="none" rtlCol="0">
+                <a:spAutoFit/>
+              </a:bodyPr>
               <a:lstStyle/>
               <a:p>
-                <a:r>
-                  <a:rPr lang="en-US" dirty="0"/>
-                  <a:t>EM again</a:t>
-                </a:r>
-              </a:p>
-              <a:p>
+                <a:pPr/>
                 <a14:m>
-                  <m:oMath xmlns:m="http://schemas.openxmlformats.org/officeDocument/2006/math">
-                    <m:func>
-                      <m:funcPr>
-                        <m:ctrlPr>
-                          <a:rPr lang="en-US" b="0" i="1" smtClean="0">
-                            <a:latin typeface="Cambria Math" panose="02040503050406030204" pitchFamily="18" charset="0"/>
-                          </a:rPr>
-                        </m:ctrlPr>
-                      </m:funcPr>
-                      <m:fName>
-                        <m:r>
-                          <m:rPr>
-                            <m:sty m:val="p"/>
-                          </m:rPr>
-                          <a:rPr lang="en-US" b="0" i="0" smtClean="0">
-                            <a:latin typeface="Cambria Math" panose="02040503050406030204" pitchFamily="18" charset="0"/>
-                          </a:rPr>
-                          <m:t>arg</m:t>
-                        </m:r>
-                      </m:fName>
-                      <m:e>
-                        <m:func>
-                          <m:funcPr>
-                            <m:ctrlPr>
-                              <a:rPr lang="en-US" b="0" i="1" smtClean="0">
-                                <a:latin typeface="Cambria Math" panose="02040503050406030204" pitchFamily="18" charset="0"/>
-                              </a:rPr>
-                            </m:ctrlPr>
-                          </m:funcPr>
-                          <m:fName>
-                            <m:limLow>
-                              <m:limLowPr>
-                                <m:ctrlPr>
-                                  <a:rPr lang="en-US" b="0" i="1" smtClean="0">
-                                    <a:latin typeface="Cambria Math" panose="02040503050406030204" pitchFamily="18" charset="0"/>
-                                  </a:rPr>
-                                </m:ctrlPr>
-                              </m:limLowPr>
-                              <m:e>
-                                <m:r>
-                                  <m:rPr>
-                                    <m:sty m:val="p"/>
-                                  </m:rPr>
-                                  <a:rPr lang="en-US" b="0" i="0" smtClean="0">
-                                    <a:latin typeface="Cambria Math" panose="02040503050406030204" pitchFamily="18" charset="0"/>
-                                  </a:rPr>
-                                  <m:t>max</m:t>
-                                </m:r>
-                              </m:e>
-                              <m:lim>
-                                <m:r>
-                                  <a:rPr lang="en-US" b="0" i="1" smtClean="0">
-                                    <a:latin typeface="Cambria Math" panose="02040503050406030204" pitchFamily="18" charset="0"/>
-                                  </a:rPr>
-                                  <m:t>𝜃</m:t>
-                                </m:r>
-                              </m:lim>
-                            </m:limLow>
-                          </m:fName>
-                          <m:e>
-                            <m:sSub>
-                              <m:sSubPr>
-                                <m:ctrlPr>
-                                  <a:rPr lang="en-US" i="1">
-                                    <a:latin typeface="Cambria Math" panose="02040503050406030204" pitchFamily="18" charset="0"/>
-                                  </a:rPr>
-                                </m:ctrlPr>
-                              </m:sSubPr>
-                              <m:e>
-                                <m:r>
-                                  <a:rPr lang="en-US" i="1">
-                                    <a:latin typeface="Cambria Math" panose="02040503050406030204" pitchFamily="18" charset="0"/>
-                                  </a:rPr>
-                                  <m:t>𝐸</m:t>
-                                </m:r>
-                              </m:e>
-                              <m:sub>
-                                <m:r>
-                                  <a:rPr lang="en-US" i="1">
-                                    <a:latin typeface="Cambria Math" panose="02040503050406030204" pitchFamily="18" charset="0"/>
-                                  </a:rPr>
-                                  <m:t>𝑝</m:t>
-                                </m:r>
-                                <m:r>
-                                  <a:rPr lang="en-US" i="1">
-                                    <a:latin typeface="Cambria Math" panose="02040503050406030204" pitchFamily="18" charset="0"/>
-                                  </a:rPr>
-                                  <m:t>(</m:t>
-                                </m:r>
-                                <m:sSub>
-                                  <m:sSubPr>
-                                    <m:ctrlPr>
-                                      <a:rPr lang="en-US" i="1">
-                                        <a:latin typeface="Cambria Math" panose="02040503050406030204" pitchFamily="18" charset="0"/>
-                                      </a:rPr>
-                                    </m:ctrlPr>
-                                  </m:sSubPr>
-                                  <m:e>
-                                    <m:r>
-                                      <a:rPr lang="en-US" i="1">
-                                        <a:latin typeface="Cambria Math" panose="02040503050406030204" pitchFamily="18" charset="0"/>
-                                      </a:rPr>
-                                      <m:t>𝑧</m:t>
-                                    </m:r>
-                                  </m:e>
-                                  <m:sub>
-                                    <m:r>
-                                      <a:rPr lang="en-US" i="1">
-                                        <a:latin typeface="Cambria Math" panose="02040503050406030204" pitchFamily="18" charset="0"/>
-                                      </a:rPr>
-                                      <m:t>1..</m:t>
-                                    </m:r>
-                                    <m:r>
-                                      <a:rPr lang="en-US" i="1">
-                                        <a:latin typeface="Cambria Math" panose="02040503050406030204" pitchFamily="18" charset="0"/>
-                                      </a:rPr>
-                                      <m:t>𝑁</m:t>
-                                    </m:r>
-                                  </m:sub>
-                                </m:sSub>
-                                <m:r>
-                                  <a:rPr lang="en-US" i="1">
-                                    <a:latin typeface="Cambria Math" panose="02040503050406030204" pitchFamily="18" charset="0"/>
-                                  </a:rPr>
-                                  <m:t>|</m:t>
-                                </m:r>
-                                <m:sSub>
-                                  <m:sSubPr>
-                                    <m:ctrlPr>
-                                      <a:rPr lang="en-US" i="1">
-                                        <a:latin typeface="Cambria Math" panose="02040503050406030204" pitchFamily="18" charset="0"/>
-                                      </a:rPr>
-                                    </m:ctrlPr>
-                                  </m:sSubPr>
-                                  <m:e>
-                                    <m:r>
-                                      <a:rPr lang="en-US" i="1">
-                                        <a:latin typeface="Cambria Math" panose="02040503050406030204" pitchFamily="18" charset="0"/>
-                                      </a:rPr>
-                                      <m:t>𝑥</m:t>
-                                    </m:r>
-                                  </m:e>
-                                  <m:sub>
-                                    <m:r>
-                                      <a:rPr lang="en-US" i="1">
-                                        <a:latin typeface="Cambria Math" panose="02040503050406030204" pitchFamily="18" charset="0"/>
-                                      </a:rPr>
-                                      <m:t>1..</m:t>
-                                    </m:r>
-                                    <m:r>
-                                      <a:rPr lang="en-US" i="1">
-                                        <a:latin typeface="Cambria Math" panose="02040503050406030204" pitchFamily="18" charset="0"/>
-                                      </a:rPr>
-                                      <m:t>𝑁</m:t>
-                                    </m:r>
-                                  </m:sub>
-                                </m:sSub>
-                                <m:r>
-                                  <a:rPr lang="en-US" b="0" i="1" smtClean="0">
-                                    <a:latin typeface="Cambria Math" panose="02040503050406030204" pitchFamily="18" charset="0"/>
-                                  </a:rPr>
-                                  <m:t>;</m:t>
-                                </m:r>
-                                <m:sSub>
-                                  <m:sSubPr>
-                                    <m:ctrlPr>
-                                      <a:rPr lang="en-US" b="0" i="1" smtClean="0">
-                                        <a:latin typeface="Cambria Math" panose="02040503050406030204" pitchFamily="18" charset="0"/>
-                                      </a:rPr>
-                                    </m:ctrlPr>
-                                  </m:sSubPr>
-                                  <m:e>
-                                    <m:r>
-                                      <a:rPr lang="en-US" b="0" i="1" smtClean="0">
-                                        <a:latin typeface="Cambria Math" panose="02040503050406030204" pitchFamily="18" charset="0"/>
-                                      </a:rPr>
-                                      <m:t>𝜃</m:t>
-                                    </m:r>
-                                  </m:e>
-                                  <m:sub>
-                                    <m:r>
-                                      <a:rPr lang="en-US" b="0" i="1" smtClean="0">
-                                        <a:latin typeface="Cambria Math" panose="02040503050406030204" pitchFamily="18" charset="0"/>
-                                      </a:rPr>
-                                      <m:t>𝑜𝑙𝑑</m:t>
-                                    </m:r>
-                                  </m:sub>
-                                </m:sSub>
-                                <m:r>
-                                  <a:rPr lang="en-US" i="1">
-                                    <a:latin typeface="Cambria Math" panose="02040503050406030204" pitchFamily="18" charset="0"/>
-                                  </a:rPr>
-                                  <m:t>)</m:t>
-                                </m:r>
-                              </m:sub>
-                            </m:sSub>
-                            <m:func>
-                              <m:funcPr>
-                                <m:ctrlPr>
-                                  <a:rPr lang="en-US" i="1">
-                                    <a:latin typeface="Cambria Math" panose="02040503050406030204" pitchFamily="18" charset="0"/>
-                                  </a:rPr>
-                                </m:ctrlPr>
-                              </m:funcPr>
-                              <m:fName>
-                                <m:r>
-                                  <m:rPr>
-                                    <m:sty m:val="p"/>
-                                  </m:rPr>
-                                  <a:rPr lang="en-US">
-                                    <a:latin typeface="Cambria Math" panose="02040503050406030204" pitchFamily="18" charset="0"/>
-                                  </a:rPr>
-                                  <m:t>log</m:t>
-                                </m:r>
-                              </m:fName>
-                              <m:e>
-                                <m:r>
-                                  <a:rPr lang="en-US" i="1">
-                                    <a:latin typeface="Cambria Math" panose="02040503050406030204" pitchFamily="18" charset="0"/>
-                                  </a:rPr>
-                                  <m:t>𝑝</m:t>
-                                </m:r>
-                                <m:r>
-                                  <a:rPr lang="en-US" i="1">
-                                    <a:latin typeface="Cambria Math" panose="02040503050406030204" pitchFamily="18" charset="0"/>
-                                  </a:rPr>
-                                  <m:t>(</m:t>
-                                </m:r>
-                                <m:sSub>
-                                  <m:sSubPr>
-                                    <m:ctrlPr>
-                                      <a:rPr lang="en-US" i="1">
-                                        <a:latin typeface="Cambria Math" panose="02040503050406030204" pitchFamily="18" charset="0"/>
-                                      </a:rPr>
-                                    </m:ctrlPr>
-                                  </m:sSubPr>
-                                  <m:e>
-                                    <m:r>
-                                      <a:rPr lang="en-US" i="1">
-                                        <a:latin typeface="Cambria Math" panose="02040503050406030204" pitchFamily="18" charset="0"/>
-                                      </a:rPr>
-                                      <m:t>𝑥</m:t>
-                                    </m:r>
-                                  </m:e>
-                                  <m:sub>
-                                    <m:r>
-                                      <a:rPr lang="en-US" b="0" i="1" smtClean="0">
-                                        <a:latin typeface="Cambria Math" panose="02040503050406030204" pitchFamily="18" charset="0"/>
-                                      </a:rPr>
-                                      <m:t>1..</m:t>
-                                    </m:r>
-                                    <m:r>
-                                      <a:rPr lang="en-US" b="0" i="1" smtClean="0">
-                                        <a:latin typeface="Cambria Math" panose="02040503050406030204" pitchFamily="18" charset="0"/>
-                                      </a:rPr>
-                                      <m:t>𝑁</m:t>
-                                    </m:r>
-                                  </m:sub>
-                                </m:sSub>
-                                <m:r>
-                                  <a:rPr lang="en-US" i="1">
-                                    <a:latin typeface="Cambria Math" panose="02040503050406030204" pitchFamily="18" charset="0"/>
-                                  </a:rPr>
-                                  <m:t>, </m:t>
-                                </m:r>
-                                <m:sSub>
-                                  <m:sSubPr>
-                                    <m:ctrlPr>
-                                      <a:rPr lang="en-US" i="1">
-                                        <a:latin typeface="Cambria Math" panose="02040503050406030204" pitchFamily="18" charset="0"/>
-                                      </a:rPr>
-                                    </m:ctrlPr>
-                                  </m:sSubPr>
-                                  <m:e>
-                                    <m:r>
-                                      <a:rPr lang="en-US" i="1">
-                                        <a:latin typeface="Cambria Math" panose="02040503050406030204" pitchFamily="18" charset="0"/>
-                                      </a:rPr>
-                                      <m:t>𝑧</m:t>
-                                    </m:r>
-                                  </m:e>
-                                  <m:sub>
-                                    <m:r>
-                                      <a:rPr lang="en-US" b="0" i="1" smtClean="0">
-                                        <a:latin typeface="Cambria Math" panose="02040503050406030204" pitchFamily="18" charset="0"/>
-                                      </a:rPr>
-                                      <m:t>1..</m:t>
-                                    </m:r>
-                                    <m:r>
-                                      <a:rPr lang="en-US" b="0" i="1" smtClean="0">
-                                        <a:latin typeface="Cambria Math" panose="02040503050406030204" pitchFamily="18" charset="0"/>
-                                      </a:rPr>
-                                      <m:t>𝑁</m:t>
-                                    </m:r>
-                                  </m:sub>
-                                </m:sSub>
-                                <m:r>
-                                  <a:rPr lang="en-US" b="0" i="1" smtClean="0">
-                                    <a:latin typeface="Cambria Math" panose="02040503050406030204" pitchFamily="18" charset="0"/>
-                                  </a:rPr>
-                                  <m:t>|</m:t>
-                                </m:r>
-                                <m:r>
-                                  <a:rPr lang="en-US" b="0" i="1" smtClean="0">
-                                    <a:latin typeface="Cambria Math" panose="02040503050406030204" pitchFamily="18" charset="0"/>
-                                  </a:rPr>
-                                  <m:t>𝜃</m:t>
-                                </m:r>
-                                <m:r>
-                                  <a:rPr lang="en-US" i="1">
-                                    <a:latin typeface="Cambria Math" panose="02040503050406030204" pitchFamily="18" charset="0"/>
-                                  </a:rPr>
-                                  <m:t>)</m:t>
-                                </m:r>
-                              </m:e>
-                            </m:func>
-                          </m:e>
-                        </m:func>
-                      </m:e>
-                    </m:func>
-                  </m:oMath>
+                  <m:oMathPara xmlns:m="http://schemas.openxmlformats.org/officeDocument/2006/math">
+                    <m:oMathParaPr>
+                      <m:jc m:val="centerGroup"/>
+                    </m:oMathParaPr>
+                    <m:oMath xmlns:m="http://schemas.openxmlformats.org/officeDocument/2006/math">
+                      <m:r>
+                        <a:rPr lang="en-US" sz="2400" b="0" i="1" smtClean="0">
+                          <a:latin typeface="Cambria Math" panose="02040503050406030204" pitchFamily="18" charset="0"/>
+                        </a:rPr>
+                        <m:t>𝐾𝐿</m:t>
+                      </m:r>
+                      <m:r>
+                        <a:rPr lang="en-US" sz="2400" b="0" i="1" smtClean="0">
+                          <a:latin typeface="Cambria Math" panose="02040503050406030204" pitchFamily="18" charset="0"/>
+                        </a:rPr>
+                        <m:t>(</m:t>
+                      </m:r>
+                      <m:r>
+                        <a:rPr lang="en-US" sz="2400" b="0" i="1" smtClean="0">
+                          <a:latin typeface="Cambria Math" panose="02040503050406030204" pitchFamily="18" charset="0"/>
+                        </a:rPr>
+                        <m:t>𝑞</m:t>
+                      </m:r>
+                      <m:d>
+                        <m:dPr>
+                          <m:ctrlPr>
+                            <a:rPr lang="en-US" sz="2400" b="0" i="1" smtClean="0">
+                              <a:latin typeface="Cambria Math" panose="02040503050406030204" pitchFamily="18" charset="0"/>
+                            </a:rPr>
+                          </m:ctrlPr>
+                        </m:dPr>
+                        <m:e>
+                          <m:r>
+                            <a:rPr lang="en-US" sz="2400" b="0" i="1" smtClean="0">
+                              <a:latin typeface="Cambria Math" panose="02040503050406030204" pitchFamily="18" charset="0"/>
+                            </a:rPr>
+                            <m:t>𝑧</m:t>
+                          </m:r>
+                        </m:e>
+                      </m:d>
+                      <m:r>
+                        <a:rPr lang="en-US" sz="2400" b="0" i="1" smtClean="0">
+                          <a:latin typeface="Cambria Math" panose="02040503050406030204" pitchFamily="18" charset="0"/>
+                        </a:rPr>
+                        <m:t>|</m:t>
+                      </m:r>
+                      <m:d>
+                        <m:dPr>
+                          <m:begChr m:val="|"/>
+                          <m:ctrlPr>
+                            <a:rPr lang="en-US" sz="2400" b="0" i="1" smtClean="0">
+                              <a:latin typeface="Cambria Math" panose="02040503050406030204" pitchFamily="18" charset="0"/>
+                            </a:rPr>
+                          </m:ctrlPr>
+                        </m:dPr>
+                        <m:e>
+                          <m:r>
+                            <a:rPr lang="en-US" sz="2400" b="0" i="1" smtClean="0">
+                              <a:latin typeface="Cambria Math" panose="02040503050406030204" pitchFamily="18" charset="0"/>
+                            </a:rPr>
+                            <m:t>𝑝</m:t>
+                          </m:r>
+                          <m:d>
+                            <m:dPr>
+                              <m:ctrlPr>
+                                <a:rPr lang="en-US" sz="2400" b="0" i="1" smtClean="0">
+                                  <a:latin typeface="Cambria Math" panose="02040503050406030204" pitchFamily="18" charset="0"/>
+                                </a:rPr>
+                              </m:ctrlPr>
+                            </m:dPr>
+                            <m:e>
+                              <m:r>
+                                <a:rPr lang="en-US" sz="2400" b="0" i="1" smtClean="0">
+                                  <a:latin typeface="Cambria Math" panose="02040503050406030204" pitchFamily="18" charset="0"/>
+                                </a:rPr>
+                                <m:t>𝑧</m:t>
+                              </m:r>
+                            </m:e>
+                            <m:e>
+                              <m:r>
+                                <a:rPr lang="en-US" sz="2400" b="0" i="1" smtClean="0">
+                                  <a:latin typeface="Cambria Math" panose="02040503050406030204" pitchFamily="18" charset="0"/>
+                                </a:rPr>
+                                <m:t>𝑥</m:t>
+                              </m:r>
+                            </m:e>
+                          </m:d>
+                        </m:e>
+                      </m:d>
+                    </m:oMath>
+                  </m:oMathPara>
                 </a14:m>
-                <a:endParaRPr lang="en-US" dirty="0"/>
-              </a:p>
-              <a:p>
-                <a:r>
-                  <a:rPr lang="en-US" dirty="0"/>
-                  <a:t>E-step: estimate </a:t>
-                </a:r>
-                <a14:m>
-                  <m:oMath xmlns:m="http://schemas.openxmlformats.org/officeDocument/2006/math">
-                    <m:r>
-                      <a:rPr lang="en-US" b="0" i="1" smtClean="0">
-                        <a:latin typeface="Cambria Math" panose="02040503050406030204" pitchFamily="18" charset="0"/>
-                      </a:rPr>
-                      <m:t>𝑝</m:t>
-                    </m:r>
-                    <m:r>
-                      <a:rPr lang="en-US" b="0" i="1" smtClean="0">
-                        <a:latin typeface="Cambria Math" panose="02040503050406030204" pitchFamily="18" charset="0"/>
-                      </a:rPr>
-                      <m:t>(</m:t>
-                    </m:r>
-                    <m:sSub>
-                      <m:sSubPr>
-                        <m:ctrlPr>
-                          <a:rPr lang="en-US" i="1" smtClean="0">
-                            <a:latin typeface="Cambria Math" panose="02040503050406030204" pitchFamily="18" charset="0"/>
-                          </a:rPr>
-                        </m:ctrlPr>
-                      </m:sSubPr>
-                      <m:e>
-                        <m:r>
-                          <a:rPr lang="en-US" b="0" i="1" smtClean="0">
-                            <a:latin typeface="Cambria Math" panose="02040503050406030204" pitchFamily="18" charset="0"/>
-                          </a:rPr>
-                          <m:t>𝑧</m:t>
-                        </m:r>
-                      </m:e>
-                      <m:sub>
-                        <m:r>
-                          <a:rPr lang="en-US" b="0" i="1" smtClean="0">
-                            <a:latin typeface="Cambria Math" panose="02040503050406030204" pitchFamily="18" charset="0"/>
-                          </a:rPr>
-                          <m:t>𝑛</m:t>
-                        </m:r>
-                      </m:sub>
-                    </m:sSub>
-                    <m:r>
-                      <a:rPr lang="en-US" b="0" i="1" smtClean="0">
-                        <a:latin typeface="Cambria Math" panose="02040503050406030204" pitchFamily="18" charset="0"/>
-                      </a:rPr>
-                      <m:t>|</m:t>
-                    </m:r>
-                    <m:sSub>
-                      <m:sSubPr>
-                        <m:ctrlPr>
-                          <a:rPr lang="en-US" i="1" smtClean="0">
-                            <a:latin typeface="Cambria Math" panose="02040503050406030204" pitchFamily="18" charset="0"/>
-                          </a:rPr>
-                        </m:ctrlPr>
-                      </m:sSubPr>
-                      <m:e>
-                        <m:r>
-                          <a:rPr lang="en-US" b="0" i="1" smtClean="0">
-                            <a:latin typeface="Cambria Math" panose="02040503050406030204" pitchFamily="18" charset="0"/>
-                          </a:rPr>
-                          <m:t>𝑥</m:t>
-                        </m:r>
-                      </m:e>
-                      <m:sub>
-                        <m:r>
-                          <a:rPr lang="en-US" b="0" i="1" smtClean="0">
-                            <a:latin typeface="Cambria Math" panose="02040503050406030204" pitchFamily="18" charset="0"/>
-                          </a:rPr>
-                          <m:t>1..</m:t>
-                        </m:r>
-                        <m:r>
-                          <a:rPr lang="en-US" b="0" i="1" smtClean="0">
-                            <a:latin typeface="Cambria Math" panose="02040503050406030204" pitchFamily="18" charset="0"/>
-                          </a:rPr>
-                          <m:t>𝑁</m:t>
-                        </m:r>
-                      </m:sub>
-                    </m:sSub>
-                    <m:r>
-                      <a:rPr lang="en-US" b="0" i="1" smtClean="0">
-                        <a:latin typeface="Cambria Math" panose="02040503050406030204" pitchFamily="18" charset="0"/>
-                      </a:rPr>
-                      <m:t>)</m:t>
-                    </m:r>
-                  </m:oMath>
-                </a14:m>
-                <a:r>
-                  <a:rPr lang="en-US" dirty="0"/>
-                  <a:t> and </a:t>
-                </a:r>
-                <a14:m>
-                  <m:oMath xmlns:m="http://schemas.openxmlformats.org/officeDocument/2006/math">
-                    <m:r>
-                      <a:rPr lang="en-US" i="1">
-                        <a:latin typeface="Cambria Math" panose="02040503050406030204" pitchFamily="18" charset="0"/>
-                      </a:rPr>
-                      <m:t>𝑝</m:t>
-                    </m:r>
-                    <m:r>
-                      <a:rPr lang="en-US" i="1">
-                        <a:latin typeface="Cambria Math" panose="02040503050406030204" pitchFamily="18" charset="0"/>
-                      </a:rPr>
-                      <m:t>(</m:t>
-                    </m:r>
-                    <m:sSub>
-                      <m:sSubPr>
-                        <m:ctrlPr>
-                          <a:rPr lang="en-US" i="1">
-                            <a:latin typeface="Cambria Math" panose="02040503050406030204" pitchFamily="18" charset="0"/>
-                          </a:rPr>
-                        </m:ctrlPr>
-                      </m:sSubPr>
-                      <m:e>
-                        <m:r>
-                          <a:rPr lang="en-US" i="1">
-                            <a:latin typeface="Cambria Math" panose="02040503050406030204" pitchFamily="18" charset="0"/>
-                          </a:rPr>
-                          <m:t>𝑧</m:t>
-                        </m:r>
-                      </m:e>
-                      <m:sub>
-                        <m:r>
-                          <a:rPr lang="en-US" i="1">
-                            <a:latin typeface="Cambria Math" panose="02040503050406030204" pitchFamily="18" charset="0"/>
-                          </a:rPr>
-                          <m:t>𝑛</m:t>
-                        </m:r>
-                      </m:sub>
-                    </m:sSub>
-                    <m:r>
-                      <a:rPr lang="en-US" b="0" i="1" smtClean="0">
-                        <a:latin typeface="Cambria Math" panose="02040503050406030204" pitchFamily="18" charset="0"/>
-                      </a:rPr>
-                      <m:t>,</m:t>
-                    </m:r>
-                    <m:sSub>
-                      <m:sSubPr>
-                        <m:ctrlPr>
-                          <a:rPr lang="en-US" b="0" i="1" smtClean="0">
-                            <a:latin typeface="Cambria Math" panose="02040503050406030204" pitchFamily="18" charset="0"/>
-                          </a:rPr>
-                        </m:ctrlPr>
-                      </m:sSubPr>
-                      <m:e>
-                        <m:r>
-                          <a:rPr lang="en-US" b="0" i="1" smtClean="0">
-                            <a:latin typeface="Cambria Math" panose="02040503050406030204" pitchFamily="18" charset="0"/>
-                          </a:rPr>
-                          <m:t>𝑧</m:t>
-                        </m:r>
-                      </m:e>
-                      <m:sub>
-                        <m:r>
-                          <a:rPr lang="en-US" b="0" i="1" smtClean="0">
-                            <a:latin typeface="Cambria Math" panose="02040503050406030204" pitchFamily="18" charset="0"/>
-                          </a:rPr>
-                          <m:t>𝑛</m:t>
-                        </m:r>
-                        <m:r>
-                          <a:rPr lang="en-US" b="0" i="1" smtClean="0">
-                            <a:latin typeface="Cambria Math" panose="02040503050406030204" pitchFamily="18" charset="0"/>
-                          </a:rPr>
-                          <m:t>+1</m:t>
-                        </m:r>
-                      </m:sub>
-                    </m:sSub>
-                    <m:r>
-                      <a:rPr lang="en-US" i="1">
-                        <a:latin typeface="Cambria Math" panose="02040503050406030204" pitchFamily="18" charset="0"/>
-                      </a:rPr>
-                      <m:t>|</m:t>
-                    </m:r>
-                    <m:sSub>
-                      <m:sSubPr>
-                        <m:ctrlPr>
-                          <a:rPr lang="en-US" i="1">
-                            <a:latin typeface="Cambria Math" panose="02040503050406030204" pitchFamily="18" charset="0"/>
-                          </a:rPr>
-                        </m:ctrlPr>
-                      </m:sSubPr>
-                      <m:e>
-                        <m:r>
-                          <a:rPr lang="en-US" i="1">
-                            <a:latin typeface="Cambria Math" panose="02040503050406030204" pitchFamily="18" charset="0"/>
-                          </a:rPr>
-                          <m:t>𝑥</m:t>
-                        </m:r>
-                      </m:e>
-                      <m:sub>
-                        <m:r>
-                          <a:rPr lang="en-US" i="1">
-                            <a:latin typeface="Cambria Math" panose="02040503050406030204" pitchFamily="18" charset="0"/>
-                          </a:rPr>
-                          <m:t>1..</m:t>
-                        </m:r>
-                        <m:r>
-                          <a:rPr lang="en-US" i="1">
-                            <a:latin typeface="Cambria Math" panose="02040503050406030204" pitchFamily="18" charset="0"/>
-                          </a:rPr>
-                          <m:t>𝑁</m:t>
-                        </m:r>
-                      </m:sub>
-                    </m:sSub>
-                    <m:r>
-                      <a:rPr lang="en-US" i="1">
-                        <a:latin typeface="Cambria Math" panose="02040503050406030204" pitchFamily="18" charset="0"/>
-                      </a:rPr>
-                      <m:t>)</m:t>
-                    </m:r>
-                  </m:oMath>
-                </a14:m>
-                <a:endParaRPr lang="en-US" dirty="0"/>
-              </a:p>
-              <a:p>
-                <a:r>
-                  <a:rPr lang="en-US" dirty="0"/>
-                  <a:t>M-step: optimizing for params</a:t>
-                </a:r>
-              </a:p>
-              <a:p>
-                <a:pPr marL="0" indent="0">
-                  <a:buNone/>
-                </a:pPr>
-                <a:endParaRPr lang="en-US" dirty="0"/>
-              </a:p>
-              <a:p>
-                <a:endParaRPr lang="en-US" dirty="0"/>
+                <a:endParaRPr lang="en-US" sz="2400" dirty="0"/>
               </a:p>
             </p:txBody>
           </p:sp>
@@ -14547,25 +14383,30 @@
         <mc:Fallback xmlns="">
           <p:sp>
             <p:nvSpPr>
-              <p:cNvPr id="2" name="Content Placeholder 1">
+              <p:cNvPr id="10" name="TextBox 9">
                 <a:extLst>
                   <a:ext uri="{FF2B5EF4-FFF2-40B4-BE49-F238E27FC236}">
-                    <a16:creationId xmlns:a16="http://schemas.microsoft.com/office/drawing/2014/main" id="{9F44E1E0-78BA-8420-2B81-F9BAF96F24D9}"/>
+                    <a16:creationId xmlns:a16="http://schemas.microsoft.com/office/drawing/2014/main" id="{9C3D6BEE-D91E-2951-4E26-0D5873C4EC30}"/>
                   </a:ext>
                 </a:extLst>
               </p:cNvPr>
-              <p:cNvSpPr>
-                <a:spLocks noGrp="1" noRot="1" noChangeAspect="1" noMove="1" noResize="1" noEditPoints="1" noAdjustHandles="1" noChangeArrowheads="1" noChangeShapeType="1" noTextEdit="1"/>
+              <p:cNvSpPr txBox="1">
+                <a:spLocks noRot="1" noChangeAspect="1" noMove="1" noResize="1" noEditPoints="1" noAdjustHandles="1" noChangeArrowheads="1" noChangeShapeType="1" noTextEdit="1"/>
               </p:cNvSpPr>
-              <p:nvPr>
-                <p:ph idx="1"/>
-              </p:nvPr>
+              <p:nvPr/>
             </p:nvSpPr>
             <p:spPr>
+              <a:xfrm>
+                <a:off x="0" y="2529857"/>
+                <a:ext cx="2540375" cy="509178"/>
+              </a:xfrm>
+              <a:prstGeom prst="rect">
+                <a:avLst/>
+              </a:prstGeom>
               <a:blipFill>
-                <a:blip r:embed="rId2"/>
+                <a:blip r:embed="rId3"/>
                 <a:stretch>
-                  <a:fillRect l="-1852" t="-1867"/>
+                  <a:fillRect b="-9756"/>
                 </a:stretch>
               </a:blipFill>
             </p:spPr>
@@ -14586,68 +14427,35 @@
       </mc:AlternateContent>
       <p:sp>
         <p:nvSpPr>
-          <p:cNvPr id="3" name="Slide Number Placeholder 2">
+          <p:cNvPr id="11" name="TextBox 10">
             <a:extLst>
               <a:ext uri="{FF2B5EF4-FFF2-40B4-BE49-F238E27FC236}">
-                <a16:creationId xmlns:a16="http://schemas.microsoft.com/office/drawing/2014/main" id="{CC182764-D0CB-FA89-715B-B96FB2AFA6D4}"/>
+                <a16:creationId xmlns:a16="http://schemas.microsoft.com/office/drawing/2014/main" id="{8541FEC4-BF4E-D75A-228D-A4268727581C}"/>
               </a:ext>
             </a:extLst>
           </p:cNvPr>
-          <p:cNvSpPr>
-            <a:spLocks noGrp="1"/>
-          </p:cNvSpPr>
-          <p:nvPr>
-            <p:ph type="sldNum" sz="quarter" idx="12"/>
-          </p:nvPr>
+          <p:cNvSpPr txBox="1"/>
+          <p:nvPr/>
         </p:nvSpPr>
-        <p:spPr/>
+        <p:spPr>
+          <a:xfrm>
+            <a:off x="270716" y="1107088"/>
+            <a:ext cx="3349122" cy="461665"/>
+          </a:xfrm>
+          <a:prstGeom prst="rect">
+            <a:avLst/>
+          </a:prstGeom>
+          <a:noFill/>
+        </p:spPr>
         <p:txBody>
-          <a:bodyPr/>
+          <a:bodyPr wrap="none" rtlCol="0">
+            <a:spAutoFit/>
+          </a:bodyPr>
           <a:lstStyle/>
           <a:p>
-            <a:fld id="{96652B35-718D-4E28-AFEB-B694A3B357E8}" type="slidenum">
-              <a:rPr lang="en-US" smtClean="0">
-                <a:solidFill>
-                  <a:prstClr val="black"/>
-                </a:solidFill>
-                <a:latin typeface="Calibri"/>
-              </a:rPr>
-              <a:pPr/>
-              <a:t>22</a:t>
-            </a:fld>
-            <a:endParaRPr lang="en-US" sz="2000" dirty="0">
-              <a:solidFill>
-                <a:prstClr val="white"/>
-              </a:solidFill>
-              <a:latin typeface="Calibri"/>
-            </a:endParaRPr>
-          </a:p>
-        </p:txBody>
-      </p:sp>
-      <p:sp>
-        <p:nvSpPr>
-          <p:cNvPr id="4" name="Title 3">
-            <a:extLst>
-              <a:ext uri="{FF2B5EF4-FFF2-40B4-BE49-F238E27FC236}">
-                <a16:creationId xmlns:a16="http://schemas.microsoft.com/office/drawing/2014/main" id="{6EF109C3-D92E-CC8C-0059-552033146D40}"/>
-              </a:ext>
-            </a:extLst>
-          </p:cNvPr>
-          <p:cNvSpPr>
-            <a:spLocks noGrp="1"/>
-          </p:cNvSpPr>
-          <p:nvPr>
-            <p:ph type="title"/>
-          </p:nvPr>
-        </p:nvSpPr>
-        <p:spPr/>
-        <p:txBody>
-          <a:bodyPr/>
-          <a:lstStyle/>
-          <a:p>
-            <a:r>
-              <a:rPr lang="en-US" dirty="0"/>
-              <a:t>Learning LDS</a:t>
+            <a:r>
+              <a:rPr lang="en-US" sz="2400" dirty="0"/>
+              <a:t>EM is coordinate-descent</a:t>
             </a:r>
           </a:p>
         </p:txBody>
@@ -14655,7 +14463,7 @@
     </p:spTree>
     <p:extLst>
       <p:ext uri="{BB962C8B-B14F-4D97-AF65-F5344CB8AC3E}">
-        <p14:creationId xmlns:p14="http://schemas.microsoft.com/office/powerpoint/2010/main" val="3786110030"/>
+        <p14:creationId xmlns:p14="http://schemas.microsoft.com/office/powerpoint/2010/main" val="4100094474"/>
       </p:ext>
     </p:extLst>
   </p:cSld>
@@ -14665,1163 +14473,7 @@
 </p:sld>
 </file>
 
-<file path=ppt/slides/slide23.xml><?xml version="1.0" encoding="utf-8"?>
-<p:sld xmlns:a="http://schemas.openxmlformats.org/drawingml/2006/main" xmlns:r="http://schemas.openxmlformats.org/officeDocument/2006/relationships" xmlns:p="http://schemas.openxmlformats.org/presentationml/2006/main">
-  <p:cSld>
-    <p:spTree>
-      <p:nvGrpSpPr>
-        <p:cNvPr id="1" name=""/>
-        <p:cNvGrpSpPr/>
-        <p:nvPr/>
-      </p:nvGrpSpPr>
-      <p:grpSpPr>
-        <a:xfrm>
-          <a:off x="0" y="0"/>
-          <a:ext cx="0" cy="0"/>
-          <a:chOff x="0" y="0"/>
-          <a:chExt cx="0" cy="0"/>
-        </a:xfrm>
-      </p:grpSpPr>
-      <mc:AlternateContent xmlns:mc="http://schemas.openxmlformats.org/markup-compatibility/2006" xmlns:a14="http://schemas.microsoft.com/office/drawing/2010/main">
-        <mc:Choice Requires="a14">
-          <p:sp>
-            <p:nvSpPr>
-              <p:cNvPr id="2" name="Content Placeholder 1">
-                <a:extLst>
-                  <a:ext uri="{FF2B5EF4-FFF2-40B4-BE49-F238E27FC236}">
-                    <a16:creationId xmlns:a16="http://schemas.microsoft.com/office/drawing/2014/main" id="{6F36CC7C-83AC-FAE5-9636-20D7C4EFA007}"/>
-                  </a:ext>
-                </a:extLst>
-              </p:cNvPr>
-              <p:cNvSpPr>
-                <a:spLocks noGrp="1"/>
-              </p:cNvSpPr>
-              <p:nvPr>
-                <p:ph idx="1"/>
-              </p:nvPr>
-            </p:nvSpPr>
-            <p:spPr/>
-            <p:txBody>
-              <a:bodyPr/>
-              <a:lstStyle/>
-              <a:p>
-                <a14:m>
-                  <m:oMath xmlns:m="http://schemas.openxmlformats.org/officeDocument/2006/math">
-                    <m:sSub>
-                      <m:sSubPr>
-                        <m:ctrlPr>
-                          <a:rPr lang="en-US" i="1" smtClean="0">
-                            <a:latin typeface="Cambria Math" panose="02040503050406030204" pitchFamily="18" charset="0"/>
-                          </a:rPr>
-                        </m:ctrlPr>
-                      </m:sSubPr>
-                      <m:e>
-                        <m:r>
-                          <a:rPr lang="en-US" i="1">
-                            <a:latin typeface="Cambria Math" panose="02040503050406030204" pitchFamily="18" charset="0"/>
-                          </a:rPr>
-                          <m:t>𝐸</m:t>
-                        </m:r>
-                      </m:e>
-                      <m:sub>
-                        <m:r>
-                          <a:rPr lang="en-US" i="1">
-                            <a:latin typeface="Cambria Math" panose="02040503050406030204" pitchFamily="18" charset="0"/>
-                          </a:rPr>
-                          <m:t>𝑝</m:t>
-                        </m:r>
-                        <m:r>
-                          <a:rPr lang="en-US" i="1">
-                            <a:latin typeface="Cambria Math" panose="02040503050406030204" pitchFamily="18" charset="0"/>
-                          </a:rPr>
-                          <m:t>(</m:t>
-                        </m:r>
-                        <m:sSub>
-                          <m:sSubPr>
-                            <m:ctrlPr>
-                              <a:rPr lang="en-US" i="1">
-                                <a:latin typeface="Cambria Math" panose="02040503050406030204" pitchFamily="18" charset="0"/>
-                              </a:rPr>
-                            </m:ctrlPr>
-                          </m:sSubPr>
-                          <m:e>
-                            <m:r>
-                              <a:rPr lang="en-US" i="1">
-                                <a:latin typeface="Cambria Math" panose="02040503050406030204" pitchFamily="18" charset="0"/>
-                              </a:rPr>
-                              <m:t>𝑧</m:t>
-                            </m:r>
-                          </m:e>
-                          <m:sub>
-                            <m:r>
-                              <a:rPr lang="en-US" i="1">
-                                <a:latin typeface="Cambria Math" panose="02040503050406030204" pitchFamily="18" charset="0"/>
-                              </a:rPr>
-                              <m:t>1..</m:t>
-                            </m:r>
-                            <m:r>
-                              <a:rPr lang="en-US" i="1">
-                                <a:latin typeface="Cambria Math" panose="02040503050406030204" pitchFamily="18" charset="0"/>
-                              </a:rPr>
-                              <m:t>𝑁</m:t>
-                            </m:r>
-                          </m:sub>
-                        </m:sSub>
-                        <m:r>
-                          <a:rPr lang="en-US" i="1">
-                            <a:latin typeface="Cambria Math" panose="02040503050406030204" pitchFamily="18" charset="0"/>
-                          </a:rPr>
-                          <m:t>|</m:t>
-                        </m:r>
-                        <m:sSub>
-                          <m:sSubPr>
-                            <m:ctrlPr>
-                              <a:rPr lang="en-US" i="1">
-                                <a:latin typeface="Cambria Math" panose="02040503050406030204" pitchFamily="18" charset="0"/>
-                              </a:rPr>
-                            </m:ctrlPr>
-                          </m:sSubPr>
-                          <m:e>
-                            <m:r>
-                              <a:rPr lang="en-US" i="1">
-                                <a:latin typeface="Cambria Math" panose="02040503050406030204" pitchFamily="18" charset="0"/>
-                              </a:rPr>
-                              <m:t>𝑥</m:t>
-                            </m:r>
-                          </m:e>
-                          <m:sub>
-                            <m:r>
-                              <a:rPr lang="en-US" i="1">
-                                <a:latin typeface="Cambria Math" panose="02040503050406030204" pitchFamily="18" charset="0"/>
-                              </a:rPr>
-                              <m:t>1..</m:t>
-                            </m:r>
-                            <m:r>
-                              <a:rPr lang="en-US" i="1">
-                                <a:latin typeface="Cambria Math" panose="02040503050406030204" pitchFamily="18" charset="0"/>
-                              </a:rPr>
-                              <m:t>𝑁</m:t>
-                            </m:r>
-                          </m:sub>
-                        </m:sSub>
-                        <m:r>
-                          <a:rPr lang="en-US" b="0" i="1" smtClean="0">
-                            <a:latin typeface="Cambria Math" panose="02040503050406030204" pitchFamily="18" charset="0"/>
-                          </a:rPr>
-                          <m:t>;</m:t>
-                        </m:r>
-                        <m:sSub>
-                          <m:sSubPr>
-                            <m:ctrlPr>
-                              <a:rPr lang="en-US" b="0" i="1" smtClean="0">
-                                <a:latin typeface="Cambria Math" panose="02040503050406030204" pitchFamily="18" charset="0"/>
-                              </a:rPr>
-                            </m:ctrlPr>
-                          </m:sSubPr>
-                          <m:e>
-                            <m:r>
-                              <a:rPr lang="en-US" b="0" i="1" smtClean="0">
-                                <a:latin typeface="Cambria Math" panose="02040503050406030204" pitchFamily="18" charset="0"/>
-                              </a:rPr>
-                              <m:t>𝜃</m:t>
-                            </m:r>
-                          </m:e>
-                          <m:sub>
-                            <m:r>
-                              <a:rPr lang="en-US" b="0" i="1" smtClean="0">
-                                <a:latin typeface="Cambria Math" panose="02040503050406030204" pitchFamily="18" charset="0"/>
-                              </a:rPr>
-                              <m:t>𝑜𝑙𝑑</m:t>
-                            </m:r>
-                          </m:sub>
-                        </m:sSub>
-                        <m:r>
-                          <a:rPr lang="en-US" i="1">
-                            <a:latin typeface="Cambria Math" panose="02040503050406030204" pitchFamily="18" charset="0"/>
-                          </a:rPr>
-                          <m:t>)</m:t>
-                        </m:r>
-                      </m:sub>
-                    </m:sSub>
-                    <m:func>
-                      <m:funcPr>
-                        <m:ctrlPr>
-                          <a:rPr lang="en-US" i="1">
-                            <a:latin typeface="Cambria Math" panose="02040503050406030204" pitchFamily="18" charset="0"/>
-                          </a:rPr>
-                        </m:ctrlPr>
-                      </m:funcPr>
-                      <m:fName>
-                        <m:r>
-                          <m:rPr>
-                            <m:sty m:val="p"/>
-                          </m:rPr>
-                          <a:rPr lang="en-US">
-                            <a:latin typeface="Cambria Math" panose="02040503050406030204" pitchFamily="18" charset="0"/>
-                          </a:rPr>
-                          <m:t>log</m:t>
-                        </m:r>
-                      </m:fName>
-                      <m:e>
-                        <m:r>
-                          <a:rPr lang="en-US" i="1">
-                            <a:latin typeface="Cambria Math" panose="02040503050406030204" pitchFamily="18" charset="0"/>
-                          </a:rPr>
-                          <m:t>𝑝</m:t>
-                        </m:r>
-                        <m:r>
-                          <a:rPr lang="en-US" i="1">
-                            <a:latin typeface="Cambria Math" panose="02040503050406030204" pitchFamily="18" charset="0"/>
-                          </a:rPr>
-                          <m:t>(</m:t>
-                        </m:r>
-                        <m:sSub>
-                          <m:sSubPr>
-                            <m:ctrlPr>
-                              <a:rPr lang="en-US" i="1">
-                                <a:latin typeface="Cambria Math" panose="02040503050406030204" pitchFamily="18" charset="0"/>
-                              </a:rPr>
-                            </m:ctrlPr>
-                          </m:sSubPr>
-                          <m:e>
-                            <m:r>
-                              <a:rPr lang="en-US" i="1">
-                                <a:latin typeface="Cambria Math" panose="02040503050406030204" pitchFamily="18" charset="0"/>
-                              </a:rPr>
-                              <m:t>𝑥</m:t>
-                            </m:r>
-                          </m:e>
-                          <m:sub>
-                            <m:r>
-                              <a:rPr lang="en-US" b="0" i="1" smtClean="0">
-                                <a:latin typeface="Cambria Math" panose="02040503050406030204" pitchFamily="18" charset="0"/>
-                              </a:rPr>
-                              <m:t>1..</m:t>
-                            </m:r>
-                            <m:r>
-                              <a:rPr lang="en-US" b="0" i="1" smtClean="0">
-                                <a:latin typeface="Cambria Math" panose="02040503050406030204" pitchFamily="18" charset="0"/>
-                              </a:rPr>
-                              <m:t>𝑁</m:t>
-                            </m:r>
-                          </m:sub>
-                        </m:sSub>
-                        <m:r>
-                          <a:rPr lang="en-US" i="1">
-                            <a:latin typeface="Cambria Math" panose="02040503050406030204" pitchFamily="18" charset="0"/>
-                          </a:rPr>
-                          <m:t>, </m:t>
-                        </m:r>
-                        <m:sSub>
-                          <m:sSubPr>
-                            <m:ctrlPr>
-                              <a:rPr lang="en-US" i="1">
-                                <a:latin typeface="Cambria Math" panose="02040503050406030204" pitchFamily="18" charset="0"/>
-                              </a:rPr>
-                            </m:ctrlPr>
-                          </m:sSubPr>
-                          <m:e>
-                            <m:r>
-                              <a:rPr lang="en-US" i="1">
-                                <a:latin typeface="Cambria Math" panose="02040503050406030204" pitchFamily="18" charset="0"/>
-                              </a:rPr>
-                              <m:t>𝑧</m:t>
-                            </m:r>
-                          </m:e>
-                          <m:sub>
-                            <m:r>
-                              <a:rPr lang="en-US" b="0" i="1" smtClean="0">
-                                <a:latin typeface="Cambria Math" panose="02040503050406030204" pitchFamily="18" charset="0"/>
-                              </a:rPr>
-                              <m:t>1..</m:t>
-                            </m:r>
-                            <m:r>
-                              <a:rPr lang="en-US" b="0" i="1" smtClean="0">
-                                <a:latin typeface="Cambria Math" panose="02040503050406030204" pitchFamily="18" charset="0"/>
-                              </a:rPr>
-                              <m:t>𝑁</m:t>
-                            </m:r>
-                          </m:sub>
-                        </m:sSub>
-                        <m:r>
-                          <a:rPr lang="en-US" b="0" i="1" smtClean="0">
-                            <a:latin typeface="Cambria Math" panose="02040503050406030204" pitchFamily="18" charset="0"/>
-                          </a:rPr>
-                          <m:t>|</m:t>
-                        </m:r>
-                        <m:r>
-                          <a:rPr lang="en-US" b="0" i="1" smtClean="0">
-                            <a:latin typeface="Cambria Math" panose="02040503050406030204" pitchFamily="18" charset="0"/>
-                          </a:rPr>
-                          <m:t>𝜃</m:t>
-                        </m:r>
-                        <m:r>
-                          <a:rPr lang="en-US" i="1">
-                            <a:latin typeface="Cambria Math" panose="02040503050406030204" pitchFamily="18" charset="0"/>
-                          </a:rPr>
-                          <m:t>)</m:t>
-                        </m:r>
-                      </m:e>
-                    </m:func>
-                  </m:oMath>
-                </a14:m>
-                <a:endParaRPr lang="en-US" dirty="0"/>
-              </a:p>
-            </p:txBody>
-          </p:sp>
-        </mc:Choice>
-        <mc:Fallback xmlns="">
-          <p:sp>
-            <p:nvSpPr>
-              <p:cNvPr id="2" name="Content Placeholder 1">
-                <a:extLst>
-                  <a:ext uri="{FF2B5EF4-FFF2-40B4-BE49-F238E27FC236}">
-                    <a16:creationId xmlns:a16="http://schemas.microsoft.com/office/drawing/2014/main" id="{6F36CC7C-83AC-FAE5-9636-20D7C4EFA007}"/>
-                  </a:ext>
-                </a:extLst>
-              </p:cNvPr>
-              <p:cNvSpPr>
-                <a:spLocks noGrp="1" noRot="1" noChangeAspect="1" noMove="1" noResize="1" noEditPoints="1" noAdjustHandles="1" noChangeArrowheads="1" noChangeShapeType="1" noTextEdit="1"/>
-              </p:cNvSpPr>
-              <p:nvPr>
-                <p:ph idx="1"/>
-              </p:nvPr>
-            </p:nvSpPr>
-            <p:spPr>
-              <a:blipFill>
-                <a:blip r:embed="rId2"/>
-                <a:stretch>
-                  <a:fillRect l="-1543"/>
-                </a:stretch>
-              </a:blipFill>
-            </p:spPr>
-            <p:txBody>
-              <a:bodyPr/>
-              <a:lstStyle/>
-              <a:p>
-                <a:r>
-                  <a:rPr lang="en-US">
-                    <a:noFill/>
-                  </a:rPr>
-                  <a:t> </a:t>
-                </a:r>
-              </a:p>
-            </p:txBody>
-          </p:sp>
-        </mc:Fallback>
-      </mc:AlternateContent>
-      <p:sp>
-        <p:nvSpPr>
-          <p:cNvPr id="3" name="Slide Number Placeholder 2">
-            <a:extLst>
-              <a:ext uri="{FF2B5EF4-FFF2-40B4-BE49-F238E27FC236}">
-                <a16:creationId xmlns:a16="http://schemas.microsoft.com/office/drawing/2014/main" id="{0A5B3F54-F5B7-BA4F-3669-F4969694AAD4}"/>
-              </a:ext>
-            </a:extLst>
-          </p:cNvPr>
-          <p:cNvSpPr>
-            <a:spLocks noGrp="1"/>
-          </p:cNvSpPr>
-          <p:nvPr>
-            <p:ph type="sldNum" sz="quarter" idx="12"/>
-          </p:nvPr>
-        </p:nvSpPr>
-        <p:spPr/>
-        <p:txBody>
-          <a:bodyPr/>
-          <a:lstStyle/>
-          <a:p>
-            <a:fld id="{96652B35-718D-4E28-AFEB-B694A3B357E8}" type="slidenum">
-              <a:rPr lang="en-US" smtClean="0">
-                <a:solidFill>
-                  <a:prstClr val="black"/>
-                </a:solidFill>
-                <a:latin typeface="Calibri"/>
-              </a:rPr>
-              <a:pPr/>
-              <a:t>23</a:t>
-            </a:fld>
-            <a:endParaRPr lang="en-US" sz="2000" dirty="0">
-              <a:solidFill>
-                <a:prstClr val="white"/>
-              </a:solidFill>
-              <a:latin typeface="Calibri"/>
-            </a:endParaRPr>
-          </a:p>
-        </p:txBody>
-      </p:sp>
-      <p:sp>
-        <p:nvSpPr>
-          <p:cNvPr id="4" name="Title 3">
-            <a:extLst>
-              <a:ext uri="{FF2B5EF4-FFF2-40B4-BE49-F238E27FC236}">
-                <a16:creationId xmlns:a16="http://schemas.microsoft.com/office/drawing/2014/main" id="{5EE59F07-A231-CAA5-B4EE-C74E670CC943}"/>
-              </a:ext>
-            </a:extLst>
-          </p:cNvPr>
-          <p:cNvSpPr>
-            <a:spLocks noGrp="1"/>
-          </p:cNvSpPr>
-          <p:nvPr>
-            <p:ph type="title"/>
-          </p:nvPr>
-        </p:nvSpPr>
-        <p:spPr/>
-        <p:txBody>
-          <a:bodyPr>
-            <a:normAutofit fontScale="90000"/>
-          </a:bodyPr>
-          <a:lstStyle/>
-          <a:p>
-            <a:r>
-              <a:rPr lang="en-US" dirty="0"/>
-              <a:t>Objective: Expected log-likelihood</a:t>
-            </a:r>
-          </a:p>
-        </p:txBody>
-      </p:sp>
-    </p:spTree>
-    <p:extLst>
-      <p:ext uri="{BB962C8B-B14F-4D97-AF65-F5344CB8AC3E}">
-        <p14:creationId xmlns:p14="http://schemas.microsoft.com/office/powerpoint/2010/main" val="1318758071"/>
-      </p:ext>
-    </p:extLst>
-  </p:cSld>
-  <p:clrMapOvr>
-    <a:masterClrMapping/>
-  </p:clrMapOvr>
-</p:sld>
-</file>
-
-<file path=ppt/slides/slide24.xml><?xml version="1.0" encoding="utf-8"?>
-<p:sld xmlns:a="http://schemas.openxmlformats.org/drawingml/2006/main" xmlns:r="http://schemas.openxmlformats.org/officeDocument/2006/relationships" xmlns:p="http://schemas.openxmlformats.org/presentationml/2006/main">
-  <p:cSld>
-    <p:spTree>
-      <p:nvGrpSpPr>
-        <p:cNvPr id="1" name=""/>
-        <p:cNvGrpSpPr/>
-        <p:nvPr/>
-      </p:nvGrpSpPr>
-      <p:grpSpPr>
-        <a:xfrm>
-          <a:off x="0" y="0"/>
-          <a:ext cx="0" cy="0"/>
-          <a:chOff x="0" y="0"/>
-          <a:chExt cx="0" cy="0"/>
-        </a:xfrm>
-      </p:grpSpPr>
-      <p:sp>
-        <p:nvSpPr>
-          <p:cNvPr id="2" name="Content Placeholder 1">
-            <a:extLst>
-              <a:ext uri="{FF2B5EF4-FFF2-40B4-BE49-F238E27FC236}">
-                <a16:creationId xmlns:a16="http://schemas.microsoft.com/office/drawing/2014/main" id="{4CFC7AD8-DC71-C787-2DAE-B07D483BE2DD}"/>
-              </a:ext>
-            </a:extLst>
-          </p:cNvPr>
-          <p:cNvSpPr>
-            <a:spLocks noGrp="1"/>
-          </p:cNvSpPr>
-          <p:nvPr>
-            <p:ph idx="1"/>
-          </p:nvPr>
-        </p:nvSpPr>
-        <p:spPr/>
-        <p:txBody>
-          <a:bodyPr/>
-          <a:lstStyle/>
-          <a:p>
-            <a:endParaRPr lang="en-US"/>
-          </a:p>
-        </p:txBody>
-      </p:sp>
-      <p:sp>
-        <p:nvSpPr>
-          <p:cNvPr id="3" name="Slide Number Placeholder 2">
-            <a:extLst>
-              <a:ext uri="{FF2B5EF4-FFF2-40B4-BE49-F238E27FC236}">
-                <a16:creationId xmlns:a16="http://schemas.microsoft.com/office/drawing/2014/main" id="{6334AB59-A6B4-32C9-B1C0-089A48FDBEF0}"/>
-              </a:ext>
-            </a:extLst>
-          </p:cNvPr>
-          <p:cNvSpPr>
-            <a:spLocks noGrp="1"/>
-          </p:cNvSpPr>
-          <p:nvPr>
-            <p:ph type="sldNum" sz="quarter" idx="12"/>
-          </p:nvPr>
-        </p:nvSpPr>
-        <p:spPr/>
-        <p:txBody>
-          <a:bodyPr/>
-          <a:lstStyle/>
-          <a:p>
-            <a:fld id="{96652B35-718D-4E28-AFEB-B694A3B357E8}" type="slidenum">
-              <a:rPr lang="en-US" smtClean="0">
-                <a:solidFill>
-                  <a:prstClr val="black"/>
-                </a:solidFill>
-                <a:latin typeface="Calibri"/>
-              </a:rPr>
-              <a:pPr/>
-              <a:t>24</a:t>
-            </a:fld>
-            <a:endParaRPr lang="en-US" sz="2000" dirty="0">
-              <a:solidFill>
-                <a:prstClr val="white"/>
-              </a:solidFill>
-              <a:latin typeface="Calibri"/>
-            </a:endParaRPr>
-          </a:p>
-        </p:txBody>
-      </p:sp>
-      <p:sp>
-        <p:nvSpPr>
-          <p:cNvPr id="4" name="Title 3">
-            <a:extLst>
-              <a:ext uri="{FF2B5EF4-FFF2-40B4-BE49-F238E27FC236}">
-                <a16:creationId xmlns:a16="http://schemas.microsoft.com/office/drawing/2014/main" id="{9CFD7844-6DE7-2AE4-4B5C-78B838C3887F}"/>
-              </a:ext>
-            </a:extLst>
-          </p:cNvPr>
-          <p:cNvSpPr>
-            <a:spLocks noGrp="1"/>
-          </p:cNvSpPr>
-          <p:nvPr>
-            <p:ph type="title"/>
-          </p:nvPr>
-        </p:nvSpPr>
-        <p:spPr/>
-        <p:txBody>
-          <a:bodyPr/>
-          <a:lstStyle/>
-          <a:p>
-            <a:r>
-              <a:rPr lang="en-US" dirty="0"/>
-              <a:t>Maximization</a:t>
-            </a:r>
-          </a:p>
-        </p:txBody>
-      </p:sp>
-    </p:spTree>
-    <p:extLst>
-      <p:ext uri="{BB962C8B-B14F-4D97-AF65-F5344CB8AC3E}">
-        <p14:creationId xmlns:p14="http://schemas.microsoft.com/office/powerpoint/2010/main" val="779741905"/>
-      </p:ext>
-    </p:extLst>
-  </p:cSld>
-  <p:clrMapOvr>
-    <a:masterClrMapping/>
-  </p:clrMapOvr>
-</p:sld>
-</file>
-
-<file path=ppt/slides/slide25.xml><?xml version="1.0" encoding="utf-8"?>
-<p:sld xmlns:a="http://schemas.openxmlformats.org/drawingml/2006/main" xmlns:r="http://schemas.openxmlformats.org/officeDocument/2006/relationships" xmlns:p="http://schemas.openxmlformats.org/presentationml/2006/main">
-  <p:cSld>
-    <p:spTree>
-      <p:nvGrpSpPr>
-        <p:cNvPr id="1" name=""/>
-        <p:cNvGrpSpPr/>
-        <p:nvPr/>
-      </p:nvGrpSpPr>
-      <p:grpSpPr>
-        <a:xfrm>
-          <a:off x="0" y="0"/>
-          <a:ext cx="0" cy="0"/>
-          <a:chOff x="0" y="0"/>
-          <a:chExt cx="0" cy="0"/>
-        </a:xfrm>
-      </p:grpSpPr>
-      <mc:AlternateContent xmlns:mc="http://schemas.openxmlformats.org/markup-compatibility/2006" xmlns:a14="http://schemas.microsoft.com/office/drawing/2010/main">
-        <mc:Choice Requires="a14">
-          <p:sp>
-            <p:nvSpPr>
-              <p:cNvPr id="2" name="Content Placeholder 1">
-                <a:extLst>
-                  <a:ext uri="{FF2B5EF4-FFF2-40B4-BE49-F238E27FC236}">
-                    <a16:creationId xmlns:a16="http://schemas.microsoft.com/office/drawing/2014/main" id="{19B411A5-C4D5-A474-DF90-0C1D49B29701}"/>
-                  </a:ext>
-                </a:extLst>
-              </p:cNvPr>
-              <p:cNvSpPr>
-                <a:spLocks noGrp="1"/>
-              </p:cNvSpPr>
-              <p:nvPr>
-                <p:ph idx="1"/>
-              </p:nvPr>
-            </p:nvSpPr>
-            <p:spPr/>
-            <p:txBody>
-              <a:bodyPr/>
-              <a:lstStyle/>
-              <a:p>
-                <a:r>
-                  <a:rPr lang="en-US" dirty="0"/>
-                  <a:t>Forward-backward algorithm</a:t>
-                </a:r>
-              </a:p>
-              <a:p>
-                <a:r>
-                  <a:rPr lang="en-US" dirty="0"/>
-                  <a:t>Forward: also known as Kalman filter, estimate filtering density </a:t>
-                </a:r>
-                <a14:m>
-                  <m:oMath xmlns:m="http://schemas.openxmlformats.org/officeDocument/2006/math">
-                    <m:r>
-                      <a:rPr lang="en-US" b="0" i="1" smtClean="0">
-                        <a:latin typeface="Cambria Math" panose="02040503050406030204" pitchFamily="18" charset="0"/>
-                      </a:rPr>
-                      <m:t>𝑝</m:t>
-                    </m:r>
-                    <m:r>
-                      <a:rPr lang="en-US" b="0" i="1" smtClean="0">
-                        <a:latin typeface="Cambria Math" panose="02040503050406030204" pitchFamily="18" charset="0"/>
-                      </a:rPr>
-                      <m:t>(</m:t>
-                    </m:r>
-                    <m:sSub>
-                      <m:sSubPr>
-                        <m:ctrlPr>
-                          <a:rPr lang="en-US" i="1" smtClean="0">
-                            <a:latin typeface="Cambria Math" panose="02040503050406030204" pitchFamily="18" charset="0"/>
-                          </a:rPr>
-                        </m:ctrlPr>
-                      </m:sSubPr>
-                      <m:e>
-                        <m:r>
-                          <a:rPr lang="en-US" b="0" i="1" smtClean="0">
-                            <a:latin typeface="Cambria Math" panose="02040503050406030204" pitchFamily="18" charset="0"/>
-                          </a:rPr>
-                          <m:t>𝑧</m:t>
-                        </m:r>
-                      </m:e>
-                      <m:sub>
-                        <m:r>
-                          <a:rPr lang="en-US" b="0" i="1" smtClean="0">
-                            <a:latin typeface="Cambria Math" panose="02040503050406030204" pitchFamily="18" charset="0"/>
-                          </a:rPr>
-                          <m:t>𝑛</m:t>
-                        </m:r>
-                      </m:sub>
-                    </m:sSub>
-                    <m:r>
-                      <a:rPr lang="en-US" b="0" i="1" smtClean="0">
-                        <a:latin typeface="Cambria Math" panose="02040503050406030204" pitchFamily="18" charset="0"/>
-                      </a:rPr>
-                      <m:t>|</m:t>
-                    </m:r>
-                    <m:sSub>
-                      <m:sSubPr>
-                        <m:ctrlPr>
-                          <a:rPr lang="en-US" i="1" smtClean="0">
-                            <a:latin typeface="Cambria Math" panose="02040503050406030204" pitchFamily="18" charset="0"/>
-                          </a:rPr>
-                        </m:ctrlPr>
-                      </m:sSubPr>
-                      <m:e>
-                        <m:r>
-                          <a:rPr lang="en-US" b="0" i="1" smtClean="0">
-                            <a:latin typeface="Cambria Math" panose="02040503050406030204" pitchFamily="18" charset="0"/>
-                          </a:rPr>
-                          <m:t>𝑥</m:t>
-                        </m:r>
-                      </m:e>
-                      <m:sub>
-                        <m:r>
-                          <a:rPr lang="en-US" b="0" i="1" smtClean="0">
-                            <a:latin typeface="Cambria Math" panose="02040503050406030204" pitchFamily="18" charset="0"/>
-                          </a:rPr>
-                          <m:t>1..</m:t>
-                        </m:r>
-                        <m:r>
-                          <a:rPr lang="en-US" b="0" i="1" smtClean="0">
-                            <a:latin typeface="Cambria Math" panose="02040503050406030204" pitchFamily="18" charset="0"/>
-                          </a:rPr>
-                          <m:t>𝑛</m:t>
-                        </m:r>
-                      </m:sub>
-                    </m:sSub>
-                    <m:r>
-                      <a:rPr lang="en-US" b="0" i="1" smtClean="0">
-                        <a:latin typeface="Cambria Math" panose="02040503050406030204" pitchFamily="18" charset="0"/>
-                      </a:rPr>
-                      <m:t>)</m:t>
-                    </m:r>
-                  </m:oMath>
-                </a14:m>
-                <a:endParaRPr lang="en-US" dirty="0"/>
-              </a:p>
-              <a:p>
-                <a:r>
-                  <a:rPr lang="en-US" dirty="0"/>
-                  <a:t>Backward: also known as Kalman smoothing, estimate smoothing density </a:t>
-                </a:r>
-                <a14:m>
-                  <m:oMath xmlns:m="http://schemas.openxmlformats.org/officeDocument/2006/math">
-                    <m:r>
-                      <a:rPr lang="en-US" b="0" i="1" smtClean="0">
-                        <a:latin typeface="Cambria Math" panose="02040503050406030204" pitchFamily="18" charset="0"/>
-                      </a:rPr>
-                      <m:t>𝑝</m:t>
-                    </m:r>
-                    <m:r>
-                      <a:rPr lang="en-US" b="0" i="1" smtClean="0">
-                        <a:latin typeface="Cambria Math" panose="02040503050406030204" pitchFamily="18" charset="0"/>
-                      </a:rPr>
-                      <m:t>(</m:t>
-                    </m:r>
-                    <m:sSub>
-                      <m:sSubPr>
-                        <m:ctrlPr>
-                          <a:rPr lang="en-US" i="1" smtClean="0">
-                            <a:latin typeface="Cambria Math" panose="02040503050406030204" pitchFamily="18" charset="0"/>
-                          </a:rPr>
-                        </m:ctrlPr>
-                      </m:sSubPr>
-                      <m:e>
-                        <m:r>
-                          <a:rPr lang="en-US" b="0" i="1" smtClean="0">
-                            <a:latin typeface="Cambria Math" panose="02040503050406030204" pitchFamily="18" charset="0"/>
-                          </a:rPr>
-                          <m:t>𝑧</m:t>
-                        </m:r>
-                      </m:e>
-                      <m:sub>
-                        <m:r>
-                          <a:rPr lang="en-US" b="0" i="1" smtClean="0">
-                            <a:latin typeface="Cambria Math" panose="02040503050406030204" pitchFamily="18" charset="0"/>
-                          </a:rPr>
-                          <m:t>𝑛</m:t>
-                        </m:r>
-                      </m:sub>
-                    </m:sSub>
-                    <m:r>
-                      <a:rPr lang="en-US" b="0" i="1" smtClean="0">
-                        <a:latin typeface="Cambria Math" panose="02040503050406030204" pitchFamily="18" charset="0"/>
-                      </a:rPr>
-                      <m:t>|</m:t>
-                    </m:r>
-                    <m:sSub>
-                      <m:sSubPr>
-                        <m:ctrlPr>
-                          <a:rPr lang="en-US" i="1" smtClean="0">
-                            <a:latin typeface="Cambria Math" panose="02040503050406030204" pitchFamily="18" charset="0"/>
-                          </a:rPr>
-                        </m:ctrlPr>
-                      </m:sSubPr>
-                      <m:e>
-                        <m:r>
-                          <a:rPr lang="en-US" b="0" i="1" smtClean="0">
-                            <a:latin typeface="Cambria Math" panose="02040503050406030204" pitchFamily="18" charset="0"/>
-                          </a:rPr>
-                          <m:t>𝑥</m:t>
-                        </m:r>
-                      </m:e>
-                      <m:sub>
-                        <m:r>
-                          <a:rPr lang="en-US" b="0" i="1" smtClean="0">
-                            <a:latin typeface="Cambria Math" panose="02040503050406030204" pitchFamily="18" charset="0"/>
-                          </a:rPr>
-                          <m:t>1..</m:t>
-                        </m:r>
-                        <m:r>
-                          <a:rPr lang="en-US" b="0" i="1" smtClean="0">
-                            <a:latin typeface="Cambria Math" panose="02040503050406030204" pitchFamily="18" charset="0"/>
-                          </a:rPr>
-                          <m:t>𝑁</m:t>
-                        </m:r>
-                      </m:sub>
-                    </m:sSub>
-                    <m:r>
-                      <a:rPr lang="en-US" b="0" i="1" smtClean="0">
-                        <a:latin typeface="Cambria Math" panose="02040503050406030204" pitchFamily="18" charset="0"/>
-                      </a:rPr>
-                      <m:t>)</m:t>
-                    </m:r>
-                  </m:oMath>
-                </a14:m>
-                <a:endParaRPr lang="en-US" dirty="0"/>
-              </a:p>
-            </p:txBody>
-          </p:sp>
-        </mc:Choice>
-        <mc:Fallback xmlns="">
-          <p:sp>
-            <p:nvSpPr>
-              <p:cNvPr id="2" name="Content Placeholder 1">
-                <a:extLst>
-                  <a:ext uri="{FF2B5EF4-FFF2-40B4-BE49-F238E27FC236}">
-                    <a16:creationId xmlns:a16="http://schemas.microsoft.com/office/drawing/2014/main" id="{19B411A5-C4D5-A474-DF90-0C1D49B29701}"/>
-                  </a:ext>
-                </a:extLst>
-              </p:cNvPr>
-              <p:cNvSpPr>
-                <a:spLocks noGrp="1" noRot="1" noChangeAspect="1" noMove="1" noResize="1" noEditPoints="1" noAdjustHandles="1" noChangeArrowheads="1" noChangeShapeType="1" noTextEdit="1"/>
-              </p:cNvSpPr>
-              <p:nvPr>
-                <p:ph idx="1"/>
-              </p:nvPr>
-            </p:nvSpPr>
-            <p:spPr>
-              <a:blipFill>
-                <a:blip r:embed="rId2"/>
-                <a:stretch>
-                  <a:fillRect l="-1852" t="-1867"/>
-                </a:stretch>
-              </a:blipFill>
-            </p:spPr>
-            <p:txBody>
-              <a:bodyPr/>
-              <a:lstStyle/>
-              <a:p>
-                <a:r>
-                  <a:rPr lang="en-US">
-                    <a:noFill/>
-                  </a:rPr>
-                  <a:t> </a:t>
-                </a:r>
-              </a:p>
-            </p:txBody>
-          </p:sp>
-        </mc:Fallback>
-      </mc:AlternateContent>
-      <p:sp>
-        <p:nvSpPr>
-          <p:cNvPr id="3" name="Slide Number Placeholder 2">
-            <a:extLst>
-              <a:ext uri="{FF2B5EF4-FFF2-40B4-BE49-F238E27FC236}">
-                <a16:creationId xmlns:a16="http://schemas.microsoft.com/office/drawing/2014/main" id="{81DFD1F9-1DA1-FDDF-AADF-7AA5ADFF33E7}"/>
-              </a:ext>
-            </a:extLst>
-          </p:cNvPr>
-          <p:cNvSpPr>
-            <a:spLocks noGrp="1"/>
-          </p:cNvSpPr>
-          <p:nvPr>
-            <p:ph type="sldNum" sz="quarter" idx="12"/>
-          </p:nvPr>
-        </p:nvSpPr>
-        <p:spPr/>
-        <p:txBody>
-          <a:bodyPr/>
-          <a:lstStyle/>
-          <a:p>
-            <a:fld id="{96652B35-718D-4E28-AFEB-B694A3B357E8}" type="slidenum">
-              <a:rPr lang="en-US" smtClean="0">
-                <a:solidFill>
-                  <a:prstClr val="black"/>
-                </a:solidFill>
-                <a:latin typeface="Calibri"/>
-              </a:rPr>
-              <a:pPr/>
-              <a:t>25</a:t>
-            </a:fld>
-            <a:endParaRPr lang="en-US" sz="2000" dirty="0">
-              <a:solidFill>
-                <a:prstClr val="white"/>
-              </a:solidFill>
-              <a:latin typeface="Calibri"/>
-            </a:endParaRPr>
-          </a:p>
-        </p:txBody>
-      </p:sp>
-      <mc:AlternateContent xmlns:mc="http://schemas.openxmlformats.org/markup-compatibility/2006" xmlns:a14="http://schemas.microsoft.com/office/drawing/2010/main">
-        <mc:Choice Requires="a14">
-          <p:sp>
-            <p:nvSpPr>
-              <p:cNvPr id="4" name="Title 3">
-                <a:extLst>
-                  <a:ext uri="{FF2B5EF4-FFF2-40B4-BE49-F238E27FC236}">
-                    <a16:creationId xmlns:a16="http://schemas.microsoft.com/office/drawing/2014/main" id="{D3E677BF-3B77-6AC6-EACC-B3D4103DFA2E}"/>
-                  </a:ext>
-                </a:extLst>
-              </p:cNvPr>
-              <p:cNvSpPr>
-                <a:spLocks noGrp="1"/>
-              </p:cNvSpPr>
-              <p:nvPr>
-                <p:ph type="title"/>
-              </p:nvPr>
-            </p:nvSpPr>
-            <p:spPr/>
-            <p:txBody>
-              <a:bodyPr/>
-              <a:lstStyle/>
-              <a:p>
-                <a:r>
-                  <a:rPr lang="en-US" dirty="0"/>
-                  <a:t>Estimating </a:t>
-                </a:r>
-                <a14:m>
-                  <m:oMath xmlns:m="http://schemas.openxmlformats.org/officeDocument/2006/math">
-                    <m:r>
-                      <a:rPr lang="en-US" b="1" i="1" smtClean="0">
-                        <a:latin typeface="Cambria Math" panose="02040503050406030204" pitchFamily="18" charset="0"/>
-                      </a:rPr>
-                      <m:t>𝒑</m:t>
-                    </m:r>
-                    <m:r>
-                      <a:rPr lang="en-US" b="1" i="1" smtClean="0">
-                        <a:latin typeface="Cambria Math" panose="02040503050406030204" pitchFamily="18" charset="0"/>
-                      </a:rPr>
-                      <m:t>(</m:t>
-                    </m:r>
-                    <m:sSub>
-                      <m:sSubPr>
-                        <m:ctrlPr>
-                          <a:rPr lang="en-US" b="1" i="1" smtClean="0">
-                            <a:latin typeface="Cambria Math" panose="02040503050406030204" pitchFamily="18" charset="0"/>
-                          </a:rPr>
-                        </m:ctrlPr>
-                      </m:sSubPr>
-                      <m:e>
-                        <m:r>
-                          <a:rPr lang="en-US" b="1" i="1" smtClean="0">
-                            <a:latin typeface="Cambria Math" panose="02040503050406030204" pitchFamily="18" charset="0"/>
-                          </a:rPr>
-                          <m:t>𝒛</m:t>
-                        </m:r>
-                      </m:e>
-                      <m:sub>
-                        <m:r>
-                          <a:rPr lang="en-US" b="1" i="1" smtClean="0">
-                            <a:latin typeface="Cambria Math" panose="02040503050406030204" pitchFamily="18" charset="0"/>
-                          </a:rPr>
-                          <m:t>𝒏</m:t>
-                        </m:r>
-                      </m:sub>
-                    </m:sSub>
-                    <m:r>
-                      <a:rPr lang="en-US" b="1" i="1" smtClean="0">
-                        <a:latin typeface="Cambria Math" panose="02040503050406030204" pitchFamily="18" charset="0"/>
-                      </a:rPr>
-                      <m:t>|</m:t>
-                    </m:r>
-                    <m:sSub>
-                      <m:sSubPr>
-                        <m:ctrlPr>
-                          <a:rPr lang="en-US" b="1" i="1" smtClean="0">
-                            <a:latin typeface="Cambria Math" panose="02040503050406030204" pitchFamily="18" charset="0"/>
-                          </a:rPr>
-                        </m:ctrlPr>
-                      </m:sSubPr>
-                      <m:e>
-                        <m:r>
-                          <a:rPr lang="en-US" b="1" i="1" smtClean="0">
-                            <a:latin typeface="Cambria Math" panose="02040503050406030204" pitchFamily="18" charset="0"/>
-                          </a:rPr>
-                          <m:t>𝒙</m:t>
-                        </m:r>
-                      </m:e>
-                      <m:sub>
-                        <m:r>
-                          <a:rPr lang="en-US" b="1" i="1" smtClean="0">
-                            <a:latin typeface="Cambria Math" panose="02040503050406030204" pitchFamily="18" charset="0"/>
-                          </a:rPr>
-                          <m:t>𝟏</m:t>
-                        </m:r>
-                        <m:r>
-                          <a:rPr lang="en-US" b="1" i="1" smtClean="0">
-                            <a:latin typeface="Cambria Math" panose="02040503050406030204" pitchFamily="18" charset="0"/>
-                          </a:rPr>
-                          <m:t>..</m:t>
-                        </m:r>
-                        <m:r>
-                          <a:rPr lang="en-US" b="1" i="1" smtClean="0">
-                            <a:latin typeface="Cambria Math" panose="02040503050406030204" pitchFamily="18" charset="0"/>
-                          </a:rPr>
-                          <m:t>𝑵</m:t>
-                        </m:r>
-                      </m:sub>
-                    </m:sSub>
-                    <m:r>
-                      <a:rPr lang="en-US" b="1" i="1" smtClean="0">
-                        <a:latin typeface="Cambria Math" panose="02040503050406030204" pitchFamily="18" charset="0"/>
-                      </a:rPr>
-                      <m:t>)</m:t>
-                    </m:r>
-                  </m:oMath>
-                </a14:m>
-                <a:endParaRPr lang="en-US" dirty="0"/>
-              </a:p>
-            </p:txBody>
-          </p:sp>
-        </mc:Choice>
-        <mc:Fallback xmlns="">
-          <p:sp>
-            <p:nvSpPr>
-              <p:cNvPr id="4" name="Title 3">
-                <a:extLst>
-                  <a:ext uri="{FF2B5EF4-FFF2-40B4-BE49-F238E27FC236}">
-                    <a16:creationId xmlns:a16="http://schemas.microsoft.com/office/drawing/2014/main" id="{D3E677BF-3B77-6AC6-EACC-B3D4103DFA2E}"/>
-                  </a:ext>
-                </a:extLst>
-              </p:cNvPr>
-              <p:cNvSpPr>
-                <a:spLocks noGrp="1" noRot="1" noChangeAspect="1" noMove="1" noResize="1" noEditPoints="1" noAdjustHandles="1" noChangeArrowheads="1" noChangeShapeType="1" noTextEdit="1"/>
-              </p:cNvSpPr>
-              <p:nvPr>
-                <p:ph type="title"/>
-              </p:nvPr>
-            </p:nvSpPr>
-            <p:spPr>
-              <a:blipFill>
-                <a:blip r:embed="rId3"/>
-                <a:stretch>
-                  <a:fillRect b="-12766"/>
-                </a:stretch>
-              </a:blipFill>
-            </p:spPr>
-            <p:txBody>
-              <a:bodyPr/>
-              <a:lstStyle/>
-              <a:p>
-                <a:r>
-                  <a:rPr lang="en-US">
-                    <a:noFill/>
-                  </a:rPr>
-                  <a:t> </a:t>
-                </a:r>
-              </a:p>
-            </p:txBody>
-          </p:sp>
-        </mc:Fallback>
-      </mc:AlternateContent>
-    </p:spTree>
-    <p:extLst>
-      <p:ext uri="{BB962C8B-B14F-4D97-AF65-F5344CB8AC3E}">
-        <p14:creationId xmlns:p14="http://schemas.microsoft.com/office/powerpoint/2010/main" val="97926551"/>
-      </p:ext>
-    </p:extLst>
-  </p:cSld>
-  <p:clrMapOvr>
-    <a:masterClrMapping/>
-  </p:clrMapOvr>
-</p:sld>
-</file>
-
-<file path=ppt/slides/slide26.xml><?xml version="1.0" encoding="utf-8"?>
-<p:sld xmlns:a="http://schemas.openxmlformats.org/drawingml/2006/main" xmlns:r="http://schemas.openxmlformats.org/officeDocument/2006/relationships" xmlns:p="http://schemas.openxmlformats.org/presentationml/2006/main">
-  <p:cSld>
-    <p:spTree>
-      <p:nvGrpSpPr>
-        <p:cNvPr id="1" name=""/>
-        <p:cNvGrpSpPr/>
-        <p:nvPr/>
-      </p:nvGrpSpPr>
-      <p:grpSpPr>
-        <a:xfrm>
-          <a:off x="0" y="0"/>
-          <a:ext cx="0" cy="0"/>
-          <a:chOff x="0" y="0"/>
-          <a:chExt cx="0" cy="0"/>
-        </a:xfrm>
-      </p:grpSpPr>
-      <p:sp>
-        <p:nvSpPr>
-          <p:cNvPr id="2" name="Content Placeholder 1">
-            <a:extLst>
-              <a:ext uri="{FF2B5EF4-FFF2-40B4-BE49-F238E27FC236}">
-                <a16:creationId xmlns:a16="http://schemas.microsoft.com/office/drawing/2014/main" id="{B61EA733-AC60-8778-9C05-BEAA25909E8C}"/>
-              </a:ext>
-            </a:extLst>
-          </p:cNvPr>
-          <p:cNvSpPr>
-            <a:spLocks noGrp="1"/>
-          </p:cNvSpPr>
-          <p:nvPr>
-            <p:ph idx="1"/>
-          </p:nvPr>
-        </p:nvSpPr>
-        <p:spPr/>
-        <p:txBody>
-          <a:bodyPr/>
-          <a:lstStyle/>
-          <a:p>
-            <a:endParaRPr lang="en-US"/>
-          </a:p>
-        </p:txBody>
-      </p:sp>
-      <p:sp>
-        <p:nvSpPr>
-          <p:cNvPr id="3" name="Slide Number Placeholder 2">
-            <a:extLst>
-              <a:ext uri="{FF2B5EF4-FFF2-40B4-BE49-F238E27FC236}">
-                <a16:creationId xmlns:a16="http://schemas.microsoft.com/office/drawing/2014/main" id="{E77B44B3-0B10-2EB4-199D-17C01AFCFFBD}"/>
-              </a:ext>
-            </a:extLst>
-          </p:cNvPr>
-          <p:cNvSpPr>
-            <a:spLocks noGrp="1"/>
-          </p:cNvSpPr>
-          <p:nvPr>
-            <p:ph type="sldNum" sz="quarter" idx="12"/>
-          </p:nvPr>
-        </p:nvSpPr>
-        <p:spPr/>
-        <p:txBody>
-          <a:bodyPr/>
-          <a:lstStyle/>
-          <a:p>
-            <a:fld id="{96652B35-718D-4E28-AFEB-B694A3B357E8}" type="slidenum">
-              <a:rPr lang="en-US" smtClean="0">
-                <a:solidFill>
-                  <a:prstClr val="black"/>
-                </a:solidFill>
-                <a:latin typeface="Calibri"/>
-              </a:rPr>
-              <a:pPr/>
-              <a:t>26</a:t>
-            </a:fld>
-            <a:endParaRPr lang="en-US" sz="2000" dirty="0">
-              <a:solidFill>
-                <a:prstClr val="white"/>
-              </a:solidFill>
-              <a:latin typeface="Calibri"/>
-            </a:endParaRPr>
-          </a:p>
-        </p:txBody>
-      </p:sp>
-      <p:sp>
-        <p:nvSpPr>
-          <p:cNvPr id="4" name="Title 3">
-            <a:extLst>
-              <a:ext uri="{FF2B5EF4-FFF2-40B4-BE49-F238E27FC236}">
-                <a16:creationId xmlns:a16="http://schemas.microsoft.com/office/drawing/2014/main" id="{9619830A-5A25-5FBA-C564-FE32B9D40FE8}"/>
-              </a:ext>
-            </a:extLst>
-          </p:cNvPr>
-          <p:cNvSpPr>
-            <a:spLocks noGrp="1"/>
-          </p:cNvSpPr>
-          <p:nvPr>
-            <p:ph type="title"/>
-          </p:nvPr>
-        </p:nvSpPr>
-        <p:spPr/>
-        <p:txBody>
-          <a:bodyPr/>
-          <a:lstStyle/>
-          <a:p>
-            <a:endParaRPr lang="en-US"/>
-          </a:p>
-        </p:txBody>
-      </p:sp>
-    </p:spTree>
-    <p:extLst>
-      <p:ext uri="{BB962C8B-B14F-4D97-AF65-F5344CB8AC3E}">
-        <p14:creationId xmlns:p14="http://schemas.microsoft.com/office/powerpoint/2010/main" val="1059106749"/>
-      </p:ext>
-    </p:extLst>
-  </p:cSld>
-  <p:clrMapOvr>
-    <a:masterClrMapping/>
-  </p:clrMapOvr>
-</p:sld>
-</file>
-
-<file path=ppt/slides/slide27.xml><?xml version="1.0" encoding="utf-8"?>
+<file path=ppt/slides/slide22.xml><?xml version="1.0" encoding="utf-8"?>
 <p:sld xmlns:a="http://schemas.openxmlformats.org/drawingml/2006/main" xmlns:r="http://schemas.openxmlformats.org/officeDocument/2006/relationships" xmlns:p="http://schemas.openxmlformats.org/presentationml/2006/main">
   <p:cSld>
     <p:spTree>
@@ -15864,7 +14516,7 @@
         </p:spPr>
         <p:txBody>
           <a:bodyPr>
-            <a:normAutofit fontScale="85000" lnSpcReduction="20000"/>
+            <a:normAutofit fontScale="92500" lnSpcReduction="10000"/>
           </a:bodyPr>
           <a:lstStyle/>
           <a:p>
@@ -15904,29 +14556,6 @@
               <a:rPr lang="en-US" dirty="0"/>
               <a:t>Probabilistic PCA: latent is continuous</a:t>
             </a:r>
-          </a:p>
-          <a:p>
-            <a:r>
-              <a:rPr lang="en-US" dirty="0"/>
-              <a:t>Linear Dynamical System:</a:t>
-            </a:r>
-          </a:p>
-          <a:p>
-            <a:pPr lvl="1"/>
-            <a:r>
-              <a:rPr lang="en-US" dirty="0"/>
-              <a:t>E-step: Forward-backward alg.</a:t>
-            </a:r>
-          </a:p>
-          <a:p>
-            <a:pPr lvl="1"/>
-            <a:r>
-              <a:rPr lang="en-US" dirty="0"/>
-              <a:t>M-step: update parameters </a:t>
-            </a:r>
-          </a:p>
-          <a:p>
-            <a:endParaRPr lang="en-US" dirty="0"/>
           </a:p>
         </p:txBody>
       </p:sp>
@@ -15959,7 +14588,7 @@
                 <a:latin typeface="Calibri"/>
               </a:rPr>
               <a:pPr/>
-              <a:t>27</a:t>
+              <a:t>22</a:t>
             </a:fld>
             <a:endParaRPr lang="en-US" sz="2000" dirty="0">
               <a:solidFill>
@@ -16011,7 +14640,7 @@
 </p:sld>
 </file>
 
-<file path=ppt/slides/slide28.xml><?xml version="1.0" encoding="utf-8"?>
+<file path=ppt/slides/slide23.xml><?xml version="1.0" encoding="utf-8"?>
 <p:sld xmlns:a="http://schemas.openxmlformats.org/drawingml/2006/main" xmlns:r="http://schemas.openxmlformats.org/officeDocument/2006/relationships" xmlns:p="http://schemas.openxmlformats.org/presentationml/2006/main">
   <p:cSld>
     <p:spTree>
@@ -16057,7 +14686,7 @@
                 <a:effectLst/>
                 <a:latin typeface="Helvetica" pitchFamily="2" charset="0"/>
               </a:rPr>
-              <a:t>PRML Chapter 9, 12.2, 13.3</a:t>
+              <a:t>PRML Chapter 9, 12.2</a:t>
             </a:r>
             <a:endParaRPr lang="en-US" dirty="0"/>
           </a:p>
@@ -16092,7 +14721,7 @@
                 <a:latin typeface="Calibri"/>
               </a:rPr>
               <a:pPr/>
-              <a:t>28</a:t>
+              <a:t>23</a:t>
             </a:fld>
             <a:endParaRPr lang="en-US" sz="2000" dirty="0">
               <a:solidFill>
@@ -16144,7 +14773,7 @@
 </p:sld>
 </file>
 
-<file path=ppt/slides/slide29.xml><?xml version="1.0" encoding="utf-8"?>
+<file path=ppt/slides/slide24.xml><?xml version="1.0" encoding="utf-8"?>
 <p:sld xmlns:a="http://schemas.openxmlformats.org/drawingml/2006/main" xmlns:r="http://schemas.openxmlformats.org/officeDocument/2006/relationships" xmlns:p="http://schemas.openxmlformats.org/presentationml/2006/main">
   <p:cSld>
     <p:spTree>
@@ -16184,7 +14813,13 @@
           <a:p>
             <a:r>
               <a:rPr lang="en-US" dirty="0"/>
-              <a:t>Undirected Graphical Models</a:t>
+              <a:t>Dynamic Bayesian Network</a:t>
+            </a:r>
+          </a:p>
+          <a:p>
+            <a:r>
+              <a:rPr lang="en-US" dirty="0"/>
+              <a:t>Linear Dynamical System</a:t>
             </a:r>
           </a:p>
         </p:txBody>
@@ -16218,7 +14853,7 @@
                 <a:latin typeface="Calibri"/>
               </a:rPr>
               <a:pPr/>
-              <a:t>29</a:t>
+              <a:t>24</a:t>
             </a:fld>
             <a:endParaRPr lang="en-US" sz="2000" dirty="0">
               <a:solidFill>
@@ -17155,8 +15790,8 @@
           <a:chExt cx="0" cy="0"/>
         </a:xfrm>
       </p:grpSpPr>
-      <mc:AlternateContent xmlns:mc="http://schemas.openxmlformats.org/markup-compatibility/2006">
-        <mc:Choice xmlns:a14="http://schemas.microsoft.com/office/drawing/2010/main" Requires="a14">
+      <mc:AlternateContent xmlns:mc="http://schemas.openxmlformats.org/markup-compatibility/2006" xmlns:a14="http://schemas.microsoft.com/office/drawing/2010/main">
+        <mc:Choice Requires="a14">
           <p:sp>
             <p:nvSpPr>
               <p:cNvPr id="2" name="Content Placeholder 1">
@@ -17319,7 +15954,7 @@
             </p:txBody>
           </p:sp>
         </mc:Choice>
-        <mc:Fallback>
+        <mc:Fallback xmlns="">
           <p:sp>
             <p:nvSpPr>
               <p:cNvPr id="2" name="Content Placeholder 1">
@@ -17431,8 +16066,8 @@
           </a:p>
         </p:txBody>
       </p:sp>
-      <mc:AlternateContent xmlns:mc="http://schemas.openxmlformats.org/markup-compatibility/2006">
-        <mc:Choice xmlns:p14="http://schemas.microsoft.com/office/powerpoint/2010/main" Requires="p14">
+      <mc:AlternateContent xmlns:mc="http://schemas.openxmlformats.org/markup-compatibility/2006" xmlns:p14="http://schemas.microsoft.com/office/powerpoint/2010/main">
+        <mc:Choice Requires="p14">
           <p:contentPart p14:bwMode="auto" r:id="rId3">
             <p14:nvContentPartPr>
               <p14:cNvPr id="5" name="Ink 4">
@@ -17451,7 +16086,7 @@
             </p14:xfrm>
           </p:contentPart>
         </mc:Choice>
-        <mc:Fallback>
+        <mc:Fallback xmlns="">
           <p:pic>
             <p:nvPicPr>
               <p:cNvPr id="5" name="Ink 4">
@@ -17482,8 +16117,8 @@
           </p:pic>
         </mc:Fallback>
       </mc:AlternateContent>
-      <mc:AlternateContent xmlns:mc="http://schemas.openxmlformats.org/markup-compatibility/2006">
-        <mc:Choice xmlns:p14="http://schemas.microsoft.com/office/powerpoint/2010/main" Requires="p14">
+      <mc:AlternateContent xmlns:mc="http://schemas.openxmlformats.org/markup-compatibility/2006" xmlns:p14="http://schemas.microsoft.com/office/powerpoint/2010/main">
+        <mc:Choice Requires="p14">
           <p:contentPart p14:bwMode="auto" r:id="rId5">
             <p14:nvContentPartPr>
               <p14:cNvPr id="7" name="Ink 6">
@@ -17502,7 +16137,7 @@
             </p14:xfrm>
           </p:contentPart>
         </mc:Choice>
-        <mc:Fallback>
+        <mc:Fallback xmlns="">
           <p:pic>
             <p:nvPicPr>
               <p:cNvPr id="7" name="Ink 6">
@@ -17826,8 +16461,8 @@
           </a:p>
         </p:txBody>
       </p:sp>
-      <mc:AlternateContent xmlns:mc="http://schemas.openxmlformats.org/markup-compatibility/2006">
-        <mc:Choice xmlns:p14="http://schemas.microsoft.com/office/powerpoint/2010/main" Requires="p14">
+      <mc:AlternateContent xmlns:mc="http://schemas.openxmlformats.org/markup-compatibility/2006" xmlns:p14="http://schemas.microsoft.com/office/powerpoint/2010/main">
+        <mc:Choice Requires="p14">
           <p:contentPart p14:bwMode="auto" r:id="rId2">
             <p14:nvContentPartPr>
               <p14:cNvPr id="5" name="Ink 4">
@@ -17846,7 +16481,7 @@
             </p14:xfrm>
           </p:contentPart>
         </mc:Choice>
-        <mc:Fallback>
+        <mc:Fallback xmlns="">
           <p:pic>
             <p:nvPicPr>
               <p:cNvPr id="5" name="Ink 4">
@@ -18253,8 +16888,8 @@
           </a:p>
         </p:txBody>
       </p:sp>
-      <mc:AlternateContent xmlns:mc="http://schemas.openxmlformats.org/markup-compatibility/2006">
-        <mc:Choice xmlns:p14="http://schemas.microsoft.com/office/powerpoint/2010/main" Requires="p14">
+      <mc:AlternateContent xmlns:mc="http://schemas.openxmlformats.org/markup-compatibility/2006" xmlns:p14="http://schemas.microsoft.com/office/powerpoint/2010/main">
+        <mc:Choice Requires="p14">
           <p:contentPart p14:bwMode="auto" r:id="rId4">
             <p14:nvContentPartPr>
               <p14:cNvPr id="5" name="Ink 4">
@@ -18273,7 +16908,7 @@
             </p14:xfrm>
           </p:contentPart>
         </mc:Choice>
-        <mc:Fallback>
+        <mc:Fallback xmlns="">
           <p:pic>
             <p:nvPicPr>
               <p:cNvPr id="5" name="Ink 4">
@@ -18304,8 +16939,8 @@
           </p:pic>
         </mc:Fallback>
       </mc:AlternateContent>
-      <mc:AlternateContent xmlns:mc="http://schemas.openxmlformats.org/markup-compatibility/2006">
-        <mc:Choice xmlns:p14="http://schemas.microsoft.com/office/powerpoint/2010/main" Requires="p14">
+      <mc:AlternateContent xmlns:mc="http://schemas.openxmlformats.org/markup-compatibility/2006" xmlns:p14="http://schemas.microsoft.com/office/powerpoint/2010/main">
+        <mc:Choice Requires="p14">
           <p:contentPart p14:bwMode="auto" r:id="rId6">
             <p14:nvContentPartPr>
               <p14:cNvPr id="6" name="Ink 5">
@@ -18324,7 +16959,7 @@
             </p14:xfrm>
           </p:contentPart>
         </mc:Choice>
-        <mc:Fallback>
+        <mc:Fallback xmlns="">
           <p:pic>
             <p:nvPicPr>
               <p:cNvPr id="6" name="Ink 5">
